--- a/Figures.pptx
+++ b/Figures.pptx
@@ -5,11 +5,13 @@
     <p:sldMasterId id="2147483648" r:id="rId1"/>
   </p:sldMasterIdLst>
   <p:notesMasterIdLst>
-    <p:notesMasterId r:id="rId4"/>
+    <p:notesMasterId r:id="rId6"/>
   </p:notesMasterIdLst>
   <p:sldIdLst>
     <p:sldId id="256" r:id="rId2"/>
     <p:sldId id="257" r:id="rId3"/>
+    <p:sldId id="258" r:id="rId4"/>
+    <p:sldId id="259" r:id="rId5"/>
   </p:sldIdLst>
   <p:sldSz cx="12192000" cy="6858000"/>
   <p:notesSz cx="6858000" cy="9144000"/>
@@ -7438,6 +7440,5632 @@
     <p:extLst>
       <p:ext uri="{BB962C8B-B14F-4D97-AF65-F5344CB8AC3E}">
         <p14:creationId xmlns:p14="http://schemas.microsoft.com/office/powerpoint/2010/main" val="2800988267"/>
+      </p:ext>
+    </p:extLst>
+  </p:cSld>
+  <p:clrMapOvr>
+    <a:masterClrMapping/>
+  </p:clrMapOvr>
+</p:sld>
+</file>
+
+<file path=ppt/slides/slide3.xml><?xml version="1.0" encoding="utf-8"?>
+<p:sld xmlns:a="http://schemas.openxmlformats.org/drawingml/2006/main" xmlns:r="http://schemas.openxmlformats.org/officeDocument/2006/relationships" xmlns:p="http://schemas.openxmlformats.org/presentationml/2006/main">
+  <p:cSld>
+    <p:spTree>
+      <p:nvGrpSpPr>
+        <p:cNvPr id="1" name=""/>
+        <p:cNvGrpSpPr/>
+        <p:nvPr/>
+      </p:nvGrpSpPr>
+      <p:grpSpPr>
+        <a:xfrm>
+          <a:off x="0" y="0"/>
+          <a:ext cx="0" cy="0"/>
+          <a:chOff x="0" y="0"/>
+          <a:chExt cx="0" cy="0"/>
+        </a:xfrm>
+      </p:grpSpPr>
+      <p:sp>
+        <p:nvSpPr>
+          <p:cNvPr id="77" name="TextBox 76">
+            <a:extLst>
+              <a:ext uri="{FF2B5EF4-FFF2-40B4-BE49-F238E27FC236}">
+                <a16:creationId xmlns:a16="http://schemas.microsoft.com/office/drawing/2014/main" id="{2124F0F6-04E2-4712-B268-3373571C5473}"/>
+              </a:ext>
+            </a:extLst>
+          </p:cNvPr>
+          <p:cNvSpPr txBox="1"/>
+          <p:nvPr/>
+        </p:nvSpPr>
+        <p:spPr>
+          <a:xfrm>
+            <a:off x="4788381" y="1042528"/>
+            <a:ext cx="1676400" cy="369332"/>
+          </a:xfrm>
+          <a:prstGeom prst="rect">
+            <a:avLst/>
+          </a:prstGeom>
+          <a:noFill/>
+        </p:spPr>
+        <p:txBody>
+          <a:bodyPr wrap="square" rtlCol="0">
+            <a:spAutoFit/>
+          </a:bodyPr>
+          <a:lstStyle/>
+          <a:p>
+            <a:r>
+              <a:rPr lang="en-US" dirty="0"/>
+              <a:t>V1</a:t>
+            </a:r>
+          </a:p>
+        </p:txBody>
+      </p:sp>
+      <p:sp>
+        <p:nvSpPr>
+          <p:cNvPr id="78" name="TextBox 77">
+            <a:extLst>
+              <a:ext uri="{FF2B5EF4-FFF2-40B4-BE49-F238E27FC236}">
+                <a16:creationId xmlns:a16="http://schemas.microsoft.com/office/drawing/2014/main" id="{06D8574D-8E9A-4D30-AB27-9414B6B0779E}"/>
+              </a:ext>
+            </a:extLst>
+          </p:cNvPr>
+          <p:cNvSpPr txBox="1"/>
+          <p:nvPr/>
+        </p:nvSpPr>
+        <p:spPr>
+          <a:xfrm>
+            <a:off x="4195735" y="1530588"/>
+            <a:ext cx="1676400" cy="369332"/>
+          </a:xfrm>
+          <a:prstGeom prst="rect">
+            <a:avLst/>
+          </a:prstGeom>
+          <a:noFill/>
+        </p:spPr>
+        <p:txBody>
+          <a:bodyPr wrap="square" rtlCol="0">
+            <a:spAutoFit/>
+          </a:bodyPr>
+          <a:lstStyle/>
+          <a:p>
+            <a:r>
+              <a:rPr lang="en-US" dirty="0"/>
+              <a:t>V2</a:t>
+            </a:r>
+          </a:p>
+        </p:txBody>
+      </p:sp>
+      <p:sp>
+        <p:nvSpPr>
+          <p:cNvPr id="79" name="TextBox 78">
+            <a:extLst>
+              <a:ext uri="{FF2B5EF4-FFF2-40B4-BE49-F238E27FC236}">
+                <a16:creationId xmlns:a16="http://schemas.microsoft.com/office/drawing/2014/main" id="{F0EA454D-5218-473C-80DB-AB631A7A0358}"/>
+              </a:ext>
+            </a:extLst>
+          </p:cNvPr>
+          <p:cNvSpPr txBox="1"/>
+          <p:nvPr/>
+        </p:nvSpPr>
+        <p:spPr>
+          <a:xfrm>
+            <a:off x="5186414" y="1590791"/>
+            <a:ext cx="1676400" cy="369332"/>
+          </a:xfrm>
+          <a:prstGeom prst="rect">
+            <a:avLst/>
+          </a:prstGeom>
+          <a:noFill/>
+        </p:spPr>
+        <p:txBody>
+          <a:bodyPr wrap="square" rtlCol="0">
+            <a:spAutoFit/>
+          </a:bodyPr>
+          <a:lstStyle/>
+          <a:p>
+            <a:r>
+              <a:rPr lang="en-US" dirty="0"/>
+              <a:t>V3</a:t>
+            </a:r>
+          </a:p>
+        </p:txBody>
+      </p:sp>
+      <p:sp>
+        <p:nvSpPr>
+          <p:cNvPr id="81" name="TextBox 80">
+            <a:extLst>
+              <a:ext uri="{FF2B5EF4-FFF2-40B4-BE49-F238E27FC236}">
+                <a16:creationId xmlns:a16="http://schemas.microsoft.com/office/drawing/2014/main" id="{B2CF1456-777D-4DD5-B092-1CE8A9655377}"/>
+              </a:ext>
+            </a:extLst>
+          </p:cNvPr>
+          <p:cNvSpPr txBox="1"/>
+          <p:nvPr/>
+        </p:nvSpPr>
+        <p:spPr>
+          <a:xfrm>
+            <a:off x="4380454" y="2306515"/>
+            <a:ext cx="1676400" cy="369332"/>
+          </a:xfrm>
+          <a:prstGeom prst="rect">
+            <a:avLst/>
+          </a:prstGeom>
+          <a:noFill/>
+        </p:spPr>
+        <p:txBody>
+          <a:bodyPr wrap="square" rtlCol="0">
+            <a:spAutoFit/>
+          </a:bodyPr>
+          <a:lstStyle/>
+          <a:p>
+            <a:r>
+              <a:rPr lang="en-US" dirty="0"/>
+              <a:t>V4</a:t>
+            </a:r>
+          </a:p>
+        </p:txBody>
+      </p:sp>
+      <p:sp>
+        <p:nvSpPr>
+          <p:cNvPr id="82" name="TextBox 81">
+            <a:extLst>
+              <a:ext uri="{FF2B5EF4-FFF2-40B4-BE49-F238E27FC236}">
+                <a16:creationId xmlns:a16="http://schemas.microsoft.com/office/drawing/2014/main" id="{91AD3366-EEA0-40B2-82C5-21317EC1D44B}"/>
+              </a:ext>
+            </a:extLst>
+          </p:cNvPr>
+          <p:cNvSpPr txBox="1"/>
+          <p:nvPr/>
+        </p:nvSpPr>
+        <p:spPr>
+          <a:xfrm>
+            <a:off x="5647169" y="2337067"/>
+            <a:ext cx="1676400" cy="369332"/>
+          </a:xfrm>
+          <a:prstGeom prst="rect">
+            <a:avLst/>
+          </a:prstGeom>
+          <a:noFill/>
+        </p:spPr>
+        <p:txBody>
+          <a:bodyPr wrap="square" rtlCol="0">
+            <a:spAutoFit/>
+          </a:bodyPr>
+          <a:lstStyle/>
+          <a:p>
+            <a:r>
+              <a:rPr lang="en-US" dirty="0"/>
+              <a:t>V5</a:t>
+            </a:r>
+          </a:p>
+        </p:txBody>
+      </p:sp>
+      <p:sp>
+        <p:nvSpPr>
+          <p:cNvPr id="83" name="TextBox 82">
+            <a:extLst>
+              <a:ext uri="{FF2B5EF4-FFF2-40B4-BE49-F238E27FC236}">
+                <a16:creationId xmlns:a16="http://schemas.microsoft.com/office/drawing/2014/main" id="{82EE9B6B-37D8-45D3-BD86-BBD6E6AC1155}"/>
+              </a:ext>
+            </a:extLst>
+          </p:cNvPr>
+          <p:cNvSpPr txBox="1"/>
+          <p:nvPr/>
+        </p:nvSpPr>
+        <p:spPr>
+          <a:xfrm>
+            <a:off x="4758732" y="3130704"/>
+            <a:ext cx="1676400" cy="369332"/>
+          </a:xfrm>
+          <a:prstGeom prst="rect">
+            <a:avLst/>
+          </a:prstGeom>
+          <a:noFill/>
+        </p:spPr>
+        <p:txBody>
+          <a:bodyPr wrap="square" rtlCol="0">
+            <a:spAutoFit/>
+          </a:bodyPr>
+          <a:lstStyle/>
+          <a:p>
+            <a:r>
+              <a:rPr lang="en-US" dirty="0"/>
+              <a:t>V1</a:t>
+            </a:r>
+          </a:p>
+        </p:txBody>
+      </p:sp>
+      <p:sp>
+        <p:nvSpPr>
+          <p:cNvPr id="84" name="TextBox 83">
+            <a:extLst>
+              <a:ext uri="{FF2B5EF4-FFF2-40B4-BE49-F238E27FC236}">
+                <a16:creationId xmlns:a16="http://schemas.microsoft.com/office/drawing/2014/main" id="{0915D082-2992-4AD6-9F99-38449CF3B2ED}"/>
+              </a:ext>
+            </a:extLst>
+          </p:cNvPr>
+          <p:cNvSpPr txBox="1"/>
+          <p:nvPr/>
+        </p:nvSpPr>
+        <p:spPr>
+          <a:xfrm>
+            <a:off x="4283229" y="3606400"/>
+            <a:ext cx="1676400" cy="369332"/>
+          </a:xfrm>
+          <a:prstGeom prst="rect">
+            <a:avLst/>
+          </a:prstGeom>
+          <a:noFill/>
+        </p:spPr>
+        <p:txBody>
+          <a:bodyPr wrap="square" rtlCol="0">
+            <a:spAutoFit/>
+          </a:bodyPr>
+          <a:lstStyle/>
+          <a:p>
+            <a:r>
+              <a:rPr lang="en-US" dirty="0"/>
+              <a:t>V2</a:t>
+            </a:r>
+          </a:p>
+        </p:txBody>
+      </p:sp>
+      <p:sp>
+        <p:nvSpPr>
+          <p:cNvPr id="85" name="TextBox 84">
+            <a:extLst>
+              <a:ext uri="{FF2B5EF4-FFF2-40B4-BE49-F238E27FC236}">
+                <a16:creationId xmlns:a16="http://schemas.microsoft.com/office/drawing/2014/main" id="{E8FB8653-5AAE-4BD1-B7CF-34910F4A216C}"/>
+              </a:ext>
+            </a:extLst>
+          </p:cNvPr>
+          <p:cNvSpPr txBox="1"/>
+          <p:nvPr/>
+        </p:nvSpPr>
+        <p:spPr>
+          <a:xfrm>
+            <a:off x="5214886" y="3575604"/>
+            <a:ext cx="1676400" cy="369332"/>
+          </a:xfrm>
+          <a:prstGeom prst="rect">
+            <a:avLst/>
+          </a:prstGeom>
+          <a:noFill/>
+        </p:spPr>
+        <p:txBody>
+          <a:bodyPr wrap="square" rtlCol="0">
+            <a:spAutoFit/>
+          </a:bodyPr>
+          <a:lstStyle/>
+          <a:p>
+            <a:r>
+              <a:rPr lang="en-US" dirty="0"/>
+              <a:t>V3</a:t>
+            </a:r>
+          </a:p>
+        </p:txBody>
+      </p:sp>
+      <p:sp>
+        <p:nvSpPr>
+          <p:cNvPr id="86" name="TextBox 85">
+            <a:extLst>
+              <a:ext uri="{FF2B5EF4-FFF2-40B4-BE49-F238E27FC236}">
+                <a16:creationId xmlns:a16="http://schemas.microsoft.com/office/drawing/2014/main" id="{6F9ECD65-E99E-4DBC-A333-7E6B80B0BBC5}"/>
+              </a:ext>
+            </a:extLst>
+          </p:cNvPr>
+          <p:cNvSpPr txBox="1"/>
+          <p:nvPr/>
+        </p:nvSpPr>
+        <p:spPr>
+          <a:xfrm>
+            <a:off x="3223302" y="911344"/>
+            <a:ext cx="1676400" cy="541046"/>
+          </a:xfrm>
+          <a:prstGeom prst="rect">
+            <a:avLst/>
+          </a:prstGeom>
+          <a:noFill/>
+        </p:spPr>
+        <p:txBody>
+          <a:bodyPr wrap="square" rtlCol="0">
+            <a:spAutoFit/>
+          </a:bodyPr>
+          <a:lstStyle/>
+          <a:p>
+            <a:pPr algn="ctr">
+              <a:lnSpc>
+                <a:spcPct val="80000"/>
+              </a:lnSpc>
+            </a:pPr>
+            <a:r>
+              <a:rPr lang="en-US" dirty="0"/>
+              <a:t>Token Embedding</a:t>
+            </a:r>
+          </a:p>
+        </p:txBody>
+      </p:sp>
+      <p:sp>
+        <p:nvSpPr>
+          <p:cNvPr id="118" name="TextBox 117">
+            <a:extLst>
+              <a:ext uri="{FF2B5EF4-FFF2-40B4-BE49-F238E27FC236}">
+                <a16:creationId xmlns:a16="http://schemas.microsoft.com/office/drawing/2014/main" id="{649B4152-45EA-4860-B9A0-2285D1F1A3EC}"/>
+              </a:ext>
+            </a:extLst>
+          </p:cNvPr>
+          <p:cNvSpPr txBox="1"/>
+          <p:nvPr/>
+        </p:nvSpPr>
+        <p:spPr>
+          <a:xfrm>
+            <a:off x="5286263" y="1124758"/>
+            <a:ext cx="1676400" cy="319446"/>
+          </a:xfrm>
+          <a:prstGeom prst="rect">
+            <a:avLst/>
+          </a:prstGeom>
+          <a:noFill/>
+        </p:spPr>
+        <p:txBody>
+          <a:bodyPr wrap="square" rtlCol="0">
+            <a:spAutoFit/>
+          </a:bodyPr>
+          <a:lstStyle/>
+          <a:p>
+            <a:pPr algn="ctr">
+              <a:lnSpc>
+                <a:spcPct val="80000"/>
+              </a:lnSpc>
+            </a:pPr>
+            <a:r>
+              <a:rPr lang="en-US" dirty="0"/>
+              <a:t>Encoder</a:t>
+            </a:r>
+          </a:p>
+        </p:txBody>
+      </p:sp>
+      <p:sp>
+        <p:nvSpPr>
+          <p:cNvPr id="119" name="TextBox 118">
+            <a:extLst>
+              <a:ext uri="{FF2B5EF4-FFF2-40B4-BE49-F238E27FC236}">
+                <a16:creationId xmlns:a16="http://schemas.microsoft.com/office/drawing/2014/main" id="{0D244C8C-B5DD-4A88-9302-02B9FE5FF488}"/>
+              </a:ext>
+            </a:extLst>
+          </p:cNvPr>
+          <p:cNvSpPr txBox="1"/>
+          <p:nvPr/>
+        </p:nvSpPr>
+        <p:spPr>
+          <a:xfrm>
+            <a:off x="6195541" y="1124758"/>
+            <a:ext cx="1676400" cy="319446"/>
+          </a:xfrm>
+          <a:prstGeom prst="rect">
+            <a:avLst/>
+          </a:prstGeom>
+          <a:noFill/>
+        </p:spPr>
+        <p:txBody>
+          <a:bodyPr wrap="square" rtlCol="0">
+            <a:spAutoFit/>
+          </a:bodyPr>
+          <a:lstStyle/>
+          <a:p>
+            <a:pPr algn="ctr">
+              <a:lnSpc>
+                <a:spcPct val="80000"/>
+              </a:lnSpc>
+            </a:pPr>
+            <a:r>
+              <a:rPr lang="en-US" dirty="0"/>
+              <a:t>Attention</a:t>
+            </a:r>
+          </a:p>
+        </p:txBody>
+      </p:sp>
+      <p:sp>
+        <p:nvSpPr>
+          <p:cNvPr id="128" name="TextBox 127">
+            <a:extLst>
+              <a:ext uri="{FF2B5EF4-FFF2-40B4-BE49-F238E27FC236}">
+                <a16:creationId xmlns:a16="http://schemas.microsoft.com/office/drawing/2014/main" id="{43C83A68-EEBB-48A0-AF14-234615DB7557}"/>
+              </a:ext>
+            </a:extLst>
+          </p:cNvPr>
+          <p:cNvSpPr txBox="1"/>
+          <p:nvPr/>
+        </p:nvSpPr>
+        <p:spPr>
+          <a:xfrm>
+            <a:off x="7100106" y="1132944"/>
+            <a:ext cx="1676400" cy="319446"/>
+          </a:xfrm>
+          <a:prstGeom prst="rect">
+            <a:avLst/>
+          </a:prstGeom>
+          <a:noFill/>
+        </p:spPr>
+        <p:txBody>
+          <a:bodyPr wrap="square" rtlCol="0">
+            <a:spAutoFit/>
+          </a:bodyPr>
+          <a:lstStyle/>
+          <a:p>
+            <a:pPr algn="ctr">
+              <a:lnSpc>
+                <a:spcPct val="80000"/>
+              </a:lnSpc>
+            </a:pPr>
+            <a:r>
+              <a:rPr lang="en-US" dirty="0"/>
+              <a:t>Decoder</a:t>
+            </a:r>
+          </a:p>
+        </p:txBody>
+      </p:sp>
+      <p:sp>
+        <p:nvSpPr>
+          <p:cNvPr id="129" name="TextBox 128">
+            <a:extLst>
+              <a:ext uri="{FF2B5EF4-FFF2-40B4-BE49-F238E27FC236}">
+                <a16:creationId xmlns:a16="http://schemas.microsoft.com/office/drawing/2014/main" id="{3794D2BA-1A83-4717-8F2D-77DAB283556A}"/>
+              </a:ext>
+            </a:extLst>
+          </p:cNvPr>
+          <p:cNvSpPr txBox="1"/>
+          <p:nvPr/>
+        </p:nvSpPr>
+        <p:spPr>
+          <a:xfrm>
+            <a:off x="4836160" y="2632810"/>
+            <a:ext cx="1676400" cy="541046"/>
+          </a:xfrm>
+          <a:prstGeom prst="rect">
+            <a:avLst/>
+          </a:prstGeom>
+          <a:noFill/>
+        </p:spPr>
+        <p:txBody>
+          <a:bodyPr wrap="square" rtlCol="0">
+            <a:spAutoFit/>
+          </a:bodyPr>
+          <a:lstStyle/>
+          <a:p>
+            <a:pPr algn="ctr">
+              <a:lnSpc>
+                <a:spcPct val="80000"/>
+              </a:lnSpc>
+            </a:pPr>
+            <a:r>
+              <a:rPr lang="en-US" dirty="0"/>
+              <a:t>Cross-stitch</a:t>
+            </a:r>
+          </a:p>
+          <a:p>
+            <a:pPr algn="ctr">
+              <a:lnSpc>
+                <a:spcPct val="80000"/>
+              </a:lnSpc>
+            </a:pPr>
+            <a:r>
+              <a:rPr lang="en-US" dirty="0"/>
+              <a:t>Unit</a:t>
+            </a:r>
+          </a:p>
+        </p:txBody>
+      </p:sp>
+      <p:sp>
+        <p:nvSpPr>
+          <p:cNvPr id="153" name="TextBox 152">
+            <a:extLst>
+              <a:ext uri="{FF2B5EF4-FFF2-40B4-BE49-F238E27FC236}">
+                <a16:creationId xmlns:a16="http://schemas.microsoft.com/office/drawing/2014/main" id="{7D9ED918-2D51-4EA3-8EEB-448C561ECECF}"/>
+              </a:ext>
+            </a:extLst>
+          </p:cNvPr>
+          <p:cNvSpPr txBox="1"/>
+          <p:nvPr/>
+        </p:nvSpPr>
+        <p:spPr>
+          <a:xfrm>
+            <a:off x="7988893" y="2735291"/>
+            <a:ext cx="1964731" cy="319446"/>
+          </a:xfrm>
+          <a:prstGeom prst="rect">
+            <a:avLst/>
+          </a:prstGeom>
+          <a:noFill/>
+        </p:spPr>
+        <p:txBody>
+          <a:bodyPr wrap="square" rtlCol="0">
+            <a:spAutoFit/>
+          </a:bodyPr>
+          <a:lstStyle/>
+          <a:p>
+            <a:pPr algn="ctr">
+              <a:lnSpc>
+                <a:spcPct val="80000"/>
+              </a:lnSpc>
+            </a:pPr>
+            <a:r>
+              <a:rPr lang="en-US" b="1" i="1" dirty="0"/>
+              <a:t>Predicted Fixing</a:t>
+            </a:r>
+          </a:p>
+        </p:txBody>
+      </p:sp>
+      <p:sp>
+        <p:nvSpPr>
+          <p:cNvPr id="46" name="Rectangle: Rounded Corners 45">
+            <a:extLst>
+              <a:ext uri="{FF2B5EF4-FFF2-40B4-BE49-F238E27FC236}">
+                <a16:creationId xmlns:a16="http://schemas.microsoft.com/office/drawing/2014/main" id="{9DF1B228-BE85-4420-B1A6-D793E5C709BC}"/>
+              </a:ext>
+            </a:extLst>
+          </p:cNvPr>
+          <p:cNvSpPr/>
+          <p:nvPr/>
+        </p:nvSpPr>
+        <p:spPr>
+          <a:xfrm>
+            <a:off x="3966252" y="1387601"/>
+            <a:ext cx="190500" cy="1203410"/>
+          </a:xfrm>
+          <a:prstGeom prst="roundRect">
+            <a:avLst/>
+          </a:prstGeom>
+          <a:solidFill>
+            <a:schemeClr val="accent2">
+              <a:lumMod val="20000"/>
+              <a:lumOff val="80000"/>
+            </a:schemeClr>
+          </a:solidFill>
+          <a:ln>
+            <a:solidFill>
+              <a:schemeClr val="accent2">
+                <a:lumMod val="75000"/>
+              </a:schemeClr>
+            </a:solidFill>
+          </a:ln>
+        </p:spPr>
+        <p:style>
+          <a:lnRef idx="2">
+            <a:schemeClr val="accent1">
+              <a:shade val="50000"/>
+            </a:schemeClr>
+          </a:lnRef>
+          <a:fillRef idx="1">
+            <a:schemeClr val="accent1"/>
+          </a:fillRef>
+          <a:effectRef idx="0">
+            <a:schemeClr val="accent1"/>
+          </a:effectRef>
+          <a:fontRef idx="minor">
+            <a:schemeClr val="lt1"/>
+          </a:fontRef>
+        </p:style>
+        <p:txBody>
+          <a:bodyPr rtlCol="0" anchor="ctr"/>
+          <a:lstStyle/>
+          <a:p>
+            <a:pPr algn="ctr"/>
+            <a:endParaRPr lang="en-US"/>
+          </a:p>
+        </p:txBody>
+      </p:sp>
+      <p:sp>
+        <p:nvSpPr>
+          <p:cNvPr id="47" name="Rectangle: Rounded Corners 46">
+            <a:extLst>
+              <a:ext uri="{FF2B5EF4-FFF2-40B4-BE49-F238E27FC236}">
+                <a16:creationId xmlns:a16="http://schemas.microsoft.com/office/drawing/2014/main" id="{C3657CD9-DC1A-46E1-9B9A-10839A68C738}"/>
+              </a:ext>
+            </a:extLst>
+          </p:cNvPr>
+          <p:cNvSpPr/>
+          <p:nvPr/>
+        </p:nvSpPr>
+        <p:spPr>
+          <a:xfrm>
+            <a:off x="3966252" y="3163048"/>
+            <a:ext cx="190500" cy="1203410"/>
+          </a:xfrm>
+          <a:prstGeom prst="roundRect">
+            <a:avLst/>
+          </a:prstGeom>
+          <a:solidFill>
+            <a:schemeClr val="accent2">
+              <a:lumMod val="20000"/>
+              <a:lumOff val="80000"/>
+            </a:schemeClr>
+          </a:solidFill>
+          <a:ln>
+            <a:solidFill>
+              <a:schemeClr val="accent2">
+                <a:lumMod val="75000"/>
+              </a:schemeClr>
+            </a:solidFill>
+          </a:ln>
+        </p:spPr>
+        <p:style>
+          <a:lnRef idx="2">
+            <a:schemeClr val="accent1">
+              <a:shade val="50000"/>
+            </a:schemeClr>
+          </a:lnRef>
+          <a:fillRef idx="1">
+            <a:schemeClr val="accent1"/>
+          </a:fillRef>
+          <a:effectRef idx="0">
+            <a:schemeClr val="accent1"/>
+          </a:effectRef>
+          <a:fontRef idx="minor">
+            <a:schemeClr val="lt1"/>
+          </a:fontRef>
+        </p:style>
+        <p:txBody>
+          <a:bodyPr rtlCol="0" anchor="ctr"/>
+          <a:lstStyle/>
+          <a:p>
+            <a:pPr algn="ctr"/>
+            <a:endParaRPr lang="en-US"/>
+          </a:p>
+        </p:txBody>
+      </p:sp>
+      <p:grpSp>
+        <p:nvGrpSpPr>
+          <p:cNvPr id="49" name="Group 48">
+            <a:extLst>
+              <a:ext uri="{FF2B5EF4-FFF2-40B4-BE49-F238E27FC236}">
+                <a16:creationId xmlns:a16="http://schemas.microsoft.com/office/drawing/2014/main" id="{0002E418-E72D-4D7A-9C8F-1487703BD52D}"/>
+              </a:ext>
+            </a:extLst>
+          </p:cNvPr>
+          <p:cNvGrpSpPr/>
+          <p:nvPr/>
+        </p:nvGrpSpPr>
+        <p:grpSpPr>
+          <a:xfrm>
+            <a:off x="4392183" y="1362152"/>
+            <a:ext cx="1314450" cy="1191101"/>
+            <a:chOff x="3473450" y="1362075"/>
+            <a:chExt cx="1314450" cy="1191101"/>
+          </a:xfrm>
+        </p:grpSpPr>
+        <p:sp>
+          <p:nvSpPr>
+            <p:cNvPr id="51" name="Oval 50">
+              <a:extLst>
+                <a:ext uri="{FF2B5EF4-FFF2-40B4-BE49-F238E27FC236}">
+                  <a16:creationId xmlns:a16="http://schemas.microsoft.com/office/drawing/2014/main" id="{D49A1C4C-7F48-43BD-B39C-6C2EA0B38B65}"/>
+                </a:ext>
+              </a:extLst>
+            </p:cNvPr>
+            <p:cNvSpPr/>
+            <p:nvPr/>
+          </p:nvSpPr>
+          <p:spPr>
+            <a:xfrm>
+              <a:off x="3841750" y="1362075"/>
+              <a:ext cx="190500" cy="190500"/>
+            </a:xfrm>
+            <a:prstGeom prst="ellipse">
+              <a:avLst/>
+            </a:prstGeom>
+            <a:solidFill>
+              <a:schemeClr val="accent6">
+                <a:lumMod val="40000"/>
+                <a:lumOff val="60000"/>
+              </a:schemeClr>
+            </a:solidFill>
+            <a:ln>
+              <a:solidFill>
+                <a:schemeClr val="accent6">
+                  <a:lumMod val="75000"/>
+                </a:schemeClr>
+              </a:solidFill>
+            </a:ln>
+          </p:spPr>
+          <p:style>
+            <a:lnRef idx="2">
+              <a:schemeClr val="accent1">
+                <a:shade val="50000"/>
+              </a:schemeClr>
+            </a:lnRef>
+            <a:fillRef idx="1">
+              <a:schemeClr val="accent1"/>
+            </a:fillRef>
+            <a:effectRef idx="0">
+              <a:schemeClr val="accent1"/>
+            </a:effectRef>
+            <a:fontRef idx="minor">
+              <a:schemeClr val="lt1"/>
+            </a:fontRef>
+          </p:style>
+          <p:txBody>
+            <a:bodyPr rtlCol="0" anchor="ctr"/>
+            <a:lstStyle/>
+            <a:p>
+              <a:pPr algn="ctr"/>
+              <a:endParaRPr lang="en-US" sz="1100" dirty="0"/>
+            </a:p>
+          </p:txBody>
+        </p:sp>
+        <p:sp>
+          <p:nvSpPr>
+            <p:cNvPr id="52" name="Oval 51">
+              <a:extLst>
+                <a:ext uri="{FF2B5EF4-FFF2-40B4-BE49-F238E27FC236}">
+                  <a16:creationId xmlns:a16="http://schemas.microsoft.com/office/drawing/2014/main" id="{9BEE1920-F37F-4E24-A93F-FD6179F147B0}"/>
+                </a:ext>
+              </a:extLst>
+            </p:cNvPr>
+            <p:cNvSpPr/>
+            <p:nvPr/>
+          </p:nvSpPr>
+          <p:spPr>
+            <a:xfrm>
+              <a:off x="3473450" y="1869281"/>
+              <a:ext cx="190500" cy="190500"/>
+            </a:xfrm>
+            <a:prstGeom prst="ellipse">
+              <a:avLst/>
+            </a:prstGeom>
+            <a:solidFill>
+              <a:schemeClr val="accent6">
+                <a:lumMod val="40000"/>
+                <a:lumOff val="60000"/>
+              </a:schemeClr>
+            </a:solidFill>
+            <a:ln>
+              <a:solidFill>
+                <a:schemeClr val="accent6">
+                  <a:lumMod val="75000"/>
+                </a:schemeClr>
+              </a:solidFill>
+            </a:ln>
+          </p:spPr>
+          <p:style>
+            <a:lnRef idx="2">
+              <a:schemeClr val="accent1">
+                <a:shade val="50000"/>
+              </a:schemeClr>
+            </a:lnRef>
+            <a:fillRef idx="1">
+              <a:schemeClr val="accent1"/>
+            </a:fillRef>
+            <a:effectRef idx="0">
+              <a:schemeClr val="accent1"/>
+            </a:effectRef>
+            <a:fontRef idx="minor">
+              <a:schemeClr val="lt1"/>
+            </a:fontRef>
+          </p:style>
+          <p:txBody>
+            <a:bodyPr rtlCol="0" anchor="ctr"/>
+            <a:lstStyle/>
+            <a:p>
+              <a:pPr algn="ctr"/>
+              <a:endParaRPr lang="en-US" sz="1100" dirty="0"/>
+            </a:p>
+          </p:txBody>
+        </p:sp>
+        <p:sp>
+          <p:nvSpPr>
+            <p:cNvPr id="53" name="Oval 52">
+              <a:extLst>
+                <a:ext uri="{FF2B5EF4-FFF2-40B4-BE49-F238E27FC236}">
+                  <a16:creationId xmlns:a16="http://schemas.microsoft.com/office/drawing/2014/main" id="{60A03C50-04A8-4FC2-9375-F14DD8DCAA24}"/>
+                </a:ext>
+              </a:extLst>
+            </p:cNvPr>
+            <p:cNvSpPr/>
+            <p:nvPr/>
+          </p:nvSpPr>
+          <p:spPr>
+            <a:xfrm>
+              <a:off x="4222750" y="1869281"/>
+              <a:ext cx="190500" cy="190500"/>
+            </a:xfrm>
+            <a:prstGeom prst="ellipse">
+              <a:avLst/>
+            </a:prstGeom>
+            <a:solidFill>
+              <a:schemeClr val="accent6">
+                <a:lumMod val="40000"/>
+                <a:lumOff val="60000"/>
+              </a:schemeClr>
+            </a:solidFill>
+            <a:ln>
+              <a:solidFill>
+                <a:schemeClr val="accent6">
+                  <a:lumMod val="75000"/>
+                </a:schemeClr>
+              </a:solidFill>
+            </a:ln>
+          </p:spPr>
+          <p:style>
+            <a:lnRef idx="2">
+              <a:schemeClr val="accent1">
+                <a:shade val="50000"/>
+              </a:schemeClr>
+            </a:lnRef>
+            <a:fillRef idx="1">
+              <a:schemeClr val="accent1"/>
+            </a:fillRef>
+            <a:effectRef idx="0">
+              <a:schemeClr val="accent1"/>
+            </a:effectRef>
+            <a:fontRef idx="minor">
+              <a:schemeClr val="lt1"/>
+            </a:fontRef>
+          </p:style>
+          <p:txBody>
+            <a:bodyPr rtlCol="0" anchor="ctr"/>
+            <a:lstStyle/>
+            <a:p>
+              <a:pPr algn="ctr"/>
+              <a:endParaRPr lang="en-US" sz="1100" dirty="0"/>
+            </a:p>
+          </p:txBody>
+        </p:sp>
+        <p:sp>
+          <p:nvSpPr>
+            <p:cNvPr id="54" name="Oval 53">
+              <a:extLst>
+                <a:ext uri="{FF2B5EF4-FFF2-40B4-BE49-F238E27FC236}">
+                  <a16:creationId xmlns:a16="http://schemas.microsoft.com/office/drawing/2014/main" id="{8ACF1305-ED61-4AA7-92F7-52D93C714D6B}"/>
+                </a:ext>
+              </a:extLst>
+            </p:cNvPr>
+            <p:cNvSpPr/>
+            <p:nvPr/>
+          </p:nvSpPr>
+          <p:spPr>
+            <a:xfrm>
+              <a:off x="3841750" y="2362676"/>
+              <a:ext cx="190500" cy="190500"/>
+            </a:xfrm>
+            <a:prstGeom prst="ellipse">
+              <a:avLst/>
+            </a:prstGeom>
+            <a:solidFill>
+              <a:schemeClr val="accent6">
+                <a:lumMod val="40000"/>
+                <a:lumOff val="60000"/>
+              </a:schemeClr>
+            </a:solidFill>
+            <a:ln>
+              <a:solidFill>
+                <a:schemeClr val="accent6">
+                  <a:lumMod val="75000"/>
+                </a:schemeClr>
+              </a:solidFill>
+            </a:ln>
+          </p:spPr>
+          <p:style>
+            <a:lnRef idx="2">
+              <a:schemeClr val="accent1">
+                <a:shade val="50000"/>
+              </a:schemeClr>
+            </a:lnRef>
+            <a:fillRef idx="1">
+              <a:schemeClr val="accent1"/>
+            </a:fillRef>
+            <a:effectRef idx="0">
+              <a:schemeClr val="accent1"/>
+            </a:effectRef>
+            <a:fontRef idx="minor">
+              <a:schemeClr val="lt1"/>
+            </a:fontRef>
+          </p:style>
+          <p:txBody>
+            <a:bodyPr rtlCol="0" anchor="ctr"/>
+            <a:lstStyle/>
+            <a:p>
+              <a:pPr algn="ctr"/>
+              <a:endParaRPr lang="en-US" sz="1100" dirty="0"/>
+            </a:p>
+          </p:txBody>
+        </p:sp>
+        <p:sp>
+          <p:nvSpPr>
+            <p:cNvPr id="55" name="Oval 54">
+              <a:extLst>
+                <a:ext uri="{FF2B5EF4-FFF2-40B4-BE49-F238E27FC236}">
+                  <a16:creationId xmlns:a16="http://schemas.microsoft.com/office/drawing/2014/main" id="{8069F225-0A3B-4227-B05A-8A0288D0C0F4}"/>
+                </a:ext>
+              </a:extLst>
+            </p:cNvPr>
+            <p:cNvSpPr/>
+            <p:nvPr/>
+          </p:nvSpPr>
+          <p:spPr>
+            <a:xfrm>
+              <a:off x="4597400" y="2362676"/>
+              <a:ext cx="190500" cy="190500"/>
+            </a:xfrm>
+            <a:prstGeom prst="ellipse">
+              <a:avLst/>
+            </a:prstGeom>
+            <a:solidFill>
+              <a:schemeClr val="accent6">
+                <a:lumMod val="40000"/>
+                <a:lumOff val="60000"/>
+              </a:schemeClr>
+            </a:solidFill>
+            <a:ln>
+              <a:solidFill>
+                <a:schemeClr val="accent6">
+                  <a:lumMod val="75000"/>
+                </a:schemeClr>
+              </a:solidFill>
+            </a:ln>
+          </p:spPr>
+          <p:style>
+            <a:lnRef idx="2">
+              <a:schemeClr val="accent1">
+                <a:shade val="50000"/>
+              </a:schemeClr>
+            </a:lnRef>
+            <a:fillRef idx="1">
+              <a:schemeClr val="accent1"/>
+            </a:fillRef>
+            <a:effectRef idx="0">
+              <a:schemeClr val="accent1"/>
+            </a:effectRef>
+            <a:fontRef idx="minor">
+              <a:schemeClr val="lt1"/>
+            </a:fontRef>
+          </p:style>
+          <p:txBody>
+            <a:bodyPr rtlCol="0" anchor="ctr"/>
+            <a:lstStyle/>
+            <a:p>
+              <a:pPr algn="ctr"/>
+              <a:endParaRPr lang="en-US" sz="1100" dirty="0"/>
+            </a:p>
+          </p:txBody>
+        </p:sp>
+        <p:cxnSp>
+          <p:nvCxnSpPr>
+            <p:cNvPr id="56" name="Straight Arrow Connector 55">
+              <a:extLst>
+                <a:ext uri="{FF2B5EF4-FFF2-40B4-BE49-F238E27FC236}">
+                  <a16:creationId xmlns:a16="http://schemas.microsoft.com/office/drawing/2014/main" id="{5D39188C-FFB3-466B-B494-3DFB69372DB1}"/>
+                </a:ext>
+              </a:extLst>
+            </p:cNvPr>
+            <p:cNvCxnSpPr>
+              <a:stCxn id="51" idx="3"/>
+              <a:endCxn id="52" idx="6"/>
+            </p:cNvCxnSpPr>
+            <p:nvPr/>
+          </p:nvCxnSpPr>
+          <p:spPr>
+            <a:xfrm flipH="1">
+              <a:off x="3636052" y="1524677"/>
+              <a:ext cx="233596" cy="372502"/>
+            </a:xfrm>
+            <a:prstGeom prst="straightConnector1">
+              <a:avLst/>
+            </a:prstGeom>
+            <a:ln w="25400">
+              <a:tailEnd type="triangle"/>
+            </a:ln>
+          </p:spPr>
+          <p:style>
+            <a:lnRef idx="1">
+              <a:schemeClr val="accent1"/>
+            </a:lnRef>
+            <a:fillRef idx="0">
+              <a:schemeClr val="accent1"/>
+            </a:fillRef>
+            <a:effectRef idx="0">
+              <a:schemeClr val="accent1"/>
+            </a:effectRef>
+            <a:fontRef idx="minor">
+              <a:schemeClr val="tx1"/>
+            </a:fontRef>
+          </p:style>
+        </p:cxnSp>
+        <p:cxnSp>
+          <p:nvCxnSpPr>
+            <p:cNvPr id="57" name="Straight Arrow Connector 56">
+              <a:extLst>
+                <a:ext uri="{FF2B5EF4-FFF2-40B4-BE49-F238E27FC236}">
+                  <a16:creationId xmlns:a16="http://schemas.microsoft.com/office/drawing/2014/main" id="{AD12373B-E915-4BC6-B82A-92A02E913A53}"/>
+                </a:ext>
+              </a:extLst>
+            </p:cNvPr>
+            <p:cNvCxnSpPr>
+              <a:cxnSpLocks/>
+              <a:stCxn id="51" idx="5"/>
+              <a:endCxn id="53" idx="1"/>
+            </p:cNvCxnSpPr>
+            <p:nvPr/>
+          </p:nvCxnSpPr>
+          <p:spPr>
+            <a:xfrm>
+              <a:off x="4004352" y="1524677"/>
+              <a:ext cx="246296" cy="372502"/>
+            </a:xfrm>
+            <a:prstGeom prst="straightConnector1">
+              <a:avLst/>
+            </a:prstGeom>
+            <a:ln w="25400">
+              <a:tailEnd type="triangle"/>
+            </a:ln>
+          </p:spPr>
+          <p:style>
+            <a:lnRef idx="1">
+              <a:schemeClr val="accent1"/>
+            </a:lnRef>
+            <a:fillRef idx="0">
+              <a:schemeClr val="accent1"/>
+            </a:fillRef>
+            <a:effectRef idx="0">
+              <a:schemeClr val="accent1"/>
+            </a:effectRef>
+            <a:fontRef idx="minor">
+              <a:schemeClr val="tx1"/>
+            </a:fontRef>
+          </p:style>
+        </p:cxnSp>
+        <p:cxnSp>
+          <p:nvCxnSpPr>
+            <p:cNvPr id="58" name="Straight Arrow Connector 57">
+              <a:extLst>
+                <a:ext uri="{FF2B5EF4-FFF2-40B4-BE49-F238E27FC236}">
+                  <a16:creationId xmlns:a16="http://schemas.microsoft.com/office/drawing/2014/main" id="{563052E4-F2C0-4151-9092-26E03C7DC3F7}"/>
+                </a:ext>
+              </a:extLst>
+            </p:cNvPr>
+            <p:cNvCxnSpPr>
+              <a:cxnSpLocks/>
+              <a:stCxn id="53" idx="3"/>
+              <a:endCxn id="54" idx="7"/>
+            </p:cNvCxnSpPr>
+            <p:nvPr/>
+          </p:nvCxnSpPr>
+          <p:spPr>
+            <a:xfrm flipH="1">
+              <a:off x="4004352" y="2031883"/>
+              <a:ext cx="246296" cy="358691"/>
+            </a:xfrm>
+            <a:prstGeom prst="straightConnector1">
+              <a:avLst/>
+            </a:prstGeom>
+            <a:ln w="25400">
+              <a:tailEnd type="triangle"/>
+            </a:ln>
+          </p:spPr>
+          <p:style>
+            <a:lnRef idx="1">
+              <a:schemeClr val="accent1"/>
+            </a:lnRef>
+            <a:fillRef idx="0">
+              <a:schemeClr val="accent1"/>
+            </a:fillRef>
+            <a:effectRef idx="0">
+              <a:schemeClr val="accent1"/>
+            </a:effectRef>
+            <a:fontRef idx="minor">
+              <a:schemeClr val="tx1"/>
+            </a:fontRef>
+          </p:style>
+        </p:cxnSp>
+        <p:cxnSp>
+          <p:nvCxnSpPr>
+            <p:cNvPr id="59" name="Straight Arrow Connector 58">
+              <a:extLst>
+                <a:ext uri="{FF2B5EF4-FFF2-40B4-BE49-F238E27FC236}">
+                  <a16:creationId xmlns:a16="http://schemas.microsoft.com/office/drawing/2014/main" id="{1265C9D3-BBFA-4640-86CF-5388CF57DD89}"/>
+                </a:ext>
+              </a:extLst>
+            </p:cNvPr>
+            <p:cNvCxnSpPr>
+              <a:cxnSpLocks/>
+              <a:stCxn id="53" idx="5"/>
+              <a:endCxn id="55" idx="1"/>
+            </p:cNvCxnSpPr>
+            <p:nvPr/>
+          </p:nvCxnSpPr>
+          <p:spPr>
+            <a:xfrm>
+              <a:off x="4385352" y="2031883"/>
+              <a:ext cx="239946" cy="358691"/>
+            </a:xfrm>
+            <a:prstGeom prst="straightConnector1">
+              <a:avLst/>
+            </a:prstGeom>
+            <a:ln w="25400">
+              <a:tailEnd type="triangle"/>
+            </a:ln>
+          </p:spPr>
+          <p:style>
+            <a:lnRef idx="1">
+              <a:schemeClr val="accent1"/>
+            </a:lnRef>
+            <a:fillRef idx="0">
+              <a:schemeClr val="accent1"/>
+            </a:fillRef>
+            <a:effectRef idx="0">
+              <a:schemeClr val="accent1"/>
+            </a:effectRef>
+            <a:fontRef idx="minor">
+              <a:schemeClr val="tx1"/>
+            </a:fontRef>
+          </p:style>
+        </p:cxnSp>
+      </p:grpSp>
+      <p:grpSp>
+        <p:nvGrpSpPr>
+          <p:cNvPr id="61" name="Group 60">
+            <a:extLst>
+              <a:ext uri="{FF2B5EF4-FFF2-40B4-BE49-F238E27FC236}">
+                <a16:creationId xmlns:a16="http://schemas.microsoft.com/office/drawing/2014/main" id="{488313B4-D5E0-4580-84E8-998E8D5A1143}"/>
+              </a:ext>
+            </a:extLst>
+          </p:cNvPr>
+          <p:cNvGrpSpPr/>
+          <p:nvPr/>
+        </p:nvGrpSpPr>
+        <p:grpSpPr>
+          <a:xfrm>
+            <a:off x="4487461" y="3415900"/>
+            <a:ext cx="939800" cy="697706"/>
+            <a:chOff x="3473450" y="1362075"/>
+            <a:chExt cx="939800" cy="697706"/>
+          </a:xfrm>
+        </p:grpSpPr>
+        <p:sp>
+          <p:nvSpPr>
+            <p:cNvPr id="63" name="Oval 62">
+              <a:extLst>
+                <a:ext uri="{FF2B5EF4-FFF2-40B4-BE49-F238E27FC236}">
+                  <a16:creationId xmlns:a16="http://schemas.microsoft.com/office/drawing/2014/main" id="{44F84B7E-DE89-496E-805B-5CFC0C7FDA09}"/>
+                </a:ext>
+              </a:extLst>
+            </p:cNvPr>
+            <p:cNvSpPr/>
+            <p:nvPr/>
+          </p:nvSpPr>
+          <p:spPr>
+            <a:xfrm>
+              <a:off x="3841750" y="1362075"/>
+              <a:ext cx="190500" cy="190500"/>
+            </a:xfrm>
+            <a:prstGeom prst="ellipse">
+              <a:avLst/>
+            </a:prstGeom>
+            <a:solidFill>
+              <a:schemeClr val="accent6">
+                <a:lumMod val="40000"/>
+                <a:lumOff val="60000"/>
+              </a:schemeClr>
+            </a:solidFill>
+            <a:ln>
+              <a:solidFill>
+                <a:schemeClr val="accent6">
+                  <a:lumMod val="75000"/>
+                </a:schemeClr>
+              </a:solidFill>
+            </a:ln>
+          </p:spPr>
+          <p:style>
+            <a:lnRef idx="2">
+              <a:schemeClr val="accent1">
+                <a:shade val="50000"/>
+              </a:schemeClr>
+            </a:lnRef>
+            <a:fillRef idx="1">
+              <a:schemeClr val="accent1"/>
+            </a:fillRef>
+            <a:effectRef idx="0">
+              <a:schemeClr val="accent1"/>
+            </a:effectRef>
+            <a:fontRef idx="minor">
+              <a:schemeClr val="lt1"/>
+            </a:fontRef>
+          </p:style>
+          <p:txBody>
+            <a:bodyPr rtlCol="0" anchor="ctr"/>
+            <a:lstStyle/>
+            <a:p>
+              <a:pPr algn="ctr"/>
+              <a:endParaRPr lang="en-US" sz="1200" dirty="0"/>
+            </a:p>
+          </p:txBody>
+        </p:sp>
+        <p:sp>
+          <p:nvSpPr>
+            <p:cNvPr id="64" name="Oval 63">
+              <a:extLst>
+                <a:ext uri="{FF2B5EF4-FFF2-40B4-BE49-F238E27FC236}">
+                  <a16:creationId xmlns:a16="http://schemas.microsoft.com/office/drawing/2014/main" id="{73970F04-FD42-4D24-9334-8C9BB4A09095}"/>
+                </a:ext>
+              </a:extLst>
+            </p:cNvPr>
+            <p:cNvSpPr/>
+            <p:nvPr/>
+          </p:nvSpPr>
+          <p:spPr>
+            <a:xfrm>
+              <a:off x="3473450" y="1869281"/>
+              <a:ext cx="190500" cy="190500"/>
+            </a:xfrm>
+            <a:prstGeom prst="ellipse">
+              <a:avLst/>
+            </a:prstGeom>
+            <a:solidFill>
+              <a:schemeClr val="accent6">
+                <a:lumMod val="40000"/>
+                <a:lumOff val="60000"/>
+              </a:schemeClr>
+            </a:solidFill>
+            <a:ln>
+              <a:solidFill>
+                <a:schemeClr val="accent6">
+                  <a:lumMod val="75000"/>
+                </a:schemeClr>
+              </a:solidFill>
+            </a:ln>
+          </p:spPr>
+          <p:style>
+            <a:lnRef idx="2">
+              <a:schemeClr val="accent1">
+                <a:shade val="50000"/>
+              </a:schemeClr>
+            </a:lnRef>
+            <a:fillRef idx="1">
+              <a:schemeClr val="accent1"/>
+            </a:fillRef>
+            <a:effectRef idx="0">
+              <a:schemeClr val="accent1"/>
+            </a:effectRef>
+            <a:fontRef idx="minor">
+              <a:schemeClr val="lt1"/>
+            </a:fontRef>
+          </p:style>
+          <p:txBody>
+            <a:bodyPr rtlCol="0" anchor="ctr"/>
+            <a:lstStyle/>
+            <a:p>
+              <a:pPr algn="ctr"/>
+              <a:endParaRPr lang="en-US" sz="1200" dirty="0"/>
+            </a:p>
+          </p:txBody>
+        </p:sp>
+        <p:sp>
+          <p:nvSpPr>
+            <p:cNvPr id="65" name="Oval 64">
+              <a:extLst>
+                <a:ext uri="{FF2B5EF4-FFF2-40B4-BE49-F238E27FC236}">
+                  <a16:creationId xmlns:a16="http://schemas.microsoft.com/office/drawing/2014/main" id="{53179D44-9216-4152-A88D-659D21739916}"/>
+                </a:ext>
+              </a:extLst>
+            </p:cNvPr>
+            <p:cNvSpPr/>
+            <p:nvPr/>
+          </p:nvSpPr>
+          <p:spPr>
+            <a:xfrm>
+              <a:off x="4222750" y="1869281"/>
+              <a:ext cx="190500" cy="190500"/>
+            </a:xfrm>
+            <a:prstGeom prst="ellipse">
+              <a:avLst/>
+            </a:prstGeom>
+            <a:solidFill>
+              <a:schemeClr val="accent6">
+                <a:lumMod val="40000"/>
+                <a:lumOff val="60000"/>
+              </a:schemeClr>
+            </a:solidFill>
+            <a:ln>
+              <a:solidFill>
+                <a:schemeClr val="accent6">
+                  <a:lumMod val="75000"/>
+                </a:schemeClr>
+              </a:solidFill>
+            </a:ln>
+          </p:spPr>
+          <p:style>
+            <a:lnRef idx="2">
+              <a:schemeClr val="accent1">
+                <a:shade val="50000"/>
+              </a:schemeClr>
+            </a:lnRef>
+            <a:fillRef idx="1">
+              <a:schemeClr val="accent1"/>
+            </a:fillRef>
+            <a:effectRef idx="0">
+              <a:schemeClr val="accent1"/>
+            </a:effectRef>
+            <a:fontRef idx="minor">
+              <a:schemeClr val="lt1"/>
+            </a:fontRef>
+          </p:style>
+          <p:txBody>
+            <a:bodyPr rtlCol="0" anchor="ctr"/>
+            <a:lstStyle/>
+            <a:p>
+              <a:pPr algn="ctr"/>
+              <a:endParaRPr lang="en-US" sz="1200" dirty="0"/>
+            </a:p>
+          </p:txBody>
+        </p:sp>
+        <p:cxnSp>
+          <p:nvCxnSpPr>
+            <p:cNvPr id="66" name="Straight Arrow Connector 65">
+              <a:extLst>
+                <a:ext uri="{FF2B5EF4-FFF2-40B4-BE49-F238E27FC236}">
+                  <a16:creationId xmlns:a16="http://schemas.microsoft.com/office/drawing/2014/main" id="{FAA26F65-9C3F-4D13-A055-C002F1D82B71}"/>
+                </a:ext>
+              </a:extLst>
+            </p:cNvPr>
+            <p:cNvCxnSpPr>
+              <a:stCxn id="63" idx="3"/>
+              <a:endCxn id="64" idx="6"/>
+            </p:cNvCxnSpPr>
+            <p:nvPr/>
+          </p:nvCxnSpPr>
+          <p:spPr>
+            <a:xfrm flipH="1">
+              <a:off x="3636052" y="1524677"/>
+              <a:ext cx="233596" cy="372502"/>
+            </a:xfrm>
+            <a:prstGeom prst="straightConnector1">
+              <a:avLst/>
+            </a:prstGeom>
+            <a:ln w="25400">
+              <a:tailEnd type="triangle"/>
+            </a:ln>
+          </p:spPr>
+          <p:style>
+            <a:lnRef idx="1">
+              <a:schemeClr val="accent1"/>
+            </a:lnRef>
+            <a:fillRef idx="0">
+              <a:schemeClr val="accent1"/>
+            </a:fillRef>
+            <a:effectRef idx="0">
+              <a:schemeClr val="accent1"/>
+            </a:effectRef>
+            <a:fontRef idx="minor">
+              <a:schemeClr val="tx1"/>
+            </a:fontRef>
+          </p:style>
+        </p:cxnSp>
+        <p:cxnSp>
+          <p:nvCxnSpPr>
+            <p:cNvPr id="67" name="Straight Arrow Connector 66">
+              <a:extLst>
+                <a:ext uri="{FF2B5EF4-FFF2-40B4-BE49-F238E27FC236}">
+                  <a16:creationId xmlns:a16="http://schemas.microsoft.com/office/drawing/2014/main" id="{C305C0DD-090D-4EE1-8B73-B59D831A484F}"/>
+                </a:ext>
+              </a:extLst>
+            </p:cNvPr>
+            <p:cNvCxnSpPr>
+              <a:cxnSpLocks/>
+              <a:stCxn id="63" idx="5"/>
+              <a:endCxn id="65" idx="1"/>
+            </p:cNvCxnSpPr>
+            <p:nvPr/>
+          </p:nvCxnSpPr>
+          <p:spPr>
+            <a:xfrm>
+              <a:off x="4004352" y="1524677"/>
+              <a:ext cx="246296" cy="372502"/>
+            </a:xfrm>
+            <a:prstGeom prst="straightConnector1">
+              <a:avLst/>
+            </a:prstGeom>
+            <a:ln w="25400">
+              <a:tailEnd type="triangle"/>
+            </a:ln>
+          </p:spPr>
+          <p:style>
+            <a:lnRef idx="1">
+              <a:schemeClr val="accent1"/>
+            </a:lnRef>
+            <a:fillRef idx="0">
+              <a:schemeClr val="accent1"/>
+            </a:fillRef>
+            <a:effectRef idx="0">
+              <a:schemeClr val="accent1"/>
+            </a:effectRef>
+            <a:fontRef idx="minor">
+              <a:schemeClr val="tx1"/>
+            </a:fontRef>
+          </p:style>
+        </p:cxnSp>
+      </p:grpSp>
+      <p:grpSp>
+        <p:nvGrpSpPr>
+          <p:cNvPr id="154" name="Group 153">
+            <a:extLst>
+              <a:ext uri="{FF2B5EF4-FFF2-40B4-BE49-F238E27FC236}">
+                <a16:creationId xmlns:a16="http://schemas.microsoft.com/office/drawing/2014/main" id="{D5895CDB-742F-42DE-BEA6-9681CF7DE936}"/>
+              </a:ext>
+            </a:extLst>
+          </p:cNvPr>
+          <p:cNvGrpSpPr/>
+          <p:nvPr/>
+        </p:nvGrpSpPr>
+        <p:grpSpPr>
+          <a:xfrm>
+            <a:off x="1953377" y="1085319"/>
+            <a:ext cx="3305814" cy="3391064"/>
+            <a:chOff x="732305" y="1054821"/>
+            <a:chExt cx="3305814" cy="3391064"/>
+          </a:xfrm>
+        </p:grpSpPr>
+        <p:grpSp>
+          <p:nvGrpSpPr>
+            <p:cNvPr id="5" name="Group 4">
+              <a:extLst>
+                <a:ext uri="{FF2B5EF4-FFF2-40B4-BE49-F238E27FC236}">
+                  <a16:creationId xmlns:a16="http://schemas.microsoft.com/office/drawing/2014/main" id="{F2A8A126-76E7-4BC4-89EC-C92CEF438D93}"/>
+                </a:ext>
+              </a:extLst>
+            </p:cNvPr>
+            <p:cNvGrpSpPr/>
+            <p:nvPr/>
+          </p:nvGrpSpPr>
+          <p:grpSpPr>
+            <a:xfrm>
+              <a:off x="1128297" y="1362152"/>
+              <a:ext cx="1314450" cy="1191101"/>
+              <a:chOff x="3473450" y="1362075"/>
+              <a:chExt cx="1314450" cy="1191101"/>
+            </a:xfrm>
+          </p:grpSpPr>
+          <p:sp>
+            <p:nvSpPr>
+              <p:cNvPr id="7" name="Oval 6">
+                <a:extLst>
+                  <a:ext uri="{FF2B5EF4-FFF2-40B4-BE49-F238E27FC236}">
+                    <a16:creationId xmlns:a16="http://schemas.microsoft.com/office/drawing/2014/main" id="{DD350F38-4E4C-45A5-B9AA-1EE2F47A742F}"/>
+                  </a:ext>
+                </a:extLst>
+              </p:cNvPr>
+              <p:cNvSpPr/>
+              <p:nvPr/>
+            </p:nvSpPr>
+            <p:spPr>
+              <a:xfrm>
+                <a:off x="3841750" y="1362075"/>
+                <a:ext cx="190500" cy="190500"/>
+              </a:xfrm>
+              <a:prstGeom prst="ellipse">
+                <a:avLst/>
+              </a:prstGeom>
+              <a:solidFill>
+                <a:schemeClr val="accent6">
+                  <a:lumMod val="40000"/>
+                  <a:lumOff val="60000"/>
+                </a:schemeClr>
+              </a:solidFill>
+              <a:ln>
+                <a:solidFill>
+                  <a:schemeClr val="accent6">
+                    <a:lumMod val="75000"/>
+                  </a:schemeClr>
+                </a:solidFill>
+              </a:ln>
+            </p:spPr>
+            <p:style>
+              <a:lnRef idx="2">
+                <a:schemeClr val="accent1">
+                  <a:shade val="50000"/>
+                </a:schemeClr>
+              </a:lnRef>
+              <a:fillRef idx="1">
+                <a:schemeClr val="accent1"/>
+              </a:fillRef>
+              <a:effectRef idx="0">
+                <a:schemeClr val="accent1"/>
+              </a:effectRef>
+              <a:fontRef idx="minor">
+                <a:schemeClr val="lt1"/>
+              </a:fontRef>
+            </p:style>
+            <p:txBody>
+              <a:bodyPr rtlCol="0" anchor="ctr"/>
+              <a:lstStyle/>
+              <a:p>
+                <a:pPr algn="ctr"/>
+                <a:endParaRPr lang="en-US" sz="1100" dirty="0"/>
+              </a:p>
+            </p:txBody>
+          </p:sp>
+          <p:sp>
+            <p:nvSpPr>
+              <p:cNvPr id="8" name="Oval 7">
+                <a:extLst>
+                  <a:ext uri="{FF2B5EF4-FFF2-40B4-BE49-F238E27FC236}">
+                    <a16:creationId xmlns:a16="http://schemas.microsoft.com/office/drawing/2014/main" id="{00F1B714-B2BF-4B89-B1BF-B5EE55FBEDC0}"/>
+                  </a:ext>
+                </a:extLst>
+              </p:cNvPr>
+              <p:cNvSpPr/>
+              <p:nvPr/>
+            </p:nvSpPr>
+            <p:spPr>
+              <a:xfrm>
+                <a:off x="3473450" y="1869281"/>
+                <a:ext cx="190500" cy="190500"/>
+              </a:xfrm>
+              <a:prstGeom prst="ellipse">
+                <a:avLst/>
+              </a:prstGeom>
+              <a:solidFill>
+                <a:schemeClr val="accent6">
+                  <a:lumMod val="40000"/>
+                  <a:lumOff val="60000"/>
+                </a:schemeClr>
+              </a:solidFill>
+              <a:ln>
+                <a:solidFill>
+                  <a:schemeClr val="accent6">
+                    <a:lumMod val="75000"/>
+                  </a:schemeClr>
+                </a:solidFill>
+              </a:ln>
+            </p:spPr>
+            <p:style>
+              <a:lnRef idx="2">
+                <a:schemeClr val="accent1">
+                  <a:shade val="50000"/>
+                </a:schemeClr>
+              </a:lnRef>
+              <a:fillRef idx="1">
+                <a:schemeClr val="accent1"/>
+              </a:fillRef>
+              <a:effectRef idx="0">
+                <a:schemeClr val="accent1"/>
+              </a:effectRef>
+              <a:fontRef idx="minor">
+                <a:schemeClr val="lt1"/>
+              </a:fontRef>
+            </p:style>
+            <p:txBody>
+              <a:bodyPr rtlCol="0" anchor="ctr"/>
+              <a:lstStyle/>
+              <a:p>
+                <a:pPr algn="ctr"/>
+                <a:endParaRPr lang="en-US" sz="1100" dirty="0"/>
+              </a:p>
+            </p:txBody>
+          </p:sp>
+          <p:sp>
+            <p:nvSpPr>
+              <p:cNvPr id="9" name="Oval 8">
+                <a:extLst>
+                  <a:ext uri="{FF2B5EF4-FFF2-40B4-BE49-F238E27FC236}">
+                    <a16:creationId xmlns:a16="http://schemas.microsoft.com/office/drawing/2014/main" id="{A6C0D643-C0D9-4C22-AE25-9FDCDA3DE97B}"/>
+                  </a:ext>
+                </a:extLst>
+              </p:cNvPr>
+              <p:cNvSpPr/>
+              <p:nvPr/>
+            </p:nvSpPr>
+            <p:spPr>
+              <a:xfrm>
+                <a:off x="4222750" y="1869281"/>
+                <a:ext cx="190500" cy="190500"/>
+              </a:xfrm>
+              <a:prstGeom prst="ellipse">
+                <a:avLst/>
+              </a:prstGeom>
+              <a:solidFill>
+                <a:schemeClr val="accent6">
+                  <a:lumMod val="40000"/>
+                  <a:lumOff val="60000"/>
+                </a:schemeClr>
+              </a:solidFill>
+              <a:ln>
+                <a:solidFill>
+                  <a:schemeClr val="accent6">
+                    <a:lumMod val="75000"/>
+                  </a:schemeClr>
+                </a:solidFill>
+              </a:ln>
+            </p:spPr>
+            <p:style>
+              <a:lnRef idx="2">
+                <a:schemeClr val="accent1">
+                  <a:shade val="50000"/>
+                </a:schemeClr>
+              </a:lnRef>
+              <a:fillRef idx="1">
+                <a:schemeClr val="accent1"/>
+              </a:fillRef>
+              <a:effectRef idx="0">
+                <a:schemeClr val="accent1"/>
+              </a:effectRef>
+              <a:fontRef idx="minor">
+                <a:schemeClr val="lt1"/>
+              </a:fontRef>
+            </p:style>
+            <p:txBody>
+              <a:bodyPr rtlCol="0" anchor="ctr"/>
+              <a:lstStyle/>
+              <a:p>
+                <a:pPr algn="ctr"/>
+                <a:endParaRPr lang="en-US" sz="1100" dirty="0"/>
+              </a:p>
+            </p:txBody>
+          </p:sp>
+          <p:sp>
+            <p:nvSpPr>
+              <p:cNvPr id="10" name="Oval 9">
+                <a:extLst>
+                  <a:ext uri="{FF2B5EF4-FFF2-40B4-BE49-F238E27FC236}">
+                    <a16:creationId xmlns:a16="http://schemas.microsoft.com/office/drawing/2014/main" id="{A8C2FE15-79A6-4B2D-A571-60AAFD9A8C73}"/>
+                  </a:ext>
+                </a:extLst>
+              </p:cNvPr>
+              <p:cNvSpPr/>
+              <p:nvPr/>
+            </p:nvSpPr>
+            <p:spPr>
+              <a:xfrm>
+                <a:off x="3841750" y="2362676"/>
+                <a:ext cx="190500" cy="190500"/>
+              </a:xfrm>
+              <a:prstGeom prst="ellipse">
+                <a:avLst/>
+              </a:prstGeom>
+              <a:solidFill>
+                <a:schemeClr val="accent6">
+                  <a:lumMod val="40000"/>
+                  <a:lumOff val="60000"/>
+                </a:schemeClr>
+              </a:solidFill>
+              <a:ln>
+                <a:solidFill>
+                  <a:schemeClr val="accent6">
+                    <a:lumMod val="75000"/>
+                  </a:schemeClr>
+                </a:solidFill>
+              </a:ln>
+            </p:spPr>
+            <p:style>
+              <a:lnRef idx="2">
+                <a:schemeClr val="accent1">
+                  <a:shade val="50000"/>
+                </a:schemeClr>
+              </a:lnRef>
+              <a:fillRef idx="1">
+                <a:schemeClr val="accent1"/>
+              </a:fillRef>
+              <a:effectRef idx="0">
+                <a:schemeClr val="accent1"/>
+              </a:effectRef>
+              <a:fontRef idx="minor">
+                <a:schemeClr val="lt1"/>
+              </a:fontRef>
+            </p:style>
+            <p:txBody>
+              <a:bodyPr rtlCol="0" anchor="ctr"/>
+              <a:lstStyle/>
+              <a:p>
+                <a:pPr algn="ctr"/>
+                <a:endParaRPr lang="en-US" sz="1100" dirty="0"/>
+              </a:p>
+            </p:txBody>
+          </p:sp>
+          <p:sp>
+            <p:nvSpPr>
+              <p:cNvPr id="11" name="Oval 10">
+                <a:extLst>
+                  <a:ext uri="{FF2B5EF4-FFF2-40B4-BE49-F238E27FC236}">
+                    <a16:creationId xmlns:a16="http://schemas.microsoft.com/office/drawing/2014/main" id="{1C1BFE8B-E6FC-4125-BFBE-72C978AA9637}"/>
+                  </a:ext>
+                </a:extLst>
+              </p:cNvPr>
+              <p:cNvSpPr/>
+              <p:nvPr/>
+            </p:nvSpPr>
+            <p:spPr>
+              <a:xfrm>
+                <a:off x="4597400" y="2362676"/>
+                <a:ext cx="190500" cy="190500"/>
+              </a:xfrm>
+              <a:prstGeom prst="ellipse">
+                <a:avLst/>
+              </a:prstGeom>
+              <a:solidFill>
+                <a:schemeClr val="accent6">
+                  <a:lumMod val="40000"/>
+                  <a:lumOff val="60000"/>
+                </a:schemeClr>
+              </a:solidFill>
+              <a:ln>
+                <a:solidFill>
+                  <a:schemeClr val="accent6">
+                    <a:lumMod val="75000"/>
+                  </a:schemeClr>
+                </a:solidFill>
+              </a:ln>
+            </p:spPr>
+            <p:style>
+              <a:lnRef idx="2">
+                <a:schemeClr val="accent1">
+                  <a:shade val="50000"/>
+                </a:schemeClr>
+              </a:lnRef>
+              <a:fillRef idx="1">
+                <a:schemeClr val="accent1"/>
+              </a:fillRef>
+              <a:effectRef idx="0">
+                <a:schemeClr val="accent1"/>
+              </a:effectRef>
+              <a:fontRef idx="minor">
+                <a:schemeClr val="lt1"/>
+              </a:fontRef>
+            </p:style>
+            <p:txBody>
+              <a:bodyPr rtlCol="0" anchor="ctr"/>
+              <a:lstStyle/>
+              <a:p>
+                <a:pPr algn="ctr"/>
+                <a:endParaRPr lang="en-US" sz="1100" dirty="0"/>
+              </a:p>
+            </p:txBody>
+          </p:sp>
+          <p:cxnSp>
+            <p:nvCxnSpPr>
+              <p:cNvPr id="12" name="Straight Arrow Connector 11">
+                <a:extLst>
+                  <a:ext uri="{FF2B5EF4-FFF2-40B4-BE49-F238E27FC236}">
+                    <a16:creationId xmlns:a16="http://schemas.microsoft.com/office/drawing/2014/main" id="{0865F090-25DD-4C04-8E59-112E722454F0}"/>
+                  </a:ext>
+                </a:extLst>
+              </p:cNvPr>
+              <p:cNvCxnSpPr>
+                <a:stCxn id="7" idx="3"/>
+                <a:endCxn id="8" idx="6"/>
+              </p:cNvCxnSpPr>
+              <p:nvPr/>
+            </p:nvCxnSpPr>
+            <p:spPr>
+              <a:xfrm flipH="1">
+                <a:off x="3636052" y="1524677"/>
+                <a:ext cx="233596" cy="372502"/>
+              </a:xfrm>
+              <a:prstGeom prst="straightConnector1">
+                <a:avLst/>
+              </a:prstGeom>
+              <a:ln w="25400">
+                <a:tailEnd type="triangle"/>
+              </a:ln>
+            </p:spPr>
+            <p:style>
+              <a:lnRef idx="1">
+                <a:schemeClr val="accent1"/>
+              </a:lnRef>
+              <a:fillRef idx="0">
+                <a:schemeClr val="accent1"/>
+              </a:fillRef>
+              <a:effectRef idx="0">
+                <a:schemeClr val="accent1"/>
+              </a:effectRef>
+              <a:fontRef idx="minor">
+                <a:schemeClr val="tx1"/>
+              </a:fontRef>
+            </p:style>
+          </p:cxnSp>
+          <p:cxnSp>
+            <p:nvCxnSpPr>
+              <p:cNvPr id="13" name="Straight Arrow Connector 12">
+                <a:extLst>
+                  <a:ext uri="{FF2B5EF4-FFF2-40B4-BE49-F238E27FC236}">
+                    <a16:creationId xmlns:a16="http://schemas.microsoft.com/office/drawing/2014/main" id="{BDC78FDB-4A1C-44AF-9E64-BADF1872F22D}"/>
+                  </a:ext>
+                </a:extLst>
+              </p:cNvPr>
+              <p:cNvCxnSpPr>
+                <a:cxnSpLocks/>
+                <a:stCxn id="7" idx="5"/>
+                <a:endCxn id="9" idx="1"/>
+              </p:cNvCxnSpPr>
+              <p:nvPr/>
+            </p:nvCxnSpPr>
+            <p:spPr>
+              <a:xfrm>
+                <a:off x="4004352" y="1524677"/>
+                <a:ext cx="246296" cy="372502"/>
+              </a:xfrm>
+              <a:prstGeom prst="straightConnector1">
+                <a:avLst/>
+              </a:prstGeom>
+              <a:ln w="25400">
+                <a:tailEnd type="triangle"/>
+              </a:ln>
+            </p:spPr>
+            <p:style>
+              <a:lnRef idx="1">
+                <a:schemeClr val="accent1"/>
+              </a:lnRef>
+              <a:fillRef idx="0">
+                <a:schemeClr val="accent1"/>
+              </a:fillRef>
+              <a:effectRef idx="0">
+                <a:schemeClr val="accent1"/>
+              </a:effectRef>
+              <a:fontRef idx="minor">
+                <a:schemeClr val="tx1"/>
+              </a:fontRef>
+            </p:style>
+          </p:cxnSp>
+          <p:cxnSp>
+            <p:nvCxnSpPr>
+              <p:cNvPr id="14" name="Straight Arrow Connector 13">
+                <a:extLst>
+                  <a:ext uri="{FF2B5EF4-FFF2-40B4-BE49-F238E27FC236}">
+                    <a16:creationId xmlns:a16="http://schemas.microsoft.com/office/drawing/2014/main" id="{E3C84B10-942A-48DA-8616-CA10F09ACFF9}"/>
+                  </a:ext>
+                </a:extLst>
+              </p:cNvPr>
+              <p:cNvCxnSpPr>
+                <a:cxnSpLocks/>
+                <a:stCxn id="9" idx="3"/>
+                <a:endCxn id="10" idx="7"/>
+              </p:cNvCxnSpPr>
+              <p:nvPr/>
+            </p:nvCxnSpPr>
+            <p:spPr>
+              <a:xfrm flipH="1">
+                <a:off x="4004352" y="2031883"/>
+                <a:ext cx="246296" cy="358691"/>
+              </a:xfrm>
+              <a:prstGeom prst="straightConnector1">
+                <a:avLst/>
+              </a:prstGeom>
+              <a:ln w="25400">
+                <a:tailEnd type="triangle"/>
+              </a:ln>
+            </p:spPr>
+            <p:style>
+              <a:lnRef idx="1">
+                <a:schemeClr val="accent1"/>
+              </a:lnRef>
+              <a:fillRef idx="0">
+                <a:schemeClr val="accent1"/>
+              </a:fillRef>
+              <a:effectRef idx="0">
+                <a:schemeClr val="accent1"/>
+              </a:effectRef>
+              <a:fontRef idx="minor">
+                <a:schemeClr val="tx1"/>
+              </a:fontRef>
+            </p:style>
+          </p:cxnSp>
+          <p:cxnSp>
+            <p:nvCxnSpPr>
+              <p:cNvPr id="15" name="Straight Arrow Connector 14">
+                <a:extLst>
+                  <a:ext uri="{FF2B5EF4-FFF2-40B4-BE49-F238E27FC236}">
+                    <a16:creationId xmlns:a16="http://schemas.microsoft.com/office/drawing/2014/main" id="{7EE6461A-B6A6-4740-967F-D4BC00ED0B61}"/>
+                  </a:ext>
+                </a:extLst>
+              </p:cNvPr>
+              <p:cNvCxnSpPr>
+                <a:cxnSpLocks/>
+                <a:stCxn id="9" idx="5"/>
+                <a:endCxn id="11" idx="1"/>
+              </p:cNvCxnSpPr>
+              <p:nvPr/>
+            </p:nvCxnSpPr>
+            <p:spPr>
+              <a:xfrm>
+                <a:off x="4385352" y="2031883"/>
+                <a:ext cx="239946" cy="358691"/>
+              </a:xfrm>
+              <a:prstGeom prst="straightConnector1">
+                <a:avLst/>
+              </a:prstGeom>
+              <a:ln w="25400">
+                <a:tailEnd type="triangle"/>
+              </a:ln>
+            </p:spPr>
+            <p:style>
+              <a:lnRef idx="1">
+                <a:schemeClr val="accent1"/>
+              </a:lnRef>
+              <a:fillRef idx="0">
+                <a:schemeClr val="accent1"/>
+              </a:fillRef>
+              <a:effectRef idx="0">
+                <a:schemeClr val="accent1"/>
+              </a:effectRef>
+              <a:fontRef idx="minor">
+                <a:schemeClr val="tx1"/>
+              </a:fontRef>
+            </p:style>
+          </p:cxnSp>
+        </p:grpSp>
+        <p:sp>
+          <p:nvSpPr>
+            <p:cNvPr id="6" name="TextBox 5">
+              <a:extLst>
+                <a:ext uri="{FF2B5EF4-FFF2-40B4-BE49-F238E27FC236}">
+                  <a16:creationId xmlns:a16="http://schemas.microsoft.com/office/drawing/2014/main" id="{D7C6D563-E123-4904-A531-6B443966B51F}"/>
+                </a:ext>
+              </a:extLst>
+            </p:cNvPr>
+            <p:cNvSpPr txBox="1"/>
+            <p:nvPr/>
+          </p:nvSpPr>
+          <p:spPr>
+            <a:xfrm>
+              <a:off x="1528100" y="1054821"/>
+              <a:ext cx="1676400" cy="369332"/>
+            </a:xfrm>
+            <a:prstGeom prst="rect">
+              <a:avLst/>
+            </a:prstGeom>
+            <a:noFill/>
+          </p:spPr>
+          <p:txBody>
+            <a:bodyPr wrap="square" rtlCol="0">
+              <a:spAutoFit/>
+            </a:bodyPr>
+            <a:lstStyle/>
+            <a:p>
+              <a:r>
+                <a:rPr lang="en-US" dirty="0"/>
+                <a:t>N1</a:t>
+              </a:r>
+            </a:p>
+          </p:txBody>
+        </p:sp>
+        <p:sp>
+          <p:nvSpPr>
+            <p:cNvPr id="68" name="TextBox 67">
+              <a:extLst>
+                <a:ext uri="{FF2B5EF4-FFF2-40B4-BE49-F238E27FC236}">
+                  <a16:creationId xmlns:a16="http://schemas.microsoft.com/office/drawing/2014/main" id="{9236EACD-1D31-4480-A481-658F718B81DC}"/>
+                </a:ext>
+              </a:extLst>
+            </p:cNvPr>
+            <p:cNvSpPr txBox="1"/>
+            <p:nvPr/>
+          </p:nvSpPr>
+          <p:spPr>
+            <a:xfrm>
+              <a:off x="732305" y="1695944"/>
+              <a:ext cx="1676400" cy="369332"/>
+            </a:xfrm>
+            <a:prstGeom prst="rect">
+              <a:avLst/>
+            </a:prstGeom>
+            <a:noFill/>
+          </p:spPr>
+          <p:txBody>
+            <a:bodyPr wrap="square" rtlCol="0">
+              <a:spAutoFit/>
+            </a:bodyPr>
+            <a:lstStyle/>
+            <a:p>
+              <a:r>
+                <a:rPr lang="en-US" dirty="0"/>
+                <a:t>N2</a:t>
+              </a:r>
+            </a:p>
+          </p:txBody>
+        </p:sp>
+        <p:sp>
+          <p:nvSpPr>
+            <p:cNvPr id="69" name="TextBox 68">
+              <a:extLst>
+                <a:ext uri="{FF2B5EF4-FFF2-40B4-BE49-F238E27FC236}">
+                  <a16:creationId xmlns:a16="http://schemas.microsoft.com/office/drawing/2014/main" id="{B8F0B478-120B-4955-B349-459C00882706}"/>
+                </a:ext>
+              </a:extLst>
+            </p:cNvPr>
+            <p:cNvSpPr txBox="1"/>
+            <p:nvPr/>
+          </p:nvSpPr>
+          <p:spPr>
+            <a:xfrm>
+              <a:off x="1937943" y="1603391"/>
+              <a:ext cx="1676400" cy="369332"/>
+            </a:xfrm>
+            <a:prstGeom prst="rect">
+              <a:avLst/>
+            </a:prstGeom>
+            <a:noFill/>
+          </p:spPr>
+          <p:txBody>
+            <a:bodyPr wrap="square" rtlCol="0">
+              <a:spAutoFit/>
+            </a:bodyPr>
+            <a:lstStyle/>
+            <a:p>
+              <a:r>
+                <a:rPr lang="en-US" dirty="0"/>
+                <a:t>N3</a:t>
+              </a:r>
+            </a:p>
+          </p:txBody>
+        </p:sp>
+        <p:sp>
+          <p:nvSpPr>
+            <p:cNvPr id="70" name="TextBox 69">
+              <a:extLst>
+                <a:ext uri="{FF2B5EF4-FFF2-40B4-BE49-F238E27FC236}">
+                  <a16:creationId xmlns:a16="http://schemas.microsoft.com/office/drawing/2014/main" id="{FF412C79-70CB-4313-BB89-757715A29BDE}"/>
+                </a:ext>
+              </a:extLst>
+            </p:cNvPr>
+            <p:cNvSpPr txBox="1"/>
+            <p:nvPr/>
+          </p:nvSpPr>
+          <p:spPr>
+            <a:xfrm>
+              <a:off x="1109317" y="2306515"/>
+              <a:ext cx="1676400" cy="369332"/>
+            </a:xfrm>
+            <a:prstGeom prst="rect">
+              <a:avLst/>
+            </a:prstGeom>
+            <a:noFill/>
+          </p:spPr>
+          <p:txBody>
+            <a:bodyPr wrap="square" rtlCol="0">
+              <a:spAutoFit/>
+            </a:bodyPr>
+            <a:lstStyle/>
+            <a:p>
+              <a:r>
+                <a:rPr lang="en-US" dirty="0"/>
+                <a:t>N4</a:t>
+              </a:r>
+            </a:p>
+          </p:txBody>
+        </p:sp>
+        <p:sp>
+          <p:nvSpPr>
+            <p:cNvPr id="71" name="TextBox 70">
+              <a:extLst>
+                <a:ext uri="{FF2B5EF4-FFF2-40B4-BE49-F238E27FC236}">
+                  <a16:creationId xmlns:a16="http://schemas.microsoft.com/office/drawing/2014/main" id="{15BE4A30-EB34-4B49-BA28-2BCE58C0A5E0}"/>
+                </a:ext>
+              </a:extLst>
+            </p:cNvPr>
+            <p:cNvSpPr txBox="1"/>
+            <p:nvPr/>
+          </p:nvSpPr>
+          <p:spPr>
+            <a:xfrm>
+              <a:off x="2361719" y="2337067"/>
+              <a:ext cx="1676400" cy="369332"/>
+            </a:xfrm>
+            <a:prstGeom prst="rect">
+              <a:avLst/>
+            </a:prstGeom>
+            <a:noFill/>
+          </p:spPr>
+          <p:txBody>
+            <a:bodyPr wrap="square" rtlCol="0">
+              <a:spAutoFit/>
+            </a:bodyPr>
+            <a:lstStyle/>
+            <a:p>
+              <a:r>
+                <a:rPr lang="en-US" dirty="0"/>
+                <a:t>N5</a:t>
+              </a:r>
+            </a:p>
+          </p:txBody>
+        </p:sp>
+        <p:sp>
+          <p:nvSpPr>
+            <p:cNvPr id="152" name="TextBox 151">
+              <a:extLst>
+                <a:ext uri="{FF2B5EF4-FFF2-40B4-BE49-F238E27FC236}">
+                  <a16:creationId xmlns:a16="http://schemas.microsoft.com/office/drawing/2014/main" id="{83510EB1-5F46-47EF-B97E-80361906974F}"/>
+                </a:ext>
+              </a:extLst>
+            </p:cNvPr>
+            <p:cNvSpPr txBox="1"/>
+            <p:nvPr/>
+          </p:nvSpPr>
+          <p:spPr>
+            <a:xfrm>
+              <a:off x="916277" y="2697015"/>
+              <a:ext cx="1676400" cy="319446"/>
+            </a:xfrm>
+            <a:prstGeom prst="rect">
+              <a:avLst/>
+            </a:prstGeom>
+            <a:noFill/>
+          </p:spPr>
+          <p:txBody>
+            <a:bodyPr wrap="square" rtlCol="0">
+              <a:spAutoFit/>
+            </a:bodyPr>
+            <a:lstStyle/>
+            <a:p>
+              <a:pPr algn="ctr">
+                <a:lnSpc>
+                  <a:spcPct val="80000"/>
+                </a:lnSpc>
+              </a:pPr>
+              <a:r>
+                <a:rPr lang="en-US" b="1" i="1" dirty="0"/>
+                <a:t>Buggy</a:t>
+              </a:r>
+            </a:p>
+          </p:txBody>
+        </p:sp>
+        <p:grpSp>
+          <p:nvGrpSpPr>
+            <p:cNvPr id="17" name="Group 16">
+              <a:extLst>
+                <a:ext uri="{FF2B5EF4-FFF2-40B4-BE49-F238E27FC236}">
+                  <a16:creationId xmlns:a16="http://schemas.microsoft.com/office/drawing/2014/main" id="{2F26FEB2-022C-4CC0-A6D0-301972B9E7A1}"/>
+                </a:ext>
+              </a:extLst>
+            </p:cNvPr>
+            <p:cNvGrpSpPr/>
+            <p:nvPr/>
+          </p:nvGrpSpPr>
+          <p:grpSpPr>
+            <a:xfrm>
+              <a:off x="1223575" y="3415900"/>
+              <a:ext cx="939800" cy="697706"/>
+              <a:chOff x="3473450" y="1362075"/>
+              <a:chExt cx="939800" cy="697706"/>
+            </a:xfrm>
+          </p:grpSpPr>
+          <p:sp>
+            <p:nvSpPr>
+              <p:cNvPr id="19" name="Oval 18">
+                <a:extLst>
+                  <a:ext uri="{FF2B5EF4-FFF2-40B4-BE49-F238E27FC236}">
+                    <a16:creationId xmlns:a16="http://schemas.microsoft.com/office/drawing/2014/main" id="{AD12943B-E18F-4583-A8B0-30FB37514C01}"/>
+                  </a:ext>
+                </a:extLst>
+              </p:cNvPr>
+              <p:cNvSpPr/>
+              <p:nvPr/>
+            </p:nvSpPr>
+            <p:spPr>
+              <a:xfrm>
+                <a:off x="3841750" y="1362075"/>
+                <a:ext cx="190500" cy="190500"/>
+              </a:xfrm>
+              <a:prstGeom prst="ellipse">
+                <a:avLst/>
+              </a:prstGeom>
+              <a:solidFill>
+                <a:schemeClr val="accent6">
+                  <a:lumMod val="40000"/>
+                  <a:lumOff val="60000"/>
+                </a:schemeClr>
+              </a:solidFill>
+              <a:ln>
+                <a:solidFill>
+                  <a:schemeClr val="accent6">
+                    <a:lumMod val="75000"/>
+                  </a:schemeClr>
+                </a:solidFill>
+              </a:ln>
+            </p:spPr>
+            <p:style>
+              <a:lnRef idx="2">
+                <a:schemeClr val="accent1">
+                  <a:shade val="50000"/>
+                </a:schemeClr>
+              </a:lnRef>
+              <a:fillRef idx="1">
+                <a:schemeClr val="accent1"/>
+              </a:fillRef>
+              <a:effectRef idx="0">
+                <a:schemeClr val="accent1"/>
+              </a:effectRef>
+              <a:fontRef idx="minor">
+                <a:schemeClr val="lt1"/>
+              </a:fontRef>
+            </p:style>
+            <p:txBody>
+              <a:bodyPr rtlCol="0" anchor="ctr"/>
+              <a:lstStyle/>
+              <a:p>
+                <a:pPr algn="ctr"/>
+                <a:endParaRPr lang="en-US" sz="1200" dirty="0"/>
+              </a:p>
+            </p:txBody>
+          </p:sp>
+          <p:sp>
+            <p:nvSpPr>
+              <p:cNvPr id="20" name="Oval 19">
+                <a:extLst>
+                  <a:ext uri="{FF2B5EF4-FFF2-40B4-BE49-F238E27FC236}">
+                    <a16:creationId xmlns:a16="http://schemas.microsoft.com/office/drawing/2014/main" id="{145DD1F4-44D0-4BFC-96BC-F0CEB7606036}"/>
+                  </a:ext>
+                </a:extLst>
+              </p:cNvPr>
+              <p:cNvSpPr/>
+              <p:nvPr/>
+            </p:nvSpPr>
+            <p:spPr>
+              <a:xfrm>
+                <a:off x="3473450" y="1869281"/>
+                <a:ext cx="190500" cy="190500"/>
+              </a:xfrm>
+              <a:prstGeom prst="ellipse">
+                <a:avLst/>
+              </a:prstGeom>
+              <a:solidFill>
+                <a:schemeClr val="accent6">
+                  <a:lumMod val="40000"/>
+                  <a:lumOff val="60000"/>
+                </a:schemeClr>
+              </a:solidFill>
+              <a:ln>
+                <a:solidFill>
+                  <a:schemeClr val="accent6">
+                    <a:lumMod val="75000"/>
+                  </a:schemeClr>
+                </a:solidFill>
+              </a:ln>
+            </p:spPr>
+            <p:style>
+              <a:lnRef idx="2">
+                <a:schemeClr val="accent1">
+                  <a:shade val="50000"/>
+                </a:schemeClr>
+              </a:lnRef>
+              <a:fillRef idx="1">
+                <a:schemeClr val="accent1"/>
+              </a:fillRef>
+              <a:effectRef idx="0">
+                <a:schemeClr val="accent1"/>
+              </a:effectRef>
+              <a:fontRef idx="minor">
+                <a:schemeClr val="lt1"/>
+              </a:fontRef>
+            </p:style>
+            <p:txBody>
+              <a:bodyPr rtlCol="0" anchor="ctr"/>
+              <a:lstStyle/>
+              <a:p>
+                <a:pPr algn="ctr"/>
+                <a:endParaRPr lang="en-US" sz="1200" dirty="0"/>
+              </a:p>
+            </p:txBody>
+          </p:sp>
+          <p:sp>
+            <p:nvSpPr>
+              <p:cNvPr id="21" name="Oval 20">
+                <a:extLst>
+                  <a:ext uri="{FF2B5EF4-FFF2-40B4-BE49-F238E27FC236}">
+                    <a16:creationId xmlns:a16="http://schemas.microsoft.com/office/drawing/2014/main" id="{A7BB8989-B9E6-4D7D-BE61-CBBA733C38ED}"/>
+                  </a:ext>
+                </a:extLst>
+              </p:cNvPr>
+              <p:cNvSpPr/>
+              <p:nvPr/>
+            </p:nvSpPr>
+            <p:spPr>
+              <a:xfrm>
+                <a:off x="4222750" y="1869281"/>
+                <a:ext cx="190500" cy="190500"/>
+              </a:xfrm>
+              <a:prstGeom prst="ellipse">
+                <a:avLst/>
+              </a:prstGeom>
+              <a:solidFill>
+                <a:schemeClr val="accent6">
+                  <a:lumMod val="40000"/>
+                  <a:lumOff val="60000"/>
+                </a:schemeClr>
+              </a:solidFill>
+              <a:ln>
+                <a:solidFill>
+                  <a:schemeClr val="accent6">
+                    <a:lumMod val="75000"/>
+                  </a:schemeClr>
+                </a:solidFill>
+              </a:ln>
+            </p:spPr>
+            <p:style>
+              <a:lnRef idx="2">
+                <a:schemeClr val="accent1">
+                  <a:shade val="50000"/>
+                </a:schemeClr>
+              </a:lnRef>
+              <a:fillRef idx="1">
+                <a:schemeClr val="accent1"/>
+              </a:fillRef>
+              <a:effectRef idx="0">
+                <a:schemeClr val="accent1"/>
+              </a:effectRef>
+              <a:fontRef idx="minor">
+                <a:schemeClr val="lt1"/>
+              </a:fontRef>
+            </p:style>
+            <p:txBody>
+              <a:bodyPr rtlCol="0" anchor="ctr"/>
+              <a:lstStyle/>
+              <a:p>
+                <a:pPr algn="ctr"/>
+                <a:endParaRPr lang="en-US" sz="1200" dirty="0"/>
+              </a:p>
+            </p:txBody>
+          </p:sp>
+          <p:cxnSp>
+            <p:nvCxnSpPr>
+              <p:cNvPr id="22" name="Straight Arrow Connector 21">
+                <a:extLst>
+                  <a:ext uri="{FF2B5EF4-FFF2-40B4-BE49-F238E27FC236}">
+                    <a16:creationId xmlns:a16="http://schemas.microsoft.com/office/drawing/2014/main" id="{41831837-9E8C-44CC-8A3F-B6ACF85F2A93}"/>
+                  </a:ext>
+                </a:extLst>
+              </p:cNvPr>
+              <p:cNvCxnSpPr>
+                <a:stCxn id="19" idx="3"/>
+                <a:endCxn id="20" idx="6"/>
+              </p:cNvCxnSpPr>
+              <p:nvPr/>
+            </p:nvCxnSpPr>
+            <p:spPr>
+              <a:xfrm flipH="1">
+                <a:off x="3636052" y="1524677"/>
+                <a:ext cx="233596" cy="372502"/>
+              </a:xfrm>
+              <a:prstGeom prst="straightConnector1">
+                <a:avLst/>
+              </a:prstGeom>
+              <a:ln w="25400">
+                <a:tailEnd type="triangle"/>
+              </a:ln>
+            </p:spPr>
+            <p:style>
+              <a:lnRef idx="1">
+                <a:schemeClr val="accent1"/>
+              </a:lnRef>
+              <a:fillRef idx="0">
+                <a:schemeClr val="accent1"/>
+              </a:fillRef>
+              <a:effectRef idx="0">
+                <a:schemeClr val="accent1"/>
+              </a:effectRef>
+              <a:fontRef idx="minor">
+                <a:schemeClr val="tx1"/>
+              </a:fontRef>
+            </p:style>
+          </p:cxnSp>
+          <p:cxnSp>
+            <p:nvCxnSpPr>
+              <p:cNvPr id="23" name="Straight Arrow Connector 22">
+                <a:extLst>
+                  <a:ext uri="{FF2B5EF4-FFF2-40B4-BE49-F238E27FC236}">
+                    <a16:creationId xmlns:a16="http://schemas.microsoft.com/office/drawing/2014/main" id="{B0D28845-3047-438C-B313-CE8D0934E86D}"/>
+                  </a:ext>
+                </a:extLst>
+              </p:cNvPr>
+              <p:cNvCxnSpPr>
+                <a:cxnSpLocks/>
+                <a:stCxn id="19" idx="5"/>
+                <a:endCxn id="21" idx="1"/>
+              </p:cNvCxnSpPr>
+              <p:nvPr/>
+            </p:nvCxnSpPr>
+            <p:spPr>
+              <a:xfrm>
+                <a:off x="4004352" y="1524677"/>
+                <a:ext cx="246296" cy="372502"/>
+              </a:xfrm>
+              <a:prstGeom prst="straightConnector1">
+                <a:avLst/>
+              </a:prstGeom>
+              <a:ln w="25400">
+                <a:tailEnd type="triangle"/>
+              </a:ln>
+            </p:spPr>
+            <p:style>
+              <a:lnRef idx="1">
+                <a:schemeClr val="accent1"/>
+              </a:lnRef>
+              <a:fillRef idx="0">
+                <a:schemeClr val="accent1"/>
+              </a:fillRef>
+              <a:effectRef idx="0">
+                <a:schemeClr val="accent1"/>
+              </a:effectRef>
+              <a:fontRef idx="minor">
+                <a:schemeClr val="tx1"/>
+              </a:fontRef>
+            </p:style>
+          </p:cxnSp>
+        </p:grpSp>
+        <p:sp>
+          <p:nvSpPr>
+            <p:cNvPr id="74" name="TextBox 73">
+              <a:extLst>
+                <a:ext uri="{FF2B5EF4-FFF2-40B4-BE49-F238E27FC236}">
+                  <a16:creationId xmlns:a16="http://schemas.microsoft.com/office/drawing/2014/main" id="{C8175BDC-1863-4601-A922-12D1224EC69F}"/>
+                </a:ext>
+              </a:extLst>
+            </p:cNvPr>
+            <p:cNvSpPr txBox="1"/>
+            <p:nvPr/>
+          </p:nvSpPr>
+          <p:spPr>
+            <a:xfrm>
+              <a:off x="1523519" y="3019796"/>
+              <a:ext cx="1676400" cy="369332"/>
+            </a:xfrm>
+            <a:prstGeom prst="rect">
+              <a:avLst/>
+            </a:prstGeom>
+            <a:noFill/>
+          </p:spPr>
+          <p:txBody>
+            <a:bodyPr wrap="square" rtlCol="0">
+              <a:spAutoFit/>
+            </a:bodyPr>
+            <a:lstStyle/>
+            <a:p>
+              <a:r>
+                <a:rPr lang="en-US" dirty="0"/>
+                <a:t>N1’</a:t>
+              </a:r>
+            </a:p>
+          </p:txBody>
+        </p:sp>
+        <p:sp>
+          <p:nvSpPr>
+            <p:cNvPr id="75" name="TextBox 74">
+              <a:extLst>
+                <a:ext uri="{FF2B5EF4-FFF2-40B4-BE49-F238E27FC236}">
+                  <a16:creationId xmlns:a16="http://schemas.microsoft.com/office/drawing/2014/main" id="{6CA2DD96-E2C0-4636-A761-0C373272AEA0}"/>
+                </a:ext>
+              </a:extLst>
+            </p:cNvPr>
+            <p:cNvSpPr txBox="1"/>
+            <p:nvPr/>
+          </p:nvSpPr>
+          <p:spPr>
+            <a:xfrm>
+              <a:off x="995017" y="4076553"/>
+              <a:ext cx="1676400" cy="369332"/>
+            </a:xfrm>
+            <a:prstGeom prst="rect">
+              <a:avLst/>
+            </a:prstGeom>
+            <a:noFill/>
+          </p:spPr>
+          <p:txBody>
+            <a:bodyPr wrap="square" rtlCol="0">
+              <a:spAutoFit/>
+            </a:bodyPr>
+            <a:lstStyle/>
+            <a:p>
+              <a:r>
+                <a:rPr lang="en-US" dirty="0"/>
+                <a:t>N2’</a:t>
+              </a:r>
+            </a:p>
+          </p:txBody>
+        </p:sp>
+        <p:sp>
+          <p:nvSpPr>
+            <p:cNvPr id="76" name="TextBox 75">
+              <a:extLst>
+                <a:ext uri="{FF2B5EF4-FFF2-40B4-BE49-F238E27FC236}">
+                  <a16:creationId xmlns:a16="http://schemas.microsoft.com/office/drawing/2014/main" id="{F7837A51-96C4-4D1C-92BF-3B93561612F2}"/>
+                </a:ext>
+              </a:extLst>
+            </p:cNvPr>
+            <p:cNvSpPr txBox="1"/>
+            <p:nvPr/>
+          </p:nvSpPr>
+          <p:spPr>
+            <a:xfrm>
+              <a:off x="1982041" y="4056411"/>
+              <a:ext cx="1676400" cy="369332"/>
+            </a:xfrm>
+            <a:prstGeom prst="rect">
+              <a:avLst/>
+            </a:prstGeom>
+            <a:noFill/>
+          </p:spPr>
+          <p:txBody>
+            <a:bodyPr wrap="square" rtlCol="0">
+              <a:spAutoFit/>
+            </a:bodyPr>
+            <a:lstStyle/>
+            <a:p>
+              <a:r>
+                <a:rPr lang="en-US" dirty="0"/>
+                <a:t>N3’</a:t>
+              </a:r>
+            </a:p>
+          </p:txBody>
+        </p:sp>
+      </p:grpSp>
+      <p:sp>
+        <p:nvSpPr>
+          <p:cNvPr id="88" name="Arrow: Right 87">
+            <a:extLst>
+              <a:ext uri="{FF2B5EF4-FFF2-40B4-BE49-F238E27FC236}">
+                <a16:creationId xmlns:a16="http://schemas.microsoft.com/office/drawing/2014/main" id="{1B7F624E-56DA-4E5E-846C-1C7F860A7066}"/>
+              </a:ext>
+            </a:extLst>
+          </p:cNvPr>
+          <p:cNvSpPr/>
+          <p:nvPr/>
+        </p:nvSpPr>
+        <p:spPr>
+          <a:xfrm>
+            <a:off x="3761676" y="1894056"/>
+            <a:ext cx="189211" cy="211972"/>
+          </a:xfrm>
+          <a:prstGeom prst="rightArrow">
+            <a:avLst/>
+          </a:prstGeom>
+        </p:spPr>
+        <p:style>
+          <a:lnRef idx="2">
+            <a:schemeClr val="accent1">
+              <a:shade val="50000"/>
+            </a:schemeClr>
+          </a:lnRef>
+          <a:fillRef idx="1">
+            <a:schemeClr val="accent1"/>
+          </a:fillRef>
+          <a:effectRef idx="0">
+            <a:schemeClr val="accent1"/>
+          </a:effectRef>
+          <a:fontRef idx="minor">
+            <a:schemeClr val="lt1"/>
+          </a:fontRef>
+        </p:style>
+        <p:txBody>
+          <a:bodyPr rtlCol="0" anchor="ctr"/>
+          <a:lstStyle/>
+          <a:p>
+            <a:pPr algn="ctr"/>
+            <a:endParaRPr lang="en-US"/>
+          </a:p>
+        </p:txBody>
+      </p:sp>
+      <p:sp>
+        <p:nvSpPr>
+          <p:cNvPr id="89" name="Arrow: Right 88">
+            <a:extLst>
+              <a:ext uri="{FF2B5EF4-FFF2-40B4-BE49-F238E27FC236}">
+                <a16:creationId xmlns:a16="http://schemas.microsoft.com/office/drawing/2014/main" id="{83E92029-F581-4699-B11B-05C9B7A1AE47}"/>
+              </a:ext>
+            </a:extLst>
+          </p:cNvPr>
+          <p:cNvSpPr/>
+          <p:nvPr/>
+        </p:nvSpPr>
+        <p:spPr>
+          <a:xfrm>
+            <a:off x="4187732" y="1894056"/>
+            <a:ext cx="189211" cy="211972"/>
+          </a:xfrm>
+          <a:prstGeom prst="rightArrow">
+            <a:avLst/>
+          </a:prstGeom>
+        </p:spPr>
+        <p:style>
+          <a:lnRef idx="2">
+            <a:schemeClr val="accent1">
+              <a:shade val="50000"/>
+            </a:schemeClr>
+          </a:lnRef>
+          <a:fillRef idx="1">
+            <a:schemeClr val="accent1"/>
+          </a:fillRef>
+          <a:effectRef idx="0">
+            <a:schemeClr val="accent1"/>
+          </a:effectRef>
+          <a:fontRef idx="minor">
+            <a:schemeClr val="lt1"/>
+          </a:fontRef>
+        </p:style>
+        <p:txBody>
+          <a:bodyPr rtlCol="0" anchor="ctr"/>
+          <a:lstStyle/>
+          <a:p>
+            <a:pPr algn="ctr"/>
+            <a:endParaRPr lang="en-US"/>
+          </a:p>
+        </p:txBody>
+      </p:sp>
+      <p:sp>
+        <p:nvSpPr>
+          <p:cNvPr id="90" name="Arrow: Right 89">
+            <a:extLst>
+              <a:ext uri="{FF2B5EF4-FFF2-40B4-BE49-F238E27FC236}">
+                <a16:creationId xmlns:a16="http://schemas.microsoft.com/office/drawing/2014/main" id="{F0CEE037-C769-47CB-B43B-CB91D1CE7A77}"/>
+              </a:ext>
+            </a:extLst>
+          </p:cNvPr>
+          <p:cNvSpPr/>
+          <p:nvPr/>
+        </p:nvSpPr>
+        <p:spPr>
+          <a:xfrm>
+            <a:off x="4187732" y="3674772"/>
+            <a:ext cx="189211" cy="211972"/>
+          </a:xfrm>
+          <a:prstGeom prst="rightArrow">
+            <a:avLst/>
+          </a:prstGeom>
+        </p:spPr>
+        <p:style>
+          <a:lnRef idx="2">
+            <a:schemeClr val="accent1">
+              <a:shade val="50000"/>
+            </a:schemeClr>
+          </a:lnRef>
+          <a:fillRef idx="1">
+            <a:schemeClr val="accent1"/>
+          </a:fillRef>
+          <a:effectRef idx="0">
+            <a:schemeClr val="accent1"/>
+          </a:effectRef>
+          <a:fontRef idx="minor">
+            <a:schemeClr val="lt1"/>
+          </a:fontRef>
+        </p:style>
+        <p:txBody>
+          <a:bodyPr rtlCol="0" anchor="ctr"/>
+          <a:lstStyle/>
+          <a:p>
+            <a:pPr algn="ctr"/>
+            <a:endParaRPr lang="en-US"/>
+          </a:p>
+        </p:txBody>
+      </p:sp>
+      <p:sp>
+        <p:nvSpPr>
+          <p:cNvPr id="91" name="Arrow: Right 90">
+            <a:extLst>
+              <a:ext uri="{FF2B5EF4-FFF2-40B4-BE49-F238E27FC236}">
+                <a16:creationId xmlns:a16="http://schemas.microsoft.com/office/drawing/2014/main" id="{CD54221D-C54E-48B5-BDBA-3BE29458EA6A}"/>
+              </a:ext>
+            </a:extLst>
+          </p:cNvPr>
+          <p:cNvSpPr/>
+          <p:nvPr/>
+        </p:nvSpPr>
+        <p:spPr>
+          <a:xfrm>
+            <a:off x="3730032" y="3674772"/>
+            <a:ext cx="189211" cy="211972"/>
+          </a:xfrm>
+          <a:prstGeom prst="rightArrow">
+            <a:avLst/>
+          </a:prstGeom>
+        </p:spPr>
+        <p:style>
+          <a:lnRef idx="2">
+            <a:schemeClr val="accent1">
+              <a:shade val="50000"/>
+            </a:schemeClr>
+          </a:lnRef>
+          <a:fillRef idx="1">
+            <a:schemeClr val="accent1"/>
+          </a:fillRef>
+          <a:effectRef idx="0">
+            <a:schemeClr val="accent1"/>
+          </a:effectRef>
+          <a:fontRef idx="minor">
+            <a:schemeClr val="lt1"/>
+          </a:fontRef>
+        </p:style>
+        <p:txBody>
+          <a:bodyPr rtlCol="0" anchor="ctr"/>
+          <a:lstStyle/>
+          <a:p>
+            <a:pPr algn="ctr"/>
+            <a:endParaRPr lang="en-US"/>
+          </a:p>
+        </p:txBody>
+      </p:sp>
+      <p:sp>
+        <p:nvSpPr>
+          <p:cNvPr id="93" name="Rectangle: Rounded Corners 92">
+            <a:extLst>
+              <a:ext uri="{FF2B5EF4-FFF2-40B4-BE49-F238E27FC236}">
+                <a16:creationId xmlns:a16="http://schemas.microsoft.com/office/drawing/2014/main" id="{AA94C84C-1036-48FD-9CA6-E5998B7769A3}"/>
+              </a:ext>
+            </a:extLst>
+          </p:cNvPr>
+          <p:cNvSpPr/>
+          <p:nvPr/>
+        </p:nvSpPr>
+        <p:spPr>
+          <a:xfrm>
+            <a:off x="6019277" y="1387601"/>
+            <a:ext cx="190500" cy="1203410"/>
+          </a:xfrm>
+          <a:prstGeom prst="roundRect">
+            <a:avLst/>
+          </a:prstGeom>
+          <a:solidFill>
+            <a:schemeClr val="accent5">
+              <a:lumMod val="20000"/>
+              <a:lumOff val="80000"/>
+            </a:schemeClr>
+          </a:solidFill>
+          <a:ln>
+            <a:solidFill>
+              <a:schemeClr val="accent5">
+                <a:lumMod val="75000"/>
+              </a:schemeClr>
+            </a:solidFill>
+          </a:ln>
+        </p:spPr>
+        <p:style>
+          <a:lnRef idx="2">
+            <a:schemeClr val="accent1">
+              <a:shade val="50000"/>
+            </a:schemeClr>
+          </a:lnRef>
+          <a:fillRef idx="1">
+            <a:schemeClr val="accent1"/>
+          </a:fillRef>
+          <a:effectRef idx="0">
+            <a:schemeClr val="accent1"/>
+          </a:effectRef>
+          <a:fontRef idx="minor">
+            <a:schemeClr val="lt1"/>
+          </a:fontRef>
+        </p:style>
+        <p:txBody>
+          <a:bodyPr rtlCol="0" anchor="ctr"/>
+          <a:lstStyle/>
+          <a:p>
+            <a:pPr algn="ctr"/>
+            <a:endParaRPr lang="en-US"/>
+          </a:p>
+        </p:txBody>
+      </p:sp>
+      <p:sp>
+        <p:nvSpPr>
+          <p:cNvPr id="94" name="Rectangle: Rounded Corners 93">
+            <a:extLst>
+              <a:ext uri="{FF2B5EF4-FFF2-40B4-BE49-F238E27FC236}">
+                <a16:creationId xmlns:a16="http://schemas.microsoft.com/office/drawing/2014/main" id="{62629917-B935-4E0A-99C5-2CCDF59883EA}"/>
+              </a:ext>
+            </a:extLst>
+          </p:cNvPr>
+          <p:cNvSpPr/>
+          <p:nvPr/>
+        </p:nvSpPr>
+        <p:spPr>
+          <a:xfrm>
+            <a:off x="6019277" y="3163048"/>
+            <a:ext cx="190500" cy="1203410"/>
+          </a:xfrm>
+          <a:prstGeom prst="roundRect">
+            <a:avLst/>
+          </a:prstGeom>
+          <a:solidFill>
+            <a:schemeClr val="accent5">
+              <a:lumMod val="20000"/>
+              <a:lumOff val="80000"/>
+            </a:schemeClr>
+          </a:solidFill>
+          <a:ln>
+            <a:solidFill>
+              <a:schemeClr val="accent5">
+                <a:lumMod val="75000"/>
+              </a:schemeClr>
+            </a:solidFill>
+          </a:ln>
+        </p:spPr>
+        <p:style>
+          <a:lnRef idx="2">
+            <a:schemeClr val="accent1">
+              <a:shade val="50000"/>
+            </a:schemeClr>
+          </a:lnRef>
+          <a:fillRef idx="1">
+            <a:schemeClr val="accent1"/>
+          </a:fillRef>
+          <a:effectRef idx="0">
+            <a:schemeClr val="accent1"/>
+          </a:effectRef>
+          <a:fontRef idx="minor">
+            <a:schemeClr val="lt1"/>
+          </a:fontRef>
+        </p:style>
+        <p:txBody>
+          <a:bodyPr rtlCol="0" anchor="ctr"/>
+          <a:lstStyle/>
+          <a:p>
+            <a:pPr algn="ctr"/>
+            <a:endParaRPr lang="en-US"/>
+          </a:p>
+        </p:txBody>
+      </p:sp>
+      <p:sp>
+        <p:nvSpPr>
+          <p:cNvPr id="95" name="Rectangle: Rounded Corners 94">
+            <a:extLst>
+              <a:ext uri="{FF2B5EF4-FFF2-40B4-BE49-F238E27FC236}">
+                <a16:creationId xmlns:a16="http://schemas.microsoft.com/office/drawing/2014/main" id="{BE26D26B-6917-4D38-B1DC-DC499DFB6CE3}"/>
+              </a:ext>
+            </a:extLst>
+          </p:cNvPr>
+          <p:cNvSpPr/>
+          <p:nvPr/>
+        </p:nvSpPr>
+        <p:spPr>
+          <a:xfrm>
+            <a:off x="6984211" y="1387601"/>
+            <a:ext cx="190500" cy="1203410"/>
+          </a:xfrm>
+          <a:prstGeom prst="roundRect">
+            <a:avLst/>
+          </a:prstGeom>
+          <a:solidFill>
+            <a:schemeClr val="accent6">
+              <a:lumMod val="20000"/>
+              <a:lumOff val="80000"/>
+            </a:schemeClr>
+          </a:solidFill>
+          <a:ln>
+            <a:solidFill>
+              <a:schemeClr val="accent6">
+                <a:lumMod val="75000"/>
+              </a:schemeClr>
+            </a:solidFill>
+          </a:ln>
+        </p:spPr>
+        <p:style>
+          <a:lnRef idx="2">
+            <a:schemeClr val="accent1">
+              <a:shade val="50000"/>
+            </a:schemeClr>
+          </a:lnRef>
+          <a:fillRef idx="1">
+            <a:schemeClr val="accent1"/>
+          </a:fillRef>
+          <a:effectRef idx="0">
+            <a:schemeClr val="accent1"/>
+          </a:effectRef>
+          <a:fontRef idx="minor">
+            <a:schemeClr val="lt1"/>
+          </a:fontRef>
+        </p:style>
+        <p:txBody>
+          <a:bodyPr rtlCol="0" anchor="ctr"/>
+          <a:lstStyle/>
+          <a:p>
+            <a:pPr algn="ctr"/>
+            <a:endParaRPr lang="en-US"/>
+          </a:p>
+        </p:txBody>
+      </p:sp>
+      <p:sp>
+        <p:nvSpPr>
+          <p:cNvPr id="96" name="Rectangle: Rounded Corners 95">
+            <a:extLst>
+              <a:ext uri="{FF2B5EF4-FFF2-40B4-BE49-F238E27FC236}">
+                <a16:creationId xmlns:a16="http://schemas.microsoft.com/office/drawing/2014/main" id="{D0FD108C-9CA9-4AB8-81F6-C475C233004C}"/>
+              </a:ext>
+            </a:extLst>
+          </p:cNvPr>
+          <p:cNvSpPr/>
+          <p:nvPr/>
+        </p:nvSpPr>
+        <p:spPr>
+          <a:xfrm>
+            <a:off x="6984211" y="3163048"/>
+            <a:ext cx="190500" cy="1203410"/>
+          </a:xfrm>
+          <a:prstGeom prst="roundRect">
+            <a:avLst/>
+          </a:prstGeom>
+          <a:solidFill>
+            <a:schemeClr val="accent6">
+              <a:lumMod val="20000"/>
+              <a:lumOff val="80000"/>
+            </a:schemeClr>
+          </a:solidFill>
+          <a:ln>
+            <a:solidFill>
+              <a:schemeClr val="accent6">
+                <a:lumMod val="75000"/>
+              </a:schemeClr>
+            </a:solidFill>
+          </a:ln>
+        </p:spPr>
+        <p:style>
+          <a:lnRef idx="2">
+            <a:schemeClr val="accent1">
+              <a:shade val="50000"/>
+            </a:schemeClr>
+          </a:lnRef>
+          <a:fillRef idx="1">
+            <a:schemeClr val="accent1"/>
+          </a:fillRef>
+          <a:effectRef idx="0">
+            <a:schemeClr val="accent1"/>
+          </a:effectRef>
+          <a:fontRef idx="minor">
+            <a:schemeClr val="lt1"/>
+          </a:fontRef>
+        </p:style>
+        <p:txBody>
+          <a:bodyPr rtlCol="0" anchor="ctr"/>
+          <a:lstStyle/>
+          <a:p>
+            <a:pPr algn="ctr"/>
+            <a:endParaRPr lang="en-US"/>
+          </a:p>
+        </p:txBody>
+      </p:sp>
+      <p:sp>
+        <p:nvSpPr>
+          <p:cNvPr id="97" name="Rectangle: Rounded Corners 96">
+            <a:extLst>
+              <a:ext uri="{FF2B5EF4-FFF2-40B4-BE49-F238E27FC236}">
+                <a16:creationId xmlns:a16="http://schemas.microsoft.com/office/drawing/2014/main" id="{3E52F336-4A33-4ACB-BCEE-0EFD7A43B80B}"/>
+              </a:ext>
+            </a:extLst>
+          </p:cNvPr>
+          <p:cNvSpPr/>
+          <p:nvPr/>
+        </p:nvSpPr>
+        <p:spPr>
+          <a:xfrm>
+            <a:off x="7852063" y="1387601"/>
+            <a:ext cx="190500" cy="1203410"/>
+          </a:xfrm>
+          <a:prstGeom prst="roundRect">
+            <a:avLst/>
+          </a:prstGeom>
+          <a:solidFill>
+            <a:schemeClr val="accent4">
+              <a:lumMod val="20000"/>
+              <a:lumOff val="80000"/>
+            </a:schemeClr>
+          </a:solidFill>
+          <a:ln>
+            <a:solidFill>
+              <a:schemeClr val="accent4">
+                <a:lumMod val="50000"/>
+              </a:schemeClr>
+            </a:solidFill>
+          </a:ln>
+        </p:spPr>
+        <p:style>
+          <a:lnRef idx="2">
+            <a:schemeClr val="accent1">
+              <a:shade val="50000"/>
+            </a:schemeClr>
+          </a:lnRef>
+          <a:fillRef idx="1">
+            <a:schemeClr val="accent1"/>
+          </a:fillRef>
+          <a:effectRef idx="0">
+            <a:schemeClr val="accent1"/>
+          </a:effectRef>
+          <a:fontRef idx="minor">
+            <a:schemeClr val="lt1"/>
+          </a:fontRef>
+        </p:style>
+        <p:txBody>
+          <a:bodyPr rtlCol="0" anchor="ctr"/>
+          <a:lstStyle/>
+          <a:p>
+            <a:pPr algn="ctr"/>
+            <a:endParaRPr lang="en-US"/>
+          </a:p>
+        </p:txBody>
+      </p:sp>
+      <p:sp>
+        <p:nvSpPr>
+          <p:cNvPr id="98" name="Rectangle: Rounded Corners 97">
+            <a:extLst>
+              <a:ext uri="{FF2B5EF4-FFF2-40B4-BE49-F238E27FC236}">
+                <a16:creationId xmlns:a16="http://schemas.microsoft.com/office/drawing/2014/main" id="{CD861F6A-E7E7-48B4-AAFA-7484770E278A}"/>
+              </a:ext>
+            </a:extLst>
+          </p:cNvPr>
+          <p:cNvSpPr/>
+          <p:nvPr/>
+        </p:nvSpPr>
+        <p:spPr>
+          <a:xfrm>
+            <a:off x="7852063" y="3163048"/>
+            <a:ext cx="190500" cy="1203410"/>
+          </a:xfrm>
+          <a:prstGeom prst="roundRect">
+            <a:avLst/>
+          </a:prstGeom>
+          <a:solidFill>
+            <a:schemeClr val="accent4">
+              <a:lumMod val="20000"/>
+              <a:lumOff val="80000"/>
+            </a:schemeClr>
+          </a:solidFill>
+          <a:ln>
+            <a:solidFill>
+              <a:schemeClr val="accent4">
+                <a:lumMod val="50000"/>
+              </a:schemeClr>
+            </a:solidFill>
+          </a:ln>
+        </p:spPr>
+        <p:style>
+          <a:lnRef idx="2">
+            <a:schemeClr val="accent1">
+              <a:shade val="50000"/>
+            </a:schemeClr>
+          </a:lnRef>
+          <a:fillRef idx="1">
+            <a:schemeClr val="accent1"/>
+          </a:fillRef>
+          <a:effectRef idx="0">
+            <a:schemeClr val="accent1"/>
+          </a:effectRef>
+          <a:fontRef idx="minor">
+            <a:schemeClr val="lt1"/>
+          </a:fontRef>
+        </p:style>
+        <p:txBody>
+          <a:bodyPr rtlCol="0" anchor="ctr"/>
+          <a:lstStyle/>
+          <a:p>
+            <a:pPr algn="ctr"/>
+            <a:endParaRPr lang="en-US"/>
+          </a:p>
+        </p:txBody>
+      </p:sp>
+      <p:sp>
+        <p:nvSpPr>
+          <p:cNvPr id="99" name="Arrow: Right 98">
+            <a:extLst>
+              <a:ext uri="{FF2B5EF4-FFF2-40B4-BE49-F238E27FC236}">
+                <a16:creationId xmlns:a16="http://schemas.microsoft.com/office/drawing/2014/main" id="{4F526CF0-A46E-47C8-BF7D-A2822EAC4F53}"/>
+              </a:ext>
+            </a:extLst>
+          </p:cNvPr>
+          <p:cNvSpPr/>
+          <p:nvPr/>
+        </p:nvSpPr>
+        <p:spPr>
+          <a:xfrm>
+            <a:off x="5811148" y="1894056"/>
+            <a:ext cx="189211" cy="211972"/>
+          </a:xfrm>
+          <a:prstGeom prst="rightArrow">
+            <a:avLst/>
+          </a:prstGeom>
+        </p:spPr>
+        <p:style>
+          <a:lnRef idx="2">
+            <a:schemeClr val="accent1">
+              <a:shade val="50000"/>
+            </a:schemeClr>
+          </a:lnRef>
+          <a:fillRef idx="1">
+            <a:schemeClr val="accent1"/>
+          </a:fillRef>
+          <a:effectRef idx="0">
+            <a:schemeClr val="accent1"/>
+          </a:effectRef>
+          <a:fontRef idx="minor">
+            <a:schemeClr val="lt1"/>
+          </a:fontRef>
+        </p:style>
+        <p:txBody>
+          <a:bodyPr rtlCol="0" anchor="ctr"/>
+          <a:lstStyle/>
+          <a:p>
+            <a:pPr algn="ctr"/>
+            <a:endParaRPr lang="en-US"/>
+          </a:p>
+        </p:txBody>
+      </p:sp>
+      <p:sp>
+        <p:nvSpPr>
+          <p:cNvPr id="100" name="Arrow: Right 99">
+            <a:extLst>
+              <a:ext uri="{FF2B5EF4-FFF2-40B4-BE49-F238E27FC236}">
+                <a16:creationId xmlns:a16="http://schemas.microsoft.com/office/drawing/2014/main" id="{CCC50FF4-FF69-4489-9B0D-BF7BEEF6DFF2}"/>
+              </a:ext>
+            </a:extLst>
+          </p:cNvPr>
+          <p:cNvSpPr/>
+          <p:nvPr/>
+        </p:nvSpPr>
+        <p:spPr>
+          <a:xfrm>
+            <a:off x="5811148" y="3674772"/>
+            <a:ext cx="189211" cy="211972"/>
+          </a:xfrm>
+          <a:prstGeom prst="rightArrow">
+            <a:avLst/>
+          </a:prstGeom>
+        </p:spPr>
+        <p:style>
+          <a:lnRef idx="2">
+            <a:schemeClr val="accent1">
+              <a:shade val="50000"/>
+            </a:schemeClr>
+          </a:lnRef>
+          <a:fillRef idx="1">
+            <a:schemeClr val="accent1"/>
+          </a:fillRef>
+          <a:effectRef idx="0">
+            <a:schemeClr val="accent1"/>
+          </a:effectRef>
+          <a:fontRef idx="minor">
+            <a:schemeClr val="lt1"/>
+          </a:fontRef>
+        </p:style>
+        <p:txBody>
+          <a:bodyPr rtlCol="0" anchor="ctr"/>
+          <a:lstStyle/>
+          <a:p>
+            <a:pPr algn="ctr"/>
+            <a:endParaRPr lang="en-US"/>
+          </a:p>
+        </p:txBody>
+      </p:sp>
+      <p:sp>
+        <p:nvSpPr>
+          <p:cNvPr id="101" name="Arrow: Right 100">
+            <a:extLst>
+              <a:ext uri="{FF2B5EF4-FFF2-40B4-BE49-F238E27FC236}">
+                <a16:creationId xmlns:a16="http://schemas.microsoft.com/office/drawing/2014/main" id="{CA458019-41B1-487F-B231-C4FDED0263CF}"/>
+              </a:ext>
+            </a:extLst>
+          </p:cNvPr>
+          <p:cNvSpPr/>
+          <p:nvPr/>
+        </p:nvSpPr>
+        <p:spPr>
+          <a:xfrm>
+            <a:off x="7235178" y="1894056"/>
+            <a:ext cx="549921" cy="211972"/>
+          </a:xfrm>
+          <a:prstGeom prst="rightArrow">
+            <a:avLst/>
+          </a:prstGeom>
+        </p:spPr>
+        <p:style>
+          <a:lnRef idx="2">
+            <a:schemeClr val="accent1">
+              <a:shade val="50000"/>
+            </a:schemeClr>
+          </a:lnRef>
+          <a:fillRef idx="1">
+            <a:schemeClr val="accent1"/>
+          </a:fillRef>
+          <a:effectRef idx="0">
+            <a:schemeClr val="accent1"/>
+          </a:effectRef>
+          <a:fontRef idx="minor">
+            <a:schemeClr val="lt1"/>
+          </a:fontRef>
+        </p:style>
+        <p:txBody>
+          <a:bodyPr rtlCol="0" anchor="ctr"/>
+          <a:lstStyle/>
+          <a:p>
+            <a:pPr algn="ctr"/>
+            <a:endParaRPr lang="en-US"/>
+          </a:p>
+        </p:txBody>
+      </p:sp>
+      <p:sp>
+        <p:nvSpPr>
+          <p:cNvPr id="102" name="Arrow: Right 101">
+            <a:extLst>
+              <a:ext uri="{FF2B5EF4-FFF2-40B4-BE49-F238E27FC236}">
+                <a16:creationId xmlns:a16="http://schemas.microsoft.com/office/drawing/2014/main" id="{CCADB918-B1D8-40AB-BF4C-C886CCEFB99F}"/>
+              </a:ext>
+            </a:extLst>
+          </p:cNvPr>
+          <p:cNvSpPr/>
+          <p:nvPr/>
+        </p:nvSpPr>
+        <p:spPr>
+          <a:xfrm>
+            <a:off x="7235178" y="3674772"/>
+            <a:ext cx="549921" cy="211972"/>
+          </a:xfrm>
+          <a:prstGeom prst="rightArrow">
+            <a:avLst/>
+          </a:prstGeom>
+        </p:spPr>
+        <p:style>
+          <a:lnRef idx="2">
+            <a:schemeClr val="accent1">
+              <a:shade val="50000"/>
+            </a:schemeClr>
+          </a:lnRef>
+          <a:fillRef idx="1">
+            <a:schemeClr val="accent1"/>
+          </a:fillRef>
+          <a:effectRef idx="0">
+            <a:schemeClr val="accent1"/>
+          </a:effectRef>
+          <a:fontRef idx="minor">
+            <a:schemeClr val="lt1"/>
+          </a:fontRef>
+        </p:style>
+        <p:txBody>
+          <a:bodyPr rtlCol="0" anchor="ctr"/>
+          <a:lstStyle/>
+          <a:p>
+            <a:pPr algn="ctr"/>
+            <a:endParaRPr lang="en-US"/>
+          </a:p>
+        </p:txBody>
+      </p:sp>
+      <p:sp>
+        <p:nvSpPr>
+          <p:cNvPr id="105" name="Rectangle: Rounded Corners 104">
+            <a:extLst>
+              <a:ext uri="{FF2B5EF4-FFF2-40B4-BE49-F238E27FC236}">
+                <a16:creationId xmlns:a16="http://schemas.microsoft.com/office/drawing/2014/main" id="{61C2BBD2-1449-4486-ABDF-D87E2198014B}"/>
+              </a:ext>
+            </a:extLst>
+          </p:cNvPr>
+          <p:cNvSpPr/>
+          <p:nvPr/>
+        </p:nvSpPr>
+        <p:spPr>
+          <a:xfrm>
+            <a:off x="6291197" y="2675847"/>
+            <a:ext cx="500712" cy="443108"/>
+          </a:xfrm>
+          <a:prstGeom prst="roundRect">
+            <a:avLst/>
+          </a:prstGeom>
+          <a:solidFill>
+            <a:schemeClr val="accent3">
+              <a:lumMod val="20000"/>
+              <a:lumOff val="80000"/>
+            </a:schemeClr>
+          </a:solidFill>
+          <a:ln>
+            <a:solidFill>
+              <a:schemeClr val="accent3">
+                <a:lumMod val="50000"/>
+              </a:schemeClr>
+            </a:solidFill>
+          </a:ln>
+        </p:spPr>
+        <p:style>
+          <a:lnRef idx="2">
+            <a:schemeClr val="accent1">
+              <a:shade val="50000"/>
+            </a:schemeClr>
+          </a:lnRef>
+          <a:fillRef idx="1">
+            <a:schemeClr val="accent1"/>
+          </a:fillRef>
+          <a:effectRef idx="0">
+            <a:schemeClr val="accent1"/>
+          </a:effectRef>
+          <a:fontRef idx="minor">
+            <a:schemeClr val="lt1"/>
+          </a:fontRef>
+        </p:style>
+        <p:txBody>
+          <a:bodyPr rtlCol="0" anchor="ctr"/>
+          <a:lstStyle/>
+          <a:p>
+            <a:pPr algn="ctr"/>
+            <a:endParaRPr lang="en-US"/>
+          </a:p>
+        </p:txBody>
+      </p:sp>
+      <p:cxnSp>
+        <p:nvCxnSpPr>
+          <p:cNvPr id="107" name="Connector: Curved 106">
+            <a:extLst>
+              <a:ext uri="{FF2B5EF4-FFF2-40B4-BE49-F238E27FC236}">
+                <a16:creationId xmlns:a16="http://schemas.microsoft.com/office/drawing/2014/main" id="{8256AD28-91BC-4F59-8522-9420ACA3B25A}"/>
+              </a:ext>
+            </a:extLst>
+          </p:cNvPr>
+          <p:cNvCxnSpPr>
+            <a:stCxn id="93" idx="3"/>
+            <a:endCxn id="105" idx="0"/>
+          </p:cNvCxnSpPr>
+          <p:nvPr/>
+        </p:nvCxnSpPr>
+        <p:spPr>
+          <a:xfrm>
+            <a:off x="6209777" y="1989306"/>
+            <a:ext cx="331776" cy="686541"/>
+          </a:xfrm>
+          <a:prstGeom prst="curvedConnector2">
+            <a:avLst/>
+          </a:prstGeom>
+          <a:ln>
+            <a:tailEnd type="triangle"/>
+          </a:ln>
+        </p:spPr>
+        <p:style>
+          <a:lnRef idx="1">
+            <a:schemeClr val="accent1"/>
+          </a:lnRef>
+          <a:fillRef idx="0">
+            <a:schemeClr val="accent1"/>
+          </a:fillRef>
+          <a:effectRef idx="0">
+            <a:schemeClr val="accent1"/>
+          </a:effectRef>
+          <a:fontRef idx="minor">
+            <a:schemeClr val="tx1"/>
+          </a:fontRef>
+        </p:style>
+      </p:cxnSp>
+      <p:cxnSp>
+        <p:nvCxnSpPr>
+          <p:cNvPr id="108" name="Connector: Curved 107">
+            <a:extLst>
+              <a:ext uri="{FF2B5EF4-FFF2-40B4-BE49-F238E27FC236}">
+                <a16:creationId xmlns:a16="http://schemas.microsoft.com/office/drawing/2014/main" id="{6A72409C-FBA0-48AC-BDC4-473D2D70700D}"/>
+              </a:ext>
+            </a:extLst>
+          </p:cNvPr>
+          <p:cNvCxnSpPr>
+            <a:cxnSpLocks/>
+            <a:stCxn id="94" idx="3"/>
+            <a:endCxn id="105" idx="2"/>
+          </p:cNvCxnSpPr>
+          <p:nvPr/>
+        </p:nvCxnSpPr>
+        <p:spPr>
+          <a:xfrm flipV="1">
+            <a:off x="6209777" y="3118955"/>
+            <a:ext cx="331776" cy="645798"/>
+          </a:xfrm>
+          <a:prstGeom prst="curvedConnector2">
+            <a:avLst/>
+          </a:prstGeom>
+          <a:ln>
+            <a:tailEnd type="triangle"/>
+          </a:ln>
+        </p:spPr>
+        <p:style>
+          <a:lnRef idx="1">
+            <a:schemeClr val="accent1"/>
+          </a:lnRef>
+          <a:fillRef idx="0">
+            <a:schemeClr val="accent1"/>
+          </a:fillRef>
+          <a:effectRef idx="0">
+            <a:schemeClr val="accent1"/>
+          </a:effectRef>
+          <a:fontRef idx="minor">
+            <a:schemeClr val="tx1"/>
+          </a:fontRef>
+        </p:style>
+      </p:cxnSp>
+      <p:cxnSp>
+        <p:nvCxnSpPr>
+          <p:cNvPr id="112" name="Connector: Curved 111">
+            <a:extLst>
+              <a:ext uri="{FF2B5EF4-FFF2-40B4-BE49-F238E27FC236}">
+                <a16:creationId xmlns:a16="http://schemas.microsoft.com/office/drawing/2014/main" id="{9F694EFD-E2DE-49EA-9662-FAF4E492F994}"/>
+              </a:ext>
+            </a:extLst>
+          </p:cNvPr>
+          <p:cNvCxnSpPr>
+            <a:cxnSpLocks/>
+            <a:stCxn id="105" idx="3"/>
+            <a:endCxn id="96" idx="0"/>
+          </p:cNvCxnSpPr>
+          <p:nvPr/>
+        </p:nvCxnSpPr>
+        <p:spPr>
+          <a:xfrm>
+            <a:off x="6791909" y="2897401"/>
+            <a:ext cx="287552" cy="265647"/>
+          </a:xfrm>
+          <a:prstGeom prst="curvedConnector2">
+            <a:avLst/>
+          </a:prstGeom>
+          <a:ln>
+            <a:tailEnd type="triangle"/>
+          </a:ln>
+        </p:spPr>
+        <p:style>
+          <a:lnRef idx="1">
+            <a:schemeClr val="accent1"/>
+          </a:lnRef>
+          <a:fillRef idx="0">
+            <a:schemeClr val="accent1"/>
+          </a:fillRef>
+          <a:effectRef idx="0">
+            <a:schemeClr val="accent1"/>
+          </a:effectRef>
+          <a:fontRef idx="minor">
+            <a:schemeClr val="tx1"/>
+          </a:fontRef>
+        </p:style>
+      </p:cxnSp>
+      <p:cxnSp>
+        <p:nvCxnSpPr>
+          <p:cNvPr id="115" name="Connector: Curved 114">
+            <a:extLst>
+              <a:ext uri="{FF2B5EF4-FFF2-40B4-BE49-F238E27FC236}">
+                <a16:creationId xmlns:a16="http://schemas.microsoft.com/office/drawing/2014/main" id="{847F42DC-F484-4D80-A3AD-E4D6D5F2B82E}"/>
+              </a:ext>
+            </a:extLst>
+          </p:cNvPr>
+          <p:cNvCxnSpPr>
+            <a:cxnSpLocks/>
+            <a:stCxn id="105" idx="3"/>
+            <a:endCxn id="95" idx="2"/>
+          </p:cNvCxnSpPr>
+          <p:nvPr/>
+        </p:nvCxnSpPr>
+        <p:spPr>
+          <a:xfrm flipV="1">
+            <a:off x="6791909" y="2591011"/>
+            <a:ext cx="287552" cy="306390"/>
+          </a:xfrm>
+          <a:prstGeom prst="curvedConnector2">
+            <a:avLst/>
+          </a:prstGeom>
+          <a:ln>
+            <a:tailEnd type="triangle"/>
+          </a:ln>
+        </p:spPr>
+        <p:style>
+          <a:lnRef idx="1">
+            <a:schemeClr val="accent1"/>
+          </a:lnRef>
+          <a:fillRef idx="0">
+            <a:schemeClr val="accent1"/>
+          </a:fillRef>
+          <a:effectRef idx="0">
+            <a:schemeClr val="accent1"/>
+          </a:effectRef>
+          <a:fontRef idx="minor">
+            <a:schemeClr val="tx1"/>
+          </a:fontRef>
+        </p:style>
+      </p:cxnSp>
+      <p:grpSp>
+        <p:nvGrpSpPr>
+          <p:cNvPr id="131" name="Group 130">
+            <a:extLst>
+              <a:ext uri="{FF2B5EF4-FFF2-40B4-BE49-F238E27FC236}">
+                <a16:creationId xmlns:a16="http://schemas.microsoft.com/office/drawing/2014/main" id="{D97BBFBE-AE5E-4D3A-9E72-DB6EDB76C0A6}"/>
+              </a:ext>
+            </a:extLst>
+          </p:cNvPr>
+          <p:cNvGrpSpPr/>
+          <p:nvPr/>
+        </p:nvGrpSpPr>
+        <p:grpSpPr>
+          <a:xfrm>
+            <a:off x="8298746" y="1375491"/>
+            <a:ext cx="1314450" cy="1191101"/>
+            <a:chOff x="3473450" y="1362075"/>
+            <a:chExt cx="1314450" cy="1191101"/>
+          </a:xfrm>
+        </p:grpSpPr>
+        <p:sp>
+          <p:nvSpPr>
+            <p:cNvPr id="133" name="Oval 132">
+              <a:extLst>
+                <a:ext uri="{FF2B5EF4-FFF2-40B4-BE49-F238E27FC236}">
+                  <a16:creationId xmlns:a16="http://schemas.microsoft.com/office/drawing/2014/main" id="{423A43DD-66B9-4E25-944E-D8A1575C74F7}"/>
+                </a:ext>
+              </a:extLst>
+            </p:cNvPr>
+            <p:cNvSpPr/>
+            <p:nvPr/>
+          </p:nvSpPr>
+          <p:spPr>
+            <a:xfrm>
+              <a:off x="3841750" y="1362075"/>
+              <a:ext cx="190500" cy="190500"/>
+            </a:xfrm>
+            <a:prstGeom prst="ellipse">
+              <a:avLst/>
+            </a:prstGeom>
+            <a:solidFill>
+              <a:schemeClr val="accent6">
+                <a:lumMod val="40000"/>
+                <a:lumOff val="60000"/>
+              </a:schemeClr>
+            </a:solidFill>
+            <a:ln>
+              <a:solidFill>
+                <a:schemeClr val="accent6">
+                  <a:lumMod val="75000"/>
+                </a:schemeClr>
+              </a:solidFill>
+            </a:ln>
+          </p:spPr>
+          <p:style>
+            <a:lnRef idx="2">
+              <a:schemeClr val="accent1">
+                <a:shade val="50000"/>
+              </a:schemeClr>
+            </a:lnRef>
+            <a:fillRef idx="1">
+              <a:schemeClr val="accent1"/>
+            </a:fillRef>
+            <a:effectRef idx="0">
+              <a:schemeClr val="accent1"/>
+            </a:effectRef>
+            <a:fontRef idx="minor">
+              <a:schemeClr val="lt1"/>
+            </a:fontRef>
+          </p:style>
+          <p:txBody>
+            <a:bodyPr rtlCol="0" anchor="ctr"/>
+            <a:lstStyle/>
+            <a:p>
+              <a:pPr algn="ctr"/>
+              <a:endParaRPr lang="en-US"/>
+            </a:p>
+          </p:txBody>
+        </p:sp>
+        <p:sp>
+          <p:nvSpPr>
+            <p:cNvPr id="134" name="Oval 133">
+              <a:extLst>
+                <a:ext uri="{FF2B5EF4-FFF2-40B4-BE49-F238E27FC236}">
+                  <a16:creationId xmlns:a16="http://schemas.microsoft.com/office/drawing/2014/main" id="{58B25BE3-A9C4-4AE4-ABAC-8F094D328ECB}"/>
+                </a:ext>
+              </a:extLst>
+            </p:cNvPr>
+            <p:cNvSpPr/>
+            <p:nvPr/>
+          </p:nvSpPr>
+          <p:spPr>
+            <a:xfrm>
+              <a:off x="3473450" y="1869281"/>
+              <a:ext cx="190500" cy="190500"/>
+            </a:xfrm>
+            <a:prstGeom prst="ellipse">
+              <a:avLst/>
+            </a:prstGeom>
+            <a:solidFill>
+              <a:schemeClr val="accent6">
+                <a:lumMod val="40000"/>
+                <a:lumOff val="60000"/>
+              </a:schemeClr>
+            </a:solidFill>
+            <a:ln>
+              <a:solidFill>
+                <a:schemeClr val="accent6">
+                  <a:lumMod val="75000"/>
+                </a:schemeClr>
+              </a:solidFill>
+            </a:ln>
+          </p:spPr>
+          <p:style>
+            <a:lnRef idx="2">
+              <a:schemeClr val="accent1">
+                <a:shade val="50000"/>
+              </a:schemeClr>
+            </a:lnRef>
+            <a:fillRef idx="1">
+              <a:schemeClr val="accent1"/>
+            </a:fillRef>
+            <a:effectRef idx="0">
+              <a:schemeClr val="accent1"/>
+            </a:effectRef>
+            <a:fontRef idx="minor">
+              <a:schemeClr val="lt1"/>
+            </a:fontRef>
+          </p:style>
+          <p:txBody>
+            <a:bodyPr rtlCol="0" anchor="ctr"/>
+            <a:lstStyle/>
+            <a:p>
+              <a:pPr algn="ctr"/>
+              <a:endParaRPr lang="en-US"/>
+            </a:p>
+          </p:txBody>
+        </p:sp>
+        <p:sp>
+          <p:nvSpPr>
+            <p:cNvPr id="135" name="Oval 134">
+              <a:extLst>
+                <a:ext uri="{FF2B5EF4-FFF2-40B4-BE49-F238E27FC236}">
+                  <a16:creationId xmlns:a16="http://schemas.microsoft.com/office/drawing/2014/main" id="{59F6EF77-5257-46BB-B4DB-92AEDB27621C}"/>
+                </a:ext>
+              </a:extLst>
+            </p:cNvPr>
+            <p:cNvSpPr/>
+            <p:nvPr/>
+          </p:nvSpPr>
+          <p:spPr>
+            <a:xfrm>
+              <a:off x="4222750" y="1869281"/>
+              <a:ext cx="190500" cy="190500"/>
+            </a:xfrm>
+            <a:prstGeom prst="ellipse">
+              <a:avLst/>
+            </a:prstGeom>
+            <a:solidFill>
+              <a:schemeClr val="accent6">
+                <a:lumMod val="40000"/>
+                <a:lumOff val="60000"/>
+              </a:schemeClr>
+            </a:solidFill>
+            <a:ln>
+              <a:solidFill>
+                <a:schemeClr val="accent6">
+                  <a:lumMod val="75000"/>
+                </a:schemeClr>
+              </a:solidFill>
+            </a:ln>
+          </p:spPr>
+          <p:style>
+            <a:lnRef idx="2">
+              <a:schemeClr val="accent1">
+                <a:shade val="50000"/>
+              </a:schemeClr>
+            </a:lnRef>
+            <a:fillRef idx="1">
+              <a:schemeClr val="accent1"/>
+            </a:fillRef>
+            <a:effectRef idx="0">
+              <a:schemeClr val="accent1"/>
+            </a:effectRef>
+            <a:fontRef idx="minor">
+              <a:schemeClr val="lt1"/>
+            </a:fontRef>
+          </p:style>
+          <p:txBody>
+            <a:bodyPr rtlCol="0" anchor="ctr"/>
+            <a:lstStyle/>
+            <a:p>
+              <a:pPr algn="ctr"/>
+              <a:endParaRPr lang="en-US"/>
+            </a:p>
+          </p:txBody>
+        </p:sp>
+        <p:sp>
+          <p:nvSpPr>
+            <p:cNvPr id="136" name="Oval 135">
+              <a:extLst>
+                <a:ext uri="{FF2B5EF4-FFF2-40B4-BE49-F238E27FC236}">
+                  <a16:creationId xmlns:a16="http://schemas.microsoft.com/office/drawing/2014/main" id="{82D90830-3CEA-403E-80B8-DB49CC523BE3}"/>
+                </a:ext>
+              </a:extLst>
+            </p:cNvPr>
+            <p:cNvSpPr/>
+            <p:nvPr/>
+          </p:nvSpPr>
+          <p:spPr>
+            <a:xfrm>
+              <a:off x="3841750" y="2362676"/>
+              <a:ext cx="190500" cy="190500"/>
+            </a:xfrm>
+            <a:prstGeom prst="ellipse">
+              <a:avLst/>
+            </a:prstGeom>
+            <a:solidFill>
+              <a:schemeClr val="accent6">
+                <a:lumMod val="40000"/>
+                <a:lumOff val="60000"/>
+              </a:schemeClr>
+            </a:solidFill>
+            <a:ln>
+              <a:solidFill>
+                <a:schemeClr val="accent6">
+                  <a:lumMod val="75000"/>
+                </a:schemeClr>
+              </a:solidFill>
+            </a:ln>
+          </p:spPr>
+          <p:style>
+            <a:lnRef idx="2">
+              <a:schemeClr val="accent1">
+                <a:shade val="50000"/>
+              </a:schemeClr>
+            </a:lnRef>
+            <a:fillRef idx="1">
+              <a:schemeClr val="accent1"/>
+            </a:fillRef>
+            <a:effectRef idx="0">
+              <a:schemeClr val="accent1"/>
+            </a:effectRef>
+            <a:fontRef idx="minor">
+              <a:schemeClr val="lt1"/>
+            </a:fontRef>
+          </p:style>
+          <p:txBody>
+            <a:bodyPr rtlCol="0" anchor="ctr"/>
+            <a:lstStyle/>
+            <a:p>
+              <a:pPr algn="ctr"/>
+              <a:endParaRPr lang="en-US"/>
+            </a:p>
+          </p:txBody>
+        </p:sp>
+        <p:sp>
+          <p:nvSpPr>
+            <p:cNvPr id="137" name="Oval 136">
+              <a:extLst>
+                <a:ext uri="{FF2B5EF4-FFF2-40B4-BE49-F238E27FC236}">
+                  <a16:creationId xmlns:a16="http://schemas.microsoft.com/office/drawing/2014/main" id="{2597FD7A-F01E-4C16-8CBE-EFC6CD12DE2A}"/>
+                </a:ext>
+              </a:extLst>
+            </p:cNvPr>
+            <p:cNvSpPr/>
+            <p:nvPr/>
+          </p:nvSpPr>
+          <p:spPr>
+            <a:xfrm>
+              <a:off x="4597400" y="2362676"/>
+              <a:ext cx="190500" cy="190500"/>
+            </a:xfrm>
+            <a:prstGeom prst="ellipse">
+              <a:avLst/>
+            </a:prstGeom>
+            <a:solidFill>
+              <a:schemeClr val="accent2">
+                <a:lumMod val="20000"/>
+                <a:lumOff val="80000"/>
+              </a:schemeClr>
+            </a:solidFill>
+            <a:ln>
+              <a:solidFill>
+                <a:srgbClr val="FF0000"/>
+              </a:solidFill>
+            </a:ln>
+          </p:spPr>
+          <p:style>
+            <a:lnRef idx="2">
+              <a:schemeClr val="accent1">
+                <a:shade val="50000"/>
+              </a:schemeClr>
+            </a:lnRef>
+            <a:fillRef idx="1">
+              <a:schemeClr val="accent1"/>
+            </a:fillRef>
+            <a:effectRef idx="0">
+              <a:schemeClr val="accent1"/>
+            </a:effectRef>
+            <a:fontRef idx="minor">
+              <a:schemeClr val="lt1"/>
+            </a:fontRef>
+          </p:style>
+          <p:txBody>
+            <a:bodyPr rtlCol="0" anchor="ctr"/>
+            <a:lstStyle/>
+            <a:p>
+              <a:pPr algn="ctr"/>
+              <a:endParaRPr lang="en-US"/>
+            </a:p>
+          </p:txBody>
+        </p:sp>
+        <p:cxnSp>
+          <p:nvCxnSpPr>
+            <p:cNvPr id="138" name="Straight Arrow Connector 137">
+              <a:extLst>
+                <a:ext uri="{FF2B5EF4-FFF2-40B4-BE49-F238E27FC236}">
+                  <a16:creationId xmlns:a16="http://schemas.microsoft.com/office/drawing/2014/main" id="{931369C1-E4E0-442B-971F-186752168F38}"/>
+                </a:ext>
+              </a:extLst>
+            </p:cNvPr>
+            <p:cNvCxnSpPr>
+              <a:stCxn id="133" idx="3"/>
+              <a:endCxn id="134" idx="6"/>
+            </p:cNvCxnSpPr>
+            <p:nvPr/>
+          </p:nvCxnSpPr>
+          <p:spPr>
+            <a:xfrm flipH="1">
+              <a:off x="3636052" y="1524677"/>
+              <a:ext cx="233596" cy="372502"/>
+            </a:xfrm>
+            <a:prstGeom prst="straightConnector1">
+              <a:avLst/>
+            </a:prstGeom>
+            <a:ln w="25400">
+              <a:tailEnd type="triangle"/>
+            </a:ln>
+          </p:spPr>
+          <p:style>
+            <a:lnRef idx="1">
+              <a:schemeClr val="accent1"/>
+            </a:lnRef>
+            <a:fillRef idx="0">
+              <a:schemeClr val="accent1"/>
+            </a:fillRef>
+            <a:effectRef idx="0">
+              <a:schemeClr val="accent1"/>
+            </a:effectRef>
+            <a:fontRef idx="minor">
+              <a:schemeClr val="tx1"/>
+            </a:fontRef>
+          </p:style>
+        </p:cxnSp>
+        <p:cxnSp>
+          <p:nvCxnSpPr>
+            <p:cNvPr id="139" name="Straight Arrow Connector 138">
+              <a:extLst>
+                <a:ext uri="{FF2B5EF4-FFF2-40B4-BE49-F238E27FC236}">
+                  <a16:creationId xmlns:a16="http://schemas.microsoft.com/office/drawing/2014/main" id="{B6B11C95-E63E-403C-8601-ECD2AE9AC703}"/>
+                </a:ext>
+              </a:extLst>
+            </p:cNvPr>
+            <p:cNvCxnSpPr>
+              <a:cxnSpLocks/>
+              <a:stCxn id="133" idx="5"/>
+              <a:endCxn id="135" idx="1"/>
+            </p:cNvCxnSpPr>
+            <p:nvPr/>
+          </p:nvCxnSpPr>
+          <p:spPr>
+            <a:xfrm>
+              <a:off x="4004352" y="1524677"/>
+              <a:ext cx="246296" cy="372502"/>
+            </a:xfrm>
+            <a:prstGeom prst="straightConnector1">
+              <a:avLst/>
+            </a:prstGeom>
+            <a:ln w="25400">
+              <a:tailEnd type="triangle"/>
+            </a:ln>
+          </p:spPr>
+          <p:style>
+            <a:lnRef idx="1">
+              <a:schemeClr val="accent1"/>
+            </a:lnRef>
+            <a:fillRef idx="0">
+              <a:schemeClr val="accent1"/>
+            </a:fillRef>
+            <a:effectRef idx="0">
+              <a:schemeClr val="accent1"/>
+            </a:effectRef>
+            <a:fontRef idx="minor">
+              <a:schemeClr val="tx1"/>
+            </a:fontRef>
+          </p:style>
+        </p:cxnSp>
+        <p:cxnSp>
+          <p:nvCxnSpPr>
+            <p:cNvPr id="140" name="Straight Arrow Connector 139">
+              <a:extLst>
+                <a:ext uri="{FF2B5EF4-FFF2-40B4-BE49-F238E27FC236}">
+                  <a16:creationId xmlns:a16="http://schemas.microsoft.com/office/drawing/2014/main" id="{D8E9E3F2-7079-4BA1-B107-7DB718D7B28A}"/>
+                </a:ext>
+              </a:extLst>
+            </p:cNvPr>
+            <p:cNvCxnSpPr>
+              <a:cxnSpLocks/>
+              <a:stCxn id="135" idx="3"/>
+              <a:endCxn id="136" idx="7"/>
+            </p:cNvCxnSpPr>
+            <p:nvPr/>
+          </p:nvCxnSpPr>
+          <p:spPr>
+            <a:xfrm flipH="1">
+              <a:off x="4004352" y="2031883"/>
+              <a:ext cx="246296" cy="358691"/>
+            </a:xfrm>
+            <a:prstGeom prst="straightConnector1">
+              <a:avLst/>
+            </a:prstGeom>
+            <a:ln w="25400">
+              <a:tailEnd type="triangle"/>
+            </a:ln>
+          </p:spPr>
+          <p:style>
+            <a:lnRef idx="1">
+              <a:schemeClr val="accent1"/>
+            </a:lnRef>
+            <a:fillRef idx="0">
+              <a:schemeClr val="accent1"/>
+            </a:fillRef>
+            <a:effectRef idx="0">
+              <a:schemeClr val="accent1"/>
+            </a:effectRef>
+            <a:fontRef idx="minor">
+              <a:schemeClr val="tx1"/>
+            </a:fontRef>
+          </p:style>
+        </p:cxnSp>
+        <p:cxnSp>
+          <p:nvCxnSpPr>
+            <p:cNvPr id="141" name="Straight Arrow Connector 140">
+              <a:extLst>
+                <a:ext uri="{FF2B5EF4-FFF2-40B4-BE49-F238E27FC236}">
+                  <a16:creationId xmlns:a16="http://schemas.microsoft.com/office/drawing/2014/main" id="{E62E1E74-9ECE-42CE-8B2C-DEA0E4911B97}"/>
+                </a:ext>
+              </a:extLst>
+            </p:cNvPr>
+            <p:cNvCxnSpPr>
+              <a:cxnSpLocks/>
+              <a:stCxn id="135" idx="5"/>
+              <a:endCxn id="137" idx="1"/>
+            </p:cNvCxnSpPr>
+            <p:nvPr/>
+          </p:nvCxnSpPr>
+          <p:spPr>
+            <a:xfrm>
+              <a:off x="4385352" y="2031883"/>
+              <a:ext cx="239946" cy="358691"/>
+            </a:xfrm>
+            <a:prstGeom prst="straightConnector1">
+              <a:avLst/>
+            </a:prstGeom>
+            <a:solidFill>
+              <a:schemeClr val="accent2">
+                <a:lumMod val="20000"/>
+                <a:lumOff val="80000"/>
+              </a:schemeClr>
+            </a:solidFill>
+            <a:ln w="25400">
+              <a:solidFill>
+                <a:srgbClr val="FF0000"/>
+              </a:solidFill>
+              <a:tailEnd type="triangle"/>
+            </a:ln>
+          </p:spPr>
+          <p:style>
+            <a:lnRef idx="1">
+              <a:schemeClr val="accent1"/>
+            </a:lnRef>
+            <a:fillRef idx="0">
+              <a:schemeClr val="accent1"/>
+            </a:fillRef>
+            <a:effectRef idx="0">
+              <a:schemeClr val="accent1"/>
+            </a:effectRef>
+            <a:fontRef idx="minor">
+              <a:schemeClr val="tx1"/>
+            </a:fontRef>
+          </p:style>
+        </p:cxnSp>
+      </p:grpSp>
+      <p:grpSp>
+        <p:nvGrpSpPr>
+          <p:cNvPr id="143" name="Group 142">
+            <a:extLst>
+              <a:ext uri="{FF2B5EF4-FFF2-40B4-BE49-F238E27FC236}">
+                <a16:creationId xmlns:a16="http://schemas.microsoft.com/office/drawing/2014/main" id="{9A9C6653-C841-4F32-9B3C-E98F70BD8114}"/>
+              </a:ext>
+            </a:extLst>
+          </p:cNvPr>
+          <p:cNvGrpSpPr/>
+          <p:nvPr/>
+        </p:nvGrpSpPr>
+        <p:grpSpPr>
+          <a:xfrm>
+            <a:off x="8363544" y="3415900"/>
+            <a:ext cx="939800" cy="697706"/>
+            <a:chOff x="3473450" y="1362075"/>
+            <a:chExt cx="939800" cy="697706"/>
+          </a:xfrm>
+        </p:grpSpPr>
+        <p:sp>
+          <p:nvSpPr>
+            <p:cNvPr id="145" name="Oval 144">
+              <a:extLst>
+                <a:ext uri="{FF2B5EF4-FFF2-40B4-BE49-F238E27FC236}">
+                  <a16:creationId xmlns:a16="http://schemas.microsoft.com/office/drawing/2014/main" id="{4638333F-4B77-48D1-93C7-87D329B1AF04}"/>
+                </a:ext>
+              </a:extLst>
+            </p:cNvPr>
+            <p:cNvSpPr/>
+            <p:nvPr/>
+          </p:nvSpPr>
+          <p:spPr>
+            <a:xfrm>
+              <a:off x="3841750" y="1362075"/>
+              <a:ext cx="190500" cy="190500"/>
+            </a:xfrm>
+            <a:prstGeom prst="ellipse">
+              <a:avLst/>
+            </a:prstGeom>
+            <a:solidFill>
+              <a:schemeClr val="accent6">
+                <a:lumMod val="40000"/>
+                <a:lumOff val="60000"/>
+              </a:schemeClr>
+            </a:solidFill>
+            <a:ln>
+              <a:solidFill>
+                <a:schemeClr val="accent6">
+                  <a:lumMod val="75000"/>
+                </a:schemeClr>
+              </a:solidFill>
+            </a:ln>
+          </p:spPr>
+          <p:style>
+            <a:lnRef idx="2">
+              <a:schemeClr val="accent1">
+                <a:shade val="50000"/>
+              </a:schemeClr>
+            </a:lnRef>
+            <a:fillRef idx="1">
+              <a:schemeClr val="accent1"/>
+            </a:fillRef>
+            <a:effectRef idx="0">
+              <a:schemeClr val="accent1"/>
+            </a:effectRef>
+            <a:fontRef idx="minor">
+              <a:schemeClr val="lt1"/>
+            </a:fontRef>
+          </p:style>
+          <p:txBody>
+            <a:bodyPr rtlCol="0" anchor="ctr"/>
+            <a:lstStyle/>
+            <a:p>
+              <a:pPr algn="ctr"/>
+              <a:endParaRPr lang="en-US"/>
+            </a:p>
+          </p:txBody>
+        </p:sp>
+        <p:sp>
+          <p:nvSpPr>
+            <p:cNvPr id="146" name="Oval 145">
+              <a:extLst>
+                <a:ext uri="{FF2B5EF4-FFF2-40B4-BE49-F238E27FC236}">
+                  <a16:creationId xmlns:a16="http://schemas.microsoft.com/office/drawing/2014/main" id="{A513AA6D-B29D-40B3-8D29-12025BAD6E2C}"/>
+                </a:ext>
+              </a:extLst>
+            </p:cNvPr>
+            <p:cNvSpPr/>
+            <p:nvPr/>
+          </p:nvSpPr>
+          <p:spPr>
+            <a:xfrm>
+              <a:off x="3473450" y="1869281"/>
+              <a:ext cx="190500" cy="190500"/>
+            </a:xfrm>
+            <a:prstGeom prst="ellipse">
+              <a:avLst/>
+            </a:prstGeom>
+            <a:solidFill>
+              <a:schemeClr val="accent6">
+                <a:lumMod val="40000"/>
+                <a:lumOff val="60000"/>
+              </a:schemeClr>
+            </a:solidFill>
+            <a:ln>
+              <a:solidFill>
+                <a:schemeClr val="accent6">
+                  <a:lumMod val="75000"/>
+                </a:schemeClr>
+              </a:solidFill>
+            </a:ln>
+          </p:spPr>
+          <p:style>
+            <a:lnRef idx="2">
+              <a:schemeClr val="accent1">
+                <a:shade val="50000"/>
+              </a:schemeClr>
+            </a:lnRef>
+            <a:fillRef idx="1">
+              <a:schemeClr val="accent1"/>
+            </a:fillRef>
+            <a:effectRef idx="0">
+              <a:schemeClr val="accent1"/>
+            </a:effectRef>
+            <a:fontRef idx="minor">
+              <a:schemeClr val="lt1"/>
+            </a:fontRef>
+          </p:style>
+          <p:txBody>
+            <a:bodyPr rtlCol="0" anchor="ctr"/>
+            <a:lstStyle/>
+            <a:p>
+              <a:pPr algn="ctr"/>
+              <a:endParaRPr lang="en-US"/>
+            </a:p>
+          </p:txBody>
+        </p:sp>
+        <p:sp>
+          <p:nvSpPr>
+            <p:cNvPr id="147" name="Oval 146">
+              <a:extLst>
+                <a:ext uri="{FF2B5EF4-FFF2-40B4-BE49-F238E27FC236}">
+                  <a16:creationId xmlns:a16="http://schemas.microsoft.com/office/drawing/2014/main" id="{C21F9AF0-01A2-495F-BD4E-C5792BA67011}"/>
+                </a:ext>
+              </a:extLst>
+            </p:cNvPr>
+            <p:cNvSpPr/>
+            <p:nvPr/>
+          </p:nvSpPr>
+          <p:spPr>
+            <a:xfrm>
+              <a:off x="4222750" y="1869281"/>
+              <a:ext cx="190500" cy="190500"/>
+            </a:xfrm>
+            <a:prstGeom prst="ellipse">
+              <a:avLst/>
+            </a:prstGeom>
+            <a:solidFill>
+              <a:schemeClr val="accent2">
+                <a:lumMod val="20000"/>
+                <a:lumOff val="80000"/>
+              </a:schemeClr>
+            </a:solidFill>
+            <a:ln>
+              <a:solidFill>
+                <a:srgbClr val="FF0000"/>
+              </a:solidFill>
+            </a:ln>
+          </p:spPr>
+          <p:style>
+            <a:lnRef idx="2">
+              <a:schemeClr val="accent1">
+                <a:shade val="50000"/>
+              </a:schemeClr>
+            </a:lnRef>
+            <a:fillRef idx="1">
+              <a:schemeClr val="accent1"/>
+            </a:fillRef>
+            <a:effectRef idx="0">
+              <a:schemeClr val="accent1"/>
+            </a:effectRef>
+            <a:fontRef idx="minor">
+              <a:schemeClr val="lt1"/>
+            </a:fontRef>
+          </p:style>
+          <p:txBody>
+            <a:bodyPr rtlCol="0" anchor="ctr"/>
+            <a:lstStyle/>
+            <a:p>
+              <a:pPr algn="ctr"/>
+              <a:endParaRPr lang="en-US"/>
+            </a:p>
+          </p:txBody>
+        </p:sp>
+        <p:cxnSp>
+          <p:nvCxnSpPr>
+            <p:cNvPr id="148" name="Straight Arrow Connector 147">
+              <a:extLst>
+                <a:ext uri="{FF2B5EF4-FFF2-40B4-BE49-F238E27FC236}">
+                  <a16:creationId xmlns:a16="http://schemas.microsoft.com/office/drawing/2014/main" id="{9DAC76CD-B618-4939-A2A7-F7F3A2233646}"/>
+                </a:ext>
+              </a:extLst>
+            </p:cNvPr>
+            <p:cNvCxnSpPr>
+              <a:stCxn id="145" idx="3"/>
+              <a:endCxn id="146" idx="6"/>
+            </p:cNvCxnSpPr>
+            <p:nvPr/>
+          </p:nvCxnSpPr>
+          <p:spPr>
+            <a:xfrm flipH="1">
+              <a:off x="3636052" y="1524677"/>
+              <a:ext cx="233596" cy="372502"/>
+            </a:xfrm>
+            <a:prstGeom prst="straightConnector1">
+              <a:avLst/>
+            </a:prstGeom>
+            <a:ln w="25400">
+              <a:tailEnd type="triangle"/>
+            </a:ln>
+          </p:spPr>
+          <p:style>
+            <a:lnRef idx="1">
+              <a:schemeClr val="accent1"/>
+            </a:lnRef>
+            <a:fillRef idx="0">
+              <a:schemeClr val="accent1"/>
+            </a:fillRef>
+            <a:effectRef idx="0">
+              <a:schemeClr val="accent1"/>
+            </a:effectRef>
+            <a:fontRef idx="minor">
+              <a:schemeClr val="tx1"/>
+            </a:fontRef>
+          </p:style>
+        </p:cxnSp>
+        <p:cxnSp>
+          <p:nvCxnSpPr>
+            <p:cNvPr id="149" name="Straight Arrow Connector 148">
+              <a:extLst>
+                <a:ext uri="{FF2B5EF4-FFF2-40B4-BE49-F238E27FC236}">
+                  <a16:creationId xmlns:a16="http://schemas.microsoft.com/office/drawing/2014/main" id="{A3004BD1-2D80-4779-9F73-386F904B29FF}"/>
+                </a:ext>
+              </a:extLst>
+            </p:cNvPr>
+            <p:cNvCxnSpPr>
+              <a:cxnSpLocks/>
+              <a:stCxn id="145" idx="5"/>
+              <a:endCxn id="147" idx="1"/>
+            </p:cNvCxnSpPr>
+            <p:nvPr/>
+          </p:nvCxnSpPr>
+          <p:spPr>
+            <a:xfrm>
+              <a:off x="4004352" y="1524677"/>
+              <a:ext cx="246296" cy="372502"/>
+            </a:xfrm>
+            <a:prstGeom prst="straightConnector1">
+              <a:avLst/>
+            </a:prstGeom>
+            <a:solidFill>
+              <a:schemeClr val="accent2">
+                <a:lumMod val="20000"/>
+                <a:lumOff val="80000"/>
+              </a:schemeClr>
+            </a:solidFill>
+            <a:ln w="25400">
+              <a:solidFill>
+                <a:srgbClr val="FF0000"/>
+              </a:solidFill>
+              <a:tailEnd type="triangle"/>
+            </a:ln>
+          </p:spPr>
+          <p:style>
+            <a:lnRef idx="1">
+              <a:schemeClr val="accent1"/>
+            </a:lnRef>
+            <a:fillRef idx="0">
+              <a:schemeClr val="accent1"/>
+            </a:fillRef>
+            <a:effectRef idx="0">
+              <a:schemeClr val="accent1"/>
+            </a:effectRef>
+            <a:fontRef idx="minor">
+              <a:schemeClr val="tx1"/>
+            </a:fontRef>
+          </p:style>
+        </p:cxnSp>
+      </p:grpSp>
+      <p:sp>
+        <p:nvSpPr>
+          <p:cNvPr id="150" name="Arrow: Right 149">
+            <a:extLst>
+              <a:ext uri="{FF2B5EF4-FFF2-40B4-BE49-F238E27FC236}">
+                <a16:creationId xmlns:a16="http://schemas.microsoft.com/office/drawing/2014/main" id="{A3367E9B-E6DB-4030-92A3-E2475E52A9C6}"/>
+              </a:ext>
+            </a:extLst>
+          </p:cNvPr>
+          <p:cNvSpPr/>
+          <p:nvPr/>
+        </p:nvSpPr>
+        <p:spPr>
+          <a:xfrm>
+            <a:off x="8071080" y="1894056"/>
+            <a:ext cx="189211" cy="211972"/>
+          </a:xfrm>
+          <a:prstGeom prst="rightArrow">
+            <a:avLst/>
+          </a:prstGeom>
+        </p:spPr>
+        <p:style>
+          <a:lnRef idx="2">
+            <a:schemeClr val="accent1">
+              <a:shade val="50000"/>
+            </a:schemeClr>
+          </a:lnRef>
+          <a:fillRef idx="1">
+            <a:schemeClr val="accent1"/>
+          </a:fillRef>
+          <a:effectRef idx="0">
+            <a:schemeClr val="accent1"/>
+          </a:effectRef>
+          <a:fontRef idx="minor">
+            <a:schemeClr val="lt1"/>
+          </a:fontRef>
+        </p:style>
+        <p:txBody>
+          <a:bodyPr rtlCol="0" anchor="ctr"/>
+          <a:lstStyle/>
+          <a:p>
+            <a:pPr algn="ctr"/>
+            <a:endParaRPr lang="en-US"/>
+          </a:p>
+        </p:txBody>
+      </p:sp>
+      <p:sp>
+        <p:nvSpPr>
+          <p:cNvPr id="151" name="Arrow: Right 150">
+            <a:extLst>
+              <a:ext uri="{FF2B5EF4-FFF2-40B4-BE49-F238E27FC236}">
+                <a16:creationId xmlns:a16="http://schemas.microsoft.com/office/drawing/2014/main" id="{BA1B85CB-EF9E-4E81-BB05-401CD95CAE26}"/>
+              </a:ext>
+            </a:extLst>
+          </p:cNvPr>
+          <p:cNvSpPr/>
+          <p:nvPr/>
+        </p:nvSpPr>
+        <p:spPr>
+          <a:xfrm>
+            <a:off x="8071080" y="3674772"/>
+            <a:ext cx="189211" cy="211972"/>
+          </a:xfrm>
+          <a:prstGeom prst="rightArrow">
+            <a:avLst/>
+          </a:prstGeom>
+        </p:spPr>
+        <p:style>
+          <a:lnRef idx="2">
+            <a:schemeClr val="accent1">
+              <a:shade val="50000"/>
+            </a:schemeClr>
+          </a:lnRef>
+          <a:fillRef idx="1">
+            <a:schemeClr val="accent1"/>
+          </a:fillRef>
+          <a:effectRef idx="0">
+            <a:schemeClr val="accent1"/>
+          </a:effectRef>
+          <a:fontRef idx="minor">
+            <a:schemeClr val="lt1"/>
+          </a:fontRef>
+        </p:style>
+        <p:txBody>
+          <a:bodyPr rtlCol="0" anchor="ctr"/>
+          <a:lstStyle/>
+          <a:p>
+            <a:pPr algn="ctr"/>
+            <a:endParaRPr lang="en-US"/>
+          </a:p>
+        </p:txBody>
+      </p:sp>
+    </p:spTree>
+    <p:extLst>
+      <p:ext uri="{BB962C8B-B14F-4D97-AF65-F5344CB8AC3E}">
+        <p14:creationId xmlns:p14="http://schemas.microsoft.com/office/powerpoint/2010/main" val="4258780784"/>
+      </p:ext>
+    </p:extLst>
+  </p:cSld>
+  <p:clrMapOvr>
+    <a:masterClrMapping/>
+  </p:clrMapOvr>
+</p:sld>
+</file>
+
+<file path=ppt/slides/slide4.xml><?xml version="1.0" encoding="utf-8"?>
+<p:sld xmlns:a="http://schemas.openxmlformats.org/drawingml/2006/main" xmlns:r="http://schemas.openxmlformats.org/officeDocument/2006/relationships" xmlns:p="http://schemas.openxmlformats.org/presentationml/2006/main">
+  <p:cSld>
+    <p:spTree>
+      <p:nvGrpSpPr>
+        <p:cNvPr id="1" name=""/>
+        <p:cNvGrpSpPr/>
+        <p:nvPr/>
+      </p:nvGrpSpPr>
+      <p:grpSpPr>
+        <a:xfrm>
+          <a:off x="0" y="0"/>
+          <a:ext cx="0" cy="0"/>
+          <a:chOff x="0" y="0"/>
+          <a:chExt cx="0" cy="0"/>
+        </a:xfrm>
+      </p:grpSpPr>
+      <p:grpSp>
+        <p:nvGrpSpPr>
+          <p:cNvPr id="4" name="Group 3">
+            <a:extLst>
+              <a:ext uri="{FF2B5EF4-FFF2-40B4-BE49-F238E27FC236}">
+                <a16:creationId xmlns:a16="http://schemas.microsoft.com/office/drawing/2014/main" id="{59A569FF-6A2D-4D31-956F-62B0B21B3B95}"/>
+              </a:ext>
+            </a:extLst>
+          </p:cNvPr>
+          <p:cNvGrpSpPr/>
+          <p:nvPr/>
+        </p:nvGrpSpPr>
+        <p:grpSpPr>
+          <a:xfrm>
+            <a:off x="7236595" y="1425542"/>
+            <a:ext cx="3753130" cy="3043663"/>
+            <a:chOff x="2922650" y="1362075"/>
+            <a:chExt cx="1490600" cy="1208826"/>
+          </a:xfrm>
+        </p:grpSpPr>
+        <p:sp>
+          <p:nvSpPr>
+            <p:cNvPr id="5" name="Oval 4">
+              <a:extLst>
+                <a:ext uri="{FF2B5EF4-FFF2-40B4-BE49-F238E27FC236}">
+                  <a16:creationId xmlns:a16="http://schemas.microsoft.com/office/drawing/2014/main" id="{1D739041-3048-4FBE-BEEF-59D828202647}"/>
+                </a:ext>
+              </a:extLst>
+            </p:cNvPr>
+            <p:cNvSpPr/>
+            <p:nvPr/>
+          </p:nvSpPr>
+          <p:spPr>
+            <a:xfrm>
+              <a:off x="3841750" y="1362075"/>
+              <a:ext cx="190500" cy="190500"/>
+            </a:xfrm>
+            <a:prstGeom prst="ellipse">
+              <a:avLst/>
+            </a:prstGeom>
+            <a:solidFill>
+              <a:schemeClr val="accent6">
+                <a:lumMod val="40000"/>
+                <a:lumOff val="60000"/>
+              </a:schemeClr>
+            </a:solidFill>
+            <a:ln>
+              <a:solidFill>
+                <a:schemeClr val="accent6">
+                  <a:lumMod val="75000"/>
+                </a:schemeClr>
+              </a:solidFill>
+            </a:ln>
+          </p:spPr>
+          <p:style>
+            <a:lnRef idx="2">
+              <a:schemeClr val="accent1">
+                <a:shade val="50000"/>
+              </a:schemeClr>
+            </a:lnRef>
+            <a:fillRef idx="1">
+              <a:schemeClr val="accent1"/>
+            </a:fillRef>
+            <a:effectRef idx="0">
+              <a:schemeClr val="accent1"/>
+            </a:effectRef>
+            <a:fontRef idx="minor">
+              <a:schemeClr val="lt1"/>
+            </a:fontRef>
+          </p:style>
+          <p:txBody>
+            <a:bodyPr lIns="18288" tIns="18288" rIns="18288" bIns="18288" rtlCol="0" anchor="ctr"/>
+            <a:lstStyle/>
+            <a:p>
+              <a:pPr algn="ctr"/>
+              <a:r>
+                <a:rPr lang="en-US" sz="2400" dirty="0"/>
+                <a:t>If</a:t>
+              </a:r>
+            </a:p>
+          </p:txBody>
+        </p:sp>
+        <p:sp>
+          <p:nvSpPr>
+            <p:cNvPr id="6" name="Oval 5">
+              <a:extLst>
+                <a:ext uri="{FF2B5EF4-FFF2-40B4-BE49-F238E27FC236}">
+                  <a16:creationId xmlns:a16="http://schemas.microsoft.com/office/drawing/2014/main" id="{5A6913A7-94AD-4F27-AC61-59B56FDC0BA1}"/>
+                </a:ext>
+              </a:extLst>
+            </p:cNvPr>
+            <p:cNvSpPr/>
+            <p:nvPr/>
+          </p:nvSpPr>
+          <p:spPr>
+            <a:xfrm>
+              <a:off x="3417654" y="1869281"/>
+              <a:ext cx="246296" cy="190500"/>
+            </a:xfrm>
+            <a:prstGeom prst="ellipse">
+              <a:avLst/>
+            </a:prstGeom>
+            <a:solidFill>
+              <a:schemeClr val="accent6">
+                <a:lumMod val="40000"/>
+                <a:lumOff val="60000"/>
+              </a:schemeClr>
+            </a:solidFill>
+            <a:ln>
+              <a:solidFill>
+                <a:schemeClr val="accent6">
+                  <a:lumMod val="75000"/>
+                </a:schemeClr>
+              </a:solidFill>
+            </a:ln>
+          </p:spPr>
+          <p:style>
+            <a:lnRef idx="2">
+              <a:schemeClr val="accent1">
+                <a:shade val="50000"/>
+              </a:schemeClr>
+            </a:lnRef>
+            <a:fillRef idx="1">
+              <a:schemeClr val="accent1"/>
+            </a:fillRef>
+            <a:effectRef idx="0">
+              <a:schemeClr val="accent1"/>
+            </a:effectRef>
+            <a:fontRef idx="minor">
+              <a:schemeClr val="lt1"/>
+            </a:fontRef>
+          </p:style>
+          <p:txBody>
+            <a:bodyPr lIns="18288" tIns="18288" rIns="18288" bIns="18288" rtlCol="0" anchor="ctr"/>
+            <a:lstStyle/>
+            <a:p>
+              <a:pPr algn="ctr"/>
+              <a:r>
+                <a:rPr lang="en-US" sz="2400" dirty="0"/>
+                <a:t>==</a:t>
+              </a:r>
+            </a:p>
+          </p:txBody>
+        </p:sp>
+        <p:sp>
+          <p:nvSpPr>
+            <p:cNvPr id="7" name="Oval 6">
+              <a:extLst>
+                <a:ext uri="{FF2B5EF4-FFF2-40B4-BE49-F238E27FC236}">
+                  <a16:creationId xmlns:a16="http://schemas.microsoft.com/office/drawing/2014/main" id="{D0B916CE-0633-422C-A6B0-FE6D03126C99}"/>
+                </a:ext>
+              </a:extLst>
+            </p:cNvPr>
+            <p:cNvSpPr/>
+            <p:nvPr/>
+          </p:nvSpPr>
+          <p:spPr>
+            <a:xfrm>
+              <a:off x="4222750" y="1869281"/>
+              <a:ext cx="190500" cy="190500"/>
+            </a:xfrm>
+            <a:prstGeom prst="ellipse">
+              <a:avLst/>
+            </a:prstGeom>
+            <a:solidFill>
+              <a:schemeClr val="accent6">
+                <a:lumMod val="40000"/>
+                <a:lumOff val="60000"/>
+              </a:schemeClr>
+            </a:solidFill>
+            <a:ln>
+              <a:solidFill>
+                <a:schemeClr val="accent6">
+                  <a:lumMod val="75000"/>
+                </a:schemeClr>
+              </a:solidFill>
+            </a:ln>
+          </p:spPr>
+          <p:style>
+            <a:lnRef idx="2">
+              <a:schemeClr val="accent1">
+                <a:shade val="50000"/>
+              </a:schemeClr>
+            </a:lnRef>
+            <a:fillRef idx="1">
+              <a:schemeClr val="accent1"/>
+            </a:fillRef>
+            <a:effectRef idx="0">
+              <a:schemeClr val="accent1"/>
+            </a:effectRef>
+            <a:fontRef idx="minor">
+              <a:schemeClr val="lt1"/>
+            </a:fontRef>
+          </p:style>
+          <p:txBody>
+            <a:bodyPr lIns="18288" tIns="18288" rIns="18288" bIns="18288" rtlCol="0" anchor="ctr"/>
+            <a:lstStyle/>
+            <a:p>
+              <a:pPr algn="ctr"/>
+              <a:r>
+                <a:rPr lang="en-US" sz="2400" dirty="0"/>
+                <a:t>{</a:t>
+              </a:r>
+            </a:p>
+          </p:txBody>
+        </p:sp>
+        <p:cxnSp>
+          <p:nvCxnSpPr>
+            <p:cNvPr id="8" name="Straight Arrow Connector 7">
+              <a:extLst>
+                <a:ext uri="{FF2B5EF4-FFF2-40B4-BE49-F238E27FC236}">
+                  <a16:creationId xmlns:a16="http://schemas.microsoft.com/office/drawing/2014/main" id="{841ACE39-9525-41FB-B059-66A1C6A1898B}"/>
+                </a:ext>
+              </a:extLst>
+            </p:cNvPr>
+            <p:cNvCxnSpPr>
+              <a:cxnSpLocks/>
+              <a:stCxn id="5" idx="3"/>
+              <a:endCxn id="6" idx="0"/>
+            </p:cNvCxnSpPr>
+            <p:nvPr/>
+          </p:nvCxnSpPr>
+          <p:spPr>
+            <a:xfrm flipH="1">
+              <a:off x="3540802" y="1524677"/>
+              <a:ext cx="328846" cy="344604"/>
+            </a:xfrm>
+            <a:prstGeom prst="straightConnector1">
+              <a:avLst/>
+            </a:prstGeom>
+            <a:ln w="25400">
+              <a:tailEnd type="triangle"/>
+            </a:ln>
+          </p:spPr>
+          <p:style>
+            <a:lnRef idx="1">
+              <a:schemeClr val="accent1"/>
+            </a:lnRef>
+            <a:fillRef idx="0">
+              <a:schemeClr val="accent1"/>
+            </a:fillRef>
+            <a:effectRef idx="0">
+              <a:schemeClr val="accent1"/>
+            </a:effectRef>
+            <a:fontRef idx="minor">
+              <a:schemeClr val="tx1"/>
+            </a:fontRef>
+          </p:style>
+        </p:cxnSp>
+        <p:cxnSp>
+          <p:nvCxnSpPr>
+            <p:cNvPr id="9" name="Straight Arrow Connector 8">
+              <a:extLst>
+                <a:ext uri="{FF2B5EF4-FFF2-40B4-BE49-F238E27FC236}">
+                  <a16:creationId xmlns:a16="http://schemas.microsoft.com/office/drawing/2014/main" id="{CC5066AB-EA7D-4D5D-9A2A-767D167F1129}"/>
+                </a:ext>
+              </a:extLst>
+            </p:cNvPr>
+            <p:cNvCxnSpPr>
+              <a:cxnSpLocks/>
+              <a:stCxn id="5" idx="5"/>
+              <a:endCxn id="7" idx="1"/>
+            </p:cNvCxnSpPr>
+            <p:nvPr/>
+          </p:nvCxnSpPr>
+          <p:spPr>
+            <a:xfrm>
+              <a:off x="4004352" y="1524677"/>
+              <a:ext cx="246296" cy="372502"/>
+            </a:xfrm>
+            <a:prstGeom prst="straightConnector1">
+              <a:avLst/>
+            </a:prstGeom>
+            <a:ln w="25400">
+              <a:tailEnd type="triangle"/>
+            </a:ln>
+          </p:spPr>
+          <p:style>
+            <a:lnRef idx="1">
+              <a:schemeClr val="accent1"/>
+            </a:lnRef>
+            <a:fillRef idx="0">
+              <a:schemeClr val="accent1"/>
+            </a:fillRef>
+            <a:effectRef idx="0">
+              <a:schemeClr val="accent1"/>
+            </a:effectRef>
+            <a:fontRef idx="minor">
+              <a:schemeClr val="tx1"/>
+            </a:fontRef>
+          </p:style>
+        </p:cxnSp>
+        <p:sp>
+          <p:nvSpPr>
+            <p:cNvPr id="10" name="Oval 9">
+              <a:extLst>
+                <a:ext uri="{FF2B5EF4-FFF2-40B4-BE49-F238E27FC236}">
+                  <a16:creationId xmlns:a16="http://schemas.microsoft.com/office/drawing/2014/main" id="{656A5130-D1C8-4222-8680-8DFD2B2A7A11}"/>
+                </a:ext>
+              </a:extLst>
+            </p:cNvPr>
+            <p:cNvSpPr/>
+            <p:nvPr/>
+          </p:nvSpPr>
+          <p:spPr>
+            <a:xfrm>
+              <a:off x="2922650" y="2380401"/>
+              <a:ext cx="519898" cy="190500"/>
+            </a:xfrm>
+            <a:prstGeom prst="ellipse">
+              <a:avLst/>
+            </a:prstGeom>
+            <a:solidFill>
+              <a:schemeClr val="accent6">
+                <a:lumMod val="40000"/>
+                <a:lumOff val="60000"/>
+              </a:schemeClr>
+            </a:solidFill>
+            <a:ln>
+              <a:solidFill>
+                <a:schemeClr val="accent6">
+                  <a:lumMod val="75000"/>
+                </a:schemeClr>
+              </a:solidFill>
+            </a:ln>
+          </p:spPr>
+          <p:style>
+            <a:lnRef idx="2">
+              <a:schemeClr val="accent1">
+                <a:shade val="50000"/>
+              </a:schemeClr>
+            </a:lnRef>
+            <a:fillRef idx="1">
+              <a:schemeClr val="accent1"/>
+            </a:fillRef>
+            <a:effectRef idx="0">
+              <a:schemeClr val="accent1"/>
+            </a:effectRef>
+            <a:fontRef idx="minor">
+              <a:schemeClr val="lt1"/>
+            </a:fontRef>
+          </p:style>
+          <p:txBody>
+            <a:bodyPr lIns="18288" tIns="18288" rIns="18288" bIns="18288" rtlCol="0" anchor="ctr"/>
+            <a:lstStyle/>
+            <a:p>
+              <a:pPr algn="ctr"/>
+              <a:r>
+                <a:rPr lang="en-US" sz="2000" dirty="0"/>
+                <a:t>Dataset</a:t>
+              </a:r>
+            </a:p>
+          </p:txBody>
+        </p:sp>
+        <p:sp>
+          <p:nvSpPr>
+            <p:cNvPr id="11" name="Oval 10">
+              <a:extLst>
+                <a:ext uri="{FF2B5EF4-FFF2-40B4-BE49-F238E27FC236}">
+                  <a16:creationId xmlns:a16="http://schemas.microsoft.com/office/drawing/2014/main" id="{803C0ACF-C071-47E0-B082-E29F7E6E22A9}"/>
+                </a:ext>
+              </a:extLst>
+            </p:cNvPr>
+            <p:cNvSpPr/>
+            <p:nvPr/>
+          </p:nvSpPr>
+          <p:spPr>
+            <a:xfrm>
+              <a:off x="3758686" y="2380401"/>
+              <a:ext cx="331430" cy="190500"/>
+            </a:xfrm>
+            <a:prstGeom prst="ellipse">
+              <a:avLst/>
+            </a:prstGeom>
+            <a:solidFill>
+              <a:schemeClr val="accent6">
+                <a:lumMod val="40000"/>
+                <a:lumOff val="60000"/>
+              </a:schemeClr>
+            </a:solidFill>
+            <a:ln>
+              <a:solidFill>
+                <a:schemeClr val="accent6">
+                  <a:lumMod val="75000"/>
+                </a:schemeClr>
+              </a:solidFill>
+            </a:ln>
+          </p:spPr>
+          <p:style>
+            <a:lnRef idx="2">
+              <a:schemeClr val="accent1">
+                <a:shade val="50000"/>
+              </a:schemeClr>
+            </a:lnRef>
+            <a:fillRef idx="1">
+              <a:schemeClr val="accent1"/>
+            </a:fillRef>
+            <a:effectRef idx="0">
+              <a:schemeClr val="accent1"/>
+            </a:effectRef>
+            <a:fontRef idx="minor">
+              <a:schemeClr val="lt1"/>
+            </a:fontRef>
+          </p:style>
+          <p:txBody>
+            <a:bodyPr lIns="18288" tIns="18288" rIns="18288" bIns="18288" rtlCol="0" anchor="ctr"/>
+            <a:lstStyle/>
+            <a:p>
+              <a:pPr algn="ctr"/>
+              <a:r>
+                <a:rPr lang="en-US" sz="2000" dirty="0"/>
+                <a:t>null</a:t>
+              </a:r>
+            </a:p>
+          </p:txBody>
+        </p:sp>
+        <p:cxnSp>
+          <p:nvCxnSpPr>
+            <p:cNvPr id="12" name="Straight Arrow Connector 11">
+              <a:extLst>
+                <a:ext uri="{FF2B5EF4-FFF2-40B4-BE49-F238E27FC236}">
+                  <a16:creationId xmlns:a16="http://schemas.microsoft.com/office/drawing/2014/main" id="{74E9682C-6F53-4461-AD8B-B0CC0C68321F}"/>
+                </a:ext>
+              </a:extLst>
+            </p:cNvPr>
+            <p:cNvCxnSpPr>
+              <a:cxnSpLocks/>
+              <a:stCxn id="6" idx="3"/>
+              <a:endCxn id="10" idx="0"/>
+            </p:cNvCxnSpPr>
+            <p:nvPr/>
+          </p:nvCxnSpPr>
+          <p:spPr>
+            <a:xfrm flipH="1">
+              <a:off x="3182599" y="2031883"/>
+              <a:ext cx="271124" cy="348518"/>
+            </a:xfrm>
+            <a:prstGeom prst="straightConnector1">
+              <a:avLst/>
+            </a:prstGeom>
+            <a:ln w="25400">
+              <a:tailEnd type="triangle"/>
+            </a:ln>
+          </p:spPr>
+          <p:style>
+            <a:lnRef idx="1">
+              <a:schemeClr val="accent1"/>
+            </a:lnRef>
+            <a:fillRef idx="0">
+              <a:schemeClr val="accent1"/>
+            </a:fillRef>
+            <a:effectRef idx="0">
+              <a:schemeClr val="accent1"/>
+            </a:effectRef>
+            <a:fontRef idx="minor">
+              <a:schemeClr val="tx1"/>
+            </a:fontRef>
+          </p:style>
+        </p:cxnSp>
+        <p:cxnSp>
+          <p:nvCxnSpPr>
+            <p:cNvPr id="13" name="Straight Arrow Connector 12">
+              <a:extLst>
+                <a:ext uri="{FF2B5EF4-FFF2-40B4-BE49-F238E27FC236}">
+                  <a16:creationId xmlns:a16="http://schemas.microsoft.com/office/drawing/2014/main" id="{AD4292C2-960A-4017-80ED-3DF4078AB1EA}"/>
+                </a:ext>
+              </a:extLst>
+            </p:cNvPr>
+            <p:cNvCxnSpPr>
+              <a:cxnSpLocks/>
+              <a:stCxn id="6" idx="5"/>
+              <a:endCxn id="11" idx="0"/>
+            </p:cNvCxnSpPr>
+            <p:nvPr/>
+          </p:nvCxnSpPr>
+          <p:spPr>
+            <a:xfrm>
+              <a:off x="3627881" y="2031883"/>
+              <a:ext cx="296520" cy="348518"/>
+            </a:xfrm>
+            <a:prstGeom prst="straightConnector1">
+              <a:avLst/>
+            </a:prstGeom>
+            <a:ln w="25400">
+              <a:tailEnd type="triangle"/>
+            </a:ln>
+          </p:spPr>
+          <p:style>
+            <a:lnRef idx="1">
+              <a:schemeClr val="accent1"/>
+            </a:lnRef>
+            <a:fillRef idx="0">
+              <a:schemeClr val="accent1"/>
+            </a:fillRef>
+            <a:effectRef idx="0">
+              <a:schemeClr val="accent1"/>
+            </a:effectRef>
+            <a:fontRef idx="minor">
+              <a:schemeClr val="tx1"/>
+            </a:fontRef>
+          </p:style>
+        </p:cxnSp>
+      </p:grpSp>
+      <p:grpSp>
+        <p:nvGrpSpPr>
+          <p:cNvPr id="35" name="Group 34">
+            <a:extLst>
+              <a:ext uri="{FF2B5EF4-FFF2-40B4-BE49-F238E27FC236}">
+                <a16:creationId xmlns:a16="http://schemas.microsoft.com/office/drawing/2014/main" id="{913B834D-CA45-4995-8A54-68D0C4D10617}"/>
+              </a:ext>
+            </a:extLst>
+          </p:cNvPr>
+          <p:cNvGrpSpPr/>
+          <p:nvPr/>
+        </p:nvGrpSpPr>
+        <p:grpSpPr>
+          <a:xfrm>
+            <a:off x="2747205" y="1425542"/>
+            <a:ext cx="3348799" cy="3043663"/>
+            <a:chOff x="3083236" y="1362075"/>
+            <a:chExt cx="1330015" cy="1208826"/>
+          </a:xfrm>
+        </p:grpSpPr>
+        <p:sp>
+          <p:nvSpPr>
+            <p:cNvPr id="36" name="Oval 35">
+              <a:extLst>
+                <a:ext uri="{FF2B5EF4-FFF2-40B4-BE49-F238E27FC236}">
+                  <a16:creationId xmlns:a16="http://schemas.microsoft.com/office/drawing/2014/main" id="{39D30A6E-F568-4CF9-9574-1F79BAF9EA77}"/>
+                </a:ext>
+              </a:extLst>
+            </p:cNvPr>
+            <p:cNvSpPr/>
+            <p:nvPr/>
+          </p:nvSpPr>
+          <p:spPr>
+            <a:xfrm>
+              <a:off x="3758686" y="1362075"/>
+              <a:ext cx="273564" cy="190500"/>
+            </a:xfrm>
+            <a:prstGeom prst="ellipse">
+              <a:avLst/>
+            </a:prstGeom>
+            <a:solidFill>
+              <a:schemeClr val="accent6">
+                <a:lumMod val="40000"/>
+                <a:lumOff val="60000"/>
+              </a:schemeClr>
+            </a:solidFill>
+            <a:ln>
+              <a:solidFill>
+                <a:schemeClr val="accent6">
+                  <a:lumMod val="75000"/>
+                </a:schemeClr>
+              </a:solidFill>
+            </a:ln>
+          </p:spPr>
+          <p:style>
+            <a:lnRef idx="2">
+              <a:schemeClr val="accent1">
+                <a:shade val="50000"/>
+              </a:schemeClr>
+            </a:lnRef>
+            <a:fillRef idx="1">
+              <a:schemeClr val="accent1"/>
+            </a:fillRef>
+            <a:effectRef idx="0">
+              <a:schemeClr val="accent1"/>
+            </a:effectRef>
+            <a:fontRef idx="minor">
+              <a:schemeClr val="lt1"/>
+            </a:fontRef>
+          </p:style>
+          <p:txBody>
+            <a:bodyPr lIns="18288" tIns="18288" rIns="18288" bIns="18288" rtlCol="0" anchor="ctr"/>
+            <a:lstStyle/>
+            <a:p>
+              <a:pPr algn="ctr"/>
+              <a:r>
+                <a:rPr lang="en-US" sz="2400" dirty="0"/>
+                <a:t>N1</a:t>
+              </a:r>
+            </a:p>
+          </p:txBody>
+        </p:sp>
+        <p:sp>
+          <p:nvSpPr>
+            <p:cNvPr id="37" name="Oval 36">
+              <a:extLst>
+                <a:ext uri="{FF2B5EF4-FFF2-40B4-BE49-F238E27FC236}">
+                  <a16:creationId xmlns:a16="http://schemas.microsoft.com/office/drawing/2014/main" id="{3DCDBF94-DCCE-4895-812A-D785C3797912}"/>
+                </a:ext>
+              </a:extLst>
+            </p:cNvPr>
+            <p:cNvSpPr/>
+            <p:nvPr/>
+          </p:nvSpPr>
+          <p:spPr>
+            <a:xfrm>
+              <a:off x="3417654" y="1869281"/>
+              <a:ext cx="246296" cy="190500"/>
+            </a:xfrm>
+            <a:prstGeom prst="ellipse">
+              <a:avLst/>
+            </a:prstGeom>
+            <a:solidFill>
+              <a:schemeClr val="accent6">
+                <a:lumMod val="40000"/>
+                <a:lumOff val="60000"/>
+              </a:schemeClr>
+            </a:solidFill>
+            <a:ln>
+              <a:solidFill>
+                <a:schemeClr val="accent6">
+                  <a:lumMod val="75000"/>
+                </a:schemeClr>
+              </a:solidFill>
+            </a:ln>
+          </p:spPr>
+          <p:style>
+            <a:lnRef idx="2">
+              <a:schemeClr val="accent1">
+                <a:shade val="50000"/>
+              </a:schemeClr>
+            </a:lnRef>
+            <a:fillRef idx="1">
+              <a:schemeClr val="accent1"/>
+            </a:fillRef>
+            <a:effectRef idx="0">
+              <a:schemeClr val="accent1"/>
+            </a:effectRef>
+            <a:fontRef idx="minor">
+              <a:schemeClr val="lt1"/>
+            </a:fontRef>
+          </p:style>
+          <p:txBody>
+            <a:bodyPr lIns="18288" tIns="18288" rIns="18288" bIns="18288" rtlCol="0" anchor="ctr"/>
+            <a:lstStyle/>
+            <a:p>
+              <a:pPr algn="ctr"/>
+              <a:r>
+                <a:rPr lang="en-US" sz="2400" dirty="0"/>
+                <a:t>N2</a:t>
+              </a:r>
+            </a:p>
+          </p:txBody>
+        </p:sp>
+        <p:sp>
+          <p:nvSpPr>
+            <p:cNvPr id="38" name="Oval 37">
+              <a:extLst>
+                <a:ext uri="{FF2B5EF4-FFF2-40B4-BE49-F238E27FC236}">
+                  <a16:creationId xmlns:a16="http://schemas.microsoft.com/office/drawing/2014/main" id="{31F9F863-F43F-4AC6-A861-74359BEBDA28}"/>
+                </a:ext>
+              </a:extLst>
+            </p:cNvPr>
+            <p:cNvSpPr/>
+            <p:nvPr/>
+          </p:nvSpPr>
+          <p:spPr>
+            <a:xfrm>
+              <a:off x="4166955" y="1869281"/>
+              <a:ext cx="246296" cy="190500"/>
+            </a:xfrm>
+            <a:prstGeom prst="ellipse">
+              <a:avLst/>
+            </a:prstGeom>
+            <a:solidFill>
+              <a:schemeClr val="accent6">
+                <a:lumMod val="40000"/>
+                <a:lumOff val="60000"/>
+              </a:schemeClr>
+            </a:solidFill>
+            <a:ln>
+              <a:solidFill>
+                <a:schemeClr val="accent6">
+                  <a:lumMod val="75000"/>
+                </a:schemeClr>
+              </a:solidFill>
+            </a:ln>
+          </p:spPr>
+          <p:style>
+            <a:lnRef idx="2">
+              <a:schemeClr val="accent1">
+                <a:shade val="50000"/>
+              </a:schemeClr>
+            </a:lnRef>
+            <a:fillRef idx="1">
+              <a:schemeClr val="accent1"/>
+            </a:fillRef>
+            <a:effectRef idx="0">
+              <a:schemeClr val="accent1"/>
+            </a:effectRef>
+            <a:fontRef idx="minor">
+              <a:schemeClr val="lt1"/>
+            </a:fontRef>
+          </p:style>
+          <p:txBody>
+            <a:bodyPr lIns="18288" tIns="18288" rIns="18288" bIns="18288" rtlCol="0" anchor="ctr"/>
+            <a:lstStyle/>
+            <a:p>
+              <a:pPr algn="ctr"/>
+              <a:r>
+                <a:rPr lang="en-US" sz="2400" dirty="0"/>
+                <a:t>N5</a:t>
+              </a:r>
+            </a:p>
+          </p:txBody>
+        </p:sp>
+        <p:cxnSp>
+          <p:nvCxnSpPr>
+            <p:cNvPr id="39" name="Straight Arrow Connector 38">
+              <a:extLst>
+                <a:ext uri="{FF2B5EF4-FFF2-40B4-BE49-F238E27FC236}">
+                  <a16:creationId xmlns:a16="http://schemas.microsoft.com/office/drawing/2014/main" id="{8C309B93-0D72-490C-8B52-D6F57B682FBA}"/>
+                </a:ext>
+              </a:extLst>
+            </p:cNvPr>
+            <p:cNvCxnSpPr>
+              <a:cxnSpLocks/>
+              <a:stCxn id="36" idx="3"/>
+              <a:endCxn id="37" idx="0"/>
+            </p:cNvCxnSpPr>
+            <p:nvPr/>
+          </p:nvCxnSpPr>
+          <p:spPr>
+            <a:xfrm flipH="1">
+              <a:off x="3540802" y="1524677"/>
+              <a:ext cx="257947" cy="344604"/>
+            </a:xfrm>
+            <a:prstGeom prst="straightConnector1">
+              <a:avLst/>
+            </a:prstGeom>
+            <a:ln w="25400">
+              <a:tailEnd type="triangle"/>
+            </a:ln>
+          </p:spPr>
+          <p:style>
+            <a:lnRef idx="1">
+              <a:schemeClr val="accent1"/>
+            </a:lnRef>
+            <a:fillRef idx="0">
+              <a:schemeClr val="accent1"/>
+            </a:fillRef>
+            <a:effectRef idx="0">
+              <a:schemeClr val="accent1"/>
+            </a:effectRef>
+            <a:fontRef idx="minor">
+              <a:schemeClr val="tx1"/>
+            </a:fontRef>
+          </p:style>
+        </p:cxnSp>
+        <p:cxnSp>
+          <p:nvCxnSpPr>
+            <p:cNvPr id="40" name="Straight Arrow Connector 39">
+              <a:extLst>
+                <a:ext uri="{FF2B5EF4-FFF2-40B4-BE49-F238E27FC236}">
+                  <a16:creationId xmlns:a16="http://schemas.microsoft.com/office/drawing/2014/main" id="{0A511F61-0963-47B5-BAAE-1001A6B22A4D}"/>
+                </a:ext>
+              </a:extLst>
+            </p:cNvPr>
+            <p:cNvCxnSpPr>
+              <a:cxnSpLocks/>
+              <a:stCxn id="36" idx="5"/>
+              <a:endCxn id="38" idx="0"/>
+            </p:cNvCxnSpPr>
+            <p:nvPr/>
+          </p:nvCxnSpPr>
+          <p:spPr>
+            <a:xfrm>
+              <a:off x="3992187" y="1524677"/>
+              <a:ext cx="297916" cy="344604"/>
+            </a:xfrm>
+            <a:prstGeom prst="straightConnector1">
+              <a:avLst/>
+            </a:prstGeom>
+            <a:ln w="25400">
+              <a:tailEnd type="triangle"/>
+            </a:ln>
+          </p:spPr>
+          <p:style>
+            <a:lnRef idx="1">
+              <a:schemeClr val="accent1"/>
+            </a:lnRef>
+            <a:fillRef idx="0">
+              <a:schemeClr val="accent1"/>
+            </a:fillRef>
+            <a:effectRef idx="0">
+              <a:schemeClr val="accent1"/>
+            </a:effectRef>
+            <a:fontRef idx="minor">
+              <a:schemeClr val="tx1"/>
+            </a:fontRef>
+          </p:style>
+        </p:cxnSp>
+        <p:sp>
+          <p:nvSpPr>
+            <p:cNvPr id="41" name="Oval 40">
+              <a:extLst>
+                <a:ext uri="{FF2B5EF4-FFF2-40B4-BE49-F238E27FC236}">
+                  <a16:creationId xmlns:a16="http://schemas.microsoft.com/office/drawing/2014/main" id="{7081E19D-D788-47EA-B598-25EC090D115A}"/>
+                </a:ext>
+              </a:extLst>
+            </p:cNvPr>
+            <p:cNvSpPr/>
+            <p:nvPr/>
+          </p:nvSpPr>
+          <p:spPr>
+            <a:xfrm>
+              <a:off x="3083236" y="2380401"/>
+              <a:ext cx="246296" cy="190500"/>
+            </a:xfrm>
+            <a:prstGeom prst="ellipse">
+              <a:avLst/>
+            </a:prstGeom>
+            <a:solidFill>
+              <a:schemeClr val="accent6">
+                <a:lumMod val="40000"/>
+                <a:lumOff val="60000"/>
+              </a:schemeClr>
+            </a:solidFill>
+            <a:ln>
+              <a:solidFill>
+                <a:schemeClr val="accent6">
+                  <a:lumMod val="75000"/>
+                </a:schemeClr>
+              </a:solidFill>
+            </a:ln>
+          </p:spPr>
+          <p:style>
+            <a:lnRef idx="2">
+              <a:schemeClr val="accent1">
+                <a:shade val="50000"/>
+              </a:schemeClr>
+            </a:lnRef>
+            <a:fillRef idx="1">
+              <a:schemeClr val="accent1"/>
+            </a:fillRef>
+            <a:effectRef idx="0">
+              <a:schemeClr val="accent1"/>
+            </a:effectRef>
+            <a:fontRef idx="minor">
+              <a:schemeClr val="lt1"/>
+            </a:fontRef>
+          </p:style>
+          <p:txBody>
+            <a:bodyPr lIns="18288" tIns="18288" rIns="18288" bIns="18288" rtlCol="0" anchor="ctr"/>
+            <a:lstStyle/>
+            <a:p>
+              <a:pPr algn="ctr"/>
+              <a:r>
+                <a:rPr lang="en-US" sz="2000" dirty="0"/>
+                <a:t>N3</a:t>
+              </a:r>
+            </a:p>
+          </p:txBody>
+        </p:sp>
+        <p:sp>
+          <p:nvSpPr>
+            <p:cNvPr id="42" name="Oval 41">
+              <a:extLst>
+                <a:ext uri="{FF2B5EF4-FFF2-40B4-BE49-F238E27FC236}">
+                  <a16:creationId xmlns:a16="http://schemas.microsoft.com/office/drawing/2014/main" id="{388FED4F-06E8-42B3-83BD-0211BC2332AD}"/>
+                </a:ext>
+              </a:extLst>
+            </p:cNvPr>
+            <p:cNvSpPr/>
+            <p:nvPr/>
+          </p:nvSpPr>
+          <p:spPr>
+            <a:xfrm>
+              <a:off x="3712911" y="2380401"/>
+              <a:ext cx="247339" cy="190500"/>
+            </a:xfrm>
+            <a:prstGeom prst="ellipse">
+              <a:avLst/>
+            </a:prstGeom>
+            <a:solidFill>
+              <a:schemeClr val="accent6">
+                <a:lumMod val="40000"/>
+                <a:lumOff val="60000"/>
+              </a:schemeClr>
+            </a:solidFill>
+            <a:ln>
+              <a:solidFill>
+                <a:schemeClr val="accent6">
+                  <a:lumMod val="75000"/>
+                </a:schemeClr>
+              </a:solidFill>
+            </a:ln>
+          </p:spPr>
+          <p:style>
+            <a:lnRef idx="2">
+              <a:schemeClr val="accent1">
+                <a:shade val="50000"/>
+              </a:schemeClr>
+            </a:lnRef>
+            <a:fillRef idx="1">
+              <a:schemeClr val="accent1"/>
+            </a:fillRef>
+            <a:effectRef idx="0">
+              <a:schemeClr val="accent1"/>
+            </a:effectRef>
+            <a:fontRef idx="minor">
+              <a:schemeClr val="lt1"/>
+            </a:fontRef>
+          </p:style>
+          <p:txBody>
+            <a:bodyPr lIns="18288" tIns="18288" rIns="18288" bIns="18288" rtlCol="0" anchor="ctr"/>
+            <a:lstStyle/>
+            <a:p>
+              <a:pPr algn="ctr"/>
+              <a:r>
+                <a:rPr lang="en-US" sz="2000" dirty="0"/>
+                <a:t>N4</a:t>
+              </a:r>
+            </a:p>
+          </p:txBody>
+        </p:sp>
+        <p:cxnSp>
+          <p:nvCxnSpPr>
+            <p:cNvPr id="43" name="Straight Arrow Connector 42">
+              <a:extLst>
+                <a:ext uri="{FF2B5EF4-FFF2-40B4-BE49-F238E27FC236}">
+                  <a16:creationId xmlns:a16="http://schemas.microsoft.com/office/drawing/2014/main" id="{F60DDC45-5AC1-4306-977B-266EC355ABD3}"/>
+                </a:ext>
+              </a:extLst>
+            </p:cNvPr>
+            <p:cNvCxnSpPr>
+              <a:cxnSpLocks/>
+              <a:stCxn id="37" idx="3"/>
+              <a:endCxn id="41" idx="0"/>
+            </p:cNvCxnSpPr>
+            <p:nvPr/>
+          </p:nvCxnSpPr>
+          <p:spPr>
+            <a:xfrm flipH="1">
+              <a:off x="3206384" y="2031883"/>
+              <a:ext cx="247339" cy="348518"/>
+            </a:xfrm>
+            <a:prstGeom prst="straightConnector1">
+              <a:avLst/>
+            </a:prstGeom>
+            <a:ln w="25400">
+              <a:tailEnd type="triangle"/>
+            </a:ln>
+          </p:spPr>
+          <p:style>
+            <a:lnRef idx="1">
+              <a:schemeClr val="accent1"/>
+            </a:lnRef>
+            <a:fillRef idx="0">
+              <a:schemeClr val="accent1"/>
+            </a:fillRef>
+            <a:effectRef idx="0">
+              <a:schemeClr val="accent1"/>
+            </a:effectRef>
+            <a:fontRef idx="minor">
+              <a:schemeClr val="tx1"/>
+            </a:fontRef>
+          </p:style>
+        </p:cxnSp>
+        <p:cxnSp>
+          <p:nvCxnSpPr>
+            <p:cNvPr id="44" name="Straight Arrow Connector 43">
+              <a:extLst>
+                <a:ext uri="{FF2B5EF4-FFF2-40B4-BE49-F238E27FC236}">
+                  <a16:creationId xmlns:a16="http://schemas.microsoft.com/office/drawing/2014/main" id="{AA9D15E4-7544-4112-8B71-1B26FCE633DE}"/>
+                </a:ext>
+              </a:extLst>
+            </p:cNvPr>
+            <p:cNvCxnSpPr>
+              <a:cxnSpLocks/>
+              <a:stCxn id="37" idx="5"/>
+              <a:endCxn id="42" idx="0"/>
+            </p:cNvCxnSpPr>
+            <p:nvPr/>
+          </p:nvCxnSpPr>
+          <p:spPr>
+            <a:xfrm>
+              <a:off x="3627881" y="2031883"/>
+              <a:ext cx="208700" cy="348518"/>
+            </a:xfrm>
+            <a:prstGeom prst="straightConnector1">
+              <a:avLst/>
+            </a:prstGeom>
+            <a:ln w="25400">
+              <a:tailEnd type="triangle"/>
+            </a:ln>
+          </p:spPr>
+          <p:style>
+            <a:lnRef idx="1">
+              <a:schemeClr val="accent1"/>
+            </a:lnRef>
+            <a:fillRef idx="0">
+              <a:schemeClr val="accent1"/>
+            </a:fillRef>
+            <a:effectRef idx="0">
+              <a:schemeClr val="accent1"/>
+            </a:effectRef>
+            <a:fontRef idx="minor">
+              <a:schemeClr val="tx1"/>
+            </a:fontRef>
+          </p:style>
+        </p:cxnSp>
+      </p:grpSp>
+      <p:sp>
+        <p:nvSpPr>
+          <p:cNvPr id="55" name="Rectangle: Rounded Corners 54">
+            <a:extLst>
+              <a:ext uri="{FF2B5EF4-FFF2-40B4-BE49-F238E27FC236}">
+                <a16:creationId xmlns:a16="http://schemas.microsoft.com/office/drawing/2014/main" id="{72FF30C3-398A-43C3-A1C9-62DF8F19FA92}"/>
+              </a:ext>
+            </a:extLst>
+          </p:cNvPr>
+          <p:cNvSpPr/>
+          <p:nvPr/>
+        </p:nvSpPr>
+        <p:spPr>
+          <a:xfrm>
+            <a:off x="2543175" y="3790950"/>
+            <a:ext cx="2593519" cy="867667"/>
+          </a:xfrm>
+          <a:prstGeom prst="roundRect">
+            <a:avLst/>
+          </a:prstGeom>
+          <a:noFill/>
+          <a:ln w="25400">
+            <a:solidFill>
+              <a:srgbClr val="FF0000"/>
+            </a:solidFill>
+          </a:ln>
+        </p:spPr>
+        <p:style>
+          <a:lnRef idx="2">
+            <a:schemeClr val="accent1">
+              <a:shade val="50000"/>
+            </a:schemeClr>
+          </a:lnRef>
+          <a:fillRef idx="1">
+            <a:schemeClr val="accent1"/>
+          </a:fillRef>
+          <a:effectRef idx="0">
+            <a:schemeClr val="accent1"/>
+          </a:effectRef>
+          <a:fontRef idx="minor">
+            <a:schemeClr val="lt1"/>
+          </a:fontRef>
+        </p:style>
+        <p:txBody>
+          <a:bodyPr rtlCol="0" anchor="ctr"/>
+          <a:lstStyle/>
+          <a:p>
+            <a:pPr algn="ctr"/>
+            <a:endParaRPr lang="en-US"/>
+          </a:p>
+        </p:txBody>
+      </p:sp>
+      <p:sp>
+        <p:nvSpPr>
+          <p:cNvPr id="56" name="Rectangle: Rounded Corners 55">
+            <a:extLst>
+              <a:ext uri="{FF2B5EF4-FFF2-40B4-BE49-F238E27FC236}">
+                <a16:creationId xmlns:a16="http://schemas.microsoft.com/office/drawing/2014/main" id="{02C3F996-27CF-49C5-A95D-194E9CD8567A}"/>
+              </a:ext>
+            </a:extLst>
+          </p:cNvPr>
+          <p:cNvSpPr/>
+          <p:nvPr/>
+        </p:nvSpPr>
+        <p:spPr>
+          <a:xfrm>
+            <a:off x="3427901" y="2501736"/>
+            <a:ext cx="2791924" cy="867667"/>
+          </a:xfrm>
+          <a:prstGeom prst="roundRect">
+            <a:avLst/>
+          </a:prstGeom>
+          <a:noFill/>
+          <a:ln w="25400">
+            <a:solidFill>
+              <a:schemeClr val="tx1"/>
+            </a:solidFill>
+          </a:ln>
+        </p:spPr>
+        <p:style>
+          <a:lnRef idx="2">
+            <a:schemeClr val="accent1">
+              <a:shade val="50000"/>
+            </a:schemeClr>
+          </a:lnRef>
+          <a:fillRef idx="1">
+            <a:schemeClr val="accent1"/>
+          </a:fillRef>
+          <a:effectRef idx="0">
+            <a:schemeClr val="accent1"/>
+          </a:effectRef>
+          <a:fontRef idx="minor">
+            <a:schemeClr val="lt1"/>
+          </a:fontRef>
+        </p:style>
+        <p:txBody>
+          <a:bodyPr rtlCol="0" anchor="ctr"/>
+          <a:lstStyle/>
+          <a:p>
+            <a:pPr algn="ctr"/>
+            <a:endParaRPr lang="en-US"/>
+          </a:p>
+        </p:txBody>
+      </p:sp>
+      <p:sp>
+        <p:nvSpPr>
+          <p:cNvPr id="57" name="Rectangle: Rounded Corners 56">
+            <a:extLst>
+              <a:ext uri="{FF2B5EF4-FFF2-40B4-BE49-F238E27FC236}">
+                <a16:creationId xmlns:a16="http://schemas.microsoft.com/office/drawing/2014/main" id="{4FF12579-CA69-4B6D-8AE1-62BA124EBD22}"/>
+              </a:ext>
+            </a:extLst>
+          </p:cNvPr>
+          <p:cNvSpPr/>
+          <p:nvPr/>
+        </p:nvSpPr>
+        <p:spPr>
+          <a:xfrm>
+            <a:off x="4176589" y="1224659"/>
+            <a:ext cx="1299275" cy="867667"/>
+          </a:xfrm>
+          <a:prstGeom prst="roundRect">
+            <a:avLst/>
+          </a:prstGeom>
+          <a:noFill/>
+          <a:ln w="25400">
+            <a:solidFill>
+              <a:srgbClr val="FFC000"/>
+            </a:solidFill>
+          </a:ln>
+        </p:spPr>
+        <p:style>
+          <a:lnRef idx="2">
+            <a:schemeClr val="accent1">
+              <a:shade val="50000"/>
+            </a:schemeClr>
+          </a:lnRef>
+          <a:fillRef idx="1">
+            <a:schemeClr val="accent1"/>
+          </a:fillRef>
+          <a:effectRef idx="0">
+            <a:schemeClr val="accent1"/>
+          </a:effectRef>
+          <a:fontRef idx="minor">
+            <a:schemeClr val="lt1"/>
+          </a:fontRef>
+        </p:style>
+        <p:txBody>
+          <a:bodyPr rtlCol="0" anchor="ctr"/>
+          <a:lstStyle/>
+          <a:p>
+            <a:pPr algn="ctr"/>
+            <a:endParaRPr lang="en-US"/>
+          </a:p>
+        </p:txBody>
+      </p:sp>
+      <p:sp>
+        <p:nvSpPr>
+          <p:cNvPr id="58" name="Arrow: Right 57">
+            <a:extLst>
+              <a:ext uri="{FF2B5EF4-FFF2-40B4-BE49-F238E27FC236}">
+                <a16:creationId xmlns:a16="http://schemas.microsoft.com/office/drawing/2014/main" id="{D273483D-FD1E-4444-91D7-BE911EC5DE61}"/>
+              </a:ext>
+            </a:extLst>
+          </p:cNvPr>
+          <p:cNvSpPr/>
+          <p:nvPr/>
+        </p:nvSpPr>
+        <p:spPr>
+          <a:xfrm>
+            <a:off x="6618606" y="2743508"/>
+            <a:ext cx="569014" cy="479654"/>
+          </a:xfrm>
+          <a:prstGeom prst="rightArrow">
+            <a:avLst/>
+          </a:prstGeom>
+        </p:spPr>
+        <p:style>
+          <a:lnRef idx="2">
+            <a:schemeClr val="accent1">
+              <a:shade val="50000"/>
+            </a:schemeClr>
+          </a:lnRef>
+          <a:fillRef idx="1">
+            <a:schemeClr val="accent1"/>
+          </a:fillRef>
+          <a:effectRef idx="0">
+            <a:schemeClr val="accent1"/>
+          </a:effectRef>
+          <a:fontRef idx="minor">
+            <a:schemeClr val="lt1"/>
+          </a:fontRef>
+        </p:style>
+        <p:txBody>
+          <a:bodyPr rtlCol="0" anchor="ctr"/>
+          <a:lstStyle/>
+          <a:p>
+            <a:pPr algn="ctr"/>
+            <a:endParaRPr lang="en-US"/>
+          </a:p>
+        </p:txBody>
+      </p:sp>
+    </p:spTree>
+    <p:extLst>
+      <p:ext uri="{BB962C8B-B14F-4D97-AF65-F5344CB8AC3E}">
+        <p14:creationId xmlns:p14="http://schemas.microsoft.com/office/powerpoint/2010/main" val="3967572482"/>
       </p:ext>
     </p:extLst>
   </p:cSld>

--- a/Figures.pptx
+++ b/Figures.pptx
@@ -5,13 +5,16 @@
     <p:sldMasterId id="2147483648" r:id="rId1"/>
   </p:sldMasterIdLst>
   <p:notesMasterIdLst>
-    <p:notesMasterId r:id="rId6"/>
+    <p:notesMasterId r:id="rId9"/>
   </p:notesMasterIdLst>
   <p:sldIdLst>
     <p:sldId id="256" r:id="rId2"/>
     <p:sldId id="257" r:id="rId3"/>
     <p:sldId id="258" r:id="rId4"/>
     <p:sldId id="259" r:id="rId5"/>
+    <p:sldId id="260" r:id="rId6"/>
+    <p:sldId id="261" r:id="rId7"/>
+    <p:sldId id="262" r:id="rId8"/>
   </p:sldIdLst>
   <p:sldSz cx="12192000" cy="6858000"/>
   <p:notesSz cx="6858000" cy="9144000"/>
@@ -110,6 +113,11 @@
       </a:defRPr>
     </a:lvl9pPr>
   </p:defaultTextStyle>
+  <p:extLst>
+    <p:ext uri="{EFAFB233-063F-42B5-8137-9DF3F51BA10A}">
+      <p15:sldGuideLst xmlns:p15="http://schemas.microsoft.com/office/powerpoint/2012/main"/>
+    </p:ext>
+  </p:extLst>
 </p:presentation>
 </file>
 
@@ -195,7 +203,7 @@
           <a:p>
             <a:fld id="{75754C70-6453-4EC1-893C-AA2644B807D6}" type="datetimeFigureOut">
               <a:rPr lang="en-US" smtClean="0"/>
-              <a:t>8/25/2021</a:t>
+              <a:t>8/27/2021</a:t>
             </a:fld>
             <a:endParaRPr lang="en-US" dirty="0"/>
           </a:p>
@@ -609,7 +617,7 @@
           <a:p>
             <a:fld id="{FF5E1AB6-45CD-421A-B6C0-E4D4EAFC2CDC}" type="datetimeFigureOut">
               <a:rPr lang="en-US" smtClean="0"/>
-              <a:t>8/25/2021</a:t>
+              <a:t>8/27/2021</a:t>
             </a:fld>
             <a:endParaRPr lang="en-US" dirty="0"/>
           </a:p>
@@ -807,7 +815,7 @@
           <a:p>
             <a:fld id="{FF5E1AB6-45CD-421A-B6C0-E4D4EAFC2CDC}" type="datetimeFigureOut">
               <a:rPr lang="en-US" smtClean="0"/>
-              <a:t>8/25/2021</a:t>
+              <a:t>8/27/2021</a:t>
             </a:fld>
             <a:endParaRPr lang="en-US" dirty="0"/>
           </a:p>
@@ -1015,7 +1023,7 @@
           <a:p>
             <a:fld id="{FF5E1AB6-45CD-421A-B6C0-E4D4EAFC2CDC}" type="datetimeFigureOut">
               <a:rPr lang="en-US" smtClean="0"/>
-              <a:t>8/25/2021</a:t>
+              <a:t>8/27/2021</a:t>
             </a:fld>
             <a:endParaRPr lang="en-US" dirty="0"/>
           </a:p>
@@ -1213,7 +1221,7 @@
           <a:p>
             <a:fld id="{FF5E1AB6-45CD-421A-B6C0-E4D4EAFC2CDC}" type="datetimeFigureOut">
               <a:rPr lang="en-US" smtClean="0"/>
-              <a:t>8/25/2021</a:t>
+              <a:t>8/27/2021</a:t>
             </a:fld>
             <a:endParaRPr lang="en-US" dirty="0"/>
           </a:p>
@@ -1488,7 +1496,7 @@
           <a:p>
             <a:fld id="{FF5E1AB6-45CD-421A-B6C0-E4D4EAFC2CDC}" type="datetimeFigureOut">
               <a:rPr lang="en-US" smtClean="0"/>
-              <a:t>8/25/2021</a:t>
+              <a:t>8/27/2021</a:t>
             </a:fld>
             <a:endParaRPr lang="en-US" dirty="0"/>
           </a:p>
@@ -1753,7 +1761,7 @@
           <a:p>
             <a:fld id="{FF5E1AB6-45CD-421A-B6C0-E4D4EAFC2CDC}" type="datetimeFigureOut">
               <a:rPr lang="en-US" smtClean="0"/>
-              <a:t>8/25/2021</a:t>
+              <a:t>8/27/2021</a:t>
             </a:fld>
             <a:endParaRPr lang="en-US" dirty="0"/>
           </a:p>
@@ -2165,7 +2173,7 @@
           <a:p>
             <a:fld id="{FF5E1AB6-45CD-421A-B6C0-E4D4EAFC2CDC}" type="datetimeFigureOut">
               <a:rPr lang="en-US" smtClean="0"/>
-              <a:t>8/25/2021</a:t>
+              <a:t>8/27/2021</a:t>
             </a:fld>
             <a:endParaRPr lang="en-US" dirty="0"/>
           </a:p>
@@ -2306,7 +2314,7 @@
           <a:p>
             <a:fld id="{FF5E1AB6-45CD-421A-B6C0-E4D4EAFC2CDC}" type="datetimeFigureOut">
               <a:rPr lang="en-US" smtClean="0"/>
-              <a:t>8/25/2021</a:t>
+              <a:t>8/27/2021</a:t>
             </a:fld>
             <a:endParaRPr lang="en-US" dirty="0"/>
           </a:p>
@@ -2419,7 +2427,7 @@
           <a:p>
             <a:fld id="{FF5E1AB6-45CD-421A-B6C0-E4D4EAFC2CDC}" type="datetimeFigureOut">
               <a:rPr lang="en-US" smtClean="0"/>
-              <a:t>8/25/2021</a:t>
+              <a:t>8/27/2021</a:t>
             </a:fld>
             <a:endParaRPr lang="en-US" dirty="0"/>
           </a:p>
@@ -2730,7 +2738,7 @@
           <a:p>
             <a:fld id="{FF5E1AB6-45CD-421A-B6C0-E4D4EAFC2CDC}" type="datetimeFigureOut">
               <a:rPr lang="en-US" smtClean="0"/>
-              <a:t>8/25/2021</a:t>
+              <a:t>8/27/2021</a:t>
             </a:fld>
             <a:endParaRPr lang="en-US" dirty="0"/>
           </a:p>
@@ -3018,7 +3026,7 @@
           <a:p>
             <a:fld id="{FF5E1AB6-45CD-421A-B6C0-E4D4EAFC2CDC}" type="datetimeFigureOut">
               <a:rPr lang="en-US" smtClean="0"/>
-              <a:t>8/25/2021</a:t>
+              <a:t>8/27/2021</a:t>
             </a:fld>
             <a:endParaRPr lang="en-US" dirty="0"/>
           </a:p>
@@ -3259,7 +3267,7 @@
           <a:p>
             <a:fld id="{FF5E1AB6-45CD-421A-B6C0-E4D4EAFC2CDC}" type="datetimeFigureOut">
               <a:rPr lang="en-US" smtClean="0"/>
-              <a:t>8/25/2021</a:t>
+              <a:t>8/27/2021</a:t>
             </a:fld>
             <a:endParaRPr lang="en-US" dirty="0"/>
           </a:p>
@@ -13075,6 +13083,7040 @@
 </p:sld>
 </file>
 
+<file path=ppt/slides/slide5.xml><?xml version="1.0" encoding="utf-8"?>
+<p:sld xmlns:a="http://schemas.openxmlformats.org/drawingml/2006/main" xmlns:r="http://schemas.openxmlformats.org/officeDocument/2006/relationships" xmlns:p="http://schemas.openxmlformats.org/presentationml/2006/main">
+  <p:cSld>
+    <p:spTree>
+      <p:nvGrpSpPr>
+        <p:cNvPr id="1" name=""/>
+        <p:cNvGrpSpPr/>
+        <p:nvPr/>
+      </p:nvGrpSpPr>
+      <p:grpSpPr>
+        <a:xfrm>
+          <a:off x="0" y="0"/>
+          <a:ext cx="0" cy="0"/>
+          <a:chOff x="0" y="0"/>
+          <a:chExt cx="0" cy="0"/>
+        </a:xfrm>
+      </p:grpSpPr>
+      <p:grpSp>
+        <p:nvGrpSpPr>
+          <p:cNvPr id="29" name="Group 28">
+            <a:extLst>
+              <a:ext uri="{FF2B5EF4-FFF2-40B4-BE49-F238E27FC236}">
+                <a16:creationId xmlns:a16="http://schemas.microsoft.com/office/drawing/2014/main" id="{00F08641-F49B-47B4-B126-2031C5D20321}"/>
+              </a:ext>
+            </a:extLst>
+          </p:cNvPr>
+          <p:cNvGrpSpPr/>
+          <p:nvPr/>
+        </p:nvGrpSpPr>
+        <p:grpSpPr>
+          <a:xfrm>
+            <a:off x="3553528" y="3256980"/>
+            <a:ext cx="939800" cy="697706"/>
+            <a:chOff x="3473450" y="1362075"/>
+            <a:chExt cx="939800" cy="697706"/>
+          </a:xfrm>
+        </p:grpSpPr>
+        <p:sp>
+          <p:nvSpPr>
+            <p:cNvPr id="30" name="Oval 29">
+              <a:extLst>
+                <a:ext uri="{FF2B5EF4-FFF2-40B4-BE49-F238E27FC236}">
+                  <a16:creationId xmlns:a16="http://schemas.microsoft.com/office/drawing/2014/main" id="{EEF954A3-9480-4CA0-B4FC-159685D64AE4}"/>
+                </a:ext>
+              </a:extLst>
+            </p:cNvPr>
+            <p:cNvSpPr/>
+            <p:nvPr/>
+          </p:nvSpPr>
+          <p:spPr>
+            <a:xfrm>
+              <a:off x="3841750" y="1362075"/>
+              <a:ext cx="190500" cy="190500"/>
+            </a:xfrm>
+            <a:prstGeom prst="ellipse">
+              <a:avLst/>
+            </a:prstGeom>
+            <a:solidFill>
+              <a:srgbClr val="FFC000"/>
+            </a:solidFill>
+            <a:ln>
+              <a:solidFill>
+                <a:schemeClr val="accent6">
+                  <a:lumMod val="75000"/>
+                </a:schemeClr>
+              </a:solidFill>
+            </a:ln>
+          </p:spPr>
+          <p:style>
+            <a:lnRef idx="2">
+              <a:schemeClr val="accent1">
+                <a:shade val="50000"/>
+              </a:schemeClr>
+            </a:lnRef>
+            <a:fillRef idx="1">
+              <a:schemeClr val="accent1"/>
+            </a:fillRef>
+            <a:effectRef idx="0">
+              <a:schemeClr val="accent1"/>
+            </a:effectRef>
+            <a:fontRef idx="minor">
+              <a:schemeClr val="lt1"/>
+            </a:fontRef>
+          </p:style>
+          <p:txBody>
+            <a:bodyPr rtlCol="0" anchor="ctr"/>
+            <a:lstStyle/>
+            <a:p>
+              <a:pPr algn="ctr"/>
+              <a:endParaRPr lang="en-US"/>
+            </a:p>
+          </p:txBody>
+        </p:sp>
+        <p:sp>
+          <p:nvSpPr>
+            <p:cNvPr id="31" name="Oval 30">
+              <a:extLst>
+                <a:ext uri="{FF2B5EF4-FFF2-40B4-BE49-F238E27FC236}">
+                  <a16:creationId xmlns:a16="http://schemas.microsoft.com/office/drawing/2014/main" id="{58A1E0DF-95CB-4330-9C77-3EF88213FAAB}"/>
+                </a:ext>
+              </a:extLst>
+            </p:cNvPr>
+            <p:cNvSpPr/>
+            <p:nvPr/>
+          </p:nvSpPr>
+          <p:spPr>
+            <a:xfrm>
+              <a:off x="3473450" y="1869281"/>
+              <a:ext cx="190500" cy="190500"/>
+            </a:xfrm>
+            <a:prstGeom prst="ellipse">
+              <a:avLst/>
+            </a:prstGeom>
+            <a:solidFill>
+              <a:schemeClr val="accent6">
+                <a:lumMod val="40000"/>
+                <a:lumOff val="60000"/>
+              </a:schemeClr>
+            </a:solidFill>
+            <a:ln>
+              <a:solidFill>
+                <a:schemeClr val="accent6">
+                  <a:lumMod val="75000"/>
+                </a:schemeClr>
+              </a:solidFill>
+            </a:ln>
+          </p:spPr>
+          <p:style>
+            <a:lnRef idx="2">
+              <a:schemeClr val="accent1">
+                <a:shade val="50000"/>
+              </a:schemeClr>
+            </a:lnRef>
+            <a:fillRef idx="1">
+              <a:schemeClr val="accent1"/>
+            </a:fillRef>
+            <a:effectRef idx="0">
+              <a:schemeClr val="accent1"/>
+            </a:effectRef>
+            <a:fontRef idx="minor">
+              <a:schemeClr val="lt1"/>
+            </a:fontRef>
+          </p:style>
+          <p:txBody>
+            <a:bodyPr rtlCol="0" anchor="ctr"/>
+            <a:lstStyle/>
+            <a:p>
+              <a:pPr algn="ctr"/>
+              <a:endParaRPr lang="en-US"/>
+            </a:p>
+          </p:txBody>
+        </p:sp>
+        <p:sp>
+          <p:nvSpPr>
+            <p:cNvPr id="32" name="Oval 31">
+              <a:extLst>
+                <a:ext uri="{FF2B5EF4-FFF2-40B4-BE49-F238E27FC236}">
+                  <a16:creationId xmlns:a16="http://schemas.microsoft.com/office/drawing/2014/main" id="{0DDD9695-12DF-43C3-ADB3-499688F71623}"/>
+                </a:ext>
+              </a:extLst>
+            </p:cNvPr>
+            <p:cNvSpPr/>
+            <p:nvPr/>
+          </p:nvSpPr>
+          <p:spPr>
+            <a:xfrm>
+              <a:off x="4222750" y="1869281"/>
+              <a:ext cx="190500" cy="190500"/>
+            </a:xfrm>
+            <a:prstGeom prst="ellipse">
+              <a:avLst/>
+            </a:prstGeom>
+            <a:solidFill>
+              <a:srgbClr val="FFC000"/>
+            </a:solidFill>
+            <a:ln>
+              <a:solidFill>
+                <a:schemeClr val="accent6">
+                  <a:lumMod val="75000"/>
+                </a:schemeClr>
+              </a:solidFill>
+            </a:ln>
+          </p:spPr>
+          <p:style>
+            <a:lnRef idx="2">
+              <a:schemeClr val="accent1">
+                <a:shade val="50000"/>
+              </a:schemeClr>
+            </a:lnRef>
+            <a:fillRef idx="1">
+              <a:schemeClr val="accent1"/>
+            </a:fillRef>
+            <a:effectRef idx="0">
+              <a:schemeClr val="accent1"/>
+            </a:effectRef>
+            <a:fontRef idx="minor">
+              <a:schemeClr val="lt1"/>
+            </a:fontRef>
+          </p:style>
+          <p:txBody>
+            <a:bodyPr rtlCol="0" anchor="ctr"/>
+            <a:lstStyle/>
+            <a:p>
+              <a:pPr algn="ctr"/>
+              <a:endParaRPr lang="en-US"/>
+            </a:p>
+          </p:txBody>
+        </p:sp>
+        <p:cxnSp>
+          <p:nvCxnSpPr>
+            <p:cNvPr id="35" name="Straight Arrow Connector 34">
+              <a:extLst>
+                <a:ext uri="{FF2B5EF4-FFF2-40B4-BE49-F238E27FC236}">
+                  <a16:creationId xmlns:a16="http://schemas.microsoft.com/office/drawing/2014/main" id="{AF5B46F4-4D19-4BD5-A143-52DB9798FBFC}"/>
+                </a:ext>
+              </a:extLst>
+            </p:cNvPr>
+            <p:cNvCxnSpPr>
+              <a:stCxn id="30" idx="3"/>
+              <a:endCxn id="31" idx="6"/>
+            </p:cNvCxnSpPr>
+            <p:nvPr/>
+          </p:nvCxnSpPr>
+          <p:spPr>
+            <a:xfrm flipH="1">
+              <a:off x="3636052" y="1524677"/>
+              <a:ext cx="233596" cy="372502"/>
+            </a:xfrm>
+            <a:prstGeom prst="straightConnector1">
+              <a:avLst/>
+            </a:prstGeom>
+            <a:ln w="25400">
+              <a:tailEnd type="triangle"/>
+            </a:ln>
+          </p:spPr>
+          <p:style>
+            <a:lnRef idx="1">
+              <a:schemeClr val="accent1"/>
+            </a:lnRef>
+            <a:fillRef idx="0">
+              <a:schemeClr val="accent1"/>
+            </a:fillRef>
+            <a:effectRef idx="0">
+              <a:schemeClr val="accent1"/>
+            </a:effectRef>
+            <a:fontRef idx="minor">
+              <a:schemeClr val="tx1"/>
+            </a:fontRef>
+          </p:style>
+        </p:cxnSp>
+        <p:cxnSp>
+          <p:nvCxnSpPr>
+            <p:cNvPr id="36" name="Straight Arrow Connector 35">
+              <a:extLst>
+                <a:ext uri="{FF2B5EF4-FFF2-40B4-BE49-F238E27FC236}">
+                  <a16:creationId xmlns:a16="http://schemas.microsoft.com/office/drawing/2014/main" id="{78FBCFC5-9FC6-4F19-A292-7BFFE2AAACC7}"/>
+                </a:ext>
+              </a:extLst>
+            </p:cNvPr>
+            <p:cNvCxnSpPr>
+              <a:cxnSpLocks/>
+              <a:stCxn id="30" idx="5"/>
+              <a:endCxn id="32" idx="1"/>
+            </p:cNvCxnSpPr>
+            <p:nvPr/>
+          </p:nvCxnSpPr>
+          <p:spPr>
+            <a:xfrm>
+              <a:off x="4004352" y="1524677"/>
+              <a:ext cx="246296" cy="372502"/>
+            </a:xfrm>
+            <a:prstGeom prst="straightConnector1">
+              <a:avLst/>
+            </a:prstGeom>
+            <a:ln w="25400">
+              <a:solidFill>
+                <a:srgbClr val="FF0000"/>
+              </a:solidFill>
+              <a:tailEnd type="triangle"/>
+            </a:ln>
+          </p:spPr>
+          <p:style>
+            <a:lnRef idx="1">
+              <a:schemeClr val="accent1"/>
+            </a:lnRef>
+            <a:fillRef idx="0">
+              <a:schemeClr val="accent1"/>
+            </a:fillRef>
+            <a:effectRef idx="0">
+              <a:schemeClr val="accent1"/>
+            </a:effectRef>
+            <a:fontRef idx="minor">
+              <a:schemeClr val="tx1"/>
+            </a:fontRef>
+          </p:style>
+        </p:cxnSp>
+      </p:grpSp>
+      <p:sp>
+        <p:nvSpPr>
+          <p:cNvPr id="40" name="TextBox 39">
+            <a:extLst>
+              <a:ext uri="{FF2B5EF4-FFF2-40B4-BE49-F238E27FC236}">
+                <a16:creationId xmlns:a16="http://schemas.microsoft.com/office/drawing/2014/main" id="{7281DC49-955F-4674-8199-971A898A330D}"/>
+              </a:ext>
+            </a:extLst>
+          </p:cNvPr>
+          <p:cNvSpPr txBox="1"/>
+          <p:nvPr/>
+        </p:nvSpPr>
+        <p:spPr>
+          <a:xfrm>
+            <a:off x="3185115" y="3946339"/>
+            <a:ext cx="1951196" cy="369332"/>
+          </a:xfrm>
+          <a:prstGeom prst="rect">
+            <a:avLst/>
+          </a:prstGeom>
+          <a:noFill/>
+        </p:spPr>
+        <p:txBody>
+          <a:bodyPr wrap="square" rtlCol="0">
+            <a:spAutoFit/>
+          </a:bodyPr>
+          <a:lstStyle/>
+          <a:p>
+            <a:r>
+              <a:rPr lang="en-US" dirty="0"/>
+              <a:t>Buggy subtree</a:t>
+            </a:r>
+          </a:p>
+        </p:txBody>
+      </p:sp>
+      <p:sp>
+        <p:nvSpPr>
+          <p:cNvPr id="27" name="Rectangle: Rounded Corners 26">
+            <a:extLst>
+              <a:ext uri="{FF2B5EF4-FFF2-40B4-BE49-F238E27FC236}">
+                <a16:creationId xmlns:a16="http://schemas.microsoft.com/office/drawing/2014/main" id="{8B88DDE6-293D-4F1C-BA48-7E0B585C5C6C}"/>
+              </a:ext>
+            </a:extLst>
+          </p:cNvPr>
+          <p:cNvSpPr/>
+          <p:nvPr/>
+        </p:nvSpPr>
+        <p:spPr>
+          <a:xfrm>
+            <a:off x="4926756" y="1720371"/>
+            <a:ext cx="1912032" cy="802049"/>
+          </a:xfrm>
+          <a:prstGeom prst="roundRect">
+            <a:avLst/>
+          </a:prstGeom>
+          <a:solidFill>
+            <a:schemeClr val="accent2">
+              <a:lumMod val="20000"/>
+              <a:lumOff val="80000"/>
+            </a:schemeClr>
+          </a:solidFill>
+          <a:ln w="25400">
+            <a:solidFill>
+              <a:schemeClr val="accent2">
+                <a:lumMod val="75000"/>
+              </a:schemeClr>
+            </a:solidFill>
+          </a:ln>
+        </p:spPr>
+        <p:style>
+          <a:lnRef idx="2">
+            <a:schemeClr val="accent1">
+              <a:shade val="50000"/>
+            </a:schemeClr>
+          </a:lnRef>
+          <a:fillRef idx="1">
+            <a:schemeClr val="accent1"/>
+          </a:fillRef>
+          <a:effectRef idx="0">
+            <a:schemeClr val="accent1"/>
+          </a:effectRef>
+          <a:fontRef idx="minor">
+            <a:schemeClr val="lt1"/>
+          </a:fontRef>
+        </p:style>
+        <p:txBody>
+          <a:bodyPr rtlCol="0" anchor="ctr"/>
+          <a:lstStyle/>
+          <a:p>
+            <a:pPr algn="ctr"/>
+            <a:r>
+              <a:rPr lang="en-US" dirty="0">
+                <a:solidFill>
+                  <a:schemeClr val="tx1"/>
+                </a:solidFill>
+              </a:rPr>
+              <a:t>Tree-based Context Learning</a:t>
+            </a:r>
+          </a:p>
+        </p:txBody>
+      </p:sp>
+      <p:sp>
+        <p:nvSpPr>
+          <p:cNvPr id="42" name="Rectangle: Rounded Corners 41">
+            <a:extLst>
+              <a:ext uri="{FF2B5EF4-FFF2-40B4-BE49-F238E27FC236}">
+                <a16:creationId xmlns:a16="http://schemas.microsoft.com/office/drawing/2014/main" id="{C61147BF-A6E9-423A-BBD5-EBB5D1B3AAC6}"/>
+              </a:ext>
+            </a:extLst>
+          </p:cNvPr>
+          <p:cNvSpPr/>
+          <p:nvPr/>
+        </p:nvSpPr>
+        <p:spPr>
+          <a:xfrm>
+            <a:off x="4926755" y="3386232"/>
+            <a:ext cx="1909735" cy="776767"/>
+          </a:xfrm>
+          <a:prstGeom prst="roundRect">
+            <a:avLst/>
+          </a:prstGeom>
+          <a:solidFill>
+            <a:schemeClr val="accent2">
+              <a:lumMod val="20000"/>
+              <a:lumOff val="80000"/>
+            </a:schemeClr>
+          </a:solidFill>
+          <a:ln w="25400">
+            <a:solidFill>
+              <a:schemeClr val="accent2">
+                <a:lumMod val="75000"/>
+              </a:schemeClr>
+            </a:solidFill>
+          </a:ln>
+        </p:spPr>
+        <p:style>
+          <a:lnRef idx="2">
+            <a:schemeClr val="accent1">
+              <a:shade val="50000"/>
+            </a:schemeClr>
+          </a:lnRef>
+          <a:fillRef idx="1">
+            <a:schemeClr val="accent1"/>
+          </a:fillRef>
+          <a:effectRef idx="0">
+            <a:schemeClr val="accent1"/>
+          </a:effectRef>
+          <a:fontRef idx="minor">
+            <a:schemeClr val="lt1"/>
+          </a:fontRef>
+        </p:style>
+        <p:txBody>
+          <a:bodyPr rtlCol="0" anchor="ctr"/>
+          <a:lstStyle/>
+          <a:p>
+            <a:pPr algn="ctr"/>
+            <a:r>
+              <a:rPr lang="en-US" dirty="0">
+                <a:solidFill>
+                  <a:schemeClr val="tx1"/>
+                </a:solidFill>
+              </a:rPr>
+              <a:t>Tree-based Transformation Learning</a:t>
+            </a:r>
+          </a:p>
+        </p:txBody>
+      </p:sp>
+      <p:sp>
+        <p:nvSpPr>
+          <p:cNvPr id="43" name="Rectangle: Rounded Corners 42">
+            <a:extLst>
+              <a:ext uri="{FF2B5EF4-FFF2-40B4-BE49-F238E27FC236}">
+                <a16:creationId xmlns:a16="http://schemas.microsoft.com/office/drawing/2014/main" id="{5DAA0177-339C-495D-8153-6541C884CD2D}"/>
+              </a:ext>
+            </a:extLst>
+          </p:cNvPr>
+          <p:cNvSpPr/>
+          <p:nvPr/>
+        </p:nvSpPr>
+        <p:spPr>
+          <a:xfrm>
+            <a:off x="5044572" y="2794089"/>
+            <a:ext cx="1676400" cy="291245"/>
+          </a:xfrm>
+          <a:prstGeom prst="roundRect">
+            <a:avLst/>
+          </a:prstGeom>
+          <a:solidFill>
+            <a:schemeClr val="accent2">
+              <a:lumMod val="20000"/>
+              <a:lumOff val="80000"/>
+            </a:schemeClr>
+          </a:solidFill>
+          <a:ln w="25400">
+            <a:solidFill>
+              <a:schemeClr val="accent2">
+                <a:lumMod val="75000"/>
+              </a:schemeClr>
+            </a:solidFill>
+          </a:ln>
+        </p:spPr>
+        <p:style>
+          <a:lnRef idx="2">
+            <a:schemeClr val="accent1">
+              <a:shade val="50000"/>
+            </a:schemeClr>
+          </a:lnRef>
+          <a:fillRef idx="1">
+            <a:schemeClr val="accent1"/>
+          </a:fillRef>
+          <a:effectRef idx="0">
+            <a:schemeClr val="accent1"/>
+          </a:effectRef>
+          <a:fontRef idx="minor">
+            <a:schemeClr val="lt1"/>
+          </a:fontRef>
+        </p:style>
+        <p:txBody>
+          <a:bodyPr rtlCol="0" anchor="ctr"/>
+          <a:lstStyle/>
+          <a:p>
+            <a:pPr algn="ctr"/>
+            <a:r>
+              <a:rPr lang="en-US" dirty="0">
+                <a:solidFill>
+                  <a:schemeClr val="tx1"/>
+                </a:solidFill>
+              </a:rPr>
+              <a:t>Joint Training</a:t>
+            </a:r>
+          </a:p>
+        </p:txBody>
+      </p:sp>
+      <p:cxnSp>
+        <p:nvCxnSpPr>
+          <p:cNvPr id="75" name="Straight Arrow Connector 74">
+            <a:extLst>
+              <a:ext uri="{FF2B5EF4-FFF2-40B4-BE49-F238E27FC236}">
+                <a16:creationId xmlns:a16="http://schemas.microsoft.com/office/drawing/2014/main" id="{1E26547B-40D7-4EC9-A296-9A275442F3A1}"/>
+              </a:ext>
+            </a:extLst>
+          </p:cNvPr>
+          <p:cNvCxnSpPr/>
+          <p:nvPr/>
+        </p:nvCxnSpPr>
+        <p:spPr>
+          <a:xfrm flipV="1">
+            <a:off x="4596193" y="3745645"/>
+            <a:ext cx="332860" cy="2649"/>
+          </a:xfrm>
+          <a:prstGeom prst="straightConnector1">
+            <a:avLst/>
+          </a:prstGeom>
+          <a:ln w="25400">
+            <a:tailEnd type="triangle"/>
+          </a:ln>
+        </p:spPr>
+        <p:style>
+          <a:lnRef idx="1">
+            <a:schemeClr val="accent1"/>
+          </a:lnRef>
+          <a:fillRef idx="0">
+            <a:schemeClr val="accent1"/>
+          </a:fillRef>
+          <a:effectRef idx="0">
+            <a:schemeClr val="accent1"/>
+          </a:effectRef>
+          <a:fontRef idx="minor">
+            <a:schemeClr val="tx1"/>
+          </a:fontRef>
+        </p:style>
+      </p:cxnSp>
+      <p:cxnSp>
+        <p:nvCxnSpPr>
+          <p:cNvPr id="76" name="Straight Arrow Connector 75">
+            <a:extLst>
+              <a:ext uri="{FF2B5EF4-FFF2-40B4-BE49-F238E27FC236}">
+                <a16:creationId xmlns:a16="http://schemas.microsoft.com/office/drawing/2014/main" id="{79185833-1F06-46BC-B258-D8B677D60BAF}"/>
+              </a:ext>
+            </a:extLst>
+          </p:cNvPr>
+          <p:cNvCxnSpPr/>
+          <p:nvPr/>
+        </p:nvCxnSpPr>
+        <p:spPr>
+          <a:xfrm flipV="1">
+            <a:off x="4596193" y="2089592"/>
+            <a:ext cx="332860" cy="2649"/>
+          </a:xfrm>
+          <a:prstGeom prst="straightConnector1">
+            <a:avLst/>
+          </a:prstGeom>
+          <a:ln w="25400">
+            <a:tailEnd type="triangle"/>
+          </a:ln>
+        </p:spPr>
+        <p:style>
+          <a:lnRef idx="1">
+            <a:schemeClr val="accent1"/>
+          </a:lnRef>
+          <a:fillRef idx="0">
+            <a:schemeClr val="accent1"/>
+          </a:fillRef>
+          <a:effectRef idx="0">
+            <a:schemeClr val="accent1"/>
+          </a:effectRef>
+          <a:fontRef idx="minor">
+            <a:schemeClr val="tx1"/>
+          </a:fontRef>
+        </p:style>
+      </p:cxnSp>
+      <p:cxnSp>
+        <p:nvCxnSpPr>
+          <p:cNvPr id="78" name="Straight Arrow Connector 77">
+            <a:extLst>
+              <a:ext uri="{FF2B5EF4-FFF2-40B4-BE49-F238E27FC236}">
+                <a16:creationId xmlns:a16="http://schemas.microsoft.com/office/drawing/2014/main" id="{AC8674C8-FC1F-4CF8-8F79-89EE6085AB9F}"/>
+              </a:ext>
+            </a:extLst>
+          </p:cNvPr>
+          <p:cNvCxnSpPr>
+            <a:cxnSpLocks/>
+          </p:cNvCxnSpPr>
+          <p:nvPr/>
+        </p:nvCxnSpPr>
+        <p:spPr>
+          <a:xfrm flipH="1">
+            <a:off x="6836490" y="3774614"/>
+            <a:ext cx="368300" cy="1"/>
+          </a:xfrm>
+          <a:prstGeom prst="straightConnector1">
+            <a:avLst/>
+          </a:prstGeom>
+          <a:ln w="25400">
+            <a:tailEnd type="triangle"/>
+          </a:ln>
+        </p:spPr>
+        <p:style>
+          <a:lnRef idx="1">
+            <a:schemeClr val="accent1"/>
+          </a:lnRef>
+          <a:fillRef idx="0">
+            <a:schemeClr val="accent1"/>
+          </a:fillRef>
+          <a:effectRef idx="0">
+            <a:schemeClr val="accent1"/>
+          </a:effectRef>
+          <a:fontRef idx="minor">
+            <a:schemeClr val="tx1"/>
+          </a:fontRef>
+        </p:style>
+      </p:cxnSp>
+      <p:cxnSp>
+        <p:nvCxnSpPr>
+          <p:cNvPr id="91" name="Straight Arrow Connector 90">
+            <a:extLst>
+              <a:ext uri="{FF2B5EF4-FFF2-40B4-BE49-F238E27FC236}">
+                <a16:creationId xmlns:a16="http://schemas.microsoft.com/office/drawing/2014/main" id="{4711F1A2-0517-44EA-BC94-3B2EFD35FA99}"/>
+              </a:ext>
+            </a:extLst>
+          </p:cNvPr>
+          <p:cNvCxnSpPr>
+            <a:cxnSpLocks/>
+            <a:stCxn id="27" idx="2"/>
+            <a:endCxn id="43" idx="0"/>
+          </p:cNvCxnSpPr>
+          <p:nvPr/>
+        </p:nvCxnSpPr>
+        <p:spPr>
+          <a:xfrm>
+            <a:off x="5882772" y="2522420"/>
+            <a:ext cx="0" cy="271669"/>
+          </a:xfrm>
+          <a:prstGeom prst="straightConnector1">
+            <a:avLst/>
+          </a:prstGeom>
+          <a:ln w="25400">
+            <a:headEnd type="triangle"/>
+            <a:tailEnd type="triangle"/>
+          </a:ln>
+        </p:spPr>
+        <p:style>
+          <a:lnRef idx="1">
+            <a:schemeClr val="accent1"/>
+          </a:lnRef>
+          <a:fillRef idx="0">
+            <a:schemeClr val="accent1"/>
+          </a:fillRef>
+          <a:effectRef idx="0">
+            <a:schemeClr val="accent1"/>
+          </a:effectRef>
+          <a:fontRef idx="minor">
+            <a:schemeClr val="tx1"/>
+          </a:fontRef>
+        </p:style>
+      </p:cxnSp>
+      <p:cxnSp>
+        <p:nvCxnSpPr>
+          <p:cNvPr id="94" name="Straight Arrow Connector 93">
+            <a:extLst>
+              <a:ext uri="{FF2B5EF4-FFF2-40B4-BE49-F238E27FC236}">
+                <a16:creationId xmlns:a16="http://schemas.microsoft.com/office/drawing/2014/main" id="{5756A5B5-A2B2-43E3-AA1A-CB7E355B869F}"/>
+              </a:ext>
+            </a:extLst>
+          </p:cNvPr>
+          <p:cNvCxnSpPr>
+            <a:cxnSpLocks/>
+            <a:stCxn id="43" idx="2"/>
+            <a:endCxn id="42" idx="0"/>
+          </p:cNvCxnSpPr>
+          <p:nvPr/>
+        </p:nvCxnSpPr>
+        <p:spPr>
+          <a:xfrm flipH="1">
+            <a:off x="5881623" y="3085334"/>
+            <a:ext cx="1149" cy="300898"/>
+          </a:xfrm>
+          <a:prstGeom prst="straightConnector1">
+            <a:avLst/>
+          </a:prstGeom>
+          <a:ln w="25400">
+            <a:headEnd type="triangle"/>
+            <a:tailEnd type="triangle"/>
+          </a:ln>
+        </p:spPr>
+        <p:style>
+          <a:lnRef idx="1">
+            <a:schemeClr val="accent1"/>
+          </a:lnRef>
+          <a:fillRef idx="0">
+            <a:schemeClr val="accent1"/>
+          </a:fillRef>
+          <a:effectRef idx="0">
+            <a:schemeClr val="accent1"/>
+          </a:effectRef>
+          <a:fontRef idx="minor">
+            <a:schemeClr val="tx1"/>
+          </a:fontRef>
+        </p:style>
+      </p:cxnSp>
+      <p:pic>
+        <p:nvPicPr>
+          <p:cNvPr id="1026" name="Picture 2" descr="File icon PNG, ICO or ICNS | Free vector icons">
+            <a:extLst>
+              <a:ext uri="{FF2B5EF4-FFF2-40B4-BE49-F238E27FC236}">
+                <a16:creationId xmlns:a16="http://schemas.microsoft.com/office/drawing/2014/main" id="{AB7F84EE-974E-440C-8CE3-95AB0255AB37}"/>
+              </a:ext>
+            </a:extLst>
+          </p:cNvPr>
+          <p:cNvPicPr>
+            <a:picLocks noChangeAspect="1" noChangeArrowheads="1"/>
+          </p:cNvPicPr>
+          <p:nvPr/>
+        </p:nvPicPr>
+        <p:blipFill>
+          <a:blip r:embed="rId2">
+            <a:extLst>
+              <a:ext uri="{28A0092B-C50C-407E-A947-70E740481C1C}">
+                <a14:useLocalDpi xmlns:a14="http://schemas.microsoft.com/office/drawing/2010/main" val="0"/>
+              </a:ext>
+            </a:extLst>
+          </a:blip>
+          <a:srcRect/>
+          <a:stretch>
+            <a:fillRect/>
+          </a:stretch>
+        </p:blipFill>
+        <p:spPr bwMode="auto">
+          <a:xfrm>
+            <a:off x="668109" y="1843604"/>
+            <a:ext cx="739140" cy="739140"/>
+          </a:xfrm>
+          <a:prstGeom prst="rect">
+            <a:avLst/>
+          </a:prstGeom>
+          <a:noFill/>
+          <a:extLst>
+            <a:ext uri="{909E8E84-426E-40DD-AFC4-6F175D3DCCD1}">
+              <a14:hiddenFill xmlns:a14="http://schemas.microsoft.com/office/drawing/2010/main">
+                <a:solidFill>
+                  <a:srgbClr val="FFFFFF"/>
+                </a:solidFill>
+              </a14:hiddenFill>
+            </a:ext>
+          </a:extLst>
+        </p:spPr>
+      </p:pic>
+      <p:sp>
+        <p:nvSpPr>
+          <p:cNvPr id="4" name="TextBox 3">
+            <a:extLst>
+              <a:ext uri="{FF2B5EF4-FFF2-40B4-BE49-F238E27FC236}">
+                <a16:creationId xmlns:a16="http://schemas.microsoft.com/office/drawing/2014/main" id="{120230DA-EEEB-4EF0-A3AA-AC3282437485}"/>
+              </a:ext>
+            </a:extLst>
+          </p:cNvPr>
+          <p:cNvSpPr txBox="1"/>
+          <p:nvPr/>
+        </p:nvSpPr>
+        <p:spPr>
+          <a:xfrm>
+            <a:off x="264249" y="2516069"/>
+            <a:ext cx="1676400" cy="369332"/>
+          </a:xfrm>
+          <a:prstGeom prst="rect">
+            <a:avLst/>
+          </a:prstGeom>
+          <a:noFill/>
+        </p:spPr>
+        <p:txBody>
+          <a:bodyPr wrap="square" rtlCol="0">
+            <a:spAutoFit/>
+          </a:bodyPr>
+          <a:lstStyle/>
+          <a:p>
+            <a:r>
+              <a:rPr lang="en-US" dirty="0"/>
+              <a:t>Buggy Method</a:t>
+            </a:r>
+          </a:p>
+        </p:txBody>
+      </p:sp>
+      <p:sp>
+        <p:nvSpPr>
+          <p:cNvPr id="5" name="TextBox 4">
+            <a:extLst>
+              <a:ext uri="{FF2B5EF4-FFF2-40B4-BE49-F238E27FC236}">
+                <a16:creationId xmlns:a16="http://schemas.microsoft.com/office/drawing/2014/main" id="{58A0AC6F-8E0D-4B49-AE84-030B6DA34D4B}"/>
+              </a:ext>
+            </a:extLst>
+          </p:cNvPr>
+          <p:cNvSpPr txBox="1"/>
+          <p:nvPr/>
+        </p:nvSpPr>
+        <p:spPr>
+          <a:xfrm>
+            <a:off x="110304" y="3670987"/>
+            <a:ext cx="1890669" cy="261610"/>
+          </a:xfrm>
+          <a:prstGeom prst="rect">
+            <a:avLst/>
+          </a:prstGeom>
+          <a:noFill/>
+          <a:ln w="25400">
+            <a:solidFill>
+              <a:schemeClr val="tx1"/>
+            </a:solidFill>
+          </a:ln>
+        </p:spPr>
+        <p:txBody>
+          <a:bodyPr wrap="square" rtlCol="0">
+            <a:spAutoFit/>
+          </a:bodyPr>
+          <a:lstStyle/>
+          <a:p>
+            <a:r>
+              <a:rPr lang="en-US" sz="1100" dirty="0">
+                <a:latin typeface="Courier New" panose="02070309020205020404" pitchFamily="49" charset="0"/>
+                <a:cs typeface="Courier New" panose="02070309020205020404" pitchFamily="49" charset="0"/>
+              </a:rPr>
+              <a:t>If (dataset != null)</a:t>
+            </a:r>
+          </a:p>
+        </p:txBody>
+      </p:sp>
+      <p:sp>
+        <p:nvSpPr>
+          <p:cNvPr id="8" name="TextBox 7">
+            <a:extLst>
+              <a:ext uri="{FF2B5EF4-FFF2-40B4-BE49-F238E27FC236}">
+                <a16:creationId xmlns:a16="http://schemas.microsoft.com/office/drawing/2014/main" id="{83A439AB-E935-409E-B1A3-9C31F2794CD7}"/>
+              </a:ext>
+            </a:extLst>
+          </p:cNvPr>
+          <p:cNvSpPr txBox="1"/>
+          <p:nvPr/>
+        </p:nvSpPr>
+        <p:spPr>
+          <a:xfrm>
+            <a:off x="57391" y="3967833"/>
+            <a:ext cx="2019300" cy="369332"/>
+          </a:xfrm>
+          <a:prstGeom prst="rect">
+            <a:avLst/>
+          </a:prstGeom>
+          <a:noFill/>
+        </p:spPr>
+        <p:txBody>
+          <a:bodyPr wrap="square" rtlCol="0">
+            <a:spAutoFit/>
+          </a:bodyPr>
+          <a:lstStyle/>
+          <a:p>
+            <a:r>
+              <a:rPr lang="en-US" dirty="0"/>
+              <a:t>A Buggy Statement</a:t>
+            </a:r>
+          </a:p>
+        </p:txBody>
+      </p:sp>
+      <p:sp>
+        <p:nvSpPr>
+          <p:cNvPr id="68" name="Rectangle: Rounded Corners 67">
+            <a:extLst>
+              <a:ext uri="{FF2B5EF4-FFF2-40B4-BE49-F238E27FC236}">
+                <a16:creationId xmlns:a16="http://schemas.microsoft.com/office/drawing/2014/main" id="{A466D679-29DD-4A75-9A76-3022E6E7E2A7}"/>
+              </a:ext>
+            </a:extLst>
+          </p:cNvPr>
+          <p:cNvSpPr/>
+          <p:nvPr/>
+        </p:nvSpPr>
+        <p:spPr>
+          <a:xfrm>
+            <a:off x="2263846" y="2382174"/>
+            <a:ext cx="754219" cy="1018261"/>
+          </a:xfrm>
+          <a:prstGeom prst="roundRect">
+            <a:avLst/>
+          </a:prstGeom>
+          <a:solidFill>
+            <a:schemeClr val="accent2">
+              <a:lumMod val="20000"/>
+              <a:lumOff val="80000"/>
+            </a:schemeClr>
+          </a:solidFill>
+          <a:ln w="25400">
+            <a:solidFill>
+              <a:schemeClr val="accent2">
+                <a:lumMod val="75000"/>
+              </a:schemeClr>
+            </a:solidFill>
+          </a:ln>
+        </p:spPr>
+        <p:style>
+          <a:lnRef idx="2">
+            <a:schemeClr val="accent1">
+              <a:shade val="50000"/>
+            </a:schemeClr>
+          </a:lnRef>
+          <a:fillRef idx="1">
+            <a:schemeClr val="accent1"/>
+          </a:fillRef>
+          <a:effectRef idx="0">
+            <a:schemeClr val="accent1"/>
+          </a:effectRef>
+          <a:fontRef idx="minor">
+            <a:schemeClr val="lt1"/>
+          </a:fontRef>
+        </p:style>
+        <p:txBody>
+          <a:bodyPr rtlCol="0" anchor="ctr"/>
+          <a:lstStyle/>
+          <a:p>
+            <a:pPr algn="ctr"/>
+            <a:r>
+              <a:rPr lang="en-US" dirty="0" err="1">
+                <a:solidFill>
+                  <a:schemeClr val="tx1"/>
+                </a:solidFill>
+              </a:rPr>
+              <a:t>BuildAST</a:t>
+            </a:r>
+            <a:endParaRPr lang="en-US" dirty="0">
+              <a:solidFill>
+                <a:schemeClr val="tx1"/>
+              </a:solidFill>
+            </a:endParaRPr>
+          </a:p>
+        </p:txBody>
+      </p:sp>
+      <p:cxnSp>
+        <p:nvCxnSpPr>
+          <p:cNvPr id="45" name="Straight Arrow Connector 44">
+            <a:extLst>
+              <a:ext uri="{FF2B5EF4-FFF2-40B4-BE49-F238E27FC236}">
+                <a16:creationId xmlns:a16="http://schemas.microsoft.com/office/drawing/2014/main" id="{B46D66FB-63ED-495E-BF5D-8F2CE178CB01}"/>
+              </a:ext>
+            </a:extLst>
+          </p:cNvPr>
+          <p:cNvCxnSpPr>
+            <a:cxnSpLocks/>
+            <a:stCxn id="5" idx="3"/>
+            <a:endCxn id="68" idx="1"/>
+          </p:cNvCxnSpPr>
+          <p:nvPr/>
+        </p:nvCxnSpPr>
+        <p:spPr>
+          <a:xfrm flipV="1">
+            <a:off x="2000973" y="2891305"/>
+            <a:ext cx="262873" cy="910487"/>
+          </a:xfrm>
+          <a:prstGeom prst="straightConnector1">
+            <a:avLst/>
+          </a:prstGeom>
+          <a:ln w="25400">
+            <a:tailEnd type="triangle"/>
+          </a:ln>
+        </p:spPr>
+        <p:style>
+          <a:lnRef idx="1">
+            <a:schemeClr val="accent1"/>
+          </a:lnRef>
+          <a:fillRef idx="0">
+            <a:schemeClr val="accent1"/>
+          </a:fillRef>
+          <a:effectRef idx="0">
+            <a:schemeClr val="accent1"/>
+          </a:effectRef>
+          <a:fontRef idx="minor">
+            <a:schemeClr val="tx1"/>
+          </a:fontRef>
+        </p:style>
+      </p:cxnSp>
+      <p:cxnSp>
+        <p:nvCxnSpPr>
+          <p:cNvPr id="69" name="Straight Arrow Connector 68">
+            <a:extLst>
+              <a:ext uri="{FF2B5EF4-FFF2-40B4-BE49-F238E27FC236}">
+                <a16:creationId xmlns:a16="http://schemas.microsoft.com/office/drawing/2014/main" id="{14531D7C-533B-4300-9190-F7E975DE0E4A}"/>
+              </a:ext>
+            </a:extLst>
+          </p:cNvPr>
+          <p:cNvCxnSpPr>
+            <a:cxnSpLocks/>
+          </p:cNvCxnSpPr>
+          <p:nvPr/>
+        </p:nvCxnSpPr>
+        <p:spPr>
+          <a:xfrm>
+            <a:off x="1067041" y="2898206"/>
+            <a:ext cx="0" cy="703462"/>
+          </a:xfrm>
+          <a:prstGeom prst="straightConnector1">
+            <a:avLst/>
+          </a:prstGeom>
+          <a:ln w="25400">
+            <a:headEnd type="none" w="med" len="med"/>
+            <a:tailEnd type="triangle" w="med" len="med"/>
+          </a:ln>
+        </p:spPr>
+        <p:style>
+          <a:lnRef idx="1">
+            <a:schemeClr val="accent1"/>
+          </a:lnRef>
+          <a:fillRef idx="0">
+            <a:schemeClr val="accent1"/>
+          </a:fillRef>
+          <a:effectRef idx="0">
+            <a:schemeClr val="accent1"/>
+          </a:effectRef>
+          <a:fontRef idx="minor">
+            <a:schemeClr val="tx1"/>
+          </a:fontRef>
+        </p:style>
+      </p:cxnSp>
+      <p:cxnSp>
+        <p:nvCxnSpPr>
+          <p:cNvPr id="71" name="Straight Arrow Connector 70">
+            <a:extLst>
+              <a:ext uri="{FF2B5EF4-FFF2-40B4-BE49-F238E27FC236}">
+                <a16:creationId xmlns:a16="http://schemas.microsoft.com/office/drawing/2014/main" id="{F604B536-219B-4A4F-A8A8-E5BCEC1358BD}"/>
+              </a:ext>
+            </a:extLst>
+          </p:cNvPr>
+          <p:cNvCxnSpPr>
+            <a:cxnSpLocks/>
+            <a:endCxn id="68" idx="1"/>
+          </p:cNvCxnSpPr>
+          <p:nvPr/>
+        </p:nvCxnSpPr>
+        <p:spPr>
+          <a:xfrm>
+            <a:off x="1991860" y="2257969"/>
+            <a:ext cx="271986" cy="633336"/>
+          </a:xfrm>
+          <a:prstGeom prst="straightConnector1">
+            <a:avLst/>
+          </a:prstGeom>
+          <a:ln w="25400">
+            <a:tailEnd type="triangle"/>
+          </a:ln>
+        </p:spPr>
+        <p:style>
+          <a:lnRef idx="1">
+            <a:schemeClr val="accent1"/>
+          </a:lnRef>
+          <a:fillRef idx="0">
+            <a:schemeClr val="accent1"/>
+          </a:fillRef>
+          <a:effectRef idx="0">
+            <a:schemeClr val="accent1"/>
+          </a:effectRef>
+          <a:fontRef idx="minor">
+            <a:schemeClr val="tx1"/>
+          </a:fontRef>
+        </p:style>
+      </p:cxnSp>
+      <p:grpSp>
+        <p:nvGrpSpPr>
+          <p:cNvPr id="37" name="Group 36">
+            <a:extLst>
+              <a:ext uri="{FF2B5EF4-FFF2-40B4-BE49-F238E27FC236}">
+                <a16:creationId xmlns:a16="http://schemas.microsoft.com/office/drawing/2014/main" id="{974154A5-740B-480B-9790-7068A1519CEC}"/>
+              </a:ext>
+            </a:extLst>
+          </p:cNvPr>
+          <p:cNvGrpSpPr/>
+          <p:nvPr/>
+        </p:nvGrpSpPr>
+        <p:grpSpPr>
+          <a:xfrm>
+            <a:off x="3230113" y="1630000"/>
+            <a:ext cx="2229827" cy="1283966"/>
+            <a:chOff x="3140452" y="1589365"/>
+            <a:chExt cx="2229827" cy="1283966"/>
+          </a:xfrm>
+        </p:grpSpPr>
+        <p:grpSp>
+          <p:nvGrpSpPr>
+            <p:cNvPr id="28" name="Group 27">
+              <a:extLst>
+                <a:ext uri="{FF2B5EF4-FFF2-40B4-BE49-F238E27FC236}">
+                  <a16:creationId xmlns:a16="http://schemas.microsoft.com/office/drawing/2014/main" id="{A484B772-D35C-4C6A-87CA-D367F3C908BE}"/>
+                </a:ext>
+              </a:extLst>
+            </p:cNvPr>
+            <p:cNvGrpSpPr/>
+            <p:nvPr/>
+          </p:nvGrpSpPr>
+          <p:grpSpPr>
+            <a:xfrm>
+              <a:off x="3140452" y="1589365"/>
+              <a:ext cx="2229827" cy="1283966"/>
+              <a:chOff x="3031490" y="1371365"/>
+              <a:chExt cx="2229827" cy="1283966"/>
+            </a:xfrm>
+          </p:grpSpPr>
+          <p:grpSp>
+            <p:nvGrpSpPr>
+              <p:cNvPr id="26" name="Group 25">
+                <a:extLst>
+                  <a:ext uri="{FF2B5EF4-FFF2-40B4-BE49-F238E27FC236}">
+                    <a16:creationId xmlns:a16="http://schemas.microsoft.com/office/drawing/2014/main" id="{C9C5E1EB-45B8-465C-B0B4-434626BA3FE9}"/>
+                  </a:ext>
+                </a:extLst>
+              </p:cNvPr>
+              <p:cNvGrpSpPr/>
+              <p:nvPr/>
+            </p:nvGrpSpPr>
+            <p:grpSpPr>
+              <a:xfrm>
+                <a:off x="3031490" y="1464230"/>
+                <a:ext cx="1314450" cy="1191101"/>
+                <a:chOff x="3473450" y="1362075"/>
+                <a:chExt cx="1314450" cy="1191101"/>
+              </a:xfrm>
+            </p:grpSpPr>
+            <p:sp>
+              <p:nvSpPr>
+                <p:cNvPr id="6" name="Oval 5">
+                  <a:extLst>
+                    <a:ext uri="{FF2B5EF4-FFF2-40B4-BE49-F238E27FC236}">
+                      <a16:creationId xmlns:a16="http://schemas.microsoft.com/office/drawing/2014/main" id="{470D599C-3F89-4886-9C49-233CC1602D01}"/>
+                    </a:ext>
+                  </a:extLst>
+                </p:cNvPr>
+                <p:cNvSpPr/>
+                <p:nvPr/>
+              </p:nvSpPr>
+              <p:spPr>
+                <a:xfrm>
+                  <a:off x="3841750" y="1362075"/>
+                  <a:ext cx="190500" cy="190500"/>
+                </a:xfrm>
+                <a:prstGeom prst="ellipse">
+                  <a:avLst/>
+                </a:prstGeom>
+                <a:solidFill>
+                  <a:schemeClr val="accent6">
+                    <a:lumMod val="40000"/>
+                    <a:lumOff val="60000"/>
+                  </a:schemeClr>
+                </a:solidFill>
+                <a:ln>
+                  <a:solidFill>
+                    <a:schemeClr val="accent6">
+                      <a:lumMod val="75000"/>
+                    </a:schemeClr>
+                  </a:solidFill>
+                </a:ln>
+              </p:spPr>
+              <p:style>
+                <a:lnRef idx="2">
+                  <a:schemeClr val="accent1">
+                    <a:shade val="50000"/>
+                  </a:schemeClr>
+                </a:lnRef>
+                <a:fillRef idx="1">
+                  <a:schemeClr val="accent1"/>
+                </a:fillRef>
+                <a:effectRef idx="0">
+                  <a:schemeClr val="accent1"/>
+                </a:effectRef>
+                <a:fontRef idx="minor">
+                  <a:schemeClr val="lt1"/>
+                </a:fontRef>
+              </p:style>
+              <p:txBody>
+                <a:bodyPr rtlCol="0" anchor="ctr"/>
+                <a:lstStyle/>
+                <a:p>
+                  <a:pPr algn="ctr"/>
+                  <a:endParaRPr lang="en-US"/>
+                </a:p>
+              </p:txBody>
+            </p:sp>
+            <p:sp>
+              <p:nvSpPr>
+                <p:cNvPr id="10" name="Oval 9">
+                  <a:extLst>
+                    <a:ext uri="{FF2B5EF4-FFF2-40B4-BE49-F238E27FC236}">
+                      <a16:creationId xmlns:a16="http://schemas.microsoft.com/office/drawing/2014/main" id="{78A16A7B-ED5A-4841-9100-606221F042A4}"/>
+                    </a:ext>
+                  </a:extLst>
+                </p:cNvPr>
+                <p:cNvSpPr/>
+                <p:nvPr/>
+              </p:nvSpPr>
+              <p:spPr>
+                <a:xfrm>
+                  <a:off x="3473450" y="1869281"/>
+                  <a:ext cx="190500" cy="190500"/>
+                </a:xfrm>
+                <a:prstGeom prst="ellipse">
+                  <a:avLst/>
+                </a:prstGeom>
+                <a:solidFill>
+                  <a:schemeClr val="accent6">
+                    <a:lumMod val="40000"/>
+                    <a:lumOff val="60000"/>
+                  </a:schemeClr>
+                </a:solidFill>
+                <a:ln>
+                  <a:solidFill>
+                    <a:schemeClr val="accent6">
+                      <a:lumMod val="75000"/>
+                    </a:schemeClr>
+                  </a:solidFill>
+                </a:ln>
+              </p:spPr>
+              <p:style>
+                <a:lnRef idx="2">
+                  <a:schemeClr val="accent1">
+                    <a:shade val="50000"/>
+                  </a:schemeClr>
+                </a:lnRef>
+                <a:fillRef idx="1">
+                  <a:schemeClr val="accent1"/>
+                </a:fillRef>
+                <a:effectRef idx="0">
+                  <a:schemeClr val="accent1"/>
+                </a:effectRef>
+                <a:fontRef idx="minor">
+                  <a:schemeClr val="lt1"/>
+                </a:fontRef>
+              </p:style>
+              <p:txBody>
+                <a:bodyPr rtlCol="0" anchor="ctr"/>
+                <a:lstStyle/>
+                <a:p>
+                  <a:pPr algn="ctr"/>
+                  <a:endParaRPr lang="en-US"/>
+                </a:p>
+              </p:txBody>
+            </p:sp>
+            <p:sp>
+              <p:nvSpPr>
+                <p:cNvPr id="11" name="Oval 10">
+                  <a:extLst>
+                    <a:ext uri="{FF2B5EF4-FFF2-40B4-BE49-F238E27FC236}">
+                      <a16:creationId xmlns:a16="http://schemas.microsoft.com/office/drawing/2014/main" id="{DD7077DB-E4CA-42D0-8062-535BCA33231D}"/>
+                    </a:ext>
+                  </a:extLst>
+                </p:cNvPr>
+                <p:cNvSpPr/>
+                <p:nvPr/>
+              </p:nvSpPr>
+              <p:spPr>
+                <a:xfrm>
+                  <a:off x="4222750" y="1869281"/>
+                  <a:ext cx="190500" cy="190500"/>
+                </a:xfrm>
+                <a:prstGeom prst="ellipse">
+                  <a:avLst/>
+                </a:prstGeom>
+                <a:solidFill>
+                  <a:srgbClr val="FFC000"/>
+                </a:solidFill>
+                <a:ln>
+                  <a:solidFill>
+                    <a:schemeClr val="accent6">
+                      <a:lumMod val="75000"/>
+                    </a:schemeClr>
+                  </a:solidFill>
+                </a:ln>
+              </p:spPr>
+              <p:style>
+                <a:lnRef idx="2">
+                  <a:schemeClr val="accent1">
+                    <a:shade val="50000"/>
+                  </a:schemeClr>
+                </a:lnRef>
+                <a:fillRef idx="1">
+                  <a:schemeClr val="accent1"/>
+                </a:fillRef>
+                <a:effectRef idx="0">
+                  <a:schemeClr val="accent1"/>
+                </a:effectRef>
+                <a:fontRef idx="minor">
+                  <a:schemeClr val="lt1"/>
+                </a:fontRef>
+              </p:style>
+              <p:txBody>
+                <a:bodyPr rtlCol="0" anchor="ctr"/>
+                <a:lstStyle/>
+                <a:p>
+                  <a:pPr algn="ctr"/>
+                  <a:endParaRPr lang="en-US"/>
+                </a:p>
+              </p:txBody>
+            </p:sp>
+            <p:sp>
+              <p:nvSpPr>
+                <p:cNvPr id="12" name="Oval 11">
+                  <a:extLst>
+                    <a:ext uri="{FF2B5EF4-FFF2-40B4-BE49-F238E27FC236}">
+                      <a16:creationId xmlns:a16="http://schemas.microsoft.com/office/drawing/2014/main" id="{3D3CCC25-56F3-44D6-8B44-3996C81026B6}"/>
+                    </a:ext>
+                  </a:extLst>
+                </p:cNvPr>
+                <p:cNvSpPr/>
+                <p:nvPr/>
+              </p:nvSpPr>
+              <p:spPr>
+                <a:xfrm>
+                  <a:off x="3841750" y="2362676"/>
+                  <a:ext cx="190500" cy="190500"/>
+                </a:xfrm>
+                <a:prstGeom prst="ellipse">
+                  <a:avLst/>
+                </a:prstGeom>
+                <a:solidFill>
+                  <a:schemeClr val="accent6">
+                    <a:lumMod val="40000"/>
+                    <a:lumOff val="60000"/>
+                  </a:schemeClr>
+                </a:solidFill>
+                <a:ln>
+                  <a:solidFill>
+                    <a:schemeClr val="accent6">
+                      <a:lumMod val="75000"/>
+                    </a:schemeClr>
+                  </a:solidFill>
+                </a:ln>
+              </p:spPr>
+              <p:style>
+                <a:lnRef idx="2">
+                  <a:schemeClr val="accent1">
+                    <a:shade val="50000"/>
+                  </a:schemeClr>
+                </a:lnRef>
+                <a:fillRef idx="1">
+                  <a:schemeClr val="accent1"/>
+                </a:fillRef>
+                <a:effectRef idx="0">
+                  <a:schemeClr val="accent1"/>
+                </a:effectRef>
+                <a:fontRef idx="minor">
+                  <a:schemeClr val="lt1"/>
+                </a:fontRef>
+              </p:style>
+              <p:txBody>
+                <a:bodyPr rtlCol="0" anchor="ctr"/>
+                <a:lstStyle/>
+                <a:p>
+                  <a:pPr algn="ctr"/>
+                  <a:endParaRPr lang="en-US"/>
+                </a:p>
+              </p:txBody>
+            </p:sp>
+            <p:sp>
+              <p:nvSpPr>
+                <p:cNvPr id="13" name="Oval 12">
+                  <a:extLst>
+                    <a:ext uri="{FF2B5EF4-FFF2-40B4-BE49-F238E27FC236}">
+                      <a16:creationId xmlns:a16="http://schemas.microsoft.com/office/drawing/2014/main" id="{0551262F-7014-40A1-B3DA-EBD3D5A57888}"/>
+                    </a:ext>
+                  </a:extLst>
+                </p:cNvPr>
+                <p:cNvSpPr/>
+                <p:nvPr/>
+              </p:nvSpPr>
+              <p:spPr>
+                <a:xfrm>
+                  <a:off x="4597400" y="2362676"/>
+                  <a:ext cx="190500" cy="190500"/>
+                </a:xfrm>
+                <a:prstGeom prst="ellipse">
+                  <a:avLst/>
+                </a:prstGeom>
+                <a:solidFill>
+                  <a:srgbClr val="FFC000"/>
+                </a:solidFill>
+                <a:ln>
+                  <a:solidFill>
+                    <a:schemeClr val="accent6">
+                      <a:lumMod val="75000"/>
+                    </a:schemeClr>
+                  </a:solidFill>
+                </a:ln>
+              </p:spPr>
+              <p:style>
+                <a:lnRef idx="2">
+                  <a:schemeClr val="accent1">
+                    <a:shade val="50000"/>
+                  </a:schemeClr>
+                </a:lnRef>
+                <a:fillRef idx="1">
+                  <a:schemeClr val="accent1"/>
+                </a:fillRef>
+                <a:effectRef idx="0">
+                  <a:schemeClr val="accent1"/>
+                </a:effectRef>
+                <a:fontRef idx="minor">
+                  <a:schemeClr val="lt1"/>
+                </a:fontRef>
+              </p:style>
+              <p:txBody>
+                <a:bodyPr rtlCol="0" anchor="ctr"/>
+                <a:lstStyle/>
+                <a:p>
+                  <a:pPr algn="ctr"/>
+                  <a:endParaRPr lang="en-US" dirty="0"/>
+                </a:p>
+              </p:txBody>
+            </p:sp>
+            <p:cxnSp>
+              <p:nvCxnSpPr>
+                <p:cNvPr id="9" name="Straight Arrow Connector 8">
+                  <a:extLst>
+                    <a:ext uri="{FF2B5EF4-FFF2-40B4-BE49-F238E27FC236}">
+                      <a16:creationId xmlns:a16="http://schemas.microsoft.com/office/drawing/2014/main" id="{A570A030-BD8A-40B7-886B-8931F720D89E}"/>
+                    </a:ext>
+                  </a:extLst>
+                </p:cNvPr>
+                <p:cNvCxnSpPr>
+                  <a:cxnSpLocks/>
+                  <a:stCxn id="6" idx="3"/>
+                  <a:endCxn id="10" idx="6"/>
+                </p:cNvCxnSpPr>
+                <p:nvPr/>
+              </p:nvCxnSpPr>
+              <p:spPr>
+                <a:xfrm flipH="1">
+                  <a:off x="3636052" y="1524677"/>
+                  <a:ext cx="233596" cy="372502"/>
+                </a:xfrm>
+                <a:prstGeom prst="straightConnector1">
+                  <a:avLst/>
+                </a:prstGeom>
+                <a:ln w="25400">
+                  <a:tailEnd type="triangle"/>
+                </a:ln>
+              </p:spPr>
+              <p:style>
+                <a:lnRef idx="1">
+                  <a:schemeClr val="accent1"/>
+                </a:lnRef>
+                <a:fillRef idx="0">
+                  <a:schemeClr val="accent1"/>
+                </a:fillRef>
+                <a:effectRef idx="0">
+                  <a:schemeClr val="accent1"/>
+                </a:effectRef>
+                <a:fontRef idx="minor">
+                  <a:schemeClr val="tx1"/>
+                </a:fontRef>
+              </p:style>
+            </p:cxnSp>
+            <p:cxnSp>
+              <p:nvCxnSpPr>
+                <p:cNvPr id="16" name="Straight Arrow Connector 15">
+                  <a:extLst>
+                    <a:ext uri="{FF2B5EF4-FFF2-40B4-BE49-F238E27FC236}">
+                      <a16:creationId xmlns:a16="http://schemas.microsoft.com/office/drawing/2014/main" id="{A67836DA-BBDF-4AA1-9287-B74AADA97FDB}"/>
+                    </a:ext>
+                  </a:extLst>
+                </p:cNvPr>
+                <p:cNvCxnSpPr>
+                  <a:cxnSpLocks/>
+                  <a:stCxn id="6" idx="5"/>
+                  <a:endCxn id="11" idx="1"/>
+                </p:cNvCxnSpPr>
+                <p:nvPr/>
+              </p:nvCxnSpPr>
+              <p:spPr>
+                <a:xfrm>
+                  <a:off x="4004352" y="1524677"/>
+                  <a:ext cx="246296" cy="372502"/>
+                </a:xfrm>
+                <a:prstGeom prst="straightConnector1">
+                  <a:avLst/>
+                </a:prstGeom>
+                <a:ln w="25400">
+                  <a:tailEnd type="triangle"/>
+                </a:ln>
+              </p:spPr>
+              <p:style>
+                <a:lnRef idx="1">
+                  <a:schemeClr val="accent1"/>
+                </a:lnRef>
+                <a:fillRef idx="0">
+                  <a:schemeClr val="accent1"/>
+                </a:fillRef>
+                <a:effectRef idx="0">
+                  <a:schemeClr val="accent1"/>
+                </a:effectRef>
+                <a:fontRef idx="minor">
+                  <a:schemeClr val="tx1"/>
+                </a:fontRef>
+              </p:style>
+            </p:cxnSp>
+            <p:cxnSp>
+              <p:nvCxnSpPr>
+                <p:cNvPr id="19" name="Straight Arrow Connector 18">
+                  <a:extLst>
+                    <a:ext uri="{FF2B5EF4-FFF2-40B4-BE49-F238E27FC236}">
+                      <a16:creationId xmlns:a16="http://schemas.microsoft.com/office/drawing/2014/main" id="{4BFCEB90-0F52-4654-BF5F-ED99ABC9EE00}"/>
+                    </a:ext>
+                  </a:extLst>
+                </p:cNvPr>
+                <p:cNvCxnSpPr>
+                  <a:cxnSpLocks/>
+                  <a:stCxn id="11" idx="3"/>
+                  <a:endCxn id="12" idx="7"/>
+                </p:cNvCxnSpPr>
+                <p:nvPr/>
+              </p:nvCxnSpPr>
+              <p:spPr>
+                <a:xfrm flipH="1">
+                  <a:off x="4004352" y="2031883"/>
+                  <a:ext cx="246296" cy="358691"/>
+                </a:xfrm>
+                <a:prstGeom prst="straightConnector1">
+                  <a:avLst/>
+                </a:prstGeom>
+                <a:ln w="25400">
+                  <a:tailEnd type="triangle"/>
+                </a:ln>
+              </p:spPr>
+              <p:style>
+                <a:lnRef idx="1">
+                  <a:schemeClr val="accent1"/>
+                </a:lnRef>
+                <a:fillRef idx="0">
+                  <a:schemeClr val="accent1"/>
+                </a:fillRef>
+                <a:effectRef idx="0">
+                  <a:schemeClr val="accent1"/>
+                </a:effectRef>
+                <a:fontRef idx="minor">
+                  <a:schemeClr val="tx1"/>
+                </a:fontRef>
+              </p:style>
+            </p:cxnSp>
+            <p:cxnSp>
+              <p:nvCxnSpPr>
+                <p:cNvPr id="22" name="Straight Arrow Connector 21">
+                  <a:extLst>
+                    <a:ext uri="{FF2B5EF4-FFF2-40B4-BE49-F238E27FC236}">
+                      <a16:creationId xmlns:a16="http://schemas.microsoft.com/office/drawing/2014/main" id="{78729F2F-4120-4631-B35F-1DA81F1BE9A1}"/>
+                    </a:ext>
+                  </a:extLst>
+                </p:cNvPr>
+                <p:cNvCxnSpPr>
+                  <a:cxnSpLocks/>
+                  <a:stCxn id="11" idx="5"/>
+                  <a:endCxn id="13" idx="1"/>
+                </p:cNvCxnSpPr>
+                <p:nvPr/>
+              </p:nvCxnSpPr>
+              <p:spPr>
+                <a:xfrm>
+                  <a:off x="4385352" y="2031883"/>
+                  <a:ext cx="239946" cy="358691"/>
+                </a:xfrm>
+                <a:prstGeom prst="straightConnector1">
+                  <a:avLst/>
+                </a:prstGeom>
+                <a:ln w="25400">
+                  <a:solidFill>
+                    <a:srgbClr val="FF0000"/>
+                  </a:solidFill>
+                  <a:tailEnd type="triangle"/>
+                </a:ln>
+              </p:spPr>
+              <p:style>
+                <a:lnRef idx="1">
+                  <a:schemeClr val="accent1"/>
+                </a:lnRef>
+                <a:fillRef idx="0">
+                  <a:schemeClr val="accent1"/>
+                </a:fillRef>
+                <a:effectRef idx="0">
+                  <a:schemeClr val="accent1"/>
+                </a:effectRef>
+                <a:fontRef idx="minor">
+                  <a:schemeClr val="tx1"/>
+                </a:fontRef>
+              </p:style>
+            </p:cxnSp>
+          </p:grpSp>
+          <p:sp>
+            <p:nvSpPr>
+              <p:cNvPr id="39" name="TextBox 38">
+                <a:extLst>
+                  <a:ext uri="{FF2B5EF4-FFF2-40B4-BE49-F238E27FC236}">
+                    <a16:creationId xmlns:a16="http://schemas.microsoft.com/office/drawing/2014/main" id="{DFF9EEFC-8DFB-4D04-BF39-56044C2D8B85}"/>
+                  </a:ext>
+                </a:extLst>
+              </p:cNvPr>
+              <p:cNvSpPr txBox="1"/>
+              <p:nvPr/>
+            </p:nvSpPr>
+            <p:spPr>
+              <a:xfrm>
+                <a:off x="3584917" y="1371365"/>
+                <a:ext cx="1676400" cy="369332"/>
+              </a:xfrm>
+              <a:prstGeom prst="rect">
+                <a:avLst/>
+              </a:prstGeom>
+              <a:noFill/>
+            </p:spPr>
+            <p:txBody>
+              <a:bodyPr wrap="square" rtlCol="0">
+                <a:spAutoFit/>
+              </a:bodyPr>
+              <a:lstStyle/>
+              <a:p>
+                <a:r>
+                  <a:rPr lang="en-US" dirty="0"/>
+                  <a:t>AST</a:t>
+                </a:r>
+              </a:p>
+            </p:txBody>
+          </p:sp>
+        </p:grpSp>
+        <p:cxnSp>
+          <p:nvCxnSpPr>
+            <p:cNvPr id="34" name="Straight Arrow Connector 33">
+              <a:extLst>
+                <a:ext uri="{FF2B5EF4-FFF2-40B4-BE49-F238E27FC236}">
+                  <a16:creationId xmlns:a16="http://schemas.microsoft.com/office/drawing/2014/main" id="{800ABE5A-ED23-4F9A-97BE-93D8F344DAF2}"/>
+                </a:ext>
+              </a:extLst>
+            </p:cNvPr>
+            <p:cNvCxnSpPr>
+              <a:cxnSpLocks/>
+              <a:stCxn id="6" idx="4"/>
+            </p:cNvCxnSpPr>
+            <p:nvPr/>
+          </p:nvCxnSpPr>
+          <p:spPr>
+            <a:xfrm>
+              <a:off x="3604002" y="1872730"/>
+              <a:ext cx="0" cy="353860"/>
+            </a:xfrm>
+            <a:prstGeom prst="straightConnector1">
+              <a:avLst/>
+            </a:prstGeom>
+            <a:ln w="12700">
+              <a:tailEnd type="triangle"/>
+            </a:ln>
+          </p:spPr>
+          <p:style>
+            <a:lnRef idx="1">
+              <a:schemeClr val="accent1"/>
+            </a:lnRef>
+            <a:fillRef idx="0">
+              <a:schemeClr val="accent1"/>
+            </a:fillRef>
+            <a:effectRef idx="0">
+              <a:schemeClr val="accent1"/>
+            </a:effectRef>
+            <a:fontRef idx="minor">
+              <a:schemeClr val="tx1"/>
+            </a:fontRef>
+          </p:style>
+        </p:cxnSp>
+      </p:grpSp>
+      <p:cxnSp>
+        <p:nvCxnSpPr>
+          <p:cNvPr id="80" name="Straight Arrow Connector 79">
+            <a:extLst>
+              <a:ext uri="{FF2B5EF4-FFF2-40B4-BE49-F238E27FC236}">
+                <a16:creationId xmlns:a16="http://schemas.microsoft.com/office/drawing/2014/main" id="{A1D73F36-E776-4ED8-AACF-B1FD34EBCB56}"/>
+              </a:ext>
+            </a:extLst>
+          </p:cNvPr>
+          <p:cNvCxnSpPr/>
+          <p:nvPr/>
+        </p:nvCxnSpPr>
+        <p:spPr>
+          <a:xfrm flipV="1">
+            <a:off x="3018685" y="2887518"/>
+            <a:ext cx="332860" cy="2649"/>
+          </a:xfrm>
+          <a:prstGeom prst="straightConnector1">
+            <a:avLst/>
+          </a:prstGeom>
+          <a:ln w="25400">
+            <a:tailEnd type="triangle"/>
+          </a:ln>
+        </p:spPr>
+        <p:style>
+          <a:lnRef idx="1">
+            <a:schemeClr val="accent1"/>
+          </a:lnRef>
+          <a:fillRef idx="0">
+            <a:schemeClr val="accent1"/>
+          </a:fillRef>
+          <a:effectRef idx="0">
+            <a:schemeClr val="accent1"/>
+          </a:effectRef>
+          <a:fontRef idx="minor">
+            <a:schemeClr val="tx1"/>
+          </a:fontRef>
+        </p:style>
+      </p:cxnSp>
+      <p:cxnSp>
+        <p:nvCxnSpPr>
+          <p:cNvPr id="111" name="Straight Arrow Connector 110">
+            <a:extLst>
+              <a:ext uri="{FF2B5EF4-FFF2-40B4-BE49-F238E27FC236}">
+                <a16:creationId xmlns:a16="http://schemas.microsoft.com/office/drawing/2014/main" id="{1671B46B-0761-4984-BC79-3FC406BE6EDC}"/>
+              </a:ext>
+            </a:extLst>
+          </p:cNvPr>
+          <p:cNvCxnSpPr>
+            <a:cxnSpLocks/>
+          </p:cNvCxnSpPr>
+          <p:nvPr/>
+        </p:nvCxnSpPr>
+        <p:spPr>
+          <a:xfrm flipH="1">
+            <a:off x="6817240" y="2071717"/>
+            <a:ext cx="368300" cy="1"/>
+          </a:xfrm>
+          <a:prstGeom prst="straightConnector1">
+            <a:avLst/>
+          </a:prstGeom>
+          <a:ln w="25400">
+            <a:tailEnd type="triangle"/>
+          </a:ln>
+        </p:spPr>
+        <p:style>
+          <a:lnRef idx="1">
+            <a:schemeClr val="accent1"/>
+          </a:lnRef>
+          <a:fillRef idx="0">
+            <a:schemeClr val="accent1"/>
+          </a:fillRef>
+          <a:effectRef idx="0">
+            <a:schemeClr val="accent1"/>
+          </a:effectRef>
+          <a:fontRef idx="minor">
+            <a:schemeClr val="tx1"/>
+          </a:fontRef>
+        </p:style>
+      </p:cxnSp>
+      <p:grpSp>
+        <p:nvGrpSpPr>
+          <p:cNvPr id="112" name="Group 111">
+            <a:extLst>
+              <a:ext uri="{FF2B5EF4-FFF2-40B4-BE49-F238E27FC236}">
+                <a16:creationId xmlns:a16="http://schemas.microsoft.com/office/drawing/2014/main" id="{44BDE4B8-D26A-4B71-93B6-356B2438C35F}"/>
+              </a:ext>
+            </a:extLst>
+          </p:cNvPr>
+          <p:cNvGrpSpPr/>
+          <p:nvPr/>
+        </p:nvGrpSpPr>
+        <p:grpSpPr>
+          <a:xfrm>
+            <a:off x="7214290" y="1610259"/>
+            <a:ext cx="1507902" cy="1308686"/>
+            <a:chOff x="7214290" y="1610259"/>
+            <a:chExt cx="1507902" cy="1308686"/>
+          </a:xfrm>
+        </p:grpSpPr>
+        <p:grpSp>
+          <p:nvGrpSpPr>
+            <p:cNvPr id="110" name="Group 109">
+              <a:extLst>
+                <a:ext uri="{FF2B5EF4-FFF2-40B4-BE49-F238E27FC236}">
+                  <a16:creationId xmlns:a16="http://schemas.microsoft.com/office/drawing/2014/main" id="{5D771EF3-42E6-4AA0-9AAB-BB8F8FFD12EC}"/>
+                </a:ext>
+              </a:extLst>
+            </p:cNvPr>
+            <p:cNvGrpSpPr/>
+            <p:nvPr/>
+          </p:nvGrpSpPr>
+          <p:grpSpPr>
+            <a:xfrm>
+              <a:off x="7214290" y="1610259"/>
+              <a:ext cx="1507902" cy="1294459"/>
+              <a:chOff x="7214290" y="1610259"/>
+              <a:chExt cx="1507902" cy="1294459"/>
+            </a:xfrm>
+          </p:grpSpPr>
+          <p:grpSp>
+            <p:nvGrpSpPr>
+              <p:cNvPr id="98" name="Group 97">
+                <a:extLst>
+                  <a:ext uri="{FF2B5EF4-FFF2-40B4-BE49-F238E27FC236}">
+                    <a16:creationId xmlns:a16="http://schemas.microsoft.com/office/drawing/2014/main" id="{7A60005C-BF80-4A5F-B7FC-0DB985BA956C}"/>
+                  </a:ext>
+                </a:extLst>
+              </p:cNvPr>
+              <p:cNvGrpSpPr/>
+              <p:nvPr/>
+            </p:nvGrpSpPr>
+            <p:grpSpPr>
+              <a:xfrm>
+                <a:off x="7214290" y="1713617"/>
+                <a:ext cx="1151848" cy="1191101"/>
+                <a:chOff x="3473450" y="1362075"/>
+                <a:chExt cx="1151848" cy="1191101"/>
+              </a:xfrm>
+            </p:grpSpPr>
+            <p:sp>
+              <p:nvSpPr>
+                <p:cNvPr id="100" name="Oval 99">
+                  <a:extLst>
+                    <a:ext uri="{FF2B5EF4-FFF2-40B4-BE49-F238E27FC236}">
+                      <a16:creationId xmlns:a16="http://schemas.microsoft.com/office/drawing/2014/main" id="{37825BF5-8DF9-4C40-949A-C43DDCA6E08C}"/>
+                    </a:ext>
+                  </a:extLst>
+                </p:cNvPr>
+                <p:cNvSpPr/>
+                <p:nvPr/>
+              </p:nvSpPr>
+              <p:spPr>
+                <a:xfrm>
+                  <a:off x="3841750" y="1362075"/>
+                  <a:ext cx="190500" cy="190500"/>
+                </a:xfrm>
+                <a:prstGeom prst="ellipse">
+                  <a:avLst/>
+                </a:prstGeom>
+                <a:solidFill>
+                  <a:schemeClr val="accent6">
+                    <a:lumMod val="40000"/>
+                    <a:lumOff val="60000"/>
+                  </a:schemeClr>
+                </a:solidFill>
+                <a:ln>
+                  <a:solidFill>
+                    <a:schemeClr val="accent6">
+                      <a:lumMod val="75000"/>
+                    </a:schemeClr>
+                  </a:solidFill>
+                </a:ln>
+              </p:spPr>
+              <p:style>
+                <a:lnRef idx="2">
+                  <a:schemeClr val="accent1">
+                    <a:shade val="50000"/>
+                  </a:schemeClr>
+                </a:lnRef>
+                <a:fillRef idx="1">
+                  <a:schemeClr val="accent1"/>
+                </a:fillRef>
+                <a:effectRef idx="0">
+                  <a:schemeClr val="accent1"/>
+                </a:effectRef>
+                <a:fontRef idx="minor">
+                  <a:schemeClr val="lt1"/>
+                </a:fontRef>
+              </p:style>
+              <p:txBody>
+                <a:bodyPr rtlCol="0" anchor="ctr"/>
+                <a:lstStyle/>
+                <a:p>
+                  <a:pPr algn="ctr"/>
+                  <a:endParaRPr lang="en-US"/>
+                </a:p>
+              </p:txBody>
+            </p:sp>
+            <p:sp>
+              <p:nvSpPr>
+                <p:cNvPr id="101" name="Oval 100">
+                  <a:extLst>
+                    <a:ext uri="{FF2B5EF4-FFF2-40B4-BE49-F238E27FC236}">
+                      <a16:creationId xmlns:a16="http://schemas.microsoft.com/office/drawing/2014/main" id="{4135860D-F88C-4583-85F5-57509D219125}"/>
+                    </a:ext>
+                  </a:extLst>
+                </p:cNvPr>
+                <p:cNvSpPr/>
+                <p:nvPr/>
+              </p:nvSpPr>
+              <p:spPr>
+                <a:xfrm>
+                  <a:off x="3473450" y="1869281"/>
+                  <a:ext cx="190500" cy="190500"/>
+                </a:xfrm>
+                <a:prstGeom prst="ellipse">
+                  <a:avLst/>
+                </a:prstGeom>
+                <a:solidFill>
+                  <a:schemeClr val="accent6">
+                    <a:lumMod val="40000"/>
+                    <a:lumOff val="60000"/>
+                  </a:schemeClr>
+                </a:solidFill>
+                <a:ln>
+                  <a:solidFill>
+                    <a:schemeClr val="accent6">
+                      <a:lumMod val="75000"/>
+                    </a:schemeClr>
+                  </a:solidFill>
+                </a:ln>
+              </p:spPr>
+              <p:style>
+                <a:lnRef idx="2">
+                  <a:schemeClr val="accent1">
+                    <a:shade val="50000"/>
+                  </a:schemeClr>
+                </a:lnRef>
+                <a:fillRef idx="1">
+                  <a:schemeClr val="accent1"/>
+                </a:fillRef>
+                <a:effectRef idx="0">
+                  <a:schemeClr val="accent1"/>
+                </a:effectRef>
+                <a:fontRef idx="minor">
+                  <a:schemeClr val="lt1"/>
+                </a:fontRef>
+              </p:style>
+              <p:txBody>
+                <a:bodyPr rtlCol="0" anchor="ctr"/>
+                <a:lstStyle/>
+                <a:p>
+                  <a:pPr algn="ctr"/>
+                  <a:endParaRPr lang="en-US"/>
+                </a:p>
+              </p:txBody>
+            </p:sp>
+            <p:sp>
+              <p:nvSpPr>
+                <p:cNvPr id="103" name="Oval 102">
+                  <a:extLst>
+                    <a:ext uri="{FF2B5EF4-FFF2-40B4-BE49-F238E27FC236}">
+                      <a16:creationId xmlns:a16="http://schemas.microsoft.com/office/drawing/2014/main" id="{CD343876-6D97-4973-A25E-7CF146F9F827}"/>
+                    </a:ext>
+                  </a:extLst>
+                </p:cNvPr>
+                <p:cNvSpPr/>
+                <p:nvPr/>
+              </p:nvSpPr>
+              <p:spPr>
+                <a:xfrm>
+                  <a:off x="3841750" y="2362676"/>
+                  <a:ext cx="190500" cy="190500"/>
+                </a:xfrm>
+                <a:prstGeom prst="ellipse">
+                  <a:avLst/>
+                </a:prstGeom>
+                <a:solidFill>
+                  <a:schemeClr val="accent6">
+                    <a:lumMod val="40000"/>
+                    <a:lumOff val="60000"/>
+                  </a:schemeClr>
+                </a:solidFill>
+                <a:ln>
+                  <a:solidFill>
+                    <a:schemeClr val="accent6">
+                      <a:lumMod val="75000"/>
+                    </a:schemeClr>
+                  </a:solidFill>
+                </a:ln>
+              </p:spPr>
+              <p:style>
+                <a:lnRef idx="2">
+                  <a:schemeClr val="accent1">
+                    <a:shade val="50000"/>
+                  </a:schemeClr>
+                </a:lnRef>
+                <a:fillRef idx="1">
+                  <a:schemeClr val="accent1"/>
+                </a:fillRef>
+                <a:effectRef idx="0">
+                  <a:schemeClr val="accent1"/>
+                </a:effectRef>
+                <a:fontRef idx="minor">
+                  <a:schemeClr val="lt1"/>
+                </a:fontRef>
+              </p:style>
+              <p:txBody>
+                <a:bodyPr rtlCol="0" anchor="ctr"/>
+                <a:lstStyle/>
+                <a:p>
+                  <a:pPr algn="ctr"/>
+                  <a:endParaRPr lang="en-US"/>
+                </a:p>
+              </p:txBody>
+            </p:sp>
+            <p:cxnSp>
+              <p:nvCxnSpPr>
+                <p:cNvPr id="105" name="Straight Arrow Connector 104">
+                  <a:extLst>
+                    <a:ext uri="{FF2B5EF4-FFF2-40B4-BE49-F238E27FC236}">
+                      <a16:creationId xmlns:a16="http://schemas.microsoft.com/office/drawing/2014/main" id="{47896730-4B6E-4D6F-9D0F-773801307D90}"/>
+                    </a:ext>
+                  </a:extLst>
+                </p:cNvPr>
+                <p:cNvCxnSpPr>
+                  <a:stCxn id="100" idx="3"/>
+                  <a:endCxn id="101" idx="6"/>
+                </p:cNvCxnSpPr>
+                <p:nvPr/>
+              </p:nvCxnSpPr>
+              <p:spPr>
+                <a:xfrm flipH="1">
+                  <a:off x="3636052" y="1524677"/>
+                  <a:ext cx="233596" cy="372502"/>
+                </a:xfrm>
+                <a:prstGeom prst="straightConnector1">
+                  <a:avLst/>
+                </a:prstGeom>
+                <a:ln w="25400">
+                  <a:tailEnd type="triangle"/>
+                </a:ln>
+              </p:spPr>
+              <p:style>
+                <a:lnRef idx="1">
+                  <a:schemeClr val="accent1"/>
+                </a:lnRef>
+                <a:fillRef idx="0">
+                  <a:schemeClr val="accent1"/>
+                </a:fillRef>
+                <a:effectRef idx="0">
+                  <a:schemeClr val="accent1"/>
+                </a:effectRef>
+                <a:fontRef idx="minor">
+                  <a:schemeClr val="tx1"/>
+                </a:fontRef>
+              </p:style>
+            </p:cxnSp>
+            <p:cxnSp>
+              <p:nvCxnSpPr>
+                <p:cNvPr id="106" name="Straight Arrow Connector 105">
+                  <a:extLst>
+                    <a:ext uri="{FF2B5EF4-FFF2-40B4-BE49-F238E27FC236}">
+                      <a16:creationId xmlns:a16="http://schemas.microsoft.com/office/drawing/2014/main" id="{D71847B8-D3B4-4C67-AE56-3D95F4A01658}"/>
+                    </a:ext>
+                  </a:extLst>
+                </p:cNvPr>
+                <p:cNvCxnSpPr>
+                  <a:cxnSpLocks/>
+                  <a:stCxn id="100" idx="5"/>
+                </p:cNvCxnSpPr>
+                <p:nvPr/>
+              </p:nvCxnSpPr>
+              <p:spPr>
+                <a:xfrm>
+                  <a:off x="4004352" y="1524677"/>
+                  <a:ext cx="246296" cy="372502"/>
+                </a:xfrm>
+                <a:prstGeom prst="straightConnector1">
+                  <a:avLst/>
+                </a:prstGeom>
+                <a:ln w="25400">
+                  <a:tailEnd type="triangle"/>
+                </a:ln>
+              </p:spPr>
+              <p:style>
+                <a:lnRef idx="1">
+                  <a:schemeClr val="accent1"/>
+                </a:lnRef>
+                <a:fillRef idx="0">
+                  <a:schemeClr val="accent1"/>
+                </a:fillRef>
+                <a:effectRef idx="0">
+                  <a:schemeClr val="accent1"/>
+                </a:effectRef>
+                <a:fontRef idx="minor">
+                  <a:schemeClr val="tx1"/>
+                </a:fontRef>
+              </p:style>
+            </p:cxnSp>
+            <p:cxnSp>
+              <p:nvCxnSpPr>
+                <p:cNvPr id="107" name="Straight Arrow Connector 106">
+                  <a:extLst>
+                    <a:ext uri="{FF2B5EF4-FFF2-40B4-BE49-F238E27FC236}">
+                      <a16:creationId xmlns:a16="http://schemas.microsoft.com/office/drawing/2014/main" id="{418EA2D4-3D5F-4CD9-B8F9-C667C7A4B08D}"/>
+                    </a:ext>
+                  </a:extLst>
+                </p:cNvPr>
+                <p:cNvCxnSpPr>
+                  <a:cxnSpLocks/>
+                  <a:endCxn id="103" idx="7"/>
+                </p:cNvCxnSpPr>
+                <p:nvPr/>
+              </p:nvCxnSpPr>
+              <p:spPr>
+                <a:xfrm flipH="1">
+                  <a:off x="4004352" y="2031883"/>
+                  <a:ext cx="246296" cy="358691"/>
+                </a:xfrm>
+                <a:prstGeom prst="straightConnector1">
+                  <a:avLst/>
+                </a:prstGeom>
+                <a:ln w="25400">
+                  <a:tailEnd type="triangle"/>
+                </a:ln>
+              </p:spPr>
+              <p:style>
+                <a:lnRef idx="1">
+                  <a:schemeClr val="accent1"/>
+                </a:lnRef>
+                <a:fillRef idx="0">
+                  <a:schemeClr val="accent1"/>
+                </a:fillRef>
+                <a:effectRef idx="0">
+                  <a:schemeClr val="accent1"/>
+                </a:effectRef>
+                <a:fontRef idx="minor">
+                  <a:schemeClr val="tx1"/>
+                </a:fontRef>
+              </p:style>
+            </p:cxnSp>
+            <p:cxnSp>
+              <p:nvCxnSpPr>
+                <p:cNvPr id="108" name="Straight Arrow Connector 107">
+                  <a:extLst>
+                    <a:ext uri="{FF2B5EF4-FFF2-40B4-BE49-F238E27FC236}">
+                      <a16:creationId xmlns:a16="http://schemas.microsoft.com/office/drawing/2014/main" id="{870D8B2F-0C38-4196-9F2F-2E9766576409}"/>
+                    </a:ext>
+                  </a:extLst>
+                </p:cNvPr>
+                <p:cNvCxnSpPr>
+                  <a:cxnSpLocks/>
+                </p:cNvCxnSpPr>
+                <p:nvPr/>
+              </p:nvCxnSpPr>
+              <p:spPr>
+                <a:xfrm>
+                  <a:off x="4385352" y="2031883"/>
+                  <a:ext cx="239946" cy="358691"/>
+                </a:xfrm>
+                <a:prstGeom prst="straightConnector1">
+                  <a:avLst/>
+                </a:prstGeom>
+                <a:ln w="25400">
+                  <a:solidFill>
+                    <a:srgbClr val="0070C0"/>
+                  </a:solidFill>
+                  <a:tailEnd type="triangle"/>
+                </a:ln>
+              </p:spPr>
+              <p:style>
+                <a:lnRef idx="1">
+                  <a:schemeClr val="accent1"/>
+                </a:lnRef>
+                <a:fillRef idx="0">
+                  <a:schemeClr val="accent1"/>
+                </a:fillRef>
+                <a:effectRef idx="0">
+                  <a:schemeClr val="accent1"/>
+                </a:effectRef>
+                <a:fontRef idx="minor">
+                  <a:schemeClr val="tx1"/>
+                </a:fontRef>
+              </p:style>
+            </p:cxnSp>
+          </p:grpSp>
+          <p:sp>
+            <p:nvSpPr>
+              <p:cNvPr id="99" name="TextBox 98">
+                <a:extLst>
+                  <a:ext uri="{FF2B5EF4-FFF2-40B4-BE49-F238E27FC236}">
+                    <a16:creationId xmlns:a16="http://schemas.microsoft.com/office/drawing/2014/main" id="{7C73FF0B-17B1-415B-940F-71BD1A376589}"/>
+                  </a:ext>
+                </a:extLst>
+              </p:cNvPr>
+              <p:cNvSpPr txBox="1"/>
+              <p:nvPr/>
+            </p:nvSpPr>
+            <p:spPr>
+              <a:xfrm>
+                <a:off x="8000792" y="1610259"/>
+                <a:ext cx="721400" cy="646331"/>
+              </a:xfrm>
+              <a:prstGeom prst="rect">
+                <a:avLst/>
+              </a:prstGeom>
+              <a:noFill/>
+            </p:spPr>
+            <p:txBody>
+              <a:bodyPr wrap="square" rtlCol="0">
+                <a:spAutoFit/>
+              </a:bodyPr>
+              <a:lstStyle/>
+              <a:p>
+                <a:r>
+                  <a:rPr lang="en-US" dirty="0"/>
+                  <a:t>Fixed AST</a:t>
+                </a:r>
+              </a:p>
+            </p:txBody>
+          </p:sp>
+          <p:cxnSp>
+            <p:nvCxnSpPr>
+              <p:cNvPr id="97" name="Straight Arrow Connector 96">
+                <a:extLst>
+                  <a:ext uri="{FF2B5EF4-FFF2-40B4-BE49-F238E27FC236}">
+                    <a16:creationId xmlns:a16="http://schemas.microsoft.com/office/drawing/2014/main" id="{55317DA4-035D-45BC-9EEA-D63B59815E1F}"/>
+                  </a:ext>
+                </a:extLst>
+              </p:cNvPr>
+              <p:cNvCxnSpPr>
+                <a:cxnSpLocks/>
+                <a:stCxn id="100" idx="4"/>
+              </p:cNvCxnSpPr>
+              <p:nvPr/>
+            </p:nvCxnSpPr>
+            <p:spPr>
+              <a:xfrm>
+                <a:off x="7677840" y="1904117"/>
+                <a:ext cx="0" cy="353860"/>
+              </a:xfrm>
+              <a:prstGeom prst="straightConnector1">
+                <a:avLst/>
+              </a:prstGeom>
+              <a:ln w="12700">
+                <a:tailEnd type="triangle"/>
+              </a:ln>
+            </p:spPr>
+            <p:style>
+              <a:lnRef idx="1">
+                <a:schemeClr val="accent1"/>
+              </a:lnRef>
+              <a:fillRef idx="0">
+                <a:schemeClr val="accent1"/>
+              </a:fillRef>
+              <a:effectRef idx="0">
+                <a:schemeClr val="accent1"/>
+              </a:effectRef>
+              <a:fontRef idx="minor">
+                <a:schemeClr val="tx1"/>
+              </a:fontRef>
+            </p:style>
+          </p:cxnSp>
+        </p:grpSp>
+        <p:sp>
+          <p:nvSpPr>
+            <p:cNvPr id="113" name="Oval 112">
+              <a:extLst>
+                <a:ext uri="{FF2B5EF4-FFF2-40B4-BE49-F238E27FC236}">
+                  <a16:creationId xmlns:a16="http://schemas.microsoft.com/office/drawing/2014/main" id="{41FEBBB0-0CA4-446E-A301-66AFE2A021D3}"/>
+                </a:ext>
+              </a:extLst>
+            </p:cNvPr>
+            <p:cNvSpPr/>
+            <p:nvPr/>
+          </p:nvSpPr>
+          <p:spPr>
+            <a:xfrm>
+              <a:off x="7958092" y="2216320"/>
+              <a:ext cx="190500" cy="190500"/>
+            </a:xfrm>
+            <a:prstGeom prst="ellipse">
+              <a:avLst/>
+            </a:prstGeom>
+            <a:solidFill>
+              <a:schemeClr val="accent6">
+                <a:lumMod val="40000"/>
+                <a:lumOff val="60000"/>
+              </a:schemeClr>
+            </a:solidFill>
+            <a:ln>
+              <a:solidFill>
+                <a:schemeClr val="accent6">
+                  <a:lumMod val="75000"/>
+                </a:schemeClr>
+              </a:solidFill>
+            </a:ln>
+          </p:spPr>
+          <p:style>
+            <a:lnRef idx="2">
+              <a:schemeClr val="accent1">
+                <a:shade val="50000"/>
+              </a:schemeClr>
+            </a:lnRef>
+            <a:fillRef idx="1">
+              <a:schemeClr val="accent1"/>
+            </a:fillRef>
+            <a:effectRef idx="0">
+              <a:schemeClr val="accent1"/>
+            </a:effectRef>
+            <a:fontRef idx="minor">
+              <a:schemeClr val="lt1"/>
+            </a:fontRef>
+          </p:style>
+          <p:txBody>
+            <a:bodyPr rtlCol="0" anchor="ctr"/>
+            <a:lstStyle/>
+            <a:p>
+              <a:pPr algn="ctr"/>
+              <a:endParaRPr lang="en-US"/>
+            </a:p>
+          </p:txBody>
+        </p:sp>
+        <p:sp>
+          <p:nvSpPr>
+            <p:cNvPr id="114" name="Oval 113">
+              <a:extLst>
+                <a:ext uri="{FF2B5EF4-FFF2-40B4-BE49-F238E27FC236}">
+                  <a16:creationId xmlns:a16="http://schemas.microsoft.com/office/drawing/2014/main" id="{C16FEF62-917A-4417-95CB-1C6132E32A14}"/>
+                </a:ext>
+              </a:extLst>
+            </p:cNvPr>
+            <p:cNvSpPr/>
+            <p:nvPr/>
+          </p:nvSpPr>
+          <p:spPr>
+            <a:xfrm>
+              <a:off x="8308436" y="2728445"/>
+              <a:ext cx="190500" cy="190500"/>
+            </a:xfrm>
+            <a:prstGeom prst="ellipse">
+              <a:avLst/>
+            </a:prstGeom>
+            <a:solidFill>
+              <a:schemeClr val="accent6">
+                <a:lumMod val="40000"/>
+                <a:lumOff val="60000"/>
+              </a:schemeClr>
+            </a:solidFill>
+            <a:ln>
+              <a:solidFill>
+                <a:schemeClr val="accent6">
+                  <a:lumMod val="75000"/>
+                </a:schemeClr>
+              </a:solidFill>
+            </a:ln>
+          </p:spPr>
+          <p:style>
+            <a:lnRef idx="2">
+              <a:schemeClr val="accent1">
+                <a:shade val="50000"/>
+              </a:schemeClr>
+            </a:lnRef>
+            <a:fillRef idx="1">
+              <a:schemeClr val="accent1"/>
+            </a:fillRef>
+            <a:effectRef idx="0">
+              <a:schemeClr val="accent1"/>
+            </a:effectRef>
+            <a:fontRef idx="minor">
+              <a:schemeClr val="lt1"/>
+            </a:fontRef>
+          </p:style>
+          <p:txBody>
+            <a:bodyPr rtlCol="0" anchor="ctr"/>
+            <a:lstStyle/>
+            <a:p>
+              <a:pPr algn="ctr"/>
+              <a:endParaRPr lang="en-US"/>
+            </a:p>
+          </p:txBody>
+        </p:sp>
+      </p:grpSp>
+      <p:grpSp>
+        <p:nvGrpSpPr>
+          <p:cNvPr id="116" name="Group 115">
+            <a:extLst>
+              <a:ext uri="{FF2B5EF4-FFF2-40B4-BE49-F238E27FC236}">
+                <a16:creationId xmlns:a16="http://schemas.microsoft.com/office/drawing/2014/main" id="{E18D2C30-1919-4D91-B872-266D681753A4}"/>
+              </a:ext>
+            </a:extLst>
+          </p:cNvPr>
+          <p:cNvGrpSpPr/>
+          <p:nvPr/>
+        </p:nvGrpSpPr>
+        <p:grpSpPr>
+          <a:xfrm>
+            <a:off x="7549317" y="3322134"/>
+            <a:ext cx="939800" cy="697706"/>
+            <a:chOff x="3473450" y="1362075"/>
+            <a:chExt cx="939800" cy="697706"/>
+          </a:xfrm>
+        </p:grpSpPr>
+        <p:sp>
+          <p:nvSpPr>
+            <p:cNvPr id="117" name="Oval 116">
+              <a:extLst>
+                <a:ext uri="{FF2B5EF4-FFF2-40B4-BE49-F238E27FC236}">
+                  <a16:creationId xmlns:a16="http://schemas.microsoft.com/office/drawing/2014/main" id="{82E609CE-8429-4961-9206-89EDB63AEB74}"/>
+                </a:ext>
+              </a:extLst>
+            </p:cNvPr>
+            <p:cNvSpPr/>
+            <p:nvPr/>
+          </p:nvSpPr>
+          <p:spPr>
+            <a:xfrm>
+              <a:off x="3841750" y="1362075"/>
+              <a:ext cx="190500" cy="190500"/>
+            </a:xfrm>
+            <a:prstGeom prst="ellipse">
+              <a:avLst/>
+            </a:prstGeom>
+            <a:solidFill>
+              <a:schemeClr val="accent6">
+                <a:lumMod val="40000"/>
+                <a:lumOff val="60000"/>
+              </a:schemeClr>
+            </a:solidFill>
+            <a:ln>
+              <a:solidFill>
+                <a:schemeClr val="accent6">
+                  <a:lumMod val="75000"/>
+                </a:schemeClr>
+              </a:solidFill>
+            </a:ln>
+          </p:spPr>
+          <p:style>
+            <a:lnRef idx="2">
+              <a:schemeClr val="accent1">
+                <a:shade val="50000"/>
+              </a:schemeClr>
+            </a:lnRef>
+            <a:fillRef idx="1">
+              <a:schemeClr val="accent1"/>
+            </a:fillRef>
+            <a:effectRef idx="0">
+              <a:schemeClr val="accent1"/>
+            </a:effectRef>
+            <a:fontRef idx="minor">
+              <a:schemeClr val="lt1"/>
+            </a:fontRef>
+          </p:style>
+          <p:txBody>
+            <a:bodyPr rtlCol="0" anchor="ctr"/>
+            <a:lstStyle/>
+            <a:p>
+              <a:pPr algn="ctr"/>
+              <a:endParaRPr lang="en-US"/>
+            </a:p>
+          </p:txBody>
+        </p:sp>
+        <p:sp>
+          <p:nvSpPr>
+            <p:cNvPr id="118" name="Oval 117">
+              <a:extLst>
+                <a:ext uri="{FF2B5EF4-FFF2-40B4-BE49-F238E27FC236}">
+                  <a16:creationId xmlns:a16="http://schemas.microsoft.com/office/drawing/2014/main" id="{94112A37-27C8-4E77-8D89-A9D12BEA3706}"/>
+                </a:ext>
+              </a:extLst>
+            </p:cNvPr>
+            <p:cNvSpPr/>
+            <p:nvPr/>
+          </p:nvSpPr>
+          <p:spPr>
+            <a:xfrm>
+              <a:off x="3473450" y="1869281"/>
+              <a:ext cx="190500" cy="190500"/>
+            </a:xfrm>
+            <a:prstGeom prst="ellipse">
+              <a:avLst/>
+            </a:prstGeom>
+            <a:solidFill>
+              <a:schemeClr val="accent6">
+                <a:lumMod val="40000"/>
+                <a:lumOff val="60000"/>
+              </a:schemeClr>
+            </a:solidFill>
+            <a:ln>
+              <a:solidFill>
+                <a:schemeClr val="accent6">
+                  <a:lumMod val="75000"/>
+                </a:schemeClr>
+              </a:solidFill>
+            </a:ln>
+          </p:spPr>
+          <p:style>
+            <a:lnRef idx="2">
+              <a:schemeClr val="accent1">
+                <a:shade val="50000"/>
+              </a:schemeClr>
+            </a:lnRef>
+            <a:fillRef idx="1">
+              <a:schemeClr val="accent1"/>
+            </a:fillRef>
+            <a:effectRef idx="0">
+              <a:schemeClr val="accent1"/>
+            </a:effectRef>
+            <a:fontRef idx="minor">
+              <a:schemeClr val="lt1"/>
+            </a:fontRef>
+          </p:style>
+          <p:txBody>
+            <a:bodyPr rtlCol="0" anchor="ctr"/>
+            <a:lstStyle/>
+            <a:p>
+              <a:pPr algn="ctr"/>
+              <a:endParaRPr lang="en-US"/>
+            </a:p>
+          </p:txBody>
+        </p:sp>
+        <p:sp>
+          <p:nvSpPr>
+            <p:cNvPr id="119" name="Oval 118">
+              <a:extLst>
+                <a:ext uri="{FF2B5EF4-FFF2-40B4-BE49-F238E27FC236}">
+                  <a16:creationId xmlns:a16="http://schemas.microsoft.com/office/drawing/2014/main" id="{A761DB97-8790-495A-9F04-DECDE891203B}"/>
+                </a:ext>
+              </a:extLst>
+            </p:cNvPr>
+            <p:cNvSpPr/>
+            <p:nvPr/>
+          </p:nvSpPr>
+          <p:spPr>
+            <a:xfrm>
+              <a:off x="4222750" y="1869281"/>
+              <a:ext cx="190500" cy="190500"/>
+            </a:xfrm>
+            <a:prstGeom prst="ellipse">
+              <a:avLst/>
+            </a:prstGeom>
+            <a:solidFill>
+              <a:schemeClr val="accent6">
+                <a:lumMod val="40000"/>
+                <a:lumOff val="60000"/>
+              </a:schemeClr>
+            </a:solidFill>
+            <a:ln>
+              <a:solidFill>
+                <a:schemeClr val="accent6">
+                  <a:lumMod val="75000"/>
+                </a:schemeClr>
+              </a:solidFill>
+            </a:ln>
+          </p:spPr>
+          <p:style>
+            <a:lnRef idx="2">
+              <a:schemeClr val="accent1">
+                <a:shade val="50000"/>
+              </a:schemeClr>
+            </a:lnRef>
+            <a:fillRef idx="1">
+              <a:schemeClr val="accent1"/>
+            </a:fillRef>
+            <a:effectRef idx="0">
+              <a:schemeClr val="accent1"/>
+            </a:effectRef>
+            <a:fontRef idx="minor">
+              <a:schemeClr val="lt1"/>
+            </a:fontRef>
+          </p:style>
+          <p:txBody>
+            <a:bodyPr rtlCol="0" anchor="ctr"/>
+            <a:lstStyle/>
+            <a:p>
+              <a:pPr algn="ctr"/>
+              <a:endParaRPr lang="en-US"/>
+            </a:p>
+          </p:txBody>
+        </p:sp>
+        <p:cxnSp>
+          <p:nvCxnSpPr>
+            <p:cNvPr id="120" name="Straight Arrow Connector 119">
+              <a:extLst>
+                <a:ext uri="{FF2B5EF4-FFF2-40B4-BE49-F238E27FC236}">
+                  <a16:creationId xmlns:a16="http://schemas.microsoft.com/office/drawing/2014/main" id="{E7FA53FD-F103-43F5-8B05-DB4885747AE7}"/>
+                </a:ext>
+              </a:extLst>
+            </p:cNvPr>
+            <p:cNvCxnSpPr>
+              <a:stCxn id="117" idx="3"/>
+              <a:endCxn id="118" idx="6"/>
+            </p:cNvCxnSpPr>
+            <p:nvPr/>
+          </p:nvCxnSpPr>
+          <p:spPr>
+            <a:xfrm flipH="1">
+              <a:off x="3636052" y="1524677"/>
+              <a:ext cx="233596" cy="372502"/>
+            </a:xfrm>
+            <a:prstGeom prst="straightConnector1">
+              <a:avLst/>
+            </a:prstGeom>
+            <a:ln w="25400">
+              <a:tailEnd type="triangle"/>
+            </a:ln>
+          </p:spPr>
+          <p:style>
+            <a:lnRef idx="1">
+              <a:schemeClr val="accent1"/>
+            </a:lnRef>
+            <a:fillRef idx="0">
+              <a:schemeClr val="accent1"/>
+            </a:fillRef>
+            <a:effectRef idx="0">
+              <a:schemeClr val="accent1"/>
+            </a:effectRef>
+            <a:fontRef idx="minor">
+              <a:schemeClr val="tx1"/>
+            </a:fontRef>
+          </p:style>
+        </p:cxnSp>
+        <p:cxnSp>
+          <p:nvCxnSpPr>
+            <p:cNvPr id="121" name="Straight Arrow Connector 120">
+              <a:extLst>
+                <a:ext uri="{FF2B5EF4-FFF2-40B4-BE49-F238E27FC236}">
+                  <a16:creationId xmlns:a16="http://schemas.microsoft.com/office/drawing/2014/main" id="{295F335D-6DFB-4616-8B63-2D631663C6EB}"/>
+                </a:ext>
+              </a:extLst>
+            </p:cNvPr>
+            <p:cNvCxnSpPr>
+              <a:cxnSpLocks/>
+              <a:stCxn id="117" idx="5"/>
+              <a:endCxn id="119" idx="1"/>
+            </p:cNvCxnSpPr>
+            <p:nvPr/>
+          </p:nvCxnSpPr>
+          <p:spPr>
+            <a:xfrm>
+              <a:off x="4004352" y="1524677"/>
+              <a:ext cx="246296" cy="372502"/>
+            </a:xfrm>
+            <a:prstGeom prst="straightConnector1">
+              <a:avLst/>
+            </a:prstGeom>
+            <a:ln w="25400">
+              <a:solidFill>
+                <a:srgbClr val="0070C0"/>
+              </a:solidFill>
+              <a:tailEnd type="triangle"/>
+            </a:ln>
+          </p:spPr>
+          <p:style>
+            <a:lnRef idx="1">
+              <a:schemeClr val="accent1"/>
+            </a:lnRef>
+            <a:fillRef idx="0">
+              <a:schemeClr val="accent1"/>
+            </a:fillRef>
+            <a:effectRef idx="0">
+              <a:schemeClr val="accent1"/>
+            </a:effectRef>
+            <a:fontRef idx="minor">
+              <a:schemeClr val="tx1"/>
+            </a:fontRef>
+          </p:style>
+        </p:cxnSp>
+      </p:grpSp>
+      <p:sp>
+        <p:nvSpPr>
+          <p:cNvPr id="122" name="TextBox 121">
+            <a:extLst>
+              <a:ext uri="{FF2B5EF4-FFF2-40B4-BE49-F238E27FC236}">
+                <a16:creationId xmlns:a16="http://schemas.microsoft.com/office/drawing/2014/main" id="{224E5474-1B81-4BD7-AB89-9B8BBFEB997F}"/>
+              </a:ext>
+            </a:extLst>
+          </p:cNvPr>
+          <p:cNvSpPr txBox="1"/>
+          <p:nvPr/>
+        </p:nvSpPr>
+        <p:spPr>
+          <a:xfrm>
+            <a:off x="7269917" y="3967833"/>
+            <a:ext cx="1485900" cy="369332"/>
+          </a:xfrm>
+          <a:prstGeom prst="rect">
+            <a:avLst/>
+          </a:prstGeom>
+          <a:noFill/>
+        </p:spPr>
+        <p:txBody>
+          <a:bodyPr wrap="square" rtlCol="0">
+            <a:spAutoFit/>
+          </a:bodyPr>
+          <a:lstStyle/>
+          <a:p>
+            <a:r>
+              <a:rPr lang="en-US" dirty="0"/>
+              <a:t>Fixed subtree</a:t>
+            </a:r>
+          </a:p>
+        </p:txBody>
+      </p:sp>
+    </p:spTree>
+    <p:extLst>
+      <p:ext uri="{BB962C8B-B14F-4D97-AF65-F5344CB8AC3E}">
+        <p14:creationId xmlns:p14="http://schemas.microsoft.com/office/powerpoint/2010/main" val="147405245"/>
+      </p:ext>
+    </p:extLst>
+  </p:cSld>
+  <p:clrMapOvr>
+    <a:masterClrMapping/>
+  </p:clrMapOvr>
+</p:sld>
+</file>
+
+<file path=ppt/slides/slide6.xml><?xml version="1.0" encoding="utf-8"?>
+<p:sld xmlns:a="http://schemas.openxmlformats.org/drawingml/2006/main" xmlns:r="http://schemas.openxmlformats.org/officeDocument/2006/relationships" xmlns:p="http://schemas.openxmlformats.org/presentationml/2006/main">
+  <p:cSld>
+    <p:spTree>
+      <p:nvGrpSpPr>
+        <p:cNvPr id="1" name=""/>
+        <p:cNvGrpSpPr/>
+        <p:nvPr/>
+      </p:nvGrpSpPr>
+      <p:grpSpPr>
+        <a:xfrm>
+          <a:off x="0" y="0"/>
+          <a:ext cx="0" cy="0"/>
+          <a:chOff x="0" y="0"/>
+          <a:chExt cx="0" cy="0"/>
+        </a:xfrm>
+      </p:grpSpPr>
+      <p:grpSp>
+        <p:nvGrpSpPr>
+          <p:cNvPr id="29" name="Group 28">
+            <a:extLst>
+              <a:ext uri="{FF2B5EF4-FFF2-40B4-BE49-F238E27FC236}">
+                <a16:creationId xmlns:a16="http://schemas.microsoft.com/office/drawing/2014/main" id="{00F08641-F49B-47B4-B126-2031C5D20321}"/>
+              </a:ext>
+            </a:extLst>
+          </p:cNvPr>
+          <p:cNvGrpSpPr/>
+          <p:nvPr/>
+        </p:nvGrpSpPr>
+        <p:grpSpPr>
+          <a:xfrm>
+            <a:off x="5330628" y="3312196"/>
+            <a:ext cx="939800" cy="697706"/>
+            <a:chOff x="3473450" y="1362075"/>
+            <a:chExt cx="939800" cy="697706"/>
+          </a:xfrm>
+        </p:grpSpPr>
+        <p:sp>
+          <p:nvSpPr>
+            <p:cNvPr id="30" name="Oval 29">
+              <a:extLst>
+                <a:ext uri="{FF2B5EF4-FFF2-40B4-BE49-F238E27FC236}">
+                  <a16:creationId xmlns:a16="http://schemas.microsoft.com/office/drawing/2014/main" id="{EEF954A3-9480-4CA0-B4FC-159685D64AE4}"/>
+                </a:ext>
+              </a:extLst>
+            </p:cNvPr>
+            <p:cNvSpPr/>
+            <p:nvPr/>
+          </p:nvSpPr>
+          <p:spPr>
+            <a:xfrm>
+              <a:off x="3841750" y="1362075"/>
+              <a:ext cx="190500" cy="190500"/>
+            </a:xfrm>
+            <a:prstGeom prst="ellipse">
+              <a:avLst/>
+            </a:prstGeom>
+            <a:solidFill>
+              <a:srgbClr val="FFC000"/>
+            </a:solidFill>
+            <a:ln>
+              <a:solidFill>
+                <a:schemeClr val="accent6">
+                  <a:lumMod val="75000"/>
+                </a:schemeClr>
+              </a:solidFill>
+            </a:ln>
+          </p:spPr>
+          <p:style>
+            <a:lnRef idx="2">
+              <a:schemeClr val="accent1">
+                <a:shade val="50000"/>
+              </a:schemeClr>
+            </a:lnRef>
+            <a:fillRef idx="1">
+              <a:schemeClr val="accent1"/>
+            </a:fillRef>
+            <a:effectRef idx="0">
+              <a:schemeClr val="accent1"/>
+            </a:effectRef>
+            <a:fontRef idx="minor">
+              <a:schemeClr val="lt1"/>
+            </a:fontRef>
+          </p:style>
+          <p:txBody>
+            <a:bodyPr rtlCol="0" anchor="ctr"/>
+            <a:lstStyle/>
+            <a:p>
+              <a:pPr algn="ctr"/>
+              <a:endParaRPr lang="en-US"/>
+            </a:p>
+          </p:txBody>
+        </p:sp>
+        <p:sp>
+          <p:nvSpPr>
+            <p:cNvPr id="31" name="Oval 30">
+              <a:extLst>
+                <a:ext uri="{FF2B5EF4-FFF2-40B4-BE49-F238E27FC236}">
+                  <a16:creationId xmlns:a16="http://schemas.microsoft.com/office/drawing/2014/main" id="{58A1E0DF-95CB-4330-9C77-3EF88213FAAB}"/>
+                </a:ext>
+              </a:extLst>
+            </p:cNvPr>
+            <p:cNvSpPr/>
+            <p:nvPr/>
+          </p:nvSpPr>
+          <p:spPr>
+            <a:xfrm>
+              <a:off x="3473450" y="1869281"/>
+              <a:ext cx="190500" cy="190500"/>
+            </a:xfrm>
+            <a:prstGeom prst="ellipse">
+              <a:avLst/>
+            </a:prstGeom>
+            <a:solidFill>
+              <a:schemeClr val="accent6">
+                <a:lumMod val="40000"/>
+                <a:lumOff val="60000"/>
+              </a:schemeClr>
+            </a:solidFill>
+            <a:ln>
+              <a:solidFill>
+                <a:schemeClr val="accent6">
+                  <a:lumMod val="75000"/>
+                </a:schemeClr>
+              </a:solidFill>
+            </a:ln>
+          </p:spPr>
+          <p:style>
+            <a:lnRef idx="2">
+              <a:schemeClr val="accent1">
+                <a:shade val="50000"/>
+              </a:schemeClr>
+            </a:lnRef>
+            <a:fillRef idx="1">
+              <a:schemeClr val="accent1"/>
+            </a:fillRef>
+            <a:effectRef idx="0">
+              <a:schemeClr val="accent1"/>
+            </a:effectRef>
+            <a:fontRef idx="minor">
+              <a:schemeClr val="lt1"/>
+            </a:fontRef>
+          </p:style>
+          <p:txBody>
+            <a:bodyPr rtlCol="0" anchor="ctr"/>
+            <a:lstStyle/>
+            <a:p>
+              <a:pPr algn="ctr"/>
+              <a:endParaRPr lang="en-US"/>
+            </a:p>
+          </p:txBody>
+        </p:sp>
+        <p:sp>
+          <p:nvSpPr>
+            <p:cNvPr id="32" name="Oval 31">
+              <a:extLst>
+                <a:ext uri="{FF2B5EF4-FFF2-40B4-BE49-F238E27FC236}">
+                  <a16:creationId xmlns:a16="http://schemas.microsoft.com/office/drawing/2014/main" id="{0DDD9695-12DF-43C3-ADB3-499688F71623}"/>
+                </a:ext>
+              </a:extLst>
+            </p:cNvPr>
+            <p:cNvSpPr/>
+            <p:nvPr/>
+          </p:nvSpPr>
+          <p:spPr>
+            <a:xfrm>
+              <a:off x="4222750" y="1869281"/>
+              <a:ext cx="190500" cy="190500"/>
+            </a:xfrm>
+            <a:prstGeom prst="ellipse">
+              <a:avLst/>
+            </a:prstGeom>
+            <a:solidFill>
+              <a:srgbClr val="FFC000"/>
+            </a:solidFill>
+            <a:ln>
+              <a:solidFill>
+                <a:schemeClr val="accent6">
+                  <a:lumMod val="75000"/>
+                </a:schemeClr>
+              </a:solidFill>
+            </a:ln>
+          </p:spPr>
+          <p:style>
+            <a:lnRef idx="2">
+              <a:schemeClr val="accent1">
+                <a:shade val="50000"/>
+              </a:schemeClr>
+            </a:lnRef>
+            <a:fillRef idx="1">
+              <a:schemeClr val="accent1"/>
+            </a:fillRef>
+            <a:effectRef idx="0">
+              <a:schemeClr val="accent1"/>
+            </a:effectRef>
+            <a:fontRef idx="minor">
+              <a:schemeClr val="lt1"/>
+            </a:fontRef>
+          </p:style>
+          <p:txBody>
+            <a:bodyPr rtlCol="0" anchor="ctr"/>
+            <a:lstStyle/>
+            <a:p>
+              <a:pPr algn="ctr"/>
+              <a:endParaRPr lang="en-US"/>
+            </a:p>
+          </p:txBody>
+        </p:sp>
+        <p:cxnSp>
+          <p:nvCxnSpPr>
+            <p:cNvPr id="35" name="Straight Arrow Connector 34">
+              <a:extLst>
+                <a:ext uri="{FF2B5EF4-FFF2-40B4-BE49-F238E27FC236}">
+                  <a16:creationId xmlns:a16="http://schemas.microsoft.com/office/drawing/2014/main" id="{AF5B46F4-4D19-4BD5-A143-52DB9798FBFC}"/>
+                </a:ext>
+              </a:extLst>
+            </p:cNvPr>
+            <p:cNvCxnSpPr>
+              <a:stCxn id="30" idx="3"/>
+              <a:endCxn id="31" idx="6"/>
+            </p:cNvCxnSpPr>
+            <p:nvPr/>
+          </p:nvCxnSpPr>
+          <p:spPr>
+            <a:xfrm flipH="1">
+              <a:off x="3636052" y="1524677"/>
+              <a:ext cx="233596" cy="372502"/>
+            </a:xfrm>
+            <a:prstGeom prst="straightConnector1">
+              <a:avLst/>
+            </a:prstGeom>
+            <a:ln w="25400">
+              <a:tailEnd type="triangle"/>
+            </a:ln>
+          </p:spPr>
+          <p:style>
+            <a:lnRef idx="1">
+              <a:schemeClr val="accent1"/>
+            </a:lnRef>
+            <a:fillRef idx="0">
+              <a:schemeClr val="accent1"/>
+            </a:fillRef>
+            <a:effectRef idx="0">
+              <a:schemeClr val="accent1"/>
+            </a:effectRef>
+            <a:fontRef idx="minor">
+              <a:schemeClr val="tx1"/>
+            </a:fontRef>
+          </p:style>
+        </p:cxnSp>
+        <p:cxnSp>
+          <p:nvCxnSpPr>
+            <p:cNvPr id="36" name="Straight Arrow Connector 35">
+              <a:extLst>
+                <a:ext uri="{FF2B5EF4-FFF2-40B4-BE49-F238E27FC236}">
+                  <a16:creationId xmlns:a16="http://schemas.microsoft.com/office/drawing/2014/main" id="{78FBCFC5-9FC6-4F19-A292-7BFFE2AAACC7}"/>
+                </a:ext>
+              </a:extLst>
+            </p:cNvPr>
+            <p:cNvCxnSpPr>
+              <a:cxnSpLocks/>
+              <a:stCxn id="30" idx="5"/>
+              <a:endCxn id="32" idx="1"/>
+            </p:cNvCxnSpPr>
+            <p:nvPr/>
+          </p:nvCxnSpPr>
+          <p:spPr>
+            <a:xfrm>
+              <a:off x="4004352" y="1524677"/>
+              <a:ext cx="246296" cy="372502"/>
+            </a:xfrm>
+            <a:prstGeom prst="straightConnector1">
+              <a:avLst/>
+            </a:prstGeom>
+            <a:ln w="25400">
+              <a:solidFill>
+                <a:srgbClr val="FF0000"/>
+              </a:solidFill>
+              <a:tailEnd type="triangle"/>
+            </a:ln>
+          </p:spPr>
+          <p:style>
+            <a:lnRef idx="1">
+              <a:schemeClr val="accent1"/>
+            </a:lnRef>
+            <a:fillRef idx="0">
+              <a:schemeClr val="accent1"/>
+            </a:fillRef>
+            <a:effectRef idx="0">
+              <a:schemeClr val="accent1"/>
+            </a:effectRef>
+            <a:fontRef idx="minor">
+              <a:schemeClr val="tx1"/>
+            </a:fontRef>
+          </p:style>
+        </p:cxnSp>
+      </p:grpSp>
+      <p:sp>
+        <p:nvSpPr>
+          <p:cNvPr id="40" name="TextBox 39">
+            <a:extLst>
+              <a:ext uri="{FF2B5EF4-FFF2-40B4-BE49-F238E27FC236}">
+                <a16:creationId xmlns:a16="http://schemas.microsoft.com/office/drawing/2014/main" id="{7281DC49-955F-4674-8199-971A898A330D}"/>
+              </a:ext>
+            </a:extLst>
+          </p:cNvPr>
+          <p:cNvSpPr txBox="1"/>
+          <p:nvPr/>
+        </p:nvSpPr>
+        <p:spPr>
+          <a:xfrm>
+            <a:off x="5057578" y="3939513"/>
+            <a:ext cx="1951196" cy="369332"/>
+          </a:xfrm>
+          <a:prstGeom prst="rect">
+            <a:avLst/>
+          </a:prstGeom>
+          <a:noFill/>
+        </p:spPr>
+        <p:txBody>
+          <a:bodyPr wrap="square" rtlCol="0">
+            <a:spAutoFit/>
+          </a:bodyPr>
+          <a:lstStyle/>
+          <a:p>
+            <a:r>
+              <a:rPr lang="en-US" dirty="0"/>
+              <a:t>Buggy subtree</a:t>
+            </a:r>
+          </a:p>
+        </p:txBody>
+      </p:sp>
+      <p:sp>
+        <p:nvSpPr>
+          <p:cNvPr id="27" name="Rectangle: Rounded Corners 26">
+            <a:extLst>
+              <a:ext uri="{FF2B5EF4-FFF2-40B4-BE49-F238E27FC236}">
+                <a16:creationId xmlns:a16="http://schemas.microsoft.com/office/drawing/2014/main" id="{8B88DDE6-293D-4F1C-BA48-7E0B585C5C6C}"/>
+              </a:ext>
+            </a:extLst>
+          </p:cNvPr>
+          <p:cNvSpPr/>
+          <p:nvPr/>
+        </p:nvSpPr>
+        <p:spPr>
+          <a:xfrm>
+            <a:off x="6740935" y="1860407"/>
+            <a:ext cx="1912032" cy="802049"/>
+          </a:xfrm>
+          <a:prstGeom prst="roundRect">
+            <a:avLst/>
+          </a:prstGeom>
+          <a:solidFill>
+            <a:schemeClr val="accent2">
+              <a:lumMod val="20000"/>
+              <a:lumOff val="80000"/>
+            </a:schemeClr>
+          </a:solidFill>
+          <a:ln w="25400">
+            <a:solidFill>
+              <a:schemeClr val="accent2">
+                <a:lumMod val="75000"/>
+              </a:schemeClr>
+            </a:solidFill>
+          </a:ln>
+        </p:spPr>
+        <p:style>
+          <a:lnRef idx="2">
+            <a:schemeClr val="accent1">
+              <a:shade val="50000"/>
+            </a:schemeClr>
+          </a:lnRef>
+          <a:fillRef idx="1">
+            <a:schemeClr val="accent1"/>
+          </a:fillRef>
+          <a:effectRef idx="0">
+            <a:schemeClr val="accent1"/>
+          </a:effectRef>
+          <a:fontRef idx="minor">
+            <a:schemeClr val="lt1"/>
+          </a:fontRef>
+        </p:style>
+        <p:txBody>
+          <a:bodyPr rtlCol="0" anchor="ctr"/>
+          <a:lstStyle/>
+          <a:p>
+            <a:pPr algn="ctr"/>
+            <a:r>
+              <a:rPr lang="en-US" dirty="0">
+                <a:solidFill>
+                  <a:schemeClr val="tx1"/>
+                </a:solidFill>
+              </a:rPr>
+              <a:t>Tree-based Context Learning</a:t>
+            </a:r>
+          </a:p>
+        </p:txBody>
+      </p:sp>
+      <p:sp>
+        <p:nvSpPr>
+          <p:cNvPr id="42" name="Rectangle: Rounded Corners 41">
+            <a:extLst>
+              <a:ext uri="{FF2B5EF4-FFF2-40B4-BE49-F238E27FC236}">
+                <a16:creationId xmlns:a16="http://schemas.microsoft.com/office/drawing/2014/main" id="{C61147BF-A6E9-423A-BBD5-EBB5D1B3AAC6}"/>
+              </a:ext>
+            </a:extLst>
+          </p:cNvPr>
+          <p:cNvSpPr/>
+          <p:nvPr/>
+        </p:nvSpPr>
+        <p:spPr>
+          <a:xfrm>
+            <a:off x="6740934" y="3526268"/>
+            <a:ext cx="1909735" cy="776767"/>
+          </a:xfrm>
+          <a:prstGeom prst="roundRect">
+            <a:avLst/>
+          </a:prstGeom>
+          <a:solidFill>
+            <a:schemeClr val="accent2">
+              <a:lumMod val="20000"/>
+              <a:lumOff val="80000"/>
+            </a:schemeClr>
+          </a:solidFill>
+          <a:ln w="25400">
+            <a:solidFill>
+              <a:schemeClr val="accent2">
+                <a:lumMod val="75000"/>
+              </a:schemeClr>
+            </a:solidFill>
+          </a:ln>
+        </p:spPr>
+        <p:style>
+          <a:lnRef idx="2">
+            <a:schemeClr val="accent1">
+              <a:shade val="50000"/>
+            </a:schemeClr>
+          </a:lnRef>
+          <a:fillRef idx="1">
+            <a:schemeClr val="accent1"/>
+          </a:fillRef>
+          <a:effectRef idx="0">
+            <a:schemeClr val="accent1"/>
+          </a:effectRef>
+          <a:fontRef idx="minor">
+            <a:schemeClr val="lt1"/>
+          </a:fontRef>
+        </p:style>
+        <p:txBody>
+          <a:bodyPr rtlCol="0" anchor="ctr"/>
+          <a:lstStyle/>
+          <a:p>
+            <a:pPr algn="ctr"/>
+            <a:r>
+              <a:rPr lang="en-US" dirty="0">
+                <a:solidFill>
+                  <a:schemeClr val="tx1"/>
+                </a:solidFill>
+              </a:rPr>
+              <a:t>Tree-based Transformation Learning</a:t>
+            </a:r>
+          </a:p>
+        </p:txBody>
+      </p:sp>
+      <p:sp>
+        <p:nvSpPr>
+          <p:cNvPr id="43" name="Rectangle: Rounded Corners 42">
+            <a:extLst>
+              <a:ext uri="{FF2B5EF4-FFF2-40B4-BE49-F238E27FC236}">
+                <a16:creationId xmlns:a16="http://schemas.microsoft.com/office/drawing/2014/main" id="{5DAA0177-339C-495D-8153-6541C884CD2D}"/>
+              </a:ext>
+            </a:extLst>
+          </p:cNvPr>
+          <p:cNvSpPr/>
+          <p:nvPr/>
+        </p:nvSpPr>
+        <p:spPr>
+          <a:xfrm>
+            <a:off x="6858751" y="2934125"/>
+            <a:ext cx="1676400" cy="291245"/>
+          </a:xfrm>
+          <a:prstGeom prst="roundRect">
+            <a:avLst/>
+          </a:prstGeom>
+          <a:solidFill>
+            <a:schemeClr val="accent2">
+              <a:lumMod val="20000"/>
+              <a:lumOff val="80000"/>
+            </a:schemeClr>
+          </a:solidFill>
+          <a:ln w="25400">
+            <a:solidFill>
+              <a:schemeClr val="accent2">
+                <a:lumMod val="75000"/>
+              </a:schemeClr>
+            </a:solidFill>
+          </a:ln>
+        </p:spPr>
+        <p:style>
+          <a:lnRef idx="2">
+            <a:schemeClr val="accent1">
+              <a:shade val="50000"/>
+            </a:schemeClr>
+          </a:lnRef>
+          <a:fillRef idx="1">
+            <a:schemeClr val="accent1"/>
+          </a:fillRef>
+          <a:effectRef idx="0">
+            <a:schemeClr val="accent1"/>
+          </a:effectRef>
+          <a:fontRef idx="minor">
+            <a:schemeClr val="lt1"/>
+          </a:fontRef>
+        </p:style>
+        <p:txBody>
+          <a:bodyPr rtlCol="0" anchor="ctr"/>
+          <a:lstStyle/>
+          <a:p>
+            <a:pPr algn="ctr"/>
+            <a:r>
+              <a:rPr lang="en-US" dirty="0">
+                <a:solidFill>
+                  <a:schemeClr val="tx1"/>
+                </a:solidFill>
+              </a:rPr>
+              <a:t>Joint Training</a:t>
+            </a:r>
+          </a:p>
+        </p:txBody>
+      </p:sp>
+      <p:cxnSp>
+        <p:nvCxnSpPr>
+          <p:cNvPr id="75" name="Straight Arrow Connector 74">
+            <a:extLst>
+              <a:ext uri="{FF2B5EF4-FFF2-40B4-BE49-F238E27FC236}">
+                <a16:creationId xmlns:a16="http://schemas.microsoft.com/office/drawing/2014/main" id="{1E26547B-40D7-4EC9-A296-9A275442F3A1}"/>
+              </a:ext>
+            </a:extLst>
+          </p:cNvPr>
+          <p:cNvCxnSpPr/>
+          <p:nvPr/>
+        </p:nvCxnSpPr>
+        <p:spPr>
+          <a:xfrm flipV="1">
+            <a:off x="6410372" y="3885681"/>
+            <a:ext cx="332860" cy="2649"/>
+          </a:xfrm>
+          <a:prstGeom prst="straightConnector1">
+            <a:avLst/>
+          </a:prstGeom>
+          <a:ln w="25400">
+            <a:tailEnd type="triangle"/>
+          </a:ln>
+        </p:spPr>
+        <p:style>
+          <a:lnRef idx="1">
+            <a:schemeClr val="accent1"/>
+          </a:lnRef>
+          <a:fillRef idx="0">
+            <a:schemeClr val="accent1"/>
+          </a:fillRef>
+          <a:effectRef idx="0">
+            <a:schemeClr val="accent1"/>
+          </a:effectRef>
+          <a:fontRef idx="minor">
+            <a:schemeClr val="tx1"/>
+          </a:fontRef>
+        </p:style>
+      </p:cxnSp>
+      <p:cxnSp>
+        <p:nvCxnSpPr>
+          <p:cNvPr id="76" name="Straight Arrow Connector 75">
+            <a:extLst>
+              <a:ext uri="{FF2B5EF4-FFF2-40B4-BE49-F238E27FC236}">
+                <a16:creationId xmlns:a16="http://schemas.microsoft.com/office/drawing/2014/main" id="{79185833-1F06-46BC-B258-D8B677D60BAF}"/>
+              </a:ext>
+            </a:extLst>
+          </p:cNvPr>
+          <p:cNvCxnSpPr/>
+          <p:nvPr/>
+        </p:nvCxnSpPr>
+        <p:spPr>
+          <a:xfrm flipV="1">
+            <a:off x="6410372" y="2229628"/>
+            <a:ext cx="332860" cy="2649"/>
+          </a:xfrm>
+          <a:prstGeom prst="straightConnector1">
+            <a:avLst/>
+          </a:prstGeom>
+          <a:ln w="25400">
+            <a:tailEnd type="triangle"/>
+          </a:ln>
+        </p:spPr>
+        <p:style>
+          <a:lnRef idx="1">
+            <a:schemeClr val="accent1"/>
+          </a:lnRef>
+          <a:fillRef idx="0">
+            <a:schemeClr val="accent1"/>
+          </a:fillRef>
+          <a:effectRef idx="0">
+            <a:schemeClr val="accent1"/>
+          </a:effectRef>
+          <a:fontRef idx="minor">
+            <a:schemeClr val="tx1"/>
+          </a:fontRef>
+        </p:style>
+      </p:cxnSp>
+      <p:cxnSp>
+        <p:nvCxnSpPr>
+          <p:cNvPr id="78" name="Straight Arrow Connector 77">
+            <a:extLst>
+              <a:ext uri="{FF2B5EF4-FFF2-40B4-BE49-F238E27FC236}">
+                <a16:creationId xmlns:a16="http://schemas.microsoft.com/office/drawing/2014/main" id="{AC8674C8-FC1F-4CF8-8F79-89EE6085AB9F}"/>
+              </a:ext>
+            </a:extLst>
+          </p:cNvPr>
+          <p:cNvCxnSpPr>
+            <a:cxnSpLocks/>
+          </p:cNvCxnSpPr>
+          <p:nvPr/>
+        </p:nvCxnSpPr>
+        <p:spPr>
+          <a:xfrm flipV="1">
+            <a:off x="8731737" y="3384301"/>
+            <a:ext cx="740070" cy="543622"/>
+          </a:xfrm>
+          <a:prstGeom prst="straightConnector1">
+            <a:avLst/>
+          </a:prstGeom>
+          <a:ln w="28575">
+            <a:tailEnd type="triangle"/>
+          </a:ln>
+        </p:spPr>
+        <p:style>
+          <a:lnRef idx="1">
+            <a:schemeClr val="accent1"/>
+          </a:lnRef>
+          <a:fillRef idx="0">
+            <a:schemeClr val="accent1"/>
+          </a:fillRef>
+          <a:effectRef idx="0">
+            <a:schemeClr val="accent1"/>
+          </a:effectRef>
+          <a:fontRef idx="minor">
+            <a:schemeClr val="tx1"/>
+          </a:fontRef>
+        </p:style>
+      </p:cxnSp>
+      <p:cxnSp>
+        <p:nvCxnSpPr>
+          <p:cNvPr id="91" name="Straight Arrow Connector 90">
+            <a:extLst>
+              <a:ext uri="{FF2B5EF4-FFF2-40B4-BE49-F238E27FC236}">
+                <a16:creationId xmlns:a16="http://schemas.microsoft.com/office/drawing/2014/main" id="{4711F1A2-0517-44EA-BC94-3B2EFD35FA99}"/>
+              </a:ext>
+            </a:extLst>
+          </p:cNvPr>
+          <p:cNvCxnSpPr>
+            <a:cxnSpLocks/>
+            <a:stCxn id="27" idx="2"/>
+            <a:endCxn id="43" idx="0"/>
+          </p:cNvCxnSpPr>
+          <p:nvPr/>
+        </p:nvCxnSpPr>
+        <p:spPr>
+          <a:xfrm>
+            <a:off x="7696951" y="2662456"/>
+            <a:ext cx="0" cy="271669"/>
+          </a:xfrm>
+          <a:prstGeom prst="straightConnector1">
+            <a:avLst/>
+          </a:prstGeom>
+          <a:ln w="25400">
+            <a:headEnd type="triangle"/>
+            <a:tailEnd type="triangle"/>
+          </a:ln>
+        </p:spPr>
+        <p:style>
+          <a:lnRef idx="1">
+            <a:schemeClr val="accent1"/>
+          </a:lnRef>
+          <a:fillRef idx="0">
+            <a:schemeClr val="accent1"/>
+          </a:fillRef>
+          <a:effectRef idx="0">
+            <a:schemeClr val="accent1"/>
+          </a:effectRef>
+          <a:fontRef idx="minor">
+            <a:schemeClr val="tx1"/>
+          </a:fontRef>
+        </p:style>
+      </p:cxnSp>
+      <p:cxnSp>
+        <p:nvCxnSpPr>
+          <p:cNvPr id="94" name="Straight Arrow Connector 93">
+            <a:extLst>
+              <a:ext uri="{FF2B5EF4-FFF2-40B4-BE49-F238E27FC236}">
+                <a16:creationId xmlns:a16="http://schemas.microsoft.com/office/drawing/2014/main" id="{5756A5B5-A2B2-43E3-AA1A-CB7E355B869F}"/>
+              </a:ext>
+            </a:extLst>
+          </p:cNvPr>
+          <p:cNvCxnSpPr>
+            <a:cxnSpLocks/>
+            <a:stCxn id="43" idx="2"/>
+            <a:endCxn id="42" idx="0"/>
+          </p:cNvCxnSpPr>
+          <p:nvPr/>
+        </p:nvCxnSpPr>
+        <p:spPr>
+          <a:xfrm flipH="1">
+            <a:off x="7695802" y="3225370"/>
+            <a:ext cx="1149" cy="300898"/>
+          </a:xfrm>
+          <a:prstGeom prst="straightConnector1">
+            <a:avLst/>
+          </a:prstGeom>
+          <a:ln w="25400">
+            <a:headEnd type="triangle"/>
+            <a:tailEnd type="triangle"/>
+          </a:ln>
+        </p:spPr>
+        <p:style>
+          <a:lnRef idx="1">
+            <a:schemeClr val="accent1"/>
+          </a:lnRef>
+          <a:fillRef idx="0">
+            <a:schemeClr val="accent1"/>
+          </a:fillRef>
+          <a:effectRef idx="0">
+            <a:schemeClr val="accent1"/>
+          </a:effectRef>
+          <a:fontRef idx="minor">
+            <a:schemeClr val="tx1"/>
+          </a:fontRef>
+        </p:style>
+      </p:cxnSp>
+      <p:pic>
+        <p:nvPicPr>
+          <p:cNvPr id="1026" name="Picture 2" descr="File icon PNG, ICO or ICNS | Free vector icons">
+            <a:extLst>
+              <a:ext uri="{FF2B5EF4-FFF2-40B4-BE49-F238E27FC236}">
+                <a16:creationId xmlns:a16="http://schemas.microsoft.com/office/drawing/2014/main" id="{AB7F84EE-974E-440C-8CE3-95AB0255AB37}"/>
+              </a:ext>
+            </a:extLst>
+          </p:cNvPr>
+          <p:cNvPicPr>
+            <a:picLocks noChangeAspect="1" noChangeArrowheads="1"/>
+          </p:cNvPicPr>
+          <p:nvPr/>
+        </p:nvPicPr>
+        <p:blipFill>
+          <a:blip r:embed="rId2">
+            <a:extLst>
+              <a:ext uri="{28A0092B-C50C-407E-A947-70E740481C1C}">
+                <a14:useLocalDpi xmlns:a14="http://schemas.microsoft.com/office/drawing/2010/main" val="0"/>
+              </a:ext>
+            </a:extLst>
+          </a:blip>
+          <a:srcRect/>
+          <a:stretch>
+            <a:fillRect/>
+          </a:stretch>
+        </p:blipFill>
+        <p:spPr bwMode="auto">
+          <a:xfrm>
+            <a:off x="387760" y="2540513"/>
+            <a:ext cx="739140" cy="739140"/>
+          </a:xfrm>
+          <a:prstGeom prst="rect">
+            <a:avLst/>
+          </a:prstGeom>
+          <a:noFill/>
+          <a:extLst>
+            <a:ext uri="{909E8E84-426E-40DD-AFC4-6F175D3DCCD1}">
+              <a14:hiddenFill xmlns:a14="http://schemas.microsoft.com/office/drawing/2010/main">
+                <a:solidFill>
+                  <a:srgbClr val="FFFFFF"/>
+                </a:solidFill>
+              </a14:hiddenFill>
+            </a:ext>
+          </a:extLst>
+        </p:spPr>
+      </p:pic>
+      <p:sp>
+        <p:nvSpPr>
+          <p:cNvPr id="4" name="TextBox 3">
+            <a:extLst>
+              <a:ext uri="{FF2B5EF4-FFF2-40B4-BE49-F238E27FC236}">
+                <a16:creationId xmlns:a16="http://schemas.microsoft.com/office/drawing/2014/main" id="{120230DA-EEEB-4EF0-A3AA-AC3282437485}"/>
+              </a:ext>
+            </a:extLst>
+          </p:cNvPr>
+          <p:cNvSpPr txBox="1"/>
+          <p:nvPr/>
+        </p:nvSpPr>
+        <p:spPr>
+          <a:xfrm>
+            <a:off x="114528" y="3205326"/>
+            <a:ext cx="1367603" cy="369332"/>
+          </a:xfrm>
+          <a:prstGeom prst="rect">
+            <a:avLst/>
+          </a:prstGeom>
+          <a:noFill/>
+        </p:spPr>
+        <p:txBody>
+          <a:bodyPr wrap="square" rtlCol="0">
+            <a:spAutoFit/>
+          </a:bodyPr>
+          <a:lstStyle/>
+          <a:p>
+            <a:r>
+              <a:rPr lang="en-US" dirty="0"/>
+              <a:t>Source Code</a:t>
+            </a:r>
+          </a:p>
+        </p:txBody>
+      </p:sp>
+      <p:sp>
+        <p:nvSpPr>
+          <p:cNvPr id="5" name="TextBox 4">
+            <a:extLst>
+              <a:ext uri="{FF2B5EF4-FFF2-40B4-BE49-F238E27FC236}">
+                <a16:creationId xmlns:a16="http://schemas.microsoft.com/office/drawing/2014/main" id="{58A0AC6F-8E0D-4B49-AE84-030B6DA34D4B}"/>
+              </a:ext>
+            </a:extLst>
+          </p:cNvPr>
+          <p:cNvSpPr txBox="1"/>
+          <p:nvPr/>
+        </p:nvSpPr>
+        <p:spPr>
+          <a:xfrm>
+            <a:off x="2642572" y="3374313"/>
+            <a:ext cx="1313148" cy="584775"/>
+          </a:xfrm>
+          <a:prstGeom prst="rect">
+            <a:avLst/>
+          </a:prstGeom>
+          <a:noFill/>
+          <a:ln w="25400">
+            <a:solidFill>
+              <a:schemeClr val="tx1"/>
+            </a:solidFill>
+            <a:prstDash val="dash"/>
+          </a:ln>
+        </p:spPr>
+        <p:txBody>
+          <a:bodyPr wrap="square" rtlCol="0">
+            <a:spAutoFit/>
+          </a:bodyPr>
+          <a:lstStyle/>
+          <a:p>
+            <a:pPr algn="ctr"/>
+            <a:r>
+              <a:rPr lang="en-US" sz="1600" dirty="0">
+                <a:latin typeface="Courier New" panose="02070309020205020404" pitchFamily="49" charset="0"/>
+                <a:cs typeface="Courier New" panose="02070309020205020404" pitchFamily="49" charset="0"/>
+              </a:rPr>
+              <a:t>Buggy statement</a:t>
+            </a:r>
+          </a:p>
+        </p:txBody>
+      </p:sp>
+      <p:sp>
+        <p:nvSpPr>
+          <p:cNvPr id="12" name="Oval 11">
+            <a:extLst>
+              <a:ext uri="{FF2B5EF4-FFF2-40B4-BE49-F238E27FC236}">
+                <a16:creationId xmlns:a16="http://schemas.microsoft.com/office/drawing/2014/main" id="{3D3CCC25-56F3-44D6-8B44-3996C81026B6}"/>
+              </a:ext>
+            </a:extLst>
+          </p:cNvPr>
+          <p:cNvSpPr/>
+          <p:nvPr/>
+        </p:nvSpPr>
+        <p:spPr>
+          <a:xfrm>
+            <a:off x="5330628" y="2958336"/>
+            <a:ext cx="190500" cy="190500"/>
+          </a:xfrm>
+          <a:prstGeom prst="ellipse">
+            <a:avLst/>
+          </a:prstGeom>
+          <a:solidFill>
+            <a:schemeClr val="accent6">
+              <a:lumMod val="40000"/>
+              <a:lumOff val="60000"/>
+            </a:schemeClr>
+          </a:solidFill>
+          <a:ln>
+            <a:solidFill>
+              <a:schemeClr val="accent6">
+                <a:lumMod val="75000"/>
+              </a:schemeClr>
+            </a:solidFill>
+          </a:ln>
+        </p:spPr>
+        <p:style>
+          <a:lnRef idx="2">
+            <a:schemeClr val="accent1">
+              <a:shade val="50000"/>
+            </a:schemeClr>
+          </a:lnRef>
+          <a:fillRef idx="1">
+            <a:schemeClr val="accent1"/>
+          </a:fillRef>
+          <a:effectRef idx="0">
+            <a:schemeClr val="accent1"/>
+          </a:effectRef>
+          <a:fontRef idx="minor">
+            <a:schemeClr val="lt1"/>
+          </a:fontRef>
+        </p:style>
+        <p:txBody>
+          <a:bodyPr rtlCol="0" anchor="ctr"/>
+          <a:lstStyle/>
+          <a:p>
+            <a:pPr algn="ctr"/>
+            <a:endParaRPr lang="en-US"/>
+          </a:p>
+        </p:txBody>
+      </p:sp>
+      <p:sp>
+        <p:nvSpPr>
+          <p:cNvPr id="13" name="Oval 12">
+            <a:extLst>
+              <a:ext uri="{FF2B5EF4-FFF2-40B4-BE49-F238E27FC236}">
+                <a16:creationId xmlns:a16="http://schemas.microsoft.com/office/drawing/2014/main" id="{0551262F-7014-40A1-B3DA-EBD3D5A57888}"/>
+              </a:ext>
+            </a:extLst>
+          </p:cNvPr>
+          <p:cNvSpPr/>
+          <p:nvPr/>
+        </p:nvSpPr>
+        <p:spPr>
+          <a:xfrm>
+            <a:off x="6086278" y="2958336"/>
+            <a:ext cx="190500" cy="190500"/>
+          </a:xfrm>
+          <a:prstGeom prst="ellipse">
+            <a:avLst/>
+          </a:prstGeom>
+          <a:solidFill>
+            <a:srgbClr val="FFC000"/>
+          </a:solidFill>
+          <a:ln>
+            <a:solidFill>
+              <a:schemeClr val="accent6">
+                <a:lumMod val="75000"/>
+              </a:schemeClr>
+            </a:solidFill>
+          </a:ln>
+        </p:spPr>
+        <p:style>
+          <a:lnRef idx="2">
+            <a:schemeClr val="accent1">
+              <a:shade val="50000"/>
+            </a:schemeClr>
+          </a:lnRef>
+          <a:fillRef idx="1">
+            <a:schemeClr val="accent1"/>
+          </a:fillRef>
+          <a:effectRef idx="0">
+            <a:schemeClr val="accent1"/>
+          </a:effectRef>
+          <a:fontRef idx="minor">
+            <a:schemeClr val="lt1"/>
+          </a:fontRef>
+        </p:style>
+        <p:txBody>
+          <a:bodyPr rtlCol="0" anchor="ctr"/>
+          <a:lstStyle/>
+          <a:p>
+            <a:pPr algn="ctr"/>
+            <a:endParaRPr lang="en-US" dirty="0"/>
+          </a:p>
+        </p:txBody>
+      </p:sp>
+      <p:cxnSp>
+        <p:nvCxnSpPr>
+          <p:cNvPr id="19" name="Straight Arrow Connector 18">
+            <a:extLst>
+              <a:ext uri="{FF2B5EF4-FFF2-40B4-BE49-F238E27FC236}">
+                <a16:creationId xmlns:a16="http://schemas.microsoft.com/office/drawing/2014/main" id="{4BFCEB90-0F52-4654-BF5F-ED99ABC9EE00}"/>
+              </a:ext>
+            </a:extLst>
+          </p:cNvPr>
+          <p:cNvCxnSpPr>
+            <a:cxnSpLocks/>
+            <a:stCxn id="11" idx="3"/>
+            <a:endCxn id="12" idx="7"/>
+          </p:cNvCxnSpPr>
+          <p:nvPr/>
+        </p:nvCxnSpPr>
+        <p:spPr>
+          <a:xfrm flipH="1">
+            <a:off x="5493230" y="2627543"/>
+            <a:ext cx="246296" cy="358691"/>
+          </a:xfrm>
+          <a:prstGeom prst="straightConnector1">
+            <a:avLst/>
+          </a:prstGeom>
+          <a:ln w="25400">
+            <a:tailEnd type="triangle"/>
+          </a:ln>
+        </p:spPr>
+        <p:style>
+          <a:lnRef idx="1">
+            <a:schemeClr val="accent1"/>
+          </a:lnRef>
+          <a:fillRef idx="0">
+            <a:schemeClr val="accent1"/>
+          </a:fillRef>
+          <a:effectRef idx="0">
+            <a:schemeClr val="accent1"/>
+          </a:effectRef>
+          <a:fontRef idx="minor">
+            <a:schemeClr val="tx1"/>
+          </a:fontRef>
+        </p:style>
+      </p:cxnSp>
+      <p:cxnSp>
+        <p:nvCxnSpPr>
+          <p:cNvPr id="22" name="Straight Arrow Connector 21">
+            <a:extLst>
+              <a:ext uri="{FF2B5EF4-FFF2-40B4-BE49-F238E27FC236}">
+                <a16:creationId xmlns:a16="http://schemas.microsoft.com/office/drawing/2014/main" id="{78729F2F-4120-4631-B35F-1DA81F1BE9A1}"/>
+              </a:ext>
+            </a:extLst>
+          </p:cNvPr>
+          <p:cNvCxnSpPr>
+            <a:cxnSpLocks/>
+            <a:stCxn id="11" idx="5"/>
+            <a:endCxn id="13" idx="1"/>
+          </p:cNvCxnSpPr>
+          <p:nvPr/>
+        </p:nvCxnSpPr>
+        <p:spPr>
+          <a:xfrm>
+            <a:off x="5874230" y="2627543"/>
+            <a:ext cx="239946" cy="358691"/>
+          </a:xfrm>
+          <a:prstGeom prst="straightConnector1">
+            <a:avLst/>
+          </a:prstGeom>
+          <a:ln w="25400">
+            <a:solidFill>
+              <a:srgbClr val="FF0000"/>
+            </a:solidFill>
+            <a:tailEnd type="triangle"/>
+          </a:ln>
+        </p:spPr>
+        <p:style>
+          <a:lnRef idx="1">
+            <a:schemeClr val="accent1"/>
+          </a:lnRef>
+          <a:fillRef idx="0">
+            <a:schemeClr val="accent1"/>
+          </a:fillRef>
+          <a:effectRef idx="0">
+            <a:schemeClr val="accent1"/>
+          </a:effectRef>
+          <a:fontRef idx="minor">
+            <a:schemeClr val="tx1"/>
+          </a:fontRef>
+        </p:style>
+      </p:cxnSp>
+      <p:sp>
+        <p:nvSpPr>
+          <p:cNvPr id="39" name="TextBox 38">
+            <a:extLst>
+              <a:ext uri="{FF2B5EF4-FFF2-40B4-BE49-F238E27FC236}">
+                <a16:creationId xmlns:a16="http://schemas.microsoft.com/office/drawing/2014/main" id="{DFF9EEFC-8DFB-4D04-BF39-56044C2D8B85}"/>
+              </a:ext>
+            </a:extLst>
+          </p:cNvPr>
+          <p:cNvSpPr txBox="1"/>
+          <p:nvPr/>
+        </p:nvSpPr>
+        <p:spPr>
+          <a:xfrm>
+            <a:off x="5515755" y="1864870"/>
+            <a:ext cx="1676400" cy="369332"/>
+          </a:xfrm>
+          <a:prstGeom prst="rect">
+            <a:avLst/>
+          </a:prstGeom>
+          <a:noFill/>
+        </p:spPr>
+        <p:txBody>
+          <a:bodyPr wrap="square" rtlCol="0">
+            <a:spAutoFit/>
+          </a:bodyPr>
+          <a:lstStyle/>
+          <a:p>
+            <a:r>
+              <a:rPr lang="en-US" dirty="0"/>
+              <a:t>AST</a:t>
+            </a:r>
+          </a:p>
+        </p:txBody>
+      </p:sp>
+      <p:grpSp>
+        <p:nvGrpSpPr>
+          <p:cNvPr id="54" name="Group 53">
+            <a:extLst>
+              <a:ext uri="{FF2B5EF4-FFF2-40B4-BE49-F238E27FC236}">
+                <a16:creationId xmlns:a16="http://schemas.microsoft.com/office/drawing/2014/main" id="{C4FE0C7E-AE59-4C25-B32A-FB30FECBA775}"/>
+              </a:ext>
+            </a:extLst>
+          </p:cNvPr>
+          <p:cNvGrpSpPr/>
+          <p:nvPr/>
+        </p:nvGrpSpPr>
+        <p:grpSpPr>
+          <a:xfrm>
+            <a:off x="4962328" y="1957735"/>
+            <a:ext cx="939800" cy="697706"/>
+            <a:chOff x="4962328" y="1957735"/>
+            <a:chExt cx="939800" cy="697706"/>
+          </a:xfrm>
+        </p:grpSpPr>
+        <p:sp>
+          <p:nvSpPr>
+            <p:cNvPr id="6" name="Oval 5">
+              <a:extLst>
+                <a:ext uri="{FF2B5EF4-FFF2-40B4-BE49-F238E27FC236}">
+                  <a16:creationId xmlns:a16="http://schemas.microsoft.com/office/drawing/2014/main" id="{470D599C-3F89-4886-9C49-233CC1602D01}"/>
+                </a:ext>
+              </a:extLst>
+            </p:cNvPr>
+            <p:cNvSpPr/>
+            <p:nvPr/>
+          </p:nvSpPr>
+          <p:spPr>
+            <a:xfrm>
+              <a:off x="5330628" y="1957735"/>
+              <a:ext cx="190500" cy="190500"/>
+            </a:xfrm>
+            <a:prstGeom prst="ellipse">
+              <a:avLst/>
+            </a:prstGeom>
+            <a:solidFill>
+              <a:schemeClr val="accent6">
+                <a:lumMod val="40000"/>
+                <a:lumOff val="60000"/>
+              </a:schemeClr>
+            </a:solidFill>
+            <a:ln>
+              <a:solidFill>
+                <a:schemeClr val="accent6">
+                  <a:lumMod val="75000"/>
+                </a:schemeClr>
+              </a:solidFill>
+            </a:ln>
+          </p:spPr>
+          <p:style>
+            <a:lnRef idx="2">
+              <a:schemeClr val="accent1">
+                <a:shade val="50000"/>
+              </a:schemeClr>
+            </a:lnRef>
+            <a:fillRef idx="1">
+              <a:schemeClr val="accent1"/>
+            </a:fillRef>
+            <a:effectRef idx="0">
+              <a:schemeClr val="accent1"/>
+            </a:effectRef>
+            <a:fontRef idx="minor">
+              <a:schemeClr val="lt1"/>
+            </a:fontRef>
+          </p:style>
+          <p:txBody>
+            <a:bodyPr rtlCol="0" anchor="ctr"/>
+            <a:lstStyle/>
+            <a:p>
+              <a:pPr algn="ctr"/>
+              <a:endParaRPr lang="en-US"/>
+            </a:p>
+          </p:txBody>
+        </p:sp>
+        <p:sp>
+          <p:nvSpPr>
+            <p:cNvPr id="10" name="Oval 9">
+              <a:extLst>
+                <a:ext uri="{FF2B5EF4-FFF2-40B4-BE49-F238E27FC236}">
+                  <a16:creationId xmlns:a16="http://schemas.microsoft.com/office/drawing/2014/main" id="{78A16A7B-ED5A-4841-9100-606221F042A4}"/>
+                </a:ext>
+              </a:extLst>
+            </p:cNvPr>
+            <p:cNvSpPr/>
+            <p:nvPr/>
+          </p:nvSpPr>
+          <p:spPr>
+            <a:xfrm>
+              <a:off x="4962328" y="2464941"/>
+              <a:ext cx="190500" cy="190500"/>
+            </a:xfrm>
+            <a:prstGeom prst="ellipse">
+              <a:avLst/>
+            </a:prstGeom>
+            <a:solidFill>
+              <a:schemeClr val="accent6">
+                <a:lumMod val="40000"/>
+                <a:lumOff val="60000"/>
+              </a:schemeClr>
+            </a:solidFill>
+            <a:ln>
+              <a:solidFill>
+                <a:schemeClr val="accent6">
+                  <a:lumMod val="75000"/>
+                </a:schemeClr>
+              </a:solidFill>
+            </a:ln>
+          </p:spPr>
+          <p:style>
+            <a:lnRef idx="2">
+              <a:schemeClr val="accent1">
+                <a:shade val="50000"/>
+              </a:schemeClr>
+            </a:lnRef>
+            <a:fillRef idx="1">
+              <a:schemeClr val="accent1"/>
+            </a:fillRef>
+            <a:effectRef idx="0">
+              <a:schemeClr val="accent1"/>
+            </a:effectRef>
+            <a:fontRef idx="minor">
+              <a:schemeClr val="lt1"/>
+            </a:fontRef>
+          </p:style>
+          <p:txBody>
+            <a:bodyPr rtlCol="0" anchor="ctr"/>
+            <a:lstStyle/>
+            <a:p>
+              <a:pPr algn="ctr"/>
+              <a:endParaRPr lang="en-US"/>
+            </a:p>
+          </p:txBody>
+        </p:sp>
+        <p:sp>
+          <p:nvSpPr>
+            <p:cNvPr id="11" name="Oval 10">
+              <a:extLst>
+                <a:ext uri="{FF2B5EF4-FFF2-40B4-BE49-F238E27FC236}">
+                  <a16:creationId xmlns:a16="http://schemas.microsoft.com/office/drawing/2014/main" id="{DD7077DB-E4CA-42D0-8062-535BCA33231D}"/>
+                </a:ext>
+              </a:extLst>
+            </p:cNvPr>
+            <p:cNvSpPr/>
+            <p:nvPr/>
+          </p:nvSpPr>
+          <p:spPr>
+            <a:xfrm>
+              <a:off x="5711628" y="2464941"/>
+              <a:ext cx="190500" cy="190500"/>
+            </a:xfrm>
+            <a:prstGeom prst="ellipse">
+              <a:avLst/>
+            </a:prstGeom>
+            <a:solidFill>
+              <a:srgbClr val="FFC000"/>
+            </a:solidFill>
+            <a:ln>
+              <a:solidFill>
+                <a:schemeClr val="accent6">
+                  <a:lumMod val="75000"/>
+                </a:schemeClr>
+              </a:solidFill>
+            </a:ln>
+          </p:spPr>
+          <p:style>
+            <a:lnRef idx="2">
+              <a:schemeClr val="accent1">
+                <a:shade val="50000"/>
+              </a:schemeClr>
+            </a:lnRef>
+            <a:fillRef idx="1">
+              <a:schemeClr val="accent1"/>
+            </a:fillRef>
+            <a:effectRef idx="0">
+              <a:schemeClr val="accent1"/>
+            </a:effectRef>
+            <a:fontRef idx="minor">
+              <a:schemeClr val="lt1"/>
+            </a:fontRef>
+          </p:style>
+          <p:txBody>
+            <a:bodyPr rtlCol="0" anchor="ctr"/>
+            <a:lstStyle/>
+            <a:p>
+              <a:pPr algn="ctr"/>
+              <a:endParaRPr lang="en-US"/>
+            </a:p>
+          </p:txBody>
+        </p:sp>
+        <p:cxnSp>
+          <p:nvCxnSpPr>
+            <p:cNvPr id="9" name="Straight Arrow Connector 8">
+              <a:extLst>
+                <a:ext uri="{FF2B5EF4-FFF2-40B4-BE49-F238E27FC236}">
+                  <a16:creationId xmlns:a16="http://schemas.microsoft.com/office/drawing/2014/main" id="{A570A030-BD8A-40B7-886B-8931F720D89E}"/>
+                </a:ext>
+              </a:extLst>
+            </p:cNvPr>
+            <p:cNvCxnSpPr>
+              <a:cxnSpLocks/>
+              <a:stCxn id="6" idx="3"/>
+              <a:endCxn id="10" idx="6"/>
+            </p:cNvCxnSpPr>
+            <p:nvPr/>
+          </p:nvCxnSpPr>
+          <p:spPr>
+            <a:xfrm flipH="1">
+              <a:off x="5124930" y="2120337"/>
+              <a:ext cx="233596" cy="372502"/>
+            </a:xfrm>
+            <a:prstGeom prst="straightConnector1">
+              <a:avLst/>
+            </a:prstGeom>
+            <a:ln w="25400">
+              <a:tailEnd type="triangle"/>
+            </a:ln>
+          </p:spPr>
+          <p:style>
+            <a:lnRef idx="1">
+              <a:schemeClr val="accent1"/>
+            </a:lnRef>
+            <a:fillRef idx="0">
+              <a:schemeClr val="accent1"/>
+            </a:fillRef>
+            <a:effectRef idx="0">
+              <a:schemeClr val="accent1"/>
+            </a:effectRef>
+            <a:fontRef idx="minor">
+              <a:schemeClr val="tx1"/>
+            </a:fontRef>
+          </p:style>
+        </p:cxnSp>
+        <p:cxnSp>
+          <p:nvCxnSpPr>
+            <p:cNvPr id="16" name="Straight Arrow Connector 15">
+              <a:extLst>
+                <a:ext uri="{FF2B5EF4-FFF2-40B4-BE49-F238E27FC236}">
+                  <a16:creationId xmlns:a16="http://schemas.microsoft.com/office/drawing/2014/main" id="{A67836DA-BBDF-4AA1-9287-B74AADA97FDB}"/>
+                </a:ext>
+              </a:extLst>
+            </p:cNvPr>
+            <p:cNvCxnSpPr>
+              <a:cxnSpLocks/>
+              <a:stCxn id="6" idx="5"/>
+              <a:endCxn id="11" idx="1"/>
+            </p:cNvCxnSpPr>
+            <p:nvPr/>
+          </p:nvCxnSpPr>
+          <p:spPr>
+            <a:xfrm>
+              <a:off x="5493230" y="2120337"/>
+              <a:ext cx="246296" cy="372502"/>
+            </a:xfrm>
+            <a:prstGeom prst="straightConnector1">
+              <a:avLst/>
+            </a:prstGeom>
+            <a:ln w="25400">
+              <a:tailEnd type="triangle"/>
+            </a:ln>
+          </p:spPr>
+          <p:style>
+            <a:lnRef idx="1">
+              <a:schemeClr val="accent1"/>
+            </a:lnRef>
+            <a:fillRef idx="0">
+              <a:schemeClr val="accent1"/>
+            </a:fillRef>
+            <a:effectRef idx="0">
+              <a:schemeClr val="accent1"/>
+            </a:effectRef>
+            <a:fontRef idx="minor">
+              <a:schemeClr val="tx1"/>
+            </a:fontRef>
+          </p:style>
+        </p:cxnSp>
+        <p:cxnSp>
+          <p:nvCxnSpPr>
+            <p:cNvPr id="34" name="Straight Arrow Connector 33">
+              <a:extLst>
+                <a:ext uri="{FF2B5EF4-FFF2-40B4-BE49-F238E27FC236}">
+                  <a16:creationId xmlns:a16="http://schemas.microsoft.com/office/drawing/2014/main" id="{800ABE5A-ED23-4F9A-97BE-93D8F344DAF2}"/>
+                </a:ext>
+              </a:extLst>
+            </p:cNvPr>
+            <p:cNvCxnSpPr>
+              <a:cxnSpLocks/>
+              <a:stCxn id="6" idx="4"/>
+            </p:cNvCxnSpPr>
+            <p:nvPr/>
+          </p:nvCxnSpPr>
+          <p:spPr>
+            <a:xfrm>
+              <a:off x="5425878" y="2148235"/>
+              <a:ext cx="0" cy="353860"/>
+            </a:xfrm>
+            <a:prstGeom prst="straightConnector1">
+              <a:avLst/>
+            </a:prstGeom>
+            <a:ln w="12700">
+              <a:tailEnd type="triangle"/>
+            </a:ln>
+          </p:spPr>
+          <p:style>
+            <a:lnRef idx="1">
+              <a:schemeClr val="accent1"/>
+            </a:lnRef>
+            <a:fillRef idx="0">
+              <a:schemeClr val="accent1"/>
+            </a:fillRef>
+            <a:effectRef idx="0">
+              <a:schemeClr val="accent1"/>
+            </a:effectRef>
+            <a:fontRef idx="minor">
+              <a:schemeClr val="tx1"/>
+            </a:fontRef>
+          </p:style>
+        </p:cxnSp>
+      </p:grpSp>
+      <p:grpSp>
+        <p:nvGrpSpPr>
+          <p:cNvPr id="116" name="Group 115">
+            <a:extLst>
+              <a:ext uri="{FF2B5EF4-FFF2-40B4-BE49-F238E27FC236}">
+                <a16:creationId xmlns:a16="http://schemas.microsoft.com/office/drawing/2014/main" id="{E18D2C30-1919-4D91-B872-266D681753A4}"/>
+              </a:ext>
+            </a:extLst>
+          </p:cNvPr>
+          <p:cNvGrpSpPr/>
+          <p:nvPr/>
+        </p:nvGrpSpPr>
+        <p:grpSpPr>
+          <a:xfrm>
+            <a:off x="9023584" y="2354417"/>
+            <a:ext cx="939800" cy="697706"/>
+            <a:chOff x="3473450" y="1362075"/>
+            <a:chExt cx="939800" cy="697706"/>
+          </a:xfrm>
+        </p:grpSpPr>
+        <p:sp>
+          <p:nvSpPr>
+            <p:cNvPr id="117" name="Oval 116">
+              <a:extLst>
+                <a:ext uri="{FF2B5EF4-FFF2-40B4-BE49-F238E27FC236}">
+                  <a16:creationId xmlns:a16="http://schemas.microsoft.com/office/drawing/2014/main" id="{82E609CE-8429-4961-9206-89EDB63AEB74}"/>
+                </a:ext>
+              </a:extLst>
+            </p:cNvPr>
+            <p:cNvSpPr/>
+            <p:nvPr/>
+          </p:nvSpPr>
+          <p:spPr>
+            <a:xfrm>
+              <a:off x="3841750" y="1362075"/>
+              <a:ext cx="190500" cy="190500"/>
+            </a:xfrm>
+            <a:prstGeom prst="ellipse">
+              <a:avLst/>
+            </a:prstGeom>
+            <a:solidFill>
+              <a:schemeClr val="accent6">
+                <a:lumMod val="40000"/>
+                <a:lumOff val="60000"/>
+              </a:schemeClr>
+            </a:solidFill>
+            <a:ln>
+              <a:solidFill>
+                <a:schemeClr val="accent6">
+                  <a:lumMod val="75000"/>
+                </a:schemeClr>
+              </a:solidFill>
+            </a:ln>
+          </p:spPr>
+          <p:style>
+            <a:lnRef idx="2">
+              <a:schemeClr val="accent1">
+                <a:shade val="50000"/>
+              </a:schemeClr>
+            </a:lnRef>
+            <a:fillRef idx="1">
+              <a:schemeClr val="accent1"/>
+            </a:fillRef>
+            <a:effectRef idx="0">
+              <a:schemeClr val="accent1"/>
+            </a:effectRef>
+            <a:fontRef idx="minor">
+              <a:schemeClr val="lt1"/>
+            </a:fontRef>
+          </p:style>
+          <p:txBody>
+            <a:bodyPr rtlCol="0" anchor="ctr"/>
+            <a:lstStyle/>
+            <a:p>
+              <a:pPr algn="ctr"/>
+              <a:endParaRPr lang="en-US"/>
+            </a:p>
+          </p:txBody>
+        </p:sp>
+        <p:sp>
+          <p:nvSpPr>
+            <p:cNvPr id="118" name="Oval 117">
+              <a:extLst>
+                <a:ext uri="{FF2B5EF4-FFF2-40B4-BE49-F238E27FC236}">
+                  <a16:creationId xmlns:a16="http://schemas.microsoft.com/office/drawing/2014/main" id="{94112A37-27C8-4E77-8D89-A9D12BEA3706}"/>
+                </a:ext>
+              </a:extLst>
+            </p:cNvPr>
+            <p:cNvSpPr/>
+            <p:nvPr/>
+          </p:nvSpPr>
+          <p:spPr>
+            <a:xfrm>
+              <a:off x="3473450" y="1869281"/>
+              <a:ext cx="190500" cy="190500"/>
+            </a:xfrm>
+            <a:prstGeom prst="ellipse">
+              <a:avLst/>
+            </a:prstGeom>
+            <a:solidFill>
+              <a:schemeClr val="accent6">
+                <a:lumMod val="40000"/>
+                <a:lumOff val="60000"/>
+              </a:schemeClr>
+            </a:solidFill>
+            <a:ln>
+              <a:solidFill>
+                <a:schemeClr val="accent6">
+                  <a:lumMod val="75000"/>
+                </a:schemeClr>
+              </a:solidFill>
+            </a:ln>
+          </p:spPr>
+          <p:style>
+            <a:lnRef idx="2">
+              <a:schemeClr val="accent1">
+                <a:shade val="50000"/>
+              </a:schemeClr>
+            </a:lnRef>
+            <a:fillRef idx="1">
+              <a:schemeClr val="accent1"/>
+            </a:fillRef>
+            <a:effectRef idx="0">
+              <a:schemeClr val="accent1"/>
+            </a:effectRef>
+            <a:fontRef idx="minor">
+              <a:schemeClr val="lt1"/>
+            </a:fontRef>
+          </p:style>
+          <p:txBody>
+            <a:bodyPr rtlCol="0" anchor="ctr"/>
+            <a:lstStyle/>
+            <a:p>
+              <a:pPr algn="ctr"/>
+              <a:endParaRPr lang="en-US"/>
+            </a:p>
+          </p:txBody>
+        </p:sp>
+        <p:sp>
+          <p:nvSpPr>
+            <p:cNvPr id="119" name="Oval 118">
+              <a:extLst>
+                <a:ext uri="{FF2B5EF4-FFF2-40B4-BE49-F238E27FC236}">
+                  <a16:creationId xmlns:a16="http://schemas.microsoft.com/office/drawing/2014/main" id="{A761DB97-8790-495A-9F04-DECDE891203B}"/>
+                </a:ext>
+              </a:extLst>
+            </p:cNvPr>
+            <p:cNvSpPr/>
+            <p:nvPr/>
+          </p:nvSpPr>
+          <p:spPr>
+            <a:xfrm>
+              <a:off x="4222750" y="1869281"/>
+              <a:ext cx="190500" cy="190500"/>
+            </a:xfrm>
+            <a:prstGeom prst="ellipse">
+              <a:avLst/>
+            </a:prstGeom>
+            <a:solidFill>
+              <a:schemeClr val="accent6">
+                <a:lumMod val="40000"/>
+                <a:lumOff val="60000"/>
+              </a:schemeClr>
+            </a:solidFill>
+            <a:ln>
+              <a:solidFill>
+                <a:schemeClr val="accent6">
+                  <a:lumMod val="75000"/>
+                </a:schemeClr>
+              </a:solidFill>
+            </a:ln>
+          </p:spPr>
+          <p:style>
+            <a:lnRef idx="2">
+              <a:schemeClr val="accent1">
+                <a:shade val="50000"/>
+              </a:schemeClr>
+            </a:lnRef>
+            <a:fillRef idx="1">
+              <a:schemeClr val="accent1"/>
+            </a:fillRef>
+            <a:effectRef idx="0">
+              <a:schemeClr val="accent1"/>
+            </a:effectRef>
+            <a:fontRef idx="minor">
+              <a:schemeClr val="lt1"/>
+            </a:fontRef>
+          </p:style>
+          <p:txBody>
+            <a:bodyPr rtlCol="0" anchor="ctr"/>
+            <a:lstStyle/>
+            <a:p>
+              <a:pPr algn="ctr"/>
+              <a:endParaRPr lang="en-US"/>
+            </a:p>
+          </p:txBody>
+        </p:sp>
+        <p:cxnSp>
+          <p:nvCxnSpPr>
+            <p:cNvPr id="120" name="Straight Arrow Connector 119">
+              <a:extLst>
+                <a:ext uri="{FF2B5EF4-FFF2-40B4-BE49-F238E27FC236}">
+                  <a16:creationId xmlns:a16="http://schemas.microsoft.com/office/drawing/2014/main" id="{E7FA53FD-F103-43F5-8B05-DB4885747AE7}"/>
+                </a:ext>
+              </a:extLst>
+            </p:cNvPr>
+            <p:cNvCxnSpPr>
+              <a:stCxn id="117" idx="3"/>
+              <a:endCxn id="118" idx="6"/>
+            </p:cNvCxnSpPr>
+            <p:nvPr/>
+          </p:nvCxnSpPr>
+          <p:spPr>
+            <a:xfrm flipH="1">
+              <a:off x="3636052" y="1524677"/>
+              <a:ext cx="233596" cy="372502"/>
+            </a:xfrm>
+            <a:prstGeom prst="straightConnector1">
+              <a:avLst/>
+            </a:prstGeom>
+            <a:ln w="25400">
+              <a:tailEnd type="triangle"/>
+            </a:ln>
+          </p:spPr>
+          <p:style>
+            <a:lnRef idx="1">
+              <a:schemeClr val="accent1"/>
+            </a:lnRef>
+            <a:fillRef idx="0">
+              <a:schemeClr val="accent1"/>
+            </a:fillRef>
+            <a:effectRef idx="0">
+              <a:schemeClr val="accent1"/>
+            </a:effectRef>
+            <a:fontRef idx="minor">
+              <a:schemeClr val="tx1"/>
+            </a:fontRef>
+          </p:style>
+        </p:cxnSp>
+        <p:cxnSp>
+          <p:nvCxnSpPr>
+            <p:cNvPr id="121" name="Straight Arrow Connector 120">
+              <a:extLst>
+                <a:ext uri="{FF2B5EF4-FFF2-40B4-BE49-F238E27FC236}">
+                  <a16:creationId xmlns:a16="http://schemas.microsoft.com/office/drawing/2014/main" id="{295F335D-6DFB-4616-8B63-2D631663C6EB}"/>
+                </a:ext>
+              </a:extLst>
+            </p:cNvPr>
+            <p:cNvCxnSpPr>
+              <a:cxnSpLocks/>
+              <a:stCxn id="117" idx="5"/>
+              <a:endCxn id="119" idx="1"/>
+            </p:cNvCxnSpPr>
+            <p:nvPr/>
+          </p:nvCxnSpPr>
+          <p:spPr>
+            <a:xfrm>
+              <a:off x="4004352" y="1524677"/>
+              <a:ext cx="246296" cy="372502"/>
+            </a:xfrm>
+            <a:prstGeom prst="straightConnector1">
+              <a:avLst/>
+            </a:prstGeom>
+            <a:ln w="25400">
+              <a:solidFill>
+                <a:srgbClr val="0070C0"/>
+              </a:solidFill>
+              <a:tailEnd type="triangle"/>
+            </a:ln>
+          </p:spPr>
+          <p:style>
+            <a:lnRef idx="1">
+              <a:schemeClr val="accent1"/>
+            </a:lnRef>
+            <a:fillRef idx="0">
+              <a:schemeClr val="accent1"/>
+            </a:fillRef>
+            <a:effectRef idx="0">
+              <a:schemeClr val="accent1"/>
+            </a:effectRef>
+            <a:fontRef idx="minor">
+              <a:schemeClr val="tx1"/>
+            </a:fontRef>
+          </p:style>
+        </p:cxnSp>
+      </p:grpSp>
+      <p:sp>
+        <p:nvSpPr>
+          <p:cNvPr id="122" name="TextBox 121">
+            <a:extLst>
+              <a:ext uri="{FF2B5EF4-FFF2-40B4-BE49-F238E27FC236}">
+                <a16:creationId xmlns:a16="http://schemas.microsoft.com/office/drawing/2014/main" id="{224E5474-1B81-4BD7-AB89-9B8BBFEB997F}"/>
+              </a:ext>
+            </a:extLst>
+          </p:cNvPr>
+          <p:cNvSpPr txBox="1"/>
+          <p:nvPr/>
+        </p:nvSpPr>
+        <p:spPr>
+          <a:xfrm>
+            <a:off x="8786222" y="3014969"/>
+            <a:ext cx="1485900" cy="369332"/>
+          </a:xfrm>
+          <a:prstGeom prst="rect">
+            <a:avLst/>
+          </a:prstGeom>
+          <a:noFill/>
+        </p:spPr>
+        <p:txBody>
+          <a:bodyPr wrap="square" rtlCol="0">
+            <a:spAutoFit/>
+          </a:bodyPr>
+          <a:lstStyle/>
+          <a:p>
+            <a:r>
+              <a:rPr lang="en-US" dirty="0"/>
+              <a:t>Fixed subtree</a:t>
+            </a:r>
+          </a:p>
+        </p:txBody>
+      </p:sp>
+      <p:sp>
+        <p:nvSpPr>
+          <p:cNvPr id="64" name="Rectangle: Rounded Corners 63">
+            <a:extLst>
+              <a:ext uri="{FF2B5EF4-FFF2-40B4-BE49-F238E27FC236}">
+                <a16:creationId xmlns:a16="http://schemas.microsoft.com/office/drawing/2014/main" id="{3C46EC45-C1C3-4AA4-8C1D-FF8392067B97}"/>
+              </a:ext>
+            </a:extLst>
+          </p:cNvPr>
+          <p:cNvSpPr/>
+          <p:nvPr/>
+        </p:nvSpPr>
+        <p:spPr>
+          <a:xfrm>
+            <a:off x="1584330" y="2612892"/>
+            <a:ext cx="1035644" cy="633336"/>
+          </a:xfrm>
+          <a:prstGeom prst="roundRect">
+            <a:avLst/>
+          </a:prstGeom>
+          <a:solidFill>
+            <a:schemeClr val="accent2">
+              <a:lumMod val="20000"/>
+              <a:lumOff val="80000"/>
+            </a:schemeClr>
+          </a:solidFill>
+          <a:ln w="25400">
+            <a:solidFill>
+              <a:schemeClr val="accent2">
+                <a:lumMod val="75000"/>
+              </a:schemeClr>
+            </a:solidFill>
+          </a:ln>
+        </p:spPr>
+        <p:style>
+          <a:lnRef idx="2">
+            <a:schemeClr val="accent1">
+              <a:shade val="50000"/>
+            </a:schemeClr>
+          </a:lnRef>
+          <a:fillRef idx="1">
+            <a:schemeClr val="accent1"/>
+          </a:fillRef>
+          <a:effectRef idx="0">
+            <a:schemeClr val="accent1"/>
+          </a:effectRef>
+          <a:fontRef idx="minor">
+            <a:schemeClr val="lt1"/>
+          </a:fontRef>
+        </p:style>
+        <p:txBody>
+          <a:bodyPr rtlCol="0" anchor="ctr"/>
+          <a:lstStyle/>
+          <a:p>
+            <a:pPr algn="ctr"/>
+            <a:r>
+              <a:rPr lang="en-US" dirty="0">
+                <a:solidFill>
+                  <a:schemeClr val="tx1"/>
+                </a:solidFill>
+              </a:rPr>
+              <a:t>Fault Locating</a:t>
+            </a:r>
+          </a:p>
+        </p:txBody>
+      </p:sp>
+      <p:cxnSp>
+        <p:nvCxnSpPr>
+          <p:cNvPr id="65" name="Straight Arrow Connector 64">
+            <a:extLst>
+              <a:ext uri="{FF2B5EF4-FFF2-40B4-BE49-F238E27FC236}">
+                <a16:creationId xmlns:a16="http://schemas.microsoft.com/office/drawing/2014/main" id="{DD2B9F63-060D-4353-A644-F8897283A3C2}"/>
+              </a:ext>
+            </a:extLst>
+          </p:cNvPr>
+          <p:cNvCxnSpPr/>
+          <p:nvPr/>
+        </p:nvCxnSpPr>
+        <p:spPr>
+          <a:xfrm flipV="1">
+            <a:off x="1272047" y="2933021"/>
+            <a:ext cx="332860" cy="2649"/>
+          </a:xfrm>
+          <a:prstGeom prst="straightConnector1">
+            <a:avLst/>
+          </a:prstGeom>
+          <a:ln w="25400">
+            <a:tailEnd type="triangle"/>
+          </a:ln>
+        </p:spPr>
+        <p:style>
+          <a:lnRef idx="1">
+            <a:schemeClr val="accent1"/>
+          </a:lnRef>
+          <a:fillRef idx="0">
+            <a:schemeClr val="accent1"/>
+          </a:fillRef>
+          <a:effectRef idx="0">
+            <a:schemeClr val="accent1"/>
+          </a:effectRef>
+          <a:fontRef idx="minor">
+            <a:schemeClr val="tx1"/>
+          </a:fontRef>
+        </p:style>
+      </p:cxnSp>
+      <p:cxnSp>
+        <p:nvCxnSpPr>
+          <p:cNvPr id="67" name="Straight Arrow Connector 66">
+            <a:extLst>
+              <a:ext uri="{FF2B5EF4-FFF2-40B4-BE49-F238E27FC236}">
+                <a16:creationId xmlns:a16="http://schemas.microsoft.com/office/drawing/2014/main" id="{3F7456C1-31CF-4A03-A1FF-F658C14021CD}"/>
+              </a:ext>
+            </a:extLst>
+          </p:cNvPr>
+          <p:cNvCxnSpPr>
+            <a:cxnSpLocks/>
+          </p:cNvCxnSpPr>
+          <p:nvPr/>
+        </p:nvCxnSpPr>
+        <p:spPr>
+          <a:xfrm flipV="1">
+            <a:off x="2619332" y="2910083"/>
+            <a:ext cx="332860" cy="2649"/>
+          </a:xfrm>
+          <a:prstGeom prst="straightConnector1">
+            <a:avLst/>
+          </a:prstGeom>
+          <a:ln w="25400">
+            <a:tailEnd type="triangle"/>
+          </a:ln>
+        </p:spPr>
+        <p:style>
+          <a:lnRef idx="1">
+            <a:schemeClr val="accent1"/>
+          </a:lnRef>
+          <a:fillRef idx="0">
+            <a:schemeClr val="accent1"/>
+          </a:fillRef>
+          <a:effectRef idx="0">
+            <a:schemeClr val="accent1"/>
+          </a:effectRef>
+          <a:fontRef idx="minor">
+            <a:schemeClr val="tx1"/>
+          </a:fontRef>
+        </p:style>
+      </p:cxnSp>
+      <p:sp>
+        <p:nvSpPr>
+          <p:cNvPr id="79" name="TextBox 78">
+            <a:extLst>
+              <a:ext uri="{FF2B5EF4-FFF2-40B4-BE49-F238E27FC236}">
+                <a16:creationId xmlns:a16="http://schemas.microsoft.com/office/drawing/2014/main" id="{F2D7DA02-D618-4E5B-A539-ADA2D15E7DE5}"/>
+              </a:ext>
+            </a:extLst>
+          </p:cNvPr>
+          <p:cNvSpPr txBox="1"/>
+          <p:nvPr/>
+        </p:nvSpPr>
+        <p:spPr>
+          <a:xfrm>
+            <a:off x="2803040" y="1995886"/>
+            <a:ext cx="957671" cy="584775"/>
+          </a:xfrm>
+          <a:prstGeom prst="rect">
+            <a:avLst/>
+          </a:prstGeom>
+          <a:noFill/>
+          <a:ln w="25400">
+            <a:solidFill>
+              <a:schemeClr val="tx1"/>
+            </a:solidFill>
+            <a:prstDash val="dash"/>
+          </a:ln>
+        </p:spPr>
+        <p:txBody>
+          <a:bodyPr wrap="square" rtlCol="0">
+            <a:spAutoFit/>
+          </a:bodyPr>
+          <a:lstStyle/>
+          <a:p>
+            <a:pPr algn="ctr"/>
+            <a:r>
+              <a:rPr lang="en-US" sz="1600" dirty="0">
+                <a:latin typeface="Courier New" panose="02070309020205020404" pitchFamily="49" charset="0"/>
+                <a:cs typeface="Courier New" panose="02070309020205020404" pitchFamily="49" charset="0"/>
+              </a:rPr>
+              <a:t>Buggy method</a:t>
+            </a:r>
+          </a:p>
+        </p:txBody>
+      </p:sp>
+      <p:sp>
+        <p:nvSpPr>
+          <p:cNvPr id="68" name="Rectangle: Rounded Corners 67">
+            <a:extLst>
+              <a:ext uri="{FF2B5EF4-FFF2-40B4-BE49-F238E27FC236}">
+                <a16:creationId xmlns:a16="http://schemas.microsoft.com/office/drawing/2014/main" id="{A466D679-29DD-4A75-9A76-3022E6E7E2A7}"/>
+              </a:ext>
+            </a:extLst>
+          </p:cNvPr>
+          <p:cNvSpPr/>
+          <p:nvPr/>
+        </p:nvSpPr>
+        <p:spPr>
+          <a:xfrm>
+            <a:off x="4040111" y="2371731"/>
+            <a:ext cx="764205" cy="1018261"/>
+          </a:xfrm>
+          <a:prstGeom prst="roundRect">
+            <a:avLst/>
+          </a:prstGeom>
+          <a:solidFill>
+            <a:schemeClr val="accent2">
+              <a:lumMod val="20000"/>
+              <a:lumOff val="80000"/>
+            </a:schemeClr>
+          </a:solidFill>
+          <a:ln w="25400">
+            <a:solidFill>
+              <a:schemeClr val="accent2">
+                <a:lumMod val="75000"/>
+              </a:schemeClr>
+            </a:solidFill>
+          </a:ln>
+        </p:spPr>
+        <p:style>
+          <a:lnRef idx="2">
+            <a:schemeClr val="accent1">
+              <a:shade val="50000"/>
+            </a:schemeClr>
+          </a:lnRef>
+          <a:fillRef idx="1">
+            <a:schemeClr val="accent1"/>
+          </a:fillRef>
+          <a:effectRef idx="0">
+            <a:schemeClr val="accent1"/>
+          </a:effectRef>
+          <a:fontRef idx="minor">
+            <a:schemeClr val="lt1"/>
+          </a:fontRef>
+        </p:style>
+        <p:txBody>
+          <a:bodyPr rtlCol="0" anchor="ctr"/>
+          <a:lstStyle/>
+          <a:p>
+            <a:pPr algn="ctr"/>
+            <a:r>
+              <a:rPr lang="en-US" dirty="0" err="1">
+                <a:solidFill>
+                  <a:schemeClr val="tx1"/>
+                </a:solidFill>
+              </a:rPr>
+              <a:t>BuildAST</a:t>
+            </a:r>
+            <a:endParaRPr lang="en-US" dirty="0">
+              <a:solidFill>
+                <a:schemeClr val="tx1"/>
+              </a:solidFill>
+            </a:endParaRPr>
+          </a:p>
+        </p:txBody>
+      </p:sp>
+      <p:cxnSp>
+        <p:nvCxnSpPr>
+          <p:cNvPr id="80" name="Straight Arrow Connector 79">
+            <a:extLst>
+              <a:ext uri="{FF2B5EF4-FFF2-40B4-BE49-F238E27FC236}">
+                <a16:creationId xmlns:a16="http://schemas.microsoft.com/office/drawing/2014/main" id="{A1D73F36-E776-4ED8-AACF-B1FD34EBCB56}"/>
+              </a:ext>
+            </a:extLst>
+          </p:cNvPr>
+          <p:cNvCxnSpPr>
+            <a:cxnSpLocks/>
+          </p:cNvCxnSpPr>
+          <p:nvPr/>
+        </p:nvCxnSpPr>
+        <p:spPr>
+          <a:xfrm>
+            <a:off x="4817560" y="2880761"/>
+            <a:ext cx="298333" cy="100"/>
+          </a:xfrm>
+          <a:prstGeom prst="straightConnector1">
+            <a:avLst/>
+          </a:prstGeom>
+          <a:ln w="25400">
+            <a:tailEnd type="triangle"/>
+          </a:ln>
+        </p:spPr>
+        <p:style>
+          <a:lnRef idx="1">
+            <a:schemeClr val="accent1"/>
+          </a:lnRef>
+          <a:fillRef idx="0">
+            <a:schemeClr val="accent1"/>
+          </a:fillRef>
+          <a:effectRef idx="0">
+            <a:schemeClr val="accent1"/>
+          </a:effectRef>
+          <a:fontRef idx="minor">
+            <a:schemeClr val="tx1"/>
+          </a:fontRef>
+        </p:style>
+      </p:cxnSp>
+      <p:cxnSp>
+        <p:nvCxnSpPr>
+          <p:cNvPr id="82" name="Straight Arrow Connector 81">
+            <a:extLst>
+              <a:ext uri="{FF2B5EF4-FFF2-40B4-BE49-F238E27FC236}">
+                <a16:creationId xmlns:a16="http://schemas.microsoft.com/office/drawing/2014/main" id="{C3F36E48-8A2E-4C8B-A24C-2C2FF5C14536}"/>
+              </a:ext>
+            </a:extLst>
+          </p:cNvPr>
+          <p:cNvCxnSpPr>
+            <a:cxnSpLocks/>
+          </p:cNvCxnSpPr>
+          <p:nvPr/>
+        </p:nvCxnSpPr>
+        <p:spPr>
+          <a:xfrm flipV="1">
+            <a:off x="3720051" y="2880861"/>
+            <a:ext cx="332860" cy="2649"/>
+          </a:xfrm>
+          <a:prstGeom prst="straightConnector1">
+            <a:avLst/>
+          </a:prstGeom>
+          <a:ln w="25400">
+            <a:tailEnd type="triangle"/>
+          </a:ln>
+        </p:spPr>
+        <p:style>
+          <a:lnRef idx="1">
+            <a:schemeClr val="accent1"/>
+          </a:lnRef>
+          <a:fillRef idx="0">
+            <a:schemeClr val="accent1"/>
+          </a:fillRef>
+          <a:effectRef idx="0">
+            <a:schemeClr val="accent1"/>
+          </a:effectRef>
+          <a:fontRef idx="minor">
+            <a:schemeClr val="tx1"/>
+          </a:fontRef>
+        </p:style>
+      </p:cxnSp>
+      <p:sp>
+        <p:nvSpPr>
+          <p:cNvPr id="92" name="Rectangle: Rounded Corners 91">
+            <a:extLst>
+              <a:ext uri="{FF2B5EF4-FFF2-40B4-BE49-F238E27FC236}">
+                <a16:creationId xmlns:a16="http://schemas.microsoft.com/office/drawing/2014/main" id="{025EA0C9-AAAD-4420-A3B2-2020AEEFB4B8}"/>
+              </a:ext>
+            </a:extLst>
+          </p:cNvPr>
+          <p:cNvSpPr/>
+          <p:nvPr/>
+        </p:nvSpPr>
+        <p:spPr>
+          <a:xfrm>
+            <a:off x="10256702" y="2714279"/>
+            <a:ext cx="1201912" cy="358313"/>
+          </a:xfrm>
+          <a:prstGeom prst="roundRect">
+            <a:avLst/>
+          </a:prstGeom>
+          <a:solidFill>
+            <a:schemeClr val="accent2">
+              <a:lumMod val="20000"/>
+              <a:lumOff val="80000"/>
+            </a:schemeClr>
+          </a:solidFill>
+          <a:ln w="25400">
+            <a:solidFill>
+              <a:schemeClr val="accent2">
+                <a:lumMod val="75000"/>
+              </a:schemeClr>
+            </a:solidFill>
+          </a:ln>
+        </p:spPr>
+        <p:style>
+          <a:lnRef idx="2">
+            <a:schemeClr val="accent1">
+              <a:shade val="50000"/>
+            </a:schemeClr>
+          </a:lnRef>
+          <a:fillRef idx="1">
+            <a:schemeClr val="accent1"/>
+          </a:fillRef>
+          <a:effectRef idx="0">
+            <a:schemeClr val="accent1"/>
+          </a:effectRef>
+          <a:fontRef idx="minor">
+            <a:schemeClr val="lt1"/>
+          </a:fontRef>
+        </p:style>
+        <p:txBody>
+          <a:bodyPr rtlCol="0" anchor="ctr"/>
+          <a:lstStyle/>
+          <a:p>
+            <a:pPr algn="ctr"/>
+            <a:r>
+              <a:rPr lang="en-US" dirty="0">
+                <a:solidFill>
+                  <a:schemeClr val="tx1"/>
+                </a:solidFill>
+              </a:rPr>
+              <a:t>Validation</a:t>
+            </a:r>
+          </a:p>
+        </p:txBody>
+      </p:sp>
+      <p:cxnSp>
+        <p:nvCxnSpPr>
+          <p:cNvPr id="93" name="Straight Arrow Connector 92">
+            <a:extLst>
+              <a:ext uri="{FF2B5EF4-FFF2-40B4-BE49-F238E27FC236}">
+                <a16:creationId xmlns:a16="http://schemas.microsoft.com/office/drawing/2014/main" id="{20F62E73-D895-469C-A6A3-2C4834C7D906}"/>
+              </a:ext>
+            </a:extLst>
+          </p:cNvPr>
+          <p:cNvCxnSpPr>
+            <a:cxnSpLocks/>
+          </p:cNvCxnSpPr>
+          <p:nvPr/>
+        </p:nvCxnSpPr>
+        <p:spPr>
+          <a:xfrm flipV="1">
+            <a:off x="10052929" y="2897119"/>
+            <a:ext cx="219193" cy="2648"/>
+          </a:xfrm>
+          <a:prstGeom prst="straightConnector1">
+            <a:avLst/>
+          </a:prstGeom>
+          <a:ln w="25400">
+            <a:tailEnd type="triangle"/>
+          </a:ln>
+        </p:spPr>
+        <p:style>
+          <a:lnRef idx="1">
+            <a:schemeClr val="accent1"/>
+          </a:lnRef>
+          <a:fillRef idx="0">
+            <a:schemeClr val="accent1"/>
+          </a:fillRef>
+          <a:effectRef idx="0">
+            <a:schemeClr val="accent1"/>
+          </a:effectRef>
+          <a:fontRef idx="minor">
+            <a:schemeClr val="tx1"/>
+          </a:fontRef>
+        </p:style>
+      </p:cxnSp>
+    </p:spTree>
+    <p:extLst>
+      <p:ext uri="{BB962C8B-B14F-4D97-AF65-F5344CB8AC3E}">
+        <p14:creationId xmlns:p14="http://schemas.microsoft.com/office/powerpoint/2010/main" val="1341464891"/>
+      </p:ext>
+    </p:extLst>
+  </p:cSld>
+  <p:clrMapOvr>
+    <a:masterClrMapping/>
+  </p:clrMapOvr>
+</p:sld>
+</file>
+
+<file path=ppt/slides/slide7.xml><?xml version="1.0" encoding="utf-8"?>
+<p:sld xmlns:a="http://schemas.openxmlformats.org/drawingml/2006/main" xmlns:r="http://schemas.openxmlformats.org/officeDocument/2006/relationships" xmlns:p="http://schemas.openxmlformats.org/presentationml/2006/main">
+  <p:cSld>
+    <p:spTree>
+      <p:nvGrpSpPr>
+        <p:cNvPr id="1" name=""/>
+        <p:cNvGrpSpPr/>
+        <p:nvPr/>
+      </p:nvGrpSpPr>
+      <p:grpSpPr>
+        <a:xfrm>
+          <a:off x="0" y="0"/>
+          <a:ext cx="0" cy="0"/>
+          <a:chOff x="0" y="0"/>
+          <a:chExt cx="0" cy="0"/>
+        </a:xfrm>
+      </p:grpSpPr>
+      <p:grpSp>
+        <p:nvGrpSpPr>
+          <p:cNvPr id="2" name="Group 1">
+            <a:extLst>
+              <a:ext uri="{FF2B5EF4-FFF2-40B4-BE49-F238E27FC236}">
+                <a16:creationId xmlns:a16="http://schemas.microsoft.com/office/drawing/2014/main" id="{0240E790-3FD3-4CEE-BFBE-FA7A89650942}"/>
+              </a:ext>
+            </a:extLst>
+          </p:cNvPr>
+          <p:cNvGrpSpPr/>
+          <p:nvPr/>
+        </p:nvGrpSpPr>
+        <p:grpSpPr>
+          <a:xfrm>
+            <a:off x="376873" y="2204781"/>
+            <a:ext cx="9679996" cy="2448438"/>
+            <a:chOff x="1778618" y="1860407"/>
+            <a:chExt cx="9679996" cy="2448438"/>
+          </a:xfrm>
+        </p:grpSpPr>
+        <p:grpSp>
+          <p:nvGrpSpPr>
+            <p:cNvPr id="29" name="Group 28">
+              <a:extLst>
+                <a:ext uri="{FF2B5EF4-FFF2-40B4-BE49-F238E27FC236}">
+                  <a16:creationId xmlns:a16="http://schemas.microsoft.com/office/drawing/2014/main" id="{00F08641-F49B-47B4-B126-2031C5D20321}"/>
+                </a:ext>
+              </a:extLst>
+            </p:cNvPr>
+            <p:cNvGrpSpPr/>
+            <p:nvPr/>
+          </p:nvGrpSpPr>
+          <p:grpSpPr>
+            <a:xfrm>
+              <a:off x="5330628" y="3312196"/>
+              <a:ext cx="939800" cy="697706"/>
+              <a:chOff x="3473450" y="1362075"/>
+              <a:chExt cx="939800" cy="697706"/>
+            </a:xfrm>
+          </p:grpSpPr>
+          <p:sp>
+            <p:nvSpPr>
+              <p:cNvPr id="30" name="Oval 29">
+                <a:extLst>
+                  <a:ext uri="{FF2B5EF4-FFF2-40B4-BE49-F238E27FC236}">
+                    <a16:creationId xmlns:a16="http://schemas.microsoft.com/office/drawing/2014/main" id="{EEF954A3-9480-4CA0-B4FC-159685D64AE4}"/>
+                  </a:ext>
+                </a:extLst>
+              </p:cNvPr>
+              <p:cNvSpPr/>
+              <p:nvPr/>
+            </p:nvSpPr>
+            <p:spPr>
+              <a:xfrm>
+                <a:off x="3841750" y="1362075"/>
+                <a:ext cx="190500" cy="190500"/>
+              </a:xfrm>
+              <a:prstGeom prst="ellipse">
+                <a:avLst/>
+              </a:prstGeom>
+              <a:solidFill>
+                <a:srgbClr val="FFC000"/>
+              </a:solidFill>
+              <a:ln>
+                <a:solidFill>
+                  <a:schemeClr val="accent6">
+                    <a:lumMod val="75000"/>
+                  </a:schemeClr>
+                </a:solidFill>
+              </a:ln>
+            </p:spPr>
+            <p:style>
+              <a:lnRef idx="2">
+                <a:schemeClr val="accent1">
+                  <a:shade val="50000"/>
+                </a:schemeClr>
+              </a:lnRef>
+              <a:fillRef idx="1">
+                <a:schemeClr val="accent1"/>
+              </a:fillRef>
+              <a:effectRef idx="0">
+                <a:schemeClr val="accent1"/>
+              </a:effectRef>
+              <a:fontRef idx="minor">
+                <a:schemeClr val="lt1"/>
+              </a:fontRef>
+            </p:style>
+            <p:txBody>
+              <a:bodyPr rtlCol="0" anchor="ctr"/>
+              <a:lstStyle/>
+              <a:p>
+                <a:pPr algn="ctr"/>
+                <a:endParaRPr lang="en-US"/>
+              </a:p>
+            </p:txBody>
+          </p:sp>
+          <p:sp>
+            <p:nvSpPr>
+              <p:cNvPr id="31" name="Oval 30">
+                <a:extLst>
+                  <a:ext uri="{FF2B5EF4-FFF2-40B4-BE49-F238E27FC236}">
+                    <a16:creationId xmlns:a16="http://schemas.microsoft.com/office/drawing/2014/main" id="{58A1E0DF-95CB-4330-9C77-3EF88213FAAB}"/>
+                  </a:ext>
+                </a:extLst>
+              </p:cNvPr>
+              <p:cNvSpPr/>
+              <p:nvPr/>
+            </p:nvSpPr>
+            <p:spPr>
+              <a:xfrm>
+                <a:off x="3473450" y="1869281"/>
+                <a:ext cx="190500" cy="190500"/>
+              </a:xfrm>
+              <a:prstGeom prst="ellipse">
+                <a:avLst/>
+              </a:prstGeom>
+              <a:solidFill>
+                <a:schemeClr val="accent6">
+                  <a:lumMod val="40000"/>
+                  <a:lumOff val="60000"/>
+                </a:schemeClr>
+              </a:solidFill>
+              <a:ln>
+                <a:solidFill>
+                  <a:schemeClr val="accent6">
+                    <a:lumMod val="75000"/>
+                  </a:schemeClr>
+                </a:solidFill>
+              </a:ln>
+            </p:spPr>
+            <p:style>
+              <a:lnRef idx="2">
+                <a:schemeClr val="accent1">
+                  <a:shade val="50000"/>
+                </a:schemeClr>
+              </a:lnRef>
+              <a:fillRef idx="1">
+                <a:schemeClr val="accent1"/>
+              </a:fillRef>
+              <a:effectRef idx="0">
+                <a:schemeClr val="accent1"/>
+              </a:effectRef>
+              <a:fontRef idx="minor">
+                <a:schemeClr val="lt1"/>
+              </a:fontRef>
+            </p:style>
+            <p:txBody>
+              <a:bodyPr rtlCol="0" anchor="ctr"/>
+              <a:lstStyle/>
+              <a:p>
+                <a:pPr algn="ctr"/>
+                <a:endParaRPr lang="en-US"/>
+              </a:p>
+            </p:txBody>
+          </p:sp>
+          <p:sp>
+            <p:nvSpPr>
+              <p:cNvPr id="32" name="Oval 31">
+                <a:extLst>
+                  <a:ext uri="{FF2B5EF4-FFF2-40B4-BE49-F238E27FC236}">
+                    <a16:creationId xmlns:a16="http://schemas.microsoft.com/office/drawing/2014/main" id="{0DDD9695-12DF-43C3-ADB3-499688F71623}"/>
+                  </a:ext>
+                </a:extLst>
+              </p:cNvPr>
+              <p:cNvSpPr/>
+              <p:nvPr/>
+            </p:nvSpPr>
+            <p:spPr>
+              <a:xfrm>
+                <a:off x="4222750" y="1869281"/>
+                <a:ext cx="190500" cy="190500"/>
+              </a:xfrm>
+              <a:prstGeom prst="ellipse">
+                <a:avLst/>
+              </a:prstGeom>
+              <a:solidFill>
+                <a:srgbClr val="FFC000"/>
+              </a:solidFill>
+              <a:ln>
+                <a:solidFill>
+                  <a:schemeClr val="accent6">
+                    <a:lumMod val="75000"/>
+                  </a:schemeClr>
+                </a:solidFill>
+              </a:ln>
+            </p:spPr>
+            <p:style>
+              <a:lnRef idx="2">
+                <a:schemeClr val="accent1">
+                  <a:shade val="50000"/>
+                </a:schemeClr>
+              </a:lnRef>
+              <a:fillRef idx="1">
+                <a:schemeClr val="accent1"/>
+              </a:fillRef>
+              <a:effectRef idx="0">
+                <a:schemeClr val="accent1"/>
+              </a:effectRef>
+              <a:fontRef idx="minor">
+                <a:schemeClr val="lt1"/>
+              </a:fontRef>
+            </p:style>
+            <p:txBody>
+              <a:bodyPr rtlCol="0" anchor="ctr"/>
+              <a:lstStyle/>
+              <a:p>
+                <a:pPr algn="ctr"/>
+                <a:endParaRPr lang="en-US"/>
+              </a:p>
+            </p:txBody>
+          </p:sp>
+          <p:cxnSp>
+            <p:nvCxnSpPr>
+              <p:cNvPr id="35" name="Straight Arrow Connector 34">
+                <a:extLst>
+                  <a:ext uri="{FF2B5EF4-FFF2-40B4-BE49-F238E27FC236}">
+                    <a16:creationId xmlns:a16="http://schemas.microsoft.com/office/drawing/2014/main" id="{AF5B46F4-4D19-4BD5-A143-52DB9798FBFC}"/>
+                  </a:ext>
+                </a:extLst>
+              </p:cNvPr>
+              <p:cNvCxnSpPr>
+                <a:stCxn id="30" idx="3"/>
+                <a:endCxn id="31" idx="6"/>
+              </p:cNvCxnSpPr>
+              <p:nvPr/>
+            </p:nvCxnSpPr>
+            <p:spPr>
+              <a:xfrm flipH="1">
+                <a:off x="3636052" y="1524677"/>
+                <a:ext cx="233596" cy="372502"/>
+              </a:xfrm>
+              <a:prstGeom prst="straightConnector1">
+                <a:avLst/>
+              </a:prstGeom>
+              <a:ln w="25400">
+                <a:tailEnd type="triangle"/>
+              </a:ln>
+            </p:spPr>
+            <p:style>
+              <a:lnRef idx="1">
+                <a:schemeClr val="accent1"/>
+              </a:lnRef>
+              <a:fillRef idx="0">
+                <a:schemeClr val="accent1"/>
+              </a:fillRef>
+              <a:effectRef idx="0">
+                <a:schemeClr val="accent1"/>
+              </a:effectRef>
+              <a:fontRef idx="minor">
+                <a:schemeClr val="tx1"/>
+              </a:fontRef>
+            </p:style>
+          </p:cxnSp>
+          <p:cxnSp>
+            <p:nvCxnSpPr>
+              <p:cNvPr id="36" name="Straight Arrow Connector 35">
+                <a:extLst>
+                  <a:ext uri="{FF2B5EF4-FFF2-40B4-BE49-F238E27FC236}">
+                    <a16:creationId xmlns:a16="http://schemas.microsoft.com/office/drawing/2014/main" id="{78FBCFC5-9FC6-4F19-A292-7BFFE2AAACC7}"/>
+                  </a:ext>
+                </a:extLst>
+              </p:cNvPr>
+              <p:cNvCxnSpPr>
+                <a:cxnSpLocks/>
+                <a:stCxn id="30" idx="5"/>
+                <a:endCxn id="32" idx="1"/>
+              </p:cNvCxnSpPr>
+              <p:nvPr/>
+            </p:nvCxnSpPr>
+            <p:spPr>
+              <a:xfrm>
+                <a:off x="4004352" y="1524677"/>
+                <a:ext cx="246296" cy="372502"/>
+              </a:xfrm>
+              <a:prstGeom prst="straightConnector1">
+                <a:avLst/>
+              </a:prstGeom>
+              <a:ln w="25400">
+                <a:solidFill>
+                  <a:srgbClr val="FF0000"/>
+                </a:solidFill>
+                <a:tailEnd type="triangle"/>
+              </a:ln>
+            </p:spPr>
+            <p:style>
+              <a:lnRef idx="1">
+                <a:schemeClr val="accent1"/>
+              </a:lnRef>
+              <a:fillRef idx="0">
+                <a:schemeClr val="accent1"/>
+              </a:fillRef>
+              <a:effectRef idx="0">
+                <a:schemeClr val="accent1"/>
+              </a:effectRef>
+              <a:fontRef idx="minor">
+                <a:schemeClr val="tx1"/>
+              </a:fontRef>
+            </p:style>
+          </p:cxnSp>
+        </p:grpSp>
+        <p:sp>
+          <p:nvSpPr>
+            <p:cNvPr id="40" name="TextBox 39">
+              <a:extLst>
+                <a:ext uri="{FF2B5EF4-FFF2-40B4-BE49-F238E27FC236}">
+                  <a16:creationId xmlns:a16="http://schemas.microsoft.com/office/drawing/2014/main" id="{7281DC49-955F-4674-8199-971A898A330D}"/>
+                </a:ext>
+              </a:extLst>
+            </p:cNvPr>
+            <p:cNvSpPr txBox="1"/>
+            <p:nvPr/>
+          </p:nvSpPr>
+          <p:spPr>
+            <a:xfrm>
+              <a:off x="5057578" y="3939513"/>
+              <a:ext cx="1951196" cy="369332"/>
+            </a:xfrm>
+            <a:prstGeom prst="rect">
+              <a:avLst/>
+            </a:prstGeom>
+            <a:noFill/>
+          </p:spPr>
+          <p:txBody>
+            <a:bodyPr wrap="square" rtlCol="0">
+              <a:spAutoFit/>
+            </a:bodyPr>
+            <a:lstStyle/>
+            <a:p>
+              <a:r>
+                <a:rPr lang="en-US" dirty="0"/>
+                <a:t>Buggy subtree</a:t>
+              </a:r>
+            </a:p>
+          </p:txBody>
+        </p:sp>
+        <p:sp>
+          <p:nvSpPr>
+            <p:cNvPr id="27" name="Rectangle: Rounded Corners 26">
+              <a:extLst>
+                <a:ext uri="{FF2B5EF4-FFF2-40B4-BE49-F238E27FC236}">
+                  <a16:creationId xmlns:a16="http://schemas.microsoft.com/office/drawing/2014/main" id="{8B88DDE6-293D-4F1C-BA48-7E0B585C5C6C}"/>
+                </a:ext>
+              </a:extLst>
+            </p:cNvPr>
+            <p:cNvSpPr/>
+            <p:nvPr/>
+          </p:nvSpPr>
+          <p:spPr>
+            <a:xfrm>
+              <a:off x="6740935" y="1860407"/>
+              <a:ext cx="1912032" cy="802049"/>
+            </a:xfrm>
+            <a:prstGeom prst="roundRect">
+              <a:avLst/>
+            </a:prstGeom>
+            <a:solidFill>
+              <a:schemeClr val="accent2">
+                <a:lumMod val="20000"/>
+                <a:lumOff val="80000"/>
+              </a:schemeClr>
+            </a:solidFill>
+            <a:ln w="25400">
+              <a:solidFill>
+                <a:schemeClr val="accent2">
+                  <a:lumMod val="75000"/>
+                </a:schemeClr>
+              </a:solidFill>
+            </a:ln>
+          </p:spPr>
+          <p:style>
+            <a:lnRef idx="2">
+              <a:schemeClr val="accent1">
+                <a:shade val="50000"/>
+              </a:schemeClr>
+            </a:lnRef>
+            <a:fillRef idx="1">
+              <a:schemeClr val="accent1"/>
+            </a:fillRef>
+            <a:effectRef idx="0">
+              <a:schemeClr val="accent1"/>
+            </a:effectRef>
+            <a:fontRef idx="minor">
+              <a:schemeClr val="lt1"/>
+            </a:fontRef>
+          </p:style>
+          <p:txBody>
+            <a:bodyPr rtlCol="0" anchor="ctr"/>
+            <a:lstStyle/>
+            <a:p>
+              <a:pPr algn="ctr"/>
+              <a:r>
+                <a:rPr lang="en-US" dirty="0">
+                  <a:solidFill>
+                    <a:schemeClr val="tx1"/>
+                  </a:solidFill>
+                </a:rPr>
+                <a:t>Tree-based Context Learning</a:t>
+              </a:r>
+            </a:p>
+          </p:txBody>
+        </p:sp>
+        <p:sp>
+          <p:nvSpPr>
+            <p:cNvPr id="42" name="Rectangle: Rounded Corners 41">
+              <a:extLst>
+                <a:ext uri="{FF2B5EF4-FFF2-40B4-BE49-F238E27FC236}">
+                  <a16:creationId xmlns:a16="http://schemas.microsoft.com/office/drawing/2014/main" id="{C61147BF-A6E9-423A-BBD5-EBB5D1B3AAC6}"/>
+                </a:ext>
+              </a:extLst>
+            </p:cNvPr>
+            <p:cNvSpPr/>
+            <p:nvPr/>
+          </p:nvSpPr>
+          <p:spPr>
+            <a:xfrm>
+              <a:off x="6740934" y="3526268"/>
+              <a:ext cx="1909735" cy="776767"/>
+            </a:xfrm>
+            <a:prstGeom prst="roundRect">
+              <a:avLst/>
+            </a:prstGeom>
+            <a:solidFill>
+              <a:schemeClr val="accent2">
+                <a:lumMod val="20000"/>
+                <a:lumOff val="80000"/>
+              </a:schemeClr>
+            </a:solidFill>
+            <a:ln w="25400">
+              <a:solidFill>
+                <a:schemeClr val="accent2">
+                  <a:lumMod val="75000"/>
+                </a:schemeClr>
+              </a:solidFill>
+            </a:ln>
+          </p:spPr>
+          <p:style>
+            <a:lnRef idx="2">
+              <a:schemeClr val="accent1">
+                <a:shade val="50000"/>
+              </a:schemeClr>
+            </a:lnRef>
+            <a:fillRef idx="1">
+              <a:schemeClr val="accent1"/>
+            </a:fillRef>
+            <a:effectRef idx="0">
+              <a:schemeClr val="accent1"/>
+            </a:effectRef>
+            <a:fontRef idx="minor">
+              <a:schemeClr val="lt1"/>
+            </a:fontRef>
+          </p:style>
+          <p:txBody>
+            <a:bodyPr rtlCol="0" anchor="ctr"/>
+            <a:lstStyle/>
+            <a:p>
+              <a:pPr algn="ctr"/>
+              <a:r>
+                <a:rPr lang="en-US" dirty="0">
+                  <a:solidFill>
+                    <a:schemeClr val="tx1"/>
+                  </a:solidFill>
+                </a:rPr>
+                <a:t>Tree-based Transformation Learning</a:t>
+              </a:r>
+            </a:p>
+          </p:txBody>
+        </p:sp>
+        <p:sp>
+          <p:nvSpPr>
+            <p:cNvPr id="43" name="Rectangle: Rounded Corners 42">
+              <a:extLst>
+                <a:ext uri="{FF2B5EF4-FFF2-40B4-BE49-F238E27FC236}">
+                  <a16:creationId xmlns:a16="http://schemas.microsoft.com/office/drawing/2014/main" id="{5DAA0177-339C-495D-8153-6541C884CD2D}"/>
+                </a:ext>
+              </a:extLst>
+            </p:cNvPr>
+            <p:cNvSpPr/>
+            <p:nvPr/>
+          </p:nvSpPr>
+          <p:spPr>
+            <a:xfrm>
+              <a:off x="6858751" y="2934125"/>
+              <a:ext cx="1676400" cy="291245"/>
+            </a:xfrm>
+            <a:prstGeom prst="roundRect">
+              <a:avLst/>
+            </a:prstGeom>
+            <a:solidFill>
+              <a:schemeClr val="accent2">
+                <a:lumMod val="20000"/>
+                <a:lumOff val="80000"/>
+              </a:schemeClr>
+            </a:solidFill>
+            <a:ln w="25400">
+              <a:solidFill>
+                <a:schemeClr val="accent2">
+                  <a:lumMod val="75000"/>
+                </a:schemeClr>
+              </a:solidFill>
+            </a:ln>
+          </p:spPr>
+          <p:style>
+            <a:lnRef idx="2">
+              <a:schemeClr val="accent1">
+                <a:shade val="50000"/>
+              </a:schemeClr>
+            </a:lnRef>
+            <a:fillRef idx="1">
+              <a:schemeClr val="accent1"/>
+            </a:fillRef>
+            <a:effectRef idx="0">
+              <a:schemeClr val="accent1"/>
+            </a:effectRef>
+            <a:fontRef idx="minor">
+              <a:schemeClr val="lt1"/>
+            </a:fontRef>
+          </p:style>
+          <p:txBody>
+            <a:bodyPr rtlCol="0" anchor="ctr"/>
+            <a:lstStyle/>
+            <a:p>
+              <a:pPr algn="ctr"/>
+              <a:r>
+                <a:rPr lang="en-US" dirty="0">
+                  <a:solidFill>
+                    <a:schemeClr val="tx1"/>
+                  </a:solidFill>
+                </a:rPr>
+                <a:t>Joint Training</a:t>
+              </a:r>
+            </a:p>
+          </p:txBody>
+        </p:sp>
+        <p:cxnSp>
+          <p:nvCxnSpPr>
+            <p:cNvPr id="75" name="Straight Arrow Connector 74">
+              <a:extLst>
+                <a:ext uri="{FF2B5EF4-FFF2-40B4-BE49-F238E27FC236}">
+                  <a16:creationId xmlns:a16="http://schemas.microsoft.com/office/drawing/2014/main" id="{1E26547B-40D7-4EC9-A296-9A275442F3A1}"/>
+                </a:ext>
+              </a:extLst>
+            </p:cNvPr>
+            <p:cNvCxnSpPr/>
+            <p:nvPr/>
+          </p:nvCxnSpPr>
+          <p:spPr>
+            <a:xfrm flipV="1">
+              <a:off x="6410372" y="3885681"/>
+              <a:ext cx="332860" cy="2649"/>
+            </a:xfrm>
+            <a:prstGeom prst="straightConnector1">
+              <a:avLst/>
+            </a:prstGeom>
+            <a:ln w="25400">
+              <a:tailEnd type="triangle"/>
+            </a:ln>
+          </p:spPr>
+          <p:style>
+            <a:lnRef idx="1">
+              <a:schemeClr val="accent1"/>
+            </a:lnRef>
+            <a:fillRef idx="0">
+              <a:schemeClr val="accent1"/>
+            </a:fillRef>
+            <a:effectRef idx="0">
+              <a:schemeClr val="accent1"/>
+            </a:effectRef>
+            <a:fontRef idx="minor">
+              <a:schemeClr val="tx1"/>
+            </a:fontRef>
+          </p:style>
+        </p:cxnSp>
+        <p:cxnSp>
+          <p:nvCxnSpPr>
+            <p:cNvPr id="76" name="Straight Arrow Connector 75">
+              <a:extLst>
+                <a:ext uri="{FF2B5EF4-FFF2-40B4-BE49-F238E27FC236}">
+                  <a16:creationId xmlns:a16="http://schemas.microsoft.com/office/drawing/2014/main" id="{79185833-1F06-46BC-B258-D8B677D60BAF}"/>
+                </a:ext>
+              </a:extLst>
+            </p:cNvPr>
+            <p:cNvCxnSpPr/>
+            <p:nvPr/>
+          </p:nvCxnSpPr>
+          <p:spPr>
+            <a:xfrm flipV="1">
+              <a:off x="6410372" y="2229628"/>
+              <a:ext cx="332860" cy="2649"/>
+            </a:xfrm>
+            <a:prstGeom prst="straightConnector1">
+              <a:avLst/>
+            </a:prstGeom>
+            <a:ln w="25400">
+              <a:tailEnd type="triangle"/>
+            </a:ln>
+          </p:spPr>
+          <p:style>
+            <a:lnRef idx="1">
+              <a:schemeClr val="accent1"/>
+            </a:lnRef>
+            <a:fillRef idx="0">
+              <a:schemeClr val="accent1"/>
+            </a:fillRef>
+            <a:effectRef idx="0">
+              <a:schemeClr val="accent1"/>
+            </a:effectRef>
+            <a:fontRef idx="minor">
+              <a:schemeClr val="tx1"/>
+            </a:fontRef>
+          </p:style>
+        </p:cxnSp>
+        <p:cxnSp>
+          <p:nvCxnSpPr>
+            <p:cNvPr id="78" name="Straight Arrow Connector 77">
+              <a:extLst>
+                <a:ext uri="{FF2B5EF4-FFF2-40B4-BE49-F238E27FC236}">
+                  <a16:creationId xmlns:a16="http://schemas.microsoft.com/office/drawing/2014/main" id="{AC8674C8-FC1F-4CF8-8F79-89EE6085AB9F}"/>
+                </a:ext>
+              </a:extLst>
+            </p:cNvPr>
+            <p:cNvCxnSpPr>
+              <a:cxnSpLocks/>
+            </p:cNvCxnSpPr>
+            <p:nvPr/>
+          </p:nvCxnSpPr>
+          <p:spPr>
+            <a:xfrm flipV="1">
+              <a:off x="8731737" y="3384301"/>
+              <a:ext cx="740070" cy="543622"/>
+            </a:xfrm>
+            <a:prstGeom prst="straightConnector1">
+              <a:avLst/>
+            </a:prstGeom>
+            <a:ln w="28575">
+              <a:tailEnd type="triangle"/>
+            </a:ln>
+          </p:spPr>
+          <p:style>
+            <a:lnRef idx="1">
+              <a:schemeClr val="accent1"/>
+            </a:lnRef>
+            <a:fillRef idx="0">
+              <a:schemeClr val="accent1"/>
+            </a:fillRef>
+            <a:effectRef idx="0">
+              <a:schemeClr val="accent1"/>
+            </a:effectRef>
+            <a:fontRef idx="minor">
+              <a:schemeClr val="tx1"/>
+            </a:fontRef>
+          </p:style>
+        </p:cxnSp>
+        <p:cxnSp>
+          <p:nvCxnSpPr>
+            <p:cNvPr id="91" name="Straight Arrow Connector 90">
+              <a:extLst>
+                <a:ext uri="{FF2B5EF4-FFF2-40B4-BE49-F238E27FC236}">
+                  <a16:creationId xmlns:a16="http://schemas.microsoft.com/office/drawing/2014/main" id="{4711F1A2-0517-44EA-BC94-3B2EFD35FA99}"/>
+                </a:ext>
+              </a:extLst>
+            </p:cNvPr>
+            <p:cNvCxnSpPr>
+              <a:cxnSpLocks/>
+              <a:stCxn id="27" idx="2"/>
+              <a:endCxn id="43" idx="0"/>
+            </p:cNvCxnSpPr>
+            <p:nvPr/>
+          </p:nvCxnSpPr>
+          <p:spPr>
+            <a:xfrm>
+              <a:off x="7696951" y="2662456"/>
+              <a:ext cx="0" cy="271669"/>
+            </a:xfrm>
+            <a:prstGeom prst="straightConnector1">
+              <a:avLst/>
+            </a:prstGeom>
+            <a:ln w="25400">
+              <a:headEnd type="triangle"/>
+              <a:tailEnd type="triangle"/>
+            </a:ln>
+          </p:spPr>
+          <p:style>
+            <a:lnRef idx="1">
+              <a:schemeClr val="accent1"/>
+            </a:lnRef>
+            <a:fillRef idx="0">
+              <a:schemeClr val="accent1"/>
+            </a:fillRef>
+            <a:effectRef idx="0">
+              <a:schemeClr val="accent1"/>
+            </a:effectRef>
+            <a:fontRef idx="minor">
+              <a:schemeClr val="tx1"/>
+            </a:fontRef>
+          </p:style>
+        </p:cxnSp>
+        <p:cxnSp>
+          <p:nvCxnSpPr>
+            <p:cNvPr id="94" name="Straight Arrow Connector 93">
+              <a:extLst>
+                <a:ext uri="{FF2B5EF4-FFF2-40B4-BE49-F238E27FC236}">
+                  <a16:creationId xmlns:a16="http://schemas.microsoft.com/office/drawing/2014/main" id="{5756A5B5-A2B2-43E3-AA1A-CB7E355B869F}"/>
+                </a:ext>
+              </a:extLst>
+            </p:cNvPr>
+            <p:cNvCxnSpPr>
+              <a:cxnSpLocks/>
+              <a:stCxn id="43" idx="2"/>
+              <a:endCxn id="42" idx="0"/>
+            </p:cNvCxnSpPr>
+            <p:nvPr/>
+          </p:nvCxnSpPr>
+          <p:spPr>
+            <a:xfrm flipH="1">
+              <a:off x="7695802" y="3225370"/>
+              <a:ext cx="1149" cy="300898"/>
+            </a:xfrm>
+            <a:prstGeom prst="straightConnector1">
+              <a:avLst/>
+            </a:prstGeom>
+            <a:ln w="25400">
+              <a:headEnd type="triangle"/>
+              <a:tailEnd type="triangle"/>
+            </a:ln>
+          </p:spPr>
+          <p:style>
+            <a:lnRef idx="1">
+              <a:schemeClr val="accent1"/>
+            </a:lnRef>
+            <a:fillRef idx="0">
+              <a:schemeClr val="accent1"/>
+            </a:fillRef>
+            <a:effectRef idx="0">
+              <a:schemeClr val="accent1"/>
+            </a:effectRef>
+            <a:fontRef idx="minor">
+              <a:schemeClr val="tx1"/>
+            </a:fontRef>
+          </p:style>
+        </p:cxnSp>
+        <p:sp>
+          <p:nvSpPr>
+            <p:cNvPr id="12" name="Oval 11">
+              <a:extLst>
+                <a:ext uri="{FF2B5EF4-FFF2-40B4-BE49-F238E27FC236}">
+                  <a16:creationId xmlns:a16="http://schemas.microsoft.com/office/drawing/2014/main" id="{3D3CCC25-56F3-44D6-8B44-3996C81026B6}"/>
+                </a:ext>
+              </a:extLst>
+            </p:cNvPr>
+            <p:cNvSpPr/>
+            <p:nvPr/>
+          </p:nvSpPr>
+          <p:spPr>
+            <a:xfrm>
+              <a:off x="5330628" y="2958336"/>
+              <a:ext cx="190500" cy="190500"/>
+            </a:xfrm>
+            <a:prstGeom prst="ellipse">
+              <a:avLst/>
+            </a:prstGeom>
+            <a:solidFill>
+              <a:schemeClr val="accent6">
+                <a:lumMod val="40000"/>
+                <a:lumOff val="60000"/>
+              </a:schemeClr>
+            </a:solidFill>
+            <a:ln>
+              <a:solidFill>
+                <a:schemeClr val="accent6">
+                  <a:lumMod val="75000"/>
+                </a:schemeClr>
+              </a:solidFill>
+            </a:ln>
+          </p:spPr>
+          <p:style>
+            <a:lnRef idx="2">
+              <a:schemeClr val="accent1">
+                <a:shade val="50000"/>
+              </a:schemeClr>
+            </a:lnRef>
+            <a:fillRef idx="1">
+              <a:schemeClr val="accent1"/>
+            </a:fillRef>
+            <a:effectRef idx="0">
+              <a:schemeClr val="accent1"/>
+            </a:effectRef>
+            <a:fontRef idx="minor">
+              <a:schemeClr val="lt1"/>
+            </a:fontRef>
+          </p:style>
+          <p:txBody>
+            <a:bodyPr rtlCol="0" anchor="ctr"/>
+            <a:lstStyle/>
+            <a:p>
+              <a:pPr algn="ctr"/>
+              <a:endParaRPr lang="en-US"/>
+            </a:p>
+          </p:txBody>
+        </p:sp>
+        <p:sp>
+          <p:nvSpPr>
+            <p:cNvPr id="13" name="Oval 12">
+              <a:extLst>
+                <a:ext uri="{FF2B5EF4-FFF2-40B4-BE49-F238E27FC236}">
+                  <a16:creationId xmlns:a16="http://schemas.microsoft.com/office/drawing/2014/main" id="{0551262F-7014-40A1-B3DA-EBD3D5A57888}"/>
+                </a:ext>
+              </a:extLst>
+            </p:cNvPr>
+            <p:cNvSpPr/>
+            <p:nvPr/>
+          </p:nvSpPr>
+          <p:spPr>
+            <a:xfrm>
+              <a:off x="6086278" y="2958336"/>
+              <a:ext cx="190500" cy="190500"/>
+            </a:xfrm>
+            <a:prstGeom prst="ellipse">
+              <a:avLst/>
+            </a:prstGeom>
+            <a:solidFill>
+              <a:srgbClr val="FFC000"/>
+            </a:solidFill>
+            <a:ln>
+              <a:solidFill>
+                <a:schemeClr val="accent6">
+                  <a:lumMod val="75000"/>
+                </a:schemeClr>
+              </a:solidFill>
+            </a:ln>
+          </p:spPr>
+          <p:style>
+            <a:lnRef idx="2">
+              <a:schemeClr val="accent1">
+                <a:shade val="50000"/>
+              </a:schemeClr>
+            </a:lnRef>
+            <a:fillRef idx="1">
+              <a:schemeClr val="accent1"/>
+            </a:fillRef>
+            <a:effectRef idx="0">
+              <a:schemeClr val="accent1"/>
+            </a:effectRef>
+            <a:fontRef idx="minor">
+              <a:schemeClr val="lt1"/>
+            </a:fontRef>
+          </p:style>
+          <p:txBody>
+            <a:bodyPr rtlCol="0" anchor="ctr"/>
+            <a:lstStyle/>
+            <a:p>
+              <a:pPr algn="ctr"/>
+              <a:endParaRPr lang="en-US" dirty="0"/>
+            </a:p>
+          </p:txBody>
+        </p:sp>
+        <p:cxnSp>
+          <p:nvCxnSpPr>
+            <p:cNvPr id="19" name="Straight Arrow Connector 18">
+              <a:extLst>
+                <a:ext uri="{FF2B5EF4-FFF2-40B4-BE49-F238E27FC236}">
+                  <a16:creationId xmlns:a16="http://schemas.microsoft.com/office/drawing/2014/main" id="{4BFCEB90-0F52-4654-BF5F-ED99ABC9EE00}"/>
+                </a:ext>
+              </a:extLst>
+            </p:cNvPr>
+            <p:cNvCxnSpPr>
+              <a:cxnSpLocks/>
+              <a:stCxn id="11" idx="3"/>
+              <a:endCxn id="12" idx="7"/>
+            </p:cNvCxnSpPr>
+            <p:nvPr/>
+          </p:nvCxnSpPr>
+          <p:spPr>
+            <a:xfrm flipH="1">
+              <a:off x="5493230" y="2627543"/>
+              <a:ext cx="246296" cy="358691"/>
+            </a:xfrm>
+            <a:prstGeom prst="straightConnector1">
+              <a:avLst/>
+            </a:prstGeom>
+            <a:ln w="25400">
+              <a:tailEnd type="triangle"/>
+            </a:ln>
+          </p:spPr>
+          <p:style>
+            <a:lnRef idx="1">
+              <a:schemeClr val="accent1"/>
+            </a:lnRef>
+            <a:fillRef idx="0">
+              <a:schemeClr val="accent1"/>
+            </a:fillRef>
+            <a:effectRef idx="0">
+              <a:schemeClr val="accent1"/>
+            </a:effectRef>
+            <a:fontRef idx="minor">
+              <a:schemeClr val="tx1"/>
+            </a:fontRef>
+          </p:style>
+        </p:cxnSp>
+        <p:cxnSp>
+          <p:nvCxnSpPr>
+            <p:cNvPr id="22" name="Straight Arrow Connector 21">
+              <a:extLst>
+                <a:ext uri="{FF2B5EF4-FFF2-40B4-BE49-F238E27FC236}">
+                  <a16:creationId xmlns:a16="http://schemas.microsoft.com/office/drawing/2014/main" id="{78729F2F-4120-4631-B35F-1DA81F1BE9A1}"/>
+                </a:ext>
+              </a:extLst>
+            </p:cNvPr>
+            <p:cNvCxnSpPr>
+              <a:cxnSpLocks/>
+              <a:stCxn id="11" idx="5"/>
+              <a:endCxn id="13" idx="1"/>
+            </p:cNvCxnSpPr>
+            <p:nvPr/>
+          </p:nvCxnSpPr>
+          <p:spPr>
+            <a:xfrm>
+              <a:off x="5874230" y="2627543"/>
+              <a:ext cx="239946" cy="358691"/>
+            </a:xfrm>
+            <a:prstGeom prst="straightConnector1">
+              <a:avLst/>
+            </a:prstGeom>
+            <a:ln w="25400">
+              <a:solidFill>
+                <a:srgbClr val="FF0000"/>
+              </a:solidFill>
+              <a:tailEnd type="triangle"/>
+            </a:ln>
+          </p:spPr>
+          <p:style>
+            <a:lnRef idx="1">
+              <a:schemeClr val="accent1"/>
+            </a:lnRef>
+            <a:fillRef idx="0">
+              <a:schemeClr val="accent1"/>
+            </a:fillRef>
+            <a:effectRef idx="0">
+              <a:schemeClr val="accent1"/>
+            </a:effectRef>
+            <a:fontRef idx="minor">
+              <a:schemeClr val="tx1"/>
+            </a:fontRef>
+          </p:style>
+        </p:cxnSp>
+        <p:sp>
+          <p:nvSpPr>
+            <p:cNvPr id="39" name="TextBox 38">
+              <a:extLst>
+                <a:ext uri="{FF2B5EF4-FFF2-40B4-BE49-F238E27FC236}">
+                  <a16:creationId xmlns:a16="http://schemas.microsoft.com/office/drawing/2014/main" id="{DFF9EEFC-8DFB-4D04-BF39-56044C2D8B85}"/>
+                </a:ext>
+              </a:extLst>
+            </p:cNvPr>
+            <p:cNvSpPr txBox="1"/>
+            <p:nvPr/>
+          </p:nvSpPr>
+          <p:spPr>
+            <a:xfrm>
+              <a:off x="5515755" y="1864870"/>
+              <a:ext cx="1676400" cy="369332"/>
+            </a:xfrm>
+            <a:prstGeom prst="rect">
+              <a:avLst/>
+            </a:prstGeom>
+            <a:noFill/>
+          </p:spPr>
+          <p:txBody>
+            <a:bodyPr wrap="square" rtlCol="0">
+              <a:spAutoFit/>
+            </a:bodyPr>
+            <a:lstStyle/>
+            <a:p>
+              <a:r>
+                <a:rPr lang="en-US" dirty="0"/>
+                <a:t>AST</a:t>
+              </a:r>
+            </a:p>
+          </p:txBody>
+        </p:sp>
+        <p:grpSp>
+          <p:nvGrpSpPr>
+            <p:cNvPr id="54" name="Group 53">
+              <a:extLst>
+                <a:ext uri="{FF2B5EF4-FFF2-40B4-BE49-F238E27FC236}">
+                  <a16:creationId xmlns:a16="http://schemas.microsoft.com/office/drawing/2014/main" id="{C4FE0C7E-AE59-4C25-B32A-FB30FECBA775}"/>
+                </a:ext>
+              </a:extLst>
+            </p:cNvPr>
+            <p:cNvGrpSpPr/>
+            <p:nvPr/>
+          </p:nvGrpSpPr>
+          <p:grpSpPr>
+            <a:xfrm>
+              <a:off x="4962328" y="1957735"/>
+              <a:ext cx="939800" cy="697706"/>
+              <a:chOff x="4962328" y="1957735"/>
+              <a:chExt cx="939800" cy="697706"/>
+            </a:xfrm>
+          </p:grpSpPr>
+          <p:sp>
+            <p:nvSpPr>
+              <p:cNvPr id="6" name="Oval 5">
+                <a:extLst>
+                  <a:ext uri="{FF2B5EF4-FFF2-40B4-BE49-F238E27FC236}">
+                    <a16:creationId xmlns:a16="http://schemas.microsoft.com/office/drawing/2014/main" id="{470D599C-3F89-4886-9C49-233CC1602D01}"/>
+                  </a:ext>
+                </a:extLst>
+              </p:cNvPr>
+              <p:cNvSpPr/>
+              <p:nvPr/>
+            </p:nvSpPr>
+            <p:spPr>
+              <a:xfrm>
+                <a:off x="5330628" y="1957735"/>
+                <a:ext cx="190500" cy="190500"/>
+              </a:xfrm>
+              <a:prstGeom prst="ellipse">
+                <a:avLst/>
+              </a:prstGeom>
+              <a:solidFill>
+                <a:schemeClr val="accent6">
+                  <a:lumMod val="40000"/>
+                  <a:lumOff val="60000"/>
+                </a:schemeClr>
+              </a:solidFill>
+              <a:ln>
+                <a:solidFill>
+                  <a:schemeClr val="accent6">
+                    <a:lumMod val="75000"/>
+                  </a:schemeClr>
+                </a:solidFill>
+              </a:ln>
+            </p:spPr>
+            <p:style>
+              <a:lnRef idx="2">
+                <a:schemeClr val="accent1">
+                  <a:shade val="50000"/>
+                </a:schemeClr>
+              </a:lnRef>
+              <a:fillRef idx="1">
+                <a:schemeClr val="accent1"/>
+              </a:fillRef>
+              <a:effectRef idx="0">
+                <a:schemeClr val="accent1"/>
+              </a:effectRef>
+              <a:fontRef idx="minor">
+                <a:schemeClr val="lt1"/>
+              </a:fontRef>
+            </p:style>
+            <p:txBody>
+              <a:bodyPr rtlCol="0" anchor="ctr"/>
+              <a:lstStyle/>
+              <a:p>
+                <a:pPr algn="ctr"/>
+                <a:endParaRPr lang="en-US"/>
+              </a:p>
+            </p:txBody>
+          </p:sp>
+          <p:sp>
+            <p:nvSpPr>
+              <p:cNvPr id="10" name="Oval 9">
+                <a:extLst>
+                  <a:ext uri="{FF2B5EF4-FFF2-40B4-BE49-F238E27FC236}">
+                    <a16:creationId xmlns:a16="http://schemas.microsoft.com/office/drawing/2014/main" id="{78A16A7B-ED5A-4841-9100-606221F042A4}"/>
+                  </a:ext>
+                </a:extLst>
+              </p:cNvPr>
+              <p:cNvSpPr/>
+              <p:nvPr/>
+            </p:nvSpPr>
+            <p:spPr>
+              <a:xfrm>
+                <a:off x="4962328" y="2464941"/>
+                <a:ext cx="190500" cy="190500"/>
+              </a:xfrm>
+              <a:prstGeom prst="ellipse">
+                <a:avLst/>
+              </a:prstGeom>
+              <a:solidFill>
+                <a:schemeClr val="accent6">
+                  <a:lumMod val="40000"/>
+                  <a:lumOff val="60000"/>
+                </a:schemeClr>
+              </a:solidFill>
+              <a:ln>
+                <a:solidFill>
+                  <a:schemeClr val="accent6">
+                    <a:lumMod val="75000"/>
+                  </a:schemeClr>
+                </a:solidFill>
+              </a:ln>
+            </p:spPr>
+            <p:style>
+              <a:lnRef idx="2">
+                <a:schemeClr val="accent1">
+                  <a:shade val="50000"/>
+                </a:schemeClr>
+              </a:lnRef>
+              <a:fillRef idx="1">
+                <a:schemeClr val="accent1"/>
+              </a:fillRef>
+              <a:effectRef idx="0">
+                <a:schemeClr val="accent1"/>
+              </a:effectRef>
+              <a:fontRef idx="minor">
+                <a:schemeClr val="lt1"/>
+              </a:fontRef>
+            </p:style>
+            <p:txBody>
+              <a:bodyPr rtlCol="0" anchor="ctr"/>
+              <a:lstStyle/>
+              <a:p>
+                <a:pPr algn="ctr"/>
+                <a:endParaRPr lang="en-US"/>
+              </a:p>
+            </p:txBody>
+          </p:sp>
+          <p:sp>
+            <p:nvSpPr>
+              <p:cNvPr id="11" name="Oval 10">
+                <a:extLst>
+                  <a:ext uri="{FF2B5EF4-FFF2-40B4-BE49-F238E27FC236}">
+                    <a16:creationId xmlns:a16="http://schemas.microsoft.com/office/drawing/2014/main" id="{DD7077DB-E4CA-42D0-8062-535BCA33231D}"/>
+                  </a:ext>
+                </a:extLst>
+              </p:cNvPr>
+              <p:cNvSpPr/>
+              <p:nvPr/>
+            </p:nvSpPr>
+            <p:spPr>
+              <a:xfrm>
+                <a:off x="5711628" y="2464941"/>
+                <a:ext cx="190500" cy="190500"/>
+              </a:xfrm>
+              <a:prstGeom prst="ellipse">
+                <a:avLst/>
+              </a:prstGeom>
+              <a:solidFill>
+                <a:srgbClr val="FFC000"/>
+              </a:solidFill>
+              <a:ln>
+                <a:solidFill>
+                  <a:schemeClr val="accent6">
+                    <a:lumMod val="75000"/>
+                  </a:schemeClr>
+                </a:solidFill>
+              </a:ln>
+            </p:spPr>
+            <p:style>
+              <a:lnRef idx="2">
+                <a:schemeClr val="accent1">
+                  <a:shade val="50000"/>
+                </a:schemeClr>
+              </a:lnRef>
+              <a:fillRef idx="1">
+                <a:schemeClr val="accent1"/>
+              </a:fillRef>
+              <a:effectRef idx="0">
+                <a:schemeClr val="accent1"/>
+              </a:effectRef>
+              <a:fontRef idx="minor">
+                <a:schemeClr val="lt1"/>
+              </a:fontRef>
+            </p:style>
+            <p:txBody>
+              <a:bodyPr rtlCol="0" anchor="ctr"/>
+              <a:lstStyle/>
+              <a:p>
+                <a:pPr algn="ctr"/>
+                <a:endParaRPr lang="en-US"/>
+              </a:p>
+            </p:txBody>
+          </p:sp>
+          <p:cxnSp>
+            <p:nvCxnSpPr>
+              <p:cNvPr id="9" name="Straight Arrow Connector 8">
+                <a:extLst>
+                  <a:ext uri="{FF2B5EF4-FFF2-40B4-BE49-F238E27FC236}">
+                    <a16:creationId xmlns:a16="http://schemas.microsoft.com/office/drawing/2014/main" id="{A570A030-BD8A-40B7-886B-8931F720D89E}"/>
+                  </a:ext>
+                </a:extLst>
+              </p:cNvPr>
+              <p:cNvCxnSpPr>
+                <a:cxnSpLocks/>
+                <a:stCxn id="6" idx="3"/>
+                <a:endCxn id="10" idx="6"/>
+              </p:cNvCxnSpPr>
+              <p:nvPr/>
+            </p:nvCxnSpPr>
+            <p:spPr>
+              <a:xfrm flipH="1">
+                <a:off x="5124930" y="2120337"/>
+                <a:ext cx="233596" cy="372502"/>
+              </a:xfrm>
+              <a:prstGeom prst="straightConnector1">
+                <a:avLst/>
+              </a:prstGeom>
+              <a:ln w="25400">
+                <a:tailEnd type="triangle"/>
+              </a:ln>
+            </p:spPr>
+            <p:style>
+              <a:lnRef idx="1">
+                <a:schemeClr val="accent1"/>
+              </a:lnRef>
+              <a:fillRef idx="0">
+                <a:schemeClr val="accent1"/>
+              </a:fillRef>
+              <a:effectRef idx="0">
+                <a:schemeClr val="accent1"/>
+              </a:effectRef>
+              <a:fontRef idx="minor">
+                <a:schemeClr val="tx1"/>
+              </a:fontRef>
+            </p:style>
+          </p:cxnSp>
+          <p:cxnSp>
+            <p:nvCxnSpPr>
+              <p:cNvPr id="16" name="Straight Arrow Connector 15">
+                <a:extLst>
+                  <a:ext uri="{FF2B5EF4-FFF2-40B4-BE49-F238E27FC236}">
+                    <a16:creationId xmlns:a16="http://schemas.microsoft.com/office/drawing/2014/main" id="{A67836DA-BBDF-4AA1-9287-B74AADA97FDB}"/>
+                  </a:ext>
+                </a:extLst>
+              </p:cNvPr>
+              <p:cNvCxnSpPr>
+                <a:cxnSpLocks/>
+                <a:stCxn id="6" idx="5"/>
+                <a:endCxn id="11" idx="1"/>
+              </p:cNvCxnSpPr>
+              <p:nvPr/>
+            </p:nvCxnSpPr>
+            <p:spPr>
+              <a:xfrm>
+                <a:off x="5493230" y="2120337"/>
+                <a:ext cx="246296" cy="372502"/>
+              </a:xfrm>
+              <a:prstGeom prst="straightConnector1">
+                <a:avLst/>
+              </a:prstGeom>
+              <a:ln w="25400">
+                <a:tailEnd type="triangle"/>
+              </a:ln>
+            </p:spPr>
+            <p:style>
+              <a:lnRef idx="1">
+                <a:schemeClr val="accent1"/>
+              </a:lnRef>
+              <a:fillRef idx="0">
+                <a:schemeClr val="accent1"/>
+              </a:fillRef>
+              <a:effectRef idx="0">
+                <a:schemeClr val="accent1"/>
+              </a:effectRef>
+              <a:fontRef idx="minor">
+                <a:schemeClr val="tx1"/>
+              </a:fontRef>
+            </p:style>
+          </p:cxnSp>
+          <p:cxnSp>
+            <p:nvCxnSpPr>
+              <p:cNvPr id="34" name="Straight Arrow Connector 33">
+                <a:extLst>
+                  <a:ext uri="{FF2B5EF4-FFF2-40B4-BE49-F238E27FC236}">
+                    <a16:creationId xmlns:a16="http://schemas.microsoft.com/office/drawing/2014/main" id="{800ABE5A-ED23-4F9A-97BE-93D8F344DAF2}"/>
+                  </a:ext>
+                </a:extLst>
+              </p:cNvPr>
+              <p:cNvCxnSpPr>
+                <a:cxnSpLocks/>
+                <a:stCxn id="6" idx="4"/>
+              </p:cNvCxnSpPr>
+              <p:nvPr/>
+            </p:nvCxnSpPr>
+            <p:spPr>
+              <a:xfrm>
+                <a:off x="5425878" y="2148235"/>
+                <a:ext cx="0" cy="353860"/>
+              </a:xfrm>
+              <a:prstGeom prst="straightConnector1">
+                <a:avLst/>
+              </a:prstGeom>
+              <a:ln w="12700">
+                <a:tailEnd type="triangle"/>
+              </a:ln>
+            </p:spPr>
+            <p:style>
+              <a:lnRef idx="1">
+                <a:schemeClr val="accent1"/>
+              </a:lnRef>
+              <a:fillRef idx="0">
+                <a:schemeClr val="accent1"/>
+              </a:fillRef>
+              <a:effectRef idx="0">
+                <a:schemeClr val="accent1"/>
+              </a:effectRef>
+              <a:fontRef idx="minor">
+                <a:schemeClr val="tx1"/>
+              </a:fontRef>
+            </p:style>
+          </p:cxnSp>
+        </p:grpSp>
+        <p:grpSp>
+          <p:nvGrpSpPr>
+            <p:cNvPr id="116" name="Group 115">
+              <a:extLst>
+                <a:ext uri="{FF2B5EF4-FFF2-40B4-BE49-F238E27FC236}">
+                  <a16:creationId xmlns:a16="http://schemas.microsoft.com/office/drawing/2014/main" id="{E18D2C30-1919-4D91-B872-266D681753A4}"/>
+                </a:ext>
+              </a:extLst>
+            </p:cNvPr>
+            <p:cNvGrpSpPr/>
+            <p:nvPr/>
+          </p:nvGrpSpPr>
+          <p:grpSpPr>
+            <a:xfrm>
+              <a:off x="9023584" y="2354417"/>
+              <a:ext cx="939800" cy="697706"/>
+              <a:chOff x="3473450" y="1362075"/>
+              <a:chExt cx="939800" cy="697706"/>
+            </a:xfrm>
+          </p:grpSpPr>
+          <p:sp>
+            <p:nvSpPr>
+              <p:cNvPr id="117" name="Oval 116">
+                <a:extLst>
+                  <a:ext uri="{FF2B5EF4-FFF2-40B4-BE49-F238E27FC236}">
+                    <a16:creationId xmlns:a16="http://schemas.microsoft.com/office/drawing/2014/main" id="{82E609CE-8429-4961-9206-89EDB63AEB74}"/>
+                  </a:ext>
+                </a:extLst>
+              </p:cNvPr>
+              <p:cNvSpPr/>
+              <p:nvPr/>
+            </p:nvSpPr>
+            <p:spPr>
+              <a:xfrm>
+                <a:off x="3841750" y="1362075"/>
+                <a:ext cx="190500" cy="190500"/>
+              </a:xfrm>
+              <a:prstGeom prst="ellipse">
+                <a:avLst/>
+              </a:prstGeom>
+              <a:solidFill>
+                <a:schemeClr val="accent6">
+                  <a:lumMod val="40000"/>
+                  <a:lumOff val="60000"/>
+                </a:schemeClr>
+              </a:solidFill>
+              <a:ln>
+                <a:solidFill>
+                  <a:schemeClr val="accent6">
+                    <a:lumMod val="75000"/>
+                  </a:schemeClr>
+                </a:solidFill>
+              </a:ln>
+            </p:spPr>
+            <p:style>
+              <a:lnRef idx="2">
+                <a:schemeClr val="accent1">
+                  <a:shade val="50000"/>
+                </a:schemeClr>
+              </a:lnRef>
+              <a:fillRef idx="1">
+                <a:schemeClr val="accent1"/>
+              </a:fillRef>
+              <a:effectRef idx="0">
+                <a:schemeClr val="accent1"/>
+              </a:effectRef>
+              <a:fontRef idx="minor">
+                <a:schemeClr val="lt1"/>
+              </a:fontRef>
+            </p:style>
+            <p:txBody>
+              <a:bodyPr rtlCol="0" anchor="ctr"/>
+              <a:lstStyle/>
+              <a:p>
+                <a:pPr algn="ctr"/>
+                <a:endParaRPr lang="en-US"/>
+              </a:p>
+            </p:txBody>
+          </p:sp>
+          <p:sp>
+            <p:nvSpPr>
+              <p:cNvPr id="118" name="Oval 117">
+                <a:extLst>
+                  <a:ext uri="{FF2B5EF4-FFF2-40B4-BE49-F238E27FC236}">
+                    <a16:creationId xmlns:a16="http://schemas.microsoft.com/office/drawing/2014/main" id="{94112A37-27C8-4E77-8D89-A9D12BEA3706}"/>
+                  </a:ext>
+                </a:extLst>
+              </p:cNvPr>
+              <p:cNvSpPr/>
+              <p:nvPr/>
+            </p:nvSpPr>
+            <p:spPr>
+              <a:xfrm>
+                <a:off x="3473450" y="1869281"/>
+                <a:ext cx="190500" cy="190500"/>
+              </a:xfrm>
+              <a:prstGeom prst="ellipse">
+                <a:avLst/>
+              </a:prstGeom>
+              <a:solidFill>
+                <a:schemeClr val="accent6">
+                  <a:lumMod val="40000"/>
+                  <a:lumOff val="60000"/>
+                </a:schemeClr>
+              </a:solidFill>
+              <a:ln>
+                <a:solidFill>
+                  <a:schemeClr val="accent6">
+                    <a:lumMod val="75000"/>
+                  </a:schemeClr>
+                </a:solidFill>
+              </a:ln>
+            </p:spPr>
+            <p:style>
+              <a:lnRef idx="2">
+                <a:schemeClr val="accent1">
+                  <a:shade val="50000"/>
+                </a:schemeClr>
+              </a:lnRef>
+              <a:fillRef idx="1">
+                <a:schemeClr val="accent1"/>
+              </a:fillRef>
+              <a:effectRef idx="0">
+                <a:schemeClr val="accent1"/>
+              </a:effectRef>
+              <a:fontRef idx="minor">
+                <a:schemeClr val="lt1"/>
+              </a:fontRef>
+            </p:style>
+            <p:txBody>
+              <a:bodyPr rtlCol="0" anchor="ctr"/>
+              <a:lstStyle/>
+              <a:p>
+                <a:pPr algn="ctr"/>
+                <a:endParaRPr lang="en-US"/>
+              </a:p>
+            </p:txBody>
+          </p:sp>
+          <p:sp>
+            <p:nvSpPr>
+              <p:cNvPr id="119" name="Oval 118">
+                <a:extLst>
+                  <a:ext uri="{FF2B5EF4-FFF2-40B4-BE49-F238E27FC236}">
+                    <a16:creationId xmlns:a16="http://schemas.microsoft.com/office/drawing/2014/main" id="{A761DB97-8790-495A-9F04-DECDE891203B}"/>
+                  </a:ext>
+                </a:extLst>
+              </p:cNvPr>
+              <p:cNvSpPr/>
+              <p:nvPr/>
+            </p:nvSpPr>
+            <p:spPr>
+              <a:xfrm>
+                <a:off x="4222750" y="1869281"/>
+                <a:ext cx="190500" cy="190500"/>
+              </a:xfrm>
+              <a:prstGeom prst="ellipse">
+                <a:avLst/>
+              </a:prstGeom>
+              <a:solidFill>
+                <a:schemeClr val="accent6">
+                  <a:lumMod val="40000"/>
+                  <a:lumOff val="60000"/>
+                </a:schemeClr>
+              </a:solidFill>
+              <a:ln>
+                <a:solidFill>
+                  <a:schemeClr val="accent6">
+                    <a:lumMod val="75000"/>
+                  </a:schemeClr>
+                </a:solidFill>
+              </a:ln>
+            </p:spPr>
+            <p:style>
+              <a:lnRef idx="2">
+                <a:schemeClr val="accent1">
+                  <a:shade val="50000"/>
+                </a:schemeClr>
+              </a:lnRef>
+              <a:fillRef idx="1">
+                <a:schemeClr val="accent1"/>
+              </a:fillRef>
+              <a:effectRef idx="0">
+                <a:schemeClr val="accent1"/>
+              </a:effectRef>
+              <a:fontRef idx="minor">
+                <a:schemeClr val="lt1"/>
+              </a:fontRef>
+            </p:style>
+            <p:txBody>
+              <a:bodyPr rtlCol="0" anchor="ctr"/>
+              <a:lstStyle/>
+              <a:p>
+                <a:pPr algn="ctr"/>
+                <a:endParaRPr lang="en-US"/>
+              </a:p>
+            </p:txBody>
+          </p:sp>
+          <p:cxnSp>
+            <p:nvCxnSpPr>
+              <p:cNvPr id="120" name="Straight Arrow Connector 119">
+                <a:extLst>
+                  <a:ext uri="{FF2B5EF4-FFF2-40B4-BE49-F238E27FC236}">
+                    <a16:creationId xmlns:a16="http://schemas.microsoft.com/office/drawing/2014/main" id="{E7FA53FD-F103-43F5-8B05-DB4885747AE7}"/>
+                  </a:ext>
+                </a:extLst>
+              </p:cNvPr>
+              <p:cNvCxnSpPr>
+                <a:stCxn id="117" idx="3"/>
+                <a:endCxn id="118" idx="6"/>
+              </p:cNvCxnSpPr>
+              <p:nvPr/>
+            </p:nvCxnSpPr>
+            <p:spPr>
+              <a:xfrm flipH="1">
+                <a:off x="3636052" y="1524677"/>
+                <a:ext cx="233596" cy="372502"/>
+              </a:xfrm>
+              <a:prstGeom prst="straightConnector1">
+                <a:avLst/>
+              </a:prstGeom>
+              <a:ln w="25400">
+                <a:tailEnd type="triangle"/>
+              </a:ln>
+            </p:spPr>
+            <p:style>
+              <a:lnRef idx="1">
+                <a:schemeClr val="accent1"/>
+              </a:lnRef>
+              <a:fillRef idx="0">
+                <a:schemeClr val="accent1"/>
+              </a:fillRef>
+              <a:effectRef idx="0">
+                <a:schemeClr val="accent1"/>
+              </a:effectRef>
+              <a:fontRef idx="minor">
+                <a:schemeClr val="tx1"/>
+              </a:fontRef>
+            </p:style>
+          </p:cxnSp>
+          <p:cxnSp>
+            <p:nvCxnSpPr>
+              <p:cNvPr id="121" name="Straight Arrow Connector 120">
+                <a:extLst>
+                  <a:ext uri="{FF2B5EF4-FFF2-40B4-BE49-F238E27FC236}">
+                    <a16:creationId xmlns:a16="http://schemas.microsoft.com/office/drawing/2014/main" id="{295F335D-6DFB-4616-8B63-2D631663C6EB}"/>
+                  </a:ext>
+                </a:extLst>
+              </p:cNvPr>
+              <p:cNvCxnSpPr>
+                <a:cxnSpLocks/>
+                <a:stCxn id="117" idx="5"/>
+                <a:endCxn id="119" idx="1"/>
+              </p:cNvCxnSpPr>
+              <p:nvPr/>
+            </p:nvCxnSpPr>
+            <p:spPr>
+              <a:xfrm>
+                <a:off x="4004352" y="1524677"/>
+                <a:ext cx="246296" cy="372502"/>
+              </a:xfrm>
+              <a:prstGeom prst="straightConnector1">
+                <a:avLst/>
+              </a:prstGeom>
+              <a:ln w="25400">
+                <a:solidFill>
+                  <a:srgbClr val="0070C0"/>
+                </a:solidFill>
+                <a:tailEnd type="triangle"/>
+              </a:ln>
+            </p:spPr>
+            <p:style>
+              <a:lnRef idx="1">
+                <a:schemeClr val="accent1"/>
+              </a:lnRef>
+              <a:fillRef idx="0">
+                <a:schemeClr val="accent1"/>
+              </a:fillRef>
+              <a:effectRef idx="0">
+                <a:schemeClr val="accent1"/>
+              </a:effectRef>
+              <a:fontRef idx="minor">
+                <a:schemeClr val="tx1"/>
+              </a:fontRef>
+            </p:style>
+          </p:cxnSp>
+        </p:grpSp>
+        <p:sp>
+          <p:nvSpPr>
+            <p:cNvPr id="122" name="TextBox 121">
+              <a:extLst>
+                <a:ext uri="{FF2B5EF4-FFF2-40B4-BE49-F238E27FC236}">
+                  <a16:creationId xmlns:a16="http://schemas.microsoft.com/office/drawing/2014/main" id="{224E5474-1B81-4BD7-AB89-9B8BBFEB997F}"/>
+                </a:ext>
+              </a:extLst>
+            </p:cNvPr>
+            <p:cNvSpPr txBox="1"/>
+            <p:nvPr/>
+          </p:nvSpPr>
+          <p:spPr>
+            <a:xfrm>
+              <a:off x="8786222" y="3014969"/>
+              <a:ext cx="1485900" cy="369332"/>
+            </a:xfrm>
+            <a:prstGeom prst="rect">
+              <a:avLst/>
+            </a:prstGeom>
+            <a:noFill/>
+          </p:spPr>
+          <p:txBody>
+            <a:bodyPr wrap="square" rtlCol="0">
+              <a:spAutoFit/>
+            </a:bodyPr>
+            <a:lstStyle/>
+            <a:p>
+              <a:r>
+                <a:rPr lang="en-US" dirty="0"/>
+                <a:t>Fixed subtree</a:t>
+              </a:r>
+            </a:p>
+          </p:txBody>
+        </p:sp>
+        <p:sp>
+          <p:nvSpPr>
+            <p:cNvPr id="68" name="Rectangle: Rounded Corners 67">
+              <a:extLst>
+                <a:ext uri="{FF2B5EF4-FFF2-40B4-BE49-F238E27FC236}">
+                  <a16:creationId xmlns:a16="http://schemas.microsoft.com/office/drawing/2014/main" id="{A466D679-29DD-4A75-9A76-3022E6E7E2A7}"/>
+                </a:ext>
+              </a:extLst>
+            </p:cNvPr>
+            <p:cNvSpPr/>
+            <p:nvPr/>
+          </p:nvSpPr>
+          <p:spPr>
+            <a:xfrm>
+              <a:off x="4040111" y="2371731"/>
+              <a:ext cx="764205" cy="1018261"/>
+            </a:xfrm>
+            <a:prstGeom prst="roundRect">
+              <a:avLst/>
+            </a:prstGeom>
+            <a:solidFill>
+              <a:schemeClr val="accent2">
+                <a:lumMod val="20000"/>
+                <a:lumOff val="80000"/>
+              </a:schemeClr>
+            </a:solidFill>
+            <a:ln w="25400">
+              <a:solidFill>
+                <a:schemeClr val="accent2">
+                  <a:lumMod val="75000"/>
+                </a:schemeClr>
+              </a:solidFill>
+            </a:ln>
+          </p:spPr>
+          <p:style>
+            <a:lnRef idx="2">
+              <a:schemeClr val="accent1">
+                <a:shade val="50000"/>
+              </a:schemeClr>
+            </a:lnRef>
+            <a:fillRef idx="1">
+              <a:schemeClr val="accent1"/>
+            </a:fillRef>
+            <a:effectRef idx="0">
+              <a:schemeClr val="accent1"/>
+            </a:effectRef>
+            <a:fontRef idx="minor">
+              <a:schemeClr val="lt1"/>
+            </a:fontRef>
+          </p:style>
+          <p:txBody>
+            <a:bodyPr rtlCol="0" anchor="ctr"/>
+            <a:lstStyle/>
+            <a:p>
+              <a:pPr algn="ctr"/>
+              <a:r>
+                <a:rPr lang="en-US" dirty="0" err="1">
+                  <a:solidFill>
+                    <a:schemeClr val="tx1"/>
+                  </a:solidFill>
+                </a:rPr>
+                <a:t>BuildAST</a:t>
+              </a:r>
+              <a:endParaRPr lang="en-US" dirty="0">
+                <a:solidFill>
+                  <a:schemeClr val="tx1"/>
+                </a:solidFill>
+              </a:endParaRPr>
+            </a:p>
+          </p:txBody>
+        </p:sp>
+        <p:cxnSp>
+          <p:nvCxnSpPr>
+            <p:cNvPr id="80" name="Straight Arrow Connector 79">
+              <a:extLst>
+                <a:ext uri="{FF2B5EF4-FFF2-40B4-BE49-F238E27FC236}">
+                  <a16:creationId xmlns:a16="http://schemas.microsoft.com/office/drawing/2014/main" id="{A1D73F36-E776-4ED8-AACF-B1FD34EBCB56}"/>
+                </a:ext>
+              </a:extLst>
+            </p:cNvPr>
+            <p:cNvCxnSpPr>
+              <a:cxnSpLocks/>
+            </p:cNvCxnSpPr>
+            <p:nvPr/>
+          </p:nvCxnSpPr>
+          <p:spPr>
+            <a:xfrm>
+              <a:off x="4817560" y="2880761"/>
+              <a:ext cx="298333" cy="100"/>
+            </a:xfrm>
+            <a:prstGeom prst="straightConnector1">
+              <a:avLst/>
+            </a:prstGeom>
+            <a:ln w="25400">
+              <a:tailEnd type="triangle"/>
+            </a:ln>
+          </p:spPr>
+          <p:style>
+            <a:lnRef idx="1">
+              <a:schemeClr val="accent1"/>
+            </a:lnRef>
+            <a:fillRef idx="0">
+              <a:schemeClr val="accent1"/>
+            </a:fillRef>
+            <a:effectRef idx="0">
+              <a:schemeClr val="accent1"/>
+            </a:effectRef>
+            <a:fontRef idx="minor">
+              <a:schemeClr val="tx1"/>
+            </a:fontRef>
+          </p:style>
+        </p:cxnSp>
+        <p:sp>
+          <p:nvSpPr>
+            <p:cNvPr id="92" name="Rectangle: Rounded Corners 91">
+              <a:extLst>
+                <a:ext uri="{FF2B5EF4-FFF2-40B4-BE49-F238E27FC236}">
+                  <a16:creationId xmlns:a16="http://schemas.microsoft.com/office/drawing/2014/main" id="{025EA0C9-AAAD-4420-A3B2-2020AEEFB4B8}"/>
+                </a:ext>
+              </a:extLst>
+            </p:cNvPr>
+            <p:cNvSpPr/>
+            <p:nvPr/>
+          </p:nvSpPr>
+          <p:spPr>
+            <a:xfrm>
+              <a:off x="10256702" y="2714279"/>
+              <a:ext cx="1201912" cy="358313"/>
+            </a:xfrm>
+            <a:prstGeom prst="roundRect">
+              <a:avLst/>
+            </a:prstGeom>
+            <a:solidFill>
+              <a:schemeClr val="accent2">
+                <a:lumMod val="20000"/>
+                <a:lumOff val="80000"/>
+              </a:schemeClr>
+            </a:solidFill>
+            <a:ln w="25400">
+              <a:solidFill>
+                <a:schemeClr val="accent2">
+                  <a:lumMod val="75000"/>
+                </a:schemeClr>
+              </a:solidFill>
+            </a:ln>
+          </p:spPr>
+          <p:style>
+            <a:lnRef idx="2">
+              <a:schemeClr val="accent1">
+                <a:shade val="50000"/>
+              </a:schemeClr>
+            </a:lnRef>
+            <a:fillRef idx="1">
+              <a:schemeClr val="accent1"/>
+            </a:fillRef>
+            <a:effectRef idx="0">
+              <a:schemeClr val="accent1"/>
+            </a:effectRef>
+            <a:fontRef idx="minor">
+              <a:schemeClr val="lt1"/>
+            </a:fontRef>
+          </p:style>
+          <p:txBody>
+            <a:bodyPr rtlCol="0" anchor="ctr"/>
+            <a:lstStyle/>
+            <a:p>
+              <a:pPr algn="ctr"/>
+              <a:r>
+                <a:rPr lang="en-US" dirty="0">
+                  <a:solidFill>
+                    <a:schemeClr val="tx1"/>
+                  </a:solidFill>
+                </a:rPr>
+                <a:t>Validation</a:t>
+              </a:r>
+            </a:p>
+          </p:txBody>
+        </p:sp>
+        <p:cxnSp>
+          <p:nvCxnSpPr>
+            <p:cNvPr id="93" name="Straight Arrow Connector 92">
+              <a:extLst>
+                <a:ext uri="{FF2B5EF4-FFF2-40B4-BE49-F238E27FC236}">
+                  <a16:creationId xmlns:a16="http://schemas.microsoft.com/office/drawing/2014/main" id="{20F62E73-D895-469C-A6A3-2C4834C7D906}"/>
+                </a:ext>
+              </a:extLst>
+            </p:cNvPr>
+            <p:cNvCxnSpPr>
+              <a:cxnSpLocks/>
+            </p:cNvCxnSpPr>
+            <p:nvPr/>
+          </p:nvCxnSpPr>
+          <p:spPr>
+            <a:xfrm flipV="1">
+              <a:off x="10052929" y="2897119"/>
+              <a:ext cx="219193" cy="2648"/>
+            </a:xfrm>
+            <a:prstGeom prst="straightConnector1">
+              <a:avLst/>
+            </a:prstGeom>
+            <a:ln w="25400">
+              <a:tailEnd type="triangle"/>
+            </a:ln>
+          </p:spPr>
+          <p:style>
+            <a:lnRef idx="1">
+              <a:schemeClr val="accent1"/>
+            </a:lnRef>
+            <a:fillRef idx="0">
+              <a:schemeClr val="accent1"/>
+            </a:fillRef>
+            <a:effectRef idx="0">
+              <a:schemeClr val="accent1"/>
+            </a:effectRef>
+            <a:fontRef idx="minor">
+              <a:schemeClr val="tx1"/>
+            </a:fontRef>
+          </p:style>
+        </p:cxnSp>
+        <p:pic>
+          <p:nvPicPr>
+            <p:cNvPr id="48" name="Picture 2" descr="File icon PNG, ICO or ICNS | Free vector icons">
+              <a:extLst>
+                <a:ext uri="{FF2B5EF4-FFF2-40B4-BE49-F238E27FC236}">
+                  <a16:creationId xmlns:a16="http://schemas.microsoft.com/office/drawing/2014/main" id="{215A1029-767A-4D19-B539-7093934E2BE9}"/>
+                </a:ext>
+              </a:extLst>
+            </p:cNvPr>
+            <p:cNvPicPr>
+              <a:picLocks noChangeAspect="1" noChangeArrowheads="1"/>
+            </p:cNvPicPr>
+            <p:nvPr/>
+          </p:nvPicPr>
+          <p:blipFill>
+            <a:blip r:embed="rId2">
+              <a:extLst>
+                <a:ext uri="{28A0092B-C50C-407E-A947-70E740481C1C}">
+                  <a14:useLocalDpi xmlns:a14="http://schemas.microsoft.com/office/drawing/2010/main" val="0"/>
+                </a:ext>
+              </a:extLst>
+            </a:blip>
+            <a:srcRect/>
+            <a:stretch>
+              <a:fillRect/>
+            </a:stretch>
+          </p:blipFill>
+          <p:spPr bwMode="auto">
+            <a:xfrm>
+              <a:off x="2686503" y="1892328"/>
+              <a:ext cx="739140" cy="739140"/>
+            </a:xfrm>
+            <a:prstGeom prst="rect">
+              <a:avLst/>
+            </a:prstGeom>
+            <a:noFill/>
+            <a:extLst>
+              <a:ext uri="{909E8E84-426E-40DD-AFC4-6F175D3DCCD1}">
+                <a14:hiddenFill xmlns:a14="http://schemas.microsoft.com/office/drawing/2010/main">
+                  <a:solidFill>
+                    <a:srgbClr val="FFFFFF"/>
+                  </a:solidFill>
+                </a14:hiddenFill>
+              </a:ext>
+            </a:extLst>
+          </p:spPr>
+        </p:pic>
+        <p:sp>
+          <p:nvSpPr>
+            <p:cNvPr id="49" name="TextBox 48">
+              <a:extLst>
+                <a:ext uri="{FF2B5EF4-FFF2-40B4-BE49-F238E27FC236}">
+                  <a16:creationId xmlns:a16="http://schemas.microsoft.com/office/drawing/2014/main" id="{C964056E-778C-4174-929A-B1F746AADF90}"/>
+                </a:ext>
+              </a:extLst>
+            </p:cNvPr>
+            <p:cNvSpPr txBox="1"/>
+            <p:nvPr/>
+          </p:nvSpPr>
+          <p:spPr>
+            <a:xfrm>
+              <a:off x="2282643" y="2564793"/>
+              <a:ext cx="1676400" cy="646331"/>
+            </a:xfrm>
+            <a:prstGeom prst="rect">
+              <a:avLst/>
+            </a:prstGeom>
+            <a:noFill/>
+          </p:spPr>
+          <p:txBody>
+            <a:bodyPr wrap="square" rtlCol="0">
+              <a:spAutoFit/>
+            </a:bodyPr>
+            <a:lstStyle/>
+            <a:p>
+              <a:r>
+                <a:rPr lang="en-US" dirty="0"/>
+                <a:t>Buggy Method</a:t>
+              </a:r>
+            </a:p>
+            <a:p>
+              <a:pPr algn="ctr"/>
+              <a:r>
+                <a:rPr lang="en-US" dirty="0"/>
+                <a:t>(</a:t>
+              </a:r>
+              <a:r>
+                <a:rPr lang="en-US" sz="1600" dirty="0"/>
+                <a:t>after FL</a:t>
+              </a:r>
+              <a:r>
+                <a:rPr lang="en-US" dirty="0"/>
+                <a:t>)</a:t>
+              </a:r>
+            </a:p>
+          </p:txBody>
+        </p:sp>
+        <p:sp>
+          <p:nvSpPr>
+            <p:cNvPr id="50" name="TextBox 49">
+              <a:extLst>
+                <a:ext uri="{FF2B5EF4-FFF2-40B4-BE49-F238E27FC236}">
+                  <a16:creationId xmlns:a16="http://schemas.microsoft.com/office/drawing/2014/main" id="{90478059-5B00-4F78-92CF-89C08F5A18C2}"/>
+                </a:ext>
+              </a:extLst>
+            </p:cNvPr>
+            <p:cNvSpPr txBox="1"/>
+            <p:nvPr/>
+          </p:nvSpPr>
+          <p:spPr>
+            <a:xfrm>
+              <a:off x="2069887" y="3384301"/>
+              <a:ext cx="1890669" cy="261610"/>
+            </a:xfrm>
+            <a:prstGeom prst="rect">
+              <a:avLst/>
+            </a:prstGeom>
+            <a:noFill/>
+            <a:ln w="25400">
+              <a:solidFill>
+                <a:schemeClr val="tx1"/>
+              </a:solidFill>
+            </a:ln>
+          </p:spPr>
+          <p:txBody>
+            <a:bodyPr wrap="square" rtlCol="0">
+              <a:spAutoFit/>
+            </a:bodyPr>
+            <a:lstStyle/>
+            <a:p>
+              <a:r>
+                <a:rPr lang="en-US" sz="1100" dirty="0">
+                  <a:latin typeface="Courier New" panose="02070309020205020404" pitchFamily="49" charset="0"/>
+                  <a:cs typeface="Courier New" panose="02070309020205020404" pitchFamily="49" charset="0"/>
+                </a:rPr>
+                <a:t>If (dataset != null)</a:t>
+              </a:r>
+            </a:p>
+          </p:txBody>
+        </p:sp>
+        <p:sp>
+          <p:nvSpPr>
+            <p:cNvPr id="51" name="TextBox 50">
+              <a:extLst>
+                <a:ext uri="{FF2B5EF4-FFF2-40B4-BE49-F238E27FC236}">
+                  <a16:creationId xmlns:a16="http://schemas.microsoft.com/office/drawing/2014/main" id="{2A8598B2-640F-4B23-BB75-24DE4F275096}"/>
+                </a:ext>
+              </a:extLst>
+            </p:cNvPr>
+            <p:cNvSpPr txBox="1"/>
+            <p:nvPr/>
+          </p:nvSpPr>
+          <p:spPr>
+            <a:xfrm>
+              <a:off x="1778618" y="3606590"/>
+              <a:ext cx="2570098" cy="646331"/>
+            </a:xfrm>
+            <a:prstGeom prst="rect">
+              <a:avLst/>
+            </a:prstGeom>
+            <a:noFill/>
+          </p:spPr>
+          <p:txBody>
+            <a:bodyPr wrap="square" rtlCol="0">
+              <a:spAutoFit/>
+            </a:bodyPr>
+            <a:lstStyle/>
+            <a:p>
+              <a:pPr algn="ctr"/>
+              <a:r>
+                <a:rPr lang="en-US" dirty="0"/>
+                <a:t>A Buggy Statement</a:t>
+              </a:r>
+            </a:p>
+            <a:p>
+              <a:pPr algn="ctr"/>
+              <a:r>
+                <a:rPr lang="en-US" dirty="0"/>
+                <a:t>(</a:t>
+              </a:r>
+              <a:r>
+                <a:rPr lang="en-US" sz="1400" dirty="0"/>
+                <a:t>after FL</a:t>
+              </a:r>
+              <a:r>
+                <a:rPr lang="en-US" dirty="0"/>
+                <a:t>)</a:t>
+              </a:r>
+            </a:p>
+          </p:txBody>
+        </p:sp>
+        <p:cxnSp>
+          <p:nvCxnSpPr>
+            <p:cNvPr id="56" name="Straight Arrow Connector 55">
+              <a:extLst>
+                <a:ext uri="{FF2B5EF4-FFF2-40B4-BE49-F238E27FC236}">
+                  <a16:creationId xmlns:a16="http://schemas.microsoft.com/office/drawing/2014/main" id="{B72355D6-8E68-48A0-8AFE-0497A961CD42}"/>
+                </a:ext>
+              </a:extLst>
+            </p:cNvPr>
+            <p:cNvCxnSpPr>
+              <a:cxnSpLocks/>
+            </p:cNvCxnSpPr>
+            <p:nvPr/>
+          </p:nvCxnSpPr>
+          <p:spPr>
+            <a:xfrm>
+              <a:off x="3739377" y="2901058"/>
+              <a:ext cx="298333" cy="100"/>
+            </a:xfrm>
+            <a:prstGeom prst="straightConnector1">
+              <a:avLst/>
+            </a:prstGeom>
+            <a:ln w="25400">
+              <a:tailEnd type="triangle"/>
+            </a:ln>
+          </p:spPr>
+          <p:style>
+            <a:lnRef idx="1">
+              <a:schemeClr val="accent1"/>
+            </a:lnRef>
+            <a:fillRef idx="0">
+              <a:schemeClr val="accent1"/>
+            </a:fillRef>
+            <a:effectRef idx="0">
+              <a:schemeClr val="accent1"/>
+            </a:effectRef>
+            <a:fontRef idx="minor">
+              <a:schemeClr val="tx1"/>
+            </a:fontRef>
+          </p:style>
+        </p:cxnSp>
+      </p:grpSp>
+    </p:spTree>
+    <p:extLst>
+      <p:ext uri="{BB962C8B-B14F-4D97-AF65-F5344CB8AC3E}">
+        <p14:creationId xmlns:p14="http://schemas.microsoft.com/office/powerpoint/2010/main" val="2101372483"/>
+      </p:ext>
+    </p:extLst>
+  </p:cSld>
+  <p:clrMapOvr>
+    <a:masterClrMapping/>
+  </p:clrMapOvr>
+</p:sld>
+</file>
+
 <file path=ppt/theme/theme1.xml><?xml version="1.0" encoding="utf-8"?>
 <a:theme xmlns:a="http://schemas.openxmlformats.org/drawingml/2006/main" name="Office Theme">
   <a:themeElements>

--- a/Figures.pptx
+++ b/Figures.pptx
@@ -12,8 +12,8 @@
     <p:sldId id="257" r:id="rId3"/>
     <p:sldId id="258" r:id="rId4"/>
     <p:sldId id="259" r:id="rId5"/>
-    <p:sldId id="260" r:id="rId6"/>
-    <p:sldId id="261" r:id="rId7"/>
+    <p:sldId id="261" r:id="rId6"/>
+    <p:sldId id="260" r:id="rId7"/>
     <p:sldId id="262" r:id="rId8"/>
   </p:sldIdLst>
   <p:sldSz cx="12192000" cy="6858000"/>
@@ -13114,2724 +13114,6 @@
         </p:nvGrpSpPr>
         <p:grpSpPr>
           <a:xfrm>
-            <a:off x="3553528" y="3256980"/>
-            <a:ext cx="939800" cy="697706"/>
-            <a:chOff x="3473450" y="1362075"/>
-            <a:chExt cx="939800" cy="697706"/>
-          </a:xfrm>
-        </p:grpSpPr>
-        <p:sp>
-          <p:nvSpPr>
-            <p:cNvPr id="30" name="Oval 29">
-              <a:extLst>
-                <a:ext uri="{FF2B5EF4-FFF2-40B4-BE49-F238E27FC236}">
-                  <a16:creationId xmlns:a16="http://schemas.microsoft.com/office/drawing/2014/main" id="{EEF954A3-9480-4CA0-B4FC-159685D64AE4}"/>
-                </a:ext>
-              </a:extLst>
-            </p:cNvPr>
-            <p:cNvSpPr/>
-            <p:nvPr/>
-          </p:nvSpPr>
-          <p:spPr>
-            <a:xfrm>
-              <a:off x="3841750" y="1362075"/>
-              <a:ext cx="190500" cy="190500"/>
-            </a:xfrm>
-            <a:prstGeom prst="ellipse">
-              <a:avLst/>
-            </a:prstGeom>
-            <a:solidFill>
-              <a:srgbClr val="FFC000"/>
-            </a:solidFill>
-            <a:ln>
-              <a:solidFill>
-                <a:schemeClr val="accent6">
-                  <a:lumMod val="75000"/>
-                </a:schemeClr>
-              </a:solidFill>
-            </a:ln>
-          </p:spPr>
-          <p:style>
-            <a:lnRef idx="2">
-              <a:schemeClr val="accent1">
-                <a:shade val="50000"/>
-              </a:schemeClr>
-            </a:lnRef>
-            <a:fillRef idx="1">
-              <a:schemeClr val="accent1"/>
-            </a:fillRef>
-            <a:effectRef idx="0">
-              <a:schemeClr val="accent1"/>
-            </a:effectRef>
-            <a:fontRef idx="minor">
-              <a:schemeClr val="lt1"/>
-            </a:fontRef>
-          </p:style>
-          <p:txBody>
-            <a:bodyPr rtlCol="0" anchor="ctr"/>
-            <a:lstStyle/>
-            <a:p>
-              <a:pPr algn="ctr"/>
-              <a:endParaRPr lang="en-US"/>
-            </a:p>
-          </p:txBody>
-        </p:sp>
-        <p:sp>
-          <p:nvSpPr>
-            <p:cNvPr id="31" name="Oval 30">
-              <a:extLst>
-                <a:ext uri="{FF2B5EF4-FFF2-40B4-BE49-F238E27FC236}">
-                  <a16:creationId xmlns:a16="http://schemas.microsoft.com/office/drawing/2014/main" id="{58A1E0DF-95CB-4330-9C77-3EF88213FAAB}"/>
-                </a:ext>
-              </a:extLst>
-            </p:cNvPr>
-            <p:cNvSpPr/>
-            <p:nvPr/>
-          </p:nvSpPr>
-          <p:spPr>
-            <a:xfrm>
-              <a:off x="3473450" y="1869281"/>
-              <a:ext cx="190500" cy="190500"/>
-            </a:xfrm>
-            <a:prstGeom prst="ellipse">
-              <a:avLst/>
-            </a:prstGeom>
-            <a:solidFill>
-              <a:schemeClr val="accent6">
-                <a:lumMod val="40000"/>
-                <a:lumOff val="60000"/>
-              </a:schemeClr>
-            </a:solidFill>
-            <a:ln>
-              <a:solidFill>
-                <a:schemeClr val="accent6">
-                  <a:lumMod val="75000"/>
-                </a:schemeClr>
-              </a:solidFill>
-            </a:ln>
-          </p:spPr>
-          <p:style>
-            <a:lnRef idx="2">
-              <a:schemeClr val="accent1">
-                <a:shade val="50000"/>
-              </a:schemeClr>
-            </a:lnRef>
-            <a:fillRef idx="1">
-              <a:schemeClr val="accent1"/>
-            </a:fillRef>
-            <a:effectRef idx="0">
-              <a:schemeClr val="accent1"/>
-            </a:effectRef>
-            <a:fontRef idx="minor">
-              <a:schemeClr val="lt1"/>
-            </a:fontRef>
-          </p:style>
-          <p:txBody>
-            <a:bodyPr rtlCol="0" anchor="ctr"/>
-            <a:lstStyle/>
-            <a:p>
-              <a:pPr algn="ctr"/>
-              <a:endParaRPr lang="en-US"/>
-            </a:p>
-          </p:txBody>
-        </p:sp>
-        <p:sp>
-          <p:nvSpPr>
-            <p:cNvPr id="32" name="Oval 31">
-              <a:extLst>
-                <a:ext uri="{FF2B5EF4-FFF2-40B4-BE49-F238E27FC236}">
-                  <a16:creationId xmlns:a16="http://schemas.microsoft.com/office/drawing/2014/main" id="{0DDD9695-12DF-43C3-ADB3-499688F71623}"/>
-                </a:ext>
-              </a:extLst>
-            </p:cNvPr>
-            <p:cNvSpPr/>
-            <p:nvPr/>
-          </p:nvSpPr>
-          <p:spPr>
-            <a:xfrm>
-              <a:off x="4222750" y="1869281"/>
-              <a:ext cx="190500" cy="190500"/>
-            </a:xfrm>
-            <a:prstGeom prst="ellipse">
-              <a:avLst/>
-            </a:prstGeom>
-            <a:solidFill>
-              <a:srgbClr val="FFC000"/>
-            </a:solidFill>
-            <a:ln>
-              <a:solidFill>
-                <a:schemeClr val="accent6">
-                  <a:lumMod val="75000"/>
-                </a:schemeClr>
-              </a:solidFill>
-            </a:ln>
-          </p:spPr>
-          <p:style>
-            <a:lnRef idx="2">
-              <a:schemeClr val="accent1">
-                <a:shade val="50000"/>
-              </a:schemeClr>
-            </a:lnRef>
-            <a:fillRef idx="1">
-              <a:schemeClr val="accent1"/>
-            </a:fillRef>
-            <a:effectRef idx="0">
-              <a:schemeClr val="accent1"/>
-            </a:effectRef>
-            <a:fontRef idx="minor">
-              <a:schemeClr val="lt1"/>
-            </a:fontRef>
-          </p:style>
-          <p:txBody>
-            <a:bodyPr rtlCol="0" anchor="ctr"/>
-            <a:lstStyle/>
-            <a:p>
-              <a:pPr algn="ctr"/>
-              <a:endParaRPr lang="en-US"/>
-            </a:p>
-          </p:txBody>
-        </p:sp>
-        <p:cxnSp>
-          <p:nvCxnSpPr>
-            <p:cNvPr id="35" name="Straight Arrow Connector 34">
-              <a:extLst>
-                <a:ext uri="{FF2B5EF4-FFF2-40B4-BE49-F238E27FC236}">
-                  <a16:creationId xmlns:a16="http://schemas.microsoft.com/office/drawing/2014/main" id="{AF5B46F4-4D19-4BD5-A143-52DB9798FBFC}"/>
-                </a:ext>
-              </a:extLst>
-            </p:cNvPr>
-            <p:cNvCxnSpPr>
-              <a:stCxn id="30" idx="3"/>
-              <a:endCxn id="31" idx="6"/>
-            </p:cNvCxnSpPr>
-            <p:nvPr/>
-          </p:nvCxnSpPr>
-          <p:spPr>
-            <a:xfrm flipH="1">
-              <a:off x="3636052" y="1524677"/>
-              <a:ext cx="233596" cy="372502"/>
-            </a:xfrm>
-            <a:prstGeom prst="straightConnector1">
-              <a:avLst/>
-            </a:prstGeom>
-            <a:ln w="25400">
-              <a:tailEnd type="triangle"/>
-            </a:ln>
-          </p:spPr>
-          <p:style>
-            <a:lnRef idx="1">
-              <a:schemeClr val="accent1"/>
-            </a:lnRef>
-            <a:fillRef idx="0">
-              <a:schemeClr val="accent1"/>
-            </a:fillRef>
-            <a:effectRef idx="0">
-              <a:schemeClr val="accent1"/>
-            </a:effectRef>
-            <a:fontRef idx="minor">
-              <a:schemeClr val="tx1"/>
-            </a:fontRef>
-          </p:style>
-        </p:cxnSp>
-        <p:cxnSp>
-          <p:nvCxnSpPr>
-            <p:cNvPr id="36" name="Straight Arrow Connector 35">
-              <a:extLst>
-                <a:ext uri="{FF2B5EF4-FFF2-40B4-BE49-F238E27FC236}">
-                  <a16:creationId xmlns:a16="http://schemas.microsoft.com/office/drawing/2014/main" id="{78FBCFC5-9FC6-4F19-A292-7BFFE2AAACC7}"/>
-                </a:ext>
-              </a:extLst>
-            </p:cNvPr>
-            <p:cNvCxnSpPr>
-              <a:cxnSpLocks/>
-              <a:stCxn id="30" idx="5"/>
-              <a:endCxn id="32" idx="1"/>
-            </p:cNvCxnSpPr>
-            <p:nvPr/>
-          </p:nvCxnSpPr>
-          <p:spPr>
-            <a:xfrm>
-              <a:off x="4004352" y="1524677"/>
-              <a:ext cx="246296" cy="372502"/>
-            </a:xfrm>
-            <a:prstGeom prst="straightConnector1">
-              <a:avLst/>
-            </a:prstGeom>
-            <a:ln w="25400">
-              <a:solidFill>
-                <a:srgbClr val="FF0000"/>
-              </a:solidFill>
-              <a:tailEnd type="triangle"/>
-            </a:ln>
-          </p:spPr>
-          <p:style>
-            <a:lnRef idx="1">
-              <a:schemeClr val="accent1"/>
-            </a:lnRef>
-            <a:fillRef idx="0">
-              <a:schemeClr val="accent1"/>
-            </a:fillRef>
-            <a:effectRef idx="0">
-              <a:schemeClr val="accent1"/>
-            </a:effectRef>
-            <a:fontRef idx="minor">
-              <a:schemeClr val="tx1"/>
-            </a:fontRef>
-          </p:style>
-        </p:cxnSp>
-      </p:grpSp>
-      <p:sp>
-        <p:nvSpPr>
-          <p:cNvPr id="40" name="TextBox 39">
-            <a:extLst>
-              <a:ext uri="{FF2B5EF4-FFF2-40B4-BE49-F238E27FC236}">
-                <a16:creationId xmlns:a16="http://schemas.microsoft.com/office/drawing/2014/main" id="{7281DC49-955F-4674-8199-971A898A330D}"/>
-              </a:ext>
-            </a:extLst>
-          </p:cNvPr>
-          <p:cNvSpPr txBox="1"/>
-          <p:nvPr/>
-        </p:nvSpPr>
-        <p:spPr>
-          <a:xfrm>
-            <a:off x="3185115" y="3946339"/>
-            <a:ext cx="1951196" cy="369332"/>
-          </a:xfrm>
-          <a:prstGeom prst="rect">
-            <a:avLst/>
-          </a:prstGeom>
-          <a:noFill/>
-        </p:spPr>
-        <p:txBody>
-          <a:bodyPr wrap="square" rtlCol="0">
-            <a:spAutoFit/>
-          </a:bodyPr>
-          <a:lstStyle/>
-          <a:p>
-            <a:r>
-              <a:rPr lang="en-US" dirty="0"/>
-              <a:t>Buggy subtree</a:t>
-            </a:r>
-          </a:p>
-        </p:txBody>
-      </p:sp>
-      <p:sp>
-        <p:nvSpPr>
-          <p:cNvPr id="27" name="Rectangle: Rounded Corners 26">
-            <a:extLst>
-              <a:ext uri="{FF2B5EF4-FFF2-40B4-BE49-F238E27FC236}">
-                <a16:creationId xmlns:a16="http://schemas.microsoft.com/office/drawing/2014/main" id="{8B88DDE6-293D-4F1C-BA48-7E0B585C5C6C}"/>
-              </a:ext>
-            </a:extLst>
-          </p:cNvPr>
-          <p:cNvSpPr/>
-          <p:nvPr/>
-        </p:nvSpPr>
-        <p:spPr>
-          <a:xfrm>
-            <a:off x="4926756" y="1720371"/>
-            <a:ext cx="1912032" cy="802049"/>
-          </a:xfrm>
-          <a:prstGeom prst="roundRect">
-            <a:avLst/>
-          </a:prstGeom>
-          <a:solidFill>
-            <a:schemeClr val="accent2">
-              <a:lumMod val="20000"/>
-              <a:lumOff val="80000"/>
-            </a:schemeClr>
-          </a:solidFill>
-          <a:ln w="25400">
-            <a:solidFill>
-              <a:schemeClr val="accent2">
-                <a:lumMod val="75000"/>
-              </a:schemeClr>
-            </a:solidFill>
-          </a:ln>
-        </p:spPr>
-        <p:style>
-          <a:lnRef idx="2">
-            <a:schemeClr val="accent1">
-              <a:shade val="50000"/>
-            </a:schemeClr>
-          </a:lnRef>
-          <a:fillRef idx="1">
-            <a:schemeClr val="accent1"/>
-          </a:fillRef>
-          <a:effectRef idx="0">
-            <a:schemeClr val="accent1"/>
-          </a:effectRef>
-          <a:fontRef idx="minor">
-            <a:schemeClr val="lt1"/>
-          </a:fontRef>
-        </p:style>
-        <p:txBody>
-          <a:bodyPr rtlCol="0" anchor="ctr"/>
-          <a:lstStyle/>
-          <a:p>
-            <a:pPr algn="ctr"/>
-            <a:r>
-              <a:rPr lang="en-US" dirty="0">
-                <a:solidFill>
-                  <a:schemeClr val="tx1"/>
-                </a:solidFill>
-              </a:rPr>
-              <a:t>Tree-based Context Learning</a:t>
-            </a:r>
-          </a:p>
-        </p:txBody>
-      </p:sp>
-      <p:sp>
-        <p:nvSpPr>
-          <p:cNvPr id="42" name="Rectangle: Rounded Corners 41">
-            <a:extLst>
-              <a:ext uri="{FF2B5EF4-FFF2-40B4-BE49-F238E27FC236}">
-                <a16:creationId xmlns:a16="http://schemas.microsoft.com/office/drawing/2014/main" id="{C61147BF-A6E9-423A-BBD5-EBB5D1B3AAC6}"/>
-              </a:ext>
-            </a:extLst>
-          </p:cNvPr>
-          <p:cNvSpPr/>
-          <p:nvPr/>
-        </p:nvSpPr>
-        <p:spPr>
-          <a:xfrm>
-            <a:off x="4926755" y="3386232"/>
-            <a:ext cx="1909735" cy="776767"/>
-          </a:xfrm>
-          <a:prstGeom prst="roundRect">
-            <a:avLst/>
-          </a:prstGeom>
-          <a:solidFill>
-            <a:schemeClr val="accent2">
-              <a:lumMod val="20000"/>
-              <a:lumOff val="80000"/>
-            </a:schemeClr>
-          </a:solidFill>
-          <a:ln w="25400">
-            <a:solidFill>
-              <a:schemeClr val="accent2">
-                <a:lumMod val="75000"/>
-              </a:schemeClr>
-            </a:solidFill>
-          </a:ln>
-        </p:spPr>
-        <p:style>
-          <a:lnRef idx="2">
-            <a:schemeClr val="accent1">
-              <a:shade val="50000"/>
-            </a:schemeClr>
-          </a:lnRef>
-          <a:fillRef idx="1">
-            <a:schemeClr val="accent1"/>
-          </a:fillRef>
-          <a:effectRef idx="0">
-            <a:schemeClr val="accent1"/>
-          </a:effectRef>
-          <a:fontRef idx="minor">
-            <a:schemeClr val="lt1"/>
-          </a:fontRef>
-        </p:style>
-        <p:txBody>
-          <a:bodyPr rtlCol="0" anchor="ctr"/>
-          <a:lstStyle/>
-          <a:p>
-            <a:pPr algn="ctr"/>
-            <a:r>
-              <a:rPr lang="en-US" dirty="0">
-                <a:solidFill>
-                  <a:schemeClr val="tx1"/>
-                </a:solidFill>
-              </a:rPr>
-              <a:t>Tree-based Transformation Learning</a:t>
-            </a:r>
-          </a:p>
-        </p:txBody>
-      </p:sp>
-      <p:sp>
-        <p:nvSpPr>
-          <p:cNvPr id="43" name="Rectangle: Rounded Corners 42">
-            <a:extLst>
-              <a:ext uri="{FF2B5EF4-FFF2-40B4-BE49-F238E27FC236}">
-                <a16:creationId xmlns:a16="http://schemas.microsoft.com/office/drawing/2014/main" id="{5DAA0177-339C-495D-8153-6541C884CD2D}"/>
-              </a:ext>
-            </a:extLst>
-          </p:cNvPr>
-          <p:cNvSpPr/>
-          <p:nvPr/>
-        </p:nvSpPr>
-        <p:spPr>
-          <a:xfrm>
-            <a:off x="5044572" y="2794089"/>
-            <a:ext cx="1676400" cy="291245"/>
-          </a:xfrm>
-          <a:prstGeom prst="roundRect">
-            <a:avLst/>
-          </a:prstGeom>
-          <a:solidFill>
-            <a:schemeClr val="accent2">
-              <a:lumMod val="20000"/>
-              <a:lumOff val="80000"/>
-            </a:schemeClr>
-          </a:solidFill>
-          <a:ln w="25400">
-            <a:solidFill>
-              <a:schemeClr val="accent2">
-                <a:lumMod val="75000"/>
-              </a:schemeClr>
-            </a:solidFill>
-          </a:ln>
-        </p:spPr>
-        <p:style>
-          <a:lnRef idx="2">
-            <a:schemeClr val="accent1">
-              <a:shade val="50000"/>
-            </a:schemeClr>
-          </a:lnRef>
-          <a:fillRef idx="1">
-            <a:schemeClr val="accent1"/>
-          </a:fillRef>
-          <a:effectRef idx="0">
-            <a:schemeClr val="accent1"/>
-          </a:effectRef>
-          <a:fontRef idx="minor">
-            <a:schemeClr val="lt1"/>
-          </a:fontRef>
-        </p:style>
-        <p:txBody>
-          <a:bodyPr rtlCol="0" anchor="ctr"/>
-          <a:lstStyle/>
-          <a:p>
-            <a:pPr algn="ctr"/>
-            <a:r>
-              <a:rPr lang="en-US" dirty="0">
-                <a:solidFill>
-                  <a:schemeClr val="tx1"/>
-                </a:solidFill>
-              </a:rPr>
-              <a:t>Joint Training</a:t>
-            </a:r>
-          </a:p>
-        </p:txBody>
-      </p:sp>
-      <p:cxnSp>
-        <p:nvCxnSpPr>
-          <p:cNvPr id="75" name="Straight Arrow Connector 74">
-            <a:extLst>
-              <a:ext uri="{FF2B5EF4-FFF2-40B4-BE49-F238E27FC236}">
-                <a16:creationId xmlns:a16="http://schemas.microsoft.com/office/drawing/2014/main" id="{1E26547B-40D7-4EC9-A296-9A275442F3A1}"/>
-              </a:ext>
-            </a:extLst>
-          </p:cNvPr>
-          <p:cNvCxnSpPr/>
-          <p:nvPr/>
-        </p:nvCxnSpPr>
-        <p:spPr>
-          <a:xfrm flipV="1">
-            <a:off x="4596193" y="3745645"/>
-            <a:ext cx="332860" cy="2649"/>
-          </a:xfrm>
-          <a:prstGeom prst="straightConnector1">
-            <a:avLst/>
-          </a:prstGeom>
-          <a:ln w="25400">
-            <a:tailEnd type="triangle"/>
-          </a:ln>
-        </p:spPr>
-        <p:style>
-          <a:lnRef idx="1">
-            <a:schemeClr val="accent1"/>
-          </a:lnRef>
-          <a:fillRef idx="0">
-            <a:schemeClr val="accent1"/>
-          </a:fillRef>
-          <a:effectRef idx="0">
-            <a:schemeClr val="accent1"/>
-          </a:effectRef>
-          <a:fontRef idx="minor">
-            <a:schemeClr val="tx1"/>
-          </a:fontRef>
-        </p:style>
-      </p:cxnSp>
-      <p:cxnSp>
-        <p:nvCxnSpPr>
-          <p:cNvPr id="76" name="Straight Arrow Connector 75">
-            <a:extLst>
-              <a:ext uri="{FF2B5EF4-FFF2-40B4-BE49-F238E27FC236}">
-                <a16:creationId xmlns:a16="http://schemas.microsoft.com/office/drawing/2014/main" id="{79185833-1F06-46BC-B258-D8B677D60BAF}"/>
-              </a:ext>
-            </a:extLst>
-          </p:cNvPr>
-          <p:cNvCxnSpPr/>
-          <p:nvPr/>
-        </p:nvCxnSpPr>
-        <p:spPr>
-          <a:xfrm flipV="1">
-            <a:off x="4596193" y="2089592"/>
-            <a:ext cx="332860" cy="2649"/>
-          </a:xfrm>
-          <a:prstGeom prst="straightConnector1">
-            <a:avLst/>
-          </a:prstGeom>
-          <a:ln w="25400">
-            <a:tailEnd type="triangle"/>
-          </a:ln>
-        </p:spPr>
-        <p:style>
-          <a:lnRef idx="1">
-            <a:schemeClr val="accent1"/>
-          </a:lnRef>
-          <a:fillRef idx="0">
-            <a:schemeClr val="accent1"/>
-          </a:fillRef>
-          <a:effectRef idx="0">
-            <a:schemeClr val="accent1"/>
-          </a:effectRef>
-          <a:fontRef idx="minor">
-            <a:schemeClr val="tx1"/>
-          </a:fontRef>
-        </p:style>
-      </p:cxnSp>
-      <p:cxnSp>
-        <p:nvCxnSpPr>
-          <p:cNvPr id="78" name="Straight Arrow Connector 77">
-            <a:extLst>
-              <a:ext uri="{FF2B5EF4-FFF2-40B4-BE49-F238E27FC236}">
-                <a16:creationId xmlns:a16="http://schemas.microsoft.com/office/drawing/2014/main" id="{AC8674C8-FC1F-4CF8-8F79-89EE6085AB9F}"/>
-              </a:ext>
-            </a:extLst>
-          </p:cNvPr>
-          <p:cNvCxnSpPr>
-            <a:cxnSpLocks/>
-          </p:cNvCxnSpPr>
-          <p:nvPr/>
-        </p:nvCxnSpPr>
-        <p:spPr>
-          <a:xfrm flipH="1">
-            <a:off x="6836490" y="3774614"/>
-            <a:ext cx="368300" cy="1"/>
-          </a:xfrm>
-          <a:prstGeom prst="straightConnector1">
-            <a:avLst/>
-          </a:prstGeom>
-          <a:ln w="25400">
-            <a:tailEnd type="triangle"/>
-          </a:ln>
-        </p:spPr>
-        <p:style>
-          <a:lnRef idx="1">
-            <a:schemeClr val="accent1"/>
-          </a:lnRef>
-          <a:fillRef idx="0">
-            <a:schemeClr val="accent1"/>
-          </a:fillRef>
-          <a:effectRef idx="0">
-            <a:schemeClr val="accent1"/>
-          </a:effectRef>
-          <a:fontRef idx="minor">
-            <a:schemeClr val="tx1"/>
-          </a:fontRef>
-        </p:style>
-      </p:cxnSp>
-      <p:cxnSp>
-        <p:nvCxnSpPr>
-          <p:cNvPr id="91" name="Straight Arrow Connector 90">
-            <a:extLst>
-              <a:ext uri="{FF2B5EF4-FFF2-40B4-BE49-F238E27FC236}">
-                <a16:creationId xmlns:a16="http://schemas.microsoft.com/office/drawing/2014/main" id="{4711F1A2-0517-44EA-BC94-3B2EFD35FA99}"/>
-              </a:ext>
-            </a:extLst>
-          </p:cNvPr>
-          <p:cNvCxnSpPr>
-            <a:cxnSpLocks/>
-            <a:stCxn id="27" idx="2"/>
-            <a:endCxn id="43" idx="0"/>
-          </p:cNvCxnSpPr>
-          <p:nvPr/>
-        </p:nvCxnSpPr>
-        <p:spPr>
-          <a:xfrm>
-            <a:off x="5882772" y="2522420"/>
-            <a:ext cx="0" cy="271669"/>
-          </a:xfrm>
-          <a:prstGeom prst="straightConnector1">
-            <a:avLst/>
-          </a:prstGeom>
-          <a:ln w="25400">
-            <a:headEnd type="triangle"/>
-            <a:tailEnd type="triangle"/>
-          </a:ln>
-        </p:spPr>
-        <p:style>
-          <a:lnRef idx="1">
-            <a:schemeClr val="accent1"/>
-          </a:lnRef>
-          <a:fillRef idx="0">
-            <a:schemeClr val="accent1"/>
-          </a:fillRef>
-          <a:effectRef idx="0">
-            <a:schemeClr val="accent1"/>
-          </a:effectRef>
-          <a:fontRef idx="minor">
-            <a:schemeClr val="tx1"/>
-          </a:fontRef>
-        </p:style>
-      </p:cxnSp>
-      <p:cxnSp>
-        <p:nvCxnSpPr>
-          <p:cNvPr id="94" name="Straight Arrow Connector 93">
-            <a:extLst>
-              <a:ext uri="{FF2B5EF4-FFF2-40B4-BE49-F238E27FC236}">
-                <a16:creationId xmlns:a16="http://schemas.microsoft.com/office/drawing/2014/main" id="{5756A5B5-A2B2-43E3-AA1A-CB7E355B869F}"/>
-              </a:ext>
-            </a:extLst>
-          </p:cNvPr>
-          <p:cNvCxnSpPr>
-            <a:cxnSpLocks/>
-            <a:stCxn id="43" idx="2"/>
-            <a:endCxn id="42" idx="0"/>
-          </p:cNvCxnSpPr>
-          <p:nvPr/>
-        </p:nvCxnSpPr>
-        <p:spPr>
-          <a:xfrm flipH="1">
-            <a:off x="5881623" y="3085334"/>
-            <a:ext cx="1149" cy="300898"/>
-          </a:xfrm>
-          <a:prstGeom prst="straightConnector1">
-            <a:avLst/>
-          </a:prstGeom>
-          <a:ln w="25400">
-            <a:headEnd type="triangle"/>
-            <a:tailEnd type="triangle"/>
-          </a:ln>
-        </p:spPr>
-        <p:style>
-          <a:lnRef idx="1">
-            <a:schemeClr val="accent1"/>
-          </a:lnRef>
-          <a:fillRef idx="0">
-            <a:schemeClr val="accent1"/>
-          </a:fillRef>
-          <a:effectRef idx="0">
-            <a:schemeClr val="accent1"/>
-          </a:effectRef>
-          <a:fontRef idx="minor">
-            <a:schemeClr val="tx1"/>
-          </a:fontRef>
-        </p:style>
-      </p:cxnSp>
-      <p:pic>
-        <p:nvPicPr>
-          <p:cNvPr id="1026" name="Picture 2" descr="File icon PNG, ICO or ICNS | Free vector icons">
-            <a:extLst>
-              <a:ext uri="{FF2B5EF4-FFF2-40B4-BE49-F238E27FC236}">
-                <a16:creationId xmlns:a16="http://schemas.microsoft.com/office/drawing/2014/main" id="{AB7F84EE-974E-440C-8CE3-95AB0255AB37}"/>
-              </a:ext>
-            </a:extLst>
-          </p:cNvPr>
-          <p:cNvPicPr>
-            <a:picLocks noChangeAspect="1" noChangeArrowheads="1"/>
-          </p:cNvPicPr>
-          <p:nvPr/>
-        </p:nvPicPr>
-        <p:blipFill>
-          <a:blip r:embed="rId2">
-            <a:extLst>
-              <a:ext uri="{28A0092B-C50C-407E-A947-70E740481C1C}">
-                <a14:useLocalDpi xmlns:a14="http://schemas.microsoft.com/office/drawing/2010/main" val="0"/>
-              </a:ext>
-            </a:extLst>
-          </a:blip>
-          <a:srcRect/>
-          <a:stretch>
-            <a:fillRect/>
-          </a:stretch>
-        </p:blipFill>
-        <p:spPr bwMode="auto">
-          <a:xfrm>
-            <a:off x="668109" y="1843604"/>
-            <a:ext cx="739140" cy="739140"/>
-          </a:xfrm>
-          <a:prstGeom prst="rect">
-            <a:avLst/>
-          </a:prstGeom>
-          <a:noFill/>
-          <a:extLst>
-            <a:ext uri="{909E8E84-426E-40DD-AFC4-6F175D3DCCD1}">
-              <a14:hiddenFill xmlns:a14="http://schemas.microsoft.com/office/drawing/2010/main">
-                <a:solidFill>
-                  <a:srgbClr val="FFFFFF"/>
-                </a:solidFill>
-              </a14:hiddenFill>
-            </a:ext>
-          </a:extLst>
-        </p:spPr>
-      </p:pic>
-      <p:sp>
-        <p:nvSpPr>
-          <p:cNvPr id="4" name="TextBox 3">
-            <a:extLst>
-              <a:ext uri="{FF2B5EF4-FFF2-40B4-BE49-F238E27FC236}">
-                <a16:creationId xmlns:a16="http://schemas.microsoft.com/office/drawing/2014/main" id="{120230DA-EEEB-4EF0-A3AA-AC3282437485}"/>
-              </a:ext>
-            </a:extLst>
-          </p:cNvPr>
-          <p:cNvSpPr txBox="1"/>
-          <p:nvPr/>
-        </p:nvSpPr>
-        <p:spPr>
-          <a:xfrm>
-            <a:off x="264249" y="2516069"/>
-            <a:ext cx="1676400" cy="369332"/>
-          </a:xfrm>
-          <a:prstGeom prst="rect">
-            <a:avLst/>
-          </a:prstGeom>
-          <a:noFill/>
-        </p:spPr>
-        <p:txBody>
-          <a:bodyPr wrap="square" rtlCol="0">
-            <a:spAutoFit/>
-          </a:bodyPr>
-          <a:lstStyle/>
-          <a:p>
-            <a:r>
-              <a:rPr lang="en-US" dirty="0"/>
-              <a:t>Buggy Method</a:t>
-            </a:r>
-          </a:p>
-        </p:txBody>
-      </p:sp>
-      <p:sp>
-        <p:nvSpPr>
-          <p:cNvPr id="5" name="TextBox 4">
-            <a:extLst>
-              <a:ext uri="{FF2B5EF4-FFF2-40B4-BE49-F238E27FC236}">
-                <a16:creationId xmlns:a16="http://schemas.microsoft.com/office/drawing/2014/main" id="{58A0AC6F-8E0D-4B49-AE84-030B6DA34D4B}"/>
-              </a:ext>
-            </a:extLst>
-          </p:cNvPr>
-          <p:cNvSpPr txBox="1"/>
-          <p:nvPr/>
-        </p:nvSpPr>
-        <p:spPr>
-          <a:xfrm>
-            <a:off x="110304" y="3670987"/>
-            <a:ext cx="1890669" cy="261610"/>
-          </a:xfrm>
-          <a:prstGeom prst="rect">
-            <a:avLst/>
-          </a:prstGeom>
-          <a:noFill/>
-          <a:ln w="25400">
-            <a:solidFill>
-              <a:schemeClr val="tx1"/>
-            </a:solidFill>
-          </a:ln>
-        </p:spPr>
-        <p:txBody>
-          <a:bodyPr wrap="square" rtlCol="0">
-            <a:spAutoFit/>
-          </a:bodyPr>
-          <a:lstStyle/>
-          <a:p>
-            <a:r>
-              <a:rPr lang="en-US" sz="1100" dirty="0">
-                <a:latin typeface="Courier New" panose="02070309020205020404" pitchFamily="49" charset="0"/>
-                <a:cs typeface="Courier New" panose="02070309020205020404" pitchFamily="49" charset="0"/>
-              </a:rPr>
-              <a:t>If (dataset != null)</a:t>
-            </a:r>
-          </a:p>
-        </p:txBody>
-      </p:sp>
-      <p:sp>
-        <p:nvSpPr>
-          <p:cNvPr id="8" name="TextBox 7">
-            <a:extLst>
-              <a:ext uri="{FF2B5EF4-FFF2-40B4-BE49-F238E27FC236}">
-                <a16:creationId xmlns:a16="http://schemas.microsoft.com/office/drawing/2014/main" id="{83A439AB-E935-409E-B1A3-9C31F2794CD7}"/>
-              </a:ext>
-            </a:extLst>
-          </p:cNvPr>
-          <p:cNvSpPr txBox="1"/>
-          <p:nvPr/>
-        </p:nvSpPr>
-        <p:spPr>
-          <a:xfrm>
-            <a:off x="57391" y="3967833"/>
-            <a:ext cx="2019300" cy="369332"/>
-          </a:xfrm>
-          <a:prstGeom prst="rect">
-            <a:avLst/>
-          </a:prstGeom>
-          <a:noFill/>
-        </p:spPr>
-        <p:txBody>
-          <a:bodyPr wrap="square" rtlCol="0">
-            <a:spAutoFit/>
-          </a:bodyPr>
-          <a:lstStyle/>
-          <a:p>
-            <a:r>
-              <a:rPr lang="en-US" dirty="0"/>
-              <a:t>A Buggy Statement</a:t>
-            </a:r>
-          </a:p>
-        </p:txBody>
-      </p:sp>
-      <p:sp>
-        <p:nvSpPr>
-          <p:cNvPr id="68" name="Rectangle: Rounded Corners 67">
-            <a:extLst>
-              <a:ext uri="{FF2B5EF4-FFF2-40B4-BE49-F238E27FC236}">
-                <a16:creationId xmlns:a16="http://schemas.microsoft.com/office/drawing/2014/main" id="{A466D679-29DD-4A75-9A76-3022E6E7E2A7}"/>
-              </a:ext>
-            </a:extLst>
-          </p:cNvPr>
-          <p:cNvSpPr/>
-          <p:nvPr/>
-        </p:nvSpPr>
-        <p:spPr>
-          <a:xfrm>
-            <a:off x="2263846" y="2382174"/>
-            <a:ext cx="754219" cy="1018261"/>
-          </a:xfrm>
-          <a:prstGeom prst="roundRect">
-            <a:avLst/>
-          </a:prstGeom>
-          <a:solidFill>
-            <a:schemeClr val="accent2">
-              <a:lumMod val="20000"/>
-              <a:lumOff val="80000"/>
-            </a:schemeClr>
-          </a:solidFill>
-          <a:ln w="25400">
-            <a:solidFill>
-              <a:schemeClr val="accent2">
-                <a:lumMod val="75000"/>
-              </a:schemeClr>
-            </a:solidFill>
-          </a:ln>
-        </p:spPr>
-        <p:style>
-          <a:lnRef idx="2">
-            <a:schemeClr val="accent1">
-              <a:shade val="50000"/>
-            </a:schemeClr>
-          </a:lnRef>
-          <a:fillRef idx="1">
-            <a:schemeClr val="accent1"/>
-          </a:fillRef>
-          <a:effectRef idx="0">
-            <a:schemeClr val="accent1"/>
-          </a:effectRef>
-          <a:fontRef idx="minor">
-            <a:schemeClr val="lt1"/>
-          </a:fontRef>
-        </p:style>
-        <p:txBody>
-          <a:bodyPr rtlCol="0" anchor="ctr"/>
-          <a:lstStyle/>
-          <a:p>
-            <a:pPr algn="ctr"/>
-            <a:r>
-              <a:rPr lang="en-US" dirty="0" err="1">
-                <a:solidFill>
-                  <a:schemeClr val="tx1"/>
-                </a:solidFill>
-              </a:rPr>
-              <a:t>BuildAST</a:t>
-            </a:r>
-            <a:endParaRPr lang="en-US" dirty="0">
-              <a:solidFill>
-                <a:schemeClr val="tx1"/>
-              </a:solidFill>
-            </a:endParaRPr>
-          </a:p>
-        </p:txBody>
-      </p:sp>
-      <p:cxnSp>
-        <p:nvCxnSpPr>
-          <p:cNvPr id="45" name="Straight Arrow Connector 44">
-            <a:extLst>
-              <a:ext uri="{FF2B5EF4-FFF2-40B4-BE49-F238E27FC236}">
-                <a16:creationId xmlns:a16="http://schemas.microsoft.com/office/drawing/2014/main" id="{B46D66FB-63ED-495E-BF5D-8F2CE178CB01}"/>
-              </a:ext>
-            </a:extLst>
-          </p:cNvPr>
-          <p:cNvCxnSpPr>
-            <a:cxnSpLocks/>
-            <a:stCxn id="5" idx="3"/>
-            <a:endCxn id="68" idx="1"/>
-          </p:cNvCxnSpPr>
-          <p:nvPr/>
-        </p:nvCxnSpPr>
-        <p:spPr>
-          <a:xfrm flipV="1">
-            <a:off x="2000973" y="2891305"/>
-            <a:ext cx="262873" cy="910487"/>
-          </a:xfrm>
-          <a:prstGeom prst="straightConnector1">
-            <a:avLst/>
-          </a:prstGeom>
-          <a:ln w="25400">
-            <a:tailEnd type="triangle"/>
-          </a:ln>
-        </p:spPr>
-        <p:style>
-          <a:lnRef idx="1">
-            <a:schemeClr val="accent1"/>
-          </a:lnRef>
-          <a:fillRef idx="0">
-            <a:schemeClr val="accent1"/>
-          </a:fillRef>
-          <a:effectRef idx="0">
-            <a:schemeClr val="accent1"/>
-          </a:effectRef>
-          <a:fontRef idx="minor">
-            <a:schemeClr val="tx1"/>
-          </a:fontRef>
-        </p:style>
-      </p:cxnSp>
-      <p:cxnSp>
-        <p:nvCxnSpPr>
-          <p:cNvPr id="69" name="Straight Arrow Connector 68">
-            <a:extLst>
-              <a:ext uri="{FF2B5EF4-FFF2-40B4-BE49-F238E27FC236}">
-                <a16:creationId xmlns:a16="http://schemas.microsoft.com/office/drawing/2014/main" id="{14531D7C-533B-4300-9190-F7E975DE0E4A}"/>
-              </a:ext>
-            </a:extLst>
-          </p:cNvPr>
-          <p:cNvCxnSpPr>
-            <a:cxnSpLocks/>
-          </p:cNvCxnSpPr>
-          <p:nvPr/>
-        </p:nvCxnSpPr>
-        <p:spPr>
-          <a:xfrm>
-            <a:off x="1067041" y="2898206"/>
-            <a:ext cx="0" cy="703462"/>
-          </a:xfrm>
-          <a:prstGeom prst="straightConnector1">
-            <a:avLst/>
-          </a:prstGeom>
-          <a:ln w="25400">
-            <a:headEnd type="none" w="med" len="med"/>
-            <a:tailEnd type="triangle" w="med" len="med"/>
-          </a:ln>
-        </p:spPr>
-        <p:style>
-          <a:lnRef idx="1">
-            <a:schemeClr val="accent1"/>
-          </a:lnRef>
-          <a:fillRef idx="0">
-            <a:schemeClr val="accent1"/>
-          </a:fillRef>
-          <a:effectRef idx="0">
-            <a:schemeClr val="accent1"/>
-          </a:effectRef>
-          <a:fontRef idx="minor">
-            <a:schemeClr val="tx1"/>
-          </a:fontRef>
-        </p:style>
-      </p:cxnSp>
-      <p:cxnSp>
-        <p:nvCxnSpPr>
-          <p:cNvPr id="71" name="Straight Arrow Connector 70">
-            <a:extLst>
-              <a:ext uri="{FF2B5EF4-FFF2-40B4-BE49-F238E27FC236}">
-                <a16:creationId xmlns:a16="http://schemas.microsoft.com/office/drawing/2014/main" id="{F604B536-219B-4A4F-A8A8-E5BCEC1358BD}"/>
-              </a:ext>
-            </a:extLst>
-          </p:cNvPr>
-          <p:cNvCxnSpPr>
-            <a:cxnSpLocks/>
-            <a:endCxn id="68" idx="1"/>
-          </p:cNvCxnSpPr>
-          <p:nvPr/>
-        </p:nvCxnSpPr>
-        <p:spPr>
-          <a:xfrm>
-            <a:off x="1991860" y="2257969"/>
-            <a:ext cx="271986" cy="633336"/>
-          </a:xfrm>
-          <a:prstGeom prst="straightConnector1">
-            <a:avLst/>
-          </a:prstGeom>
-          <a:ln w="25400">
-            <a:tailEnd type="triangle"/>
-          </a:ln>
-        </p:spPr>
-        <p:style>
-          <a:lnRef idx="1">
-            <a:schemeClr val="accent1"/>
-          </a:lnRef>
-          <a:fillRef idx="0">
-            <a:schemeClr val="accent1"/>
-          </a:fillRef>
-          <a:effectRef idx="0">
-            <a:schemeClr val="accent1"/>
-          </a:effectRef>
-          <a:fontRef idx="minor">
-            <a:schemeClr val="tx1"/>
-          </a:fontRef>
-        </p:style>
-      </p:cxnSp>
-      <p:grpSp>
-        <p:nvGrpSpPr>
-          <p:cNvPr id="37" name="Group 36">
-            <a:extLst>
-              <a:ext uri="{FF2B5EF4-FFF2-40B4-BE49-F238E27FC236}">
-                <a16:creationId xmlns:a16="http://schemas.microsoft.com/office/drawing/2014/main" id="{974154A5-740B-480B-9790-7068A1519CEC}"/>
-              </a:ext>
-            </a:extLst>
-          </p:cNvPr>
-          <p:cNvGrpSpPr/>
-          <p:nvPr/>
-        </p:nvGrpSpPr>
-        <p:grpSpPr>
-          <a:xfrm>
-            <a:off x="3230113" y="1630000"/>
-            <a:ext cx="2229827" cy="1283966"/>
-            <a:chOff x="3140452" y="1589365"/>
-            <a:chExt cx="2229827" cy="1283966"/>
-          </a:xfrm>
-        </p:grpSpPr>
-        <p:grpSp>
-          <p:nvGrpSpPr>
-            <p:cNvPr id="28" name="Group 27">
-              <a:extLst>
-                <a:ext uri="{FF2B5EF4-FFF2-40B4-BE49-F238E27FC236}">
-                  <a16:creationId xmlns:a16="http://schemas.microsoft.com/office/drawing/2014/main" id="{A484B772-D35C-4C6A-87CA-D367F3C908BE}"/>
-                </a:ext>
-              </a:extLst>
-            </p:cNvPr>
-            <p:cNvGrpSpPr/>
-            <p:nvPr/>
-          </p:nvGrpSpPr>
-          <p:grpSpPr>
-            <a:xfrm>
-              <a:off x="3140452" y="1589365"/>
-              <a:ext cx="2229827" cy="1283966"/>
-              <a:chOff x="3031490" y="1371365"/>
-              <a:chExt cx="2229827" cy="1283966"/>
-            </a:xfrm>
-          </p:grpSpPr>
-          <p:grpSp>
-            <p:nvGrpSpPr>
-              <p:cNvPr id="26" name="Group 25">
-                <a:extLst>
-                  <a:ext uri="{FF2B5EF4-FFF2-40B4-BE49-F238E27FC236}">
-                    <a16:creationId xmlns:a16="http://schemas.microsoft.com/office/drawing/2014/main" id="{C9C5E1EB-45B8-465C-B0B4-434626BA3FE9}"/>
-                  </a:ext>
-                </a:extLst>
-              </p:cNvPr>
-              <p:cNvGrpSpPr/>
-              <p:nvPr/>
-            </p:nvGrpSpPr>
-            <p:grpSpPr>
-              <a:xfrm>
-                <a:off x="3031490" y="1464230"/>
-                <a:ext cx="1314450" cy="1191101"/>
-                <a:chOff x="3473450" y="1362075"/>
-                <a:chExt cx="1314450" cy="1191101"/>
-              </a:xfrm>
-            </p:grpSpPr>
-            <p:sp>
-              <p:nvSpPr>
-                <p:cNvPr id="6" name="Oval 5">
-                  <a:extLst>
-                    <a:ext uri="{FF2B5EF4-FFF2-40B4-BE49-F238E27FC236}">
-                      <a16:creationId xmlns:a16="http://schemas.microsoft.com/office/drawing/2014/main" id="{470D599C-3F89-4886-9C49-233CC1602D01}"/>
-                    </a:ext>
-                  </a:extLst>
-                </p:cNvPr>
-                <p:cNvSpPr/>
-                <p:nvPr/>
-              </p:nvSpPr>
-              <p:spPr>
-                <a:xfrm>
-                  <a:off x="3841750" y="1362075"/>
-                  <a:ext cx="190500" cy="190500"/>
-                </a:xfrm>
-                <a:prstGeom prst="ellipse">
-                  <a:avLst/>
-                </a:prstGeom>
-                <a:solidFill>
-                  <a:schemeClr val="accent6">
-                    <a:lumMod val="40000"/>
-                    <a:lumOff val="60000"/>
-                  </a:schemeClr>
-                </a:solidFill>
-                <a:ln>
-                  <a:solidFill>
-                    <a:schemeClr val="accent6">
-                      <a:lumMod val="75000"/>
-                    </a:schemeClr>
-                  </a:solidFill>
-                </a:ln>
-              </p:spPr>
-              <p:style>
-                <a:lnRef idx="2">
-                  <a:schemeClr val="accent1">
-                    <a:shade val="50000"/>
-                  </a:schemeClr>
-                </a:lnRef>
-                <a:fillRef idx="1">
-                  <a:schemeClr val="accent1"/>
-                </a:fillRef>
-                <a:effectRef idx="0">
-                  <a:schemeClr val="accent1"/>
-                </a:effectRef>
-                <a:fontRef idx="minor">
-                  <a:schemeClr val="lt1"/>
-                </a:fontRef>
-              </p:style>
-              <p:txBody>
-                <a:bodyPr rtlCol="0" anchor="ctr"/>
-                <a:lstStyle/>
-                <a:p>
-                  <a:pPr algn="ctr"/>
-                  <a:endParaRPr lang="en-US"/>
-                </a:p>
-              </p:txBody>
-            </p:sp>
-            <p:sp>
-              <p:nvSpPr>
-                <p:cNvPr id="10" name="Oval 9">
-                  <a:extLst>
-                    <a:ext uri="{FF2B5EF4-FFF2-40B4-BE49-F238E27FC236}">
-                      <a16:creationId xmlns:a16="http://schemas.microsoft.com/office/drawing/2014/main" id="{78A16A7B-ED5A-4841-9100-606221F042A4}"/>
-                    </a:ext>
-                  </a:extLst>
-                </p:cNvPr>
-                <p:cNvSpPr/>
-                <p:nvPr/>
-              </p:nvSpPr>
-              <p:spPr>
-                <a:xfrm>
-                  <a:off x="3473450" y="1869281"/>
-                  <a:ext cx="190500" cy="190500"/>
-                </a:xfrm>
-                <a:prstGeom prst="ellipse">
-                  <a:avLst/>
-                </a:prstGeom>
-                <a:solidFill>
-                  <a:schemeClr val="accent6">
-                    <a:lumMod val="40000"/>
-                    <a:lumOff val="60000"/>
-                  </a:schemeClr>
-                </a:solidFill>
-                <a:ln>
-                  <a:solidFill>
-                    <a:schemeClr val="accent6">
-                      <a:lumMod val="75000"/>
-                    </a:schemeClr>
-                  </a:solidFill>
-                </a:ln>
-              </p:spPr>
-              <p:style>
-                <a:lnRef idx="2">
-                  <a:schemeClr val="accent1">
-                    <a:shade val="50000"/>
-                  </a:schemeClr>
-                </a:lnRef>
-                <a:fillRef idx="1">
-                  <a:schemeClr val="accent1"/>
-                </a:fillRef>
-                <a:effectRef idx="0">
-                  <a:schemeClr val="accent1"/>
-                </a:effectRef>
-                <a:fontRef idx="minor">
-                  <a:schemeClr val="lt1"/>
-                </a:fontRef>
-              </p:style>
-              <p:txBody>
-                <a:bodyPr rtlCol="0" anchor="ctr"/>
-                <a:lstStyle/>
-                <a:p>
-                  <a:pPr algn="ctr"/>
-                  <a:endParaRPr lang="en-US"/>
-                </a:p>
-              </p:txBody>
-            </p:sp>
-            <p:sp>
-              <p:nvSpPr>
-                <p:cNvPr id="11" name="Oval 10">
-                  <a:extLst>
-                    <a:ext uri="{FF2B5EF4-FFF2-40B4-BE49-F238E27FC236}">
-                      <a16:creationId xmlns:a16="http://schemas.microsoft.com/office/drawing/2014/main" id="{DD7077DB-E4CA-42D0-8062-535BCA33231D}"/>
-                    </a:ext>
-                  </a:extLst>
-                </p:cNvPr>
-                <p:cNvSpPr/>
-                <p:nvPr/>
-              </p:nvSpPr>
-              <p:spPr>
-                <a:xfrm>
-                  <a:off x="4222750" y="1869281"/>
-                  <a:ext cx="190500" cy="190500"/>
-                </a:xfrm>
-                <a:prstGeom prst="ellipse">
-                  <a:avLst/>
-                </a:prstGeom>
-                <a:solidFill>
-                  <a:srgbClr val="FFC000"/>
-                </a:solidFill>
-                <a:ln>
-                  <a:solidFill>
-                    <a:schemeClr val="accent6">
-                      <a:lumMod val="75000"/>
-                    </a:schemeClr>
-                  </a:solidFill>
-                </a:ln>
-              </p:spPr>
-              <p:style>
-                <a:lnRef idx="2">
-                  <a:schemeClr val="accent1">
-                    <a:shade val="50000"/>
-                  </a:schemeClr>
-                </a:lnRef>
-                <a:fillRef idx="1">
-                  <a:schemeClr val="accent1"/>
-                </a:fillRef>
-                <a:effectRef idx="0">
-                  <a:schemeClr val="accent1"/>
-                </a:effectRef>
-                <a:fontRef idx="minor">
-                  <a:schemeClr val="lt1"/>
-                </a:fontRef>
-              </p:style>
-              <p:txBody>
-                <a:bodyPr rtlCol="0" anchor="ctr"/>
-                <a:lstStyle/>
-                <a:p>
-                  <a:pPr algn="ctr"/>
-                  <a:endParaRPr lang="en-US"/>
-                </a:p>
-              </p:txBody>
-            </p:sp>
-            <p:sp>
-              <p:nvSpPr>
-                <p:cNvPr id="12" name="Oval 11">
-                  <a:extLst>
-                    <a:ext uri="{FF2B5EF4-FFF2-40B4-BE49-F238E27FC236}">
-                      <a16:creationId xmlns:a16="http://schemas.microsoft.com/office/drawing/2014/main" id="{3D3CCC25-56F3-44D6-8B44-3996C81026B6}"/>
-                    </a:ext>
-                  </a:extLst>
-                </p:cNvPr>
-                <p:cNvSpPr/>
-                <p:nvPr/>
-              </p:nvSpPr>
-              <p:spPr>
-                <a:xfrm>
-                  <a:off x="3841750" y="2362676"/>
-                  <a:ext cx="190500" cy="190500"/>
-                </a:xfrm>
-                <a:prstGeom prst="ellipse">
-                  <a:avLst/>
-                </a:prstGeom>
-                <a:solidFill>
-                  <a:schemeClr val="accent6">
-                    <a:lumMod val="40000"/>
-                    <a:lumOff val="60000"/>
-                  </a:schemeClr>
-                </a:solidFill>
-                <a:ln>
-                  <a:solidFill>
-                    <a:schemeClr val="accent6">
-                      <a:lumMod val="75000"/>
-                    </a:schemeClr>
-                  </a:solidFill>
-                </a:ln>
-              </p:spPr>
-              <p:style>
-                <a:lnRef idx="2">
-                  <a:schemeClr val="accent1">
-                    <a:shade val="50000"/>
-                  </a:schemeClr>
-                </a:lnRef>
-                <a:fillRef idx="1">
-                  <a:schemeClr val="accent1"/>
-                </a:fillRef>
-                <a:effectRef idx="0">
-                  <a:schemeClr val="accent1"/>
-                </a:effectRef>
-                <a:fontRef idx="minor">
-                  <a:schemeClr val="lt1"/>
-                </a:fontRef>
-              </p:style>
-              <p:txBody>
-                <a:bodyPr rtlCol="0" anchor="ctr"/>
-                <a:lstStyle/>
-                <a:p>
-                  <a:pPr algn="ctr"/>
-                  <a:endParaRPr lang="en-US"/>
-                </a:p>
-              </p:txBody>
-            </p:sp>
-            <p:sp>
-              <p:nvSpPr>
-                <p:cNvPr id="13" name="Oval 12">
-                  <a:extLst>
-                    <a:ext uri="{FF2B5EF4-FFF2-40B4-BE49-F238E27FC236}">
-                      <a16:creationId xmlns:a16="http://schemas.microsoft.com/office/drawing/2014/main" id="{0551262F-7014-40A1-B3DA-EBD3D5A57888}"/>
-                    </a:ext>
-                  </a:extLst>
-                </p:cNvPr>
-                <p:cNvSpPr/>
-                <p:nvPr/>
-              </p:nvSpPr>
-              <p:spPr>
-                <a:xfrm>
-                  <a:off x="4597400" y="2362676"/>
-                  <a:ext cx="190500" cy="190500"/>
-                </a:xfrm>
-                <a:prstGeom prst="ellipse">
-                  <a:avLst/>
-                </a:prstGeom>
-                <a:solidFill>
-                  <a:srgbClr val="FFC000"/>
-                </a:solidFill>
-                <a:ln>
-                  <a:solidFill>
-                    <a:schemeClr val="accent6">
-                      <a:lumMod val="75000"/>
-                    </a:schemeClr>
-                  </a:solidFill>
-                </a:ln>
-              </p:spPr>
-              <p:style>
-                <a:lnRef idx="2">
-                  <a:schemeClr val="accent1">
-                    <a:shade val="50000"/>
-                  </a:schemeClr>
-                </a:lnRef>
-                <a:fillRef idx="1">
-                  <a:schemeClr val="accent1"/>
-                </a:fillRef>
-                <a:effectRef idx="0">
-                  <a:schemeClr val="accent1"/>
-                </a:effectRef>
-                <a:fontRef idx="minor">
-                  <a:schemeClr val="lt1"/>
-                </a:fontRef>
-              </p:style>
-              <p:txBody>
-                <a:bodyPr rtlCol="0" anchor="ctr"/>
-                <a:lstStyle/>
-                <a:p>
-                  <a:pPr algn="ctr"/>
-                  <a:endParaRPr lang="en-US" dirty="0"/>
-                </a:p>
-              </p:txBody>
-            </p:sp>
-            <p:cxnSp>
-              <p:nvCxnSpPr>
-                <p:cNvPr id="9" name="Straight Arrow Connector 8">
-                  <a:extLst>
-                    <a:ext uri="{FF2B5EF4-FFF2-40B4-BE49-F238E27FC236}">
-                      <a16:creationId xmlns:a16="http://schemas.microsoft.com/office/drawing/2014/main" id="{A570A030-BD8A-40B7-886B-8931F720D89E}"/>
-                    </a:ext>
-                  </a:extLst>
-                </p:cNvPr>
-                <p:cNvCxnSpPr>
-                  <a:cxnSpLocks/>
-                  <a:stCxn id="6" idx="3"/>
-                  <a:endCxn id="10" idx="6"/>
-                </p:cNvCxnSpPr>
-                <p:nvPr/>
-              </p:nvCxnSpPr>
-              <p:spPr>
-                <a:xfrm flipH="1">
-                  <a:off x="3636052" y="1524677"/>
-                  <a:ext cx="233596" cy="372502"/>
-                </a:xfrm>
-                <a:prstGeom prst="straightConnector1">
-                  <a:avLst/>
-                </a:prstGeom>
-                <a:ln w="25400">
-                  <a:tailEnd type="triangle"/>
-                </a:ln>
-              </p:spPr>
-              <p:style>
-                <a:lnRef idx="1">
-                  <a:schemeClr val="accent1"/>
-                </a:lnRef>
-                <a:fillRef idx="0">
-                  <a:schemeClr val="accent1"/>
-                </a:fillRef>
-                <a:effectRef idx="0">
-                  <a:schemeClr val="accent1"/>
-                </a:effectRef>
-                <a:fontRef idx="minor">
-                  <a:schemeClr val="tx1"/>
-                </a:fontRef>
-              </p:style>
-            </p:cxnSp>
-            <p:cxnSp>
-              <p:nvCxnSpPr>
-                <p:cNvPr id="16" name="Straight Arrow Connector 15">
-                  <a:extLst>
-                    <a:ext uri="{FF2B5EF4-FFF2-40B4-BE49-F238E27FC236}">
-                      <a16:creationId xmlns:a16="http://schemas.microsoft.com/office/drawing/2014/main" id="{A67836DA-BBDF-4AA1-9287-B74AADA97FDB}"/>
-                    </a:ext>
-                  </a:extLst>
-                </p:cNvPr>
-                <p:cNvCxnSpPr>
-                  <a:cxnSpLocks/>
-                  <a:stCxn id="6" idx="5"/>
-                  <a:endCxn id="11" idx="1"/>
-                </p:cNvCxnSpPr>
-                <p:nvPr/>
-              </p:nvCxnSpPr>
-              <p:spPr>
-                <a:xfrm>
-                  <a:off x="4004352" y="1524677"/>
-                  <a:ext cx="246296" cy="372502"/>
-                </a:xfrm>
-                <a:prstGeom prst="straightConnector1">
-                  <a:avLst/>
-                </a:prstGeom>
-                <a:ln w="25400">
-                  <a:tailEnd type="triangle"/>
-                </a:ln>
-              </p:spPr>
-              <p:style>
-                <a:lnRef idx="1">
-                  <a:schemeClr val="accent1"/>
-                </a:lnRef>
-                <a:fillRef idx="0">
-                  <a:schemeClr val="accent1"/>
-                </a:fillRef>
-                <a:effectRef idx="0">
-                  <a:schemeClr val="accent1"/>
-                </a:effectRef>
-                <a:fontRef idx="minor">
-                  <a:schemeClr val="tx1"/>
-                </a:fontRef>
-              </p:style>
-            </p:cxnSp>
-            <p:cxnSp>
-              <p:nvCxnSpPr>
-                <p:cNvPr id="19" name="Straight Arrow Connector 18">
-                  <a:extLst>
-                    <a:ext uri="{FF2B5EF4-FFF2-40B4-BE49-F238E27FC236}">
-                      <a16:creationId xmlns:a16="http://schemas.microsoft.com/office/drawing/2014/main" id="{4BFCEB90-0F52-4654-BF5F-ED99ABC9EE00}"/>
-                    </a:ext>
-                  </a:extLst>
-                </p:cNvPr>
-                <p:cNvCxnSpPr>
-                  <a:cxnSpLocks/>
-                  <a:stCxn id="11" idx="3"/>
-                  <a:endCxn id="12" idx="7"/>
-                </p:cNvCxnSpPr>
-                <p:nvPr/>
-              </p:nvCxnSpPr>
-              <p:spPr>
-                <a:xfrm flipH="1">
-                  <a:off x="4004352" y="2031883"/>
-                  <a:ext cx="246296" cy="358691"/>
-                </a:xfrm>
-                <a:prstGeom prst="straightConnector1">
-                  <a:avLst/>
-                </a:prstGeom>
-                <a:ln w="25400">
-                  <a:tailEnd type="triangle"/>
-                </a:ln>
-              </p:spPr>
-              <p:style>
-                <a:lnRef idx="1">
-                  <a:schemeClr val="accent1"/>
-                </a:lnRef>
-                <a:fillRef idx="0">
-                  <a:schemeClr val="accent1"/>
-                </a:fillRef>
-                <a:effectRef idx="0">
-                  <a:schemeClr val="accent1"/>
-                </a:effectRef>
-                <a:fontRef idx="minor">
-                  <a:schemeClr val="tx1"/>
-                </a:fontRef>
-              </p:style>
-            </p:cxnSp>
-            <p:cxnSp>
-              <p:nvCxnSpPr>
-                <p:cNvPr id="22" name="Straight Arrow Connector 21">
-                  <a:extLst>
-                    <a:ext uri="{FF2B5EF4-FFF2-40B4-BE49-F238E27FC236}">
-                      <a16:creationId xmlns:a16="http://schemas.microsoft.com/office/drawing/2014/main" id="{78729F2F-4120-4631-B35F-1DA81F1BE9A1}"/>
-                    </a:ext>
-                  </a:extLst>
-                </p:cNvPr>
-                <p:cNvCxnSpPr>
-                  <a:cxnSpLocks/>
-                  <a:stCxn id="11" idx="5"/>
-                  <a:endCxn id="13" idx="1"/>
-                </p:cNvCxnSpPr>
-                <p:nvPr/>
-              </p:nvCxnSpPr>
-              <p:spPr>
-                <a:xfrm>
-                  <a:off x="4385352" y="2031883"/>
-                  <a:ext cx="239946" cy="358691"/>
-                </a:xfrm>
-                <a:prstGeom prst="straightConnector1">
-                  <a:avLst/>
-                </a:prstGeom>
-                <a:ln w="25400">
-                  <a:solidFill>
-                    <a:srgbClr val="FF0000"/>
-                  </a:solidFill>
-                  <a:tailEnd type="triangle"/>
-                </a:ln>
-              </p:spPr>
-              <p:style>
-                <a:lnRef idx="1">
-                  <a:schemeClr val="accent1"/>
-                </a:lnRef>
-                <a:fillRef idx="0">
-                  <a:schemeClr val="accent1"/>
-                </a:fillRef>
-                <a:effectRef idx="0">
-                  <a:schemeClr val="accent1"/>
-                </a:effectRef>
-                <a:fontRef idx="minor">
-                  <a:schemeClr val="tx1"/>
-                </a:fontRef>
-              </p:style>
-            </p:cxnSp>
-          </p:grpSp>
-          <p:sp>
-            <p:nvSpPr>
-              <p:cNvPr id="39" name="TextBox 38">
-                <a:extLst>
-                  <a:ext uri="{FF2B5EF4-FFF2-40B4-BE49-F238E27FC236}">
-                    <a16:creationId xmlns:a16="http://schemas.microsoft.com/office/drawing/2014/main" id="{DFF9EEFC-8DFB-4D04-BF39-56044C2D8B85}"/>
-                  </a:ext>
-                </a:extLst>
-              </p:cNvPr>
-              <p:cNvSpPr txBox="1"/>
-              <p:nvPr/>
-            </p:nvSpPr>
-            <p:spPr>
-              <a:xfrm>
-                <a:off x="3584917" y="1371365"/>
-                <a:ext cx="1676400" cy="369332"/>
-              </a:xfrm>
-              <a:prstGeom prst="rect">
-                <a:avLst/>
-              </a:prstGeom>
-              <a:noFill/>
-            </p:spPr>
-            <p:txBody>
-              <a:bodyPr wrap="square" rtlCol="0">
-                <a:spAutoFit/>
-              </a:bodyPr>
-              <a:lstStyle/>
-              <a:p>
-                <a:r>
-                  <a:rPr lang="en-US" dirty="0"/>
-                  <a:t>AST</a:t>
-                </a:r>
-              </a:p>
-            </p:txBody>
-          </p:sp>
-        </p:grpSp>
-        <p:cxnSp>
-          <p:nvCxnSpPr>
-            <p:cNvPr id="34" name="Straight Arrow Connector 33">
-              <a:extLst>
-                <a:ext uri="{FF2B5EF4-FFF2-40B4-BE49-F238E27FC236}">
-                  <a16:creationId xmlns:a16="http://schemas.microsoft.com/office/drawing/2014/main" id="{800ABE5A-ED23-4F9A-97BE-93D8F344DAF2}"/>
-                </a:ext>
-              </a:extLst>
-            </p:cNvPr>
-            <p:cNvCxnSpPr>
-              <a:cxnSpLocks/>
-              <a:stCxn id="6" idx="4"/>
-            </p:cNvCxnSpPr>
-            <p:nvPr/>
-          </p:nvCxnSpPr>
-          <p:spPr>
-            <a:xfrm>
-              <a:off x="3604002" y="1872730"/>
-              <a:ext cx="0" cy="353860"/>
-            </a:xfrm>
-            <a:prstGeom prst="straightConnector1">
-              <a:avLst/>
-            </a:prstGeom>
-            <a:ln w="12700">
-              <a:tailEnd type="triangle"/>
-            </a:ln>
-          </p:spPr>
-          <p:style>
-            <a:lnRef idx="1">
-              <a:schemeClr val="accent1"/>
-            </a:lnRef>
-            <a:fillRef idx="0">
-              <a:schemeClr val="accent1"/>
-            </a:fillRef>
-            <a:effectRef idx="0">
-              <a:schemeClr val="accent1"/>
-            </a:effectRef>
-            <a:fontRef idx="minor">
-              <a:schemeClr val="tx1"/>
-            </a:fontRef>
-          </p:style>
-        </p:cxnSp>
-      </p:grpSp>
-      <p:cxnSp>
-        <p:nvCxnSpPr>
-          <p:cNvPr id="80" name="Straight Arrow Connector 79">
-            <a:extLst>
-              <a:ext uri="{FF2B5EF4-FFF2-40B4-BE49-F238E27FC236}">
-                <a16:creationId xmlns:a16="http://schemas.microsoft.com/office/drawing/2014/main" id="{A1D73F36-E776-4ED8-AACF-B1FD34EBCB56}"/>
-              </a:ext>
-            </a:extLst>
-          </p:cNvPr>
-          <p:cNvCxnSpPr/>
-          <p:nvPr/>
-        </p:nvCxnSpPr>
-        <p:spPr>
-          <a:xfrm flipV="1">
-            <a:off x="3018685" y="2887518"/>
-            <a:ext cx="332860" cy="2649"/>
-          </a:xfrm>
-          <a:prstGeom prst="straightConnector1">
-            <a:avLst/>
-          </a:prstGeom>
-          <a:ln w="25400">
-            <a:tailEnd type="triangle"/>
-          </a:ln>
-        </p:spPr>
-        <p:style>
-          <a:lnRef idx="1">
-            <a:schemeClr val="accent1"/>
-          </a:lnRef>
-          <a:fillRef idx="0">
-            <a:schemeClr val="accent1"/>
-          </a:fillRef>
-          <a:effectRef idx="0">
-            <a:schemeClr val="accent1"/>
-          </a:effectRef>
-          <a:fontRef idx="minor">
-            <a:schemeClr val="tx1"/>
-          </a:fontRef>
-        </p:style>
-      </p:cxnSp>
-      <p:cxnSp>
-        <p:nvCxnSpPr>
-          <p:cNvPr id="111" name="Straight Arrow Connector 110">
-            <a:extLst>
-              <a:ext uri="{FF2B5EF4-FFF2-40B4-BE49-F238E27FC236}">
-                <a16:creationId xmlns:a16="http://schemas.microsoft.com/office/drawing/2014/main" id="{1671B46B-0761-4984-BC79-3FC406BE6EDC}"/>
-              </a:ext>
-            </a:extLst>
-          </p:cNvPr>
-          <p:cNvCxnSpPr>
-            <a:cxnSpLocks/>
-          </p:cNvCxnSpPr>
-          <p:nvPr/>
-        </p:nvCxnSpPr>
-        <p:spPr>
-          <a:xfrm flipH="1">
-            <a:off x="6817240" y="2071717"/>
-            <a:ext cx="368300" cy="1"/>
-          </a:xfrm>
-          <a:prstGeom prst="straightConnector1">
-            <a:avLst/>
-          </a:prstGeom>
-          <a:ln w="25400">
-            <a:tailEnd type="triangle"/>
-          </a:ln>
-        </p:spPr>
-        <p:style>
-          <a:lnRef idx="1">
-            <a:schemeClr val="accent1"/>
-          </a:lnRef>
-          <a:fillRef idx="0">
-            <a:schemeClr val="accent1"/>
-          </a:fillRef>
-          <a:effectRef idx="0">
-            <a:schemeClr val="accent1"/>
-          </a:effectRef>
-          <a:fontRef idx="minor">
-            <a:schemeClr val="tx1"/>
-          </a:fontRef>
-        </p:style>
-      </p:cxnSp>
-      <p:grpSp>
-        <p:nvGrpSpPr>
-          <p:cNvPr id="112" name="Group 111">
-            <a:extLst>
-              <a:ext uri="{FF2B5EF4-FFF2-40B4-BE49-F238E27FC236}">
-                <a16:creationId xmlns:a16="http://schemas.microsoft.com/office/drawing/2014/main" id="{44BDE4B8-D26A-4B71-93B6-356B2438C35F}"/>
-              </a:ext>
-            </a:extLst>
-          </p:cNvPr>
-          <p:cNvGrpSpPr/>
-          <p:nvPr/>
-        </p:nvGrpSpPr>
-        <p:grpSpPr>
-          <a:xfrm>
-            <a:off x="7214290" y="1610259"/>
-            <a:ext cx="1507902" cy="1308686"/>
-            <a:chOff x="7214290" y="1610259"/>
-            <a:chExt cx="1507902" cy="1308686"/>
-          </a:xfrm>
-        </p:grpSpPr>
-        <p:grpSp>
-          <p:nvGrpSpPr>
-            <p:cNvPr id="110" name="Group 109">
-              <a:extLst>
-                <a:ext uri="{FF2B5EF4-FFF2-40B4-BE49-F238E27FC236}">
-                  <a16:creationId xmlns:a16="http://schemas.microsoft.com/office/drawing/2014/main" id="{5D771EF3-42E6-4AA0-9AAB-BB8F8FFD12EC}"/>
-                </a:ext>
-              </a:extLst>
-            </p:cNvPr>
-            <p:cNvGrpSpPr/>
-            <p:nvPr/>
-          </p:nvGrpSpPr>
-          <p:grpSpPr>
-            <a:xfrm>
-              <a:off x="7214290" y="1610259"/>
-              <a:ext cx="1507902" cy="1294459"/>
-              <a:chOff x="7214290" y="1610259"/>
-              <a:chExt cx="1507902" cy="1294459"/>
-            </a:xfrm>
-          </p:grpSpPr>
-          <p:grpSp>
-            <p:nvGrpSpPr>
-              <p:cNvPr id="98" name="Group 97">
-                <a:extLst>
-                  <a:ext uri="{FF2B5EF4-FFF2-40B4-BE49-F238E27FC236}">
-                    <a16:creationId xmlns:a16="http://schemas.microsoft.com/office/drawing/2014/main" id="{7A60005C-BF80-4A5F-B7FC-0DB985BA956C}"/>
-                  </a:ext>
-                </a:extLst>
-              </p:cNvPr>
-              <p:cNvGrpSpPr/>
-              <p:nvPr/>
-            </p:nvGrpSpPr>
-            <p:grpSpPr>
-              <a:xfrm>
-                <a:off x="7214290" y="1713617"/>
-                <a:ext cx="1151848" cy="1191101"/>
-                <a:chOff x="3473450" y="1362075"/>
-                <a:chExt cx="1151848" cy="1191101"/>
-              </a:xfrm>
-            </p:grpSpPr>
-            <p:sp>
-              <p:nvSpPr>
-                <p:cNvPr id="100" name="Oval 99">
-                  <a:extLst>
-                    <a:ext uri="{FF2B5EF4-FFF2-40B4-BE49-F238E27FC236}">
-                      <a16:creationId xmlns:a16="http://schemas.microsoft.com/office/drawing/2014/main" id="{37825BF5-8DF9-4C40-949A-C43DDCA6E08C}"/>
-                    </a:ext>
-                  </a:extLst>
-                </p:cNvPr>
-                <p:cNvSpPr/>
-                <p:nvPr/>
-              </p:nvSpPr>
-              <p:spPr>
-                <a:xfrm>
-                  <a:off x="3841750" y="1362075"/>
-                  <a:ext cx="190500" cy="190500"/>
-                </a:xfrm>
-                <a:prstGeom prst="ellipse">
-                  <a:avLst/>
-                </a:prstGeom>
-                <a:solidFill>
-                  <a:schemeClr val="accent6">
-                    <a:lumMod val="40000"/>
-                    <a:lumOff val="60000"/>
-                  </a:schemeClr>
-                </a:solidFill>
-                <a:ln>
-                  <a:solidFill>
-                    <a:schemeClr val="accent6">
-                      <a:lumMod val="75000"/>
-                    </a:schemeClr>
-                  </a:solidFill>
-                </a:ln>
-              </p:spPr>
-              <p:style>
-                <a:lnRef idx="2">
-                  <a:schemeClr val="accent1">
-                    <a:shade val="50000"/>
-                  </a:schemeClr>
-                </a:lnRef>
-                <a:fillRef idx="1">
-                  <a:schemeClr val="accent1"/>
-                </a:fillRef>
-                <a:effectRef idx="0">
-                  <a:schemeClr val="accent1"/>
-                </a:effectRef>
-                <a:fontRef idx="minor">
-                  <a:schemeClr val="lt1"/>
-                </a:fontRef>
-              </p:style>
-              <p:txBody>
-                <a:bodyPr rtlCol="0" anchor="ctr"/>
-                <a:lstStyle/>
-                <a:p>
-                  <a:pPr algn="ctr"/>
-                  <a:endParaRPr lang="en-US"/>
-                </a:p>
-              </p:txBody>
-            </p:sp>
-            <p:sp>
-              <p:nvSpPr>
-                <p:cNvPr id="101" name="Oval 100">
-                  <a:extLst>
-                    <a:ext uri="{FF2B5EF4-FFF2-40B4-BE49-F238E27FC236}">
-                      <a16:creationId xmlns:a16="http://schemas.microsoft.com/office/drawing/2014/main" id="{4135860D-F88C-4583-85F5-57509D219125}"/>
-                    </a:ext>
-                  </a:extLst>
-                </p:cNvPr>
-                <p:cNvSpPr/>
-                <p:nvPr/>
-              </p:nvSpPr>
-              <p:spPr>
-                <a:xfrm>
-                  <a:off x="3473450" y="1869281"/>
-                  <a:ext cx="190500" cy="190500"/>
-                </a:xfrm>
-                <a:prstGeom prst="ellipse">
-                  <a:avLst/>
-                </a:prstGeom>
-                <a:solidFill>
-                  <a:schemeClr val="accent6">
-                    <a:lumMod val="40000"/>
-                    <a:lumOff val="60000"/>
-                  </a:schemeClr>
-                </a:solidFill>
-                <a:ln>
-                  <a:solidFill>
-                    <a:schemeClr val="accent6">
-                      <a:lumMod val="75000"/>
-                    </a:schemeClr>
-                  </a:solidFill>
-                </a:ln>
-              </p:spPr>
-              <p:style>
-                <a:lnRef idx="2">
-                  <a:schemeClr val="accent1">
-                    <a:shade val="50000"/>
-                  </a:schemeClr>
-                </a:lnRef>
-                <a:fillRef idx="1">
-                  <a:schemeClr val="accent1"/>
-                </a:fillRef>
-                <a:effectRef idx="0">
-                  <a:schemeClr val="accent1"/>
-                </a:effectRef>
-                <a:fontRef idx="minor">
-                  <a:schemeClr val="lt1"/>
-                </a:fontRef>
-              </p:style>
-              <p:txBody>
-                <a:bodyPr rtlCol="0" anchor="ctr"/>
-                <a:lstStyle/>
-                <a:p>
-                  <a:pPr algn="ctr"/>
-                  <a:endParaRPr lang="en-US"/>
-                </a:p>
-              </p:txBody>
-            </p:sp>
-            <p:sp>
-              <p:nvSpPr>
-                <p:cNvPr id="103" name="Oval 102">
-                  <a:extLst>
-                    <a:ext uri="{FF2B5EF4-FFF2-40B4-BE49-F238E27FC236}">
-                      <a16:creationId xmlns:a16="http://schemas.microsoft.com/office/drawing/2014/main" id="{CD343876-6D97-4973-A25E-7CF146F9F827}"/>
-                    </a:ext>
-                  </a:extLst>
-                </p:cNvPr>
-                <p:cNvSpPr/>
-                <p:nvPr/>
-              </p:nvSpPr>
-              <p:spPr>
-                <a:xfrm>
-                  <a:off x="3841750" y="2362676"/>
-                  <a:ext cx="190500" cy="190500"/>
-                </a:xfrm>
-                <a:prstGeom prst="ellipse">
-                  <a:avLst/>
-                </a:prstGeom>
-                <a:solidFill>
-                  <a:schemeClr val="accent6">
-                    <a:lumMod val="40000"/>
-                    <a:lumOff val="60000"/>
-                  </a:schemeClr>
-                </a:solidFill>
-                <a:ln>
-                  <a:solidFill>
-                    <a:schemeClr val="accent6">
-                      <a:lumMod val="75000"/>
-                    </a:schemeClr>
-                  </a:solidFill>
-                </a:ln>
-              </p:spPr>
-              <p:style>
-                <a:lnRef idx="2">
-                  <a:schemeClr val="accent1">
-                    <a:shade val="50000"/>
-                  </a:schemeClr>
-                </a:lnRef>
-                <a:fillRef idx="1">
-                  <a:schemeClr val="accent1"/>
-                </a:fillRef>
-                <a:effectRef idx="0">
-                  <a:schemeClr val="accent1"/>
-                </a:effectRef>
-                <a:fontRef idx="minor">
-                  <a:schemeClr val="lt1"/>
-                </a:fontRef>
-              </p:style>
-              <p:txBody>
-                <a:bodyPr rtlCol="0" anchor="ctr"/>
-                <a:lstStyle/>
-                <a:p>
-                  <a:pPr algn="ctr"/>
-                  <a:endParaRPr lang="en-US"/>
-                </a:p>
-              </p:txBody>
-            </p:sp>
-            <p:cxnSp>
-              <p:nvCxnSpPr>
-                <p:cNvPr id="105" name="Straight Arrow Connector 104">
-                  <a:extLst>
-                    <a:ext uri="{FF2B5EF4-FFF2-40B4-BE49-F238E27FC236}">
-                      <a16:creationId xmlns:a16="http://schemas.microsoft.com/office/drawing/2014/main" id="{47896730-4B6E-4D6F-9D0F-773801307D90}"/>
-                    </a:ext>
-                  </a:extLst>
-                </p:cNvPr>
-                <p:cNvCxnSpPr>
-                  <a:stCxn id="100" idx="3"/>
-                  <a:endCxn id="101" idx="6"/>
-                </p:cNvCxnSpPr>
-                <p:nvPr/>
-              </p:nvCxnSpPr>
-              <p:spPr>
-                <a:xfrm flipH="1">
-                  <a:off x="3636052" y="1524677"/>
-                  <a:ext cx="233596" cy="372502"/>
-                </a:xfrm>
-                <a:prstGeom prst="straightConnector1">
-                  <a:avLst/>
-                </a:prstGeom>
-                <a:ln w="25400">
-                  <a:tailEnd type="triangle"/>
-                </a:ln>
-              </p:spPr>
-              <p:style>
-                <a:lnRef idx="1">
-                  <a:schemeClr val="accent1"/>
-                </a:lnRef>
-                <a:fillRef idx="0">
-                  <a:schemeClr val="accent1"/>
-                </a:fillRef>
-                <a:effectRef idx="0">
-                  <a:schemeClr val="accent1"/>
-                </a:effectRef>
-                <a:fontRef idx="minor">
-                  <a:schemeClr val="tx1"/>
-                </a:fontRef>
-              </p:style>
-            </p:cxnSp>
-            <p:cxnSp>
-              <p:nvCxnSpPr>
-                <p:cNvPr id="106" name="Straight Arrow Connector 105">
-                  <a:extLst>
-                    <a:ext uri="{FF2B5EF4-FFF2-40B4-BE49-F238E27FC236}">
-                      <a16:creationId xmlns:a16="http://schemas.microsoft.com/office/drawing/2014/main" id="{D71847B8-D3B4-4C67-AE56-3D95F4A01658}"/>
-                    </a:ext>
-                  </a:extLst>
-                </p:cNvPr>
-                <p:cNvCxnSpPr>
-                  <a:cxnSpLocks/>
-                  <a:stCxn id="100" idx="5"/>
-                </p:cNvCxnSpPr>
-                <p:nvPr/>
-              </p:nvCxnSpPr>
-              <p:spPr>
-                <a:xfrm>
-                  <a:off x="4004352" y="1524677"/>
-                  <a:ext cx="246296" cy="372502"/>
-                </a:xfrm>
-                <a:prstGeom prst="straightConnector1">
-                  <a:avLst/>
-                </a:prstGeom>
-                <a:ln w="25400">
-                  <a:tailEnd type="triangle"/>
-                </a:ln>
-              </p:spPr>
-              <p:style>
-                <a:lnRef idx="1">
-                  <a:schemeClr val="accent1"/>
-                </a:lnRef>
-                <a:fillRef idx="0">
-                  <a:schemeClr val="accent1"/>
-                </a:fillRef>
-                <a:effectRef idx="0">
-                  <a:schemeClr val="accent1"/>
-                </a:effectRef>
-                <a:fontRef idx="minor">
-                  <a:schemeClr val="tx1"/>
-                </a:fontRef>
-              </p:style>
-            </p:cxnSp>
-            <p:cxnSp>
-              <p:nvCxnSpPr>
-                <p:cNvPr id="107" name="Straight Arrow Connector 106">
-                  <a:extLst>
-                    <a:ext uri="{FF2B5EF4-FFF2-40B4-BE49-F238E27FC236}">
-                      <a16:creationId xmlns:a16="http://schemas.microsoft.com/office/drawing/2014/main" id="{418EA2D4-3D5F-4CD9-B8F9-C667C7A4B08D}"/>
-                    </a:ext>
-                  </a:extLst>
-                </p:cNvPr>
-                <p:cNvCxnSpPr>
-                  <a:cxnSpLocks/>
-                  <a:endCxn id="103" idx="7"/>
-                </p:cNvCxnSpPr>
-                <p:nvPr/>
-              </p:nvCxnSpPr>
-              <p:spPr>
-                <a:xfrm flipH="1">
-                  <a:off x="4004352" y="2031883"/>
-                  <a:ext cx="246296" cy="358691"/>
-                </a:xfrm>
-                <a:prstGeom prst="straightConnector1">
-                  <a:avLst/>
-                </a:prstGeom>
-                <a:ln w="25400">
-                  <a:tailEnd type="triangle"/>
-                </a:ln>
-              </p:spPr>
-              <p:style>
-                <a:lnRef idx="1">
-                  <a:schemeClr val="accent1"/>
-                </a:lnRef>
-                <a:fillRef idx="0">
-                  <a:schemeClr val="accent1"/>
-                </a:fillRef>
-                <a:effectRef idx="0">
-                  <a:schemeClr val="accent1"/>
-                </a:effectRef>
-                <a:fontRef idx="minor">
-                  <a:schemeClr val="tx1"/>
-                </a:fontRef>
-              </p:style>
-            </p:cxnSp>
-            <p:cxnSp>
-              <p:nvCxnSpPr>
-                <p:cNvPr id="108" name="Straight Arrow Connector 107">
-                  <a:extLst>
-                    <a:ext uri="{FF2B5EF4-FFF2-40B4-BE49-F238E27FC236}">
-                      <a16:creationId xmlns:a16="http://schemas.microsoft.com/office/drawing/2014/main" id="{870D8B2F-0C38-4196-9F2F-2E9766576409}"/>
-                    </a:ext>
-                  </a:extLst>
-                </p:cNvPr>
-                <p:cNvCxnSpPr>
-                  <a:cxnSpLocks/>
-                </p:cNvCxnSpPr>
-                <p:nvPr/>
-              </p:nvCxnSpPr>
-              <p:spPr>
-                <a:xfrm>
-                  <a:off x="4385352" y="2031883"/>
-                  <a:ext cx="239946" cy="358691"/>
-                </a:xfrm>
-                <a:prstGeom prst="straightConnector1">
-                  <a:avLst/>
-                </a:prstGeom>
-                <a:ln w="25400">
-                  <a:solidFill>
-                    <a:srgbClr val="0070C0"/>
-                  </a:solidFill>
-                  <a:tailEnd type="triangle"/>
-                </a:ln>
-              </p:spPr>
-              <p:style>
-                <a:lnRef idx="1">
-                  <a:schemeClr val="accent1"/>
-                </a:lnRef>
-                <a:fillRef idx="0">
-                  <a:schemeClr val="accent1"/>
-                </a:fillRef>
-                <a:effectRef idx="0">
-                  <a:schemeClr val="accent1"/>
-                </a:effectRef>
-                <a:fontRef idx="minor">
-                  <a:schemeClr val="tx1"/>
-                </a:fontRef>
-              </p:style>
-            </p:cxnSp>
-          </p:grpSp>
-          <p:sp>
-            <p:nvSpPr>
-              <p:cNvPr id="99" name="TextBox 98">
-                <a:extLst>
-                  <a:ext uri="{FF2B5EF4-FFF2-40B4-BE49-F238E27FC236}">
-                    <a16:creationId xmlns:a16="http://schemas.microsoft.com/office/drawing/2014/main" id="{7C73FF0B-17B1-415B-940F-71BD1A376589}"/>
-                  </a:ext>
-                </a:extLst>
-              </p:cNvPr>
-              <p:cNvSpPr txBox="1"/>
-              <p:nvPr/>
-            </p:nvSpPr>
-            <p:spPr>
-              <a:xfrm>
-                <a:off x="8000792" y="1610259"/>
-                <a:ext cx="721400" cy="646331"/>
-              </a:xfrm>
-              <a:prstGeom prst="rect">
-                <a:avLst/>
-              </a:prstGeom>
-              <a:noFill/>
-            </p:spPr>
-            <p:txBody>
-              <a:bodyPr wrap="square" rtlCol="0">
-                <a:spAutoFit/>
-              </a:bodyPr>
-              <a:lstStyle/>
-              <a:p>
-                <a:r>
-                  <a:rPr lang="en-US" dirty="0"/>
-                  <a:t>Fixed AST</a:t>
-                </a:r>
-              </a:p>
-            </p:txBody>
-          </p:sp>
-          <p:cxnSp>
-            <p:nvCxnSpPr>
-              <p:cNvPr id="97" name="Straight Arrow Connector 96">
-                <a:extLst>
-                  <a:ext uri="{FF2B5EF4-FFF2-40B4-BE49-F238E27FC236}">
-                    <a16:creationId xmlns:a16="http://schemas.microsoft.com/office/drawing/2014/main" id="{55317DA4-035D-45BC-9EEA-D63B59815E1F}"/>
-                  </a:ext>
-                </a:extLst>
-              </p:cNvPr>
-              <p:cNvCxnSpPr>
-                <a:cxnSpLocks/>
-                <a:stCxn id="100" idx="4"/>
-              </p:cNvCxnSpPr>
-              <p:nvPr/>
-            </p:nvCxnSpPr>
-            <p:spPr>
-              <a:xfrm>
-                <a:off x="7677840" y="1904117"/>
-                <a:ext cx="0" cy="353860"/>
-              </a:xfrm>
-              <a:prstGeom prst="straightConnector1">
-                <a:avLst/>
-              </a:prstGeom>
-              <a:ln w="12700">
-                <a:tailEnd type="triangle"/>
-              </a:ln>
-            </p:spPr>
-            <p:style>
-              <a:lnRef idx="1">
-                <a:schemeClr val="accent1"/>
-              </a:lnRef>
-              <a:fillRef idx="0">
-                <a:schemeClr val="accent1"/>
-              </a:fillRef>
-              <a:effectRef idx="0">
-                <a:schemeClr val="accent1"/>
-              </a:effectRef>
-              <a:fontRef idx="minor">
-                <a:schemeClr val="tx1"/>
-              </a:fontRef>
-            </p:style>
-          </p:cxnSp>
-        </p:grpSp>
-        <p:sp>
-          <p:nvSpPr>
-            <p:cNvPr id="113" name="Oval 112">
-              <a:extLst>
-                <a:ext uri="{FF2B5EF4-FFF2-40B4-BE49-F238E27FC236}">
-                  <a16:creationId xmlns:a16="http://schemas.microsoft.com/office/drawing/2014/main" id="{41FEBBB0-0CA4-446E-A301-66AFE2A021D3}"/>
-                </a:ext>
-              </a:extLst>
-            </p:cNvPr>
-            <p:cNvSpPr/>
-            <p:nvPr/>
-          </p:nvSpPr>
-          <p:spPr>
-            <a:xfrm>
-              <a:off x="7958092" y="2216320"/>
-              <a:ext cx="190500" cy="190500"/>
-            </a:xfrm>
-            <a:prstGeom prst="ellipse">
-              <a:avLst/>
-            </a:prstGeom>
-            <a:solidFill>
-              <a:schemeClr val="accent6">
-                <a:lumMod val="40000"/>
-                <a:lumOff val="60000"/>
-              </a:schemeClr>
-            </a:solidFill>
-            <a:ln>
-              <a:solidFill>
-                <a:schemeClr val="accent6">
-                  <a:lumMod val="75000"/>
-                </a:schemeClr>
-              </a:solidFill>
-            </a:ln>
-          </p:spPr>
-          <p:style>
-            <a:lnRef idx="2">
-              <a:schemeClr val="accent1">
-                <a:shade val="50000"/>
-              </a:schemeClr>
-            </a:lnRef>
-            <a:fillRef idx="1">
-              <a:schemeClr val="accent1"/>
-            </a:fillRef>
-            <a:effectRef idx="0">
-              <a:schemeClr val="accent1"/>
-            </a:effectRef>
-            <a:fontRef idx="minor">
-              <a:schemeClr val="lt1"/>
-            </a:fontRef>
-          </p:style>
-          <p:txBody>
-            <a:bodyPr rtlCol="0" anchor="ctr"/>
-            <a:lstStyle/>
-            <a:p>
-              <a:pPr algn="ctr"/>
-              <a:endParaRPr lang="en-US"/>
-            </a:p>
-          </p:txBody>
-        </p:sp>
-        <p:sp>
-          <p:nvSpPr>
-            <p:cNvPr id="114" name="Oval 113">
-              <a:extLst>
-                <a:ext uri="{FF2B5EF4-FFF2-40B4-BE49-F238E27FC236}">
-                  <a16:creationId xmlns:a16="http://schemas.microsoft.com/office/drawing/2014/main" id="{C16FEF62-917A-4417-95CB-1C6132E32A14}"/>
-                </a:ext>
-              </a:extLst>
-            </p:cNvPr>
-            <p:cNvSpPr/>
-            <p:nvPr/>
-          </p:nvSpPr>
-          <p:spPr>
-            <a:xfrm>
-              <a:off x="8308436" y="2728445"/>
-              <a:ext cx="190500" cy="190500"/>
-            </a:xfrm>
-            <a:prstGeom prst="ellipse">
-              <a:avLst/>
-            </a:prstGeom>
-            <a:solidFill>
-              <a:schemeClr val="accent6">
-                <a:lumMod val="40000"/>
-                <a:lumOff val="60000"/>
-              </a:schemeClr>
-            </a:solidFill>
-            <a:ln>
-              <a:solidFill>
-                <a:schemeClr val="accent6">
-                  <a:lumMod val="75000"/>
-                </a:schemeClr>
-              </a:solidFill>
-            </a:ln>
-          </p:spPr>
-          <p:style>
-            <a:lnRef idx="2">
-              <a:schemeClr val="accent1">
-                <a:shade val="50000"/>
-              </a:schemeClr>
-            </a:lnRef>
-            <a:fillRef idx="1">
-              <a:schemeClr val="accent1"/>
-            </a:fillRef>
-            <a:effectRef idx="0">
-              <a:schemeClr val="accent1"/>
-            </a:effectRef>
-            <a:fontRef idx="minor">
-              <a:schemeClr val="lt1"/>
-            </a:fontRef>
-          </p:style>
-          <p:txBody>
-            <a:bodyPr rtlCol="0" anchor="ctr"/>
-            <a:lstStyle/>
-            <a:p>
-              <a:pPr algn="ctr"/>
-              <a:endParaRPr lang="en-US"/>
-            </a:p>
-          </p:txBody>
-        </p:sp>
-      </p:grpSp>
-      <p:grpSp>
-        <p:nvGrpSpPr>
-          <p:cNvPr id="116" name="Group 115">
-            <a:extLst>
-              <a:ext uri="{FF2B5EF4-FFF2-40B4-BE49-F238E27FC236}">
-                <a16:creationId xmlns:a16="http://schemas.microsoft.com/office/drawing/2014/main" id="{E18D2C30-1919-4D91-B872-266D681753A4}"/>
-              </a:ext>
-            </a:extLst>
-          </p:cNvPr>
-          <p:cNvGrpSpPr/>
-          <p:nvPr/>
-        </p:nvGrpSpPr>
-        <p:grpSpPr>
-          <a:xfrm>
-            <a:off x="7549317" y="3322134"/>
-            <a:ext cx="939800" cy="697706"/>
-            <a:chOff x="3473450" y="1362075"/>
-            <a:chExt cx="939800" cy="697706"/>
-          </a:xfrm>
-        </p:grpSpPr>
-        <p:sp>
-          <p:nvSpPr>
-            <p:cNvPr id="117" name="Oval 116">
-              <a:extLst>
-                <a:ext uri="{FF2B5EF4-FFF2-40B4-BE49-F238E27FC236}">
-                  <a16:creationId xmlns:a16="http://schemas.microsoft.com/office/drawing/2014/main" id="{82E609CE-8429-4961-9206-89EDB63AEB74}"/>
-                </a:ext>
-              </a:extLst>
-            </p:cNvPr>
-            <p:cNvSpPr/>
-            <p:nvPr/>
-          </p:nvSpPr>
-          <p:spPr>
-            <a:xfrm>
-              <a:off x="3841750" y="1362075"/>
-              <a:ext cx="190500" cy="190500"/>
-            </a:xfrm>
-            <a:prstGeom prst="ellipse">
-              <a:avLst/>
-            </a:prstGeom>
-            <a:solidFill>
-              <a:schemeClr val="accent6">
-                <a:lumMod val="40000"/>
-                <a:lumOff val="60000"/>
-              </a:schemeClr>
-            </a:solidFill>
-            <a:ln>
-              <a:solidFill>
-                <a:schemeClr val="accent6">
-                  <a:lumMod val="75000"/>
-                </a:schemeClr>
-              </a:solidFill>
-            </a:ln>
-          </p:spPr>
-          <p:style>
-            <a:lnRef idx="2">
-              <a:schemeClr val="accent1">
-                <a:shade val="50000"/>
-              </a:schemeClr>
-            </a:lnRef>
-            <a:fillRef idx="1">
-              <a:schemeClr val="accent1"/>
-            </a:fillRef>
-            <a:effectRef idx="0">
-              <a:schemeClr val="accent1"/>
-            </a:effectRef>
-            <a:fontRef idx="minor">
-              <a:schemeClr val="lt1"/>
-            </a:fontRef>
-          </p:style>
-          <p:txBody>
-            <a:bodyPr rtlCol="0" anchor="ctr"/>
-            <a:lstStyle/>
-            <a:p>
-              <a:pPr algn="ctr"/>
-              <a:endParaRPr lang="en-US"/>
-            </a:p>
-          </p:txBody>
-        </p:sp>
-        <p:sp>
-          <p:nvSpPr>
-            <p:cNvPr id="118" name="Oval 117">
-              <a:extLst>
-                <a:ext uri="{FF2B5EF4-FFF2-40B4-BE49-F238E27FC236}">
-                  <a16:creationId xmlns:a16="http://schemas.microsoft.com/office/drawing/2014/main" id="{94112A37-27C8-4E77-8D89-A9D12BEA3706}"/>
-                </a:ext>
-              </a:extLst>
-            </p:cNvPr>
-            <p:cNvSpPr/>
-            <p:nvPr/>
-          </p:nvSpPr>
-          <p:spPr>
-            <a:xfrm>
-              <a:off x="3473450" y="1869281"/>
-              <a:ext cx="190500" cy="190500"/>
-            </a:xfrm>
-            <a:prstGeom prst="ellipse">
-              <a:avLst/>
-            </a:prstGeom>
-            <a:solidFill>
-              <a:schemeClr val="accent6">
-                <a:lumMod val="40000"/>
-                <a:lumOff val="60000"/>
-              </a:schemeClr>
-            </a:solidFill>
-            <a:ln>
-              <a:solidFill>
-                <a:schemeClr val="accent6">
-                  <a:lumMod val="75000"/>
-                </a:schemeClr>
-              </a:solidFill>
-            </a:ln>
-          </p:spPr>
-          <p:style>
-            <a:lnRef idx="2">
-              <a:schemeClr val="accent1">
-                <a:shade val="50000"/>
-              </a:schemeClr>
-            </a:lnRef>
-            <a:fillRef idx="1">
-              <a:schemeClr val="accent1"/>
-            </a:fillRef>
-            <a:effectRef idx="0">
-              <a:schemeClr val="accent1"/>
-            </a:effectRef>
-            <a:fontRef idx="minor">
-              <a:schemeClr val="lt1"/>
-            </a:fontRef>
-          </p:style>
-          <p:txBody>
-            <a:bodyPr rtlCol="0" anchor="ctr"/>
-            <a:lstStyle/>
-            <a:p>
-              <a:pPr algn="ctr"/>
-              <a:endParaRPr lang="en-US"/>
-            </a:p>
-          </p:txBody>
-        </p:sp>
-        <p:sp>
-          <p:nvSpPr>
-            <p:cNvPr id="119" name="Oval 118">
-              <a:extLst>
-                <a:ext uri="{FF2B5EF4-FFF2-40B4-BE49-F238E27FC236}">
-                  <a16:creationId xmlns:a16="http://schemas.microsoft.com/office/drawing/2014/main" id="{A761DB97-8790-495A-9F04-DECDE891203B}"/>
-                </a:ext>
-              </a:extLst>
-            </p:cNvPr>
-            <p:cNvSpPr/>
-            <p:nvPr/>
-          </p:nvSpPr>
-          <p:spPr>
-            <a:xfrm>
-              <a:off x="4222750" y="1869281"/>
-              <a:ext cx="190500" cy="190500"/>
-            </a:xfrm>
-            <a:prstGeom prst="ellipse">
-              <a:avLst/>
-            </a:prstGeom>
-            <a:solidFill>
-              <a:schemeClr val="accent6">
-                <a:lumMod val="40000"/>
-                <a:lumOff val="60000"/>
-              </a:schemeClr>
-            </a:solidFill>
-            <a:ln>
-              <a:solidFill>
-                <a:schemeClr val="accent6">
-                  <a:lumMod val="75000"/>
-                </a:schemeClr>
-              </a:solidFill>
-            </a:ln>
-          </p:spPr>
-          <p:style>
-            <a:lnRef idx="2">
-              <a:schemeClr val="accent1">
-                <a:shade val="50000"/>
-              </a:schemeClr>
-            </a:lnRef>
-            <a:fillRef idx="1">
-              <a:schemeClr val="accent1"/>
-            </a:fillRef>
-            <a:effectRef idx="0">
-              <a:schemeClr val="accent1"/>
-            </a:effectRef>
-            <a:fontRef idx="minor">
-              <a:schemeClr val="lt1"/>
-            </a:fontRef>
-          </p:style>
-          <p:txBody>
-            <a:bodyPr rtlCol="0" anchor="ctr"/>
-            <a:lstStyle/>
-            <a:p>
-              <a:pPr algn="ctr"/>
-              <a:endParaRPr lang="en-US"/>
-            </a:p>
-          </p:txBody>
-        </p:sp>
-        <p:cxnSp>
-          <p:nvCxnSpPr>
-            <p:cNvPr id="120" name="Straight Arrow Connector 119">
-              <a:extLst>
-                <a:ext uri="{FF2B5EF4-FFF2-40B4-BE49-F238E27FC236}">
-                  <a16:creationId xmlns:a16="http://schemas.microsoft.com/office/drawing/2014/main" id="{E7FA53FD-F103-43F5-8B05-DB4885747AE7}"/>
-                </a:ext>
-              </a:extLst>
-            </p:cNvPr>
-            <p:cNvCxnSpPr>
-              <a:stCxn id="117" idx="3"/>
-              <a:endCxn id="118" idx="6"/>
-            </p:cNvCxnSpPr>
-            <p:nvPr/>
-          </p:nvCxnSpPr>
-          <p:spPr>
-            <a:xfrm flipH="1">
-              <a:off x="3636052" y="1524677"/>
-              <a:ext cx="233596" cy="372502"/>
-            </a:xfrm>
-            <a:prstGeom prst="straightConnector1">
-              <a:avLst/>
-            </a:prstGeom>
-            <a:ln w="25400">
-              <a:tailEnd type="triangle"/>
-            </a:ln>
-          </p:spPr>
-          <p:style>
-            <a:lnRef idx="1">
-              <a:schemeClr val="accent1"/>
-            </a:lnRef>
-            <a:fillRef idx="0">
-              <a:schemeClr val="accent1"/>
-            </a:fillRef>
-            <a:effectRef idx="0">
-              <a:schemeClr val="accent1"/>
-            </a:effectRef>
-            <a:fontRef idx="minor">
-              <a:schemeClr val="tx1"/>
-            </a:fontRef>
-          </p:style>
-        </p:cxnSp>
-        <p:cxnSp>
-          <p:nvCxnSpPr>
-            <p:cNvPr id="121" name="Straight Arrow Connector 120">
-              <a:extLst>
-                <a:ext uri="{FF2B5EF4-FFF2-40B4-BE49-F238E27FC236}">
-                  <a16:creationId xmlns:a16="http://schemas.microsoft.com/office/drawing/2014/main" id="{295F335D-6DFB-4616-8B63-2D631663C6EB}"/>
-                </a:ext>
-              </a:extLst>
-            </p:cNvPr>
-            <p:cNvCxnSpPr>
-              <a:cxnSpLocks/>
-              <a:stCxn id="117" idx="5"/>
-              <a:endCxn id="119" idx="1"/>
-            </p:cNvCxnSpPr>
-            <p:nvPr/>
-          </p:nvCxnSpPr>
-          <p:spPr>
-            <a:xfrm>
-              <a:off x="4004352" y="1524677"/>
-              <a:ext cx="246296" cy="372502"/>
-            </a:xfrm>
-            <a:prstGeom prst="straightConnector1">
-              <a:avLst/>
-            </a:prstGeom>
-            <a:ln w="25400">
-              <a:solidFill>
-                <a:srgbClr val="0070C0"/>
-              </a:solidFill>
-              <a:tailEnd type="triangle"/>
-            </a:ln>
-          </p:spPr>
-          <p:style>
-            <a:lnRef idx="1">
-              <a:schemeClr val="accent1"/>
-            </a:lnRef>
-            <a:fillRef idx="0">
-              <a:schemeClr val="accent1"/>
-            </a:fillRef>
-            <a:effectRef idx="0">
-              <a:schemeClr val="accent1"/>
-            </a:effectRef>
-            <a:fontRef idx="minor">
-              <a:schemeClr val="tx1"/>
-            </a:fontRef>
-          </p:style>
-        </p:cxnSp>
-      </p:grpSp>
-      <p:sp>
-        <p:nvSpPr>
-          <p:cNvPr id="122" name="TextBox 121">
-            <a:extLst>
-              <a:ext uri="{FF2B5EF4-FFF2-40B4-BE49-F238E27FC236}">
-                <a16:creationId xmlns:a16="http://schemas.microsoft.com/office/drawing/2014/main" id="{224E5474-1B81-4BD7-AB89-9B8BBFEB997F}"/>
-              </a:ext>
-            </a:extLst>
-          </p:cNvPr>
-          <p:cNvSpPr txBox="1"/>
-          <p:nvPr/>
-        </p:nvSpPr>
-        <p:spPr>
-          <a:xfrm>
-            <a:off x="7269917" y="3967833"/>
-            <a:ext cx="1485900" cy="369332"/>
-          </a:xfrm>
-          <a:prstGeom prst="rect">
-            <a:avLst/>
-          </a:prstGeom>
-          <a:noFill/>
-        </p:spPr>
-        <p:txBody>
-          <a:bodyPr wrap="square" rtlCol="0">
-            <a:spAutoFit/>
-          </a:bodyPr>
-          <a:lstStyle/>
-          <a:p>
-            <a:r>
-              <a:rPr lang="en-US" dirty="0"/>
-              <a:t>Fixed subtree</a:t>
-            </a:r>
-          </a:p>
-        </p:txBody>
-      </p:sp>
-    </p:spTree>
-    <p:extLst>
-      <p:ext uri="{BB962C8B-B14F-4D97-AF65-F5344CB8AC3E}">
-        <p14:creationId xmlns:p14="http://schemas.microsoft.com/office/powerpoint/2010/main" val="147405245"/>
-      </p:ext>
-    </p:extLst>
-  </p:cSld>
-  <p:clrMapOvr>
-    <a:masterClrMapping/>
-  </p:clrMapOvr>
-</p:sld>
-</file>
-
-<file path=ppt/slides/slide6.xml><?xml version="1.0" encoding="utf-8"?>
-<p:sld xmlns:a="http://schemas.openxmlformats.org/drawingml/2006/main" xmlns:r="http://schemas.openxmlformats.org/officeDocument/2006/relationships" xmlns:p="http://schemas.openxmlformats.org/presentationml/2006/main">
-  <p:cSld>
-    <p:spTree>
-      <p:nvGrpSpPr>
-        <p:cNvPr id="1" name=""/>
-        <p:cNvGrpSpPr/>
-        <p:nvPr/>
-      </p:nvGrpSpPr>
-      <p:grpSpPr>
-        <a:xfrm>
-          <a:off x="0" y="0"/>
-          <a:ext cx="0" cy="0"/>
-          <a:chOff x="0" y="0"/>
-          <a:chExt cx="0" cy="0"/>
-        </a:xfrm>
-      </p:grpSpPr>
-      <p:grpSp>
-        <p:nvGrpSpPr>
-          <p:cNvPr id="29" name="Group 28">
-            <a:extLst>
-              <a:ext uri="{FF2B5EF4-FFF2-40B4-BE49-F238E27FC236}">
-                <a16:creationId xmlns:a16="http://schemas.microsoft.com/office/drawing/2014/main" id="{00F08641-F49B-47B4-B126-2031C5D20321}"/>
-              </a:ext>
-            </a:extLst>
-          </p:cNvPr>
-          <p:cNvGrpSpPr/>
-          <p:nvPr/>
-        </p:nvGrpSpPr>
-        <p:grpSpPr>
-          <a:xfrm>
             <a:off x="5330628" y="3312196"/>
             <a:ext cx="939800" cy="697706"/>
             <a:chOff x="3473450" y="1362075"/>
@@ -18012,6 +15294,2730 @@
 </p:sld>
 </file>
 
+<file path=ppt/slides/slide6.xml><?xml version="1.0" encoding="utf-8"?>
+<p:sld xmlns:a="http://schemas.openxmlformats.org/drawingml/2006/main" xmlns:r="http://schemas.openxmlformats.org/officeDocument/2006/relationships" xmlns:p="http://schemas.openxmlformats.org/presentationml/2006/main">
+  <p:cSld>
+    <p:spTree>
+      <p:nvGrpSpPr>
+        <p:cNvPr id="1" name=""/>
+        <p:cNvGrpSpPr/>
+        <p:nvPr/>
+      </p:nvGrpSpPr>
+      <p:grpSpPr>
+        <a:xfrm>
+          <a:off x="0" y="0"/>
+          <a:ext cx="0" cy="0"/>
+          <a:chOff x="0" y="0"/>
+          <a:chExt cx="0" cy="0"/>
+        </a:xfrm>
+      </p:grpSpPr>
+      <p:grpSp>
+        <p:nvGrpSpPr>
+          <p:cNvPr id="29" name="Group 28">
+            <a:extLst>
+              <a:ext uri="{FF2B5EF4-FFF2-40B4-BE49-F238E27FC236}">
+                <a16:creationId xmlns:a16="http://schemas.microsoft.com/office/drawing/2014/main" id="{00F08641-F49B-47B4-B126-2031C5D20321}"/>
+              </a:ext>
+            </a:extLst>
+          </p:cNvPr>
+          <p:cNvGrpSpPr/>
+          <p:nvPr/>
+        </p:nvGrpSpPr>
+        <p:grpSpPr>
+          <a:xfrm>
+            <a:off x="3553528" y="3256980"/>
+            <a:ext cx="939800" cy="697706"/>
+            <a:chOff x="3473450" y="1362075"/>
+            <a:chExt cx="939800" cy="697706"/>
+          </a:xfrm>
+        </p:grpSpPr>
+        <p:sp>
+          <p:nvSpPr>
+            <p:cNvPr id="30" name="Oval 29">
+              <a:extLst>
+                <a:ext uri="{FF2B5EF4-FFF2-40B4-BE49-F238E27FC236}">
+                  <a16:creationId xmlns:a16="http://schemas.microsoft.com/office/drawing/2014/main" id="{EEF954A3-9480-4CA0-B4FC-159685D64AE4}"/>
+                </a:ext>
+              </a:extLst>
+            </p:cNvPr>
+            <p:cNvSpPr/>
+            <p:nvPr/>
+          </p:nvSpPr>
+          <p:spPr>
+            <a:xfrm>
+              <a:off x="3841750" y="1362075"/>
+              <a:ext cx="190500" cy="190500"/>
+            </a:xfrm>
+            <a:prstGeom prst="ellipse">
+              <a:avLst/>
+            </a:prstGeom>
+            <a:solidFill>
+              <a:srgbClr val="FFC000"/>
+            </a:solidFill>
+            <a:ln>
+              <a:solidFill>
+                <a:schemeClr val="accent6">
+                  <a:lumMod val="75000"/>
+                </a:schemeClr>
+              </a:solidFill>
+            </a:ln>
+          </p:spPr>
+          <p:style>
+            <a:lnRef idx="2">
+              <a:schemeClr val="accent1">
+                <a:shade val="50000"/>
+              </a:schemeClr>
+            </a:lnRef>
+            <a:fillRef idx="1">
+              <a:schemeClr val="accent1"/>
+            </a:fillRef>
+            <a:effectRef idx="0">
+              <a:schemeClr val="accent1"/>
+            </a:effectRef>
+            <a:fontRef idx="minor">
+              <a:schemeClr val="lt1"/>
+            </a:fontRef>
+          </p:style>
+          <p:txBody>
+            <a:bodyPr rtlCol="0" anchor="ctr"/>
+            <a:lstStyle/>
+            <a:p>
+              <a:pPr algn="ctr"/>
+              <a:endParaRPr lang="en-US"/>
+            </a:p>
+          </p:txBody>
+        </p:sp>
+        <p:sp>
+          <p:nvSpPr>
+            <p:cNvPr id="31" name="Oval 30">
+              <a:extLst>
+                <a:ext uri="{FF2B5EF4-FFF2-40B4-BE49-F238E27FC236}">
+                  <a16:creationId xmlns:a16="http://schemas.microsoft.com/office/drawing/2014/main" id="{58A1E0DF-95CB-4330-9C77-3EF88213FAAB}"/>
+                </a:ext>
+              </a:extLst>
+            </p:cNvPr>
+            <p:cNvSpPr/>
+            <p:nvPr/>
+          </p:nvSpPr>
+          <p:spPr>
+            <a:xfrm>
+              <a:off x="3473450" y="1869281"/>
+              <a:ext cx="190500" cy="190500"/>
+            </a:xfrm>
+            <a:prstGeom prst="ellipse">
+              <a:avLst/>
+            </a:prstGeom>
+            <a:solidFill>
+              <a:schemeClr val="accent6">
+                <a:lumMod val="40000"/>
+                <a:lumOff val="60000"/>
+              </a:schemeClr>
+            </a:solidFill>
+            <a:ln>
+              <a:solidFill>
+                <a:schemeClr val="accent6">
+                  <a:lumMod val="75000"/>
+                </a:schemeClr>
+              </a:solidFill>
+            </a:ln>
+          </p:spPr>
+          <p:style>
+            <a:lnRef idx="2">
+              <a:schemeClr val="accent1">
+                <a:shade val="50000"/>
+              </a:schemeClr>
+            </a:lnRef>
+            <a:fillRef idx="1">
+              <a:schemeClr val="accent1"/>
+            </a:fillRef>
+            <a:effectRef idx="0">
+              <a:schemeClr val="accent1"/>
+            </a:effectRef>
+            <a:fontRef idx="minor">
+              <a:schemeClr val="lt1"/>
+            </a:fontRef>
+          </p:style>
+          <p:txBody>
+            <a:bodyPr rtlCol="0" anchor="ctr"/>
+            <a:lstStyle/>
+            <a:p>
+              <a:pPr algn="ctr"/>
+              <a:endParaRPr lang="en-US"/>
+            </a:p>
+          </p:txBody>
+        </p:sp>
+        <p:sp>
+          <p:nvSpPr>
+            <p:cNvPr id="32" name="Oval 31">
+              <a:extLst>
+                <a:ext uri="{FF2B5EF4-FFF2-40B4-BE49-F238E27FC236}">
+                  <a16:creationId xmlns:a16="http://schemas.microsoft.com/office/drawing/2014/main" id="{0DDD9695-12DF-43C3-ADB3-499688F71623}"/>
+                </a:ext>
+              </a:extLst>
+            </p:cNvPr>
+            <p:cNvSpPr/>
+            <p:nvPr/>
+          </p:nvSpPr>
+          <p:spPr>
+            <a:xfrm>
+              <a:off x="4222750" y="1869281"/>
+              <a:ext cx="190500" cy="190500"/>
+            </a:xfrm>
+            <a:prstGeom prst="ellipse">
+              <a:avLst/>
+            </a:prstGeom>
+            <a:solidFill>
+              <a:srgbClr val="FFC000"/>
+            </a:solidFill>
+            <a:ln>
+              <a:solidFill>
+                <a:schemeClr val="accent6">
+                  <a:lumMod val="75000"/>
+                </a:schemeClr>
+              </a:solidFill>
+            </a:ln>
+          </p:spPr>
+          <p:style>
+            <a:lnRef idx="2">
+              <a:schemeClr val="accent1">
+                <a:shade val="50000"/>
+              </a:schemeClr>
+            </a:lnRef>
+            <a:fillRef idx="1">
+              <a:schemeClr val="accent1"/>
+            </a:fillRef>
+            <a:effectRef idx="0">
+              <a:schemeClr val="accent1"/>
+            </a:effectRef>
+            <a:fontRef idx="minor">
+              <a:schemeClr val="lt1"/>
+            </a:fontRef>
+          </p:style>
+          <p:txBody>
+            <a:bodyPr rtlCol="0" anchor="ctr"/>
+            <a:lstStyle/>
+            <a:p>
+              <a:pPr algn="ctr"/>
+              <a:endParaRPr lang="en-US"/>
+            </a:p>
+          </p:txBody>
+        </p:sp>
+        <p:cxnSp>
+          <p:nvCxnSpPr>
+            <p:cNvPr id="35" name="Straight Arrow Connector 34">
+              <a:extLst>
+                <a:ext uri="{FF2B5EF4-FFF2-40B4-BE49-F238E27FC236}">
+                  <a16:creationId xmlns:a16="http://schemas.microsoft.com/office/drawing/2014/main" id="{AF5B46F4-4D19-4BD5-A143-52DB9798FBFC}"/>
+                </a:ext>
+              </a:extLst>
+            </p:cNvPr>
+            <p:cNvCxnSpPr>
+              <a:stCxn id="30" idx="3"/>
+              <a:endCxn id="31" idx="6"/>
+            </p:cNvCxnSpPr>
+            <p:nvPr/>
+          </p:nvCxnSpPr>
+          <p:spPr>
+            <a:xfrm flipH="1">
+              <a:off x="3636052" y="1524677"/>
+              <a:ext cx="233596" cy="372502"/>
+            </a:xfrm>
+            <a:prstGeom prst="straightConnector1">
+              <a:avLst/>
+            </a:prstGeom>
+            <a:ln w="25400">
+              <a:tailEnd type="triangle"/>
+            </a:ln>
+          </p:spPr>
+          <p:style>
+            <a:lnRef idx="1">
+              <a:schemeClr val="accent1"/>
+            </a:lnRef>
+            <a:fillRef idx="0">
+              <a:schemeClr val="accent1"/>
+            </a:fillRef>
+            <a:effectRef idx="0">
+              <a:schemeClr val="accent1"/>
+            </a:effectRef>
+            <a:fontRef idx="minor">
+              <a:schemeClr val="tx1"/>
+            </a:fontRef>
+          </p:style>
+        </p:cxnSp>
+        <p:cxnSp>
+          <p:nvCxnSpPr>
+            <p:cNvPr id="36" name="Straight Arrow Connector 35">
+              <a:extLst>
+                <a:ext uri="{FF2B5EF4-FFF2-40B4-BE49-F238E27FC236}">
+                  <a16:creationId xmlns:a16="http://schemas.microsoft.com/office/drawing/2014/main" id="{78FBCFC5-9FC6-4F19-A292-7BFFE2AAACC7}"/>
+                </a:ext>
+              </a:extLst>
+            </p:cNvPr>
+            <p:cNvCxnSpPr>
+              <a:cxnSpLocks/>
+              <a:stCxn id="30" idx="5"/>
+              <a:endCxn id="32" idx="1"/>
+            </p:cNvCxnSpPr>
+            <p:nvPr/>
+          </p:nvCxnSpPr>
+          <p:spPr>
+            <a:xfrm>
+              <a:off x="4004352" y="1524677"/>
+              <a:ext cx="246296" cy="372502"/>
+            </a:xfrm>
+            <a:prstGeom prst="straightConnector1">
+              <a:avLst/>
+            </a:prstGeom>
+            <a:ln w="25400">
+              <a:solidFill>
+                <a:srgbClr val="FF0000"/>
+              </a:solidFill>
+              <a:tailEnd type="triangle"/>
+            </a:ln>
+          </p:spPr>
+          <p:style>
+            <a:lnRef idx="1">
+              <a:schemeClr val="accent1"/>
+            </a:lnRef>
+            <a:fillRef idx="0">
+              <a:schemeClr val="accent1"/>
+            </a:fillRef>
+            <a:effectRef idx="0">
+              <a:schemeClr val="accent1"/>
+            </a:effectRef>
+            <a:fontRef idx="minor">
+              <a:schemeClr val="tx1"/>
+            </a:fontRef>
+          </p:style>
+        </p:cxnSp>
+      </p:grpSp>
+      <p:sp>
+        <p:nvSpPr>
+          <p:cNvPr id="40" name="TextBox 39">
+            <a:extLst>
+              <a:ext uri="{FF2B5EF4-FFF2-40B4-BE49-F238E27FC236}">
+                <a16:creationId xmlns:a16="http://schemas.microsoft.com/office/drawing/2014/main" id="{7281DC49-955F-4674-8199-971A898A330D}"/>
+              </a:ext>
+            </a:extLst>
+          </p:cNvPr>
+          <p:cNvSpPr txBox="1"/>
+          <p:nvPr/>
+        </p:nvSpPr>
+        <p:spPr>
+          <a:xfrm>
+            <a:off x="3185115" y="3946339"/>
+            <a:ext cx="1951196" cy="369332"/>
+          </a:xfrm>
+          <a:prstGeom prst="rect">
+            <a:avLst/>
+          </a:prstGeom>
+          <a:noFill/>
+        </p:spPr>
+        <p:txBody>
+          <a:bodyPr wrap="square" rtlCol="0">
+            <a:spAutoFit/>
+          </a:bodyPr>
+          <a:lstStyle/>
+          <a:p>
+            <a:r>
+              <a:rPr lang="en-US" dirty="0"/>
+              <a:t>Buggy subtree</a:t>
+            </a:r>
+          </a:p>
+        </p:txBody>
+      </p:sp>
+      <p:sp>
+        <p:nvSpPr>
+          <p:cNvPr id="27" name="Rectangle: Rounded Corners 26">
+            <a:extLst>
+              <a:ext uri="{FF2B5EF4-FFF2-40B4-BE49-F238E27FC236}">
+                <a16:creationId xmlns:a16="http://schemas.microsoft.com/office/drawing/2014/main" id="{8B88DDE6-293D-4F1C-BA48-7E0B585C5C6C}"/>
+              </a:ext>
+            </a:extLst>
+          </p:cNvPr>
+          <p:cNvSpPr/>
+          <p:nvPr/>
+        </p:nvSpPr>
+        <p:spPr>
+          <a:xfrm>
+            <a:off x="4926756" y="1720371"/>
+            <a:ext cx="1912032" cy="802049"/>
+          </a:xfrm>
+          <a:prstGeom prst="roundRect">
+            <a:avLst/>
+          </a:prstGeom>
+          <a:solidFill>
+            <a:schemeClr val="accent2">
+              <a:lumMod val="20000"/>
+              <a:lumOff val="80000"/>
+            </a:schemeClr>
+          </a:solidFill>
+          <a:ln w="25400">
+            <a:solidFill>
+              <a:schemeClr val="accent2">
+                <a:lumMod val="75000"/>
+              </a:schemeClr>
+            </a:solidFill>
+          </a:ln>
+        </p:spPr>
+        <p:style>
+          <a:lnRef idx="2">
+            <a:schemeClr val="accent1">
+              <a:shade val="50000"/>
+            </a:schemeClr>
+          </a:lnRef>
+          <a:fillRef idx="1">
+            <a:schemeClr val="accent1"/>
+          </a:fillRef>
+          <a:effectRef idx="0">
+            <a:schemeClr val="accent1"/>
+          </a:effectRef>
+          <a:fontRef idx="minor">
+            <a:schemeClr val="lt1"/>
+          </a:fontRef>
+        </p:style>
+        <p:txBody>
+          <a:bodyPr rtlCol="0" anchor="ctr"/>
+          <a:lstStyle/>
+          <a:p>
+            <a:pPr algn="ctr"/>
+            <a:r>
+              <a:rPr lang="en-US" dirty="0">
+                <a:solidFill>
+                  <a:schemeClr val="tx1"/>
+                </a:solidFill>
+              </a:rPr>
+              <a:t>Tree-based Context Learning</a:t>
+            </a:r>
+          </a:p>
+        </p:txBody>
+      </p:sp>
+      <p:sp>
+        <p:nvSpPr>
+          <p:cNvPr id="42" name="Rectangle: Rounded Corners 41">
+            <a:extLst>
+              <a:ext uri="{FF2B5EF4-FFF2-40B4-BE49-F238E27FC236}">
+                <a16:creationId xmlns:a16="http://schemas.microsoft.com/office/drawing/2014/main" id="{C61147BF-A6E9-423A-BBD5-EBB5D1B3AAC6}"/>
+              </a:ext>
+            </a:extLst>
+          </p:cNvPr>
+          <p:cNvSpPr/>
+          <p:nvPr/>
+        </p:nvSpPr>
+        <p:spPr>
+          <a:xfrm>
+            <a:off x="4926755" y="3386232"/>
+            <a:ext cx="1909735" cy="776767"/>
+          </a:xfrm>
+          <a:prstGeom prst="roundRect">
+            <a:avLst/>
+          </a:prstGeom>
+          <a:solidFill>
+            <a:schemeClr val="accent2">
+              <a:lumMod val="20000"/>
+              <a:lumOff val="80000"/>
+            </a:schemeClr>
+          </a:solidFill>
+          <a:ln w="25400">
+            <a:solidFill>
+              <a:schemeClr val="accent2">
+                <a:lumMod val="75000"/>
+              </a:schemeClr>
+            </a:solidFill>
+          </a:ln>
+        </p:spPr>
+        <p:style>
+          <a:lnRef idx="2">
+            <a:schemeClr val="accent1">
+              <a:shade val="50000"/>
+            </a:schemeClr>
+          </a:lnRef>
+          <a:fillRef idx="1">
+            <a:schemeClr val="accent1"/>
+          </a:fillRef>
+          <a:effectRef idx="0">
+            <a:schemeClr val="accent1"/>
+          </a:effectRef>
+          <a:fontRef idx="minor">
+            <a:schemeClr val="lt1"/>
+          </a:fontRef>
+        </p:style>
+        <p:txBody>
+          <a:bodyPr rtlCol="0" anchor="ctr"/>
+          <a:lstStyle/>
+          <a:p>
+            <a:pPr algn="ctr"/>
+            <a:r>
+              <a:rPr lang="en-US" dirty="0">
+                <a:solidFill>
+                  <a:schemeClr val="tx1"/>
+                </a:solidFill>
+              </a:rPr>
+              <a:t>Tree-based Transformation Learning</a:t>
+            </a:r>
+          </a:p>
+        </p:txBody>
+      </p:sp>
+      <p:sp>
+        <p:nvSpPr>
+          <p:cNvPr id="43" name="Rectangle: Rounded Corners 42">
+            <a:extLst>
+              <a:ext uri="{FF2B5EF4-FFF2-40B4-BE49-F238E27FC236}">
+                <a16:creationId xmlns:a16="http://schemas.microsoft.com/office/drawing/2014/main" id="{5DAA0177-339C-495D-8153-6541C884CD2D}"/>
+              </a:ext>
+            </a:extLst>
+          </p:cNvPr>
+          <p:cNvSpPr/>
+          <p:nvPr/>
+        </p:nvSpPr>
+        <p:spPr>
+          <a:xfrm>
+            <a:off x="5044572" y="2794089"/>
+            <a:ext cx="1676400" cy="291245"/>
+          </a:xfrm>
+          <a:prstGeom prst="roundRect">
+            <a:avLst/>
+          </a:prstGeom>
+          <a:solidFill>
+            <a:schemeClr val="accent2">
+              <a:lumMod val="20000"/>
+              <a:lumOff val="80000"/>
+            </a:schemeClr>
+          </a:solidFill>
+          <a:ln w="25400">
+            <a:solidFill>
+              <a:schemeClr val="accent2">
+                <a:lumMod val="75000"/>
+              </a:schemeClr>
+            </a:solidFill>
+          </a:ln>
+        </p:spPr>
+        <p:style>
+          <a:lnRef idx="2">
+            <a:schemeClr val="accent1">
+              <a:shade val="50000"/>
+            </a:schemeClr>
+          </a:lnRef>
+          <a:fillRef idx="1">
+            <a:schemeClr val="accent1"/>
+          </a:fillRef>
+          <a:effectRef idx="0">
+            <a:schemeClr val="accent1"/>
+          </a:effectRef>
+          <a:fontRef idx="minor">
+            <a:schemeClr val="lt1"/>
+          </a:fontRef>
+        </p:style>
+        <p:txBody>
+          <a:bodyPr rtlCol="0" anchor="ctr"/>
+          <a:lstStyle/>
+          <a:p>
+            <a:pPr algn="ctr"/>
+            <a:r>
+              <a:rPr lang="en-US" dirty="0">
+                <a:solidFill>
+                  <a:schemeClr val="tx1"/>
+                </a:solidFill>
+              </a:rPr>
+              <a:t>Joint Training</a:t>
+            </a:r>
+          </a:p>
+        </p:txBody>
+      </p:sp>
+      <p:cxnSp>
+        <p:nvCxnSpPr>
+          <p:cNvPr id="75" name="Straight Arrow Connector 74">
+            <a:extLst>
+              <a:ext uri="{FF2B5EF4-FFF2-40B4-BE49-F238E27FC236}">
+                <a16:creationId xmlns:a16="http://schemas.microsoft.com/office/drawing/2014/main" id="{1E26547B-40D7-4EC9-A296-9A275442F3A1}"/>
+              </a:ext>
+            </a:extLst>
+          </p:cNvPr>
+          <p:cNvCxnSpPr/>
+          <p:nvPr/>
+        </p:nvCxnSpPr>
+        <p:spPr>
+          <a:xfrm flipV="1">
+            <a:off x="4596193" y="3745645"/>
+            <a:ext cx="332860" cy="2649"/>
+          </a:xfrm>
+          <a:prstGeom prst="straightConnector1">
+            <a:avLst/>
+          </a:prstGeom>
+          <a:ln w="25400">
+            <a:tailEnd type="triangle"/>
+          </a:ln>
+        </p:spPr>
+        <p:style>
+          <a:lnRef idx="1">
+            <a:schemeClr val="accent1"/>
+          </a:lnRef>
+          <a:fillRef idx="0">
+            <a:schemeClr val="accent1"/>
+          </a:fillRef>
+          <a:effectRef idx="0">
+            <a:schemeClr val="accent1"/>
+          </a:effectRef>
+          <a:fontRef idx="minor">
+            <a:schemeClr val="tx1"/>
+          </a:fontRef>
+        </p:style>
+      </p:cxnSp>
+      <p:cxnSp>
+        <p:nvCxnSpPr>
+          <p:cNvPr id="76" name="Straight Arrow Connector 75">
+            <a:extLst>
+              <a:ext uri="{FF2B5EF4-FFF2-40B4-BE49-F238E27FC236}">
+                <a16:creationId xmlns:a16="http://schemas.microsoft.com/office/drawing/2014/main" id="{79185833-1F06-46BC-B258-D8B677D60BAF}"/>
+              </a:ext>
+            </a:extLst>
+          </p:cNvPr>
+          <p:cNvCxnSpPr/>
+          <p:nvPr/>
+        </p:nvCxnSpPr>
+        <p:spPr>
+          <a:xfrm flipV="1">
+            <a:off x="4596193" y="2089592"/>
+            <a:ext cx="332860" cy="2649"/>
+          </a:xfrm>
+          <a:prstGeom prst="straightConnector1">
+            <a:avLst/>
+          </a:prstGeom>
+          <a:ln w="25400">
+            <a:tailEnd type="triangle"/>
+          </a:ln>
+        </p:spPr>
+        <p:style>
+          <a:lnRef idx="1">
+            <a:schemeClr val="accent1"/>
+          </a:lnRef>
+          <a:fillRef idx="0">
+            <a:schemeClr val="accent1"/>
+          </a:fillRef>
+          <a:effectRef idx="0">
+            <a:schemeClr val="accent1"/>
+          </a:effectRef>
+          <a:fontRef idx="minor">
+            <a:schemeClr val="tx1"/>
+          </a:fontRef>
+        </p:style>
+      </p:cxnSp>
+      <p:cxnSp>
+        <p:nvCxnSpPr>
+          <p:cNvPr id="78" name="Straight Arrow Connector 77">
+            <a:extLst>
+              <a:ext uri="{FF2B5EF4-FFF2-40B4-BE49-F238E27FC236}">
+                <a16:creationId xmlns:a16="http://schemas.microsoft.com/office/drawing/2014/main" id="{AC8674C8-FC1F-4CF8-8F79-89EE6085AB9F}"/>
+              </a:ext>
+            </a:extLst>
+          </p:cNvPr>
+          <p:cNvCxnSpPr>
+            <a:cxnSpLocks/>
+          </p:cNvCxnSpPr>
+          <p:nvPr/>
+        </p:nvCxnSpPr>
+        <p:spPr>
+          <a:xfrm flipH="1">
+            <a:off x="6836490" y="3774614"/>
+            <a:ext cx="368300" cy="1"/>
+          </a:xfrm>
+          <a:prstGeom prst="straightConnector1">
+            <a:avLst/>
+          </a:prstGeom>
+          <a:ln w="25400">
+            <a:tailEnd type="triangle"/>
+          </a:ln>
+        </p:spPr>
+        <p:style>
+          <a:lnRef idx="1">
+            <a:schemeClr val="accent1"/>
+          </a:lnRef>
+          <a:fillRef idx="0">
+            <a:schemeClr val="accent1"/>
+          </a:fillRef>
+          <a:effectRef idx="0">
+            <a:schemeClr val="accent1"/>
+          </a:effectRef>
+          <a:fontRef idx="minor">
+            <a:schemeClr val="tx1"/>
+          </a:fontRef>
+        </p:style>
+      </p:cxnSp>
+      <p:cxnSp>
+        <p:nvCxnSpPr>
+          <p:cNvPr id="91" name="Straight Arrow Connector 90">
+            <a:extLst>
+              <a:ext uri="{FF2B5EF4-FFF2-40B4-BE49-F238E27FC236}">
+                <a16:creationId xmlns:a16="http://schemas.microsoft.com/office/drawing/2014/main" id="{4711F1A2-0517-44EA-BC94-3B2EFD35FA99}"/>
+              </a:ext>
+            </a:extLst>
+          </p:cNvPr>
+          <p:cNvCxnSpPr>
+            <a:cxnSpLocks/>
+            <a:stCxn id="27" idx="2"/>
+            <a:endCxn id="43" idx="0"/>
+          </p:cNvCxnSpPr>
+          <p:nvPr/>
+        </p:nvCxnSpPr>
+        <p:spPr>
+          <a:xfrm>
+            <a:off x="5882772" y="2522420"/>
+            <a:ext cx="0" cy="271669"/>
+          </a:xfrm>
+          <a:prstGeom prst="straightConnector1">
+            <a:avLst/>
+          </a:prstGeom>
+          <a:ln w="25400">
+            <a:headEnd type="triangle"/>
+            <a:tailEnd type="triangle"/>
+          </a:ln>
+        </p:spPr>
+        <p:style>
+          <a:lnRef idx="1">
+            <a:schemeClr val="accent1"/>
+          </a:lnRef>
+          <a:fillRef idx="0">
+            <a:schemeClr val="accent1"/>
+          </a:fillRef>
+          <a:effectRef idx="0">
+            <a:schemeClr val="accent1"/>
+          </a:effectRef>
+          <a:fontRef idx="minor">
+            <a:schemeClr val="tx1"/>
+          </a:fontRef>
+        </p:style>
+      </p:cxnSp>
+      <p:cxnSp>
+        <p:nvCxnSpPr>
+          <p:cNvPr id="94" name="Straight Arrow Connector 93">
+            <a:extLst>
+              <a:ext uri="{FF2B5EF4-FFF2-40B4-BE49-F238E27FC236}">
+                <a16:creationId xmlns:a16="http://schemas.microsoft.com/office/drawing/2014/main" id="{5756A5B5-A2B2-43E3-AA1A-CB7E355B869F}"/>
+              </a:ext>
+            </a:extLst>
+          </p:cNvPr>
+          <p:cNvCxnSpPr>
+            <a:cxnSpLocks/>
+            <a:stCxn id="43" idx="2"/>
+            <a:endCxn id="42" idx="0"/>
+          </p:cNvCxnSpPr>
+          <p:nvPr/>
+        </p:nvCxnSpPr>
+        <p:spPr>
+          <a:xfrm flipH="1">
+            <a:off x="5881623" y="3085334"/>
+            <a:ext cx="1149" cy="300898"/>
+          </a:xfrm>
+          <a:prstGeom prst="straightConnector1">
+            <a:avLst/>
+          </a:prstGeom>
+          <a:ln w="25400">
+            <a:headEnd type="triangle"/>
+            <a:tailEnd type="triangle"/>
+          </a:ln>
+        </p:spPr>
+        <p:style>
+          <a:lnRef idx="1">
+            <a:schemeClr val="accent1"/>
+          </a:lnRef>
+          <a:fillRef idx="0">
+            <a:schemeClr val="accent1"/>
+          </a:fillRef>
+          <a:effectRef idx="0">
+            <a:schemeClr val="accent1"/>
+          </a:effectRef>
+          <a:fontRef idx="minor">
+            <a:schemeClr val="tx1"/>
+          </a:fontRef>
+        </p:style>
+      </p:cxnSp>
+      <p:pic>
+        <p:nvPicPr>
+          <p:cNvPr id="1026" name="Picture 2" descr="File icon PNG, ICO or ICNS | Free vector icons">
+            <a:extLst>
+              <a:ext uri="{FF2B5EF4-FFF2-40B4-BE49-F238E27FC236}">
+                <a16:creationId xmlns:a16="http://schemas.microsoft.com/office/drawing/2014/main" id="{AB7F84EE-974E-440C-8CE3-95AB0255AB37}"/>
+              </a:ext>
+            </a:extLst>
+          </p:cNvPr>
+          <p:cNvPicPr>
+            <a:picLocks noChangeAspect="1" noChangeArrowheads="1"/>
+          </p:cNvPicPr>
+          <p:nvPr/>
+        </p:nvPicPr>
+        <p:blipFill>
+          <a:blip r:embed="rId2">
+            <a:extLst>
+              <a:ext uri="{28A0092B-C50C-407E-A947-70E740481C1C}">
+                <a14:useLocalDpi xmlns:a14="http://schemas.microsoft.com/office/drawing/2010/main" val="0"/>
+              </a:ext>
+            </a:extLst>
+          </a:blip>
+          <a:srcRect/>
+          <a:stretch>
+            <a:fillRect/>
+          </a:stretch>
+        </p:blipFill>
+        <p:spPr bwMode="auto">
+          <a:xfrm>
+            <a:off x="668109" y="1843604"/>
+            <a:ext cx="739140" cy="739140"/>
+          </a:xfrm>
+          <a:prstGeom prst="rect">
+            <a:avLst/>
+          </a:prstGeom>
+          <a:noFill/>
+          <a:extLst>
+            <a:ext uri="{909E8E84-426E-40DD-AFC4-6F175D3DCCD1}">
+              <a14:hiddenFill xmlns:a14="http://schemas.microsoft.com/office/drawing/2010/main">
+                <a:solidFill>
+                  <a:srgbClr val="FFFFFF"/>
+                </a:solidFill>
+              </a14:hiddenFill>
+            </a:ext>
+          </a:extLst>
+        </p:spPr>
+      </p:pic>
+      <p:sp>
+        <p:nvSpPr>
+          <p:cNvPr id="4" name="TextBox 3">
+            <a:extLst>
+              <a:ext uri="{FF2B5EF4-FFF2-40B4-BE49-F238E27FC236}">
+                <a16:creationId xmlns:a16="http://schemas.microsoft.com/office/drawing/2014/main" id="{120230DA-EEEB-4EF0-A3AA-AC3282437485}"/>
+              </a:ext>
+            </a:extLst>
+          </p:cNvPr>
+          <p:cNvSpPr txBox="1"/>
+          <p:nvPr/>
+        </p:nvSpPr>
+        <p:spPr>
+          <a:xfrm>
+            <a:off x="264249" y="2516069"/>
+            <a:ext cx="1676400" cy="369332"/>
+          </a:xfrm>
+          <a:prstGeom prst="rect">
+            <a:avLst/>
+          </a:prstGeom>
+          <a:noFill/>
+        </p:spPr>
+        <p:txBody>
+          <a:bodyPr wrap="square" rtlCol="0">
+            <a:spAutoFit/>
+          </a:bodyPr>
+          <a:lstStyle/>
+          <a:p>
+            <a:r>
+              <a:rPr lang="en-US" dirty="0"/>
+              <a:t>Buggy Method</a:t>
+            </a:r>
+          </a:p>
+        </p:txBody>
+      </p:sp>
+      <p:sp>
+        <p:nvSpPr>
+          <p:cNvPr id="5" name="TextBox 4">
+            <a:extLst>
+              <a:ext uri="{FF2B5EF4-FFF2-40B4-BE49-F238E27FC236}">
+                <a16:creationId xmlns:a16="http://schemas.microsoft.com/office/drawing/2014/main" id="{58A0AC6F-8E0D-4B49-AE84-030B6DA34D4B}"/>
+              </a:ext>
+            </a:extLst>
+          </p:cNvPr>
+          <p:cNvSpPr txBox="1"/>
+          <p:nvPr/>
+        </p:nvSpPr>
+        <p:spPr>
+          <a:xfrm>
+            <a:off x="110304" y="3670987"/>
+            <a:ext cx="1890669" cy="261610"/>
+          </a:xfrm>
+          <a:prstGeom prst="rect">
+            <a:avLst/>
+          </a:prstGeom>
+          <a:noFill/>
+          <a:ln w="25400">
+            <a:solidFill>
+              <a:schemeClr val="tx1"/>
+            </a:solidFill>
+          </a:ln>
+        </p:spPr>
+        <p:txBody>
+          <a:bodyPr wrap="square" rtlCol="0">
+            <a:spAutoFit/>
+          </a:bodyPr>
+          <a:lstStyle/>
+          <a:p>
+            <a:r>
+              <a:rPr lang="en-US" sz="1100" dirty="0">
+                <a:latin typeface="Courier New" panose="02070309020205020404" pitchFamily="49" charset="0"/>
+                <a:cs typeface="Courier New" panose="02070309020205020404" pitchFamily="49" charset="0"/>
+              </a:rPr>
+              <a:t>If (dataset != null)</a:t>
+            </a:r>
+          </a:p>
+        </p:txBody>
+      </p:sp>
+      <p:sp>
+        <p:nvSpPr>
+          <p:cNvPr id="8" name="TextBox 7">
+            <a:extLst>
+              <a:ext uri="{FF2B5EF4-FFF2-40B4-BE49-F238E27FC236}">
+                <a16:creationId xmlns:a16="http://schemas.microsoft.com/office/drawing/2014/main" id="{83A439AB-E935-409E-B1A3-9C31F2794CD7}"/>
+              </a:ext>
+            </a:extLst>
+          </p:cNvPr>
+          <p:cNvSpPr txBox="1"/>
+          <p:nvPr/>
+        </p:nvSpPr>
+        <p:spPr>
+          <a:xfrm>
+            <a:off x="57391" y="3967833"/>
+            <a:ext cx="2019300" cy="369332"/>
+          </a:xfrm>
+          <a:prstGeom prst="rect">
+            <a:avLst/>
+          </a:prstGeom>
+          <a:noFill/>
+        </p:spPr>
+        <p:txBody>
+          <a:bodyPr wrap="square" rtlCol="0">
+            <a:spAutoFit/>
+          </a:bodyPr>
+          <a:lstStyle/>
+          <a:p>
+            <a:r>
+              <a:rPr lang="en-US" dirty="0"/>
+              <a:t>A Buggy Statement</a:t>
+            </a:r>
+          </a:p>
+        </p:txBody>
+      </p:sp>
+      <p:sp>
+        <p:nvSpPr>
+          <p:cNvPr id="68" name="Rectangle: Rounded Corners 67">
+            <a:extLst>
+              <a:ext uri="{FF2B5EF4-FFF2-40B4-BE49-F238E27FC236}">
+                <a16:creationId xmlns:a16="http://schemas.microsoft.com/office/drawing/2014/main" id="{A466D679-29DD-4A75-9A76-3022E6E7E2A7}"/>
+              </a:ext>
+            </a:extLst>
+          </p:cNvPr>
+          <p:cNvSpPr/>
+          <p:nvPr/>
+        </p:nvSpPr>
+        <p:spPr>
+          <a:xfrm>
+            <a:off x="2187518" y="2382174"/>
+            <a:ext cx="830548" cy="1018261"/>
+          </a:xfrm>
+          <a:prstGeom prst="roundRect">
+            <a:avLst/>
+          </a:prstGeom>
+          <a:solidFill>
+            <a:schemeClr val="accent2">
+              <a:lumMod val="20000"/>
+              <a:lumOff val="80000"/>
+            </a:schemeClr>
+          </a:solidFill>
+          <a:ln w="25400">
+            <a:solidFill>
+              <a:schemeClr val="accent2">
+                <a:lumMod val="75000"/>
+              </a:schemeClr>
+            </a:solidFill>
+          </a:ln>
+        </p:spPr>
+        <p:style>
+          <a:lnRef idx="2">
+            <a:schemeClr val="accent1">
+              <a:shade val="50000"/>
+            </a:schemeClr>
+          </a:lnRef>
+          <a:fillRef idx="1">
+            <a:schemeClr val="accent1"/>
+          </a:fillRef>
+          <a:effectRef idx="0">
+            <a:schemeClr val="accent1"/>
+          </a:effectRef>
+          <a:fontRef idx="minor">
+            <a:schemeClr val="lt1"/>
+          </a:fontRef>
+        </p:style>
+        <p:txBody>
+          <a:bodyPr rtlCol="0" anchor="ctr"/>
+          <a:lstStyle/>
+          <a:p>
+            <a:pPr algn="ctr"/>
+            <a:r>
+              <a:rPr lang="en-US" dirty="0">
+                <a:solidFill>
+                  <a:schemeClr val="tx1"/>
+                </a:solidFill>
+              </a:rPr>
+              <a:t>Tree Rep Learn -</a:t>
+            </a:r>
+            <a:r>
+              <a:rPr lang="en-US" dirty="0" err="1">
+                <a:solidFill>
+                  <a:schemeClr val="tx1"/>
+                </a:solidFill>
+              </a:rPr>
+              <a:t>ing</a:t>
+            </a:r>
+            <a:endParaRPr lang="en-US" dirty="0">
+              <a:solidFill>
+                <a:schemeClr val="tx1"/>
+              </a:solidFill>
+            </a:endParaRPr>
+          </a:p>
+        </p:txBody>
+      </p:sp>
+      <p:cxnSp>
+        <p:nvCxnSpPr>
+          <p:cNvPr id="45" name="Straight Arrow Connector 44">
+            <a:extLst>
+              <a:ext uri="{FF2B5EF4-FFF2-40B4-BE49-F238E27FC236}">
+                <a16:creationId xmlns:a16="http://schemas.microsoft.com/office/drawing/2014/main" id="{B46D66FB-63ED-495E-BF5D-8F2CE178CB01}"/>
+              </a:ext>
+            </a:extLst>
+          </p:cNvPr>
+          <p:cNvCxnSpPr>
+            <a:cxnSpLocks/>
+            <a:endCxn id="68" idx="1"/>
+          </p:cNvCxnSpPr>
+          <p:nvPr/>
+        </p:nvCxnSpPr>
+        <p:spPr>
+          <a:xfrm flipV="1">
+            <a:off x="2000973" y="2891305"/>
+            <a:ext cx="186545" cy="710364"/>
+          </a:xfrm>
+          <a:prstGeom prst="straightConnector1">
+            <a:avLst/>
+          </a:prstGeom>
+          <a:ln w="25400">
+            <a:tailEnd type="triangle"/>
+          </a:ln>
+        </p:spPr>
+        <p:style>
+          <a:lnRef idx="1">
+            <a:schemeClr val="accent1"/>
+          </a:lnRef>
+          <a:fillRef idx="0">
+            <a:schemeClr val="accent1"/>
+          </a:fillRef>
+          <a:effectRef idx="0">
+            <a:schemeClr val="accent1"/>
+          </a:effectRef>
+          <a:fontRef idx="minor">
+            <a:schemeClr val="tx1"/>
+          </a:fontRef>
+        </p:style>
+      </p:cxnSp>
+      <p:cxnSp>
+        <p:nvCxnSpPr>
+          <p:cNvPr id="69" name="Straight Arrow Connector 68">
+            <a:extLst>
+              <a:ext uri="{FF2B5EF4-FFF2-40B4-BE49-F238E27FC236}">
+                <a16:creationId xmlns:a16="http://schemas.microsoft.com/office/drawing/2014/main" id="{14531D7C-533B-4300-9190-F7E975DE0E4A}"/>
+              </a:ext>
+            </a:extLst>
+          </p:cNvPr>
+          <p:cNvCxnSpPr>
+            <a:cxnSpLocks/>
+          </p:cNvCxnSpPr>
+          <p:nvPr/>
+        </p:nvCxnSpPr>
+        <p:spPr>
+          <a:xfrm>
+            <a:off x="1067041" y="2898206"/>
+            <a:ext cx="0" cy="703462"/>
+          </a:xfrm>
+          <a:prstGeom prst="straightConnector1">
+            <a:avLst/>
+          </a:prstGeom>
+          <a:ln w="25400">
+            <a:headEnd type="none" w="med" len="med"/>
+            <a:tailEnd type="triangle" w="med" len="med"/>
+          </a:ln>
+        </p:spPr>
+        <p:style>
+          <a:lnRef idx="1">
+            <a:schemeClr val="accent1"/>
+          </a:lnRef>
+          <a:fillRef idx="0">
+            <a:schemeClr val="accent1"/>
+          </a:fillRef>
+          <a:effectRef idx="0">
+            <a:schemeClr val="accent1"/>
+          </a:effectRef>
+          <a:fontRef idx="minor">
+            <a:schemeClr val="tx1"/>
+          </a:fontRef>
+        </p:style>
+      </p:cxnSp>
+      <p:cxnSp>
+        <p:nvCxnSpPr>
+          <p:cNvPr id="71" name="Straight Arrow Connector 70">
+            <a:extLst>
+              <a:ext uri="{FF2B5EF4-FFF2-40B4-BE49-F238E27FC236}">
+                <a16:creationId xmlns:a16="http://schemas.microsoft.com/office/drawing/2014/main" id="{F604B536-219B-4A4F-A8A8-E5BCEC1358BD}"/>
+              </a:ext>
+            </a:extLst>
+          </p:cNvPr>
+          <p:cNvCxnSpPr>
+            <a:cxnSpLocks/>
+          </p:cNvCxnSpPr>
+          <p:nvPr/>
+        </p:nvCxnSpPr>
+        <p:spPr>
+          <a:xfrm>
+            <a:off x="1886881" y="2280630"/>
+            <a:ext cx="271986" cy="633336"/>
+          </a:xfrm>
+          <a:prstGeom prst="straightConnector1">
+            <a:avLst/>
+          </a:prstGeom>
+          <a:ln w="25400">
+            <a:tailEnd type="triangle"/>
+          </a:ln>
+        </p:spPr>
+        <p:style>
+          <a:lnRef idx="1">
+            <a:schemeClr val="accent1"/>
+          </a:lnRef>
+          <a:fillRef idx="0">
+            <a:schemeClr val="accent1"/>
+          </a:fillRef>
+          <a:effectRef idx="0">
+            <a:schemeClr val="accent1"/>
+          </a:effectRef>
+          <a:fontRef idx="minor">
+            <a:schemeClr val="tx1"/>
+          </a:fontRef>
+        </p:style>
+      </p:cxnSp>
+      <p:grpSp>
+        <p:nvGrpSpPr>
+          <p:cNvPr id="37" name="Group 36">
+            <a:extLst>
+              <a:ext uri="{FF2B5EF4-FFF2-40B4-BE49-F238E27FC236}">
+                <a16:creationId xmlns:a16="http://schemas.microsoft.com/office/drawing/2014/main" id="{974154A5-740B-480B-9790-7068A1519CEC}"/>
+              </a:ext>
+            </a:extLst>
+          </p:cNvPr>
+          <p:cNvGrpSpPr/>
+          <p:nvPr/>
+        </p:nvGrpSpPr>
+        <p:grpSpPr>
+          <a:xfrm>
+            <a:off x="3230113" y="1630000"/>
+            <a:ext cx="2229827" cy="1283966"/>
+            <a:chOff x="3140452" y="1589365"/>
+            <a:chExt cx="2229827" cy="1283966"/>
+          </a:xfrm>
+        </p:grpSpPr>
+        <p:grpSp>
+          <p:nvGrpSpPr>
+            <p:cNvPr id="28" name="Group 27">
+              <a:extLst>
+                <a:ext uri="{FF2B5EF4-FFF2-40B4-BE49-F238E27FC236}">
+                  <a16:creationId xmlns:a16="http://schemas.microsoft.com/office/drawing/2014/main" id="{A484B772-D35C-4C6A-87CA-D367F3C908BE}"/>
+                </a:ext>
+              </a:extLst>
+            </p:cNvPr>
+            <p:cNvGrpSpPr/>
+            <p:nvPr/>
+          </p:nvGrpSpPr>
+          <p:grpSpPr>
+            <a:xfrm>
+              <a:off x="3140452" y="1589365"/>
+              <a:ext cx="2229827" cy="1283966"/>
+              <a:chOff x="3031490" y="1371365"/>
+              <a:chExt cx="2229827" cy="1283966"/>
+            </a:xfrm>
+          </p:grpSpPr>
+          <p:grpSp>
+            <p:nvGrpSpPr>
+              <p:cNvPr id="26" name="Group 25">
+                <a:extLst>
+                  <a:ext uri="{FF2B5EF4-FFF2-40B4-BE49-F238E27FC236}">
+                    <a16:creationId xmlns:a16="http://schemas.microsoft.com/office/drawing/2014/main" id="{C9C5E1EB-45B8-465C-B0B4-434626BA3FE9}"/>
+                  </a:ext>
+                </a:extLst>
+              </p:cNvPr>
+              <p:cNvGrpSpPr/>
+              <p:nvPr/>
+            </p:nvGrpSpPr>
+            <p:grpSpPr>
+              <a:xfrm>
+                <a:off x="3031490" y="1464230"/>
+                <a:ext cx="1314450" cy="1191101"/>
+                <a:chOff x="3473450" y="1362075"/>
+                <a:chExt cx="1314450" cy="1191101"/>
+              </a:xfrm>
+            </p:grpSpPr>
+            <p:sp>
+              <p:nvSpPr>
+                <p:cNvPr id="6" name="Oval 5">
+                  <a:extLst>
+                    <a:ext uri="{FF2B5EF4-FFF2-40B4-BE49-F238E27FC236}">
+                      <a16:creationId xmlns:a16="http://schemas.microsoft.com/office/drawing/2014/main" id="{470D599C-3F89-4886-9C49-233CC1602D01}"/>
+                    </a:ext>
+                  </a:extLst>
+                </p:cNvPr>
+                <p:cNvSpPr/>
+                <p:nvPr/>
+              </p:nvSpPr>
+              <p:spPr>
+                <a:xfrm>
+                  <a:off x="3841750" y="1362075"/>
+                  <a:ext cx="190500" cy="190500"/>
+                </a:xfrm>
+                <a:prstGeom prst="ellipse">
+                  <a:avLst/>
+                </a:prstGeom>
+                <a:solidFill>
+                  <a:schemeClr val="accent6">
+                    <a:lumMod val="40000"/>
+                    <a:lumOff val="60000"/>
+                  </a:schemeClr>
+                </a:solidFill>
+                <a:ln>
+                  <a:solidFill>
+                    <a:schemeClr val="accent6">
+                      <a:lumMod val="75000"/>
+                    </a:schemeClr>
+                  </a:solidFill>
+                </a:ln>
+              </p:spPr>
+              <p:style>
+                <a:lnRef idx="2">
+                  <a:schemeClr val="accent1">
+                    <a:shade val="50000"/>
+                  </a:schemeClr>
+                </a:lnRef>
+                <a:fillRef idx="1">
+                  <a:schemeClr val="accent1"/>
+                </a:fillRef>
+                <a:effectRef idx="0">
+                  <a:schemeClr val="accent1"/>
+                </a:effectRef>
+                <a:fontRef idx="minor">
+                  <a:schemeClr val="lt1"/>
+                </a:fontRef>
+              </p:style>
+              <p:txBody>
+                <a:bodyPr rtlCol="0" anchor="ctr"/>
+                <a:lstStyle/>
+                <a:p>
+                  <a:pPr algn="ctr"/>
+                  <a:endParaRPr lang="en-US"/>
+                </a:p>
+              </p:txBody>
+            </p:sp>
+            <p:sp>
+              <p:nvSpPr>
+                <p:cNvPr id="10" name="Oval 9">
+                  <a:extLst>
+                    <a:ext uri="{FF2B5EF4-FFF2-40B4-BE49-F238E27FC236}">
+                      <a16:creationId xmlns:a16="http://schemas.microsoft.com/office/drawing/2014/main" id="{78A16A7B-ED5A-4841-9100-606221F042A4}"/>
+                    </a:ext>
+                  </a:extLst>
+                </p:cNvPr>
+                <p:cNvSpPr/>
+                <p:nvPr/>
+              </p:nvSpPr>
+              <p:spPr>
+                <a:xfrm>
+                  <a:off x="3473450" y="1869281"/>
+                  <a:ext cx="190500" cy="190500"/>
+                </a:xfrm>
+                <a:prstGeom prst="ellipse">
+                  <a:avLst/>
+                </a:prstGeom>
+                <a:solidFill>
+                  <a:schemeClr val="accent6">
+                    <a:lumMod val="40000"/>
+                    <a:lumOff val="60000"/>
+                  </a:schemeClr>
+                </a:solidFill>
+                <a:ln>
+                  <a:solidFill>
+                    <a:schemeClr val="accent6">
+                      <a:lumMod val="75000"/>
+                    </a:schemeClr>
+                  </a:solidFill>
+                </a:ln>
+              </p:spPr>
+              <p:style>
+                <a:lnRef idx="2">
+                  <a:schemeClr val="accent1">
+                    <a:shade val="50000"/>
+                  </a:schemeClr>
+                </a:lnRef>
+                <a:fillRef idx="1">
+                  <a:schemeClr val="accent1"/>
+                </a:fillRef>
+                <a:effectRef idx="0">
+                  <a:schemeClr val="accent1"/>
+                </a:effectRef>
+                <a:fontRef idx="minor">
+                  <a:schemeClr val="lt1"/>
+                </a:fontRef>
+              </p:style>
+              <p:txBody>
+                <a:bodyPr rtlCol="0" anchor="ctr"/>
+                <a:lstStyle/>
+                <a:p>
+                  <a:pPr algn="ctr"/>
+                  <a:endParaRPr lang="en-US"/>
+                </a:p>
+              </p:txBody>
+            </p:sp>
+            <p:sp>
+              <p:nvSpPr>
+                <p:cNvPr id="11" name="Oval 10">
+                  <a:extLst>
+                    <a:ext uri="{FF2B5EF4-FFF2-40B4-BE49-F238E27FC236}">
+                      <a16:creationId xmlns:a16="http://schemas.microsoft.com/office/drawing/2014/main" id="{DD7077DB-E4CA-42D0-8062-535BCA33231D}"/>
+                    </a:ext>
+                  </a:extLst>
+                </p:cNvPr>
+                <p:cNvSpPr/>
+                <p:nvPr/>
+              </p:nvSpPr>
+              <p:spPr>
+                <a:xfrm>
+                  <a:off x="4222750" y="1869281"/>
+                  <a:ext cx="190500" cy="190500"/>
+                </a:xfrm>
+                <a:prstGeom prst="ellipse">
+                  <a:avLst/>
+                </a:prstGeom>
+                <a:solidFill>
+                  <a:srgbClr val="FFC000"/>
+                </a:solidFill>
+                <a:ln>
+                  <a:solidFill>
+                    <a:schemeClr val="accent6">
+                      <a:lumMod val="75000"/>
+                    </a:schemeClr>
+                  </a:solidFill>
+                </a:ln>
+              </p:spPr>
+              <p:style>
+                <a:lnRef idx="2">
+                  <a:schemeClr val="accent1">
+                    <a:shade val="50000"/>
+                  </a:schemeClr>
+                </a:lnRef>
+                <a:fillRef idx="1">
+                  <a:schemeClr val="accent1"/>
+                </a:fillRef>
+                <a:effectRef idx="0">
+                  <a:schemeClr val="accent1"/>
+                </a:effectRef>
+                <a:fontRef idx="minor">
+                  <a:schemeClr val="lt1"/>
+                </a:fontRef>
+              </p:style>
+              <p:txBody>
+                <a:bodyPr rtlCol="0" anchor="ctr"/>
+                <a:lstStyle/>
+                <a:p>
+                  <a:pPr algn="ctr"/>
+                  <a:endParaRPr lang="en-US"/>
+                </a:p>
+              </p:txBody>
+            </p:sp>
+            <p:sp>
+              <p:nvSpPr>
+                <p:cNvPr id="12" name="Oval 11">
+                  <a:extLst>
+                    <a:ext uri="{FF2B5EF4-FFF2-40B4-BE49-F238E27FC236}">
+                      <a16:creationId xmlns:a16="http://schemas.microsoft.com/office/drawing/2014/main" id="{3D3CCC25-56F3-44D6-8B44-3996C81026B6}"/>
+                    </a:ext>
+                  </a:extLst>
+                </p:cNvPr>
+                <p:cNvSpPr/>
+                <p:nvPr/>
+              </p:nvSpPr>
+              <p:spPr>
+                <a:xfrm>
+                  <a:off x="3841750" y="2362676"/>
+                  <a:ext cx="190500" cy="190500"/>
+                </a:xfrm>
+                <a:prstGeom prst="ellipse">
+                  <a:avLst/>
+                </a:prstGeom>
+                <a:solidFill>
+                  <a:schemeClr val="accent6">
+                    <a:lumMod val="40000"/>
+                    <a:lumOff val="60000"/>
+                  </a:schemeClr>
+                </a:solidFill>
+                <a:ln>
+                  <a:solidFill>
+                    <a:schemeClr val="accent6">
+                      <a:lumMod val="75000"/>
+                    </a:schemeClr>
+                  </a:solidFill>
+                </a:ln>
+              </p:spPr>
+              <p:style>
+                <a:lnRef idx="2">
+                  <a:schemeClr val="accent1">
+                    <a:shade val="50000"/>
+                  </a:schemeClr>
+                </a:lnRef>
+                <a:fillRef idx="1">
+                  <a:schemeClr val="accent1"/>
+                </a:fillRef>
+                <a:effectRef idx="0">
+                  <a:schemeClr val="accent1"/>
+                </a:effectRef>
+                <a:fontRef idx="minor">
+                  <a:schemeClr val="lt1"/>
+                </a:fontRef>
+              </p:style>
+              <p:txBody>
+                <a:bodyPr rtlCol="0" anchor="ctr"/>
+                <a:lstStyle/>
+                <a:p>
+                  <a:pPr algn="ctr"/>
+                  <a:endParaRPr lang="en-US"/>
+                </a:p>
+              </p:txBody>
+            </p:sp>
+            <p:sp>
+              <p:nvSpPr>
+                <p:cNvPr id="13" name="Oval 12">
+                  <a:extLst>
+                    <a:ext uri="{FF2B5EF4-FFF2-40B4-BE49-F238E27FC236}">
+                      <a16:creationId xmlns:a16="http://schemas.microsoft.com/office/drawing/2014/main" id="{0551262F-7014-40A1-B3DA-EBD3D5A57888}"/>
+                    </a:ext>
+                  </a:extLst>
+                </p:cNvPr>
+                <p:cNvSpPr/>
+                <p:nvPr/>
+              </p:nvSpPr>
+              <p:spPr>
+                <a:xfrm>
+                  <a:off x="4597400" y="2362676"/>
+                  <a:ext cx="190500" cy="190500"/>
+                </a:xfrm>
+                <a:prstGeom prst="ellipse">
+                  <a:avLst/>
+                </a:prstGeom>
+                <a:solidFill>
+                  <a:srgbClr val="FFC000"/>
+                </a:solidFill>
+                <a:ln>
+                  <a:solidFill>
+                    <a:schemeClr val="accent6">
+                      <a:lumMod val="75000"/>
+                    </a:schemeClr>
+                  </a:solidFill>
+                </a:ln>
+              </p:spPr>
+              <p:style>
+                <a:lnRef idx="2">
+                  <a:schemeClr val="accent1">
+                    <a:shade val="50000"/>
+                  </a:schemeClr>
+                </a:lnRef>
+                <a:fillRef idx="1">
+                  <a:schemeClr val="accent1"/>
+                </a:fillRef>
+                <a:effectRef idx="0">
+                  <a:schemeClr val="accent1"/>
+                </a:effectRef>
+                <a:fontRef idx="minor">
+                  <a:schemeClr val="lt1"/>
+                </a:fontRef>
+              </p:style>
+              <p:txBody>
+                <a:bodyPr rtlCol="0" anchor="ctr"/>
+                <a:lstStyle/>
+                <a:p>
+                  <a:pPr algn="ctr"/>
+                  <a:endParaRPr lang="en-US" dirty="0"/>
+                </a:p>
+              </p:txBody>
+            </p:sp>
+            <p:cxnSp>
+              <p:nvCxnSpPr>
+                <p:cNvPr id="9" name="Straight Arrow Connector 8">
+                  <a:extLst>
+                    <a:ext uri="{FF2B5EF4-FFF2-40B4-BE49-F238E27FC236}">
+                      <a16:creationId xmlns:a16="http://schemas.microsoft.com/office/drawing/2014/main" id="{A570A030-BD8A-40B7-886B-8931F720D89E}"/>
+                    </a:ext>
+                  </a:extLst>
+                </p:cNvPr>
+                <p:cNvCxnSpPr>
+                  <a:cxnSpLocks/>
+                  <a:stCxn id="6" idx="3"/>
+                  <a:endCxn id="10" idx="6"/>
+                </p:cNvCxnSpPr>
+                <p:nvPr/>
+              </p:nvCxnSpPr>
+              <p:spPr>
+                <a:xfrm flipH="1">
+                  <a:off x="3636052" y="1524677"/>
+                  <a:ext cx="233596" cy="372502"/>
+                </a:xfrm>
+                <a:prstGeom prst="straightConnector1">
+                  <a:avLst/>
+                </a:prstGeom>
+                <a:ln w="25400">
+                  <a:tailEnd type="triangle"/>
+                </a:ln>
+              </p:spPr>
+              <p:style>
+                <a:lnRef idx="1">
+                  <a:schemeClr val="accent1"/>
+                </a:lnRef>
+                <a:fillRef idx="0">
+                  <a:schemeClr val="accent1"/>
+                </a:fillRef>
+                <a:effectRef idx="0">
+                  <a:schemeClr val="accent1"/>
+                </a:effectRef>
+                <a:fontRef idx="minor">
+                  <a:schemeClr val="tx1"/>
+                </a:fontRef>
+              </p:style>
+            </p:cxnSp>
+            <p:cxnSp>
+              <p:nvCxnSpPr>
+                <p:cNvPr id="16" name="Straight Arrow Connector 15">
+                  <a:extLst>
+                    <a:ext uri="{FF2B5EF4-FFF2-40B4-BE49-F238E27FC236}">
+                      <a16:creationId xmlns:a16="http://schemas.microsoft.com/office/drawing/2014/main" id="{A67836DA-BBDF-4AA1-9287-B74AADA97FDB}"/>
+                    </a:ext>
+                  </a:extLst>
+                </p:cNvPr>
+                <p:cNvCxnSpPr>
+                  <a:cxnSpLocks/>
+                  <a:stCxn id="6" idx="5"/>
+                  <a:endCxn id="11" idx="1"/>
+                </p:cNvCxnSpPr>
+                <p:nvPr/>
+              </p:nvCxnSpPr>
+              <p:spPr>
+                <a:xfrm>
+                  <a:off x="4004352" y="1524677"/>
+                  <a:ext cx="246296" cy="372502"/>
+                </a:xfrm>
+                <a:prstGeom prst="straightConnector1">
+                  <a:avLst/>
+                </a:prstGeom>
+                <a:ln w="25400">
+                  <a:tailEnd type="triangle"/>
+                </a:ln>
+              </p:spPr>
+              <p:style>
+                <a:lnRef idx="1">
+                  <a:schemeClr val="accent1"/>
+                </a:lnRef>
+                <a:fillRef idx="0">
+                  <a:schemeClr val="accent1"/>
+                </a:fillRef>
+                <a:effectRef idx="0">
+                  <a:schemeClr val="accent1"/>
+                </a:effectRef>
+                <a:fontRef idx="minor">
+                  <a:schemeClr val="tx1"/>
+                </a:fontRef>
+              </p:style>
+            </p:cxnSp>
+            <p:cxnSp>
+              <p:nvCxnSpPr>
+                <p:cNvPr id="19" name="Straight Arrow Connector 18">
+                  <a:extLst>
+                    <a:ext uri="{FF2B5EF4-FFF2-40B4-BE49-F238E27FC236}">
+                      <a16:creationId xmlns:a16="http://schemas.microsoft.com/office/drawing/2014/main" id="{4BFCEB90-0F52-4654-BF5F-ED99ABC9EE00}"/>
+                    </a:ext>
+                  </a:extLst>
+                </p:cNvPr>
+                <p:cNvCxnSpPr>
+                  <a:cxnSpLocks/>
+                  <a:stCxn id="11" idx="3"/>
+                  <a:endCxn id="12" idx="7"/>
+                </p:cNvCxnSpPr>
+                <p:nvPr/>
+              </p:nvCxnSpPr>
+              <p:spPr>
+                <a:xfrm flipH="1">
+                  <a:off x="4004352" y="2031883"/>
+                  <a:ext cx="246296" cy="358691"/>
+                </a:xfrm>
+                <a:prstGeom prst="straightConnector1">
+                  <a:avLst/>
+                </a:prstGeom>
+                <a:ln w="25400">
+                  <a:tailEnd type="triangle"/>
+                </a:ln>
+              </p:spPr>
+              <p:style>
+                <a:lnRef idx="1">
+                  <a:schemeClr val="accent1"/>
+                </a:lnRef>
+                <a:fillRef idx="0">
+                  <a:schemeClr val="accent1"/>
+                </a:fillRef>
+                <a:effectRef idx="0">
+                  <a:schemeClr val="accent1"/>
+                </a:effectRef>
+                <a:fontRef idx="minor">
+                  <a:schemeClr val="tx1"/>
+                </a:fontRef>
+              </p:style>
+            </p:cxnSp>
+            <p:cxnSp>
+              <p:nvCxnSpPr>
+                <p:cNvPr id="22" name="Straight Arrow Connector 21">
+                  <a:extLst>
+                    <a:ext uri="{FF2B5EF4-FFF2-40B4-BE49-F238E27FC236}">
+                      <a16:creationId xmlns:a16="http://schemas.microsoft.com/office/drawing/2014/main" id="{78729F2F-4120-4631-B35F-1DA81F1BE9A1}"/>
+                    </a:ext>
+                  </a:extLst>
+                </p:cNvPr>
+                <p:cNvCxnSpPr>
+                  <a:cxnSpLocks/>
+                  <a:stCxn id="11" idx="5"/>
+                  <a:endCxn id="13" idx="1"/>
+                </p:cNvCxnSpPr>
+                <p:nvPr/>
+              </p:nvCxnSpPr>
+              <p:spPr>
+                <a:xfrm>
+                  <a:off x="4385352" y="2031883"/>
+                  <a:ext cx="239946" cy="358691"/>
+                </a:xfrm>
+                <a:prstGeom prst="straightConnector1">
+                  <a:avLst/>
+                </a:prstGeom>
+                <a:ln w="25400">
+                  <a:solidFill>
+                    <a:srgbClr val="FF0000"/>
+                  </a:solidFill>
+                  <a:tailEnd type="triangle"/>
+                </a:ln>
+              </p:spPr>
+              <p:style>
+                <a:lnRef idx="1">
+                  <a:schemeClr val="accent1"/>
+                </a:lnRef>
+                <a:fillRef idx="0">
+                  <a:schemeClr val="accent1"/>
+                </a:fillRef>
+                <a:effectRef idx="0">
+                  <a:schemeClr val="accent1"/>
+                </a:effectRef>
+                <a:fontRef idx="minor">
+                  <a:schemeClr val="tx1"/>
+                </a:fontRef>
+              </p:style>
+            </p:cxnSp>
+          </p:grpSp>
+          <p:sp>
+            <p:nvSpPr>
+              <p:cNvPr id="39" name="TextBox 38">
+                <a:extLst>
+                  <a:ext uri="{FF2B5EF4-FFF2-40B4-BE49-F238E27FC236}">
+                    <a16:creationId xmlns:a16="http://schemas.microsoft.com/office/drawing/2014/main" id="{DFF9EEFC-8DFB-4D04-BF39-56044C2D8B85}"/>
+                  </a:ext>
+                </a:extLst>
+              </p:cNvPr>
+              <p:cNvSpPr txBox="1"/>
+              <p:nvPr/>
+            </p:nvSpPr>
+            <p:spPr>
+              <a:xfrm>
+                <a:off x="3584917" y="1371365"/>
+                <a:ext cx="1676400" cy="369332"/>
+              </a:xfrm>
+              <a:prstGeom prst="rect">
+                <a:avLst/>
+              </a:prstGeom>
+              <a:noFill/>
+            </p:spPr>
+            <p:txBody>
+              <a:bodyPr wrap="square" rtlCol="0">
+                <a:spAutoFit/>
+              </a:bodyPr>
+              <a:lstStyle/>
+              <a:p>
+                <a:r>
+                  <a:rPr lang="en-US" dirty="0"/>
+                  <a:t>AST</a:t>
+                </a:r>
+              </a:p>
+            </p:txBody>
+          </p:sp>
+        </p:grpSp>
+        <p:cxnSp>
+          <p:nvCxnSpPr>
+            <p:cNvPr id="34" name="Straight Arrow Connector 33">
+              <a:extLst>
+                <a:ext uri="{FF2B5EF4-FFF2-40B4-BE49-F238E27FC236}">
+                  <a16:creationId xmlns:a16="http://schemas.microsoft.com/office/drawing/2014/main" id="{800ABE5A-ED23-4F9A-97BE-93D8F344DAF2}"/>
+                </a:ext>
+              </a:extLst>
+            </p:cNvPr>
+            <p:cNvCxnSpPr>
+              <a:cxnSpLocks/>
+              <a:stCxn id="6" idx="4"/>
+            </p:cNvCxnSpPr>
+            <p:nvPr/>
+          </p:nvCxnSpPr>
+          <p:spPr>
+            <a:xfrm>
+              <a:off x="3604002" y="1872730"/>
+              <a:ext cx="0" cy="353860"/>
+            </a:xfrm>
+            <a:prstGeom prst="straightConnector1">
+              <a:avLst/>
+            </a:prstGeom>
+            <a:ln w="12700">
+              <a:tailEnd type="triangle"/>
+            </a:ln>
+          </p:spPr>
+          <p:style>
+            <a:lnRef idx="1">
+              <a:schemeClr val="accent1"/>
+            </a:lnRef>
+            <a:fillRef idx="0">
+              <a:schemeClr val="accent1"/>
+            </a:fillRef>
+            <a:effectRef idx="0">
+              <a:schemeClr val="accent1"/>
+            </a:effectRef>
+            <a:fontRef idx="minor">
+              <a:schemeClr val="tx1"/>
+            </a:fontRef>
+          </p:style>
+        </p:cxnSp>
+      </p:grpSp>
+      <p:cxnSp>
+        <p:nvCxnSpPr>
+          <p:cNvPr id="80" name="Straight Arrow Connector 79">
+            <a:extLst>
+              <a:ext uri="{FF2B5EF4-FFF2-40B4-BE49-F238E27FC236}">
+                <a16:creationId xmlns:a16="http://schemas.microsoft.com/office/drawing/2014/main" id="{A1D73F36-E776-4ED8-AACF-B1FD34EBCB56}"/>
+              </a:ext>
+            </a:extLst>
+          </p:cNvPr>
+          <p:cNvCxnSpPr/>
+          <p:nvPr/>
+        </p:nvCxnSpPr>
+        <p:spPr>
+          <a:xfrm flipV="1">
+            <a:off x="3018685" y="2887518"/>
+            <a:ext cx="332860" cy="2649"/>
+          </a:xfrm>
+          <a:prstGeom prst="straightConnector1">
+            <a:avLst/>
+          </a:prstGeom>
+          <a:ln w="25400">
+            <a:tailEnd type="triangle"/>
+          </a:ln>
+        </p:spPr>
+        <p:style>
+          <a:lnRef idx="1">
+            <a:schemeClr val="accent1"/>
+          </a:lnRef>
+          <a:fillRef idx="0">
+            <a:schemeClr val="accent1"/>
+          </a:fillRef>
+          <a:effectRef idx="0">
+            <a:schemeClr val="accent1"/>
+          </a:effectRef>
+          <a:fontRef idx="minor">
+            <a:schemeClr val="tx1"/>
+          </a:fontRef>
+        </p:style>
+      </p:cxnSp>
+      <p:cxnSp>
+        <p:nvCxnSpPr>
+          <p:cNvPr id="111" name="Straight Arrow Connector 110">
+            <a:extLst>
+              <a:ext uri="{FF2B5EF4-FFF2-40B4-BE49-F238E27FC236}">
+                <a16:creationId xmlns:a16="http://schemas.microsoft.com/office/drawing/2014/main" id="{1671B46B-0761-4984-BC79-3FC406BE6EDC}"/>
+              </a:ext>
+            </a:extLst>
+          </p:cNvPr>
+          <p:cNvCxnSpPr>
+            <a:cxnSpLocks/>
+          </p:cNvCxnSpPr>
+          <p:nvPr/>
+        </p:nvCxnSpPr>
+        <p:spPr>
+          <a:xfrm flipH="1">
+            <a:off x="6817240" y="2071717"/>
+            <a:ext cx="368300" cy="1"/>
+          </a:xfrm>
+          <a:prstGeom prst="straightConnector1">
+            <a:avLst/>
+          </a:prstGeom>
+          <a:ln w="25400">
+            <a:tailEnd type="triangle"/>
+          </a:ln>
+        </p:spPr>
+        <p:style>
+          <a:lnRef idx="1">
+            <a:schemeClr val="accent1"/>
+          </a:lnRef>
+          <a:fillRef idx="0">
+            <a:schemeClr val="accent1"/>
+          </a:fillRef>
+          <a:effectRef idx="0">
+            <a:schemeClr val="accent1"/>
+          </a:effectRef>
+          <a:fontRef idx="minor">
+            <a:schemeClr val="tx1"/>
+          </a:fontRef>
+        </p:style>
+      </p:cxnSp>
+      <p:grpSp>
+        <p:nvGrpSpPr>
+          <p:cNvPr id="112" name="Group 111">
+            <a:extLst>
+              <a:ext uri="{FF2B5EF4-FFF2-40B4-BE49-F238E27FC236}">
+                <a16:creationId xmlns:a16="http://schemas.microsoft.com/office/drawing/2014/main" id="{44BDE4B8-D26A-4B71-93B6-356B2438C35F}"/>
+              </a:ext>
+            </a:extLst>
+          </p:cNvPr>
+          <p:cNvGrpSpPr/>
+          <p:nvPr/>
+        </p:nvGrpSpPr>
+        <p:grpSpPr>
+          <a:xfrm>
+            <a:off x="7214290" y="1610259"/>
+            <a:ext cx="1507902" cy="1308686"/>
+            <a:chOff x="7214290" y="1610259"/>
+            <a:chExt cx="1507902" cy="1308686"/>
+          </a:xfrm>
+        </p:grpSpPr>
+        <p:grpSp>
+          <p:nvGrpSpPr>
+            <p:cNvPr id="110" name="Group 109">
+              <a:extLst>
+                <a:ext uri="{FF2B5EF4-FFF2-40B4-BE49-F238E27FC236}">
+                  <a16:creationId xmlns:a16="http://schemas.microsoft.com/office/drawing/2014/main" id="{5D771EF3-42E6-4AA0-9AAB-BB8F8FFD12EC}"/>
+                </a:ext>
+              </a:extLst>
+            </p:cNvPr>
+            <p:cNvGrpSpPr/>
+            <p:nvPr/>
+          </p:nvGrpSpPr>
+          <p:grpSpPr>
+            <a:xfrm>
+              <a:off x="7214290" y="1610259"/>
+              <a:ext cx="1507902" cy="1294459"/>
+              <a:chOff x="7214290" y="1610259"/>
+              <a:chExt cx="1507902" cy="1294459"/>
+            </a:xfrm>
+          </p:grpSpPr>
+          <p:grpSp>
+            <p:nvGrpSpPr>
+              <p:cNvPr id="98" name="Group 97">
+                <a:extLst>
+                  <a:ext uri="{FF2B5EF4-FFF2-40B4-BE49-F238E27FC236}">
+                    <a16:creationId xmlns:a16="http://schemas.microsoft.com/office/drawing/2014/main" id="{7A60005C-BF80-4A5F-B7FC-0DB985BA956C}"/>
+                  </a:ext>
+                </a:extLst>
+              </p:cNvPr>
+              <p:cNvGrpSpPr/>
+              <p:nvPr/>
+            </p:nvGrpSpPr>
+            <p:grpSpPr>
+              <a:xfrm>
+                <a:off x="7214290" y="1713617"/>
+                <a:ext cx="1151848" cy="1191101"/>
+                <a:chOff x="3473450" y="1362075"/>
+                <a:chExt cx="1151848" cy="1191101"/>
+              </a:xfrm>
+            </p:grpSpPr>
+            <p:sp>
+              <p:nvSpPr>
+                <p:cNvPr id="100" name="Oval 99">
+                  <a:extLst>
+                    <a:ext uri="{FF2B5EF4-FFF2-40B4-BE49-F238E27FC236}">
+                      <a16:creationId xmlns:a16="http://schemas.microsoft.com/office/drawing/2014/main" id="{37825BF5-8DF9-4C40-949A-C43DDCA6E08C}"/>
+                    </a:ext>
+                  </a:extLst>
+                </p:cNvPr>
+                <p:cNvSpPr/>
+                <p:nvPr/>
+              </p:nvSpPr>
+              <p:spPr>
+                <a:xfrm>
+                  <a:off x="3841750" y="1362075"/>
+                  <a:ext cx="190500" cy="190500"/>
+                </a:xfrm>
+                <a:prstGeom prst="ellipse">
+                  <a:avLst/>
+                </a:prstGeom>
+                <a:solidFill>
+                  <a:schemeClr val="accent6">
+                    <a:lumMod val="40000"/>
+                    <a:lumOff val="60000"/>
+                  </a:schemeClr>
+                </a:solidFill>
+                <a:ln>
+                  <a:solidFill>
+                    <a:schemeClr val="accent6">
+                      <a:lumMod val="75000"/>
+                    </a:schemeClr>
+                  </a:solidFill>
+                </a:ln>
+              </p:spPr>
+              <p:style>
+                <a:lnRef idx="2">
+                  <a:schemeClr val="accent1">
+                    <a:shade val="50000"/>
+                  </a:schemeClr>
+                </a:lnRef>
+                <a:fillRef idx="1">
+                  <a:schemeClr val="accent1"/>
+                </a:fillRef>
+                <a:effectRef idx="0">
+                  <a:schemeClr val="accent1"/>
+                </a:effectRef>
+                <a:fontRef idx="minor">
+                  <a:schemeClr val="lt1"/>
+                </a:fontRef>
+              </p:style>
+              <p:txBody>
+                <a:bodyPr rtlCol="0" anchor="ctr"/>
+                <a:lstStyle/>
+                <a:p>
+                  <a:pPr algn="ctr"/>
+                  <a:endParaRPr lang="en-US"/>
+                </a:p>
+              </p:txBody>
+            </p:sp>
+            <p:sp>
+              <p:nvSpPr>
+                <p:cNvPr id="101" name="Oval 100">
+                  <a:extLst>
+                    <a:ext uri="{FF2B5EF4-FFF2-40B4-BE49-F238E27FC236}">
+                      <a16:creationId xmlns:a16="http://schemas.microsoft.com/office/drawing/2014/main" id="{4135860D-F88C-4583-85F5-57509D219125}"/>
+                    </a:ext>
+                  </a:extLst>
+                </p:cNvPr>
+                <p:cNvSpPr/>
+                <p:nvPr/>
+              </p:nvSpPr>
+              <p:spPr>
+                <a:xfrm>
+                  <a:off x="3473450" y="1869281"/>
+                  <a:ext cx="190500" cy="190500"/>
+                </a:xfrm>
+                <a:prstGeom prst="ellipse">
+                  <a:avLst/>
+                </a:prstGeom>
+                <a:solidFill>
+                  <a:schemeClr val="accent6">
+                    <a:lumMod val="40000"/>
+                    <a:lumOff val="60000"/>
+                  </a:schemeClr>
+                </a:solidFill>
+                <a:ln>
+                  <a:solidFill>
+                    <a:schemeClr val="accent6">
+                      <a:lumMod val="75000"/>
+                    </a:schemeClr>
+                  </a:solidFill>
+                </a:ln>
+              </p:spPr>
+              <p:style>
+                <a:lnRef idx="2">
+                  <a:schemeClr val="accent1">
+                    <a:shade val="50000"/>
+                  </a:schemeClr>
+                </a:lnRef>
+                <a:fillRef idx="1">
+                  <a:schemeClr val="accent1"/>
+                </a:fillRef>
+                <a:effectRef idx="0">
+                  <a:schemeClr val="accent1"/>
+                </a:effectRef>
+                <a:fontRef idx="minor">
+                  <a:schemeClr val="lt1"/>
+                </a:fontRef>
+              </p:style>
+              <p:txBody>
+                <a:bodyPr rtlCol="0" anchor="ctr"/>
+                <a:lstStyle/>
+                <a:p>
+                  <a:pPr algn="ctr"/>
+                  <a:endParaRPr lang="en-US"/>
+                </a:p>
+              </p:txBody>
+            </p:sp>
+            <p:sp>
+              <p:nvSpPr>
+                <p:cNvPr id="103" name="Oval 102">
+                  <a:extLst>
+                    <a:ext uri="{FF2B5EF4-FFF2-40B4-BE49-F238E27FC236}">
+                      <a16:creationId xmlns:a16="http://schemas.microsoft.com/office/drawing/2014/main" id="{CD343876-6D97-4973-A25E-7CF146F9F827}"/>
+                    </a:ext>
+                  </a:extLst>
+                </p:cNvPr>
+                <p:cNvSpPr/>
+                <p:nvPr/>
+              </p:nvSpPr>
+              <p:spPr>
+                <a:xfrm>
+                  <a:off x="3841750" y="2362676"/>
+                  <a:ext cx="190500" cy="190500"/>
+                </a:xfrm>
+                <a:prstGeom prst="ellipse">
+                  <a:avLst/>
+                </a:prstGeom>
+                <a:solidFill>
+                  <a:schemeClr val="accent6">
+                    <a:lumMod val="40000"/>
+                    <a:lumOff val="60000"/>
+                  </a:schemeClr>
+                </a:solidFill>
+                <a:ln>
+                  <a:solidFill>
+                    <a:schemeClr val="accent6">
+                      <a:lumMod val="75000"/>
+                    </a:schemeClr>
+                  </a:solidFill>
+                </a:ln>
+              </p:spPr>
+              <p:style>
+                <a:lnRef idx="2">
+                  <a:schemeClr val="accent1">
+                    <a:shade val="50000"/>
+                  </a:schemeClr>
+                </a:lnRef>
+                <a:fillRef idx="1">
+                  <a:schemeClr val="accent1"/>
+                </a:fillRef>
+                <a:effectRef idx="0">
+                  <a:schemeClr val="accent1"/>
+                </a:effectRef>
+                <a:fontRef idx="minor">
+                  <a:schemeClr val="lt1"/>
+                </a:fontRef>
+              </p:style>
+              <p:txBody>
+                <a:bodyPr rtlCol="0" anchor="ctr"/>
+                <a:lstStyle/>
+                <a:p>
+                  <a:pPr algn="ctr"/>
+                  <a:endParaRPr lang="en-US"/>
+                </a:p>
+              </p:txBody>
+            </p:sp>
+            <p:cxnSp>
+              <p:nvCxnSpPr>
+                <p:cNvPr id="105" name="Straight Arrow Connector 104">
+                  <a:extLst>
+                    <a:ext uri="{FF2B5EF4-FFF2-40B4-BE49-F238E27FC236}">
+                      <a16:creationId xmlns:a16="http://schemas.microsoft.com/office/drawing/2014/main" id="{47896730-4B6E-4D6F-9D0F-773801307D90}"/>
+                    </a:ext>
+                  </a:extLst>
+                </p:cNvPr>
+                <p:cNvCxnSpPr>
+                  <a:stCxn id="100" idx="3"/>
+                  <a:endCxn id="101" idx="6"/>
+                </p:cNvCxnSpPr>
+                <p:nvPr/>
+              </p:nvCxnSpPr>
+              <p:spPr>
+                <a:xfrm flipH="1">
+                  <a:off x="3636052" y="1524677"/>
+                  <a:ext cx="233596" cy="372502"/>
+                </a:xfrm>
+                <a:prstGeom prst="straightConnector1">
+                  <a:avLst/>
+                </a:prstGeom>
+                <a:ln w="25400">
+                  <a:tailEnd type="triangle"/>
+                </a:ln>
+              </p:spPr>
+              <p:style>
+                <a:lnRef idx="1">
+                  <a:schemeClr val="accent1"/>
+                </a:lnRef>
+                <a:fillRef idx="0">
+                  <a:schemeClr val="accent1"/>
+                </a:fillRef>
+                <a:effectRef idx="0">
+                  <a:schemeClr val="accent1"/>
+                </a:effectRef>
+                <a:fontRef idx="minor">
+                  <a:schemeClr val="tx1"/>
+                </a:fontRef>
+              </p:style>
+            </p:cxnSp>
+            <p:cxnSp>
+              <p:nvCxnSpPr>
+                <p:cNvPr id="106" name="Straight Arrow Connector 105">
+                  <a:extLst>
+                    <a:ext uri="{FF2B5EF4-FFF2-40B4-BE49-F238E27FC236}">
+                      <a16:creationId xmlns:a16="http://schemas.microsoft.com/office/drawing/2014/main" id="{D71847B8-D3B4-4C67-AE56-3D95F4A01658}"/>
+                    </a:ext>
+                  </a:extLst>
+                </p:cNvPr>
+                <p:cNvCxnSpPr>
+                  <a:cxnSpLocks/>
+                  <a:stCxn id="100" idx="5"/>
+                </p:cNvCxnSpPr>
+                <p:nvPr/>
+              </p:nvCxnSpPr>
+              <p:spPr>
+                <a:xfrm>
+                  <a:off x="4004352" y="1524677"/>
+                  <a:ext cx="246296" cy="372502"/>
+                </a:xfrm>
+                <a:prstGeom prst="straightConnector1">
+                  <a:avLst/>
+                </a:prstGeom>
+                <a:ln w="25400">
+                  <a:tailEnd type="triangle"/>
+                </a:ln>
+              </p:spPr>
+              <p:style>
+                <a:lnRef idx="1">
+                  <a:schemeClr val="accent1"/>
+                </a:lnRef>
+                <a:fillRef idx="0">
+                  <a:schemeClr val="accent1"/>
+                </a:fillRef>
+                <a:effectRef idx="0">
+                  <a:schemeClr val="accent1"/>
+                </a:effectRef>
+                <a:fontRef idx="minor">
+                  <a:schemeClr val="tx1"/>
+                </a:fontRef>
+              </p:style>
+            </p:cxnSp>
+            <p:cxnSp>
+              <p:nvCxnSpPr>
+                <p:cNvPr id="107" name="Straight Arrow Connector 106">
+                  <a:extLst>
+                    <a:ext uri="{FF2B5EF4-FFF2-40B4-BE49-F238E27FC236}">
+                      <a16:creationId xmlns:a16="http://schemas.microsoft.com/office/drawing/2014/main" id="{418EA2D4-3D5F-4CD9-B8F9-C667C7A4B08D}"/>
+                    </a:ext>
+                  </a:extLst>
+                </p:cNvPr>
+                <p:cNvCxnSpPr>
+                  <a:cxnSpLocks/>
+                  <a:endCxn id="103" idx="7"/>
+                </p:cNvCxnSpPr>
+                <p:nvPr/>
+              </p:nvCxnSpPr>
+              <p:spPr>
+                <a:xfrm flipH="1">
+                  <a:off x="4004352" y="2031883"/>
+                  <a:ext cx="246296" cy="358691"/>
+                </a:xfrm>
+                <a:prstGeom prst="straightConnector1">
+                  <a:avLst/>
+                </a:prstGeom>
+                <a:ln w="25400">
+                  <a:tailEnd type="triangle"/>
+                </a:ln>
+              </p:spPr>
+              <p:style>
+                <a:lnRef idx="1">
+                  <a:schemeClr val="accent1"/>
+                </a:lnRef>
+                <a:fillRef idx="0">
+                  <a:schemeClr val="accent1"/>
+                </a:fillRef>
+                <a:effectRef idx="0">
+                  <a:schemeClr val="accent1"/>
+                </a:effectRef>
+                <a:fontRef idx="minor">
+                  <a:schemeClr val="tx1"/>
+                </a:fontRef>
+              </p:style>
+            </p:cxnSp>
+            <p:cxnSp>
+              <p:nvCxnSpPr>
+                <p:cNvPr id="108" name="Straight Arrow Connector 107">
+                  <a:extLst>
+                    <a:ext uri="{FF2B5EF4-FFF2-40B4-BE49-F238E27FC236}">
+                      <a16:creationId xmlns:a16="http://schemas.microsoft.com/office/drawing/2014/main" id="{870D8B2F-0C38-4196-9F2F-2E9766576409}"/>
+                    </a:ext>
+                  </a:extLst>
+                </p:cNvPr>
+                <p:cNvCxnSpPr>
+                  <a:cxnSpLocks/>
+                </p:cNvCxnSpPr>
+                <p:nvPr/>
+              </p:nvCxnSpPr>
+              <p:spPr>
+                <a:xfrm>
+                  <a:off x="4385352" y="2031883"/>
+                  <a:ext cx="239946" cy="358691"/>
+                </a:xfrm>
+                <a:prstGeom prst="straightConnector1">
+                  <a:avLst/>
+                </a:prstGeom>
+                <a:ln w="25400">
+                  <a:solidFill>
+                    <a:srgbClr val="0070C0"/>
+                  </a:solidFill>
+                  <a:tailEnd type="triangle"/>
+                </a:ln>
+              </p:spPr>
+              <p:style>
+                <a:lnRef idx="1">
+                  <a:schemeClr val="accent1"/>
+                </a:lnRef>
+                <a:fillRef idx="0">
+                  <a:schemeClr val="accent1"/>
+                </a:fillRef>
+                <a:effectRef idx="0">
+                  <a:schemeClr val="accent1"/>
+                </a:effectRef>
+                <a:fontRef idx="minor">
+                  <a:schemeClr val="tx1"/>
+                </a:fontRef>
+              </p:style>
+            </p:cxnSp>
+          </p:grpSp>
+          <p:sp>
+            <p:nvSpPr>
+              <p:cNvPr id="99" name="TextBox 98">
+                <a:extLst>
+                  <a:ext uri="{FF2B5EF4-FFF2-40B4-BE49-F238E27FC236}">
+                    <a16:creationId xmlns:a16="http://schemas.microsoft.com/office/drawing/2014/main" id="{7C73FF0B-17B1-415B-940F-71BD1A376589}"/>
+                  </a:ext>
+                </a:extLst>
+              </p:cNvPr>
+              <p:cNvSpPr txBox="1"/>
+              <p:nvPr/>
+            </p:nvSpPr>
+            <p:spPr>
+              <a:xfrm>
+                <a:off x="8000792" y="1610259"/>
+                <a:ext cx="721400" cy="646331"/>
+              </a:xfrm>
+              <a:prstGeom prst="rect">
+                <a:avLst/>
+              </a:prstGeom>
+              <a:noFill/>
+            </p:spPr>
+            <p:txBody>
+              <a:bodyPr wrap="square" rtlCol="0">
+                <a:spAutoFit/>
+              </a:bodyPr>
+              <a:lstStyle/>
+              <a:p>
+                <a:r>
+                  <a:rPr lang="en-US" dirty="0"/>
+                  <a:t>Fixed AST</a:t>
+                </a:r>
+              </a:p>
+            </p:txBody>
+          </p:sp>
+          <p:cxnSp>
+            <p:nvCxnSpPr>
+              <p:cNvPr id="97" name="Straight Arrow Connector 96">
+                <a:extLst>
+                  <a:ext uri="{FF2B5EF4-FFF2-40B4-BE49-F238E27FC236}">
+                    <a16:creationId xmlns:a16="http://schemas.microsoft.com/office/drawing/2014/main" id="{55317DA4-035D-45BC-9EEA-D63B59815E1F}"/>
+                  </a:ext>
+                </a:extLst>
+              </p:cNvPr>
+              <p:cNvCxnSpPr>
+                <a:cxnSpLocks/>
+                <a:stCxn id="100" idx="4"/>
+              </p:cNvCxnSpPr>
+              <p:nvPr/>
+            </p:nvCxnSpPr>
+            <p:spPr>
+              <a:xfrm>
+                <a:off x="7677840" y="1904117"/>
+                <a:ext cx="0" cy="353860"/>
+              </a:xfrm>
+              <a:prstGeom prst="straightConnector1">
+                <a:avLst/>
+              </a:prstGeom>
+              <a:ln w="12700">
+                <a:tailEnd type="triangle"/>
+              </a:ln>
+            </p:spPr>
+            <p:style>
+              <a:lnRef idx="1">
+                <a:schemeClr val="accent1"/>
+              </a:lnRef>
+              <a:fillRef idx="0">
+                <a:schemeClr val="accent1"/>
+              </a:fillRef>
+              <a:effectRef idx="0">
+                <a:schemeClr val="accent1"/>
+              </a:effectRef>
+              <a:fontRef idx="minor">
+                <a:schemeClr val="tx1"/>
+              </a:fontRef>
+            </p:style>
+          </p:cxnSp>
+        </p:grpSp>
+        <p:sp>
+          <p:nvSpPr>
+            <p:cNvPr id="113" name="Oval 112">
+              <a:extLst>
+                <a:ext uri="{FF2B5EF4-FFF2-40B4-BE49-F238E27FC236}">
+                  <a16:creationId xmlns:a16="http://schemas.microsoft.com/office/drawing/2014/main" id="{41FEBBB0-0CA4-446E-A301-66AFE2A021D3}"/>
+                </a:ext>
+              </a:extLst>
+            </p:cNvPr>
+            <p:cNvSpPr/>
+            <p:nvPr/>
+          </p:nvSpPr>
+          <p:spPr>
+            <a:xfrm>
+              <a:off x="7958092" y="2216320"/>
+              <a:ext cx="190500" cy="190500"/>
+            </a:xfrm>
+            <a:prstGeom prst="ellipse">
+              <a:avLst/>
+            </a:prstGeom>
+            <a:solidFill>
+              <a:schemeClr val="accent6">
+                <a:lumMod val="40000"/>
+                <a:lumOff val="60000"/>
+              </a:schemeClr>
+            </a:solidFill>
+            <a:ln>
+              <a:solidFill>
+                <a:schemeClr val="accent6">
+                  <a:lumMod val="75000"/>
+                </a:schemeClr>
+              </a:solidFill>
+            </a:ln>
+          </p:spPr>
+          <p:style>
+            <a:lnRef idx="2">
+              <a:schemeClr val="accent1">
+                <a:shade val="50000"/>
+              </a:schemeClr>
+            </a:lnRef>
+            <a:fillRef idx="1">
+              <a:schemeClr val="accent1"/>
+            </a:fillRef>
+            <a:effectRef idx="0">
+              <a:schemeClr val="accent1"/>
+            </a:effectRef>
+            <a:fontRef idx="minor">
+              <a:schemeClr val="lt1"/>
+            </a:fontRef>
+          </p:style>
+          <p:txBody>
+            <a:bodyPr rtlCol="0" anchor="ctr"/>
+            <a:lstStyle/>
+            <a:p>
+              <a:pPr algn="ctr"/>
+              <a:endParaRPr lang="en-US"/>
+            </a:p>
+          </p:txBody>
+        </p:sp>
+        <p:sp>
+          <p:nvSpPr>
+            <p:cNvPr id="114" name="Oval 113">
+              <a:extLst>
+                <a:ext uri="{FF2B5EF4-FFF2-40B4-BE49-F238E27FC236}">
+                  <a16:creationId xmlns:a16="http://schemas.microsoft.com/office/drawing/2014/main" id="{C16FEF62-917A-4417-95CB-1C6132E32A14}"/>
+                </a:ext>
+              </a:extLst>
+            </p:cNvPr>
+            <p:cNvSpPr/>
+            <p:nvPr/>
+          </p:nvSpPr>
+          <p:spPr>
+            <a:xfrm>
+              <a:off x="8308436" y="2728445"/>
+              <a:ext cx="190500" cy="190500"/>
+            </a:xfrm>
+            <a:prstGeom prst="ellipse">
+              <a:avLst/>
+            </a:prstGeom>
+            <a:solidFill>
+              <a:schemeClr val="accent6">
+                <a:lumMod val="40000"/>
+                <a:lumOff val="60000"/>
+              </a:schemeClr>
+            </a:solidFill>
+            <a:ln>
+              <a:solidFill>
+                <a:schemeClr val="accent6">
+                  <a:lumMod val="75000"/>
+                </a:schemeClr>
+              </a:solidFill>
+            </a:ln>
+          </p:spPr>
+          <p:style>
+            <a:lnRef idx="2">
+              <a:schemeClr val="accent1">
+                <a:shade val="50000"/>
+              </a:schemeClr>
+            </a:lnRef>
+            <a:fillRef idx="1">
+              <a:schemeClr val="accent1"/>
+            </a:fillRef>
+            <a:effectRef idx="0">
+              <a:schemeClr val="accent1"/>
+            </a:effectRef>
+            <a:fontRef idx="minor">
+              <a:schemeClr val="lt1"/>
+            </a:fontRef>
+          </p:style>
+          <p:txBody>
+            <a:bodyPr rtlCol="0" anchor="ctr"/>
+            <a:lstStyle/>
+            <a:p>
+              <a:pPr algn="ctr"/>
+              <a:endParaRPr lang="en-US"/>
+            </a:p>
+          </p:txBody>
+        </p:sp>
+      </p:grpSp>
+      <p:grpSp>
+        <p:nvGrpSpPr>
+          <p:cNvPr id="116" name="Group 115">
+            <a:extLst>
+              <a:ext uri="{FF2B5EF4-FFF2-40B4-BE49-F238E27FC236}">
+                <a16:creationId xmlns:a16="http://schemas.microsoft.com/office/drawing/2014/main" id="{E18D2C30-1919-4D91-B872-266D681753A4}"/>
+              </a:ext>
+            </a:extLst>
+          </p:cNvPr>
+          <p:cNvGrpSpPr/>
+          <p:nvPr/>
+        </p:nvGrpSpPr>
+        <p:grpSpPr>
+          <a:xfrm>
+            <a:off x="7549317" y="3322134"/>
+            <a:ext cx="939800" cy="697706"/>
+            <a:chOff x="3473450" y="1362075"/>
+            <a:chExt cx="939800" cy="697706"/>
+          </a:xfrm>
+        </p:grpSpPr>
+        <p:sp>
+          <p:nvSpPr>
+            <p:cNvPr id="117" name="Oval 116">
+              <a:extLst>
+                <a:ext uri="{FF2B5EF4-FFF2-40B4-BE49-F238E27FC236}">
+                  <a16:creationId xmlns:a16="http://schemas.microsoft.com/office/drawing/2014/main" id="{82E609CE-8429-4961-9206-89EDB63AEB74}"/>
+                </a:ext>
+              </a:extLst>
+            </p:cNvPr>
+            <p:cNvSpPr/>
+            <p:nvPr/>
+          </p:nvSpPr>
+          <p:spPr>
+            <a:xfrm>
+              <a:off x="3841750" y="1362075"/>
+              <a:ext cx="190500" cy="190500"/>
+            </a:xfrm>
+            <a:prstGeom prst="ellipse">
+              <a:avLst/>
+            </a:prstGeom>
+            <a:solidFill>
+              <a:schemeClr val="accent6">
+                <a:lumMod val="40000"/>
+                <a:lumOff val="60000"/>
+              </a:schemeClr>
+            </a:solidFill>
+            <a:ln>
+              <a:solidFill>
+                <a:schemeClr val="accent6">
+                  <a:lumMod val="75000"/>
+                </a:schemeClr>
+              </a:solidFill>
+            </a:ln>
+          </p:spPr>
+          <p:style>
+            <a:lnRef idx="2">
+              <a:schemeClr val="accent1">
+                <a:shade val="50000"/>
+              </a:schemeClr>
+            </a:lnRef>
+            <a:fillRef idx="1">
+              <a:schemeClr val="accent1"/>
+            </a:fillRef>
+            <a:effectRef idx="0">
+              <a:schemeClr val="accent1"/>
+            </a:effectRef>
+            <a:fontRef idx="minor">
+              <a:schemeClr val="lt1"/>
+            </a:fontRef>
+          </p:style>
+          <p:txBody>
+            <a:bodyPr rtlCol="0" anchor="ctr"/>
+            <a:lstStyle/>
+            <a:p>
+              <a:pPr algn="ctr"/>
+              <a:endParaRPr lang="en-US"/>
+            </a:p>
+          </p:txBody>
+        </p:sp>
+        <p:sp>
+          <p:nvSpPr>
+            <p:cNvPr id="118" name="Oval 117">
+              <a:extLst>
+                <a:ext uri="{FF2B5EF4-FFF2-40B4-BE49-F238E27FC236}">
+                  <a16:creationId xmlns:a16="http://schemas.microsoft.com/office/drawing/2014/main" id="{94112A37-27C8-4E77-8D89-A9D12BEA3706}"/>
+                </a:ext>
+              </a:extLst>
+            </p:cNvPr>
+            <p:cNvSpPr/>
+            <p:nvPr/>
+          </p:nvSpPr>
+          <p:spPr>
+            <a:xfrm>
+              <a:off x="3473450" y="1869281"/>
+              <a:ext cx="190500" cy="190500"/>
+            </a:xfrm>
+            <a:prstGeom prst="ellipse">
+              <a:avLst/>
+            </a:prstGeom>
+            <a:solidFill>
+              <a:schemeClr val="accent6">
+                <a:lumMod val="40000"/>
+                <a:lumOff val="60000"/>
+              </a:schemeClr>
+            </a:solidFill>
+            <a:ln>
+              <a:solidFill>
+                <a:schemeClr val="accent6">
+                  <a:lumMod val="75000"/>
+                </a:schemeClr>
+              </a:solidFill>
+            </a:ln>
+          </p:spPr>
+          <p:style>
+            <a:lnRef idx="2">
+              <a:schemeClr val="accent1">
+                <a:shade val="50000"/>
+              </a:schemeClr>
+            </a:lnRef>
+            <a:fillRef idx="1">
+              <a:schemeClr val="accent1"/>
+            </a:fillRef>
+            <a:effectRef idx="0">
+              <a:schemeClr val="accent1"/>
+            </a:effectRef>
+            <a:fontRef idx="minor">
+              <a:schemeClr val="lt1"/>
+            </a:fontRef>
+          </p:style>
+          <p:txBody>
+            <a:bodyPr rtlCol="0" anchor="ctr"/>
+            <a:lstStyle/>
+            <a:p>
+              <a:pPr algn="ctr"/>
+              <a:endParaRPr lang="en-US"/>
+            </a:p>
+          </p:txBody>
+        </p:sp>
+        <p:sp>
+          <p:nvSpPr>
+            <p:cNvPr id="119" name="Oval 118">
+              <a:extLst>
+                <a:ext uri="{FF2B5EF4-FFF2-40B4-BE49-F238E27FC236}">
+                  <a16:creationId xmlns:a16="http://schemas.microsoft.com/office/drawing/2014/main" id="{A761DB97-8790-495A-9F04-DECDE891203B}"/>
+                </a:ext>
+              </a:extLst>
+            </p:cNvPr>
+            <p:cNvSpPr/>
+            <p:nvPr/>
+          </p:nvSpPr>
+          <p:spPr>
+            <a:xfrm>
+              <a:off x="4222750" y="1869281"/>
+              <a:ext cx="190500" cy="190500"/>
+            </a:xfrm>
+            <a:prstGeom prst="ellipse">
+              <a:avLst/>
+            </a:prstGeom>
+            <a:solidFill>
+              <a:schemeClr val="accent6">
+                <a:lumMod val="40000"/>
+                <a:lumOff val="60000"/>
+              </a:schemeClr>
+            </a:solidFill>
+            <a:ln>
+              <a:solidFill>
+                <a:schemeClr val="accent6">
+                  <a:lumMod val="75000"/>
+                </a:schemeClr>
+              </a:solidFill>
+            </a:ln>
+          </p:spPr>
+          <p:style>
+            <a:lnRef idx="2">
+              <a:schemeClr val="accent1">
+                <a:shade val="50000"/>
+              </a:schemeClr>
+            </a:lnRef>
+            <a:fillRef idx="1">
+              <a:schemeClr val="accent1"/>
+            </a:fillRef>
+            <a:effectRef idx="0">
+              <a:schemeClr val="accent1"/>
+            </a:effectRef>
+            <a:fontRef idx="minor">
+              <a:schemeClr val="lt1"/>
+            </a:fontRef>
+          </p:style>
+          <p:txBody>
+            <a:bodyPr rtlCol="0" anchor="ctr"/>
+            <a:lstStyle/>
+            <a:p>
+              <a:pPr algn="ctr"/>
+              <a:endParaRPr lang="en-US"/>
+            </a:p>
+          </p:txBody>
+        </p:sp>
+        <p:cxnSp>
+          <p:nvCxnSpPr>
+            <p:cNvPr id="120" name="Straight Arrow Connector 119">
+              <a:extLst>
+                <a:ext uri="{FF2B5EF4-FFF2-40B4-BE49-F238E27FC236}">
+                  <a16:creationId xmlns:a16="http://schemas.microsoft.com/office/drawing/2014/main" id="{E7FA53FD-F103-43F5-8B05-DB4885747AE7}"/>
+                </a:ext>
+              </a:extLst>
+            </p:cNvPr>
+            <p:cNvCxnSpPr>
+              <a:stCxn id="117" idx="3"/>
+              <a:endCxn id="118" idx="6"/>
+            </p:cNvCxnSpPr>
+            <p:nvPr/>
+          </p:nvCxnSpPr>
+          <p:spPr>
+            <a:xfrm flipH="1">
+              <a:off x="3636052" y="1524677"/>
+              <a:ext cx="233596" cy="372502"/>
+            </a:xfrm>
+            <a:prstGeom prst="straightConnector1">
+              <a:avLst/>
+            </a:prstGeom>
+            <a:ln w="25400">
+              <a:tailEnd type="triangle"/>
+            </a:ln>
+          </p:spPr>
+          <p:style>
+            <a:lnRef idx="1">
+              <a:schemeClr val="accent1"/>
+            </a:lnRef>
+            <a:fillRef idx="0">
+              <a:schemeClr val="accent1"/>
+            </a:fillRef>
+            <a:effectRef idx="0">
+              <a:schemeClr val="accent1"/>
+            </a:effectRef>
+            <a:fontRef idx="minor">
+              <a:schemeClr val="tx1"/>
+            </a:fontRef>
+          </p:style>
+        </p:cxnSp>
+        <p:cxnSp>
+          <p:nvCxnSpPr>
+            <p:cNvPr id="121" name="Straight Arrow Connector 120">
+              <a:extLst>
+                <a:ext uri="{FF2B5EF4-FFF2-40B4-BE49-F238E27FC236}">
+                  <a16:creationId xmlns:a16="http://schemas.microsoft.com/office/drawing/2014/main" id="{295F335D-6DFB-4616-8B63-2D631663C6EB}"/>
+                </a:ext>
+              </a:extLst>
+            </p:cNvPr>
+            <p:cNvCxnSpPr>
+              <a:cxnSpLocks/>
+              <a:stCxn id="117" idx="5"/>
+              <a:endCxn id="119" idx="1"/>
+            </p:cNvCxnSpPr>
+            <p:nvPr/>
+          </p:nvCxnSpPr>
+          <p:spPr>
+            <a:xfrm>
+              <a:off x="4004352" y="1524677"/>
+              <a:ext cx="246296" cy="372502"/>
+            </a:xfrm>
+            <a:prstGeom prst="straightConnector1">
+              <a:avLst/>
+            </a:prstGeom>
+            <a:ln w="25400">
+              <a:solidFill>
+                <a:srgbClr val="0070C0"/>
+              </a:solidFill>
+              <a:tailEnd type="triangle"/>
+            </a:ln>
+          </p:spPr>
+          <p:style>
+            <a:lnRef idx="1">
+              <a:schemeClr val="accent1"/>
+            </a:lnRef>
+            <a:fillRef idx="0">
+              <a:schemeClr val="accent1"/>
+            </a:fillRef>
+            <a:effectRef idx="0">
+              <a:schemeClr val="accent1"/>
+            </a:effectRef>
+            <a:fontRef idx="minor">
+              <a:schemeClr val="tx1"/>
+            </a:fontRef>
+          </p:style>
+        </p:cxnSp>
+      </p:grpSp>
+      <p:sp>
+        <p:nvSpPr>
+          <p:cNvPr id="122" name="TextBox 121">
+            <a:extLst>
+              <a:ext uri="{FF2B5EF4-FFF2-40B4-BE49-F238E27FC236}">
+                <a16:creationId xmlns:a16="http://schemas.microsoft.com/office/drawing/2014/main" id="{224E5474-1B81-4BD7-AB89-9B8BBFEB997F}"/>
+              </a:ext>
+            </a:extLst>
+          </p:cNvPr>
+          <p:cNvSpPr txBox="1"/>
+          <p:nvPr/>
+        </p:nvSpPr>
+        <p:spPr>
+          <a:xfrm>
+            <a:off x="7269917" y="3967833"/>
+            <a:ext cx="1485900" cy="369332"/>
+          </a:xfrm>
+          <a:prstGeom prst="rect">
+            <a:avLst/>
+          </a:prstGeom>
+          <a:noFill/>
+        </p:spPr>
+        <p:txBody>
+          <a:bodyPr wrap="square" rtlCol="0">
+            <a:spAutoFit/>
+          </a:bodyPr>
+          <a:lstStyle/>
+          <a:p>
+            <a:r>
+              <a:rPr lang="en-US" dirty="0"/>
+              <a:t>Fixed subtree</a:t>
+            </a:r>
+          </a:p>
+        </p:txBody>
+      </p:sp>
+    </p:spTree>
+    <p:extLst>
+      <p:ext uri="{BB962C8B-B14F-4D97-AF65-F5344CB8AC3E}">
+        <p14:creationId xmlns:p14="http://schemas.microsoft.com/office/powerpoint/2010/main" val="147405245"/>
+      </p:ext>
+    </p:extLst>
+  </p:cSld>
+  <p:clrMapOvr>
+    <a:masterClrMapping/>
+  </p:clrMapOvr>
+</p:sld>
+</file>
+
 <file path=ppt/slides/slide7.xml><?xml version="1.0" encoding="utf-8"?>
 <p:sld xmlns:a="http://schemas.openxmlformats.org/drawingml/2006/main" xmlns:r="http://schemas.openxmlformats.org/officeDocument/2006/relationships" xmlns:p="http://schemas.openxmlformats.org/presentationml/2006/main">
   <p:cSld>
@@ -18043,10 +18049,10 @@
         </p:nvGrpSpPr>
         <p:grpSpPr>
           <a:xfrm>
-            <a:off x="376873" y="2204781"/>
-            <a:ext cx="9679996" cy="2448438"/>
-            <a:chOff x="1778618" y="1860407"/>
-            <a:chExt cx="9679996" cy="2448438"/>
+            <a:off x="376873" y="2172125"/>
+            <a:ext cx="9679996" cy="2481094"/>
+            <a:chOff x="1778618" y="1827751"/>
+            <a:chExt cx="9679996" cy="2481094"/>
           </a:xfrm>
         </p:grpSpPr>
         <p:grpSp>
@@ -18987,7 +18993,7 @@
           </p:nvSpPr>
           <p:spPr>
             <a:xfrm>
-              <a:off x="5515755" y="1864870"/>
+              <a:off x="4860728" y="1827751"/>
               <a:ext cx="1676400" cy="369332"/>
             </a:xfrm>
             <a:prstGeom prst="rect">
@@ -19666,8 +19672,8 @@
           </p:nvSpPr>
           <p:spPr>
             <a:xfrm>
-              <a:off x="4040111" y="2371731"/>
-              <a:ext cx="764205" cy="1018261"/>
+              <a:off x="3991059" y="2371731"/>
+              <a:ext cx="813257" cy="1018261"/>
             </a:xfrm>
             <a:prstGeom prst="roundRect">
               <a:avLst/>
@@ -19708,12 +19714,42 @@
             <a:p>
               <a:pPr algn="ctr"/>
               <a:r>
+                <a:rPr lang="en-US" dirty="0">
+                  <a:solidFill>
+                    <a:schemeClr val="tx1"/>
+                  </a:solidFill>
+                </a:rPr>
+                <a:t>Tree</a:t>
+              </a:r>
+            </a:p>
+            <a:p>
+              <a:pPr algn="ctr"/>
+              <a:r>
+                <a:rPr lang="en-US" dirty="0">
+                  <a:solidFill>
+                    <a:schemeClr val="tx1"/>
+                  </a:solidFill>
+                </a:rPr>
+                <a:t>Rep</a:t>
+              </a:r>
+            </a:p>
+            <a:p>
+              <a:pPr algn="ctr"/>
+              <a:r>
+                <a:rPr lang="en-US" dirty="0">
+                  <a:solidFill>
+                    <a:schemeClr val="tx1"/>
+                  </a:solidFill>
+                </a:rPr>
+                <a:t>Learn-</a:t>
+              </a:r>
+              <a:r>
                 <a:rPr lang="en-US" dirty="0" err="1">
                   <a:solidFill>
                     <a:schemeClr val="tx1"/>
                   </a:solidFill>
                 </a:rPr>
-                <a:t>BuildAST</a:t>
+                <a:t>ing</a:t>
               </a:r>
               <a:endParaRPr lang="en-US" dirty="0">
                 <a:solidFill>
@@ -20078,7 +20114,7 @@
           </p:nvCxnSpPr>
           <p:spPr>
             <a:xfrm>
-              <a:off x="3739377" y="2901058"/>
+              <a:off x="3674426" y="2897019"/>
               <a:ext cx="298333" cy="100"/>
             </a:xfrm>
             <a:prstGeom prst="straightConnector1">
@@ -20104,6 +20140,286 @@
           </p:style>
         </p:cxnSp>
       </p:grpSp>
+      <p:sp>
+        <p:nvSpPr>
+          <p:cNvPr id="46" name="TextBox 45">
+            <a:extLst>
+              <a:ext uri="{FF2B5EF4-FFF2-40B4-BE49-F238E27FC236}">
+                <a16:creationId xmlns:a16="http://schemas.microsoft.com/office/drawing/2014/main" id="{0F9DA538-7F4D-46A1-8FEF-285A16B97F15}"/>
+              </a:ext>
+            </a:extLst>
+          </p:cNvPr>
+          <p:cNvSpPr txBox="1"/>
+          <p:nvPr/>
+        </p:nvSpPr>
+        <p:spPr>
+          <a:xfrm>
+            <a:off x="4091485" y="2195109"/>
+            <a:ext cx="502894" cy="369332"/>
+          </a:xfrm>
+          <a:prstGeom prst="rect">
+            <a:avLst/>
+          </a:prstGeom>
+          <a:noFill/>
+        </p:spPr>
+        <p:txBody>
+          <a:bodyPr wrap="square" rtlCol="0">
+            <a:spAutoFit/>
+          </a:bodyPr>
+          <a:lstStyle/>
+          <a:p>
+            <a:r>
+              <a:rPr lang="en-US" dirty="0"/>
+              <a:t>V1</a:t>
+            </a:r>
+          </a:p>
+        </p:txBody>
+      </p:sp>
+      <p:sp>
+        <p:nvSpPr>
+          <p:cNvPr id="47" name="TextBox 46">
+            <a:extLst>
+              <a:ext uri="{FF2B5EF4-FFF2-40B4-BE49-F238E27FC236}">
+                <a16:creationId xmlns:a16="http://schemas.microsoft.com/office/drawing/2014/main" id="{2B0B8E16-D65A-48B3-B8F1-CAF594E32EBC}"/>
+              </a:ext>
+            </a:extLst>
+          </p:cNvPr>
+          <p:cNvSpPr txBox="1"/>
+          <p:nvPr/>
+        </p:nvSpPr>
+        <p:spPr>
+          <a:xfrm>
+            <a:off x="3713231" y="2841165"/>
+            <a:ext cx="502894" cy="369332"/>
+          </a:xfrm>
+          <a:prstGeom prst="rect">
+            <a:avLst/>
+          </a:prstGeom>
+          <a:noFill/>
+        </p:spPr>
+        <p:txBody>
+          <a:bodyPr wrap="square" rtlCol="0">
+            <a:spAutoFit/>
+          </a:bodyPr>
+          <a:lstStyle/>
+          <a:p>
+            <a:r>
+              <a:rPr lang="en-US" dirty="0"/>
+              <a:t>V2</a:t>
+            </a:r>
+          </a:p>
+        </p:txBody>
+      </p:sp>
+      <p:sp>
+        <p:nvSpPr>
+          <p:cNvPr id="52" name="TextBox 51">
+            <a:extLst>
+              <a:ext uri="{FF2B5EF4-FFF2-40B4-BE49-F238E27FC236}">
+                <a16:creationId xmlns:a16="http://schemas.microsoft.com/office/drawing/2014/main" id="{8111ECF5-D350-4865-B3F9-308602CFC1E3}"/>
+              </a:ext>
+            </a:extLst>
+          </p:cNvPr>
+          <p:cNvSpPr txBox="1"/>
+          <p:nvPr/>
+        </p:nvSpPr>
+        <p:spPr>
+          <a:xfrm>
+            <a:off x="4452743" y="2676727"/>
+            <a:ext cx="502894" cy="369332"/>
+          </a:xfrm>
+          <a:prstGeom prst="rect">
+            <a:avLst/>
+          </a:prstGeom>
+          <a:noFill/>
+        </p:spPr>
+        <p:txBody>
+          <a:bodyPr wrap="square" rtlCol="0">
+            <a:spAutoFit/>
+          </a:bodyPr>
+          <a:lstStyle/>
+          <a:p>
+            <a:r>
+              <a:rPr lang="en-US" dirty="0"/>
+              <a:t>V3</a:t>
+            </a:r>
+          </a:p>
+        </p:txBody>
+      </p:sp>
+      <p:sp>
+        <p:nvSpPr>
+          <p:cNvPr id="53" name="TextBox 52">
+            <a:extLst>
+              <a:ext uri="{FF2B5EF4-FFF2-40B4-BE49-F238E27FC236}">
+                <a16:creationId xmlns:a16="http://schemas.microsoft.com/office/drawing/2014/main" id="{F5C501A2-859D-4457-8075-ACC84C744E75}"/>
+              </a:ext>
+            </a:extLst>
+          </p:cNvPr>
+          <p:cNvSpPr txBox="1"/>
+          <p:nvPr/>
+        </p:nvSpPr>
+        <p:spPr>
+          <a:xfrm>
+            <a:off x="4102357" y="3225925"/>
+            <a:ext cx="502894" cy="369332"/>
+          </a:xfrm>
+          <a:prstGeom prst="rect">
+            <a:avLst/>
+          </a:prstGeom>
+          <a:noFill/>
+        </p:spPr>
+        <p:txBody>
+          <a:bodyPr wrap="square" rtlCol="0">
+            <a:spAutoFit/>
+          </a:bodyPr>
+          <a:lstStyle/>
+          <a:p>
+            <a:r>
+              <a:rPr lang="en-US" dirty="0"/>
+              <a:t>V4</a:t>
+            </a:r>
+          </a:p>
+        </p:txBody>
+      </p:sp>
+      <p:sp>
+        <p:nvSpPr>
+          <p:cNvPr id="55" name="TextBox 54">
+            <a:extLst>
+              <a:ext uri="{FF2B5EF4-FFF2-40B4-BE49-F238E27FC236}">
+                <a16:creationId xmlns:a16="http://schemas.microsoft.com/office/drawing/2014/main" id="{2DCDBAA3-A8D5-42FC-8429-5B4008E78876}"/>
+              </a:ext>
+            </a:extLst>
+          </p:cNvPr>
+          <p:cNvSpPr txBox="1"/>
+          <p:nvPr/>
+        </p:nvSpPr>
+        <p:spPr>
+          <a:xfrm>
+            <a:off x="4830909" y="3214440"/>
+            <a:ext cx="502894" cy="369332"/>
+          </a:xfrm>
+          <a:prstGeom prst="rect">
+            <a:avLst/>
+          </a:prstGeom>
+          <a:noFill/>
+        </p:spPr>
+        <p:txBody>
+          <a:bodyPr wrap="square" rtlCol="0">
+            <a:spAutoFit/>
+          </a:bodyPr>
+          <a:lstStyle/>
+          <a:p>
+            <a:r>
+              <a:rPr lang="en-US" dirty="0"/>
+              <a:t>V5</a:t>
+            </a:r>
+          </a:p>
+        </p:txBody>
+      </p:sp>
+      <p:sp>
+        <p:nvSpPr>
+          <p:cNvPr id="57" name="TextBox 56">
+            <a:extLst>
+              <a:ext uri="{FF2B5EF4-FFF2-40B4-BE49-F238E27FC236}">
+                <a16:creationId xmlns:a16="http://schemas.microsoft.com/office/drawing/2014/main" id="{56C5B48E-70FC-4D53-AE38-4FBF0715B4ED}"/>
+              </a:ext>
+            </a:extLst>
+          </p:cNvPr>
+          <p:cNvSpPr txBox="1"/>
+          <p:nvPr/>
+        </p:nvSpPr>
+        <p:spPr>
+          <a:xfrm>
+            <a:off x="4426736" y="3522549"/>
+            <a:ext cx="502894" cy="369332"/>
+          </a:xfrm>
+          <a:prstGeom prst="rect">
+            <a:avLst/>
+          </a:prstGeom>
+          <a:noFill/>
+        </p:spPr>
+        <p:txBody>
+          <a:bodyPr wrap="square" rtlCol="0">
+            <a:spAutoFit/>
+          </a:bodyPr>
+          <a:lstStyle/>
+          <a:p>
+            <a:r>
+              <a:rPr lang="en-US" dirty="0"/>
+              <a:t>V3</a:t>
+            </a:r>
+          </a:p>
+        </p:txBody>
+      </p:sp>
+      <p:sp>
+        <p:nvSpPr>
+          <p:cNvPr id="58" name="TextBox 57">
+            <a:extLst>
+              <a:ext uri="{FF2B5EF4-FFF2-40B4-BE49-F238E27FC236}">
+                <a16:creationId xmlns:a16="http://schemas.microsoft.com/office/drawing/2014/main" id="{F93B6F41-7B56-4A20-A176-EC3B06671A4D}"/>
+              </a:ext>
+            </a:extLst>
+          </p:cNvPr>
+          <p:cNvSpPr txBox="1"/>
+          <p:nvPr/>
+        </p:nvSpPr>
+        <p:spPr>
+          <a:xfrm>
+            <a:off x="4110182" y="4080201"/>
+            <a:ext cx="502894" cy="369332"/>
+          </a:xfrm>
+          <a:prstGeom prst="rect">
+            <a:avLst/>
+          </a:prstGeom>
+          <a:noFill/>
+        </p:spPr>
+        <p:txBody>
+          <a:bodyPr wrap="square" rtlCol="0">
+            <a:spAutoFit/>
+          </a:bodyPr>
+          <a:lstStyle/>
+          <a:p>
+            <a:r>
+              <a:rPr lang="en-US" dirty="0"/>
+              <a:t>V4</a:t>
+            </a:r>
+          </a:p>
+        </p:txBody>
+      </p:sp>
+      <p:sp>
+        <p:nvSpPr>
+          <p:cNvPr id="59" name="TextBox 58">
+            <a:extLst>
+              <a:ext uri="{FF2B5EF4-FFF2-40B4-BE49-F238E27FC236}">
+                <a16:creationId xmlns:a16="http://schemas.microsoft.com/office/drawing/2014/main" id="{9707EE8D-89D7-4B98-8125-D774EF07D908}"/>
+              </a:ext>
+            </a:extLst>
+          </p:cNvPr>
+          <p:cNvSpPr txBox="1"/>
+          <p:nvPr/>
+        </p:nvSpPr>
+        <p:spPr>
+          <a:xfrm>
+            <a:off x="4792395" y="3895535"/>
+            <a:ext cx="502894" cy="369332"/>
+          </a:xfrm>
+          <a:prstGeom prst="rect">
+            <a:avLst/>
+          </a:prstGeom>
+          <a:noFill/>
+        </p:spPr>
+        <p:txBody>
+          <a:bodyPr wrap="square" rtlCol="0">
+            <a:spAutoFit/>
+          </a:bodyPr>
+          <a:lstStyle/>
+          <a:p>
+            <a:r>
+              <a:rPr lang="en-US" dirty="0"/>
+              <a:t>V5</a:t>
+            </a:r>
+          </a:p>
+        </p:txBody>
+      </p:sp>
     </p:spTree>
     <p:extLst>
       <p:ext uri="{BB962C8B-B14F-4D97-AF65-F5344CB8AC3E}">

--- a/Figures.pptx
+++ b/Figures.pptx
@@ -15838,7 +15838,7 @@
         </p:nvCxnSpPr>
         <p:spPr>
           <a:xfrm flipV="1">
-            <a:off x="4596193" y="3745645"/>
+            <a:off x="4593895" y="3801792"/>
             <a:ext cx="332860" cy="2649"/>
           </a:xfrm>
           <a:prstGeom prst="straightConnector1">
@@ -16397,10 +16397,10 @@
       </p:cxnSp>
       <p:grpSp>
         <p:nvGrpSpPr>
-          <p:cNvPr id="37" name="Group 36">
+          <p:cNvPr id="26" name="Group 25">
             <a:extLst>
               <a:ext uri="{FF2B5EF4-FFF2-40B4-BE49-F238E27FC236}">
-                <a16:creationId xmlns:a16="http://schemas.microsoft.com/office/drawing/2014/main" id="{974154A5-740B-480B-9790-7068A1519CEC}"/>
+                <a16:creationId xmlns:a16="http://schemas.microsoft.com/office/drawing/2014/main" id="{C9C5E1EB-45B8-465C-B0B4-434626BA3FE9}"/>
               </a:ext>
             </a:extLst>
           </p:cNvPr>
@@ -16409,577 +16409,458 @@
         </p:nvGrpSpPr>
         <p:grpSpPr>
           <a:xfrm>
-            <a:off x="3230113" y="1630000"/>
-            <a:ext cx="2229827" cy="1283966"/>
-            <a:chOff x="3140452" y="1589365"/>
-            <a:chExt cx="2229827" cy="1283966"/>
+            <a:off x="3230113" y="1722865"/>
+            <a:ext cx="1314450" cy="1191101"/>
+            <a:chOff x="3473450" y="1362075"/>
+            <a:chExt cx="1314450" cy="1191101"/>
           </a:xfrm>
         </p:grpSpPr>
-        <p:grpSp>
-          <p:nvGrpSpPr>
-            <p:cNvPr id="28" name="Group 27">
+        <p:sp>
+          <p:nvSpPr>
+            <p:cNvPr id="6" name="Oval 5">
               <a:extLst>
                 <a:ext uri="{FF2B5EF4-FFF2-40B4-BE49-F238E27FC236}">
-                  <a16:creationId xmlns:a16="http://schemas.microsoft.com/office/drawing/2014/main" id="{A484B772-D35C-4C6A-87CA-D367F3C908BE}"/>
+                  <a16:creationId xmlns:a16="http://schemas.microsoft.com/office/drawing/2014/main" id="{470D599C-3F89-4886-9C49-233CC1602D01}"/>
                 </a:ext>
               </a:extLst>
             </p:cNvPr>
-            <p:cNvGrpSpPr/>
+            <p:cNvSpPr/>
             <p:nvPr/>
-          </p:nvGrpSpPr>
-          <p:grpSpPr>
+          </p:nvSpPr>
+          <p:spPr>
             <a:xfrm>
-              <a:off x="3140452" y="1589365"/>
-              <a:ext cx="2229827" cy="1283966"/>
-              <a:chOff x="3031490" y="1371365"/>
-              <a:chExt cx="2229827" cy="1283966"/>
+              <a:off x="3841750" y="1362075"/>
+              <a:ext cx="190500" cy="190500"/>
             </a:xfrm>
-          </p:grpSpPr>
-          <p:grpSp>
-            <p:nvGrpSpPr>
-              <p:cNvPr id="26" name="Group 25">
-                <a:extLst>
-                  <a:ext uri="{FF2B5EF4-FFF2-40B4-BE49-F238E27FC236}">
-                    <a16:creationId xmlns:a16="http://schemas.microsoft.com/office/drawing/2014/main" id="{C9C5E1EB-45B8-465C-B0B4-434626BA3FE9}"/>
-                  </a:ext>
-                </a:extLst>
-              </p:cNvPr>
-              <p:cNvGrpSpPr/>
-              <p:nvPr/>
-            </p:nvGrpSpPr>
-            <p:grpSpPr>
-              <a:xfrm>
-                <a:off x="3031490" y="1464230"/>
-                <a:ext cx="1314450" cy="1191101"/>
-                <a:chOff x="3473450" y="1362075"/>
-                <a:chExt cx="1314450" cy="1191101"/>
-              </a:xfrm>
-            </p:grpSpPr>
-            <p:sp>
-              <p:nvSpPr>
-                <p:cNvPr id="6" name="Oval 5">
-                  <a:extLst>
-                    <a:ext uri="{FF2B5EF4-FFF2-40B4-BE49-F238E27FC236}">
-                      <a16:creationId xmlns:a16="http://schemas.microsoft.com/office/drawing/2014/main" id="{470D599C-3F89-4886-9C49-233CC1602D01}"/>
-                    </a:ext>
-                  </a:extLst>
-                </p:cNvPr>
-                <p:cNvSpPr/>
-                <p:nvPr/>
-              </p:nvSpPr>
-              <p:spPr>
-                <a:xfrm>
-                  <a:off x="3841750" y="1362075"/>
-                  <a:ext cx="190500" cy="190500"/>
-                </a:xfrm>
-                <a:prstGeom prst="ellipse">
-                  <a:avLst/>
-                </a:prstGeom>
-                <a:solidFill>
-                  <a:schemeClr val="accent6">
-                    <a:lumMod val="40000"/>
-                    <a:lumOff val="60000"/>
-                  </a:schemeClr>
-                </a:solidFill>
-                <a:ln>
-                  <a:solidFill>
-                    <a:schemeClr val="accent6">
-                      <a:lumMod val="75000"/>
-                    </a:schemeClr>
-                  </a:solidFill>
-                </a:ln>
-              </p:spPr>
-              <p:style>
-                <a:lnRef idx="2">
-                  <a:schemeClr val="accent1">
-                    <a:shade val="50000"/>
-                  </a:schemeClr>
-                </a:lnRef>
-                <a:fillRef idx="1">
-                  <a:schemeClr val="accent1"/>
-                </a:fillRef>
-                <a:effectRef idx="0">
-                  <a:schemeClr val="accent1"/>
-                </a:effectRef>
-                <a:fontRef idx="minor">
-                  <a:schemeClr val="lt1"/>
-                </a:fontRef>
-              </p:style>
-              <p:txBody>
-                <a:bodyPr rtlCol="0" anchor="ctr"/>
-                <a:lstStyle/>
-                <a:p>
-                  <a:pPr algn="ctr"/>
-                  <a:endParaRPr lang="en-US"/>
-                </a:p>
-              </p:txBody>
-            </p:sp>
-            <p:sp>
-              <p:nvSpPr>
-                <p:cNvPr id="10" name="Oval 9">
-                  <a:extLst>
-                    <a:ext uri="{FF2B5EF4-FFF2-40B4-BE49-F238E27FC236}">
-                      <a16:creationId xmlns:a16="http://schemas.microsoft.com/office/drawing/2014/main" id="{78A16A7B-ED5A-4841-9100-606221F042A4}"/>
-                    </a:ext>
-                  </a:extLst>
-                </p:cNvPr>
-                <p:cNvSpPr/>
-                <p:nvPr/>
-              </p:nvSpPr>
-              <p:spPr>
-                <a:xfrm>
-                  <a:off x="3473450" y="1869281"/>
-                  <a:ext cx="190500" cy="190500"/>
-                </a:xfrm>
-                <a:prstGeom prst="ellipse">
-                  <a:avLst/>
-                </a:prstGeom>
-                <a:solidFill>
-                  <a:schemeClr val="accent6">
-                    <a:lumMod val="40000"/>
-                    <a:lumOff val="60000"/>
-                  </a:schemeClr>
-                </a:solidFill>
-                <a:ln>
-                  <a:solidFill>
-                    <a:schemeClr val="accent6">
-                      <a:lumMod val="75000"/>
-                    </a:schemeClr>
-                  </a:solidFill>
-                </a:ln>
-              </p:spPr>
-              <p:style>
-                <a:lnRef idx="2">
-                  <a:schemeClr val="accent1">
-                    <a:shade val="50000"/>
-                  </a:schemeClr>
-                </a:lnRef>
-                <a:fillRef idx="1">
-                  <a:schemeClr val="accent1"/>
-                </a:fillRef>
-                <a:effectRef idx="0">
-                  <a:schemeClr val="accent1"/>
-                </a:effectRef>
-                <a:fontRef idx="minor">
-                  <a:schemeClr val="lt1"/>
-                </a:fontRef>
-              </p:style>
-              <p:txBody>
-                <a:bodyPr rtlCol="0" anchor="ctr"/>
-                <a:lstStyle/>
-                <a:p>
-                  <a:pPr algn="ctr"/>
-                  <a:endParaRPr lang="en-US"/>
-                </a:p>
-              </p:txBody>
-            </p:sp>
-            <p:sp>
-              <p:nvSpPr>
-                <p:cNvPr id="11" name="Oval 10">
-                  <a:extLst>
-                    <a:ext uri="{FF2B5EF4-FFF2-40B4-BE49-F238E27FC236}">
-                      <a16:creationId xmlns:a16="http://schemas.microsoft.com/office/drawing/2014/main" id="{DD7077DB-E4CA-42D0-8062-535BCA33231D}"/>
-                    </a:ext>
-                  </a:extLst>
-                </p:cNvPr>
-                <p:cNvSpPr/>
-                <p:nvPr/>
-              </p:nvSpPr>
-              <p:spPr>
-                <a:xfrm>
-                  <a:off x="4222750" y="1869281"/>
-                  <a:ext cx="190500" cy="190500"/>
-                </a:xfrm>
-                <a:prstGeom prst="ellipse">
-                  <a:avLst/>
-                </a:prstGeom>
-                <a:solidFill>
-                  <a:srgbClr val="FFC000"/>
-                </a:solidFill>
-                <a:ln>
-                  <a:solidFill>
-                    <a:schemeClr val="accent6">
-                      <a:lumMod val="75000"/>
-                    </a:schemeClr>
-                  </a:solidFill>
-                </a:ln>
-              </p:spPr>
-              <p:style>
-                <a:lnRef idx="2">
-                  <a:schemeClr val="accent1">
-                    <a:shade val="50000"/>
-                  </a:schemeClr>
-                </a:lnRef>
-                <a:fillRef idx="1">
-                  <a:schemeClr val="accent1"/>
-                </a:fillRef>
-                <a:effectRef idx="0">
-                  <a:schemeClr val="accent1"/>
-                </a:effectRef>
-                <a:fontRef idx="minor">
-                  <a:schemeClr val="lt1"/>
-                </a:fontRef>
-              </p:style>
-              <p:txBody>
-                <a:bodyPr rtlCol="0" anchor="ctr"/>
-                <a:lstStyle/>
-                <a:p>
-                  <a:pPr algn="ctr"/>
-                  <a:endParaRPr lang="en-US"/>
-                </a:p>
-              </p:txBody>
-            </p:sp>
-            <p:sp>
-              <p:nvSpPr>
-                <p:cNvPr id="12" name="Oval 11">
-                  <a:extLst>
-                    <a:ext uri="{FF2B5EF4-FFF2-40B4-BE49-F238E27FC236}">
-                      <a16:creationId xmlns:a16="http://schemas.microsoft.com/office/drawing/2014/main" id="{3D3CCC25-56F3-44D6-8B44-3996C81026B6}"/>
-                    </a:ext>
-                  </a:extLst>
-                </p:cNvPr>
-                <p:cNvSpPr/>
-                <p:nvPr/>
-              </p:nvSpPr>
-              <p:spPr>
-                <a:xfrm>
-                  <a:off x="3841750" y="2362676"/>
-                  <a:ext cx="190500" cy="190500"/>
-                </a:xfrm>
-                <a:prstGeom prst="ellipse">
-                  <a:avLst/>
-                </a:prstGeom>
-                <a:solidFill>
-                  <a:schemeClr val="accent6">
-                    <a:lumMod val="40000"/>
-                    <a:lumOff val="60000"/>
-                  </a:schemeClr>
-                </a:solidFill>
-                <a:ln>
-                  <a:solidFill>
-                    <a:schemeClr val="accent6">
-                      <a:lumMod val="75000"/>
-                    </a:schemeClr>
-                  </a:solidFill>
-                </a:ln>
-              </p:spPr>
-              <p:style>
-                <a:lnRef idx="2">
-                  <a:schemeClr val="accent1">
-                    <a:shade val="50000"/>
-                  </a:schemeClr>
-                </a:lnRef>
-                <a:fillRef idx="1">
-                  <a:schemeClr val="accent1"/>
-                </a:fillRef>
-                <a:effectRef idx="0">
-                  <a:schemeClr val="accent1"/>
-                </a:effectRef>
-                <a:fontRef idx="minor">
-                  <a:schemeClr val="lt1"/>
-                </a:fontRef>
-              </p:style>
-              <p:txBody>
-                <a:bodyPr rtlCol="0" anchor="ctr"/>
-                <a:lstStyle/>
-                <a:p>
-                  <a:pPr algn="ctr"/>
-                  <a:endParaRPr lang="en-US"/>
-                </a:p>
-              </p:txBody>
-            </p:sp>
-            <p:sp>
-              <p:nvSpPr>
-                <p:cNvPr id="13" name="Oval 12">
-                  <a:extLst>
-                    <a:ext uri="{FF2B5EF4-FFF2-40B4-BE49-F238E27FC236}">
-                      <a16:creationId xmlns:a16="http://schemas.microsoft.com/office/drawing/2014/main" id="{0551262F-7014-40A1-B3DA-EBD3D5A57888}"/>
-                    </a:ext>
-                  </a:extLst>
-                </p:cNvPr>
-                <p:cNvSpPr/>
-                <p:nvPr/>
-              </p:nvSpPr>
-              <p:spPr>
-                <a:xfrm>
-                  <a:off x="4597400" y="2362676"/>
-                  <a:ext cx="190500" cy="190500"/>
-                </a:xfrm>
-                <a:prstGeom prst="ellipse">
-                  <a:avLst/>
-                </a:prstGeom>
-                <a:solidFill>
-                  <a:srgbClr val="FFC000"/>
-                </a:solidFill>
-                <a:ln>
-                  <a:solidFill>
-                    <a:schemeClr val="accent6">
-                      <a:lumMod val="75000"/>
-                    </a:schemeClr>
-                  </a:solidFill>
-                </a:ln>
-              </p:spPr>
-              <p:style>
-                <a:lnRef idx="2">
-                  <a:schemeClr val="accent1">
-                    <a:shade val="50000"/>
-                  </a:schemeClr>
-                </a:lnRef>
-                <a:fillRef idx="1">
-                  <a:schemeClr val="accent1"/>
-                </a:fillRef>
-                <a:effectRef idx="0">
-                  <a:schemeClr val="accent1"/>
-                </a:effectRef>
-                <a:fontRef idx="minor">
-                  <a:schemeClr val="lt1"/>
-                </a:fontRef>
-              </p:style>
-              <p:txBody>
-                <a:bodyPr rtlCol="0" anchor="ctr"/>
-                <a:lstStyle/>
-                <a:p>
-                  <a:pPr algn="ctr"/>
-                  <a:endParaRPr lang="en-US" dirty="0"/>
-                </a:p>
-              </p:txBody>
-            </p:sp>
-            <p:cxnSp>
-              <p:nvCxnSpPr>
-                <p:cNvPr id="9" name="Straight Arrow Connector 8">
-                  <a:extLst>
-                    <a:ext uri="{FF2B5EF4-FFF2-40B4-BE49-F238E27FC236}">
-                      <a16:creationId xmlns:a16="http://schemas.microsoft.com/office/drawing/2014/main" id="{A570A030-BD8A-40B7-886B-8931F720D89E}"/>
-                    </a:ext>
-                  </a:extLst>
-                </p:cNvPr>
-                <p:cNvCxnSpPr>
-                  <a:cxnSpLocks/>
-                  <a:stCxn id="6" idx="3"/>
-                  <a:endCxn id="10" idx="6"/>
-                </p:cNvCxnSpPr>
-                <p:nvPr/>
-              </p:nvCxnSpPr>
-              <p:spPr>
-                <a:xfrm flipH="1">
-                  <a:off x="3636052" y="1524677"/>
-                  <a:ext cx="233596" cy="372502"/>
-                </a:xfrm>
-                <a:prstGeom prst="straightConnector1">
-                  <a:avLst/>
-                </a:prstGeom>
-                <a:ln w="25400">
-                  <a:tailEnd type="triangle"/>
-                </a:ln>
-              </p:spPr>
-              <p:style>
-                <a:lnRef idx="1">
-                  <a:schemeClr val="accent1"/>
-                </a:lnRef>
-                <a:fillRef idx="0">
-                  <a:schemeClr val="accent1"/>
-                </a:fillRef>
-                <a:effectRef idx="0">
-                  <a:schemeClr val="accent1"/>
-                </a:effectRef>
-                <a:fontRef idx="minor">
-                  <a:schemeClr val="tx1"/>
-                </a:fontRef>
-              </p:style>
-            </p:cxnSp>
-            <p:cxnSp>
-              <p:nvCxnSpPr>
-                <p:cNvPr id="16" name="Straight Arrow Connector 15">
-                  <a:extLst>
-                    <a:ext uri="{FF2B5EF4-FFF2-40B4-BE49-F238E27FC236}">
-                      <a16:creationId xmlns:a16="http://schemas.microsoft.com/office/drawing/2014/main" id="{A67836DA-BBDF-4AA1-9287-B74AADA97FDB}"/>
-                    </a:ext>
-                  </a:extLst>
-                </p:cNvPr>
-                <p:cNvCxnSpPr>
-                  <a:cxnSpLocks/>
-                  <a:stCxn id="6" idx="5"/>
-                  <a:endCxn id="11" idx="1"/>
-                </p:cNvCxnSpPr>
-                <p:nvPr/>
-              </p:nvCxnSpPr>
-              <p:spPr>
-                <a:xfrm>
-                  <a:off x="4004352" y="1524677"/>
-                  <a:ext cx="246296" cy="372502"/>
-                </a:xfrm>
-                <a:prstGeom prst="straightConnector1">
-                  <a:avLst/>
-                </a:prstGeom>
-                <a:ln w="25400">
-                  <a:tailEnd type="triangle"/>
-                </a:ln>
-              </p:spPr>
-              <p:style>
-                <a:lnRef idx="1">
-                  <a:schemeClr val="accent1"/>
-                </a:lnRef>
-                <a:fillRef idx="0">
-                  <a:schemeClr val="accent1"/>
-                </a:fillRef>
-                <a:effectRef idx="0">
-                  <a:schemeClr val="accent1"/>
-                </a:effectRef>
-                <a:fontRef idx="minor">
-                  <a:schemeClr val="tx1"/>
-                </a:fontRef>
-              </p:style>
-            </p:cxnSp>
-            <p:cxnSp>
-              <p:nvCxnSpPr>
-                <p:cNvPr id="19" name="Straight Arrow Connector 18">
-                  <a:extLst>
-                    <a:ext uri="{FF2B5EF4-FFF2-40B4-BE49-F238E27FC236}">
-                      <a16:creationId xmlns:a16="http://schemas.microsoft.com/office/drawing/2014/main" id="{4BFCEB90-0F52-4654-BF5F-ED99ABC9EE00}"/>
-                    </a:ext>
-                  </a:extLst>
-                </p:cNvPr>
-                <p:cNvCxnSpPr>
-                  <a:cxnSpLocks/>
-                  <a:stCxn id="11" idx="3"/>
-                  <a:endCxn id="12" idx="7"/>
-                </p:cNvCxnSpPr>
-                <p:nvPr/>
-              </p:nvCxnSpPr>
-              <p:spPr>
-                <a:xfrm flipH="1">
-                  <a:off x="4004352" y="2031883"/>
-                  <a:ext cx="246296" cy="358691"/>
-                </a:xfrm>
-                <a:prstGeom prst="straightConnector1">
-                  <a:avLst/>
-                </a:prstGeom>
-                <a:ln w="25400">
-                  <a:tailEnd type="triangle"/>
-                </a:ln>
-              </p:spPr>
-              <p:style>
-                <a:lnRef idx="1">
-                  <a:schemeClr val="accent1"/>
-                </a:lnRef>
-                <a:fillRef idx="0">
-                  <a:schemeClr val="accent1"/>
-                </a:fillRef>
-                <a:effectRef idx="0">
-                  <a:schemeClr val="accent1"/>
-                </a:effectRef>
-                <a:fontRef idx="minor">
-                  <a:schemeClr val="tx1"/>
-                </a:fontRef>
-              </p:style>
-            </p:cxnSp>
-            <p:cxnSp>
-              <p:nvCxnSpPr>
-                <p:cNvPr id="22" name="Straight Arrow Connector 21">
-                  <a:extLst>
-                    <a:ext uri="{FF2B5EF4-FFF2-40B4-BE49-F238E27FC236}">
-                      <a16:creationId xmlns:a16="http://schemas.microsoft.com/office/drawing/2014/main" id="{78729F2F-4120-4631-B35F-1DA81F1BE9A1}"/>
-                    </a:ext>
-                  </a:extLst>
-                </p:cNvPr>
-                <p:cNvCxnSpPr>
-                  <a:cxnSpLocks/>
-                  <a:stCxn id="11" idx="5"/>
-                  <a:endCxn id="13" idx="1"/>
-                </p:cNvCxnSpPr>
-                <p:nvPr/>
-              </p:nvCxnSpPr>
-              <p:spPr>
-                <a:xfrm>
-                  <a:off x="4385352" y="2031883"/>
-                  <a:ext cx="239946" cy="358691"/>
-                </a:xfrm>
-                <a:prstGeom prst="straightConnector1">
-                  <a:avLst/>
-                </a:prstGeom>
-                <a:ln w="25400">
-                  <a:solidFill>
-                    <a:srgbClr val="FF0000"/>
-                  </a:solidFill>
-                  <a:tailEnd type="triangle"/>
-                </a:ln>
-              </p:spPr>
-              <p:style>
-                <a:lnRef idx="1">
-                  <a:schemeClr val="accent1"/>
-                </a:lnRef>
-                <a:fillRef idx="0">
-                  <a:schemeClr val="accent1"/>
-                </a:fillRef>
-                <a:effectRef idx="0">
-                  <a:schemeClr val="accent1"/>
-                </a:effectRef>
-                <a:fontRef idx="minor">
-                  <a:schemeClr val="tx1"/>
-                </a:fontRef>
-              </p:style>
-            </p:cxnSp>
-          </p:grpSp>
-          <p:sp>
-            <p:nvSpPr>
-              <p:cNvPr id="39" name="TextBox 38">
-                <a:extLst>
-                  <a:ext uri="{FF2B5EF4-FFF2-40B4-BE49-F238E27FC236}">
-                    <a16:creationId xmlns:a16="http://schemas.microsoft.com/office/drawing/2014/main" id="{DFF9EEFC-8DFB-4D04-BF39-56044C2D8B85}"/>
-                  </a:ext>
-                </a:extLst>
-              </p:cNvPr>
-              <p:cNvSpPr txBox="1"/>
-              <p:nvPr/>
-            </p:nvSpPr>
-            <p:spPr>
-              <a:xfrm>
-                <a:off x="3584917" y="1371365"/>
-                <a:ext cx="1676400" cy="369332"/>
-              </a:xfrm>
-              <a:prstGeom prst="rect">
-                <a:avLst/>
-              </a:prstGeom>
-              <a:noFill/>
-            </p:spPr>
-            <p:txBody>
-              <a:bodyPr wrap="square" rtlCol="0">
-                <a:spAutoFit/>
-              </a:bodyPr>
-              <a:lstStyle/>
-              <a:p>
-                <a:r>
-                  <a:rPr lang="en-US" dirty="0"/>
-                  <a:t>AST</a:t>
-                </a:r>
-              </a:p>
-            </p:txBody>
-          </p:sp>
-        </p:grpSp>
+            <a:prstGeom prst="ellipse">
+              <a:avLst/>
+            </a:prstGeom>
+            <a:solidFill>
+              <a:schemeClr val="accent6">
+                <a:lumMod val="40000"/>
+                <a:lumOff val="60000"/>
+              </a:schemeClr>
+            </a:solidFill>
+            <a:ln>
+              <a:solidFill>
+                <a:schemeClr val="accent6">
+                  <a:lumMod val="75000"/>
+                </a:schemeClr>
+              </a:solidFill>
+            </a:ln>
+          </p:spPr>
+          <p:style>
+            <a:lnRef idx="2">
+              <a:schemeClr val="accent1">
+                <a:shade val="50000"/>
+              </a:schemeClr>
+            </a:lnRef>
+            <a:fillRef idx="1">
+              <a:schemeClr val="accent1"/>
+            </a:fillRef>
+            <a:effectRef idx="0">
+              <a:schemeClr val="accent1"/>
+            </a:effectRef>
+            <a:fontRef idx="minor">
+              <a:schemeClr val="lt1"/>
+            </a:fontRef>
+          </p:style>
+          <p:txBody>
+            <a:bodyPr rtlCol="0" anchor="ctr"/>
+            <a:lstStyle/>
+            <a:p>
+              <a:pPr algn="ctr"/>
+              <a:endParaRPr lang="en-US"/>
+            </a:p>
+          </p:txBody>
+        </p:sp>
+        <p:sp>
+          <p:nvSpPr>
+            <p:cNvPr id="10" name="Oval 9">
+              <a:extLst>
+                <a:ext uri="{FF2B5EF4-FFF2-40B4-BE49-F238E27FC236}">
+                  <a16:creationId xmlns:a16="http://schemas.microsoft.com/office/drawing/2014/main" id="{78A16A7B-ED5A-4841-9100-606221F042A4}"/>
+                </a:ext>
+              </a:extLst>
+            </p:cNvPr>
+            <p:cNvSpPr/>
+            <p:nvPr/>
+          </p:nvSpPr>
+          <p:spPr>
+            <a:xfrm>
+              <a:off x="3473450" y="1869281"/>
+              <a:ext cx="190500" cy="190500"/>
+            </a:xfrm>
+            <a:prstGeom prst="ellipse">
+              <a:avLst/>
+            </a:prstGeom>
+            <a:solidFill>
+              <a:schemeClr val="accent6">
+                <a:lumMod val="40000"/>
+                <a:lumOff val="60000"/>
+              </a:schemeClr>
+            </a:solidFill>
+            <a:ln>
+              <a:solidFill>
+                <a:schemeClr val="accent6">
+                  <a:lumMod val="75000"/>
+                </a:schemeClr>
+              </a:solidFill>
+            </a:ln>
+          </p:spPr>
+          <p:style>
+            <a:lnRef idx="2">
+              <a:schemeClr val="accent1">
+                <a:shade val="50000"/>
+              </a:schemeClr>
+            </a:lnRef>
+            <a:fillRef idx="1">
+              <a:schemeClr val="accent1"/>
+            </a:fillRef>
+            <a:effectRef idx="0">
+              <a:schemeClr val="accent1"/>
+            </a:effectRef>
+            <a:fontRef idx="minor">
+              <a:schemeClr val="lt1"/>
+            </a:fontRef>
+          </p:style>
+          <p:txBody>
+            <a:bodyPr rtlCol="0" anchor="ctr"/>
+            <a:lstStyle/>
+            <a:p>
+              <a:pPr algn="ctr"/>
+              <a:endParaRPr lang="en-US"/>
+            </a:p>
+          </p:txBody>
+        </p:sp>
+        <p:sp>
+          <p:nvSpPr>
+            <p:cNvPr id="11" name="Oval 10">
+              <a:extLst>
+                <a:ext uri="{FF2B5EF4-FFF2-40B4-BE49-F238E27FC236}">
+                  <a16:creationId xmlns:a16="http://schemas.microsoft.com/office/drawing/2014/main" id="{DD7077DB-E4CA-42D0-8062-535BCA33231D}"/>
+                </a:ext>
+              </a:extLst>
+            </p:cNvPr>
+            <p:cNvSpPr/>
+            <p:nvPr/>
+          </p:nvSpPr>
+          <p:spPr>
+            <a:xfrm>
+              <a:off x="4222750" y="1869281"/>
+              <a:ext cx="190500" cy="190500"/>
+            </a:xfrm>
+            <a:prstGeom prst="ellipse">
+              <a:avLst/>
+            </a:prstGeom>
+            <a:solidFill>
+              <a:srgbClr val="FFC000"/>
+            </a:solidFill>
+            <a:ln>
+              <a:solidFill>
+                <a:schemeClr val="accent6">
+                  <a:lumMod val="75000"/>
+                </a:schemeClr>
+              </a:solidFill>
+            </a:ln>
+          </p:spPr>
+          <p:style>
+            <a:lnRef idx="2">
+              <a:schemeClr val="accent1">
+                <a:shade val="50000"/>
+              </a:schemeClr>
+            </a:lnRef>
+            <a:fillRef idx="1">
+              <a:schemeClr val="accent1"/>
+            </a:fillRef>
+            <a:effectRef idx="0">
+              <a:schemeClr val="accent1"/>
+            </a:effectRef>
+            <a:fontRef idx="minor">
+              <a:schemeClr val="lt1"/>
+            </a:fontRef>
+          </p:style>
+          <p:txBody>
+            <a:bodyPr rtlCol="0" anchor="ctr"/>
+            <a:lstStyle/>
+            <a:p>
+              <a:pPr algn="ctr"/>
+              <a:endParaRPr lang="en-US"/>
+            </a:p>
+          </p:txBody>
+        </p:sp>
+        <p:sp>
+          <p:nvSpPr>
+            <p:cNvPr id="12" name="Oval 11">
+              <a:extLst>
+                <a:ext uri="{FF2B5EF4-FFF2-40B4-BE49-F238E27FC236}">
+                  <a16:creationId xmlns:a16="http://schemas.microsoft.com/office/drawing/2014/main" id="{3D3CCC25-56F3-44D6-8B44-3996C81026B6}"/>
+                </a:ext>
+              </a:extLst>
+            </p:cNvPr>
+            <p:cNvSpPr/>
+            <p:nvPr/>
+          </p:nvSpPr>
+          <p:spPr>
+            <a:xfrm>
+              <a:off x="3841750" y="2362676"/>
+              <a:ext cx="190500" cy="190500"/>
+            </a:xfrm>
+            <a:prstGeom prst="ellipse">
+              <a:avLst/>
+            </a:prstGeom>
+            <a:solidFill>
+              <a:schemeClr val="accent6">
+                <a:lumMod val="40000"/>
+                <a:lumOff val="60000"/>
+              </a:schemeClr>
+            </a:solidFill>
+            <a:ln>
+              <a:solidFill>
+                <a:schemeClr val="accent6">
+                  <a:lumMod val="75000"/>
+                </a:schemeClr>
+              </a:solidFill>
+            </a:ln>
+          </p:spPr>
+          <p:style>
+            <a:lnRef idx="2">
+              <a:schemeClr val="accent1">
+                <a:shade val="50000"/>
+              </a:schemeClr>
+            </a:lnRef>
+            <a:fillRef idx="1">
+              <a:schemeClr val="accent1"/>
+            </a:fillRef>
+            <a:effectRef idx="0">
+              <a:schemeClr val="accent1"/>
+            </a:effectRef>
+            <a:fontRef idx="minor">
+              <a:schemeClr val="lt1"/>
+            </a:fontRef>
+          </p:style>
+          <p:txBody>
+            <a:bodyPr rtlCol="0" anchor="ctr"/>
+            <a:lstStyle/>
+            <a:p>
+              <a:pPr algn="ctr"/>
+              <a:endParaRPr lang="en-US"/>
+            </a:p>
+          </p:txBody>
+        </p:sp>
+        <p:sp>
+          <p:nvSpPr>
+            <p:cNvPr id="13" name="Oval 12">
+              <a:extLst>
+                <a:ext uri="{FF2B5EF4-FFF2-40B4-BE49-F238E27FC236}">
+                  <a16:creationId xmlns:a16="http://schemas.microsoft.com/office/drawing/2014/main" id="{0551262F-7014-40A1-B3DA-EBD3D5A57888}"/>
+                </a:ext>
+              </a:extLst>
+            </p:cNvPr>
+            <p:cNvSpPr/>
+            <p:nvPr/>
+          </p:nvSpPr>
+          <p:spPr>
+            <a:xfrm>
+              <a:off x="4597400" y="2362676"/>
+              <a:ext cx="190500" cy="190500"/>
+            </a:xfrm>
+            <a:prstGeom prst="ellipse">
+              <a:avLst/>
+            </a:prstGeom>
+            <a:solidFill>
+              <a:srgbClr val="FFC000"/>
+            </a:solidFill>
+            <a:ln>
+              <a:solidFill>
+                <a:schemeClr val="accent6">
+                  <a:lumMod val="75000"/>
+                </a:schemeClr>
+              </a:solidFill>
+            </a:ln>
+          </p:spPr>
+          <p:style>
+            <a:lnRef idx="2">
+              <a:schemeClr val="accent1">
+                <a:shade val="50000"/>
+              </a:schemeClr>
+            </a:lnRef>
+            <a:fillRef idx="1">
+              <a:schemeClr val="accent1"/>
+            </a:fillRef>
+            <a:effectRef idx="0">
+              <a:schemeClr val="accent1"/>
+            </a:effectRef>
+            <a:fontRef idx="minor">
+              <a:schemeClr val="lt1"/>
+            </a:fontRef>
+          </p:style>
+          <p:txBody>
+            <a:bodyPr rtlCol="0" anchor="ctr"/>
+            <a:lstStyle/>
+            <a:p>
+              <a:pPr algn="ctr"/>
+              <a:endParaRPr lang="en-US" dirty="0"/>
+            </a:p>
+          </p:txBody>
+        </p:sp>
         <p:cxnSp>
           <p:nvCxnSpPr>
-            <p:cNvPr id="34" name="Straight Arrow Connector 33">
+            <p:cNvPr id="9" name="Straight Arrow Connector 8">
               <a:extLst>
                 <a:ext uri="{FF2B5EF4-FFF2-40B4-BE49-F238E27FC236}">
-                  <a16:creationId xmlns:a16="http://schemas.microsoft.com/office/drawing/2014/main" id="{800ABE5A-ED23-4F9A-97BE-93D8F344DAF2}"/>
+                  <a16:creationId xmlns:a16="http://schemas.microsoft.com/office/drawing/2014/main" id="{A570A030-BD8A-40B7-886B-8931F720D89E}"/>
                 </a:ext>
               </a:extLst>
             </p:cNvPr>
             <p:cNvCxnSpPr>
               <a:cxnSpLocks/>
-              <a:stCxn id="6" idx="4"/>
+              <a:stCxn id="6" idx="3"/>
+              <a:endCxn id="10" idx="6"/>
+            </p:cNvCxnSpPr>
+            <p:nvPr/>
+          </p:nvCxnSpPr>
+          <p:spPr>
+            <a:xfrm flipH="1">
+              <a:off x="3636052" y="1524677"/>
+              <a:ext cx="233596" cy="372502"/>
+            </a:xfrm>
+            <a:prstGeom prst="straightConnector1">
+              <a:avLst/>
+            </a:prstGeom>
+            <a:ln w="25400">
+              <a:tailEnd type="triangle"/>
+            </a:ln>
+          </p:spPr>
+          <p:style>
+            <a:lnRef idx="1">
+              <a:schemeClr val="accent1"/>
+            </a:lnRef>
+            <a:fillRef idx="0">
+              <a:schemeClr val="accent1"/>
+            </a:fillRef>
+            <a:effectRef idx="0">
+              <a:schemeClr val="accent1"/>
+            </a:effectRef>
+            <a:fontRef idx="minor">
+              <a:schemeClr val="tx1"/>
+            </a:fontRef>
+          </p:style>
+        </p:cxnSp>
+        <p:cxnSp>
+          <p:nvCxnSpPr>
+            <p:cNvPr id="16" name="Straight Arrow Connector 15">
+              <a:extLst>
+                <a:ext uri="{FF2B5EF4-FFF2-40B4-BE49-F238E27FC236}">
+                  <a16:creationId xmlns:a16="http://schemas.microsoft.com/office/drawing/2014/main" id="{A67836DA-BBDF-4AA1-9287-B74AADA97FDB}"/>
+                </a:ext>
+              </a:extLst>
+            </p:cNvPr>
+            <p:cNvCxnSpPr>
+              <a:cxnSpLocks/>
+              <a:stCxn id="6" idx="5"/>
+              <a:endCxn id="11" idx="1"/>
             </p:cNvCxnSpPr>
             <p:nvPr/>
           </p:nvCxnSpPr>
           <p:spPr>
             <a:xfrm>
-              <a:off x="3604002" y="1872730"/>
-              <a:ext cx="0" cy="353860"/>
+              <a:off x="4004352" y="1524677"/>
+              <a:ext cx="246296" cy="372502"/>
             </a:xfrm>
             <a:prstGeom prst="straightConnector1">
               <a:avLst/>
             </a:prstGeom>
-            <a:ln w="12700">
+            <a:ln w="25400">
+              <a:tailEnd type="triangle"/>
+            </a:ln>
+          </p:spPr>
+          <p:style>
+            <a:lnRef idx="1">
+              <a:schemeClr val="accent1"/>
+            </a:lnRef>
+            <a:fillRef idx="0">
+              <a:schemeClr val="accent1"/>
+            </a:fillRef>
+            <a:effectRef idx="0">
+              <a:schemeClr val="accent1"/>
+            </a:effectRef>
+            <a:fontRef idx="minor">
+              <a:schemeClr val="tx1"/>
+            </a:fontRef>
+          </p:style>
+        </p:cxnSp>
+        <p:cxnSp>
+          <p:nvCxnSpPr>
+            <p:cNvPr id="19" name="Straight Arrow Connector 18">
+              <a:extLst>
+                <a:ext uri="{FF2B5EF4-FFF2-40B4-BE49-F238E27FC236}">
+                  <a16:creationId xmlns:a16="http://schemas.microsoft.com/office/drawing/2014/main" id="{4BFCEB90-0F52-4654-BF5F-ED99ABC9EE00}"/>
+                </a:ext>
+              </a:extLst>
+            </p:cNvPr>
+            <p:cNvCxnSpPr>
+              <a:cxnSpLocks/>
+              <a:stCxn id="11" idx="3"/>
+              <a:endCxn id="12" idx="7"/>
+            </p:cNvCxnSpPr>
+            <p:nvPr/>
+          </p:nvCxnSpPr>
+          <p:spPr>
+            <a:xfrm flipH="1">
+              <a:off x="4004352" y="2031883"/>
+              <a:ext cx="246296" cy="358691"/>
+            </a:xfrm>
+            <a:prstGeom prst="straightConnector1">
+              <a:avLst/>
+            </a:prstGeom>
+            <a:ln w="25400">
+              <a:tailEnd type="triangle"/>
+            </a:ln>
+          </p:spPr>
+          <p:style>
+            <a:lnRef idx="1">
+              <a:schemeClr val="accent1"/>
+            </a:lnRef>
+            <a:fillRef idx="0">
+              <a:schemeClr val="accent1"/>
+            </a:fillRef>
+            <a:effectRef idx="0">
+              <a:schemeClr val="accent1"/>
+            </a:effectRef>
+            <a:fontRef idx="minor">
+              <a:schemeClr val="tx1"/>
+            </a:fontRef>
+          </p:style>
+        </p:cxnSp>
+        <p:cxnSp>
+          <p:nvCxnSpPr>
+            <p:cNvPr id="22" name="Straight Arrow Connector 21">
+              <a:extLst>
+                <a:ext uri="{FF2B5EF4-FFF2-40B4-BE49-F238E27FC236}">
+                  <a16:creationId xmlns:a16="http://schemas.microsoft.com/office/drawing/2014/main" id="{78729F2F-4120-4631-B35F-1DA81F1BE9A1}"/>
+                </a:ext>
+              </a:extLst>
+            </p:cNvPr>
+            <p:cNvCxnSpPr>
+              <a:cxnSpLocks/>
+              <a:stCxn id="11" idx="5"/>
+              <a:endCxn id="13" idx="1"/>
+            </p:cNvCxnSpPr>
+            <p:nvPr/>
+          </p:nvCxnSpPr>
+          <p:spPr>
+            <a:xfrm>
+              <a:off x="4385352" y="2031883"/>
+              <a:ext cx="239946" cy="358691"/>
+            </a:xfrm>
+            <a:prstGeom prst="straightConnector1">
+              <a:avLst/>
+            </a:prstGeom>
+            <a:ln w="25400">
+              <a:solidFill>
+                <a:srgbClr val="FF0000"/>
+              </a:solidFill>
               <a:tailEnd type="triangle"/>
             </a:ln>
           </p:spPr>
@@ -16999,6 +16880,83 @@
           </p:style>
         </p:cxnSp>
       </p:grpSp>
+      <p:sp>
+        <p:nvSpPr>
+          <p:cNvPr id="39" name="TextBox 38">
+            <a:extLst>
+              <a:ext uri="{FF2B5EF4-FFF2-40B4-BE49-F238E27FC236}">
+                <a16:creationId xmlns:a16="http://schemas.microsoft.com/office/drawing/2014/main" id="{DFF9EEFC-8DFB-4D04-BF39-56044C2D8B85}"/>
+              </a:ext>
+            </a:extLst>
+          </p:cNvPr>
+          <p:cNvSpPr txBox="1"/>
+          <p:nvPr/>
+        </p:nvSpPr>
+        <p:spPr>
+          <a:xfrm>
+            <a:off x="3095627" y="1640355"/>
+            <a:ext cx="550168" cy="369332"/>
+          </a:xfrm>
+          <a:prstGeom prst="rect">
+            <a:avLst/>
+          </a:prstGeom>
+          <a:noFill/>
+        </p:spPr>
+        <p:txBody>
+          <a:bodyPr wrap="square" rtlCol="0">
+            <a:spAutoFit/>
+          </a:bodyPr>
+          <a:lstStyle/>
+          <a:p>
+            <a:r>
+              <a:rPr lang="en-US" dirty="0"/>
+              <a:t>AST</a:t>
+            </a:r>
+          </a:p>
+        </p:txBody>
+      </p:sp>
+      <p:cxnSp>
+        <p:nvCxnSpPr>
+          <p:cNvPr id="34" name="Straight Arrow Connector 33">
+            <a:extLst>
+              <a:ext uri="{FF2B5EF4-FFF2-40B4-BE49-F238E27FC236}">
+                <a16:creationId xmlns:a16="http://schemas.microsoft.com/office/drawing/2014/main" id="{800ABE5A-ED23-4F9A-97BE-93D8F344DAF2}"/>
+              </a:ext>
+            </a:extLst>
+          </p:cNvPr>
+          <p:cNvCxnSpPr>
+            <a:cxnSpLocks/>
+            <a:stCxn id="6" idx="4"/>
+          </p:cNvCxnSpPr>
+          <p:nvPr/>
+        </p:nvCxnSpPr>
+        <p:spPr>
+          <a:xfrm>
+            <a:off x="3693663" y="1913365"/>
+            <a:ext cx="0" cy="353860"/>
+          </a:xfrm>
+          <a:prstGeom prst="straightConnector1">
+            <a:avLst/>
+          </a:prstGeom>
+          <a:ln w="12700">
+            <a:tailEnd type="triangle"/>
+          </a:ln>
+        </p:spPr>
+        <p:style>
+          <a:lnRef idx="1">
+            <a:schemeClr val="accent1"/>
+          </a:lnRef>
+          <a:fillRef idx="0">
+            <a:schemeClr val="accent1"/>
+          </a:fillRef>
+          <a:effectRef idx="0">
+            <a:schemeClr val="accent1"/>
+          </a:effectRef>
+          <a:fontRef idx="minor">
+            <a:schemeClr val="tx1"/>
+          </a:fontRef>
+        </p:style>
+      </p:cxnSp>
       <p:cxnSp>
         <p:nvCxnSpPr>
           <p:cNvPr id="80" name="Straight Arrow Connector 79">
@@ -18001,6 +17959,286 @@
             <a:r>
               <a:rPr lang="en-US" dirty="0"/>
               <a:t>Fixed subtree</a:t>
+            </a:r>
+          </a:p>
+        </p:txBody>
+      </p:sp>
+      <p:sp>
+        <p:nvSpPr>
+          <p:cNvPr id="62" name="TextBox 61">
+            <a:extLst>
+              <a:ext uri="{FF2B5EF4-FFF2-40B4-BE49-F238E27FC236}">
+                <a16:creationId xmlns:a16="http://schemas.microsoft.com/office/drawing/2014/main" id="{0FBB995E-CC93-47D8-911F-13E92DFA7749}"/>
+              </a:ext>
+            </a:extLst>
+          </p:cNvPr>
+          <p:cNvSpPr txBox="1"/>
+          <p:nvPr/>
+        </p:nvSpPr>
+        <p:spPr>
+          <a:xfrm>
+            <a:off x="3790813" y="1618291"/>
+            <a:ext cx="502894" cy="369332"/>
+          </a:xfrm>
+          <a:prstGeom prst="rect">
+            <a:avLst/>
+          </a:prstGeom>
+          <a:noFill/>
+        </p:spPr>
+        <p:txBody>
+          <a:bodyPr wrap="square" rtlCol="0">
+            <a:spAutoFit/>
+          </a:bodyPr>
+          <a:lstStyle/>
+          <a:p>
+            <a:r>
+              <a:rPr lang="en-US" dirty="0"/>
+              <a:t>V1</a:t>
+            </a:r>
+          </a:p>
+        </p:txBody>
+      </p:sp>
+      <p:sp>
+        <p:nvSpPr>
+          <p:cNvPr id="63" name="TextBox 62">
+            <a:extLst>
+              <a:ext uri="{FF2B5EF4-FFF2-40B4-BE49-F238E27FC236}">
+                <a16:creationId xmlns:a16="http://schemas.microsoft.com/office/drawing/2014/main" id="{C866DB77-A5A2-4DA4-AA23-2048E7C3FF10}"/>
+              </a:ext>
+            </a:extLst>
+          </p:cNvPr>
+          <p:cNvSpPr txBox="1"/>
+          <p:nvPr/>
+        </p:nvSpPr>
+        <p:spPr>
+          <a:xfrm>
+            <a:off x="3392715" y="2248721"/>
+            <a:ext cx="502894" cy="369332"/>
+          </a:xfrm>
+          <a:prstGeom prst="rect">
+            <a:avLst/>
+          </a:prstGeom>
+          <a:noFill/>
+        </p:spPr>
+        <p:txBody>
+          <a:bodyPr wrap="square" rtlCol="0">
+            <a:spAutoFit/>
+          </a:bodyPr>
+          <a:lstStyle/>
+          <a:p>
+            <a:r>
+              <a:rPr lang="en-US" dirty="0"/>
+              <a:t>V2</a:t>
+            </a:r>
+          </a:p>
+        </p:txBody>
+      </p:sp>
+      <p:sp>
+        <p:nvSpPr>
+          <p:cNvPr id="64" name="TextBox 63">
+            <a:extLst>
+              <a:ext uri="{FF2B5EF4-FFF2-40B4-BE49-F238E27FC236}">
+                <a16:creationId xmlns:a16="http://schemas.microsoft.com/office/drawing/2014/main" id="{225DC76C-BD9A-42C4-B648-4F968FF15F85}"/>
+              </a:ext>
+            </a:extLst>
+          </p:cNvPr>
+          <p:cNvSpPr txBox="1"/>
+          <p:nvPr/>
+        </p:nvSpPr>
+        <p:spPr>
+          <a:xfrm>
+            <a:off x="4145076" y="2071924"/>
+            <a:ext cx="502894" cy="369332"/>
+          </a:xfrm>
+          <a:prstGeom prst="rect">
+            <a:avLst/>
+          </a:prstGeom>
+          <a:noFill/>
+        </p:spPr>
+        <p:txBody>
+          <a:bodyPr wrap="square" rtlCol="0">
+            <a:spAutoFit/>
+          </a:bodyPr>
+          <a:lstStyle/>
+          <a:p>
+            <a:r>
+              <a:rPr lang="en-US" dirty="0"/>
+              <a:t>V3</a:t>
+            </a:r>
+          </a:p>
+        </p:txBody>
+      </p:sp>
+      <p:sp>
+        <p:nvSpPr>
+          <p:cNvPr id="65" name="TextBox 64">
+            <a:extLst>
+              <a:ext uri="{FF2B5EF4-FFF2-40B4-BE49-F238E27FC236}">
+                <a16:creationId xmlns:a16="http://schemas.microsoft.com/office/drawing/2014/main" id="{8E38DFC1-E151-4977-AAA6-7AB8AFDC3624}"/>
+              </a:ext>
+            </a:extLst>
+          </p:cNvPr>
+          <p:cNvSpPr txBox="1"/>
+          <p:nvPr/>
+        </p:nvSpPr>
+        <p:spPr>
+          <a:xfrm>
+            <a:off x="3790813" y="2672421"/>
+            <a:ext cx="502894" cy="369332"/>
+          </a:xfrm>
+          <a:prstGeom prst="rect">
+            <a:avLst/>
+          </a:prstGeom>
+          <a:noFill/>
+        </p:spPr>
+        <p:txBody>
+          <a:bodyPr wrap="square" rtlCol="0">
+            <a:spAutoFit/>
+          </a:bodyPr>
+          <a:lstStyle/>
+          <a:p>
+            <a:r>
+              <a:rPr lang="en-US" dirty="0"/>
+              <a:t>V4</a:t>
+            </a:r>
+          </a:p>
+        </p:txBody>
+      </p:sp>
+      <p:sp>
+        <p:nvSpPr>
+          <p:cNvPr id="66" name="TextBox 65">
+            <a:extLst>
+              <a:ext uri="{FF2B5EF4-FFF2-40B4-BE49-F238E27FC236}">
+                <a16:creationId xmlns:a16="http://schemas.microsoft.com/office/drawing/2014/main" id="{59CD9354-0B06-4D1E-AD69-23BCBB84CEC0}"/>
+              </a:ext>
+            </a:extLst>
+          </p:cNvPr>
+          <p:cNvSpPr txBox="1"/>
+          <p:nvPr/>
+        </p:nvSpPr>
+        <p:spPr>
+          <a:xfrm>
+            <a:off x="4519676" y="2627435"/>
+            <a:ext cx="502894" cy="369332"/>
+          </a:xfrm>
+          <a:prstGeom prst="rect">
+            <a:avLst/>
+          </a:prstGeom>
+          <a:noFill/>
+        </p:spPr>
+        <p:txBody>
+          <a:bodyPr wrap="square" rtlCol="0">
+            <a:spAutoFit/>
+          </a:bodyPr>
+          <a:lstStyle/>
+          <a:p>
+            <a:r>
+              <a:rPr lang="en-US" dirty="0"/>
+              <a:t>V5</a:t>
+            </a:r>
+          </a:p>
+        </p:txBody>
+      </p:sp>
+      <p:sp>
+        <p:nvSpPr>
+          <p:cNvPr id="67" name="TextBox 66">
+            <a:extLst>
+              <a:ext uri="{FF2B5EF4-FFF2-40B4-BE49-F238E27FC236}">
+                <a16:creationId xmlns:a16="http://schemas.microsoft.com/office/drawing/2014/main" id="{AC6BC6E5-A068-480A-A4EB-B36B9B5C5654}"/>
+              </a:ext>
+            </a:extLst>
+          </p:cNvPr>
+          <p:cNvSpPr txBox="1"/>
+          <p:nvPr/>
+        </p:nvSpPr>
+        <p:spPr>
+          <a:xfrm>
+            <a:off x="4116563" y="3156705"/>
+            <a:ext cx="502894" cy="369332"/>
+          </a:xfrm>
+          <a:prstGeom prst="rect">
+            <a:avLst/>
+          </a:prstGeom>
+          <a:noFill/>
+        </p:spPr>
+        <p:txBody>
+          <a:bodyPr wrap="square" rtlCol="0">
+            <a:spAutoFit/>
+          </a:bodyPr>
+          <a:lstStyle/>
+          <a:p>
+            <a:r>
+              <a:rPr lang="en-US" dirty="0"/>
+              <a:t>V3</a:t>
+            </a:r>
+          </a:p>
+        </p:txBody>
+      </p:sp>
+      <p:sp>
+        <p:nvSpPr>
+          <p:cNvPr id="70" name="TextBox 69">
+            <a:extLst>
+              <a:ext uri="{FF2B5EF4-FFF2-40B4-BE49-F238E27FC236}">
+                <a16:creationId xmlns:a16="http://schemas.microsoft.com/office/drawing/2014/main" id="{04638B80-2E36-4AC4-98AA-514EABC49595}"/>
+              </a:ext>
+            </a:extLst>
+          </p:cNvPr>
+          <p:cNvSpPr txBox="1"/>
+          <p:nvPr/>
+        </p:nvSpPr>
+        <p:spPr>
+          <a:xfrm>
+            <a:off x="3754130" y="3708190"/>
+            <a:ext cx="502894" cy="369332"/>
+          </a:xfrm>
+          <a:prstGeom prst="rect">
+            <a:avLst/>
+          </a:prstGeom>
+          <a:noFill/>
+        </p:spPr>
+        <p:txBody>
+          <a:bodyPr wrap="square" rtlCol="0">
+            <a:spAutoFit/>
+          </a:bodyPr>
+          <a:lstStyle/>
+          <a:p>
+            <a:r>
+              <a:rPr lang="en-US" dirty="0"/>
+              <a:t>V4</a:t>
+            </a:r>
+          </a:p>
+        </p:txBody>
+      </p:sp>
+      <p:sp>
+        <p:nvSpPr>
+          <p:cNvPr id="72" name="TextBox 71">
+            <a:extLst>
+              <a:ext uri="{FF2B5EF4-FFF2-40B4-BE49-F238E27FC236}">
+                <a16:creationId xmlns:a16="http://schemas.microsoft.com/office/drawing/2014/main" id="{6AEFFF82-445E-4505-85B6-AD5A99C94982}"/>
+              </a:ext>
+            </a:extLst>
+          </p:cNvPr>
+          <p:cNvSpPr txBox="1"/>
+          <p:nvPr/>
+        </p:nvSpPr>
+        <p:spPr>
+          <a:xfrm>
+            <a:off x="4359515" y="3474073"/>
+            <a:ext cx="502894" cy="369332"/>
+          </a:xfrm>
+          <a:prstGeom prst="rect">
+            <a:avLst/>
+          </a:prstGeom>
+          <a:noFill/>
+        </p:spPr>
+        <p:txBody>
+          <a:bodyPr wrap="square" rtlCol="0">
+            <a:spAutoFit/>
+          </a:bodyPr>
+          <a:lstStyle/>
+          <a:p>
+            <a:r>
+              <a:rPr lang="en-US" dirty="0"/>
+              <a:t>V5</a:t>
             </a:r>
           </a:p>
         </p:txBody>

--- a/Figures.pptx
+++ b/Figures.pptx
@@ -18287,7 +18287,7 @@
         </p:nvGrpSpPr>
         <p:grpSpPr>
           <a:xfrm>
-            <a:off x="376873" y="2172125"/>
+            <a:off x="326328" y="2188453"/>
             <a:ext cx="9679996" cy="2481094"/>
             <a:chOff x="1778618" y="1827751"/>
             <a:chExt cx="9679996" cy="2481094"/>
@@ -18622,7 +18622,7 @@
           </p:nvSpPr>
           <p:spPr>
             <a:xfrm>
-              <a:off x="6740935" y="1860407"/>
+              <a:off x="6839550" y="1860823"/>
               <a:ext cx="1912032" cy="802049"/>
             </a:xfrm>
             <a:prstGeom prst="roundRect">
@@ -18664,12 +18664,20 @@
             <a:p>
               <a:pPr algn="ctr"/>
               <a:r>
+                <a:rPr lang="en-US" i="1" dirty="0">
+                  <a:solidFill>
+                    <a:schemeClr val="tx1"/>
+                  </a:solidFill>
+                </a:rPr>
+                <a:t>Trained</a:t>
+              </a:r>
+              <a:r>
                 <a:rPr lang="en-US" dirty="0">
                   <a:solidFill>
                     <a:schemeClr val="tx1"/>
                   </a:solidFill>
                 </a:rPr>
-                <a:t>Tree-based Context Learning</a:t>
+                <a:t> Tree-based Context Learning</a:t>
               </a:r>
             </a:p>
           </p:txBody>
@@ -18688,8 +18696,8 @@
           </p:nvSpPr>
           <p:spPr>
             <a:xfrm>
-              <a:off x="6740934" y="3526268"/>
-              <a:ext cx="1909735" cy="776767"/>
+              <a:off x="6740934" y="3384302"/>
+              <a:ext cx="2109265" cy="918734"/>
             </a:xfrm>
             <a:prstGeom prst="roundRect">
               <a:avLst/>
@@ -18730,78 +18738,20 @@
             <a:p>
               <a:pPr algn="ctr"/>
               <a:r>
-                <a:rPr lang="en-US" dirty="0">
+                <a:rPr lang="en-US" i="1" dirty="0">
                   <a:solidFill>
                     <a:schemeClr val="tx1"/>
                   </a:solidFill>
                 </a:rPr>
-                <a:t>Tree-based Transformation Learning</a:t>
+                <a:t>Trained</a:t>
               </a:r>
-            </a:p>
-          </p:txBody>
-        </p:sp>
-        <p:sp>
-          <p:nvSpPr>
-            <p:cNvPr id="43" name="Rectangle: Rounded Corners 42">
-              <a:extLst>
-                <a:ext uri="{FF2B5EF4-FFF2-40B4-BE49-F238E27FC236}">
-                  <a16:creationId xmlns:a16="http://schemas.microsoft.com/office/drawing/2014/main" id="{5DAA0177-339C-495D-8153-6541C884CD2D}"/>
-                </a:ext>
-              </a:extLst>
-            </p:cNvPr>
-            <p:cNvSpPr/>
-            <p:nvPr/>
-          </p:nvSpPr>
-          <p:spPr>
-            <a:xfrm>
-              <a:off x="6858751" y="2934125"/>
-              <a:ext cx="1676400" cy="291245"/>
-            </a:xfrm>
-            <a:prstGeom prst="roundRect">
-              <a:avLst/>
-            </a:prstGeom>
-            <a:solidFill>
-              <a:schemeClr val="accent2">
-                <a:lumMod val="20000"/>
-                <a:lumOff val="80000"/>
-              </a:schemeClr>
-            </a:solidFill>
-            <a:ln w="25400">
-              <a:solidFill>
-                <a:schemeClr val="accent2">
-                  <a:lumMod val="75000"/>
-                </a:schemeClr>
-              </a:solidFill>
-            </a:ln>
-          </p:spPr>
-          <p:style>
-            <a:lnRef idx="2">
-              <a:schemeClr val="accent1">
-                <a:shade val="50000"/>
-              </a:schemeClr>
-            </a:lnRef>
-            <a:fillRef idx="1">
-              <a:schemeClr val="accent1"/>
-            </a:fillRef>
-            <a:effectRef idx="0">
-              <a:schemeClr val="accent1"/>
-            </a:effectRef>
-            <a:fontRef idx="minor">
-              <a:schemeClr val="lt1"/>
-            </a:fontRef>
-          </p:style>
-          <p:txBody>
-            <a:bodyPr rtlCol="0" anchor="ctr"/>
-            <a:lstStyle/>
-            <a:p>
-              <a:pPr algn="ctr"/>
               <a:r>
                 <a:rPr lang="en-US" dirty="0">
                   <a:solidFill>
                     <a:schemeClr val="tx1"/>
                   </a:solidFill>
                 </a:rPr>
-                <a:t>Joint Training</a:t>
+                <a:t> Tree-based Transformation Learning</a:t>
               </a:r>
             </a:p>
           </p:txBody>
@@ -18859,7 +18809,7 @@
           </p:nvCxnSpPr>
           <p:spPr>
             <a:xfrm flipV="1">
-              <a:off x="6410372" y="2229628"/>
+              <a:off x="6496132" y="2273725"/>
               <a:ext cx="332860" cy="2649"/>
             </a:xfrm>
             <a:prstGeom prst="straightConnector1">
@@ -18895,13 +18845,14 @@
             </p:cNvPr>
             <p:cNvCxnSpPr>
               <a:cxnSpLocks/>
+              <a:stCxn id="42" idx="3"/>
             </p:cNvCxnSpPr>
             <p:nvPr/>
           </p:nvCxnSpPr>
           <p:spPr>
             <a:xfrm flipV="1">
-              <a:off x="8731737" y="3384301"/>
-              <a:ext cx="740070" cy="543622"/>
+              <a:off x="8850199" y="3384301"/>
+              <a:ext cx="621608" cy="459368"/>
             </a:xfrm>
             <a:prstGeom prst="straightConnector1">
               <a:avLst/>
@@ -18937,58 +18888,14 @@
             <p:cNvCxnSpPr>
               <a:cxnSpLocks/>
               <a:stCxn id="27" idx="2"/>
-              <a:endCxn id="43" idx="0"/>
+              <a:endCxn id="42" idx="0"/>
             </p:cNvCxnSpPr>
             <p:nvPr/>
           </p:nvCxnSpPr>
           <p:spPr>
             <a:xfrm>
-              <a:off x="7696951" y="2662456"/>
-              <a:ext cx="0" cy="271669"/>
-            </a:xfrm>
-            <a:prstGeom prst="straightConnector1">
-              <a:avLst/>
-            </a:prstGeom>
-            <a:ln w="25400">
-              <a:headEnd type="triangle"/>
-              <a:tailEnd type="triangle"/>
-            </a:ln>
-          </p:spPr>
-          <p:style>
-            <a:lnRef idx="1">
-              <a:schemeClr val="accent1"/>
-            </a:lnRef>
-            <a:fillRef idx="0">
-              <a:schemeClr val="accent1"/>
-            </a:fillRef>
-            <a:effectRef idx="0">
-              <a:schemeClr val="accent1"/>
-            </a:effectRef>
-            <a:fontRef idx="minor">
-              <a:schemeClr val="tx1"/>
-            </a:fontRef>
-          </p:style>
-        </p:cxnSp>
-        <p:cxnSp>
-          <p:nvCxnSpPr>
-            <p:cNvPr id="94" name="Straight Arrow Connector 93">
-              <a:extLst>
-                <a:ext uri="{FF2B5EF4-FFF2-40B4-BE49-F238E27FC236}">
-                  <a16:creationId xmlns:a16="http://schemas.microsoft.com/office/drawing/2014/main" id="{5756A5B5-A2B2-43E3-AA1A-CB7E355B869F}"/>
-                </a:ext>
-              </a:extLst>
-            </p:cNvPr>
-            <p:cNvCxnSpPr>
-              <a:cxnSpLocks/>
-              <a:stCxn id="43" idx="2"/>
-              <a:endCxn id="42" idx="0"/>
-            </p:cNvCxnSpPr>
-            <p:nvPr/>
-          </p:nvCxnSpPr>
-          <p:spPr>
-            <a:xfrm flipH="1">
-              <a:off x="7695802" y="3225370"/>
-              <a:ext cx="1149" cy="300898"/>
+              <a:off x="7795566" y="2662872"/>
+              <a:ext cx="1" cy="721430"/>
             </a:xfrm>
             <a:prstGeom prst="straightConnector1">
               <a:avLst/>

--- a/Figures.pptx
+++ b/Figures.pptx
@@ -203,7 +203,7 @@
           <a:p>
             <a:fld id="{75754C70-6453-4EC1-893C-AA2644B807D6}" type="datetimeFigureOut">
               <a:rPr lang="en-US" smtClean="0"/>
-              <a:t>8/27/2021</a:t>
+              <a:t>8/28/2021</a:t>
             </a:fld>
             <a:endParaRPr lang="en-US" dirty="0"/>
           </a:p>
@@ -617,7 +617,7 @@
           <a:p>
             <a:fld id="{FF5E1AB6-45CD-421A-B6C0-E4D4EAFC2CDC}" type="datetimeFigureOut">
               <a:rPr lang="en-US" smtClean="0"/>
-              <a:t>8/27/2021</a:t>
+              <a:t>8/28/2021</a:t>
             </a:fld>
             <a:endParaRPr lang="en-US" dirty="0"/>
           </a:p>
@@ -815,7 +815,7 @@
           <a:p>
             <a:fld id="{FF5E1AB6-45CD-421A-B6C0-E4D4EAFC2CDC}" type="datetimeFigureOut">
               <a:rPr lang="en-US" smtClean="0"/>
-              <a:t>8/27/2021</a:t>
+              <a:t>8/28/2021</a:t>
             </a:fld>
             <a:endParaRPr lang="en-US" dirty="0"/>
           </a:p>
@@ -1023,7 +1023,7 @@
           <a:p>
             <a:fld id="{FF5E1AB6-45CD-421A-B6C0-E4D4EAFC2CDC}" type="datetimeFigureOut">
               <a:rPr lang="en-US" smtClean="0"/>
-              <a:t>8/27/2021</a:t>
+              <a:t>8/28/2021</a:t>
             </a:fld>
             <a:endParaRPr lang="en-US" dirty="0"/>
           </a:p>
@@ -1221,7 +1221,7 @@
           <a:p>
             <a:fld id="{FF5E1AB6-45CD-421A-B6C0-E4D4EAFC2CDC}" type="datetimeFigureOut">
               <a:rPr lang="en-US" smtClean="0"/>
-              <a:t>8/27/2021</a:t>
+              <a:t>8/28/2021</a:t>
             </a:fld>
             <a:endParaRPr lang="en-US" dirty="0"/>
           </a:p>
@@ -1496,7 +1496,7 @@
           <a:p>
             <a:fld id="{FF5E1AB6-45CD-421A-B6C0-E4D4EAFC2CDC}" type="datetimeFigureOut">
               <a:rPr lang="en-US" smtClean="0"/>
-              <a:t>8/27/2021</a:t>
+              <a:t>8/28/2021</a:t>
             </a:fld>
             <a:endParaRPr lang="en-US" dirty="0"/>
           </a:p>
@@ -1761,7 +1761,7 @@
           <a:p>
             <a:fld id="{FF5E1AB6-45CD-421A-B6C0-E4D4EAFC2CDC}" type="datetimeFigureOut">
               <a:rPr lang="en-US" smtClean="0"/>
-              <a:t>8/27/2021</a:t>
+              <a:t>8/28/2021</a:t>
             </a:fld>
             <a:endParaRPr lang="en-US" dirty="0"/>
           </a:p>
@@ -2173,7 +2173,7 @@
           <a:p>
             <a:fld id="{FF5E1AB6-45CD-421A-B6C0-E4D4EAFC2CDC}" type="datetimeFigureOut">
               <a:rPr lang="en-US" smtClean="0"/>
-              <a:t>8/27/2021</a:t>
+              <a:t>8/28/2021</a:t>
             </a:fld>
             <a:endParaRPr lang="en-US" dirty="0"/>
           </a:p>
@@ -2314,7 +2314,7 @@
           <a:p>
             <a:fld id="{FF5E1AB6-45CD-421A-B6C0-E4D4EAFC2CDC}" type="datetimeFigureOut">
               <a:rPr lang="en-US" smtClean="0"/>
-              <a:t>8/27/2021</a:t>
+              <a:t>8/28/2021</a:t>
             </a:fld>
             <a:endParaRPr lang="en-US" dirty="0"/>
           </a:p>
@@ -2427,7 +2427,7 @@
           <a:p>
             <a:fld id="{FF5E1AB6-45CD-421A-B6C0-E4D4EAFC2CDC}" type="datetimeFigureOut">
               <a:rPr lang="en-US" smtClean="0"/>
-              <a:t>8/27/2021</a:t>
+              <a:t>8/28/2021</a:t>
             </a:fld>
             <a:endParaRPr lang="en-US" dirty="0"/>
           </a:p>
@@ -2738,7 +2738,7 @@
           <a:p>
             <a:fld id="{FF5E1AB6-45CD-421A-B6C0-E4D4EAFC2CDC}" type="datetimeFigureOut">
               <a:rPr lang="en-US" smtClean="0"/>
-              <a:t>8/27/2021</a:t>
+              <a:t>8/28/2021</a:t>
             </a:fld>
             <a:endParaRPr lang="en-US" dirty="0"/>
           </a:p>
@@ -3026,7 +3026,7 @@
           <a:p>
             <a:fld id="{FF5E1AB6-45CD-421A-B6C0-E4D4EAFC2CDC}" type="datetimeFigureOut">
               <a:rPr lang="en-US" smtClean="0"/>
-              <a:t>8/27/2021</a:t>
+              <a:t>8/28/2021</a:t>
             </a:fld>
             <a:endParaRPr lang="en-US" dirty="0"/>
           </a:p>
@@ -3267,7 +3267,7 @@
           <a:p>
             <a:fld id="{FF5E1AB6-45CD-421A-B6C0-E4D4EAFC2CDC}" type="datetimeFigureOut">
               <a:rPr lang="en-US" smtClean="0"/>
-              <a:t>8/27/2021</a:t>
+              <a:t>8/28/2021</a:t>
             </a:fld>
             <a:endParaRPr lang="en-US" dirty="0"/>
           </a:p>
@@ -18243,6 +18243,286 @@
           </a:p>
         </p:txBody>
       </p:sp>
+      <p:sp>
+        <p:nvSpPr>
+          <p:cNvPr id="73" name="TextBox 72">
+            <a:extLst>
+              <a:ext uri="{FF2B5EF4-FFF2-40B4-BE49-F238E27FC236}">
+                <a16:creationId xmlns:a16="http://schemas.microsoft.com/office/drawing/2014/main" id="{39C74687-5125-4677-B2BC-5B417C5E086F}"/>
+              </a:ext>
+            </a:extLst>
+          </p:cNvPr>
+          <p:cNvSpPr txBox="1"/>
+          <p:nvPr/>
+        </p:nvSpPr>
+        <p:spPr>
+          <a:xfrm>
+            <a:off x="7185540" y="1635776"/>
+            <a:ext cx="502894" cy="369332"/>
+          </a:xfrm>
+          <a:prstGeom prst="rect">
+            <a:avLst/>
+          </a:prstGeom>
+          <a:noFill/>
+        </p:spPr>
+        <p:txBody>
+          <a:bodyPr wrap="square" rtlCol="0">
+            <a:spAutoFit/>
+          </a:bodyPr>
+          <a:lstStyle/>
+          <a:p>
+            <a:r>
+              <a:rPr lang="en-US" dirty="0"/>
+              <a:t>V1</a:t>
+            </a:r>
+          </a:p>
+        </p:txBody>
+      </p:sp>
+      <p:sp>
+        <p:nvSpPr>
+          <p:cNvPr id="74" name="TextBox 73">
+            <a:extLst>
+              <a:ext uri="{FF2B5EF4-FFF2-40B4-BE49-F238E27FC236}">
+                <a16:creationId xmlns:a16="http://schemas.microsoft.com/office/drawing/2014/main" id="{2104C349-3198-4C0C-9383-9D24D86E0F4C}"/>
+              </a:ext>
+            </a:extLst>
+          </p:cNvPr>
+          <p:cNvSpPr txBox="1"/>
+          <p:nvPr/>
+        </p:nvSpPr>
+        <p:spPr>
+          <a:xfrm>
+            <a:off x="7331143" y="2275640"/>
+            <a:ext cx="502894" cy="369332"/>
+          </a:xfrm>
+          <a:prstGeom prst="rect">
+            <a:avLst/>
+          </a:prstGeom>
+          <a:noFill/>
+        </p:spPr>
+        <p:txBody>
+          <a:bodyPr wrap="square" rtlCol="0">
+            <a:spAutoFit/>
+          </a:bodyPr>
+          <a:lstStyle/>
+          <a:p>
+            <a:r>
+              <a:rPr lang="en-US" dirty="0"/>
+              <a:t>V2</a:t>
+            </a:r>
+          </a:p>
+        </p:txBody>
+      </p:sp>
+      <p:sp>
+        <p:nvSpPr>
+          <p:cNvPr id="77" name="TextBox 76">
+            <a:extLst>
+              <a:ext uri="{FF2B5EF4-FFF2-40B4-BE49-F238E27FC236}">
+                <a16:creationId xmlns:a16="http://schemas.microsoft.com/office/drawing/2014/main" id="{CED4A8A1-C7AF-4F31-A68D-420B8E020DF5}"/>
+              </a:ext>
+            </a:extLst>
+          </p:cNvPr>
+          <p:cNvSpPr txBox="1"/>
+          <p:nvPr/>
+        </p:nvSpPr>
+        <p:spPr>
+          <a:xfrm>
+            <a:off x="8114288" y="2182284"/>
+            <a:ext cx="502894" cy="369332"/>
+          </a:xfrm>
+          <a:prstGeom prst="rect">
+            <a:avLst/>
+          </a:prstGeom>
+          <a:noFill/>
+        </p:spPr>
+        <p:txBody>
+          <a:bodyPr wrap="square" rtlCol="0">
+            <a:spAutoFit/>
+          </a:bodyPr>
+          <a:lstStyle/>
+          <a:p>
+            <a:r>
+              <a:rPr lang="en-US" dirty="0"/>
+              <a:t>V’3</a:t>
+            </a:r>
+          </a:p>
+        </p:txBody>
+      </p:sp>
+      <p:sp>
+        <p:nvSpPr>
+          <p:cNvPr id="79" name="TextBox 78">
+            <a:extLst>
+              <a:ext uri="{FF2B5EF4-FFF2-40B4-BE49-F238E27FC236}">
+                <a16:creationId xmlns:a16="http://schemas.microsoft.com/office/drawing/2014/main" id="{6DBC50EA-3271-4E57-88C2-7A7FC5D7DD92}"/>
+              </a:ext>
+            </a:extLst>
+          </p:cNvPr>
+          <p:cNvSpPr txBox="1"/>
+          <p:nvPr/>
+        </p:nvSpPr>
+        <p:spPr>
+          <a:xfrm>
+            <a:off x="7761420" y="2692154"/>
+            <a:ext cx="502894" cy="369332"/>
+          </a:xfrm>
+          <a:prstGeom prst="rect">
+            <a:avLst/>
+          </a:prstGeom>
+          <a:noFill/>
+        </p:spPr>
+        <p:txBody>
+          <a:bodyPr wrap="square" rtlCol="0">
+            <a:spAutoFit/>
+          </a:bodyPr>
+          <a:lstStyle/>
+          <a:p>
+            <a:r>
+              <a:rPr lang="en-US" dirty="0"/>
+              <a:t>V4</a:t>
+            </a:r>
+          </a:p>
+        </p:txBody>
+      </p:sp>
+      <p:sp>
+        <p:nvSpPr>
+          <p:cNvPr id="81" name="TextBox 80">
+            <a:extLst>
+              <a:ext uri="{FF2B5EF4-FFF2-40B4-BE49-F238E27FC236}">
+                <a16:creationId xmlns:a16="http://schemas.microsoft.com/office/drawing/2014/main" id="{BEE5486B-7259-4159-8304-F2A8886E5712}"/>
+              </a:ext>
+            </a:extLst>
+          </p:cNvPr>
+          <p:cNvSpPr txBox="1"/>
+          <p:nvPr/>
+        </p:nvSpPr>
+        <p:spPr>
+          <a:xfrm>
+            <a:off x="8203367" y="2872772"/>
+            <a:ext cx="502894" cy="369332"/>
+          </a:xfrm>
+          <a:prstGeom prst="rect">
+            <a:avLst/>
+          </a:prstGeom>
+          <a:noFill/>
+        </p:spPr>
+        <p:txBody>
+          <a:bodyPr wrap="square" rtlCol="0">
+            <a:spAutoFit/>
+          </a:bodyPr>
+          <a:lstStyle/>
+          <a:p>
+            <a:r>
+              <a:rPr lang="en-US" dirty="0"/>
+              <a:t>V’5</a:t>
+            </a:r>
+          </a:p>
+        </p:txBody>
+      </p:sp>
+      <p:sp>
+        <p:nvSpPr>
+          <p:cNvPr id="82" name="TextBox 81">
+            <a:extLst>
+              <a:ext uri="{FF2B5EF4-FFF2-40B4-BE49-F238E27FC236}">
+                <a16:creationId xmlns:a16="http://schemas.microsoft.com/office/drawing/2014/main" id="{5E9C1373-0FA7-4F30-AEE6-37B9DFF23206}"/>
+              </a:ext>
+            </a:extLst>
+          </p:cNvPr>
+          <p:cNvSpPr txBox="1"/>
+          <p:nvPr/>
+        </p:nvSpPr>
+        <p:spPr>
+          <a:xfrm>
+            <a:off x="8059244" y="3211424"/>
+            <a:ext cx="502894" cy="369332"/>
+          </a:xfrm>
+          <a:prstGeom prst="rect">
+            <a:avLst/>
+          </a:prstGeom>
+          <a:noFill/>
+        </p:spPr>
+        <p:txBody>
+          <a:bodyPr wrap="square" rtlCol="0">
+            <a:spAutoFit/>
+          </a:bodyPr>
+          <a:lstStyle/>
+          <a:p>
+            <a:r>
+              <a:rPr lang="en-US" dirty="0"/>
+              <a:t>V’3</a:t>
+            </a:r>
+          </a:p>
+        </p:txBody>
+      </p:sp>
+      <p:sp>
+        <p:nvSpPr>
+          <p:cNvPr id="83" name="TextBox 82">
+            <a:extLst>
+              <a:ext uri="{FF2B5EF4-FFF2-40B4-BE49-F238E27FC236}">
+                <a16:creationId xmlns:a16="http://schemas.microsoft.com/office/drawing/2014/main" id="{48458C72-3C00-444E-B08F-1042EBA075C9}"/>
+              </a:ext>
+            </a:extLst>
+          </p:cNvPr>
+          <p:cNvSpPr txBox="1"/>
+          <p:nvPr/>
+        </p:nvSpPr>
+        <p:spPr>
+          <a:xfrm>
+            <a:off x="7694068" y="3747931"/>
+            <a:ext cx="502894" cy="369332"/>
+          </a:xfrm>
+          <a:prstGeom prst="rect">
+            <a:avLst/>
+          </a:prstGeom>
+          <a:noFill/>
+        </p:spPr>
+        <p:txBody>
+          <a:bodyPr wrap="square" rtlCol="0">
+            <a:spAutoFit/>
+          </a:bodyPr>
+          <a:lstStyle/>
+          <a:p>
+            <a:r>
+              <a:rPr lang="en-US" dirty="0"/>
+              <a:t>V4</a:t>
+            </a:r>
+          </a:p>
+        </p:txBody>
+      </p:sp>
+      <p:sp>
+        <p:nvSpPr>
+          <p:cNvPr id="84" name="TextBox 83">
+            <a:extLst>
+              <a:ext uri="{FF2B5EF4-FFF2-40B4-BE49-F238E27FC236}">
+                <a16:creationId xmlns:a16="http://schemas.microsoft.com/office/drawing/2014/main" id="{FBA1FEDE-EDB8-4403-9610-0375B6DBC8A0}"/>
+              </a:ext>
+            </a:extLst>
+          </p:cNvPr>
+          <p:cNvSpPr txBox="1"/>
+          <p:nvPr/>
+        </p:nvSpPr>
+        <p:spPr>
+          <a:xfrm>
+            <a:off x="8214813" y="3534331"/>
+            <a:ext cx="502894" cy="369332"/>
+          </a:xfrm>
+          <a:prstGeom prst="rect">
+            <a:avLst/>
+          </a:prstGeom>
+          <a:noFill/>
+        </p:spPr>
+        <p:txBody>
+          <a:bodyPr wrap="square" rtlCol="0">
+            <a:spAutoFit/>
+          </a:bodyPr>
+          <a:lstStyle/>
+          <a:p>
+            <a:r>
+              <a:rPr lang="en-US" dirty="0"/>
+              <a:t>V’5</a:t>
+            </a:r>
+          </a:p>
+        </p:txBody>
+      </p:sp>
     </p:spTree>
     <p:extLst>
       <p:ext uri="{BB962C8B-B14F-4D97-AF65-F5344CB8AC3E}">

--- a/Figures.pptx
+++ b/Figures.pptx
@@ -15826,84 +15826,6 @@
       </p:sp>
       <p:cxnSp>
         <p:nvCxnSpPr>
-          <p:cNvPr id="75" name="Straight Arrow Connector 74">
-            <a:extLst>
-              <a:ext uri="{FF2B5EF4-FFF2-40B4-BE49-F238E27FC236}">
-                <a16:creationId xmlns:a16="http://schemas.microsoft.com/office/drawing/2014/main" id="{1E26547B-40D7-4EC9-A296-9A275442F3A1}"/>
-              </a:ext>
-            </a:extLst>
-          </p:cNvPr>
-          <p:cNvCxnSpPr/>
-          <p:nvPr/>
-        </p:nvCxnSpPr>
-        <p:spPr>
-          <a:xfrm flipV="1">
-            <a:off x="4593895" y="3801792"/>
-            <a:ext cx="332860" cy="2649"/>
-          </a:xfrm>
-          <a:prstGeom prst="straightConnector1">
-            <a:avLst/>
-          </a:prstGeom>
-          <a:ln w="25400">
-            <a:tailEnd type="triangle"/>
-          </a:ln>
-        </p:spPr>
-        <p:style>
-          <a:lnRef idx="1">
-            <a:schemeClr val="accent1"/>
-          </a:lnRef>
-          <a:fillRef idx="0">
-            <a:schemeClr val="accent1"/>
-          </a:fillRef>
-          <a:effectRef idx="0">
-            <a:schemeClr val="accent1"/>
-          </a:effectRef>
-          <a:fontRef idx="minor">
-            <a:schemeClr val="tx1"/>
-          </a:fontRef>
-        </p:style>
-      </p:cxnSp>
-      <p:cxnSp>
-        <p:nvCxnSpPr>
-          <p:cNvPr id="76" name="Straight Arrow Connector 75">
-            <a:extLst>
-              <a:ext uri="{FF2B5EF4-FFF2-40B4-BE49-F238E27FC236}">
-                <a16:creationId xmlns:a16="http://schemas.microsoft.com/office/drawing/2014/main" id="{79185833-1F06-46BC-B258-D8B677D60BAF}"/>
-              </a:ext>
-            </a:extLst>
-          </p:cNvPr>
-          <p:cNvCxnSpPr/>
-          <p:nvPr/>
-        </p:nvCxnSpPr>
-        <p:spPr>
-          <a:xfrm flipV="1">
-            <a:off x="4596193" y="2089592"/>
-            <a:ext cx="332860" cy="2649"/>
-          </a:xfrm>
-          <a:prstGeom prst="straightConnector1">
-            <a:avLst/>
-          </a:prstGeom>
-          <a:ln w="25400">
-            <a:tailEnd type="triangle"/>
-          </a:ln>
-        </p:spPr>
-        <p:style>
-          <a:lnRef idx="1">
-            <a:schemeClr val="accent1"/>
-          </a:lnRef>
-          <a:fillRef idx="0">
-            <a:schemeClr val="accent1"/>
-          </a:fillRef>
-          <a:effectRef idx="0">
-            <a:schemeClr val="accent1"/>
-          </a:effectRef>
-          <a:fontRef idx="minor">
-            <a:schemeClr val="tx1"/>
-          </a:fontRef>
-        </p:style>
-      </p:cxnSp>
-      <p:cxnSp>
-        <p:nvCxnSpPr>
           <p:cNvPr id="78" name="Straight Arrow Connector 77">
             <a:extLst>
               <a:ext uri="{FF2B5EF4-FFF2-40B4-BE49-F238E27FC236}">
@@ -16128,7 +16050,7 @@
         <p:spPr>
           <a:xfrm>
             <a:off x="110304" y="3670987"/>
-            <a:ext cx="1890669" cy="261610"/>
+            <a:ext cx="1951197" cy="261610"/>
           </a:xfrm>
           <a:prstGeom prst="rect">
             <a:avLst/>
@@ -16151,7 +16073,7 @@
                 <a:latin typeface="Courier New" panose="02070309020205020404" pitchFamily="49" charset="0"/>
                 <a:cs typeface="Courier New" panose="02070309020205020404" pitchFamily="49" charset="0"/>
               </a:rPr>
-              <a:t>If (dataset != null)</a:t>
+              <a:t>If (dataset != null)…</a:t>
             </a:r>
           </a:p>
         </p:txBody>
@@ -16170,7 +16092,7 @@
         </p:nvSpPr>
         <p:spPr>
           <a:xfrm>
-            <a:off x="57391" y="3967833"/>
+            <a:off x="92799" y="3946339"/>
             <a:ext cx="2019300" cy="369332"/>
           </a:xfrm>
           <a:prstGeom prst="rect">
@@ -17039,10 +16961,10 @@
       </p:cxnSp>
       <p:grpSp>
         <p:nvGrpSpPr>
-          <p:cNvPr id="112" name="Group 111">
-            <a:extLst>
-              <a:ext uri="{FF2B5EF4-FFF2-40B4-BE49-F238E27FC236}">
-                <a16:creationId xmlns:a16="http://schemas.microsoft.com/office/drawing/2014/main" id="{44BDE4B8-D26A-4B71-93B6-356B2438C35F}"/>
+          <p:cNvPr id="98" name="Group 97">
+            <a:extLst>
+              <a:ext uri="{FF2B5EF4-FFF2-40B4-BE49-F238E27FC236}">
+                <a16:creationId xmlns:a16="http://schemas.microsoft.com/office/drawing/2014/main" id="{7A60005C-BF80-4A5F-B7FC-0DB985BA956C}"/>
               </a:ext>
             </a:extLst>
           </p:cNvPr>
@@ -17051,484 +16973,18 @@
         </p:nvGrpSpPr>
         <p:grpSpPr>
           <a:xfrm>
-            <a:off x="7214290" y="1610259"/>
-            <a:ext cx="1507902" cy="1308686"/>
-            <a:chOff x="7214290" y="1610259"/>
-            <a:chExt cx="1507902" cy="1308686"/>
+            <a:off x="7214290" y="1713617"/>
+            <a:ext cx="1151848" cy="1191101"/>
+            <a:chOff x="3473450" y="1362075"/>
+            <a:chExt cx="1151848" cy="1191101"/>
           </a:xfrm>
         </p:grpSpPr>
-        <p:grpSp>
-          <p:nvGrpSpPr>
-            <p:cNvPr id="110" name="Group 109">
+        <p:sp>
+          <p:nvSpPr>
+            <p:cNvPr id="100" name="Oval 99">
               <a:extLst>
                 <a:ext uri="{FF2B5EF4-FFF2-40B4-BE49-F238E27FC236}">
-                  <a16:creationId xmlns:a16="http://schemas.microsoft.com/office/drawing/2014/main" id="{5D771EF3-42E6-4AA0-9AAB-BB8F8FFD12EC}"/>
-                </a:ext>
-              </a:extLst>
-            </p:cNvPr>
-            <p:cNvGrpSpPr/>
-            <p:nvPr/>
-          </p:nvGrpSpPr>
-          <p:grpSpPr>
-            <a:xfrm>
-              <a:off x="7214290" y="1610259"/>
-              <a:ext cx="1507902" cy="1294459"/>
-              <a:chOff x="7214290" y="1610259"/>
-              <a:chExt cx="1507902" cy="1294459"/>
-            </a:xfrm>
-          </p:grpSpPr>
-          <p:grpSp>
-            <p:nvGrpSpPr>
-              <p:cNvPr id="98" name="Group 97">
-                <a:extLst>
-                  <a:ext uri="{FF2B5EF4-FFF2-40B4-BE49-F238E27FC236}">
-                    <a16:creationId xmlns:a16="http://schemas.microsoft.com/office/drawing/2014/main" id="{7A60005C-BF80-4A5F-B7FC-0DB985BA956C}"/>
-                  </a:ext>
-                </a:extLst>
-              </p:cNvPr>
-              <p:cNvGrpSpPr/>
-              <p:nvPr/>
-            </p:nvGrpSpPr>
-            <p:grpSpPr>
-              <a:xfrm>
-                <a:off x="7214290" y="1713617"/>
-                <a:ext cx="1151848" cy="1191101"/>
-                <a:chOff x="3473450" y="1362075"/>
-                <a:chExt cx="1151848" cy="1191101"/>
-              </a:xfrm>
-            </p:grpSpPr>
-            <p:sp>
-              <p:nvSpPr>
-                <p:cNvPr id="100" name="Oval 99">
-                  <a:extLst>
-                    <a:ext uri="{FF2B5EF4-FFF2-40B4-BE49-F238E27FC236}">
-                      <a16:creationId xmlns:a16="http://schemas.microsoft.com/office/drawing/2014/main" id="{37825BF5-8DF9-4C40-949A-C43DDCA6E08C}"/>
-                    </a:ext>
-                  </a:extLst>
-                </p:cNvPr>
-                <p:cNvSpPr/>
-                <p:nvPr/>
-              </p:nvSpPr>
-              <p:spPr>
-                <a:xfrm>
-                  <a:off x="3841750" y="1362075"/>
-                  <a:ext cx="190500" cy="190500"/>
-                </a:xfrm>
-                <a:prstGeom prst="ellipse">
-                  <a:avLst/>
-                </a:prstGeom>
-                <a:solidFill>
-                  <a:schemeClr val="accent6">
-                    <a:lumMod val="40000"/>
-                    <a:lumOff val="60000"/>
-                  </a:schemeClr>
-                </a:solidFill>
-                <a:ln>
-                  <a:solidFill>
-                    <a:schemeClr val="accent6">
-                      <a:lumMod val="75000"/>
-                    </a:schemeClr>
-                  </a:solidFill>
-                </a:ln>
-              </p:spPr>
-              <p:style>
-                <a:lnRef idx="2">
-                  <a:schemeClr val="accent1">
-                    <a:shade val="50000"/>
-                  </a:schemeClr>
-                </a:lnRef>
-                <a:fillRef idx="1">
-                  <a:schemeClr val="accent1"/>
-                </a:fillRef>
-                <a:effectRef idx="0">
-                  <a:schemeClr val="accent1"/>
-                </a:effectRef>
-                <a:fontRef idx="minor">
-                  <a:schemeClr val="lt1"/>
-                </a:fontRef>
-              </p:style>
-              <p:txBody>
-                <a:bodyPr rtlCol="0" anchor="ctr"/>
-                <a:lstStyle/>
-                <a:p>
-                  <a:pPr algn="ctr"/>
-                  <a:endParaRPr lang="en-US"/>
-                </a:p>
-              </p:txBody>
-            </p:sp>
-            <p:sp>
-              <p:nvSpPr>
-                <p:cNvPr id="101" name="Oval 100">
-                  <a:extLst>
-                    <a:ext uri="{FF2B5EF4-FFF2-40B4-BE49-F238E27FC236}">
-                      <a16:creationId xmlns:a16="http://schemas.microsoft.com/office/drawing/2014/main" id="{4135860D-F88C-4583-85F5-57509D219125}"/>
-                    </a:ext>
-                  </a:extLst>
-                </p:cNvPr>
-                <p:cNvSpPr/>
-                <p:nvPr/>
-              </p:nvSpPr>
-              <p:spPr>
-                <a:xfrm>
-                  <a:off x="3473450" y="1869281"/>
-                  <a:ext cx="190500" cy="190500"/>
-                </a:xfrm>
-                <a:prstGeom prst="ellipse">
-                  <a:avLst/>
-                </a:prstGeom>
-                <a:solidFill>
-                  <a:schemeClr val="accent6">
-                    <a:lumMod val="40000"/>
-                    <a:lumOff val="60000"/>
-                  </a:schemeClr>
-                </a:solidFill>
-                <a:ln>
-                  <a:solidFill>
-                    <a:schemeClr val="accent6">
-                      <a:lumMod val="75000"/>
-                    </a:schemeClr>
-                  </a:solidFill>
-                </a:ln>
-              </p:spPr>
-              <p:style>
-                <a:lnRef idx="2">
-                  <a:schemeClr val="accent1">
-                    <a:shade val="50000"/>
-                  </a:schemeClr>
-                </a:lnRef>
-                <a:fillRef idx="1">
-                  <a:schemeClr val="accent1"/>
-                </a:fillRef>
-                <a:effectRef idx="0">
-                  <a:schemeClr val="accent1"/>
-                </a:effectRef>
-                <a:fontRef idx="minor">
-                  <a:schemeClr val="lt1"/>
-                </a:fontRef>
-              </p:style>
-              <p:txBody>
-                <a:bodyPr rtlCol="0" anchor="ctr"/>
-                <a:lstStyle/>
-                <a:p>
-                  <a:pPr algn="ctr"/>
-                  <a:endParaRPr lang="en-US"/>
-                </a:p>
-              </p:txBody>
-            </p:sp>
-            <p:sp>
-              <p:nvSpPr>
-                <p:cNvPr id="103" name="Oval 102">
-                  <a:extLst>
-                    <a:ext uri="{FF2B5EF4-FFF2-40B4-BE49-F238E27FC236}">
-                      <a16:creationId xmlns:a16="http://schemas.microsoft.com/office/drawing/2014/main" id="{CD343876-6D97-4973-A25E-7CF146F9F827}"/>
-                    </a:ext>
-                  </a:extLst>
-                </p:cNvPr>
-                <p:cNvSpPr/>
-                <p:nvPr/>
-              </p:nvSpPr>
-              <p:spPr>
-                <a:xfrm>
-                  <a:off x="3841750" y="2362676"/>
-                  <a:ext cx="190500" cy="190500"/>
-                </a:xfrm>
-                <a:prstGeom prst="ellipse">
-                  <a:avLst/>
-                </a:prstGeom>
-                <a:solidFill>
-                  <a:schemeClr val="accent6">
-                    <a:lumMod val="40000"/>
-                    <a:lumOff val="60000"/>
-                  </a:schemeClr>
-                </a:solidFill>
-                <a:ln>
-                  <a:solidFill>
-                    <a:schemeClr val="accent6">
-                      <a:lumMod val="75000"/>
-                    </a:schemeClr>
-                  </a:solidFill>
-                </a:ln>
-              </p:spPr>
-              <p:style>
-                <a:lnRef idx="2">
-                  <a:schemeClr val="accent1">
-                    <a:shade val="50000"/>
-                  </a:schemeClr>
-                </a:lnRef>
-                <a:fillRef idx="1">
-                  <a:schemeClr val="accent1"/>
-                </a:fillRef>
-                <a:effectRef idx="0">
-                  <a:schemeClr val="accent1"/>
-                </a:effectRef>
-                <a:fontRef idx="minor">
-                  <a:schemeClr val="lt1"/>
-                </a:fontRef>
-              </p:style>
-              <p:txBody>
-                <a:bodyPr rtlCol="0" anchor="ctr"/>
-                <a:lstStyle/>
-                <a:p>
-                  <a:pPr algn="ctr"/>
-                  <a:endParaRPr lang="en-US"/>
-                </a:p>
-              </p:txBody>
-            </p:sp>
-            <p:cxnSp>
-              <p:nvCxnSpPr>
-                <p:cNvPr id="105" name="Straight Arrow Connector 104">
-                  <a:extLst>
-                    <a:ext uri="{FF2B5EF4-FFF2-40B4-BE49-F238E27FC236}">
-                      <a16:creationId xmlns:a16="http://schemas.microsoft.com/office/drawing/2014/main" id="{47896730-4B6E-4D6F-9D0F-773801307D90}"/>
-                    </a:ext>
-                  </a:extLst>
-                </p:cNvPr>
-                <p:cNvCxnSpPr>
-                  <a:stCxn id="100" idx="3"/>
-                  <a:endCxn id="101" idx="6"/>
-                </p:cNvCxnSpPr>
-                <p:nvPr/>
-              </p:nvCxnSpPr>
-              <p:spPr>
-                <a:xfrm flipH="1">
-                  <a:off x="3636052" y="1524677"/>
-                  <a:ext cx="233596" cy="372502"/>
-                </a:xfrm>
-                <a:prstGeom prst="straightConnector1">
-                  <a:avLst/>
-                </a:prstGeom>
-                <a:ln w="25400">
-                  <a:tailEnd type="triangle"/>
-                </a:ln>
-              </p:spPr>
-              <p:style>
-                <a:lnRef idx="1">
-                  <a:schemeClr val="accent1"/>
-                </a:lnRef>
-                <a:fillRef idx="0">
-                  <a:schemeClr val="accent1"/>
-                </a:fillRef>
-                <a:effectRef idx="0">
-                  <a:schemeClr val="accent1"/>
-                </a:effectRef>
-                <a:fontRef idx="minor">
-                  <a:schemeClr val="tx1"/>
-                </a:fontRef>
-              </p:style>
-            </p:cxnSp>
-            <p:cxnSp>
-              <p:nvCxnSpPr>
-                <p:cNvPr id="106" name="Straight Arrow Connector 105">
-                  <a:extLst>
-                    <a:ext uri="{FF2B5EF4-FFF2-40B4-BE49-F238E27FC236}">
-                      <a16:creationId xmlns:a16="http://schemas.microsoft.com/office/drawing/2014/main" id="{D71847B8-D3B4-4C67-AE56-3D95F4A01658}"/>
-                    </a:ext>
-                  </a:extLst>
-                </p:cNvPr>
-                <p:cNvCxnSpPr>
-                  <a:cxnSpLocks/>
-                  <a:stCxn id="100" idx="5"/>
-                </p:cNvCxnSpPr>
-                <p:nvPr/>
-              </p:nvCxnSpPr>
-              <p:spPr>
-                <a:xfrm>
-                  <a:off x="4004352" y="1524677"/>
-                  <a:ext cx="246296" cy="372502"/>
-                </a:xfrm>
-                <a:prstGeom prst="straightConnector1">
-                  <a:avLst/>
-                </a:prstGeom>
-                <a:ln w="25400">
-                  <a:tailEnd type="triangle"/>
-                </a:ln>
-              </p:spPr>
-              <p:style>
-                <a:lnRef idx="1">
-                  <a:schemeClr val="accent1"/>
-                </a:lnRef>
-                <a:fillRef idx="0">
-                  <a:schemeClr val="accent1"/>
-                </a:fillRef>
-                <a:effectRef idx="0">
-                  <a:schemeClr val="accent1"/>
-                </a:effectRef>
-                <a:fontRef idx="minor">
-                  <a:schemeClr val="tx1"/>
-                </a:fontRef>
-              </p:style>
-            </p:cxnSp>
-            <p:cxnSp>
-              <p:nvCxnSpPr>
-                <p:cNvPr id="107" name="Straight Arrow Connector 106">
-                  <a:extLst>
-                    <a:ext uri="{FF2B5EF4-FFF2-40B4-BE49-F238E27FC236}">
-                      <a16:creationId xmlns:a16="http://schemas.microsoft.com/office/drawing/2014/main" id="{418EA2D4-3D5F-4CD9-B8F9-C667C7A4B08D}"/>
-                    </a:ext>
-                  </a:extLst>
-                </p:cNvPr>
-                <p:cNvCxnSpPr>
-                  <a:cxnSpLocks/>
-                  <a:endCxn id="103" idx="7"/>
-                </p:cNvCxnSpPr>
-                <p:nvPr/>
-              </p:nvCxnSpPr>
-              <p:spPr>
-                <a:xfrm flipH="1">
-                  <a:off x="4004352" y="2031883"/>
-                  <a:ext cx="246296" cy="358691"/>
-                </a:xfrm>
-                <a:prstGeom prst="straightConnector1">
-                  <a:avLst/>
-                </a:prstGeom>
-                <a:ln w="25400">
-                  <a:tailEnd type="triangle"/>
-                </a:ln>
-              </p:spPr>
-              <p:style>
-                <a:lnRef idx="1">
-                  <a:schemeClr val="accent1"/>
-                </a:lnRef>
-                <a:fillRef idx="0">
-                  <a:schemeClr val="accent1"/>
-                </a:fillRef>
-                <a:effectRef idx="0">
-                  <a:schemeClr val="accent1"/>
-                </a:effectRef>
-                <a:fontRef idx="minor">
-                  <a:schemeClr val="tx1"/>
-                </a:fontRef>
-              </p:style>
-            </p:cxnSp>
-            <p:cxnSp>
-              <p:nvCxnSpPr>
-                <p:cNvPr id="108" name="Straight Arrow Connector 107">
-                  <a:extLst>
-                    <a:ext uri="{FF2B5EF4-FFF2-40B4-BE49-F238E27FC236}">
-                      <a16:creationId xmlns:a16="http://schemas.microsoft.com/office/drawing/2014/main" id="{870D8B2F-0C38-4196-9F2F-2E9766576409}"/>
-                    </a:ext>
-                  </a:extLst>
-                </p:cNvPr>
-                <p:cNvCxnSpPr>
-                  <a:cxnSpLocks/>
-                </p:cNvCxnSpPr>
-                <p:nvPr/>
-              </p:nvCxnSpPr>
-              <p:spPr>
-                <a:xfrm>
-                  <a:off x="4385352" y="2031883"/>
-                  <a:ext cx="239946" cy="358691"/>
-                </a:xfrm>
-                <a:prstGeom prst="straightConnector1">
-                  <a:avLst/>
-                </a:prstGeom>
-                <a:ln w="25400">
-                  <a:solidFill>
-                    <a:srgbClr val="0070C0"/>
-                  </a:solidFill>
-                  <a:tailEnd type="triangle"/>
-                </a:ln>
-              </p:spPr>
-              <p:style>
-                <a:lnRef idx="1">
-                  <a:schemeClr val="accent1"/>
-                </a:lnRef>
-                <a:fillRef idx="0">
-                  <a:schemeClr val="accent1"/>
-                </a:fillRef>
-                <a:effectRef idx="0">
-                  <a:schemeClr val="accent1"/>
-                </a:effectRef>
-                <a:fontRef idx="minor">
-                  <a:schemeClr val="tx1"/>
-                </a:fontRef>
-              </p:style>
-            </p:cxnSp>
-          </p:grpSp>
-          <p:sp>
-            <p:nvSpPr>
-              <p:cNvPr id="99" name="TextBox 98">
-                <a:extLst>
-                  <a:ext uri="{FF2B5EF4-FFF2-40B4-BE49-F238E27FC236}">
-                    <a16:creationId xmlns:a16="http://schemas.microsoft.com/office/drawing/2014/main" id="{7C73FF0B-17B1-415B-940F-71BD1A376589}"/>
-                  </a:ext>
-                </a:extLst>
-              </p:cNvPr>
-              <p:cNvSpPr txBox="1"/>
-              <p:nvPr/>
-            </p:nvSpPr>
-            <p:spPr>
-              <a:xfrm>
-                <a:off x="8000792" y="1610259"/>
-                <a:ext cx="721400" cy="646331"/>
-              </a:xfrm>
-              <a:prstGeom prst="rect">
-                <a:avLst/>
-              </a:prstGeom>
-              <a:noFill/>
-            </p:spPr>
-            <p:txBody>
-              <a:bodyPr wrap="square" rtlCol="0">
-                <a:spAutoFit/>
-              </a:bodyPr>
-              <a:lstStyle/>
-              <a:p>
-                <a:r>
-                  <a:rPr lang="en-US" dirty="0"/>
-                  <a:t>Fixed AST</a:t>
-                </a:r>
-              </a:p>
-            </p:txBody>
-          </p:sp>
-          <p:cxnSp>
-            <p:nvCxnSpPr>
-              <p:cNvPr id="97" name="Straight Arrow Connector 96">
-                <a:extLst>
-                  <a:ext uri="{FF2B5EF4-FFF2-40B4-BE49-F238E27FC236}">
-                    <a16:creationId xmlns:a16="http://schemas.microsoft.com/office/drawing/2014/main" id="{55317DA4-035D-45BC-9EEA-D63B59815E1F}"/>
-                  </a:ext>
-                </a:extLst>
-              </p:cNvPr>
-              <p:cNvCxnSpPr>
-                <a:cxnSpLocks/>
-                <a:stCxn id="100" idx="4"/>
-              </p:cNvCxnSpPr>
-              <p:nvPr/>
-            </p:nvCxnSpPr>
-            <p:spPr>
-              <a:xfrm>
-                <a:off x="7677840" y="1904117"/>
-                <a:ext cx="0" cy="353860"/>
-              </a:xfrm>
-              <a:prstGeom prst="straightConnector1">
-                <a:avLst/>
-              </a:prstGeom>
-              <a:ln w="12700">
-                <a:tailEnd type="triangle"/>
-              </a:ln>
-            </p:spPr>
-            <p:style>
-              <a:lnRef idx="1">
-                <a:schemeClr val="accent1"/>
-              </a:lnRef>
-              <a:fillRef idx="0">
-                <a:schemeClr val="accent1"/>
-              </a:fillRef>
-              <a:effectRef idx="0">
-                <a:schemeClr val="accent1"/>
-              </a:effectRef>
-              <a:fontRef idx="minor">
-                <a:schemeClr val="tx1"/>
-              </a:fontRef>
-            </p:style>
-          </p:cxnSp>
-        </p:grpSp>
-        <p:sp>
-          <p:nvSpPr>
-            <p:cNvPr id="113" name="Oval 112">
-              <a:extLst>
-                <a:ext uri="{FF2B5EF4-FFF2-40B4-BE49-F238E27FC236}">
-                  <a16:creationId xmlns:a16="http://schemas.microsoft.com/office/drawing/2014/main" id="{41FEBBB0-0CA4-446E-A301-66AFE2A021D3}"/>
+                  <a16:creationId xmlns:a16="http://schemas.microsoft.com/office/drawing/2014/main" id="{37825BF5-8DF9-4C40-949A-C43DDCA6E08C}"/>
                 </a:ext>
               </a:extLst>
             </p:cNvPr>
@@ -17537,7 +16993,7 @@
           </p:nvSpPr>
           <p:spPr>
             <a:xfrm>
-              <a:off x="7958092" y="2216320"/>
+              <a:off x="3841750" y="1362075"/>
               <a:ext cx="190500" cy="190500"/>
             </a:xfrm>
             <a:prstGeom prst="ellipse">
@@ -17584,10 +17040,10 @@
         </p:sp>
         <p:sp>
           <p:nvSpPr>
-            <p:cNvPr id="114" name="Oval 113">
+            <p:cNvPr id="101" name="Oval 100">
               <a:extLst>
                 <a:ext uri="{FF2B5EF4-FFF2-40B4-BE49-F238E27FC236}">
-                  <a16:creationId xmlns:a16="http://schemas.microsoft.com/office/drawing/2014/main" id="{C16FEF62-917A-4417-95CB-1C6132E32A14}"/>
+                  <a16:creationId xmlns:a16="http://schemas.microsoft.com/office/drawing/2014/main" id="{4135860D-F88C-4583-85F5-57509D219125}"/>
                 </a:ext>
               </a:extLst>
             </p:cNvPr>
@@ -17596,7 +17052,7 @@
           </p:nvSpPr>
           <p:spPr>
             <a:xfrm>
-              <a:off x="8308436" y="2728445"/>
+              <a:off x="3473450" y="1869281"/>
               <a:ext cx="190500" cy="190500"/>
             </a:xfrm>
             <a:prstGeom prst="ellipse">
@@ -17641,7 +17097,431 @@
             </a:p>
           </p:txBody>
         </p:sp>
+        <p:sp>
+          <p:nvSpPr>
+            <p:cNvPr id="103" name="Oval 102">
+              <a:extLst>
+                <a:ext uri="{FF2B5EF4-FFF2-40B4-BE49-F238E27FC236}">
+                  <a16:creationId xmlns:a16="http://schemas.microsoft.com/office/drawing/2014/main" id="{CD343876-6D97-4973-A25E-7CF146F9F827}"/>
+                </a:ext>
+              </a:extLst>
+            </p:cNvPr>
+            <p:cNvSpPr/>
+            <p:nvPr/>
+          </p:nvSpPr>
+          <p:spPr>
+            <a:xfrm>
+              <a:off x="3841750" y="2362676"/>
+              <a:ext cx="190500" cy="190500"/>
+            </a:xfrm>
+            <a:prstGeom prst="ellipse">
+              <a:avLst/>
+            </a:prstGeom>
+            <a:solidFill>
+              <a:schemeClr val="accent6">
+                <a:lumMod val="40000"/>
+                <a:lumOff val="60000"/>
+              </a:schemeClr>
+            </a:solidFill>
+            <a:ln>
+              <a:solidFill>
+                <a:schemeClr val="accent6">
+                  <a:lumMod val="75000"/>
+                </a:schemeClr>
+              </a:solidFill>
+            </a:ln>
+          </p:spPr>
+          <p:style>
+            <a:lnRef idx="2">
+              <a:schemeClr val="accent1">
+                <a:shade val="50000"/>
+              </a:schemeClr>
+            </a:lnRef>
+            <a:fillRef idx="1">
+              <a:schemeClr val="accent1"/>
+            </a:fillRef>
+            <a:effectRef idx="0">
+              <a:schemeClr val="accent1"/>
+            </a:effectRef>
+            <a:fontRef idx="minor">
+              <a:schemeClr val="lt1"/>
+            </a:fontRef>
+          </p:style>
+          <p:txBody>
+            <a:bodyPr rtlCol="0" anchor="ctr"/>
+            <a:lstStyle/>
+            <a:p>
+              <a:pPr algn="ctr"/>
+              <a:endParaRPr lang="en-US"/>
+            </a:p>
+          </p:txBody>
+        </p:sp>
+        <p:cxnSp>
+          <p:nvCxnSpPr>
+            <p:cNvPr id="105" name="Straight Arrow Connector 104">
+              <a:extLst>
+                <a:ext uri="{FF2B5EF4-FFF2-40B4-BE49-F238E27FC236}">
+                  <a16:creationId xmlns:a16="http://schemas.microsoft.com/office/drawing/2014/main" id="{47896730-4B6E-4D6F-9D0F-773801307D90}"/>
+                </a:ext>
+              </a:extLst>
+            </p:cNvPr>
+            <p:cNvCxnSpPr>
+              <a:stCxn id="100" idx="3"/>
+              <a:endCxn id="101" idx="6"/>
+            </p:cNvCxnSpPr>
+            <p:nvPr/>
+          </p:nvCxnSpPr>
+          <p:spPr>
+            <a:xfrm flipH="1">
+              <a:off x="3636052" y="1524677"/>
+              <a:ext cx="233596" cy="372502"/>
+            </a:xfrm>
+            <a:prstGeom prst="straightConnector1">
+              <a:avLst/>
+            </a:prstGeom>
+            <a:ln w="25400">
+              <a:tailEnd type="triangle"/>
+            </a:ln>
+          </p:spPr>
+          <p:style>
+            <a:lnRef idx="1">
+              <a:schemeClr val="accent1"/>
+            </a:lnRef>
+            <a:fillRef idx="0">
+              <a:schemeClr val="accent1"/>
+            </a:fillRef>
+            <a:effectRef idx="0">
+              <a:schemeClr val="accent1"/>
+            </a:effectRef>
+            <a:fontRef idx="minor">
+              <a:schemeClr val="tx1"/>
+            </a:fontRef>
+          </p:style>
+        </p:cxnSp>
+        <p:cxnSp>
+          <p:nvCxnSpPr>
+            <p:cNvPr id="106" name="Straight Arrow Connector 105">
+              <a:extLst>
+                <a:ext uri="{FF2B5EF4-FFF2-40B4-BE49-F238E27FC236}">
+                  <a16:creationId xmlns:a16="http://schemas.microsoft.com/office/drawing/2014/main" id="{D71847B8-D3B4-4C67-AE56-3D95F4A01658}"/>
+                </a:ext>
+              </a:extLst>
+            </p:cNvPr>
+            <p:cNvCxnSpPr>
+              <a:cxnSpLocks/>
+              <a:stCxn id="100" idx="5"/>
+            </p:cNvCxnSpPr>
+            <p:nvPr/>
+          </p:nvCxnSpPr>
+          <p:spPr>
+            <a:xfrm>
+              <a:off x="4004352" y="1524677"/>
+              <a:ext cx="246296" cy="372502"/>
+            </a:xfrm>
+            <a:prstGeom prst="straightConnector1">
+              <a:avLst/>
+            </a:prstGeom>
+            <a:ln w="25400">
+              <a:tailEnd type="triangle"/>
+            </a:ln>
+          </p:spPr>
+          <p:style>
+            <a:lnRef idx="1">
+              <a:schemeClr val="accent1"/>
+            </a:lnRef>
+            <a:fillRef idx="0">
+              <a:schemeClr val="accent1"/>
+            </a:fillRef>
+            <a:effectRef idx="0">
+              <a:schemeClr val="accent1"/>
+            </a:effectRef>
+            <a:fontRef idx="minor">
+              <a:schemeClr val="tx1"/>
+            </a:fontRef>
+          </p:style>
+        </p:cxnSp>
+        <p:cxnSp>
+          <p:nvCxnSpPr>
+            <p:cNvPr id="107" name="Straight Arrow Connector 106">
+              <a:extLst>
+                <a:ext uri="{FF2B5EF4-FFF2-40B4-BE49-F238E27FC236}">
+                  <a16:creationId xmlns:a16="http://schemas.microsoft.com/office/drawing/2014/main" id="{418EA2D4-3D5F-4CD9-B8F9-C667C7A4B08D}"/>
+                </a:ext>
+              </a:extLst>
+            </p:cNvPr>
+            <p:cNvCxnSpPr>
+              <a:cxnSpLocks/>
+              <a:endCxn id="103" idx="7"/>
+            </p:cNvCxnSpPr>
+            <p:nvPr/>
+          </p:nvCxnSpPr>
+          <p:spPr>
+            <a:xfrm flipH="1">
+              <a:off x="4004352" y="2031883"/>
+              <a:ext cx="246296" cy="358691"/>
+            </a:xfrm>
+            <a:prstGeom prst="straightConnector1">
+              <a:avLst/>
+            </a:prstGeom>
+            <a:ln w="25400">
+              <a:tailEnd type="triangle"/>
+            </a:ln>
+          </p:spPr>
+          <p:style>
+            <a:lnRef idx="1">
+              <a:schemeClr val="accent1"/>
+            </a:lnRef>
+            <a:fillRef idx="0">
+              <a:schemeClr val="accent1"/>
+            </a:fillRef>
+            <a:effectRef idx="0">
+              <a:schemeClr val="accent1"/>
+            </a:effectRef>
+            <a:fontRef idx="minor">
+              <a:schemeClr val="tx1"/>
+            </a:fontRef>
+          </p:style>
+        </p:cxnSp>
+        <p:cxnSp>
+          <p:nvCxnSpPr>
+            <p:cNvPr id="108" name="Straight Arrow Connector 107">
+              <a:extLst>
+                <a:ext uri="{FF2B5EF4-FFF2-40B4-BE49-F238E27FC236}">
+                  <a16:creationId xmlns:a16="http://schemas.microsoft.com/office/drawing/2014/main" id="{870D8B2F-0C38-4196-9F2F-2E9766576409}"/>
+                </a:ext>
+              </a:extLst>
+            </p:cNvPr>
+            <p:cNvCxnSpPr>
+              <a:cxnSpLocks/>
+            </p:cNvCxnSpPr>
+            <p:nvPr/>
+          </p:nvCxnSpPr>
+          <p:spPr>
+            <a:xfrm>
+              <a:off x="4385352" y="2031883"/>
+              <a:ext cx="239946" cy="358691"/>
+            </a:xfrm>
+            <a:prstGeom prst="straightConnector1">
+              <a:avLst/>
+            </a:prstGeom>
+            <a:ln w="25400">
+              <a:solidFill>
+                <a:srgbClr val="0070C0"/>
+              </a:solidFill>
+              <a:tailEnd type="triangle"/>
+            </a:ln>
+          </p:spPr>
+          <p:style>
+            <a:lnRef idx="1">
+              <a:schemeClr val="accent1"/>
+            </a:lnRef>
+            <a:fillRef idx="0">
+              <a:schemeClr val="accent1"/>
+            </a:fillRef>
+            <a:effectRef idx="0">
+              <a:schemeClr val="accent1"/>
+            </a:effectRef>
+            <a:fontRef idx="minor">
+              <a:schemeClr val="tx1"/>
+            </a:fontRef>
+          </p:style>
+        </p:cxnSp>
       </p:grpSp>
+      <p:sp>
+        <p:nvSpPr>
+          <p:cNvPr id="99" name="TextBox 98">
+            <a:extLst>
+              <a:ext uri="{FF2B5EF4-FFF2-40B4-BE49-F238E27FC236}">
+                <a16:creationId xmlns:a16="http://schemas.microsoft.com/office/drawing/2014/main" id="{7C73FF0B-17B1-415B-940F-71BD1A376589}"/>
+              </a:ext>
+            </a:extLst>
+          </p:cNvPr>
+          <p:cNvSpPr txBox="1"/>
+          <p:nvPr/>
+        </p:nvSpPr>
+        <p:spPr>
+          <a:xfrm>
+            <a:off x="8068143" y="1616361"/>
+            <a:ext cx="721400" cy="646331"/>
+          </a:xfrm>
+          <a:prstGeom prst="rect">
+            <a:avLst/>
+          </a:prstGeom>
+          <a:noFill/>
+        </p:spPr>
+        <p:txBody>
+          <a:bodyPr wrap="square" rtlCol="0">
+            <a:spAutoFit/>
+          </a:bodyPr>
+          <a:lstStyle/>
+          <a:p>
+            <a:r>
+              <a:rPr lang="en-US" dirty="0"/>
+              <a:t>Fixed AST</a:t>
+            </a:r>
+          </a:p>
+        </p:txBody>
+      </p:sp>
+      <p:cxnSp>
+        <p:nvCxnSpPr>
+          <p:cNvPr id="97" name="Straight Arrow Connector 96">
+            <a:extLst>
+              <a:ext uri="{FF2B5EF4-FFF2-40B4-BE49-F238E27FC236}">
+                <a16:creationId xmlns:a16="http://schemas.microsoft.com/office/drawing/2014/main" id="{55317DA4-035D-45BC-9EEA-D63B59815E1F}"/>
+              </a:ext>
+            </a:extLst>
+          </p:cNvPr>
+          <p:cNvCxnSpPr>
+            <a:cxnSpLocks/>
+            <a:stCxn id="100" idx="4"/>
+          </p:cNvCxnSpPr>
+          <p:nvPr/>
+        </p:nvCxnSpPr>
+        <p:spPr>
+          <a:xfrm>
+            <a:off x="7677840" y="1904117"/>
+            <a:ext cx="0" cy="353860"/>
+          </a:xfrm>
+          <a:prstGeom prst="straightConnector1">
+            <a:avLst/>
+          </a:prstGeom>
+          <a:ln w="12700">
+            <a:tailEnd type="triangle"/>
+          </a:ln>
+        </p:spPr>
+        <p:style>
+          <a:lnRef idx="1">
+            <a:schemeClr val="accent1"/>
+          </a:lnRef>
+          <a:fillRef idx="0">
+            <a:schemeClr val="accent1"/>
+          </a:fillRef>
+          <a:effectRef idx="0">
+            <a:schemeClr val="accent1"/>
+          </a:effectRef>
+          <a:fontRef idx="minor">
+            <a:schemeClr val="tx1"/>
+          </a:fontRef>
+        </p:style>
+      </p:cxnSp>
+      <p:sp>
+        <p:nvSpPr>
+          <p:cNvPr id="113" name="Oval 112">
+            <a:extLst>
+              <a:ext uri="{FF2B5EF4-FFF2-40B4-BE49-F238E27FC236}">
+                <a16:creationId xmlns:a16="http://schemas.microsoft.com/office/drawing/2014/main" id="{41FEBBB0-0CA4-446E-A301-66AFE2A021D3}"/>
+              </a:ext>
+            </a:extLst>
+          </p:cNvPr>
+          <p:cNvSpPr/>
+          <p:nvPr/>
+        </p:nvSpPr>
+        <p:spPr>
+          <a:xfrm>
+            <a:off x="7958092" y="2216320"/>
+            <a:ext cx="190500" cy="190500"/>
+          </a:xfrm>
+          <a:prstGeom prst="ellipse">
+            <a:avLst/>
+          </a:prstGeom>
+          <a:solidFill>
+            <a:schemeClr val="accent6">
+              <a:lumMod val="40000"/>
+              <a:lumOff val="60000"/>
+            </a:schemeClr>
+          </a:solidFill>
+          <a:ln>
+            <a:solidFill>
+              <a:schemeClr val="accent6">
+                <a:lumMod val="75000"/>
+              </a:schemeClr>
+            </a:solidFill>
+          </a:ln>
+        </p:spPr>
+        <p:style>
+          <a:lnRef idx="2">
+            <a:schemeClr val="accent1">
+              <a:shade val="50000"/>
+            </a:schemeClr>
+          </a:lnRef>
+          <a:fillRef idx="1">
+            <a:schemeClr val="accent1"/>
+          </a:fillRef>
+          <a:effectRef idx="0">
+            <a:schemeClr val="accent1"/>
+          </a:effectRef>
+          <a:fontRef idx="minor">
+            <a:schemeClr val="lt1"/>
+          </a:fontRef>
+        </p:style>
+        <p:txBody>
+          <a:bodyPr rtlCol="0" anchor="ctr"/>
+          <a:lstStyle/>
+          <a:p>
+            <a:pPr algn="ctr"/>
+            <a:endParaRPr lang="en-US"/>
+          </a:p>
+        </p:txBody>
+      </p:sp>
+      <p:sp>
+        <p:nvSpPr>
+          <p:cNvPr id="114" name="Oval 113">
+            <a:extLst>
+              <a:ext uri="{FF2B5EF4-FFF2-40B4-BE49-F238E27FC236}">
+                <a16:creationId xmlns:a16="http://schemas.microsoft.com/office/drawing/2014/main" id="{C16FEF62-917A-4417-95CB-1C6132E32A14}"/>
+              </a:ext>
+            </a:extLst>
+          </p:cNvPr>
+          <p:cNvSpPr/>
+          <p:nvPr/>
+        </p:nvSpPr>
+        <p:spPr>
+          <a:xfrm>
+            <a:off x="8308436" y="2728445"/>
+            <a:ext cx="190500" cy="190500"/>
+          </a:xfrm>
+          <a:prstGeom prst="ellipse">
+            <a:avLst/>
+          </a:prstGeom>
+          <a:solidFill>
+            <a:schemeClr val="accent6">
+              <a:lumMod val="40000"/>
+              <a:lumOff val="60000"/>
+            </a:schemeClr>
+          </a:solidFill>
+          <a:ln>
+            <a:solidFill>
+              <a:schemeClr val="accent6">
+                <a:lumMod val="75000"/>
+              </a:schemeClr>
+            </a:solidFill>
+          </a:ln>
+        </p:spPr>
+        <p:style>
+          <a:lnRef idx="2">
+            <a:schemeClr val="accent1">
+              <a:shade val="50000"/>
+            </a:schemeClr>
+          </a:lnRef>
+          <a:fillRef idx="1">
+            <a:schemeClr val="accent1"/>
+          </a:fillRef>
+          <a:effectRef idx="0">
+            <a:schemeClr val="accent1"/>
+          </a:effectRef>
+          <a:fontRef idx="minor">
+            <a:schemeClr val="lt1"/>
+          </a:fontRef>
+        </p:style>
+        <p:txBody>
+          <a:bodyPr rtlCol="0" anchor="ctr"/>
+          <a:lstStyle/>
+          <a:p>
+            <a:pPr algn="ctr"/>
+            <a:endParaRPr lang="en-US"/>
+          </a:p>
+        </p:txBody>
+      </p:sp>
       <p:grpSp>
         <p:nvGrpSpPr>
           <p:cNvPr id="116" name="Group 115">
@@ -18187,7 +18067,7 @@
         </p:nvSpPr>
         <p:spPr>
           <a:xfrm>
-            <a:off x="3754130" y="3708190"/>
+            <a:off x="3196647" y="3485931"/>
             <a:ext cx="502894" cy="369332"/>
           </a:xfrm>
           <a:prstGeom prst="rect">
@@ -18222,7 +18102,7 @@
         </p:nvSpPr>
         <p:spPr>
           <a:xfrm>
-            <a:off x="4359515" y="3474073"/>
+            <a:off x="3882429" y="3676938"/>
             <a:ext cx="502894" cy="369332"/>
           </a:xfrm>
           <a:prstGeom prst="rect">
@@ -18257,7 +18137,7 @@
         </p:nvSpPr>
         <p:spPr>
           <a:xfrm>
-            <a:off x="7185540" y="1635776"/>
+            <a:off x="7743271" y="1622307"/>
             <a:ext cx="502894" cy="369332"/>
           </a:xfrm>
           <a:prstGeom prst="rect">
@@ -18523,6 +18403,690 @@
           </a:p>
         </p:txBody>
       </p:sp>
+      <p:grpSp>
+        <p:nvGrpSpPr>
+          <p:cNvPr id="3" name="Group 2">
+            <a:extLst>
+              <a:ext uri="{FF2B5EF4-FFF2-40B4-BE49-F238E27FC236}">
+                <a16:creationId xmlns:a16="http://schemas.microsoft.com/office/drawing/2014/main" id="{98657B49-8BC6-4345-BA5E-FA2D0BC073AE}"/>
+              </a:ext>
+            </a:extLst>
+          </p:cNvPr>
+          <p:cNvGrpSpPr/>
+          <p:nvPr/>
+        </p:nvGrpSpPr>
+        <p:grpSpPr>
+          <a:xfrm>
+            <a:off x="4425285" y="1555259"/>
+            <a:ext cx="599169" cy="607202"/>
+            <a:chOff x="4425285" y="1555259"/>
+            <a:chExt cx="599169" cy="607202"/>
+          </a:xfrm>
+        </p:grpSpPr>
+        <p:grpSp>
+          <p:nvGrpSpPr>
+            <p:cNvPr id="2" name="Group 1">
+              <a:extLst>
+                <a:ext uri="{FF2B5EF4-FFF2-40B4-BE49-F238E27FC236}">
+                  <a16:creationId xmlns:a16="http://schemas.microsoft.com/office/drawing/2014/main" id="{D96AA0F9-8462-4BC8-B364-86A3C332580F}"/>
+                </a:ext>
+              </a:extLst>
+            </p:cNvPr>
+            <p:cNvGrpSpPr/>
+            <p:nvPr/>
+          </p:nvGrpSpPr>
+          <p:grpSpPr>
+            <a:xfrm>
+              <a:off x="4425285" y="1608967"/>
+              <a:ext cx="509943" cy="553494"/>
+              <a:chOff x="4425285" y="1608967"/>
+              <a:chExt cx="509943" cy="553494"/>
+            </a:xfrm>
+          </p:grpSpPr>
+          <p:cxnSp>
+            <p:nvCxnSpPr>
+              <p:cNvPr id="76" name="Straight Arrow Connector 75">
+                <a:extLst>
+                  <a:ext uri="{FF2B5EF4-FFF2-40B4-BE49-F238E27FC236}">
+                    <a16:creationId xmlns:a16="http://schemas.microsoft.com/office/drawing/2014/main" id="{79185833-1F06-46BC-B258-D8B677D60BAF}"/>
+                  </a:ext>
+                </a:extLst>
+              </p:cNvPr>
+              <p:cNvCxnSpPr/>
+              <p:nvPr/>
+            </p:nvCxnSpPr>
+            <p:spPr>
+              <a:xfrm flipV="1">
+                <a:off x="4596193" y="2089592"/>
+                <a:ext cx="332860" cy="2649"/>
+              </a:xfrm>
+              <a:prstGeom prst="straightConnector1">
+                <a:avLst/>
+              </a:prstGeom>
+              <a:ln w="25400">
+                <a:tailEnd type="triangle"/>
+              </a:ln>
+            </p:spPr>
+            <p:style>
+              <a:lnRef idx="1">
+                <a:schemeClr val="accent1"/>
+              </a:lnRef>
+              <a:fillRef idx="0">
+                <a:schemeClr val="accent1"/>
+              </a:fillRef>
+              <a:effectRef idx="0">
+                <a:schemeClr val="accent1"/>
+              </a:effectRef>
+              <a:fontRef idx="minor">
+                <a:schemeClr val="tx1"/>
+              </a:fontRef>
+            </p:style>
+          </p:cxnSp>
+          <p:sp>
+            <p:nvSpPr>
+              <p:cNvPr id="85" name="TextBox 84">
+                <a:extLst>
+                  <a:ext uri="{FF2B5EF4-FFF2-40B4-BE49-F238E27FC236}">
+                    <a16:creationId xmlns:a16="http://schemas.microsoft.com/office/drawing/2014/main" id="{5498D26F-41EF-491B-8CDA-7D2956D725B2}"/>
+                  </a:ext>
+                </a:extLst>
+              </p:cNvPr>
+              <p:cNvSpPr txBox="1"/>
+              <p:nvPr/>
+            </p:nvSpPr>
+            <p:spPr>
+              <a:xfrm>
+                <a:off x="4425285" y="1608967"/>
+                <a:ext cx="385287" cy="523220"/>
+              </a:xfrm>
+              <a:prstGeom prst="rect">
+                <a:avLst/>
+              </a:prstGeom>
+              <a:noFill/>
+            </p:spPr>
+            <p:txBody>
+              <a:bodyPr wrap="square" rtlCol="0">
+                <a:spAutoFit/>
+              </a:bodyPr>
+              <a:lstStyle/>
+              <a:p>
+                <a:r>
+                  <a:rPr lang="en-US" sz="2800" i="1" dirty="0">
+                    <a:solidFill>
+                      <a:srgbClr val="FF0000"/>
+                    </a:solidFill>
+                  </a:rPr>
+                  <a:t>T</a:t>
+                </a:r>
+              </a:p>
+            </p:txBody>
+          </p:sp>
+          <p:sp>
+            <p:nvSpPr>
+              <p:cNvPr id="86" name="TextBox 85">
+                <a:extLst>
+                  <a:ext uri="{FF2B5EF4-FFF2-40B4-BE49-F238E27FC236}">
+                    <a16:creationId xmlns:a16="http://schemas.microsoft.com/office/drawing/2014/main" id="{657150BC-5DD3-4330-8397-6785884449BC}"/>
+                  </a:ext>
+                </a:extLst>
+              </p:cNvPr>
+              <p:cNvSpPr txBox="1"/>
+              <p:nvPr/>
+            </p:nvSpPr>
+            <p:spPr>
+              <a:xfrm>
+                <a:off x="4549941" y="1793129"/>
+                <a:ext cx="385287" cy="369332"/>
+              </a:xfrm>
+              <a:prstGeom prst="rect">
+                <a:avLst/>
+              </a:prstGeom>
+              <a:noFill/>
+            </p:spPr>
+            <p:txBody>
+              <a:bodyPr wrap="square" rtlCol="0">
+                <a:spAutoFit/>
+              </a:bodyPr>
+              <a:lstStyle/>
+              <a:p>
+                <a:r>
+                  <a:rPr lang="en-US" i="1" dirty="0">
+                    <a:solidFill>
+                      <a:srgbClr val="FF0000"/>
+                    </a:solidFill>
+                  </a:rPr>
+                  <a:t>b</a:t>
+                </a:r>
+              </a:p>
+            </p:txBody>
+          </p:sp>
+        </p:grpSp>
+        <p:sp>
+          <p:nvSpPr>
+            <p:cNvPr id="87" name="TextBox 86">
+              <a:extLst>
+                <a:ext uri="{FF2B5EF4-FFF2-40B4-BE49-F238E27FC236}">
+                  <a16:creationId xmlns:a16="http://schemas.microsoft.com/office/drawing/2014/main" id="{F4769F22-EB39-463E-A3CF-048AB18BCBE9}"/>
+                </a:ext>
+              </a:extLst>
+            </p:cNvPr>
+            <p:cNvSpPr txBox="1"/>
+            <p:nvPr/>
+          </p:nvSpPr>
+          <p:spPr>
+            <a:xfrm>
+              <a:off x="4639167" y="1555259"/>
+              <a:ext cx="385287" cy="338554"/>
+            </a:xfrm>
+            <a:prstGeom prst="rect">
+              <a:avLst/>
+            </a:prstGeom>
+            <a:noFill/>
+          </p:spPr>
+          <p:txBody>
+            <a:bodyPr wrap="square" rtlCol="0">
+              <a:spAutoFit/>
+            </a:bodyPr>
+            <a:lstStyle/>
+            <a:p>
+              <a:r>
+                <a:rPr lang="en-US" sz="1600" i="1" dirty="0">
+                  <a:solidFill>
+                    <a:srgbClr val="FF0000"/>
+                  </a:solidFill>
+                </a:rPr>
+                <a:t>M</a:t>
+              </a:r>
+            </a:p>
+          </p:txBody>
+        </p:sp>
+      </p:grpSp>
+      <p:grpSp>
+        <p:nvGrpSpPr>
+          <p:cNvPr id="95" name="Group 94">
+            <a:extLst>
+              <a:ext uri="{FF2B5EF4-FFF2-40B4-BE49-F238E27FC236}">
+                <a16:creationId xmlns:a16="http://schemas.microsoft.com/office/drawing/2014/main" id="{FF8A3B2B-7D00-4B31-8ECF-023DFAC263F5}"/>
+              </a:ext>
+            </a:extLst>
+          </p:cNvPr>
+          <p:cNvGrpSpPr/>
+          <p:nvPr/>
+        </p:nvGrpSpPr>
+        <p:grpSpPr>
+          <a:xfrm>
+            <a:off x="4452540" y="3276570"/>
+            <a:ext cx="599169" cy="607202"/>
+            <a:chOff x="4425285" y="1555259"/>
+            <a:chExt cx="599169" cy="607202"/>
+          </a:xfrm>
+        </p:grpSpPr>
+        <p:grpSp>
+          <p:nvGrpSpPr>
+            <p:cNvPr id="96" name="Group 95">
+              <a:extLst>
+                <a:ext uri="{FF2B5EF4-FFF2-40B4-BE49-F238E27FC236}">
+                  <a16:creationId xmlns:a16="http://schemas.microsoft.com/office/drawing/2014/main" id="{A473CFC0-3700-4694-B216-22A4701E4F16}"/>
+                </a:ext>
+              </a:extLst>
+            </p:cNvPr>
+            <p:cNvGrpSpPr/>
+            <p:nvPr/>
+          </p:nvGrpSpPr>
+          <p:grpSpPr>
+            <a:xfrm>
+              <a:off x="4425285" y="1608967"/>
+              <a:ext cx="509943" cy="553494"/>
+              <a:chOff x="4425285" y="1608967"/>
+              <a:chExt cx="509943" cy="553494"/>
+            </a:xfrm>
+          </p:grpSpPr>
+          <p:cxnSp>
+            <p:nvCxnSpPr>
+              <p:cNvPr id="104" name="Straight Arrow Connector 103">
+                <a:extLst>
+                  <a:ext uri="{FF2B5EF4-FFF2-40B4-BE49-F238E27FC236}">
+                    <a16:creationId xmlns:a16="http://schemas.microsoft.com/office/drawing/2014/main" id="{A096E501-939D-4929-9B89-C599879295EB}"/>
+                  </a:ext>
+                </a:extLst>
+              </p:cNvPr>
+              <p:cNvCxnSpPr/>
+              <p:nvPr/>
+            </p:nvCxnSpPr>
+            <p:spPr>
+              <a:xfrm flipV="1">
+                <a:off x="4596193" y="2089592"/>
+                <a:ext cx="332860" cy="2649"/>
+              </a:xfrm>
+              <a:prstGeom prst="straightConnector1">
+                <a:avLst/>
+              </a:prstGeom>
+              <a:ln w="25400">
+                <a:tailEnd type="triangle"/>
+              </a:ln>
+            </p:spPr>
+            <p:style>
+              <a:lnRef idx="1">
+                <a:schemeClr val="accent1"/>
+              </a:lnRef>
+              <a:fillRef idx="0">
+                <a:schemeClr val="accent1"/>
+              </a:fillRef>
+              <a:effectRef idx="0">
+                <a:schemeClr val="accent1"/>
+              </a:effectRef>
+              <a:fontRef idx="minor">
+                <a:schemeClr val="tx1"/>
+              </a:fontRef>
+            </p:style>
+          </p:cxnSp>
+          <p:sp>
+            <p:nvSpPr>
+              <p:cNvPr id="109" name="TextBox 108">
+                <a:extLst>
+                  <a:ext uri="{FF2B5EF4-FFF2-40B4-BE49-F238E27FC236}">
+                    <a16:creationId xmlns:a16="http://schemas.microsoft.com/office/drawing/2014/main" id="{8A9DE511-D509-4F90-8A09-1BAF8F305927}"/>
+                  </a:ext>
+                </a:extLst>
+              </p:cNvPr>
+              <p:cNvSpPr txBox="1"/>
+              <p:nvPr/>
+            </p:nvSpPr>
+            <p:spPr>
+              <a:xfrm>
+                <a:off x="4425285" y="1608967"/>
+                <a:ext cx="385287" cy="523220"/>
+              </a:xfrm>
+              <a:prstGeom prst="rect">
+                <a:avLst/>
+              </a:prstGeom>
+              <a:noFill/>
+            </p:spPr>
+            <p:txBody>
+              <a:bodyPr wrap="square" rtlCol="0">
+                <a:spAutoFit/>
+              </a:bodyPr>
+              <a:lstStyle/>
+              <a:p>
+                <a:r>
+                  <a:rPr lang="en-US" sz="2800" i="1" dirty="0">
+                    <a:solidFill>
+                      <a:srgbClr val="FF0000"/>
+                    </a:solidFill>
+                  </a:rPr>
+                  <a:t>T</a:t>
+                </a:r>
+              </a:p>
+            </p:txBody>
+          </p:sp>
+          <p:sp>
+            <p:nvSpPr>
+              <p:cNvPr id="115" name="TextBox 114">
+                <a:extLst>
+                  <a:ext uri="{FF2B5EF4-FFF2-40B4-BE49-F238E27FC236}">
+                    <a16:creationId xmlns:a16="http://schemas.microsoft.com/office/drawing/2014/main" id="{7B00F30E-EBFD-4843-A860-B7688FE88E40}"/>
+                  </a:ext>
+                </a:extLst>
+              </p:cNvPr>
+              <p:cNvSpPr txBox="1"/>
+              <p:nvPr/>
+            </p:nvSpPr>
+            <p:spPr>
+              <a:xfrm>
+                <a:off x="4549941" y="1793129"/>
+                <a:ext cx="385287" cy="369332"/>
+              </a:xfrm>
+              <a:prstGeom prst="rect">
+                <a:avLst/>
+              </a:prstGeom>
+              <a:noFill/>
+            </p:spPr>
+            <p:txBody>
+              <a:bodyPr wrap="square" rtlCol="0">
+                <a:spAutoFit/>
+              </a:bodyPr>
+              <a:lstStyle/>
+              <a:p>
+                <a:r>
+                  <a:rPr lang="en-US" i="1" dirty="0">
+                    <a:solidFill>
+                      <a:srgbClr val="FF0000"/>
+                    </a:solidFill>
+                  </a:rPr>
+                  <a:t>b</a:t>
+                </a:r>
+              </a:p>
+            </p:txBody>
+          </p:sp>
+        </p:grpSp>
+        <p:sp>
+          <p:nvSpPr>
+            <p:cNvPr id="102" name="TextBox 101">
+              <a:extLst>
+                <a:ext uri="{FF2B5EF4-FFF2-40B4-BE49-F238E27FC236}">
+                  <a16:creationId xmlns:a16="http://schemas.microsoft.com/office/drawing/2014/main" id="{22DE14FF-927E-4985-91BA-07EF2FE227BC}"/>
+                </a:ext>
+              </a:extLst>
+            </p:cNvPr>
+            <p:cNvSpPr txBox="1"/>
+            <p:nvPr/>
+          </p:nvSpPr>
+          <p:spPr>
+            <a:xfrm>
+              <a:off x="4639167" y="1555259"/>
+              <a:ext cx="385287" cy="338554"/>
+            </a:xfrm>
+            <a:prstGeom prst="rect">
+              <a:avLst/>
+            </a:prstGeom>
+            <a:noFill/>
+          </p:spPr>
+          <p:txBody>
+            <a:bodyPr wrap="square" rtlCol="0">
+              <a:spAutoFit/>
+            </a:bodyPr>
+            <a:lstStyle/>
+            <a:p>
+              <a:r>
+                <a:rPr lang="en-US" sz="1600" i="1" dirty="0">
+                  <a:solidFill>
+                    <a:srgbClr val="FF0000"/>
+                  </a:solidFill>
+                </a:rPr>
+                <a:t>S</a:t>
+              </a:r>
+            </a:p>
+          </p:txBody>
+        </p:sp>
+      </p:grpSp>
+      <p:grpSp>
+        <p:nvGrpSpPr>
+          <p:cNvPr id="14" name="Group 13">
+            <a:extLst>
+              <a:ext uri="{FF2B5EF4-FFF2-40B4-BE49-F238E27FC236}">
+                <a16:creationId xmlns:a16="http://schemas.microsoft.com/office/drawing/2014/main" id="{30526BB8-9D88-4CCB-B7B4-878B0AB9AB59}"/>
+              </a:ext>
+            </a:extLst>
+          </p:cNvPr>
+          <p:cNvGrpSpPr/>
+          <p:nvPr/>
+        </p:nvGrpSpPr>
+        <p:grpSpPr>
+          <a:xfrm>
+            <a:off x="6785381" y="1549921"/>
+            <a:ext cx="599169" cy="607202"/>
+            <a:chOff x="6313108" y="4870309"/>
+            <a:chExt cx="599169" cy="607202"/>
+          </a:xfrm>
+        </p:grpSpPr>
+        <p:sp>
+          <p:nvSpPr>
+            <p:cNvPr id="127" name="TextBox 126">
+              <a:extLst>
+                <a:ext uri="{FF2B5EF4-FFF2-40B4-BE49-F238E27FC236}">
+                  <a16:creationId xmlns:a16="http://schemas.microsoft.com/office/drawing/2014/main" id="{5C868088-4370-4DF3-A707-C42FF48DB954}"/>
+                </a:ext>
+              </a:extLst>
+            </p:cNvPr>
+            <p:cNvSpPr txBox="1"/>
+            <p:nvPr/>
+          </p:nvSpPr>
+          <p:spPr>
+            <a:xfrm>
+              <a:off x="6313108" y="4924017"/>
+              <a:ext cx="385287" cy="523220"/>
+            </a:xfrm>
+            <a:prstGeom prst="rect">
+              <a:avLst/>
+            </a:prstGeom>
+            <a:noFill/>
+          </p:spPr>
+          <p:txBody>
+            <a:bodyPr wrap="square" rtlCol="0">
+              <a:spAutoFit/>
+            </a:bodyPr>
+            <a:lstStyle/>
+            <a:p>
+              <a:r>
+                <a:rPr lang="en-US" sz="2800" i="1" dirty="0">
+                  <a:solidFill>
+                    <a:schemeClr val="accent6">
+                      <a:lumMod val="75000"/>
+                    </a:schemeClr>
+                  </a:solidFill>
+                </a:rPr>
+                <a:t>T</a:t>
+              </a:r>
+            </a:p>
+          </p:txBody>
+        </p:sp>
+        <p:sp>
+          <p:nvSpPr>
+            <p:cNvPr id="128" name="TextBox 127">
+              <a:extLst>
+                <a:ext uri="{FF2B5EF4-FFF2-40B4-BE49-F238E27FC236}">
+                  <a16:creationId xmlns:a16="http://schemas.microsoft.com/office/drawing/2014/main" id="{DBC469B2-76EA-44C3-A1B2-6086873358CC}"/>
+                </a:ext>
+              </a:extLst>
+            </p:cNvPr>
+            <p:cNvSpPr txBox="1"/>
+            <p:nvPr/>
+          </p:nvSpPr>
+          <p:spPr>
+            <a:xfrm>
+              <a:off x="6437764" y="5108179"/>
+              <a:ext cx="385287" cy="369332"/>
+            </a:xfrm>
+            <a:prstGeom prst="rect">
+              <a:avLst/>
+            </a:prstGeom>
+            <a:noFill/>
+          </p:spPr>
+          <p:txBody>
+            <a:bodyPr wrap="square" rtlCol="0">
+              <a:spAutoFit/>
+            </a:bodyPr>
+            <a:lstStyle/>
+            <a:p>
+              <a:r>
+                <a:rPr lang="en-US" i="1" dirty="0">
+                  <a:solidFill>
+                    <a:schemeClr val="accent6">
+                      <a:lumMod val="75000"/>
+                    </a:schemeClr>
+                  </a:solidFill>
+                </a:rPr>
+                <a:t>f</a:t>
+              </a:r>
+            </a:p>
+          </p:txBody>
+        </p:sp>
+        <p:sp>
+          <p:nvSpPr>
+            <p:cNvPr id="125" name="TextBox 124">
+              <a:extLst>
+                <a:ext uri="{FF2B5EF4-FFF2-40B4-BE49-F238E27FC236}">
+                  <a16:creationId xmlns:a16="http://schemas.microsoft.com/office/drawing/2014/main" id="{71F17790-6C6E-4208-871E-92DC0A7331A4}"/>
+                </a:ext>
+              </a:extLst>
+            </p:cNvPr>
+            <p:cNvSpPr txBox="1"/>
+            <p:nvPr/>
+          </p:nvSpPr>
+          <p:spPr>
+            <a:xfrm>
+              <a:off x="6526990" y="4870309"/>
+              <a:ext cx="385287" cy="338554"/>
+            </a:xfrm>
+            <a:prstGeom prst="rect">
+              <a:avLst/>
+            </a:prstGeom>
+            <a:noFill/>
+          </p:spPr>
+          <p:txBody>
+            <a:bodyPr wrap="square" rtlCol="0">
+              <a:spAutoFit/>
+            </a:bodyPr>
+            <a:lstStyle/>
+            <a:p>
+              <a:r>
+                <a:rPr lang="en-US" sz="1600" i="1" dirty="0">
+                  <a:solidFill>
+                    <a:schemeClr val="accent6">
+                      <a:lumMod val="75000"/>
+                    </a:schemeClr>
+                  </a:solidFill>
+                </a:rPr>
+                <a:t>M</a:t>
+              </a:r>
+            </a:p>
+          </p:txBody>
+        </p:sp>
+      </p:grpSp>
+      <p:grpSp>
+        <p:nvGrpSpPr>
+          <p:cNvPr id="129" name="Group 128">
+            <a:extLst>
+              <a:ext uri="{FF2B5EF4-FFF2-40B4-BE49-F238E27FC236}">
+                <a16:creationId xmlns:a16="http://schemas.microsoft.com/office/drawing/2014/main" id="{B932FD4E-3DE0-4E27-AD36-AACF9704580C}"/>
+              </a:ext>
+            </a:extLst>
+          </p:cNvPr>
+          <p:cNvGrpSpPr/>
+          <p:nvPr/>
+        </p:nvGrpSpPr>
+        <p:grpSpPr>
+          <a:xfrm>
+            <a:off x="6833195" y="3218127"/>
+            <a:ext cx="599169" cy="607202"/>
+            <a:chOff x="6313108" y="4870309"/>
+            <a:chExt cx="599169" cy="607202"/>
+          </a:xfrm>
+        </p:grpSpPr>
+        <p:sp>
+          <p:nvSpPr>
+            <p:cNvPr id="130" name="TextBox 129">
+              <a:extLst>
+                <a:ext uri="{FF2B5EF4-FFF2-40B4-BE49-F238E27FC236}">
+                  <a16:creationId xmlns:a16="http://schemas.microsoft.com/office/drawing/2014/main" id="{5167123D-4984-4B73-A37B-7B089BC81094}"/>
+                </a:ext>
+              </a:extLst>
+            </p:cNvPr>
+            <p:cNvSpPr txBox="1"/>
+            <p:nvPr/>
+          </p:nvSpPr>
+          <p:spPr>
+            <a:xfrm>
+              <a:off x="6313108" y="4924017"/>
+              <a:ext cx="385287" cy="523220"/>
+            </a:xfrm>
+            <a:prstGeom prst="rect">
+              <a:avLst/>
+            </a:prstGeom>
+            <a:noFill/>
+          </p:spPr>
+          <p:txBody>
+            <a:bodyPr wrap="square" rtlCol="0">
+              <a:spAutoFit/>
+            </a:bodyPr>
+            <a:lstStyle/>
+            <a:p>
+              <a:r>
+                <a:rPr lang="en-US" sz="2800" i="1" dirty="0">
+                  <a:solidFill>
+                    <a:schemeClr val="accent6">
+                      <a:lumMod val="75000"/>
+                    </a:schemeClr>
+                  </a:solidFill>
+                </a:rPr>
+                <a:t>T</a:t>
+              </a:r>
+            </a:p>
+          </p:txBody>
+        </p:sp>
+        <p:sp>
+          <p:nvSpPr>
+            <p:cNvPr id="131" name="TextBox 130">
+              <a:extLst>
+                <a:ext uri="{FF2B5EF4-FFF2-40B4-BE49-F238E27FC236}">
+                  <a16:creationId xmlns:a16="http://schemas.microsoft.com/office/drawing/2014/main" id="{B26FFA9C-737C-40FE-92D5-E2B138A5C246}"/>
+                </a:ext>
+              </a:extLst>
+            </p:cNvPr>
+            <p:cNvSpPr txBox="1"/>
+            <p:nvPr/>
+          </p:nvSpPr>
+          <p:spPr>
+            <a:xfrm>
+              <a:off x="6437764" y="5108179"/>
+              <a:ext cx="385287" cy="369332"/>
+            </a:xfrm>
+            <a:prstGeom prst="rect">
+              <a:avLst/>
+            </a:prstGeom>
+            <a:noFill/>
+          </p:spPr>
+          <p:txBody>
+            <a:bodyPr wrap="square" rtlCol="0">
+              <a:spAutoFit/>
+            </a:bodyPr>
+            <a:lstStyle/>
+            <a:p>
+              <a:r>
+                <a:rPr lang="en-US" i="1" dirty="0">
+                  <a:solidFill>
+                    <a:schemeClr val="accent6">
+                      <a:lumMod val="75000"/>
+                    </a:schemeClr>
+                  </a:solidFill>
+                </a:rPr>
+                <a:t>f</a:t>
+              </a:r>
+            </a:p>
+          </p:txBody>
+        </p:sp>
+        <p:sp>
+          <p:nvSpPr>
+            <p:cNvPr id="132" name="TextBox 131">
+              <a:extLst>
+                <a:ext uri="{FF2B5EF4-FFF2-40B4-BE49-F238E27FC236}">
+                  <a16:creationId xmlns:a16="http://schemas.microsoft.com/office/drawing/2014/main" id="{662BF814-E6D1-4964-8ACF-E20C301810F8}"/>
+                </a:ext>
+              </a:extLst>
+            </p:cNvPr>
+            <p:cNvSpPr txBox="1"/>
+            <p:nvPr/>
+          </p:nvSpPr>
+          <p:spPr>
+            <a:xfrm>
+              <a:off x="6526990" y="4870309"/>
+              <a:ext cx="385287" cy="338554"/>
+            </a:xfrm>
+            <a:prstGeom prst="rect">
+              <a:avLst/>
+            </a:prstGeom>
+            <a:noFill/>
+          </p:spPr>
+          <p:txBody>
+            <a:bodyPr wrap="square" rtlCol="0">
+              <a:spAutoFit/>
+            </a:bodyPr>
+            <a:lstStyle/>
+            <a:p>
+              <a:r>
+                <a:rPr lang="en-US" sz="1600" i="1" dirty="0">
+                  <a:solidFill>
+                    <a:schemeClr val="accent6">
+                      <a:lumMod val="75000"/>
+                    </a:schemeClr>
+                  </a:solidFill>
+                </a:rPr>
+                <a:t>S</a:t>
+              </a:r>
+            </a:p>
+          </p:txBody>
+        </p:sp>
+      </p:grpSp>
     </p:spTree>
     <p:extLst>
       <p:ext uri="{BB962C8B-B14F-4D97-AF65-F5344CB8AC3E}">
@@ -20443,8 +21007,8 @@
           </p:nvSpPr>
           <p:spPr>
             <a:xfrm>
-              <a:off x="2069887" y="3384301"/>
-              <a:ext cx="1890669" cy="261610"/>
+              <a:off x="2004949" y="3384301"/>
+              <a:ext cx="1967810" cy="261610"/>
             </a:xfrm>
             <a:prstGeom prst="rect">
               <a:avLst/>
@@ -20467,7 +21031,7 @@
                   <a:latin typeface="Courier New" panose="02070309020205020404" pitchFamily="49" charset="0"/>
                   <a:cs typeface="Courier New" panose="02070309020205020404" pitchFamily="49" charset="0"/>
                 </a:rPr>
-                <a:t>If (dataset != null)</a:t>
+                <a:t>If (dataset != null)…</a:t>
               </a:r>
             </a:p>
           </p:txBody>

--- a/Figures.pptx
+++ b/Figures.pptx
@@ -5,7 +5,7 @@
     <p:sldMasterId id="2147483648" r:id="rId1"/>
   </p:sldMasterIdLst>
   <p:notesMasterIdLst>
-    <p:notesMasterId r:id="rId9"/>
+    <p:notesMasterId r:id="rId11"/>
   </p:notesMasterIdLst>
   <p:sldIdLst>
     <p:sldId id="256" r:id="rId2"/>
@@ -15,6 +15,8 @@
     <p:sldId id="261" r:id="rId6"/>
     <p:sldId id="260" r:id="rId7"/>
     <p:sldId id="262" r:id="rId8"/>
+    <p:sldId id="263" r:id="rId9"/>
+    <p:sldId id="264" r:id="rId10"/>
   </p:sldIdLst>
   <p:sldSz cx="12192000" cy="6858000"/>
   <p:notesSz cx="6858000" cy="9144000"/>
@@ -21422,6 +21424,3054 @@
 </p:sld>
 </file>
 
+<file path=ppt/slides/slide8.xml><?xml version="1.0" encoding="utf-8"?>
+<p:sld xmlns:a="http://schemas.openxmlformats.org/drawingml/2006/main" xmlns:r="http://schemas.openxmlformats.org/officeDocument/2006/relationships" xmlns:p="http://schemas.openxmlformats.org/presentationml/2006/main">
+  <p:cSld>
+    <p:spTree>
+      <p:nvGrpSpPr>
+        <p:cNvPr id="1" name=""/>
+        <p:cNvGrpSpPr/>
+        <p:nvPr/>
+      </p:nvGrpSpPr>
+      <p:grpSpPr>
+        <a:xfrm>
+          <a:off x="0" y="0"/>
+          <a:ext cx="0" cy="0"/>
+          <a:chOff x="0" y="0"/>
+          <a:chExt cx="0" cy="0"/>
+        </a:xfrm>
+      </p:grpSpPr>
+      <p:sp>
+        <p:nvSpPr>
+          <p:cNvPr id="4" name="Rectangle: Rounded Corners 3">
+            <a:extLst>
+              <a:ext uri="{FF2B5EF4-FFF2-40B4-BE49-F238E27FC236}">
+                <a16:creationId xmlns:a16="http://schemas.microsoft.com/office/drawing/2014/main" id="{9721ACFC-6E6F-490B-BCBA-1E25BC5934F0}"/>
+              </a:ext>
+            </a:extLst>
+          </p:cNvPr>
+          <p:cNvSpPr/>
+          <p:nvPr/>
+        </p:nvSpPr>
+        <p:spPr>
+          <a:xfrm>
+            <a:off x="433697" y="2036135"/>
+            <a:ext cx="1912032" cy="802049"/>
+          </a:xfrm>
+          <a:prstGeom prst="roundRect">
+            <a:avLst/>
+          </a:prstGeom>
+          <a:solidFill>
+            <a:schemeClr val="accent2">
+              <a:lumMod val="20000"/>
+              <a:lumOff val="80000"/>
+            </a:schemeClr>
+          </a:solidFill>
+          <a:ln w="25400">
+            <a:solidFill>
+              <a:schemeClr val="accent2">
+                <a:lumMod val="75000"/>
+              </a:schemeClr>
+            </a:solidFill>
+          </a:ln>
+        </p:spPr>
+        <p:style>
+          <a:lnRef idx="2">
+            <a:schemeClr val="accent1">
+              <a:shade val="50000"/>
+            </a:schemeClr>
+          </a:lnRef>
+          <a:fillRef idx="1">
+            <a:schemeClr val="accent1"/>
+          </a:fillRef>
+          <a:effectRef idx="0">
+            <a:schemeClr val="accent1"/>
+          </a:effectRef>
+          <a:fontRef idx="minor">
+            <a:schemeClr val="lt1"/>
+          </a:fontRef>
+        </p:style>
+        <p:txBody>
+          <a:bodyPr rtlCol="0" anchor="ctr"/>
+          <a:lstStyle/>
+          <a:p>
+            <a:pPr algn="ctr"/>
+            <a:r>
+              <a:rPr lang="en-US" dirty="0">
+                <a:solidFill>
+                  <a:schemeClr val="tx1"/>
+                </a:solidFill>
+              </a:rPr>
+              <a:t>Tree Context Learning (CCL)</a:t>
+            </a:r>
+          </a:p>
+        </p:txBody>
+      </p:sp>
+      <p:sp>
+        <p:nvSpPr>
+          <p:cNvPr id="5" name="Rectangle: Rounded Corners 4">
+            <a:extLst>
+              <a:ext uri="{FF2B5EF4-FFF2-40B4-BE49-F238E27FC236}">
+                <a16:creationId xmlns:a16="http://schemas.microsoft.com/office/drawing/2014/main" id="{A5AB1D63-C4AC-41E2-8654-0DCA65874562}"/>
+              </a:ext>
+            </a:extLst>
+          </p:cNvPr>
+          <p:cNvSpPr/>
+          <p:nvPr/>
+        </p:nvSpPr>
+        <p:spPr>
+          <a:xfrm>
+            <a:off x="433696" y="3701996"/>
+            <a:ext cx="1909735" cy="902896"/>
+          </a:xfrm>
+          <a:prstGeom prst="roundRect">
+            <a:avLst/>
+          </a:prstGeom>
+          <a:solidFill>
+            <a:schemeClr val="accent2">
+              <a:lumMod val="20000"/>
+              <a:lumOff val="80000"/>
+            </a:schemeClr>
+          </a:solidFill>
+          <a:ln w="25400">
+            <a:solidFill>
+              <a:schemeClr val="accent2">
+                <a:lumMod val="75000"/>
+              </a:schemeClr>
+            </a:solidFill>
+          </a:ln>
+        </p:spPr>
+        <p:style>
+          <a:lnRef idx="2">
+            <a:schemeClr val="accent1">
+              <a:shade val="50000"/>
+            </a:schemeClr>
+          </a:lnRef>
+          <a:fillRef idx="1">
+            <a:schemeClr val="accent1"/>
+          </a:fillRef>
+          <a:effectRef idx="0">
+            <a:schemeClr val="accent1"/>
+          </a:effectRef>
+          <a:fontRef idx="minor">
+            <a:schemeClr val="lt1"/>
+          </a:fontRef>
+        </p:style>
+        <p:txBody>
+          <a:bodyPr rtlCol="0" anchor="ctr"/>
+          <a:lstStyle/>
+          <a:p>
+            <a:pPr algn="ctr"/>
+            <a:r>
+              <a:rPr lang="en-US" dirty="0">
+                <a:solidFill>
+                  <a:schemeClr val="tx1"/>
+                </a:solidFill>
+              </a:rPr>
+              <a:t>Tree-based Transformation Learning (CTL)</a:t>
+            </a:r>
+          </a:p>
+        </p:txBody>
+      </p:sp>
+      <p:sp>
+        <p:nvSpPr>
+          <p:cNvPr id="53" name="Rectangle 52">
+            <a:extLst>
+              <a:ext uri="{FF2B5EF4-FFF2-40B4-BE49-F238E27FC236}">
+                <a16:creationId xmlns:a16="http://schemas.microsoft.com/office/drawing/2014/main" id="{E1665B6E-40CB-43DE-A520-AD656F631686}"/>
+              </a:ext>
+            </a:extLst>
+          </p:cNvPr>
+          <p:cNvSpPr/>
+          <p:nvPr/>
+        </p:nvSpPr>
+        <p:spPr>
+          <a:xfrm>
+            <a:off x="3001778" y="2029853"/>
+            <a:ext cx="1966947" cy="2568757"/>
+          </a:xfrm>
+          <a:prstGeom prst="rect">
+            <a:avLst/>
+          </a:prstGeom>
+          <a:solidFill>
+            <a:schemeClr val="accent6">
+              <a:lumMod val="20000"/>
+              <a:lumOff val="80000"/>
+            </a:schemeClr>
+          </a:solidFill>
+          <a:ln>
+            <a:noFill/>
+          </a:ln>
+        </p:spPr>
+        <p:style>
+          <a:lnRef idx="2">
+            <a:schemeClr val="accent1">
+              <a:shade val="50000"/>
+            </a:schemeClr>
+          </a:lnRef>
+          <a:fillRef idx="1">
+            <a:schemeClr val="accent1"/>
+          </a:fillRef>
+          <a:effectRef idx="0">
+            <a:schemeClr val="accent1"/>
+          </a:effectRef>
+          <a:fontRef idx="minor">
+            <a:schemeClr val="lt1"/>
+          </a:fontRef>
+        </p:style>
+        <p:txBody>
+          <a:bodyPr rtlCol="0" anchor="ctr"/>
+          <a:lstStyle/>
+          <a:p>
+            <a:pPr algn="ctr"/>
+            <a:endParaRPr lang="en-US" dirty="0">
+              <a:solidFill>
+                <a:schemeClr val="tx1"/>
+              </a:solidFill>
+            </a:endParaRPr>
+          </a:p>
+        </p:txBody>
+      </p:sp>
+      <p:grpSp>
+        <p:nvGrpSpPr>
+          <p:cNvPr id="54" name="Group 53">
+            <a:extLst>
+              <a:ext uri="{FF2B5EF4-FFF2-40B4-BE49-F238E27FC236}">
+                <a16:creationId xmlns:a16="http://schemas.microsoft.com/office/drawing/2014/main" id="{A5D6F1AB-B2A5-45E6-8B0E-21FAB7651827}"/>
+              </a:ext>
+            </a:extLst>
+          </p:cNvPr>
+          <p:cNvGrpSpPr/>
+          <p:nvPr/>
+        </p:nvGrpSpPr>
+        <p:grpSpPr>
+          <a:xfrm>
+            <a:off x="3167806" y="2095613"/>
+            <a:ext cx="1684421" cy="683091"/>
+            <a:chOff x="5275847" y="1329489"/>
+            <a:chExt cx="1684421" cy="759633"/>
+          </a:xfrm>
+        </p:grpSpPr>
+        <p:sp>
+          <p:nvSpPr>
+            <p:cNvPr id="55" name="TextBox 54">
+              <a:extLst>
+                <a:ext uri="{FF2B5EF4-FFF2-40B4-BE49-F238E27FC236}">
+                  <a16:creationId xmlns:a16="http://schemas.microsoft.com/office/drawing/2014/main" id="{E5F44324-E09F-4BAF-BD7F-50CC990381D0}"/>
+                </a:ext>
+              </a:extLst>
+            </p:cNvPr>
+            <p:cNvSpPr txBox="1"/>
+            <p:nvPr/>
+          </p:nvSpPr>
+          <p:spPr>
+            <a:xfrm flipH="1">
+              <a:off x="5333597" y="1329489"/>
+              <a:ext cx="1386039" cy="650300"/>
+            </a:xfrm>
+            <a:prstGeom prst="rect">
+              <a:avLst/>
+            </a:prstGeom>
+            <a:noFill/>
+          </p:spPr>
+          <p:txBody>
+            <a:bodyPr wrap="square" rtlCol="0">
+              <a:spAutoFit/>
+            </a:bodyPr>
+            <a:lstStyle/>
+            <a:p>
+              <a:r>
+                <a:rPr lang="el-GR" sz="3200" i="1" dirty="0"/>
+                <a:t>α</a:t>
+              </a:r>
+              <a:r>
+                <a:rPr lang="en-US" sz="3200" dirty="0"/>
+                <a:t>      </a:t>
+              </a:r>
+              <a:r>
+                <a:rPr lang="el-GR" sz="3200" i="1" dirty="0"/>
+                <a:t>α</a:t>
+              </a:r>
+              <a:endParaRPr lang="en-US" sz="3200" i="1" dirty="0"/>
+            </a:p>
+          </p:txBody>
+        </p:sp>
+        <p:sp>
+          <p:nvSpPr>
+            <p:cNvPr id="56" name="TextBox 55">
+              <a:extLst>
+                <a:ext uri="{FF2B5EF4-FFF2-40B4-BE49-F238E27FC236}">
+                  <a16:creationId xmlns:a16="http://schemas.microsoft.com/office/drawing/2014/main" id="{2655F21F-BB43-4A58-A1D1-53651842BC14}"/>
+                </a:ext>
+              </a:extLst>
+            </p:cNvPr>
+            <p:cNvSpPr txBox="1"/>
+            <p:nvPr/>
+          </p:nvSpPr>
+          <p:spPr>
+            <a:xfrm>
+              <a:off x="5588668" y="1678405"/>
+              <a:ext cx="431528" cy="410717"/>
+            </a:xfrm>
+            <a:prstGeom prst="rect">
+              <a:avLst/>
+            </a:prstGeom>
+            <a:noFill/>
+          </p:spPr>
+          <p:txBody>
+            <a:bodyPr wrap="none" rtlCol="0">
+              <a:spAutoFit/>
+            </a:bodyPr>
+            <a:lstStyle/>
+            <a:p>
+              <a:r>
+                <a:rPr lang="en-US" dirty="0"/>
+                <a:t>CC</a:t>
+              </a:r>
+            </a:p>
+          </p:txBody>
+        </p:sp>
+        <p:sp>
+          <p:nvSpPr>
+            <p:cNvPr id="57" name="TextBox 56">
+              <a:extLst>
+                <a:ext uri="{FF2B5EF4-FFF2-40B4-BE49-F238E27FC236}">
+                  <a16:creationId xmlns:a16="http://schemas.microsoft.com/office/drawing/2014/main" id="{F79FB679-702B-4584-BBDD-065524E252D5}"/>
+                </a:ext>
+              </a:extLst>
+            </p:cNvPr>
+            <p:cNvSpPr txBox="1"/>
+            <p:nvPr/>
+          </p:nvSpPr>
+          <p:spPr>
+            <a:xfrm>
+              <a:off x="6430133" y="1670747"/>
+              <a:ext cx="415563" cy="410717"/>
+            </a:xfrm>
+            <a:prstGeom prst="rect">
+              <a:avLst/>
+            </a:prstGeom>
+            <a:noFill/>
+          </p:spPr>
+          <p:txBody>
+            <a:bodyPr wrap="none" rtlCol="0">
+              <a:spAutoFit/>
+            </a:bodyPr>
+            <a:lstStyle/>
+            <a:p>
+              <a:r>
+                <a:rPr lang="en-US" dirty="0"/>
+                <a:t>TC</a:t>
+              </a:r>
+            </a:p>
+          </p:txBody>
+        </p:sp>
+        <p:sp>
+          <p:nvSpPr>
+            <p:cNvPr id="58" name="Rectangle 57">
+              <a:extLst>
+                <a:ext uri="{FF2B5EF4-FFF2-40B4-BE49-F238E27FC236}">
+                  <a16:creationId xmlns:a16="http://schemas.microsoft.com/office/drawing/2014/main" id="{48165556-36B0-456A-9D42-6B14F2138900}"/>
+                </a:ext>
+              </a:extLst>
+            </p:cNvPr>
+            <p:cNvSpPr/>
+            <p:nvPr/>
+          </p:nvSpPr>
+          <p:spPr>
+            <a:xfrm>
+              <a:off x="5275847" y="1383632"/>
+              <a:ext cx="1684421" cy="664105"/>
+            </a:xfrm>
+            <a:prstGeom prst="rect">
+              <a:avLst/>
+            </a:prstGeom>
+            <a:noFill/>
+            <a:ln>
+              <a:prstDash val="solid"/>
+            </a:ln>
+          </p:spPr>
+          <p:style>
+            <a:lnRef idx="2">
+              <a:schemeClr val="accent1">
+                <a:shade val="50000"/>
+              </a:schemeClr>
+            </a:lnRef>
+            <a:fillRef idx="1">
+              <a:schemeClr val="accent1"/>
+            </a:fillRef>
+            <a:effectRef idx="0">
+              <a:schemeClr val="accent1"/>
+            </a:effectRef>
+            <a:fontRef idx="minor">
+              <a:schemeClr val="lt1"/>
+            </a:fontRef>
+          </p:style>
+          <p:txBody>
+            <a:bodyPr rtlCol="0" anchor="ctr"/>
+            <a:lstStyle/>
+            <a:p>
+              <a:pPr algn="ctr"/>
+              <a:endParaRPr lang="en-US"/>
+            </a:p>
+          </p:txBody>
+        </p:sp>
+      </p:grpSp>
+      <p:grpSp>
+        <p:nvGrpSpPr>
+          <p:cNvPr id="59" name="Group 58">
+            <a:extLst>
+              <a:ext uri="{FF2B5EF4-FFF2-40B4-BE49-F238E27FC236}">
+                <a16:creationId xmlns:a16="http://schemas.microsoft.com/office/drawing/2014/main" id="{EC888CD9-0FBC-4E94-A6F1-02366318F3CF}"/>
+              </a:ext>
+            </a:extLst>
+          </p:cNvPr>
+          <p:cNvGrpSpPr/>
+          <p:nvPr/>
+        </p:nvGrpSpPr>
+        <p:grpSpPr>
+          <a:xfrm>
+            <a:off x="3135831" y="3811899"/>
+            <a:ext cx="1751933" cy="683091"/>
+            <a:chOff x="5300949" y="2047737"/>
+            <a:chExt cx="1684421" cy="759633"/>
+          </a:xfrm>
+        </p:grpSpPr>
+        <p:sp>
+          <p:nvSpPr>
+            <p:cNvPr id="60" name="TextBox 59">
+              <a:extLst>
+                <a:ext uri="{FF2B5EF4-FFF2-40B4-BE49-F238E27FC236}">
+                  <a16:creationId xmlns:a16="http://schemas.microsoft.com/office/drawing/2014/main" id="{B12FB0EF-B7FD-4835-A2EC-FA1488CBAEC6}"/>
+                </a:ext>
+              </a:extLst>
+            </p:cNvPr>
+            <p:cNvSpPr txBox="1"/>
+            <p:nvPr/>
+          </p:nvSpPr>
+          <p:spPr>
+            <a:xfrm flipH="1">
+              <a:off x="5343662" y="2047737"/>
+              <a:ext cx="1386039" cy="650300"/>
+            </a:xfrm>
+            <a:prstGeom prst="rect">
+              <a:avLst/>
+            </a:prstGeom>
+            <a:noFill/>
+          </p:spPr>
+          <p:txBody>
+            <a:bodyPr wrap="square" rtlCol="0">
+              <a:spAutoFit/>
+            </a:bodyPr>
+            <a:lstStyle/>
+            <a:p>
+              <a:r>
+                <a:rPr lang="el-GR" sz="3200" i="1" dirty="0"/>
+                <a:t>α</a:t>
+              </a:r>
+              <a:r>
+                <a:rPr lang="en-US" sz="3200" dirty="0"/>
+                <a:t>      </a:t>
+              </a:r>
+              <a:r>
+                <a:rPr lang="el-GR" sz="3200" dirty="0"/>
+                <a:t>α</a:t>
+              </a:r>
+              <a:endParaRPr lang="en-US" sz="3200" dirty="0"/>
+            </a:p>
+          </p:txBody>
+        </p:sp>
+        <p:sp>
+          <p:nvSpPr>
+            <p:cNvPr id="61" name="TextBox 60">
+              <a:extLst>
+                <a:ext uri="{FF2B5EF4-FFF2-40B4-BE49-F238E27FC236}">
+                  <a16:creationId xmlns:a16="http://schemas.microsoft.com/office/drawing/2014/main" id="{A9928BDC-96C2-4FF5-925B-8FC2D644D4CD}"/>
+                </a:ext>
+              </a:extLst>
+            </p:cNvPr>
+            <p:cNvSpPr txBox="1"/>
+            <p:nvPr/>
+          </p:nvSpPr>
+          <p:spPr>
+            <a:xfrm>
+              <a:off x="5588668" y="2396653"/>
+              <a:ext cx="412229" cy="410717"/>
+            </a:xfrm>
+            <a:prstGeom prst="rect">
+              <a:avLst/>
+            </a:prstGeom>
+            <a:noFill/>
+          </p:spPr>
+          <p:txBody>
+            <a:bodyPr wrap="none" rtlCol="0">
+              <a:spAutoFit/>
+            </a:bodyPr>
+            <a:lstStyle/>
+            <a:p>
+              <a:r>
+                <a:rPr lang="en-US" dirty="0"/>
+                <a:t>TT</a:t>
+              </a:r>
+            </a:p>
+          </p:txBody>
+        </p:sp>
+        <p:sp>
+          <p:nvSpPr>
+            <p:cNvPr id="62" name="TextBox 61">
+              <a:extLst>
+                <a:ext uri="{FF2B5EF4-FFF2-40B4-BE49-F238E27FC236}">
+                  <a16:creationId xmlns:a16="http://schemas.microsoft.com/office/drawing/2014/main" id="{655EA603-1167-4478-BB02-27BDAC0C83D8}"/>
+                </a:ext>
+              </a:extLst>
+            </p:cNvPr>
+            <p:cNvSpPr txBox="1"/>
+            <p:nvPr/>
+          </p:nvSpPr>
+          <p:spPr>
+            <a:xfrm>
+              <a:off x="6430133" y="2388995"/>
+              <a:ext cx="421462" cy="410717"/>
+            </a:xfrm>
+            <a:prstGeom prst="rect">
+              <a:avLst/>
+            </a:prstGeom>
+            <a:noFill/>
+          </p:spPr>
+          <p:txBody>
+            <a:bodyPr wrap="none" rtlCol="0">
+              <a:spAutoFit/>
+            </a:bodyPr>
+            <a:lstStyle/>
+            <a:p>
+              <a:r>
+                <a:rPr lang="en-US" dirty="0"/>
+                <a:t>CT</a:t>
+              </a:r>
+            </a:p>
+          </p:txBody>
+        </p:sp>
+        <p:sp>
+          <p:nvSpPr>
+            <p:cNvPr id="63" name="Rectangle 62">
+              <a:extLst>
+                <a:ext uri="{FF2B5EF4-FFF2-40B4-BE49-F238E27FC236}">
+                  <a16:creationId xmlns:a16="http://schemas.microsoft.com/office/drawing/2014/main" id="{1A714CFB-C358-4B01-A79D-F298707B30A8}"/>
+                </a:ext>
+              </a:extLst>
+            </p:cNvPr>
+            <p:cNvSpPr/>
+            <p:nvPr/>
+          </p:nvSpPr>
+          <p:spPr>
+            <a:xfrm>
+              <a:off x="5300949" y="2101880"/>
+              <a:ext cx="1684421" cy="664105"/>
+            </a:xfrm>
+            <a:prstGeom prst="rect">
+              <a:avLst/>
+            </a:prstGeom>
+            <a:noFill/>
+            <a:ln>
+              <a:prstDash val="solid"/>
+            </a:ln>
+          </p:spPr>
+          <p:style>
+            <a:lnRef idx="2">
+              <a:schemeClr val="accent1">
+                <a:shade val="50000"/>
+              </a:schemeClr>
+            </a:lnRef>
+            <a:fillRef idx="1">
+              <a:schemeClr val="accent1"/>
+            </a:fillRef>
+            <a:effectRef idx="0">
+              <a:schemeClr val="accent1"/>
+            </a:effectRef>
+            <a:fontRef idx="minor">
+              <a:schemeClr val="lt1"/>
+            </a:fontRef>
+          </p:style>
+          <p:txBody>
+            <a:bodyPr rtlCol="0" anchor="ctr"/>
+            <a:lstStyle/>
+            <a:p>
+              <a:pPr algn="ctr"/>
+              <a:endParaRPr lang="en-US"/>
+            </a:p>
+          </p:txBody>
+        </p:sp>
+      </p:grpSp>
+      <p:cxnSp>
+        <p:nvCxnSpPr>
+          <p:cNvPr id="66" name="Straight Arrow Connector 65">
+            <a:extLst>
+              <a:ext uri="{FF2B5EF4-FFF2-40B4-BE49-F238E27FC236}">
+                <a16:creationId xmlns:a16="http://schemas.microsoft.com/office/drawing/2014/main" id="{D769D996-F748-4A39-9124-5F71BAE327A9}"/>
+              </a:ext>
+            </a:extLst>
+          </p:cNvPr>
+          <p:cNvCxnSpPr>
+            <a:cxnSpLocks/>
+          </p:cNvCxnSpPr>
+          <p:nvPr/>
+        </p:nvCxnSpPr>
+        <p:spPr>
+          <a:xfrm flipV="1">
+            <a:off x="2345729" y="2446882"/>
+            <a:ext cx="834527" cy="1"/>
+          </a:xfrm>
+          <a:prstGeom prst="straightConnector1">
+            <a:avLst/>
+          </a:prstGeom>
+          <a:ln w="38100">
+            <a:tailEnd type="triangle"/>
+          </a:ln>
+        </p:spPr>
+        <p:style>
+          <a:lnRef idx="1">
+            <a:schemeClr val="accent1"/>
+          </a:lnRef>
+          <a:fillRef idx="0">
+            <a:schemeClr val="accent1"/>
+          </a:fillRef>
+          <a:effectRef idx="0">
+            <a:schemeClr val="accent1"/>
+          </a:effectRef>
+          <a:fontRef idx="minor">
+            <a:schemeClr val="tx1"/>
+          </a:fontRef>
+        </p:style>
+      </p:cxnSp>
+      <p:cxnSp>
+        <p:nvCxnSpPr>
+          <p:cNvPr id="67" name="Straight Arrow Connector 66">
+            <a:extLst>
+              <a:ext uri="{FF2B5EF4-FFF2-40B4-BE49-F238E27FC236}">
+                <a16:creationId xmlns:a16="http://schemas.microsoft.com/office/drawing/2014/main" id="{4E72346F-13D8-4F05-8BBC-DEC582131693}"/>
+              </a:ext>
+            </a:extLst>
+          </p:cNvPr>
+          <p:cNvCxnSpPr>
+            <a:cxnSpLocks/>
+          </p:cNvCxnSpPr>
+          <p:nvPr/>
+        </p:nvCxnSpPr>
+        <p:spPr>
+          <a:xfrm>
+            <a:off x="2347775" y="2437876"/>
+            <a:ext cx="2025122" cy="1422710"/>
+          </a:xfrm>
+          <a:prstGeom prst="straightConnector1">
+            <a:avLst/>
+          </a:prstGeom>
+          <a:ln w="38100">
+            <a:tailEnd type="triangle"/>
+          </a:ln>
+        </p:spPr>
+        <p:style>
+          <a:lnRef idx="1">
+            <a:schemeClr val="accent1"/>
+          </a:lnRef>
+          <a:fillRef idx="0">
+            <a:schemeClr val="accent1"/>
+          </a:fillRef>
+          <a:effectRef idx="0">
+            <a:schemeClr val="accent1"/>
+          </a:effectRef>
+          <a:fontRef idx="minor">
+            <a:schemeClr val="tx1"/>
+          </a:fontRef>
+        </p:style>
+      </p:cxnSp>
+      <p:cxnSp>
+        <p:nvCxnSpPr>
+          <p:cNvPr id="69" name="Straight Arrow Connector 68">
+            <a:extLst>
+              <a:ext uri="{FF2B5EF4-FFF2-40B4-BE49-F238E27FC236}">
+                <a16:creationId xmlns:a16="http://schemas.microsoft.com/office/drawing/2014/main" id="{8138BF2D-CF6E-4589-B721-E74AE246D859}"/>
+              </a:ext>
+            </a:extLst>
+          </p:cNvPr>
+          <p:cNvCxnSpPr>
+            <a:cxnSpLocks/>
+          </p:cNvCxnSpPr>
+          <p:nvPr/>
+        </p:nvCxnSpPr>
+        <p:spPr>
+          <a:xfrm flipV="1">
+            <a:off x="2330190" y="4205425"/>
+            <a:ext cx="834527" cy="1"/>
+          </a:xfrm>
+          <a:prstGeom prst="straightConnector1">
+            <a:avLst/>
+          </a:prstGeom>
+          <a:ln w="38100">
+            <a:solidFill>
+              <a:srgbClr val="FF9900"/>
+            </a:solidFill>
+            <a:prstDash val="solid"/>
+            <a:tailEnd type="triangle"/>
+          </a:ln>
+        </p:spPr>
+        <p:style>
+          <a:lnRef idx="1">
+            <a:schemeClr val="accent1"/>
+          </a:lnRef>
+          <a:fillRef idx="0">
+            <a:schemeClr val="accent1"/>
+          </a:fillRef>
+          <a:effectRef idx="0">
+            <a:schemeClr val="accent1"/>
+          </a:effectRef>
+          <a:fontRef idx="minor">
+            <a:schemeClr val="tx1"/>
+          </a:fontRef>
+        </p:style>
+      </p:cxnSp>
+      <p:cxnSp>
+        <p:nvCxnSpPr>
+          <p:cNvPr id="70" name="Straight Arrow Connector 69">
+            <a:extLst>
+              <a:ext uri="{FF2B5EF4-FFF2-40B4-BE49-F238E27FC236}">
+                <a16:creationId xmlns:a16="http://schemas.microsoft.com/office/drawing/2014/main" id="{7E0E1570-C313-4651-ABA0-01DB23A84D71}"/>
+              </a:ext>
+            </a:extLst>
+          </p:cNvPr>
+          <p:cNvCxnSpPr>
+            <a:cxnSpLocks/>
+          </p:cNvCxnSpPr>
+          <p:nvPr/>
+        </p:nvCxnSpPr>
+        <p:spPr>
+          <a:xfrm flipV="1">
+            <a:off x="2343431" y="2769993"/>
+            <a:ext cx="1951303" cy="1435434"/>
+          </a:xfrm>
+          <a:prstGeom prst="straightConnector1">
+            <a:avLst/>
+          </a:prstGeom>
+          <a:ln w="38100">
+            <a:solidFill>
+              <a:srgbClr val="FF9900"/>
+            </a:solidFill>
+            <a:prstDash val="solid"/>
+            <a:tailEnd type="triangle"/>
+          </a:ln>
+        </p:spPr>
+        <p:style>
+          <a:lnRef idx="1">
+            <a:schemeClr val="accent1"/>
+          </a:lnRef>
+          <a:fillRef idx="0">
+            <a:schemeClr val="accent1"/>
+          </a:fillRef>
+          <a:effectRef idx="0">
+            <a:schemeClr val="accent1"/>
+          </a:effectRef>
+          <a:fontRef idx="minor">
+            <a:schemeClr val="tx1"/>
+          </a:fontRef>
+        </p:style>
+      </p:cxnSp>
+      <p:cxnSp>
+        <p:nvCxnSpPr>
+          <p:cNvPr id="72" name="Straight Arrow Connector 71">
+            <a:extLst>
+              <a:ext uri="{FF2B5EF4-FFF2-40B4-BE49-F238E27FC236}">
+                <a16:creationId xmlns:a16="http://schemas.microsoft.com/office/drawing/2014/main" id="{5AC79266-0F7A-45E6-9B9E-18CDD6886EAA}"/>
+              </a:ext>
+            </a:extLst>
+          </p:cNvPr>
+          <p:cNvCxnSpPr>
+            <a:cxnSpLocks/>
+          </p:cNvCxnSpPr>
+          <p:nvPr/>
+        </p:nvCxnSpPr>
+        <p:spPr>
+          <a:xfrm flipV="1">
+            <a:off x="4837882" y="2446882"/>
+            <a:ext cx="834527" cy="1"/>
+          </a:xfrm>
+          <a:prstGeom prst="straightConnector1">
+            <a:avLst/>
+          </a:prstGeom>
+          <a:ln w="38100">
+            <a:tailEnd type="triangle"/>
+          </a:ln>
+        </p:spPr>
+        <p:style>
+          <a:lnRef idx="1">
+            <a:schemeClr val="accent1"/>
+          </a:lnRef>
+          <a:fillRef idx="0">
+            <a:schemeClr val="accent1"/>
+          </a:fillRef>
+          <a:effectRef idx="0">
+            <a:schemeClr val="accent1"/>
+          </a:effectRef>
+          <a:fontRef idx="minor">
+            <a:schemeClr val="tx1"/>
+          </a:fontRef>
+        </p:style>
+      </p:cxnSp>
+      <p:cxnSp>
+        <p:nvCxnSpPr>
+          <p:cNvPr id="73" name="Straight Arrow Connector 72">
+            <a:extLst>
+              <a:ext uri="{FF2B5EF4-FFF2-40B4-BE49-F238E27FC236}">
+                <a16:creationId xmlns:a16="http://schemas.microsoft.com/office/drawing/2014/main" id="{FD7544C0-7CC5-455E-A0D8-D7629B2D6D03}"/>
+              </a:ext>
+            </a:extLst>
+          </p:cNvPr>
+          <p:cNvCxnSpPr>
+            <a:cxnSpLocks/>
+          </p:cNvCxnSpPr>
+          <p:nvPr/>
+        </p:nvCxnSpPr>
+        <p:spPr>
+          <a:xfrm flipV="1">
+            <a:off x="4876674" y="4162314"/>
+            <a:ext cx="834527" cy="1"/>
+          </a:xfrm>
+          <a:prstGeom prst="straightConnector1">
+            <a:avLst/>
+          </a:prstGeom>
+          <a:ln w="38100">
+            <a:solidFill>
+              <a:srgbClr val="FF9900"/>
+            </a:solidFill>
+            <a:prstDash val="solid"/>
+            <a:tailEnd type="triangle"/>
+          </a:ln>
+        </p:spPr>
+        <p:style>
+          <a:lnRef idx="1">
+            <a:schemeClr val="accent1"/>
+          </a:lnRef>
+          <a:fillRef idx="0">
+            <a:schemeClr val="accent1"/>
+          </a:fillRef>
+          <a:effectRef idx="0">
+            <a:schemeClr val="accent1"/>
+          </a:effectRef>
+          <a:fontRef idx="minor">
+            <a:schemeClr val="tx1"/>
+          </a:fontRef>
+        </p:style>
+      </p:cxnSp>
+      <p:sp>
+        <p:nvSpPr>
+          <p:cNvPr id="74" name="Rectangle: Rounded Corners 73">
+            <a:extLst>
+              <a:ext uri="{FF2B5EF4-FFF2-40B4-BE49-F238E27FC236}">
+                <a16:creationId xmlns:a16="http://schemas.microsoft.com/office/drawing/2014/main" id="{DC8EBD5D-3AD4-4464-BDFC-C1E47FF110F5}"/>
+              </a:ext>
+            </a:extLst>
+          </p:cNvPr>
+          <p:cNvSpPr/>
+          <p:nvPr/>
+        </p:nvSpPr>
+        <p:spPr>
+          <a:xfrm>
+            <a:off x="5622728" y="2077107"/>
+            <a:ext cx="1912032" cy="802049"/>
+          </a:xfrm>
+          <a:prstGeom prst="roundRect">
+            <a:avLst/>
+          </a:prstGeom>
+          <a:solidFill>
+            <a:schemeClr val="accent2">
+              <a:lumMod val="20000"/>
+              <a:lumOff val="80000"/>
+            </a:schemeClr>
+          </a:solidFill>
+          <a:ln w="25400">
+            <a:solidFill>
+              <a:schemeClr val="accent2">
+                <a:lumMod val="75000"/>
+              </a:schemeClr>
+            </a:solidFill>
+          </a:ln>
+        </p:spPr>
+        <p:style>
+          <a:lnRef idx="2">
+            <a:schemeClr val="accent1">
+              <a:shade val="50000"/>
+            </a:schemeClr>
+          </a:lnRef>
+          <a:fillRef idx="1">
+            <a:schemeClr val="accent1"/>
+          </a:fillRef>
+          <a:effectRef idx="0">
+            <a:schemeClr val="accent1"/>
+          </a:effectRef>
+          <a:fontRef idx="minor">
+            <a:schemeClr val="lt1"/>
+          </a:fontRef>
+        </p:style>
+        <p:txBody>
+          <a:bodyPr rtlCol="0" anchor="ctr"/>
+          <a:lstStyle/>
+          <a:p>
+            <a:pPr algn="ctr"/>
+            <a:r>
+              <a:rPr lang="en-US" dirty="0">
+                <a:solidFill>
+                  <a:schemeClr val="tx1"/>
+                </a:solidFill>
+              </a:rPr>
+              <a:t>Tree Context Learning (CCL*)</a:t>
+            </a:r>
+          </a:p>
+        </p:txBody>
+      </p:sp>
+      <p:sp>
+        <p:nvSpPr>
+          <p:cNvPr id="76" name="Rectangle: Rounded Corners 75">
+            <a:extLst>
+              <a:ext uri="{FF2B5EF4-FFF2-40B4-BE49-F238E27FC236}">
+                <a16:creationId xmlns:a16="http://schemas.microsoft.com/office/drawing/2014/main" id="{C386EC99-0A50-48B9-8ECC-1F849C9F98E4}"/>
+              </a:ext>
+            </a:extLst>
+          </p:cNvPr>
+          <p:cNvSpPr/>
+          <p:nvPr/>
+        </p:nvSpPr>
+        <p:spPr>
+          <a:xfrm>
+            <a:off x="5672409" y="3710866"/>
+            <a:ext cx="1909735" cy="902896"/>
+          </a:xfrm>
+          <a:prstGeom prst="roundRect">
+            <a:avLst/>
+          </a:prstGeom>
+          <a:solidFill>
+            <a:schemeClr val="accent2">
+              <a:lumMod val="20000"/>
+              <a:lumOff val="80000"/>
+            </a:schemeClr>
+          </a:solidFill>
+          <a:ln w="25400">
+            <a:solidFill>
+              <a:schemeClr val="accent2">
+                <a:lumMod val="75000"/>
+              </a:schemeClr>
+            </a:solidFill>
+          </a:ln>
+        </p:spPr>
+        <p:style>
+          <a:lnRef idx="2">
+            <a:schemeClr val="accent1">
+              <a:shade val="50000"/>
+            </a:schemeClr>
+          </a:lnRef>
+          <a:fillRef idx="1">
+            <a:schemeClr val="accent1"/>
+          </a:fillRef>
+          <a:effectRef idx="0">
+            <a:schemeClr val="accent1"/>
+          </a:effectRef>
+          <a:fontRef idx="minor">
+            <a:schemeClr val="lt1"/>
+          </a:fontRef>
+        </p:style>
+        <p:txBody>
+          <a:bodyPr rtlCol="0" anchor="ctr"/>
+          <a:lstStyle/>
+          <a:p>
+            <a:pPr algn="ctr"/>
+            <a:r>
+              <a:rPr lang="en-US" dirty="0">
+                <a:solidFill>
+                  <a:schemeClr val="tx1"/>
+                </a:solidFill>
+              </a:rPr>
+              <a:t>Tree-based Transformation Learning (CTL*)</a:t>
+            </a:r>
+          </a:p>
+        </p:txBody>
+      </p:sp>
+      <p:cxnSp>
+        <p:nvCxnSpPr>
+          <p:cNvPr id="78" name="Straight Arrow Connector 77">
+            <a:extLst>
+              <a:ext uri="{FF2B5EF4-FFF2-40B4-BE49-F238E27FC236}">
+                <a16:creationId xmlns:a16="http://schemas.microsoft.com/office/drawing/2014/main" id="{E3DBCD60-308B-4BC6-A1C0-6B9F270C7BE1}"/>
+              </a:ext>
+            </a:extLst>
+          </p:cNvPr>
+          <p:cNvCxnSpPr>
+            <a:cxnSpLocks/>
+          </p:cNvCxnSpPr>
+          <p:nvPr/>
+        </p:nvCxnSpPr>
+        <p:spPr>
+          <a:xfrm flipV="1">
+            <a:off x="7534760" y="2480275"/>
+            <a:ext cx="352762" cy="1"/>
+          </a:xfrm>
+          <a:prstGeom prst="straightConnector1">
+            <a:avLst/>
+          </a:prstGeom>
+          <a:ln w="38100">
+            <a:tailEnd type="triangle"/>
+          </a:ln>
+        </p:spPr>
+        <p:style>
+          <a:lnRef idx="1">
+            <a:schemeClr val="accent1"/>
+          </a:lnRef>
+          <a:fillRef idx="0">
+            <a:schemeClr val="accent1"/>
+          </a:fillRef>
+          <a:effectRef idx="0">
+            <a:schemeClr val="accent1"/>
+          </a:effectRef>
+          <a:fontRef idx="minor">
+            <a:schemeClr val="tx1"/>
+          </a:fontRef>
+        </p:style>
+      </p:cxnSp>
+      <p:cxnSp>
+        <p:nvCxnSpPr>
+          <p:cNvPr id="81" name="Straight Arrow Connector 80">
+            <a:extLst>
+              <a:ext uri="{FF2B5EF4-FFF2-40B4-BE49-F238E27FC236}">
+                <a16:creationId xmlns:a16="http://schemas.microsoft.com/office/drawing/2014/main" id="{E939C42C-3443-43A6-A318-4D10312E7E1A}"/>
+              </a:ext>
+            </a:extLst>
+          </p:cNvPr>
+          <p:cNvCxnSpPr>
+            <a:cxnSpLocks/>
+          </p:cNvCxnSpPr>
+          <p:nvPr/>
+        </p:nvCxnSpPr>
+        <p:spPr>
+          <a:xfrm flipV="1">
+            <a:off x="7594429" y="4162315"/>
+            <a:ext cx="293093" cy="1"/>
+          </a:xfrm>
+          <a:prstGeom prst="straightConnector1">
+            <a:avLst/>
+          </a:prstGeom>
+          <a:ln w="38100">
+            <a:solidFill>
+              <a:srgbClr val="FF9900"/>
+            </a:solidFill>
+            <a:prstDash val="solid"/>
+            <a:tailEnd type="triangle"/>
+          </a:ln>
+        </p:spPr>
+        <p:style>
+          <a:lnRef idx="1">
+            <a:schemeClr val="accent1"/>
+          </a:lnRef>
+          <a:fillRef idx="0">
+            <a:schemeClr val="accent1"/>
+          </a:fillRef>
+          <a:effectRef idx="0">
+            <a:schemeClr val="accent1"/>
+          </a:effectRef>
+          <a:fontRef idx="minor">
+            <a:schemeClr val="tx1"/>
+          </a:fontRef>
+        </p:style>
+      </p:cxnSp>
+      <p:sp>
+        <p:nvSpPr>
+          <p:cNvPr id="83" name="TextBox 82">
+            <a:extLst>
+              <a:ext uri="{FF2B5EF4-FFF2-40B4-BE49-F238E27FC236}">
+                <a16:creationId xmlns:a16="http://schemas.microsoft.com/office/drawing/2014/main" id="{6F46ABBF-E73B-44AD-B1DC-303F32B67FD2}"/>
+              </a:ext>
+            </a:extLst>
+          </p:cNvPr>
+          <p:cNvSpPr txBox="1"/>
+          <p:nvPr/>
+        </p:nvSpPr>
+        <p:spPr>
+          <a:xfrm>
+            <a:off x="4948737" y="3074516"/>
+            <a:ext cx="1865704" cy="400110"/>
+          </a:xfrm>
+          <a:prstGeom prst="rect">
+            <a:avLst/>
+          </a:prstGeom>
+          <a:noFill/>
+        </p:spPr>
+        <p:txBody>
+          <a:bodyPr wrap="none" rtlCol="0">
+            <a:spAutoFit/>
+          </a:bodyPr>
+          <a:lstStyle/>
+          <a:p>
+            <a:r>
+              <a:rPr lang="en-US" sz="2000" dirty="0"/>
+              <a:t>Cross-stitch unit</a:t>
+            </a:r>
+          </a:p>
+        </p:txBody>
+      </p:sp>
+    </p:spTree>
+    <p:extLst>
+      <p:ext uri="{BB962C8B-B14F-4D97-AF65-F5344CB8AC3E}">
+        <p14:creationId xmlns:p14="http://schemas.microsoft.com/office/powerpoint/2010/main" val="2318333878"/>
+      </p:ext>
+    </p:extLst>
+  </p:cSld>
+  <p:clrMapOvr>
+    <a:masterClrMapping/>
+  </p:clrMapOvr>
+</p:sld>
+</file>
+
+<file path=ppt/slides/slide9.xml><?xml version="1.0" encoding="utf-8"?>
+<p:sld xmlns:a="http://schemas.openxmlformats.org/drawingml/2006/main" xmlns:r="http://schemas.openxmlformats.org/officeDocument/2006/relationships" xmlns:p="http://schemas.openxmlformats.org/presentationml/2006/main">
+  <p:cSld>
+    <p:spTree>
+      <p:nvGrpSpPr>
+        <p:cNvPr id="1" name=""/>
+        <p:cNvGrpSpPr/>
+        <p:nvPr/>
+      </p:nvGrpSpPr>
+      <p:grpSpPr>
+        <a:xfrm>
+          <a:off x="0" y="0"/>
+          <a:ext cx="0" cy="0"/>
+          <a:chOff x="0" y="0"/>
+          <a:chExt cx="0" cy="0"/>
+        </a:xfrm>
+      </p:grpSpPr>
+      <p:sp>
+        <p:nvSpPr>
+          <p:cNvPr id="5" name="Rectangle 4">
+            <a:extLst>
+              <a:ext uri="{FF2B5EF4-FFF2-40B4-BE49-F238E27FC236}">
+                <a16:creationId xmlns:a16="http://schemas.microsoft.com/office/drawing/2014/main" id="{9A93CA8F-BF8F-4C8D-B5F1-BEBA2694A845}"/>
+              </a:ext>
+            </a:extLst>
+          </p:cNvPr>
+          <p:cNvSpPr/>
+          <p:nvPr/>
+        </p:nvSpPr>
+        <p:spPr>
+          <a:xfrm>
+            <a:off x="3347517" y="2669180"/>
+            <a:ext cx="1838094" cy="1434810"/>
+          </a:xfrm>
+          <a:prstGeom prst="rect">
+            <a:avLst/>
+          </a:prstGeom>
+          <a:solidFill>
+            <a:schemeClr val="accent6">
+              <a:lumMod val="20000"/>
+              <a:lumOff val="80000"/>
+            </a:schemeClr>
+          </a:solidFill>
+          <a:ln>
+            <a:solidFill>
+              <a:schemeClr val="accent6">
+                <a:lumMod val="75000"/>
+              </a:schemeClr>
+            </a:solidFill>
+          </a:ln>
+        </p:spPr>
+        <p:style>
+          <a:lnRef idx="2">
+            <a:schemeClr val="accent1">
+              <a:shade val="50000"/>
+            </a:schemeClr>
+          </a:lnRef>
+          <a:fillRef idx="1">
+            <a:schemeClr val="accent1"/>
+          </a:fillRef>
+          <a:effectRef idx="0">
+            <a:schemeClr val="accent1"/>
+          </a:effectRef>
+          <a:fontRef idx="minor">
+            <a:schemeClr val="lt1"/>
+          </a:fontRef>
+        </p:style>
+        <p:txBody>
+          <a:bodyPr rtlCol="0" anchor="ctr"/>
+          <a:lstStyle/>
+          <a:p>
+            <a:pPr algn="ctr"/>
+            <a:endParaRPr lang="en-US" dirty="0">
+              <a:solidFill>
+                <a:schemeClr val="tx1"/>
+              </a:solidFill>
+            </a:endParaRPr>
+          </a:p>
+        </p:txBody>
+      </p:sp>
+      <p:sp>
+        <p:nvSpPr>
+          <p:cNvPr id="6" name="Rectangle 5">
+            <a:extLst>
+              <a:ext uri="{FF2B5EF4-FFF2-40B4-BE49-F238E27FC236}">
+                <a16:creationId xmlns:a16="http://schemas.microsoft.com/office/drawing/2014/main" id="{801540E7-B7B9-464E-A30A-B924FB0B0EAA}"/>
+              </a:ext>
+            </a:extLst>
+          </p:cNvPr>
+          <p:cNvSpPr/>
+          <p:nvPr/>
+        </p:nvSpPr>
+        <p:spPr>
+          <a:xfrm>
+            <a:off x="1546058" y="1015707"/>
+            <a:ext cx="5282332" cy="1476082"/>
+          </a:xfrm>
+          <a:prstGeom prst="rect">
+            <a:avLst/>
+          </a:prstGeom>
+          <a:noFill/>
+          <a:ln w="9525">
+            <a:prstDash val="dash"/>
+          </a:ln>
+        </p:spPr>
+        <p:style>
+          <a:lnRef idx="2">
+            <a:schemeClr val="accent1">
+              <a:shade val="50000"/>
+            </a:schemeClr>
+          </a:lnRef>
+          <a:fillRef idx="1">
+            <a:schemeClr val="accent1"/>
+          </a:fillRef>
+          <a:effectRef idx="0">
+            <a:schemeClr val="accent1"/>
+          </a:effectRef>
+          <a:fontRef idx="minor">
+            <a:schemeClr val="lt1"/>
+          </a:fontRef>
+        </p:style>
+        <p:txBody>
+          <a:bodyPr rtlCol="0" anchor="ctr"/>
+          <a:lstStyle/>
+          <a:p>
+            <a:pPr algn="ctr"/>
+            <a:endParaRPr lang="en-US"/>
+          </a:p>
+        </p:txBody>
+      </p:sp>
+      <p:grpSp>
+        <p:nvGrpSpPr>
+          <p:cNvPr id="7" name="Group 6">
+            <a:extLst>
+              <a:ext uri="{FF2B5EF4-FFF2-40B4-BE49-F238E27FC236}">
+                <a16:creationId xmlns:a16="http://schemas.microsoft.com/office/drawing/2014/main" id="{6B141AF6-E70E-45EA-A77E-6529C49F1E23}"/>
+              </a:ext>
+            </a:extLst>
+          </p:cNvPr>
+          <p:cNvGrpSpPr/>
+          <p:nvPr/>
+        </p:nvGrpSpPr>
+        <p:grpSpPr>
+          <a:xfrm>
+            <a:off x="3424352" y="2692772"/>
+            <a:ext cx="1684421" cy="645876"/>
+            <a:chOff x="5275847" y="1329489"/>
+            <a:chExt cx="1684421" cy="718248"/>
+          </a:xfrm>
+        </p:grpSpPr>
+        <p:sp>
+          <p:nvSpPr>
+            <p:cNvPr id="45" name="TextBox 44">
+              <a:extLst>
+                <a:ext uri="{FF2B5EF4-FFF2-40B4-BE49-F238E27FC236}">
+                  <a16:creationId xmlns:a16="http://schemas.microsoft.com/office/drawing/2014/main" id="{B6B01A55-2092-4DD5-B985-4C1FF2593078}"/>
+                </a:ext>
+              </a:extLst>
+            </p:cNvPr>
+            <p:cNvSpPr txBox="1"/>
+            <p:nvPr/>
+          </p:nvSpPr>
+          <p:spPr>
+            <a:xfrm flipH="1">
+              <a:off x="5333597" y="1329489"/>
+              <a:ext cx="1386039" cy="584775"/>
+            </a:xfrm>
+            <a:prstGeom prst="rect">
+              <a:avLst/>
+            </a:prstGeom>
+            <a:noFill/>
+          </p:spPr>
+          <p:txBody>
+            <a:bodyPr wrap="square" rtlCol="0">
+              <a:spAutoFit/>
+            </a:bodyPr>
+            <a:lstStyle/>
+            <a:p>
+              <a:r>
+                <a:rPr lang="el-GR" sz="3200" dirty="0"/>
+                <a:t>α</a:t>
+              </a:r>
+              <a:r>
+                <a:rPr lang="en-US" sz="3200" dirty="0"/>
+                <a:t>      </a:t>
+              </a:r>
+              <a:r>
+                <a:rPr lang="el-GR" sz="3200" dirty="0"/>
+                <a:t>α</a:t>
+              </a:r>
+              <a:endParaRPr lang="en-US" sz="3200" dirty="0"/>
+            </a:p>
+          </p:txBody>
+        </p:sp>
+        <p:sp>
+          <p:nvSpPr>
+            <p:cNvPr id="46" name="TextBox 45">
+              <a:extLst>
+                <a:ext uri="{FF2B5EF4-FFF2-40B4-BE49-F238E27FC236}">
+                  <a16:creationId xmlns:a16="http://schemas.microsoft.com/office/drawing/2014/main" id="{7E488901-8AAB-4A1E-8095-BF330FA0AF31}"/>
+                </a:ext>
+              </a:extLst>
+            </p:cNvPr>
+            <p:cNvSpPr txBox="1"/>
+            <p:nvPr/>
+          </p:nvSpPr>
+          <p:spPr>
+            <a:xfrm>
+              <a:off x="5588668" y="1678405"/>
+              <a:ext cx="579005" cy="369332"/>
+            </a:xfrm>
+            <a:prstGeom prst="rect">
+              <a:avLst/>
+            </a:prstGeom>
+            <a:noFill/>
+          </p:spPr>
+          <p:txBody>
+            <a:bodyPr wrap="none" rtlCol="0">
+              <a:spAutoFit/>
+            </a:bodyPr>
+            <a:lstStyle/>
+            <a:p>
+              <a:r>
+                <a:rPr lang="en-US" dirty="0"/>
+                <a:t>MM</a:t>
+              </a:r>
+            </a:p>
+          </p:txBody>
+        </p:sp>
+        <p:sp>
+          <p:nvSpPr>
+            <p:cNvPr id="47" name="TextBox 46">
+              <a:extLst>
+                <a:ext uri="{FF2B5EF4-FFF2-40B4-BE49-F238E27FC236}">
+                  <a16:creationId xmlns:a16="http://schemas.microsoft.com/office/drawing/2014/main" id="{3E8194AB-A5EA-4837-9365-2A765DD23CE5}"/>
+                </a:ext>
+              </a:extLst>
+            </p:cNvPr>
+            <p:cNvSpPr txBox="1"/>
+            <p:nvPr/>
+          </p:nvSpPr>
+          <p:spPr>
+            <a:xfrm>
+              <a:off x="6430133" y="1670747"/>
+              <a:ext cx="487634" cy="369332"/>
+            </a:xfrm>
+            <a:prstGeom prst="rect">
+              <a:avLst/>
+            </a:prstGeom>
+            <a:noFill/>
+          </p:spPr>
+          <p:txBody>
+            <a:bodyPr wrap="none" rtlCol="0">
+              <a:spAutoFit/>
+            </a:bodyPr>
+            <a:lstStyle/>
+            <a:p>
+              <a:r>
+                <a:rPr lang="en-US" dirty="0"/>
+                <a:t>SM</a:t>
+              </a:r>
+            </a:p>
+          </p:txBody>
+        </p:sp>
+        <p:sp>
+          <p:nvSpPr>
+            <p:cNvPr id="48" name="Rectangle 47">
+              <a:extLst>
+                <a:ext uri="{FF2B5EF4-FFF2-40B4-BE49-F238E27FC236}">
+                  <a16:creationId xmlns:a16="http://schemas.microsoft.com/office/drawing/2014/main" id="{5D3336F7-7B8B-4E13-B52C-C716A2493E6B}"/>
+                </a:ext>
+              </a:extLst>
+            </p:cNvPr>
+            <p:cNvSpPr/>
+            <p:nvPr/>
+          </p:nvSpPr>
+          <p:spPr>
+            <a:xfrm>
+              <a:off x="5275847" y="1383632"/>
+              <a:ext cx="1684421" cy="664105"/>
+            </a:xfrm>
+            <a:prstGeom prst="rect">
+              <a:avLst/>
+            </a:prstGeom>
+            <a:noFill/>
+            <a:ln>
+              <a:prstDash val="solid"/>
+            </a:ln>
+          </p:spPr>
+          <p:style>
+            <a:lnRef idx="2">
+              <a:schemeClr val="accent1">
+                <a:shade val="50000"/>
+              </a:schemeClr>
+            </a:lnRef>
+            <a:fillRef idx="1">
+              <a:schemeClr val="accent1"/>
+            </a:fillRef>
+            <a:effectRef idx="0">
+              <a:schemeClr val="accent1"/>
+            </a:effectRef>
+            <a:fontRef idx="minor">
+              <a:schemeClr val="lt1"/>
+            </a:fontRef>
+          </p:style>
+          <p:txBody>
+            <a:bodyPr rtlCol="0" anchor="ctr"/>
+            <a:lstStyle/>
+            <a:p>
+              <a:pPr algn="ctr"/>
+              <a:endParaRPr lang="en-US"/>
+            </a:p>
+          </p:txBody>
+        </p:sp>
+      </p:grpSp>
+      <p:grpSp>
+        <p:nvGrpSpPr>
+          <p:cNvPr id="8" name="Group 7">
+            <a:extLst>
+              <a:ext uri="{FF2B5EF4-FFF2-40B4-BE49-F238E27FC236}">
+                <a16:creationId xmlns:a16="http://schemas.microsoft.com/office/drawing/2014/main" id="{5F696B71-430A-4F40-BC1E-0C2A4C067328}"/>
+              </a:ext>
+            </a:extLst>
+          </p:cNvPr>
+          <p:cNvGrpSpPr/>
+          <p:nvPr/>
+        </p:nvGrpSpPr>
+        <p:grpSpPr>
+          <a:xfrm>
+            <a:off x="3424353" y="3410928"/>
+            <a:ext cx="1684421" cy="645876"/>
+            <a:chOff x="5300949" y="2047737"/>
+            <a:chExt cx="1684421" cy="718248"/>
+          </a:xfrm>
+        </p:grpSpPr>
+        <p:sp>
+          <p:nvSpPr>
+            <p:cNvPr id="41" name="TextBox 40">
+              <a:extLst>
+                <a:ext uri="{FF2B5EF4-FFF2-40B4-BE49-F238E27FC236}">
+                  <a16:creationId xmlns:a16="http://schemas.microsoft.com/office/drawing/2014/main" id="{E8998084-E24A-462F-9E39-A34EF13839F3}"/>
+                </a:ext>
+              </a:extLst>
+            </p:cNvPr>
+            <p:cNvSpPr txBox="1"/>
+            <p:nvPr/>
+          </p:nvSpPr>
+          <p:spPr>
+            <a:xfrm flipH="1">
+              <a:off x="5343662" y="2047737"/>
+              <a:ext cx="1386039" cy="584775"/>
+            </a:xfrm>
+            <a:prstGeom prst="rect">
+              <a:avLst/>
+            </a:prstGeom>
+            <a:noFill/>
+          </p:spPr>
+          <p:txBody>
+            <a:bodyPr wrap="square" rtlCol="0">
+              <a:spAutoFit/>
+            </a:bodyPr>
+            <a:lstStyle/>
+            <a:p>
+              <a:r>
+                <a:rPr lang="el-GR" sz="3200" dirty="0"/>
+                <a:t>α</a:t>
+              </a:r>
+              <a:r>
+                <a:rPr lang="en-US" sz="3200" dirty="0"/>
+                <a:t>      </a:t>
+              </a:r>
+              <a:r>
+                <a:rPr lang="el-GR" sz="3200" dirty="0"/>
+                <a:t>α</a:t>
+              </a:r>
+              <a:endParaRPr lang="en-US" sz="3200" dirty="0"/>
+            </a:p>
+          </p:txBody>
+        </p:sp>
+        <p:sp>
+          <p:nvSpPr>
+            <p:cNvPr id="42" name="TextBox 41">
+              <a:extLst>
+                <a:ext uri="{FF2B5EF4-FFF2-40B4-BE49-F238E27FC236}">
+                  <a16:creationId xmlns:a16="http://schemas.microsoft.com/office/drawing/2014/main" id="{1493D402-7515-418E-A985-D8412C422764}"/>
+                </a:ext>
+              </a:extLst>
+            </p:cNvPr>
+            <p:cNvSpPr txBox="1"/>
+            <p:nvPr/>
+          </p:nvSpPr>
+          <p:spPr>
+            <a:xfrm>
+              <a:off x="5588668" y="2396653"/>
+              <a:ext cx="396262" cy="369332"/>
+            </a:xfrm>
+            <a:prstGeom prst="rect">
+              <a:avLst/>
+            </a:prstGeom>
+            <a:noFill/>
+          </p:spPr>
+          <p:txBody>
+            <a:bodyPr wrap="none" rtlCol="0">
+              <a:spAutoFit/>
+            </a:bodyPr>
+            <a:lstStyle/>
+            <a:p>
+              <a:r>
+                <a:rPr lang="en-US" dirty="0"/>
+                <a:t>SS</a:t>
+              </a:r>
+            </a:p>
+          </p:txBody>
+        </p:sp>
+        <p:sp>
+          <p:nvSpPr>
+            <p:cNvPr id="43" name="TextBox 42">
+              <a:extLst>
+                <a:ext uri="{FF2B5EF4-FFF2-40B4-BE49-F238E27FC236}">
+                  <a16:creationId xmlns:a16="http://schemas.microsoft.com/office/drawing/2014/main" id="{512DFBF1-099E-467D-BB36-3A80719B6D30}"/>
+                </a:ext>
+              </a:extLst>
+            </p:cNvPr>
+            <p:cNvSpPr txBox="1"/>
+            <p:nvPr/>
+          </p:nvSpPr>
+          <p:spPr>
+            <a:xfrm>
+              <a:off x="6430133" y="2388995"/>
+              <a:ext cx="487634" cy="369332"/>
+            </a:xfrm>
+            <a:prstGeom prst="rect">
+              <a:avLst/>
+            </a:prstGeom>
+            <a:noFill/>
+          </p:spPr>
+          <p:txBody>
+            <a:bodyPr wrap="none" rtlCol="0">
+              <a:spAutoFit/>
+            </a:bodyPr>
+            <a:lstStyle/>
+            <a:p>
+              <a:r>
+                <a:rPr lang="en-US" dirty="0"/>
+                <a:t>MS</a:t>
+              </a:r>
+            </a:p>
+          </p:txBody>
+        </p:sp>
+        <p:sp>
+          <p:nvSpPr>
+            <p:cNvPr id="44" name="Rectangle 43">
+              <a:extLst>
+                <a:ext uri="{FF2B5EF4-FFF2-40B4-BE49-F238E27FC236}">
+                  <a16:creationId xmlns:a16="http://schemas.microsoft.com/office/drawing/2014/main" id="{5038DCAE-BC58-40A1-BCDB-5FF0AD5EA9DA}"/>
+                </a:ext>
+              </a:extLst>
+            </p:cNvPr>
+            <p:cNvSpPr/>
+            <p:nvPr/>
+          </p:nvSpPr>
+          <p:spPr>
+            <a:xfrm>
+              <a:off x="5300949" y="2101880"/>
+              <a:ext cx="1684421" cy="664105"/>
+            </a:xfrm>
+            <a:prstGeom prst="rect">
+              <a:avLst/>
+            </a:prstGeom>
+            <a:noFill/>
+            <a:ln>
+              <a:prstDash val="solid"/>
+            </a:ln>
+          </p:spPr>
+          <p:style>
+            <a:lnRef idx="2">
+              <a:schemeClr val="accent1">
+                <a:shade val="50000"/>
+              </a:schemeClr>
+            </a:lnRef>
+            <a:fillRef idx="1">
+              <a:schemeClr val="accent1"/>
+            </a:fillRef>
+            <a:effectRef idx="0">
+              <a:schemeClr val="accent1"/>
+            </a:effectRef>
+            <a:fontRef idx="minor">
+              <a:schemeClr val="lt1"/>
+            </a:fontRef>
+          </p:style>
+          <p:txBody>
+            <a:bodyPr rtlCol="0" anchor="ctr"/>
+            <a:lstStyle/>
+            <a:p>
+              <a:pPr algn="ctr"/>
+              <a:endParaRPr lang="en-US"/>
+            </a:p>
+          </p:txBody>
+        </p:sp>
+      </p:grpSp>
+      <p:sp>
+        <p:nvSpPr>
+          <p:cNvPr id="9" name="TextBox 8">
+            <a:extLst>
+              <a:ext uri="{FF2B5EF4-FFF2-40B4-BE49-F238E27FC236}">
+                <a16:creationId xmlns:a16="http://schemas.microsoft.com/office/drawing/2014/main" id="{6BA2C076-68ED-4DDE-AA84-698362837EAF}"/>
+              </a:ext>
+            </a:extLst>
+          </p:cNvPr>
+          <p:cNvSpPr txBox="1"/>
+          <p:nvPr/>
+        </p:nvSpPr>
+        <p:spPr>
+          <a:xfrm>
+            <a:off x="2723101" y="984612"/>
+            <a:ext cx="3104595" cy="332117"/>
+          </a:xfrm>
+          <a:prstGeom prst="rect">
+            <a:avLst/>
+          </a:prstGeom>
+          <a:noFill/>
+        </p:spPr>
+        <p:txBody>
+          <a:bodyPr wrap="square" rtlCol="0">
+            <a:spAutoFit/>
+          </a:bodyPr>
+          <a:lstStyle/>
+          <a:p>
+            <a:pPr algn="ctr"/>
+            <a:r>
+              <a:rPr lang="en-US" b="1" i="1" dirty="0"/>
+              <a:t>GCN-based </a:t>
+            </a:r>
+            <a:r>
+              <a:rPr lang="en-US" b="1" i="1" dirty="0" err="1"/>
+              <a:t>MethFL</a:t>
+            </a:r>
+            <a:endParaRPr lang="en-US" b="1" i="1" dirty="0"/>
+          </a:p>
+        </p:txBody>
+      </p:sp>
+      <p:sp>
+        <p:nvSpPr>
+          <p:cNvPr id="10" name="Rectangle: Rounded Corners 9">
+            <a:extLst>
+              <a:ext uri="{FF2B5EF4-FFF2-40B4-BE49-F238E27FC236}">
+                <a16:creationId xmlns:a16="http://schemas.microsoft.com/office/drawing/2014/main" id="{220C9E06-91FA-446F-98D6-E8B1109E9AED}"/>
+              </a:ext>
+            </a:extLst>
+          </p:cNvPr>
+          <p:cNvSpPr/>
+          <p:nvPr/>
+        </p:nvSpPr>
+        <p:spPr>
+          <a:xfrm>
+            <a:off x="2443234" y="1242529"/>
+            <a:ext cx="273678" cy="1141355"/>
+          </a:xfrm>
+          <a:prstGeom prst="roundRect">
+            <a:avLst/>
+          </a:prstGeom>
+          <a:solidFill>
+            <a:schemeClr val="accent5">
+              <a:lumMod val="40000"/>
+              <a:lumOff val="60000"/>
+            </a:schemeClr>
+          </a:solidFill>
+          <a:ln>
+            <a:solidFill>
+              <a:schemeClr val="accent5">
+                <a:lumMod val="75000"/>
+              </a:schemeClr>
+            </a:solidFill>
+          </a:ln>
+        </p:spPr>
+        <p:style>
+          <a:lnRef idx="2">
+            <a:schemeClr val="accent1">
+              <a:shade val="50000"/>
+            </a:schemeClr>
+          </a:lnRef>
+          <a:fillRef idx="1">
+            <a:schemeClr val="accent1"/>
+          </a:fillRef>
+          <a:effectRef idx="0">
+            <a:schemeClr val="accent1"/>
+          </a:effectRef>
+          <a:fontRef idx="minor">
+            <a:schemeClr val="lt1"/>
+          </a:fontRef>
+        </p:style>
+        <p:txBody>
+          <a:bodyPr rtlCol="0" anchor="ctr"/>
+          <a:lstStyle/>
+          <a:p>
+            <a:pPr algn="ctr"/>
+            <a:endParaRPr lang="en-US" dirty="0"/>
+          </a:p>
+        </p:txBody>
+      </p:sp>
+      <p:sp>
+        <p:nvSpPr>
+          <p:cNvPr id="11" name="Rectangle: Rounded Corners 10">
+            <a:extLst>
+              <a:ext uri="{FF2B5EF4-FFF2-40B4-BE49-F238E27FC236}">
+                <a16:creationId xmlns:a16="http://schemas.microsoft.com/office/drawing/2014/main" id="{6D753F41-C2A0-4016-BCD4-03AB41666476}"/>
+              </a:ext>
+            </a:extLst>
+          </p:cNvPr>
+          <p:cNvSpPr/>
+          <p:nvPr/>
+        </p:nvSpPr>
+        <p:spPr>
+          <a:xfrm>
+            <a:off x="1741619" y="1238153"/>
+            <a:ext cx="301228" cy="1138478"/>
+          </a:xfrm>
+          <a:prstGeom prst="roundRect">
+            <a:avLst/>
+          </a:prstGeom>
+          <a:solidFill>
+            <a:schemeClr val="accent2">
+              <a:lumMod val="60000"/>
+              <a:lumOff val="40000"/>
+            </a:schemeClr>
+          </a:solidFill>
+          <a:ln>
+            <a:solidFill>
+              <a:schemeClr val="accent2">
+                <a:lumMod val="75000"/>
+              </a:schemeClr>
+            </a:solidFill>
+          </a:ln>
+        </p:spPr>
+        <p:style>
+          <a:lnRef idx="2">
+            <a:schemeClr val="accent1">
+              <a:shade val="50000"/>
+            </a:schemeClr>
+          </a:lnRef>
+          <a:fillRef idx="1">
+            <a:schemeClr val="accent1"/>
+          </a:fillRef>
+          <a:effectRef idx="0">
+            <a:schemeClr val="accent1"/>
+          </a:effectRef>
+          <a:fontRef idx="minor">
+            <a:schemeClr val="lt1"/>
+          </a:fontRef>
+        </p:style>
+        <p:txBody>
+          <a:bodyPr rtlCol="0" anchor="ctr"/>
+          <a:lstStyle/>
+          <a:p>
+            <a:pPr algn="ctr"/>
+            <a:endParaRPr lang="en-US" dirty="0"/>
+          </a:p>
+        </p:txBody>
+      </p:sp>
+      <p:cxnSp>
+        <p:nvCxnSpPr>
+          <p:cNvPr id="12" name="Straight Arrow Connector 11">
+            <a:extLst>
+              <a:ext uri="{FF2B5EF4-FFF2-40B4-BE49-F238E27FC236}">
+                <a16:creationId xmlns:a16="http://schemas.microsoft.com/office/drawing/2014/main" id="{C972ECC2-72F8-4020-A1CC-9EEAFE9CF9F7}"/>
+              </a:ext>
+            </a:extLst>
+          </p:cNvPr>
+          <p:cNvCxnSpPr>
+            <a:cxnSpLocks/>
+          </p:cNvCxnSpPr>
+          <p:nvPr/>
+        </p:nvCxnSpPr>
+        <p:spPr>
+          <a:xfrm>
+            <a:off x="2042187" y="1807737"/>
+            <a:ext cx="400594" cy="0"/>
+          </a:xfrm>
+          <a:prstGeom prst="straightConnector1">
+            <a:avLst/>
+          </a:prstGeom>
+          <a:ln w="12700">
+            <a:tailEnd type="triangle"/>
+          </a:ln>
+        </p:spPr>
+        <p:style>
+          <a:lnRef idx="1">
+            <a:schemeClr val="accent1"/>
+          </a:lnRef>
+          <a:fillRef idx="0">
+            <a:schemeClr val="accent1"/>
+          </a:fillRef>
+          <a:effectRef idx="0">
+            <a:schemeClr val="accent1"/>
+          </a:effectRef>
+          <a:fontRef idx="minor">
+            <a:schemeClr val="tx1"/>
+          </a:fontRef>
+        </p:style>
+      </p:cxnSp>
+      <p:cxnSp>
+        <p:nvCxnSpPr>
+          <p:cNvPr id="13" name="Straight Arrow Connector 12">
+            <a:extLst>
+              <a:ext uri="{FF2B5EF4-FFF2-40B4-BE49-F238E27FC236}">
+                <a16:creationId xmlns:a16="http://schemas.microsoft.com/office/drawing/2014/main" id="{4FF16342-EA29-40D8-864B-D01DEBE63713}"/>
+              </a:ext>
+            </a:extLst>
+          </p:cNvPr>
+          <p:cNvCxnSpPr>
+            <a:cxnSpLocks/>
+          </p:cNvCxnSpPr>
+          <p:nvPr/>
+        </p:nvCxnSpPr>
+        <p:spPr>
+          <a:xfrm>
+            <a:off x="1343792" y="1802637"/>
+            <a:ext cx="400594" cy="0"/>
+          </a:xfrm>
+          <a:prstGeom prst="straightConnector1">
+            <a:avLst/>
+          </a:prstGeom>
+          <a:ln w="12700">
+            <a:tailEnd type="triangle"/>
+          </a:ln>
+        </p:spPr>
+        <p:style>
+          <a:lnRef idx="1">
+            <a:schemeClr val="accent1"/>
+          </a:lnRef>
+          <a:fillRef idx="0">
+            <a:schemeClr val="accent1"/>
+          </a:fillRef>
+          <a:effectRef idx="0">
+            <a:schemeClr val="accent1"/>
+          </a:effectRef>
+          <a:fontRef idx="minor">
+            <a:schemeClr val="tx1"/>
+          </a:fontRef>
+        </p:style>
+      </p:cxnSp>
+      <p:sp>
+        <p:nvSpPr>
+          <p:cNvPr id="14" name="Rectangle: Rounded Corners 13">
+            <a:extLst>
+              <a:ext uri="{FF2B5EF4-FFF2-40B4-BE49-F238E27FC236}">
+                <a16:creationId xmlns:a16="http://schemas.microsoft.com/office/drawing/2014/main" id="{3E42EF84-BB8E-44F6-8753-632C17F782C1}"/>
+              </a:ext>
+            </a:extLst>
+          </p:cNvPr>
+          <p:cNvSpPr/>
+          <p:nvPr/>
+        </p:nvSpPr>
+        <p:spPr>
+          <a:xfrm>
+            <a:off x="6385305" y="1249760"/>
+            <a:ext cx="273678" cy="1141355"/>
+          </a:xfrm>
+          <a:prstGeom prst="roundRect">
+            <a:avLst/>
+          </a:prstGeom>
+          <a:solidFill>
+            <a:schemeClr val="accent5">
+              <a:lumMod val="40000"/>
+              <a:lumOff val="60000"/>
+            </a:schemeClr>
+          </a:solidFill>
+          <a:ln>
+            <a:solidFill>
+              <a:schemeClr val="accent5">
+                <a:lumMod val="75000"/>
+              </a:schemeClr>
+            </a:solidFill>
+          </a:ln>
+        </p:spPr>
+        <p:style>
+          <a:lnRef idx="2">
+            <a:schemeClr val="accent1">
+              <a:shade val="50000"/>
+            </a:schemeClr>
+          </a:lnRef>
+          <a:fillRef idx="1">
+            <a:schemeClr val="accent1"/>
+          </a:fillRef>
+          <a:effectRef idx="0">
+            <a:schemeClr val="accent1"/>
+          </a:effectRef>
+          <a:fontRef idx="minor">
+            <a:schemeClr val="lt1"/>
+          </a:fontRef>
+        </p:style>
+        <p:txBody>
+          <a:bodyPr rtlCol="0" anchor="ctr"/>
+          <a:lstStyle/>
+          <a:p>
+            <a:pPr algn="ctr"/>
+            <a:endParaRPr lang="en-US" dirty="0"/>
+          </a:p>
+        </p:txBody>
+      </p:sp>
+      <p:sp>
+        <p:nvSpPr>
+          <p:cNvPr id="15" name="Rectangle: Rounded Corners 14">
+            <a:extLst>
+              <a:ext uri="{FF2B5EF4-FFF2-40B4-BE49-F238E27FC236}">
+                <a16:creationId xmlns:a16="http://schemas.microsoft.com/office/drawing/2014/main" id="{04B31C15-6AB0-4ADF-99C5-9264329A3B21}"/>
+              </a:ext>
+            </a:extLst>
+          </p:cNvPr>
+          <p:cNvSpPr/>
+          <p:nvPr/>
+        </p:nvSpPr>
+        <p:spPr>
+          <a:xfrm>
+            <a:off x="5683690" y="1245384"/>
+            <a:ext cx="301228" cy="1138478"/>
+          </a:xfrm>
+          <a:prstGeom prst="roundRect">
+            <a:avLst/>
+          </a:prstGeom>
+          <a:solidFill>
+            <a:schemeClr val="accent2">
+              <a:lumMod val="60000"/>
+              <a:lumOff val="40000"/>
+            </a:schemeClr>
+          </a:solidFill>
+          <a:ln>
+            <a:solidFill>
+              <a:schemeClr val="accent2">
+                <a:lumMod val="75000"/>
+              </a:schemeClr>
+            </a:solidFill>
+          </a:ln>
+        </p:spPr>
+        <p:style>
+          <a:lnRef idx="2">
+            <a:schemeClr val="accent1">
+              <a:shade val="50000"/>
+            </a:schemeClr>
+          </a:lnRef>
+          <a:fillRef idx="1">
+            <a:schemeClr val="accent1"/>
+          </a:fillRef>
+          <a:effectRef idx="0">
+            <a:schemeClr val="accent1"/>
+          </a:effectRef>
+          <a:fontRef idx="minor">
+            <a:schemeClr val="lt1"/>
+          </a:fontRef>
+        </p:style>
+        <p:txBody>
+          <a:bodyPr rtlCol="0" anchor="ctr"/>
+          <a:lstStyle/>
+          <a:p>
+            <a:pPr algn="ctr"/>
+            <a:endParaRPr lang="en-US" dirty="0"/>
+          </a:p>
+        </p:txBody>
+      </p:sp>
+      <p:cxnSp>
+        <p:nvCxnSpPr>
+          <p:cNvPr id="16" name="Straight Arrow Connector 15">
+            <a:extLst>
+              <a:ext uri="{FF2B5EF4-FFF2-40B4-BE49-F238E27FC236}">
+                <a16:creationId xmlns:a16="http://schemas.microsoft.com/office/drawing/2014/main" id="{2179F158-E0A0-45C6-BF42-B7506E5F08EF}"/>
+              </a:ext>
+            </a:extLst>
+          </p:cNvPr>
+          <p:cNvCxnSpPr>
+            <a:cxnSpLocks/>
+          </p:cNvCxnSpPr>
+          <p:nvPr/>
+        </p:nvCxnSpPr>
+        <p:spPr>
+          <a:xfrm>
+            <a:off x="5984258" y="1814967"/>
+            <a:ext cx="400594" cy="0"/>
+          </a:xfrm>
+          <a:prstGeom prst="straightConnector1">
+            <a:avLst/>
+          </a:prstGeom>
+          <a:ln w="12700">
+            <a:tailEnd type="triangle"/>
+          </a:ln>
+        </p:spPr>
+        <p:style>
+          <a:lnRef idx="1">
+            <a:schemeClr val="accent1"/>
+          </a:lnRef>
+          <a:fillRef idx="0">
+            <a:schemeClr val="accent1"/>
+          </a:fillRef>
+          <a:effectRef idx="0">
+            <a:schemeClr val="accent1"/>
+          </a:effectRef>
+          <a:fontRef idx="minor">
+            <a:schemeClr val="tx1"/>
+          </a:fontRef>
+        </p:style>
+      </p:cxnSp>
+      <p:sp>
+        <p:nvSpPr>
+          <p:cNvPr id="17" name="Rectangle 16">
+            <a:extLst>
+              <a:ext uri="{FF2B5EF4-FFF2-40B4-BE49-F238E27FC236}">
+                <a16:creationId xmlns:a16="http://schemas.microsoft.com/office/drawing/2014/main" id="{D623C07F-813A-405D-A70D-4E8B7ED1C258}"/>
+              </a:ext>
+            </a:extLst>
+          </p:cNvPr>
+          <p:cNvSpPr/>
+          <p:nvPr/>
+        </p:nvSpPr>
+        <p:spPr>
+          <a:xfrm>
+            <a:off x="1546058" y="4249421"/>
+            <a:ext cx="5282332" cy="1533135"/>
+          </a:xfrm>
+          <a:prstGeom prst="rect">
+            <a:avLst/>
+          </a:prstGeom>
+          <a:noFill/>
+          <a:ln w="9525">
+            <a:prstDash val="dash"/>
+          </a:ln>
+        </p:spPr>
+        <p:style>
+          <a:lnRef idx="2">
+            <a:schemeClr val="accent1">
+              <a:shade val="50000"/>
+            </a:schemeClr>
+          </a:lnRef>
+          <a:fillRef idx="1">
+            <a:schemeClr val="accent1"/>
+          </a:fillRef>
+          <a:effectRef idx="0">
+            <a:schemeClr val="accent1"/>
+          </a:effectRef>
+          <a:fontRef idx="minor">
+            <a:schemeClr val="lt1"/>
+          </a:fontRef>
+        </p:style>
+        <p:txBody>
+          <a:bodyPr rtlCol="0" anchor="ctr"/>
+          <a:lstStyle/>
+          <a:p>
+            <a:pPr algn="ctr"/>
+            <a:endParaRPr lang="en-US"/>
+          </a:p>
+        </p:txBody>
+      </p:sp>
+      <p:sp>
+        <p:nvSpPr>
+          <p:cNvPr id="18" name="TextBox 17">
+            <a:extLst>
+              <a:ext uri="{FF2B5EF4-FFF2-40B4-BE49-F238E27FC236}">
+                <a16:creationId xmlns:a16="http://schemas.microsoft.com/office/drawing/2014/main" id="{54795991-BDC4-4B2D-9349-BBE596F69D31}"/>
+              </a:ext>
+            </a:extLst>
+          </p:cNvPr>
+          <p:cNvSpPr txBox="1"/>
+          <p:nvPr/>
+        </p:nvSpPr>
+        <p:spPr>
+          <a:xfrm>
+            <a:off x="2759468" y="5450438"/>
+            <a:ext cx="3104595" cy="332117"/>
+          </a:xfrm>
+          <a:prstGeom prst="rect">
+            <a:avLst/>
+          </a:prstGeom>
+          <a:noFill/>
+        </p:spPr>
+        <p:txBody>
+          <a:bodyPr wrap="square" rtlCol="0">
+            <a:spAutoFit/>
+          </a:bodyPr>
+          <a:lstStyle/>
+          <a:p>
+            <a:pPr algn="ctr"/>
+            <a:r>
+              <a:rPr lang="en-US" b="1" i="1" dirty="0"/>
+              <a:t>GCN-based </a:t>
+            </a:r>
+            <a:r>
+              <a:rPr lang="en-US" b="1" i="1" dirty="0" err="1"/>
+              <a:t>StmtFL</a:t>
+            </a:r>
+            <a:endParaRPr lang="en-US" b="1" i="1" dirty="0"/>
+          </a:p>
+        </p:txBody>
+      </p:sp>
+      <p:sp>
+        <p:nvSpPr>
+          <p:cNvPr id="19" name="Rectangle: Rounded Corners 18">
+            <a:extLst>
+              <a:ext uri="{FF2B5EF4-FFF2-40B4-BE49-F238E27FC236}">
+                <a16:creationId xmlns:a16="http://schemas.microsoft.com/office/drawing/2014/main" id="{9D0687CA-6E08-43E0-83FC-13B7F9E38792}"/>
+              </a:ext>
+            </a:extLst>
+          </p:cNvPr>
+          <p:cNvSpPr/>
+          <p:nvPr/>
+        </p:nvSpPr>
+        <p:spPr>
+          <a:xfrm>
+            <a:off x="2443234" y="4357328"/>
+            <a:ext cx="273678" cy="1141355"/>
+          </a:xfrm>
+          <a:prstGeom prst="roundRect">
+            <a:avLst/>
+          </a:prstGeom>
+          <a:solidFill>
+            <a:schemeClr val="accent5">
+              <a:lumMod val="40000"/>
+              <a:lumOff val="60000"/>
+            </a:schemeClr>
+          </a:solidFill>
+          <a:ln>
+            <a:solidFill>
+              <a:schemeClr val="accent5">
+                <a:lumMod val="75000"/>
+              </a:schemeClr>
+            </a:solidFill>
+          </a:ln>
+        </p:spPr>
+        <p:style>
+          <a:lnRef idx="2">
+            <a:schemeClr val="accent1">
+              <a:shade val="50000"/>
+            </a:schemeClr>
+          </a:lnRef>
+          <a:fillRef idx="1">
+            <a:schemeClr val="accent1"/>
+          </a:fillRef>
+          <a:effectRef idx="0">
+            <a:schemeClr val="accent1"/>
+          </a:effectRef>
+          <a:fontRef idx="minor">
+            <a:schemeClr val="lt1"/>
+          </a:fontRef>
+        </p:style>
+        <p:txBody>
+          <a:bodyPr rtlCol="0" anchor="ctr"/>
+          <a:lstStyle/>
+          <a:p>
+            <a:pPr algn="ctr"/>
+            <a:endParaRPr lang="en-US" dirty="0"/>
+          </a:p>
+        </p:txBody>
+      </p:sp>
+      <p:sp>
+        <p:nvSpPr>
+          <p:cNvPr id="20" name="Rectangle: Rounded Corners 19">
+            <a:extLst>
+              <a:ext uri="{FF2B5EF4-FFF2-40B4-BE49-F238E27FC236}">
+                <a16:creationId xmlns:a16="http://schemas.microsoft.com/office/drawing/2014/main" id="{93797726-DC34-4B3B-9610-ECA5314BDD04}"/>
+              </a:ext>
+            </a:extLst>
+          </p:cNvPr>
+          <p:cNvSpPr/>
+          <p:nvPr/>
+        </p:nvSpPr>
+        <p:spPr>
+          <a:xfrm>
+            <a:off x="1741619" y="4352951"/>
+            <a:ext cx="301228" cy="1138478"/>
+          </a:xfrm>
+          <a:prstGeom prst="roundRect">
+            <a:avLst/>
+          </a:prstGeom>
+          <a:solidFill>
+            <a:schemeClr val="accent2">
+              <a:lumMod val="60000"/>
+              <a:lumOff val="40000"/>
+            </a:schemeClr>
+          </a:solidFill>
+          <a:ln>
+            <a:solidFill>
+              <a:schemeClr val="accent2">
+                <a:lumMod val="75000"/>
+              </a:schemeClr>
+            </a:solidFill>
+          </a:ln>
+        </p:spPr>
+        <p:style>
+          <a:lnRef idx="2">
+            <a:schemeClr val="accent1">
+              <a:shade val="50000"/>
+            </a:schemeClr>
+          </a:lnRef>
+          <a:fillRef idx="1">
+            <a:schemeClr val="accent1"/>
+          </a:fillRef>
+          <a:effectRef idx="0">
+            <a:schemeClr val="accent1"/>
+          </a:effectRef>
+          <a:fontRef idx="minor">
+            <a:schemeClr val="lt1"/>
+          </a:fontRef>
+        </p:style>
+        <p:txBody>
+          <a:bodyPr rtlCol="0" anchor="ctr"/>
+          <a:lstStyle/>
+          <a:p>
+            <a:pPr algn="ctr"/>
+            <a:endParaRPr lang="en-US" dirty="0"/>
+          </a:p>
+        </p:txBody>
+      </p:sp>
+      <p:cxnSp>
+        <p:nvCxnSpPr>
+          <p:cNvPr id="21" name="Straight Arrow Connector 20">
+            <a:extLst>
+              <a:ext uri="{FF2B5EF4-FFF2-40B4-BE49-F238E27FC236}">
+                <a16:creationId xmlns:a16="http://schemas.microsoft.com/office/drawing/2014/main" id="{7FFAEEA1-9051-45F9-8545-3EB313EE0E4E}"/>
+              </a:ext>
+            </a:extLst>
+          </p:cNvPr>
+          <p:cNvCxnSpPr>
+            <a:cxnSpLocks/>
+          </p:cNvCxnSpPr>
+          <p:nvPr/>
+        </p:nvCxnSpPr>
+        <p:spPr>
+          <a:xfrm>
+            <a:off x="2042187" y="4922535"/>
+            <a:ext cx="400594" cy="0"/>
+          </a:xfrm>
+          <a:prstGeom prst="straightConnector1">
+            <a:avLst/>
+          </a:prstGeom>
+          <a:ln w="12700">
+            <a:tailEnd type="triangle"/>
+          </a:ln>
+        </p:spPr>
+        <p:style>
+          <a:lnRef idx="1">
+            <a:schemeClr val="accent1"/>
+          </a:lnRef>
+          <a:fillRef idx="0">
+            <a:schemeClr val="accent1"/>
+          </a:fillRef>
+          <a:effectRef idx="0">
+            <a:schemeClr val="accent1"/>
+          </a:effectRef>
+          <a:fontRef idx="minor">
+            <a:schemeClr val="tx1"/>
+          </a:fontRef>
+        </p:style>
+      </p:cxnSp>
+      <p:cxnSp>
+        <p:nvCxnSpPr>
+          <p:cNvPr id="22" name="Straight Arrow Connector 21">
+            <a:extLst>
+              <a:ext uri="{FF2B5EF4-FFF2-40B4-BE49-F238E27FC236}">
+                <a16:creationId xmlns:a16="http://schemas.microsoft.com/office/drawing/2014/main" id="{88FDE02B-F612-4D36-88C7-C9788B1B90B8}"/>
+              </a:ext>
+            </a:extLst>
+          </p:cNvPr>
+          <p:cNvCxnSpPr>
+            <a:cxnSpLocks/>
+          </p:cNvCxnSpPr>
+          <p:nvPr/>
+        </p:nvCxnSpPr>
+        <p:spPr>
+          <a:xfrm>
+            <a:off x="1343792" y="4917435"/>
+            <a:ext cx="400594" cy="0"/>
+          </a:xfrm>
+          <a:prstGeom prst="straightConnector1">
+            <a:avLst/>
+          </a:prstGeom>
+          <a:ln w="12700">
+            <a:tailEnd type="triangle"/>
+          </a:ln>
+        </p:spPr>
+        <p:style>
+          <a:lnRef idx="1">
+            <a:schemeClr val="accent1"/>
+          </a:lnRef>
+          <a:fillRef idx="0">
+            <a:schemeClr val="accent1"/>
+          </a:fillRef>
+          <a:effectRef idx="0">
+            <a:schemeClr val="accent1"/>
+          </a:effectRef>
+          <a:fontRef idx="minor">
+            <a:schemeClr val="tx1"/>
+          </a:fontRef>
+        </p:style>
+      </p:cxnSp>
+      <p:sp>
+        <p:nvSpPr>
+          <p:cNvPr id="23" name="Rectangle: Rounded Corners 22">
+            <a:extLst>
+              <a:ext uri="{FF2B5EF4-FFF2-40B4-BE49-F238E27FC236}">
+                <a16:creationId xmlns:a16="http://schemas.microsoft.com/office/drawing/2014/main" id="{22B4F99A-1B21-46D4-B401-E661E2E8F29F}"/>
+              </a:ext>
+            </a:extLst>
+          </p:cNvPr>
+          <p:cNvSpPr/>
+          <p:nvPr/>
+        </p:nvSpPr>
+        <p:spPr>
+          <a:xfrm>
+            <a:off x="6385305" y="4364558"/>
+            <a:ext cx="273678" cy="1141355"/>
+          </a:xfrm>
+          <a:prstGeom prst="roundRect">
+            <a:avLst/>
+          </a:prstGeom>
+          <a:solidFill>
+            <a:schemeClr val="accent5">
+              <a:lumMod val="40000"/>
+              <a:lumOff val="60000"/>
+            </a:schemeClr>
+          </a:solidFill>
+          <a:ln>
+            <a:solidFill>
+              <a:schemeClr val="accent5">
+                <a:lumMod val="75000"/>
+              </a:schemeClr>
+            </a:solidFill>
+          </a:ln>
+        </p:spPr>
+        <p:style>
+          <a:lnRef idx="2">
+            <a:schemeClr val="accent1">
+              <a:shade val="50000"/>
+            </a:schemeClr>
+          </a:lnRef>
+          <a:fillRef idx="1">
+            <a:schemeClr val="accent1"/>
+          </a:fillRef>
+          <a:effectRef idx="0">
+            <a:schemeClr val="accent1"/>
+          </a:effectRef>
+          <a:fontRef idx="minor">
+            <a:schemeClr val="lt1"/>
+          </a:fontRef>
+        </p:style>
+        <p:txBody>
+          <a:bodyPr rtlCol="0" anchor="ctr"/>
+          <a:lstStyle/>
+          <a:p>
+            <a:pPr algn="ctr"/>
+            <a:endParaRPr lang="en-US" dirty="0"/>
+          </a:p>
+        </p:txBody>
+      </p:sp>
+      <p:sp>
+        <p:nvSpPr>
+          <p:cNvPr id="24" name="Rectangle: Rounded Corners 23">
+            <a:extLst>
+              <a:ext uri="{FF2B5EF4-FFF2-40B4-BE49-F238E27FC236}">
+                <a16:creationId xmlns:a16="http://schemas.microsoft.com/office/drawing/2014/main" id="{F8728BC9-C8D8-49A9-9081-6ADB13DDB63C}"/>
+              </a:ext>
+            </a:extLst>
+          </p:cNvPr>
+          <p:cNvSpPr/>
+          <p:nvPr/>
+        </p:nvSpPr>
+        <p:spPr>
+          <a:xfrm>
+            <a:off x="5683690" y="4360182"/>
+            <a:ext cx="301228" cy="1138478"/>
+          </a:xfrm>
+          <a:prstGeom prst="roundRect">
+            <a:avLst/>
+          </a:prstGeom>
+          <a:solidFill>
+            <a:schemeClr val="accent2">
+              <a:lumMod val="60000"/>
+              <a:lumOff val="40000"/>
+            </a:schemeClr>
+          </a:solidFill>
+          <a:ln>
+            <a:solidFill>
+              <a:schemeClr val="accent2">
+                <a:lumMod val="75000"/>
+              </a:schemeClr>
+            </a:solidFill>
+          </a:ln>
+        </p:spPr>
+        <p:style>
+          <a:lnRef idx="2">
+            <a:schemeClr val="accent1">
+              <a:shade val="50000"/>
+            </a:schemeClr>
+          </a:lnRef>
+          <a:fillRef idx="1">
+            <a:schemeClr val="accent1"/>
+          </a:fillRef>
+          <a:effectRef idx="0">
+            <a:schemeClr val="accent1"/>
+          </a:effectRef>
+          <a:fontRef idx="minor">
+            <a:schemeClr val="lt1"/>
+          </a:fontRef>
+        </p:style>
+        <p:txBody>
+          <a:bodyPr rtlCol="0" anchor="ctr"/>
+          <a:lstStyle/>
+          <a:p>
+            <a:pPr algn="ctr"/>
+            <a:endParaRPr lang="en-US" dirty="0"/>
+          </a:p>
+        </p:txBody>
+      </p:sp>
+      <p:cxnSp>
+        <p:nvCxnSpPr>
+          <p:cNvPr id="25" name="Straight Arrow Connector 24">
+            <a:extLst>
+              <a:ext uri="{FF2B5EF4-FFF2-40B4-BE49-F238E27FC236}">
+                <a16:creationId xmlns:a16="http://schemas.microsoft.com/office/drawing/2014/main" id="{E0A2C8B1-6FD2-43FC-A3EF-5DBE5DC00A2F}"/>
+              </a:ext>
+            </a:extLst>
+          </p:cNvPr>
+          <p:cNvCxnSpPr>
+            <a:cxnSpLocks/>
+          </p:cNvCxnSpPr>
+          <p:nvPr/>
+        </p:nvCxnSpPr>
+        <p:spPr>
+          <a:xfrm>
+            <a:off x="5984258" y="4929766"/>
+            <a:ext cx="400594" cy="0"/>
+          </a:xfrm>
+          <a:prstGeom prst="straightConnector1">
+            <a:avLst/>
+          </a:prstGeom>
+          <a:ln w="12700">
+            <a:tailEnd type="triangle"/>
+          </a:ln>
+        </p:spPr>
+        <p:style>
+          <a:lnRef idx="1">
+            <a:schemeClr val="accent1"/>
+          </a:lnRef>
+          <a:fillRef idx="0">
+            <a:schemeClr val="accent1"/>
+          </a:fillRef>
+          <a:effectRef idx="0">
+            <a:schemeClr val="accent1"/>
+          </a:effectRef>
+          <a:fontRef idx="minor">
+            <a:schemeClr val="tx1"/>
+          </a:fontRef>
+        </p:style>
+      </p:cxnSp>
+      <p:sp>
+        <p:nvSpPr>
+          <p:cNvPr id="26" name="TextBox 25">
+            <a:extLst>
+              <a:ext uri="{FF2B5EF4-FFF2-40B4-BE49-F238E27FC236}">
+                <a16:creationId xmlns:a16="http://schemas.microsoft.com/office/drawing/2014/main" id="{10B7918C-1F3D-4BB3-A0AF-A65C2F2C448A}"/>
+              </a:ext>
+            </a:extLst>
+          </p:cNvPr>
+          <p:cNvSpPr txBox="1"/>
+          <p:nvPr/>
+        </p:nvSpPr>
+        <p:spPr>
+          <a:xfrm>
+            <a:off x="1981333" y="3172590"/>
+            <a:ext cx="1278271" cy="581205"/>
+          </a:xfrm>
+          <a:prstGeom prst="rect">
+            <a:avLst/>
+          </a:prstGeom>
+          <a:noFill/>
+        </p:spPr>
+        <p:txBody>
+          <a:bodyPr wrap="square" rtlCol="0">
+            <a:spAutoFit/>
+          </a:bodyPr>
+          <a:lstStyle/>
+          <a:p>
+            <a:pPr algn="ctr"/>
+            <a:r>
+              <a:rPr lang="en-US" b="1" dirty="0"/>
+              <a:t>cross-stitch unit</a:t>
+            </a:r>
+          </a:p>
+        </p:txBody>
+      </p:sp>
+      <p:cxnSp>
+        <p:nvCxnSpPr>
+          <p:cNvPr id="27" name="Straight Arrow Connector 26">
+            <a:extLst>
+              <a:ext uri="{FF2B5EF4-FFF2-40B4-BE49-F238E27FC236}">
+                <a16:creationId xmlns:a16="http://schemas.microsoft.com/office/drawing/2014/main" id="{47F742E2-1EDA-4E58-BA4B-D2B49FD595FB}"/>
+              </a:ext>
+            </a:extLst>
+          </p:cNvPr>
+          <p:cNvCxnSpPr>
+            <a:cxnSpLocks/>
+            <a:stCxn id="10" idx="3"/>
+          </p:cNvCxnSpPr>
+          <p:nvPr/>
+        </p:nvCxnSpPr>
+        <p:spPr>
+          <a:xfrm>
+            <a:off x="2716912" y="1813208"/>
+            <a:ext cx="1792195" cy="1776146"/>
+          </a:xfrm>
+          <a:prstGeom prst="straightConnector1">
+            <a:avLst/>
+          </a:prstGeom>
+          <a:ln w="28575">
+            <a:solidFill>
+              <a:srgbClr val="FF0000"/>
+            </a:solidFill>
+            <a:tailEnd type="triangle"/>
+          </a:ln>
+        </p:spPr>
+        <p:style>
+          <a:lnRef idx="1">
+            <a:schemeClr val="accent2"/>
+          </a:lnRef>
+          <a:fillRef idx="0">
+            <a:schemeClr val="accent2"/>
+          </a:fillRef>
+          <a:effectRef idx="0">
+            <a:schemeClr val="accent2"/>
+          </a:effectRef>
+          <a:fontRef idx="minor">
+            <a:schemeClr val="tx1"/>
+          </a:fontRef>
+        </p:style>
+      </p:cxnSp>
+      <p:cxnSp>
+        <p:nvCxnSpPr>
+          <p:cNvPr id="28" name="Straight Arrow Connector 27">
+            <a:extLst>
+              <a:ext uri="{FF2B5EF4-FFF2-40B4-BE49-F238E27FC236}">
+                <a16:creationId xmlns:a16="http://schemas.microsoft.com/office/drawing/2014/main" id="{07976CB4-8DB9-4196-A979-60B204A192C4}"/>
+              </a:ext>
+            </a:extLst>
+          </p:cNvPr>
+          <p:cNvCxnSpPr>
+            <a:cxnSpLocks/>
+          </p:cNvCxnSpPr>
+          <p:nvPr/>
+        </p:nvCxnSpPr>
+        <p:spPr>
+          <a:xfrm>
+            <a:off x="2716459" y="1812355"/>
+            <a:ext cx="844888" cy="1227698"/>
+          </a:xfrm>
+          <a:prstGeom prst="straightConnector1">
+            <a:avLst/>
+          </a:prstGeom>
+          <a:ln w="28575">
+            <a:solidFill>
+              <a:srgbClr val="FF0000"/>
+            </a:solidFill>
+            <a:tailEnd type="triangle"/>
+          </a:ln>
+        </p:spPr>
+        <p:style>
+          <a:lnRef idx="1">
+            <a:schemeClr val="accent2"/>
+          </a:lnRef>
+          <a:fillRef idx="0">
+            <a:schemeClr val="accent2"/>
+          </a:fillRef>
+          <a:effectRef idx="0">
+            <a:schemeClr val="accent2"/>
+          </a:effectRef>
+          <a:fontRef idx="minor">
+            <a:schemeClr val="tx1"/>
+          </a:fontRef>
+        </p:style>
+      </p:cxnSp>
+      <p:cxnSp>
+        <p:nvCxnSpPr>
+          <p:cNvPr id="29" name="Straight Arrow Connector 28">
+            <a:extLst>
+              <a:ext uri="{FF2B5EF4-FFF2-40B4-BE49-F238E27FC236}">
+                <a16:creationId xmlns:a16="http://schemas.microsoft.com/office/drawing/2014/main" id="{E2722998-83CF-466B-8516-19B169CE3474}"/>
+              </a:ext>
+            </a:extLst>
+          </p:cNvPr>
+          <p:cNvCxnSpPr>
+            <a:cxnSpLocks/>
+          </p:cNvCxnSpPr>
+          <p:nvPr/>
+        </p:nvCxnSpPr>
+        <p:spPr>
+          <a:xfrm flipV="1">
+            <a:off x="2720359" y="3701157"/>
+            <a:ext cx="840988" cy="1235560"/>
+          </a:xfrm>
+          <a:prstGeom prst="straightConnector1">
+            <a:avLst/>
+          </a:prstGeom>
+          <a:ln w="28575">
+            <a:solidFill>
+              <a:srgbClr val="D0309E"/>
+            </a:solidFill>
+            <a:tailEnd type="triangle"/>
+          </a:ln>
+        </p:spPr>
+        <p:style>
+          <a:lnRef idx="1">
+            <a:schemeClr val="accent4"/>
+          </a:lnRef>
+          <a:fillRef idx="0">
+            <a:schemeClr val="accent4"/>
+          </a:fillRef>
+          <a:effectRef idx="0">
+            <a:schemeClr val="accent4"/>
+          </a:effectRef>
+          <a:fontRef idx="minor">
+            <a:schemeClr val="tx1"/>
+          </a:fontRef>
+        </p:style>
+      </p:cxnSp>
+      <p:cxnSp>
+        <p:nvCxnSpPr>
+          <p:cNvPr id="30" name="Straight Arrow Connector 29">
+            <a:extLst>
+              <a:ext uri="{FF2B5EF4-FFF2-40B4-BE49-F238E27FC236}">
+                <a16:creationId xmlns:a16="http://schemas.microsoft.com/office/drawing/2014/main" id="{EC977ABF-C6CD-4169-B2B4-38884E03AD8D}"/>
+              </a:ext>
+            </a:extLst>
+          </p:cNvPr>
+          <p:cNvCxnSpPr>
+            <a:cxnSpLocks/>
+            <a:stCxn id="19" idx="3"/>
+          </p:cNvCxnSpPr>
+          <p:nvPr/>
+        </p:nvCxnSpPr>
+        <p:spPr>
+          <a:xfrm flipV="1">
+            <a:off x="2716912" y="3134947"/>
+            <a:ext cx="1743388" cy="1793058"/>
+          </a:xfrm>
+          <a:prstGeom prst="straightConnector1">
+            <a:avLst/>
+          </a:prstGeom>
+          <a:ln w="28575">
+            <a:solidFill>
+              <a:srgbClr val="D0309E"/>
+            </a:solidFill>
+            <a:tailEnd type="triangle"/>
+          </a:ln>
+        </p:spPr>
+        <p:style>
+          <a:lnRef idx="1">
+            <a:schemeClr val="accent4"/>
+          </a:lnRef>
+          <a:fillRef idx="0">
+            <a:schemeClr val="accent4"/>
+          </a:fillRef>
+          <a:effectRef idx="0">
+            <a:schemeClr val="accent4"/>
+          </a:effectRef>
+          <a:fontRef idx="minor">
+            <a:schemeClr val="tx1"/>
+          </a:fontRef>
+        </p:style>
+      </p:cxnSp>
+      <p:cxnSp>
+        <p:nvCxnSpPr>
+          <p:cNvPr id="31" name="Straight Arrow Connector 30">
+            <a:extLst>
+              <a:ext uri="{FF2B5EF4-FFF2-40B4-BE49-F238E27FC236}">
+                <a16:creationId xmlns:a16="http://schemas.microsoft.com/office/drawing/2014/main" id="{ECCF1409-3B47-41FC-B943-501BC8A3097F}"/>
+              </a:ext>
+            </a:extLst>
+          </p:cNvPr>
+          <p:cNvCxnSpPr>
+            <a:endCxn id="15" idx="1"/>
+          </p:cNvCxnSpPr>
+          <p:nvPr/>
+        </p:nvCxnSpPr>
+        <p:spPr>
+          <a:xfrm flipV="1">
+            <a:off x="5108773" y="1814623"/>
+            <a:ext cx="574917" cy="1225431"/>
+          </a:xfrm>
+          <a:prstGeom prst="straightConnector1">
+            <a:avLst/>
+          </a:prstGeom>
+          <a:ln w="28575">
+            <a:solidFill>
+              <a:srgbClr val="7030A0"/>
+            </a:solidFill>
+            <a:tailEnd type="triangle"/>
+          </a:ln>
+        </p:spPr>
+        <p:style>
+          <a:lnRef idx="1">
+            <a:schemeClr val="accent6"/>
+          </a:lnRef>
+          <a:fillRef idx="0">
+            <a:schemeClr val="accent6"/>
+          </a:fillRef>
+          <a:effectRef idx="0">
+            <a:schemeClr val="accent6"/>
+          </a:effectRef>
+          <a:fontRef idx="minor">
+            <a:schemeClr val="tx1"/>
+          </a:fontRef>
+        </p:style>
+      </p:cxnSp>
+      <p:cxnSp>
+        <p:nvCxnSpPr>
+          <p:cNvPr id="32" name="Straight Arrow Connector 31">
+            <a:extLst>
+              <a:ext uri="{FF2B5EF4-FFF2-40B4-BE49-F238E27FC236}">
+                <a16:creationId xmlns:a16="http://schemas.microsoft.com/office/drawing/2014/main" id="{57BFAA94-A435-45CA-9DE2-78A03332FFAE}"/>
+              </a:ext>
+            </a:extLst>
+          </p:cNvPr>
+          <p:cNvCxnSpPr>
+            <a:cxnSpLocks/>
+            <a:endCxn id="24" idx="1"/>
+          </p:cNvCxnSpPr>
+          <p:nvPr/>
+        </p:nvCxnSpPr>
+        <p:spPr>
+          <a:xfrm>
+            <a:off x="5108773" y="3741603"/>
+            <a:ext cx="574917" cy="1187818"/>
+          </a:xfrm>
+          <a:prstGeom prst="straightConnector1">
+            <a:avLst/>
+          </a:prstGeom>
+          <a:ln w="28575">
+            <a:solidFill>
+              <a:srgbClr val="7030A0"/>
+            </a:solidFill>
+            <a:tailEnd type="triangle"/>
+          </a:ln>
+        </p:spPr>
+        <p:style>
+          <a:lnRef idx="1">
+            <a:schemeClr val="accent6"/>
+          </a:lnRef>
+          <a:fillRef idx="0">
+            <a:schemeClr val="accent6"/>
+          </a:fillRef>
+          <a:effectRef idx="0">
+            <a:schemeClr val="accent6"/>
+          </a:effectRef>
+          <a:fontRef idx="minor">
+            <a:schemeClr val="tx1"/>
+          </a:fontRef>
+        </p:style>
+      </p:cxnSp>
+      <p:sp>
+        <p:nvSpPr>
+          <p:cNvPr id="33" name="TextBox 32">
+            <a:extLst>
+              <a:ext uri="{FF2B5EF4-FFF2-40B4-BE49-F238E27FC236}">
+                <a16:creationId xmlns:a16="http://schemas.microsoft.com/office/drawing/2014/main" id="{14963ECB-AAE3-40B9-8B85-6555408AD871}"/>
+              </a:ext>
+            </a:extLst>
+          </p:cNvPr>
+          <p:cNvSpPr txBox="1"/>
+          <p:nvPr/>
+        </p:nvSpPr>
+        <p:spPr>
+          <a:xfrm>
+            <a:off x="1566770" y="956935"/>
+            <a:ext cx="876237" cy="332117"/>
+          </a:xfrm>
+          <a:prstGeom prst="rect">
+            <a:avLst/>
+          </a:prstGeom>
+          <a:noFill/>
+        </p:spPr>
+        <p:txBody>
+          <a:bodyPr wrap="square" rtlCol="0">
+            <a:spAutoFit/>
+          </a:bodyPr>
+          <a:lstStyle/>
+          <a:p>
+            <a:r>
+              <a:rPr lang="en-US" dirty="0"/>
+              <a:t>Conv</a:t>
+            </a:r>
+          </a:p>
+        </p:txBody>
+      </p:sp>
+      <p:sp>
+        <p:nvSpPr>
+          <p:cNvPr id="34" name="TextBox 33">
+            <a:extLst>
+              <a:ext uri="{FF2B5EF4-FFF2-40B4-BE49-F238E27FC236}">
+                <a16:creationId xmlns:a16="http://schemas.microsoft.com/office/drawing/2014/main" id="{F66C7225-319D-48E1-A642-4A3B269B95FE}"/>
+              </a:ext>
+            </a:extLst>
+          </p:cNvPr>
+          <p:cNvSpPr txBox="1"/>
+          <p:nvPr/>
+        </p:nvSpPr>
+        <p:spPr>
+          <a:xfrm>
+            <a:off x="2238408" y="953437"/>
+            <a:ext cx="876237" cy="332117"/>
+          </a:xfrm>
+          <a:prstGeom prst="rect">
+            <a:avLst/>
+          </a:prstGeom>
+          <a:noFill/>
+        </p:spPr>
+        <p:txBody>
+          <a:bodyPr wrap="square" rtlCol="0">
+            <a:spAutoFit/>
+          </a:bodyPr>
+          <a:lstStyle/>
+          <a:p>
+            <a:r>
+              <a:rPr lang="en-US" dirty="0"/>
+              <a:t>ReLU</a:t>
+            </a:r>
+          </a:p>
+        </p:txBody>
+      </p:sp>
+      <p:sp>
+        <p:nvSpPr>
+          <p:cNvPr id="35" name="TextBox 34">
+            <a:extLst>
+              <a:ext uri="{FF2B5EF4-FFF2-40B4-BE49-F238E27FC236}">
+                <a16:creationId xmlns:a16="http://schemas.microsoft.com/office/drawing/2014/main" id="{05C23A0A-BC64-44D3-99B0-454346716D9A}"/>
+              </a:ext>
+            </a:extLst>
+          </p:cNvPr>
+          <p:cNvSpPr txBox="1"/>
+          <p:nvPr/>
+        </p:nvSpPr>
+        <p:spPr>
+          <a:xfrm>
+            <a:off x="1590785" y="5467104"/>
+            <a:ext cx="876237" cy="332117"/>
+          </a:xfrm>
+          <a:prstGeom prst="rect">
+            <a:avLst/>
+          </a:prstGeom>
+          <a:noFill/>
+        </p:spPr>
+        <p:txBody>
+          <a:bodyPr wrap="square" rtlCol="0">
+            <a:spAutoFit/>
+          </a:bodyPr>
+          <a:lstStyle/>
+          <a:p>
+            <a:r>
+              <a:rPr lang="en-US" dirty="0"/>
+              <a:t>Conv</a:t>
+            </a:r>
+          </a:p>
+        </p:txBody>
+      </p:sp>
+      <p:sp>
+        <p:nvSpPr>
+          <p:cNvPr id="36" name="TextBox 35">
+            <a:extLst>
+              <a:ext uri="{FF2B5EF4-FFF2-40B4-BE49-F238E27FC236}">
+                <a16:creationId xmlns:a16="http://schemas.microsoft.com/office/drawing/2014/main" id="{CE2623FF-6ABB-482F-B877-16160E0B96EA}"/>
+              </a:ext>
+            </a:extLst>
+          </p:cNvPr>
+          <p:cNvSpPr txBox="1"/>
+          <p:nvPr/>
+        </p:nvSpPr>
+        <p:spPr>
+          <a:xfrm>
+            <a:off x="2262666" y="5460088"/>
+            <a:ext cx="876237" cy="332117"/>
+          </a:xfrm>
+          <a:prstGeom prst="rect">
+            <a:avLst/>
+          </a:prstGeom>
+          <a:noFill/>
+        </p:spPr>
+        <p:txBody>
+          <a:bodyPr wrap="square" rtlCol="0">
+            <a:spAutoFit/>
+          </a:bodyPr>
+          <a:lstStyle/>
+          <a:p>
+            <a:r>
+              <a:rPr lang="en-US" dirty="0"/>
+              <a:t>ReLU</a:t>
+            </a:r>
+          </a:p>
+        </p:txBody>
+      </p:sp>
+      <p:sp>
+        <p:nvSpPr>
+          <p:cNvPr id="37" name="TextBox 36">
+            <a:extLst>
+              <a:ext uri="{FF2B5EF4-FFF2-40B4-BE49-F238E27FC236}">
+                <a16:creationId xmlns:a16="http://schemas.microsoft.com/office/drawing/2014/main" id="{34AB0869-C4F3-4D28-96A0-CC828EE909E4}"/>
+              </a:ext>
+            </a:extLst>
+          </p:cNvPr>
+          <p:cNvSpPr txBox="1"/>
+          <p:nvPr/>
+        </p:nvSpPr>
+        <p:spPr>
+          <a:xfrm>
+            <a:off x="5468189" y="953437"/>
+            <a:ext cx="876237" cy="332117"/>
+          </a:xfrm>
+          <a:prstGeom prst="rect">
+            <a:avLst/>
+          </a:prstGeom>
+          <a:noFill/>
+        </p:spPr>
+        <p:txBody>
+          <a:bodyPr wrap="square" rtlCol="0">
+            <a:spAutoFit/>
+          </a:bodyPr>
+          <a:lstStyle/>
+          <a:p>
+            <a:r>
+              <a:rPr lang="en-US" dirty="0"/>
+              <a:t>Conv</a:t>
+            </a:r>
+          </a:p>
+        </p:txBody>
+      </p:sp>
+      <p:sp>
+        <p:nvSpPr>
+          <p:cNvPr id="38" name="TextBox 37">
+            <a:extLst>
+              <a:ext uri="{FF2B5EF4-FFF2-40B4-BE49-F238E27FC236}">
+                <a16:creationId xmlns:a16="http://schemas.microsoft.com/office/drawing/2014/main" id="{A379F794-3459-40C5-9DD9-3108CFDF1D40}"/>
+              </a:ext>
+            </a:extLst>
+          </p:cNvPr>
+          <p:cNvSpPr txBox="1"/>
+          <p:nvPr/>
+        </p:nvSpPr>
+        <p:spPr>
+          <a:xfrm>
+            <a:off x="6171667" y="956644"/>
+            <a:ext cx="876237" cy="332117"/>
+          </a:xfrm>
+          <a:prstGeom prst="rect">
+            <a:avLst/>
+          </a:prstGeom>
+          <a:noFill/>
+        </p:spPr>
+        <p:txBody>
+          <a:bodyPr wrap="square" rtlCol="0">
+            <a:spAutoFit/>
+          </a:bodyPr>
+          <a:lstStyle/>
+          <a:p>
+            <a:r>
+              <a:rPr lang="en-US" dirty="0"/>
+              <a:t>ReLU</a:t>
+            </a:r>
+          </a:p>
+        </p:txBody>
+      </p:sp>
+      <p:sp>
+        <p:nvSpPr>
+          <p:cNvPr id="39" name="TextBox 38">
+            <a:extLst>
+              <a:ext uri="{FF2B5EF4-FFF2-40B4-BE49-F238E27FC236}">
+                <a16:creationId xmlns:a16="http://schemas.microsoft.com/office/drawing/2014/main" id="{FA5ED13D-00DA-480E-800A-1B7D666C7E35}"/>
+              </a:ext>
+            </a:extLst>
+          </p:cNvPr>
+          <p:cNvSpPr txBox="1"/>
+          <p:nvPr/>
+        </p:nvSpPr>
+        <p:spPr>
+          <a:xfrm>
+            <a:off x="5515758" y="5467104"/>
+            <a:ext cx="876237" cy="332117"/>
+          </a:xfrm>
+          <a:prstGeom prst="rect">
+            <a:avLst/>
+          </a:prstGeom>
+          <a:noFill/>
+        </p:spPr>
+        <p:txBody>
+          <a:bodyPr wrap="square" rtlCol="0">
+            <a:spAutoFit/>
+          </a:bodyPr>
+          <a:lstStyle/>
+          <a:p>
+            <a:r>
+              <a:rPr lang="en-US" dirty="0"/>
+              <a:t>Conv</a:t>
+            </a:r>
+          </a:p>
+        </p:txBody>
+      </p:sp>
+      <p:sp>
+        <p:nvSpPr>
+          <p:cNvPr id="40" name="TextBox 39">
+            <a:extLst>
+              <a:ext uri="{FF2B5EF4-FFF2-40B4-BE49-F238E27FC236}">
+                <a16:creationId xmlns:a16="http://schemas.microsoft.com/office/drawing/2014/main" id="{0994648C-8E5E-494D-AB19-5F75EEADD3EF}"/>
+              </a:ext>
+            </a:extLst>
+          </p:cNvPr>
+          <p:cNvSpPr txBox="1"/>
+          <p:nvPr/>
+        </p:nvSpPr>
+        <p:spPr>
+          <a:xfrm>
+            <a:off x="6184555" y="5458771"/>
+            <a:ext cx="876237" cy="332117"/>
+          </a:xfrm>
+          <a:prstGeom prst="rect">
+            <a:avLst/>
+          </a:prstGeom>
+          <a:noFill/>
+        </p:spPr>
+        <p:txBody>
+          <a:bodyPr wrap="square" rtlCol="0">
+            <a:spAutoFit/>
+          </a:bodyPr>
+          <a:lstStyle/>
+          <a:p>
+            <a:r>
+              <a:rPr lang="en-US" dirty="0"/>
+              <a:t>ReLU</a:t>
+            </a:r>
+          </a:p>
+        </p:txBody>
+      </p:sp>
+    </p:spTree>
+    <p:extLst>
+      <p:ext uri="{BB962C8B-B14F-4D97-AF65-F5344CB8AC3E}">
+        <p14:creationId xmlns:p14="http://schemas.microsoft.com/office/powerpoint/2010/main" val="762818231"/>
+      </p:ext>
+    </p:extLst>
+  </p:cSld>
+  <p:clrMapOvr>
+    <a:masterClrMapping/>
+  </p:clrMapOvr>
+</p:sld>
+</file>
+
 <file path=ppt/theme/theme1.xml><?xml version="1.0" encoding="utf-8"?>
 <a:theme xmlns:a="http://schemas.openxmlformats.org/drawingml/2006/main" name="Office Theme">
   <a:themeElements>

--- a/Figures.pptx
+++ b/Figures.pptx
@@ -5,7 +5,7 @@
     <p:sldMasterId id="2147483648" r:id="rId1"/>
   </p:sldMasterIdLst>
   <p:notesMasterIdLst>
-    <p:notesMasterId r:id="rId13"/>
+    <p:notesMasterId r:id="rId14"/>
   </p:notesMasterIdLst>
   <p:sldIdLst>
     <p:sldId id="256" r:id="rId2"/>
@@ -19,6 +19,7 @@
     <p:sldId id="264" r:id="rId10"/>
     <p:sldId id="269" r:id="rId11"/>
     <p:sldId id="265" r:id="rId12"/>
+    <p:sldId id="270" r:id="rId13"/>
   </p:sldIdLst>
   <p:sldSz cx="12192000" cy="6858000"/>
   <p:notesSz cx="6858000" cy="9144000"/>
@@ -14960,6 +14961,3035 @@
     <p:extLst>
       <p:ext uri="{BB962C8B-B14F-4D97-AF65-F5344CB8AC3E}">
         <p14:creationId xmlns:p14="http://schemas.microsoft.com/office/powerpoint/2010/main" val="85245446"/>
+      </p:ext>
+    </p:extLst>
+  </p:cSld>
+  <p:clrMapOvr>
+    <a:masterClrMapping/>
+  </p:clrMapOvr>
+</p:sld>
+</file>
+
+<file path=ppt/slides/slide12.xml><?xml version="1.0" encoding="utf-8"?>
+<p:sld xmlns:a="http://schemas.openxmlformats.org/drawingml/2006/main" xmlns:r="http://schemas.openxmlformats.org/officeDocument/2006/relationships" xmlns:p="http://schemas.openxmlformats.org/presentationml/2006/main">
+  <p:cSld>
+    <p:spTree>
+      <p:nvGrpSpPr>
+        <p:cNvPr id="1" name=""/>
+        <p:cNvGrpSpPr/>
+        <p:nvPr/>
+      </p:nvGrpSpPr>
+      <p:grpSpPr>
+        <a:xfrm>
+          <a:off x="0" y="0"/>
+          <a:ext cx="0" cy="0"/>
+          <a:chOff x="0" y="0"/>
+          <a:chExt cx="0" cy="0"/>
+        </a:xfrm>
+      </p:grpSpPr>
+      <p:sp>
+        <p:nvSpPr>
+          <p:cNvPr id="4" name="Rectangle: Rounded Corners 3">
+            <a:extLst>
+              <a:ext uri="{FF2B5EF4-FFF2-40B4-BE49-F238E27FC236}">
+                <a16:creationId xmlns:a16="http://schemas.microsoft.com/office/drawing/2014/main" id="{9480AE5E-3AB0-451F-AE73-7104AE13F7E5}"/>
+              </a:ext>
+            </a:extLst>
+          </p:cNvPr>
+          <p:cNvSpPr/>
+          <p:nvPr/>
+        </p:nvSpPr>
+        <p:spPr>
+          <a:xfrm>
+            <a:off x="1436740" y="2621264"/>
+            <a:ext cx="280074" cy="1258431"/>
+          </a:xfrm>
+          <a:prstGeom prst="roundRect">
+            <a:avLst/>
+          </a:prstGeom>
+          <a:solidFill>
+            <a:schemeClr val="accent2">
+              <a:lumMod val="20000"/>
+              <a:lumOff val="80000"/>
+            </a:schemeClr>
+          </a:solidFill>
+          <a:ln>
+            <a:solidFill>
+              <a:schemeClr val="accent6">
+                <a:lumMod val="75000"/>
+              </a:schemeClr>
+            </a:solidFill>
+          </a:ln>
+        </p:spPr>
+        <p:style>
+          <a:lnRef idx="2">
+            <a:schemeClr val="accent1">
+              <a:shade val="50000"/>
+            </a:schemeClr>
+          </a:lnRef>
+          <a:fillRef idx="1">
+            <a:schemeClr val="accent1"/>
+          </a:fillRef>
+          <a:effectRef idx="0">
+            <a:schemeClr val="accent1"/>
+          </a:effectRef>
+          <a:fontRef idx="minor">
+            <a:schemeClr val="lt1"/>
+          </a:fontRef>
+        </p:style>
+        <p:txBody>
+          <a:bodyPr rtlCol="0" anchor="ctr"/>
+          <a:lstStyle/>
+          <a:p>
+            <a:pPr algn="ctr"/>
+            <a:endParaRPr lang="en-US"/>
+          </a:p>
+        </p:txBody>
+      </p:sp>
+      <p:sp>
+        <p:nvSpPr>
+          <p:cNvPr id="5" name="TextBox 4">
+            <a:extLst>
+              <a:ext uri="{FF2B5EF4-FFF2-40B4-BE49-F238E27FC236}">
+                <a16:creationId xmlns:a16="http://schemas.microsoft.com/office/drawing/2014/main" id="{A295FD8A-DE86-480E-9CEB-2183A8340934}"/>
+              </a:ext>
+            </a:extLst>
+          </p:cNvPr>
+          <p:cNvSpPr txBox="1"/>
+          <p:nvPr/>
+        </p:nvSpPr>
+        <p:spPr>
+          <a:xfrm>
+            <a:off x="1030691" y="2374887"/>
+            <a:ext cx="1126237" cy="319446"/>
+          </a:xfrm>
+          <a:prstGeom prst="rect">
+            <a:avLst/>
+          </a:prstGeom>
+          <a:noFill/>
+        </p:spPr>
+        <p:txBody>
+          <a:bodyPr wrap="square" rtlCol="0">
+            <a:spAutoFit/>
+          </a:bodyPr>
+          <a:lstStyle/>
+          <a:p>
+            <a:pPr algn="ctr">
+              <a:lnSpc>
+                <a:spcPct val="80000"/>
+              </a:lnSpc>
+            </a:pPr>
+            <a:r>
+              <a:rPr lang="en-US" i="1" dirty="0"/>
+              <a:t>Attention</a:t>
+            </a:r>
+          </a:p>
+        </p:txBody>
+      </p:sp>
+      <p:cxnSp>
+        <p:nvCxnSpPr>
+          <p:cNvPr id="6" name="Straight Arrow Connector 5">
+            <a:extLst>
+              <a:ext uri="{FF2B5EF4-FFF2-40B4-BE49-F238E27FC236}">
+                <a16:creationId xmlns:a16="http://schemas.microsoft.com/office/drawing/2014/main" id="{34D40FF1-BEB5-403E-8079-AC08EF71FB90}"/>
+              </a:ext>
+            </a:extLst>
+          </p:cNvPr>
+          <p:cNvCxnSpPr/>
+          <p:nvPr/>
+        </p:nvCxnSpPr>
+        <p:spPr>
+          <a:xfrm flipV="1">
+            <a:off x="1103880" y="3246506"/>
+            <a:ext cx="332860" cy="2649"/>
+          </a:xfrm>
+          <a:prstGeom prst="straightConnector1">
+            <a:avLst/>
+          </a:prstGeom>
+          <a:ln w="25400">
+            <a:tailEnd type="triangle"/>
+          </a:ln>
+        </p:spPr>
+        <p:style>
+          <a:lnRef idx="1">
+            <a:schemeClr val="accent1"/>
+          </a:lnRef>
+          <a:fillRef idx="0">
+            <a:schemeClr val="accent1"/>
+          </a:fillRef>
+          <a:effectRef idx="0">
+            <a:schemeClr val="accent1"/>
+          </a:effectRef>
+          <a:fontRef idx="minor">
+            <a:schemeClr val="tx1"/>
+          </a:fontRef>
+        </p:style>
+      </p:cxnSp>
+      <p:sp>
+        <p:nvSpPr>
+          <p:cNvPr id="7" name="TextBox 6">
+            <a:extLst>
+              <a:ext uri="{FF2B5EF4-FFF2-40B4-BE49-F238E27FC236}">
+                <a16:creationId xmlns:a16="http://schemas.microsoft.com/office/drawing/2014/main" id="{75F1BAAA-E69B-4154-AAFB-564A75DBFE04}"/>
+              </a:ext>
+            </a:extLst>
+          </p:cNvPr>
+          <p:cNvSpPr txBox="1"/>
+          <p:nvPr/>
+        </p:nvSpPr>
+        <p:spPr>
+          <a:xfrm>
+            <a:off x="189777" y="2925420"/>
+            <a:ext cx="1270699" cy="541046"/>
+          </a:xfrm>
+          <a:prstGeom prst="rect">
+            <a:avLst/>
+          </a:prstGeom>
+          <a:noFill/>
+        </p:spPr>
+        <p:txBody>
+          <a:bodyPr wrap="square" rtlCol="0">
+            <a:spAutoFit/>
+          </a:bodyPr>
+          <a:lstStyle/>
+          <a:p>
+            <a:pPr algn="ctr">
+              <a:lnSpc>
+                <a:spcPct val="80000"/>
+              </a:lnSpc>
+            </a:pPr>
+            <a:r>
+              <a:rPr lang="en-US" i="1" dirty="0"/>
+              <a:t>Cross-stitch </a:t>
+            </a:r>
+          </a:p>
+          <a:p>
+            <a:pPr algn="ctr">
+              <a:lnSpc>
+                <a:spcPct val="80000"/>
+              </a:lnSpc>
+            </a:pPr>
+            <a:r>
+              <a:rPr lang="en-US" i="1" dirty="0"/>
+              <a:t>Unit</a:t>
+            </a:r>
+          </a:p>
+        </p:txBody>
+      </p:sp>
+      <p:sp>
+        <p:nvSpPr>
+          <p:cNvPr id="8" name="Rectangle: Rounded Corners 7">
+            <a:extLst>
+              <a:ext uri="{FF2B5EF4-FFF2-40B4-BE49-F238E27FC236}">
+                <a16:creationId xmlns:a16="http://schemas.microsoft.com/office/drawing/2014/main" id="{14E7F737-203D-454F-8489-202FA87A051D}"/>
+              </a:ext>
+            </a:extLst>
+          </p:cNvPr>
+          <p:cNvSpPr/>
+          <p:nvPr/>
+        </p:nvSpPr>
+        <p:spPr>
+          <a:xfrm>
+            <a:off x="4050401" y="2626393"/>
+            <a:ext cx="273678" cy="1258432"/>
+          </a:xfrm>
+          <a:prstGeom prst="roundRect">
+            <a:avLst/>
+          </a:prstGeom>
+          <a:solidFill>
+            <a:schemeClr val="accent5">
+              <a:lumMod val="40000"/>
+              <a:lumOff val="60000"/>
+            </a:schemeClr>
+          </a:solidFill>
+          <a:ln>
+            <a:solidFill>
+              <a:schemeClr val="accent5">
+                <a:lumMod val="75000"/>
+              </a:schemeClr>
+            </a:solidFill>
+          </a:ln>
+        </p:spPr>
+        <p:style>
+          <a:lnRef idx="2">
+            <a:schemeClr val="accent1">
+              <a:shade val="50000"/>
+            </a:schemeClr>
+          </a:lnRef>
+          <a:fillRef idx="1">
+            <a:schemeClr val="accent1"/>
+          </a:fillRef>
+          <a:effectRef idx="0">
+            <a:schemeClr val="accent1"/>
+          </a:effectRef>
+          <a:fontRef idx="minor">
+            <a:schemeClr val="lt1"/>
+          </a:fontRef>
+        </p:style>
+        <p:txBody>
+          <a:bodyPr rtlCol="0" anchor="ctr"/>
+          <a:lstStyle/>
+          <a:p>
+            <a:pPr algn="ctr"/>
+            <a:endParaRPr lang="en-US" dirty="0"/>
+          </a:p>
+        </p:txBody>
+      </p:sp>
+      <p:sp>
+        <p:nvSpPr>
+          <p:cNvPr id="9" name="Rectangle: Rounded Corners 8">
+            <a:extLst>
+              <a:ext uri="{FF2B5EF4-FFF2-40B4-BE49-F238E27FC236}">
+                <a16:creationId xmlns:a16="http://schemas.microsoft.com/office/drawing/2014/main" id="{3E0A8F92-3F02-4557-93A3-765A39E6368D}"/>
+              </a:ext>
+            </a:extLst>
+          </p:cNvPr>
+          <p:cNvSpPr/>
+          <p:nvPr/>
+        </p:nvSpPr>
+        <p:spPr>
+          <a:xfrm>
+            <a:off x="3031445" y="2618876"/>
+            <a:ext cx="301228" cy="1255259"/>
+          </a:xfrm>
+          <a:prstGeom prst="roundRect">
+            <a:avLst/>
+          </a:prstGeom>
+          <a:solidFill>
+            <a:schemeClr val="accent2">
+              <a:lumMod val="60000"/>
+              <a:lumOff val="40000"/>
+            </a:schemeClr>
+          </a:solidFill>
+          <a:ln>
+            <a:solidFill>
+              <a:schemeClr val="accent2">
+                <a:lumMod val="75000"/>
+              </a:schemeClr>
+            </a:solidFill>
+          </a:ln>
+        </p:spPr>
+        <p:style>
+          <a:lnRef idx="2">
+            <a:schemeClr val="accent1">
+              <a:shade val="50000"/>
+            </a:schemeClr>
+          </a:lnRef>
+          <a:fillRef idx="1">
+            <a:schemeClr val="accent1"/>
+          </a:fillRef>
+          <a:effectRef idx="0">
+            <a:schemeClr val="accent1"/>
+          </a:effectRef>
+          <a:fontRef idx="minor">
+            <a:schemeClr val="lt1"/>
+          </a:fontRef>
+        </p:style>
+        <p:txBody>
+          <a:bodyPr rtlCol="0" anchor="ctr"/>
+          <a:lstStyle/>
+          <a:p>
+            <a:pPr algn="ctr"/>
+            <a:endParaRPr lang="en-US" dirty="0"/>
+          </a:p>
+        </p:txBody>
+      </p:sp>
+      <p:cxnSp>
+        <p:nvCxnSpPr>
+          <p:cNvPr id="10" name="Straight Arrow Connector 9">
+            <a:extLst>
+              <a:ext uri="{FF2B5EF4-FFF2-40B4-BE49-F238E27FC236}">
+                <a16:creationId xmlns:a16="http://schemas.microsoft.com/office/drawing/2014/main" id="{175177DC-75A4-4F99-8C90-EA3DA59955E1}"/>
+              </a:ext>
+            </a:extLst>
+          </p:cNvPr>
+          <p:cNvCxnSpPr>
+            <a:cxnSpLocks/>
+            <a:endCxn id="8" idx="1"/>
+          </p:cNvCxnSpPr>
+          <p:nvPr/>
+        </p:nvCxnSpPr>
+        <p:spPr>
+          <a:xfrm>
+            <a:off x="3332013" y="3252283"/>
+            <a:ext cx="718388" cy="3326"/>
+          </a:xfrm>
+          <a:prstGeom prst="straightConnector1">
+            <a:avLst/>
+          </a:prstGeom>
+          <a:ln w="28575">
+            <a:tailEnd type="triangle"/>
+          </a:ln>
+        </p:spPr>
+        <p:style>
+          <a:lnRef idx="1">
+            <a:schemeClr val="accent1"/>
+          </a:lnRef>
+          <a:fillRef idx="0">
+            <a:schemeClr val="accent1"/>
+          </a:fillRef>
+          <a:effectRef idx="0">
+            <a:schemeClr val="accent1"/>
+          </a:effectRef>
+          <a:fontRef idx="minor">
+            <a:schemeClr val="tx1"/>
+          </a:fontRef>
+        </p:style>
+      </p:cxnSp>
+      <p:sp>
+        <p:nvSpPr>
+          <p:cNvPr id="12" name="Rectangle: Rounded Corners 11">
+            <a:extLst>
+              <a:ext uri="{FF2B5EF4-FFF2-40B4-BE49-F238E27FC236}">
+                <a16:creationId xmlns:a16="http://schemas.microsoft.com/office/drawing/2014/main" id="{158B08AB-A3A8-4A5F-B438-FDB9AE8FB007}"/>
+              </a:ext>
+            </a:extLst>
+          </p:cNvPr>
+          <p:cNvSpPr/>
+          <p:nvPr/>
+        </p:nvSpPr>
+        <p:spPr>
+          <a:xfrm>
+            <a:off x="5041147" y="2640939"/>
+            <a:ext cx="273678" cy="1258432"/>
+          </a:xfrm>
+          <a:prstGeom prst="roundRect">
+            <a:avLst/>
+          </a:prstGeom>
+          <a:solidFill>
+            <a:schemeClr val="accent6">
+              <a:lumMod val="20000"/>
+              <a:lumOff val="80000"/>
+            </a:schemeClr>
+          </a:solidFill>
+          <a:ln>
+            <a:solidFill>
+              <a:schemeClr val="accent5">
+                <a:lumMod val="75000"/>
+              </a:schemeClr>
+            </a:solidFill>
+          </a:ln>
+        </p:spPr>
+        <p:style>
+          <a:lnRef idx="2">
+            <a:schemeClr val="accent1">
+              <a:shade val="50000"/>
+            </a:schemeClr>
+          </a:lnRef>
+          <a:fillRef idx="1">
+            <a:schemeClr val="accent1"/>
+          </a:fillRef>
+          <a:effectRef idx="0">
+            <a:schemeClr val="accent1"/>
+          </a:effectRef>
+          <a:fontRef idx="minor">
+            <a:schemeClr val="lt1"/>
+          </a:fontRef>
+        </p:style>
+        <p:txBody>
+          <a:bodyPr rtlCol="0" anchor="ctr"/>
+          <a:lstStyle/>
+          <a:p>
+            <a:pPr algn="ctr"/>
+            <a:endParaRPr lang="en-US" dirty="0"/>
+          </a:p>
+        </p:txBody>
+      </p:sp>
+      <p:sp>
+        <p:nvSpPr>
+          <p:cNvPr id="13" name="Rectangle: Rounded Corners 12">
+            <a:extLst>
+              <a:ext uri="{FF2B5EF4-FFF2-40B4-BE49-F238E27FC236}">
+                <a16:creationId xmlns:a16="http://schemas.microsoft.com/office/drawing/2014/main" id="{1E90FECC-FD13-416F-A174-F750E6AD1621}"/>
+              </a:ext>
+            </a:extLst>
+          </p:cNvPr>
+          <p:cNvSpPr/>
+          <p:nvPr/>
+        </p:nvSpPr>
+        <p:spPr>
+          <a:xfrm>
+            <a:off x="6036362" y="2615703"/>
+            <a:ext cx="273678" cy="1258432"/>
+          </a:xfrm>
+          <a:prstGeom prst="roundRect">
+            <a:avLst/>
+          </a:prstGeom>
+          <a:solidFill>
+            <a:srgbClr val="00B0F0"/>
+          </a:solidFill>
+          <a:ln>
+            <a:solidFill>
+              <a:schemeClr val="accent5">
+                <a:lumMod val="75000"/>
+              </a:schemeClr>
+            </a:solidFill>
+          </a:ln>
+        </p:spPr>
+        <p:style>
+          <a:lnRef idx="2">
+            <a:schemeClr val="accent1">
+              <a:shade val="50000"/>
+            </a:schemeClr>
+          </a:lnRef>
+          <a:fillRef idx="1">
+            <a:schemeClr val="accent1"/>
+          </a:fillRef>
+          <a:effectRef idx="0">
+            <a:schemeClr val="accent1"/>
+          </a:effectRef>
+          <a:fontRef idx="minor">
+            <a:schemeClr val="lt1"/>
+          </a:fontRef>
+        </p:style>
+        <p:txBody>
+          <a:bodyPr rtlCol="0" anchor="ctr"/>
+          <a:lstStyle/>
+          <a:p>
+            <a:pPr algn="ctr"/>
+            <a:endParaRPr lang="en-US" dirty="0"/>
+          </a:p>
+        </p:txBody>
+      </p:sp>
+      <p:grpSp>
+        <p:nvGrpSpPr>
+          <p:cNvPr id="15" name="Group 14">
+            <a:extLst>
+              <a:ext uri="{FF2B5EF4-FFF2-40B4-BE49-F238E27FC236}">
+                <a16:creationId xmlns:a16="http://schemas.microsoft.com/office/drawing/2014/main" id="{24BA5B2F-3E7B-4A64-B8AF-BEBBCF7BF9D2}"/>
+              </a:ext>
+            </a:extLst>
+          </p:cNvPr>
+          <p:cNvGrpSpPr/>
+          <p:nvPr/>
+        </p:nvGrpSpPr>
+        <p:grpSpPr>
+          <a:xfrm>
+            <a:off x="1789732" y="2975824"/>
+            <a:ext cx="824073" cy="697706"/>
+            <a:chOff x="3473450" y="1362075"/>
+            <a:chExt cx="939800" cy="697706"/>
+          </a:xfrm>
+        </p:grpSpPr>
+        <p:sp>
+          <p:nvSpPr>
+            <p:cNvPr id="16" name="Oval 15">
+              <a:extLst>
+                <a:ext uri="{FF2B5EF4-FFF2-40B4-BE49-F238E27FC236}">
+                  <a16:creationId xmlns:a16="http://schemas.microsoft.com/office/drawing/2014/main" id="{952C8B01-02DC-4E17-A25F-4DB36FC2DEB5}"/>
+                </a:ext>
+              </a:extLst>
+            </p:cNvPr>
+            <p:cNvSpPr/>
+            <p:nvPr/>
+          </p:nvSpPr>
+          <p:spPr>
+            <a:xfrm>
+              <a:off x="3841750" y="1362075"/>
+              <a:ext cx="190500" cy="190500"/>
+            </a:xfrm>
+            <a:prstGeom prst="ellipse">
+              <a:avLst/>
+            </a:prstGeom>
+            <a:solidFill>
+              <a:schemeClr val="accent6">
+                <a:lumMod val="40000"/>
+                <a:lumOff val="60000"/>
+              </a:schemeClr>
+            </a:solidFill>
+            <a:ln>
+              <a:solidFill>
+                <a:schemeClr val="accent6">
+                  <a:lumMod val="75000"/>
+                </a:schemeClr>
+              </a:solidFill>
+            </a:ln>
+          </p:spPr>
+          <p:style>
+            <a:lnRef idx="2">
+              <a:schemeClr val="accent1">
+                <a:shade val="50000"/>
+              </a:schemeClr>
+            </a:lnRef>
+            <a:fillRef idx="1">
+              <a:schemeClr val="accent1"/>
+            </a:fillRef>
+            <a:effectRef idx="0">
+              <a:schemeClr val="accent1"/>
+            </a:effectRef>
+            <a:fontRef idx="minor">
+              <a:schemeClr val="lt1"/>
+            </a:fontRef>
+          </p:style>
+          <p:txBody>
+            <a:bodyPr rtlCol="0" anchor="ctr"/>
+            <a:lstStyle/>
+            <a:p>
+              <a:pPr algn="ctr"/>
+              <a:endParaRPr lang="en-US"/>
+            </a:p>
+          </p:txBody>
+        </p:sp>
+        <p:sp>
+          <p:nvSpPr>
+            <p:cNvPr id="17" name="Oval 16">
+              <a:extLst>
+                <a:ext uri="{FF2B5EF4-FFF2-40B4-BE49-F238E27FC236}">
+                  <a16:creationId xmlns:a16="http://schemas.microsoft.com/office/drawing/2014/main" id="{A4879936-B7CF-4A47-90F5-7868CEA133BB}"/>
+                </a:ext>
+              </a:extLst>
+            </p:cNvPr>
+            <p:cNvSpPr/>
+            <p:nvPr/>
+          </p:nvSpPr>
+          <p:spPr>
+            <a:xfrm>
+              <a:off x="3473450" y="1869281"/>
+              <a:ext cx="190500" cy="190500"/>
+            </a:xfrm>
+            <a:prstGeom prst="ellipse">
+              <a:avLst/>
+            </a:prstGeom>
+            <a:solidFill>
+              <a:schemeClr val="accent6">
+                <a:lumMod val="40000"/>
+                <a:lumOff val="60000"/>
+              </a:schemeClr>
+            </a:solidFill>
+            <a:ln>
+              <a:solidFill>
+                <a:schemeClr val="accent6">
+                  <a:lumMod val="75000"/>
+                </a:schemeClr>
+              </a:solidFill>
+            </a:ln>
+          </p:spPr>
+          <p:style>
+            <a:lnRef idx="2">
+              <a:schemeClr val="accent1">
+                <a:shade val="50000"/>
+              </a:schemeClr>
+            </a:lnRef>
+            <a:fillRef idx="1">
+              <a:schemeClr val="accent1"/>
+            </a:fillRef>
+            <a:effectRef idx="0">
+              <a:schemeClr val="accent1"/>
+            </a:effectRef>
+            <a:fontRef idx="minor">
+              <a:schemeClr val="lt1"/>
+            </a:fontRef>
+          </p:style>
+          <p:txBody>
+            <a:bodyPr rtlCol="0" anchor="ctr"/>
+            <a:lstStyle/>
+            <a:p>
+              <a:pPr algn="ctr"/>
+              <a:endParaRPr lang="en-US"/>
+            </a:p>
+          </p:txBody>
+        </p:sp>
+        <p:sp>
+          <p:nvSpPr>
+            <p:cNvPr id="18" name="Oval 17">
+              <a:extLst>
+                <a:ext uri="{FF2B5EF4-FFF2-40B4-BE49-F238E27FC236}">
+                  <a16:creationId xmlns:a16="http://schemas.microsoft.com/office/drawing/2014/main" id="{A0E36D62-669D-437A-8071-4591D540BBBC}"/>
+                </a:ext>
+              </a:extLst>
+            </p:cNvPr>
+            <p:cNvSpPr/>
+            <p:nvPr/>
+          </p:nvSpPr>
+          <p:spPr>
+            <a:xfrm>
+              <a:off x="4222750" y="1869281"/>
+              <a:ext cx="190500" cy="190500"/>
+            </a:xfrm>
+            <a:prstGeom prst="ellipse">
+              <a:avLst/>
+            </a:prstGeom>
+            <a:solidFill>
+              <a:schemeClr val="accent6">
+                <a:lumMod val="40000"/>
+                <a:lumOff val="60000"/>
+              </a:schemeClr>
+            </a:solidFill>
+            <a:ln>
+              <a:solidFill>
+                <a:schemeClr val="accent6">
+                  <a:lumMod val="75000"/>
+                </a:schemeClr>
+              </a:solidFill>
+            </a:ln>
+          </p:spPr>
+          <p:style>
+            <a:lnRef idx="2">
+              <a:schemeClr val="accent1">
+                <a:shade val="50000"/>
+              </a:schemeClr>
+            </a:lnRef>
+            <a:fillRef idx="1">
+              <a:schemeClr val="accent1"/>
+            </a:fillRef>
+            <a:effectRef idx="0">
+              <a:schemeClr val="accent1"/>
+            </a:effectRef>
+            <a:fontRef idx="minor">
+              <a:schemeClr val="lt1"/>
+            </a:fontRef>
+          </p:style>
+          <p:txBody>
+            <a:bodyPr rtlCol="0" anchor="ctr"/>
+            <a:lstStyle/>
+            <a:p>
+              <a:pPr algn="ctr"/>
+              <a:endParaRPr lang="en-US"/>
+            </a:p>
+          </p:txBody>
+        </p:sp>
+        <p:cxnSp>
+          <p:nvCxnSpPr>
+            <p:cNvPr id="19" name="Straight Arrow Connector 18">
+              <a:extLst>
+                <a:ext uri="{FF2B5EF4-FFF2-40B4-BE49-F238E27FC236}">
+                  <a16:creationId xmlns:a16="http://schemas.microsoft.com/office/drawing/2014/main" id="{A6B18198-82F6-49DA-8BD0-C6C9D5A09B48}"/>
+                </a:ext>
+              </a:extLst>
+            </p:cNvPr>
+            <p:cNvCxnSpPr>
+              <a:stCxn id="16" idx="3"/>
+              <a:endCxn id="17" idx="6"/>
+            </p:cNvCxnSpPr>
+            <p:nvPr/>
+          </p:nvCxnSpPr>
+          <p:spPr>
+            <a:xfrm flipH="1">
+              <a:off x="3636052" y="1524677"/>
+              <a:ext cx="233596" cy="372502"/>
+            </a:xfrm>
+            <a:prstGeom prst="straightConnector1">
+              <a:avLst/>
+            </a:prstGeom>
+            <a:ln w="25400">
+              <a:tailEnd type="triangle"/>
+            </a:ln>
+          </p:spPr>
+          <p:style>
+            <a:lnRef idx="1">
+              <a:schemeClr val="accent1"/>
+            </a:lnRef>
+            <a:fillRef idx="0">
+              <a:schemeClr val="accent1"/>
+            </a:fillRef>
+            <a:effectRef idx="0">
+              <a:schemeClr val="accent1"/>
+            </a:effectRef>
+            <a:fontRef idx="minor">
+              <a:schemeClr val="tx1"/>
+            </a:fontRef>
+          </p:style>
+        </p:cxnSp>
+        <p:cxnSp>
+          <p:nvCxnSpPr>
+            <p:cNvPr id="20" name="Straight Arrow Connector 19">
+              <a:extLst>
+                <a:ext uri="{FF2B5EF4-FFF2-40B4-BE49-F238E27FC236}">
+                  <a16:creationId xmlns:a16="http://schemas.microsoft.com/office/drawing/2014/main" id="{579AA1F9-C190-4408-B5C7-2D9FF52B4122}"/>
+                </a:ext>
+              </a:extLst>
+            </p:cNvPr>
+            <p:cNvCxnSpPr>
+              <a:cxnSpLocks/>
+              <a:stCxn id="16" idx="5"/>
+              <a:endCxn id="18" idx="1"/>
+            </p:cNvCxnSpPr>
+            <p:nvPr/>
+          </p:nvCxnSpPr>
+          <p:spPr>
+            <a:xfrm>
+              <a:off x="4004352" y="1524677"/>
+              <a:ext cx="246296" cy="372502"/>
+            </a:xfrm>
+            <a:prstGeom prst="straightConnector1">
+              <a:avLst/>
+            </a:prstGeom>
+            <a:ln w="25400">
+              <a:solidFill>
+                <a:srgbClr val="0070C0"/>
+              </a:solidFill>
+              <a:tailEnd type="triangle"/>
+            </a:ln>
+          </p:spPr>
+          <p:style>
+            <a:lnRef idx="1">
+              <a:schemeClr val="accent1"/>
+            </a:lnRef>
+            <a:fillRef idx="0">
+              <a:schemeClr val="accent1"/>
+            </a:fillRef>
+            <a:effectRef idx="0">
+              <a:schemeClr val="accent1"/>
+            </a:effectRef>
+            <a:fontRef idx="minor">
+              <a:schemeClr val="tx1"/>
+            </a:fontRef>
+          </p:style>
+        </p:cxnSp>
+      </p:grpSp>
+      <p:cxnSp>
+        <p:nvCxnSpPr>
+          <p:cNvPr id="21" name="Straight Arrow Connector 20">
+            <a:extLst>
+              <a:ext uri="{FF2B5EF4-FFF2-40B4-BE49-F238E27FC236}">
+                <a16:creationId xmlns:a16="http://schemas.microsoft.com/office/drawing/2014/main" id="{D2EAA195-D373-4349-8A60-7BC99AC4AC99}"/>
+              </a:ext>
+            </a:extLst>
+          </p:cNvPr>
+          <p:cNvCxnSpPr/>
+          <p:nvPr/>
+        </p:nvCxnSpPr>
+        <p:spPr>
+          <a:xfrm flipV="1">
+            <a:off x="2696441" y="3252283"/>
+            <a:ext cx="332860" cy="2649"/>
+          </a:xfrm>
+          <a:prstGeom prst="straightConnector1">
+            <a:avLst/>
+          </a:prstGeom>
+          <a:ln w="25400">
+            <a:tailEnd type="triangle"/>
+          </a:ln>
+        </p:spPr>
+        <p:style>
+          <a:lnRef idx="1">
+            <a:schemeClr val="accent1"/>
+          </a:lnRef>
+          <a:fillRef idx="0">
+            <a:schemeClr val="accent1"/>
+          </a:fillRef>
+          <a:effectRef idx="0">
+            <a:schemeClr val="accent1"/>
+          </a:effectRef>
+          <a:fontRef idx="minor">
+            <a:schemeClr val="tx1"/>
+          </a:fontRef>
+        </p:style>
+      </p:cxnSp>
+      <p:sp>
+        <p:nvSpPr>
+          <p:cNvPr id="22" name="TextBox 21">
+            <a:extLst>
+              <a:ext uri="{FF2B5EF4-FFF2-40B4-BE49-F238E27FC236}">
+                <a16:creationId xmlns:a16="http://schemas.microsoft.com/office/drawing/2014/main" id="{7ACE1FFD-28E6-4551-B1FC-D59683B8AB16}"/>
+              </a:ext>
+            </a:extLst>
+          </p:cNvPr>
+          <p:cNvSpPr txBox="1"/>
+          <p:nvPr/>
+        </p:nvSpPr>
+        <p:spPr>
+          <a:xfrm>
+            <a:off x="2581095" y="2349682"/>
+            <a:ext cx="1241256" cy="319446"/>
+          </a:xfrm>
+          <a:prstGeom prst="rect">
+            <a:avLst/>
+          </a:prstGeom>
+          <a:noFill/>
+        </p:spPr>
+        <p:txBody>
+          <a:bodyPr wrap="square" rtlCol="0">
+            <a:spAutoFit/>
+          </a:bodyPr>
+          <a:lstStyle/>
+          <a:p>
+            <a:pPr algn="ctr">
+              <a:lnSpc>
+                <a:spcPct val="80000"/>
+              </a:lnSpc>
+            </a:pPr>
+            <a:r>
+              <a:rPr lang="en-US" dirty="0"/>
+              <a:t>Embedding</a:t>
+            </a:r>
+          </a:p>
+        </p:txBody>
+      </p:sp>
+      <p:sp>
+        <p:nvSpPr>
+          <p:cNvPr id="26" name="TextBox 25">
+            <a:extLst>
+              <a:ext uri="{FF2B5EF4-FFF2-40B4-BE49-F238E27FC236}">
+                <a16:creationId xmlns:a16="http://schemas.microsoft.com/office/drawing/2014/main" id="{D5159D80-0500-4D22-BC6D-FBBB4F621A38}"/>
+              </a:ext>
+            </a:extLst>
+          </p:cNvPr>
+          <p:cNvSpPr txBox="1"/>
+          <p:nvPr/>
+        </p:nvSpPr>
+        <p:spPr>
+          <a:xfrm>
+            <a:off x="3566612" y="2349682"/>
+            <a:ext cx="1241256" cy="319446"/>
+          </a:xfrm>
+          <a:prstGeom prst="rect">
+            <a:avLst/>
+          </a:prstGeom>
+          <a:noFill/>
+        </p:spPr>
+        <p:txBody>
+          <a:bodyPr wrap="square" rtlCol="0">
+            <a:spAutoFit/>
+          </a:bodyPr>
+          <a:lstStyle/>
+          <a:p>
+            <a:pPr algn="ctr">
+              <a:lnSpc>
+                <a:spcPct val="80000"/>
+              </a:lnSpc>
+            </a:pPr>
+            <a:r>
+              <a:rPr lang="en-US" dirty="0" err="1"/>
+              <a:t>TreeCaps</a:t>
+            </a:r>
+            <a:endParaRPr lang="en-US" dirty="0"/>
+          </a:p>
+        </p:txBody>
+      </p:sp>
+      <p:sp>
+        <p:nvSpPr>
+          <p:cNvPr id="27" name="TextBox 26">
+            <a:extLst>
+              <a:ext uri="{FF2B5EF4-FFF2-40B4-BE49-F238E27FC236}">
+                <a16:creationId xmlns:a16="http://schemas.microsoft.com/office/drawing/2014/main" id="{663EB7D6-F49A-44B5-A722-0C7898B071AA}"/>
+              </a:ext>
+            </a:extLst>
+          </p:cNvPr>
+          <p:cNvSpPr txBox="1"/>
+          <p:nvPr/>
+        </p:nvSpPr>
+        <p:spPr>
+          <a:xfrm>
+            <a:off x="4768268" y="2342116"/>
+            <a:ext cx="862993" cy="319446"/>
+          </a:xfrm>
+          <a:prstGeom prst="rect">
+            <a:avLst/>
+          </a:prstGeom>
+          <a:noFill/>
+        </p:spPr>
+        <p:txBody>
+          <a:bodyPr wrap="square" rtlCol="0">
+            <a:spAutoFit/>
+          </a:bodyPr>
+          <a:lstStyle/>
+          <a:p>
+            <a:pPr algn="ctr">
+              <a:lnSpc>
+                <a:spcPct val="80000"/>
+              </a:lnSpc>
+            </a:pPr>
+            <a:r>
+              <a:rPr lang="en-US" dirty="0"/>
+              <a:t>Output</a:t>
+            </a:r>
+          </a:p>
+        </p:txBody>
+      </p:sp>
+      <p:sp>
+        <p:nvSpPr>
+          <p:cNvPr id="28" name="TextBox 27">
+            <a:extLst>
+              <a:ext uri="{FF2B5EF4-FFF2-40B4-BE49-F238E27FC236}">
+                <a16:creationId xmlns:a16="http://schemas.microsoft.com/office/drawing/2014/main" id="{8D8B5135-96C8-4555-9F26-A47364C40E1A}"/>
+              </a:ext>
+            </a:extLst>
+          </p:cNvPr>
+          <p:cNvSpPr txBox="1"/>
+          <p:nvPr/>
+        </p:nvSpPr>
+        <p:spPr>
+          <a:xfrm>
+            <a:off x="5741704" y="2099893"/>
+            <a:ext cx="862993" cy="541046"/>
+          </a:xfrm>
+          <a:prstGeom prst="rect">
+            <a:avLst/>
+          </a:prstGeom>
+          <a:noFill/>
+        </p:spPr>
+        <p:txBody>
+          <a:bodyPr wrap="square" rtlCol="0">
+            <a:spAutoFit/>
+          </a:bodyPr>
+          <a:lstStyle/>
+          <a:p>
+            <a:pPr algn="ctr">
+              <a:lnSpc>
+                <a:spcPct val="80000"/>
+              </a:lnSpc>
+            </a:pPr>
+            <a:r>
+              <a:rPr lang="en-US" dirty="0"/>
+              <a:t>Beam Search</a:t>
+            </a:r>
+          </a:p>
+        </p:txBody>
+      </p:sp>
+      <p:sp>
+        <p:nvSpPr>
+          <p:cNvPr id="31" name="Rectangle 30">
+            <a:extLst>
+              <a:ext uri="{FF2B5EF4-FFF2-40B4-BE49-F238E27FC236}">
+                <a16:creationId xmlns:a16="http://schemas.microsoft.com/office/drawing/2014/main" id="{EF8994F4-A52C-419C-B19A-DAF3E602459B}"/>
+              </a:ext>
+            </a:extLst>
+          </p:cNvPr>
+          <p:cNvSpPr/>
+          <p:nvPr/>
+        </p:nvSpPr>
+        <p:spPr>
+          <a:xfrm>
+            <a:off x="2662731" y="2174204"/>
+            <a:ext cx="2946752" cy="3670683"/>
+          </a:xfrm>
+          <a:prstGeom prst="rect">
+            <a:avLst/>
+          </a:prstGeom>
+          <a:noFill/>
+          <a:ln>
+            <a:prstDash val="dash"/>
+          </a:ln>
+        </p:spPr>
+        <p:style>
+          <a:lnRef idx="2">
+            <a:schemeClr val="accent1">
+              <a:shade val="50000"/>
+            </a:schemeClr>
+          </a:lnRef>
+          <a:fillRef idx="1">
+            <a:schemeClr val="accent1"/>
+          </a:fillRef>
+          <a:effectRef idx="0">
+            <a:schemeClr val="accent1"/>
+          </a:effectRef>
+          <a:fontRef idx="minor">
+            <a:schemeClr val="lt1"/>
+          </a:fontRef>
+        </p:style>
+        <p:txBody>
+          <a:bodyPr rtlCol="0" anchor="ctr"/>
+          <a:lstStyle/>
+          <a:p>
+            <a:pPr algn="ctr"/>
+            <a:endParaRPr lang="en-US"/>
+          </a:p>
+        </p:txBody>
+      </p:sp>
+      <p:sp>
+        <p:nvSpPr>
+          <p:cNvPr id="32" name="TextBox 31">
+            <a:extLst>
+              <a:ext uri="{FF2B5EF4-FFF2-40B4-BE49-F238E27FC236}">
+                <a16:creationId xmlns:a16="http://schemas.microsoft.com/office/drawing/2014/main" id="{B9BD225E-15A6-479E-83A0-57C8BDDCDDC0}"/>
+              </a:ext>
+            </a:extLst>
+          </p:cNvPr>
+          <p:cNvSpPr txBox="1"/>
+          <p:nvPr/>
+        </p:nvSpPr>
+        <p:spPr>
+          <a:xfrm>
+            <a:off x="1698368" y="2126062"/>
+            <a:ext cx="1010177" cy="319446"/>
+          </a:xfrm>
+          <a:prstGeom prst="rect">
+            <a:avLst/>
+          </a:prstGeom>
+          <a:noFill/>
+        </p:spPr>
+        <p:txBody>
+          <a:bodyPr wrap="square" rtlCol="0">
+            <a:spAutoFit/>
+          </a:bodyPr>
+          <a:lstStyle/>
+          <a:p>
+            <a:pPr algn="ctr">
+              <a:lnSpc>
+                <a:spcPct val="80000"/>
+              </a:lnSpc>
+            </a:pPr>
+            <a:r>
+              <a:rPr lang="en-US" i="1" dirty="0"/>
+              <a:t>Decoder</a:t>
+            </a:r>
+          </a:p>
+        </p:txBody>
+      </p:sp>
+      <p:cxnSp>
+        <p:nvCxnSpPr>
+          <p:cNvPr id="33" name="Straight Arrow Connector 32">
+            <a:extLst>
+              <a:ext uri="{FF2B5EF4-FFF2-40B4-BE49-F238E27FC236}">
+                <a16:creationId xmlns:a16="http://schemas.microsoft.com/office/drawing/2014/main" id="{EC1CB8C8-0599-4021-A444-4977575FDCDD}"/>
+              </a:ext>
+            </a:extLst>
+          </p:cNvPr>
+          <p:cNvCxnSpPr>
+            <a:cxnSpLocks/>
+          </p:cNvCxnSpPr>
+          <p:nvPr/>
+        </p:nvCxnSpPr>
+        <p:spPr>
+          <a:xfrm>
+            <a:off x="4311648" y="3244919"/>
+            <a:ext cx="718388" cy="3326"/>
+          </a:xfrm>
+          <a:prstGeom prst="straightConnector1">
+            <a:avLst/>
+          </a:prstGeom>
+          <a:ln w="28575">
+            <a:tailEnd type="triangle"/>
+          </a:ln>
+        </p:spPr>
+        <p:style>
+          <a:lnRef idx="1">
+            <a:schemeClr val="accent1"/>
+          </a:lnRef>
+          <a:fillRef idx="0">
+            <a:schemeClr val="accent1"/>
+          </a:fillRef>
+          <a:effectRef idx="0">
+            <a:schemeClr val="accent1"/>
+          </a:effectRef>
+          <a:fontRef idx="minor">
+            <a:schemeClr val="tx1"/>
+          </a:fontRef>
+        </p:style>
+      </p:cxnSp>
+      <p:cxnSp>
+        <p:nvCxnSpPr>
+          <p:cNvPr id="34" name="Straight Arrow Connector 33">
+            <a:extLst>
+              <a:ext uri="{FF2B5EF4-FFF2-40B4-BE49-F238E27FC236}">
+                <a16:creationId xmlns:a16="http://schemas.microsoft.com/office/drawing/2014/main" id="{F3B0AE79-47B6-4AC0-B7B1-132753C2D9B3}"/>
+              </a:ext>
+            </a:extLst>
+          </p:cNvPr>
+          <p:cNvCxnSpPr>
+            <a:cxnSpLocks/>
+          </p:cNvCxnSpPr>
+          <p:nvPr/>
+        </p:nvCxnSpPr>
+        <p:spPr>
+          <a:xfrm>
+            <a:off x="5317582" y="3241593"/>
+            <a:ext cx="718388" cy="3326"/>
+          </a:xfrm>
+          <a:prstGeom prst="straightConnector1">
+            <a:avLst/>
+          </a:prstGeom>
+          <a:ln w="28575">
+            <a:tailEnd type="triangle"/>
+          </a:ln>
+        </p:spPr>
+        <p:style>
+          <a:lnRef idx="1">
+            <a:schemeClr val="accent1"/>
+          </a:lnRef>
+          <a:fillRef idx="0">
+            <a:schemeClr val="accent1"/>
+          </a:fillRef>
+          <a:effectRef idx="0">
+            <a:schemeClr val="accent1"/>
+          </a:effectRef>
+          <a:fontRef idx="minor">
+            <a:schemeClr val="tx1"/>
+          </a:fontRef>
+        </p:style>
+      </p:cxnSp>
+      <p:cxnSp>
+        <p:nvCxnSpPr>
+          <p:cNvPr id="35" name="Straight Arrow Connector 34">
+            <a:extLst>
+              <a:ext uri="{FF2B5EF4-FFF2-40B4-BE49-F238E27FC236}">
+                <a16:creationId xmlns:a16="http://schemas.microsoft.com/office/drawing/2014/main" id="{7C089AF4-6918-46D4-804D-68A8C93E6CE9}"/>
+              </a:ext>
+            </a:extLst>
+          </p:cNvPr>
+          <p:cNvCxnSpPr/>
+          <p:nvPr/>
+        </p:nvCxnSpPr>
+        <p:spPr>
+          <a:xfrm flipV="1">
+            <a:off x="6296419" y="3238944"/>
+            <a:ext cx="332860" cy="2649"/>
+          </a:xfrm>
+          <a:prstGeom prst="straightConnector1">
+            <a:avLst/>
+          </a:prstGeom>
+          <a:ln w="25400">
+            <a:tailEnd type="triangle"/>
+          </a:ln>
+        </p:spPr>
+        <p:style>
+          <a:lnRef idx="1">
+            <a:schemeClr val="accent1"/>
+          </a:lnRef>
+          <a:fillRef idx="0">
+            <a:schemeClr val="accent1"/>
+          </a:fillRef>
+          <a:effectRef idx="0">
+            <a:schemeClr val="accent1"/>
+          </a:effectRef>
+          <a:fontRef idx="minor">
+            <a:schemeClr val="tx1"/>
+          </a:fontRef>
+        </p:style>
+      </p:cxnSp>
+      <p:grpSp>
+        <p:nvGrpSpPr>
+          <p:cNvPr id="36" name="Group 35">
+            <a:extLst>
+              <a:ext uri="{FF2B5EF4-FFF2-40B4-BE49-F238E27FC236}">
+                <a16:creationId xmlns:a16="http://schemas.microsoft.com/office/drawing/2014/main" id="{CA6E4C27-40B7-4380-A3FD-6387E9D4D187}"/>
+              </a:ext>
+            </a:extLst>
+          </p:cNvPr>
+          <p:cNvGrpSpPr/>
+          <p:nvPr/>
+        </p:nvGrpSpPr>
+        <p:grpSpPr>
+          <a:xfrm>
+            <a:off x="6448267" y="2981850"/>
+            <a:ext cx="824073" cy="697706"/>
+            <a:chOff x="3473450" y="1362075"/>
+            <a:chExt cx="939800" cy="697706"/>
+          </a:xfrm>
+        </p:grpSpPr>
+        <p:sp>
+          <p:nvSpPr>
+            <p:cNvPr id="37" name="Oval 36">
+              <a:extLst>
+                <a:ext uri="{FF2B5EF4-FFF2-40B4-BE49-F238E27FC236}">
+                  <a16:creationId xmlns:a16="http://schemas.microsoft.com/office/drawing/2014/main" id="{E014F842-7FB4-41CB-B1AC-06849A8A7B4E}"/>
+                </a:ext>
+              </a:extLst>
+            </p:cNvPr>
+            <p:cNvSpPr/>
+            <p:nvPr/>
+          </p:nvSpPr>
+          <p:spPr>
+            <a:xfrm>
+              <a:off x="3841750" y="1362075"/>
+              <a:ext cx="190500" cy="190500"/>
+            </a:xfrm>
+            <a:prstGeom prst="ellipse">
+              <a:avLst/>
+            </a:prstGeom>
+            <a:solidFill>
+              <a:schemeClr val="accent3">
+                <a:lumMod val="40000"/>
+                <a:lumOff val="60000"/>
+              </a:schemeClr>
+            </a:solidFill>
+            <a:ln>
+              <a:solidFill>
+                <a:schemeClr val="accent6">
+                  <a:lumMod val="75000"/>
+                </a:schemeClr>
+              </a:solidFill>
+            </a:ln>
+          </p:spPr>
+          <p:style>
+            <a:lnRef idx="2">
+              <a:schemeClr val="accent1">
+                <a:shade val="50000"/>
+              </a:schemeClr>
+            </a:lnRef>
+            <a:fillRef idx="1">
+              <a:schemeClr val="accent1"/>
+            </a:fillRef>
+            <a:effectRef idx="0">
+              <a:schemeClr val="accent1"/>
+            </a:effectRef>
+            <a:fontRef idx="minor">
+              <a:schemeClr val="lt1"/>
+            </a:fontRef>
+          </p:style>
+          <p:txBody>
+            <a:bodyPr rtlCol="0" anchor="ctr"/>
+            <a:lstStyle/>
+            <a:p>
+              <a:pPr algn="ctr"/>
+              <a:endParaRPr lang="en-US"/>
+            </a:p>
+          </p:txBody>
+        </p:sp>
+        <p:sp>
+          <p:nvSpPr>
+            <p:cNvPr id="38" name="Oval 37">
+              <a:extLst>
+                <a:ext uri="{FF2B5EF4-FFF2-40B4-BE49-F238E27FC236}">
+                  <a16:creationId xmlns:a16="http://schemas.microsoft.com/office/drawing/2014/main" id="{E9A57B66-07FC-4CDA-B40F-EBED49500567}"/>
+                </a:ext>
+              </a:extLst>
+            </p:cNvPr>
+            <p:cNvSpPr/>
+            <p:nvPr/>
+          </p:nvSpPr>
+          <p:spPr>
+            <a:xfrm>
+              <a:off x="3473450" y="1869281"/>
+              <a:ext cx="190500" cy="190500"/>
+            </a:xfrm>
+            <a:prstGeom prst="ellipse">
+              <a:avLst/>
+            </a:prstGeom>
+            <a:solidFill>
+              <a:schemeClr val="bg2"/>
+            </a:solidFill>
+            <a:ln>
+              <a:solidFill>
+                <a:schemeClr val="accent6">
+                  <a:lumMod val="75000"/>
+                </a:schemeClr>
+              </a:solidFill>
+            </a:ln>
+          </p:spPr>
+          <p:style>
+            <a:lnRef idx="2">
+              <a:schemeClr val="accent1">
+                <a:shade val="50000"/>
+              </a:schemeClr>
+            </a:lnRef>
+            <a:fillRef idx="1">
+              <a:schemeClr val="accent1"/>
+            </a:fillRef>
+            <a:effectRef idx="0">
+              <a:schemeClr val="accent1"/>
+            </a:effectRef>
+            <a:fontRef idx="minor">
+              <a:schemeClr val="lt1"/>
+            </a:fontRef>
+          </p:style>
+          <p:txBody>
+            <a:bodyPr rtlCol="0" anchor="ctr"/>
+            <a:lstStyle/>
+            <a:p>
+              <a:pPr algn="ctr"/>
+              <a:endParaRPr lang="en-US" dirty="0"/>
+            </a:p>
+          </p:txBody>
+        </p:sp>
+        <p:sp>
+          <p:nvSpPr>
+            <p:cNvPr id="39" name="Oval 38">
+              <a:extLst>
+                <a:ext uri="{FF2B5EF4-FFF2-40B4-BE49-F238E27FC236}">
+                  <a16:creationId xmlns:a16="http://schemas.microsoft.com/office/drawing/2014/main" id="{456511FB-0967-4FEA-A8A1-8140A1AA9D35}"/>
+                </a:ext>
+              </a:extLst>
+            </p:cNvPr>
+            <p:cNvSpPr/>
+            <p:nvPr/>
+          </p:nvSpPr>
+          <p:spPr>
+            <a:xfrm>
+              <a:off x="4222750" y="1869281"/>
+              <a:ext cx="190500" cy="190500"/>
+            </a:xfrm>
+            <a:prstGeom prst="ellipse">
+              <a:avLst/>
+            </a:prstGeom>
+            <a:solidFill>
+              <a:schemeClr val="bg2"/>
+            </a:solidFill>
+            <a:ln>
+              <a:solidFill>
+                <a:schemeClr val="accent6">
+                  <a:lumMod val="75000"/>
+                </a:schemeClr>
+              </a:solidFill>
+            </a:ln>
+          </p:spPr>
+          <p:style>
+            <a:lnRef idx="2">
+              <a:schemeClr val="accent1">
+                <a:shade val="50000"/>
+              </a:schemeClr>
+            </a:lnRef>
+            <a:fillRef idx="1">
+              <a:schemeClr val="accent1"/>
+            </a:fillRef>
+            <a:effectRef idx="0">
+              <a:schemeClr val="accent1"/>
+            </a:effectRef>
+            <a:fontRef idx="minor">
+              <a:schemeClr val="lt1"/>
+            </a:fontRef>
+          </p:style>
+          <p:txBody>
+            <a:bodyPr rtlCol="0" anchor="ctr"/>
+            <a:lstStyle/>
+            <a:p>
+              <a:pPr algn="ctr"/>
+              <a:endParaRPr lang="en-US"/>
+            </a:p>
+          </p:txBody>
+        </p:sp>
+        <p:cxnSp>
+          <p:nvCxnSpPr>
+            <p:cNvPr id="40" name="Straight Arrow Connector 39">
+              <a:extLst>
+                <a:ext uri="{FF2B5EF4-FFF2-40B4-BE49-F238E27FC236}">
+                  <a16:creationId xmlns:a16="http://schemas.microsoft.com/office/drawing/2014/main" id="{A9E00748-02D8-400E-9951-D76E6DBD5DFC}"/>
+                </a:ext>
+              </a:extLst>
+            </p:cNvPr>
+            <p:cNvCxnSpPr>
+              <a:stCxn id="37" idx="3"/>
+              <a:endCxn id="38" idx="6"/>
+            </p:cNvCxnSpPr>
+            <p:nvPr/>
+          </p:nvCxnSpPr>
+          <p:spPr>
+            <a:xfrm flipH="1">
+              <a:off x="3636052" y="1524677"/>
+              <a:ext cx="233596" cy="372502"/>
+            </a:xfrm>
+            <a:prstGeom prst="straightConnector1">
+              <a:avLst/>
+            </a:prstGeom>
+            <a:ln w="25400">
+              <a:tailEnd type="triangle"/>
+            </a:ln>
+          </p:spPr>
+          <p:style>
+            <a:lnRef idx="1">
+              <a:schemeClr val="accent1"/>
+            </a:lnRef>
+            <a:fillRef idx="0">
+              <a:schemeClr val="accent1"/>
+            </a:fillRef>
+            <a:effectRef idx="0">
+              <a:schemeClr val="accent1"/>
+            </a:effectRef>
+            <a:fontRef idx="minor">
+              <a:schemeClr val="tx1"/>
+            </a:fontRef>
+          </p:style>
+        </p:cxnSp>
+        <p:cxnSp>
+          <p:nvCxnSpPr>
+            <p:cNvPr id="41" name="Straight Arrow Connector 40">
+              <a:extLst>
+                <a:ext uri="{FF2B5EF4-FFF2-40B4-BE49-F238E27FC236}">
+                  <a16:creationId xmlns:a16="http://schemas.microsoft.com/office/drawing/2014/main" id="{F9AD9E12-8589-493C-8AD0-B0B1F6D29FA2}"/>
+                </a:ext>
+              </a:extLst>
+            </p:cNvPr>
+            <p:cNvCxnSpPr>
+              <a:cxnSpLocks/>
+              <a:stCxn id="37" idx="5"/>
+              <a:endCxn id="39" idx="1"/>
+            </p:cNvCxnSpPr>
+            <p:nvPr/>
+          </p:nvCxnSpPr>
+          <p:spPr>
+            <a:xfrm>
+              <a:off x="4004352" y="1524677"/>
+              <a:ext cx="246296" cy="372502"/>
+            </a:xfrm>
+            <a:prstGeom prst="straightConnector1">
+              <a:avLst/>
+            </a:prstGeom>
+            <a:ln w="25400">
+              <a:solidFill>
+                <a:srgbClr val="0070C0"/>
+              </a:solidFill>
+              <a:tailEnd type="triangle"/>
+            </a:ln>
+          </p:spPr>
+          <p:style>
+            <a:lnRef idx="1">
+              <a:schemeClr val="accent1"/>
+            </a:lnRef>
+            <a:fillRef idx="0">
+              <a:schemeClr val="accent1"/>
+            </a:fillRef>
+            <a:effectRef idx="0">
+              <a:schemeClr val="accent1"/>
+            </a:effectRef>
+            <a:fontRef idx="minor">
+              <a:schemeClr val="tx1"/>
+            </a:fontRef>
+          </p:style>
+        </p:cxnSp>
+      </p:grpSp>
+      <p:sp>
+        <p:nvSpPr>
+          <p:cNvPr id="48" name="TextBox 47">
+            <a:extLst>
+              <a:ext uri="{FF2B5EF4-FFF2-40B4-BE49-F238E27FC236}">
+                <a16:creationId xmlns:a16="http://schemas.microsoft.com/office/drawing/2014/main" id="{93F268C9-093C-4FC9-8A0A-75382DD8177F}"/>
+              </a:ext>
+            </a:extLst>
+          </p:cNvPr>
+          <p:cNvSpPr txBox="1"/>
+          <p:nvPr/>
+        </p:nvSpPr>
+        <p:spPr>
+          <a:xfrm>
+            <a:off x="6337400" y="2782164"/>
+            <a:ext cx="450764" cy="369332"/>
+          </a:xfrm>
+          <a:prstGeom prst="rect">
+            <a:avLst/>
+          </a:prstGeom>
+          <a:noFill/>
+        </p:spPr>
+        <p:txBody>
+          <a:bodyPr wrap="none" rtlCol="0">
+            <a:spAutoFit/>
+          </a:bodyPr>
+          <a:lstStyle/>
+          <a:p>
+            <a:r>
+              <a:rPr lang="en-US" dirty="0"/>
+              <a:t>N1</a:t>
+            </a:r>
+          </a:p>
+        </p:txBody>
+      </p:sp>
+      <p:sp>
+        <p:nvSpPr>
+          <p:cNvPr id="49" name="TextBox 48">
+            <a:extLst>
+              <a:ext uri="{FF2B5EF4-FFF2-40B4-BE49-F238E27FC236}">
+                <a16:creationId xmlns:a16="http://schemas.microsoft.com/office/drawing/2014/main" id="{8E250D16-42E9-4912-BE8F-892018DE42BF}"/>
+              </a:ext>
+            </a:extLst>
+          </p:cNvPr>
+          <p:cNvSpPr txBox="1"/>
+          <p:nvPr/>
+        </p:nvSpPr>
+        <p:spPr>
+          <a:xfrm>
+            <a:off x="6337400" y="3611446"/>
+            <a:ext cx="450764" cy="369332"/>
+          </a:xfrm>
+          <a:prstGeom prst="rect">
+            <a:avLst/>
+          </a:prstGeom>
+          <a:noFill/>
+        </p:spPr>
+        <p:txBody>
+          <a:bodyPr wrap="none" rtlCol="0">
+            <a:spAutoFit/>
+          </a:bodyPr>
+          <a:lstStyle/>
+          <a:p>
+            <a:r>
+              <a:rPr lang="en-US" dirty="0"/>
+              <a:t>N2</a:t>
+            </a:r>
+          </a:p>
+        </p:txBody>
+      </p:sp>
+      <p:sp>
+        <p:nvSpPr>
+          <p:cNvPr id="50" name="TextBox 49">
+            <a:extLst>
+              <a:ext uri="{FF2B5EF4-FFF2-40B4-BE49-F238E27FC236}">
+                <a16:creationId xmlns:a16="http://schemas.microsoft.com/office/drawing/2014/main" id="{180798FC-0713-4D6E-B3A5-1DE12253BC65}"/>
+              </a:ext>
+            </a:extLst>
+          </p:cNvPr>
+          <p:cNvSpPr txBox="1"/>
+          <p:nvPr/>
+        </p:nvSpPr>
+        <p:spPr>
+          <a:xfrm>
+            <a:off x="6963437" y="3619142"/>
+            <a:ext cx="450764" cy="369332"/>
+          </a:xfrm>
+          <a:prstGeom prst="rect">
+            <a:avLst/>
+          </a:prstGeom>
+          <a:noFill/>
+        </p:spPr>
+        <p:txBody>
+          <a:bodyPr wrap="none" rtlCol="0">
+            <a:spAutoFit/>
+          </a:bodyPr>
+          <a:lstStyle/>
+          <a:p>
+            <a:r>
+              <a:rPr lang="en-US" dirty="0"/>
+              <a:t>N3</a:t>
+            </a:r>
+          </a:p>
+        </p:txBody>
+      </p:sp>
+      <p:grpSp>
+        <p:nvGrpSpPr>
+          <p:cNvPr id="51" name="Group 50">
+            <a:extLst>
+              <a:ext uri="{FF2B5EF4-FFF2-40B4-BE49-F238E27FC236}">
+                <a16:creationId xmlns:a16="http://schemas.microsoft.com/office/drawing/2014/main" id="{733D9AD5-04CA-407E-804A-DFE676964FBD}"/>
+              </a:ext>
+            </a:extLst>
+          </p:cNvPr>
+          <p:cNvGrpSpPr/>
+          <p:nvPr/>
+        </p:nvGrpSpPr>
+        <p:grpSpPr>
+          <a:xfrm>
+            <a:off x="1743616" y="4274467"/>
+            <a:ext cx="824073" cy="697706"/>
+            <a:chOff x="3473450" y="1362075"/>
+            <a:chExt cx="939800" cy="697706"/>
+          </a:xfrm>
+        </p:grpSpPr>
+        <p:sp>
+          <p:nvSpPr>
+            <p:cNvPr id="52" name="Oval 51">
+              <a:extLst>
+                <a:ext uri="{FF2B5EF4-FFF2-40B4-BE49-F238E27FC236}">
+                  <a16:creationId xmlns:a16="http://schemas.microsoft.com/office/drawing/2014/main" id="{202E3EBB-8313-40EF-9462-C0021140E90D}"/>
+                </a:ext>
+              </a:extLst>
+            </p:cNvPr>
+            <p:cNvSpPr/>
+            <p:nvPr/>
+          </p:nvSpPr>
+          <p:spPr>
+            <a:xfrm>
+              <a:off x="3841750" y="1362075"/>
+              <a:ext cx="190500" cy="190500"/>
+            </a:xfrm>
+            <a:prstGeom prst="ellipse">
+              <a:avLst/>
+            </a:prstGeom>
+            <a:solidFill>
+              <a:schemeClr val="accent3">
+                <a:lumMod val="40000"/>
+                <a:lumOff val="60000"/>
+              </a:schemeClr>
+            </a:solidFill>
+            <a:ln>
+              <a:solidFill>
+                <a:schemeClr val="accent6">
+                  <a:lumMod val="75000"/>
+                </a:schemeClr>
+              </a:solidFill>
+            </a:ln>
+          </p:spPr>
+          <p:style>
+            <a:lnRef idx="2">
+              <a:schemeClr val="accent1">
+                <a:shade val="50000"/>
+              </a:schemeClr>
+            </a:lnRef>
+            <a:fillRef idx="1">
+              <a:schemeClr val="accent1"/>
+            </a:fillRef>
+            <a:effectRef idx="0">
+              <a:schemeClr val="accent1"/>
+            </a:effectRef>
+            <a:fontRef idx="minor">
+              <a:schemeClr val="lt1"/>
+            </a:fontRef>
+          </p:style>
+          <p:txBody>
+            <a:bodyPr rtlCol="0" anchor="ctr"/>
+            <a:lstStyle/>
+            <a:p>
+              <a:pPr algn="ctr"/>
+              <a:endParaRPr lang="en-US"/>
+            </a:p>
+          </p:txBody>
+        </p:sp>
+        <p:sp>
+          <p:nvSpPr>
+            <p:cNvPr id="53" name="Oval 52">
+              <a:extLst>
+                <a:ext uri="{FF2B5EF4-FFF2-40B4-BE49-F238E27FC236}">
+                  <a16:creationId xmlns:a16="http://schemas.microsoft.com/office/drawing/2014/main" id="{796938DA-0E66-4823-9CB2-91480AA64591}"/>
+                </a:ext>
+              </a:extLst>
+            </p:cNvPr>
+            <p:cNvSpPr/>
+            <p:nvPr/>
+          </p:nvSpPr>
+          <p:spPr>
+            <a:xfrm>
+              <a:off x="3473450" y="1869281"/>
+              <a:ext cx="190500" cy="190500"/>
+            </a:xfrm>
+            <a:prstGeom prst="ellipse">
+              <a:avLst/>
+            </a:prstGeom>
+            <a:solidFill>
+              <a:schemeClr val="bg2"/>
+            </a:solidFill>
+            <a:ln>
+              <a:solidFill>
+                <a:schemeClr val="accent6">
+                  <a:lumMod val="75000"/>
+                </a:schemeClr>
+              </a:solidFill>
+            </a:ln>
+          </p:spPr>
+          <p:style>
+            <a:lnRef idx="2">
+              <a:schemeClr val="accent1">
+                <a:shade val="50000"/>
+              </a:schemeClr>
+            </a:lnRef>
+            <a:fillRef idx="1">
+              <a:schemeClr val="accent1"/>
+            </a:fillRef>
+            <a:effectRef idx="0">
+              <a:schemeClr val="accent1"/>
+            </a:effectRef>
+            <a:fontRef idx="minor">
+              <a:schemeClr val="lt1"/>
+            </a:fontRef>
+          </p:style>
+          <p:txBody>
+            <a:bodyPr rtlCol="0" anchor="ctr"/>
+            <a:lstStyle/>
+            <a:p>
+              <a:pPr algn="ctr"/>
+              <a:endParaRPr lang="en-US" dirty="0"/>
+            </a:p>
+          </p:txBody>
+        </p:sp>
+        <p:sp>
+          <p:nvSpPr>
+            <p:cNvPr id="54" name="Oval 53">
+              <a:extLst>
+                <a:ext uri="{FF2B5EF4-FFF2-40B4-BE49-F238E27FC236}">
+                  <a16:creationId xmlns:a16="http://schemas.microsoft.com/office/drawing/2014/main" id="{159194D9-2F83-49D2-B1FF-0932E9E4F4CC}"/>
+                </a:ext>
+              </a:extLst>
+            </p:cNvPr>
+            <p:cNvSpPr/>
+            <p:nvPr/>
+          </p:nvSpPr>
+          <p:spPr>
+            <a:xfrm>
+              <a:off x="4222750" y="1869281"/>
+              <a:ext cx="190500" cy="190500"/>
+            </a:xfrm>
+            <a:prstGeom prst="ellipse">
+              <a:avLst/>
+            </a:prstGeom>
+            <a:solidFill>
+              <a:schemeClr val="bg2"/>
+            </a:solidFill>
+            <a:ln>
+              <a:solidFill>
+                <a:schemeClr val="accent6">
+                  <a:lumMod val="75000"/>
+                </a:schemeClr>
+              </a:solidFill>
+            </a:ln>
+          </p:spPr>
+          <p:style>
+            <a:lnRef idx="2">
+              <a:schemeClr val="accent1">
+                <a:shade val="50000"/>
+              </a:schemeClr>
+            </a:lnRef>
+            <a:fillRef idx="1">
+              <a:schemeClr val="accent1"/>
+            </a:fillRef>
+            <a:effectRef idx="0">
+              <a:schemeClr val="accent1"/>
+            </a:effectRef>
+            <a:fontRef idx="minor">
+              <a:schemeClr val="lt1"/>
+            </a:fontRef>
+          </p:style>
+          <p:txBody>
+            <a:bodyPr rtlCol="0" anchor="ctr"/>
+            <a:lstStyle/>
+            <a:p>
+              <a:pPr algn="ctr"/>
+              <a:endParaRPr lang="en-US"/>
+            </a:p>
+          </p:txBody>
+        </p:sp>
+        <p:cxnSp>
+          <p:nvCxnSpPr>
+            <p:cNvPr id="55" name="Straight Arrow Connector 54">
+              <a:extLst>
+                <a:ext uri="{FF2B5EF4-FFF2-40B4-BE49-F238E27FC236}">
+                  <a16:creationId xmlns:a16="http://schemas.microsoft.com/office/drawing/2014/main" id="{17427425-4FDD-44E3-A18B-93BD27EC6136}"/>
+                </a:ext>
+              </a:extLst>
+            </p:cNvPr>
+            <p:cNvCxnSpPr>
+              <a:stCxn id="52" idx="3"/>
+              <a:endCxn id="53" idx="6"/>
+            </p:cNvCxnSpPr>
+            <p:nvPr/>
+          </p:nvCxnSpPr>
+          <p:spPr>
+            <a:xfrm flipH="1">
+              <a:off x="3636052" y="1524677"/>
+              <a:ext cx="233596" cy="372502"/>
+            </a:xfrm>
+            <a:prstGeom prst="straightConnector1">
+              <a:avLst/>
+            </a:prstGeom>
+            <a:ln w="25400">
+              <a:tailEnd type="triangle"/>
+            </a:ln>
+          </p:spPr>
+          <p:style>
+            <a:lnRef idx="1">
+              <a:schemeClr val="accent1"/>
+            </a:lnRef>
+            <a:fillRef idx="0">
+              <a:schemeClr val="accent1"/>
+            </a:fillRef>
+            <a:effectRef idx="0">
+              <a:schemeClr val="accent1"/>
+            </a:effectRef>
+            <a:fontRef idx="minor">
+              <a:schemeClr val="tx1"/>
+            </a:fontRef>
+          </p:style>
+        </p:cxnSp>
+        <p:cxnSp>
+          <p:nvCxnSpPr>
+            <p:cNvPr id="56" name="Straight Arrow Connector 55">
+              <a:extLst>
+                <a:ext uri="{FF2B5EF4-FFF2-40B4-BE49-F238E27FC236}">
+                  <a16:creationId xmlns:a16="http://schemas.microsoft.com/office/drawing/2014/main" id="{0DF7F631-A2BC-4BEE-B611-08E9AEDC2854}"/>
+                </a:ext>
+              </a:extLst>
+            </p:cNvPr>
+            <p:cNvCxnSpPr>
+              <a:cxnSpLocks/>
+              <a:stCxn id="52" idx="5"/>
+              <a:endCxn id="54" idx="1"/>
+            </p:cNvCxnSpPr>
+            <p:nvPr/>
+          </p:nvCxnSpPr>
+          <p:spPr>
+            <a:xfrm>
+              <a:off x="4004352" y="1524677"/>
+              <a:ext cx="246296" cy="372502"/>
+            </a:xfrm>
+            <a:prstGeom prst="straightConnector1">
+              <a:avLst/>
+            </a:prstGeom>
+            <a:ln w="25400">
+              <a:solidFill>
+                <a:srgbClr val="0070C0"/>
+              </a:solidFill>
+              <a:tailEnd type="triangle"/>
+            </a:ln>
+          </p:spPr>
+          <p:style>
+            <a:lnRef idx="1">
+              <a:schemeClr val="accent1"/>
+            </a:lnRef>
+            <a:fillRef idx="0">
+              <a:schemeClr val="accent1"/>
+            </a:fillRef>
+            <a:effectRef idx="0">
+              <a:schemeClr val="accent1"/>
+            </a:effectRef>
+            <a:fontRef idx="minor">
+              <a:schemeClr val="tx1"/>
+            </a:fontRef>
+          </p:style>
+        </p:cxnSp>
+      </p:grpSp>
+      <p:sp>
+        <p:nvSpPr>
+          <p:cNvPr id="57" name="TextBox 56">
+            <a:extLst>
+              <a:ext uri="{FF2B5EF4-FFF2-40B4-BE49-F238E27FC236}">
+                <a16:creationId xmlns:a16="http://schemas.microsoft.com/office/drawing/2014/main" id="{C91DD08E-A6D2-4B1E-8022-9B1DB0C5C40B}"/>
+              </a:ext>
+            </a:extLst>
+          </p:cNvPr>
+          <p:cNvSpPr txBox="1"/>
+          <p:nvPr/>
+        </p:nvSpPr>
+        <p:spPr>
+          <a:xfrm>
+            <a:off x="1611344" y="4122964"/>
+            <a:ext cx="450764" cy="369332"/>
+          </a:xfrm>
+          <a:prstGeom prst="rect">
+            <a:avLst/>
+          </a:prstGeom>
+          <a:noFill/>
+        </p:spPr>
+        <p:txBody>
+          <a:bodyPr wrap="none" rtlCol="0">
+            <a:spAutoFit/>
+          </a:bodyPr>
+          <a:lstStyle/>
+          <a:p>
+            <a:r>
+              <a:rPr lang="en-US" dirty="0"/>
+              <a:t>N1</a:t>
+            </a:r>
+          </a:p>
+        </p:txBody>
+      </p:sp>
+      <p:sp>
+        <p:nvSpPr>
+          <p:cNvPr id="58" name="TextBox 57">
+            <a:extLst>
+              <a:ext uri="{FF2B5EF4-FFF2-40B4-BE49-F238E27FC236}">
+                <a16:creationId xmlns:a16="http://schemas.microsoft.com/office/drawing/2014/main" id="{F983A1F1-ADED-441A-96B5-A18F2E263889}"/>
+              </a:ext>
+            </a:extLst>
+          </p:cNvPr>
+          <p:cNvSpPr txBox="1"/>
+          <p:nvPr/>
+        </p:nvSpPr>
+        <p:spPr>
+          <a:xfrm>
+            <a:off x="1632749" y="4904063"/>
+            <a:ext cx="450764" cy="369332"/>
+          </a:xfrm>
+          <a:prstGeom prst="rect">
+            <a:avLst/>
+          </a:prstGeom>
+          <a:noFill/>
+        </p:spPr>
+        <p:txBody>
+          <a:bodyPr wrap="none" rtlCol="0">
+            <a:spAutoFit/>
+          </a:bodyPr>
+          <a:lstStyle/>
+          <a:p>
+            <a:r>
+              <a:rPr lang="en-US" dirty="0"/>
+              <a:t>N2</a:t>
+            </a:r>
+          </a:p>
+        </p:txBody>
+      </p:sp>
+      <p:sp>
+        <p:nvSpPr>
+          <p:cNvPr id="59" name="TextBox 58">
+            <a:extLst>
+              <a:ext uri="{FF2B5EF4-FFF2-40B4-BE49-F238E27FC236}">
+                <a16:creationId xmlns:a16="http://schemas.microsoft.com/office/drawing/2014/main" id="{C0A5443F-F3F9-4B0A-A71E-1C8348EC81E2}"/>
+              </a:ext>
+            </a:extLst>
+          </p:cNvPr>
+          <p:cNvSpPr txBox="1"/>
+          <p:nvPr/>
+        </p:nvSpPr>
+        <p:spPr>
+          <a:xfrm>
+            <a:off x="2258786" y="4911759"/>
+            <a:ext cx="450764" cy="369332"/>
+          </a:xfrm>
+          <a:prstGeom prst="rect">
+            <a:avLst/>
+          </a:prstGeom>
+          <a:noFill/>
+        </p:spPr>
+        <p:txBody>
+          <a:bodyPr wrap="none" rtlCol="0">
+            <a:spAutoFit/>
+          </a:bodyPr>
+          <a:lstStyle/>
+          <a:p>
+            <a:r>
+              <a:rPr lang="en-US" dirty="0"/>
+              <a:t>N3</a:t>
+            </a:r>
+          </a:p>
+        </p:txBody>
+      </p:sp>
+      <p:cxnSp>
+        <p:nvCxnSpPr>
+          <p:cNvPr id="60" name="Straight Arrow Connector 59">
+            <a:extLst>
+              <a:ext uri="{FF2B5EF4-FFF2-40B4-BE49-F238E27FC236}">
+                <a16:creationId xmlns:a16="http://schemas.microsoft.com/office/drawing/2014/main" id="{E39D3FDB-D567-466E-9F58-D31B6B9D87C1}"/>
+              </a:ext>
+            </a:extLst>
+          </p:cNvPr>
+          <p:cNvCxnSpPr/>
+          <p:nvPr/>
+        </p:nvCxnSpPr>
+        <p:spPr>
+          <a:xfrm flipV="1">
+            <a:off x="2722965" y="4752375"/>
+            <a:ext cx="332860" cy="2649"/>
+          </a:xfrm>
+          <a:prstGeom prst="straightConnector1">
+            <a:avLst/>
+          </a:prstGeom>
+          <a:ln w="25400">
+            <a:tailEnd type="triangle"/>
+          </a:ln>
+        </p:spPr>
+        <p:style>
+          <a:lnRef idx="1">
+            <a:schemeClr val="accent1"/>
+          </a:lnRef>
+          <a:fillRef idx="0">
+            <a:schemeClr val="accent1"/>
+          </a:fillRef>
+          <a:effectRef idx="0">
+            <a:schemeClr val="accent1"/>
+          </a:effectRef>
+          <a:fontRef idx="minor">
+            <a:schemeClr val="tx1"/>
+          </a:fontRef>
+        </p:style>
+      </p:cxnSp>
+      <p:sp>
+        <p:nvSpPr>
+          <p:cNvPr id="61" name="Rectangle: Rounded Corners 60">
+            <a:extLst>
+              <a:ext uri="{FF2B5EF4-FFF2-40B4-BE49-F238E27FC236}">
+                <a16:creationId xmlns:a16="http://schemas.microsoft.com/office/drawing/2014/main" id="{D8BE6BFE-2A5C-4C8D-B8FE-3FA1BFDC5795}"/>
+              </a:ext>
+            </a:extLst>
+          </p:cNvPr>
+          <p:cNvSpPr/>
+          <p:nvPr/>
+        </p:nvSpPr>
+        <p:spPr>
+          <a:xfrm>
+            <a:off x="3045735" y="4115506"/>
+            <a:ext cx="301228" cy="1255259"/>
+          </a:xfrm>
+          <a:prstGeom prst="roundRect">
+            <a:avLst/>
+          </a:prstGeom>
+          <a:solidFill>
+            <a:schemeClr val="accent2">
+              <a:lumMod val="60000"/>
+              <a:lumOff val="40000"/>
+            </a:schemeClr>
+          </a:solidFill>
+          <a:ln>
+            <a:solidFill>
+              <a:schemeClr val="accent2">
+                <a:lumMod val="75000"/>
+              </a:schemeClr>
+            </a:solidFill>
+          </a:ln>
+        </p:spPr>
+        <p:style>
+          <a:lnRef idx="2">
+            <a:schemeClr val="accent1">
+              <a:shade val="50000"/>
+            </a:schemeClr>
+          </a:lnRef>
+          <a:fillRef idx="1">
+            <a:schemeClr val="accent1"/>
+          </a:fillRef>
+          <a:effectRef idx="0">
+            <a:schemeClr val="accent1"/>
+          </a:effectRef>
+          <a:fontRef idx="minor">
+            <a:schemeClr val="lt1"/>
+          </a:fontRef>
+        </p:style>
+        <p:txBody>
+          <a:bodyPr rtlCol="0" anchor="ctr"/>
+          <a:lstStyle/>
+          <a:p>
+            <a:pPr algn="ctr"/>
+            <a:endParaRPr lang="en-US" dirty="0"/>
+          </a:p>
+        </p:txBody>
+      </p:sp>
+      <p:sp>
+        <p:nvSpPr>
+          <p:cNvPr id="62" name="TextBox 61">
+            <a:extLst>
+              <a:ext uri="{FF2B5EF4-FFF2-40B4-BE49-F238E27FC236}">
+                <a16:creationId xmlns:a16="http://schemas.microsoft.com/office/drawing/2014/main" id="{9C270286-95BD-490A-953C-7C233D88BB55}"/>
+              </a:ext>
+            </a:extLst>
+          </p:cNvPr>
+          <p:cNvSpPr txBox="1"/>
+          <p:nvPr/>
+        </p:nvSpPr>
+        <p:spPr>
+          <a:xfrm>
+            <a:off x="1613733" y="3665525"/>
+            <a:ext cx="1186188" cy="319446"/>
+          </a:xfrm>
+          <a:prstGeom prst="rect">
+            <a:avLst/>
+          </a:prstGeom>
+          <a:noFill/>
+        </p:spPr>
+        <p:txBody>
+          <a:bodyPr wrap="square" rtlCol="0">
+            <a:spAutoFit/>
+          </a:bodyPr>
+          <a:lstStyle/>
+          <a:p>
+            <a:pPr algn="ctr">
+              <a:lnSpc>
+                <a:spcPct val="80000"/>
+              </a:lnSpc>
+            </a:pPr>
+            <a:r>
+              <a:rPr lang="en-US" i="1" dirty="0">
+                <a:solidFill>
+                  <a:srgbClr val="0070C0"/>
+                </a:solidFill>
+              </a:rPr>
+              <a:t>timestep1</a:t>
+            </a:r>
+          </a:p>
+        </p:txBody>
+      </p:sp>
+      <p:sp>
+        <p:nvSpPr>
+          <p:cNvPr id="63" name="TextBox 62">
+            <a:extLst>
+              <a:ext uri="{FF2B5EF4-FFF2-40B4-BE49-F238E27FC236}">
+                <a16:creationId xmlns:a16="http://schemas.microsoft.com/office/drawing/2014/main" id="{9F2126AB-9F4F-4B11-835B-7CE82037A929}"/>
+              </a:ext>
+            </a:extLst>
+          </p:cNvPr>
+          <p:cNvSpPr txBox="1"/>
+          <p:nvPr/>
+        </p:nvSpPr>
+        <p:spPr>
+          <a:xfrm>
+            <a:off x="1563834" y="5197877"/>
+            <a:ext cx="1186188" cy="319446"/>
+          </a:xfrm>
+          <a:prstGeom prst="rect">
+            <a:avLst/>
+          </a:prstGeom>
+          <a:noFill/>
+        </p:spPr>
+        <p:txBody>
+          <a:bodyPr wrap="square" rtlCol="0">
+            <a:spAutoFit/>
+          </a:bodyPr>
+          <a:lstStyle/>
+          <a:p>
+            <a:pPr algn="ctr">
+              <a:lnSpc>
+                <a:spcPct val="80000"/>
+              </a:lnSpc>
+            </a:pPr>
+            <a:r>
+              <a:rPr lang="en-US" i="1" dirty="0">
+                <a:solidFill>
+                  <a:srgbClr val="0070C0"/>
+                </a:solidFill>
+              </a:rPr>
+              <a:t>timestep2</a:t>
+            </a:r>
+          </a:p>
+        </p:txBody>
+      </p:sp>
+      <p:sp>
+        <p:nvSpPr>
+          <p:cNvPr id="64" name="Rectangle: Rounded Corners 63">
+            <a:extLst>
+              <a:ext uri="{FF2B5EF4-FFF2-40B4-BE49-F238E27FC236}">
+                <a16:creationId xmlns:a16="http://schemas.microsoft.com/office/drawing/2014/main" id="{F1D0772C-6DD1-4109-A0DB-490BE8038853}"/>
+              </a:ext>
+            </a:extLst>
+          </p:cNvPr>
+          <p:cNvSpPr/>
+          <p:nvPr/>
+        </p:nvSpPr>
+        <p:spPr>
+          <a:xfrm>
+            <a:off x="4044364" y="4126106"/>
+            <a:ext cx="273678" cy="1258432"/>
+          </a:xfrm>
+          <a:prstGeom prst="roundRect">
+            <a:avLst/>
+          </a:prstGeom>
+          <a:solidFill>
+            <a:schemeClr val="accent5">
+              <a:lumMod val="40000"/>
+              <a:lumOff val="60000"/>
+            </a:schemeClr>
+          </a:solidFill>
+          <a:ln>
+            <a:solidFill>
+              <a:schemeClr val="accent5">
+                <a:lumMod val="75000"/>
+              </a:schemeClr>
+            </a:solidFill>
+          </a:ln>
+        </p:spPr>
+        <p:style>
+          <a:lnRef idx="2">
+            <a:schemeClr val="accent1">
+              <a:shade val="50000"/>
+            </a:schemeClr>
+          </a:lnRef>
+          <a:fillRef idx="1">
+            <a:schemeClr val="accent1"/>
+          </a:fillRef>
+          <a:effectRef idx="0">
+            <a:schemeClr val="accent1"/>
+          </a:effectRef>
+          <a:fontRef idx="minor">
+            <a:schemeClr val="lt1"/>
+          </a:fontRef>
+        </p:style>
+        <p:txBody>
+          <a:bodyPr rtlCol="0" anchor="ctr"/>
+          <a:lstStyle/>
+          <a:p>
+            <a:pPr algn="ctr"/>
+            <a:endParaRPr lang="en-US" dirty="0"/>
+          </a:p>
+        </p:txBody>
+      </p:sp>
+      <p:cxnSp>
+        <p:nvCxnSpPr>
+          <p:cNvPr id="65" name="Straight Arrow Connector 64">
+            <a:extLst>
+              <a:ext uri="{FF2B5EF4-FFF2-40B4-BE49-F238E27FC236}">
+                <a16:creationId xmlns:a16="http://schemas.microsoft.com/office/drawing/2014/main" id="{6754F9A3-0526-4E1F-9E23-822E559C6EE0}"/>
+              </a:ext>
+            </a:extLst>
+          </p:cNvPr>
+          <p:cNvCxnSpPr>
+            <a:cxnSpLocks/>
+            <a:endCxn id="64" idx="1"/>
+          </p:cNvCxnSpPr>
+          <p:nvPr/>
+        </p:nvCxnSpPr>
+        <p:spPr>
+          <a:xfrm>
+            <a:off x="3325976" y="4751996"/>
+            <a:ext cx="718388" cy="3326"/>
+          </a:xfrm>
+          <a:prstGeom prst="straightConnector1">
+            <a:avLst/>
+          </a:prstGeom>
+          <a:ln w="28575">
+            <a:tailEnd type="triangle"/>
+          </a:ln>
+        </p:spPr>
+        <p:style>
+          <a:lnRef idx="1">
+            <a:schemeClr val="accent1"/>
+          </a:lnRef>
+          <a:fillRef idx="0">
+            <a:schemeClr val="accent1"/>
+          </a:fillRef>
+          <a:effectRef idx="0">
+            <a:schemeClr val="accent1"/>
+          </a:effectRef>
+          <a:fontRef idx="minor">
+            <a:schemeClr val="tx1"/>
+          </a:fontRef>
+        </p:style>
+      </p:cxnSp>
+      <p:sp>
+        <p:nvSpPr>
+          <p:cNvPr id="66" name="Rectangle: Rounded Corners 65">
+            <a:extLst>
+              <a:ext uri="{FF2B5EF4-FFF2-40B4-BE49-F238E27FC236}">
+                <a16:creationId xmlns:a16="http://schemas.microsoft.com/office/drawing/2014/main" id="{219BEB07-097A-4BF5-B784-7714B02E9735}"/>
+              </a:ext>
+            </a:extLst>
+          </p:cNvPr>
+          <p:cNvSpPr/>
+          <p:nvPr/>
+        </p:nvSpPr>
+        <p:spPr>
+          <a:xfrm>
+            <a:off x="5026385" y="4162898"/>
+            <a:ext cx="273678" cy="1258432"/>
+          </a:xfrm>
+          <a:prstGeom prst="roundRect">
+            <a:avLst/>
+          </a:prstGeom>
+          <a:solidFill>
+            <a:schemeClr val="accent6">
+              <a:lumMod val="20000"/>
+              <a:lumOff val="80000"/>
+            </a:schemeClr>
+          </a:solidFill>
+          <a:ln>
+            <a:solidFill>
+              <a:schemeClr val="accent5">
+                <a:lumMod val="75000"/>
+              </a:schemeClr>
+            </a:solidFill>
+          </a:ln>
+        </p:spPr>
+        <p:style>
+          <a:lnRef idx="2">
+            <a:schemeClr val="accent1">
+              <a:shade val="50000"/>
+            </a:schemeClr>
+          </a:lnRef>
+          <a:fillRef idx="1">
+            <a:schemeClr val="accent1"/>
+          </a:fillRef>
+          <a:effectRef idx="0">
+            <a:schemeClr val="accent1"/>
+          </a:effectRef>
+          <a:fontRef idx="minor">
+            <a:schemeClr val="lt1"/>
+          </a:fontRef>
+        </p:style>
+        <p:txBody>
+          <a:bodyPr rtlCol="0" anchor="ctr"/>
+          <a:lstStyle/>
+          <a:p>
+            <a:pPr algn="ctr"/>
+            <a:endParaRPr lang="en-US" dirty="0"/>
+          </a:p>
+        </p:txBody>
+      </p:sp>
+      <p:cxnSp>
+        <p:nvCxnSpPr>
+          <p:cNvPr id="67" name="Straight Arrow Connector 66">
+            <a:extLst>
+              <a:ext uri="{FF2B5EF4-FFF2-40B4-BE49-F238E27FC236}">
+                <a16:creationId xmlns:a16="http://schemas.microsoft.com/office/drawing/2014/main" id="{D7CFF08A-A76F-4288-A3E3-78C1C3EF750E}"/>
+              </a:ext>
+            </a:extLst>
+          </p:cNvPr>
+          <p:cNvCxnSpPr>
+            <a:cxnSpLocks/>
+          </p:cNvCxnSpPr>
+          <p:nvPr/>
+        </p:nvCxnSpPr>
+        <p:spPr>
+          <a:xfrm>
+            <a:off x="4318580" y="4739652"/>
+            <a:ext cx="718388" cy="3326"/>
+          </a:xfrm>
+          <a:prstGeom prst="straightConnector1">
+            <a:avLst/>
+          </a:prstGeom>
+          <a:ln w="28575">
+            <a:tailEnd type="triangle"/>
+          </a:ln>
+        </p:spPr>
+        <p:style>
+          <a:lnRef idx="1">
+            <a:schemeClr val="accent1"/>
+          </a:lnRef>
+          <a:fillRef idx="0">
+            <a:schemeClr val="accent1"/>
+          </a:fillRef>
+          <a:effectRef idx="0">
+            <a:schemeClr val="accent1"/>
+          </a:effectRef>
+          <a:fontRef idx="minor">
+            <a:schemeClr val="tx1"/>
+          </a:fontRef>
+        </p:style>
+      </p:cxnSp>
+      <p:cxnSp>
+        <p:nvCxnSpPr>
+          <p:cNvPr id="72" name="Straight Arrow Connector 71">
+            <a:extLst>
+              <a:ext uri="{FF2B5EF4-FFF2-40B4-BE49-F238E27FC236}">
+                <a16:creationId xmlns:a16="http://schemas.microsoft.com/office/drawing/2014/main" id="{046FC425-784E-4EB3-AA43-5FBEC03E32CD}"/>
+              </a:ext>
+            </a:extLst>
+          </p:cNvPr>
+          <p:cNvCxnSpPr>
+            <a:cxnSpLocks/>
+          </p:cNvCxnSpPr>
+          <p:nvPr/>
+        </p:nvCxnSpPr>
+        <p:spPr>
+          <a:xfrm>
+            <a:off x="5286001" y="4736326"/>
+            <a:ext cx="718388" cy="3326"/>
+          </a:xfrm>
+          <a:prstGeom prst="straightConnector1">
+            <a:avLst/>
+          </a:prstGeom>
+          <a:ln w="28575">
+            <a:tailEnd type="triangle"/>
+          </a:ln>
+        </p:spPr>
+        <p:style>
+          <a:lnRef idx="1">
+            <a:schemeClr val="accent1"/>
+          </a:lnRef>
+          <a:fillRef idx="0">
+            <a:schemeClr val="accent1"/>
+          </a:fillRef>
+          <a:effectRef idx="0">
+            <a:schemeClr val="accent1"/>
+          </a:effectRef>
+          <a:fontRef idx="minor">
+            <a:schemeClr val="tx1"/>
+          </a:fontRef>
+        </p:style>
+      </p:cxnSp>
+      <p:sp>
+        <p:nvSpPr>
+          <p:cNvPr id="73" name="Rectangle: Rounded Corners 72">
+            <a:extLst>
+              <a:ext uri="{FF2B5EF4-FFF2-40B4-BE49-F238E27FC236}">
+                <a16:creationId xmlns:a16="http://schemas.microsoft.com/office/drawing/2014/main" id="{23951F3E-F224-4518-BB13-41DD00D71EB7}"/>
+              </a:ext>
+            </a:extLst>
+          </p:cNvPr>
+          <p:cNvSpPr/>
+          <p:nvPr/>
+        </p:nvSpPr>
+        <p:spPr>
+          <a:xfrm>
+            <a:off x="6023166" y="4143104"/>
+            <a:ext cx="273678" cy="1258432"/>
+          </a:xfrm>
+          <a:prstGeom prst="roundRect">
+            <a:avLst/>
+          </a:prstGeom>
+          <a:solidFill>
+            <a:srgbClr val="00B0F0"/>
+          </a:solidFill>
+          <a:ln>
+            <a:solidFill>
+              <a:schemeClr val="accent5">
+                <a:lumMod val="75000"/>
+              </a:schemeClr>
+            </a:solidFill>
+          </a:ln>
+        </p:spPr>
+        <p:style>
+          <a:lnRef idx="2">
+            <a:schemeClr val="accent1">
+              <a:shade val="50000"/>
+            </a:schemeClr>
+          </a:lnRef>
+          <a:fillRef idx="1">
+            <a:schemeClr val="accent1"/>
+          </a:fillRef>
+          <a:effectRef idx="0">
+            <a:schemeClr val="accent1"/>
+          </a:effectRef>
+          <a:fontRef idx="minor">
+            <a:schemeClr val="lt1"/>
+          </a:fontRef>
+        </p:style>
+        <p:txBody>
+          <a:bodyPr rtlCol="0" anchor="ctr"/>
+          <a:lstStyle/>
+          <a:p>
+            <a:pPr algn="ctr"/>
+            <a:endParaRPr lang="en-US" dirty="0"/>
+          </a:p>
+        </p:txBody>
+      </p:sp>
+      <p:grpSp>
+        <p:nvGrpSpPr>
+          <p:cNvPr id="74" name="Group 73">
+            <a:extLst>
+              <a:ext uri="{FF2B5EF4-FFF2-40B4-BE49-F238E27FC236}">
+                <a16:creationId xmlns:a16="http://schemas.microsoft.com/office/drawing/2014/main" id="{3EA29D08-4D04-4BE3-8826-CFCEDD59BF4D}"/>
+              </a:ext>
+            </a:extLst>
+          </p:cNvPr>
+          <p:cNvGrpSpPr/>
+          <p:nvPr/>
+        </p:nvGrpSpPr>
+        <p:grpSpPr>
+          <a:xfrm>
+            <a:off x="6501757" y="4244505"/>
+            <a:ext cx="824073" cy="697706"/>
+            <a:chOff x="3473450" y="1362075"/>
+            <a:chExt cx="939800" cy="697706"/>
+          </a:xfrm>
+        </p:grpSpPr>
+        <p:sp>
+          <p:nvSpPr>
+            <p:cNvPr id="75" name="Oval 74">
+              <a:extLst>
+                <a:ext uri="{FF2B5EF4-FFF2-40B4-BE49-F238E27FC236}">
+                  <a16:creationId xmlns:a16="http://schemas.microsoft.com/office/drawing/2014/main" id="{40F9AB0F-3024-4A09-A5EA-A1EEE377A9B2}"/>
+                </a:ext>
+              </a:extLst>
+            </p:cNvPr>
+            <p:cNvSpPr/>
+            <p:nvPr/>
+          </p:nvSpPr>
+          <p:spPr>
+            <a:xfrm>
+              <a:off x="3841750" y="1362075"/>
+              <a:ext cx="190500" cy="190500"/>
+            </a:xfrm>
+            <a:prstGeom prst="ellipse">
+              <a:avLst/>
+            </a:prstGeom>
+            <a:solidFill>
+              <a:schemeClr val="accent2">
+                <a:lumMod val="20000"/>
+                <a:lumOff val="80000"/>
+              </a:schemeClr>
+            </a:solidFill>
+            <a:ln>
+              <a:solidFill>
+                <a:schemeClr val="accent6">
+                  <a:lumMod val="75000"/>
+                </a:schemeClr>
+              </a:solidFill>
+            </a:ln>
+          </p:spPr>
+          <p:style>
+            <a:lnRef idx="2">
+              <a:schemeClr val="accent1">
+                <a:shade val="50000"/>
+              </a:schemeClr>
+            </a:lnRef>
+            <a:fillRef idx="1">
+              <a:schemeClr val="accent1"/>
+            </a:fillRef>
+            <a:effectRef idx="0">
+              <a:schemeClr val="accent1"/>
+            </a:effectRef>
+            <a:fontRef idx="minor">
+              <a:schemeClr val="lt1"/>
+            </a:fontRef>
+          </p:style>
+          <p:txBody>
+            <a:bodyPr rtlCol="0" anchor="ctr"/>
+            <a:lstStyle/>
+            <a:p>
+              <a:pPr algn="ctr"/>
+              <a:endParaRPr lang="en-US"/>
+            </a:p>
+          </p:txBody>
+        </p:sp>
+        <p:sp>
+          <p:nvSpPr>
+            <p:cNvPr id="76" name="Oval 75">
+              <a:extLst>
+                <a:ext uri="{FF2B5EF4-FFF2-40B4-BE49-F238E27FC236}">
+                  <a16:creationId xmlns:a16="http://schemas.microsoft.com/office/drawing/2014/main" id="{624AFACA-BA91-4F34-9637-72867C000FCB}"/>
+                </a:ext>
+              </a:extLst>
+            </p:cNvPr>
+            <p:cNvSpPr/>
+            <p:nvPr/>
+          </p:nvSpPr>
+          <p:spPr>
+            <a:xfrm>
+              <a:off x="3473450" y="1869281"/>
+              <a:ext cx="190500" cy="190500"/>
+            </a:xfrm>
+            <a:prstGeom prst="ellipse">
+              <a:avLst/>
+            </a:prstGeom>
+            <a:solidFill>
+              <a:schemeClr val="accent2">
+                <a:lumMod val="20000"/>
+                <a:lumOff val="80000"/>
+              </a:schemeClr>
+            </a:solidFill>
+            <a:ln>
+              <a:solidFill>
+                <a:schemeClr val="accent6">
+                  <a:lumMod val="75000"/>
+                </a:schemeClr>
+              </a:solidFill>
+            </a:ln>
+          </p:spPr>
+          <p:style>
+            <a:lnRef idx="2">
+              <a:schemeClr val="accent1">
+                <a:shade val="50000"/>
+              </a:schemeClr>
+            </a:lnRef>
+            <a:fillRef idx="1">
+              <a:schemeClr val="accent1"/>
+            </a:fillRef>
+            <a:effectRef idx="0">
+              <a:schemeClr val="accent1"/>
+            </a:effectRef>
+            <a:fontRef idx="minor">
+              <a:schemeClr val="lt1"/>
+            </a:fontRef>
+          </p:style>
+          <p:txBody>
+            <a:bodyPr rtlCol="0" anchor="ctr"/>
+            <a:lstStyle/>
+            <a:p>
+              <a:pPr algn="ctr"/>
+              <a:endParaRPr lang="en-US" dirty="0"/>
+            </a:p>
+          </p:txBody>
+        </p:sp>
+        <p:sp>
+          <p:nvSpPr>
+            <p:cNvPr id="77" name="Oval 76">
+              <a:extLst>
+                <a:ext uri="{FF2B5EF4-FFF2-40B4-BE49-F238E27FC236}">
+                  <a16:creationId xmlns:a16="http://schemas.microsoft.com/office/drawing/2014/main" id="{A99D1670-A3E5-4ECD-A9C1-8EF47B4E2D9A}"/>
+                </a:ext>
+              </a:extLst>
+            </p:cNvPr>
+            <p:cNvSpPr/>
+            <p:nvPr/>
+          </p:nvSpPr>
+          <p:spPr>
+            <a:xfrm>
+              <a:off x="4222750" y="1869281"/>
+              <a:ext cx="190500" cy="190500"/>
+            </a:xfrm>
+            <a:prstGeom prst="ellipse">
+              <a:avLst/>
+            </a:prstGeom>
+            <a:solidFill>
+              <a:schemeClr val="accent2">
+                <a:lumMod val="20000"/>
+                <a:lumOff val="80000"/>
+              </a:schemeClr>
+            </a:solidFill>
+            <a:ln>
+              <a:solidFill>
+                <a:schemeClr val="accent6">
+                  <a:lumMod val="75000"/>
+                </a:schemeClr>
+              </a:solidFill>
+            </a:ln>
+          </p:spPr>
+          <p:style>
+            <a:lnRef idx="2">
+              <a:schemeClr val="accent1">
+                <a:shade val="50000"/>
+              </a:schemeClr>
+            </a:lnRef>
+            <a:fillRef idx="1">
+              <a:schemeClr val="accent1"/>
+            </a:fillRef>
+            <a:effectRef idx="0">
+              <a:schemeClr val="accent1"/>
+            </a:effectRef>
+            <a:fontRef idx="minor">
+              <a:schemeClr val="lt1"/>
+            </a:fontRef>
+          </p:style>
+          <p:txBody>
+            <a:bodyPr rtlCol="0" anchor="ctr"/>
+            <a:lstStyle/>
+            <a:p>
+              <a:pPr algn="ctr"/>
+              <a:endParaRPr lang="en-US"/>
+            </a:p>
+          </p:txBody>
+        </p:sp>
+        <p:cxnSp>
+          <p:nvCxnSpPr>
+            <p:cNvPr id="78" name="Straight Arrow Connector 77">
+              <a:extLst>
+                <a:ext uri="{FF2B5EF4-FFF2-40B4-BE49-F238E27FC236}">
+                  <a16:creationId xmlns:a16="http://schemas.microsoft.com/office/drawing/2014/main" id="{B4DC1CFC-DC6A-4B71-8D4D-AAEFD31B1DEA}"/>
+                </a:ext>
+              </a:extLst>
+            </p:cNvPr>
+            <p:cNvCxnSpPr>
+              <a:stCxn id="75" idx="3"/>
+              <a:endCxn id="76" idx="6"/>
+            </p:cNvCxnSpPr>
+            <p:nvPr/>
+          </p:nvCxnSpPr>
+          <p:spPr>
+            <a:xfrm flipH="1">
+              <a:off x="3636052" y="1524677"/>
+              <a:ext cx="233596" cy="372502"/>
+            </a:xfrm>
+            <a:prstGeom prst="straightConnector1">
+              <a:avLst/>
+            </a:prstGeom>
+            <a:ln w="25400">
+              <a:tailEnd type="triangle"/>
+            </a:ln>
+          </p:spPr>
+          <p:style>
+            <a:lnRef idx="1">
+              <a:schemeClr val="accent1"/>
+            </a:lnRef>
+            <a:fillRef idx="0">
+              <a:schemeClr val="accent1"/>
+            </a:fillRef>
+            <a:effectRef idx="0">
+              <a:schemeClr val="accent1"/>
+            </a:effectRef>
+            <a:fontRef idx="minor">
+              <a:schemeClr val="tx1"/>
+            </a:fontRef>
+          </p:style>
+        </p:cxnSp>
+        <p:cxnSp>
+          <p:nvCxnSpPr>
+            <p:cNvPr id="79" name="Straight Arrow Connector 78">
+              <a:extLst>
+                <a:ext uri="{FF2B5EF4-FFF2-40B4-BE49-F238E27FC236}">
+                  <a16:creationId xmlns:a16="http://schemas.microsoft.com/office/drawing/2014/main" id="{F0D48072-1F7E-4753-9BD0-1B7006F6B42F}"/>
+                </a:ext>
+              </a:extLst>
+            </p:cNvPr>
+            <p:cNvCxnSpPr>
+              <a:cxnSpLocks/>
+              <a:stCxn id="75" idx="5"/>
+              <a:endCxn id="77" idx="1"/>
+            </p:cNvCxnSpPr>
+            <p:nvPr/>
+          </p:nvCxnSpPr>
+          <p:spPr>
+            <a:xfrm>
+              <a:off x="4004352" y="1524677"/>
+              <a:ext cx="246296" cy="372502"/>
+            </a:xfrm>
+            <a:prstGeom prst="straightConnector1">
+              <a:avLst/>
+            </a:prstGeom>
+            <a:ln w="25400">
+              <a:solidFill>
+                <a:srgbClr val="0070C0"/>
+              </a:solidFill>
+              <a:tailEnd type="triangle"/>
+            </a:ln>
+          </p:spPr>
+          <p:style>
+            <a:lnRef idx="1">
+              <a:schemeClr val="accent1"/>
+            </a:lnRef>
+            <a:fillRef idx="0">
+              <a:schemeClr val="accent1"/>
+            </a:fillRef>
+            <a:effectRef idx="0">
+              <a:schemeClr val="accent1"/>
+            </a:effectRef>
+            <a:fontRef idx="minor">
+              <a:schemeClr val="tx1"/>
+            </a:fontRef>
+          </p:style>
+        </p:cxnSp>
+      </p:grpSp>
+      <p:grpSp>
+        <p:nvGrpSpPr>
+          <p:cNvPr id="90" name="Group 89">
+            <a:extLst>
+              <a:ext uri="{FF2B5EF4-FFF2-40B4-BE49-F238E27FC236}">
+                <a16:creationId xmlns:a16="http://schemas.microsoft.com/office/drawing/2014/main" id="{8A0F4B20-D8BC-4757-BFE4-7565DB7B6A2D}"/>
+              </a:ext>
+            </a:extLst>
+          </p:cNvPr>
+          <p:cNvGrpSpPr/>
+          <p:nvPr/>
+        </p:nvGrpSpPr>
+        <p:grpSpPr>
+          <a:xfrm>
+            <a:off x="2156928" y="3822913"/>
+            <a:ext cx="4700442" cy="451554"/>
+            <a:chOff x="2150086" y="5617967"/>
+            <a:chExt cx="4871859" cy="589912"/>
+          </a:xfrm>
+        </p:grpSpPr>
+        <p:cxnSp>
+          <p:nvCxnSpPr>
+            <p:cNvPr id="83" name="Connector: Elbow 82">
+              <a:extLst>
+                <a:ext uri="{FF2B5EF4-FFF2-40B4-BE49-F238E27FC236}">
+                  <a16:creationId xmlns:a16="http://schemas.microsoft.com/office/drawing/2014/main" id="{DE908809-25E1-48A7-ABF4-70D505598B03}"/>
+                </a:ext>
+              </a:extLst>
+            </p:cNvPr>
+            <p:cNvCxnSpPr>
+              <a:cxnSpLocks/>
+            </p:cNvCxnSpPr>
+            <p:nvPr/>
+          </p:nvCxnSpPr>
+          <p:spPr>
+            <a:xfrm rot="10800000" flipV="1">
+              <a:off x="2150086" y="5872567"/>
+              <a:ext cx="4871859" cy="335312"/>
+            </a:xfrm>
+            <a:prstGeom prst="bentConnector3">
+              <a:avLst>
+                <a:gd name="adj1" fmla="val 99826"/>
+              </a:avLst>
+            </a:prstGeom>
+            <a:ln w="28575">
+              <a:solidFill>
+                <a:schemeClr val="tx1"/>
+              </a:solidFill>
+              <a:prstDash val="solid"/>
+              <a:tailEnd type="triangle"/>
+            </a:ln>
+          </p:spPr>
+          <p:style>
+            <a:lnRef idx="1">
+              <a:schemeClr val="accent1"/>
+            </a:lnRef>
+            <a:fillRef idx="0">
+              <a:schemeClr val="accent1"/>
+            </a:fillRef>
+            <a:effectRef idx="0">
+              <a:schemeClr val="accent1"/>
+            </a:effectRef>
+            <a:fontRef idx="minor">
+              <a:schemeClr val="tx1"/>
+            </a:fontRef>
+          </p:style>
+        </p:cxnSp>
+        <p:cxnSp>
+          <p:nvCxnSpPr>
+            <p:cNvPr id="89" name="Straight Connector 88">
+              <a:extLst>
+                <a:ext uri="{FF2B5EF4-FFF2-40B4-BE49-F238E27FC236}">
+                  <a16:creationId xmlns:a16="http://schemas.microsoft.com/office/drawing/2014/main" id="{8DD30003-2B8A-4CF1-808C-B53DE15A1417}"/>
+                </a:ext>
+              </a:extLst>
+            </p:cNvPr>
+            <p:cNvCxnSpPr/>
+            <p:nvPr/>
+          </p:nvCxnSpPr>
+          <p:spPr>
+            <a:xfrm>
+              <a:off x="7011481" y="5617967"/>
+              <a:ext cx="0" cy="254600"/>
+            </a:xfrm>
+            <a:prstGeom prst="line">
+              <a:avLst/>
+            </a:prstGeom>
+            <a:ln w="28575">
+              <a:solidFill>
+                <a:schemeClr val="tx1"/>
+              </a:solidFill>
+            </a:ln>
+          </p:spPr>
+          <p:style>
+            <a:lnRef idx="1">
+              <a:schemeClr val="accent1"/>
+            </a:lnRef>
+            <a:fillRef idx="0">
+              <a:schemeClr val="accent1"/>
+            </a:fillRef>
+            <a:effectRef idx="0">
+              <a:schemeClr val="accent1"/>
+            </a:effectRef>
+            <a:fontRef idx="minor">
+              <a:schemeClr val="tx1"/>
+            </a:fontRef>
+          </p:style>
+        </p:cxnSp>
+      </p:grpSp>
+      <p:sp>
+        <p:nvSpPr>
+          <p:cNvPr id="92" name="TextBox 91">
+            <a:extLst>
+              <a:ext uri="{FF2B5EF4-FFF2-40B4-BE49-F238E27FC236}">
+                <a16:creationId xmlns:a16="http://schemas.microsoft.com/office/drawing/2014/main" id="{1AFDC5C1-09CA-49E1-AD2B-93BB9913F198}"/>
+              </a:ext>
+            </a:extLst>
+          </p:cNvPr>
+          <p:cNvSpPr txBox="1"/>
+          <p:nvPr/>
+        </p:nvSpPr>
+        <p:spPr>
+          <a:xfrm>
+            <a:off x="1701035" y="5651328"/>
+            <a:ext cx="862993" cy="319446"/>
+          </a:xfrm>
+          <a:prstGeom prst="rect">
+            <a:avLst/>
+          </a:prstGeom>
+          <a:noFill/>
+        </p:spPr>
+        <p:txBody>
+          <a:bodyPr wrap="square" rtlCol="0">
+            <a:spAutoFit/>
+          </a:bodyPr>
+          <a:lstStyle/>
+          <a:p>
+            <a:pPr algn="ctr">
+              <a:lnSpc>
+                <a:spcPct val="80000"/>
+              </a:lnSpc>
+            </a:pPr>
+            <a:r>
+              <a:rPr lang="en-US" dirty="0"/>
+              <a:t>…</a:t>
+            </a:r>
+          </a:p>
+        </p:txBody>
+      </p:sp>
+      <p:grpSp>
+        <p:nvGrpSpPr>
+          <p:cNvPr id="93" name="Group 92">
+            <a:extLst>
+              <a:ext uri="{FF2B5EF4-FFF2-40B4-BE49-F238E27FC236}">
+                <a16:creationId xmlns:a16="http://schemas.microsoft.com/office/drawing/2014/main" id="{BE1DF5FD-565D-4BB3-8DBA-C96DEC2F60E8}"/>
+              </a:ext>
+            </a:extLst>
+          </p:cNvPr>
+          <p:cNvGrpSpPr/>
+          <p:nvPr/>
+        </p:nvGrpSpPr>
+        <p:grpSpPr>
+          <a:xfrm>
+            <a:off x="2146832" y="5336231"/>
+            <a:ext cx="4710538" cy="451554"/>
+            <a:chOff x="2150086" y="5617967"/>
+            <a:chExt cx="4871859" cy="589912"/>
+          </a:xfrm>
+        </p:grpSpPr>
+        <p:cxnSp>
+          <p:nvCxnSpPr>
+            <p:cNvPr id="94" name="Connector: Elbow 93">
+              <a:extLst>
+                <a:ext uri="{FF2B5EF4-FFF2-40B4-BE49-F238E27FC236}">
+                  <a16:creationId xmlns:a16="http://schemas.microsoft.com/office/drawing/2014/main" id="{1F8A882C-5A2E-4678-8E5C-3B3691FE4C4E}"/>
+                </a:ext>
+              </a:extLst>
+            </p:cNvPr>
+            <p:cNvCxnSpPr>
+              <a:cxnSpLocks/>
+            </p:cNvCxnSpPr>
+            <p:nvPr/>
+          </p:nvCxnSpPr>
+          <p:spPr>
+            <a:xfrm rot="10800000" flipV="1">
+              <a:off x="2150086" y="5872567"/>
+              <a:ext cx="4871859" cy="335312"/>
+            </a:xfrm>
+            <a:prstGeom prst="bentConnector3">
+              <a:avLst>
+                <a:gd name="adj1" fmla="val 99826"/>
+              </a:avLst>
+            </a:prstGeom>
+            <a:ln w="28575">
+              <a:solidFill>
+                <a:schemeClr val="tx1"/>
+              </a:solidFill>
+              <a:prstDash val="solid"/>
+              <a:tailEnd type="triangle"/>
+            </a:ln>
+          </p:spPr>
+          <p:style>
+            <a:lnRef idx="1">
+              <a:schemeClr val="accent1"/>
+            </a:lnRef>
+            <a:fillRef idx="0">
+              <a:schemeClr val="accent1"/>
+            </a:fillRef>
+            <a:effectRef idx="0">
+              <a:schemeClr val="accent1"/>
+            </a:effectRef>
+            <a:fontRef idx="minor">
+              <a:schemeClr val="tx1"/>
+            </a:fontRef>
+          </p:style>
+        </p:cxnSp>
+        <p:cxnSp>
+          <p:nvCxnSpPr>
+            <p:cNvPr id="95" name="Straight Connector 94">
+              <a:extLst>
+                <a:ext uri="{FF2B5EF4-FFF2-40B4-BE49-F238E27FC236}">
+                  <a16:creationId xmlns:a16="http://schemas.microsoft.com/office/drawing/2014/main" id="{E4242068-1C4D-4626-A2FC-BA189CCDD7C8}"/>
+                </a:ext>
+              </a:extLst>
+            </p:cNvPr>
+            <p:cNvCxnSpPr/>
+            <p:nvPr/>
+          </p:nvCxnSpPr>
+          <p:spPr>
+            <a:xfrm>
+              <a:off x="7011481" y="5617967"/>
+              <a:ext cx="0" cy="254600"/>
+            </a:xfrm>
+            <a:prstGeom prst="line">
+              <a:avLst/>
+            </a:prstGeom>
+            <a:ln w="28575">
+              <a:solidFill>
+                <a:schemeClr val="tx1"/>
+              </a:solidFill>
+            </a:ln>
+          </p:spPr>
+          <p:style>
+            <a:lnRef idx="1">
+              <a:schemeClr val="accent1"/>
+            </a:lnRef>
+            <a:fillRef idx="0">
+              <a:schemeClr val="accent1"/>
+            </a:fillRef>
+            <a:effectRef idx="0">
+              <a:schemeClr val="accent1"/>
+            </a:effectRef>
+            <a:fontRef idx="minor">
+              <a:schemeClr val="tx1"/>
+            </a:fontRef>
+          </p:style>
+        </p:cxnSp>
+      </p:grpSp>
+      <p:sp>
+        <p:nvSpPr>
+          <p:cNvPr id="96" name="TextBox 95">
+            <a:extLst>
+              <a:ext uri="{FF2B5EF4-FFF2-40B4-BE49-F238E27FC236}">
+                <a16:creationId xmlns:a16="http://schemas.microsoft.com/office/drawing/2014/main" id="{E5C4EAEE-3FE6-4521-9603-E6750A72D1E2}"/>
+              </a:ext>
+            </a:extLst>
+          </p:cNvPr>
+          <p:cNvSpPr txBox="1"/>
+          <p:nvPr/>
+        </p:nvSpPr>
+        <p:spPr>
+          <a:xfrm>
+            <a:off x="3749706" y="5573583"/>
+            <a:ext cx="862993" cy="319446"/>
+          </a:xfrm>
+          <a:prstGeom prst="rect">
+            <a:avLst/>
+          </a:prstGeom>
+          <a:noFill/>
+        </p:spPr>
+        <p:txBody>
+          <a:bodyPr wrap="square" rtlCol="0">
+            <a:spAutoFit/>
+          </a:bodyPr>
+          <a:lstStyle/>
+          <a:p>
+            <a:pPr algn="ctr">
+              <a:lnSpc>
+                <a:spcPct val="80000"/>
+              </a:lnSpc>
+            </a:pPr>
+            <a:r>
+              <a:rPr lang="en-US" dirty="0"/>
+              <a:t>…</a:t>
+            </a:r>
+          </a:p>
+        </p:txBody>
+      </p:sp>
+    </p:spTree>
+    <p:extLst>
+      <p:ext uri="{BB962C8B-B14F-4D97-AF65-F5344CB8AC3E}">
+        <p14:creationId xmlns:p14="http://schemas.microsoft.com/office/powerpoint/2010/main" val="3373456106"/>
       </p:ext>
     </p:extLst>
   </p:cSld>

--- a/Figures.pptx
+++ b/Figures.pptx
@@ -16001,7 +16001,7 @@
         </p:nvSpPr>
         <p:spPr>
           <a:xfrm>
-            <a:off x="1698368" y="2126062"/>
+            <a:off x="3703950" y="5558269"/>
             <a:ext cx="1010177" cy="319446"/>
           </a:xfrm>
           <a:prstGeom prst="rect">
@@ -16442,7 +16442,7 @@
         </p:nvSpPr>
         <p:spPr>
           <a:xfrm>
-            <a:off x="6337400" y="2782164"/>
+            <a:off x="6354329" y="2715484"/>
             <a:ext cx="450764" cy="369332"/>
           </a:xfrm>
           <a:prstGeom prst="rect">
@@ -17960,7 +17960,7 @@
         </p:nvSpPr>
         <p:spPr>
           <a:xfrm>
-            <a:off x="3749706" y="5573583"/>
+            <a:off x="2756475" y="5541855"/>
             <a:ext cx="862993" cy="319446"/>
           </a:xfrm>
           <a:prstGeom prst="rect">
@@ -17986,6 +17986,138 @@
           </a:p>
         </p:txBody>
       </p:sp>
+      <p:cxnSp>
+        <p:nvCxnSpPr>
+          <p:cNvPr id="3" name="Connector: Elbow 2">
+            <a:extLst>
+              <a:ext uri="{FF2B5EF4-FFF2-40B4-BE49-F238E27FC236}">
+                <a16:creationId xmlns:a16="http://schemas.microsoft.com/office/drawing/2014/main" id="{7E5F730B-8B71-4F21-871F-C7418A3213FF}"/>
+              </a:ext>
+            </a:extLst>
+          </p:cNvPr>
+          <p:cNvCxnSpPr>
+            <a:cxnSpLocks/>
+            <a:endCxn id="27" idx="0"/>
+          </p:cNvCxnSpPr>
+          <p:nvPr/>
+        </p:nvCxnSpPr>
+        <p:spPr>
+          <a:xfrm flipV="1">
+            <a:off x="1716814" y="2342116"/>
+            <a:ext cx="3482951" cy="424896"/>
+          </a:xfrm>
+          <a:prstGeom prst="bentConnector4">
+            <a:avLst>
+              <a:gd name="adj1" fmla="val 16797"/>
+              <a:gd name="adj2" fmla="val 153801"/>
+            </a:avLst>
+          </a:prstGeom>
+          <a:ln w="28575">
+            <a:solidFill>
+              <a:schemeClr val="tx1"/>
+            </a:solidFill>
+            <a:tailEnd type="triangle"/>
+          </a:ln>
+        </p:spPr>
+        <p:style>
+          <a:lnRef idx="1">
+            <a:schemeClr val="accent1"/>
+          </a:lnRef>
+          <a:fillRef idx="0">
+            <a:schemeClr val="accent1"/>
+          </a:fillRef>
+          <a:effectRef idx="0">
+            <a:schemeClr val="accent1"/>
+          </a:effectRef>
+          <a:fontRef idx="minor">
+            <a:schemeClr val="tx1"/>
+          </a:fontRef>
+        </p:style>
+      </p:cxnSp>
+      <p:cxnSp>
+        <p:nvCxnSpPr>
+          <p:cNvPr id="43" name="Connector: Elbow 42">
+            <a:extLst>
+              <a:ext uri="{FF2B5EF4-FFF2-40B4-BE49-F238E27FC236}">
+                <a16:creationId xmlns:a16="http://schemas.microsoft.com/office/drawing/2014/main" id="{58BE8BC0-B681-4D9F-8805-2931A613E370}"/>
+              </a:ext>
+            </a:extLst>
+          </p:cNvPr>
+          <p:cNvCxnSpPr>
+            <a:cxnSpLocks/>
+          </p:cNvCxnSpPr>
+          <p:nvPr/>
+        </p:nvCxnSpPr>
+        <p:spPr>
+          <a:xfrm rot="10800000" flipV="1">
+            <a:off x="1750539" y="2296356"/>
+            <a:ext cx="2974701" cy="611376"/>
+          </a:xfrm>
+          <a:prstGeom prst="bentConnector3">
+            <a:avLst>
+              <a:gd name="adj1" fmla="val 75874"/>
+            </a:avLst>
+          </a:prstGeom>
+          <a:ln w="28575">
+            <a:tailEnd type="triangle"/>
+          </a:ln>
+        </p:spPr>
+        <p:style>
+          <a:lnRef idx="1">
+            <a:schemeClr val="dk1"/>
+          </a:lnRef>
+          <a:fillRef idx="0">
+            <a:schemeClr val="dk1"/>
+          </a:fillRef>
+          <a:effectRef idx="0">
+            <a:schemeClr val="dk1"/>
+          </a:effectRef>
+          <a:fontRef idx="minor">
+            <a:schemeClr val="tx1"/>
+          </a:fontRef>
+        </p:style>
+      </p:cxnSp>
+      <p:cxnSp>
+        <p:nvCxnSpPr>
+          <p:cNvPr id="85" name="Straight Connector 84">
+            <a:extLst>
+              <a:ext uri="{FF2B5EF4-FFF2-40B4-BE49-F238E27FC236}">
+                <a16:creationId xmlns:a16="http://schemas.microsoft.com/office/drawing/2014/main" id="{C7D87520-152D-44E1-9F0A-6BA44F5EDCDC}"/>
+              </a:ext>
+            </a:extLst>
+          </p:cNvPr>
+          <p:cNvCxnSpPr/>
+          <p:nvPr/>
+        </p:nvCxnSpPr>
+        <p:spPr>
+          <a:xfrm>
+            <a:off x="4714127" y="2300305"/>
+            <a:ext cx="0" cy="938639"/>
+          </a:xfrm>
+          <a:prstGeom prst="line">
+            <a:avLst/>
+          </a:prstGeom>
+          <a:ln w="28575">
+            <a:solidFill>
+              <a:schemeClr val="tx1"/>
+            </a:solidFill>
+          </a:ln>
+        </p:spPr>
+        <p:style>
+          <a:lnRef idx="1">
+            <a:schemeClr val="accent1"/>
+          </a:lnRef>
+          <a:fillRef idx="0">
+            <a:schemeClr val="accent1"/>
+          </a:fillRef>
+          <a:effectRef idx="0">
+            <a:schemeClr val="accent1"/>
+          </a:effectRef>
+          <a:fontRef idx="minor">
+            <a:schemeClr val="tx1"/>
+          </a:fontRef>
+        </p:style>
+      </p:cxnSp>
     </p:spTree>
     <p:extLst>
       <p:ext uri="{BB962C8B-B14F-4D97-AF65-F5344CB8AC3E}">

--- a/Figures.pptx
+++ b/Figures.pptx
@@ -5,7 +5,7 @@
     <p:sldMasterId id="2147483648" r:id="rId1"/>
   </p:sldMasterIdLst>
   <p:notesMasterIdLst>
-    <p:notesMasterId r:id="rId14"/>
+    <p:notesMasterId r:id="rId16"/>
   </p:notesMasterIdLst>
   <p:sldIdLst>
     <p:sldId id="256" r:id="rId2"/>
@@ -20,6 +20,8 @@
     <p:sldId id="269" r:id="rId11"/>
     <p:sldId id="265" r:id="rId12"/>
     <p:sldId id="270" r:id="rId13"/>
+    <p:sldId id="271" r:id="rId14"/>
+    <p:sldId id="272" r:id="rId15"/>
   </p:sldIdLst>
   <p:sldSz cx="12192000" cy="6858000"/>
   <p:notesSz cx="6858000" cy="9144000"/>
@@ -208,7 +210,7 @@
           <a:p>
             <a:fld id="{75754C70-6453-4EC1-893C-AA2644B807D6}" type="datetimeFigureOut">
               <a:rPr lang="en-US" smtClean="0"/>
-              <a:t>8/28/2021</a:t>
+              <a:t>8/29/2021</a:t>
             </a:fld>
             <a:endParaRPr lang="en-US" dirty="0"/>
           </a:p>
@@ -622,7 +624,7 @@
           <a:p>
             <a:fld id="{FF5E1AB6-45CD-421A-B6C0-E4D4EAFC2CDC}" type="datetimeFigureOut">
               <a:rPr lang="en-US" smtClean="0"/>
-              <a:t>8/28/2021</a:t>
+              <a:t>8/29/2021</a:t>
             </a:fld>
             <a:endParaRPr lang="en-US" dirty="0"/>
           </a:p>
@@ -820,7 +822,7 @@
           <a:p>
             <a:fld id="{FF5E1AB6-45CD-421A-B6C0-E4D4EAFC2CDC}" type="datetimeFigureOut">
               <a:rPr lang="en-US" smtClean="0"/>
-              <a:t>8/28/2021</a:t>
+              <a:t>8/29/2021</a:t>
             </a:fld>
             <a:endParaRPr lang="en-US" dirty="0"/>
           </a:p>
@@ -1028,7 +1030,7 @@
           <a:p>
             <a:fld id="{FF5E1AB6-45CD-421A-B6C0-E4D4EAFC2CDC}" type="datetimeFigureOut">
               <a:rPr lang="en-US" smtClean="0"/>
-              <a:t>8/28/2021</a:t>
+              <a:t>8/29/2021</a:t>
             </a:fld>
             <a:endParaRPr lang="en-US" dirty="0"/>
           </a:p>
@@ -1226,7 +1228,7 @@
           <a:p>
             <a:fld id="{FF5E1AB6-45CD-421A-B6C0-E4D4EAFC2CDC}" type="datetimeFigureOut">
               <a:rPr lang="en-US" smtClean="0"/>
-              <a:t>8/28/2021</a:t>
+              <a:t>8/29/2021</a:t>
             </a:fld>
             <a:endParaRPr lang="en-US" dirty="0"/>
           </a:p>
@@ -1501,7 +1503,7 @@
           <a:p>
             <a:fld id="{FF5E1AB6-45CD-421A-B6C0-E4D4EAFC2CDC}" type="datetimeFigureOut">
               <a:rPr lang="en-US" smtClean="0"/>
-              <a:t>8/28/2021</a:t>
+              <a:t>8/29/2021</a:t>
             </a:fld>
             <a:endParaRPr lang="en-US" dirty="0"/>
           </a:p>
@@ -1766,7 +1768,7 @@
           <a:p>
             <a:fld id="{FF5E1AB6-45CD-421A-B6C0-E4D4EAFC2CDC}" type="datetimeFigureOut">
               <a:rPr lang="en-US" smtClean="0"/>
-              <a:t>8/28/2021</a:t>
+              <a:t>8/29/2021</a:t>
             </a:fld>
             <a:endParaRPr lang="en-US" dirty="0"/>
           </a:p>
@@ -2178,7 +2180,7 @@
           <a:p>
             <a:fld id="{FF5E1AB6-45CD-421A-B6C0-E4D4EAFC2CDC}" type="datetimeFigureOut">
               <a:rPr lang="en-US" smtClean="0"/>
-              <a:t>8/28/2021</a:t>
+              <a:t>8/29/2021</a:t>
             </a:fld>
             <a:endParaRPr lang="en-US" dirty="0"/>
           </a:p>
@@ -2319,7 +2321,7 @@
           <a:p>
             <a:fld id="{FF5E1AB6-45CD-421A-B6C0-E4D4EAFC2CDC}" type="datetimeFigureOut">
               <a:rPr lang="en-US" smtClean="0"/>
-              <a:t>8/28/2021</a:t>
+              <a:t>8/29/2021</a:t>
             </a:fld>
             <a:endParaRPr lang="en-US" dirty="0"/>
           </a:p>
@@ -2432,7 +2434,7 @@
           <a:p>
             <a:fld id="{FF5E1AB6-45CD-421A-B6C0-E4D4EAFC2CDC}" type="datetimeFigureOut">
               <a:rPr lang="en-US" smtClean="0"/>
-              <a:t>8/28/2021</a:t>
+              <a:t>8/29/2021</a:t>
             </a:fld>
             <a:endParaRPr lang="en-US" dirty="0"/>
           </a:p>
@@ -2743,7 +2745,7 @@
           <a:p>
             <a:fld id="{FF5E1AB6-45CD-421A-B6C0-E4D4EAFC2CDC}" type="datetimeFigureOut">
               <a:rPr lang="en-US" smtClean="0"/>
-              <a:t>8/28/2021</a:t>
+              <a:t>8/29/2021</a:t>
             </a:fld>
             <a:endParaRPr lang="en-US" dirty="0"/>
           </a:p>
@@ -3031,7 +3033,7 @@
           <a:p>
             <a:fld id="{FF5E1AB6-45CD-421A-B6C0-E4D4EAFC2CDC}" type="datetimeFigureOut">
               <a:rPr lang="en-US" smtClean="0"/>
-              <a:t>8/28/2021</a:t>
+              <a:t>8/29/2021</a:t>
             </a:fld>
             <a:endParaRPr lang="en-US" dirty="0"/>
           </a:p>
@@ -3272,7 +3274,7 @@
           <a:p>
             <a:fld id="{FF5E1AB6-45CD-421A-B6C0-E4D4EAFC2CDC}" type="datetimeFigureOut">
               <a:rPr lang="en-US" smtClean="0"/>
-              <a:t>8/28/2021</a:t>
+              <a:t>8/29/2021</a:t>
             </a:fld>
             <a:endParaRPr lang="en-US" dirty="0"/>
           </a:p>
@@ -18122,6 +18124,7568 @@
     <p:extLst>
       <p:ext uri="{BB962C8B-B14F-4D97-AF65-F5344CB8AC3E}">
         <p14:creationId xmlns:p14="http://schemas.microsoft.com/office/powerpoint/2010/main" val="3373456106"/>
+      </p:ext>
+    </p:extLst>
+  </p:cSld>
+  <p:clrMapOvr>
+    <a:masterClrMapping/>
+  </p:clrMapOvr>
+</p:sld>
+</file>
+
+<file path=ppt/slides/slide13.xml><?xml version="1.0" encoding="utf-8"?>
+<p:sld xmlns:a="http://schemas.openxmlformats.org/drawingml/2006/main" xmlns:r="http://schemas.openxmlformats.org/officeDocument/2006/relationships" xmlns:p="http://schemas.openxmlformats.org/presentationml/2006/main">
+  <p:cSld>
+    <p:spTree>
+      <p:nvGrpSpPr>
+        <p:cNvPr id="1" name=""/>
+        <p:cNvGrpSpPr/>
+        <p:nvPr/>
+      </p:nvGrpSpPr>
+      <p:grpSpPr>
+        <a:xfrm>
+          <a:off x="0" y="0"/>
+          <a:ext cx="0" cy="0"/>
+          <a:chOff x="0" y="0"/>
+          <a:chExt cx="0" cy="0"/>
+        </a:xfrm>
+      </p:grpSpPr>
+      <p:grpSp>
+        <p:nvGrpSpPr>
+          <p:cNvPr id="29" name="Group 28">
+            <a:extLst>
+              <a:ext uri="{FF2B5EF4-FFF2-40B4-BE49-F238E27FC236}">
+                <a16:creationId xmlns:a16="http://schemas.microsoft.com/office/drawing/2014/main" id="{00F08641-F49B-47B4-B126-2031C5D20321}"/>
+              </a:ext>
+            </a:extLst>
+          </p:cNvPr>
+          <p:cNvGrpSpPr/>
+          <p:nvPr/>
+        </p:nvGrpSpPr>
+        <p:grpSpPr>
+          <a:xfrm>
+            <a:off x="3553528" y="3256980"/>
+            <a:ext cx="939800" cy="697706"/>
+            <a:chOff x="3473450" y="1362075"/>
+            <a:chExt cx="939800" cy="697706"/>
+          </a:xfrm>
+        </p:grpSpPr>
+        <p:sp>
+          <p:nvSpPr>
+            <p:cNvPr id="30" name="Oval 29">
+              <a:extLst>
+                <a:ext uri="{FF2B5EF4-FFF2-40B4-BE49-F238E27FC236}">
+                  <a16:creationId xmlns:a16="http://schemas.microsoft.com/office/drawing/2014/main" id="{EEF954A3-9480-4CA0-B4FC-159685D64AE4}"/>
+                </a:ext>
+              </a:extLst>
+            </p:cNvPr>
+            <p:cNvSpPr/>
+            <p:nvPr/>
+          </p:nvSpPr>
+          <p:spPr>
+            <a:xfrm>
+              <a:off x="3841750" y="1362075"/>
+              <a:ext cx="190500" cy="190500"/>
+            </a:xfrm>
+            <a:prstGeom prst="ellipse">
+              <a:avLst/>
+            </a:prstGeom>
+            <a:solidFill>
+              <a:srgbClr val="FFC000"/>
+            </a:solidFill>
+            <a:ln>
+              <a:solidFill>
+                <a:schemeClr val="accent6">
+                  <a:lumMod val="75000"/>
+                </a:schemeClr>
+              </a:solidFill>
+            </a:ln>
+          </p:spPr>
+          <p:style>
+            <a:lnRef idx="2">
+              <a:schemeClr val="accent1">
+                <a:shade val="50000"/>
+              </a:schemeClr>
+            </a:lnRef>
+            <a:fillRef idx="1">
+              <a:schemeClr val="accent1"/>
+            </a:fillRef>
+            <a:effectRef idx="0">
+              <a:schemeClr val="accent1"/>
+            </a:effectRef>
+            <a:fontRef idx="minor">
+              <a:schemeClr val="lt1"/>
+            </a:fontRef>
+          </p:style>
+          <p:txBody>
+            <a:bodyPr rtlCol="0" anchor="ctr"/>
+            <a:lstStyle/>
+            <a:p>
+              <a:pPr algn="ctr"/>
+              <a:endParaRPr lang="en-US"/>
+            </a:p>
+          </p:txBody>
+        </p:sp>
+        <p:sp>
+          <p:nvSpPr>
+            <p:cNvPr id="31" name="Oval 30">
+              <a:extLst>
+                <a:ext uri="{FF2B5EF4-FFF2-40B4-BE49-F238E27FC236}">
+                  <a16:creationId xmlns:a16="http://schemas.microsoft.com/office/drawing/2014/main" id="{58A1E0DF-95CB-4330-9C77-3EF88213FAAB}"/>
+                </a:ext>
+              </a:extLst>
+            </p:cNvPr>
+            <p:cNvSpPr/>
+            <p:nvPr/>
+          </p:nvSpPr>
+          <p:spPr>
+            <a:xfrm>
+              <a:off x="3473450" y="1869281"/>
+              <a:ext cx="190500" cy="190500"/>
+            </a:xfrm>
+            <a:prstGeom prst="ellipse">
+              <a:avLst/>
+            </a:prstGeom>
+            <a:solidFill>
+              <a:schemeClr val="accent6">
+                <a:lumMod val="40000"/>
+                <a:lumOff val="60000"/>
+              </a:schemeClr>
+            </a:solidFill>
+            <a:ln>
+              <a:solidFill>
+                <a:schemeClr val="accent6">
+                  <a:lumMod val="75000"/>
+                </a:schemeClr>
+              </a:solidFill>
+            </a:ln>
+          </p:spPr>
+          <p:style>
+            <a:lnRef idx="2">
+              <a:schemeClr val="accent1">
+                <a:shade val="50000"/>
+              </a:schemeClr>
+            </a:lnRef>
+            <a:fillRef idx="1">
+              <a:schemeClr val="accent1"/>
+            </a:fillRef>
+            <a:effectRef idx="0">
+              <a:schemeClr val="accent1"/>
+            </a:effectRef>
+            <a:fontRef idx="minor">
+              <a:schemeClr val="lt1"/>
+            </a:fontRef>
+          </p:style>
+          <p:txBody>
+            <a:bodyPr rtlCol="0" anchor="ctr"/>
+            <a:lstStyle/>
+            <a:p>
+              <a:pPr algn="ctr"/>
+              <a:endParaRPr lang="en-US"/>
+            </a:p>
+          </p:txBody>
+        </p:sp>
+        <p:sp>
+          <p:nvSpPr>
+            <p:cNvPr id="32" name="Oval 31">
+              <a:extLst>
+                <a:ext uri="{FF2B5EF4-FFF2-40B4-BE49-F238E27FC236}">
+                  <a16:creationId xmlns:a16="http://schemas.microsoft.com/office/drawing/2014/main" id="{0DDD9695-12DF-43C3-ADB3-499688F71623}"/>
+                </a:ext>
+              </a:extLst>
+            </p:cNvPr>
+            <p:cNvSpPr/>
+            <p:nvPr/>
+          </p:nvSpPr>
+          <p:spPr>
+            <a:xfrm>
+              <a:off x="4222750" y="1869281"/>
+              <a:ext cx="190500" cy="190500"/>
+            </a:xfrm>
+            <a:prstGeom prst="ellipse">
+              <a:avLst/>
+            </a:prstGeom>
+            <a:solidFill>
+              <a:srgbClr val="FFC000"/>
+            </a:solidFill>
+            <a:ln>
+              <a:solidFill>
+                <a:schemeClr val="accent6">
+                  <a:lumMod val="75000"/>
+                </a:schemeClr>
+              </a:solidFill>
+            </a:ln>
+          </p:spPr>
+          <p:style>
+            <a:lnRef idx="2">
+              <a:schemeClr val="accent1">
+                <a:shade val="50000"/>
+              </a:schemeClr>
+            </a:lnRef>
+            <a:fillRef idx="1">
+              <a:schemeClr val="accent1"/>
+            </a:fillRef>
+            <a:effectRef idx="0">
+              <a:schemeClr val="accent1"/>
+            </a:effectRef>
+            <a:fontRef idx="minor">
+              <a:schemeClr val="lt1"/>
+            </a:fontRef>
+          </p:style>
+          <p:txBody>
+            <a:bodyPr rtlCol="0" anchor="ctr"/>
+            <a:lstStyle/>
+            <a:p>
+              <a:pPr algn="ctr"/>
+              <a:endParaRPr lang="en-US"/>
+            </a:p>
+          </p:txBody>
+        </p:sp>
+        <p:cxnSp>
+          <p:nvCxnSpPr>
+            <p:cNvPr id="35" name="Straight Arrow Connector 34">
+              <a:extLst>
+                <a:ext uri="{FF2B5EF4-FFF2-40B4-BE49-F238E27FC236}">
+                  <a16:creationId xmlns:a16="http://schemas.microsoft.com/office/drawing/2014/main" id="{AF5B46F4-4D19-4BD5-A143-52DB9798FBFC}"/>
+                </a:ext>
+              </a:extLst>
+            </p:cNvPr>
+            <p:cNvCxnSpPr>
+              <a:stCxn id="30" idx="3"/>
+              <a:endCxn id="31" idx="6"/>
+            </p:cNvCxnSpPr>
+            <p:nvPr/>
+          </p:nvCxnSpPr>
+          <p:spPr>
+            <a:xfrm flipH="1">
+              <a:off x="3636052" y="1524677"/>
+              <a:ext cx="233596" cy="372502"/>
+            </a:xfrm>
+            <a:prstGeom prst="straightConnector1">
+              <a:avLst/>
+            </a:prstGeom>
+            <a:ln w="25400">
+              <a:tailEnd type="triangle"/>
+            </a:ln>
+          </p:spPr>
+          <p:style>
+            <a:lnRef idx="1">
+              <a:schemeClr val="accent1"/>
+            </a:lnRef>
+            <a:fillRef idx="0">
+              <a:schemeClr val="accent1"/>
+            </a:fillRef>
+            <a:effectRef idx="0">
+              <a:schemeClr val="accent1"/>
+            </a:effectRef>
+            <a:fontRef idx="minor">
+              <a:schemeClr val="tx1"/>
+            </a:fontRef>
+          </p:style>
+        </p:cxnSp>
+        <p:cxnSp>
+          <p:nvCxnSpPr>
+            <p:cNvPr id="36" name="Straight Arrow Connector 35">
+              <a:extLst>
+                <a:ext uri="{FF2B5EF4-FFF2-40B4-BE49-F238E27FC236}">
+                  <a16:creationId xmlns:a16="http://schemas.microsoft.com/office/drawing/2014/main" id="{78FBCFC5-9FC6-4F19-A292-7BFFE2AAACC7}"/>
+                </a:ext>
+              </a:extLst>
+            </p:cNvPr>
+            <p:cNvCxnSpPr>
+              <a:cxnSpLocks/>
+              <a:stCxn id="30" idx="5"/>
+              <a:endCxn id="32" idx="1"/>
+            </p:cNvCxnSpPr>
+            <p:nvPr/>
+          </p:nvCxnSpPr>
+          <p:spPr>
+            <a:xfrm>
+              <a:off x="4004352" y="1524677"/>
+              <a:ext cx="246296" cy="372502"/>
+            </a:xfrm>
+            <a:prstGeom prst="straightConnector1">
+              <a:avLst/>
+            </a:prstGeom>
+            <a:ln w="25400">
+              <a:solidFill>
+                <a:srgbClr val="FF0000"/>
+              </a:solidFill>
+              <a:tailEnd type="triangle"/>
+            </a:ln>
+          </p:spPr>
+          <p:style>
+            <a:lnRef idx="1">
+              <a:schemeClr val="accent1"/>
+            </a:lnRef>
+            <a:fillRef idx="0">
+              <a:schemeClr val="accent1"/>
+            </a:fillRef>
+            <a:effectRef idx="0">
+              <a:schemeClr val="accent1"/>
+            </a:effectRef>
+            <a:fontRef idx="minor">
+              <a:schemeClr val="tx1"/>
+            </a:fontRef>
+          </p:style>
+        </p:cxnSp>
+      </p:grpSp>
+      <p:sp>
+        <p:nvSpPr>
+          <p:cNvPr id="40" name="TextBox 39">
+            <a:extLst>
+              <a:ext uri="{FF2B5EF4-FFF2-40B4-BE49-F238E27FC236}">
+                <a16:creationId xmlns:a16="http://schemas.microsoft.com/office/drawing/2014/main" id="{7281DC49-955F-4674-8199-971A898A330D}"/>
+              </a:ext>
+            </a:extLst>
+          </p:cNvPr>
+          <p:cNvSpPr txBox="1"/>
+          <p:nvPr/>
+        </p:nvSpPr>
+        <p:spPr>
+          <a:xfrm>
+            <a:off x="3441471" y="3972549"/>
+            <a:ext cx="794298" cy="369332"/>
+          </a:xfrm>
+          <a:prstGeom prst="rect">
+            <a:avLst/>
+          </a:prstGeom>
+          <a:noFill/>
+          <a:ln>
+            <a:solidFill>
+              <a:schemeClr val="tx1"/>
+            </a:solidFill>
+          </a:ln>
+        </p:spPr>
+        <p:txBody>
+          <a:bodyPr wrap="square" rtlCol="0">
+            <a:spAutoFit/>
+          </a:bodyPr>
+          <a:lstStyle/>
+          <a:p>
+            <a:r>
+              <a:rPr lang="en-US" dirty="0"/>
+              <a:t>Buggy</a:t>
+            </a:r>
+          </a:p>
+        </p:txBody>
+      </p:sp>
+      <p:sp>
+        <p:nvSpPr>
+          <p:cNvPr id="27" name="Rectangle: Rounded Corners 26">
+            <a:extLst>
+              <a:ext uri="{FF2B5EF4-FFF2-40B4-BE49-F238E27FC236}">
+                <a16:creationId xmlns:a16="http://schemas.microsoft.com/office/drawing/2014/main" id="{8B88DDE6-293D-4F1C-BA48-7E0B585C5C6C}"/>
+              </a:ext>
+            </a:extLst>
+          </p:cNvPr>
+          <p:cNvSpPr/>
+          <p:nvPr/>
+        </p:nvSpPr>
+        <p:spPr>
+          <a:xfrm>
+            <a:off x="4926756" y="1720371"/>
+            <a:ext cx="1912032" cy="802049"/>
+          </a:xfrm>
+          <a:prstGeom prst="roundRect">
+            <a:avLst/>
+          </a:prstGeom>
+          <a:solidFill>
+            <a:schemeClr val="accent2">
+              <a:lumMod val="20000"/>
+              <a:lumOff val="80000"/>
+            </a:schemeClr>
+          </a:solidFill>
+          <a:ln w="25400">
+            <a:solidFill>
+              <a:schemeClr val="accent2">
+                <a:lumMod val="75000"/>
+              </a:schemeClr>
+            </a:solidFill>
+          </a:ln>
+        </p:spPr>
+        <p:style>
+          <a:lnRef idx="2">
+            <a:schemeClr val="accent1">
+              <a:shade val="50000"/>
+            </a:schemeClr>
+          </a:lnRef>
+          <a:fillRef idx="1">
+            <a:schemeClr val="accent1"/>
+          </a:fillRef>
+          <a:effectRef idx="0">
+            <a:schemeClr val="accent1"/>
+          </a:effectRef>
+          <a:fontRef idx="minor">
+            <a:schemeClr val="lt1"/>
+          </a:fontRef>
+        </p:style>
+        <p:txBody>
+          <a:bodyPr rtlCol="0" anchor="ctr"/>
+          <a:lstStyle/>
+          <a:p>
+            <a:pPr algn="ctr"/>
+            <a:r>
+              <a:rPr lang="en-US" dirty="0">
+                <a:solidFill>
+                  <a:schemeClr val="tx1"/>
+                </a:solidFill>
+              </a:rPr>
+              <a:t>Tree-based Context Learning</a:t>
+            </a:r>
+          </a:p>
+        </p:txBody>
+      </p:sp>
+      <p:sp>
+        <p:nvSpPr>
+          <p:cNvPr id="42" name="Rectangle: Rounded Corners 41">
+            <a:extLst>
+              <a:ext uri="{FF2B5EF4-FFF2-40B4-BE49-F238E27FC236}">
+                <a16:creationId xmlns:a16="http://schemas.microsoft.com/office/drawing/2014/main" id="{C61147BF-A6E9-423A-BBD5-EBB5D1B3AAC6}"/>
+              </a:ext>
+            </a:extLst>
+          </p:cNvPr>
+          <p:cNvSpPr/>
+          <p:nvPr/>
+        </p:nvSpPr>
+        <p:spPr>
+          <a:xfrm>
+            <a:off x="4926755" y="3386232"/>
+            <a:ext cx="1909735" cy="776767"/>
+          </a:xfrm>
+          <a:prstGeom prst="roundRect">
+            <a:avLst/>
+          </a:prstGeom>
+          <a:solidFill>
+            <a:schemeClr val="accent2">
+              <a:lumMod val="20000"/>
+              <a:lumOff val="80000"/>
+            </a:schemeClr>
+          </a:solidFill>
+          <a:ln w="25400">
+            <a:solidFill>
+              <a:schemeClr val="accent2">
+                <a:lumMod val="75000"/>
+              </a:schemeClr>
+            </a:solidFill>
+          </a:ln>
+        </p:spPr>
+        <p:style>
+          <a:lnRef idx="2">
+            <a:schemeClr val="accent1">
+              <a:shade val="50000"/>
+            </a:schemeClr>
+          </a:lnRef>
+          <a:fillRef idx="1">
+            <a:schemeClr val="accent1"/>
+          </a:fillRef>
+          <a:effectRef idx="0">
+            <a:schemeClr val="accent1"/>
+          </a:effectRef>
+          <a:fontRef idx="minor">
+            <a:schemeClr val="lt1"/>
+          </a:fontRef>
+        </p:style>
+        <p:txBody>
+          <a:bodyPr rtlCol="0" anchor="ctr"/>
+          <a:lstStyle/>
+          <a:p>
+            <a:pPr algn="ctr"/>
+            <a:r>
+              <a:rPr lang="en-US" dirty="0">
+                <a:solidFill>
+                  <a:schemeClr val="tx1"/>
+                </a:solidFill>
+              </a:rPr>
+              <a:t>Tree-based Transformation Learning</a:t>
+            </a:r>
+          </a:p>
+        </p:txBody>
+      </p:sp>
+      <p:sp>
+        <p:nvSpPr>
+          <p:cNvPr id="43" name="Rectangle: Rounded Corners 42">
+            <a:extLst>
+              <a:ext uri="{FF2B5EF4-FFF2-40B4-BE49-F238E27FC236}">
+                <a16:creationId xmlns:a16="http://schemas.microsoft.com/office/drawing/2014/main" id="{5DAA0177-339C-495D-8153-6541C884CD2D}"/>
+              </a:ext>
+            </a:extLst>
+          </p:cNvPr>
+          <p:cNvSpPr/>
+          <p:nvPr/>
+        </p:nvSpPr>
+        <p:spPr>
+          <a:xfrm>
+            <a:off x="5044572" y="2794089"/>
+            <a:ext cx="1676400" cy="291245"/>
+          </a:xfrm>
+          <a:prstGeom prst="roundRect">
+            <a:avLst/>
+          </a:prstGeom>
+          <a:solidFill>
+            <a:schemeClr val="accent2">
+              <a:lumMod val="20000"/>
+              <a:lumOff val="80000"/>
+            </a:schemeClr>
+          </a:solidFill>
+          <a:ln w="25400">
+            <a:solidFill>
+              <a:schemeClr val="accent2">
+                <a:lumMod val="75000"/>
+              </a:schemeClr>
+            </a:solidFill>
+          </a:ln>
+        </p:spPr>
+        <p:style>
+          <a:lnRef idx="2">
+            <a:schemeClr val="accent1">
+              <a:shade val="50000"/>
+            </a:schemeClr>
+          </a:lnRef>
+          <a:fillRef idx="1">
+            <a:schemeClr val="accent1"/>
+          </a:fillRef>
+          <a:effectRef idx="0">
+            <a:schemeClr val="accent1"/>
+          </a:effectRef>
+          <a:fontRef idx="minor">
+            <a:schemeClr val="lt1"/>
+          </a:fontRef>
+        </p:style>
+        <p:txBody>
+          <a:bodyPr rtlCol="0" anchor="ctr"/>
+          <a:lstStyle/>
+          <a:p>
+            <a:pPr algn="ctr"/>
+            <a:r>
+              <a:rPr lang="en-US" dirty="0">
+                <a:solidFill>
+                  <a:schemeClr val="tx1"/>
+                </a:solidFill>
+              </a:rPr>
+              <a:t>Joint Training</a:t>
+            </a:r>
+          </a:p>
+        </p:txBody>
+      </p:sp>
+      <p:cxnSp>
+        <p:nvCxnSpPr>
+          <p:cNvPr id="78" name="Straight Arrow Connector 77">
+            <a:extLst>
+              <a:ext uri="{FF2B5EF4-FFF2-40B4-BE49-F238E27FC236}">
+                <a16:creationId xmlns:a16="http://schemas.microsoft.com/office/drawing/2014/main" id="{AC8674C8-FC1F-4CF8-8F79-89EE6085AB9F}"/>
+              </a:ext>
+            </a:extLst>
+          </p:cNvPr>
+          <p:cNvCxnSpPr>
+            <a:cxnSpLocks/>
+          </p:cNvCxnSpPr>
+          <p:nvPr/>
+        </p:nvCxnSpPr>
+        <p:spPr>
+          <a:xfrm flipH="1">
+            <a:off x="6836490" y="3774614"/>
+            <a:ext cx="368300" cy="1"/>
+          </a:xfrm>
+          <a:prstGeom prst="straightConnector1">
+            <a:avLst/>
+          </a:prstGeom>
+          <a:ln w="25400">
+            <a:tailEnd type="triangle"/>
+          </a:ln>
+        </p:spPr>
+        <p:style>
+          <a:lnRef idx="1">
+            <a:schemeClr val="accent1"/>
+          </a:lnRef>
+          <a:fillRef idx="0">
+            <a:schemeClr val="accent1"/>
+          </a:fillRef>
+          <a:effectRef idx="0">
+            <a:schemeClr val="accent1"/>
+          </a:effectRef>
+          <a:fontRef idx="minor">
+            <a:schemeClr val="tx1"/>
+          </a:fontRef>
+        </p:style>
+      </p:cxnSp>
+      <p:cxnSp>
+        <p:nvCxnSpPr>
+          <p:cNvPr id="91" name="Straight Arrow Connector 90">
+            <a:extLst>
+              <a:ext uri="{FF2B5EF4-FFF2-40B4-BE49-F238E27FC236}">
+                <a16:creationId xmlns:a16="http://schemas.microsoft.com/office/drawing/2014/main" id="{4711F1A2-0517-44EA-BC94-3B2EFD35FA99}"/>
+              </a:ext>
+            </a:extLst>
+          </p:cNvPr>
+          <p:cNvCxnSpPr>
+            <a:cxnSpLocks/>
+            <a:stCxn id="27" idx="2"/>
+            <a:endCxn id="43" idx="0"/>
+          </p:cNvCxnSpPr>
+          <p:nvPr/>
+        </p:nvCxnSpPr>
+        <p:spPr>
+          <a:xfrm>
+            <a:off x="5882772" y="2522420"/>
+            <a:ext cx="0" cy="271669"/>
+          </a:xfrm>
+          <a:prstGeom prst="straightConnector1">
+            <a:avLst/>
+          </a:prstGeom>
+          <a:ln w="25400">
+            <a:headEnd type="triangle"/>
+            <a:tailEnd type="triangle"/>
+          </a:ln>
+        </p:spPr>
+        <p:style>
+          <a:lnRef idx="1">
+            <a:schemeClr val="accent1"/>
+          </a:lnRef>
+          <a:fillRef idx="0">
+            <a:schemeClr val="accent1"/>
+          </a:fillRef>
+          <a:effectRef idx="0">
+            <a:schemeClr val="accent1"/>
+          </a:effectRef>
+          <a:fontRef idx="minor">
+            <a:schemeClr val="tx1"/>
+          </a:fontRef>
+        </p:style>
+      </p:cxnSp>
+      <p:cxnSp>
+        <p:nvCxnSpPr>
+          <p:cNvPr id="94" name="Straight Arrow Connector 93">
+            <a:extLst>
+              <a:ext uri="{FF2B5EF4-FFF2-40B4-BE49-F238E27FC236}">
+                <a16:creationId xmlns:a16="http://schemas.microsoft.com/office/drawing/2014/main" id="{5756A5B5-A2B2-43E3-AA1A-CB7E355B869F}"/>
+              </a:ext>
+            </a:extLst>
+          </p:cNvPr>
+          <p:cNvCxnSpPr>
+            <a:cxnSpLocks/>
+            <a:stCxn id="43" idx="2"/>
+            <a:endCxn id="42" idx="0"/>
+          </p:cNvCxnSpPr>
+          <p:nvPr/>
+        </p:nvCxnSpPr>
+        <p:spPr>
+          <a:xfrm flipH="1">
+            <a:off x="5881623" y="3085334"/>
+            <a:ext cx="1149" cy="300898"/>
+          </a:xfrm>
+          <a:prstGeom prst="straightConnector1">
+            <a:avLst/>
+          </a:prstGeom>
+          <a:ln w="25400">
+            <a:headEnd type="triangle"/>
+            <a:tailEnd type="triangle"/>
+          </a:ln>
+        </p:spPr>
+        <p:style>
+          <a:lnRef idx="1">
+            <a:schemeClr val="accent1"/>
+          </a:lnRef>
+          <a:fillRef idx="0">
+            <a:schemeClr val="accent1"/>
+          </a:fillRef>
+          <a:effectRef idx="0">
+            <a:schemeClr val="accent1"/>
+          </a:effectRef>
+          <a:fontRef idx="minor">
+            <a:schemeClr val="tx1"/>
+          </a:fontRef>
+        </p:style>
+      </p:cxnSp>
+      <p:pic>
+        <p:nvPicPr>
+          <p:cNvPr id="1026" name="Picture 2" descr="File icon PNG, ICO or ICNS | Free vector icons">
+            <a:extLst>
+              <a:ext uri="{FF2B5EF4-FFF2-40B4-BE49-F238E27FC236}">
+                <a16:creationId xmlns:a16="http://schemas.microsoft.com/office/drawing/2014/main" id="{AB7F84EE-974E-440C-8CE3-95AB0255AB37}"/>
+              </a:ext>
+            </a:extLst>
+          </p:cNvPr>
+          <p:cNvPicPr>
+            <a:picLocks noChangeAspect="1" noChangeArrowheads="1"/>
+          </p:cNvPicPr>
+          <p:nvPr/>
+        </p:nvPicPr>
+        <p:blipFill>
+          <a:blip r:embed="rId2">
+            <a:extLst>
+              <a:ext uri="{28A0092B-C50C-407E-A947-70E740481C1C}">
+                <a14:useLocalDpi xmlns:a14="http://schemas.microsoft.com/office/drawing/2010/main" val="0"/>
+              </a:ext>
+            </a:extLst>
+          </a:blip>
+          <a:srcRect/>
+          <a:stretch>
+            <a:fillRect/>
+          </a:stretch>
+        </p:blipFill>
+        <p:spPr bwMode="auto">
+          <a:xfrm>
+            <a:off x="668109" y="1843604"/>
+            <a:ext cx="739140" cy="739140"/>
+          </a:xfrm>
+          <a:prstGeom prst="rect">
+            <a:avLst/>
+          </a:prstGeom>
+          <a:noFill/>
+          <a:extLst>
+            <a:ext uri="{909E8E84-426E-40DD-AFC4-6F175D3DCCD1}">
+              <a14:hiddenFill xmlns:a14="http://schemas.microsoft.com/office/drawing/2010/main">
+                <a:solidFill>
+                  <a:srgbClr val="FFFFFF"/>
+                </a:solidFill>
+              </a14:hiddenFill>
+            </a:ext>
+          </a:extLst>
+        </p:spPr>
+      </p:pic>
+      <p:sp>
+        <p:nvSpPr>
+          <p:cNvPr id="4" name="TextBox 3">
+            <a:extLst>
+              <a:ext uri="{FF2B5EF4-FFF2-40B4-BE49-F238E27FC236}">
+                <a16:creationId xmlns:a16="http://schemas.microsoft.com/office/drawing/2014/main" id="{120230DA-EEEB-4EF0-A3AA-AC3282437485}"/>
+              </a:ext>
+            </a:extLst>
+          </p:cNvPr>
+          <p:cNvSpPr txBox="1"/>
+          <p:nvPr/>
+        </p:nvSpPr>
+        <p:spPr>
+          <a:xfrm>
+            <a:off x="264249" y="2516069"/>
+            <a:ext cx="1676400" cy="369332"/>
+          </a:xfrm>
+          <a:prstGeom prst="rect">
+            <a:avLst/>
+          </a:prstGeom>
+          <a:noFill/>
+        </p:spPr>
+        <p:txBody>
+          <a:bodyPr wrap="square" rtlCol="0">
+            <a:spAutoFit/>
+          </a:bodyPr>
+          <a:lstStyle/>
+          <a:p>
+            <a:r>
+              <a:rPr lang="en-US" dirty="0"/>
+              <a:t>Buggy Method</a:t>
+            </a:r>
+          </a:p>
+        </p:txBody>
+      </p:sp>
+      <p:sp>
+        <p:nvSpPr>
+          <p:cNvPr id="5" name="TextBox 4">
+            <a:extLst>
+              <a:ext uri="{FF2B5EF4-FFF2-40B4-BE49-F238E27FC236}">
+                <a16:creationId xmlns:a16="http://schemas.microsoft.com/office/drawing/2014/main" id="{58A0AC6F-8E0D-4B49-AE84-030B6DA34D4B}"/>
+              </a:ext>
+            </a:extLst>
+          </p:cNvPr>
+          <p:cNvSpPr txBox="1"/>
+          <p:nvPr/>
+        </p:nvSpPr>
+        <p:spPr>
+          <a:xfrm>
+            <a:off x="110304" y="3670987"/>
+            <a:ext cx="1951197" cy="261610"/>
+          </a:xfrm>
+          <a:prstGeom prst="rect">
+            <a:avLst/>
+          </a:prstGeom>
+          <a:noFill/>
+          <a:ln w="25400">
+            <a:solidFill>
+              <a:schemeClr val="tx1"/>
+            </a:solidFill>
+          </a:ln>
+        </p:spPr>
+        <p:txBody>
+          <a:bodyPr wrap="square" rtlCol="0">
+            <a:spAutoFit/>
+          </a:bodyPr>
+          <a:lstStyle/>
+          <a:p>
+            <a:r>
+              <a:rPr lang="en-US" sz="1100" dirty="0">
+                <a:latin typeface="Courier New" panose="02070309020205020404" pitchFamily="49" charset="0"/>
+                <a:cs typeface="Courier New" panose="02070309020205020404" pitchFamily="49" charset="0"/>
+              </a:rPr>
+              <a:t>If (dataset != null)…</a:t>
+            </a:r>
+          </a:p>
+        </p:txBody>
+      </p:sp>
+      <p:sp>
+        <p:nvSpPr>
+          <p:cNvPr id="8" name="TextBox 7">
+            <a:extLst>
+              <a:ext uri="{FF2B5EF4-FFF2-40B4-BE49-F238E27FC236}">
+                <a16:creationId xmlns:a16="http://schemas.microsoft.com/office/drawing/2014/main" id="{83A439AB-E935-409E-B1A3-9C31F2794CD7}"/>
+              </a:ext>
+            </a:extLst>
+          </p:cNvPr>
+          <p:cNvSpPr txBox="1"/>
+          <p:nvPr/>
+        </p:nvSpPr>
+        <p:spPr>
+          <a:xfrm>
+            <a:off x="92799" y="3982904"/>
+            <a:ext cx="2019300" cy="369332"/>
+          </a:xfrm>
+          <a:prstGeom prst="rect">
+            <a:avLst/>
+          </a:prstGeom>
+          <a:noFill/>
+        </p:spPr>
+        <p:txBody>
+          <a:bodyPr wrap="square" rtlCol="0">
+            <a:spAutoFit/>
+          </a:bodyPr>
+          <a:lstStyle/>
+          <a:p>
+            <a:r>
+              <a:rPr lang="en-US" dirty="0"/>
+              <a:t>A Buggy Statement</a:t>
+            </a:r>
+          </a:p>
+        </p:txBody>
+      </p:sp>
+      <p:sp>
+        <p:nvSpPr>
+          <p:cNvPr id="68" name="Rectangle: Rounded Corners 67">
+            <a:extLst>
+              <a:ext uri="{FF2B5EF4-FFF2-40B4-BE49-F238E27FC236}">
+                <a16:creationId xmlns:a16="http://schemas.microsoft.com/office/drawing/2014/main" id="{A466D679-29DD-4A75-9A76-3022E6E7E2A7}"/>
+              </a:ext>
+            </a:extLst>
+          </p:cNvPr>
+          <p:cNvSpPr/>
+          <p:nvPr/>
+        </p:nvSpPr>
+        <p:spPr>
+          <a:xfrm>
+            <a:off x="2187518" y="2382174"/>
+            <a:ext cx="830548" cy="1018261"/>
+          </a:xfrm>
+          <a:prstGeom prst="roundRect">
+            <a:avLst/>
+          </a:prstGeom>
+          <a:solidFill>
+            <a:schemeClr val="accent2">
+              <a:lumMod val="20000"/>
+              <a:lumOff val="80000"/>
+            </a:schemeClr>
+          </a:solidFill>
+          <a:ln w="25400">
+            <a:solidFill>
+              <a:schemeClr val="accent2">
+                <a:lumMod val="75000"/>
+              </a:schemeClr>
+            </a:solidFill>
+          </a:ln>
+        </p:spPr>
+        <p:style>
+          <a:lnRef idx="2">
+            <a:schemeClr val="accent1">
+              <a:shade val="50000"/>
+            </a:schemeClr>
+          </a:lnRef>
+          <a:fillRef idx="1">
+            <a:schemeClr val="accent1"/>
+          </a:fillRef>
+          <a:effectRef idx="0">
+            <a:schemeClr val="accent1"/>
+          </a:effectRef>
+          <a:fontRef idx="minor">
+            <a:schemeClr val="lt1"/>
+          </a:fontRef>
+        </p:style>
+        <p:txBody>
+          <a:bodyPr rtlCol="0" anchor="ctr"/>
+          <a:lstStyle/>
+          <a:p>
+            <a:pPr algn="ctr"/>
+            <a:r>
+              <a:rPr lang="en-US" dirty="0">
+                <a:solidFill>
+                  <a:schemeClr val="tx1"/>
+                </a:solidFill>
+              </a:rPr>
+              <a:t>Tree Rep Learn -</a:t>
+            </a:r>
+            <a:r>
+              <a:rPr lang="en-US" dirty="0" err="1">
+                <a:solidFill>
+                  <a:schemeClr val="tx1"/>
+                </a:solidFill>
+              </a:rPr>
+              <a:t>ing</a:t>
+            </a:r>
+            <a:endParaRPr lang="en-US" dirty="0">
+              <a:solidFill>
+                <a:schemeClr val="tx1"/>
+              </a:solidFill>
+            </a:endParaRPr>
+          </a:p>
+        </p:txBody>
+      </p:sp>
+      <p:cxnSp>
+        <p:nvCxnSpPr>
+          <p:cNvPr id="45" name="Straight Arrow Connector 44">
+            <a:extLst>
+              <a:ext uri="{FF2B5EF4-FFF2-40B4-BE49-F238E27FC236}">
+                <a16:creationId xmlns:a16="http://schemas.microsoft.com/office/drawing/2014/main" id="{B46D66FB-63ED-495E-BF5D-8F2CE178CB01}"/>
+              </a:ext>
+            </a:extLst>
+          </p:cNvPr>
+          <p:cNvCxnSpPr>
+            <a:cxnSpLocks/>
+            <a:endCxn id="68" idx="1"/>
+          </p:cNvCxnSpPr>
+          <p:nvPr/>
+        </p:nvCxnSpPr>
+        <p:spPr>
+          <a:xfrm flipV="1">
+            <a:off x="2000973" y="2891305"/>
+            <a:ext cx="186545" cy="710364"/>
+          </a:xfrm>
+          <a:prstGeom prst="straightConnector1">
+            <a:avLst/>
+          </a:prstGeom>
+          <a:ln w="25400">
+            <a:tailEnd type="triangle"/>
+          </a:ln>
+        </p:spPr>
+        <p:style>
+          <a:lnRef idx="1">
+            <a:schemeClr val="accent1"/>
+          </a:lnRef>
+          <a:fillRef idx="0">
+            <a:schemeClr val="accent1"/>
+          </a:fillRef>
+          <a:effectRef idx="0">
+            <a:schemeClr val="accent1"/>
+          </a:effectRef>
+          <a:fontRef idx="minor">
+            <a:schemeClr val="tx1"/>
+          </a:fontRef>
+        </p:style>
+      </p:cxnSp>
+      <p:cxnSp>
+        <p:nvCxnSpPr>
+          <p:cNvPr id="69" name="Straight Arrow Connector 68">
+            <a:extLst>
+              <a:ext uri="{FF2B5EF4-FFF2-40B4-BE49-F238E27FC236}">
+                <a16:creationId xmlns:a16="http://schemas.microsoft.com/office/drawing/2014/main" id="{14531D7C-533B-4300-9190-F7E975DE0E4A}"/>
+              </a:ext>
+            </a:extLst>
+          </p:cNvPr>
+          <p:cNvCxnSpPr>
+            <a:cxnSpLocks/>
+          </p:cNvCxnSpPr>
+          <p:nvPr/>
+        </p:nvCxnSpPr>
+        <p:spPr>
+          <a:xfrm>
+            <a:off x="1067041" y="2898206"/>
+            <a:ext cx="0" cy="703462"/>
+          </a:xfrm>
+          <a:prstGeom prst="straightConnector1">
+            <a:avLst/>
+          </a:prstGeom>
+          <a:ln w="25400">
+            <a:headEnd type="none" w="med" len="med"/>
+            <a:tailEnd type="triangle" w="med" len="med"/>
+          </a:ln>
+        </p:spPr>
+        <p:style>
+          <a:lnRef idx="1">
+            <a:schemeClr val="accent1"/>
+          </a:lnRef>
+          <a:fillRef idx="0">
+            <a:schemeClr val="accent1"/>
+          </a:fillRef>
+          <a:effectRef idx="0">
+            <a:schemeClr val="accent1"/>
+          </a:effectRef>
+          <a:fontRef idx="minor">
+            <a:schemeClr val="tx1"/>
+          </a:fontRef>
+        </p:style>
+      </p:cxnSp>
+      <p:cxnSp>
+        <p:nvCxnSpPr>
+          <p:cNvPr id="71" name="Straight Arrow Connector 70">
+            <a:extLst>
+              <a:ext uri="{FF2B5EF4-FFF2-40B4-BE49-F238E27FC236}">
+                <a16:creationId xmlns:a16="http://schemas.microsoft.com/office/drawing/2014/main" id="{F604B536-219B-4A4F-A8A8-E5BCEC1358BD}"/>
+              </a:ext>
+            </a:extLst>
+          </p:cNvPr>
+          <p:cNvCxnSpPr>
+            <a:cxnSpLocks/>
+          </p:cNvCxnSpPr>
+          <p:nvPr/>
+        </p:nvCxnSpPr>
+        <p:spPr>
+          <a:xfrm>
+            <a:off x="1886881" y="2280630"/>
+            <a:ext cx="271986" cy="633336"/>
+          </a:xfrm>
+          <a:prstGeom prst="straightConnector1">
+            <a:avLst/>
+          </a:prstGeom>
+          <a:ln w="25400">
+            <a:tailEnd type="triangle"/>
+          </a:ln>
+        </p:spPr>
+        <p:style>
+          <a:lnRef idx="1">
+            <a:schemeClr val="accent1"/>
+          </a:lnRef>
+          <a:fillRef idx="0">
+            <a:schemeClr val="accent1"/>
+          </a:fillRef>
+          <a:effectRef idx="0">
+            <a:schemeClr val="accent1"/>
+          </a:effectRef>
+          <a:fontRef idx="minor">
+            <a:schemeClr val="tx1"/>
+          </a:fontRef>
+        </p:style>
+      </p:cxnSp>
+      <p:grpSp>
+        <p:nvGrpSpPr>
+          <p:cNvPr id="26" name="Group 25">
+            <a:extLst>
+              <a:ext uri="{FF2B5EF4-FFF2-40B4-BE49-F238E27FC236}">
+                <a16:creationId xmlns:a16="http://schemas.microsoft.com/office/drawing/2014/main" id="{C9C5E1EB-45B8-465C-B0B4-434626BA3FE9}"/>
+              </a:ext>
+            </a:extLst>
+          </p:cNvPr>
+          <p:cNvGrpSpPr/>
+          <p:nvPr/>
+        </p:nvGrpSpPr>
+        <p:grpSpPr>
+          <a:xfrm>
+            <a:off x="3230113" y="1722865"/>
+            <a:ext cx="1314450" cy="1191101"/>
+            <a:chOff x="3473450" y="1362075"/>
+            <a:chExt cx="1314450" cy="1191101"/>
+          </a:xfrm>
+        </p:grpSpPr>
+        <p:sp>
+          <p:nvSpPr>
+            <p:cNvPr id="6" name="Oval 5">
+              <a:extLst>
+                <a:ext uri="{FF2B5EF4-FFF2-40B4-BE49-F238E27FC236}">
+                  <a16:creationId xmlns:a16="http://schemas.microsoft.com/office/drawing/2014/main" id="{470D599C-3F89-4886-9C49-233CC1602D01}"/>
+                </a:ext>
+              </a:extLst>
+            </p:cNvPr>
+            <p:cNvSpPr/>
+            <p:nvPr/>
+          </p:nvSpPr>
+          <p:spPr>
+            <a:xfrm>
+              <a:off x="3841750" y="1362075"/>
+              <a:ext cx="190500" cy="190500"/>
+            </a:xfrm>
+            <a:prstGeom prst="ellipse">
+              <a:avLst/>
+            </a:prstGeom>
+            <a:solidFill>
+              <a:schemeClr val="accent6">
+                <a:lumMod val="40000"/>
+                <a:lumOff val="60000"/>
+              </a:schemeClr>
+            </a:solidFill>
+            <a:ln>
+              <a:solidFill>
+                <a:schemeClr val="accent6">
+                  <a:lumMod val="75000"/>
+                </a:schemeClr>
+              </a:solidFill>
+            </a:ln>
+          </p:spPr>
+          <p:style>
+            <a:lnRef idx="2">
+              <a:schemeClr val="accent1">
+                <a:shade val="50000"/>
+              </a:schemeClr>
+            </a:lnRef>
+            <a:fillRef idx="1">
+              <a:schemeClr val="accent1"/>
+            </a:fillRef>
+            <a:effectRef idx="0">
+              <a:schemeClr val="accent1"/>
+            </a:effectRef>
+            <a:fontRef idx="minor">
+              <a:schemeClr val="lt1"/>
+            </a:fontRef>
+          </p:style>
+          <p:txBody>
+            <a:bodyPr rtlCol="0" anchor="ctr"/>
+            <a:lstStyle/>
+            <a:p>
+              <a:pPr algn="ctr"/>
+              <a:endParaRPr lang="en-US"/>
+            </a:p>
+          </p:txBody>
+        </p:sp>
+        <p:sp>
+          <p:nvSpPr>
+            <p:cNvPr id="10" name="Oval 9">
+              <a:extLst>
+                <a:ext uri="{FF2B5EF4-FFF2-40B4-BE49-F238E27FC236}">
+                  <a16:creationId xmlns:a16="http://schemas.microsoft.com/office/drawing/2014/main" id="{78A16A7B-ED5A-4841-9100-606221F042A4}"/>
+                </a:ext>
+              </a:extLst>
+            </p:cNvPr>
+            <p:cNvSpPr/>
+            <p:nvPr/>
+          </p:nvSpPr>
+          <p:spPr>
+            <a:xfrm>
+              <a:off x="3473450" y="1869281"/>
+              <a:ext cx="190500" cy="190500"/>
+            </a:xfrm>
+            <a:prstGeom prst="ellipse">
+              <a:avLst/>
+            </a:prstGeom>
+            <a:solidFill>
+              <a:schemeClr val="accent6">
+                <a:lumMod val="40000"/>
+                <a:lumOff val="60000"/>
+              </a:schemeClr>
+            </a:solidFill>
+            <a:ln>
+              <a:solidFill>
+                <a:schemeClr val="accent6">
+                  <a:lumMod val="75000"/>
+                </a:schemeClr>
+              </a:solidFill>
+            </a:ln>
+          </p:spPr>
+          <p:style>
+            <a:lnRef idx="2">
+              <a:schemeClr val="accent1">
+                <a:shade val="50000"/>
+              </a:schemeClr>
+            </a:lnRef>
+            <a:fillRef idx="1">
+              <a:schemeClr val="accent1"/>
+            </a:fillRef>
+            <a:effectRef idx="0">
+              <a:schemeClr val="accent1"/>
+            </a:effectRef>
+            <a:fontRef idx="minor">
+              <a:schemeClr val="lt1"/>
+            </a:fontRef>
+          </p:style>
+          <p:txBody>
+            <a:bodyPr rtlCol="0" anchor="ctr"/>
+            <a:lstStyle/>
+            <a:p>
+              <a:pPr algn="ctr"/>
+              <a:endParaRPr lang="en-US"/>
+            </a:p>
+          </p:txBody>
+        </p:sp>
+        <p:sp>
+          <p:nvSpPr>
+            <p:cNvPr id="11" name="Oval 10">
+              <a:extLst>
+                <a:ext uri="{FF2B5EF4-FFF2-40B4-BE49-F238E27FC236}">
+                  <a16:creationId xmlns:a16="http://schemas.microsoft.com/office/drawing/2014/main" id="{DD7077DB-E4CA-42D0-8062-535BCA33231D}"/>
+                </a:ext>
+              </a:extLst>
+            </p:cNvPr>
+            <p:cNvSpPr/>
+            <p:nvPr/>
+          </p:nvSpPr>
+          <p:spPr>
+            <a:xfrm>
+              <a:off x="4222750" y="1869281"/>
+              <a:ext cx="190500" cy="190500"/>
+            </a:xfrm>
+            <a:prstGeom prst="ellipse">
+              <a:avLst/>
+            </a:prstGeom>
+            <a:solidFill>
+              <a:srgbClr val="FFC000"/>
+            </a:solidFill>
+            <a:ln>
+              <a:solidFill>
+                <a:schemeClr val="accent6">
+                  <a:lumMod val="75000"/>
+                </a:schemeClr>
+              </a:solidFill>
+            </a:ln>
+          </p:spPr>
+          <p:style>
+            <a:lnRef idx="2">
+              <a:schemeClr val="accent1">
+                <a:shade val="50000"/>
+              </a:schemeClr>
+            </a:lnRef>
+            <a:fillRef idx="1">
+              <a:schemeClr val="accent1"/>
+            </a:fillRef>
+            <a:effectRef idx="0">
+              <a:schemeClr val="accent1"/>
+            </a:effectRef>
+            <a:fontRef idx="minor">
+              <a:schemeClr val="lt1"/>
+            </a:fontRef>
+          </p:style>
+          <p:txBody>
+            <a:bodyPr rtlCol="0" anchor="ctr"/>
+            <a:lstStyle/>
+            <a:p>
+              <a:pPr algn="ctr"/>
+              <a:endParaRPr lang="en-US"/>
+            </a:p>
+          </p:txBody>
+        </p:sp>
+        <p:sp>
+          <p:nvSpPr>
+            <p:cNvPr id="12" name="Oval 11">
+              <a:extLst>
+                <a:ext uri="{FF2B5EF4-FFF2-40B4-BE49-F238E27FC236}">
+                  <a16:creationId xmlns:a16="http://schemas.microsoft.com/office/drawing/2014/main" id="{3D3CCC25-56F3-44D6-8B44-3996C81026B6}"/>
+                </a:ext>
+              </a:extLst>
+            </p:cNvPr>
+            <p:cNvSpPr/>
+            <p:nvPr/>
+          </p:nvSpPr>
+          <p:spPr>
+            <a:xfrm>
+              <a:off x="3841750" y="2362676"/>
+              <a:ext cx="190500" cy="190500"/>
+            </a:xfrm>
+            <a:prstGeom prst="ellipse">
+              <a:avLst/>
+            </a:prstGeom>
+            <a:solidFill>
+              <a:schemeClr val="accent6">
+                <a:lumMod val="40000"/>
+                <a:lumOff val="60000"/>
+              </a:schemeClr>
+            </a:solidFill>
+            <a:ln>
+              <a:solidFill>
+                <a:schemeClr val="accent6">
+                  <a:lumMod val="75000"/>
+                </a:schemeClr>
+              </a:solidFill>
+            </a:ln>
+          </p:spPr>
+          <p:style>
+            <a:lnRef idx="2">
+              <a:schemeClr val="accent1">
+                <a:shade val="50000"/>
+              </a:schemeClr>
+            </a:lnRef>
+            <a:fillRef idx="1">
+              <a:schemeClr val="accent1"/>
+            </a:fillRef>
+            <a:effectRef idx="0">
+              <a:schemeClr val="accent1"/>
+            </a:effectRef>
+            <a:fontRef idx="minor">
+              <a:schemeClr val="lt1"/>
+            </a:fontRef>
+          </p:style>
+          <p:txBody>
+            <a:bodyPr rtlCol="0" anchor="ctr"/>
+            <a:lstStyle/>
+            <a:p>
+              <a:pPr algn="ctr"/>
+              <a:endParaRPr lang="en-US"/>
+            </a:p>
+          </p:txBody>
+        </p:sp>
+        <p:sp>
+          <p:nvSpPr>
+            <p:cNvPr id="13" name="Oval 12">
+              <a:extLst>
+                <a:ext uri="{FF2B5EF4-FFF2-40B4-BE49-F238E27FC236}">
+                  <a16:creationId xmlns:a16="http://schemas.microsoft.com/office/drawing/2014/main" id="{0551262F-7014-40A1-B3DA-EBD3D5A57888}"/>
+                </a:ext>
+              </a:extLst>
+            </p:cNvPr>
+            <p:cNvSpPr/>
+            <p:nvPr/>
+          </p:nvSpPr>
+          <p:spPr>
+            <a:xfrm>
+              <a:off x="4597400" y="2362676"/>
+              <a:ext cx="190500" cy="190500"/>
+            </a:xfrm>
+            <a:prstGeom prst="ellipse">
+              <a:avLst/>
+            </a:prstGeom>
+            <a:solidFill>
+              <a:srgbClr val="FFC000"/>
+            </a:solidFill>
+            <a:ln>
+              <a:solidFill>
+                <a:schemeClr val="accent6">
+                  <a:lumMod val="75000"/>
+                </a:schemeClr>
+              </a:solidFill>
+            </a:ln>
+          </p:spPr>
+          <p:style>
+            <a:lnRef idx="2">
+              <a:schemeClr val="accent1">
+                <a:shade val="50000"/>
+              </a:schemeClr>
+            </a:lnRef>
+            <a:fillRef idx="1">
+              <a:schemeClr val="accent1"/>
+            </a:fillRef>
+            <a:effectRef idx="0">
+              <a:schemeClr val="accent1"/>
+            </a:effectRef>
+            <a:fontRef idx="minor">
+              <a:schemeClr val="lt1"/>
+            </a:fontRef>
+          </p:style>
+          <p:txBody>
+            <a:bodyPr rtlCol="0" anchor="ctr"/>
+            <a:lstStyle/>
+            <a:p>
+              <a:pPr algn="ctr"/>
+              <a:endParaRPr lang="en-US" dirty="0"/>
+            </a:p>
+          </p:txBody>
+        </p:sp>
+        <p:cxnSp>
+          <p:nvCxnSpPr>
+            <p:cNvPr id="9" name="Straight Arrow Connector 8">
+              <a:extLst>
+                <a:ext uri="{FF2B5EF4-FFF2-40B4-BE49-F238E27FC236}">
+                  <a16:creationId xmlns:a16="http://schemas.microsoft.com/office/drawing/2014/main" id="{A570A030-BD8A-40B7-886B-8931F720D89E}"/>
+                </a:ext>
+              </a:extLst>
+            </p:cNvPr>
+            <p:cNvCxnSpPr>
+              <a:cxnSpLocks/>
+              <a:stCxn id="6" idx="3"/>
+              <a:endCxn id="10" idx="6"/>
+            </p:cNvCxnSpPr>
+            <p:nvPr/>
+          </p:nvCxnSpPr>
+          <p:spPr>
+            <a:xfrm flipH="1">
+              <a:off x="3636052" y="1524677"/>
+              <a:ext cx="233596" cy="372502"/>
+            </a:xfrm>
+            <a:prstGeom prst="straightConnector1">
+              <a:avLst/>
+            </a:prstGeom>
+            <a:ln w="25400">
+              <a:tailEnd type="triangle"/>
+            </a:ln>
+          </p:spPr>
+          <p:style>
+            <a:lnRef idx="1">
+              <a:schemeClr val="accent1"/>
+            </a:lnRef>
+            <a:fillRef idx="0">
+              <a:schemeClr val="accent1"/>
+            </a:fillRef>
+            <a:effectRef idx="0">
+              <a:schemeClr val="accent1"/>
+            </a:effectRef>
+            <a:fontRef idx="minor">
+              <a:schemeClr val="tx1"/>
+            </a:fontRef>
+          </p:style>
+        </p:cxnSp>
+        <p:cxnSp>
+          <p:nvCxnSpPr>
+            <p:cNvPr id="16" name="Straight Arrow Connector 15">
+              <a:extLst>
+                <a:ext uri="{FF2B5EF4-FFF2-40B4-BE49-F238E27FC236}">
+                  <a16:creationId xmlns:a16="http://schemas.microsoft.com/office/drawing/2014/main" id="{A67836DA-BBDF-4AA1-9287-B74AADA97FDB}"/>
+                </a:ext>
+              </a:extLst>
+            </p:cNvPr>
+            <p:cNvCxnSpPr>
+              <a:cxnSpLocks/>
+              <a:stCxn id="6" idx="5"/>
+              <a:endCxn id="11" idx="1"/>
+            </p:cNvCxnSpPr>
+            <p:nvPr/>
+          </p:nvCxnSpPr>
+          <p:spPr>
+            <a:xfrm>
+              <a:off x="4004352" y="1524677"/>
+              <a:ext cx="246296" cy="372502"/>
+            </a:xfrm>
+            <a:prstGeom prst="straightConnector1">
+              <a:avLst/>
+            </a:prstGeom>
+            <a:ln w="25400">
+              <a:tailEnd type="triangle"/>
+            </a:ln>
+          </p:spPr>
+          <p:style>
+            <a:lnRef idx="1">
+              <a:schemeClr val="accent1"/>
+            </a:lnRef>
+            <a:fillRef idx="0">
+              <a:schemeClr val="accent1"/>
+            </a:fillRef>
+            <a:effectRef idx="0">
+              <a:schemeClr val="accent1"/>
+            </a:effectRef>
+            <a:fontRef idx="minor">
+              <a:schemeClr val="tx1"/>
+            </a:fontRef>
+          </p:style>
+        </p:cxnSp>
+        <p:cxnSp>
+          <p:nvCxnSpPr>
+            <p:cNvPr id="19" name="Straight Arrow Connector 18">
+              <a:extLst>
+                <a:ext uri="{FF2B5EF4-FFF2-40B4-BE49-F238E27FC236}">
+                  <a16:creationId xmlns:a16="http://schemas.microsoft.com/office/drawing/2014/main" id="{4BFCEB90-0F52-4654-BF5F-ED99ABC9EE00}"/>
+                </a:ext>
+              </a:extLst>
+            </p:cNvPr>
+            <p:cNvCxnSpPr>
+              <a:cxnSpLocks/>
+              <a:stCxn id="11" idx="3"/>
+              <a:endCxn id="12" idx="7"/>
+            </p:cNvCxnSpPr>
+            <p:nvPr/>
+          </p:nvCxnSpPr>
+          <p:spPr>
+            <a:xfrm flipH="1">
+              <a:off x="4004352" y="2031883"/>
+              <a:ext cx="246296" cy="358691"/>
+            </a:xfrm>
+            <a:prstGeom prst="straightConnector1">
+              <a:avLst/>
+            </a:prstGeom>
+            <a:ln w="25400">
+              <a:tailEnd type="triangle"/>
+            </a:ln>
+          </p:spPr>
+          <p:style>
+            <a:lnRef idx="1">
+              <a:schemeClr val="accent1"/>
+            </a:lnRef>
+            <a:fillRef idx="0">
+              <a:schemeClr val="accent1"/>
+            </a:fillRef>
+            <a:effectRef idx="0">
+              <a:schemeClr val="accent1"/>
+            </a:effectRef>
+            <a:fontRef idx="minor">
+              <a:schemeClr val="tx1"/>
+            </a:fontRef>
+          </p:style>
+        </p:cxnSp>
+        <p:cxnSp>
+          <p:nvCxnSpPr>
+            <p:cNvPr id="22" name="Straight Arrow Connector 21">
+              <a:extLst>
+                <a:ext uri="{FF2B5EF4-FFF2-40B4-BE49-F238E27FC236}">
+                  <a16:creationId xmlns:a16="http://schemas.microsoft.com/office/drawing/2014/main" id="{78729F2F-4120-4631-B35F-1DA81F1BE9A1}"/>
+                </a:ext>
+              </a:extLst>
+            </p:cNvPr>
+            <p:cNvCxnSpPr>
+              <a:cxnSpLocks/>
+              <a:stCxn id="11" idx="5"/>
+              <a:endCxn id="13" idx="1"/>
+            </p:cNvCxnSpPr>
+            <p:nvPr/>
+          </p:nvCxnSpPr>
+          <p:spPr>
+            <a:xfrm>
+              <a:off x="4385352" y="2031883"/>
+              <a:ext cx="239946" cy="358691"/>
+            </a:xfrm>
+            <a:prstGeom prst="straightConnector1">
+              <a:avLst/>
+            </a:prstGeom>
+            <a:ln w="25400">
+              <a:solidFill>
+                <a:srgbClr val="FF0000"/>
+              </a:solidFill>
+              <a:tailEnd type="triangle"/>
+            </a:ln>
+          </p:spPr>
+          <p:style>
+            <a:lnRef idx="1">
+              <a:schemeClr val="accent1"/>
+            </a:lnRef>
+            <a:fillRef idx="0">
+              <a:schemeClr val="accent1"/>
+            </a:fillRef>
+            <a:effectRef idx="0">
+              <a:schemeClr val="accent1"/>
+            </a:effectRef>
+            <a:fontRef idx="minor">
+              <a:schemeClr val="tx1"/>
+            </a:fontRef>
+          </p:style>
+        </p:cxnSp>
+      </p:grpSp>
+      <p:sp>
+        <p:nvSpPr>
+          <p:cNvPr id="39" name="TextBox 38">
+            <a:extLst>
+              <a:ext uri="{FF2B5EF4-FFF2-40B4-BE49-F238E27FC236}">
+                <a16:creationId xmlns:a16="http://schemas.microsoft.com/office/drawing/2014/main" id="{DFF9EEFC-8DFB-4D04-BF39-56044C2D8B85}"/>
+              </a:ext>
+            </a:extLst>
+          </p:cNvPr>
+          <p:cNvSpPr txBox="1"/>
+          <p:nvPr/>
+        </p:nvSpPr>
+        <p:spPr>
+          <a:xfrm>
+            <a:off x="3095627" y="1640355"/>
+            <a:ext cx="550168" cy="369332"/>
+          </a:xfrm>
+          <a:prstGeom prst="rect">
+            <a:avLst/>
+          </a:prstGeom>
+          <a:noFill/>
+        </p:spPr>
+        <p:txBody>
+          <a:bodyPr wrap="square" rtlCol="0">
+            <a:spAutoFit/>
+          </a:bodyPr>
+          <a:lstStyle/>
+          <a:p>
+            <a:r>
+              <a:rPr lang="en-US" dirty="0"/>
+              <a:t>AST</a:t>
+            </a:r>
+          </a:p>
+        </p:txBody>
+      </p:sp>
+      <p:cxnSp>
+        <p:nvCxnSpPr>
+          <p:cNvPr id="34" name="Straight Arrow Connector 33">
+            <a:extLst>
+              <a:ext uri="{FF2B5EF4-FFF2-40B4-BE49-F238E27FC236}">
+                <a16:creationId xmlns:a16="http://schemas.microsoft.com/office/drawing/2014/main" id="{800ABE5A-ED23-4F9A-97BE-93D8F344DAF2}"/>
+              </a:ext>
+            </a:extLst>
+          </p:cNvPr>
+          <p:cNvCxnSpPr>
+            <a:cxnSpLocks/>
+            <a:stCxn id="6" idx="4"/>
+          </p:cNvCxnSpPr>
+          <p:nvPr/>
+        </p:nvCxnSpPr>
+        <p:spPr>
+          <a:xfrm>
+            <a:off x="3693663" y="1913365"/>
+            <a:ext cx="0" cy="353860"/>
+          </a:xfrm>
+          <a:prstGeom prst="straightConnector1">
+            <a:avLst/>
+          </a:prstGeom>
+          <a:ln w="12700">
+            <a:tailEnd type="triangle"/>
+          </a:ln>
+        </p:spPr>
+        <p:style>
+          <a:lnRef idx="1">
+            <a:schemeClr val="accent1"/>
+          </a:lnRef>
+          <a:fillRef idx="0">
+            <a:schemeClr val="accent1"/>
+          </a:fillRef>
+          <a:effectRef idx="0">
+            <a:schemeClr val="accent1"/>
+          </a:effectRef>
+          <a:fontRef idx="minor">
+            <a:schemeClr val="tx1"/>
+          </a:fontRef>
+        </p:style>
+      </p:cxnSp>
+      <p:cxnSp>
+        <p:nvCxnSpPr>
+          <p:cNvPr id="80" name="Straight Arrow Connector 79">
+            <a:extLst>
+              <a:ext uri="{FF2B5EF4-FFF2-40B4-BE49-F238E27FC236}">
+                <a16:creationId xmlns:a16="http://schemas.microsoft.com/office/drawing/2014/main" id="{A1D73F36-E776-4ED8-AACF-B1FD34EBCB56}"/>
+              </a:ext>
+            </a:extLst>
+          </p:cNvPr>
+          <p:cNvCxnSpPr/>
+          <p:nvPr/>
+        </p:nvCxnSpPr>
+        <p:spPr>
+          <a:xfrm flipV="1">
+            <a:off x="3018685" y="2887518"/>
+            <a:ext cx="332860" cy="2649"/>
+          </a:xfrm>
+          <a:prstGeom prst="straightConnector1">
+            <a:avLst/>
+          </a:prstGeom>
+          <a:ln w="25400">
+            <a:tailEnd type="triangle"/>
+          </a:ln>
+        </p:spPr>
+        <p:style>
+          <a:lnRef idx="1">
+            <a:schemeClr val="accent1"/>
+          </a:lnRef>
+          <a:fillRef idx="0">
+            <a:schemeClr val="accent1"/>
+          </a:fillRef>
+          <a:effectRef idx="0">
+            <a:schemeClr val="accent1"/>
+          </a:effectRef>
+          <a:fontRef idx="minor">
+            <a:schemeClr val="tx1"/>
+          </a:fontRef>
+        </p:style>
+      </p:cxnSp>
+      <p:cxnSp>
+        <p:nvCxnSpPr>
+          <p:cNvPr id="111" name="Straight Arrow Connector 110">
+            <a:extLst>
+              <a:ext uri="{FF2B5EF4-FFF2-40B4-BE49-F238E27FC236}">
+                <a16:creationId xmlns:a16="http://schemas.microsoft.com/office/drawing/2014/main" id="{1671B46B-0761-4984-BC79-3FC406BE6EDC}"/>
+              </a:ext>
+            </a:extLst>
+          </p:cNvPr>
+          <p:cNvCxnSpPr>
+            <a:cxnSpLocks/>
+          </p:cNvCxnSpPr>
+          <p:nvPr/>
+        </p:nvCxnSpPr>
+        <p:spPr>
+          <a:xfrm flipH="1">
+            <a:off x="6817240" y="2071717"/>
+            <a:ext cx="368300" cy="1"/>
+          </a:xfrm>
+          <a:prstGeom prst="straightConnector1">
+            <a:avLst/>
+          </a:prstGeom>
+          <a:ln w="25400">
+            <a:tailEnd type="triangle"/>
+          </a:ln>
+        </p:spPr>
+        <p:style>
+          <a:lnRef idx="1">
+            <a:schemeClr val="accent1"/>
+          </a:lnRef>
+          <a:fillRef idx="0">
+            <a:schemeClr val="accent1"/>
+          </a:fillRef>
+          <a:effectRef idx="0">
+            <a:schemeClr val="accent1"/>
+          </a:effectRef>
+          <a:fontRef idx="minor">
+            <a:schemeClr val="tx1"/>
+          </a:fontRef>
+        </p:style>
+      </p:cxnSp>
+      <p:grpSp>
+        <p:nvGrpSpPr>
+          <p:cNvPr id="98" name="Group 97">
+            <a:extLst>
+              <a:ext uri="{FF2B5EF4-FFF2-40B4-BE49-F238E27FC236}">
+                <a16:creationId xmlns:a16="http://schemas.microsoft.com/office/drawing/2014/main" id="{7A60005C-BF80-4A5F-B7FC-0DB985BA956C}"/>
+              </a:ext>
+            </a:extLst>
+          </p:cNvPr>
+          <p:cNvGrpSpPr/>
+          <p:nvPr/>
+        </p:nvGrpSpPr>
+        <p:grpSpPr>
+          <a:xfrm>
+            <a:off x="7214290" y="1713617"/>
+            <a:ext cx="1151848" cy="1191101"/>
+            <a:chOff x="3473450" y="1362075"/>
+            <a:chExt cx="1151848" cy="1191101"/>
+          </a:xfrm>
+        </p:grpSpPr>
+        <p:sp>
+          <p:nvSpPr>
+            <p:cNvPr id="100" name="Oval 99">
+              <a:extLst>
+                <a:ext uri="{FF2B5EF4-FFF2-40B4-BE49-F238E27FC236}">
+                  <a16:creationId xmlns:a16="http://schemas.microsoft.com/office/drawing/2014/main" id="{37825BF5-8DF9-4C40-949A-C43DDCA6E08C}"/>
+                </a:ext>
+              </a:extLst>
+            </p:cNvPr>
+            <p:cNvSpPr/>
+            <p:nvPr/>
+          </p:nvSpPr>
+          <p:spPr>
+            <a:xfrm>
+              <a:off x="3841750" y="1362075"/>
+              <a:ext cx="190500" cy="190500"/>
+            </a:xfrm>
+            <a:prstGeom prst="ellipse">
+              <a:avLst/>
+            </a:prstGeom>
+            <a:solidFill>
+              <a:schemeClr val="accent6">
+                <a:lumMod val="40000"/>
+                <a:lumOff val="60000"/>
+              </a:schemeClr>
+            </a:solidFill>
+            <a:ln>
+              <a:solidFill>
+                <a:schemeClr val="accent6">
+                  <a:lumMod val="75000"/>
+                </a:schemeClr>
+              </a:solidFill>
+            </a:ln>
+          </p:spPr>
+          <p:style>
+            <a:lnRef idx="2">
+              <a:schemeClr val="accent1">
+                <a:shade val="50000"/>
+              </a:schemeClr>
+            </a:lnRef>
+            <a:fillRef idx="1">
+              <a:schemeClr val="accent1"/>
+            </a:fillRef>
+            <a:effectRef idx="0">
+              <a:schemeClr val="accent1"/>
+            </a:effectRef>
+            <a:fontRef idx="minor">
+              <a:schemeClr val="lt1"/>
+            </a:fontRef>
+          </p:style>
+          <p:txBody>
+            <a:bodyPr rtlCol="0" anchor="ctr"/>
+            <a:lstStyle/>
+            <a:p>
+              <a:pPr algn="ctr"/>
+              <a:endParaRPr lang="en-US"/>
+            </a:p>
+          </p:txBody>
+        </p:sp>
+        <p:sp>
+          <p:nvSpPr>
+            <p:cNvPr id="101" name="Oval 100">
+              <a:extLst>
+                <a:ext uri="{FF2B5EF4-FFF2-40B4-BE49-F238E27FC236}">
+                  <a16:creationId xmlns:a16="http://schemas.microsoft.com/office/drawing/2014/main" id="{4135860D-F88C-4583-85F5-57509D219125}"/>
+                </a:ext>
+              </a:extLst>
+            </p:cNvPr>
+            <p:cNvSpPr/>
+            <p:nvPr/>
+          </p:nvSpPr>
+          <p:spPr>
+            <a:xfrm>
+              <a:off x="3473450" y="1869281"/>
+              <a:ext cx="190500" cy="190500"/>
+            </a:xfrm>
+            <a:prstGeom prst="ellipse">
+              <a:avLst/>
+            </a:prstGeom>
+            <a:solidFill>
+              <a:schemeClr val="accent6">
+                <a:lumMod val="40000"/>
+                <a:lumOff val="60000"/>
+              </a:schemeClr>
+            </a:solidFill>
+            <a:ln>
+              <a:solidFill>
+                <a:schemeClr val="accent6">
+                  <a:lumMod val="75000"/>
+                </a:schemeClr>
+              </a:solidFill>
+            </a:ln>
+          </p:spPr>
+          <p:style>
+            <a:lnRef idx="2">
+              <a:schemeClr val="accent1">
+                <a:shade val="50000"/>
+              </a:schemeClr>
+            </a:lnRef>
+            <a:fillRef idx="1">
+              <a:schemeClr val="accent1"/>
+            </a:fillRef>
+            <a:effectRef idx="0">
+              <a:schemeClr val="accent1"/>
+            </a:effectRef>
+            <a:fontRef idx="minor">
+              <a:schemeClr val="lt1"/>
+            </a:fontRef>
+          </p:style>
+          <p:txBody>
+            <a:bodyPr rtlCol="0" anchor="ctr"/>
+            <a:lstStyle/>
+            <a:p>
+              <a:pPr algn="ctr"/>
+              <a:endParaRPr lang="en-US"/>
+            </a:p>
+          </p:txBody>
+        </p:sp>
+        <p:sp>
+          <p:nvSpPr>
+            <p:cNvPr id="103" name="Oval 102">
+              <a:extLst>
+                <a:ext uri="{FF2B5EF4-FFF2-40B4-BE49-F238E27FC236}">
+                  <a16:creationId xmlns:a16="http://schemas.microsoft.com/office/drawing/2014/main" id="{CD343876-6D97-4973-A25E-7CF146F9F827}"/>
+                </a:ext>
+              </a:extLst>
+            </p:cNvPr>
+            <p:cNvSpPr/>
+            <p:nvPr/>
+          </p:nvSpPr>
+          <p:spPr>
+            <a:xfrm>
+              <a:off x="3841750" y="2362676"/>
+              <a:ext cx="190500" cy="190500"/>
+            </a:xfrm>
+            <a:prstGeom prst="ellipse">
+              <a:avLst/>
+            </a:prstGeom>
+            <a:solidFill>
+              <a:schemeClr val="accent6">
+                <a:lumMod val="40000"/>
+                <a:lumOff val="60000"/>
+              </a:schemeClr>
+            </a:solidFill>
+            <a:ln>
+              <a:solidFill>
+                <a:schemeClr val="accent6">
+                  <a:lumMod val="75000"/>
+                </a:schemeClr>
+              </a:solidFill>
+            </a:ln>
+          </p:spPr>
+          <p:style>
+            <a:lnRef idx="2">
+              <a:schemeClr val="accent1">
+                <a:shade val="50000"/>
+              </a:schemeClr>
+            </a:lnRef>
+            <a:fillRef idx="1">
+              <a:schemeClr val="accent1"/>
+            </a:fillRef>
+            <a:effectRef idx="0">
+              <a:schemeClr val="accent1"/>
+            </a:effectRef>
+            <a:fontRef idx="minor">
+              <a:schemeClr val="lt1"/>
+            </a:fontRef>
+          </p:style>
+          <p:txBody>
+            <a:bodyPr rtlCol="0" anchor="ctr"/>
+            <a:lstStyle/>
+            <a:p>
+              <a:pPr algn="ctr"/>
+              <a:endParaRPr lang="en-US"/>
+            </a:p>
+          </p:txBody>
+        </p:sp>
+        <p:cxnSp>
+          <p:nvCxnSpPr>
+            <p:cNvPr id="105" name="Straight Arrow Connector 104">
+              <a:extLst>
+                <a:ext uri="{FF2B5EF4-FFF2-40B4-BE49-F238E27FC236}">
+                  <a16:creationId xmlns:a16="http://schemas.microsoft.com/office/drawing/2014/main" id="{47896730-4B6E-4D6F-9D0F-773801307D90}"/>
+                </a:ext>
+              </a:extLst>
+            </p:cNvPr>
+            <p:cNvCxnSpPr>
+              <a:stCxn id="100" idx="3"/>
+              <a:endCxn id="101" idx="6"/>
+            </p:cNvCxnSpPr>
+            <p:nvPr/>
+          </p:nvCxnSpPr>
+          <p:spPr>
+            <a:xfrm flipH="1">
+              <a:off x="3636052" y="1524677"/>
+              <a:ext cx="233596" cy="372502"/>
+            </a:xfrm>
+            <a:prstGeom prst="straightConnector1">
+              <a:avLst/>
+            </a:prstGeom>
+            <a:ln w="25400">
+              <a:tailEnd type="triangle"/>
+            </a:ln>
+          </p:spPr>
+          <p:style>
+            <a:lnRef idx="1">
+              <a:schemeClr val="accent1"/>
+            </a:lnRef>
+            <a:fillRef idx="0">
+              <a:schemeClr val="accent1"/>
+            </a:fillRef>
+            <a:effectRef idx="0">
+              <a:schemeClr val="accent1"/>
+            </a:effectRef>
+            <a:fontRef idx="minor">
+              <a:schemeClr val="tx1"/>
+            </a:fontRef>
+          </p:style>
+        </p:cxnSp>
+        <p:cxnSp>
+          <p:nvCxnSpPr>
+            <p:cNvPr id="106" name="Straight Arrow Connector 105">
+              <a:extLst>
+                <a:ext uri="{FF2B5EF4-FFF2-40B4-BE49-F238E27FC236}">
+                  <a16:creationId xmlns:a16="http://schemas.microsoft.com/office/drawing/2014/main" id="{D71847B8-D3B4-4C67-AE56-3D95F4A01658}"/>
+                </a:ext>
+              </a:extLst>
+            </p:cNvPr>
+            <p:cNvCxnSpPr>
+              <a:cxnSpLocks/>
+              <a:stCxn id="100" idx="5"/>
+            </p:cNvCxnSpPr>
+            <p:nvPr/>
+          </p:nvCxnSpPr>
+          <p:spPr>
+            <a:xfrm>
+              <a:off x="4004352" y="1524677"/>
+              <a:ext cx="246296" cy="372502"/>
+            </a:xfrm>
+            <a:prstGeom prst="straightConnector1">
+              <a:avLst/>
+            </a:prstGeom>
+            <a:ln w="25400">
+              <a:tailEnd type="triangle"/>
+            </a:ln>
+          </p:spPr>
+          <p:style>
+            <a:lnRef idx="1">
+              <a:schemeClr val="accent1"/>
+            </a:lnRef>
+            <a:fillRef idx="0">
+              <a:schemeClr val="accent1"/>
+            </a:fillRef>
+            <a:effectRef idx="0">
+              <a:schemeClr val="accent1"/>
+            </a:effectRef>
+            <a:fontRef idx="minor">
+              <a:schemeClr val="tx1"/>
+            </a:fontRef>
+          </p:style>
+        </p:cxnSp>
+        <p:cxnSp>
+          <p:nvCxnSpPr>
+            <p:cNvPr id="107" name="Straight Arrow Connector 106">
+              <a:extLst>
+                <a:ext uri="{FF2B5EF4-FFF2-40B4-BE49-F238E27FC236}">
+                  <a16:creationId xmlns:a16="http://schemas.microsoft.com/office/drawing/2014/main" id="{418EA2D4-3D5F-4CD9-B8F9-C667C7A4B08D}"/>
+                </a:ext>
+              </a:extLst>
+            </p:cNvPr>
+            <p:cNvCxnSpPr>
+              <a:cxnSpLocks/>
+              <a:endCxn id="103" idx="7"/>
+            </p:cNvCxnSpPr>
+            <p:nvPr/>
+          </p:nvCxnSpPr>
+          <p:spPr>
+            <a:xfrm flipH="1">
+              <a:off x="4004352" y="2031883"/>
+              <a:ext cx="246296" cy="358691"/>
+            </a:xfrm>
+            <a:prstGeom prst="straightConnector1">
+              <a:avLst/>
+            </a:prstGeom>
+            <a:ln w="25400">
+              <a:tailEnd type="triangle"/>
+            </a:ln>
+          </p:spPr>
+          <p:style>
+            <a:lnRef idx="1">
+              <a:schemeClr val="accent1"/>
+            </a:lnRef>
+            <a:fillRef idx="0">
+              <a:schemeClr val="accent1"/>
+            </a:fillRef>
+            <a:effectRef idx="0">
+              <a:schemeClr val="accent1"/>
+            </a:effectRef>
+            <a:fontRef idx="minor">
+              <a:schemeClr val="tx1"/>
+            </a:fontRef>
+          </p:style>
+        </p:cxnSp>
+        <p:cxnSp>
+          <p:nvCxnSpPr>
+            <p:cNvPr id="108" name="Straight Arrow Connector 107">
+              <a:extLst>
+                <a:ext uri="{FF2B5EF4-FFF2-40B4-BE49-F238E27FC236}">
+                  <a16:creationId xmlns:a16="http://schemas.microsoft.com/office/drawing/2014/main" id="{870D8B2F-0C38-4196-9F2F-2E9766576409}"/>
+                </a:ext>
+              </a:extLst>
+            </p:cNvPr>
+            <p:cNvCxnSpPr>
+              <a:cxnSpLocks/>
+            </p:cNvCxnSpPr>
+            <p:nvPr/>
+          </p:nvCxnSpPr>
+          <p:spPr>
+            <a:xfrm>
+              <a:off x="4385352" y="2031883"/>
+              <a:ext cx="239946" cy="358691"/>
+            </a:xfrm>
+            <a:prstGeom prst="straightConnector1">
+              <a:avLst/>
+            </a:prstGeom>
+            <a:ln w="25400">
+              <a:solidFill>
+                <a:srgbClr val="0070C0"/>
+              </a:solidFill>
+              <a:tailEnd type="triangle"/>
+            </a:ln>
+          </p:spPr>
+          <p:style>
+            <a:lnRef idx="1">
+              <a:schemeClr val="accent1"/>
+            </a:lnRef>
+            <a:fillRef idx="0">
+              <a:schemeClr val="accent1"/>
+            </a:fillRef>
+            <a:effectRef idx="0">
+              <a:schemeClr val="accent1"/>
+            </a:effectRef>
+            <a:fontRef idx="minor">
+              <a:schemeClr val="tx1"/>
+            </a:fontRef>
+          </p:style>
+        </p:cxnSp>
+      </p:grpSp>
+      <p:cxnSp>
+        <p:nvCxnSpPr>
+          <p:cNvPr id="97" name="Straight Arrow Connector 96">
+            <a:extLst>
+              <a:ext uri="{FF2B5EF4-FFF2-40B4-BE49-F238E27FC236}">
+                <a16:creationId xmlns:a16="http://schemas.microsoft.com/office/drawing/2014/main" id="{55317DA4-035D-45BC-9EEA-D63B59815E1F}"/>
+              </a:ext>
+            </a:extLst>
+          </p:cNvPr>
+          <p:cNvCxnSpPr>
+            <a:cxnSpLocks/>
+            <a:stCxn id="100" idx="4"/>
+          </p:cNvCxnSpPr>
+          <p:nvPr/>
+        </p:nvCxnSpPr>
+        <p:spPr>
+          <a:xfrm>
+            <a:off x="7677840" y="1904117"/>
+            <a:ext cx="0" cy="353860"/>
+          </a:xfrm>
+          <a:prstGeom prst="straightConnector1">
+            <a:avLst/>
+          </a:prstGeom>
+          <a:ln w="12700">
+            <a:tailEnd type="triangle"/>
+          </a:ln>
+        </p:spPr>
+        <p:style>
+          <a:lnRef idx="1">
+            <a:schemeClr val="accent1"/>
+          </a:lnRef>
+          <a:fillRef idx="0">
+            <a:schemeClr val="accent1"/>
+          </a:fillRef>
+          <a:effectRef idx="0">
+            <a:schemeClr val="accent1"/>
+          </a:effectRef>
+          <a:fontRef idx="minor">
+            <a:schemeClr val="tx1"/>
+          </a:fontRef>
+        </p:style>
+      </p:cxnSp>
+      <p:sp>
+        <p:nvSpPr>
+          <p:cNvPr id="113" name="Oval 112">
+            <a:extLst>
+              <a:ext uri="{FF2B5EF4-FFF2-40B4-BE49-F238E27FC236}">
+                <a16:creationId xmlns:a16="http://schemas.microsoft.com/office/drawing/2014/main" id="{41FEBBB0-0CA4-446E-A301-66AFE2A021D3}"/>
+              </a:ext>
+            </a:extLst>
+          </p:cNvPr>
+          <p:cNvSpPr/>
+          <p:nvPr/>
+        </p:nvSpPr>
+        <p:spPr>
+          <a:xfrm>
+            <a:off x="7958092" y="2216320"/>
+            <a:ext cx="190500" cy="190500"/>
+          </a:xfrm>
+          <a:prstGeom prst="ellipse">
+            <a:avLst/>
+          </a:prstGeom>
+          <a:solidFill>
+            <a:schemeClr val="accent6">
+              <a:lumMod val="40000"/>
+              <a:lumOff val="60000"/>
+            </a:schemeClr>
+          </a:solidFill>
+          <a:ln>
+            <a:solidFill>
+              <a:schemeClr val="accent6">
+                <a:lumMod val="75000"/>
+              </a:schemeClr>
+            </a:solidFill>
+          </a:ln>
+        </p:spPr>
+        <p:style>
+          <a:lnRef idx="2">
+            <a:schemeClr val="accent1">
+              <a:shade val="50000"/>
+            </a:schemeClr>
+          </a:lnRef>
+          <a:fillRef idx="1">
+            <a:schemeClr val="accent1"/>
+          </a:fillRef>
+          <a:effectRef idx="0">
+            <a:schemeClr val="accent1"/>
+          </a:effectRef>
+          <a:fontRef idx="minor">
+            <a:schemeClr val="lt1"/>
+          </a:fontRef>
+        </p:style>
+        <p:txBody>
+          <a:bodyPr rtlCol="0" anchor="ctr"/>
+          <a:lstStyle/>
+          <a:p>
+            <a:pPr algn="ctr"/>
+            <a:endParaRPr lang="en-US"/>
+          </a:p>
+        </p:txBody>
+      </p:sp>
+      <p:sp>
+        <p:nvSpPr>
+          <p:cNvPr id="114" name="Oval 113">
+            <a:extLst>
+              <a:ext uri="{FF2B5EF4-FFF2-40B4-BE49-F238E27FC236}">
+                <a16:creationId xmlns:a16="http://schemas.microsoft.com/office/drawing/2014/main" id="{C16FEF62-917A-4417-95CB-1C6132E32A14}"/>
+              </a:ext>
+            </a:extLst>
+          </p:cNvPr>
+          <p:cNvSpPr/>
+          <p:nvPr/>
+        </p:nvSpPr>
+        <p:spPr>
+          <a:xfrm>
+            <a:off x="8308436" y="2728445"/>
+            <a:ext cx="190500" cy="190500"/>
+          </a:xfrm>
+          <a:prstGeom prst="ellipse">
+            <a:avLst/>
+          </a:prstGeom>
+          <a:solidFill>
+            <a:schemeClr val="accent6">
+              <a:lumMod val="40000"/>
+              <a:lumOff val="60000"/>
+            </a:schemeClr>
+          </a:solidFill>
+          <a:ln>
+            <a:solidFill>
+              <a:schemeClr val="accent6">
+                <a:lumMod val="75000"/>
+              </a:schemeClr>
+            </a:solidFill>
+          </a:ln>
+        </p:spPr>
+        <p:style>
+          <a:lnRef idx="2">
+            <a:schemeClr val="accent1">
+              <a:shade val="50000"/>
+            </a:schemeClr>
+          </a:lnRef>
+          <a:fillRef idx="1">
+            <a:schemeClr val="accent1"/>
+          </a:fillRef>
+          <a:effectRef idx="0">
+            <a:schemeClr val="accent1"/>
+          </a:effectRef>
+          <a:fontRef idx="minor">
+            <a:schemeClr val="lt1"/>
+          </a:fontRef>
+        </p:style>
+        <p:txBody>
+          <a:bodyPr rtlCol="0" anchor="ctr"/>
+          <a:lstStyle/>
+          <a:p>
+            <a:pPr algn="ctr"/>
+            <a:endParaRPr lang="en-US"/>
+          </a:p>
+        </p:txBody>
+      </p:sp>
+      <p:grpSp>
+        <p:nvGrpSpPr>
+          <p:cNvPr id="116" name="Group 115">
+            <a:extLst>
+              <a:ext uri="{FF2B5EF4-FFF2-40B4-BE49-F238E27FC236}">
+                <a16:creationId xmlns:a16="http://schemas.microsoft.com/office/drawing/2014/main" id="{E18D2C30-1919-4D91-B872-266D681753A4}"/>
+              </a:ext>
+            </a:extLst>
+          </p:cNvPr>
+          <p:cNvGrpSpPr/>
+          <p:nvPr/>
+        </p:nvGrpSpPr>
+        <p:grpSpPr>
+          <a:xfrm>
+            <a:off x="7538337" y="3266271"/>
+            <a:ext cx="939800" cy="697706"/>
+            <a:chOff x="3473450" y="1362075"/>
+            <a:chExt cx="939800" cy="697706"/>
+          </a:xfrm>
+        </p:grpSpPr>
+        <p:sp>
+          <p:nvSpPr>
+            <p:cNvPr id="117" name="Oval 116">
+              <a:extLst>
+                <a:ext uri="{FF2B5EF4-FFF2-40B4-BE49-F238E27FC236}">
+                  <a16:creationId xmlns:a16="http://schemas.microsoft.com/office/drawing/2014/main" id="{82E609CE-8429-4961-9206-89EDB63AEB74}"/>
+                </a:ext>
+              </a:extLst>
+            </p:cNvPr>
+            <p:cNvSpPr/>
+            <p:nvPr/>
+          </p:nvSpPr>
+          <p:spPr>
+            <a:xfrm>
+              <a:off x="3841750" y="1362075"/>
+              <a:ext cx="190500" cy="190500"/>
+            </a:xfrm>
+            <a:prstGeom prst="ellipse">
+              <a:avLst/>
+            </a:prstGeom>
+            <a:solidFill>
+              <a:schemeClr val="accent6">
+                <a:lumMod val="40000"/>
+                <a:lumOff val="60000"/>
+              </a:schemeClr>
+            </a:solidFill>
+            <a:ln>
+              <a:solidFill>
+                <a:schemeClr val="accent6">
+                  <a:lumMod val="75000"/>
+                </a:schemeClr>
+              </a:solidFill>
+            </a:ln>
+          </p:spPr>
+          <p:style>
+            <a:lnRef idx="2">
+              <a:schemeClr val="accent1">
+                <a:shade val="50000"/>
+              </a:schemeClr>
+            </a:lnRef>
+            <a:fillRef idx="1">
+              <a:schemeClr val="accent1"/>
+            </a:fillRef>
+            <a:effectRef idx="0">
+              <a:schemeClr val="accent1"/>
+            </a:effectRef>
+            <a:fontRef idx="minor">
+              <a:schemeClr val="lt1"/>
+            </a:fontRef>
+          </p:style>
+          <p:txBody>
+            <a:bodyPr rtlCol="0" anchor="ctr"/>
+            <a:lstStyle/>
+            <a:p>
+              <a:pPr algn="ctr"/>
+              <a:endParaRPr lang="en-US"/>
+            </a:p>
+          </p:txBody>
+        </p:sp>
+        <p:sp>
+          <p:nvSpPr>
+            <p:cNvPr id="118" name="Oval 117">
+              <a:extLst>
+                <a:ext uri="{FF2B5EF4-FFF2-40B4-BE49-F238E27FC236}">
+                  <a16:creationId xmlns:a16="http://schemas.microsoft.com/office/drawing/2014/main" id="{94112A37-27C8-4E77-8D89-A9D12BEA3706}"/>
+                </a:ext>
+              </a:extLst>
+            </p:cNvPr>
+            <p:cNvSpPr/>
+            <p:nvPr/>
+          </p:nvSpPr>
+          <p:spPr>
+            <a:xfrm>
+              <a:off x="3473450" y="1869281"/>
+              <a:ext cx="190500" cy="190500"/>
+            </a:xfrm>
+            <a:prstGeom prst="ellipse">
+              <a:avLst/>
+            </a:prstGeom>
+            <a:solidFill>
+              <a:schemeClr val="accent6">
+                <a:lumMod val="40000"/>
+                <a:lumOff val="60000"/>
+              </a:schemeClr>
+            </a:solidFill>
+            <a:ln>
+              <a:solidFill>
+                <a:schemeClr val="accent6">
+                  <a:lumMod val="75000"/>
+                </a:schemeClr>
+              </a:solidFill>
+            </a:ln>
+          </p:spPr>
+          <p:style>
+            <a:lnRef idx="2">
+              <a:schemeClr val="accent1">
+                <a:shade val="50000"/>
+              </a:schemeClr>
+            </a:lnRef>
+            <a:fillRef idx="1">
+              <a:schemeClr val="accent1"/>
+            </a:fillRef>
+            <a:effectRef idx="0">
+              <a:schemeClr val="accent1"/>
+            </a:effectRef>
+            <a:fontRef idx="minor">
+              <a:schemeClr val="lt1"/>
+            </a:fontRef>
+          </p:style>
+          <p:txBody>
+            <a:bodyPr rtlCol="0" anchor="ctr"/>
+            <a:lstStyle/>
+            <a:p>
+              <a:pPr algn="ctr"/>
+              <a:endParaRPr lang="en-US"/>
+            </a:p>
+          </p:txBody>
+        </p:sp>
+        <p:sp>
+          <p:nvSpPr>
+            <p:cNvPr id="119" name="Oval 118">
+              <a:extLst>
+                <a:ext uri="{FF2B5EF4-FFF2-40B4-BE49-F238E27FC236}">
+                  <a16:creationId xmlns:a16="http://schemas.microsoft.com/office/drawing/2014/main" id="{A761DB97-8790-495A-9F04-DECDE891203B}"/>
+                </a:ext>
+              </a:extLst>
+            </p:cNvPr>
+            <p:cNvSpPr/>
+            <p:nvPr/>
+          </p:nvSpPr>
+          <p:spPr>
+            <a:xfrm>
+              <a:off x="4222750" y="1869281"/>
+              <a:ext cx="190500" cy="190500"/>
+            </a:xfrm>
+            <a:prstGeom prst="ellipse">
+              <a:avLst/>
+            </a:prstGeom>
+            <a:solidFill>
+              <a:schemeClr val="accent6">
+                <a:lumMod val="40000"/>
+                <a:lumOff val="60000"/>
+              </a:schemeClr>
+            </a:solidFill>
+            <a:ln>
+              <a:solidFill>
+                <a:schemeClr val="accent6">
+                  <a:lumMod val="75000"/>
+                </a:schemeClr>
+              </a:solidFill>
+            </a:ln>
+          </p:spPr>
+          <p:style>
+            <a:lnRef idx="2">
+              <a:schemeClr val="accent1">
+                <a:shade val="50000"/>
+              </a:schemeClr>
+            </a:lnRef>
+            <a:fillRef idx="1">
+              <a:schemeClr val="accent1"/>
+            </a:fillRef>
+            <a:effectRef idx="0">
+              <a:schemeClr val="accent1"/>
+            </a:effectRef>
+            <a:fontRef idx="minor">
+              <a:schemeClr val="lt1"/>
+            </a:fontRef>
+          </p:style>
+          <p:txBody>
+            <a:bodyPr rtlCol="0" anchor="ctr"/>
+            <a:lstStyle/>
+            <a:p>
+              <a:pPr algn="ctr"/>
+              <a:endParaRPr lang="en-US"/>
+            </a:p>
+          </p:txBody>
+        </p:sp>
+        <p:cxnSp>
+          <p:nvCxnSpPr>
+            <p:cNvPr id="120" name="Straight Arrow Connector 119">
+              <a:extLst>
+                <a:ext uri="{FF2B5EF4-FFF2-40B4-BE49-F238E27FC236}">
+                  <a16:creationId xmlns:a16="http://schemas.microsoft.com/office/drawing/2014/main" id="{E7FA53FD-F103-43F5-8B05-DB4885747AE7}"/>
+                </a:ext>
+              </a:extLst>
+            </p:cNvPr>
+            <p:cNvCxnSpPr>
+              <a:stCxn id="117" idx="3"/>
+              <a:endCxn id="118" idx="6"/>
+            </p:cNvCxnSpPr>
+            <p:nvPr/>
+          </p:nvCxnSpPr>
+          <p:spPr>
+            <a:xfrm flipH="1">
+              <a:off x="3636052" y="1524677"/>
+              <a:ext cx="233596" cy="372502"/>
+            </a:xfrm>
+            <a:prstGeom prst="straightConnector1">
+              <a:avLst/>
+            </a:prstGeom>
+            <a:ln w="25400">
+              <a:tailEnd type="triangle"/>
+            </a:ln>
+          </p:spPr>
+          <p:style>
+            <a:lnRef idx="1">
+              <a:schemeClr val="accent1"/>
+            </a:lnRef>
+            <a:fillRef idx="0">
+              <a:schemeClr val="accent1"/>
+            </a:fillRef>
+            <a:effectRef idx="0">
+              <a:schemeClr val="accent1"/>
+            </a:effectRef>
+            <a:fontRef idx="minor">
+              <a:schemeClr val="tx1"/>
+            </a:fontRef>
+          </p:style>
+        </p:cxnSp>
+        <p:cxnSp>
+          <p:nvCxnSpPr>
+            <p:cNvPr id="121" name="Straight Arrow Connector 120">
+              <a:extLst>
+                <a:ext uri="{FF2B5EF4-FFF2-40B4-BE49-F238E27FC236}">
+                  <a16:creationId xmlns:a16="http://schemas.microsoft.com/office/drawing/2014/main" id="{295F335D-6DFB-4616-8B63-2D631663C6EB}"/>
+                </a:ext>
+              </a:extLst>
+            </p:cNvPr>
+            <p:cNvCxnSpPr>
+              <a:cxnSpLocks/>
+              <a:stCxn id="117" idx="5"/>
+              <a:endCxn id="119" idx="1"/>
+            </p:cNvCxnSpPr>
+            <p:nvPr/>
+          </p:nvCxnSpPr>
+          <p:spPr>
+            <a:xfrm>
+              <a:off x="4004352" y="1524677"/>
+              <a:ext cx="246296" cy="372502"/>
+            </a:xfrm>
+            <a:prstGeom prst="straightConnector1">
+              <a:avLst/>
+            </a:prstGeom>
+            <a:ln w="25400">
+              <a:solidFill>
+                <a:srgbClr val="0070C0"/>
+              </a:solidFill>
+              <a:tailEnd type="triangle"/>
+            </a:ln>
+          </p:spPr>
+          <p:style>
+            <a:lnRef idx="1">
+              <a:schemeClr val="accent1"/>
+            </a:lnRef>
+            <a:fillRef idx="0">
+              <a:schemeClr val="accent1"/>
+            </a:fillRef>
+            <a:effectRef idx="0">
+              <a:schemeClr val="accent1"/>
+            </a:effectRef>
+            <a:fontRef idx="minor">
+              <a:schemeClr val="tx1"/>
+            </a:fontRef>
+          </p:style>
+        </p:cxnSp>
+      </p:grpSp>
+      <p:sp>
+        <p:nvSpPr>
+          <p:cNvPr id="122" name="TextBox 121">
+            <a:extLst>
+              <a:ext uri="{FF2B5EF4-FFF2-40B4-BE49-F238E27FC236}">
+                <a16:creationId xmlns:a16="http://schemas.microsoft.com/office/drawing/2014/main" id="{224E5474-1B81-4BD7-AB89-9B8BBFEB997F}"/>
+              </a:ext>
+            </a:extLst>
+          </p:cNvPr>
+          <p:cNvSpPr txBox="1"/>
+          <p:nvPr/>
+        </p:nvSpPr>
+        <p:spPr>
+          <a:xfrm>
+            <a:off x="7606718" y="4000558"/>
+            <a:ext cx="745240" cy="369332"/>
+          </a:xfrm>
+          <a:prstGeom prst="rect">
+            <a:avLst/>
+          </a:prstGeom>
+          <a:noFill/>
+          <a:ln>
+            <a:solidFill>
+              <a:schemeClr val="tx1"/>
+            </a:solidFill>
+          </a:ln>
+        </p:spPr>
+        <p:txBody>
+          <a:bodyPr wrap="square" rtlCol="0">
+            <a:spAutoFit/>
+          </a:bodyPr>
+          <a:lstStyle/>
+          <a:p>
+            <a:r>
+              <a:rPr lang="en-US" dirty="0"/>
+              <a:t>Fixed</a:t>
+            </a:r>
+          </a:p>
+        </p:txBody>
+      </p:sp>
+      <p:sp>
+        <p:nvSpPr>
+          <p:cNvPr id="62" name="TextBox 61">
+            <a:extLst>
+              <a:ext uri="{FF2B5EF4-FFF2-40B4-BE49-F238E27FC236}">
+                <a16:creationId xmlns:a16="http://schemas.microsoft.com/office/drawing/2014/main" id="{0FBB995E-CC93-47D8-911F-13E92DFA7749}"/>
+              </a:ext>
+            </a:extLst>
+          </p:cNvPr>
+          <p:cNvSpPr txBox="1"/>
+          <p:nvPr/>
+        </p:nvSpPr>
+        <p:spPr>
+          <a:xfrm>
+            <a:off x="3790813" y="1618291"/>
+            <a:ext cx="502894" cy="369332"/>
+          </a:xfrm>
+          <a:prstGeom prst="rect">
+            <a:avLst/>
+          </a:prstGeom>
+          <a:noFill/>
+        </p:spPr>
+        <p:txBody>
+          <a:bodyPr wrap="square" rtlCol="0">
+            <a:spAutoFit/>
+          </a:bodyPr>
+          <a:lstStyle/>
+          <a:p>
+            <a:r>
+              <a:rPr lang="en-US" dirty="0"/>
+              <a:t>V1</a:t>
+            </a:r>
+          </a:p>
+        </p:txBody>
+      </p:sp>
+      <p:sp>
+        <p:nvSpPr>
+          <p:cNvPr id="63" name="TextBox 62">
+            <a:extLst>
+              <a:ext uri="{FF2B5EF4-FFF2-40B4-BE49-F238E27FC236}">
+                <a16:creationId xmlns:a16="http://schemas.microsoft.com/office/drawing/2014/main" id="{C866DB77-A5A2-4DA4-AA23-2048E7C3FF10}"/>
+              </a:ext>
+            </a:extLst>
+          </p:cNvPr>
+          <p:cNvSpPr txBox="1"/>
+          <p:nvPr/>
+        </p:nvSpPr>
+        <p:spPr>
+          <a:xfrm>
+            <a:off x="3392715" y="2248721"/>
+            <a:ext cx="502894" cy="369332"/>
+          </a:xfrm>
+          <a:prstGeom prst="rect">
+            <a:avLst/>
+          </a:prstGeom>
+          <a:noFill/>
+        </p:spPr>
+        <p:txBody>
+          <a:bodyPr wrap="square" rtlCol="0">
+            <a:spAutoFit/>
+          </a:bodyPr>
+          <a:lstStyle/>
+          <a:p>
+            <a:r>
+              <a:rPr lang="en-US" dirty="0"/>
+              <a:t>V2</a:t>
+            </a:r>
+          </a:p>
+        </p:txBody>
+      </p:sp>
+      <p:sp>
+        <p:nvSpPr>
+          <p:cNvPr id="64" name="TextBox 63">
+            <a:extLst>
+              <a:ext uri="{FF2B5EF4-FFF2-40B4-BE49-F238E27FC236}">
+                <a16:creationId xmlns:a16="http://schemas.microsoft.com/office/drawing/2014/main" id="{225DC76C-BD9A-42C4-B648-4F968FF15F85}"/>
+              </a:ext>
+            </a:extLst>
+          </p:cNvPr>
+          <p:cNvSpPr txBox="1"/>
+          <p:nvPr/>
+        </p:nvSpPr>
+        <p:spPr>
+          <a:xfrm>
+            <a:off x="4145076" y="2071924"/>
+            <a:ext cx="502894" cy="369332"/>
+          </a:xfrm>
+          <a:prstGeom prst="rect">
+            <a:avLst/>
+          </a:prstGeom>
+          <a:noFill/>
+        </p:spPr>
+        <p:txBody>
+          <a:bodyPr wrap="square" rtlCol="0">
+            <a:spAutoFit/>
+          </a:bodyPr>
+          <a:lstStyle/>
+          <a:p>
+            <a:r>
+              <a:rPr lang="en-US" dirty="0"/>
+              <a:t>V3</a:t>
+            </a:r>
+          </a:p>
+        </p:txBody>
+      </p:sp>
+      <p:sp>
+        <p:nvSpPr>
+          <p:cNvPr id="65" name="TextBox 64">
+            <a:extLst>
+              <a:ext uri="{FF2B5EF4-FFF2-40B4-BE49-F238E27FC236}">
+                <a16:creationId xmlns:a16="http://schemas.microsoft.com/office/drawing/2014/main" id="{8E38DFC1-E151-4977-AAA6-7AB8AFDC3624}"/>
+              </a:ext>
+            </a:extLst>
+          </p:cNvPr>
+          <p:cNvSpPr txBox="1"/>
+          <p:nvPr/>
+        </p:nvSpPr>
+        <p:spPr>
+          <a:xfrm>
+            <a:off x="3790813" y="2672421"/>
+            <a:ext cx="502894" cy="369332"/>
+          </a:xfrm>
+          <a:prstGeom prst="rect">
+            <a:avLst/>
+          </a:prstGeom>
+          <a:noFill/>
+        </p:spPr>
+        <p:txBody>
+          <a:bodyPr wrap="square" rtlCol="0">
+            <a:spAutoFit/>
+          </a:bodyPr>
+          <a:lstStyle/>
+          <a:p>
+            <a:r>
+              <a:rPr lang="en-US" dirty="0"/>
+              <a:t>V4</a:t>
+            </a:r>
+          </a:p>
+        </p:txBody>
+      </p:sp>
+      <p:sp>
+        <p:nvSpPr>
+          <p:cNvPr id="66" name="TextBox 65">
+            <a:extLst>
+              <a:ext uri="{FF2B5EF4-FFF2-40B4-BE49-F238E27FC236}">
+                <a16:creationId xmlns:a16="http://schemas.microsoft.com/office/drawing/2014/main" id="{59CD9354-0B06-4D1E-AD69-23BCBB84CEC0}"/>
+              </a:ext>
+            </a:extLst>
+          </p:cNvPr>
+          <p:cNvSpPr txBox="1"/>
+          <p:nvPr/>
+        </p:nvSpPr>
+        <p:spPr>
+          <a:xfrm>
+            <a:off x="4519676" y="2627435"/>
+            <a:ext cx="502894" cy="369332"/>
+          </a:xfrm>
+          <a:prstGeom prst="rect">
+            <a:avLst/>
+          </a:prstGeom>
+          <a:noFill/>
+        </p:spPr>
+        <p:txBody>
+          <a:bodyPr wrap="square" rtlCol="0">
+            <a:spAutoFit/>
+          </a:bodyPr>
+          <a:lstStyle/>
+          <a:p>
+            <a:r>
+              <a:rPr lang="en-US" dirty="0"/>
+              <a:t>V5</a:t>
+            </a:r>
+          </a:p>
+        </p:txBody>
+      </p:sp>
+      <p:sp>
+        <p:nvSpPr>
+          <p:cNvPr id="67" name="TextBox 66">
+            <a:extLst>
+              <a:ext uri="{FF2B5EF4-FFF2-40B4-BE49-F238E27FC236}">
+                <a16:creationId xmlns:a16="http://schemas.microsoft.com/office/drawing/2014/main" id="{AC6BC6E5-A068-480A-A4EB-B36B9B5C5654}"/>
+              </a:ext>
+            </a:extLst>
+          </p:cNvPr>
+          <p:cNvSpPr txBox="1"/>
+          <p:nvPr/>
+        </p:nvSpPr>
+        <p:spPr>
+          <a:xfrm>
+            <a:off x="4116563" y="3156705"/>
+            <a:ext cx="502894" cy="369332"/>
+          </a:xfrm>
+          <a:prstGeom prst="rect">
+            <a:avLst/>
+          </a:prstGeom>
+          <a:noFill/>
+        </p:spPr>
+        <p:txBody>
+          <a:bodyPr wrap="square" rtlCol="0">
+            <a:spAutoFit/>
+          </a:bodyPr>
+          <a:lstStyle/>
+          <a:p>
+            <a:r>
+              <a:rPr lang="en-US" dirty="0"/>
+              <a:t>V3</a:t>
+            </a:r>
+          </a:p>
+        </p:txBody>
+      </p:sp>
+      <p:sp>
+        <p:nvSpPr>
+          <p:cNvPr id="70" name="TextBox 69">
+            <a:extLst>
+              <a:ext uri="{FF2B5EF4-FFF2-40B4-BE49-F238E27FC236}">
+                <a16:creationId xmlns:a16="http://schemas.microsoft.com/office/drawing/2014/main" id="{04638B80-2E36-4AC4-98AA-514EABC49595}"/>
+              </a:ext>
+            </a:extLst>
+          </p:cNvPr>
+          <p:cNvSpPr txBox="1"/>
+          <p:nvPr/>
+        </p:nvSpPr>
+        <p:spPr>
+          <a:xfrm>
+            <a:off x="3196647" y="3485931"/>
+            <a:ext cx="502894" cy="369332"/>
+          </a:xfrm>
+          <a:prstGeom prst="rect">
+            <a:avLst/>
+          </a:prstGeom>
+          <a:noFill/>
+        </p:spPr>
+        <p:txBody>
+          <a:bodyPr wrap="square" rtlCol="0">
+            <a:spAutoFit/>
+          </a:bodyPr>
+          <a:lstStyle/>
+          <a:p>
+            <a:r>
+              <a:rPr lang="en-US" dirty="0"/>
+              <a:t>V4</a:t>
+            </a:r>
+          </a:p>
+        </p:txBody>
+      </p:sp>
+      <p:sp>
+        <p:nvSpPr>
+          <p:cNvPr id="72" name="TextBox 71">
+            <a:extLst>
+              <a:ext uri="{FF2B5EF4-FFF2-40B4-BE49-F238E27FC236}">
+                <a16:creationId xmlns:a16="http://schemas.microsoft.com/office/drawing/2014/main" id="{6AEFFF82-445E-4505-85B6-AD5A99C94982}"/>
+              </a:ext>
+            </a:extLst>
+          </p:cNvPr>
+          <p:cNvSpPr txBox="1"/>
+          <p:nvPr/>
+        </p:nvSpPr>
+        <p:spPr>
+          <a:xfrm>
+            <a:off x="3915549" y="3652210"/>
+            <a:ext cx="502894" cy="369332"/>
+          </a:xfrm>
+          <a:prstGeom prst="rect">
+            <a:avLst/>
+          </a:prstGeom>
+          <a:noFill/>
+        </p:spPr>
+        <p:txBody>
+          <a:bodyPr wrap="square" rtlCol="0">
+            <a:spAutoFit/>
+          </a:bodyPr>
+          <a:lstStyle/>
+          <a:p>
+            <a:r>
+              <a:rPr lang="en-US" dirty="0"/>
+              <a:t>V5</a:t>
+            </a:r>
+          </a:p>
+        </p:txBody>
+      </p:sp>
+      <p:sp>
+        <p:nvSpPr>
+          <p:cNvPr id="73" name="TextBox 72">
+            <a:extLst>
+              <a:ext uri="{FF2B5EF4-FFF2-40B4-BE49-F238E27FC236}">
+                <a16:creationId xmlns:a16="http://schemas.microsoft.com/office/drawing/2014/main" id="{39C74687-5125-4677-B2BC-5B417C5E086F}"/>
+              </a:ext>
+            </a:extLst>
+          </p:cNvPr>
+          <p:cNvSpPr txBox="1"/>
+          <p:nvPr/>
+        </p:nvSpPr>
+        <p:spPr>
+          <a:xfrm>
+            <a:off x="7743271" y="1622307"/>
+            <a:ext cx="502894" cy="369332"/>
+          </a:xfrm>
+          <a:prstGeom prst="rect">
+            <a:avLst/>
+          </a:prstGeom>
+          <a:noFill/>
+        </p:spPr>
+        <p:txBody>
+          <a:bodyPr wrap="square" rtlCol="0">
+            <a:spAutoFit/>
+          </a:bodyPr>
+          <a:lstStyle/>
+          <a:p>
+            <a:r>
+              <a:rPr lang="en-US" dirty="0"/>
+              <a:t>V1</a:t>
+            </a:r>
+          </a:p>
+        </p:txBody>
+      </p:sp>
+      <p:sp>
+        <p:nvSpPr>
+          <p:cNvPr id="74" name="TextBox 73">
+            <a:extLst>
+              <a:ext uri="{FF2B5EF4-FFF2-40B4-BE49-F238E27FC236}">
+                <a16:creationId xmlns:a16="http://schemas.microsoft.com/office/drawing/2014/main" id="{2104C349-3198-4C0C-9383-9D24D86E0F4C}"/>
+              </a:ext>
+            </a:extLst>
+          </p:cNvPr>
+          <p:cNvSpPr txBox="1"/>
+          <p:nvPr/>
+        </p:nvSpPr>
+        <p:spPr>
+          <a:xfrm>
+            <a:off x="7331143" y="2275640"/>
+            <a:ext cx="502894" cy="369332"/>
+          </a:xfrm>
+          <a:prstGeom prst="rect">
+            <a:avLst/>
+          </a:prstGeom>
+          <a:noFill/>
+        </p:spPr>
+        <p:txBody>
+          <a:bodyPr wrap="square" rtlCol="0">
+            <a:spAutoFit/>
+          </a:bodyPr>
+          <a:lstStyle/>
+          <a:p>
+            <a:r>
+              <a:rPr lang="en-US" dirty="0"/>
+              <a:t>V2</a:t>
+            </a:r>
+          </a:p>
+        </p:txBody>
+      </p:sp>
+      <p:sp>
+        <p:nvSpPr>
+          <p:cNvPr id="77" name="TextBox 76">
+            <a:extLst>
+              <a:ext uri="{FF2B5EF4-FFF2-40B4-BE49-F238E27FC236}">
+                <a16:creationId xmlns:a16="http://schemas.microsoft.com/office/drawing/2014/main" id="{CED4A8A1-C7AF-4F31-A68D-420B8E020DF5}"/>
+              </a:ext>
+            </a:extLst>
+          </p:cNvPr>
+          <p:cNvSpPr txBox="1"/>
+          <p:nvPr/>
+        </p:nvSpPr>
+        <p:spPr>
+          <a:xfrm>
+            <a:off x="8114288" y="2182284"/>
+            <a:ext cx="502894" cy="369332"/>
+          </a:xfrm>
+          <a:prstGeom prst="rect">
+            <a:avLst/>
+          </a:prstGeom>
+          <a:noFill/>
+        </p:spPr>
+        <p:txBody>
+          <a:bodyPr wrap="square" rtlCol="0">
+            <a:spAutoFit/>
+          </a:bodyPr>
+          <a:lstStyle/>
+          <a:p>
+            <a:r>
+              <a:rPr lang="en-US" dirty="0"/>
+              <a:t>V’3</a:t>
+            </a:r>
+          </a:p>
+        </p:txBody>
+      </p:sp>
+      <p:sp>
+        <p:nvSpPr>
+          <p:cNvPr id="79" name="TextBox 78">
+            <a:extLst>
+              <a:ext uri="{FF2B5EF4-FFF2-40B4-BE49-F238E27FC236}">
+                <a16:creationId xmlns:a16="http://schemas.microsoft.com/office/drawing/2014/main" id="{6DBC50EA-3271-4E57-88C2-7A7FC5D7DD92}"/>
+              </a:ext>
+            </a:extLst>
+          </p:cNvPr>
+          <p:cNvSpPr txBox="1"/>
+          <p:nvPr/>
+        </p:nvSpPr>
+        <p:spPr>
+          <a:xfrm>
+            <a:off x="7761420" y="2692154"/>
+            <a:ext cx="502894" cy="369332"/>
+          </a:xfrm>
+          <a:prstGeom prst="rect">
+            <a:avLst/>
+          </a:prstGeom>
+          <a:noFill/>
+        </p:spPr>
+        <p:txBody>
+          <a:bodyPr wrap="square" rtlCol="0">
+            <a:spAutoFit/>
+          </a:bodyPr>
+          <a:lstStyle/>
+          <a:p>
+            <a:r>
+              <a:rPr lang="en-US" dirty="0"/>
+              <a:t>V4</a:t>
+            </a:r>
+          </a:p>
+        </p:txBody>
+      </p:sp>
+      <p:sp>
+        <p:nvSpPr>
+          <p:cNvPr id="81" name="TextBox 80">
+            <a:extLst>
+              <a:ext uri="{FF2B5EF4-FFF2-40B4-BE49-F238E27FC236}">
+                <a16:creationId xmlns:a16="http://schemas.microsoft.com/office/drawing/2014/main" id="{BEE5486B-7259-4159-8304-F2A8886E5712}"/>
+              </a:ext>
+            </a:extLst>
+          </p:cNvPr>
+          <p:cNvSpPr txBox="1"/>
+          <p:nvPr/>
+        </p:nvSpPr>
+        <p:spPr>
+          <a:xfrm>
+            <a:off x="8203367" y="2872772"/>
+            <a:ext cx="502894" cy="369332"/>
+          </a:xfrm>
+          <a:prstGeom prst="rect">
+            <a:avLst/>
+          </a:prstGeom>
+          <a:noFill/>
+        </p:spPr>
+        <p:txBody>
+          <a:bodyPr wrap="square" rtlCol="0">
+            <a:spAutoFit/>
+          </a:bodyPr>
+          <a:lstStyle/>
+          <a:p>
+            <a:r>
+              <a:rPr lang="en-US" dirty="0"/>
+              <a:t>V’5</a:t>
+            </a:r>
+          </a:p>
+        </p:txBody>
+      </p:sp>
+      <p:sp>
+        <p:nvSpPr>
+          <p:cNvPr id="82" name="TextBox 81">
+            <a:extLst>
+              <a:ext uri="{FF2B5EF4-FFF2-40B4-BE49-F238E27FC236}">
+                <a16:creationId xmlns:a16="http://schemas.microsoft.com/office/drawing/2014/main" id="{5E9C1373-0FA7-4F30-AEE6-37B9DFF23206}"/>
+              </a:ext>
+            </a:extLst>
+          </p:cNvPr>
+          <p:cNvSpPr txBox="1"/>
+          <p:nvPr/>
+        </p:nvSpPr>
+        <p:spPr>
+          <a:xfrm>
+            <a:off x="8048264" y="3155561"/>
+            <a:ext cx="502894" cy="369332"/>
+          </a:xfrm>
+          <a:prstGeom prst="rect">
+            <a:avLst/>
+          </a:prstGeom>
+          <a:noFill/>
+        </p:spPr>
+        <p:txBody>
+          <a:bodyPr wrap="square" rtlCol="0">
+            <a:spAutoFit/>
+          </a:bodyPr>
+          <a:lstStyle/>
+          <a:p>
+            <a:r>
+              <a:rPr lang="en-US" dirty="0"/>
+              <a:t>V’3</a:t>
+            </a:r>
+          </a:p>
+        </p:txBody>
+      </p:sp>
+      <p:sp>
+        <p:nvSpPr>
+          <p:cNvPr id="83" name="TextBox 82">
+            <a:extLst>
+              <a:ext uri="{FF2B5EF4-FFF2-40B4-BE49-F238E27FC236}">
+                <a16:creationId xmlns:a16="http://schemas.microsoft.com/office/drawing/2014/main" id="{48458C72-3C00-444E-B08F-1042EBA075C9}"/>
+              </a:ext>
+            </a:extLst>
+          </p:cNvPr>
+          <p:cNvSpPr txBox="1"/>
+          <p:nvPr/>
+        </p:nvSpPr>
+        <p:spPr>
+          <a:xfrm>
+            <a:off x="7301683" y="3448505"/>
+            <a:ext cx="502894" cy="369332"/>
+          </a:xfrm>
+          <a:prstGeom prst="rect">
+            <a:avLst/>
+          </a:prstGeom>
+          <a:noFill/>
+        </p:spPr>
+        <p:txBody>
+          <a:bodyPr wrap="square" rtlCol="0">
+            <a:spAutoFit/>
+          </a:bodyPr>
+          <a:lstStyle/>
+          <a:p>
+            <a:r>
+              <a:rPr lang="en-US" dirty="0"/>
+              <a:t>V4</a:t>
+            </a:r>
+          </a:p>
+        </p:txBody>
+      </p:sp>
+      <p:sp>
+        <p:nvSpPr>
+          <p:cNvPr id="84" name="TextBox 83">
+            <a:extLst>
+              <a:ext uri="{FF2B5EF4-FFF2-40B4-BE49-F238E27FC236}">
+                <a16:creationId xmlns:a16="http://schemas.microsoft.com/office/drawing/2014/main" id="{FBA1FEDE-EDB8-4403-9610-0375B6DBC8A0}"/>
+              </a:ext>
+            </a:extLst>
+          </p:cNvPr>
+          <p:cNvSpPr txBox="1"/>
+          <p:nvPr/>
+        </p:nvSpPr>
+        <p:spPr>
+          <a:xfrm>
+            <a:off x="8203833" y="3478468"/>
+            <a:ext cx="502894" cy="369332"/>
+          </a:xfrm>
+          <a:prstGeom prst="rect">
+            <a:avLst/>
+          </a:prstGeom>
+          <a:noFill/>
+        </p:spPr>
+        <p:txBody>
+          <a:bodyPr wrap="square" rtlCol="0">
+            <a:spAutoFit/>
+          </a:bodyPr>
+          <a:lstStyle/>
+          <a:p>
+            <a:r>
+              <a:rPr lang="en-US" dirty="0"/>
+              <a:t>V’5</a:t>
+            </a:r>
+          </a:p>
+        </p:txBody>
+      </p:sp>
+      <p:grpSp>
+        <p:nvGrpSpPr>
+          <p:cNvPr id="3" name="Group 2">
+            <a:extLst>
+              <a:ext uri="{FF2B5EF4-FFF2-40B4-BE49-F238E27FC236}">
+                <a16:creationId xmlns:a16="http://schemas.microsoft.com/office/drawing/2014/main" id="{98657B49-8BC6-4345-BA5E-FA2D0BC073AE}"/>
+              </a:ext>
+            </a:extLst>
+          </p:cNvPr>
+          <p:cNvGrpSpPr/>
+          <p:nvPr/>
+        </p:nvGrpSpPr>
+        <p:grpSpPr>
+          <a:xfrm>
+            <a:off x="4425285" y="1555259"/>
+            <a:ext cx="599169" cy="607202"/>
+            <a:chOff x="4425285" y="1555259"/>
+            <a:chExt cx="599169" cy="607202"/>
+          </a:xfrm>
+        </p:grpSpPr>
+        <p:grpSp>
+          <p:nvGrpSpPr>
+            <p:cNvPr id="2" name="Group 1">
+              <a:extLst>
+                <a:ext uri="{FF2B5EF4-FFF2-40B4-BE49-F238E27FC236}">
+                  <a16:creationId xmlns:a16="http://schemas.microsoft.com/office/drawing/2014/main" id="{D96AA0F9-8462-4BC8-B364-86A3C332580F}"/>
+                </a:ext>
+              </a:extLst>
+            </p:cNvPr>
+            <p:cNvGrpSpPr/>
+            <p:nvPr/>
+          </p:nvGrpSpPr>
+          <p:grpSpPr>
+            <a:xfrm>
+              <a:off x="4425285" y="1608967"/>
+              <a:ext cx="509943" cy="553494"/>
+              <a:chOff x="4425285" y="1608967"/>
+              <a:chExt cx="509943" cy="553494"/>
+            </a:xfrm>
+          </p:grpSpPr>
+          <p:cxnSp>
+            <p:nvCxnSpPr>
+              <p:cNvPr id="76" name="Straight Arrow Connector 75">
+                <a:extLst>
+                  <a:ext uri="{FF2B5EF4-FFF2-40B4-BE49-F238E27FC236}">
+                    <a16:creationId xmlns:a16="http://schemas.microsoft.com/office/drawing/2014/main" id="{79185833-1F06-46BC-B258-D8B677D60BAF}"/>
+                  </a:ext>
+                </a:extLst>
+              </p:cNvPr>
+              <p:cNvCxnSpPr/>
+              <p:nvPr/>
+            </p:nvCxnSpPr>
+            <p:spPr>
+              <a:xfrm flipV="1">
+                <a:off x="4596193" y="2089592"/>
+                <a:ext cx="332860" cy="2649"/>
+              </a:xfrm>
+              <a:prstGeom prst="straightConnector1">
+                <a:avLst/>
+              </a:prstGeom>
+              <a:ln w="25400">
+                <a:tailEnd type="triangle"/>
+              </a:ln>
+            </p:spPr>
+            <p:style>
+              <a:lnRef idx="1">
+                <a:schemeClr val="accent1"/>
+              </a:lnRef>
+              <a:fillRef idx="0">
+                <a:schemeClr val="accent1"/>
+              </a:fillRef>
+              <a:effectRef idx="0">
+                <a:schemeClr val="accent1"/>
+              </a:effectRef>
+              <a:fontRef idx="minor">
+                <a:schemeClr val="tx1"/>
+              </a:fontRef>
+            </p:style>
+          </p:cxnSp>
+          <p:sp>
+            <p:nvSpPr>
+              <p:cNvPr id="85" name="TextBox 84">
+                <a:extLst>
+                  <a:ext uri="{FF2B5EF4-FFF2-40B4-BE49-F238E27FC236}">
+                    <a16:creationId xmlns:a16="http://schemas.microsoft.com/office/drawing/2014/main" id="{5498D26F-41EF-491B-8CDA-7D2956D725B2}"/>
+                  </a:ext>
+                </a:extLst>
+              </p:cNvPr>
+              <p:cNvSpPr txBox="1"/>
+              <p:nvPr/>
+            </p:nvSpPr>
+            <p:spPr>
+              <a:xfrm>
+                <a:off x="4425285" y="1608967"/>
+                <a:ext cx="385287" cy="523220"/>
+              </a:xfrm>
+              <a:prstGeom prst="rect">
+                <a:avLst/>
+              </a:prstGeom>
+              <a:noFill/>
+            </p:spPr>
+            <p:txBody>
+              <a:bodyPr wrap="square" rtlCol="0">
+                <a:spAutoFit/>
+              </a:bodyPr>
+              <a:lstStyle/>
+              <a:p>
+                <a:r>
+                  <a:rPr lang="en-US" sz="2800" i="1" dirty="0">
+                    <a:solidFill>
+                      <a:srgbClr val="FF0000"/>
+                    </a:solidFill>
+                  </a:rPr>
+                  <a:t>T</a:t>
+                </a:r>
+              </a:p>
+            </p:txBody>
+          </p:sp>
+          <p:sp>
+            <p:nvSpPr>
+              <p:cNvPr id="86" name="TextBox 85">
+                <a:extLst>
+                  <a:ext uri="{FF2B5EF4-FFF2-40B4-BE49-F238E27FC236}">
+                    <a16:creationId xmlns:a16="http://schemas.microsoft.com/office/drawing/2014/main" id="{657150BC-5DD3-4330-8397-6785884449BC}"/>
+                  </a:ext>
+                </a:extLst>
+              </p:cNvPr>
+              <p:cNvSpPr txBox="1"/>
+              <p:nvPr/>
+            </p:nvSpPr>
+            <p:spPr>
+              <a:xfrm>
+                <a:off x="4549941" y="1793129"/>
+                <a:ext cx="385287" cy="369332"/>
+              </a:xfrm>
+              <a:prstGeom prst="rect">
+                <a:avLst/>
+              </a:prstGeom>
+              <a:noFill/>
+            </p:spPr>
+            <p:txBody>
+              <a:bodyPr wrap="square" rtlCol="0">
+                <a:spAutoFit/>
+              </a:bodyPr>
+              <a:lstStyle/>
+              <a:p>
+                <a:r>
+                  <a:rPr lang="en-US" i="1" dirty="0">
+                    <a:solidFill>
+                      <a:srgbClr val="FF0000"/>
+                    </a:solidFill>
+                  </a:rPr>
+                  <a:t>b</a:t>
+                </a:r>
+              </a:p>
+            </p:txBody>
+          </p:sp>
+        </p:grpSp>
+        <p:sp>
+          <p:nvSpPr>
+            <p:cNvPr id="87" name="TextBox 86">
+              <a:extLst>
+                <a:ext uri="{FF2B5EF4-FFF2-40B4-BE49-F238E27FC236}">
+                  <a16:creationId xmlns:a16="http://schemas.microsoft.com/office/drawing/2014/main" id="{F4769F22-EB39-463E-A3CF-048AB18BCBE9}"/>
+                </a:ext>
+              </a:extLst>
+            </p:cNvPr>
+            <p:cNvSpPr txBox="1"/>
+            <p:nvPr/>
+          </p:nvSpPr>
+          <p:spPr>
+            <a:xfrm>
+              <a:off x="4639167" y="1555259"/>
+              <a:ext cx="385287" cy="338554"/>
+            </a:xfrm>
+            <a:prstGeom prst="rect">
+              <a:avLst/>
+            </a:prstGeom>
+            <a:noFill/>
+          </p:spPr>
+          <p:txBody>
+            <a:bodyPr wrap="square" rtlCol="0">
+              <a:spAutoFit/>
+            </a:bodyPr>
+            <a:lstStyle/>
+            <a:p>
+              <a:r>
+                <a:rPr lang="en-US" sz="1600" i="1" dirty="0">
+                  <a:solidFill>
+                    <a:srgbClr val="FF0000"/>
+                  </a:solidFill>
+                </a:rPr>
+                <a:t>M</a:t>
+              </a:r>
+            </a:p>
+          </p:txBody>
+        </p:sp>
+      </p:grpSp>
+      <p:grpSp>
+        <p:nvGrpSpPr>
+          <p:cNvPr id="95" name="Group 94">
+            <a:extLst>
+              <a:ext uri="{FF2B5EF4-FFF2-40B4-BE49-F238E27FC236}">
+                <a16:creationId xmlns:a16="http://schemas.microsoft.com/office/drawing/2014/main" id="{FF8A3B2B-7D00-4B31-8ECF-023DFAC263F5}"/>
+              </a:ext>
+            </a:extLst>
+          </p:cNvPr>
+          <p:cNvGrpSpPr/>
+          <p:nvPr/>
+        </p:nvGrpSpPr>
+        <p:grpSpPr>
+          <a:xfrm>
+            <a:off x="4452540" y="3276570"/>
+            <a:ext cx="599169" cy="607202"/>
+            <a:chOff x="4425285" y="1555259"/>
+            <a:chExt cx="599169" cy="607202"/>
+          </a:xfrm>
+        </p:grpSpPr>
+        <p:grpSp>
+          <p:nvGrpSpPr>
+            <p:cNvPr id="96" name="Group 95">
+              <a:extLst>
+                <a:ext uri="{FF2B5EF4-FFF2-40B4-BE49-F238E27FC236}">
+                  <a16:creationId xmlns:a16="http://schemas.microsoft.com/office/drawing/2014/main" id="{A473CFC0-3700-4694-B216-22A4701E4F16}"/>
+                </a:ext>
+              </a:extLst>
+            </p:cNvPr>
+            <p:cNvGrpSpPr/>
+            <p:nvPr/>
+          </p:nvGrpSpPr>
+          <p:grpSpPr>
+            <a:xfrm>
+              <a:off x="4425285" y="1608967"/>
+              <a:ext cx="509943" cy="553494"/>
+              <a:chOff x="4425285" y="1608967"/>
+              <a:chExt cx="509943" cy="553494"/>
+            </a:xfrm>
+          </p:grpSpPr>
+          <p:cxnSp>
+            <p:nvCxnSpPr>
+              <p:cNvPr id="104" name="Straight Arrow Connector 103">
+                <a:extLst>
+                  <a:ext uri="{FF2B5EF4-FFF2-40B4-BE49-F238E27FC236}">
+                    <a16:creationId xmlns:a16="http://schemas.microsoft.com/office/drawing/2014/main" id="{A096E501-939D-4929-9B89-C599879295EB}"/>
+                  </a:ext>
+                </a:extLst>
+              </p:cNvPr>
+              <p:cNvCxnSpPr/>
+              <p:nvPr/>
+            </p:nvCxnSpPr>
+            <p:spPr>
+              <a:xfrm flipV="1">
+                <a:off x="4596193" y="2089592"/>
+                <a:ext cx="332860" cy="2649"/>
+              </a:xfrm>
+              <a:prstGeom prst="straightConnector1">
+                <a:avLst/>
+              </a:prstGeom>
+              <a:ln w="25400">
+                <a:tailEnd type="triangle"/>
+              </a:ln>
+            </p:spPr>
+            <p:style>
+              <a:lnRef idx="1">
+                <a:schemeClr val="accent1"/>
+              </a:lnRef>
+              <a:fillRef idx="0">
+                <a:schemeClr val="accent1"/>
+              </a:fillRef>
+              <a:effectRef idx="0">
+                <a:schemeClr val="accent1"/>
+              </a:effectRef>
+              <a:fontRef idx="minor">
+                <a:schemeClr val="tx1"/>
+              </a:fontRef>
+            </p:style>
+          </p:cxnSp>
+          <p:sp>
+            <p:nvSpPr>
+              <p:cNvPr id="109" name="TextBox 108">
+                <a:extLst>
+                  <a:ext uri="{FF2B5EF4-FFF2-40B4-BE49-F238E27FC236}">
+                    <a16:creationId xmlns:a16="http://schemas.microsoft.com/office/drawing/2014/main" id="{8A9DE511-D509-4F90-8A09-1BAF8F305927}"/>
+                  </a:ext>
+                </a:extLst>
+              </p:cNvPr>
+              <p:cNvSpPr txBox="1"/>
+              <p:nvPr/>
+            </p:nvSpPr>
+            <p:spPr>
+              <a:xfrm>
+                <a:off x="4425285" y="1608967"/>
+                <a:ext cx="385287" cy="523220"/>
+              </a:xfrm>
+              <a:prstGeom prst="rect">
+                <a:avLst/>
+              </a:prstGeom>
+              <a:noFill/>
+            </p:spPr>
+            <p:txBody>
+              <a:bodyPr wrap="square" rtlCol="0">
+                <a:spAutoFit/>
+              </a:bodyPr>
+              <a:lstStyle/>
+              <a:p>
+                <a:r>
+                  <a:rPr lang="en-US" sz="2800" i="1" dirty="0">
+                    <a:solidFill>
+                      <a:srgbClr val="FF0000"/>
+                    </a:solidFill>
+                  </a:rPr>
+                  <a:t>T</a:t>
+                </a:r>
+              </a:p>
+            </p:txBody>
+          </p:sp>
+          <p:sp>
+            <p:nvSpPr>
+              <p:cNvPr id="115" name="TextBox 114">
+                <a:extLst>
+                  <a:ext uri="{FF2B5EF4-FFF2-40B4-BE49-F238E27FC236}">
+                    <a16:creationId xmlns:a16="http://schemas.microsoft.com/office/drawing/2014/main" id="{7B00F30E-EBFD-4843-A860-B7688FE88E40}"/>
+                  </a:ext>
+                </a:extLst>
+              </p:cNvPr>
+              <p:cNvSpPr txBox="1"/>
+              <p:nvPr/>
+            </p:nvSpPr>
+            <p:spPr>
+              <a:xfrm>
+                <a:off x="4549941" y="1793129"/>
+                <a:ext cx="385287" cy="369332"/>
+              </a:xfrm>
+              <a:prstGeom prst="rect">
+                <a:avLst/>
+              </a:prstGeom>
+              <a:noFill/>
+            </p:spPr>
+            <p:txBody>
+              <a:bodyPr wrap="square" rtlCol="0">
+                <a:spAutoFit/>
+              </a:bodyPr>
+              <a:lstStyle/>
+              <a:p>
+                <a:r>
+                  <a:rPr lang="en-US" i="1" dirty="0">
+                    <a:solidFill>
+                      <a:srgbClr val="FF0000"/>
+                    </a:solidFill>
+                  </a:rPr>
+                  <a:t>b</a:t>
+                </a:r>
+              </a:p>
+            </p:txBody>
+          </p:sp>
+        </p:grpSp>
+        <p:sp>
+          <p:nvSpPr>
+            <p:cNvPr id="102" name="TextBox 101">
+              <a:extLst>
+                <a:ext uri="{FF2B5EF4-FFF2-40B4-BE49-F238E27FC236}">
+                  <a16:creationId xmlns:a16="http://schemas.microsoft.com/office/drawing/2014/main" id="{22DE14FF-927E-4985-91BA-07EF2FE227BC}"/>
+                </a:ext>
+              </a:extLst>
+            </p:cNvPr>
+            <p:cNvSpPr txBox="1"/>
+            <p:nvPr/>
+          </p:nvSpPr>
+          <p:spPr>
+            <a:xfrm>
+              <a:off x="4639167" y="1555259"/>
+              <a:ext cx="385287" cy="338554"/>
+            </a:xfrm>
+            <a:prstGeom prst="rect">
+              <a:avLst/>
+            </a:prstGeom>
+            <a:noFill/>
+          </p:spPr>
+          <p:txBody>
+            <a:bodyPr wrap="square" rtlCol="0">
+              <a:spAutoFit/>
+            </a:bodyPr>
+            <a:lstStyle/>
+            <a:p>
+              <a:r>
+                <a:rPr lang="en-US" sz="1600" i="1" dirty="0">
+                  <a:solidFill>
+                    <a:srgbClr val="FF0000"/>
+                  </a:solidFill>
+                </a:rPr>
+                <a:t>S</a:t>
+              </a:r>
+            </a:p>
+          </p:txBody>
+        </p:sp>
+      </p:grpSp>
+      <p:grpSp>
+        <p:nvGrpSpPr>
+          <p:cNvPr id="14" name="Group 13">
+            <a:extLst>
+              <a:ext uri="{FF2B5EF4-FFF2-40B4-BE49-F238E27FC236}">
+                <a16:creationId xmlns:a16="http://schemas.microsoft.com/office/drawing/2014/main" id="{30526BB8-9D88-4CCB-B7B4-878B0AB9AB59}"/>
+              </a:ext>
+            </a:extLst>
+          </p:cNvPr>
+          <p:cNvGrpSpPr/>
+          <p:nvPr/>
+        </p:nvGrpSpPr>
+        <p:grpSpPr>
+          <a:xfrm>
+            <a:off x="6785381" y="1549921"/>
+            <a:ext cx="599169" cy="607202"/>
+            <a:chOff x="6313108" y="4870309"/>
+            <a:chExt cx="599169" cy="607202"/>
+          </a:xfrm>
+        </p:grpSpPr>
+        <p:sp>
+          <p:nvSpPr>
+            <p:cNvPr id="127" name="TextBox 126">
+              <a:extLst>
+                <a:ext uri="{FF2B5EF4-FFF2-40B4-BE49-F238E27FC236}">
+                  <a16:creationId xmlns:a16="http://schemas.microsoft.com/office/drawing/2014/main" id="{5C868088-4370-4DF3-A707-C42FF48DB954}"/>
+                </a:ext>
+              </a:extLst>
+            </p:cNvPr>
+            <p:cNvSpPr txBox="1"/>
+            <p:nvPr/>
+          </p:nvSpPr>
+          <p:spPr>
+            <a:xfrm>
+              <a:off x="6313108" y="4924017"/>
+              <a:ext cx="385287" cy="523220"/>
+            </a:xfrm>
+            <a:prstGeom prst="rect">
+              <a:avLst/>
+            </a:prstGeom>
+            <a:noFill/>
+          </p:spPr>
+          <p:txBody>
+            <a:bodyPr wrap="square" rtlCol="0">
+              <a:spAutoFit/>
+            </a:bodyPr>
+            <a:lstStyle/>
+            <a:p>
+              <a:r>
+                <a:rPr lang="en-US" sz="2800" i="1" dirty="0">
+                  <a:solidFill>
+                    <a:schemeClr val="accent6">
+                      <a:lumMod val="75000"/>
+                    </a:schemeClr>
+                  </a:solidFill>
+                </a:rPr>
+                <a:t>T</a:t>
+              </a:r>
+            </a:p>
+          </p:txBody>
+        </p:sp>
+        <p:sp>
+          <p:nvSpPr>
+            <p:cNvPr id="128" name="TextBox 127">
+              <a:extLst>
+                <a:ext uri="{FF2B5EF4-FFF2-40B4-BE49-F238E27FC236}">
+                  <a16:creationId xmlns:a16="http://schemas.microsoft.com/office/drawing/2014/main" id="{DBC469B2-76EA-44C3-A1B2-6086873358CC}"/>
+                </a:ext>
+              </a:extLst>
+            </p:cNvPr>
+            <p:cNvSpPr txBox="1"/>
+            <p:nvPr/>
+          </p:nvSpPr>
+          <p:spPr>
+            <a:xfrm>
+              <a:off x="6437764" y="5108179"/>
+              <a:ext cx="385287" cy="369332"/>
+            </a:xfrm>
+            <a:prstGeom prst="rect">
+              <a:avLst/>
+            </a:prstGeom>
+            <a:noFill/>
+          </p:spPr>
+          <p:txBody>
+            <a:bodyPr wrap="square" rtlCol="0">
+              <a:spAutoFit/>
+            </a:bodyPr>
+            <a:lstStyle/>
+            <a:p>
+              <a:r>
+                <a:rPr lang="en-US" i="1" dirty="0">
+                  <a:solidFill>
+                    <a:schemeClr val="accent6">
+                      <a:lumMod val="75000"/>
+                    </a:schemeClr>
+                  </a:solidFill>
+                </a:rPr>
+                <a:t>f</a:t>
+              </a:r>
+            </a:p>
+          </p:txBody>
+        </p:sp>
+        <p:sp>
+          <p:nvSpPr>
+            <p:cNvPr id="125" name="TextBox 124">
+              <a:extLst>
+                <a:ext uri="{FF2B5EF4-FFF2-40B4-BE49-F238E27FC236}">
+                  <a16:creationId xmlns:a16="http://schemas.microsoft.com/office/drawing/2014/main" id="{71F17790-6C6E-4208-871E-92DC0A7331A4}"/>
+                </a:ext>
+              </a:extLst>
+            </p:cNvPr>
+            <p:cNvSpPr txBox="1"/>
+            <p:nvPr/>
+          </p:nvSpPr>
+          <p:spPr>
+            <a:xfrm>
+              <a:off x="6526990" y="4870309"/>
+              <a:ext cx="385287" cy="338554"/>
+            </a:xfrm>
+            <a:prstGeom prst="rect">
+              <a:avLst/>
+            </a:prstGeom>
+            <a:noFill/>
+          </p:spPr>
+          <p:txBody>
+            <a:bodyPr wrap="square" rtlCol="0">
+              <a:spAutoFit/>
+            </a:bodyPr>
+            <a:lstStyle/>
+            <a:p>
+              <a:r>
+                <a:rPr lang="en-US" sz="1600" i="1" dirty="0">
+                  <a:solidFill>
+                    <a:schemeClr val="accent6">
+                      <a:lumMod val="75000"/>
+                    </a:schemeClr>
+                  </a:solidFill>
+                </a:rPr>
+                <a:t>M</a:t>
+              </a:r>
+            </a:p>
+          </p:txBody>
+        </p:sp>
+      </p:grpSp>
+      <p:grpSp>
+        <p:nvGrpSpPr>
+          <p:cNvPr id="129" name="Group 128">
+            <a:extLst>
+              <a:ext uri="{FF2B5EF4-FFF2-40B4-BE49-F238E27FC236}">
+                <a16:creationId xmlns:a16="http://schemas.microsoft.com/office/drawing/2014/main" id="{B932FD4E-3DE0-4E27-AD36-AACF9704580C}"/>
+              </a:ext>
+            </a:extLst>
+          </p:cNvPr>
+          <p:cNvGrpSpPr/>
+          <p:nvPr/>
+        </p:nvGrpSpPr>
+        <p:grpSpPr>
+          <a:xfrm>
+            <a:off x="6833195" y="3218127"/>
+            <a:ext cx="599169" cy="607202"/>
+            <a:chOff x="6313108" y="4870309"/>
+            <a:chExt cx="599169" cy="607202"/>
+          </a:xfrm>
+        </p:grpSpPr>
+        <p:sp>
+          <p:nvSpPr>
+            <p:cNvPr id="130" name="TextBox 129">
+              <a:extLst>
+                <a:ext uri="{FF2B5EF4-FFF2-40B4-BE49-F238E27FC236}">
+                  <a16:creationId xmlns:a16="http://schemas.microsoft.com/office/drawing/2014/main" id="{5167123D-4984-4B73-A37B-7B089BC81094}"/>
+                </a:ext>
+              </a:extLst>
+            </p:cNvPr>
+            <p:cNvSpPr txBox="1"/>
+            <p:nvPr/>
+          </p:nvSpPr>
+          <p:spPr>
+            <a:xfrm>
+              <a:off x="6313108" y="4924017"/>
+              <a:ext cx="385287" cy="523220"/>
+            </a:xfrm>
+            <a:prstGeom prst="rect">
+              <a:avLst/>
+            </a:prstGeom>
+            <a:noFill/>
+          </p:spPr>
+          <p:txBody>
+            <a:bodyPr wrap="square" rtlCol="0">
+              <a:spAutoFit/>
+            </a:bodyPr>
+            <a:lstStyle/>
+            <a:p>
+              <a:r>
+                <a:rPr lang="en-US" sz="2800" i="1" dirty="0">
+                  <a:solidFill>
+                    <a:schemeClr val="accent6">
+                      <a:lumMod val="75000"/>
+                    </a:schemeClr>
+                  </a:solidFill>
+                </a:rPr>
+                <a:t>T</a:t>
+              </a:r>
+            </a:p>
+          </p:txBody>
+        </p:sp>
+        <p:sp>
+          <p:nvSpPr>
+            <p:cNvPr id="131" name="TextBox 130">
+              <a:extLst>
+                <a:ext uri="{FF2B5EF4-FFF2-40B4-BE49-F238E27FC236}">
+                  <a16:creationId xmlns:a16="http://schemas.microsoft.com/office/drawing/2014/main" id="{B26FFA9C-737C-40FE-92D5-E2B138A5C246}"/>
+                </a:ext>
+              </a:extLst>
+            </p:cNvPr>
+            <p:cNvSpPr txBox="1"/>
+            <p:nvPr/>
+          </p:nvSpPr>
+          <p:spPr>
+            <a:xfrm>
+              <a:off x="6437764" y="5108179"/>
+              <a:ext cx="385287" cy="369332"/>
+            </a:xfrm>
+            <a:prstGeom prst="rect">
+              <a:avLst/>
+            </a:prstGeom>
+            <a:noFill/>
+          </p:spPr>
+          <p:txBody>
+            <a:bodyPr wrap="square" rtlCol="0">
+              <a:spAutoFit/>
+            </a:bodyPr>
+            <a:lstStyle/>
+            <a:p>
+              <a:r>
+                <a:rPr lang="en-US" i="1" dirty="0">
+                  <a:solidFill>
+                    <a:schemeClr val="accent6">
+                      <a:lumMod val="75000"/>
+                    </a:schemeClr>
+                  </a:solidFill>
+                </a:rPr>
+                <a:t>f</a:t>
+              </a:r>
+            </a:p>
+          </p:txBody>
+        </p:sp>
+        <p:sp>
+          <p:nvSpPr>
+            <p:cNvPr id="132" name="TextBox 131">
+              <a:extLst>
+                <a:ext uri="{FF2B5EF4-FFF2-40B4-BE49-F238E27FC236}">
+                  <a16:creationId xmlns:a16="http://schemas.microsoft.com/office/drawing/2014/main" id="{662BF814-E6D1-4964-8ACF-E20C301810F8}"/>
+                </a:ext>
+              </a:extLst>
+            </p:cNvPr>
+            <p:cNvSpPr txBox="1"/>
+            <p:nvPr/>
+          </p:nvSpPr>
+          <p:spPr>
+            <a:xfrm>
+              <a:off x="6526990" y="4870309"/>
+              <a:ext cx="385287" cy="338554"/>
+            </a:xfrm>
+            <a:prstGeom prst="rect">
+              <a:avLst/>
+            </a:prstGeom>
+            <a:noFill/>
+          </p:spPr>
+          <p:txBody>
+            <a:bodyPr wrap="square" rtlCol="0">
+              <a:spAutoFit/>
+            </a:bodyPr>
+            <a:lstStyle/>
+            <a:p>
+              <a:r>
+                <a:rPr lang="en-US" sz="1600" i="1" dirty="0">
+                  <a:solidFill>
+                    <a:schemeClr val="accent6">
+                      <a:lumMod val="75000"/>
+                    </a:schemeClr>
+                  </a:solidFill>
+                </a:rPr>
+                <a:t>S</a:t>
+              </a:r>
+            </a:p>
+          </p:txBody>
+        </p:sp>
+      </p:grpSp>
+    </p:spTree>
+    <p:extLst>
+      <p:ext uri="{BB962C8B-B14F-4D97-AF65-F5344CB8AC3E}">
+        <p14:creationId xmlns:p14="http://schemas.microsoft.com/office/powerpoint/2010/main" val="3256241941"/>
+      </p:ext>
+    </p:extLst>
+  </p:cSld>
+  <p:clrMapOvr>
+    <a:masterClrMapping/>
+  </p:clrMapOvr>
+</p:sld>
+</file>
+
+<file path=ppt/slides/slide14.xml><?xml version="1.0" encoding="utf-8"?>
+<p:sld xmlns:a="http://schemas.openxmlformats.org/drawingml/2006/main" xmlns:r="http://schemas.openxmlformats.org/officeDocument/2006/relationships" xmlns:p="http://schemas.openxmlformats.org/presentationml/2006/main">
+  <p:cSld>
+    <p:spTree>
+      <p:nvGrpSpPr>
+        <p:cNvPr id="1" name=""/>
+        <p:cNvGrpSpPr/>
+        <p:nvPr/>
+      </p:nvGrpSpPr>
+      <p:grpSpPr>
+        <a:xfrm>
+          <a:off x="0" y="0"/>
+          <a:ext cx="0" cy="0"/>
+          <a:chOff x="0" y="0"/>
+          <a:chExt cx="0" cy="0"/>
+        </a:xfrm>
+      </p:grpSpPr>
+      <p:grpSp>
+        <p:nvGrpSpPr>
+          <p:cNvPr id="29" name="Group 28">
+            <a:extLst>
+              <a:ext uri="{FF2B5EF4-FFF2-40B4-BE49-F238E27FC236}">
+                <a16:creationId xmlns:a16="http://schemas.microsoft.com/office/drawing/2014/main" id="{00F08641-F49B-47B4-B126-2031C5D20321}"/>
+              </a:ext>
+            </a:extLst>
+          </p:cNvPr>
+          <p:cNvGrpSpPr/>
+          <p:nvPr/>
+        </p:nvGrpSpPr>
+        <p:grpSpPr>
+          <a:xfrm>
+            <a:off x="3553528" y="3256980"/>
+            <a:ext cx="939800" cy="697706"/>
+            <a:chOff x="3473450" y="1362075"/>
+            <a:chExt cx="939800" cy="697706"/>
+          </a:xfrm>
+        </p:grpSpPr>
+        <p:sp>
+          <p:nvSpPr>
+            <p:cNvPr id="30" name="Oval 29">
+              <a:extLst>
+                <a:ext uri="{FF2B5EF4-FFF2-40B4-BE49-F238E27FC236}">
+                  <a16:creationId xmlns:a16="http://schemas.microsoft.com/office/drawing/2014/main" id="{EEF954A3-9480-4CA0-B4FC-159685D64AE4}"/>
+                </a:ext>
+              </a:extLst>
+            </p:cNvPr>
+            <p:cNvSpPr/>
+            <p:nvPr/>
+          </p:nvSpPr>
+          <p:spPr>
+            <a:xfrm>
+              <a:off x="3841750" y="1362075"/>
+              <a:ext cx="190500" cy="190500"/>
+            </a:xfrm>
+            <a:prstGeom prst="ellipse">
+              <a:avLst/>
+            </a:prstGeom>
+            <a:solidFill>
+              <a:srgbClr val="FFC000"/>
+            </a:solidFill>
+            <a:ln>
+              <a:solidFill>
+                <a:schemeClr val="accent6">
+                  <a:lumMod val="75000"/>
+                </a:schemeClr>
+              </a:solidFill>
+            </a:ln>
+          </p:spPr>
+          <p:style>
+            <a:lnRef idx="2">
+              <a:schemeClr val="accent1">
+                <a:shade val="50000"/>
+              </a:schemeClr>
+            </a:lnRef>
+            <a:fillRef idx="1">
+              <a:schemeClr val="accent1"/>
+            </a:fillRef>
+            <a:effectRef idx="0">
+              <a:schemeClr val="accent1"/>
+            </a:effectRef>
+            <a:fontRef idx="minor">
+              <a:schemeClr val="lt1"/>
+            </a:fontRef>
+          </p:style>
+          <p:txBody>
+            <a:bodyPr rtlCol="0" anchor="ctr"/>
+            <a:lstStyle/>
+            <a:p>
+              <a:pPr algn="ctr"/>
+              <a:endParaRPr lang="en-US"/>
+            </a:p>
+          </p:txBody>
+        </p:sp>
+        <p:sp>
+          <p:nvSpPr>
+            <p:cNvPr id="31" name="Oval 30">
+              <a:extLst>
+                <a:ext uri="{FF2B5EF4-FFF2-40B4-BE49-F238E27FC236}">
+                  <a16:creationId xmlns:a16="http://schemas.microsoft.com/office/drawing/2014/main" id="{58A1E0DF-95CB-4330-9C77-3EF88213FAAB}"/>
+                </a:ext>
+              </a:extLst>
+            </p:cNvPr>
+            <p:cNvSpPr/>
+            <p:nvPr/>
+          </p:nvSpPr>
+          <p:spPr>
+            <a:xfrm>
+              <a:off x="3473450" y="1869281"/>
+              <a:ext cx="190500" cy="190500"/>
+            </a:xfrm>
+            <a:prstGeom prst="ellipse">
+              <a:avLst/>
+            </a:prstGeom>
+            <a:solidFill>
+              <a:schemeClr val="accent6">
+                <a:lumMod val="40000"/>
+                <a:lumOff val="60000"/>
+              </a:schemeClr>
+            </a:solidFill>
+            <a:ln>
+              <a:solidFill>
+                <a:schemeClr val="accent6">
+                  <a:lumMod val="75000"/>
+                </a:schemeClr>
+              </a:solidFill>
+            </a:ln>
+          </p:spPr>
+          <p:style>
+            <a:lnRef idx="2">
+              <a:schemeClr val="accent1">
+                <a:shade val="50000"/>
+              </a:schemeClr>
+            </a:lnRef>
+            <a:fillRef idx="1">
+              <a:schemeClr val="accent1"/>
+            </a:fillRef>
+            <a:effectRef idx="0">
+              <a:schemeClr val="accent1"/>
+            </a:effectRef>
+            <a:fontRef idx="minor">
+              <a:schemeClr val="lt1"/>
+            </a:fontRef>
+          </p:style>
+          <p:txBody>
+            <a:bodyPr rtlCol="0" anchor="ctr"/>
+            <a:lstStyle/>
+            <a:p>
+              <a:pPr algn="ctr"/>
+              <a:endParaRPr lang="en-US"/>
+            </a:p>
+          </p:txBody>
+        </p:sp>
+        <p:sp>
+          <p:nvSpPr>
+            <p:cNvPr id="32" name="Oval 31">
+              <a:extLst>
+                <a:ext uri="{FF2B5EF4-FFF2-40B4-BE49-F238E27FC236}">
+                  <a16:creationId xmlns:a16="http://schemas.microsoft.com/office/drawing/2014/main" id="{0DDD9695-12DF-43C3-ADB3-499688F71623}"/>
+                </a:ext>
+              </a:extLst>
+            </p:cNvPr>
+            <p:cNvSpPr/>
+            <p:nvPr/>
+          </p:nvSpPr>
+          <p:spPr>
+            <a:xfrm>
+              <a:off x="4222750" y="1869281"/>
+              <a:ext cx="190500" cy="190500"/>
+            </a:xfrm>
+            <a:prstGeom prst="ellipse">
+              <a:avLst/>
+            </a:prstGeom>
+            <a:solidFill>
+              <a:srgbClr val="FFC000"/>
+            </a:solidFill>
+            <a:ln>
+              <a:solidFill>
+                <a:schemeClr val="accent6">
+                  <a:lumMod val="75000"/>
+                </a:schemeClr>
+              </a:solidFill>
+            </a:ln>
+          </p:spPr>
+          <p:style>
+            <a:lnRef idx="2">
+              <a:schemeClr val="accent1">
+                <a:shade val="50000"/>
+              </a:schemeClr>
+            </a:lnRef>
+            <a:fillRef idx="1">
+              <a:schemeClr val="accent1"/>
+            </a:fillRef>
+            <a:effectRef idx="0">
+              <a:schemeClr val="accent1"/>
+            </a:effectRef>
+            <a:fontRef idx="minor">
+              <a:schemeClr val="lt1"/>
+            </a:fontRef>
+          </p:style>
+          <p:txBody>
+            <a:bodyPr rtlCol="0" anchor="ctr"/>
+            <a:lstStyle/>
+            <a:p>
+              <a:pPr algn="ctr"/>
+              <a:endParaRPr lang="en-US"/>
+            </a:p>
+          </p:txBody>
+        </p:sp>
+        <p:cxnSp>
+          <p:nvCxnSpPr>
+            <p:cNvPr id="35" name="Straight Arrow Connector 34">
+              <a:extLst>
+                <a:ext uri="{FF2B5EF4-FFF2-40B4-BE49-F238E27FC236}">
+                  <a16:creationId xmlns:a16="http://schemas.microsoft.com/office/drawing/2014/main" id="{AF5B46F4-4D19-4BD5-A143-52DB9798FBFC}"/>
+                </a:ext>
+              </a:extLst>
+            </p:cNvPr>
+            <p:cNvCxnSpPr>
+              <a:stCxn id="30" idx="3"/>
+              <a:endCxn id="31" idx="6"/>
+            </p:cNvCxnSpPr>
+            <p:nvPr/>
+          </p:nvCxnSpPr>
+          <p:spPr>
+            <a:xfrm flipH="1">
+              <a:off x="3636052" y="1524677"/>
+              <a:ext cx="233596" cy="372502"/>
+            </a:xfrm>
+            <a:prstGeom prst="straightConnector1">
+              <a:avLst/>
+            </a:prstGeom>
+            <a:ln w="25400">
+              <a:tailEnd type="triangle"/>
+            </a:ln>
+          </p:spPr>
+          <p:style>
+            <a:lnRef idx="1">
+              <a:schemeClr val="accent1"/>
+            </a:lnRef>
+            <a:fillRef idx="0">
+              <a:schemeClr val="accent1"/>
+            </a:fillRef>
+            <a:effectRef idx="0">
+              <a:schemeClr val="accent1"/>
+            </a:effectRef>
+            <a:fontRef idx="minor">
+              <a:schemeClr val="tx1"/>
+            </a:fontRef>
+          </p:style>
+        </p:cxnSp>
+        <p:cxnSp>
+          <p:nvCxnSpPr>
+            <p:cNvPr id="36" name="Straight Arrow Connector 35">
+              <a:extLst>
+                <a:ext uri="{FF2B5EF4-FFF2-40B4-BE49-F238E27FC236}">
+                  <a16:creationId xmlns:a16="http://schemas.microsoft.com/office/drawing/2014/main" id="{78FBCFC5-9FC6-4F19-A292-7BFFE2AAACC7}"/>
+                </a:ext>
+              </a:extLst>
+            </p:cNvPr>
+            <p:cNvCxnSpPr>
+              <a:cxnSpLocks/>
+              <a:stCxn id="30" idx="5"/>
+              <a:endCxn id="32" idx="1"/>
+            </p:cNvCxnSpPr>
+            <p:nvPr/>
+          </p:nvCxnSpPr>
+          <p:spPr>
+            <a:xfrm>
+              <a:off x="4004352" y="1524677"/>
+              <a:ext cx="246296" cy="372502"/>
+            </a:xfrm>
+            <a:prstGeom prst="straightConnector1">
+              <a:avLst/>
+            </a:prstGeom>
+            <a:ln w="25400">
+              <a:solidFill>
+                <a:srgbClr val="FF0000"/>
+              </a:solidFill>
+              <a:tailEnd type="triangle"/>
+            </a:ln>
+          </p:spPr>
+          <p:style>
+            <a:lnRef idx="1">
+              <a:schemeClr val="accent1"/>
+            </a:lnRef>
+            <a:fillRef idx="0">
+              <a:schemeClr val="accent1"/>
+            </a:fillRef>
+            <a:effectRef idx="0">
+              <a:schemeClr val="accent1"/>
+            </a:effectRef>
+            <a:fontRef idx="minor">
+              <a:schemeClr val="tx1"/>
+            </a:fontRef>
+          </p:style>
+        </p:cxnSp>
+      </p:grpSp>
+      <p:sp>
+        <p:nvSpPr>
+          <p:cNvPr id="40" name="TextBox 39">
+            <a:extLst>
+              <a:ext uri="{FF2B5EF4-FFF2-40B4-BE49-F238E27FC236}">
+                <a16:creationId xmlns:a16="http://schemas.microsoft.com/office/drawing/2014/main" id="{7281DC49-955F-4674-8199-971A898A330D}"/>
+              </a:ext>
+            </a:extLst>
+          </p:cNvPr>
+          <p:cNvSpPr txBox="1"/>
+          <p:nvPr/>
+        </p:nvSpPr>
+        <p:spPr>
+          <a:xfrm>
+            <a:off x="3428592" y="4017821"/>
+            <a:ext cx="794298" cy="369332"/>
+          </a:xfrm>
+          <a:prstGeom prst="rect">
+            <a:avLst/>
+          </a:prstGeom>
+          <a:noFill/>
+          <a:ln>
+            <a:solidFill>
+              <a:schemeClr val="tx1"/>
+            </a:solidFill>
+          </a:ln>
+        </p:spPr>
+        <p:txBody>
+          <a:bodyPr wrap="square" rtlCol="0">
+            <a:spAutoFit/>
+          </a:bodyPr>
+          <a:lstStyle/>
+          <a:p>
+            <a:r>
+              <a:rPr lang="en-US" dirty="0"/>
+              <a:t>Buggy</a:t>
+            </a:r>
+          </a:p>
+        </p:txBody>
+      </p:sp>
+      <p:sp>
+        <p:nvSpPr>
+          <p:cNvPr id="27" name="Rectangle: Rounded Corners 26">
+            <a:extLst>
+              <a:ext uri="{FF2B5EF4-FFF2-40B4-BE49-F238E27FC236}">
+                <a16:creationId xmlns:a16="http://schemas.microsoft.com/office/drawing/2014/main" id="{8B88DDE6-293D-4F1C-BA48-7E0B585C5C6C}"/>
+              </a:ext>
+            </a:extLst>
+          </p:cNvPr>
+          <p:cNvSpPr/>
+          <p:nvPr/>
+        </p:nvSpPr>
+        <p:spPr>
+          <a:xfrm>
+            <a:off x="4926756" y="1720371"/>
+            <a:ext cx="1912032" cy="802049"/>
+          </a:xfrm>
+          <a:prstGeom prst="roundRect">
+            <a:avLst/>
+          </a:prstGeom>
+          <a:solidFill>
+            <a:schemeClr val="accent2">
+              <a:lumMod val="20000"/>
+              <a:lumOff val="80000"/>
+            </a:schemeClr>
+          </a:solidFill>
+          <a:ln w="25400">
+            <a:solidFill>
+              <a:schemeClr val="accent2">
+                <a:lumMod val="75000"/>
+              </a:schemeClr>
+            </a:solidFill>
+          </a:ln>
+        </p:spPr>
+        <p:style>
+          <a:lnRef idx="2">
+            <a:schemeClr val="accent1">
+              <a:shade val="50000"/>
+            </a:schemeClr>
+          </a:lnRef>
+          <a:fillRef idx="1">
+            <a:schemeClr val="accent1"/>
+          </a:fillRef>
+          <a:effectRef idx="0">
+            <a:schemeClr val="accent1"/>
+          </a:effectRef>
+          <a:fontRef idx="minor">
+            <a:schemeClr val="lt1"/>
+          </a:fontRef>
+        </p:style>
+        <p:txBody>
+          <a:bodyPr rtlCol="0" anchor="ctr"/>
+          <a:lstStyle/>
+          <a:p>
+            <a:pPr algn="ctr"/>
+            <a:r>
+              <a:rPr lang="en-US" dirty="0">
+                <a:solidFill>
+                  <a:schemeClr val="tx1"/>
+                </a:solidFill>
+              </a:rPr>
+              <a:t>Tree-based Context Learning</a:t>
+            </a:r>
+          </a:p>
+        </p:txBody>
+      </p:sp>
+      <p:sp>
+        <p:nvSpPr>
+          <p:cNvPr id="42" name="Rectangle: Rounded Corners 41">
+            <a:extLst>
+              <a:ext uri="{FF2B5EF4-FFF2-40B4-BE49-F238E27FC236}">
+                <a16:creationId xmlns:a16="http://schemas.microsoft.com/office/drawing/2014/main" id="{C61147BF-A6E9-423A-BBD5-EBB5D1B3AAC6}"/>
+              </a:ext>
+            </a:extLst>
+          </p:cNvPr>
+          <p:cNvSpPr/>
+          <p:nvPr/>
+        </p:nvSpPr>
+        <p:spPr>
+          <a:xfrm>
+            <a:off x="4926755" y="3386232"/>
+            <a:ext cx="1909735" cy="776767"/>
+          </a:xfrm>
+          <a:prstGeom prst="roundRect">
+            <a:avLst/>
+          </a:prstGeom>
+          <a:solidFill>
+            <a:schemeClr val="accent2">
+              <a:lumMod val="20000"/>
+              <a:lumOff val="80000"/>
+            </a:schemeClr>
+          </a:solidFill>
+          <a:ln w="25400">
+            <a:solidFill>
+              <a:schemeClr val="accent2">
+                <a:lumMod val="75000"/>
+              </a:schemeClr>
+            </a:solidFill>
+          </a:ln>
+        </p:spPr>
+        <p:style>
+          <a:lnRef idx="2">
+            <a:schemeClr val="accent1">
+              <a:shade val="50000"/>
+            </a:schemeClr>
+          </a:lnRef>
+          <a:fillRef idx="1">
+            <a:schemeClr val="accent1"/>
+          </a:fillRef>
+          <a:effectRef idx="0">
+            <a:schemeClr val="accent1"/>
+          </a:effectRef>
+          <a:fontRef idx="minor">
+            <a:schemeClr val="lt1"/>
+          </a:fontRef>
+        </p:style>
+        <p:txBody>
+          <a:bodyPr rtlCol="0" anchor="ctr"/>
+          <a:lstStyle/>
+          <a:p>
+            <a:pPr algn="ctr"/>
+            <a:r>
+              <a:rPr lang="en-US" dirty="0">
+                <a:solidFill>
+                  <a:schemeClr val="tx1"/>
+                </a:solidFill>
+              </a:rPr>
+              <a:t>Tree-based Transformation Learning</a:t>
+            </a:r>
+          </a:p>
+        </p:txBody>
+      </p:sp>
+      <p:sp>
+        <p:nvSpPr>
+          <p:cNvPr id="43" name="Rectangle: Rounded Corners 42">
+            <a:extLst>
+              <a:ext uri="{FF2B5EF4-FFF2-40B4-BE49-F238E27FC236}">
+                <a16:creationId xmlns:a16="http://schemas.microsoft.com/office/drawing/2014/main" id="{5DAA0177-339C-495D-8153-6541C884CD2D}"/>
+              </a:ext>
+            </a:extLst>
+          </p:cNvPr>
+          <p:cNvSpPr/>
+          <p:nvPr/>
+        </p:nvSpPr>
+        <p:spPr>
+          <a:xfrm>
+            <a:off x="5044572" y="2794089"/>
+            <a:ext cx="1676400" cy="291245"/>
+          </a:xfrm>
+          <a:prstGeom prst="roundRect">
+            <a:avLst/>
+          </a:prstGeom>
+          <a:solidFill>
+            <a:schemeClr val="accent2">
+              <a:lumMod val="20000"/>
+              <a:lumOff val="80000"/>
+            </a:schemeClr>
+          </a:solidFill>
+          <a:ln w="25400">
+            <a:solidFill>
+              <a:schemeClr val="accent2">
+                <a:lumMod val="75000"/>
+              </a:schemeClr>
+            </a:solidFill>
+          </a:ln>
+        </p:spPr>
+        <p:style>
+          <a:lnRef idx="2">
+            <a:schemeClr val="accent1">
+              <a:shade val="50000"/>
+            </a:schemeClr>
+          </a:lnRef>
+          <a:fillRef idx="1">
+            <a:schemeClr val="accent1"/>
+          </a:fillRef>
+          <a:effectRef idx="0">
+            <a:schemeClr val="accent1"/>
+          </a:effectRef>
+          <a:fontRef idx="minor">
+            <a:schemeClr val="lt1"/>
+          </a:fontRef>
+        </p:style>
+        <p:txBody>
+          <a:bodyPr rtlCol="0" anchor="ctr"/>
+          <a:lstStyle/>
+          <a:p>
+            <a:pPr algn="ctr"/>
+            <a:r>
+              <a:rPr lang="en-US" dirty="0">
+                <a:solidFill>
+                  <a:schemeClr val="tx1"/>
+                </a:solidFill>
+              </a:rPr>
+              <a:t>Joint Training</a:t>
+            </a:r>
+          </a:p>
+        </p:txBody>
+      </p:sp>
+      <p:cxnSp>
+        <p:nvCxnSpPr>
+          <p:cNvPr id="78" name="Straight Arrow Connector 77">
+            <a:extLst>
+              <a:ext uri="{FF2B5EF4-FFF2-40B4-BE49-F238E27FC236}">
+                <a16:creationId xmlns:a16="http://schemas.microsoft.com/office/drawing/2014/main" id="{AC8674C8-FC1F-4CF8-8F79-89EE6085AB9F}"/>
+              </a:ext>
+            </a:extLst>
+          </p:cNvPr>
+          <p:cNvCxnSpPr>
+            <a:cxnSpLocks/>
+          </p:cNvCxnSpPr>
+          <p:nvPr/>
+        </p:nvCxnSpPr>
+        <p:spPr>
+          <a:xfrm flipH="1">
+            <a:off x="6836490" y="3774614"/>
+            <a:ext cx="368300" cy="1"/>
+          </a:xfrm>
+          <a:prstGeom prst="straightConnector1">
+            <a:avLst/>
+          </a:prstGeom>
+          <a:ln w="25400">
+            <a:tailEnd type="triangle"/>
+          </a:ln>
+        </p:spPr>
+        <p:style>
+          <a:lnRef idx="1">
+            <a:schemeClr val="accent1"/>
+          </a:lnRef>
+          <a:fillRef idx="0">
+            <a:schemeClr val="accent1"/>
+          </a:fillRef>
+          <a:effectRef idx="0">
+            <a:schemeClr val="accent1"/>
+          </a:effectRef>
+          <a:fontRef idx="minor">
+            <a:schemeClr val="tx1"/>
+          </a:fontRef>
+        </p:style>
+      </p:cxnSp>
+      <p:cxnSp>
+        <p:nvCxnSpPr>
+          <p:cNvPr id="91" name="Straight Arrow Connector 90">
+            <a:extLst>
+              <a:ext uri="{FF2B5EF4-FFF2-40B4-BE49-F238E27FC236}">
+                <a16:creationId xmlns:a16="http://schemas.microsoft.com/office/drawing/2014/main" id="{4711F1A2-0517-44EA-BC94-3B2EFD35FA99}"/>
+              </a:ext>
+            </a:extLst>
+          </p:cNvPr>
+          <p:cNvCxnSpPr>
+            <a:cxnSpLocks/>
+            <a:stCxn id="27" idx="2"/>
+            <a:endCxn id="43" idx="0"/>
+          </p:cNvCxnSpPr>
+          <p:nvPr/>
+        </p:nvCxnSpPr>
+        <p:spPr>
+          <a:xfrm>
+            <a:off x="5882772" y="2522420"/>
+            <a:ext cx="0" cy="271669"/>
+          </a:xfrm>
+          <a:prstGeom prst="straightConnector1">
+            <a:avLst/>
+          </a:prstGeom>
+          <a:ln w="25400">
+            <a:headEnd type="triangle"/>
+            <a:tailEnd type="triangle"/>
+          </a:ln>
+        </p:spPr>
+        <p:style>
+          <a:lnRef idx="1">
+            <a:schemeClr val="accent1"/>
+          </a:lnRef>
+          <a:fillRef idx="0">
+            <a:schemeClr val="accent1"/>
+          </a:fillRef>
+          <a:effectRef idx="0">
+            <a:schemeClr val="accent1"/>
+          </a:effectRef>
+          <a:fontRef idx="minor">
+            <a:schemeClr val="tx1"/>
+          </a:fontRef>
+        </p:style>
+      </p:cxnSp>
+      <p:cxnSp>
+        <p:nvCxnSpPr>
+          <p:cNvPr id="94" name="Straight Arrow Connector 93">
+            <a:extLst>
+              <a:ext uri="{FF2B5EF4-FFF2-40B4-BE49-F238E27FC236}">
+                <a16:creationId xmlns:a16="http://schemas.microsoft.com/office/drawing/2014/main" id="{5756A5B5-A2B2-43E3-AA1A-CB7E355B869F}"/>
+              </a:ext>
+            </a:extLst>
+          </p:cNvPr>
+          <p:cNvCxnSpPr>
+            <a:cxnSpLocks/>
+            <a:stCxn id="43" idx="2"/>
+            <a:endCxn id="42" idx="0"/>
+          </p:cNvCxnSpPr>
+          <p:nvPr/>
+        </p:nvCxnSpPr>
+        <p:spPr>
+          <a:xfrm flipH="1">
+            <a:off x="5881623" y="3085334"/>
+            <a:ext cx="1149" cy="300898"/>
+          </a:xfrm>
+          <a:prstGeom prst="straightConnector1">
+            <a:avLst/>
+          </a:prstGeom>
+          <a:ln w="25400">
+            <a:headEnd type="triangle"/>
+            <a:tailEnd type="triangle"/>
+          </a:ln>
+        </p:spPr>
+        <p:style>
+          <a:lnRef idx="1">
+            <a:schemeClr val="accent1"/>
+          </a:lnRef>
+          <a:fillRef idx="0">
+            <a:schemeClr val="accent1"/>
+          </a:fillRef>
+          <a:effectRef idx="0">
+            <a:schemeClr val="accent1"/>
+          </a:effectRef>
+          <a:fontRef idx="minor">
+            <a:schemeClr val="tx1"/>
+          </a:fontRef>
+        </p:style>
+      </p:cxnSp>
+      <p:pic>
+        <p:nvPicPr>
+          <p:cNvPr id="1026" name="Picture 2" descr="File icon PNG, ICO or ICNS | Free vector icons">
+            <a:extLst>
+              <a:ext uri="{FF2B5EF4-FFF2-40B4-BE49-F238E27FC236}">
+                <a16:creationId xmlns:a16="http://schemas.microsoft.com/office/drawing/2014/main" id="{AB7F84EE-974E-440C-8CE3-95AB0255AB37}"/>
+              </a:ext>
+            </a:extLst>
+          </p:cNvPr>
+          <p:cNvPicPr>
+            <a:picLocks noChangeAspect="1" noChangeArrowheads="1"/>
+          </p:cNvPicPr>
+          <p:nvPr/>
+        </p:nvPicPr>
+        <p:blipFill>
+          <a:blip r:embed="rId2">
+            <a:extLst>
+              <a:ext uri="{28A0092B-C50C-407E-A947-70E740481C1C}">
+                <a14:useLocalDpi xmlns:a14="http://schemas.microsoft.com/office/drawing/2010/main" val="0"/>
+              </a:ext>
+            </a:extLst>
+          </a:blip>
+          <a:srcRect/>
+          <a:stretch>
+            <a:fillRect/>
+          </a:stretch>
+        </p:blipFill>
+        <p:spPr bwMode="auto">
+          <a:xfrm>
+            <a:off x="668109" y="1843604"/>
+            <a:ext cx="739140" cy="739140"/>
+          </a:xfrm>
+          <a:prstGeom prst="rect">
+            <a:avLst/>
+          </a:prstGeom>
+          <a:noFill/>
+          <a:extLst>
+            <a:ext uri="{909E8E84-426E-40DD-AFC4-6F175D3DCCD1}">
+              <a14:hiddenFill xmlns:a14="http://schemas.microsoft.com/office/drawing/2010/main">
+                <a:solidFill>
+                  <a:srgbClr val="FFFFFF"/>
+                </a:solidFill>
+              </a14:hiddenFill>
+            </a:ext>
+          </a:extLst>
+        </p:spPr>
+      </p:pic>
+      <p:sp>
+        <p:nvSpPr>
+          <p:cNvPr id="4" name="TextBox 3">
+            <a:extLst>
+              <a:ext uri="{FF2B5EF4-FFF2-40B4-BE49-F238E27FC236}">
+                <a16:creationId xmlns:a16="http://schemas.microsoft.com/office/drawing/2014/main" id="{120230DA-EEEB-4EF0-A3AA-AC3282437485}"/>
+              </a:ext>
+            </a:extLst>
+          </p:cNvPr>
+          <p:cNvSpPr txBox="1"/>
+          <p:nvPr/>
+        </p:nvSpPr>
+        <p:spPr>
+          <a:xfrm>
+            <a:off x="264249" y="2516069"/>
+            <a:ext cx="1676400" cy="369332"/>
+          </a:xfrm>
+          <a:prstGeom prst="rect">
+            <a:avLst/>
+          </a:prstGeom>
+          <a:noFill/>
+        </p:spPr>
+        <p:txBody>
+          <a:bodyPr wrap="square" rtlCol="0">
+            <a:spAutoFit/>
+          </a:bodyPr>
+          <a:lstStyle/>
+          <a:p>
+            <a:r>
+              <a:rPr lang="en-US" dirty="0"/>
+              <a:t>Buggy Method</a:t>
+            </a:r>
+          </a:p>
+        </p:txBody>
+      </p:sp>
+      <p:sp>
+        <p:nvSpPr>
+          <p:cNvPr id="5" name="TextBox 4">
+            <a:extLst>
+              <a:ext uri="{FF2B5EF4-FFF2-40B4-BE49-F238E27FC236}">
+                <a16:creationId xmlns:a16="http://schemas.microsoft.com/office/drawing/2014/main" id="{58A0AC6F-8E0D-4B49-AE84-030B6DA34D4B}"/>
+              </a:ext>
+            </a:extLst>
+          </p:cNvPr>
+          <p:cNvSpPr txBox="1"/>
+          <p:nvPr/>
+        </p:nvSpPr>
+        <p:spPr>
+          <a:xfrm>
+            <a:off x="110304" y="3670987"/>
+            <a:ext cx="1951197" cy="261610"/>
+          </a:xfrm>
+          <a:prstGeom prst="rect">
+            <a:avLst/>
+          </a:prstGeom>
+          <a:noFill/>
+          <a:ln w="25400">
+            <a:solidFill>
+              <a:schemeClr val="tx1"/>
+            </a:solidFill>
+          </a:ln>
+        </p:spPr>
+        <p:txBody>
+          <a:bodyPr wrap="square" rtlCol="0">
+            <a:spAutoFit/>
+          </a:bodyPr>
+          <a:lstStyle/>
+          <a:p>
+            <a:r>
+              <a:rPr lang="en-US" sz="1100" dirty="0">
+                <a:latin typeface="Courier New" panose="02070309020205020404" pitchFamily="49" charset="0"/>
+                <a:cs typeface="Courier New" panose="02070309020205020404" pitchFamily="49" charset="0"/>
+              </a:rPr>
+              <a:t>If (dataset != null)…</a:t>
+            </a:r>
+          </a:p>
+        </p:txBody>
+      </p:sp>
+      <p:sp>
+        <p:nvSpPr>
+          <p:cNvPr id="8" name="TextBox 7">
+            <a:extLst>
+              <a:ext uri="{FF2B5EF4-FFF2-40B4-BE49-F238E27FC236}">
+                <a16:creationId xmlns:a16="http://schemas.microsoft.com/office/drawing/2014/main" id="{83A439AB-E935-409E-B1A3-9C31F2794CD7}"/>
+              </a:ext>
+            </a:extLst>
+          </p:cNvPr>
+          <p:cNvSpPr txBox="1"/>
+          <p:nvPr/>
+        </p:nvSpPr>
+        <p:spPr>
+          <a:xfrm>
+            <a:off x="92799" y="3982904"/>
+            <a:ext cx="2019300" cy="369332"/>
+          </a:xfrm>
+          <a:prstGeom prst="rect">
+            <a:avLst/>
+          </a:prstGeom>
+          <a:noFill/>
+        </p:spPr>
+        <p:txBody>
+          <a:bodyPr wrap="square" rtlCol="0">
+            <a:spAutoFit/>
+          </a:bodyPr>
+          <a:lstStyle/>
+          <a:p>
+            <a:r>
+              <a:rPr lang="en-US" dirty="0"/>
+              <a:t>A Buggy Statement</a:t>
+            </a:r>
+          </a:p>
+        </p:txBody>
+      </p:sp>
+      <p:sp>
+        <p:nvSpPr>
+          <p:cNvPr id="68" name="Rectangle: Rounded Corners 67">
+            <a:extLst>
+              <a:ext uri="{FF2B5EF4-FFF2-40B4-BE49-F238E27FC236}">
+                <a16:creationId xmlns:a16="http://schemas.microsoft.com/office/drawing/2014/main" id="{A466D679-29DD-4A75-9A76-3022E6E7E2A7}"/>
+              </a:ext>
+            </a:extLst>
+          </p:cNvPr>
+          <p:cNvSpPr/>
+          <p:nvPr/>
+        </p:nvSpPr>
+        <p:spPr>
+          <a:xfrm>
+            <a:off x="2187518" y="2382174"/>
+            <a:ext cx="830548" cy="1018261"/>
+          </a:xfrm>
+          <a:prstGeom prst="roundRect">
+            <a:avLst/>
+          </a:prstGeom>
+          <a:solidFill>
+            <a:schemeClr val="accent2">
+              <a:lumMod val="20000"/>
+              <a:lumOff val="80000"/>
+            </a:schemeClr>
+          </a:solidFill>
+          <a:ln w="25400">
+            <a:solidFill>
+              <a:schemeClr val="accent2">
+                <a:lumMod val="75000"/>
+              </a:schemeClr>
+            </a:solidFill>
+          </a:ln>
+        </p:spPr>
+        <p:style>
+          <a:lnRef idx="2">
+            <a:schemeClr val="accent1">
+              <a:shade val="50000"/>
+            </a:schemeClr>
+          </a:lnRef>
+          <a:fillRef idx="1">
+            <a:schemeClr val="accent1"/>
+          </a:fillRef>
+          <a:effectRef idx="0">
+            <a:schemeClr val="accent1"/>
+          </a:effectRef>
+          <a:fontRef idx="minor">
+            <a:schemeClr val="lt1"/>
+          </a:fontRef>
+        </p:style>
+        <p:txBody>
+          <a:bodyPr rtlCol="0" anchor="ctr"/>
+          <a:lstStyle/>
+          <a:p>
+            <a:pPr algn="ctr"/>
+            <a:r>
+              <a:rPr lang="en-US" dirty="0">
+                <a:solidFill>
+                  <a:schemeClr val="tx1"/>
+                </a:solidFill>
+              </a:rPr>
+              <a:t>Tree Rep Learn -</a:t>
+            </a:r>
+            <a:r>
+              <a:rPr lang="en-US" dirty="0" err="1">
+                <a:solidFill>
+                  <a:schemeClr val="tx1"/>
+                </a:solidFill>
+              </a:rPr>
+              <a:t>ing</a:t>
+            </a:r>
+            <a:endParaRPr lang="en-US" dirty="0">
+              <a:solidFill>
+                <a:schemeClr val="tx1"/>
+              </a:solidFill>
+            </a:endParaRPr>
+          </a:p>
+        </p:txBody>
+      </p:sp>
+      <p:cxnSp>
+        <p:nvCxnSpPr>
+          <p:cNvPr id="45" name="Straight Arrow Connector 44">
+            <a:extLst>
+              <a:ext uri="{FF2B5EF4-FFF2-40B4-BE49-F238E27FC236}">
+                <a16:creationId xmlns:a16="http://schemas.microsoft.com/office/drawing/2014/main" id="{B46D66FB-63ED-495E-BF5D-8F2CE178CB01}"/>
+              </a:ext>
+            </a:extLst>
+          </p:cNvPr>
+          <p:cNvCxnSpPr>
+            <a:cxnSpLocks/>
+            <a:endCxn id="68" idx="1"/>
+          </p:cNvCxnSpPr>
+          <p:nvPr/>
+        </p:nvCxnSpPr>
+        <p:spPr>
+          <a:xfrm flipV="1">
+            <a:off x="2000973" y="2891305"/>
+            <a:ext cx="186545" cy="710364"/>
+          </a:xfrm>
+          <a:prstGeom prst="straightConnector1">
+            <a:avLst/>
+          </a:prstGeom>
+          <a:ln w="25400">
+            <a:tailEnd type="triangle"/>
+          </a:ln>
+        </p:spPr>
+        <p:style>
+          <a:lnRef idx="1">
+            <a:schemeClr val="accent1"/>
+          </a:lnRef>
+          <a:fillRef idx="0">
+            <a:schemeClr val="accent1"/>
+          </a:fillRef>
+          <a:effectRef idx="0">
+            <a:schemeClr val="accent1"/>
+          </a:effectRef>
+          <a:fontRef idx="minor">
+            <a:schemeClr val="tx1"/>
+          </a:fontRef>
+        </p:style>
+      </p:cxnSp>
+      <p:cxnSp>
+        <p:nvCxnSpPr>
+          <p:cNvPr id="69" name="Straight Arrow Connector 68">
+            <a:extLst>
+              <a:ext uri="{FF2B5EF4-FFF2-40B4-BE49-F238E27FC236}">
+                <a16:creationId xmlns:a16="http://schemas.microsoft.com/office/drawing/2014/main" id="{14531D7C-533B-4300-9190-F7E975DE0E4A}"/>
+              </a:ext>
+            </a:extLst>
+          </p:cNvPr>
+          <p:cNvCxnSpPr>
+            <a:cxnSpLocks/>
+          </p:cNvCxnSpPr>
+          <p:nvPr/>
+        </p:nvCxnSpPr>
+        <p:spPr>
+          <a:xfrm>
+            <a:off x="1067041" y="2898206"/>
+            <a:ext cx="0" cy="703462"/>
+          </a:xfrm>
+          <a:prstGeom prst="straightConnector1">
+            <a:avLst/>
+          </a:prstGeom>
+          <a:ln w="25400">
+            <a:headEnd type="none" w="med" len="med"/>
+            <a:tailEnd type="triangle" w="med" len="med"/>
+          </a:ln>
+        </p:spPr>
+        <p:style>
+          <a:lnRef idx="1">
+            <a:schemeClr val="accent1"/>
+          </a:lnRef>
+          <a:fillRef idx="0">
+            <a:schemeClr val="accent1"/>
+          </a:fillRef>
+          <a:effectRef idx="0">
+            <a:schemeClr val="accent1"/>
+          </a:effectRef>
+          <a:fontRef idx="minor">
+            <a:schemeClr val="tx1"/>
+          </a:fontRef>
+        </p:style>
+      </p:cxnSp>
+      <p:cxnSp>
+        <p:nvCxnSpPr>
+          <p:cNvPr id="71" name="Straight Arrow Connector 70">
+            <a:extLst>
+              <a:ext uri="{FF2B5EF4-FFF2-40B4-BE49-F238E27FC236}">
+                <a16:creationId xmlns:a16="http://schemas.microsoft.com/office/drawing/2014/main" id="{F604B536-219B-4A4F-A8A8-E5BCEC1358BD}"/>
+              </a:ext>
+            </a:extLst>
+          </p:cNvPr>
+          <p:cNvCxnSpPr>
+            <a:cxnSpLocks/>
+          </p:cNvCxnSpPr>
+          <p:nvPr/>
+        </p:nvCxnSpPr>
+        <p:spPr>
+          <a:xfrm>
+            <a:off x="1886881" y="2280630"/>
+            <a:ext cx="271986" cy="633336"/>
+          </a:xfrm>
+          <a:prstGeom prst="straightConnector1">
+            <a:avLst/>
+          </a:prstGeom>
+          <a:ln w="25400">
+            <a:tailEnd type="triangle"/>
+          </a:ln>
+        </p:spPr>
+        <p:style>
+          <a:lnRef idx="1">
+            <a:schemeClr val="accent1"/>
+          </a:lnRef>
+          <a:fillRef idx="0">
+            <a:schemeClr val="accent1"/>
+          </a:fillRef>
+          <a:effectRef idx="0">
+            <a:schemeClr val="accent1"/>
+          </a:effectRef>
+          <a:fontRef idx="minor">
+            <a:schemeClr val="tx1"/>
+          </a:fontRef>
+        </p:style>
+      </p:cxnSp>
+      <p:grpSp>
+        <p:nvGrpSpPr>
+          <p:cNvPr id="26" name="Group 25">
+            <a:extLst>
+              <a:ext uri="{FF2B5EF4-FFF2-40B4-BE49-F238E27FC236}">
+                <a16:creationId xmlns:a16="http://schemas.microsoft.com/office/drawing/2014/main" id="{C9C5E1EB-45B8-465C-B0B4-434626BA3FE9}"/>
+              </a:ext>
+            </a:extLst>
+          </p:cNvPr>
+          <p:cNvGrpSpPr/>
+          <p:nvPr/>
+        </p:nvGrpSpPr>
+        <p:grpSpPr>
+          <a:xfrm>
+            <a:off x="3230113" y="1722865"/>
+            <a:ext cx="1314450" cy="1191101"/>
+            <a:chOff x="3473450" y="1362075"/>
+            <a:chExt cx="1314450" cy="1191101"/>
+          </a:xfrm>
+        </p:grpSpPr>
+        <p:sp>
+          <p:nvSpPr>
+            <p:cNvPr id="6" name="Oval 5">
+              <a:extLst>
+                <a:ext uri="{FF2B5EF4-FFF2-40B4-BE49-F238E27FC236}">
+                  <a16:creationId xmlns:a16="http://schemas.microsoft.com/office/drawing/2014/main" id="{470D599C-3F89-4886-9C49-233CC1602D01}"/>
+                </a:ext>
+              </a:extLst>
+            </p:cNvPr>
+            <p:cNvSpPr/>
+            <p:nvPr/>
+          </p:nvSpPr>
+          <p:spPr>
+            <a:xfrm>
+              <a:off x="3841750" y="1362075"/>
+              <a:ext cx="190500" cy="190500"/>
+            </a:xfrm>
+            <a:prstGeom prst="ellipse">
+              <a:avLst/>
+            </a:prstGeom>
+            <a:solidFill>
+              <a:schemeClr val="accent6">
+                <a:lumMod val="40000"/>
+                <a:lumOff val="60000"/>
+              </a:schemeClr>
+            </a:solidFill>
+            <a:ln>
+              <a:solidFill>
+                <a:schemeClr val="accent6">
+                  <a:lumMod val="75000"/>
+                </a:schemeClr>
+              </a:solidFill>
+            </a:ln>
+          </p:spPr>
+          <p:style>
+            <a:lnRef idx="2">
+              <a:schemeClr val="accent1">
+                <a:shade val="50000"/>
+              </a:schemeClr>
+            </a:lnRef>
+            <a:fillRef idx="1">
+              <a:schemeClr val="accent1"/>
+            </a:fillRef>
+            <a:effectRef idx="0">
+              <a:schemeClr val="accent1"/>
+            </a:effectRef>
+            <a:fontRef idx="minor">
+              <a:schemeClr val="lt1"/>
+            </a:fontRef>
+          </p:style>
+          <p:txBody>
+            <a:bodyPr rtlCol="0" anchor="ctr"/>
+            <a:lstStyle/>
+            <a:p>
+              <a:pPr algn="ctr"/>
+              <a:endParaRPr lang="en-US"/>
+            </a:p>
+          </p:txBody>
+        </p:sp>
+        <p:sp>
+          <p:nvSpPr>
+            <p:cNvPr id="10" name="Oval 9">
+              <a:extLst>
+                <a:ext uri="{FF2B5EF4-FFF2-40B4-BE49-F238E27FC236}">
+                  <a16:creationId xmlns:a16="http://schemas.microsoft.com/office/drawing/2014/main" id="{78A16A7B-ED5A-4841-9100-606221F042A4}"/>
+                </a:ext>
+              </a:extLst>
+            </p:cNvPr>
+            <p:cNvSpPr/>
+            <p:nvPr/>
+          </p:nvSpPr>
+          <p:spPr>
+            <a:xfrm>
+              <a:off x="3473450" y="1869281"/>
+              <a:ext cx="190500" cy="190500"/>
+            </a:xfrm>
+            <a:prstGeom prst="ellipse">
+              <a:avLst/>
+            </a:prstGeom>
+            <a:solidFill>
+              <a:schemeClr val="accent6">
+                <a:lumMod val="40000"/>
+                <a:lumOff val="60000"/>
+              </a:schemeClr>
+            </a:solidFill>
+            <a:ln>
+              <a:solidFill>
+                <a:schemeClr val="accent6">
+                  <a:lumMod val="75000"/>
+                </a:schemeClr>
+              </a:solidFill>
+            </a:ln>
+          </p:spPr>
+          <p:style>
+            <a:lnRef idx="2">
+              <a:schemeClr val="accent1">
+                <a:shade val="50000"/>
+              </a:schemeClr>
+            </a:lnRef>
+            <a:fillRef idx="1">
+              <a:schemeClr val="accent1"/>
+            </a:fillRef>
+            <a:effectRef idx="0">
+              <a:schemeClr val="accent1"/>
+            </a:effectRef>
+            <a:fontRef idx="minor">
+              <a:schemeClr val="lt1"/>
+            </a:fontRef>
+          </p:style>
+          <p:txBody>
+            <a:bodyPr rtlCol="0" anchor="ctr"/>
+            <a:lstStyle/>
+            <a:p>
+              <a:pPr algn="ctr"/>
+              <a:endParaRPr lang="en-US"/>
+            </a:p>
+          </p:txBody>
+        </p:sp>
+        <p:sp>
+          <p:nvSpPr>
+            <p:cNvPr id="11" name="Oval 10">
+              <a:extLst>
+                <a:ext uri="{FF2B5EF4-FFF2-40B4-BE49-F238E27FC236}">
+                  <a16:creationId xmlns:a16="http://schemas.microsoft.com/office/drawing/2014/main" id="{DD7077DB-E4CA-42D0-8062-535BCA33231D}"/>
+                </a:ext>
+              </a:extLst>
+            </p:cNvPr>
+            <p:cNvSpPr/>
+            <p:nvPr/>
+          </p:nvSpPr>
+          <p:spPr>
+            <a:xfrm>
+              <a:off x="4222750" y="1869281"/>
+              <a:ext cx="190500" cy="190500"/>
+            </a:xfrm>
+            <a:prstGeom prst="ellipse">
+              <a:avLst/>
+            </a:prstGeom>
+            <a:solidFill>
+              <a:srgbClr val="FFC000"/>
+            </a:solidFill>
+            <a:ln>
+              <a:solidFill>
+                <a:schemeClr val="accent6">
+                  <a:lumMod val="75000"/>
+                </a:schemeClr>
+              </a:solidFill>
+            </a:ln>
+          </p:spPr>
+          <p:style>
+            <a:lnRef idx="2">
+              <a:schemeClr val="accent1">
+                <a:shade val="50000"/>
+              </a:schemeClr>
+            </a:lnRef>
+            <a:fillRef idx="1">
+              <a:schemeClr val="accent1"/>
+            </a:fillRef>
+            <a:effectRef idx="0">
+              <a:schemeClr val="accent1"/>
+            </a:effectRef>
+            <a:fontRef idx="minor">
+              <a:schemeClr val="lt1"/>
+            </a:fontRef>
+          </p:style>
+          <p:txBody>
+            <a:bodyPr rtlCol="0" anchor="ctr"/>
+            <a:lstStyle/>
+            <a:p>
+              <a:pPr algn="ctr"/>
+              <a:endParaRPr lang="en-US"/>
+            </a:p>
+          </p:txBody>
+        </p:sp>
+        <p:sp>
+          <p:nvSpPr>
+            <p:cNvPr id="12" name="Oval 11">
+              <a:extLst>
+                <a:ext uri="{FF2B5EF4-FFF2-40B4-BE49-F238E27FC236}">
+                  <a16:creationId xmlns:a16="http://schemas.microsoft.com/office/drawing/2014/main" id="{3D3CCC25-56F3-44D6-8B44-3996C81026B6}"/>
+                </a:ext>
+              </a:extLst>
+            </p:cNvPr>
+            <p:cNvSpPr/>
+            <p:nvPr/>
+          </p:nvSpPr>
+          <p:spPr>
+            <a:xfrm>
+              <a:off x="3841750" y="2362676"/>
+              <a:ext cx="190500" cy="190500"/>
+            </a:xfrm>
+            <a:prstGeom prst="ellipse">
+              <a:avLst/>
+            </a:prstGeom>
+            <a:solidFill>
+              <a:schemeClr val="accent6">
+                <a:lumMod val="40000"/>
+                <a:lumOff val="60000"/>
+              </a:schemeClr>
+            </a:solidFill>
+            <a:ln>
+              <a:solidFill>
+                <a:schemeClr val="accent6">
+                  <a:lumMod val="75000"/>
+                </a:schemeClr>
+              </a:solidFill>
+            </a:ln>
+          </p:spPr>
+          <p:style>
+            <a:lnRef idx="2">
+              <a:schemeClr val="accent1">
+                <a:shade val="50000"/>
+              </a:schemeClr>
+            </a:lnRef>
+            <a:fillRef idx="1">
+              <a:schemeClr val="accent1"/>
+            </a:fillRef>
+            <a:effectRef idx="0">
+              <a:schemeClr val="accent1"/>
+            </a:effectRef>
+            <a:fontRef idx="minor">
+              <a:schemeClr val="lt1"/>
+            </a:fontRef>
+          </p:style>
+          <p:txBody>
+            <a:bodyPr rtlCol="0" anchor="ctr"/>
+            <a:lstStyle/>
+            <a:p>
+              <a:pPr algn="ctr"/>
+              <a:endParaRPr lang="en-US"/>
+            </a:p>
+          </p:txBody>
+        </p:sp>
+        <p:sp>
+          <p:nvSpPr>
+            <p:cNvPr id="13" name="Oval 12">
+              <a:extLst>
+                <a:ext uri="{FF2B5EF4-FFF2-40B4-BE49-F238E27FC236}">
+                  <a16:creationId xmlns:a16="http://schemas.microsoft.com/office/drawing/2014/main" id="{0551262F-7014-40A1-B3DA-EBD3D5A57888}"/>
+                </a:ext>
+              </a:extLst>
+            </p:cNvPr>
+            <p:cNvSpPr/>
+            <p:nvPr/>
+          </p:nvSpPr>
+          <p:spPr>
+            <a:xfrm>
+              <a:off x="4597400" y="2362676"/>
+              <a:ext cx="190500" cy="190500"/>
+            </a:xfrm>
+            <a:prstGeom prst="ellipse">
+              <a:avLst/>
+            </a:prstGeom>
+            <a:solidFill>
+              <a:srgbClr val="FFC000"/>
+            </a:solidFill>
+            <a:ln>
+              <a:solidFill>
+                <a:schemeClr val="accent6">
+                  <a:lumMod val="75000"/>
+                </a:schemeClr>
+              </a:solidFill>
+            </a:ln>
+          </p:spPr>
+          <p:style>
+            <a:lnRef idx="2">
+              <a:schemeClr val="accent1">
+                <a:shade val="50000"/>
+              </a:schemeClr>
+            </a:lnRef>
+            <a:fillRef idx="1">
+              <a:schemeClr val="accent1"/>
+            </a:fillRef>
+            <a:effectRef idx="0">
+              <a:schemeClr val="accent1"/>
+            </a:effectRef>
+            <a:fontRef idx="minor">
+              <a:schemeClr val="lt1"/>
+            </a:fontRef>
+          </p:style>
+          <p:txBody>
+            <a:bodyPr rtlCol="0" anchor="ctr"/>
+            <a:lstStyle/>
+            <a:p>
+              <a:pPr algn="ctr"/>
+              <a:endParaRPr lang="en-US" dirty="0"/>
+            </a:p>
+          </p:txBody>
+        </p:sp>
+        <p:cxnSp>
+          <p:nvCxnSpPr>
+            <p:cNvPr id="9" name="Straight Arrow Connector 8">
+              <a:extLst>
+                <a:ext uri="{FF2B5EF4-FFF2-40B4-BE49-F238E27FC236}">
+                  <a16:creationId xmlns:a16="http://schemas.microsoft.com/office/drawing/2014/main" id="{A570A030-BD8A-40B7-886B-8931F720D89E}"/>
+                </a:ext>
+              </a:extLst>
+            </p:cNvPr>
+            <p:cNvCxnSpPr>
+              <a:cxnSpLocks/>
+              <a:stCxn id="6" idx="3"/>
+              <a:endCxn id="10" idx="6"/>
+            </p:cNvCxnSpPr>
+            <p:nvPr/>
+          </p:nvCxnSpPr>
+          <p:spPr>
+            <a:xfrm flipH="1">
+              <a:off x="3636052" y="1524677"/>
+              <a:ext cx="233596" cy="372502"/>
+            </a:xfrm>
+            <a:prstGeom prst="straightConnector1">
+              <a:avLst/>
+            </a:prstGeom>
+            <a:ln w="25400">
+              <a:tailEnd type="triangle"/>
+            </a:ln>
+          </p:spPr>
+          <p:style>
+            <a:lnRef idx="1">
+              <a:schemeClr val="accent1"/>
+            </a:lnRef>
+            <a:fillRef idx="0">
+              <a:schemeClr val="accent1"/>
+            </a:fillRef>
+            <a:effectRef idx="0">
+              <a:schemeClr val="accent1"/>
+            </a:effectRef>
+            <a:fontRef idx="minor">
+              <a:schemeClr val="tx1"/>
+            </a:fontRef>
+          </p:style>
+        </p:cxnSp>
+        <p:cxnSp>
+          <p:nvCxnSpPr>
+            <p:cNvPr id="16" name="Straight Arrow Connector 15">
+              <a:extLst>
+                <a:ext uri="{FF2B5EF4-FFF2-40B4-BE49-F238E27FC236}">
+                  <a16:creationId xmlns:a16="http://schemas.microsoft.com/office/drawing/2014/main" id="{A67836DA-BBDF-4AA1-9287-B74AADA97FDB}"/>
+                </a:ext>
+              </a:extLst>
+            </p:cNvPr>
+            <p:cNvCxnSpPr>
+              <a:cxnSpLocks/>
+              <a:stCxn id="6" idx="5"/>
+              <a:endCxn id="11" idx="1"/>
+            </p:cNvCxnSpPr>
+            <p:nvPr/>
+          </p:nvCxnSpPr>
+          <p:spPr>
+            <a:xfrm>
+              <a:off x="4004352" y="1524677"/>
+              <a:ext cx="246296" cy="372502"/>
+            </a:xfrm>
+            <a:prstGeom prst="straightConnector1">
+              <a:avLst/>
+            </a:prstGeom>
+            <a:ln w="25400">
+              <a:tailEnd type="triangle"/>
+            </a:ln>
+          </p:spPr>
+          <p:style>
+            <a:lnRef idx="1">
+              <a:schemeClr val="accent1"/>
+            </a:lnRef>
+            <a:fillRef idx="0">
+              <a:schemeClr val="accent1"/>
+            </a:fillRef>
+            <a:effectRef idx="0">
+              <a:schemeClr val="accent1"/>
+            </a:effectRef>
+            <a:fontRef idx="minor">
+              <a:schemeClr val="tx1"/>
+            </a:fontRef>
+          </p:style>
+        </p:cxnSp>
+        <p:cxnSp>
+          <p:nvCxnSpPr>
+            <p:cNvPr id="19" name="Straight Arrow Connector 18">
+              <a:extLst>
+                <a:ext uri="{FF2B5EF4-FFF2-40B4-BE49-F238E27FC236}">
+                  <a16:creationId xmlns:a16="http://schemas.microsoft.com/office/drawing/2014/main" id="{4BFCEB90-0F52-4654-BF5F-ED99ABC9EE00}"/>
+                </a:ext>
+              </a:extLst>
+            </p:cNvPr>
+            <p:cNvCxnSpPr>
+              <a:cxnSpLocks/>
+              <a:stCxn id="11" idx="3"/>
+              <a:endCxn id="12" idx="7"/>
+            </p:cNvCxnSpPr>
+            <p:nvPr/>
+          </p:nvCxnSpPr>
+          <p:spPr>
+            <a:xfrm flipH="1">
+              <a:off x="4004352" y="2031883"/>
+              <a:ext cx="246296" cy="358691"/>
+            </a:xfrm>
+            <a:prstGeom prst="straightConnector1">
+              <a:avLst/>
+            </a:prstGeom>
+            <a:ln w="25400">
+              <a:tailEnd type="triangle"/>
+            </a:ln>
+          </p:spPr>
+          <p:style>
+            <a:lnRef idx="1">
+              <a:schemeClr val="accent1"/>
+            </a:lnRef>
+            <a:fillRef idx="0">
+              <a:schemeClr val="accent1"/>
+            </a:fillRef>
+            <a:effectRef idx="0">
+              <a:schemeClr val="accent1"/>
+            </a:effectRef>
+            <a:fontRef idx="minor">
+              <a:schemeClr val="tx1"/>
+            </a:fontRef>
+          </p:style>
+        </p:cxnSp>
+        <p:cxnSp>
+          <p:nvCxnSpPr>
+            <p:cNvPr id="22" name="Straight Arrow Connector 21">
+              <a:extLst>
+                <a:ext uri="{FF2B5EF4-FFF2-40B4-BE49-F238E27FC236}">
+                  <a16:creationId xmlns:a16="http://schemas.microsoft.com/office/drawing/2014/main" id="{78729F2F-4120-4631-B35F-1DA81F1BE9A1}"/>
+                </a:ext>
+              </a:extLst>
+            </p:cNvPr>
+            <p:cNvCxnSpPr>
+              <a:cxnSpLocks/>
+              <a:stCxn id="11" idx="5"/>
+              <a:endCxn id="13" idx="1"/>
+            </p:cNvCxnSpPr>
+            <p:nvPr/>
+          </p:nvCxnSpPr>
+          <p:spPr>
+            <a:xfrm>
+              <a:off x="4385352" y="2031883"/>
+              <a:ext cx="239946" cy="358691"/>
+            </a:xfrm>
+            <a:prstGeom prst="straightConnector1">
+              <a:avLst/>
+            </a:prstGeom>
+            <a:ln w="25400">
+              <a:solidFill>
+                <a:srgbClr val="FF0000"/>
+              </a:solidFill>
+              <a:tailEnd type="triangle"/>
+            </a:ln>
+          </p:spPr>
+          <p:style>
+            <a:lnRef idx="1">
+              <a:schemeClr val="accent1"/>
+            </a:lnRef>
+            <a:fillRef idx="0">
+              <a:schemeClr val="accent1"/>
+            </a:fillRef>
+            <a:effectRef idx="0">
+              <a:schemeClr val="accent1"/>
+            </a:effectRef>
+            <a:fontRef idx="minor">
+              <a:schemeClr val="tx1"/>
+            </a:fontRef>
+          </p:style>
+        </p:cxnSp>
+      </p:grpSp>
+      <p:sp>
+        <p:nvSpPr>
+          <p:cNvPr id="39" name="TextBox 38">
+            <a:extLst>
+              <a:ext uri="{FF2B5EF4-FFF2-40B4-BE49-F238E27FC236}">
+                <a16:creationId xmlns:a16="http://schemas.microsoft.com/office/drawing/2014/main" id="{DFF9EEFC-8DFB-4D04-BF39-56044C2D8B85}"/>
+              </a:ext>
+            </a:extLst>
+          </p:cNvPr>
+          <p:cNvSpPr txBox="1"/>
+          <p:nvPr/>
+        </p:nvSpPr>
+        <p:spPr>
+          <a:xfrm>
+            <a:off x="3133129" y="2963361"/>
+            <a:ext cx="550168" cy="369332"/>
+          </a:xfrm>
+          <a:prstGeom prst="rect">
+            <a:avLst/>
+          </a:prstGeom>
+          <a:noFill/>
+        </p:spPr>
+        <p:txBody>
+          <a:bodyPr wrap="square" rtlCol="0">
+            <a:spAutoFit/>
+          </a:bodyPr>
+          <a:lstStyle/>
+          <a:p>
+            <a:r>
+              <a:rPr lang="en-US" dirty="0"/>
+              <a:t>AST</a:t>
+            </a:r>
+          </a:p>
+        </p:txBody>
+      </p:sp>
+      <p:cxnSp>
+        <p:nvCxnSpPr>
+          <p:cNvPr id="34" name="Straight Arrow Connector 33">
+            <a:extLst>
+              <a:ext uri="{FF2B5EF4-FFF2-40B4-BE49-F238E27FC236}">
+                <a16:creationId xmlns:a16="http://schemas.microsoft.com/office/drawing/2014/main" id="{800ABE5A-ED23-4F9A-97BE-93D8F344DAF2}"/>
+              </a:ext>
+            </a:extLst>
+          </p:cNvPr>
+          <p:cNvCxnSpPr>
+            <a:cxnSpLocks/>
+            <a:stCxn id="6" idx="4"/>
+          </p:cNvCxnSpPr>
+          <p:nvPr/>
+        </p:nvCxnSpPr>
+        <p:spPr>
+          <a:xfrm>
+            <a:off x="3693663" y="1913365"/>
+            <a:ext cx="0" cy="353860"/>
+          </a:xfrm>
+          <a:prstGeom prst="straightConnector1">
+            <a:avLst/>
+          </a:prstGeom>
+          <a:ln w="12700">
+            <a:tailEnd type="triangle"/>
+          </a:ln>
+        </p:spPr>
+        <p:style>
+          <a:lnRef idx="1">
+            <a:schemeClr val="accent1"/>
+          </a:lnRef>
+          <a:fillRef idx="0">
+            <a:schemeClr val="accent1"/>
+          </a:fillRef>
+          <a:effectRef idx="0">
+            <a:schemeClr val="accent1"/>
+          </a:effectRef>
+          <a:fontRef idx="minor">
+            <a:schemeClr val="tx1"/>
+          </a:fontRef>
+        </p:style>
+      </p:cxnSp>
+      <p:cxnSp>
+        <p:nvCxnSpPr>
+          <p:cNvPr id="80" name="Straight Arrow Connector 79">
+            <a:extLst>
+              <a:ext uri="{FF2B5EF4-FFF2-40B4-BE49-F238E27FC236}">
+                <a16:creationId xmlns:a16="http://schemas.microsoft.com/office/drawing/2014/main" id="{A1D73F36-E776-4ED8-AACF-B1FD34EBCB56}"/>
+              </a:ext>
+            </a:extLst>
+          </p:cNvPr>
+          <p:cNvCxnSpPr/>
+          <p:nvPr/>
+        </p:nvCxnSpPr>
+        <p:spPr>
+          <a:xfrm flipV="1">
+            <a:off x="3018685" y="2887518"/>
+            <a:ext cx="332860" cy="2649"/>
+          </a:xfrm>
+          <a:prstGeom prst="straightConnector1">
+            <a:avLst/>
+          </a:prstGeom>
+          <a:ln w="25400">
+            <a:tailEnd type="triangle"/>
+          </a:ln>
+        </p:spPr>
+        <p:style>
+          <a:lnRef idx="1">
+            <a:schemeClr val="accent1"/>
+          </a:lnRef>
+          <a:fillRef idx="0">
+            <a:schemeClr val="accent1"/>
+          </a:fillRef>
+          <a:effectRef idx="0">
+            <a:schemeClr val="accent1"/>
+          </a:effectRef>
+          <a:fontRef idx="minor">
+            <a:schemeClr val="tx1"/>
+          </a:fontRef>
+        </p:style>
+      </p:cxnSp>
+      <p:cxnSp>
+        <p:nvCxnSpPr>
+          <p:cNvPr id="111" name="Straight Arrow Connector 110">
+            <a:extLst>
+              <a:ext uri="{FF2B5EF4-FFF2-40B4-BE49-F238E27FC236}">
+                <a16:creationId xmlns:a16="http://schemas.microsoft.com/office/drawing/2014/main" id="{1671B46B-0761-4984-BC79-3FC406BE6EDC}"/>
+              </a:ext>
+            </a:extLst>
+          </p:cNvPr>
+          <p:cNvCxnSpPr>
+            <a:cxnSpLocks/>
+          </p:cNvCxnSpPr>
+          <p:nvPr/>
+        </p:nvCxnSpPr>
+        <p:spPr>
+          <a:xfrm flipH="1">
+            <a:off x="6817240" y="2071717"/>
+            <a:ext cx="368300" cy="1"/>
+          </a:xfrm>
+          <a:prstGeom prst="straightConnector1">
+            <a:avLst/>
+          </a:prstGeom>
+          <a:ln w="25400">
+            <a:tailEnd type="triangle"/>
+          </a:ln>
+        </p:spPr>
+        <p:style>
+          <a:lnRef idx="1">
+            <a:schemeClr val="accent1"/>
+          </a:lnRef>
+          <a:fillRef idx="0">
+            <a:schemeClr val="accent1"/>
+          </a:fillRef>
+          <a:effectRef idx="0">
+            <a:schemeClr val="accent1"/>
+          </a:effectRef>
+          <a:fontRef idx="minor">
+            <a:schemeClr val="tx1"/>
+          </a:fontRef>
+        </p:style>
+      </p:cxnSp>
+      <p:grpSp>
+        <p:nvGrpSpPr>
+          <p:cNvPr id="98" name="Group 97">
+            <a:extLst>
+              <a:ext uri="{FF2B5EF4-FFF2-40B4-BE49-F238E27FC236}">
+                <a16:creationId xmlns:a16="http://schemas.microsoft.com/office/drawing/2014/main" id="{7A60005C-BF80-4A5F-B7FC-0DB985BA956C}"/>
+              </a:ext>
+            </a:extLst>
+          </p:cNvPr>
+          <p:cNvGrpSpPr/>
+          <p:nvPr/>
+        </p:nvGrpSpPr>
+        <p:grpSpPr>
+          <a:xfrm>
+            <a:off x="7214290" y="1713617"/>
+            <a:ext cx="1151848" cy="1191101"/>
+            <a:chOff x="3473450" y="1362075"/>
+            <a:chExt cx="1151848" cy="1191101"/>
+          </a:xfrm>
+        </p:grpSpPr>
+        <p:sp>
+          <p:nvSpPr>
+            <p:cNvPr id="100" name="Oval 99">
+              <a:extLst>
+                <a:ext uri="{FF2B5EF4-FFF2-40B4-BE49-F238E27FC236}">
+                  <a16:creationId xmlns:a16="http://schemas.microsoft.com/office/drawing/2014/main" id="{37825BF5-8DF9-4C40-949A-C43DDCA6E08C}"/>
+                </a:ext>
+              </a:extLst>
+            </p:cNvPr>
+            <p:cNvSpPr/>
+            <p:nvPr/>
+          </p:nvSpPr>
+          <p:spPr>
+            <a:xfrm>
+              <a:off x="3841750" y="1362075"/>
+              <a:ext cx="190500" cy="190500"/>
+            </a:xfrm>
+            <a:prstGeom prst="ellipse">
+              <a:avLst/>
+            </a:prstGeom>
+            <a:solidFill>
+              <a:schemeClr val="accent6">
+                <a:lumMod val="40000"/>
+                <a:lumOff val="60000"/>
+              </a:schemeClr>
+            </a:solidFill>
+            <a:ln>
+              <a:solidFill>
+                <a:schemeClr val="accent6">
+                  <a:lumMod val="75000"/>
+                </a:schemeClr>
+              </a:solidFill>
+            </a:ln>
+          </p:spPr>
+          <p:style>
+            <a:lnRef idx="2">
+              <a:schemeClr val="accent1">
+                <a:shade val="50000"/>
+              </a:schemeClr>
+            </a:lnRef>
+            <a:fillRef idx="1">
+              <a:schemeClr val="accent1"/>
+            </a:fillRef>
+            <a:effectRef idx="0">
+              <a:schemeClr val="accent1"/>
+            </a:effectRef>
+            <a:fontRef idx="minor">
+              <a:schemeClr val="lt1"/>
+            </a:fontRef>
+          </p:style>
+          <p:txBody>
+            <a:bodyPr rtlCol="0" anchor="ctr"/>
+            <a:lstStyle/>
+            <a:p>
+              <a:pPr algn="ctr"/>
+              <a:endParaRPr lang="en-US"/>
+            </a:p>
+          </p:txBody>
+        </p:sp>
+        <p:sp>
+          <p:nvSpPr>
+            <p:cNvPr id="101" name="Oval 100">
+              <a:extLst>
+                <a:ext uri="{FF2B5EF4-FFF2-40B4-BE49-F238E27FC236}">
+                  <a16:creationId xmlns:a16="http://schemas.microsoft.com/office/drawing/2014/main" id="{4135860D-F88C-4583-85F5-57509D219125}"/>
+                </a:ext>
+              </a:extLst>
+            </p:cNvPr>
+            <p:cNvSpPr/>
+            <p:nvPr/>
+          </p:nvSpPr>
+          <p:spPr>
+            <a:xfrm>
+              <a:off x="3473450" y="1869281"/>
+              <a:ext cx="190500" cy="190500"/>
+            </a:xfrm>
+            <a:prstGeom prst="ellipse">
+              <a:avLst/>
+            </a:prstGeom>
+            <a:solidFill>
+              <a:schemeClr val="accent6">
+                <a:lumMod val="40000"/>
+                <a:lumOff val="60000"/>
+              </a:schemeClr>
+            </a:solidFill>
+            <a:ln>
+              <a:solidFill>
+                <a:schemeClr val="accent6">
+                  <a:lumMod val="75000"/>
+                </a:schemeClr>
+              </a:solidFill>
+            </a:ln>
+          </p:spPr>
+          <p:style>
+            <a:lnRef idx="2">
+              <a:schemeClr val="accent1">
+                <a:shade val="50000"/>
+              </a:schemeClr>
+            </a:lnRef>
+            <a:fillRef idx="1">
+              <a:schemeClr val="accent1"/>
+            </a:fillRef>
+            <a:effectRef idx="0">
+              <a:schemeClr val="accent1"/>
+            </a:effectRef>
+            <a:fontRef idx="minor">
+              <a:schemeClr val="lt1"/>
+            </a:fontRef>
+          </p:style>
+          <p:txBody>
+            <a:bodyPr rtlCol="0" anchor="ctr"/>
+            <a:lstStyle/>
+            <a:p>
+              <a:pPr algn="ctr"/>
+              <a:endParaRPr lang="en-US"/>
+            </a:p>
+          </p:txBody>
+        </p:sp>
+        <p:sp>
+          <p:nvSpPr>
+            <p:cNvPr id="103" name="Oval 102">
+              <a:extLst>
+                <a:ext uri="{FF2B5EF4-FFF2-40B4-BE49-F238E27FC236}">
+                  <a16:creationId xmlns:a16="http://schemas.microsoft.com/office/drawing/2014/main" id="{CD343876-6D97-4973-A25E-7CF146F9F827}"/>
+                </a:ext>
+              </a:extLst>
+            </p:cNvPr>
+            <p:cNvSpPr/>
+            <p:nvPr/>
+          </p:nvSpPr>
+          <p:spPr>
+            <a:xfrm>
+              <a:off x="3841750" y="2362676"/>
+              <a:ext cx="190500" cy="190500"/>
+            </a:xfrm>
+            <a:prstGeom prst="ellipse">
+              <a:avLst/>
+            </a:prstGeom>
+            <a:solidFill>
+              <a:schemeClr val="accent6">
+                <a:lumMod val="40000"/>
+                <a:lumOff val="60000"/>
+              </a:schemeClr>
+            </a:solidFill>
+            <a:ln>
+              <a:solidFill>
+                <a:schemeClr val="accent6">
+                  <a:lumMod val="75000"/>
+                </a:schemeClr>
+              </a:solidFill>
+            </a:ln>
+          </p:spPr>
+          <p:style>
+            <a:lnRef idx="2">
+              <a:schemeClr val="accent1">
+                <a:shade val="50000"/>
+              </a:schemeClr>
+            </a:lnRef>
+            <a:fillRef idx="1">
+              <a:schemeClr val="accent1"/>
+            </a:fillRef>
+            <a:effectRef idx="0">
+              <a:schemeClr val="accent1"/>
+            </a:effectRef>
+            <a:fontRef idx="minor">
+              <a:schemeClr val="lt1"/>
+            </a:fontRef>
+          </p:style>
+          <p:txBody>
+            <a:bodyPr rtlCol="0" anchor="ctr"/>
+            <a:lstStyle/>
+            <a:p>
+              <a:pPr algn="ctr"/>
+              <a:endParaRPr lang="en-US"/>
+            </a:p>
+          </p:txBody>
+        </p:sp>
+        <p:cxnSp>
+          <p:nvCxnSpPr>
+            <p:cNvPr id="105" name="Straight Arrow Connector 104">
+              <a:extLst>
+                <a:ext uri="{FF2B5EF4-FFF2-40B4-BE49-F238E27FC236}">
+                  <a16:creationId xmlns:a16="http://schemas.microsoft.com/office/drawing/2014/main" id="{47896730-4B6E-4D6F-9D0F-773801307D90}"/>
+                </a:ext>
+              </a:extLst>
+            </p:cNvPr>
+            <p:cNvCxnSpPr>
+              <a:stCxn id="100" idx="3"/>
+              <a:endCxn id="101" idx="6"/>
+            </p:cNvCxnSpPr>
+            <p:nvPr/>
+          </p:nvCxnSpPr>
+          <p:spPr>
+            <a:xfrm flipH="1">
+              <a:off x="3636052" y="1524677"/>
+              <a:ext cx="233596" cy="372502"/>
+            </a:xfrm>
+            <a:prstGeom prst="straightConnector1">
+              <a:avLst/>
+            </a:prstGeom>
+            <a:ln w="25400">
+              <a:tailEnd type="triangle"/>
+            </a:ln>
+          </p:spPr>
+          <p:style>
+            <a:lnRef idx="1">
+              <a:schemeClr val="accent1"/>
+            </a:lnRef>
+            <a:fillRef idx="0">
+              <a:schemeClr val="accent1"/>
+            </a:fillRef>
+            <a:effectRef idx="0">
+              <a:schemeClr val="accent1"/>
+            </a:effectRef>
+            <a:fontRef idx="minor">
+              <a:schemeClr val="tx1"/>
+            </a:fontRef>
+          </p:style>
+        </p:cxnSp>
+        <p:cxnSp>
+          <p:nvCxnSpPr>
+            <p:cNvPr id="106" name="Straight Arrow Connector 105">
+              <a:extLst>
+                <a:ext uri="{FF2B5EF4-FFF2-40B4-BE49-F238E27FC236}">
+                  <a16:creationId xmlns:a16="http://schemas.microsoft.com/office/drawing/2014/main" id="{D71847B8-D3B4-4C67-AE56-3D95F4A01658}"/>
+                </a:ext>
+              </a:extLst>
+            </p:cNvPr>
+            <p:cNvCxnSpPr>
+              <a:cxnSpLocks/>
+              <a:stCxn id="100" idx="5"/>
+            </p:cNvCxnSpPr>
+            <p:nvPr/>
+          </p:nvCxnSpPr>
+          <p:spPr>
+            <a:xfrm>
+              <a:off x="4004352" y="1524677"/>
+              <a:ext cx="246296" cy="372502"/>
+            </a:xfrm>
+            <a:prstGeom prst="straightConnector1">
+              <a:avLst/>
+            </a:prstGeom>
+            <a:ln w="25400">
+              <a:tailEnd type="triangle"/>
+            </a:ln>
+          </p:spPr>
+          <p:style>
+            <a:lnRef idx="1">
+              <a:schemeClr val="accent1"/>
+            </a:lnRef>
+            <a:fillRef idx="0">
+              <a:schemeClr val="accent1"/>
+            </a:fillRef>
+            <a:effectRef idx="0">
+              <a:schemeClr val="accent1"/>
+            </a:effectRef>
+            <a:fontRef idx="minor">
+              <a:schemeClr val="tx1"/>
+            </a:fontRef>
+          </p:style>
+        </p:cxnSp>
+        <p:cxnSp>
+          <p:nvCxnSpPr>
+            <p:cNvPr id="107" name="Straight Arrow Connector 106">
+              <a:extLst>
+                <a:ext uri="{FF2B5EF4-FFF2-40B4-BE49-F238E27FC236}">
+                  <a16:creationId xmlns:a16="http://schemas.microsoft.com/office/drawing/2014/main" id="{418EA2D4-3D5F-4CD9-B8F9-C667C7A4B08D}"/>
+                </a:ext>
+              </a:extLst>
+            </p:cNvPr>
+            <p:cNvCxnSpPr>
+              <a:cxnSpLocks/>
+              <a:endCxn id="103" idx="7"/>
+            </p:cNvCxnSpPr>
+            <p:nvPr/>
+          </p:nvCxnSpPr>
+          <p:spPr>
+            <a:xfrm flipH="1">
+              <a:off x="4004352" y="2031883"/>
+              <a:ext cx="246296" cy="358691"/>
+            </a:xfrm>
+            <a:prstGeom prst="straightConnector1">
+              <a:avLst/>
+            </a:prstGeom>
+            <a:ln w="25400">
+              <a:tailEnd type="triangle"/>
+            </a:ln>
+          </p:spPr>
+          <p:style>
+            <a:lnRef idx="1">
+              <a:schemeClr val="accent1"/>
+            </a:lnRef>
+            <a:fillRef idx="0">
+              <a:schemeClr val="accent1"/>
+            </a:fillRef>
+            <a:effectRef idx="0">
+              <a:schemeClr val="accent1"/>
+            </a:effectRef>
+            <a:fontRef idx="minor">
+              <a:schemeClr val="tx1"/>
+            </a:fontRef>
+          </p:style>
+        </p:cxnSp>
+        <p:cxnSp>
+          <p:nvCxnSpPr>
+            <p:cNvPr id="108" name="Straight Arrow Connector 107">
+              <a:extLst>
+                <a:ext uri="{FF2B5EF4-FFF2-40B4-BE49-F238E27FC236}">
+                  <a16:creationId xmlns:a16="http://schemas.microsoft.com/office/drawing/2014/main" id="{870D8B2F-0C38-4196-9F2F-2E9766576409}"/>
+                </a:ext>
+              </a:extLst>
+            </p:cNvPr>
+            <p:cNvCxnSpPr>
+              <a:cxnSpLocks/>
+            </p:cNvCxnSpPr>
+            <p:nvPr/>
+          </p:nvCxnSpPr>
+          <p:spPr>
+            <a:xfrm>
+              <a:off x="4385352" y="2031883"/>
+              <a:ext cx="239946" cy="358691"/>
+            </a:xfrm>
+            <a:prstGeom prst="straightConnector1">
+              <a:avLst/>
+            </a:prstGeom>
+            <a:ln w="25400">
+              <a:solidFill>
+                <a:srgbClr val="0070C0"/>
+              </a:solidFill>
+              <a:tailEnd type="triangle"/>
+            </a:ln>
+          </p:spPr>
+          <p:style>
+            <a:lnRef idx="1">
+              <a:schemeClr val="accent1"/>
+            </a:lnRef>
+            <a:fillRef idx="0">
+              <a:schemeClr val="accent1"/>
+            </a:fillRef>
+            <a:effectRef idx="0">
+              <a:schemeClr val="accent1"/>
+            </a:effectRef>
+            <a:fontRef idx="minor">
+              <a:schemeClr val="tx1"/>
+            </a:fontRef>
+          </p:style>
+        </p:cxnSp>
+      </p:grpSp>
+      <p:cxnSp>
+        <p:nvCxnSpPr>
+          <p:cNvPr id="97" name="Straight Arrow Connector 96">
+            <a:extLst>
+              <a:ext uri="{FF2B5EF4-FFF2-40B4-BE49-F238E27FC236}">
+                <a16:creationId xmlns:a16="http://schemas.microsoft.com/office/drawing/2014/main" id="{55317DA4-035D-45BC-9EEA-D63B59815E1F}"/>
+              </a:ext>
+            </a:extLst>
+          </p:cNvPr>
+          <p:cNvCxnSpPr>
+            <a:cxnSpLocks/>
+            <a:stCxn id="100" idx="4"/>
+          </p:cNvCxnSpPr>
+          <p:nvPr/>
+        </p:nvCxnSpPr>
+        <p:spPr>
+          <a:xfrm>
+            <a:off x="7677840" y="1904117"/>
+            <a:ext cx="0" cy="353860"/>
+          </a:xfrm>
+          <a:prstGeom prst="straightConnector1">
+            <a:avLst/>
+          </a:prstGeom>
+          <a:ln w="12700">
+            <a:tailEnd type="triangle"/>
+          </a:ln>
+        </p:spPr>
+        <p:style>
+          <a:lnRef idx="1">
+            <a:schemeClr val="accent1"/>
+          </a:lnRef>
+          <a:fillRef idx="0">
+            <a:schemeClr val="accent1"/>
+          </a:fillRef>
+          <a:effectRef idx="0">
+            <a:schemeClr val="accent1"/>
+          </a:effectRef>
+          <a:fontRef idx="minor">
+            <a:schemeClr val="tx1"/>
+          </a:fontRef>
+        </p:style>
+      </p:cxnSp>
+      <p:sp>
+        <p:nvSpPr>
+          <p:cNvPr id="113" name="Oval 112">
+            <a:extLst>
+              <a:ext uri="{FF2B5EF4-FFF2-40B4-BE49-F238E27FC236}">
+                <a16:creationId xmlns:a16="http://schemas.microsoft.com/office/drawing/2014/main" id="{41FEBBB0-0CA4-446E-A301-66AFE2A021D3}"/>
+              </a:ext>
+            </a:extLst>
+          </p:cNvPr>
+          <p:cNvSpPr/>
+          <p:nvPr/>
+        </p:nvSpPr>
+        <p:spPr>
+          <a:xfrm>
+            <a:off x="7958092" y="2216320"/>
+            <a:ext cx="190500" cy="190500"/>
+          </a:xfrm>
+          <a:prstGeom prst="ellipse">
+            <a:avLst/>
+          </a:prstGeom>
+          <a:solidFill>
+            <a:schemeClr val="accent6">
+              <a:lumMod val="40000"/>
+              <a:lumOff val="60000"/>
+            </a:schemeClr>
+          </a:solidFill>
+          <a:ln>
+            <a:solidFill>
+              <a:schemeClr val="accent6">
+                <a:lumMod val="75000"/>
+              </a:schemeClr>
+            </a:solidFill>
+          </a:ln>
+        </p:spPr>
+        <p:style>
+          <a:lnRef idx="2">
+            <a:schemeClr val="accent1">
+              <a:shade val="50000"/>
+            </a:schemeClr>
+          </a:lnRef>
+          <a:fillRef idx="1">
+            <a:schemeClr val="accent1"/>
+          </a:fillRef>
+          <a:effectRef idx="0">
+            <a:schemeClr val="accent1"/>
+          </a:effectRef>
+          <a:fontRef idx="minor">
+            <a:schemeClr val="lt1"/>
+          </a:fontRef>
+        </p:style>
+        <p:txBody>
+          <a:bodyPr rtlCol="0" anchor="ctr"/>
+          <a:lstStyle/>
+          <a:p>
+            <a:pPr algn="ctr"/>
+            <a:endParaRPr lang="en-US"/>
+          </a:p>
+        </p:txBody>
+      </p:sp>
+      <p:sp>
+        <p:nvSpPr>
+          <p:cNvPr id="114" name="Oval 113">
+            <a:extLst>
+              <a:ext uri="{FF2B5EF4-FFF2-40B4-BE49-F238E27FC236}">
+                <a16:creationId xmlns:a16="http://schemas.microsoft.com/office/drawing/2014/main" id="{C16FEF62-917A-4417-95CB-1C6132E32A14}"/>
+              </a:ext>
+            </a:extLst>
+          </p:cNvPr>
+          <p:cNvSpPr/>
+          <p:nvPr/>
+        </p:nvSpPr>
+        <p:spPr>
+          <a:xfrm>
+            <a:off x="8308436" y="2728445"/>
+            <a:ext cx="190500" cy="190500"/>
+          </a:xfrm>
+          <a:prstGeom prst="ellipse">
+            <a:avLst/>
+          </a:prstGeom>
+          <a:solidFill>
+            <a:schemeClr val="accent6">
+              <a:lumMod val="40000"/>
+              <a:lumOff val="60000"/>
+            </a:schemeClr>
+          </a:solidFill>
+          <a:ln>
+            <a:solidFill>
+              <a:schemeClr val="accent6">
+                <a:lumMod val="75000"/>
+              </a:schemeClr>
+            </a:solidFill>
+          </a:ln>
+        </p:spPr>
+        <p:style>
+          <a:lnRef idx="2">
+            <a:schemeClr val="accent1">
+              <a:shade val="50000"/>
+            </a:schemeClr>
+          </a:lnRef>
+          <a:fillRef idx="1">
+            <a:schemeClr val="accent1"/>
+          </a:fillRef>
+          <a:effectRef idx="0">
+            <a:schemeClr val="accent1"/>
+          </a:effectRef>
+          <a:fontRef idx="minor">
+            <a:schemeClr val="lt1"/>
+          </a:fontRef>
+        </p:style>
+        <p:txBody>
+          <a:bodyPr rtlCol="0" anchor="ctr"/>
+          <a:lstStyle/>
+          <a:p>
+            <a:pPr algn="ctr"/>
+            <a:endParaRPr lang="en-US"/>
+          </a:p>
+        </p:txBody>
+      </p:sp>
+      <p:grpSp>
+        <p:nvGrpSpPr>
+          <p:cNvPr id="116" name="Group 115">
+            <a:extLst>
+              <a:ext uri="{FF2B5EF4-FFF2-40B4-BE49-F238E27FC236}">
+                <a16:creationId xmlns:a16="http://schemas.microsoft.com/office/drawing/2014/main" id="{E18D2C30-1919-4D91-B872-266D681753A4}"/>
+              </a:ext>
+            </a:extLst>
+          </p:cNvPr>
+          <p:cNvGrpSpPr/>
+          <p:nvPr/>
+        </p:nvGrpSpPr>
+        <p:grpSpPr>
+          <a:xfrm>
+            <a:off x="7538337" y="3266271"/>
+            <a:ext cx="939800" cy="697706"/>
+            <a:chOff x="3473450" y="1362075"/>
+            <a:chExt cx="939800" cy="697706"/>
+          </a:xfrm>
+        </p:grpSpPr>
+        <p:sp>
+          <p:nvSpPr>
+            <p:cNvPr id="117" name="Oval 116">
+              <a:extLst>
+                <a:ext uri="{FF2B5EF4-FFF2-40B4-BE49-F238E27FC236}">
+                  <a16:creationId xmlns:a16="http://schemas.microsoft.com/office/drawing/2014/main" id="{82E609CE-8429-4961-9206-89EDB63AEB74}"/>
+                </a:ext>
+              </a:extLst>
+            </p:cNvPr>
+            <p:cNvSpPr/>
+            <p:nvPr/>
+          </p:nvSpPr>
+          <p:spPr>
+            <a:xfrm>
+              <a:off x="3841750" y="1362075"/>
+              <a:ext cx="190500" cy="190500"/>
+            </a:xfrm>
+            <a:prstGeom prst="ellipse">
+              <a:avLst/>
+            </a:prstGeom>
+            <a:solidFill>
+              <a:schemeClr val="accent6">
+                <a:lumMod val="40000"/>
+                <a:lumOff val="60000"/>
+              </a:schemeClr>
+            </a:solidFill>
+            <a:ln>
+              <a:solidFill>
+                <a:schemeClr val="accent6">
+                  <a:lumMod val="75000"/>
+                </a:schemeClr>
+              </a:solidFill>
+            </a:ln>
+          </p:spPr>
+          <p:style>
+            <a:lnRef idx="2">
+              <a:schemeClr val="accent1">
+                <a:shade val="50000"/>
+              </a:schemeClr>
+            </a:lnRef>
+            <a:fillRef idx="1">
+              <a:schemeClr val="accent1"/>
+            </a:fillRef>
+            <a:effectRef idx="0">
+              <a:schemeClr val="accent1"/>
+            </a:effectRef>
+            <a:fontRef idx="minor">
+              <a:schemeClr val="lt1"/>
+            </a:fontRef>
+          </p:style>
+          <p:txBody>
+            <a:bodyPr rtlCol="0" anchor="ctr"/>
+            <a:lstStyle/>
+            <a:p>
+              <a:pPr algn="ctr"/>
+              <a:endParaRPr lang="en-US"/>
+            </a:p>
+          </p:txBody>
+        </p:sp>
+        <p:sp>
+          <p:nvSpPr>
+            <p:cNvPr id="118" name="Oval 117">
+              <a:extLst>
+                <a:ext uri="{FF2B5EF4-FFF2-40B4-BE49-F238E27FC236}">
+                  <a16:creationId xmlns:a16="http://schemas.microsoft.com/office/drawing/2014/main" id="{94112A37-27C8-4E77-8D89-A9D12BEA3706}"/>
+                </a:ext>
+              </a:extLst>
+            </p:cNvPr>
+            <p:cNvSpPr/>
+            <p:nvPr/>
+          </p:nvSpPr>
+          <p:spPr>
+            <a:xfrm>
+              <a:off x="3473450" y="1869281"/>
+              <a:ext cx="190500" cy="190500"/>
+            </a:xfrm>
+            <a:prstGeom prst="ellipse">
+              <a:avLst/>
+            </a:prstGeom>
+            <a:solidFill>
+              <a:schemeClr val="accent6">
+                <a:lumMod val="40000"/>
+                <a:lumOff val="60000"/>
+              </a:schemeClr>
+            </a:solidFill>
+            <a:ln>
+              <a:solidFill>
+                <a:schemeClr val="accent6">
+                  <a:lumMod val="75000"/>
+                </a:schemeClr>
+              </a:solidFill>
+            </a:ln>
+          </p:spPr>
+          <p:style>
+            <a:lnRef idx="2">
+              <a:schemeClr val="accent1">
+                <a:shade val="50000"/>
+              </a:schemeClr>
+            </a:lnRef>
+            <a:fillRef idx="1">
+              <a:schemeClr val="accent1"/>
+            </a:fillRef>
+            <a:effectRef idx="0">
+              <a:schemeClr val="accent1"/>
+            </a:effectRef>
+            <a:fontRef idx="minor">
+              <a:schemeClr val="lt1"/>
+            </a:fontRef>
+          </p:style>
+          <p:txBody>
+            <a:bodyPr rtlCol="0" anchor="ctr"/>
+            <a:lstStyle/>
+            <a:p>
+              <a:pPr algn="ctr"/>
+              <a:endParaRPr lang="en-US"/>
+            </a:p>
+          </p:txBody>
+        </p:sp>
+        <p:sp>
+          <p:nvSpPr>
+            <p:cNvPr id="119" name="Oval 118">
+              <a:extLst>
+                <a:ext uri="{FF2B5EF4-FFF2-40B4-BE49-F238E27FC236}">
+                  <a16:creationId xmlns:a16="http://schemas.microsoft.com/office/drawing/2014/main" id="{A761DB97-8790-495A-9F04-DECDE891203B}"/>
+                </a:ext>
+              </a:extLst>
+            </p:cNvPr>
+            <p:cNvSpPr/>
+            <p:nvPr/>
+          </p:nvSpPr>
+          <p:spPr>
+            <a:xfrm>
+              <a:off x="4222750" y="1869281"/>
+              <a:ext cx="190500" cy="190500"/>
+            </a:xfrm>
+            <a:prstGeom prst="ellipse">
+              <a:avLst/>
+            </a:prstGeom>
+            <a:solidFill>
+              <a:schemeClr val="accent6">
+                <a:lumMod val="40000"/>
+                <a:lumOff val="60000"/>
+              </a:schemeClr>
+            </a:solidFill>
+            <a:ln>
+              <a:solidFill>
+                <a:schemeClr val="accent6">
+                  <a:lumMod val="75000"/>
+                </a:schemeClr>
+              </a:solidFill>
+            </a:ln>
+          </p:spPr>
+          <p:style>
+            <a:lnRef idx="2">
+              <a:schemeClr val="accent1">
+                <a:shade val="50000"/>
+              </a:schemeClr>
+            </a:lnRef>
+            <a:fillRef idx="1">
+              <a:schemeClr val="accent1"/>
+            </a:fillRef>
+            <a:effectRef idx="0">
+              <a:schemeClr val="accent1"/>
+            </a:effectRef>
+            <a:fontRef idx="minor">
+              <a:schemeClr val="lt1"/>
+            </a:fontRef>
+          </p:style>
+          <p:txBody>
+            <a:bodyPr rtlCol="0" anchor="ctr"/>
+            <a:lstStyle/>
+            <a:p>
+              <a:pPr algn="ctr"/>
+              <a:endParaRPr lang="en-US"/>
+            </a:p>
+          </p:txBody>
+        </p:sp>
+        <p:cxnSp>
+          <p:nvCxnSpPr>
+            <p:cNvPr id="120" name="Straight Arrow Connector 119">
+              <a:extLst>
+                <a:ext uri="{FF2B5EF4-FFF2-40B4-BE49-F238E27FC236}">
+                  <a16:creationId xmlns:a16="http://schemas.microsoft.com/office/drawing/2014/main" id="{E7FA53FD-F103-43F5-8B05-DB4885747AE7}"/>
+                </a:ext>
+              </a:extLst>
+            </p:cNvPr>
+            <p:cNvCxnSpPr>
+              <a:stCxn id="117" idx="3"/>
+              <a:endCxn id="118" idx="6"/>
+            </p:cNvCxnSpPr>
+            <p:nvPr/>
+          </p:nvCxnSpPr>
+          <p:spPr>
+            <a:xfrm flipH="1">
+              <a:off x="3636052" y="1524677"/>
+              <a:ext cx="233596" cy="372502"/>
+            </a:xfrm>
+            <a:prstGeom prst="straightConnector1">
+              <a:avLst/>
+            </a:prstGeom>
+            <a:ln w="25400">
+              <a:tailEnd type="triangle"/>
+            </a:ln>
+          </p:spPr>
+          <p:style>
+            <a:lnRef idx="1">
+              <a:schemeClr val="accent1"/>
+            </a:lnRef>
+            <a:fillRef idx="0">
+              <a:schemeClr val="accent1"/>
+            </a:fillRef>
+            <a:effectRef idx="0">
+              <a:schemeClr val="accent1"/>
+            </a:effectRef>
+            <a:fontRef idx="minor">
+              <a:schemeClr val="tx1"/>
+            </a:fontRef>
+          </p:style>
+        </p:cxnSp>
+        <p:cxnSp>
+          <p:nvCxnSpPr>
+            <p:cNvPr id="121" name="Straight Arrow Connector 120">
+              <a:extLst>
+                <a:ext uri="{FF2B5EF4-FFF2-40B4-BE49-F238E27FC236}">
+                  <a16:creationId xmlns:a16="http://schemas.microsoft.com/office/drawing/2014/main" id="{295F335D-6DFB-4616-8B63-2D631663C6EB}"/>
+                </a:ext>
+              </a:extLst>
+            </p:cNvPr>
+            <p:cNvCxnSpPr>
+              <a:cxnSpLocks/>
+              <a:stCxn id="117" idx="5"/>
+              <a:endCxn id="119" idx="1"/>
+            </p:cNvCxnSpPr>
+            <p:nvPr/>
+          </p:nvCxnSpPr>
+          <p:spPr>
+            <a:xfrm>
+              <a:off x="4004352" y="1524677"/>
+              <a:ext cx="246296" cy="372502"/>
+            </a:xfrm>
+            <a:prstGeom prst="straightConnector1">
+              <a:avLst/>
+            </a:prstGeom>
+            <a:ln w="25400">
+              <a:solidFill>
+                <a:srgbClr val="0070C0"/>
+              </a:solidFill>
+              <a:tailEnd type="triangle"/>
+            </a:ln>
+          </p:spPr>
+          <p:style>
+            <a:lnRef idx="1">
+              <a:schemeClr val="accent1"/>
+            </a:lnRef>
+            <a:fillRef idx="0">
+              <a:schemeClr val="accent1"/>
+            </a:fillRef>
+            <a:effectRef idx="0">
+              <a:schemeClr val="accent1"/>
+            </a:effectRef>
+            <a:fontRef idx="minor">
+              <a:schemeClr val="tx1"/>
+            </a:fontRef>
+          </p:style>
+        </p:cxnSp>
+      </p:grpSp>
+      <p:sp>
+        <p:nvSpPr>
+          <p:cNvPr id="122" name="TextBox 121">
+            <a:extLst>
+              <a:ext uri="{FF2B5EF4-FFF2-40B4-BE49-F238E27FC236}">
+                <a16:creationId xmlns:a16="http://schemas.microsoft.com/office/drawing/2014/main" id="{224E5474-1B81-4BD7-AB89-9B8BBFEB997F}"/>
+              </a:ext>
+            </a:extLst>
+          </p:cNvPr>
+          <p:cNvSpPr txBox="1"/>
+          <p:nvPr/>
+        </p:nvSpPr>
+        <p:spPr>
+          <a:xfrm>
+            <a:off x="7466916" y="4017821"/>
+            <a:ext cx="701642" cy="369332"/>
+          </a:xfrm>
+          <a:prstGeom prst="rect">
+            <a:avLst/>
+          </a:prstGeom>
+          <a:noFill/>
+          <a:ln>
+            <a:solidFill>
+              <a:schemeClr val="tx1"/>
+            </a:solidFill>
+          </a:ln>
+        </p:spPr>
+        <p:txBody>
+          <a:bodyPr wrap="square" rtlCol="0">
+            <a:spAutoFit/>
+          </a:bodyPr>
+          <a:lstStyle/>
+          <a:p>
+            <a:r>
+              <a:rPr lang="en-US" dirty="0"/>
+              <a:t>Fixed</a:t>
+            </a:r>
+          </a:p>
+        </p:txBody>
+      </p:sp>
+      <p:sp>
+        <p:nvSpPr>
+          <p:cNvPr id="62" name="TextBox 61">
+            <a:extLst>
+              <a:ext uri="{FF2B5EF4-FFF2-40B4-BE49-F238E27FC236}">
+                <a16:creationId xmlns:a16="http://schemas.microsoft.com/office/drawing/2014/main" id="{0FBB995E-CC93-47D8-911F-13E92DFA7749}"/>
+              </a:ext>
+            </a:extLst>
+          </p:cNvPr>
+          <p:cNvSpPr txBox="1"/>
+          <p:nvPr/>
+        </p:nvSpPr>
+        <p:spPr>
+          <a:xfrm>
+            <a:off x="3718143" y="1622307"/>
+            <a:ext cx="502894" cy="307777"/>
+          </a:xfrm>
+          <a:prstGeom prst="rect">
+            <a:avLst/>
+          </a:prstGeom>
+          <a:noFill/>
+        </p:spPr>
+        <p:txBody>
+          <a:bodyPr wrap="square" rtlCol="0">
+            <a:spAutoFit/>
+          </a:bodyPr>
+          <a:lstStyle/>
+          <a:p>
+            <a:r>
+              <a:rPr lang="en-US" sz="1400" dirty="0"/>
+              <a:t>V1</a:t>
+            </a:r>
+          </a:p>
+        </p:txBody>
+      </p:sp>
+      <p:sp>
+        <p:nvSpPr>
+          <p:cNvPr id="63" name="TextBox 62">
+            <a:extLst>
+              <a:ext uri="{FF2B5EF4-FFF2-40B4-BE49-F238E27FC236}">
+                <a16:creationId xmlns:a16="http://schemas.microsoft.com/office/drawing/2014/main" id="{C866DB77-A5A2-4DA4-AA23-2048E7C3FF10}"/>
+              </a:ext>
+            </a:extLst>
+          </p:cNvPr>
+          <p:cNvSpPr txBox="1"/>
+          <p:nvPr/>
+        </p:nvSpPr>
+        <p:spPr>
+          <a:xfrm>
+            <a:off x="3042392" y="1968348"/>
+            <a:ext cx="502894" cy="307777"/>
+          </a:xfrm>
+          <a:prstGeom prst="rect">
+            <a:avLst/>
+          </a:prstGeom>
+          <a:noFill/>
+        </p:spPr>
+        <p:txBody>
+          <a:bodyPr wrap="square" rtlCol="0">
+            <a:spAutoFit/>
+          </a:bodyPr>
+          <a:lstStyle/>
+          <a:p>
+            <a:r>
+              <a:rPr lang="en-US" sz="1400" dirty="0"/>
+              <a:t>V2</a:t>
+            </a:r>
+          </a:p>
+        </p:txBody>
+      </p:sp>
+      <p:sp>
+        <p:nvSpPr>
+          <p:cNvPr id="64" name="TextBox 63">
+            <a:extLst>
+              <a:ext uri="{FF2B5EF4-FFF2-40B4-BE49-F238E27FC236}">
+                <a16:creationId xmlns:a16="http://schemas.microsoft.com/office/drawing/2014/main" id="{225DC76C-BD9A-42C4-B648-4F968FF15F85}"/>
+              </a:ext>
+            </a:extLst>
+          </p:cNvPr>
+          <p:cNvSpPr txBox="1"/>
+          <p:nvPr/>
+        </p:nvSpPr>
+        <p:spPr>
+          <a:xfrm>
+            <a:off x="3975798" y="1968569"/>
+            <a:ext cx="397656" cy="307777"/>
+          </a:xfrm>
+          <a:prstGeom prst="rect">
+            <a:avLst/>
+          </a:prstGeom>
+          <a:noFill/>
+        </p:spPr>
+        <p:txBody>
+          <a:bodyPr wrap="square" rtlCol="0">
+            <a:spAutoFit/>
+          </a:bodyPr>
+          <a:lstStyle/>
+          <a:p>
+            <a:r>
+              <a:rPr lang="en-US" sz="1400" dirty="0"/>
+              <a:t>V3</a:t>
+            </a:r>
+          </a:p>
+        </p:txBody>
+      </p:sp>
+      <p:sp>
+        <p:nvSpPr>
+          <p:cNvPr id="65" name="TextBox 64">
+            <a:extLst>
+              <a:ext uri="{FF2B5EF4-FFF2-40B4-BE49-F238E27FC236}">
+                <a16:creationId xmlns:a16="http://schemas.microsoft.com/office/drawing/2014/main" id="{8E38DFC1-E151-4977-AAA6-7AB8AFDC3624}"/>
+              </a:ext>
+            </a:extLst>
+          </p:cNvPr>
+          <p:cNvSpPr txBox="1"/>
+          <p:nvPr/>
+        </p:nvSpPr>
+        <p:spPr>
+          <a:xfrm>
+            <a:off x="3434617" y="2445211"/>
+            <a:ext cx="401443" cy="307777"/>
+          </a:xfrm>
+          <a:prstGeom prst="rect">
+            <a:avLst/>
+          </a:prstGeom>
+          <a:noFill/>
+        </p:spPr>
+        <p:txBody>
+          <a:bodyPr wrap="square" rtlCol="0">
+            <a:spAutoFit/>
+          </a:bodyPr>
+          <a:lstStyle/>
+          <a:p>
+            <a:r>
+              <a:rPr lang="en-US" sz="1400" dirty="0"/>
+              <a:t>V4</a:t>
+            </a:r>
+          </a:p>
+        </p:txBody>
+      </p:sp>
+      <p:sp>
+        <p:nvSpPr>
+          <p:cNvPr id="66" name="TextBox 65">
+            <a:extLst>
+              <a:ext uri="{FF2B5EF4-FFF2-40B4-BE49-F238E27FC236}">
+                <a16:creationId xmlns:a16="http://schemas.microsoft.com/office/drawing/2014/main" id="{59CD9354-0B06-4D1E-AD69-23BCBB84CEC0}"/>
+              </a:ext>
+            </a:extLst>
+          </p:cNvPr>
+          <p:cNvSpPr txBox="1"/>
+          <p:nvPr/>
+        </p:nvSpPr>
+        <p:spPr>
+          <a:xfrm>
+            <a:off x="4244265" y="2429312"/>
+            <a:ext cx="443651" cy="307777"/>
+          </a:xfrm>
+          <a:prstGeom prst="rect">
+            <a:avLst/>
+          </a:prstGeom>
+          <a:noFill/>
+        </p:spPr>
+        <p:txBody>
+          <a:bodyPr wrap="square" rtlCol="0">
+            <a:spAutoFit/>
+          </a:bodyPr>
+          <a:lstStyle/>
+          <a:p>
+            <a:r>
+              <a:rPr lang="en-US" sz="1400" dirty="0"/>
+              <a:t>V5</a:t>
+            </a:r>
+          </a:p>
+        </p:txBody>
+      </p:sp>
+      <p:sp>
+        <p:nvSpPr>
+          <p:cNvPr id="77" name="TextBox 76">
+            <a:extLst>
+              <a:ext uri="{FF2B5EF4-FFF2-40B4-BE49-F238E27FC236}">
+                <a16:creationId xmlns:a16="http://schemas.microsoft.com/office/drawing/2014/main" id="{CED4A8A1-C7AF-4F31-A68D-420B8E020DF5}"/>
+              </a:ext>
+            </a:extLst>
+          </p:cNvPr>
+          <p:cNvSpPr txBox="1"/>
+          <p:nvPr/>
+        </p:nvSpPr>
+        <p:spPr>
+          <a:xfrm>
+            <a:off x="7947213" y="1970252"/>
+            <a:ext cx="502894" cy="307777"/>
+          </a:xfrm>
+          <a:prstGeom prst="rect">
+            <a:avLst/>
+          </a:prstGeom>
+          <a:noFill/>
+        </p:spPr>
+        <p:txBody>
+          <a:bodyPr wrap="square" rtlCol="0">
+            <a:spAutoFit/>
+          </a:bodyPr>
+          <a:lstStyle/>
+          <a:p>
+            <a:r>
+              <a:rPr lang="en-US" sz="1400" dirty="0"/>
+              <a:t>V’3</a:t>
+            </a:r>
+          </a:p>
+        </p:txBody>
+      </p:sp>
+      <p:sp>
+        <p:nvSpPr>
+          <p:cNvPr id="81" name="TextBox 80">
+            <a:extLst>
+              <a:ext uri="{FF2B5EF4-FFF2-40B4-BE49-F238E27FC236}">
+                <a16:creationId xmlns:a16="http://schemas.microsoft.com/office/drawing/2014/main" id="{BEE5486B-7259-4159-8304-F2A8886E5712}"/>
+              </a:ext>
+            </a:extLst>
+          </p:cNvPr>
+          <p:cNvSpPr txBox="1"/>
+          <p:nvPr/>
+        </p:nvSpPr>
+        <p:spPr>
+          <a:xfrm>
+            <a:off x="8231731" y="2443409"/>
+            <a:ext cx="502894" cy="307777"/>
+          </a:xfrm>
+          <a:prstGeom prst="rect">
+            <a:avLst/>
+          </a:prstGeom>
+          <a:noFill/>
+        </p:spPr>
+        <p:txBody>
+          <a:bodyPr wrap="square" rtlCol="0">
+            <a:spAutoFit/>
+          </a:bodyPr>
+          <a:lstStyle/>
+          <a:p>
+            <a:r>
+              <a:rPr lang="en-US" sz="1400" dirty="0"/>
+              <a:t>V’5</a:t>
+            </a:r>
+          </a:p>
+        </p:txBody>
+      </p:sp>
+      <p:grpSp>
+        <p:nvGrpSpPr>
+          <p:cNvPr id="3" name="Group 2">
+            <a:extLst>
+              <a:ext uri="{FF2B5EF4-FFF2-40B4-BE49-F238E27FC236}">
+                <a16:creationId xmlns:a16="http://schemas.microsoft.com/office/drawing/2014/main" id="{98657B49-8BC6-4345-BA5E-FA2D0BC073AE}"/>
+              </a:ext>
+            </a:extLst>
+          </p:cNvPr>
+          <p:cNvGrpSpPr/>
+          <p:nvPr/>
+        </p:nvGrpSpPr>
+        <p:grpSpPr>
+          <a:xfrm>
+            <a:off x="4425285" y="1555259"/>
+            <a:ext cx="599169" cy="607202"/>
+            <a:chOff x="4425285" y="1555259"/>
+            <a:chExt cx="599169" cy="607202"/>
+          </a:xfrm>
+        </p:grpSpPr>
+        <p:grpSp>
+          <p:nvGrpSpPr>
+            <p:cNvPr id="2" name="Group 1">
+              <a:extLst>
+                <a:ext uri="{FF2B5EF4-FFF2-40B4-BE49-F238E27FC236}">
+                  <a16:creationId xmlns:a16="http://schemas.microsoft.com/office/drawing/2014/main" id="{D96AA0F9-8462-4BC8-B364-86A3C332580F}"/>
+                </a:ext>
+              </a:extLst>
+            </p:cNvPr>
+            <p:cNvGrpSpPr/>
+            <p:nvPr/>
+          </p:nvGrpSpPr>
+          <p:grpSpPr>
+            <a:xfrm>
+              <a:off x="4425285" y="1608967"/>
+              <a:ext cx="509943" cy="553494"/>
+              <a:chOff x="4425285" y="1608967"/>
+              <a:chExt cx="509943" cy="553494"/>
+            </a:xfrm>
+          </p:grpSpPr>
+          <p:cxnSp>
+            <p:nvCxnSpPr>
+              <p:cNvPr id="76" name="Straight Arrow Connector 75">
+                <a:extLst>
+                  <a:ext uri="{FF2B5EF4-FFF2-40B4-BE49-F238E27FC236}">
+                    <a16:creationId xmlns:a16="http://schemas.microsoft.com/office/drawing/2014/main" id="{79185833-1F06-46BC-B258-D8B677D60BAF}"/>
+                  </a:ext>
+                </a:extLst>
+              </p:cNvPr>
+              <p:cNvCxnSpPr/>
+              <p:nvPr/>
+            </p:nvCxnSpPr>
+            <p:spPr>
+              <a:xfrm flipV="1">
+                <a:off x="4596193" y="2089592"/>
+                <a:ext cx="332860" cy="2649"/>
+              </a:xfrm>
+              <a:prstGeom prst="straightConnector1">
+                <a:avLst/>
+              </a:prstGeom>
+              <a:ln w="25400">
+                <a:tailEnd type="triangle"/>
+              </a:ln>
+            </p:spPr>
+            <p:style>
+              <a:lnRef idx="1">
+                <a:schemeClr val="accent1"/>
+              </a:lnRef>
+              <a:fillRef idx="0">
+                <a:schemeClr val="accent1"/>
+              </a:fillRef>
+              <a:effectRef idx="0">
+                <a:schemeClr val="accent1"/>
+              </a:effectRef>
+              <a:fontRef idx="minor">
+                <a:schemeClr val="tx1"/>
+              </a:fontRef>
+            </p:style>
+          </p:cxnSp>
+          <p:sp>
+            <p:nvSpPr>
+              <p:cNvPr id="85" name="TextBox 84">
+                <a:extLst>
+                  <a:ext uri="{FF2B5EF4-FFF2-40B4-BE49-F238E27FC236}">
+                    <a16:creationId xmlns:a16="http://schemas.microsoft.com/office/drawing/2014/main" id="{5498D26F-41EF-491B-8CDA-7D2956D725B2}"/>
+                  </a:ext>
+                </a:extLst>
+              </p:cNvPr>
+              <p:cNvSpPr txBox="1"/>
+              <p:nvPr/>
+            </p:nvSpPr>
+            <p:spPr>
+              <a:xfrm>
+                <a:off x="4425285" y="1608967"/>
+                <a:ext cx="385287" cy="523220"/>
+              </a:xfrm>
+              <a:prstGeom prst="rect">
+                <a:avLst/>
+              </a:prstGeom>
+              <a:noFill/>
+            </p:spPr>
+            <p:txBody>
+              <a:bodyPr wrap="square" rtlCol="0">
+                <a:spAutoFit/>
+              </a:bodyPr>
+              <a:lstStyle/>
+              <a:p>
+                <a:r>
+                  <a:rPr lang="en-US" sz="2800" i="1" dirty="0">
+                    <a:solidFill>
+                      <a:srgbClr val="FF0000"/>
+                    </a:solidFill>
+                  </a:rPr>
+                  <a:t>T</a:t>
+                </a:r>
+              </a:p>
+            </p:txBody>
+          </p:sp>
+          <p:sp>
+            <p:nvSpPr>
+              <p:cNvPr id="86" name="TextBox 85">
+                <a:extLst>
+                  <a:ext uri="{FF2B5EF4-FFF2-40B4-BE49-F238E27FC236}">
+                    <a16:creationId xmlns:a16="http://schemas.microsoft.com/office/drawing/2014/main" id="{657150BC-5DD3-4330-8397-6785884449BC}"/>
+                  </a:ext>
+                </a:extLst>
+              </p:cNvPr>
+              <p:cNvSpPr txBox="1"/>
+              <p:nvPr/>
+            </p:nvSpPr>
+            <p:spPr>
+              <a:xfrm>
+                <a:off x="4549941" y="1793129"/>
+                <a:ext cx="385287" cy="369332"/>
+              </a:xfrm>
+              <a:prstGeom prst="rect">
+                <a:avLst/>
+              </a:prstGeom>
+              <a:noFill/>
+            </p:spPr>
+            <p:txBody>
+              <a:bodyPr wrap="square" rtlCol="0">
+                <a:spAutoFit/>
+              </a:bodyPr>
+              <a:lstStyle/>
+              <a:p>
+                <a:r>
+                  <a:rPr lang="en-US" i="1" dirty="0">
+                    <a:solidFill>
+                      <a:srgbClr val="FF0000"/>
+                    </a:solidFill>
+                  </a:rPr>
+                  <a:t>b</a:t>
+                </a:r>
+              </a:p>
+            </p:txBody>
+          </p:sp>
+        </p:grpSp>
+        <p:sp>
+          <p:nvSpPr>
+            <p:cNvPr id="87" name="TextBox 86">
+              <a:extLst>
+                <a:ext uri="{FF2B5EF4-FFF2-40B4-BE49-F238E27FC236}">
+                  <a16:creationId xmlns:a16="http://schemas.microsoft.com/office/drawing/2014/main" id="{F4769F22-EB39-463E-A3CF-048AB18BCBE9}"/>
+                </a:ext>
+              </a:extLst>
+            </p:cNvPr>
+            <p:cNvSpPr txBox="1"/>
+            <p:nvPr/>
+          </p:nvSpPr>
+          <p:spPr>
+            <a:xfrm>
+              <a:off x="4639167" y="1555259"/>
+              <a:ext cx="385287" cy="338554"/>
+            </a:xfrm>
+            <a:prstGeom prst="rect">
+              <a:avLst/>
+            </a:prstGeom>
+            <a:noFill/>
+          </p:spPr>
+          <p:txBody>
+            <a:bodyPr wrap="square" rtlCol="0">
+              <a:spAutoFit/>
+            </a:bodyPr>
+            <a:lstStyle/>
+            <a:p>
+              <a:r>
+                <a:rPr lang="en-US" sz="1600" i="1" dirty="0">
+                  <a:solidFill>
+                    <a:srgbClr val="FF0000"/>
+                  </a:solidFill>
+                </a:rPr>
+                <a:t>M</a:t>
+              </a:r>
+            </a:p>
+          </p:txBody>
+        </p:sp>
+      </p:grpSp>
+      <p:grpSp>
+        <p:nvGrpSpPr>
+          <p:cNvPr id="95" name="Group 94">
+            <a:extLst>
+              <a:ext uri="{FF2B5EF4-FFF2-40B4-BE49-F238E27FC236}">
+                <a16:creationId xmlns:a16="http://schemas.microsoft.com/office/drawing/2014/main" id="{FF8A3B2B-7D00-4B31-8ECF-023DFAC263F5}"/>
+              </a:ext>
+            </a:extLst>
+          </p:cNvPr>
+          <p:cNvGrpSpPr/>
+          <p:nvPr/>
+        </p:nvGrpSpPr>
+        <p:grpSpPr>
+          <a:xfrm>
+            <a:off x="4452540" y="3276570"/>
+            <a:ext cx="599169" cy="607202"/>
+            <a:chOff x="4425285" y="1555259"/>
+            <a:chExt cx="599169" cy="607202"/>
+          </a:xfrm>
+        </p:grpSpPr>
+        <p:grpSp>
+          <p:nvGrpSpPr>
+            <p:cNvPr id="96" name="Group 95">
+              <a:extLst>
+                <a:ext uri="{FF2B5EF4-FFF2-40B4-BE49-F238E27FC236}">
+                  <a16:creationId xmlns:a16="http://schemas.microsoft.com/office/drawing/2014/main" id="{A473CFC0-3700-4694-B216-22A4701E4F16}"/>
+                </a:ext>
+              </a:extLst>
+            </p:cNvPr>
+            <p:cNvGrpSpPr/>
+            <p:nvPr/>
+          </p:nvGrpSpPr>
+          <p:grpSpPr>
+            <a:xfrm>
+              <a:off x="4425285" y="1608967"/>
+              <a:ext cx="509943" cy="553494"/>
+              <a:chOff x="4425285" y="1608967"/>
+              <a:chExt cx="509943" cy="553494"/>
+            </a:xfrm>
+          </p:grpSpPr>
+          <p:cxnSp>
+            <p:nvCxnSpPr>
+              <p:cNvPr id="104" name="Straight Arrow Connector 103">
+                <a:extLst>
+                  <a:ext uri="{FF2B5EF4-FFF2-40B4-BE49-F238E27FC236}">
+                    <a16:creationId xmlns:a16="http://schemas.microsoft.com/office/drawing/2014/main" id="{A096E501-939D-4929-9B89-C599879295EB}"/>
+                  </a:ext>
+                </a:extLst>
+              </p:cNvPr>
+              <p:cNvCxnSpPr/>
+              <p:nvPr/>
+            </p:nvCxnSpPr>
+            <p:spPr>
+              <a:xfrm flipV="1">
+                <a:off x="4596193" y="2089592"/>
+                <a:ext cx="332860" cy="2649"/>
+              </a:xfrm>
+              <a:prstGeom prst="straightConnector1">
+                <a:avLst/>
+              </a:prstGeom>
+              <a:ln w="25400">
+                <a:tailEnd type="triangle"/>
+              </a:ln>
+            </p:spPr>
+            <p:style>
+              <a:lnRef idx="1">
+                <a:schemeClr val="accent1"/>
+              </a:lnRef>
+              <a:fillRef idx="0">
+                <a:schemeClr val="accent1"/>
+              </a:fillRef>
+              <a:effectRef idx="0">
+                <a:schemeClr val="accent1"/>
+              </a:effectRef>
+              <a:fontRef idx="minor">
+                <a:schemeClr val="tx1"/>
+              </a:fontRef>
+            </p:style>
+          </p:cxnSp>
+          <p:sp>
+            <p:nvSpPr>
+              <p:cNvPr id="109" name="TextBox 108">
+                <a:extLst>
+                  <a:ext uri="{FF2B5EF4-FFF2-40B4-BE49-F238E27FC236}">
+                    <a16:creationId xmlns:a16="http://schemas.microsoft.com/office/drawing/2014/main" id="{8A9DE511-D509-4F90-8A09-1BAF8F305927}"/>
+                  </a:ext>
+                </a:extLst>
+              </p:cNvPr>
+              <p:cNvSpPr txBox="1"/>
+              <p:nvPr/>
+            </p:nvSpPr>
+            <p:spPr>
+              <a:xfrm>
+                <a:off x="4425285" y="1608967"/>
+                <a:ext cx="385287" cy="523220"/>
+              </a:xfrm>
+              <a:prstGeom prst="rect">
+                <a:avLst/>
+              </a:prstGeom>
+              <a:noFill/>
+            </p:spPr>
+            <p:txBody>
+              <a:bodyPr wrap="square" rtlCol="0">
+                <a:spAutoFit/>
+              </a:bodyPr>
+              <a:lstStyle/>
+              <a:p>
+                <a:r>
+                  <a:rPr lang="en-US" sz="2800" i="1" dirty="0">
+                    <a:solidFill>
+                      <a:srgbClr val="FF0000"/>
+                    </a:solidFill>
+                  </a:rPr>
+                  <a:t>T</a:t>
+                </a:r>
+              </a:p>
+            </p:txBody>
+          </p:sp>
+          <p:sp>
+            <p:nvSpPr>
+              <p:cNvPr id="115" name="TextBox 114">
+                <a:extLst>
+                  <a:ext uri="{FF2B5EF4-FFF2-40B4-BE49-F238E27FC236}">
+                    <a16:creationId xmlns:a16="http://schemas.microsoft.com/office/drawing/2014/main" id="{7B00F30E-EBFD-4843-A860-B7688FE88E40}"/>
+                  </a:ext>
+                </a:extLst>
+              </p:cNvPr>
+              <p:cNvSpPr txBox="1"/>
+              <p:nvPr/>
+            </p:nvSpPr>
+            <p:spPr>
+              <a:xfrm>
+                <a:off x="4549941" y="1793129"/>
+                <a:ext cx="385287" cy="369332"/>
+              </a:xfrm>
+              <a:prstGeom prst="rect">
+                <a:avLst/>
+              </a:prstGeom>
+              <a:noFill/>
+            </p:spPr>
+            <p:txBody>
+              <a:bodyPr wrap="square" rtlCol="0">
+                <a:spAutoFit/>
+              </a:bodyPr>
+              <a:lstStyle/>
+              <a:p>
+                <a:r>
+                  <a:rPr lang="en-US" i="1" dirty="0">
+                    <a:solidFill>
+                      <a:srgbClr val="FF0000"/>
+                    </a:solidFill>
+                  </a:rPr>
+                  <a:t>b</a:t>
+                </a:r>
+              </a:p>
+            </p:txBody>
+          </p:sp>
+        </p:grpSp>
+        <p:sp>
+          <p:nvSpPr>
+            <p:cNvPr id="102" name="TextBox 101">
+              <a:extLst>
+                <a:ext uri="{FF2B5EF4-FFF2-40B4-BE49-F238E27FC236}">
+                  <a16:creationId xmlns:a16="http://schemas.microsoft.com/office/drawing/2014/main" id="{22DE14FF-927E-4985-91BA-07EF2FE227BC}"/>
+                </a:ext>
+              </a:extLst>
+            </p:cNvPr>
+            <p:cNvSpPr txBox="1"/>
+            <p:nvPr/>
+          </p:nvSpPr>
+          <p:spPr>
+            <a:xfrm>
+              <a:off x="4639167" y="1555259"/>
+              <a:ext cx="385287" cy="338554"/>
+            </a:xfrm>
+            <a:prstGeom prst="rect">
+              <a:avLst/>
+            </a:prstGeom>
+            <a:noFill/>
+          </p:spPr>
+          <p:txBody>
+            <a:bodyPr wrap="square" rtlCol="0">
+              <a:spAutoFit/>
+            </a:bodyPr>
+            <a:lstStyle/>
+            <a:p>
+              <a:r>
+                <a:rPr lang="en-US" sz="1600" i="1" dirty="0">
+                  <a:solidFill>
+                    <a:srgbClr val="FF0000"/>
+                  </a:solidFill>
+                </a:rPr>
+                <a:t>S</a:t>
+              </a:r>
+            </a:p>
+          </p:txBody>
+        </p:sp>
+      </p:grpSp>
+      <p:grpSp>
+        <p:nvGrpSpPr>
+          <p:cNvPr id="14" name="Group 13">
+            <a:extLst>
+              <a:ext uri="{FF2B5EF4-FFF2-40B4-BE49-F238E27FC236}">
+                <a16:creationId xmlns:a16="http://schemas.microsoft.com/office/drawing/2014/main" id="{30526BB8-9D88-4CCB-B7B4-878B0AB9AB59}"/>
+              </a:ext>
+            </a:extLst>
+          </p:cNvPr>
+          <p:cNvGrpSpPr/>
+          <p:nvPr/>
+        </p:nvGrpSpPr>
+        <p:grpSpPr>
+          <a:xfrm>
+            <a:off x="6785381" y="1549921"/>
+            <a:ext cx="599169" cy="607202"/>
+            <a:chOff x="6313108" y="4870309"/>
+            <a:chExt cx="599169" cy="607202"/>
+          </a:xfrm>
+        </p:grpSpPr>
+        <p:sp>
+          <p:nvSpPr>
+            <p:cNvPr id="127" name="TextBox 126">
+              <a:extLst>
+                <a:ext uri="{FF2B5EF4-FFF2-40B4-BE49-F238E27FC236}">
+                  <a16:creationId xmlns:a16="http://schemas.microsoft.com/office/drawing/2014/main" id="{5C868088-4370-4DF3-A707-C42FF48DB954}"/>
+                </a:ext>
+              </a:extLst>
+            </p:cNvPr>
+            <p:cNvSpPr txBox="1"/>
+            <p:nvPr/>
+          </p:nvSpPr>
+          <p:spPr>
+            <a:xfrm>
+              <a:off x="6313108" y="4924017"/>
+              <a:ext cx="385287" cy="523220"/>
+            </a:xfrm>
+            <a:prstGeom prst="rect">
+              <a:avLst/>
+            </a:prstGeom>
+            <a:noFill/>
+          </p:spPr>
+          <p:txBody>
+            <a:bodyPr wrap="square" rtlCol="0">
+              <a:spAutoFit/>
+            </a:bodyPr>
+            <a:lstStyle/>
+            <a:p>
+              <a:r>
+                <a:rPr lang="en-US" sz="2800" i="1" dirty="0">
+                  <a:solidFill>
+                    <a:schemeClr val="accent6">
+                      <a:lumMod val="75000"/>
+                    </a:schemeClr>
+                  </a:solidFill>
+                </a:rPr>
+                <a:t>T</a:t>
+              </a:r>
+            </a:p>
+          </p:txBody>
+        </p:sp>
+        <p:sp>
+          <p:nvSpPr>
+            <p:cNvPr id="128" name="TextBox 127">
+              <a:extLst>
+                <a:ext uri="{FF2B5EF4-FFF2-40B4-BE49-F238E27FC236}">
+                  <a16:creationId xmlns:a16="http://schemas.microsoft.com/office/drawing/2014/main" id="{DBC469B2-76EA-44C3-A1B2-6086873358CC}"/>
+                </a:ext>
+              </a:extLst>
+            </p:cNvPr>
+            <p:cNvSpPr txBox="1"/>
+            <p:nvPr/>
+          </p:nvSpPr>
+          <p:spPr>
+            <a:xfrm>
+              <a:off x="6437764" y="5108179"/>
+              <a:ext cx="385287" cy="369332"/>
+            </a:xfrm>
+            <a:prstGeom prst="rect">
+              <a:avLst/>
+            </a:prstGeom>
+            <a:noFill/>
+          </p:spPr>
+          <p:txBody>
+            <a:bodyPr wrap="square" rtlCol="0">
+              <a:spAutoFit/>
+            </a:bodyPr>
+            <a:lstStyle/>
+            <a:p>
+              <a:r>
+                <a:rPr lang="en-US" i="1" dirty="0">
+                  <a:solidFill>
+                    <a:schemeClr val="accent6">
+                      <a:lumMod val="75000"/>
+                    </a:schemeClr>
+                  </a:solidFill>
+                </a:rPr>
+                <a:t>f</a:t>
+              </a:r>
+            </a:p>
+          </p:txBody>
+        </p:sp>
+        <p:sp>
+          <p:nvSpPr>
+            <p:cNvPr id="125" name="TextBox 124">
+              <a:extLst>
+                <a:ext uri="{FF2B5EF4-FFF2-40B4-BE49-F238E27FC236}">
+                  <a16:creationId xmlns:a16="http://schemas.microsoft.com/office/drawing/2014/main" id="{71F17790-6C6E-4208-871E-92DC0A7331A4}"/>
+                </a:ext>
+              </a:extLst>
+            </p:cNvPr>
+            <p:cNvSpPr txBox="1"/>
+            <p:nvPr/>
+          </p:nvSpPr>
+          <p:spPr>
+            <a:xfrm>
+              <a:off x="6526990" y="4870309"/>
+              <a:ext cx="385287" cy="338554"/>
+            </a:xfrm>
+            <a:prstGeom prst="rect">
+              <a:avLst/>
+            </a:prstGeom>
+            <a:noFill/>
+          </p:spPr>
+          <p:txBody>
+            <a:bodyPr wrap="square" rtlCol="0">
+              <a:spAutoFit/>
+            </a:bodyPr>
+            <a:lstStyle/>
+            <a:p>
+              <a:r>
+                <a:rPr lang="en-US" sz="1600" i="1" dirty="0">
+                  <a:solidFill>
+                    <a:schemeClr val="accent6">
+                      <a:lumMod val="75000"/>
+                    </a:schemeClr>
+                  </a:solidFill>
+                </a:rPr>
+                <a:t>M</a:t>
+              </a:r>
+            </a:p>
+          </p:txBody>
+        </p:sp>
+      </p:grpSp>
+      <p:grpSp>
+        <p:nvGrpSpPr>
+          <p:cNvPr id="129" name="Group 128">
+            <a:extLst>
+              <a:ext uri="{FF2B5EF4-FFF2-40B4-BE49-F238E27FC236}">
+                <a16:creationId xmlns:a16="http://schemas.microsoft.com/office/drawing/2014/main" id="{B932FD4E-3DE0-4E27-AD36-AACF9704580C}"/>
+              </a:ext>
+            </a:extLst>
+          </p:cNvPr>
+          <p:cNvGrpSpPr/>
+          <p:nvPr/>
+        </p:nvGrpSpPr>
+        <p:grpSpPr>
+          <a:xfrm>
+            <a:off x="6833195" y="3218127"/>
+            <a:ext cx="599169" cy="607202"/>
+            <a:chOff x="6313108" y="4870309"/>
+            <a:chExt cx="599169" cy="607202"/>
+          </a:xfrm>
+        </p:grpSpPr>
+        <p:sp>
+          <p:nvSpPr>
+            <p:cNvPr id="130" name="TextBox 129">
+              <a:extLst>
+                <a:ext uri="{FF2B5EF4-FFF2-40B4-BE49-F238E27FC236}">
+                  <a16:creationId xmlns:a16="http://schemas.microsoft.com/office/drawing/2014/main" id="{5167123D-4984-4B73-A37B-7B089BC81094}"/>
+                </a:ext>
+              </a:extLst>
+            </p:cNvPr>
+            <p:cNvSpPr txBox="1"/>
+            <p:nvPr/>
+          </p:nvSpPr>
+          <p:spPr>
+            <a:xfrm>
+              <a:off x="6313108" y="4924017"/>
+              <a:ext cx="385287" cy="523220"/>
+            </a:xfrm>
+            <a:prstGeom prst="rect">
+              <a:avLst/>
+            </a:prstGeom>
+            <a:noFill/>
+          </p:spPr>
+          <p:txBody>
+            <a:bodyPr wrap="square" rtlCol="0">
+              <a:spAutoFit/>
+            </a:bodyPr>
+            <a:lstStyle/>
+            <a:p>
+              <a:r>
+                <a:rPr lang="en-US" sz="2800" i="1" dirty="0">
+                  <a:solidFill>
+                    <a:schemeClr val="accent6">
+                      <a:lumMod val="75000"/>
+                    </a:schemeClr>
+                  </a:solidFill>
+                </a:rPr>
+                <a:t>T</a:t>
+              </a:r>
+            </a:p>
+          </p:txBody>
+        </p:sp>
+        <p:sp>
+          <p:nvSpPr>
+            <p:cNvPr id="131" name="TextBox 130">
+              <a:extLst>
+                <a:ext uri="{FF2B5EF4-FFF2-40B4-BE49-F238E27FC236}">
+                  <a16:creationId xmlns:a16="http://schemas.microsoft.com/office/drawing/2014/main" id="{B26FFA9C-737C-40FE-92D5-E2B138A5C246}"/>
+                </a:ext>
+              </a:extLst>
+            </p:cNvPr>
+            <p:cNvSpPr txBox="1"/>
+            <p:nvPr/>
+          </p:nvSpPr>
+          <p:spPr>
+            <a:xfrm>
+              <a:off x="6437764" y="5108179"/>
+              <a:ext cx="385287" cy="369332"/>
+            </a:xfrm>
+            <a:prstGeom prst="rect">
+              <a:avLst/>
+            </a:prstGeom>
+            <a:noFill/>
+          </p:spPr>
+          <p:txBody>
+            <a:bodyPr wrap="square" rtlCol="0">
+              <a:spAutoFit/>
+            </a:bodyPr>
+            <a:lstStyle/>
+            <a:p>
+              <a:r>
+                <a:rPr lang="en-US" i="1" dirty="0">
+                  <a:solidFill>
+                    <a:schemeClr val="accent6">
+                      <a:lumMod val="75000"/>
+                    </a:schemeClr>
+                  </a:solidFill>
+                </a:rPr>
+                <a:t>f</a:t>
+              </a:r>
+            </a:p>
+          </p:txBody>
+        </p:sp>
+        <p:sp>
+          <p:nvSpPr>
+            <p:cNvPr id="132" name="TextBox 131">
+              <a:extLst>
+                <a:ext uri="{FF2B5EF4-FFF2-40B4-BE49-F238E27FC236}">
+                  <a16:creationId xmlns:a16="http://schemas.microsoft.com/office/drawing/2014/main" id="{662BF814-E6D1-4964-8ACF-E20C301810F8}"/>
+                </a:ext>
+              </a:extLst>
+            </p:cNvPr>
+            <p:cNvSpPr txBox="1"/>
+            <p:nvPr/>
+          </p:nvSpPr>
+          <p:spPr>
+            <a:xfrm>
+              <a:off x="6526990" y="4870309"/>
+              <a:ext cx="385287" cy="338554"/>
+            </a:xfrm>
+            <a:prstGeom prst="rect">
+              <a:avLst/>
+            </a:prstGeom>
+            <a:noFill/>
+          </p:spPr>
+          <p:txBody>
+            <a:bodyPr wrap="square" rtlCol="0">
+              <a:spAutoFit/>
+            </a:bodyPr>
+            <a:lstStyle/>
+            <a:p>
+              <a:r>
+                <a:rPr lang="en-US" sz="1600" i="1" dirty="0">
+                  <a:solidFill>
+                    <a:schemeClr val="accent6">
+                      <a:lumMod val="75000"/>
+                    </a:schemeClr>
+                  </a:solidFill>
+                </a:rPr>
+                <a:t>S</a:t>
+              </a:r>
+            </a:p>
+          </p:txBody>
+        </p:sp>
+      </p:grpSp>
+      <p:sp>
+        <p:nvSpPr>
+          <p:cNvPr id="92" name="TextBox 91">
+            <a:extLst>
+              <a:ext uri="{FF2B5EF4-FFF2-40B4-BE49-F238E27FC236}">
+                <a16:creationId xmlns:a16="http://schemas.microsoft.com/office/drawing/2014/main" id="{52C26D73-3F13-4774-AF82-9EDE5D9F4A23}"/>
+              </a:ext>
+            </a:extLst>
+          </p:cNvPr>
+          <p:cNvSpPr txBox="1"/>
+          <p:nvPr/>
+        </p:nvSpPr>
+        <p:spPr>
+          <a:xfrm>
+            <a:off x="3405525" y="3484307"/>
+            <a:ext cx="401443" cy="307777"/>
+          </a:xfrm>
+          <a:prstGeom prst="rect">
+            <a:avLst/>
+          </a:prstGeom>
+          <a:noFill/>
+        </p:spPr>
+        <p:txBody>
+          <a:bodyPr wrap="square" rtlCol="0">
+            <a:spAutoFit/>
+          </a:bodyPr>
+          <a:lstStyle/>
+          <a:p>
+            <a:r>
+              <a:rPr lang="en-US" sz="1400" dirty="0"/>
+              <a:t>V4</a:t>
+            </a:r>
+          </a:p>
+        </p:txBody>
+      </p:sp>
+      <p:sp>
+        <p:nvSpPr>
+          <p:cNvPr id="93" name="TextBox 92">
+            <a:extLst>
+              <a:ext uri="{FF2B5EF4-FFF2-40B4-BE49-F238E27FC236}">
+                <a16:creationId xmlns:a16="http://schemas.microsoft.com/office/drawing/2014/main" id="{CD998042-20F2-453B-9631-F98853661A5B}"/>
+              </a:ext>
+            </a:extLst>
+          </p:cNvPr>
+          <p:cNvSpPr txBox="1"/>
+          <p:nvPr/>
+        </p:nvSpPr>
+        <p:spPr>
+          <a:xfrm>
+            <a:off x="3970267" y="3030504"/>
+            <a:ext cx="397656" cy="307777"/>
+          </a:xfrm>
+          <a:prstGeom prst="rect">
+            <a:avLst/>
+          </a:prstGeom>
+          <a:noFill/>
+        </p:spPr>
+        <p:txBody>
+          <a:bodyPr wrap="square" rtlCol="0">
+            <a:spAutoFit/>
+          </a:bodyPr>
+          <a:lstStyle/>
+          <a:p>
+            <a:r>
+              <a:rPr lang="en-US" sz="1400" dirty="0"/>
+              <a:t>V3</a:t>
+            </a:r>
+          </a:p>
+        </p:txBody>
+      </p:sp>
+      <p:sp>
+        <p:nvSpPr>
+          <p:cNvPr id="99" name="TextBox 98">
+            <a:extLst>
+              <a:ext uri="{FF2B5EF4-FFF2-40B4-BE49-F238E27FC236}">
+                <a16:creationId xmlns:a16="http://schemas.microsoft.com/office/drawing/2014/main" id="{7F34BDE8-0154-4405-A2E5-6B82BA0E8864}"/>
+              </a:ext>
+            </a:extLst>
+          </p:cNvPr>
+          <p:cNvSpPr txBox="1"/>
+          <p:nvPr/>
+        </p:nvSpPr>
+        <p:spPr>
+          <a:xfrm>
+            <a:off x="4216006" y="3491500"/>
+            <a:ext cx="443651" cy="307777"/>
+          </a:xfrm>
+          <a:prstGeom prst="rect">
+            <a:avLst/>
+          </a:prstGeom>
+          <a:noFill/>
+        </p:spPr>
+        <p:txBody>
+          <a:bodyPr wrap="square" rtlCol="0">
+            <a:spAutoFit/>
+          </a:bodyPr>
+          <a:lstStyle/>
+          <a:p>
+            <a:r>
+              <a:rPr lang="en-US" sz="1400" dirty="0"/>
+              <a:t>V5</a:t>
+            </a:r>
+          </a:p>
+        </p:txBody>
+      </p:sp>
+      <p:sp>
+        <p:nvSpPr>
+          <p:cNvPr id="110" name="TextBox 109">
+            <a:extLst>
+              <a:ext uri="{FF2B5EF4-FFF2-40B4-BE49-F238E27FC236}">
+                <a16:creationId xmlns:a16="http://schemas.microsoft.com/office/drawing/2014/main" id="{D063EB25-089A-4453-98CB-F4342C2B5539}"/>
+              </a:ext>
+            </a:extLst>
+          </p:cNvPr>
+          <p:cNvSpPr txBox="1"/>
+          <p:nvPr/>
+        </p:nvSpPr>
+        <p:spPr>
+          <a:xfrm>
+            <a:off x="7728837" y="1623665"/>
+            <a:ext cx="502894" cy="307777"/>
+          </a:xfrm>
+          <a:prstGeom prst="rect">
+            <a:avLst/>
+          </a:prstGeom>
+          <a:noFill/>
+        </p:spPr>
+        <p:txBody>
+          <a:bodyPr wrap="square" rtlCol="0">
+            <a:spAutoFit/>
+          </a:bodyPr>
+          <a:lstStyle/>
+          <a:p>
+            <a:r>
+              <a:rPr lang="en-US" sz="1400" dirty="0"/>
+              <a:t>V’1</a:t>
+            </a:r>
+          </a:p>
+        </p:txBody>
+      </p:sp>
+      <p:sp>
+        <p:nvSpPr>
+          <p:cNvPr id="112" name="TextBox 111">
+            <a:extLst>
+              <a:ext uri="{FF2B5EF4-FFF2-40B4-BE49-F238E27FC236}">
+                <a16:creationId xmlns:a16="http://schemas.microsoft.com/office/drawing/2014/main" id="{06026F7D-2E28-4CD9-AEE0-5A54C22BE3FA}"/>
+              </a:ext>
+            </a:extLst>
+          </p:cNvPr>
+          <p:cNvSpPr txBox="1"/>
+          <p:nvPr/>
+        </p:nvSpPr>
+        <p:spPr>
+          <a:xfrm>
+            <a:off x="7132136" y="2359274"/>
+            <a:ext cx="502894" cy="307777"/>
+          </a:xfrm>
+          <a:prstGeom prst="rect">
+            <a:avLst/>
+          </a:prstGeom>
+          <a:noFill/>
+        </p:spPr>
+        <p:txBody>
+          <a:bodyPr wrap="square" rtlCol="0">
+            <a:spAutoFit/>
+          </a:bodyPr>
+          <a:lstStyle/>
+          <a:p>
+            <a:r>
+              <a:rPr lang="en-US" sz="1400" dirty="0"/>
+              <a:t>V2</a:t>
+            </a:r>
+          </a:p>
+        </p:txBody>
+      </p:sp>
+      <p:sp>
+        <p:nvSpPr>
+          <p:cNvPr id="123" name="TextBox 122">
+            <a:extLst>
+              <a:ext uri="{FF2B5EF4-FFF2-40B4-BE49-F238E27FC236}">
+                <a16:creationId xmlns:a16="http://schemas.microsoft.com/office/drawing/2014/main" id="{48EA9FAC-4751-4070-B248-3FB372E6D092}"/>
+              </a:ext>
+            </a:extLst>
+          </p:cNvPr>
+          <p:cNvSpPr txBox="1"/>
+          <p:nvPr/>
+        </p:nvSpPr>
+        <p:spPr>
+          <a:xfrm>
+            <a:off x="7396189" y="2475005"/>
+            <a:ext cx="401443" cy="307777"/>
+          </a:xfrm>
+          <a:prstGeom prst="rect">
+            <a:avLst/>
+          </a:prstGeom>
+          <a:noFill/>
+        </p:spPr>
+        <p:txBody>
+          <a:bodyPr wrap="square" rtlCol="0">
+            <a:spAutoFit/>
+          </a:bodyPr>
+          <a:lstStyle/>
+          <a:p>
+            <a:r>
+              <a:rPr lang="en-US" sz="1400" dirty="0"/>
+              <a:t>V4</a:t>
+            </a:r>
+          </a:p>
+        </p:txBody>
+      </p:sp>
+      <p:sp>
+        <p:nvSpPr>
+          <p:cNvPr id="124" name="TextBox 123">
+            <a:extLst>
+              <a:ext uri="{FF2B5EF4-FFF2-40B4-BE49-F238E27FC236}">
+                <a16:creationId xmlns:a16="http://schemas.microsoft.com/office/drawing/2014/main" id="{A145E51C-9153-4769-AF31-6D587C089647}"/>
+              </a:ext>
+            </a:extLst>
+          </p:cNvPr>
+          <p:cNvSpPr txBox="1"/>
+          <p:nvPr/>
+        </p:nvSpPr>
+        <p:spPr>
+          <a:xfrm>
+            <a:off x="7954889" y="3053194"/>
+            <a:ext cx="502894" cy="307777"/>
+          </a:xfrm>
+          <a:prstGeom prst="rect">
+            <a:avLst/>
+          </a:prstGeom>
+          <a:noFill/>
+        </p:spPr>
+        <p:txBody>
+          <a:bodyPr wrap="square" rtlCol="0">
+            <a:spAutoFit/>
+          </a:bodyPr>
+          <a:lstStyle/>
+          <a:p>
+            <a:r>
+              <a:rPr lang="en-US" sz="1400" dirty="0"/>
+              <a:t>V’3</a:t>
+            </a:r>
+          </a:p>
+        </p:txBody>
+      </p:sp>
+      <p:sp>
+        <p:nvSpPr>
+          <p:cNvPr id="126" name="TextBox 125">
+            <a:extLst>
+              <a:ext uri="{FF2B5EF4-FFF2-40B4-BE49-F238E27FC236}">
+                <a16:creationId xmlns:a16="http://schemas.microsoft.com/office/drawing/2014/main" id="{29D80491-52E6-433D-88B8-994A36A84575}"/>
+              </a:ext>
+            </a:extLst>
+          </p:cNvPr>
+          <p:cNvSpPr txBox="1"/>
+          <p:nvPr/>
+        </p:nvSpPr>
+        <p:spPr>
+          <a:xfrm>
+            <a:off x="7385470" y="3517552"/>
+            <a:ext cx="401443" cy="307777"/>
+          </a:xfrm>
+          <a:prstGeom prst="rect">
+            <a:avLst/>
+          </a:prstGeom>
+          <a:noFill/>
+        </p:spPr>
+        <p:txBody>
+          <a:bodyPr wrap="square" rtlCol="0">
+            <a:spAutoFit/>
+          </a:bodyPr>
+          <a:lstStyle/>
+          <a:p>
+            <a:r>
+              <a:rPr lang="en-US" sz="1400" dirty="0"/>
+              <a:t>V4</a:t>
+            </a:r>
+          </a:p>
+        </p:txBody>
+      </p:sp>
+      <p:sp>
+        <p:nvSpPr>
+          <p:cNvPr id="133" name="TextBox 132">
+            <a:extLst>
+              <a:ext uri="{FF2B5EF4-FFF2-40B4-BE49-F238E27FC236}">
+                <a16:creationId xmlns:a16="http://schemas.microsoft.com/office/drawing/2014/main" id="{92F4430C-FAC7-4F78-BA9E-01BFE285EA6F}"/>
+              </a:ext>
+            </a:extLst>
+          </p:cNvPr>
+          <p:cNvSpPr txBox="1"/>
+          <p:nvPr/>
+        </p:nvSpPr>
+        <p:spPr>
+          <a:xfrm>
+            <a:off x="8226690" y="3507544"/>
+            <a:ext cx="502894" cy="307777"/>
+          </a:xfrm>
+          <a:prstGeom prst="rect">
+            <a:avLst/>
+          </a:prstGeom>
+          <a:noFill/>
+        </p:spPr>
+        <p:txBody>
+          <a:bodyPr wrap="square" rtlCol="0">
+            <a:spAutoFit/>
+          </a:bodyPr>
+          <a:lstStyle/>
+          <a:p>
+            <a:r>
+              <a:rPr lang="en-US" sz="1400" dirty="0"/>
+              <a:t>V’5</a:t>
+            </a:r>
+          </a:p>
+        </p:txBody>
+      </p:sp>
+    </p:spTree>
+    <p:extLst>
+      <p:ext uri="{BB962C8B-B14F-4D97-AF65-F5344CB8AC3E}">
+        <p14:creationId xmlns:p14="http://schemas.microsoft.com/office/powerpoint/2010/main" val="489460592"/>
       </p:ext>
     </p:extLst>
   </p:cSld>
@@ -32492,9 +40056,9 @@
         <p:grpSpPr>
           <a:xfrm>
             <a:off x="326328" y="2188453"/>
-            <a:ext cx="9679996" cy="2481094"/>
+            <a:ext cx="9804397" cy="2516857"/>
             <a:chOff x="1778618" y="1827751"/>
-            <a:chExt cx="9679996" cy="2481094"/>
+            <a:chExt cx="9804397" cy="2516857"/>
           </a:xfrm>
         </p:grpSpPr>
         <p:grpSp>
@@ -32791,7 +40355,7 @@
           </p:nvSpPr>
           <p:spPr>
             <a:xfrm>
-              <a:off x="5057578" y="3939513"/>
+              <a:off x="5002675" y="3975276"/>
               <a:ext cx="1951196" cy="369332"/>
             </a:xfrm>
             <a:prstGeom prst="rect">
@@ -32868,7 +40432,7 @@
             <a:p>
               <a:pPr algn="ctr"/>
               <a:r>
-                <a:rPr lang="en-US" i="1" dirty="0">
+                <a:rPr lang="en-US" sz="1900" i="1" dirty="0">
                   <a:solidFill>
                     <a:schemeClr val="tx1"/>
                   </a:solidFill>
@@ -32876,7 +40440,7 @@
                 <a:t>Trained</a:t>
               </a:r>
               <a:r>
-                <a:rPr lang="en-US" dirty="0">
+                <a:rPr lang="en-US" sz="1900" dirty="0">
                   <a:solidFill>
                     <a:schemeClr val="tx1"/>
                   </a:solidFill>
@@ -32942,7 +40506,7 @@
             <a:p>
               <a:pPr algn="ctr"/>
               <a:r>
-                <a:rPr lang="en-US" i="1" dirty="0">
+                <a:rPr lang="en-US" sz="1850" i="1" dirty="0">
                   <a:solidFill>
                     <a:schemeClr val="tx1"/>
                   </a:solidFill>
@@ -32950,7 +40514,7 @@
                 <a:t>Trained</a:t>
               </a:r>
               <a:r>
-                <a:rPr lang="en-US" dirty="0">
+                <a:rPr lang="en-US" sz="1850" dirty="0">
                   <a:solidFill>
                     <a:schemeClr val="tx1"/>
                   </a:solidFill>
@@ -34163,8 +41727,8 @@
           </p:nvSpPr>
           <p:spPr>
             <a:xfrm>
-              <a:off x="10256702" y="2714279"/>
-              <a:ext cx="1201912" cy="358313"/>
+              <a:off x="10272122" y="2500691"/>
+              <a:ext cx="1310893" cy="821060"/>
             </a:xfrm>
             <a:prstGeom prst="roundRect">
               <a:avLst/>
@@ -34210,7 +41774,7 @@
                     <a:schemeClr val="tx1"/>
                   </a:solidFill>
                 </a:rPr>
-                <a:t>Validation</a:t>
+                <a:t>Patch Generation</a:t>
               </a:r>
             </a:p>
           </p:txBody>
@@ -34503,8 +42067,8 @@
         </p:nvSpPr>
         <p:spPr>
           <a:xfrm>
-            <a:off x="4091485" y="2195109"/>
-            <a:ext cx="502894" cy="369332"/>
+            <a:off x="4023089" y="2212474"/>
+            <a:ext cx="502894" cy="307777"/>
           </a:xfrm>
           <a:prstGeom prst="rect">
             <a:avLst/>
@@ -34518,7 +42082,7 @@
           <a:lstStyle/>
           <a:p>
             <a:r>
-              <a:rPr lang="en-US" dirty="0"/>
+              <a:rPr lang="en-US" sz="1400" dirty="0"/>
               <a:t>V1</a:t>
             </a:r>
           </a:p>
@@ -34538,8 +42102,8 @@
         </p:nvSpPr>
         <p:spPr>
           <a:xfrm>
-            <a:off x="3713231" y="2841165"/>
-            <a:ext cx="502894" cy="369332"/>
+            <a:off x="3655615" y="2825284"/>
+            <a:ext cx="502894" cy="307777"/>
           </a:xfrm>
           <a:prstGeom prst="rect">
             <a:avLst/>
@@ -34553,7 +42117,7 @@
           <a:lstStyle/>
           <a:p>
             <a:r>
-              <a:rPr lang="en-US" dirty="0"/>
+              <a:rPr lang="en-US" sz="1400" dirty="0"/>
               <a:t>V2</a:t>
             </a:r>
           </a:p>
@@ -34573,8 +42137,8 @@
         </p:nvSpPr>
         <p:spPr>
           <a:xfrm>
-            <a:off x="4452743" y="2676727"/>
-            <a:ext cx="502894" cy="369332"/>
+            <a:off x="4204801" y="2575577"/>
+            <a:ext cx="502894" cy="307777"/>
           </a:xfrm>
           <a:prstGeom prst="rect">
             <a:avLst/>
@@ -34588,7 +42152,7 @@
           <a:lstStyle/>
           <a:p>
             <a:r>
-              <a:rPr lang="en-US" dirty="0"/>
+              <a:rPr lang="en-US" sz="1400" dirty="0"/>
               <a:t>V3</a:t>
             </a:r>
           </a:p>
@@ -34608,8 +42172,8 @@
         </p:nvSpPr>
         <p:spPr>
           <a:xfrm>
-            <a:off x="4102357" y="3225925"/>
-            <a:ext cx="502894" cy="369332"/>
+            <a:off x="3713105" y="3055143"/>
+            <a:ext cx="502894" cy="307777"/>
           </a:xfrm>
           <a:prstGeom prst="rect">
             <a:avLst/>
@@ -34623,7 +42187,7 @@
           <a:lstStyle/>
           <a:p>
             <a:r>
-              <a:rPr lang="en-US" dirty="0"/>
+              <a:rPr lang="en-US" sz="1400" dirty="0"/>
               <a:t>V4</a:t>
             </a:r>
           </a:p>
@@ -34643,8 +42207,8 @@
         </p:nvSpPr>
         <p:spPr>
           <a:xfrm>
-            <a:off x="4830909" y="3214440"/>
-            <a:ext cx="502894" cy="369332"/>
+            <a:off x="4562991" y="3042813"/>
+            <a:ext cx="502894" cy="307777"/>
           </a:xfrm>
           <a:prstGeom prst="rect">
             <a:avLst/>
@@ -34658,7 +42222,7 @@
           <a:lstStyle/>
           <a:p>
             <a:r>
-              <a:rPr lang="en-US" dirty="0"/>
+              <a:rPr lang="en-US" sz="1400" dirty="0"/>
               <a:t>V5</a:t>
             </a:r>
           </a:p>
@@ -34678,8 +42242,8 @@
         </p:nvSpPr>
         <p:spPr>
           <a:xfrm>
-            <a:off x="4426736" y="3522549"/>
-            <a:ext cx="502894" cy="369332"/>
+            <a:off x="4179952" y="3429000"/>
+            <a:ext cx="502894" cy="307777"/>
           </a:xfrm>
           <a:prstGeom prst="rect">
             <a:avLst/>
@@ -34693,7 +42257,7 @@
           <a:lstStyle/>
           <a:p>
             <a:r>
-              <a:rPr lang="en-US" dirty="0"/>
+              <a:rPr lang="en-US" sz="1400" dirty="0"/>
               <a:t>V3</a:t>
             </a:r>
           </a:p>
@@ -34713,8 +42277,8 @@
         </p:nvSpPr>
         <p:spPr>
           <a:xfrm>
-            <a:off x="4110182" y="4080201"/>
-            <a:ext cx="502894" cy="369332"/>
+            <a:off x="3722141" y="3895535"/>
+            <a:ext cx="502894" cy="307777"/>
           </a:xfrm>
           <a:prstGeom prst="rect">
             <a:avLst/>
@@ -34728,7 +42292,7 @@
           <a:lstStyle/>
           <a:p>
             <a:r>
-              <a:rPr lang="en-US" dirty="0"/>
+              <a:rPr lang="en-US" sz="1400" dirty="0"/>
               <a:t>V4</a:t>
             </a:r>
           </a:p>
@@ -34748,8 +42312,8 @@
         </p:nvSpPr>
         <p:spPr>
           <a:xfrm>
-            <a:off x="4792395" y="3895535"/>
-            <a:ext cx="502894" cy="369332"/>
+            <a:off x="4562991" y="3910860"/>
+            <a:ext cx="502894" cy="307777"/>
           </a:xfrm>
           <a:prstGeom prst="rect">
             <a:avLst/>
@@ -34763,7 +42327,7 @@
           <a:lstStyle/>
           <a:p>
             <a:r>
-              <a:rPr lang="en-US" dirty="0"/>
+              <a:rPr lang="en-US" sz="1400" dirty="0"/>
               <a:t>V5</a:t>
             </a:r>
           </a:p>

--- a/Figures.pptx
+++ b/Figures.pptx
@@ -11671,7 +11671,7 @@
         </p:nvSpPr>
         <p:spPr>
           <a:xfrm>
-            <a:off x="5813819" y="3573148"/>
+            <a:off x="3489770" y="3593853"/>
             <a:ext cx="1805762" cy="319446"/>
           </a:xfrm>
           <a:prstGeom prst="rect">
@@ -12144,9 +12144,9 @@
         <p:grpSpPr>
           <a:xfrm>
             <a:off x="2823823" y="1996420"/>
-            <a:ext cx="1926943" cy="1423462"/>
+            <a:ext cx="1681717" cy="1361907"/>
             <a:chOff x="1007963" y="2368948"/>
-            <a:chExt cx="1926943" cy="1423462"/>
+            <a:chExt cx="1681717" cy="1361907"/>
           </a:xfrm>
         </p:grpSpPr>
         <p:grpSp>
@@ -12726,7 +12726,7 @@
           <p:spPr>
             <a:xfrm>
               <a:off x="1703149" y="2368948"/>
-              <a:ext cx="502894" cy="369332"/>
+              <a:ext cx="502894" cy="307777"/>
             </a:xfrm>
             <a:prstGeom prst="rect">
               <a:avLst/>
@@ -12740,7 +12740,7 @@
             <a:lstStyle/>
             <a:p>
               <a:r>
-                <a:rPr lang="en-US" dirty="0"/>
+                <a:rPr lang="en-US" sz="1400" dirty="0"/>
                 <a:t>V1</a:t>
               </a:r>
             </a:p>
@@ -12760,8 +12760,8 @@
           </p:nvSpPr>
           <p:spPr>
             <a:xfrm>
-              <a:off x="1305051" y="2999378"/>
-              <a:ext cx="502894" cy="369332"/>
+              <a:off x="1015964" y="3149735"/>
+              <a:ext cx="502894" cy="307777"/>
             </a:xfrm>
             <a:prstGeom prst="rect">
               <a:avLst/>
@@ -12775,7 +12775,7 @@
             <a:lstStyle/>
             <a:p>
               <a:r>
-                <a:rPr lang="en-US" dirty="0"/>
+                <a:rPr lang="en-US" sz="1400" dirty="0"/>
                 <a:t>V2</a:t>
               </a:r>
             </a:p>
@@ -12795,8 +12795,8 @@
           </p:nvSpPr>
           <p:spPr>
             <a:xfrm>
-              <a:off x="2057412" y="2822581"/>
-              <a:ext cx="502894" cy="369332"/>
+              <a:off x="1850443" y="2719262"/>
+              <a:ext cx="502894" cy="307777"/>
             </a:xfrm>
             <a:prstGeom prst="rect">
               <a:avLst/>
@@ -12810,7 +12810,7 @@
             <a:lstStyle/>
             <a:p>
               <a:r>
-                <a:rPr lang="en-US" dirty="0"/>
+                <a:rPr lang="en-US" sz="1400" dirty="0"/>
                 <a:t>V3</a:t>
               </a:r>
             </a:p>
@@ -12831,7 +12831,7 @@
           <p:spPr>
             <a:xfrm>
               <a:off x="1703149" y="3423078"/>
-              <a:ext cx="502894" cy="369332"/>
+              <a:ext cx="502894" cy="307777"/>
             </a:xfrm>
             <a:prstGeom prst="rect">
               <a:avLst/>
@@ -12845,7 +12845,7 @@
             <a:lstStyle/>
             <a:p>
               <a:r>
-                <a:rPr lang="en-US" dirty="0"/>
+                <a:rPr lang="en-US" sz="1400" dirty="0"/>
                 <a:t>V4</a:t>
               </a:r>
             </a:p>
@@ -12865,8 +12865,8 @@
           </p:nvSpPr>
           <p:spPr>
             <a:xfrm>
-              <a:off x="2432012" y="3378092"/>
-              <a:ext cx="502894" cy="369332"/>
+              <a:off x="2186786" y="3207427"/>
+              <a:ext cx="502894" cy="307777"/>
             </a:xfrm>
             <a:prstGeom prst="rect">
               <a:avLst/>
@@ -12880,7 +12880,7 @@
             <a:lstStyle/>
             <a:p>
               <a:r>
-                <a:rPr lang="en-US" dirty="0"/>
+                <a:rPr lang="en-US" sz="1400" dirty="0"/>
                 <a:t>V5</a:t>
               </a:r>
             </a:p>
@@ -13497,8 +13497,8 @@
         </p:nvSpPr>
         <p:spPr>
           <a:xfrm>
-            <a:off x="3889757" y="4020837"/>
-            <a:ext cx="502894" cy="369332"/>
+            <a:off x="3783868" y="3917537"/>
+            <a:ext cx="502894" cy="307777"/>
           </a:xfrm>
           <a:prstGeom prst="rect">
             <a:avLst/>
@@ -13512,7 +13512,7 @@
           <a:lstStyle/>
           <a:p>
             <a:r>
-              <a:rPr lang="en-US" dirty="0"/>
+              <a:rPr lang="en-US" sz="1400" dirty="0"/>
               <a:t>V3</a:t>
             </a:r>
           </a:p>
@@ -13533,7 +13533,7 @@
         <p:spPr>
           <a:xfrm>
             <a:off x="3471473" y="4724499"/>
-            <a:ext cx="502894" cy="369332"/>
+            <a:ext cx="502894" cy="307777"/>
           </a:xfrm>
           <a:prstGeom prst="rect">
             <a:avLst/>
@@ -13547,7 +13547,7 @@
           <a:lstStyle/>
           <a:p>
             <a:r>
-              <a:rPr lang="en-US" dirty="0"/>
+              <a:rPr lang="en-US" sz="1400" dirty="0"/>
               <a:t>V4</a:t>
             </a:r>
           </a:p>
@@ -13567,8 +13567,8 @@
         </p:nvSpPr>
         <p:spPr>
           <a:xfrm>
-            <a:off x="4188169" y="4757296"/>
-            <a:ext cx="502894" cy="369332"/>
+            <a:off x="4002320" y="4760367"/>
+            <a:ext cx="502894" cy="307777"/>
           </a:xfrm>
           <a:prstGeom prst="rect">
             <a:avLst/>
@@ -13582,7 +13582,7 @@
           <a:lstStyle/>
           <a:p>
             <a:r>
-              <a:rPr lang="en-US" dirty="0"/>
+              <a:rPr lang="en-US" sz="1400" dirty="0"/>
               <a:t>V5</a:t>
             </a:r>
           </a:p>
@@ -14650,7 +14650,7 @@
         </p:nvSpPr>
         <p:spPr>
           <a:xfrm>
-            <a:off x="7559903" y="5019233"/>
+            <a:off x="7455264" y="5050257"/>
             <a:ext cx="1485900" cy="369332"/>
           </a:xfrm>
           <a:prstGeom prst="rect">
@@ -14954,6 +14954,402 @@
                   </a:solidFill>
                 </a:rPr>
                 <a:t>S</a:t>
+              </a:r>
+            </a:p>
+          </p:txBody>
+        </p:sp>
+      </p:grpSp>
+      <p:grpSp>
+        <p:nvGrpSpPr>
+          <p:cNvPr id="4" name="Group 3">
+            <a:extLst>
+              <a:ext uri="{FF2B5EF4-FFF2-40B4-BE49-F238E27FC236}">
+                <a16:creationId xmlns:a16="http://schemas.microsoft.com/office/drawing/2014/main" id="{2B7439CC-497C-4245-8F31-E6EC106A8D09}"/>
+              </a:ext>
+            </a:extLst>
+          </p:cNvPr>
+          <p:cNvGrpSpPr/>
+          <p:nvPr/>
+        </p:nvGrpSpPr>
+        <p:grpSpPr>
+          <a:xfrm>
+            <a:off x="5248398" y="2538765"/>
+            <a:ext cx="569857" cy="584697"/>
+            <a:chOff x="5251742" y="1103166"/>
+            <a:chExt cx="569857" cy="584697"/>
+          </a:xfrm>
+        </p:grpSpPr>
+        <p:sp>
+          <p:nvSpPr>
+            <p:cNvPr id="86" name="TextBox 85">
+              <a:extLst>
+                <a:ext uri="{FF2B5EF4-FFF2-40B4-BE49-F238E27FC236}">
+                  <a16:creationId xmlns:a16="http://schemas.microsoft.com/office/drawing/2014/main" id="{99227265-8F7C-45ED-9E2C-4C96932C8962}"/>
+                </a:ext>
+              </a:extLst>
+            </p:cNvPr>
+            <p:cNvSpPr txBox="1"/>
+            <p:nvPr/>
+          </p:nvSpPr>
+          <p:spPr>
+            <a:xfrm>
+              <a:off x="5251742" y="1103166"/>
+              <a:ext cx="385287" cy="523220"/>
+            </a:xfrm>
+            <a:prstGeom prst="rect">
+              <a:avLst/>
+            </a:prstGeom>
+            <a:noFill/>
+          </p:spPr>
+          <p:txBody>
+            <a:bodyPr wrap="square" rtlCol="0">
+              <a:spAutoFit/>
+            </a:bodyPr>
+            <a:lstStyle/>
+            <a:p>
+              <a:r>
+                <a:rPr lang="en-US" sz="2800" i="1" dirty="0">
+                  <a:solidFill>
+                    <a:srgbClr val="7030A0"/>
+                  </a:solidFill>
+                </a:rPr>
+                <a:t>U</a:t>
+              </a:r>
+            </a:p>
+          </p:txBody>
+        </p:sp>
+        <p:sp>
+          <p:nvSpPr>
+            <p:cNvPr id="87" name="TextBox 86">
+              <a:extLst>
+                <a:ext uri="{FF2B5EF4-FFF2-40B4-BE49-F238E27FC236}">
+                  <a16:creationId xmlns:a16="http://schemas.microsoft.com/office/drawing/2014/main" id="{3F2FDA8E-9F43-441F-822C-FB6A942EC207}"/>
+                </a:ext>
+              </a:extLst>
+            </p:cNvPr>
+            <p:cNvSpPr txBox="1"/>
+            <p:nvPr/>
+          </p:nvSpPr>
+          <p:spPr>
+            <a:xfrm>
+              <a:off x="5436312" y="1318531"/>
+              <a:ext cx="385287" cy="369332"/>
+            </a:xfrm>
+            <a:prstGeom prst="rect">
+              <a:avLst/>
+            </a:prstGeom>
+            <a:noFill/>
+          </p:spPr>
+          <p:txBody>
+            <a:bodyPr wrap="square" rtlCol="0">
+              <a:spAutoFit/>
+            </a:bodyPr>
+            <a:lstStyle/>
+            <a:p>
+              <a:r>
+                <a:rPr lang="en-US" i="1" dirty="0">
+                  <a:solidFill>
+                    <a:srgbClr val="7030A0"/>
+                  </a:solidFill>
+                </a:rPr>
+                <a:t>C</a:t>
+              </a:r>
+            </a:p>
+          </p:txBody>
+        </p:sp>
+      </p:grpSp>
+      <p:grpSp>
+        <p:nvGrpSpPr>
+          <p:cNvPr id="90" name="Group 89">
+            <a:extLst>
+              <a:ext uri="{FF2B5EF4-FFF2-40B4-BE49-F238E27FC236}">
+                <a16:creationId xmlns:a16="http://schemas.microsoft.com/office/drawing/2014/main" id="{F40ECD64-434A-4645-B0BA-44C167FFAE39}"/>
+              </a:ext>
+            </a:extLst>
+          </p:cNvPr>
+          <p:cNvGrpSpPr/>
+          <p:nvPr/>
+        </p:nvGrpSpPr>
+        <p:grpSpPr>
+          <a:xfrm>
+            <a:off x="5251742" y="4415972"/>
+            <a:ext cx="569857" cy="584697"/>
+            <a:chOff x="5251742" y="1103166"/>
+            <a:chExt cx="569857" cy="584697"/>
+          </a:xfrm>
+        </p:grpSpPr>
+        <p:sp>
+          <p:nvSpPr>
+            <p:cNvPr id="91" name="TextBox 90">
+              <a:extLst>
+                <a:ext uri="{FF2B5EF4-FFF2-40B4-BE49-F238E27FC236}">
+                  <a16:creationId xmlns:a16="http://schemas.microsoft.com/office/drawing/2014/main" id="{B7961FC1-D040-4C0F-9C6D-5ED1FA868097}"/>
+                </a:ext>
+              </a:extLst>
+            </p:cNvPr>
+            <p:cNvSpPr txBox="1"/>
+            <p:nvPr/>
+          </p:nvSpPr>
+          <p:spPr>
+            <a:xfrm>
+              <a:off x="5251742" y="1103166"/>
+              <a:ext cx="385287" cy="523220"/>
+            </a:xfrm>
+            <a:prstGeom prst="rect">
+              <a:avLst/>
+            </a:prstGeom>
+            <a:noFill/>
+          </p:spPr>
+          <p:txBody>
+            <a:bodyPr wrap="square" rtlCol="0">
+              <a:spAutoFit/>
+            </a:bodyPr>
+            <a:lstStyle/>
+            <a:p>
+              <a:r>
+                <a:rPr lang="en-US" sz="2800" i="1" dirty="0">
+                  <a:solidFill>
+                    <a:srgbClr val="7030A0"/>
+                  </a:solidFill>
+                </a:rPr>
+                <a:t>U</a:t>
+              </a:r>
+            </a:p>
+          </p:txBody>
+        </p:sp>
+        <p:sp>
+          <p:nvSpPr>
+            <p:cNvPr id="92" name="TextBox 91">
+              <a:extLst>
+                <a:ext uri="{FF2B5EF4-FFF2-40B4-BE49-F238E27FC236}">
+                  <a16:creationId xmlns:a16="http://schemas.microsoft.com/office/drawing/2014/main" id="{6A51200C-E6B2-4424-B33D-8A5264395FC3}"/>
+                </a:ext>
+              </a:extLst>
+            </p:cNvPr>
+            <p:cNvSpPr txBox="1"/>
+            <p:nvPr/>
+          </p:nvSpPr>
+          <p:spPr>
+            <a:xfrm>
+              <a:off x="5436312" y="1318531"/>
+              <a:ext cx="385287" cy="369332"/>
+            </a:xfrm>
+            <a:prstGeom prst="rect">
+              <a:avLst/>
+            </a:prstGeom>
+            <a:noFill/>
+          </p:spPr>
+          <p:txBody>
+            <a:bodyPr wrap="square" rtlCol="0">
+              <a:spAutoFit/>
+            </a:bodyPr>
+            <a:lstStyle/>
+            <a:p>
+              <a:r>
+                <a:rPr lang="en-US" i="1" dirty="0">
+                  <a:solidFill>
+                    <a:srgbClr val="7030A0"/>
+                  </a:solidFill>
+                </a:rPr>
+                <a:t>T</a:t>
+              </a:r>
+            </a:p>
+          </p:txBody>
+        </p:sp>
+      </p:grpSp>
+      <p:grpSp>
+        <p:nvGrpSpPr>
+          <p:cNvPr id="93" name="Group 92">
+            <a:extLst>
+              <a:ext uri="{FF2B5EF4-FFF2-40B4-BE49-F238E27FC236}">
+                <a16:creationId xmlns:a16="http://schemas.microsoft.com/office/drawing/2014/main" id="{6D1CD882-191A-4F62-BDCA-77F2F93DE1E5}"/>
+              </a:ext>
+            </a:extLst>
+          </p:cNvPr>
+          <p:cNvGrpSpPr/>
+          <p:nvPr/>
+        </p:nvGrpSpPr>
+        <p:grpSpPr>
+          <a:xfrm>
+            <a:off x="5893947" y="3235216"/>
+            <a:ext cx="530098" cy="589422"/>
+            <a:chOff x="5251742" y="1103166"/>
+            <a:chExt cx="530098" cy="589422"/>
+          </a:xfrm>
+        </p:grpSpPr>
+        <p:sp>
+          <p:nvSpPr>
+            <p:cNvPr id="94" name="TextBox 93">
+              <a:extLst>
+                <a:ext uri="{FF2B5EF4-FFF2-40B4-BE49-F238E27FC236}">
+                  <a16:creationId xmlns:a16="http://schemas.microsoft.com/office/drawing/2014/main" id="{96EC687F-371E-424C-8039-C2BBA54F47FB}"/>
+                </a:ext>
+              </a:extLst>
+            </p:cNvPr>
+            <p:cNvSpPr txBox="1"/>
+            <p:nvPr/>
+          </p:nvSpPr>
+          <p:spPr>
+            <a:xfrm>
+              <a:off x="5251742" y="1103166"/>
+              <a:ext cx="385287" cy="523220"/>
+            </a:xfrm>
+            <a:prstGeom prst="rect">
+              <a:avLst/>
+            </a:prstGeom>
+            <a:noFill/>
+          </p:spPr>
+          <p:txBody>
+            <a:bodyPr wrap="square" rtlCol="0">
+              <a:spAutoFit/>
+            </a:bodyPr>
+            <a:lstStyle/>
+            <a:p>
+              <a:r>
+                <a:rPr lang="en-US" sz="2800" i="1" dirty="0">
+                  <a:solidFill>
+                    <a:srgbClr val="7030A0"/>
+                  </a:solidFill>
+                </a:rPr>
+                <a:t>x</a:t>
+              </a:r>
+            </a:p>
+          </p:txBody>
+        </p:sp>
+        <p:sp>
+          <p:nvSpPr>
+            <p:cNvPr id="98" name="TextBox 97">
+              <a:extLst>
+                <a:ext uri="{FF2B5EF4-FFF2-40B4-BE49-F238E27FC236}">
+                  <a16:creationId xmlns:a16="http://schemas.microsoft.com/office/drawing/2014/main" id="{0182F0A7-2697-4EC7-A557-A94BEA0FC976}"/>
+                </a:ext>
+              </a:extLst>
+            </p:cNvPr>
+            <p:cNvSpPr txBox="1"/>
+            <p:nvPr/>
+          </p:nvSpPr>
+          <p:spPr>
+            <a:xfrm>
+              <a:off x="5396553" y="1323256"/>
+              <a:ext cx="385287" cy="369332"/>
+            </a:xfrm>
+            <a:prstGeom prst="rect">
+              <a:avLst/>
+            </a:prstGeom>
+            <a:noFill/>
+          </p:spPr>
+          <p:txBody>
+            <a:bodyPr wrap="square" rtlCol="0">
+              <a:spAutoFit/>
+            </a:bodyPr>
+            <a:lstStyle/>
+            <a:p>
+              <a:r>
+                <a:rPr lang="en-US" i="1" dirty="0">
+                  <a:solidFill>
+                    <a:srgbClr val="7030A0"/>
+                  </a:solidFill>
+                </a:rPr>
+                <a:t>C</a:t>
+              </a:r>
+            </a:p>
+          </p:txBody>
+        </p:sp>
+      </p:grpSp>
+      <p:grpSp>
+        <p:nvGrpSpPr>
+          <p:cNvPr id="99" name="Group 98">
+            <a:extLst>
+              <a:ext uri="{FF2B5EF4-FFF2-40B4-BE49-F238E27FC236}">
+                <a16:creationId xmlns:a16="http://schemas.microsoft.com/office/drawing/2014/main" id="{556DC1DA-D2CA-48F8-9DEF-A7BC619A58DF}"/>
+              </a:ext>
+            </a:extLst>
+          </p:cNvPr>
+          <p:cNvGrpSpPr/>
+          <p:nvPr/>
+        </p:nvGrpSpPr>
+        <p:grpSpPr>
+          <a:xfrm>
+            <a:off x="5896141" y="3610442"/>
+            <a:ext cx="530098" cy="589422"/>
+            <a:chOff x="5251742" y="1103166"/>
+            <a:chExt cx="530098" cy="589422"/>
+          </a:xfrm>
+        </p:grpSpPr>
+        <p:sp>
+          <p:nvSpPr>
+            <p:cNvPr id="100" name="TextBox 99">
+              <a:extLst>
+                <a:ext uri="{FF2B5EF4-FFF2-40B4-BE49-F238E27FC236}">
+                  <a16:creationId xmlns:a16="http://schemas.microsoft.com/office/drawing/2014/main" id="{CCE46D4C-61A7-4857-B677-AB5C170B879B}"/>
+                </a:ext>
+              </a:extLst>
+            </p:cNvPr>
+            <p:cNvSpPr txBox="1"/>
+            <p:nvPr/>
+          </p:nvSpPr>
+          <p:spPr>
+            <a:xfrm>
+              <a:off x="5251742" y="1103166"/>
+              <a:ext cx="385287" cy="523220"/>
+            </a:xfrm>
+            <a:prstGeom prst="rect">
+              <a:avLst/>
+            </a:prstGeom>
+            <a:noFill/>
+          </p:spPr>
+          <p:txBody>
+            <a:bodyPr wrap="square" rtlCol="0">
+              <a:spAutoFit/>
+            </a:bodyPr>
+            <a:lstStyle/>
+            <a:p>
+              <a:r>
+                <a:rPr lang="en-US" sz="2800" i="1" dirty="0">
+                  <a:solidFill>
+                    <a:srgbClr val="7030A0"/>
+                  </a:solidFill>
+                </a:rPr>
+                <a:t>x</a:t>
+              </a:r>
+            </a:p>
+          </p:txBody>
+        </p:sp>
+        <p:sp>
+          <p:nvSpPr>
+            <p:cNvPr id="101" name="TextBox 100">
+              <a:extLst>
+                <a:ext uri="{FF2B5EF4-FFF2-40B4-BE49-F238E27FC236}">
+                  <a16:creationId xmlns:a16="http://schemas.microsoft.com/office/drawing/2014/main" id="{1E98CDCA-C78B-4595-ACF4-AEF2C602B65B}"/>
+                </a:ext>
+              </a:extLst>
+            </p:cNvPr>
+            <p:cNvSpPr txBox="1"/>
+            <p:nvPr/>
+          </p:nvSpPr>
+          <p:spPr>
+            <a:xfrm>
+              <a:off x="5396553" y="1323256"/>
+              <a:ext cx="385287" cy="369332"/>
+            </a:xfrm>
+            <a:prstGeom prst="rect">
+              <a:avLst/>
+            </a:prstGeom>
+            <a:noFill/>
+          </p:spPr>
+          <p:txBody>
+            <a:bodyPr wrap="square" rtlCol="0">
+              <a:spAutoFit/>
+            </a:bodyPr>
+            <a:lstStyle/>
+            <a:p>
+              <a:r>
+                <a:rPr lang="en-US" i="1" dirty="0">
+                  <a:solidFill>
+                    <a:srgbClr val="7030A0"/>
+                  </a:solidFill>
+                </a:rPr>
+                <a:t>T</a:t>
               </a:r>
             </a:p>
           </p:txBody>

--- a/Figures.pptx
+++ b/Figures.pptx
@@ -16840,7 +16840,7 @@
         </p:nvSpPr>
         <p:spPr>
           <a:xfrm>
-            <a:off x="6354329" y="2715484"/>
+            <a:off x="6389927" y="2798456"/>
             <a:ext cx="450764" cy="369332"/>
           </a:xfrm>
           <a:prstGeom prst="rect">
@@ -17225,7 +17225,7 @@
         </p:nvSpPr>
         <p:spPr>
           <a:xfrm>
-            <a:off x="1611344" y="4122964"/>
+            <a:off x="1657966" y="4133247"/>
             <a:ext cx="450764" cy="369332"/>
           </a:xfrm>
           <a:prstGeom prst="rect">
@@ -18516,6 +18516,288 @@
           </a:fontRef>
         </p:style>
       </p:cxnSp>
+      <p:grpSp>
+        <p:nvGrpSpPr>
+          <p:cNvPr id="80" name="Group 79">
+            <a:extLst>
+              <a:ext uri="{FF2B5EF4-FFF2-40B4-BE49-F238E27FC236}">
+                <a16:creationId xmlns:a16="http://schemas.microsoft.com/office/drawing/2014/main" id="{6623BD1C-F227-4CD8-956C-7EFE97BBA014}"/>
+              </a:ext>
+            </a:extLst>
+          </p:cNvPr>
+          <p:cNvGrpSpPr/>
+          <p:nvPr/>
+        </p:nvGrpSpPr>
+        <p:grpSpPr>
+          <a:xfrm>
+            <a:off x="6917027" y="2563217"/>
+            <a:ext cx="599169" cy="607202"/>
+            <a:chOff x="6313108" y="4870309"/>
+            <a:chExt cx="599169" cy="607202"/>
+          </a:xfrm>
+        </p:grpSpPr>
+        <p:sp>
+          <p:nvSpPr>
+            <p:cNvPr id="81" name="TextBox 80">
+              <a:extLst>
+                <a:ext uri="{FF2B5EF4-FFF2-40B4-BE49-F238E27FC236}">
+                  <a16:creationId xmlns:a16="http://schemas.microsoft.com/office/drawing/2014/main" id="{C2DA8EC8-1E6C-4DCD-8DB3-289AEFFDA005}"/>
+                </a:ext>
+              </a:extLst>
+            </p:cNvPr>
+            <p:cNvSpPr txBox="1"/>
+            <p:nvPr/>
+          </p:nvSpPr>
+          <p:spPr>
+            <a:xfrm>
+              <a:off x="6313108" y="4924017"/>
+              <a:ext cx="385287" cy="523220"/>
+            </a:xfrm>
+            <a:prstGeom prst="rect">
+              <a:avLst/>
+            </a:prstGeom>
+            <a:noFill/>
+          </p:spPr>
+          <p:txBody>
+            <a:bodyPr wrap="square" rtlCol="0">
+              <a:spAutoFit/>
+            </a:bodyPr>
+            <a:lstStyle/>
+            <a:p>
+              <a:r>
+                <a:rPr lang="en-US" sz="2800" i="1" dirty="0">
+                  <a:solidFill>
+                    <a:schemeClr val="accent6">
+                      <a:lumMod val="75000"/>
+                    </a:schemeClr>
+                  </a:solidFill>
+                </a:rPr>
+                <a:t>T</a:t>
+              </a:r>
+            </a:p>
+          </p:txBody>
+        </p:sp>
+        <p:sp>
+          <p:nvSpPr>
+            <p:cNvPr id="82" name="TextBox 81">
+              <a:extLst>
+                <a:ext uri="{FF2B5EF4-FFF2-40B4-BE49-F238E27FC236}">
+                  <a16:creationId xmlns:a16="http://schemas.microsoft.com/office/drawing/2014/main" id="{05DDE0C0-9473-4E14-BAA3-236A0F4D98DF}"/>
+                </a:ext>
+              </a:extLst>
+            </p:cNvPr>
+            <p:cNvSpPr txBox="1"/>
+            <p:nvPr/>
+          </p:nvSpPr>
+          <p:spPr>
+            <a:xfrm>
+              <a:off x="6437764" y="5108179"/>
+              <a:ext cx="385287" cy="369332"/>
+            </a:xfrm>
+            <a:prstGeom prst="rect">
+              <a:avLst/>
+            </a:prstGeom>
+            <a:noFill/>
+          </p:spPr>
+          <p:txBody>
+            <a:bodyPr wrap="square" rtlCol="0">
+              <a:spAutoFit/>
+            </a:bodyPr>
+            <a:lstStyle/>
+            <a:p>
+              <a:r>
+                <a:rPr lang="en-US" i="1" dirty="0">
+                  <a:solidFill>
+                    <a:schemeClr val="accent6">
+                      <a:lumMod val="75000"/>
+                    </a:schemeClr>
+                  </a:solidFill>
+                </a:rPr>
+                <a:t>1</a:t>
+              </a:r>
+            </a:p>
+          </p:txBody>
+        </p:sp>
+        <p:sp>
+          <p:nvSpPr>
+            <p:cNvPr id="84" name="TextBox 83">
+              <a:extLst>
+                <a:ext uri="{FF2B5EF4-FFF2-40B4-BE49-F238E27FC236}">
+                  <a16:creationId xmlns:a16="http://schemas.microsoft.com/office/drawing/2014/main" id="{3CA119DC-1475-4FBA-8447-54F2ECBF9E99}"/>
+                </a:ext>
+              </a:extLst>
+            </p:cNvPr>
+            <p:cNvSpPr txBox="1"/>
+            <p:nvPr/>
+          </p:nvSpPr>
+          <p:spPr>
+            <a:xfrm>
+              <a:off x="6526990" y="4870309"/>
+              <a:ext cx="385287" cy="338554"/>
+            </a:xfrm>
+            <a:prstGeom prst="rect">
+              <a:avLst/>
+            </a:prstGeom>
+            <a:noFill/>
+          </p:spPr>
+          <p:txBody>
+            <a:bodyPr wrap="square" rtlCol="0">
+              <a:spAutoFit/>
+            </a:bodyPr>
+            <a:lstStyle/>
+            <a:p>
+              <a:endParaRPr lang="en-US" sz="1600" i="1" dirty="0">
+                <a:solidFill>
+                  <a:schemeClr val="accent6">
+                    <a:lumMod val="75000"/>
+                  </a:schemeClr>
+                </a:solidFill>
+              </a:endParaRPr>
+            </a:p>
+          </p:txBody>
+        </p:sp>
+      </p:grpSp>
+      <p:grpSp>
+        <p:nvGrpSpPr>
+          <p:cNvPr id="86" name="Group 85">
+            <a:extLst>
+              <a:ext uri="{FF2B5EF4-FFF2-40B4-BE49-F238E27FC236}">
+                <a16:creationId xmlns:a16="http://schemas.microsoft.com/office/drawing/2014/main" id="{EB9E5CFE-63C4-407B-8A56-677C7D5B90E2}"/>
+              </a:ext>
+            </a:extLst>
+          </p:cNvPr>
+          <p:cNvGrpSpPr/>
+          <p:nvPr/>
+        </p:nvGrpSpPr>
+        <p:grpSpPr>
+          <a:xfrm>
+            <a:off x="6971468" y="3935193"/>
+            <a:ext cx="599169" cy="607202"/>
+            <a:chOff x="6313108" y="4870309"/>
+            <a:chExt cx="599169" cy="607202"/>
+          </a:xfrm>
+        </p:grpSpPr>
+        <p:sp>
+          <p:nvSpPr>
+            <p:cNvPr id="87" name="TextBox 86">
+              <a:extLst>
+                <a:ext uri="{FF2B5EF4-FFF2-40B4-BE49-F238E27FC236}">
+                  <a16:creationId xmlns:a16="http://schemas.microsoft.com/office/drawing/2014/main" id="{66963ABE-B0F0-4859-89BB-3F96DCC0A7F2}"/>
+                </a:ext>
+              </a:extLst>
+            </p:cNvPr>
+            <p:cNvSpPr txBox="1"/>
+            <p:nvPr/>
+          </p:nvSpPr>
+          <p:spPr>
+            <a:xfrm>
+              <a:off x="6313108" y="4924017"/>
+              <a:ext cx="385287" cy="523220"/>
+            </a:xfrm>
+            <a:prstGeom prst="rect">
+              <a:avLst/>
+            </a:prstGeom>
+            <a:noFill/>
+          </p:spPr>
+          <p:txBody>
+            <a:bodyPr wrap="square" rtlCol="0">
+              <a:spAutoFit/>
+            </a:bodyPr>
+            <a:lstStyle/>
+            <a:p>
+              <a:r>
+                <a:rPr lang="en-US" sz="2800" i="1" dirty="0">
+                  <a:solidFill>
+                    <a:schemeClr val="accent6">
+                      <a:lumMod val="75000"/>
+                    </a:schemeClr>
+                  </a:solidFill>
+                </a:rPr>
+                <a:t>T</a:t>
+              </a:r>
+            </a:p>
+          </p:txBody>
+        </p:sp>
+        <p:sp>
+          <p:nvSpPr>
+            <p:cNvPr id="88" name="TextBox 87">
+              <a:extLst>
+                <a:ext uri="{FF2B5EF4-FFF2-40B4-BE49-F238E27FC236}">
+                  <a16:creationId xmlns:a16="http://schemas.microsoft.com/office/drawing/2014/main" id="{F34DBE78-B110-493B-96A0-BB7FE0241094}"/>
+                </a:ext>
+              </a:extLst>
+            </p:cNvPr>
+            <p:cNvSpPr txBox="1"/>
+            <p:nvPr/>
+          </p:nvSpPr>
+          <p:spPr>
+            <a:xfrm>
+              <a:off x="6437764" y="5108179"/>
+              <a:ext cx="385287" cy="369332"/>
+            </a:xfrm>
+            <a:prstGeom prst="rect">
+              <a:avLst/>
+            </a:prstGeom>
+            <a:noFill/>
+          </p:spPr>
+          <p:txBody>
+            <a:bodyPr wrap="square" rtlCol="0">
+              <a:spAutoFit/>
+            </a:bodyPr>
+            <a:lstStyle/>
+            <a:p>
+              <a:r>
+                <a:rPr lang="en-US" i="1" dirty="0">
+                  <a:solidFill>
+                    <a:schemeClr val="accent6">
+                      <a:lumMod val="75000"/>
+                    </a:schemeClr>
+                  </a:solidFill>
+                </a:rPr>
+                <a:t>2</a:t>
+              </a:r>
+            </a:p>
+          </p:txBody>
+        </p:sp>
+        <p:sp>
+          <p:nvSpPr>
+            <p:cNvPr id="91" name="TextBox 90">
+              <a:extLst>
+                <a:ext uri="{FF2B5EF4-FFF2-40B4-BE49-F238E27FC236}">
+                  <a16:creationId xmlns:a16="http://schemas.microsoft.com/office/drawing/2014/main" id="{CA83C556-1B18-400B-8537-242DBEB10D0D}"/>
+                </a:ext>
+              </a:extLst>
+            </p:cNvPr>
+            <p:cNvSpPr txBox="1"/>
+            <p:nvPr/>
+          </p:nvSpPr>
+          <p:spPr>
+            <a:xfrm>
+              <a:off x="6526990" y="4870309"/>
+              <a:ext cx="385287" cy="338554"/>
+            </a:xfrm>
+            <a:prstGeom prst="rect">
+              <a:avLst/>
+            </a:prstGeom>
+            <a:noFill/>
+          </p:spPr>
+          <p:txBody>
+            <a:bodyPr wrap="square" rtlCol="0">
+              <a:spAutoFit/>
+            </a:bodyPr>
+            <a:lstStyle/>
+            <a:p>
+              <a:endParaRPr lang="en-US" sz="1600" i="1" dirty="0">
+                <a:solidFill>
+                  <a:schemeClr val="accent6">
+                    <a:lumMod val="75000"/>
+                  </a:schemeClr>
+                </a:solidFill>
+              </a:endParaRPr>
+            </a:p>
+          </p:txBody>
+        </p:sp>
+      </p:grpSp>
     </p:spTree>
     <p:extLst>
       <p:ext uri="{BB962C8B-B14F-4D97-AF65-F5344CB8AC3E}">

--- a/Figures.pptx
+++ b/Figures.pptx
@@ -5,7 +5,7 @@
     <p:sldMasterId id="2147483648" r:id="rId1"/>
   </p:sldMasterIdLst>
   <p:notesMasterIdLst>
-    <p:notesMasterId r:id="rId16"/>
+    <p:notesMasterId r:id="rId17"/>
   </p:notesMasterIdLst>
   <p:sldIdLst>
     <p:sldId id="256" r:id="rId2"/>
@@ -22,6 +22,7 @@
     <p:sldId id="270" r:id="rId13"/>
     <p:sldId id="271" r:id="rId14"/>
     <p:sldId id="272" r:id="rId15"/>
+    <p:sldId id="273" r:id="rId16"/>
   </p:sldIdLst>
   <p:sldSz cx="12192000" cy="6858000"/>
   <p:notesSz cx="6858000" cy="9144000"/>
@@ -210,7 +211,7 @@
           <a:p>
             <a:fld id="{75754C70-6453-4EC1-893C-AA2644B807D6}" type="datetimeFigureOut">
               <a:rPr lang="en-US" smtClean="0"/>
-              <a:t>8/29/2021</a:t>
+              <a:t>8/30/2021</a:t>
             </a:fld>
             <a:endParaRPr lang="en-US" dirty="0"/>
           </a:p>
@@ -624,7 +625,7 @@
           <a:p>
             <a:fld id="{FF5E1AB6-45CD-421A-B6C0-E4D4EAFC2CDC}" type="datetimeFigureOut">
               <a:rPr lang="en-US" smtClean="0"/>
-              <a:t>8/29/2021</a:t>
+              <a:t>8/30/2021</a:t>
             </a:fld>
             <a:endParaRPr lang="en-US" dirty="0"/>
           </a:p>
@@ -822,7 +823,7 @@
           <a:p>
             <a:fld id="{FF5E1AB6-45CD-421A-B6C0-E4D4EAFC2CDC}" type="datetimeFigureOut">
               <a:rPr lang="en-US" smtClean="0"/>
-              <a:t>8/29/2021</a:t>
+              <a:t>8/30/2021</a:t>
             </a:fld>
             <a:endParaRPr lang="en-US" dirty="0"/>
           </a:p>
@@ -1030,7 +1031,7 @@
           <a:p>
             <a:fld id="{FF5E1AB6-45CD-421A-B6C0-E4D4EAFC2CDC}" type="datetimeFigureOut">
               <a:rPr lang="en-US" smtClean="0"/>
-              <a:t>8/29/2021</a:t>
+              <a:t>8/30/2021</a:t>
             </a:fld>
             <a:endParaRPr lang="en-US" dirty="0"/>
           </a:p>
@@ -1228,7 +1229,7 @@
           <a:p>
             <a:fld id="{FF5E1AB6-45CD-421A-B6C0-E4D4EAFC2CDC}" type="datetimeFigureOut">
               <a:rPr lang="en-US" smtClean="0"/>
-              <a:t>8/29/2021</a:t>
+              <a:t>8/30/2021</a:t>
             </a:fld>
             <a:endParaRPr lang="en-US" dirty="0"/>
           </a:p>
@@ -1503,7 +1504,7 @@
           <a:p>
             <a:fld id="{FF5E1AB6-45CD-421A-B6C0-E4D4EAFC2CDC}" type="datetimeFigureOut">
               <a:rPr lang="en-US" smtClean="0"/>
-              <a:t>8/29/2021</a:t>
+              <a:t>8/30/2021</a:t>
             </a:fld>
             <a:endParaRPr lang="en-US" dirty="0"/>
           </a:p>
@@ -1768,7 +1769,7 @@
           <a:p>
             <a:fld id="{FF5E1AB6-45CD-421A-B6C0-E4D4EAFC2CDC}" type="datetimeFigureOut">
               <a:rPr lang="en-US" smtClean="0"/>
-              <a:t>8/29/2021</a:t>
+              <a:t>8/30/2021</a:t>
             </a:fld>
             <a:endParaRPr lang="en-US" dirty="0"/>
           </a:p>
@@ -2180,7 +2181,7 @@
           <a:p>
             <a:fld id="{FF5E1AB6-45CD-421A-B6C0-E4D4EAFC2CDC}" type="datetimeFigureOut">
               <a:rPr lang="en-US" smtClean="0"/>
-              <a:t>8/29/2021</a:t>
+              <a:t>8/30/2021</a:t>
             </a:fld>
             <a:endParaRPr lang="en-US" dirty="0"/>
           </a:p>
@@ -2321,7 +2322,7 @@
           <a:p>
             <a:fld id="{FF5E1AB6-45CD-421A-B6C0-E4D4EAFC2CDC}" type="datetimeFigureOut">
               <a:rPr lang="en-US" smtClean="0"/>
-              <a:t>8/29/2021</a:t>
+              <a:t>8/30/2021</a:t>
             </a:fld>
             <a:endParaRPr lang="en-US" dirty="0"/>
           </a:p>
@@ -2434,7 +2435,7 @@
           <a:p>
             <a:fld id="{FF5E1AB6-45CD-421A-B6C0-E4D4EAFC2CDC}" type="datetimeFigureOut">
               <a:rPr lang="en-US" smtClean="0"/>
-              <a:t>8/29/2021</a:t>
+              <a:t>8/30/2021</a:t>
             </a:fld>
             <a:endParaRPr lang="en-US" dirty="0"/>
           </a:p>
@@ -2745,7 +2746,7 @@
           <a:p>
             <a:fld id="{FF5E1AB6-45CD-421A-B6C0-E4D4EAFC2CDC}" type="datetimeFigureOut">
               <a:rPr lang="en-US" smtClean="0"/>
-              <a:t>8/29/2021</a:t>
+              <a:t>8/30/2021</a:t>
             </a:fld>
             <a:endParaRPr lang="en-US" dirty="0"/>
           </a:p>
@@ -3033,7 +3034,7 @@
           <a:p>
             <a:fld id="{FF5E1AB6-45CD-421A-B6C0-E4D4EAFC2CDC}" type="datetimeFigureOut">
               <a:rPr lang="en-US" smtClean="0"/>
-              <a:t>8/29/2021</a:t>
+              <a:t>8/30/2021</a:t>
             </a:fld>
             <a:endParaRPr lang="en-US" dirty="0"/>
           </a:p>
@@ -3274,7 +3275,7 @@
           <a:p>
             <a:fld id="{FF5E1AB6-45CD-421A-B6C0-E4D4EAFC2CDC}" type="datetimeFigureOut">
               <a:rPr lang="en-US" smtClean="0"/>
-              <a:t>8/29/2021</a:t>
+              <a:t>8/30/2021</a:t>
             </a:fld>
             <a:endParaRPr lang="en-US" dirty="0"/>
           </a:p>
@@ -26373,6 +26374,2216 @@
 </p:sld>
 </file>
 
+<file path=ppt/slides/slide15.xml><?xml version="1.0" encoding="utf-8"?>
+<p:sld xmlns:a="http://schemas.openxmlformats.org/drawingml/2006/main" xmlns:r="http://schemas.openxmlformats.org/officeDocument/2006/relationships" xmlns:p="http://schemas.openxmlformats.org/presentationml/2006/main">
+  <p:cSld>
+    <p:spTree>
+      <p:nvGrpSpPr>
+        <p:cNvPr id="1" name=""/>
+        <p:cNvGrpSpPr/>
+        <p:nvPr/>
+      </p:nvGrpSpPr>
+      <p:grpSpPr>
+        <a:xfrm>
+          <a:off x="0" y="0"/>
+          <a:ext cx="0" cy="0"/>
+          <a:chOff x="0" y="0"/>
+          <a:chExt cx="0" cy="0"/>
+        </a:xfrm>
+      </p:grpSpPr>
+      <p:grpSp>
+        <p:nvGrpSpPr>
+          <p:cNvPr id="46" name="Group 45">
+            <a:extLst>
+              <a:ext uri="{FF2B5EF4-FFF2-40B4-BE49-F238E27FC236}">
+                <a16:creationId xmlns:a16="http://schemas.microsoft.com/office/drawing/2014/main" id="{C458CCEB-04A6-4A3D-9D41-0E8F82EF5001}"/>
+              </a:ext>
+            </a:extLst>
+          </p:cNvPr>
+          <p:cNvGrpSpPr/>
+          <p:nvPr/>
+        </p:nvGrpSpPr>
+        <p:grpSpPr>
+          <a:xfrm>
+            <a:off x="321732" y="1092200"/>
+            <a:ext cx="4997285" cy="5147735"/>
+            <a:chOff x="321732" y="1092200"/>
+            <a:chExt cx="4997285" cy="5147735"/>
+          </a:xfrm>
+        </p:grpSpPr>
+        <p:sp>
+          <p:nvSpPr>
+            <p:cNvPr id="4" name="Oval 3">
+              <a:extLst>
+                <a:ext uri="{FF2B5EF4-FFF2-40B4-BE49-F238E27FC236}">
+                  <a16:creationId xmlns:a16="http://schemas.microsoft.com/office/drawing/2014/main" id="{3AD72FF1-5272-45D3-A439-359C7B2C2190}"/>
+                </a:ext>
+              </a:extLst>
+            </p:cNvPr>
+            <p:cNvSpPr/>
+            <p:nvPr/>
+          </p:nvSpPr>
+          <p:spPr>
+            <a:xfrm>
+              <a:off x="2929466" y="1092200"/>
+              <a:ext cx="1151467" cy="592667"/>
+            </a:xfrm>
+            <a:prstGeom prst="ellipse">
+              <a:avLst/>
+            </a:prstGeom>
+            <a:solidFill>
+              <a:schemeClr val="accent6">
+                <a:lumMod val="20000"/>
+                <a:lumOff val="80000"/>
+              </a:schemeClr>
+            </a:solidFill>
+            <a:ln>
+              <a:solidFill>
+                <a:schemeClr val="accent6">
+                  <a:lumMod val="75000"/>
+                </a:schemeClr>
+              </a:solidFill>
+            </a:ln>
+          </p:spPr>
+          <p:style>
+            <a:lnRef idx="2">
+              <a:schemeClr val="accent1">
+                <a:shade val="50000"/>
+              </a:schemeClr>
+            </a:lnRef>
+            <a:fillRef idx="1">
+              <a:schemeClr val="accent1"/>
+            </a:fillRef>
+            <a:effectRef idx="0">
+              <a:schemeClr val="accent1"/>
+            </a:effectRef>
+            <a:fontRef idx="minor">
+              <a:schemeClr val="lt1"/>
+            </a:fontRef>
+          </p:style>
+          <p:txBody>
+            <a:bodyPr rtlCol="0" anchor="ctr"/>
+            <a:lstStyle/>
+            <a:p>
+              <a:pPr algn="ctr"/>
+              <a:r>
+                <a:rPr lang="en-US" dirty="0">
+                  <a:solidFill>
+                    <a:schemeClr val="tx1"/>
+                  </a:solidFill>
+                </a:rPr>
+                <a:t>return</a:t>
+              </a:r>
+            </a:p>
+          </p:txBody>
+        </p:sp>
+        <p:sp>
+          <p:nvSpPr>
+            <p:cNvPr id="5" name="Oval 4">
+              <a:extLst>
+                <a:ext uri="{FF2B5EF4-FFF2-40B4-BE49-F238E27FC236}">
+                  <a16:creationId xmlns:a16="http://schemas.microsoft.com/office/drawing/2014/main" id="{1BC62F12-1F13-42D2-827B-C851E595F181}"/>
+                </a:ext>
+              </a:extLst>
+            </p:cNvPr>
+            <p:cNvSpPr/>
+            <p:nvPr/>
+          </p:nvSpPr>
+          <p:spPr>
+            <a:xfrm>
+              <a:off x="2929466" y="1938866"/>
+              <a:ext cx="1151467" cy="592667"/>
+            </a:xfrm>
+            <a:prstGeom prst="ellipse">
+              <a:avLst/>
+            </a:prstGeom>
+            <a:solidFill>
+              <a:schemeClr val="accent6">
+                <a:lumMod val="20000"/>
+                <a:lumOff val="80000"/>
+              </a:schemeClr>
+            </a:solidFill>
+            <a:ln>
+              <a:solidFill>
+                <a:schemeClr val="accent6">
+                  <a:lumMod val="75000"/>
+                </a:schemeClr>
+              </a:solidFill>
+            </a:ln>
+          </p:spPr>
+          <p:style>
+            <a:lnRef idx="2">
+              <a:schemeClr val="accent1">
+                <a:shade val="50000"/>
+              </a:schemeClr>
+            </a:lnRef>
+            <a:fillRef idx="1">
+              <a:schemeClr val="accent1"/>
+            </a:fillRef>
+            <a:effectRef idx="0">
+              <a:schemeClr val="accent1"/>
+            </a:effectRef>
+            <a:fontRef idx="minor">
+              <a:schemeClr val="lt1"/>
+            </a:fontRef>
+          </p:style>
+          <p:txBody>
+            <a:bodyPr rtlCol="0" anchor="ctr"/>
+            <a:lstStyle/>
+            <a:p>
+              <a:pPr algn="ctr"/>
+              <a:r>
+                <a:rPr lang="en-US" dirty="0">
+                  <a:solidFill>
+                    <a:schemeClr val="tx1"/>
+                  </a:solidFill>
+                </a:rPr>
+                <a:t>()</a:t>
+              </a:r>
+            </a:p>
+          </p:txBody>
+        </p:sp>
+        <p:sp>
+          <p:nvSpPr>
+            <p:cNvPr id="6" name="Oval 5">
+              <a:extLst>
+                <a:ext uri="{FF2B5EF4-FFF2-40B4-BE49-F238E27FC236}">
+                  <a16:creationId xmlns:a16="http://schemas.microsoft.com/office/drawing/2014/main" id="{01017315-85D8-4536-BA9A-803CC4C35676}"/>
+                </a:ext>
+              </a:extLst>
+            </p:cNvPr>
+            <p:cNvSpPr/>
+            <p:nvPr/>
+          </p:nvSpPr>
+          <p:spPr>
+            <a:xfrm>
+              <a:off x="2929466" y="2785532"/>
+              <a:ext cx="1151467" cy="592667"/>
+            </a:xfrm>
+            <a:prstGeom prst="ellipse">
+              <a:avLst/>
+            </a:prstGeom>
+            <a:solidFill>
+              <a:schemeClr val="accent6">
+                <a:lumMod val="20000"/>
+                <a:lumOff val="80000"/>
+              </a:schemeClr>
+            </a:solidFill>
+            <a:ln>
+              <a:solidFill>
+                <a:schemeClr val="accent6">
+                  <a:lumMod val="75000"/>
+                </a:schemeClr>
+              </a:solidFill>
+            </a:ln>
+          </p:spPr>
+          <p:style>
+            <a:lnRef idx="2">
+              <a:schemeClr val="accent1">
+                <a:shade val="50000"/>
+              </a:schemeClr>
+            </a:lnRef>
+            <a:fillRef idx="1">
+              <a:schemeClr val="accent1"/>
+            </a:fillRef>
+            <a:effectRef idx="0">
+              <a:schemeClr val="accent1"/>
+            </a:effectRef>
+            <a:fontRef idx="minor">
+              <a:schemeClr val="lt1"/>
+            </a:fontRef>
+          </p:style>
+          <p:txBody>
+            <a:bodyPr rtlCol="0" anchor="ctr"/>
+            <a:lstStyle/>
+            <a:p>
+              <a:pPr algn="ctr"/>
+              <a:r>
+                <a:rPr lang="en-US" dirty="0">
+                  <a:solidFill>
+                    <a:schemeClr val="tx1"/>
+                  </a:solidFill>
+                </a:rPr>
+                <a:t>%</a:t>
+              </a:r>
+            </a:p>
+          </p:txBody>
+        </p:sp>
+        <p:sp>
+          <p:nvSpPr>
+            <p:cNvPr id="7" name="Oval 6">
+              <a:extLst>
+                <a:ext uri="{FF2B5EF4-FFF2-40B4-BE49-F238E27FC236}">
+                  <a16:creationId xmlns:a16="http://schemas.microsoft.com/office/drawing/2014/main" id="{1ED873ED-9C21-4EDC-A7C3-18E857E3BD9D}"/>
+                </a:ext>
+              </a:extLst>
+            </p:cNvPr>
+            <p:cNvSpPr/>
+            <p:nvPr/>
+          </p:nvSpPr>
+          <p:spPr>
+            <a:xfrm>
+              <a:off x="1930400" y="3733801"/>
+              <a:ext cx="1405459" cy="592667"/>
+            </a:xfrm>
+            <a:prstGeom prst="ellipse">
+              <a:avLst/>
+            </a:prstGeom>
+            <a:solidFill>
+              <a:schemeClr val="accent6">
+                <a:lumMod val="20000"/>
+                <a:lumOff val="80000"/>
+              </a:schemeClr>
+            </a:solidFill>
+            <a:ln>
+              <a:solidFill>
+                <a:schemeClr val="accent6">
+                  <a:lumMod val="75000"/>
+                </a:schemeClr>
+              </a:solidFill>
+            </a:ln>
+          </p:spPr>
+          <p:style>
+            <a:lnRef idx="2">
+              <a:schemeClr val="accent1">
+                <a:shade val="50000"/>
+              </a:schemeClr>
+            </a:lnRef>
+            <a:fillRef idx="1">
+              <a:schemeClr val="accent1"/>
+            </a:fillRef>
+            <a:effectRef idx="0">
+              <a:schemeClr val="accent1"/>
+            </a:effectRef>
+            <a:fontRef idx="minor">
+              <a:schemeClr val="lt1"/>
+            </a:fontRef>
+          </p:style>
+          <p:txBody>
+            <a:bodyPr rtlCol="0" anchor="ctr"/>
+            <a:lstStyle/>
+            <a:p>
+              <a:pPr algn="ctr"/>
+              <a:r>
+                <a:rPr lang="en-US" dirty="0">
+                  <a:solidFill>
+                    <a:schemeClr val="tx1"/>
+                  </a:solidFill>
+                </a:rPr>
+                <a:t>Method Call</a:t>
+              </a:r>
+            </a:p>
+          </p:txBody>
+        </p:sp>
+        <p:sp>
+          <p:nvSpPr>
+            <p:cNvPr id="10" name="Oval 9">
+              <a:extLst>
+                <a:ext uri="{FF2B5EF4-FFF2-40B4-BE49-F238E27FC236}">
+                  <a16:creationId xmlns:a16="http://schemas.microsoft.com/office/drawing/2014/main" id="{76E591A8-D121-45C3-B8C8-2550461FD7B2}"/>
+                </a:ext>
+              </a:extLst>
+            </p:cNvPr>
+            <p:cNvSpPr/>
+            <p:nvPr/>
+          </p:nvSpPr>
+          <p:spPr>
+            <a:xfrm>
+              <a:off x="2802469" y="4682068"/>
+              <a:ext cx="1405459" cy="592667"/>
+            </a:xfrm>
+            <a:prstGeom prst="ellipse">
+              <a:avLst/>
+            </a:prstGeom>
+            <a:solidFill>
+              <a:schemeClr val="accent6">
+                <a:lumMod val="20000"/>
+                <a:lumOff val="80000"/>
+              </a:schemeClr>
+            </a:solidFill>
+            <a:ln>
+              <a:solidFill>
+                <a:schemeClr val="accent6">
+                  <a:lumMod val="75000"/>
+                </a:schemeClr>
+              </a:solidFill>
+            </a:ln>
+          </p:spPr>
+          <p:style>
+            <a:lnRef idx="2">
+              <a:schemeClr val="accent1">
+                <a:shade val="50000"/>
+              </a:schemeClr>
+            </a:lnRef>
+            <a:fillRef idx="1">
+              <a:schemeClr val="accent1"/>
+            </a:fillRef>
+            <a:effectRef idx="0">
+              <a:schemeClr val="accent1"/>
+            </a:effectRef>
+            <a:fontRef idx="minor">
+              <a:schemeClr val="lt1"/>
+            </a:fontRef>
+          </p:style>
+          <p:txBody>
+            <a:bodyPr rtlCol="0" anchor="ctr"/>
+            <a:lstStyle/>
+            <a:p>
+              <a:pPr algn="ctr"/>
+              <a:r>
+                <a:rPr lang="en-US" dirty="0">
+                  <a:solidFill>
+                    <a:schemeClr val="tx1"/>
+                  </a:solidFill>
+                </a:rPr>
+                <a:t>Method Call</a:t>
+              </a:r>
+            </a:p>
+          </p:txBody>
+        </p:sp>
+        <p:sp>
+          <p:nvSpPr>
+            <p:cNvPr id="11" name="Rectangle 10">
+              <a:extLst>
+                <a:ext uri="{FF2B5EF4-FFF2-40B4-BE49-F238E27FC236}">
+                  <a16:creationId xmlns:a16="http://schemas.microsoft.com/office/drawing/2014/main" id="{A2E25295-45A2-4C20-BBE8-82FBF6D273C3}"/>
+                </a:ext>
+              </a:extLst>
+            </p:cNvPr>
+            <p:cNvSpPr/>
+            <p:nvPr/>
+          </p:nvSpPr>
+          <p:spPr>
+            <a:xfrm>
+              <a:off x="321732" y="4800600"/>
+              <a:ext cx="1113183" cy="474135"/>
+            </a:xfrm>
+            <a:prstGeom prst="rect">
+              <a:avLst/>
+            </a:prstGeom>
+            <a:solidFill>
+              <a:schemeClr val="accent2">
+                <a:lumMod val="20000"/>
+                <a:lumOff val="80000"/>
+              </a:schemeClr>
+            </a:solidFill>
+            <a:ln>
+              <a:solidFill>
+                <a:schemeClr val="accent2">
+                  <a:lumMod val="75000"/>
+                </a:schemeClr>
+              </a:solidFill>
+            </a:ln>
+          </p:spPr>
+          <p:style>
+            <a:lnRef idx="2">
+              <a:schemeClr val="accent1">
+                <a:shade val="50000"/>
+              </a:schemeClr>
+            </a:lnRef>
+            <a:fillRef idx="1">
+              <a:schemeClr val="accent1"/>
+            </a:fillRef>
+            <a:effectRef idx="0">
+              <a:schemeClr val="accent1"/>
+            </a:effectRef>
+            <a:fontRef idx="minor">
+              <a:schemeClr val="lt1"/>
+            </a:fontRef>
+          </p:style>
+          <p:txBody>
+            <a:bodyPr rtlCol="0" anchor="ctr"/>
+            <a:lstStyle/>
+            <a:p>
+              <a:pPr algn="ctr"/>
+              <a:r>
+                <a:rPr lang="en-US" dirty="0">
+                  <a:solidFill>
+                    <a:schemeClr val="tx1"/>
+                  </a:solidFill>
+                </a:rPr>
+                <a:t>Math</a:t>
+              </a:r>
+            </a:p>
+          </p:txBody>
+        </p:sp>
+        <p:sp>
+          <p:nvSpPr>
+            <p:cNvPr id="12" name="Rectangle 11">
+              <a:extLst>
+                <a:ext uri="{FF2B5EF4-FFF2-40B4-BE49-F238E27FC236}">
+                  <a16:creationId xmlns:a16="http://schemas.microsoft.com/office/drawing/2014/main" id="{42EE7F65-D7D3-4545-95E5-AF7277F39539}"/>
+                </a:ext>
+              </a:extLst>
+            </p:cNvPr>
+            <p:cNvSpPr/>
+            <p:nvPr/>
+          </p:nvSpPr>
+          <p:spPr>
+            <a:xfrm>
+              <a:off x="1562100" y="4800600"/>
+              <a:ext cx="1113183" cy="474135"/>
+            </a:xfrm>
+            <a:prstGeom prst="rect">
+              <a:avLst/>
+            </a:prstGeom>
+            <a:solidFill>
+              <a:schemeClr val="accent2">
+                <a:lumMod val="20000"/>
+                <a:lumOff val="80000"/>
+              </a:schemeClr>
+            </a:solidFill>
+            <a:ln>
+              <a:solidFill>
+                <a:schemeClr val="accent2">
+                  <a:lumMod val="75000"/>
+                </a:schemeClr>
+              </a:solidFill>
+            </a:ln>
+          </p:spPr>
+          <p:style>
+            <a:lnRef idx="2">
+              <a:schemeClr val="accent1">
+                <a:shade val="50000"/>
+              </a:schemeClr>
+            </a:lnRef>
+            <a:fillRef idx="1">
+              <a:schemeClr val="accent1"/>
+            </a:fillRef>
+            <a:effectRef idx="0">
+              <a:schemeClr val="accent1"/>
+            </a:effectRef>
+            <a:fontRef idx="minor">
+              <a:schemeClr val="lt1"/>
+            </a:fontRef>
+          </p:style>
+          <p:txBody>
+            <a:bodyPr rtlCol="0" anchor="ctr"/>
+            <a:lstStyle/>
+            <a:p>
+              <a:pPr algn="ctr"/>
+              <a:r>
+                <a:rPr lang="en-US" dirty="0">
+                  <a:solidFill>
+                    <a:schemeClr val="tx1"/>
+                  </a:solidFill>
+                </a:rPr>
+                <a:t>abs</a:t>
+              </a:r>
+            </a:p>
+          </p:txBody>
+        </p:sp>
+        <p:sp>
+          <p:nvSpPr>
+            <p:cNvPr id="13" name="Rectangle 12">
+              <a:extLst>
+                <a:ext uri="{FF2B5EF4-FFF2-40B4-BE49-F238E27FC236}">
+                  <a16:creationId xmlns:a16="http://schemas.microsoft.com/office/drawing/2014/main" id="{DD42E9AD-CD63-4126-B8FD-44E76B565D90}"/>
+                </a:ext>
+              </a:extLst>
+            </p:cNvPr>
+            <p:cNvSpPr/>
+            <p:nvPr/>
+          </p:nvSpPr>
+          <p:spPr>
+            <a:xfrm>
+              <a:off x="2222676" y="5765800"/>
+              <a:ext cx="1113183" cy="474135"/>
+            </a:xfrm>
+            <a:prstGeom prst="rect">
+              <a:avLst/>
+            </a:prstGeom>
+            <a:solidFill>
+              <a:schemeClr val="accent2">
+                <a:lumMod val="20000"/>
+                <a:lumOff val="80000"/>
+              </a:schemeClr>
+            </a:solidFill>
+            <a:ln>
+              <a:solidFill>
+                <a:schemeClr val="accent2">
+                  <a:lumMod val="75000"/>
+                </a:schemeClr>
+              </a:solidFill>
+            </a:ln>
+          </p:spPr>
+          <p:style>
+            <a:lnRef idx="2">
+              <a:schemeClr val="accent1">
+                <a:shade val="50000"/>
+              </a:schemeClr>
+            </a:lnRef>
+            <a:fillRef idx="1">
+              <a:schemeClr val="accent1"/>
+            </a:fillRef>
+            <a:effectRef idx="0">
+              <a:schemeClr val="accent1"/>
+            </a:effectRef>
+            <a:fontRef idx="minor">
+              <a:schemeClr val="lt1"/>
+            </a:fontRef>
+          </p:style>
+          <p:txBody>
+            <a:bodyPr rtlCol="0" anchor="ctr"/>
+            <a:lstStyle/>
+            <a:p>
+              <a:pPr algn="ctr"/>
+              <a:r>
+                <a:rPr lang="en-US" dirty="0">
+                  <a:solidFill>
+                    <a:schemeClr val="tx1"/>
+                  </a:solidFill>
+                </a:rPr>
+                <a:t>keyTuple</a:t>
+              </a:r>
+            </a:p>
+          </p:txBody>
+        </p:sp>
+        <p:sp>
+          <p:nvSpPr>
+            <p:cNvPr id="14" name="Rectangle 13">
+              <a:extLst>
+                <a:ext uri="{FF2B5EF4-FFF2-40B4-BE49-F238E27FC236}">
+                  <a16:creationId xmlns:a16="http://schemas.microsoft.com/office/drawing/2014/main" id="{9C8FBB45-D7A6-42C7-B235-F760967F1145}"/>
+                </a:ext>
+              </a:extLst>
+            </p:cNvPr>
+            <p:cNvSpPr/>
+            <p:nvPr/>
+          </p:nvSpPr>
+          <p:spPr>
+            <a:xfrm>
+              <a:off x="3674539" y="5765800"/>
+              <a:ext cx="1113183" cy="474135"/>
+            </a:xfrm>
+            <a:prstGeom prst="rect">
+              <a:avLst/>
+            </a:prstGeom>
+            <a:solidFill>
+              <a:schemeClr val="accent2">
+                <a:lumMod val="20000"/>
+                <a:lumOff val="80000"/>
+              </a:schemeClr>
+            </a:solidFill>
+            <a:ln>
+              <a:solidFill>
+                <a:schemeClr val="accent2">
+                  <a:lumMod val="75000"/>
+                </a:schemeClr>
+              </a:solidFill>
+            </a:ln>
+          </p:spPr>
+          <p:style>
+            <a:lnRef idx="2">
+              <a:schemeClr val="accent1">
+                <a:shade val="50000"/>
+              </a:schemeClr>
+            </a:lnRef>
+            <a:fillRef idx="1">
+              <a:schemeClr val="accent1"/>
+            </a:fillRef>
+            <a:effectRef idx="0">
+              <a:schemeClr val="accent1"/>
+            </a:effectRef>
+            <a:fontRef idx="minor">
+              <a:schemeClr val="lt1"/>
+            </a:fontRef>
+          </p:style>
+          <p:txBody>
+            <a:bodyPr rtlCol="0" anchor="ctr"/>
+            <a:lstStyle/>
+            <a:p>
+              <a:pPr algn="ctr"/>
+              <a:r>
+                <a:rPr lang="en-US" dirty="0">
+                  <a:solidFill>
+                    <a:schemeClr val="tx1"/>
+                  </a:solidFill>
+                </a:rPr>
+                <a:t>hashCode</a:t>
+              </a:r>
+            </a:p>
+          </p:txBody>
+        </p:sp>
+        <p:cxnSp>
+          <p:nvCxnSpPr>
+            <p:cNvPr id="16" name="Straight Arrow Connector 15">
+              <a:extLst>
+                <a:ext uri="{FF2B5EF4-FFF2-40B4-BE49-F238E27FC236}">
+                  <a16:creationId xmlns:a16="http://schemas.microsoft.com/office/drawing/2014/main" id="{063229D4-7231-4594-9D3A-9983F7350521}"/>
+                </a:ext>
+              </a:extLst>
+            </p:cNvPr>
+            <p:cNvCxnSpPr>
+              <a:stCxn id="4" idx="4"/>
+              <a:endCxn id="5" idx="0"/>
+            </p:cNvCxnSpPr>
+            <p:nvPr/>
+          </p:nvCxnSpPr>
+          <p:spPr>
+            <a:xfrm>
+              <a:off x="3505200" y="1684867"/>
+              <a:ext cx="0" cy="253999"/>
+            </a:xfrm>
+            <a:prstGeom prst="straightConnector1">
+              <a:avLst/>
+            </a:prstGeom>
+            <a:ln w="25400">
+              <a:tailEnd type="triangle"/>
+            </a:ln>
+          </p:spPr>
+          <p:style>
+            <a:lnRef idx="1">
+              <a:schemeClr val="accent1"/>
+            </a:lnRef>
+            <a:fillRef idx="0">
+              <a:schemeClr val="accent1"/>
+            </a:fillRef>
+            <a:effectRef idx="0">
+              <a:schemeClr val="accent1"/>
+            </a:effectRef>
+            <a:fontRef idx="minor">
+              <a:schemeClr val="tx1"/>
+            </a:fontRef>
+          </p:style>
+        </p:cxnSp>
+        <p:cxnSp>
+          <p:nvCxnSpPr>
+            <p:cNvPr id="17" name="Straight Arrow Connector 16">
+              <a:extLst>
+                <a:ext uri="{FF2B5EF4-FFF2-40B4-BE49-F238E27FC236}">
+                  <a16:creationId xmlns:a16="http://schemas.microsoft.com/office/drawing/2014/main" id="{CEFCEB16-48C1-4ACC-8C6C-AA67B4C2A94E}"/>
+                </a:ext>
+              </a:extLst>
+            </p:cNvPr>
+            <p:cNvCxnSpPr>
+              <a:cxnSpLocks/>
+              <a:stCxn id="5" idx="4"/>
+              <a:endCxn id="6" idx="0"/>
+            </p:cNvCxnSpPr>
+            <p:nvPr/>
+          </p:nvCxnSpPr>
+          <p:spPr>
+            <a:xfrm>
+              <a:off x="3505200" y="2531533"/>
+              <a:ext cx="0" cy="253999"/>
+            </a:xfrm>
+            <a:prstGeom prst="straightConnector1">
+              <a:avLst/>
+            </a:prstGeom>
+            <a:ln w="25400">
+              <a:tailEnd type="triangle"/>
+            </a:ln>
+          </p:spPr>
+          <p:style>
+            <a:lnRef idx="1">
+              <a:schemeClr val="accent1"/>
+            </a:lnRef>
+            <a:fillRef idx="0">
+              <a:schemeClr val="accent1"/>
+            </a:fillRef>
+            <a:effectRef idx="0">
+              <a:schemeClr val="accent1"/>
+            </a:effectRef>
+            <a:fontRef idx="minor">
+              <a:schemeClr val="tx1"/>
+            </a:fontRef>
+          </p:style>
+        </p:cxnSp>
+        <p:cxnSp>
+          <p:nvCxnSpPr>
+            <p:cNvPr id="21" name="Straight Arrow Connector 20">
+              <a:extLst>
+                <a:ext uri="{FF2B5EF4-FFF2-40B4-BE49-F238E27FC236}">
+                  <a16:creationId xmlns:a16="http://schemas.microsoft.com/office/drawing/2014/main" id="{BA1928B7-122E-436E-9C11-5F1992367EFA}"/>
+                </a:ext>
+              </a:extLst>
+            </p:cNvPr>
+            <p:cNvCxnSpPr>
+              <a:cxnSpLocks/>
+              <a:stCxn id="6" idx="4"/>
+              <a:endCxn id="97" idx="0"/>
+            </p:cNvCxnSpPr>
+            <p:nvPr/>
+          </p:nvCxnSpPr>
+          <p:spPr>
+            <a:xfrm>
+              <a:off x="3505200" y="3378199"/>
+              <a:ext cx="1111088" cy="355599"/>
+            </a:xfrm>
+            <a:prstGeom prst="straightConnector1">
+              <a:avLst/>
+            </a:prstGeom>
+            <a:ln w="25400">
+              <a:tailEnd type="triangle"/>
+            </a:ln>
+          </p:spPr>
+          <p:style>
+            <a:lnRef idx="1">
+              <a:schemeClr val="accent1"/>
+            </a:lnRef>
+            <a:fillRef idx="0">
+              <a:schemeClr val="accent1"/>
+            </a:fillRef>
+            <a:effectRef idx="0">
+              <a:schemeClr val="accent1"/>
+            </a:effectRef>
+            <a:fontRef idx="minor">
+              <a:schemeClr val="tx1"/>
+            </a:fontRef>
+          </p:style>
+        </p:cxnSp>
+        <p:cxnSp>
+          <p:nvCxnSpPr>
+            <p:cNvPr id="24" name="Straight Arrow Connector 23">
+              <a:extLst>
+                <a:ext uri="{FF2B5EF4-FFF2-40B4-BE49-F238E27FC236}">
+                  <a16:creationId xmlns:a16="http://schemas.microsoft.com/office/drawing/2014/main" id="{47328819-3BE3-4A48-8773-EDC2D98FEA27}"/>
+                </a:ext>
+              </a:extLst>
+            </p:cNvPr>
+            <p:cNvCxnSpPr>
+              <a:cxnSpLocks/>
+              <a:stCxn id="6" idx="4"/>
+              <a:endCxn id="7" idx="0"/>
+            </p:cNvCxnSpPr>
+            <p:nvPr/>
+          </p:nvCxnSpPr>
+          <p:spPr>
+            <a:xfrm flipH="1">
+              <a:off x="2633130" y="3378199"/>
+              <a:ext cx="872070" cy="355602"/>
+            </a:xfrm>
+            <a:prstGeom prst="straightConnector1">
+              <a:avLst/>
+            </a:prstGeom>
+            <a:ln w="25400">
+              <a:tailEnd type="triangle"/>
+            </a:ln>
+          </p:spPr>
+          <p:style>
+            <a:lnRef idx="1">
+              <a:schemeClr val="accent1"/>
+            </a:lnRef>
+            <a:fillRef idx="0">
+              <a:schemeClr val="accent1"/>
+            </a:fillRef>
+            <a:effectRef idx="0">
+              <a:schemeClr val="accent1"/>
+            </a:effectRef>
+            <a:fontRef idx="minor">
+              <a:schemeClr val="tx1"/>
+            </a:fontRef>
+          </p:style>
+        </p:cxnSp>
+        <p:cxnSp>
+          <p:nvCxnSpPr>
+            <p:cNvPr id="28" name="Straight Arrow Connector 27">
+              <a:extLst>
+                <a:ext uri="{FF2B5EF4-FFF2-40B4-BE49-F238E27FC236}">
+                  <a16:creationId xmlns:a16="http://schemas.microsoft.com/office/drawing/2014/main" id="{F979F2BB-2A8E-4FAA-A623-3A8233B87BAD}"/>
+                </a:ext>
+              </a:extLst>
+            </p:cNvPr>
+            <p:cNvCxnSpPr>
+              <a:cxnSpLocks/>
+              <a:stCxn id="7" idx="4"/>
+              <a:endCxn id="12" idx="0"/>
+            </p:cNvCxnSpPr>
+            <p:nvPr/>
+          </p:nvCxnSpPr>
+          <p:spPr>
+            <a:xfrm flipH="1">
+              <a:off x="2118692" y="4326468"/>
+              <a:ext cx="514438" cy="474132"/>
+            </a:xfrm>
+            <a:prstGeom prst="straightConnector1">
+              <a:avLst/>
+            </a:prstGeom>
+            <a:ln w="25400">
+              <a:tailEnd type="triangle"/>
+            </a:ln>
+          </p:spPr>
+          <p:style>
+            <a:lnRef idx="1">
+              <a:schemeClr val="accent1"/>
+            </a:lnRef>
+            <a:fillRef idx="0">
+              <a:schemeClr val="accent1"/>
+            </a:fillRef>
+            <a:effectRef idx="0">
+              <a:schemeClr val="accent1"/>
+            </a:effectRef>
+            <a:fontRef idx="minor">
+              <a:schemeClr val="tx1"/>
+            </a:fontRef>
+          </p:style>
+        </p:cxnSp>
+        <p:cxnSp>
+          <p:nvCxnSpPr>
+            <p:cNvPr id="29" name="Straight Arrow Connector 28">
+              <a:extLst>
+                <a:ext uri="{FF2B5EF4-FFF2-40B4-BE49-F238E27FC236}">
+                  <a16:creationId xmlns:a16="http://schemas.microsoft.com/office/drawing/2014/main" id="{77854EB6-A802-482D-8E4D-994FFB37E398}"/>
+                </a:ext>
+              </a:extLst>
+            </p:cNvPr>
+            <p:cNvCxnSpPr>
+              <a:cxnSpLocks/>
+              <a:stCxn id="7" idx="4"/>
+              <a:endCxn id="11" idx="0"/>
+            </p:cNvCxnSpPr>
+            <p:nvPr/>
+          </p:nvCxnSpPr>
+          <p:spPr>
+            <a:xfrm flipH="1">
+              <a:off x="878324" y="4326468"/>
+              <a:ext cx="1754806" cy="474132"/>
+            </a:xfrm>
+            <a:prstGeom prst="straightConnector1">
+              <a:avLst/>
+            </a:prstGeom>
+            <a:ln w="25400">
+              <a:tailEnd type="triangle"/>
+            </a:ln>
+          </p:spPr>
+          <p:style>
+            <a:lnRef idx="1">
+              <a:schemeClr val="accent1"/>
+            </a:lnRef>
+            <a:fillRef idx="0">
+              <a:schemeClr val="accent1"/>
+            </a:fillRef>
+            <a:effectRef idx="0">
+              <a:schemeClr val="accent1"/>
+            </a:effectRef>
+            <a:fontRef idx="minor">
+              <a:schemeClr val="tx1"/>
+            </a:fontRef>
+          </p:style>
+        </p:cxnSp>
+        <p:cxnSp>
+          <p:nvCxnSpPr>
+            <p:cNvPr id="34" name="Straight Arrow Connector 33">
+              <a:extLst>
+                <a:ext uri="{FF2B5EF4-FFF2-40B4-BE49-F238E27FC236}">
+                  <a16:creationId xmlns:a16="http://schemas.microsoft.com/office/drawing/2014/main" id="{2EEE02EA-787D-48B3-9C3F-F2350C227ADE}"/>
+                </a:ext>
+              </a:extLst>
+            </p:cNvPr>
+            <p:cNvCxnSpPr>
+              <a:cxnSpLocks/>
+              <a:stCxn id="7" idx="4"/>
+              <a:endCxn id="10" idx="0"/>
+            </p:cNvCxnSpPr>
+            <p:nvPr/>
+          </p:nvCxnSpPr>
+          <p:spPr>
+            <a:xfrm>
+              <a:off x="2633130" y="4326468"/>
+              <a:ext cx="872069" cy="355600"/>
+            </a:xfrm>
+            <a:prstGeom prst="straightConnector1">
+              <a:avLst/>
+            </a:prstGeom>
+            <a:ln w="25400">
+              <a:tailEnd type="triangle"/>
+            </a:ln>
+          </p:spPr>
+          <p:style>
+            <a:lnRef idx="1">
+              <a:schemeClr val="accent1"/>
+            </a:lnRef>
+            <a:fillRef idx="0">
+              <a:schemeClr val="accent1"/>
+            </a:fillRef>
+            <a:effectRef idx="0">
+              <a:schemeClr val="accent1"/>
+            </a:effectRef>
+            <a:fontRef idx="minor">
+              <a:schemeClr val="tx1"/>
+            </a:fontRef>
+          </p:style>
+        </p:cxnSp>
+        <p:cxnSp>
+          <p:nvCxnSpPr>
+            <p:cNvPr id="38" name="Straight Arrow Connector 37">
+              <a:extLst>
+                <a:ext uri="{FF2B5EF4-FFF2-40B4-BE49-F238E27FC236}">
+                  <a16:creationId xmlns:a16="http://schemas.microsoft.com/office/drawing/2014/main" id="{7FA096D1-D278-4E26-9B3E-4A6C1026E513}"/>
+                </a:ext>
+              </a:extLst>
+            </p:cNvPr>
+            <p:cNvCxnSpPr>
+              <a:cxnSpLocks/>
+              <a:stCxn id="10" idx="4"/>
+              <a:endCxn id="14" idx="0"/>
+            </p:cNvCxnSpPr>
+            <p:nvPr/>
+          </p:nvCxnSpPr>
+          <p:spPr>
+            <a:xfrm>
+              <a:off x="3505199" y="5274735"/>
+              <a:ext cx="725932" cy="491065"/>
+            </a:xfrm>
+            <a:prstGeom prst="straightConnector1">
+              <a:avLst/>
+            </a:prstGeom>
+            <a:ln w="25400">
+              <a:tailEnd type="triangle"/>
+            </a:ln>
+          </p:spPr>
+          <p:style>
+            <a:lnRef idx="1">
+              <a:schemeClr val="accent1"/>
+            </a:lnRef>
+            <a:fillRef idx="0">
+              <a:schemeClr val="accent1"/>
+            </a:fillRef>
+            <a:effectRef idx="0">
+              <a:schemeClr val="accent1"/>
+            </a:effectRef>
+            <a:fontRef idx="minor">
+              <a:schemeClr val="tx1"/>
+            </a:fontRef>
+          </p:style>
+        </p:cxnSp>
+        <p:cxnSp>
+          <p:nvCxnSpPr>
+            <p:cNvPr id="41" name="Straight Arrow Connector 40">
+              <a:extLst>
+                <a:ext uri="{FF2B5EF4-FFF2-40B4-BE49-F238E27FC236}">
+                  <a16:creationId xmlns:a16="http://schemas.microsoft.com/office/drawing/2014/main" id="{CA747813-BD5F-4212-855C-EBEEE8361047}"/>
+                </a:ext>
+              </a:extLst>
+            </p:cNvPr>
+            <p:cNvCxnSpPr>
+              <a:cxnSpLocks/>
+              <a:stCxn id="10" idx="4"/>
+              <a:endCxn id="13" idx="0"/>
+            </p:cNvCxnSpPr>
+            <p:nvPr/>
+          </p:nvCxnSpPr>
+          <p:spPr>
+            <a:xfrm flipH="1">
+              <a:off x="2779268" y="5274735"/>
+              <a:ext cx="725931" cy="491065"/>
+            </a:xfrm>
+            <a:prstGeom prst="straightConnector1">
+              <a:avLst/>
+            </a:prstGeom>
+            <a:ln w="25400">
+              <a:tailEnd type="triangle"/>
+            </a:ln>
+          </p:spPr>
+          <p:style>
+            <a:lnRef idx="1">
+              <a:schemeClr val="accent1"/>
+            </a:lnRef>
+            <a:fillRef idx="0">
+              <a:schemeClr val="accent1"/>
+            </a:fillRef>
+            <a:effectRef idx="0">
+              <a:schemeClr val="accent1"/>
+            </a:effectRef>
+            <a:fontRef idx="minor">
+              <a:schemeClr val="tx1"/>
+            </a:fontRef>
+          </p:style>
+        </p:cxnSp>
+        <p:sp>
+          <p:nvSpPr>
+            <p:cNvPr id="97" name="Rectangle 96">
+              <a:extLst>
+                <a:ext uri="{FF2B5EF4-FFF2-40B4-BE49-F238E27FC236}">
+                  <a16:creationId xmlns:a16="http://schemas.microsoft.com/office/drawing/2014/main" id="{57D10D98-D021-429B-A061-7A8DD0CFAD02}"/>
+                </a:ext>
+              </a:extLst>
+            </p:cNvPr>
+            <p:cNvSpPr/>
+            <p:nvPr/>
+          </p:nvSpPr>
+          <p:spPr>
+            <a:xfrm>
+              <a:off x="3913558" y="3733798"/>
+              <a:ext cx="1405459" cy="474135"/>
+            </a:xfrm>
+            <a:prstGeom prst="rect">
+              <a:avLst/>
+            </a:prstGeom>
+            <a:solidFill>
+              <a:schemeClr val="accent2">
+                <a:lumMod val="20000"/>
+                <a:lumOff val="80000"/>
+              </a:schemeClr>
+            </a:solidFill>
+            <a:ln>
+              <a:solidFill>
+                <a:schemeClr val="accent2">
+                  <a:lumMod val="75000"/>
+                </a:schemeClr>
+              </a:solidFill>
+            </a:ln>
+          </p:spPr>
+          <p:style>
+            <a:lnRef idx="2">
+              <a:schemeClr val="accent1">
+                <a:shade val="50000"/>
+              </a:schemeClr>
+            </a:lnRef>
+            <a:fillRef idx="1">
+              <a:schemeClr val="accent1"/>
+            </a:fillRef>
+            <a:effectRef idx="0">
+              <a:schemeClr val="accent1"/>
+            </a:effectRef>
+            <a:fontRef idx="minor">
+              <a:schemeClr val="lt1"/>
+            </a:fontRef>
+          </p:style>
+          <p:txBody>
+            <a:bodyPr rtlCol="0" anchor="ctr"/>
+            <a:lstStyle/>
+            <a:p>
+              <a:pPr algn="ctr"/>
+              <a:r>
+                <a:rPr lang="en-US" dirty="0">
+                  <a:solidFill>
+                    <a:schemeClr val="tx1"/>
+                  </a:solidFill>
+                </a:rPr>
+                <a:t>totalReducer</a:t>
+              </a:r>
+            </a:p>
+          </p:txBody>
+        </p:sp>
+      </p:grpSp>
+      <p:grpSp>
+        <p:nvGrpSpPr>
+          <p:cNvPr id="47" name="Group 46">
+            <a:extLst>
+              <a:ext uri="{FF2B5EF4-FFF2-40B4-BE49-F238E27FC236}">
+                <a16:creationId xmlns:a16="http://schemas.microsoft.com/office/drawing/2014/main" id="{8BFBCA32-7BA1-4DEA-842F-EA77123DDB94}"/>
+              </a:ext>
+            </a:extLst>
+          </p:cNvPr>
+          <p:cNvGrpSpPr/>
+          <p:nvPr/>
+        </p:nvGrpSpPr>
+        <p:grpSpPr>
+          <a:xfrm>
+            <a:off x="6756507" y="1092200"/>
+            <a:ext cx="5113761" cy="5147735"/>
+            <a:chOff x="982239" y="1092200"/>
+            <a:chExt cx="5113761" cy="5147735"/>
+          </a:xfrm>
+        </p:grpSpPr>
+        <p:sp>
+          <p:nvSpPr>
+            <p:cNvPr id="48" name="Oval 47">
+              <a:extLst>
+                <a:ext uri="{FF2B5EF4-FFF2-40B4-BE49-F238E27FC236}">
+                  <a16:creationId xmlns:a16="http://schemas.microsoft.com/office/drawing/2014/main" id="{C33A239F-C383-4940-AFF9-300FE29EB88C}"/>
+                </a:ext>
+              </a:extLst>
+            </p:cNvPr>
+            <p:cNvSpPr/>
+            <p:nvPr/>
+          </p:nvSpPr>
+          <p:spPr>
+            <a:xfrm>
+              <a:off x="2929466" y="1092200"/>
+              <a:ext cx="1151467" cy="592667"/>
+            </a:xfrm>
+            <a:prstGeom prst="ellipse">
+              <a:avLst/>
+            </a:prstGeom>
+            <a:solidFill>
+              <a:schemeClr val="accent6">
+                <a:lumMod val="20000"/>
+                <a:lumOff val="80000"/>
+              </a:schemeClr>
+            </a:solidFill>
+            <a:ln>
+              <a:solidFill>
+                <a:schemeClr val="accent6">
+                  <a:lumMod val="75000"/>
+                </a:schemeClr>
+              </a:solidFill>
+            </a:ln>
+          </p:spPr>
+          <p:style>
+            <a:lnRef idx="2">
+              <a:schemeClr val="accent1">
+                <a:shade val="50000"/>
+              </a:schemeClr>
+            </a:lnRef>
+            <a:fillRef idx="1">
+              <a:schemeClr val="accent1"/>
+            </a:fillRef>
+            <a:effectRef idx="0">
+              <a:schemeClr val="accent1"/>
+            </a:effectRef>
+            <a:fontRef idx="minor">
+              <a:schemeClr val="lt1"/>
+            </a:fontRef>
+          </p:style>
+          <p:txBody>
+            <a:bodyPr rtlCol="0" anchor="ctr"/>
+            <a:lstStyle/>
+            <a:p>
+              <a:pPr algn="ctr"/>
+              <a:r>
+                <a:rPr lang="en-US" dirty="0">
+                  <a:solidFill>
+                    <a:schemeClr val="tx1"/>
+                  </a:solidFill>
+                </a:rPr>
+                <a:t>return</a:t>
+              </a:r>
+            </a:p>
+          </p:txBody>
+        </p:sp>
+        <p:sp>
+          <p:nvSpPr>
+            <p:cNvPr id="49" name="Oval 48">
+              <a:extLst>
+                <a:ext uri="{FF2B5EF4-FFF2-40B4-BE49-F238E27FC236}">
+                  <a16:creationId xmlns:a16="http://schemas.microsoft.com/office/drawing/2014/main" id="{9B68041E-CB6F-418A-842E-B10F901CC567}"/>
+                </a:ext>
+              </a:extLst>
+            </p:cNvPr>
+            <p:cNvSpPr/>
+            <p:nvPr/>
+          </p:nvSpPr>
+          <p:spPr>
+            <a:xfrm>
+              <a:off x="2929466" y="1938866"/>
+              <a:ext cx="1151467" cy="592667"/>
+            </a:xfrm>
+            <a:prstGeom prst="ellipse">
+              <a:avLst/>
+            </a:prstGeom>
+            <a:solidFill>
+              <a:schemeClr val="accent6">
+                <a:lumMod val="20000"/>
+                <a:lumOff val="80000"/>
+              </a:schemeClr>
+            </a:solidFill>
+            <a:ln>
+              <a:solidFill>
+                <a:schemeClr val="accent6">
+                  <a:lumMod val="75000"/>
+                </a:schemeClr>
+              </a:solidFill>
+            </a:ln>
+          </p:spPr>
+          <p:style>
+            <a:lnRef idx="2">
+              <a:schemeClr val="accent1">
+                <a:shade val="50000"/>
+              </a:schemeClr>
+            </a:lnRef>
+            <a:fillRef idx="1">
+              <a:schemeClr val="accent1"/>
+            </a:fillRef>
+            <a:effectRef idx="0">
+              <a:schemeClr val="accent1"/>
+            </a:effectRef>
+            <a:fontRef idx="minor">
+              <a:schemeClr val="lt1"/>
+            </a:fontRef>
+          </p:style>
+          <p:txBody>
+            <a:bodyPr rtlCol="0" anchor="ctr"/>
+            <a:lstStyle/>
+            <a:p>
+              <a:pPr algn="ctr"/>
+              <a:r>
+                <a:rPr lang="en-US" dirty="0">
+                  <a:solidFill>
+                    <a:schemeClr val="tx1"/>
+                  </a:solidFill>
+                </a:rPr>
+                <a:t>()</a:t>
+              </a:r>
+            </a:p>
+          </p:txBody>
+        </p:sp>
+        <p:sp>
+          <p:nvSpPr>
+            <p:cNvPr id="50" name="Oval 49">
+              <a:extLst>
+                <a:ext uri="{FF2B5EF4-FFF2-40B4-BE49-F238E27FC236}">
+                  <a16:creationId xmlns:a16="http://schemas.microsoft.com/office/drawing/2014/main" id="{545B9150-A142-48A3-9D9A-90197336B0B4}"/>
+                </a:ext>
+              </a:extLst>
+            </p:cNvPr>
+            <p:cNvSpPr/>
+            <p:nvPr/>
+          </p:nvSpPr>
+          <p:spPr>
+            <a:xfrm>
+              <a:off x="3723306" y="3742653"/>
+              <a:ext cx="1151467" cy="592667"/>
+            </a:xfrm>
+            <a:prstGeom prst="ellipse">
+              <a:avLst/>
+            </a:prstGeom>
+            <a:solidFill>
+              <a:schemeClr val="accent6">
+                <a:lumMod val="20000"/>
+                <a:lumOff val="80000"/>
+              </a:schemeClr>
+            </a:solidFill>
+            <a:ln>
+              <a:solidFill>
+                <a:schemeClr val="accent6">
+                  <a:lumMod val="75000"/>
+                </a:schemeClr>
+              </a:solidFill>
+            </a:ln>
+          </p:spPr>
+          <p:style>
+            <a:lnRef idx="2">
+              <a:schemeClr val="accent1">
+                <a:shade val="50000"/>
+              </a:schemeClr>
+            </a:lnRef>
+            <a:fillRef idx="1">
+              <a:schemeClr val="accent1"/>
+            </a:fillRef>
+            <a:effectRef idx="0">
+              <a:schemeClr val="accent1"/>
+            </a:effectRef>
+            <a:fontRef idx="minor">
+              <a:schemeClr val="lt1"/>
+            </a:fontRef>
+          </p:style>
+          <p:txBody>
+            <a:bodyPr rtlCol="0" anchor="ctr"/>
+            <a:lstStyle/>
+            <a:p>
+              <a:pPr algn="ctr"/>
+              <a:r>
+                <a:rPr lang="en-US" dirty="0">
+                  <a:solidFill>
+                    <a:schemeClr val="tx1"/>
+                  </a:solidFill>
+                </a:rPr>
+                <a:t>%</a:t>
+              </a:r>
+            </a:p>
+          </p:txBody>
+        </p:sp>
+        <p:sp>
+          <p:nvSpPr>
+            <p:cNvPr id="51" name="Oval 50">
+              <a:extLst>
+                <a:ext uri="{FF2B5EF4-FFF2-40B4-BE49-F238E27FC236}">
+                  <a16:creationId xmlns:a16="http://schemas.microsoft.com/office/drawing/2014/main" id="{2B1E1C85-FBA7-4FEE-95C1-2C64251A2266}"/>
+                </a:ext>
+              </a:extLst>
+            </p:cNvPr>
+            <p:cNvSpPr/>
+            <p:nvPr/>
+          </p:nvSpPr>
+          <p:spPr>
+            <a:xfrm>
+              <a:off x="2816709" y="3027027"/>
+              <a:ext cx="1405459" cy="592667"/>
+            </a:xfrm>
+            <a:prstGeom prst="ellipse">
+              <a:avLst/>
+            </a:prstGeom>
+            <a:solidFill>
+              <a:schemeClr val="accent6">
+                <a:lumMod val="20000"/>
+                <a:lumOff val="80000"/>
+              </a:schemeClr>
+            </a:solidFill>
+            <a:ln>
+              <a:solidFill>
+                <a:schemeClr val="accent6">
+                  <a:lumMod val="75000"/>
+                </a:schemeClr>
+              </a:solidFill>
+            </a:ln>
+          </p:spPr>
+          <p:style>
+            <a:lnRef idx="2">
+              <a:schemeClr val="accent1">
+                <a:shade val="50000"/>
+              </a:schemeClr>
+            </a:lnRef>
+            <a:fillRef idx="1">
+              <a:schemeClr val="accent1"/>
+            </a:fillRef>
+            <a:effectRef idx="0">
+              <a:schemeClr val="accent1"/>
+            </a:effectRef>
+            <a:fontRef idx="minor">
+              <a:schemeClr val="lt1"/>
+            </a:fontRef>
+          </p:style>
+          <p:txBody>
+            <a:bodyPr rtlCol="0" anchor="ctr"/>
+            <a:lstStyle/>
+            <a:p>
+              <a:pPr algn="ctr"/>
+              <a:r>
+                <a:rPr lang="en-US" dirty="0">
+                  <a:solidFill>
+                    <a:schemeClr val="tx1"/>
+                  </a:solidFill>
+                </a:rPr>
+                <a:t>Method Call</a:t>
+              </a:r>
+            </a:p>
+          </p:txBody>
+        </p:sp>
+        <p:sp>
+          <p:nvSpPr>
+            <p:cNvPr id="53" name="Oval 52">
+              <a:extLst>
+                <a:ext uri="{FF2B5EF4-FFF2-40B4-BE49-F238E27FC236}">
+                  <a16:creationId xmlns:a16="http://schemas.microsoft.com/office/drawing/2014/main" id="{14F09324-B5A6-4FC1-B05C-92630925B808}"/>
+                </a:ext>
+              </a:extLst>
+            </p:cNvPr>
+            <p:cNvSpPr/>
+            <p:nvPr/>
+          </p:nvSpPr>
+          <p:spPr>
+            <a:xfrm>
+              <a:off x="2802469" y="4682068"/>
+              <a:ext cx="1405459" cy="592667"/>
+            </a:xfrm>
+            <a:prstGeom prst="ellipse">
+              <a:avLst/>
+            </a:prstGeom>
+            <a:solidFill>
+              <a:schemeClr val="accent6">
+                <a:lumMod val="20000"/>
+                <a:lumOff val="80000"/>
+              </a:schemeClr>
+            </a:solidFill>
+            <a:ln>
+              <a:solidFill>
+                <a:schemeClr val="accent6">
+                  <a:lumMod val="75000"/>
+                </a:schemeClr>
+              </a:solidFill>
+            </a:ln>
+          </p:spPr>
+          <p:style>
+            <a:lnRef idx="2">
+              <a:schemeClr val="accent1">
+                <a:shade val="50000"/>
+              </a:schemeClr>
+            </a:lnRef>
+            <a:fillRef idx="1">
+              <a:schemeClr val="accent1"/>
+            </a:fillRef>
+            <a:effectRef idx="0">
+              <a:schemeClr val="accent1"/>
+            </a:effectRef>
+            <a:fontRef idx="minor">
+              <a:schemeClr val="lt1"/>
+            </a:fontRef>
+          </p:style>
+          <p:txBody>
+            <a:bodyPr rtlCol="0" anchor="ctr"/>
+            <a:lstStyle/>
+            <a:p>
+              <a:pPr algn="ctr"/>
+              <a:r>
+                <a:rPr lang="en-US" dirty="0">
+                  <a:solidFill>
+                    <a:schemeClr val="tx1"/>
+                  </a:solidFill>
+                </a:rPr>
+                <a:t>Method Call</a:t>
+              </a:r>
+            </a:p>
+          </p:txBody>
+        </p:sp>
+        <p:sp>
+          <p:nvSpPr>
+            <p:cNvPr id="54" name="Rectangle 53">
+              <a:extLst>
+                <a:ext uri="{FF2B5EF4-FFF2-40B4-BE49-F238E27FC236}">
+                  <a16:creationId xmlns:a16="http://schemas.microsoft.com/office/drawing/2014/main" id="{D82F7DF5-4F28-4B64-969E-C6399624B030}"/>
+                </a:ext>
+              </a:extLst>
+            </p:cNvPr>
+            <p:cNvSpPr/>
+            <p:nvPr/>
+          </p:nvSpPr>
+          <p:spPr>
+            <a:xfrm>
+              <a:off x="982239" y="3797492"/>
+              <a:ext cx="1113183" cy="474135"/>
+            </a:xfrm>
+            <a:prstGeom prst="rect">
+              <a:avLst/>
+            </a:prstGeom>
+            <a:solidFill>
+              <a:schemeClr val="accent2">
+                <a:lumMod val="20000"/>
+                <a:lumOff val="80000"/>
+              </a:schemeClr>
+            </a:solidFill>
+            <a:ln>
+              <a:solidFill>
+                <a:schemeClr val="accent2">
+                  <a:lumMod val="75000"/>
+                </a:schemeClr>
+              </a:solidFill>
+            </a:ln>
+          </p:spPr>
+          <p:style>
+            <a:lnRef idx="2">
+              <a:schemeClr val="accent1">
+                <a:shade val="50000"/>
+              </a:schemeClr>
+            </a:lnRef>
+            <a:fillRef idx="1">
+              <a:schemeClr val="accent1"/>
+            </a:fillRef>
+            <a:effectRef idx="0">
+              <a:schemeClr val="accent1"/>
+            </a:effectRef>
+            <a:fontRef idx="minor">
+              <a:schemeClr val="lt1"/>
+            </a:fontRef>
+          </p:style>
+          <p:txBody>
+            <a:bodyPr rtlCol="0" anchor="ctr"/>
+            <a:lstStyle/>
+            <a:p>
+              <a:pPr algn="ctr"/>
+              <a:r>
+                <a:rPr lang="en-US" dirty="0">
+                  <a:solidFill>
+                    <a:schemeClr val="tx1"/>
+                  </a:solidFill>
+                </a:rPr>
+                <a:t>Math</a:t>
+              </a:r>
+            </a:p>
+          </p:txBody>
+        </p:sp>
+        <p:sp>
+          <p:nvSpPr>
+            <p:cNvPr id="55" name="Rectangle 54">
+              <a:extLst>
+                <a:ext uri="{FF2B5EF4-FFF2-40B4-BE49-F238E27FC236}">
+                  <a16:creationId xmlns:a16="http://schemas.microsoft.com/office/drawing/2014/main" id="{BF00A965-E680-43DD-8D1B-74ECA505CC67}"/>
+                </a:ext>
+              </a:extLst>
+            </p:cNvPr>
+            <p:cNvSpPr/>
+            <p:nvPr/>
+          </p:nvSpPr>
+          <p:spPr>
+            <a:xfrm>
+              <a:off x="2222607" y="3797492"/>
+              <a:ext cx="1113183" cy="474135"/>
+            </a:xfrm>
+            <a:prstGeom prst="rect">
+              <a:avLst/>
+            </a:prstGeom>
+            <a:solidFill>
+              <a:schemeClr val="accent2">
+                <a:lumMod val="20000"/>
+                <a:lumOff val="80000"/>
+              </a:schemeClr>
+            </a:solidFill>
+            <a:ln>
+              <a:solidFill>
+                <a:schemeClr val="accent2">
+                  <a:lumMod val="75000"/>
+                </a:schemeClr>
+              </a:solidFill>
+            </a:ln>
+          </p:spPr>
+          <p:style>
+            <a:lnRef idx="2">
+              <a:schemeClr val="accent1">
+                <a:shade val="50000"/>
+              </a:schemeClr>
+            </a:lnRef>
+            <a:fillRef idx="1">
+              <a:schemeClr val="accent1"/>
+            </a:fillRef>
+            <a:effectRef idx="0">
+              <a:schemeClr val="accent1"/>
+            </a:effectRef>
+            <a:fontRef idx="minor">
+              <a:schemeClr val="lt1"/>
+            </a:fontRef>
+          </p:style>
+          <p:txBody>
+            <a:bodyPr rtlCol="0" anchor="ctr"/>
+            <a:lstStyle/>
+            <a:p>
+              <a:pPr algn="ctr"/>
+              <a:r>
+                <a:rPr lang="en-US" dirty="0">
+                  <a:solidFill>
+                    <a:schemeClr val="tx1"/>
+                  </a:solidFill>
+                </a:rPr>
+                <a:t>abs</a:t>
+              </a:r>
+            </a:p>
+          </p:txBody>
+        </p:sp>
+        <p:sp>
+          <p:nvSpPr>
+            <p:cNvPr id="56" name="Rectangle 55">
+              <a:extLst>
+                <a:ext uri="{FF2B5EF4-FFF2-40B4-BE49-F238E27FC236}">
+                  <a16:creationId xmlns:a16="http://schemas.microsoft.com/office/drawing/2014/main" id="{DA466899-7937-442B-8256-075A39B51CFF}"/>
+                </a:ext>
+              </a:extLst>
+            </p:cNvPr>
+            <p:cNvSpPr/>
+            <p:nvPr/>
+          </p:nvSpPr>
+          <p:spPr>
+            <a:xfrm>
+              <a:off x="2222676" y="5765800"/>
+              <a:ext cx="1113183" cy="474135"/>
+            </a:xfrm>
+            <a:prstGeom prst="rect">
+              <a:avLst/>
+            </a:prstGeom>
+            <a:solidFill>
+              <a:schemeClr val="accent2">
+                <a:lumMod val="20000"/>
+                <a:lumOff val="80000"/>
+              </a:schemeClr>
+            </a:solidFill>
+            <a:ln>
+              <a:solidFill>
+                <a:schemeClr val="accent2">
+                  <a:lumMod val="75000"/>
+                </a:schemeClr>
+              </a:solidFill>
+            </a:ln>
+          </p:spPr>
+          <p:style>
+            <a:lnRef idx="2">
+              <a:schemeClr val="accent1">
+                <a:shade val="50000"/>
+              </a:schemeClr>
+            </a:lnRef>
+            <a:fillRef idx="1">
+              <a:schemeClr val="accent1"/>
+            </a:fillRef>
+            <a:effectRef idx="0">
+              <a:schemeClr val="accent1"/>
+            </a:effectRef>
+            <a:fontRef idx="minor">
+              <a:schemeClr val="lt1"/>
+            </a:fontRef>
+          </p:style>
+          <p:txBody>
+            <a:bodyPr rtlCol="0" anchor="ctr"/>
+            <a:lstStyle/>
+            <a:p>
+              <a:pPr algn="ctr"/>
+              <a:r>
+                <a:rPr lang="en-US" dirty="0">
+                  <a:solidFill>
+                    <a:schemeClr val="tx1"/>
+                  </a:solidFill>
+                </a:rPr>
+                <a:t>keyTuple</a:t>
+              </a:r>
+            </a:p>
+          </p:txBody>
+        </p:sp>
+        <p:sp>
+          <p:nvSpPr>
+            <p:cNvPr id="57" name="Rectangle 56">
+              <a:extLst>
+                <a:ext uri="{FF2B5EF4-FFF2-40B4-BE49-F238E27FC236}">
+                  <a16:creationId xmlns:a16="http://schemas.microsoft.com/office/drawing/2014/main" id="{4414F402-7CA6-4DF9-B2C6-7DCC1EF57572}"/>
+                </a:ext>
+              </a:extLst>
+            </p:cNvPr>
+            <p:cNvSpPr/>
+            <p:nvPr/>
+          </p:nvSpPr>
+          <p:spPr>
+            <a:xfrm>
+              <a:off x="3674539" y="5765800"/>
+              <a:ext cx="1113183" cy="474135"/>
+            </a:xfrm>
+            <a:prstGeom prst="rect">
+              <a:avLst/>
+            </a:prstGeom>
+            <a:solidFill>
+              <a:schemeClr val="accent2">
+                <a:lumMod val="20000"/>
+                <a:lumOff val="80000"/>
+              </a:schemeClr>
+            </a:solidFill>
+            <a:ln>
+              <a:solidFill>
+                <a:schemeClr val="accent2">
+                  <a:lumMod val="75000"/>
+                </a:schemeClr>
+              </a:solidFill>
+            </a:ln>
+          </p:spPr>
+          <p:style>
+            <a:lnRef idx="2">
+              <a:schemeClr val="accent1">
+                <a:shade val="50000"/>
+              </a:schemeClr>
+            </a:lnRef>
+            <a:fillRef idx="1">
+              <a:schemeClr val="accent1"/>
+            </a:fillRef>
+            <a:effectRef idx="0">
+              <a:schemeClr val="accent1"/>
+            </a:effectRef>
+            <a:fontRef idx="minor">
+              <a:schemeClr val="lt1"/>
+            </a:fontRef>
+          </p:style>
+          <p:txBody>
+            <a:bodyPr rtlCol="0" anchor="ctr"/>
+            <a:lstStyle/>
+            <a:p>
+              <a:pPr algn="ctr"/>
+              <a:r>
+                <a:rPr lang="en-US" dirty="0">
+                  <a:solidFill>
+                    <a:schemeClr val="tx1"/>
+                  </a:solidFill>
+                </a:rPr>
+                <a:t>hashCode</a:t>
+              </a:r>
+            </a:p>
+          </p:txBody>
+        </p:sp>
+        <p:cxnSp>
+          <p:nvCxnSpPr>
+            <p:cNvPr id="58" name="Straight Arrow Connector 57">
+              <a:extLst>
+                <a:ext uri="{FF2B5EF4-FFF2-40B4-BE49-F238E27FC236}">
+                  <a16:creationId xmlns:a16="http://schemas.microsoft.com/office/drawing/2014/main" id="{936D14BA-FE55-414E-B223-2989D53B8AA2}"/>
+                </a:ext>
+              </a:extLst>
+            </p:cNvPr>
+            <p:cNvCxnSpPr>
+              <a:stCxn id="48" idx="4"/>
+              <a:endCxn id="49" idx="0"/>
+            </p:cNvCxnSpPr>
+            <p:nvPr/>
+          </p:nvCxnSpPr>
+          <p:spPr>
+            <a:xfrm>
+              <a:off x="3505200" y="1684867"/>
+              <a:ext cx="0" cy="253999"/>
+            </a:xfrm>
+            <a:prstGeom prst="straightConnector1">
+              <a:avLst/>
+            </a:prstGeom>
+            <a:ln w="25400">
+              <a:tailEnd type="triangle"/>
+            </a:ln>
+          </p:spPr>
+          <p:style>
+            <a:lnRef idx="1">
+              <a:schemeClr val="accent1"/>
+            </a:lnRef>
+            <a:fillRef idx="0">
+              <a:schemeClr val="accent1"/>
+            </a:fillRef>
+            <a:effectRef idx="0">
+              <a:schemeClr val="accent1"/>
+            </a:effectRef>
+            <a:fontRef idx="minor">
+              <a:schemeClr val="tx1"/>
+            </a:fontRef>
+          </p:style>
+        </p:cxnSp>
+        <p:cxnSp>
+          <p:nvCxnSpPr>
+            <p:cNvPr id="59" name="Straight Arrow Connector 58">
+              <a:extLst>
+                <a:ext uri="{FF2B5EF4-FFF2-40B4-BE49-F238E27FC236}">
+                  <a16:creationId xmlns:a16="http://schemas.microsoft.com/office/drawing/2014/main" id="{9B6D9286-7CCF-4799-AA5B-6B47DF00DD73}"/>
+                </a:ext>
+              </a:extLst>
+            </p:cNvPr>
+            <p:cNvCxnSpPr>
+              <a:cxnSpLocks/>
+              <a:stCxn id="49" idx="4"/>
+              <a:endCxn id="51" idx="0"/>
+            </p:cNvCxnSpPr>
+            <p:nvPr/>
+          </p:nvCxnSpPr>
+          <p:spPr>
+            <a:xfrm>
+              <a:off x="3505200" y="2531533"/>
+              <a:ext cx="14239" cy="495494"/>
+            </a:xfrm>
+            <a:prstGeom prst="straightConnector1">
+              <a:avLst/>
+            </a:prstGeom>
+            <a:ln w="25400">
+              <a:tailEnd type="triangle"/>
+            </a:ln>
+          </p:spPr>
+          <p:style>
+            <a:lnRef idx="1">
+              <a:schemeClr val="accent1"/>
+            </a:lnRef>
+            <a:fillRef idx="0">
+              <a:schemeClr val="accent1"/>
+            </a:fillRef>
+            <a:effectRef idx="0">
+              <a:schemeClr val="accent1"/>
+            </a:effectRef>
+            <a:fontRef idx="minor">
+              <a:schemeClr val="tx1"/>
+            </a:fontRef>
+          </p:style>
+        </p:cxnSp>
+        <p:cxnSp>
+          <p:nvCxnSpPr>
+            <p:cNvPr id="60" name="Straight Arrow Connector 59">
+              <a:extLst>
+                <a:ext uri="{FF2B5EF4-FFF2-40B4-BE49-F238E27FC236}">
+                  <a16:creationId xmlns:a16="http://schemas.microsoft.com/office/drawing/2014/main" id="{C0212933-BF1D-40C4-83CF-182B3AA919E0}"/>
+                </a:ext>
+              </a:extLst>
+            </p:cNvPr>
+            <p:cNvCxnSpPr>
+              <a:cxnSpLocks/>
+              <a:stCxn id="50" idx="4"/>
+              <a:endCxn id="104" idx="0"/>
+            </p:cNvCxnSpPr>
+            <p:nvPr/>
+          </p:nvCxnSpPr>
+          <p:spPr>
+            <a:xfrm>
+              <a:off x="4299040" y="4335320"/>
+              <a:ext cx="1088454" cy="406013"/>
+            </a:xfrm>
+            <a:prstGeom prst="straightConnector1">
+              <a:avLst/>
+            </a:prstGeom>
+            <a:ln w="25400">
+              <a:tailEnd type="triangle"/>
+            </a:ln>
+          </p:spPr>
+          <p:style>
+            <a:lnRef idx="1">
+              <a:schemeClr val="accent1"/>
+            </a:lnRef>
+            <a:fillRef idx="0">
+              <a:schemeClr val="accent1"/>
+            </a:fillRef>
+            <a:effectRef idx="0">
+              <a:schemeClr val="accent1"/>
+            </a:effectRef>
+            <a:fontRef idx="minor">
+              <a:schemeClr val="tx1"/>
+            </a:fontRef>
+          </p:style>
+        </p:cxnSp>
+        <p:cxnSp>
+          <p:nvCxnSpPr>
+            <p:cNvPr id="61" name="Straight Arrow Connector 60">
+              <a:extLst>
+                <a:ext uri="{FF2B5EF4-FFF2-40B4-BE49-F238E27FC236}">
+                  <a16:creationId xmlns:a16="http://schemas.microsoft.com/office/drawing/2014/main" id="{312204CA-E674-4546-B423-DFD8ED10F3B4}"/>
+                </a:ext>
+              </a:extLst>
+            </p:cNvPr>
+            <p:cNvCxnSpPr>
+              <a:cxnSpLocks/>
+              <a:stCxn id="50" idx="4"/>
+              <a:endCxn id="53" idx="0"/>
+            </p:cNvCxnSpPr>
+            <p:nvPr/>
+          </p:nvCxnSpPr>
+          <p:spPr>
+            <a:xfrm flipH="1">
+              <a:off x="3505199" y="4335320"/>
+              <a:ext cx="793841" cy="346748"/>
+            </a:xfrm>
+            <a:prstGeom prst="straightConnector1">
+              <a:avLst/>
+            </a:prstGeom>
+            <a:ln w="25400">
+              <a:tailEnd type="triangle"/>
+            </a:ln>
+          </p:spPr>
+          <p:style>
+            <a:lnRef idx="1">
+              <a:schemeClr val="accent1"/>
+            </a:lnRef>
+            <a:fillRef idx="0">
+              <a:schemeClr val="accent1"/>
+            </a:fillRef>
+            <a:effectRef idx="0">
+              <a:schemeClr val="accent1"/>
+            </a:effectRef>
+            <a:fontRef idx="minor">
+              <a:schemeClr val="tx1"/>
+            </a:fontRef>
+          </p:style>
+        </p:cxnSp>
+        <p:cxnSp>
+          <p:nvCxnSpPr>
+            <p:cNvPr id="62" name="Straight Arrow Connector 61">
+              <a:extLst>
+                <a:ext uri="{FF2B5EF4-FFF2-40B4-BE49-F238E27FC236}">
+                  <a16:creationId xmlns:a16="http://schemas.microsoft.com/office/drawing/2014/main" id="{C3E63BDB-F2EA-4E18-8B97-F300032D107E}"/>
+                </a:ext>
+              </a:extLst>
+            </p:cNvPr>
+            <p:cNvCxnSpPr>
+              <a:cxnSpLocks/>
+              <a:stCxn id="51" idx="4"/>
+              <a:endCxn id="55" idx="0"/>
+            </p:cNvCxnSpPr>
+            <p:nvPr/>
+          </p:nvCxnSpPr>
+          <p:spPr>
+            <a:xfrm flipH="1">
+              <a:off x="2779199" y="3619694"/>
+              <a:ext cx="740240" cy="177798"/>
+            </a:xfrm>
+            <a:prstGeom prst="straightConnector1">
+              <a:avLst/>
+            </a:prstGeom>
+            <a:ln w="25400">
+              <a:tailEnd type="triangle"/>
+            </a:ln>
+          </p:spPr>
+          <p:style>
+            <a:lnRef idx="1">
+              <a:schemeClr val="accent1"/>
+            </a:lnRef>
+            <a:fillRef idx="0">
+              <a:schemeClr val="accent1"/>
+            </a:fillRef>
+            <a:effectRef idx="0">
+              <a:schemeClr val="accent1"/>
+            </a:effectRef>
+            <a:fontRef idx="minor">
+              <a:schemeClr val="tx1"/>
+            </a:fontRef>
+          </p:style>
+        </p:cxnSp>
+        <p:cxnSp>
+          <p:nvCxnSpPr>
+            <p:cNvPr id="63" name="Straight Arrow Connector 62">
+              <a:extLst>
+                <a:ext uri="{FF2B5EF4-FFF2-40B4-BE49-F238E27FC236}">
+                  <a16:creationId xmlns:a16="http://schemas.microsoft.com/office/drawing/2014/main" id="{F6208F93-24C7-45B8-B8B2-8FC7D04F3B93}"/>
+                </a:ext>
+              </a:extLst>
+            </p:cNvPr>
+            <p:cNvCxnSpPr>
+              <a:cxnSpLocks/>
+              <a:stCxn id="51" idx="4"/>
+              <a:endCxn id="54" idx="0"/>
+            </p:cNvCxnSpPr>
+            <p:nvPr/>
+          </p:nvCxnSpPr>
+          <p:spPr>
+            <a:xfrm flipH="1">
+              <a:off x="1538831" y="3619694"/>
+              <a:ext cx="1980608" cy="177798"/>
+            </a:xfrm>
+            <a:prstGeom prst="straightConnector1">
+              <a:avLst/>
+            </a:prstGeom>
+            <a:ln w="25400">
+              <a:tailEnd type="triangle"/>
+            </a:ln>
+          </p:spPr>
+          <p:style>
+            <a:lnRef idx="1">
+              <a:schemeClr val="accent1"/>
+            </a:lnRef>
+            <a:fillRef idx="0">
+              <a:schemeClr val="accent1"/>
+            </a:fillRef>
+            <a:effectRef idx="0">
+              <a:schemeClr val="accent1"/>
+            </a:effectRef>
+            <a:fontRef idx="minor">
+              <a:schemeClr val="tx1"/>
+            </a:fontRef>
+          </p:style>
+        </p:cxnSp>
+        <p:cxnSp>
+          <p:nvCxnSpPr>
+            <p:cNvPr id="64" name="Straight Arrow Connector 63">
+              <a:extLst>
+                <a:ext uri="{FF2B5EF4-FFF2-40B4-BE49-F238E27FC236}">
+                  <a16:creationId xmlns:a16="http://schemas.microsoft.com/office/drawing/2014/main" id="{A51E567A-BCE1-4167-B193-EC9B4D24A014}"/>
+                </a:ext>
+              </a:extLst>
+            </p:cNvPr>
+            <p:cNvCxnSpPr>
+              <a:cxnSpLocks/>
+              <a:stCxn id="51" idx="4"/>
+              <a:endCxn id="50" idx="0"/>
+            </p:cNvCxnSpPr>
+            <p:nvPr/>
+          </p:nvCxnSpPr>
+          <p:spPr>
+            <a:xfrm>
+              <a:off x="3519439" y="3619694"/>
+              <a:ext cx="779601" cy="122959"/>
+            </a:xfrm>
+            <a:prstGeom prst="straightConnector1">
+              <a:avLst/>
+            </a:prstGeom>
+            <a:ln w="25400">
+              <a:tailEnd type="triangle"/>
+            </a:ln>
+          </p:spPr>
+          <p:style>
+            <a:lnRef idx="1">
+              <a:schemeClr val="accent1"/>
+            </a:lnRef>
+            <a:fillRef idx="0">
+              <a:schemeClr val="accent1"/>
+            </a:fillRef>
+            <a:effectRef idx="0">
+              <a:schemeClr val="accent1"/>
+            </a:effectRef>
+            <a:fontRef idx="minor">
+              <a:schemeClr val="tx1"/>
+            </a:fontRef>
+          </p:style>
+        </p:cxnSp>
+        <p:cxnSp>
+          <p:nvCxnSpPr>
+            <p:cNvPr id="65" name="Straight Arrow Connector 64">
+              <a:extLst>
+                <a:ext uri="{FF2B5EF4-FFF2-40B4-BE49-F238E27FC236}">
+                  <a16:creationId xmlns:a16="http://schemas.microsoft.com/office/drawing/2014/main" id="{8E1F410B-05F5-47B1-8F7F-0C624C19CC21}"/>
+                </a:ext>
+              </a:extLst>
+            </p:cNvPr>
+            <p:cNvCxnSpPr>
+              <a:cxnSpLocks/>
+              <a:stCxn id="53" idx="4"/>
+              <a:endCxn id="57" idx="0"/>
+            </p:cNvCxnSpPr>
+            <p:nvPr/>
+          </p:nvCxnSpPr>
+          <p:spPr>
+            <a:xfrm>
+              <a:off x="3505199" y="5274735"/>
+              <a:ext cx="725932" cy="491065"/>
+            </a:xfrm>
+            <a:prstGeom prst="straightConnector1">
+              <a:avLst/>
+            </a:prstGeom>
+            <a:ln w="25400">
+              <a:tailEnd type="triangle"/>
+            </a:ln>
+          </p:spPr>
+          <p:style>
+            <a:lnRef idx="1">
+              <a:schemeClr val="accent1"/>
+            </a:lnRef>
+            <a:fillRef idx="0">
+              <a:schemeClr val="accent1"/>
+            </a:fillRef>
+            <a:effectRef idx="0">
+              <a:schemeClr val="accent1"/>
+            </a:effectRef>
+            <a:fontRef idx="minor">
+              <a:schemeClr val="tx1"/>
+            </a:fontRef>
+          </p:style>
+        </p:cxnSp>
+        <p:cxnSp>
+          <p:nvCxnSpPr>
+            <p:cNvPr id="66" name="Straight Arrow Connector 65">
+              <a:extLst>
+                <a:ext uri="{FF2B5EF4-FFF2-40B4-BE49-F238E27FC236}">
+                  <a16:creationId xmlns:a16="http://schemas.microsoft.com/office/drawing/2014/main" id="{6977762A-11BC-42A3-BD2F-FE13E279686A}"/>
+                </a:ext>
+              </a:extLst>
+            </p:cNvPr>
+            <p:cNvCxnSpPr>
+              <a:cxnSpLocks/>
+              <a:stCxn id="53" idx="4"/>
+              <a:endCxn id="56" idx="0"/>
+            </p:cNvCxnSpPr>
+            <p:nvPr/>
+          </p:nvCxnSpPr>
+          <p:spPr>
+            <a:xfrm flipH="1">
+              <a:off x="2779268" y="5274735"/>
+              <a:ext cx="725931" cy="491065"/>
+            </a:xfrm>
+            <a:prstGeom prst="straightConnector1">
+              <a:avLst/>
+            </a:prstGeom>
+            <a:ln w="25400">
+              <a:tailEnd type="triangle"/>
+            </a:ln>
+          </p:spPr>
+          <p:style>
+            <a:lnRef idx="1">
+              <a:schemeClr val="accent1"/>
+            </a:lnRef>
+            <a:fillRef idx="0">
+              <a:schemeClr val="accent1"/>
+            </a:fillRef>
+            <a:effectRef idx="0">
+              <a:schemeClr val="accent1"/>
+            </a:effectRef>
+            <a:fontRef idx="minor">
+              <a:schemeClr val="tx1"/>
+            </a:fontRef>
+          </p:style>
+        </p:cxnSp>
+        <p:sp>
+          <p:nvSpPr>
+            <p:cNvPr id="104" name="Rectangle 103">
+              <a:extLst>
+                <a:ext uri="{FF2B5EF4-FFF2-40B4-BE49-F238E27FC236}">
+                  <a16:creationId xmlns:a16="http://schemas.microsoft.com/office/drawing/2014/main" id="{7EC2692F-59D6-498E-B848-75EAB827AA78}"/>
+                </a:ext>
+              </a:extLst>
+            </p:cNvPr>
+            <p:cNvSpPr/>
+            <p:nvPr/>
+          </p:nvSpPr>
+          <p:spPr>
+            <a:xfrm>
+              <a:off x="4678987" y="4741333"/>
+              <a:ext cx="1417013" cy="474135"/>
+            </a:xfrm>
+            <a:prstGeom prst="rect">
+              <a:avLst/>
+            </a:prstGeom>
+            <a:solidFill>
+              <a:schemeClr val="accent2">
+                <a:lumMod val="20000"/>
+                <a:lumOff val="80000"/>
+              </a:schemeClr>
+            </a:solidFill>
+            <a:ln>
+              <a:solidFill>
+                <a:schemeClr val="accent2">
+                  <a:lumMod val="75000"/>
+                </a:schemeClr>
+              </a:solidFill>
+            </a:ln>
+          </p:spPr>
+          <p:style>
+            <a:lnRef idx="2">
+              <a:schemeClr val="accent1">
+                <a:shade val="50000"/>
+              </a:schemeClr>
+            </a:lnRef>
+            <a:fillRef idx="1">
+              <a:schemeClr val="accent1"/>
+            </a:fillRef>
+            <a:effectRef idx="0">
+              <a:schemeClr val="accent1"/>
+            </a:effectRef>
+            <a:fontRef idx="minor">
+              <a:schemeClr val="lt1"/>
+            </a:fontRef>
+          </p:style>
+          <p:txBody>
+            <a:bodyPr rtlCol="0" anchor="ctr"/>
+            <a:lstStyle/>
+            <a:p>
+              <a:pPr algn="ctr"/>
+              <a:r>
+                <a:rPr lang="en-US" dirty="0">
+                  <a:solidFill>
+                    <a:schemeClr val="tx1"/>
+                  </a:solidFill>
+                </a:rPr>
+                <a:t>totalReducer</a:t>
+              </a:r>
+            </a:p>
+          </p:txBody>
+        </p:sp>
+      </p:grpSp>
+      <p:sp>
+        <p:nvSpPr>
+          <p:cNvPr id="67" name="Arrow: Right 66">
+            <a:extLst>
+              <a:ext uri="{FF2B5EF4-FFF2-40B4-BE49-F238E27FC236}">
+                <a16:creationId xmlns:a16="http://schemas.microsoft.com/office/drawing/2014/main" id="{CC275940-B24D-4F58-AC02-23618854E2F1}"/>
+              </a:ext>
+            </a:extLst>
+          </p:cNvPr>
+          <p:cNvSpPr/>
+          <p:nvPr/>
+        </p:nvSpPr>
+        <p:spPr>
+          <a:xfrm>
+            <a:off x="5706533" y="2930236"/>
+            <a:ext cx="702730" cy="803564"/>
+          </a:xfrm>
+          <a:prstGeom prst="rightArrow">
+            <a:avLst/>
+          </a:prstGeom>
+        </p:spPr>
+        <p:style>
+          <a:lnRef idx="2">
+            <a:schemeClr val="accent1">
+              <a:shade val="50000"/>
+            </a:schemeClr>
+          </a:lnRef>
+          <a:fillRef idx="1">
+            <a:schemeClr val="accent1"/>
+          </a:fillRef>
+          <a:effectRef idx="0">
+            <a:schemeClr val="accent1"/>
+          </a:effectRef>
+          <a:fontRef idx="minor">
+            <a:schemeClr val="lt1"/>
+          </a:fontRef>
+        </p:style>
+        <p:txBody>
+          <a:bodyPr rtlCol="0" anchor="ctr"/>
+          <a:lstStyle/>
+          <a:p>
+            <a:pPr algn="ctr"/>
+            <a:endParaRPr lang="en-US" dirty="0"/>
+          </a:p>
+        </p:txBody>
+      </p:sp>
+    </p:spTree>
+    <p:extLst>
+      <p:ext uri="{BB962C8B-B14F-4D97-AF65-F5344CB8AC3E}">
+        <p14:creationId xmlns:p14="http://schemas.microsoft.com/office/powerpoint/2010/main" val="4197657197"/>
+      </p:ext>
+    </p:extLst>
+  </p:cSld>
+  <p:clrMapOvr>
+    <a:masterClrMapping/>
+  </p:clrMapOvr>
+</p:sld>
+</file>
+
 <file path=ppt/slides/slide2.xml><?xml version="1.0" encoding="utf-8"?>
 <p:sld xmlns:a="http://schemas.openxmlformats.org/drawingml/2006/main" xmlns:r="http://schemas.openxmlformats.org/officeDocument/2006/relationships" xmlns:p="http://schemas.openxmlformats.org/presentationml/2006/main">
   <p:cSld>
@@ -26642,7 +28853,7 @@
               <a:lstStyle/>
               <a:p>
                 <a:pPr algn="ctr"/>
-                <a:endParaRPr lang="en-US"/>
+                <a:endParaRPr lang="en-US" dirty="0"/>
               </a:p>
             </p:txBody>
           </p:sp>
@@ -26701,7 +28912,7 @@
               <a:lstStyle/>
               <a:p>
                 <a:pPr algn="ctr"/>
-                <a:endParaRPr lang="en-US"/>
+                <a:endParaRPr lang="en-US" dirty="0"/>
               </a:p>
             </p:txBody>
           </p:sp>
@@ -26760,7 +28971,7 @@
               <a:lstStyle/>
               <a:p>
                 <a:pPr algn="ctr"/>
-                <a:endParaRPr lang="en-US"/>
+                <a:endParaRPr lang="en-US" dirty="0"/>
               </a:p>
             </p:txBody>
           </p:sp>
@@ -26819,7 +29030,7 @@
               <a:lstStyle/>
               <a:p>
                 <a:pPr algn="ctr"/>
-                <a:endParaRPr lang="en-US"/>
+                <a:endParaRPr lang="en-US" dirty="0"/>
               </a:p>
             </p:txBody>
           </p:sp>
@@ -26878,7 +29089,7 @@
               <a:lstStyle/>
               <a:p>
                 <a:pPr algn="ctr"/>
-                <a:endParaRPr lang="en-US"/>
+                <a:endParaRPr lang="en-US" dirty="0"/>
               </a:p>
             </p:txBody>
           </p:sp>
@@ -27185,7 +29396,7 @@
               <a:lstStyle/>
               <a:p>
                 <a:pPr algn="ctr"/>
-                <a:endParaRPr lang="en-US"/>
+                <a:endParaRPr lang="en-US" dirty="0"/>
               </a:p>
             </p:txBody>
           </p:sp>
@@ -27244,7 +29455,7 @@
               <a:lstStyle/>
               <a:p>
                 <a:pPr algn="ctr"/>
-                <a:endParaRPr lang="en-US"/>
+                <a:endParaRPr lang="en-US" dirty="0"/>
               </a:p>
             </p:txBody>
           </p:sp>
@@ -27303,7 +29514,7 @@
               <a:lstStyle/>
               <a:p>
                 <a:pPr algn="ctr"/>
-                <a:endParaRPr lang="en-US"/>
+                <a:endParaRPr lang="en-US" dirty="0"/>
               </a:p>
             </p:txBody>
           </p:sp>
@@ -27702,7 +29913,7 @@
             <a:lstStyle/>
             <a:p>
               <a:pPr algn="ctr"/>
-              <a:endParaRPr lang="en-US"/>
+              <a:endParaRPr lang="en-US" dirty="0"/>
             </a:p>
           </p:txBody>
         </p:sp>
@@ -27761,7 +29972,7 @@
             <a:lstStyle/>
             <a:p>
               <a:pPr algn="ctr"/>
-              <a:endParaRPr lang="en-US"/>
+              <a:endParaRPr lang="en-US" dirty="0"/>
             </a:p>
           </p:txBody>
         </p:sp>
@@ -27820,7 +30031,7 @@
             <a:lstStyle/>
             <a:p>
               <a:pPr algn="ctr"/>
-              <a:endParaRPr lang="en-US"/>
+              <a:endParaRPr lang="en-US" dirty="0"/>
             </a:p>
           </p:txBody>
         </p:sp>
@@ -27938,7 +30149,7 @@
             <a:lstStyle/>
             <a:p>
               <a:pPr algn="ctr"/>
-              <a:endParaRPr lang="en-US"/>
+              <a:endParaRPr lang="en-US" dirty="0"/>
             </a:p>
           </p:txBody>
         </p:sp>
@@ -28192,7 +30403,7 @@
             <a:lstStyle/>
             <a:p>
               <a:pPr algn="ctr"/>
-              <a:endParaRPr lang="en-US"/>
+              <a:endParaRPr lang="en-US" dirty="0"/>
             </a:p>
           </p:txBody>
         </p:sp>
@@ -28251,7 +30462,7 @@
             <a:lstStyle/>
             <a:p>
               <a:pPr algn="ctr"/>
-              <a:endParaRPr lang="en-US"/>
+              <a:endParaRPr lang="en-US" dirty="0"/>
             </a:p>
           </p:txBody>
         </p:sp>
@@ -28310,7 +30521,7 @@
             <a:lstStyle/>
             <a:p>
               <a:pPr algn="ctr"/>
-              <a:endParaRPr lang="en-US"/>
+              <a:endParaRPr lang="en-US" dirty="0"/>
             </a:p>
           </p:txBody>
         </p:sp>
@@ -29662,7 +31873,7 @@
           <a:lstStyle/>
           <a:p>
             <a:pPr algn="ctr"/>
-            <a:endParaRPr lang="en-US"/>
+            <a:endParaRPr lang="en-US" dirty="0"/>
           </a:p>
         </p:txBody>
       </p:sp>
@@ -29721,7 +31932,7 @@
           <a:lstStyle/>
           <a:p>
             <a:pPr algn="ctr"/>
-            <a:endParaRPr lang="en-US"/>
+            <a:endParaRPr lang="en-US" dirty="0"/>
           </a:p>
         </p:txBody>
       </p:sp>
@@ -31648,7 +33859,7 @@
           <a:lstStyle/>
           <a:p>
             <a:pPr algn="ctr"/>
-            <a:endParaRPr lang="en-US"/>
+            <a:endParaRPr lang="en-US" dirty="0"/>
           </a:p>
         </p:txBody>
       </p:sp>
@@ -31694,7 +33905,7 @@
           <a:lstStyle/>
           <a:p>
             <a:pPr algn="ctr"/>
-            <a:endParaRPr lang="en-US"/>
+            <a:endParaRPr lang="en-US" dirty="0"/>
           </a:p>
         </p:txBody>
       </p:sp>
@@ -31740,7 +33951,7 @@
           <a:lstStyle/>
           <a:p>
             <a:pPr algn="ctr"/>
-            <a:endParaRPr lang="en-US"/>
+            <a:endParaRPr lang="en-US" dirty="0"/>
           </a:p>
         </p:txBody>
       </p:sp>
@@ -31786,7 +33997,7 @@
           <a:lstStyle/>
           <a:p>
             <a:pPr algn="ctr"/>
-            <a:endParaRPr lang="en-US"/>
+            <a:endParaRPr lang="en-US" dirty="0"/>
           </a:p>
         </p:txBody>
       </p:sp>
@@ -31845,7 +34056,7 @@
           <a:lstStyle/>
           <a:p>
             <a:pPr algn="ctr"/>
-            <a:endParaRPr lang="en-US"/>
+            <a:endParaRPr lang="en-US" dirty="0"/>
           </a:p>
         </p:txBody>
       </p:sp>
@@ -31904,7 +34115,7 @@
           <a:lstStyle/>
           <a:p>
             <a:pPr algn="ctr"/>
-            <a:endParaRPr lang="en-US"/>
+            <a:endParaRPr lang="en-US" dirty="0"/>
           </a:p>
         </p:txBody>
       </p:sp>
@@ -31963,7 +34174,7 @@
           <a:lstStyle/>
           <a:p>
             <a:pPr algn="ctr"/>
-            <a:endParaRPr lang="en-US"/>
+            <a:endParaRPr lang="en-US" dirty="0"/>
           </a:p>
         </p:txBody>
       </p:sp>
@@ -32022,7 +34233,7 @@
           <a:lstStyle/>
           <a:p>
             <a:pPr algn="ctr"/>
-            <a:endParaRPr lang="en-US"/>
+            <a:endParaRPr lang="en-US" dirty="0"/>
           </a:p>
         </p:txBody>
       </p:sp>
@@ -32081,7 +34292,7 @@
           <a:lstStyle/>
           <a:p>
             <a:pPr algn="ctr"/>
-            <a:endParaRPr lang="en-US"/>
+            <a:endParaRPr lang="en-US" dirty="0"/>
           </a:p>
         </p:txBody>
       </p:sp>
@@ -32140,7 +34351,7 @@
           <a:lstStyle/>
           <a:p>
             <a:pPr algn="ctr"/>
-            <a:endParaRPr lang="en-US"/>
+            <a:endParaRPr lang="en-US" dirty="0"/>
           </a:p>
         </p:txBody>
       </p:sp>
@@ -32186,7 +34397,7 @@
           <a:lstStyle/>
           <a:p>
             <a:pPr algn="ctr"/>
-            <a:endParaRPr lang="en-US"/>
+            <a:endParaRPr lang="en-US" dirty="0"/>
           </a:p>
         </p:txBody>
       </p:sp>
@@ -32232,7 +34443,7 @@
           <a:lstStyle/>
           <a:p>
             <a:pPr algn="ctr"/>
-            <a:endParaRPr lang="en-US"/>
+            <a:endParaRPr lang="en-US" dirty="0"/>
           </a:p>
         </p:txBody>
       </p:sp>
@@ -32278,7 +34489,7 @@
           <a:lstStyle/>
           <a:p>
             <a:pPr algn="ctr"/>
-            <a:endParaRPr lang="en-US"/>
+            <a:endParaRPr lang="en-US" dirty="0"/>
           </a:p>
         </p:txBody>
       </p:sp>
@@ -32324,7 +34535,7 @@
           <a:lstStyle/>
           <a:p>
             <a:pPr algn="ctr"/>
-            <a:endParaRPr lang="en-US"/>
+            <a:endParaRPr lang="en-US" dirty="0"/>
           </a:p>
         </p:txBody>
       </p:sp>
@@ -32383,7 +34594,7 @@
           <a:lstStyle/>
           <a:p>
             <a:pPr algn="ctr"/>
-            <a:endParaRPr lang="en-US"/>
+            <a:endParaRPr lang="en-US" dirty="0"/>
           </a:p>
         </p:txBody>
       </p:sp>
@@ -32633,7 +34844,7 @@
             <a:lstStyle/>
             <a:p>
               <a:pPr algn="ctr"/>
-              <a:endParaRPr lang="en-US"/>
+              <a:endParaRPr lang="en-US" dirty="0"/>
             </a:p>
           </p:txBody>
         </p:sp>
@@ -32692,7 +34903,7 @@
             <a:lstStyle/>
             <a:p>
               <a:pPr algn="ctr"/>
-              <a:endParaRPr lang="en-US"/>
+              <a:endParaRPr lang="en-US" dirty="0"/>
             </a:p>
           </p:txBody>
         </p:sp>
@@ -32751,7 +34962,7 @@
             <a:lstStyle/>
             <a:p>
               <a:pPr algn="ctr"/>
-              <a:endParaRPr lang="en-US"/>
+              <a:endParaRPr lang="en-US" dirty="0"/>
             </a:p>
           </p:txBody>
         </p:sp>
@@ -32810,7 +35021,7 @@
             <a:lstStyle/>
             <a:p>
               <a:pPr algn="ctr"/>
-              <a:endParaRPr lang="en-US"/>
+              <a:endParaRPr lang="en-US" dirty="0"/>
             </a:p>
           </p:txBody>
         </p:sp>
@@ -32867,7 +35078,7 @@
             <a:lstStyle/>
             <a:p>
               <a:pPr algn="ctr"/>
-              <a:endParaRPr lang="en-US"/>
+              <a:endParaRPr lang="en-US" dirty="0"/>
             </a:p>
           </p:txBody>
         </p:sp>
@@ -33127,7 +35338,7 @@
             <a:lstStyle/>
             <a:p>
               <a:pPr algn="ctr"/>
-              <a:endParaRPr lang="en-US"/>
+              <a:endParaRPr lang="en-US" dirty="0"/>
             </a:p>
           </p:txBody>
         </p:sp>
@@ -33186,7 +35397,7 @@
             <a:lstStyle/>
             <a:p>
               <a:pPr algn="ctr"/>
-              <a:endParaRPr lang="en-US"/>
+              <a:endParaRPr lang="en-US" dirty="0"/>
             </a:p>
           </p:txBody>
         </p:sp>
@@ -33243,7 +35454,7 @@
             <a:lstStyle/>
             <a:p>
               <a:pPr algn="ctr"/>
-              <a:endParaRPr lang="en-US"/>
+              <a:endParaRPr lang="en-US" dirty="0"/>
             </a:p>
           </p:txBody>
         </p:sp>
@@ -33384,7 +35595,7 @@
           <a:lstStyle/>
           <a:p>
             <a:pPr algn="ctr"/>
-            <a:endParaRPr lang="en-US"/>
+            <a:endParaRPr lang="en-US" dirty="0"/>
           </a:p>
         </p:txBody>
       </p:sp>
@@ -33430,7 +35641,7 @@
           <a:lstStyle/>
           <a:p>
             <a:pPr algn="ctr"/>
-            <a:endParaRPr lang="en-US"/>
+            <a:endParaRPr lang="en-US" dirty="0"/>
           </a:p>
         </p:txBody>
       </p:sp>
@@ -34518,7 +36729,7 @@
           <a:lstStyle/>
           <a:p>
             <a:pPr algn="ctr"/>
-            <a:endParaRPr lang="en-US"/>
+            <a:endParaRPr lang="en-US" dirty="0"/>
           </a:p>
         </p:txBody>
       </p:sp>
@@ -34570,7 +36781,7 @@
           <a:lstStyle/>
           <a:p>
             <a:pPr algn="ctr"/>
-            <a:endParaRPr lang="en-US"/>
+            <a:endParaRPr lang="en-US" dirty="0"/>
           </a:p>
         </p:txBody>
       </p:sp>
@@ -34622,7 +36833,7 @@
           <a:lstStyle/>
           <a:p>
             <a:pPr algn="ctr"/>
-            <a:endParaRPr lang="en-US"/>
+            <a:endParaRPr lang="en-US" dirty="0"/>
           </a:p>
         </p:txBody>
       </p:sp>
@@ -34668,7 +36879,7 @@
           <a:lstStyle/>
           <a:p>
             <a:pPr algn="ctr"/>
-            <a:endParaRPr lang="en-US"/>
+            <a:endParaRPr lang="en-US" dirty="0"/>
           </a:p>
         </p:txBody>
       </p:sp>
@@ -34774,7 +36985,7 @@
             <a:lstStyle/>
             <a:p>
               <a:pPr algn="ctr"/>
-              <a:endParaRPr lang="en-US"/>
+              <a:endParaRPr lang="en-US" dirty="0"/>
             </a:p>
           </p:txBody>
         </p:sp>
@@ -34833,7 +37044,7 @@
             <a:lstStyle/>
             <a:p>
               <a:pPr algn="ctr"/>
-              <a:endParaRPr lang="en-US"/>
+              <a:endParaRPr lang="en-US" dirty="0"/>
             </a:p>
           </p:txBody>
         </p:sp>
@@ -34889,7 +37100,7 @@
             <a:lstStyle/>
             <a:p>
               <a:pPr algn="ctr"/>
-              <a:endParaRPr lang="en-US"/>
+              <a:endParaRPr lang="en-US" dirty="0"/>
             </a:p>
           </p:txBody>
         </p:sp>
@@ -35604,7 +37815,7 @@
           <a:lstStyle/>
           <a:p>
             <a:pPr algn="ctr"/>
-            <a:endParaRPr lang="en-US"/>
+            <a:endParaRPr lang="en-US" dirty="0"/>
           </a:p>
         </p:txBody>
       </p:sp>
@@ -35863,7 +38074,7 @@
             <a:lstStyle/>
             <a:p>
               <a:pPr algn="ctr"/>
-              <a:endParaRPr lang="en-US"/>
+              <a:endParaRPr lang="en-US" dirty="0"/>
             </a:p>
           </p:txBody>
         </p:sp>
@@ -35922,7 +38133,7 @@
             <a:lstStyle/>
             <a:p>
               <a:pPr algn="ctr"/>
-              <a:endParaRPr lang="en-US"/>
+              <a:endParaRPr lang="en-US" dirty="0"/>
             </a:p>
           </p:txBody>
         </p:sp>
@@ -35978,7 +38189,7 @@
             <a:lstStyle/>
             <a:p>
               <a:pPr algn="ctr"/>
-              <a:endParaRPr lang="en-US"/>
+              <a:endParaRPr lang="en-US" dirty="0"/>
             </a:p>
           </p:txBody>
         </p:sp>
@@ -36186,7 +38397,7 @@
             <a:lstStyle/>
             <a:p>
               <a:pPr algn="ctr"/>
-              <a:endParaRPr lang="en-US"/>
+              <a:endParaRPr lang="en-US" dirty="0"/>
             </a:p>
           </p:txBody>
         </p:sp>
@@ -36245,7 +38456,7 @@
             <a:lstStyle/>
             <a:p>
               <a:pPr algn="ctr"/>
-              <a:endParaRPr lang="en-US"/>
+              <a:endParaRPr lang="en-US" dirty="0"/>
             </a:p>
           </p:txBody>
         </p:sp>
@@ -36304,7 +38515,7 @@
             <a:lstStyle/>
             <a:p>
               <a:pPr algn="ctr"/>
-              <a:endParaRPr lang="en-US"/>
+              <a:endParaRPr lang="en-US" dirty="0"/>
             </a:p>
           </p:txBody>
         </p:sp>

--- a/Figures.pptx
+++ b/Figures.pptx
@@ -211,7 +211,7 @@
           <a:p>
             <a:fld id="{75754C70-6453-4EC1-893C-AA2644B807D6}" type="datetimeFigureOut">
               <a:rPr lang="en-US" smtClean="0"/>
-              <a:t>8/30/2021</a:t>
+              <a:t>9/3/2021</a:t>
             </a:fld>
             <a:endParaRPr lang="en-US" dirty="0"/>
           </a:p>
@@ -625,7 +625,7 @@
           <a:p>
             <a:fld id="{FF5E1AB6-45CD-421A-B6C0-E4D4EAFC2CDC}" type="datetimeFigureOut">
               <a:rPr lang="en-US" smtClean="0"/>
-              <a:t>8/30/2021</a:t>
+              <a:t>9/3/2021</a:t>
             </a:fld>
             <a:endParaRPr lang="en-US" dirty="0"/>
           </a:p>
@@ -823,7 +823,7 @@
           <a:p>
             <a:fld id="{FF5E1AB6-45CD-421A-B6C0-E4D4EAFC2CDC}" type="datetimeFigureOut">
               <a:rPr lang="en-US" smtClean="0"/>
-              <a:t>8/30/2021</a:t>
+              <a:t>9/3/2021</a:t>
             </a:fld>
             <a:endParaRPr lang="en-US" dirty="0"/>
           </a:p>
@@ -1031,7 +1031,7 @@
           <a:p>
             <a:fld id="{FF5E1AB6-45CD-421A-B6C0-E4D4EAFC2CDC}" type="datetimeFigureOut">
               <a:rPr lang="en-US" smtClean="0"/>
-              <a:t>8/30/2021</a:t>
+              <a:t>9/3/2021</a:t>
             </a:fld>
             <a:endParaRPr lang="en-US" dirty="0"/>
           </a:p>
@@ -1229,7 +1229,7 @@
           <a:p>
             <a:fld id="{FF5E1AB6-45CD-421A-B6C0-E4D4EAFC2CDC}" type="datetimeFigureOut">
               <a:rPr lang="en-US" smtClean="0"/>
-              <a:t>8/30/2021</a:t>
+              <a:t>9/3/2021</a:t>
             </a:fld>
             <a:endParaRPr lang="en-US" dirty="0"/>
           </a:p>
@@ -1504,7 +1504,7 @@
           <a:p>
             <a:fld id="{FF5E1AB6-45CD-421A-B6C0-E4D4EAFC2CDC}" type="datetimeFigureOut">
               <a:rPr lang="en-US" smtClean="0"/>
-              <a:t>8/30/2021</a:t>
+              <a:t>9/3/2021</a:t>
             </a:fld>
             <a:endParaRPr lang="en-US" dirty="0"/>
           </a:p>
@@ -1769,7 +1769,7 @@
           <a:p>
             <a:fld id="{FF5E1AB6-45CD-421A-B6C0-E4D4EAFC2CDC}" type="datetimeFigureOut">
               <a:rPr lang="en-US" smtClean="0"/>
-              <a:t>8/30/2021</a:t>
+              <a:t>9/3/2021</a:t>
             </a:fld>
             <a:endParaRPr lang="en-US" dirty="0"/>
           </a:p>
@@ -2181,7 +2181,7 @@
           <a:p>
             <a:fld id="{FF5E1AB6-45CD-421A-B6C0-E4D4EAFC2CDC}" type="datetimeFigureOut">
               <a:rPr lang="en-US" smtClean="0"/>
-              <a:t>8/30/2021</a:t>
+              <a:t>9/3/2021</a:t>
             </a:fld>
             <a:endParaRPr lang="en-US" dirty="0"/>
           </a:p>
@@ -2322,7 +2322,7 @@
           <a:p>
             <a:fld id="{FF5E1AB6-45CD-421A-B6C0-E4D4EAFC2CDC}" type="datetimeFigureOut">
               <a:rPr lang="en-US" smtClean="0"/>
-              <a:t>8/30/2021</a:t>
+              <a:t>9/3/2021</a:t>
             </a:fld>
             <a:endParaRPr lang="en-US" dirty="0"/>
           </a:p>
@@ -2435,7 +2435,7 @@
           <a:p>
             <a:fld id="{FF5E1AB6-45CD-421A-B6C0-E4D4EAFC2CDC}" type="datetimeFigureOut">
               <a:rPr lang="en-US" smtClean="0"/>
-              <a:t>8/30/2021</a:t>
+              <a:t>9/3/2021</a:t>
             </a:fld>
             <a:endParaRPr lang="en-US" dirty="0"/>
           </a:p>
@@ -2746,7 +2746,7 @@
           <a:p>
             <a:fld id="{FF5E1AB6-45CD-421A-B6C0-E4D4EAFC2CDC}" type="datetimeFigureOut">
               <a:rPr lang="en-US" smtClean="0"/>
-              <a:t>8/30/2021</a:t>
+              <a:t>9/3/2021</a:t>
             </a:fld>
             <a:endParaRPr lang="en-US" dirty="0"/>
           </a:p>
@@ -3034,7 +3034,7 @@
           <a:p>
             <a:fld id="{FF5E1AB6-45CD-421A-B6C0-E4D4EAFC2CDC}" type="datetimeFigureOut">
               <a:rPr lang="en-US" smtClean="0"/>
-              <a:t>8/30/2021</a:t>
+              <a:t>9/3/2021</a:t>
             </a:fld>
             <a:endParaRPr lang="en-US" dirty="0"/>
           </a:p>
@@ -3275,7 +3275,7 @@
           <a:p>
             <a:fld id="{FF5E1AB6-45CD-421A-B6C0-E4D4EAFC2CDC}" type="datetimeFigureOut">
               <a:rPr lang="en-US" smtClean="0"/>
-              <a:t>8/30/2021</a:t>
+              <a:t>9/3/2021</a:t>
             </a:fld>
             <a:endParaRPr lang="en-US" dirty="0"/>
           </a:p>
@@ -16857,7 +16857,7 @@
           <a:p>
             <a:r>
               <a:rPr lang="en-US" dirty="0"/>
-              <a:t>N1</a:t>
+              <a:t>N3</a:t>
             </a:r>
           </a:p>
         </p:txBody>
@@ -16892,7 +16892,7 @@
           <a:p>
             <a:r>
               <a:rPr lang="en-US" dirty="0"/>
-              <a:t>N2</a:t>
+              <a:t>N4</a:t>
             </a:r>
           </a:p>
         </p:txBody>
@@ -16927,7 +16927,7 @@
           <a:p>
             <a:r>
               <a:rPr lang="en-US" dirty="0"/>
-              <a:t>N3</a:t>
+              <a:t>N5</a:t>
             </a:r>
           </a:p>
         </p:txBody>
@@ -17226,8 +17226,8 @@
         </p:nvSpPr>
         <p:spPr>
           <a:xfrm>
-            <a:off x="1657966" y="4133247"/>
-            <a:ext cx="450764" cy="369332"/>
+            <a:off x="1738805" y="4120639"/>
+            <a:ext cx="255198" cy="369332"/>
           </a:xfrm>
           <a:prstGeom prst="rect">
             <a:avLst/>
@@ -17242,7 +17242,7 @@
           <a:p>
             <a:r>
               <a:rPr lang="en-US" dirty="0"/>
-              <a:t>N1</a:t>
+              <a:t>-</a:t>
             </a:r>
           </a:p>
         </p:txBody>
@@ -17262,7 +17262,7 @@
         <p:spPr>
           <a:xfrm>
             <a:off x="1632749" y="4904063"/>
-            <a:ext cx="450764" cy="369332"/>
+            <a:ext cx="255198" cy="369332"/>
           </a:xfrm>
           <a:prstGeom prst="rect">
             <a:avLst/>
@@ -17277,7 +17277,7 @@
           <a:p>
             <a:r>
               <a:rPr lang="en-US" dirty="0"/>
-              <a:t>N2</a:t>
+              <a:t>-</a:t>
             </a:r>
           </a:p>
         </p:txBody>
@@ -18799,6 +18799,111 @@
           </p:txBody>
         </p:sp>
       </p:grpSp>
+      <p:sp>
+        <p:nvSpPr>
+          <p:cNvPr id="97" name="TextBox 96">
+            <a:extLst>
+              <a:ext uri="{FF2B5EF4-FFF2-40B4-BE49-F238E27FC236}">
+                <a16:creationId xmlns:a16="http://schemas.microsoft.com/office/drawing/2014/main" id="{D6849121-633A-4E81-897F-6ED1449B521C}"/>
+              </a:ext>
+            </a:extLst>
+          </p:cNvPr>
+          <p:cNvSpPr txBox="1"/>
+          <p:nvPr/>
+        </p:nvSpPr>
+        <p:spPr>
+          <a:xfrm>
+            <a:off x="6453061" y="4073150"/>
+            <a:ext cx="450764" cy="369332"/>
+          </a:xfrm>
+          <a:prstGeom prst="rect">
+            <a:avLst/>
+          </a:prstGeom>
+          <a:noFill/>
+        </p:spPr>
+        <p:txBody>
+          <a:bodyPr wrap="none" rtlCol="0">
+            <a:spAutoFit/>
+          </a:bodyPr>
+          <a:lstStyle/>
+          <a:p>
+            <a:r>
+              <a:rPr lang="en-US" dirty="0"/>
+              <a:t>N1</a:t>
+            </a:r>
+          </a:p>
+        </p:txBody>
+      </p:sp>
+      <p:sp>
+        <p:nvSpPr>
+          <p:cNvPr id="98" name="TextBox 97">
+            <a:extLst>
+              <a:ext uri="{FF2B5EF4-FFF2-40B4-BE49-F238E27FC236}">
+                <a16:creationId xmlns:a16="http://schemas.microsoft.com/office/drawing/2014/main" id="{1B242000-4E9B-4890-BB5A-3CB0E7C43483}"/>
+              </a:ext>
+            </a:extLst>
+          </p:cNvPr>
+          <p:cNvSpPr txBox="1"/>
+          <p:nvPr/>
+        </p:nvSpPr>
+        <p:spPr>
+          <a:xfrm>
+            <a:off x="6295987" y="4886308"/>
+            <a:ext cx="450764" cy="369332"/>
+          </a:xfrm>
+          <a:prstGeom prst="rect">
+            <a:avLst/>
+          </a:prstGeom>
+          <a:noFill/>
+        </p:spPr>
+        <p:txBody>
+          <a:bodyPr wrap="none" rtlCol="0">
+            <a:spAutoFit/>
+          </a:bodyPr>
+          <a:lstStyle/>
+          <a:p>
+            <a:r>
+              <a:rPr lang="en-US" dirty="0"/>
+              <a:t>N2</a:t>
+            </a:r>
+          </a:p>
+        </p:txBody>
+      </p:sp>
+      <p:sp>
+        <p:nvSpPr>
+          <p:cNvPr id="99" name="TextBox 98">
+            <a:extLst>
+              <a:ext uri="{FF2B5EF4-FFF2-40B4-BE49-F238E27FC236}">
+                <a16:creationId xmlns:a16="http://schemas.microsoft.com/office/drawing/2014/main" id="{89053B73-FB14-4841-89A8-55171D3FC4DD}"/>
+              </a:ext>
+            </a:extLst>
+          </p:cNvPr>
+          <p:cNvSpPr txBox="1"/>
+          <p:nvPr/>
+        </p:nvSpPr>
+        <p:spPr>
+          <a:xfrm>
+            <a:off x="7019572" y="4876923"/>
+            <a:ext cx="450764" cy="369332"/>
+          </a:xfrm>
+          <a:prstGeom prst="rect">
+            <a:avLst/>
+          </a:prstGeom>
+          <a:noFill/>
+        </p:spPr>
+        <p:txBody>
+          <a:bodyPr wrap="none" rtlCol="0">
+            <a:spAutoFit/>
+          </a:bodyPr>
+          <a:lstStyle/>
+          <a:p>
+            <a:r>
+              <a:rPr lang="en-US" dirty="0"/>
+              <a:t>N3</a:t>
+            </a:r>
+          </a:p>
+        </p:txBody>
+      </p:sp>
     </p:spTree>
     <p:extLst>
       <p:ext uri="{BB962C8B-B14F-4D97-AF65-F5344CB8AC3E}">

--- a/Figures.pptx
+++ b/Figures.pptx
@@ -5,7 +5,7 @@
     <p:sldMasterId id="2147483648" r:id="rId1"/>
   </p:sldMasterIdLst>
   <p:notesMasterIdLst>
-    <p:notesMasterId r:id="rId17"/>
+    <p:notesMasterId r:id="rId18"/>
   </p:notesMasterIdLst>
   <p:sldIdLst>
     <p:sldId id="256" r:id="rId2"/>
@@ -23,6 +23,7 @@
     <p:sldId id="271" r:id="rId14"/>
     <p:sldId id="272" r:id="rId15"/>
     <p:sldId id="273" r:id="rId16"/>
+    <p:sldId id="274" r:id="rId17"/>
   </p:sldIdLst>
   <p:sldSz cx="12192000" cy="6858000"/>
   <p:notesSz cx="6858000" cy="9144000"/>
@@ -211,7 +212,7 @@
           <a:p>
             <a:fld id="{75754C70-6453-4EC1-893C-AA2644B807D6}" type="datetimeFigureOut">
               <a:rPr lang="en-US" smtClean="0"/>
-              <a:t>9/3/2021</a:t>
+              <a:t>12/31/2021</a:t>
             </a:fld>
             <a:endParaRPr lang="en-US" dirty="0"/>
           </a:p>
@@ -625,7 +626,7 @@
           <a:p>
             <a:fld id="{FF5E1AB6-45CD-421A-B6C0-E4D4EAFC2CDC}" type="datetimeFigureOut">
               <a:rPr lang="en-US" smtClean="0"/>
-              <a:t>9/3/2021</a:t>
+              <a:t>12/31/2021</a:t>
             </a:fld>
             <a:endParaRPr lang="en-US" dirty="0"/>
           </a:p>
@@ -823,7 +824,7 @@
           <a:p>
             <a:fld id="{FF5E1AB6-45CD-421A-B6C0-E4D4EAFC2CDC}" type="datetimeFigureOut">
               <a:rPr lang="en-US" smtClean="0"/>
-              <a:t>9/3/2021</a:t>
+              <a:t>12/31/2021</a:t>
             </a:fld>
             <a:endParaRPr lang="en-US" dirty="0"/>
           </a:p>
@@ -1031,7 +1032,7 @@
           <a:p>
             <a:fld id="{FF5E1AB6-45CD-421A-B6C0-E4D4EAFC2CDC}" type="datetimeFigureOut">
               <a:rPr lang="en-US" smtClean="0"/>
-              <a:t>9/3/2021</a:t>
+              <a:t>12/31/2021</a:t>
             </a:fld>
             <a:endParaRPr lang="en-US" dirty="0"/>
           </a:p>
@@ -1229,7 +1230,7 @@
           <a:p>
             <a:fld id="{FF5E1AB6-45CD-421A-B6C0-E4D4EAFC2CDC}" type="datetimeFigureOut">
               <a:rPr lang="en-US" smtClean="0"/>
-              <a:t>9/3/2021</a:t>
+              <a:t>12/31/2021</a:t>
             </a:fld>
             <a:endParaRPr lang="en-US" dirty="0"/>
           </a:p>
@@ -1504,7 +1505,7 @@
           <a:p>
             <a:fld id="{FF5E1AB6-45CD-421A-B6C0-E4D4EAFC2CDC}" type="datetimeFigureOut">
               <a:rPr lang="en-US" smtClean="0"/>
-              <a:t>9/3/2021</a:t>
+              <a:t>12/31/2021</a:t>
             </a:fld>
             <a:endParaRPr lang="en-US" dirty="0"/>
           </a:p>
@@ -1769,7 +1770,7 @@
           <a:p>
             <a:fld id="{FF5E1AB6-45CD-421A-B6C0-E4D4EAFC2CDC}" type="datetimeFigureOut">
               <a:rPr lang="en-US" smtClean="0"/>
-              <a:t>9/3/2021</a:t>
+              <a:t>12/31/2021</a:t>
             </a:fld>
             <a:endParaRPr lang="en-US" dirty="0"/>
           </a:p>
@@ -2181,7 +2182,7 @@
           <a:p>
             <a:fld id="{FF5E1AB6-45CD-421A-B6C0-E4D4EAFC2CDC}" type="datetimeFigureOut">
               <a:rPr lang="en-US" smtClean="0"/>
-              <a:t>9/3/2021</a:t>
+              <a:t>12/31/2021</a:t>
             </a:fld>
             <a:endParaRPr lang="en-US" dirty="0"/>
           </a:p>
@@ -2322,7 +2323,7 @@
           <a:p>
             <a:fld id="{FF5E1AB6-45CD-421A-B6C0-E4D4EAFC2CDC}" type="datetimeFigureOut">
               <a:rPr lang="en-US" smtClean="0"/>
-              <a:t>9/3/2021</a:t>
+              <a:t>12/31/2021</a:t>
             </a:fld>
             <a:endParaRPr lang="en-US" dirty="0"/>
           </a:p>
@@ -2435,7 +2436,7 @@
           <a:p>
             <a:fld id="{FF5E1AB6-45CD-421A-B6C0-E4D4EAFC2CDC}" type="datetimeFigureOut">
               <a:rPr lang="en-US" smtClean="0"/>
-              <a:t>9/3/2021</a:t>
+              <a:t>12/31/2021</a:t>
             </a:fld>
             <a:endParaRPr lang="en-US" dirty="0"/>
           </a:p>
@@ -2746,7 +2747,7 @@
           <a:p>
             <a:fld id="{FF5E1AB6-45CD-421A-B6C0-E4D4EAFC2CDC}" type="datetimeFigureOut">
               <a:rPr lang="en-US" smtClean="0"/>
-              <a:t>9/3/2021</a:t>
+              <a:t>12/31/2021</a:t>
             </a:fld>
             <a:endParaRPr lang="en-US" dirty="0"/>
           </a:p>
@@ -3034,7 +3035,7 @@
           <a:p>
             <a:fld id="{FF5E1AB6-45CD-421A-B6C0-E4D4EAFC2CDC}" type="datetimeFigureOut">
               <a:rPr lang="en-US" smtClean="0"/>
-              <a:t>9/3/2021</a:t>
+              <a:t>12/31/2021</a:t>
             </a:fld>
             <a:endParaRPr lang="en-US" dirty="0"/>
           </a:p>
@@ -3275,7 +3276,7 @@
           <a:p>
             <a:fld id="{FF5E1AB6-45CD-421A-B6C0-E4D4EAFC2CDC}" type="datetimeFigureOut">
               <a:rPr lang="en-US" smtClean="0"/>
-              <a:t>9/3/2021</a:t>
+              <a:t>12/31/2021</a:t>
             </a:fld>
             <a:endParaRPr lang="en-US" dirty="0"/>
           </a:p>
@@ -28680,6 +28681,1785 @@
     <p:extLst>
       <p:ext uri="{BB962C8B-B14F-4D97-AF65-F5344CB8AC3E}">
         <p14:creationId xmlns:p14="http://schemas.microsoft.com/office/powerpoint/2010/main" val="4197657197"/>
+      </p:ext>
+    </p:extLst>
+  </p:cSld>
+  <p:clrMapOvr>
+    <a:masterClrMapping/>
+  </p:clrMapOvr>
+</p:sld>
+</file>
+
+<file path=ppt/slides/slide16.xml><?xml version="1.0" encoding="utf-8"?>
+<p:sld xmlns:a="http://schemas.openxmlformats.org/drawingml/2006/main" xmlns:r="http://schemas.openxmlformats.org/officeDocument/2006/relationships" xmlns:p="http://schemas.openxmlformats.org/presentationml/2006/main">
+  <p:cSld>
+    <p:spTree>
+      <p:nvGrpSpPr>
+        <p:cNvPr id="1" name=""/>
+        <p:cNvGrpSpPr/>
+        <p:nvPr/>
+      </p:nvGrpSpPr>
+      <p:grpSpPr>
+        <a:xfrm>
+          <a:off x="0" y="0"/>
+          <a:ext cx="0" cy="0"/>
+          <a:chOff x="0" y="0"/>
+          <a:chExt cx="0" cy="0"/>
+        </a:xfrm>
+      </p:grpSpPr>
+      <p:grpSp>
+        <p:nvGrpSpPr>
+          <p:cNvPr id="46" name="Group 45">
+            <a:extLst>
+              <a:ext uri="{FF2B5EF4-FFF2-40B4-BE49-F238E27FC236}">
+                <a16:creationId xmlns:a16="http://schemas.microsoft.com/office/drawing/2014/main" id="{C458CCEB-04A6-4A3D-9D41-0E8F82EF5001}"/>
+              </a:ext>
+            </a:extLst>
+          </p:cNvPr>
+          <p:cNvGrpSpPr/>
+          <p:nvPr/>
+        </p:nvGrpSpPr>
+        <p:grpSpPr>
+          <a:xfrm>
+            <a:off x="321732" y="2785532"/>
+            <a:ext cx="4997285" cy="3454403"/>
+            <a:chOff x="321732" y="2785532"/>
+            <a:chExt cx="4997285" cy="3454403"/>
+          </a:xfrm>
+        </p:grpSpPr>
+        <p:sp>
+          <p:nvSpPr>
+            <p:cNvPr id="6" name="Oval 5">
+              <a:extLst>
+                <a:ext uri="{FF2B5EF4-FFF2-40B4-BE49-F238E27FC236}">
+                  <a16:creationId xmlns:a16="http://schemas.microsoft.com/office/drawing/2014/main" id="{01017315-85D8-4536-BA9A-803CC4C35676}"/>
+                </a:ext>
+              </a:extLst>
+            </p:cNvPr>
+            <p:cNvSpPr/>
+            <p:nvPr/>
+          </p:nvSpPr>
+          <p:spPr>
+            <a:xfrm>
+              <a:off x="2929466" y="2785532"/>
+              <a:ext cx="1151467" cy="592667"/>
+            </a:xfrm>
+            <a:prstGeom prst="ellipse">
+              <a:avLst/>
+            </a:prstGeom>
+            <a:solidFill>
+              <a:schemeClr val="accent6">
+                <a:lumMod val="20000"/>
+                <a:lumOff val="80000"/>
+              </a:schemeClr>
+            </a:solidFill>
+            <a:ln>
+              <a:solidFill>
+                <a:schemeClr val="accent6">
+                  <a:lumMod val="75000"/>
+                </a:schemeClr>
+              </a:solidFill>
+            </a:ln>
+          </p:spPr>
+          <p:style>
+            <a:lnRef idx="2">
+              <a:schemeClr val="accent1">
+                <a:shade val="50000"/>
+              </a:schemeClr>
+            </a:lnRef>
+            <a:fillRef idx="1">
+              <a:schemeClr val="accent1"/>
+            </a:fillRef>
+            <a:effectRef idx="0">
+              <a:schemeClr val="accent1"/>
+            </a:effectRef>
+            <a:fontRef idx="minor">
+              <a:schemeClr val="lt1"/>
+            </a:fontRef>
+          </p:style>
+          <p:txBody>
+            <a:bodyPr rtlCol="0" anchor="ctr"/>
+            <a:lstStyle/>
+            <a:p>
+              <a:pPr algn="ctr"/>
+              <a:r>
+                <a:rPr lang="en-US" dirty="0">
+                  <a:solidFill>
+                    <a:schemeClr val="tx1"/>
+                  </a:solidFill>
+                </a:rPr>
+                <a:t>%</a:t>
+              </a:r>
+            </a:p>
+          </p:txBody>
+        </p:sp>
+        <p:sp>
+          <p:nvSpPr>
+            <p:cNvPr id="7" name="Oval 6">
+              <a:extLst>
+                <a:ext uri="{FF2B5EF4-FFF2-40B4-BE49-F238E27FC236}">
+                  <a16:creationId xmlns:a16="http://schemas.microsoft.com/office/drawing/2014/main" id="{1ED873ED-9C21-4EDC-A7C3-18E857E3BD9D}"/>
+                </a:ext>
+              </a:extLst>
+            </p:cNvPr>
+            <p:cNvSpPr/>
+            <p:nvPr/>
+          </p:nvSpPr>
+          <p:spPr>
+            <a:xfrm>
+              <a:off x="1930400" y="3733801"/>
+              <a:ext cx="1405459" cy="592667"/>
+            </a:xfrm>
+            <a:prstGeom prst="ellipse">
+              <a:avLst/>
+            </a:prstGeom>
+            <a:solidFill>
+              <a:schemeClr val="accent6">
+                <a:lumMod val="20000"/>
+                <a:lumOff val="80000"/>
+              </a:schemeClr>
+            </a:solidFill>
+            <a:ln>
+              <a:solidFill>
+                <a:schemeClr val="accent6">
+                  <a:lumMod val="75000"/>
+                </a:schemeClr>
+              </a:solidFill>
+            </a:ln>
+          </p:spPr>
+          <p:style>
+            <a:lnRef idx="2">
+              <a:schemeClr val="accent1">
+                <a:shade val="50000"/>
+              </a:schemeClr>
+            </a:lnRef>
+            <a:fillRef idx="1">
+              <a:schemeClr val="accent1"/>
+            </a:fillRef>
+            <a:effectRef idx="0">
+              <a:schemeClr val="accent1"/>
+            </a:effectRef>
+            <a:fontRef idx="minor">
+              <a:schemeClr val="lt1"/>
+            </a:fontRef>
+          </p:style>
+          <p:txBody>
+            <a:bodyPr rtlCol="0" anchor="ctr"/>
+            <a:lstStyle/>
+            <a:p>
+              <a:pPr algn="ctr"/>
+              <a:r>
+                <a:rPr lang="en-US" dirty="0">
+                  <a:solidFill>
+                    <a:schemeClr val="tx1"/>
+                  </a:solidFill>
+                </a:rPr>
+                <a:t>Method Call</a:t>
+              </a:r>
+            </a:p>
+          </p:txBody>
+        </p:sp>
+        <p:sp>
+          <p:nvSpPr>
+            <p:cNvPr id="10" name="Oval 9">
+              <a:extLst>
+                <a:ext uri="{FF2B5EF4-FFF2-40B4-BE49-F238E27FC236}">
+                  <a16:creationId xmlns:a16="http://schemas.microsoft.com/office/drawing/2014/main" id="{76E591A8-D121-45C3-B8C8-2550461FD7B2}"/>
+                </a:ext>
+              </a:extLst>
+            </p:cNvPr>
+            <p:cNvSpPr/>
+            <p:nvPr/>
+          </p:nvSpPr>
+          <p:spPr>
+            <a:xfrm>
+              <a:off x="2802469" y="4682068"/>
+              <a:ext cx="1405459" cy="592667"/>
+            </a:xfrm>
+            <a:prstGeom prst="ellipse">
+              <a:avLst/>
+            </a:prstGeom>
+            <a:solidFill>
+              <a:schemeClr val="accent6">
+                <a:lumMod val="20000"/>
+                <a:lumOff val="80000"/>
+              </a:schemeClr>
+            </a:solidFill>
+            <a:ln>
+              <a:solidFill>
+                <a:schemeClr val="accent6">
+                  <a:lumMod val="75000"/>
+                </a:schemeClr>
+              </a:solidFill>
+            </a:ln>
+          </p:spPr>
+          <p:style>
+            <a:lnRef idx="2">
+              <a:schemeClr val="accent1">
+                <a:shade val="50000"/>
+              </a:schemeClr>
+            </a:lnRef>
+            <a:fillRef idx="1">
+              <a:schemeClr val="accent1"/>
+            </a:fillRef>
+            <a:effectRef idx="0">
+              <a:schemeClr val="accent1"/>
+            </a:effectRef>
+            <a:fontRef idx="minor">
+              <a:schemeClr val="lt1"/>
+            </a:fontRef>
+          </p:style>
+          <p:txBody>
+            <a:bodyPr rtlCol="0" anchor="ctr"/>
+            <a:lstStyle/>
+            <a:p>
+              <a:pPr algn="ctr"/>
+              <a:r>
+                <a:rPr lang="en-US" dirty="0">
+                  <a:solidFill>
+                    <a:schemeClr val="tx1"/>
+                  </a:solidFill>
+                </a:rPr>
+                <a:t>Method Call</a:t>
+              </a:r>
+            </a:p>
+          </p:txBody>
+        </p:sp>
+        <p:sp>
+          <p:nvSpPr>
+            <p:cNvPr id="11" name="Rectangle 10">
+              <a:extLst>
+                <a:ext uri="{FF2B5EF4-FFF2-40B4-BE49-F238E27FC236}">
+                  <a16:creationId xmlns:a16="http://schemas.microsoft.com/office/drawing/2014/main" id="{A2E25295-45A2-4C20-BBE8-82FBF6D273C3}"/>
+                </a:ext>
+              </a:extLst>
+            </p:cNvPr>
+            <p:cNvSpPr/>
+            <p:nvPr/>
+          </p:nvSpPr>
+          <p:spPr>
+            <a:xfrm>
+              <a:off x="321732" y="4800600"/>
+              <a:ext cx="1113183" cy="474135"/>
+            </a:xfrm>
+            <a:prstGeom prst="rect">
+              <a:avLst/>
+            </a:prstGeom>
+            <a:solidFill>
+              <a:schemeClr val="accent2">
+                <a:lumMod val="20000"/>
+                <a:lumOff val="80000"/>
+              </a:schemeClr>
+            </a:solidFill>
+            <a:ln>
+              <a:solidFill>
+                <a:schemeClr val="accent2">
+                  <a:lumMod val="75000"/>
+                </a:schemeClr>
+              </a:solidFill>
+            </a:ln>
+          </p:spPr>
+          <p:style>
+            <a:lnRef idx="2">
+              <a:schemeClr val="accent1">
+                <a:shade val="50000"/>
+              </a:schemeClr>
+            </a:lnRef>
+            <a:fillRef idx="1">
+              <a:schemeClr val="accent1"/>
+            </a:fillRef>
+            <a:effectRef idx="0">
+              <a:schemeClr val="accent1"/>
+            </a:effectRef>
+            <a:fontRef idx="minor">
+              <a:schemeClr val="lt1"/>
+            </a:fontRef>
+          </p:style>
+          <p:txBody>
+            <a:bodyPr rtlCol="0" anchor="ctr"/>
+            <a:lstStyle/>
+            <a:p>
+              <a:pPr algn="ctr"/>
+              <a:r>
+                <a:rPr lang="en-US" dirty="0">
+                  <a:solidFill>
+                    <a:schemeClr val="tx1"/>
+                  </a:solidFill>
+                </a:rPr>
+                <a:t>Math</a:t>
+              </a:r>
+            </a:p>
+          </p:txBody>
+        </p:sp>
+        <p:sp>
+          <p:nvSpPr>
+            <p:cNvPr id="12" name="Rectangle 11">
+              <a:extLst>
+                <a:ext uri="{FF2B5EF4-FFF2-40B4-BE49-F238E27FC236}">
+                  <a16:creationId xmlns:a16="http://schemas.microsoft.com/office/drawing/2014/main" id="{42EE7F65-D7D3-4545-95E5-AF7277F39539}"/>
+                </a:ext>
+              </a:extLst>
+            </p:cNvPr>
+            <p:cNvSpPr/>
+            <p:nvPr/>
+          </p:nvSpPr>
+          <p:spPr>
+            <a:xfrm>
+              <a:off x="1562100" y="4800600"/>
+              <a:ext cx="1113183" cy="474135"/>
+            </a:xfrm>
+            <a:prstGeom prst="rect">
+              <a:avLst/>
+            </a:prstGeom>
+            <a:solidFill>
+              <a:schemeClr val="accent2">
+                <a:lumMod val="20000"/>
+                <a:lumOff val="80000"/>
+              </a:schemeClr>
+            </a:solidFill>
+            <a:ln>
+              <a:solidFill>
+                <a:schemeClr val="accent2">
+                  <a:lumMod val="75000"/>
+                </a:schemeClr>
+              </a:solidFill>
+            </a:ln>
+          </p:spPr>
+          <p:style>
+            <a:lnRef idx="2">
+              <a:schemeClr val="accent1">
+                <a:shade val="50000"/>
+              </a:schemeClr>
+            </a:lnRef>
+            <a:fillRef idx="1">
+              <a:schemeClr val="accent1"/>
+            </a:fillRef>
+            <a:effectRef idx="0">
+              <a:schemeClr val="accent1"/>
+            </a:effectRef>
+            <a:fontRef idx="minor">
+              <a:schemeClr val="lt1"/>
+            </a:fontRef>
+          </p:style>
+          <p:txBody>
+            <a:bodyPr rtlCol="0" anchor="ctr"/>
+            <a:lstStyle/>
+            <a:p>
+              <a:pPr algn="ctr"/>
+              <a:r>
+                <a:rPr lang="en-US" dirty="0">
+                  <a:solidFill>
+                    <a:schemeClr val="tx1"/>
+                  </a:solidFill>
+                </a:rPr>
+                <a:t>abs</a:t>
+              </a:r>
+            </a:p>
+          </p:txBody>
+        </p:sp>
+        <p:sp>
+          <p:nvSpPr>
+            <p:cNvPr id="13" name="Rectangle 12">
+              <a:extLst>
+                <a:ext uri="{FF2B5EF4-FFF2-40B4-BE49-F238E27FC236}">
+                  <a16:creationId xmlns:a16="http://schemas.microsoft.com/office/drawing/2014/main" id="{DD42E9AD-CD63-4126-B8FD-44E76B565D90}"/>
+                </a:ext>
+              </a:extLst>
+            </p:cNvPr>
+            <p:cNvSpPr/>
+            <p:nvPr/>
+          </p:nvSpPr>
+          <p:spPr>
+            <a:xfrm>
+              <a:off x="2222676" y="5765800"/>
+              <a:ext cx="1113183" cy="474135"/>
+            </a:xfrm>
+            <a:prstGeom prst="rect">
+              <a:avLst/>
+            </a:prstGeom>
+            <a:solidFill>
+              <a:schemeClr val="accent2">
+                <a:lumMod val="20000"/>
+                <a:lumOff val="80000"/>
+              </a:schemeClr>
+            </a:solidFill>
+            <a:ln>
+              <a:solidFill>
+                <a:schemeClr val="accent2">
+                  <a:lumMod val="75000"/>
+                </a:schemeClr>
+              </a:solidFill>
+            </a:ln>
+          </p:spPr>
+          <p:style>
+            <a:lnRef idx="2">
+              <a:schemeClr val="accent1">
+                <a:shade val="50000"/>
+              </a:schemeClr>
+            </a:lnRef>
+            <a:fillRef idx="1">
+              <a:schemeClr val="accent1"/>
+            </a:fillRef>
+            <a:effectRef idx="0">
+              <a:schemeClr val="accent1"/>
+            </a:effectRef>
+            <a:fontRef idx="minor">
+              <a:schemeClr val="lt1"/>
+            </a:fontRef>
+          </p:style>
+          <p:txBody>
+            <a:bodyPr rtlCol="0" anchor="ctr"/>
+            <a:lstStyle/>
+            <a:p>
+              <a:pPr algn="ctr"/>
+              <a:r>
+                <a:rPr lang="en-US" dirty="0">
+                  <a:solidFill>
+                    <a:schemeClr val="tx1"/>
+                  </a:solidFill>
+                </a:rPr>
+                <a:t>keyTuple</a:t>
+              </a:r>
+            </a:p>
+          </p:txBody>
+        </p:sp>
+        <p:sp>
+          <p:nvSpPr>
+            <p:cNvPr id="14" name="Rectangle 13">
+              <a:extLst>
+                <a:ext uri="{FF2B5EF4-FFF2-40B4-BE49-F238E27FC236}">
+                  <a16:creationId xmlns:a16="http://schemas.microsoft.com/office/drawing/2014/main" id="{9C8FBB45-D7A6-42C7-B235-F760967F1145}"/>
+                </a:ext>
+              </a:extLst>
+            </p:cNvPr>
+            <p:cNvSpPr/>
+            <p:nvPr/>
+          </p:nvSpPr>
+          <p:spPr>
+            <a:xfrm>
+              <a:off x="3674539" y="5765800"/>
+              <a:ext cx="1113183" cy="474135"/>
+            </a:xfrm>
+            <a:prstGeom prst="rect">
+              <a:avLst/>
+            </a:prstGeom>
+            <a:solidFill>
+              <a:schemeClr val="accent2">
+                <a:lumMod val="20000"/>
+                <a:lumOff val="80000"/>
+              </a:schemeClr>
+            </a:solidFill>
+            <a:ln>
+              <a:solidFill>
+                <a:schemeClr val="accent2">
+                  <a:lumMod val="75000"/>
+                </a:schemeClr>
+              </a:solidFill>
+            </a:ln>
+          </p:spPr>
+          <p:style>
+            <a:lnRef idx="2">
+              <a:schemeClr val="accent1">
+                <a:shade val="50000"/>
+              </a:schemeClr>
+            </a:lnRef>
+            <a:fillRef idx="1">
+              <a:schemeClr val="accent1"/>
+            </a:fillRef>
+            <a:effectRef idx="0">
+              <a:schemeClr val="accent1"/>
+            </a:effectRef>
+            <a:fontRef idx="minor">
+              <a:schemeClr val="lt1"/>
+            </a:fontRef>
+          </p:style>
+          <p:txBody>
+            <a:bodyPr rtlCol="0" anchor="ctr"/>
+            <a:lstStyle/>
+            <a:p>
+              <a:pPr algn="ctr"/>
+              <a:r>
+                <a:rPr lang="en-US" dirty="0">
+                  <a:solidFill>
+                    <a:schemeClr val="tx1"/>
+                  </a:solidFill>
+                </a:rPr>
+                <a:t>hashCode</a:t>
+              </a:r>
+            </a:p>
+          </p:txBody>
+        </p:sp>
+        <p:cxnSp>
+          <p:nvCxnSpPr>
+            <p:cNvPr id="21" name="Straight Arrow Connector 20">
+              <a:extLst>
+                <a:ext uri="{FF2B5EF4-FFF2-40B4-BE49-F238E27FC236}">
+                  <a16:creationId xmlns:a16="http://schemas.microsoft.com/office/drawing/2014/main" id="{BA1928B7-122E-436E-9C11-5F1992367EFA}"/>
+                </a:ext>
+              </a:extLst>
+            </p:cNvPr>
+            <p:cNvCxnSpPr>
+              <a:cxnSpLocks/>
+              <a:stCxn id="6" idx="4"/>
+              <a:endCxn id="97" idx="0"/>
+            </p:cNvCxnSpPr>
+            <p:nvPr/>
+          </p:nvCxnSpPr>
+          <p:spPr>
+            <a:xfrm>
+              <a:off x="3505200" y="3378199"/>
+              <a:ext cx="1111088" cy="355599"/>
+            </a:xfrm>
+            <a:prstGeom prst="straightConnector1">
+              <a:avLst/>
+            </a:prstGeom>
+            <a:ln w="25400">
+              <a:tailEnd type="triangle"/>
+            </a:ln>
+          </p:spPr>
+          <p:style>
+            <a:lnRef idx="1">
+              <a:schemeClr val="accent1"/>
+            </a:lnRef>
+            <a:fillRef idx="0">
+              <a:schemeClr val="accent1"/>
+            </a:fillRef>
+            <a:effectRef idx="0">
+              <a:schemeClr val="accent1"/>
+            </a:effectRef>
+            <a:fontRef idx="minor">
+              <a:schemeClr val="tx1"/>
+            </a:fontRef>
+          </p:style>
+        </p:cxnSp>
+        <p:cxnSp>
+          <p:nvCxnSpPr>
+            <p:cNvPr id="24" name="Straight Arrow Connector 23">
+              <a:extLst>
+                <a:ext uri="{FF2B5EF4-FFF2-40B4-BE49-F238E27FC236}">
+                  <a16:creationId xmlns:a16="http://schemas.microsoft.com/office/drawing/2014/main" id="{47328819-3BE3-4A48-8773-EDC2D98FEA27}"/>
+                </a:ext>
+              </a:extLst>
+            </p:cNvPr>
+            <p:cNvCxnSpPr>
+              <a:cxnSpLocks/>
+              <a:stCxn id="6" idx="4"/>
+              <a:endCxn id="7" idx="0"/>
+            </p:cNvCxnSpPr>
+            <p:nvPr/>
+          </p:nvCxnSpPr>
+          <p:spPr>
+            <a:xfrm flipH="1">
+              <a:off x="2633130" y="3378199"/>
+              <a:ext cx="872070" cy="355602"/>
+            </a:xfrm>
+            <a:prstGeom prst="straightConnector1">
+              <a:avLst/>
+            </a:prstGeom>
+            <a:ln w="25400">
+              <a:tailEnd type="triangle"/>
+            </a:ln>
+          </p:spPr>
+          <p:style>
+            <a:lnRef idx="1">
+              <a:schemeClr val="accent1"/>
+            </a:lnRef>
+            <a:fillRef idx="0">
+              <a:schemeClr val="accent1"/>
+            </a:fillRef>
+            <a:effectRef idx="0">
+              <a:schemeClr val="accent1"/>
+            </a:effectRef>
+            <a:fontRef idx="minor">
+              <a:schemeClr val="tx1"/>
+            </a:fontRef>
+          </p:style>
+        </p:cxnSp>
+        <p:cxnSp>
+          <p:nvCxnSpPr>
+            <p:cNvPr id="28" name="Straight Arrow Connector 27">
+              <a:extLst>
+                <a:ext uri="{FF2B5EF4-FFF2-40B4-BE49-F238E27FC236}">
+                  <a16:creationId xmlns:a16="http://schemas.microsoft.com/office/drawing/2014/main" id="{F979F2BB-2A8E-4FAA-A623-3A8233B87BAD}"/>
+                </a:ext>
+              </a:extLst>
+            </p:cNvPr>
+            <p:cNvCxnSpPr>
+              <a:cxnSpLocks/>
+              <a:stCxn id="7" idx="4"/>
+              <a:endCxn id="12" idx="0"/>
+            </p:cNvCxnSpPr>
+            <p:nvPr/>
+          </p:nvCxnSpPr>
+          <p:spPr>
+            <a:xfrm flipH="1">
+              <a:off x="2118692" y="4326468"/>
+              <a:ext cx="514438" cy="474132"/>
+            </a:xfrm>
+            <a:prstGeom prst="straightConnector1">
+              <a:avLst/>
+            </a:prstGeom>
+            <a:ln w="25400">
+              <a:tailEnd type="triangle"/>
+            </a:ln>
+          </p:spPr>
+          <p:style>
+            <a:lnRef idx="1">
+              <a:schemeClr val="accent1"/>
+            </a:lnRef>
+            <a:fillRef idx="0">
+              <a:schemeClr val="accent1"/>
+            </a:fillRef>
+            <a:effectRef idx="0">
+              <a:schemeClr val="accent1"/>
+            </a:effectRef>
+            <a:fontRef idx="minor">
+              <a:schemeClr val="tx1"/>
+            </a:fontRef>
+          </p:style>
+        </p:cxnSp>
+        <p:cxnSp>
+          <p:nvCxnSpPr>
+            <p:cNvPr id="29" name="Straight Arrow Connector 28">
+              <a:extLst>
+                <a:ext uri="{FF2B5EF4-FFF2-40B4-BE49-F238E27FC236}">
+                  <a16:creationId xmlns:a16="http://schemas.microsoft.com/office/drawing/2014/main" id="{77854EB6-A802-482D-8E4D-994FFB37E398}"/>
+                </a:ext>
+              </a:extLst>
+            </p:cNvPr>
+            <p:cNvCxnSpPr>
+              <a:cxnSpLocks/>
+              <a:stCxn id="7" idx="4"/>
+              <a:endCxn id="11" idx="0"/>
+            </p:cNvCxnSpPr>
+            <p:nvPr/>
+          </p:nvCxnSpPr>
+          <p:spPr>
+            <a:xfrm flipH="1">
+              <a:off x="878324" y="4326468"/>
+              <a:ext cx="1754806" cy="474132"/>
+            </a:xfrm>
+            <a:prstGeom prst="straightConnector1">
+              <a:avLst/>
+            </a:prstGeom>
+            <a:ln w="25400">
+              <a:tailEnd type="triangle"/>
+            </a:ln>
+          </p:spPr>
+          <p:style>
+            <a:lnRef idx="1">
+              <a:schemeClr val="accent1"/>
+            </a:lnRef>
+            <a:fillRef idx="0">
+              <a:schemeClr val="accent1"/>
+            </a:fillRef>
+            <a:effectRef idx="0">
+              <a:schemeClr val="accent1"/>
+            </a:effectRef>
+            <a:fontRef idx="minor">
+              <a:schemeClr val="tx1"/>
+            </a:fontRef>
+          </p:style>
+        </p:cxnSp>
+        <p:cxnSp>
+          <p:nvCxnSpPr>
+            <p:cNvPr id="34" name="Straight Arrow Connector 33">
+              <a:extLst>
+                <a:ext uri="{FF2B5EF4-FFF2-40B4-BE49-F238E27FC236}">
+                  <a16:creationId xmlns:a16="http://schemas.microsoft.com/office/drawing/2014/main" id="{2EEE02EA-787D-48B3-9C3F-F2350C227ADE}"/>
+                </a:ext>
+              </a:extLst>
+            </p:cNvPr>
+            <p:cNvCxnSpPr>
+              <a:cxnSpLocks/>
+              <a:stCxn id="7" idx="4"/>
+              <a:endCxn id="10" idx="0"/>
+            </p:cNvCxnSpPr>
+            <p:nvPr/>
+          </p:nvCxnSpPr>
+          <p:spPr>
+            <a:xfrm>
+              <a:off x="2633130" y="4326468"/>
+              <a:ext cx="872069" cy="355600"/>
+            </a:xfrm>
+            <a:prstGeom prst="straightConnector1">
+              <a:avLst/>
+            </a:prstGeom>
+            <a:ln w="25400">
+              <a:tailEnd type="triangle"/>
+            </a:ln>
+          </p:spPr>
+          <p:style>
+            <a:lnRef idx="1">
+              <a:schemeClr val="accent1"/>
+            </a:lnRef>
+            <a:fillRef idx="0">
+              <a:schemeClr val="accent1"/>
+            </a:fillRef>
+            <a:effectRef idx="0">
+              <a:schemeClr val="accent1"/>
+            </a:effectRef>
+            <a:fontRef idx="minor">
+              <a:schemeClr val="tx1"/>
+            </a:fontRef>
+          </p:style>
+        </p:cxnSp>
+        <p:cxnSp>
+          <p:nvCxnSpPr>
+            <p:cNvPr id="38" name="Straight Arrow Connector 37">
+              <a:extLst>
+                <a:ext uri="{FF2B5EF4-FFF2-40B4-BE49-F238E27FC236}">
+                  <a16:creationId xmlns:a16="http://schemas.microsoft.com/office/drawing/2014/main" id="{7FA096D1-D278-4E26-9B3E-4A6C1026E513}"/>
+                </a:ext>
+              </a:extLst>
+            </p:cNvPr>
+            <p:cNvCxnSpPr>
+              <a:cxnSpLocks/>
+              <a:stCxn id="10" idx="4"/>
+              <a:endCxn id="14" idx="0"/>
+            </p:cNvCxnSpPr>
+            <p:nvPr/>
+          </p:nvCxnSpPr>
+          <p:spPr>
+            <a:xfrm>
+              <a:off x="3505199" y="5274735"/>
+              <a:ext cx="725932" cy="491065"/>
+            </a:xfrm>
+            <a:prstGeom prst="straightConnector1">
+              <a:avLst/>
+            </a:prstGeom>
+            <a:ln w="25400">
+              <a:tailEnd type="triangle"/>
+            </a:ln>
+          </p:spPr>
+          <p:style>
+            <a:lnRef idx="1">
+              <a:schemeClr val="accent1"/>
+            </a:lnRef>
+            <a:fillRef idx="0">
+              <a:schemeClr val="accent1"/>
+            </a:fillRef>
+            <a:effectRef idx="0">
+              <a:schemeClr val="accent1"/>
+            </a:effectRef>
+            <a:fontRef idx="minor">
+              <a:schemeClr val="tx1"/>
+            </a:fontRef>
+          </p:style>
+        </p:cxnSp>
+        <p:cxnSp>
+          <p:nvCxnSpPr>
+            <p:cNvPr id="41" name="Straight Arrow Connector 40">
+              <a:extLst>
+                <a:ext uri="{FF2B5EF4-FFF2-40B4-BE49-F238E27FC236}">
+                  <a16:creationId xmlns:a16="http://schemas.microsoft.com/office/drawing/2014/main" id="{CA747813-BD5F-4212-855C-EBEEE8361047}"/>
+                </a:ext>
+              </a:extLst>
+            </p:cNvPr>
+            <p:cNvCxnSpPr>
+              <a:cxnSpLocks/>
+              <a:stCxn id="10" idx="4"/>
+              <a:endCxn id="13" idx="0"/>
+            </p:cNvCxnSpPr>
+            <p:nvPr/>
+          </p:nvCxnSpPr>
+          <p:spPr>
+            <a:xfrm flipH="1">
+              <a:off x="2779268" y="5274735"/>
+              <a:ext cx="725931" cy="491065"/>
+            </a:xfrm>
+            <a:prstGeom prst="straightConnector1">
+              <a:avLst/>
+            </a:prstGeom>
+            <a:ln w="25400">
+              <a:tailEnd type="triangle"/>
+            </a:ln>
+          </p:spPr>
+          <p:style>
+            <a:lnRef idx="1">
+              <a:schemeClr val="accent1"/>
+            </a:lnRef>
+            <a:fillRef idx="0">
+              <a:schemeClr val="accent1"/>
+            </a:fillRef>
+            <a:effectRef idx="0">
+              <a:schemeClr val="accent1"/>
+            </a:effectRef>
+            <a:fontRef idx="minor">
+              <a:schemeClr val="tx1"/>
+            </a:fontRef>
+          </p:style>
+        </p:cxnSp>
+        <p:sp>
+          <p:nvSpPr>
+            <p:cNvPr id="97" name="Rectangle 96">
+              <a:extLst>
+                <a:ext uri="{FF2B5EF4-FFF2-40B4-BE49-F238E27FC236}">
+                  <a16:creationId xmlns:a16="http://schemas.microsoft.com/office/drawing/2014/main" id="{57D10D98-D021-429B-A061-7A8DD0CFAD02}"/>
+                </a:ext>
+              </a:extLst>
+            </p:cNvPr>
+            <p:cNvSpPr/>
+            <p:nvPr/>
+          </p:nvSpPr>
+          <p:spPr>
+            <a:xfrm>
+              <a:off x="3913558" y="3733798"/>
+              <a:ext cx="1405459" cy="474135"/>
+            </a:xfrm>
+            <a:prstGeom prst="rect">
+              <a:avLst/>
+            </a:prstGeom>
+            <a:solidFill>
+              <a:schemeClr val="accent2">
+                <a:lumMod val="20000"/>
+                <a:lumOff val="80000"/>
+              </a:schemeClr>
+            </a:solidFill>
+            <a:ln>
+              <a:solidFill>
+                <a:schemeClr val="accent2">
+                  <a:lumMod val="75000"/>
+                </a:schemeClr>
+              </a:solidFill>
+            </a:ln>
+          </p:spPr>
+          <p:style>
+            <a:lnRef idx="2">
+              <a:schemeClr val="accent1">
+                <a:shade val="50000"/>
+              </a:schemeClr>
+            </a:lnRef>
+            <a:fillRef idx="1">
+              <a:schemeClr val="accent1"/>
+            </a:fillRef>
+            <a:effectRef idx="0">
+              <a:schemeClr val="accent1"/>
+            </a:effectRef>
+            <a:fontRef idx="minor">
+              <a:schemeClr val="lt1"/>
+            </a:fontRef>
+          </p:style>
+          <p:txBody>
+            <a:bodyPr rtlCol="0" anchor="ctr"/>
+            <a:lstStyle/>
+            <a:p>
+              <a:pPr algn="ctr"/>
+              <a:r>
+                <a:rPr lang="en-US" dirty="0">
+                  <a:solidFill>
+                    <a:schemeClr val="tx1"/>
+                  </a:solidFill>
+                </a:rPr>
+                <a:t>totalReducer</a:t>
+              </a:r>
+            </a:p>
+          </p:txBody>
+        </p:sp>
+      </p:grpSp>
+      <p:grpSp>
+        <p:nvGrpSpPr>
+          <p:cNvPr id="47" name="Group 46">
+            <a:extLst>
+              <a:ext uri="{FF2B5EF4-FFF2-40B4-BE49-F238E27FC236}">
+                <a16:creationId xmlns:a16="http://schemas.microsoft.com/office/drawing/2014/main" id="{8BFBCA32-7BA1-4DEA-842F-EA77123DDB94}"/>
+              </a:ext>
+            </a:extLst>
+          </p:cNvPr>
+          <p:cNvGrpSpPr/>
+          <p:nvPr/>
+        </p:nvGrpSpPr>
+        <p:grpSpPr>
+          <a:xfrm>
+            <a:off x="6705653" y="2829169"/>
+            <a:ext cx="5113761" cy="3359869"/>
+            <a:chOff x="982239" y="2880066"/>
+            <a:chExt cx="5113761" cy="3359869"/>
+          </a:xfrm>
+        </p:grpSpPr>
+        <p:sp>
+          <p:nvSpPr>
+            <p:cNvPr id="50" name="Oval 49">
+              <a:extLst>
+                <a:ext uri="{FF2B5EF4-FFF2-40B4-BE49-F238E27FC236}">
+                  <a16:creationId xmlns:a16="http://schemas.microsoft.com/office/drawing/2014/main" id="{545B9150-A142-48A3-9D9A-90197336B0B4}"/>
+                </a:ext>
+              </a:extLst>
+            </p:cNvPr>
+            <p:cNvSpPr/>
+            <p:nvPr/>
+          </p:nvSpPr>
+          <p:spPr>
+            <a:xfrm>
+              <a:off x="3723306" y="3742653"/>
+              <a:ext cx="1151467" cy="592667"/>
+            </a:xfrm>
+            <a:prstGeom prst="ellipse">
+              <a:avLst/>
+            </a:prstGeom>
+            <a:solidFill>
+              <a:schemeClr val="accent6">
+                <a:lumMod val="20000"/>
+                <a:lumOff val="80000"/>
+              </a:schemeClr>
+            </a:solidFill>
+            <a:ln>
+              <a:solidFill>
+                <a:schemeClr val="accent6">
+                  <a:lumMod val="75000"/>
+                </a:schemeClr>
+              </a:solidFill>
+            </a:ln>
+          </p:spPr>
+          <p:style>
+            <a:lnRef idx="2">
+              <a:schemeClr val="accent1">
+                <a:shade val="50000"/>
+              </a:schemeClr>
+            </a:lnRef>
+            <a:fillRef idx="1">
+              <a:schemeClr val="accent1"/>
+            </a:fillRef>
+            <a:effectRef idx="0">
+              <a:schemeClr val="accent1"/>
+            </a:effectRef>
+            <a:fontRef idx="minor">
+              <a:schemeClr val="lt1"/>
+            </a:fontRef>
+          </p:style>
+          <p:txBody>
+            <a:bodyPr rtlCol="0" anchor="ctr"/>
+            <a:lstStyle/>
+            <a:p>
+              <a:pPr algn="ctr"/>
+              <a:r>
+                <a:rPr lang="en-US" dirty="0">
+                  <a:solidFill>
+                    <a:schemeClr val="tx1"/>
+                  </a:solidFill>
+                </a:rPr>
+                <a:t>%</a:t>
+              </a:r>
+            </a:p>
+          </p:txBody>
+        </p:sp>
+        <p:sp>
+          <p:nvSpPr>
+            <p:cNvPr id="51" name="Oval 50">
+              <a:extLst>
+                <a:ext uri="{FF2B5EF4-FFF2-40B4-BE49-F238E27FC236}">
+                  <a16:creationId xmlns:a16="http://schemas.microsoft.com/office/drawing/2014/main" id="{2B1E1C85-FBA7-4FEE-95C1-2C64251A2266}"/>
+                </a:ext>
+              </a:extLst>
+            </p:cNvPr>
+            <p:cNvSpPr/>
+            <p:nvPr/>
+          </p:nvSpPr>
+          <p:spPr>
+            <a:xfrm>
+              <a:off x="2838481" y="2880066"/>
+              <a:ext cx="1405459" cy="592667"/>
+            </a:xfrm>
+            <a:prstGeom prst="ellipse">
+              <a:avLst/>
+            </a:prstGeom>
+            <a:solidFill>
+              <a:schemeClr val="accent6">
+                <a:lumMod val="20000"/>
+                <a:lumOff val="80000"/>
+              </a:schemeClr>
+            </a:solidFill>
+            <a:ln>
+              <a:solidFill>
+                <a:schemeClr val="accent6">
+                  <a:lumMod val="75000"/>
+                </a:schemeClr>
+              </a:solidFill>
+            </a:ln>
+          </p:spPr>
+          <p:style>
+            <a:lnRef idx="2">
+              <a:schemeClr val="accent1">
+                <a:shade val="50000"/>
+              </a:schemeClr>
+            </a:lnRef>
+            <a:fillRef idx="1">
+              <a:schemeClr val="accent1"/>
+            </a:fillRef>
+            <a:effectRef idx="0">
+              <a:schemeClr val="accent1"/>
+            </a:effectRef>
+            <a:fontRef idx="minor">
+              <a:schemeClr val="lt1"/>
+            </a:fontRef>
+          </p:style>
+          <p:txBody>
+            <a:bodyPr rtlCol="0" anchor="ctr"/>
+            <a:lstStyle/>
+            <a:p>
+              <a:pPr algn="ctr"/>
+              <a:r>
+                <a:rPr lang="en-US" dirty="0">
+                  <a:solidFill>
+                    <a:schemeClr val="tx1"/>
+                  </a:solidFill>
+                </a:rPr>
+                <a:t>Method Call</a:t>
+              </a:r>
+            </a:p>
+          </p:txBody>
+        </p:sp>
+        <p:sp>
+          <p:nvSpPr>
+            <p:cNvPr id="53" name="Oval 52">
+              <a:extLst>
+                <a:ext uri="{FF2B5EF4-FFF2-40B4-BE49-F238E27FC236}">
+                  <a16:creationId xmlns:a16="http://schemas.microsoft.com/office/drawing/2014/main" id="{14F09324-B5A6-4FC1-B05C-92630925B808}"/>
+                </a:ext>
+              </a:extLst>
+            </p:cNvPr>
+            <p:cNvSpPr/>
+            <p:nvPr/>
+          </p:nvSpPr>
+          <p:spPr>
+            <a:xfrm>
+              <a:off x="2802469" y="4682068"/>
+              <a:ext cx="1405459" cy="592667"/>
+            </a:xfrm>
+            <a:prstGeom prst="ellipse">
+              <a:avLst/>
+            </a:prstGeom>
+            <a:solidFill>
+              <a:schemeClr val="accent6">
+                <a:lumMod val="20000"/>
+                <a:lumOff val="80000"/>
+              </a:schemeClr>
+            </a:solidFill>
+            <a:ln>
+              <a:solidFill>
+                <a:schemeClr val="accent6">
+                  <a:lumMod val="75000"/>
+                </a:schemeClr>
+              </a:solidFill>
+            </a:ln>
+          </p:spPr>
+          <p:style>
+            <a:lnRef idx="2">
+              <a:schemeClr val="accent1">
+                <a:shade val="50000"/>
+              </a:schemeClr>
+            </a:lnRef>
+            <a:fillRef idx="1">
+              <a:schemeClr val="accent1"/>
+            </a:fillRef>
+            <a:effectRef idx="0">
+              <a:schemeClr val="accent1"/>
+            </a:effectRef>
+            <a:fontRef idx="minor">
+              <a:schemeClr val="lt1"/>
+            </a:fontRef>
+          </p:style>
+          <p:txBody>
+            <a:bodyPr rtlCol="0" anchor="ctr"/>
+            <a:lstStyle/>
+            <a:p>
+              <a:pPr algn="ctr"/>
+              <a:r>
+                <a:rPr lang="en-US" dirty="0">
+                  <a:solidFill>
+                    <a:schemeClr val="tx1"/>
+                  </a:solidFill>
+                </a:rPr>
+                <a:t>Method Call</a:t>
+              </a:r>
+            </a:p>
+          </p:txBody>
+        </p:sp>
+        <p:sp>
+          <p:nvSpPr>
+            <p:cNvPr id="54" name="Rectangle 53">
+              <a:extLst>
+                <a:ext uri="{FF2B5EF4-FFF2-40B4-BE49-F238E27FC236}">
+                  <a16:creationId xmlns:a16="http://schemas.microsoft.com/office/drawing/2014/main" id="{D82F7DF5-4F28-4B64-969E-C6399624B030}"/>
+                </a:ext>
+              </a:extLst>
+            </p:cNvPr>
+            <p:cNvSpPr/>
+            <p:nvPr/>
+          </p:nvSpPr>
+          <p:spPr>
+            <a:xfrm>
+              <a:off x="982239" y="3797492"/>
+              <a:ext cx="1113183" cy="474135"/>
+            </a:xfrm>
+            <a:prstGeom prst="rect">
+              <a:avLst/>
+            </a:prstGeom>
+            <a:solidFill>
+              <a:schemeClr val="accent2">
+                <a:lumMod val="20000"/>
+                <a:lumOff val="80000"/>
+              </a:schemeClr>
+            </a:solidFill>
+            <a:ln>
+              <a:solidFill>
+                <a:schemeClr val="accent2">
+                  <a:lumMod val="75000"/>
+                </a:schemeClr>
+              </a:solidFill>
+            </a:ln>
+          </p:spPr>
+          <p:style>
+            <a:lnRef idx="2">
+              <a:schemeClr val="accent1">
+                <a:shade val="50000"/>
+              </a:schemeClr>
+            </a:lnRef>
+            <a:fillRef idx="1">
+              <a:schemeClr val="accent1"/>
+            </a:fillRef>
+            <a:effectRef idx="0">
+              <a:schemeClr val="accent1"/>
+            </a:effectRef>
+            <a:fontRef idx="minor">
+              <a:schemeClr val="lt1"/>
+            </a:fontRef>
+          </p:style>
+          <p:txBody>
+            <a:bodyPr rtlCol="0" anchor="ctr"/>
+            <a:lstStyle/>
+            <a:p>
+              <a:pPr algn="ctr"/>
+              <a:r>
+                <a:rPr lang="en-US" dirty="0">
+                  <a:solidFill>
+                    <a:schemeClr val="tx1"/>
+                  </a:solidFill>
+                </a:rPr>
+                <a:t>Math</a:t>
+              </a:r>
+            </a:p>
+          </p:txBody>
+        </p:sp>
+        <p:sp>
+          <p:nvSpPr>
+            <p:cNvPr id="55" name="Rectangle 54">
+              <a:extLst>
+                <a:ext uri="{FF2B5EF4-FFF2-40B4-BE49-F238E27FC236}">
+                  <a16:creationId xmlns:a16="http://schemas.microsoft.com/office/drawing/2014/main" id="{BF00A965-E680-43DD-8D1B-74ECA505CC67}"/>
+                </a:ext>
+              </a:extLst>
+            </p:cNvPr>
+            <p:cNvSpPr/>
+            <p:nvPr/>
+          </p:nvSpPr>
+          <p:spPr>
+            <a:xfrm>
+              <a:off x="2222607" y="3797492"/>
+              <a:ext cx="1113183" cy="474135"/>
+            </a:xfrm>
+            <a:prstGeom prst="rect">
+              <a:avLst/>
+            </a:prstGeom>
+            <a:solidFill>
+              <a:schemeClr val="accent2">
+                <a:lumMod val="20000"/>
+                <a:lumOff val="80000"/>
+              </a:schemeClr>
+            </a:solidFill>
+            <a:ln>
+              <a:solidFill>
+                <a:schemeClr val="accent2">
+                  <a:lumMod val="75000"/>
+                </a:schemeClr>
+              </a:solidFill>
+            </a:ln>
+          </p:spPr>
+          <p:style>
+            <a:lnRef idx="2">
+              <a:schemeClr val="accent1">
+                <a:shade val="50000"/>
+              </a:schemeClr>
+            </a:lnRef>
+            <a:fillRef idx="1">
+              <a:schemeClr val="accent1"/>
+            </a:fillRef>
+            <a:effectRef idx="0">
+              <a:schemeClr val="accent1"/>
+            </a:effectRef>
+            <a:fontRef idx="minor">
+              <a:schemeClr val="lt1"/>
+            </a:fontRef>
+          </p:style>
+          <p:txBody>
+            <a:bodyPr rtlCol="0" anchor="ctr"/>
+            <a:lstStyle/>
+            <a:p>
+              <a:pPr algn="ctr"/>
+              <a:r>
+                <a:rPr lang="en-US" dirty="0">
+                  <a:solidFill>
+                    <a:schemeClr val="tx1"/>
+                  </a:solidFill>
+                </a:rPr>
+                <a:t>abs</a:t>
+              </a:r>
+            </a:p>
+          </p:txBody>
+        </p:sp>
+        <p:sp>
+          <p:nvSpPr>
+            <p:cNvPr id="56" name="Rectangle 55">
+              <a:extLst>
+                <a:ext uri="{FF2B5EF4-FFF2-40B4-BE49-F238E27FC236}">
+                  <a16:creationId xmlns:a16="http://schemas.microsoft.com/office/drawing/2014/main" id="{DA466899-7937-442B-8256-075A39B51CFF}"/>
+                </a:ext>
+              </a:extLst>
+            </p:cNvPr>
+            <p:cNvSpPr/>
+            <p:nvPr/>
+          </p:nvSpPr>
+          <p:spPr>
+            <a:xfrm>
+              <a:off x="2222676" y="5765800"/>
+              <a:ext cx="1113183" cy="474135"/>
+            </a:xfrm>
+            <a:prstGeom prst="rect">
+              <a:avLst/>
+            </a:prstGeom>
+            <a:solidFill>
+              <a:schemeClr val="accent2">
+                <a:lumMod val="20000"/>
+                <a:lumOff val="80000"/>
+              </a:schemeClr>
+            </a:solidFill>
+            <a:ln>
+              <a:solidFill>
+                <a:schemeClr val="accent2">
+                  <a:lumMod val="75000"/>
+                </a:schemeClr>
+              </a:solidFill>
+            </a:ln>
+          </p:spPr>
+          <p:style>
+            <a:lnRef idx="2">
+              <a:schemeClr val="accent1">
+                <a:shade val="50000"/>
+              </a:schemeClr>
+            </a:lnRef>
+            <a:fillRef idx="1">
+              <a:schemeClr val="accent1"/>
+            </a:fillRef>
+            <a:effectRef idx="0">
+              <a:schemeClr val="accent1"/>
+            </a:effectRef>
+            <a:fontRef idx="minor">
+              <a:schemeClr val="lt1"/>
+            </a:fontRef>
+          </p:style>
+          <p:txBody>
+            <a:bodyPr rtlCol="0" anchor="ctr"/>
+            <a:lstStyle/>
+            <a:p>
+              <a:pPr algn="ctr"/>
+              <a:r>
+                <a:rPr lang="en-US" dirty="0">
+                  <a:solidFill>
+                    <a:schemeClr val="tx1"/>
+                  </a:solidFill>
+                </a:rPr>
+                <a:t>keyTuple</a:t>
+              </a:r>
+            </a:p>
+          </p:txBody>
+        </p:sp>
+        <p:sp>
+          <p:nvSpPr>
+            <p:cNvPr id="57" name="Rectangle 56">
+              <a:extLst>
+                <a:ext uri="{FF2B5EF4-FFF2-40B4-BE49-F238E27FC236}">
+                  <a16:creationId xmlns:a16="http://schemas.microsoft.com/office/drawing/2014/main" id="{4414F402-7CA6-4DF9-B2C6-7DCC1EF57572}"/>
+                </a:ext>
+              </a:extLst>
+            </p:cNvPr>
+            <p:cNvSpPr/>
+            <p:nvPr/>
+          </p:nvSpPr>
+          <p:spPr>
+            <a:xfrm>
+              <a:off x="3674539" y="5765800"/>
+              <a:ext cx="1113183" cy="474135"/>
+            </a:xfrm>
+            <a:prstGeom prst="rect">
+              <a:avLst/>
+            </a:prstGeom>
+            <a:solidFill>
+              <a:schemeClr val="accent2">
+                <a:lumMod val="20000"/>
+                <a:lumOff val="80000"/>
+              </a:schemeClr>
+            </a:solidFill>
+            <a:ln>
+              <a:solidFill>
+                <a:schemeClr val="accent2">
+                  <a:lumMod val="75000"/>
+                </a:schemeClr>
+              </a:solidFill>
+            </a:ln>
+          </p:spPr>
+          <p:style>
+            <a:lnRef idx="2">
+              <a:schemeClr val="accent1">
+                <a:shade val="50000"/>
+              </a:schemeClr>
+            </a:lnRef>
+            <a:fillRef idx="1">
+              <a:schemeClr val="accent1"/>
+            </a:fillRef>
+            <a:effectRef idx="0">
+              <a:schemeClr val="accent1"/>
+            </a:effectRef>
+            <a:fontRef idx="minor">
+              <a:schemeClr val="lt1"/>
+            </a:fontRef>
+          </p:style>
+          <p:txBody>
+            <a:bodyPr rtlCol="0" anchor="ctr"/>
+            <a:lstStyle/>
+            <a:p>
+              <a:pPr algn="ctr"/>
+              <a:r>
+                <a:rPr lang="en-US" dirty="0">
+                  <a:solidFill>
+                    <a:schemeClr val="tx1"/>
+                  </a:solidFill>
+                </a:rPr>
+                <a:t>hashCode</a:t>
+              </a:r>
+            </a:p>
+          </p:txBody>
+        </p:sp>
+        <p:cxnSp>
+          <p:nvCxnSpPr>
+            <p:cNvPr id="60" name="Straight Arrow Connector 59">
+              <a:extLst>
+                <a:ext uri="{FF2B5EF4-FFF2-40B4-BE49-F238E27FC236}">
+                  <a16:creationId xmlns:a16="http://schemas.microsoft.com/office/drawing/2014/main" id="{C0212933-BF1D-40C4-83CF-182B3AA919E0}"/>
+                </a:ext>
+              </a:extLst>
+            </p:cNvPr>
+            <p:cNvCxnSpPr>
+              <a:cxnSpLocks/>
+              <a:stCxn id="50" idx="4"/>
+              <a:endCxn id="104" idx="0"/>
+            </p:cNvCxnSpPr>
+            <p:nvPr/>
+          </p:nvCxnSpPr>
+          <p:spPr>
+            <a:xfrm>
+              <a:off x="4299040" y="4335320"/>
+              <a:ext cx="1088454" cy="406013"/>
+            </a:xfrm>
+            <a:prstGeom prst="straightConnector1">
+              <a:avLst/>
+            </a:prstGeom>
+            <a:ln w="25400">
+              <a:tailEnd type="triangle"/>
+            </a:ln>
+          </p:spPr>
+          <p:style>
+            <a:lnRef idx="1">
+              <a:schemeClr val="accent1"/>
+            </a:lnRef>
+            <a:fillRef idx="0">
+              <a:schemeClr val="accent1"/>
+            </a:fillRef>
+            <a:effectRef idx="0">
+              <a:schemeClr val="accent1"/>
+            </a:effectRef>
+            <a:fontRef idx="minor">
+              <a:schemeClr val="tx1"/>
+            </a:fontRef>
+          </p:style>
+        </p:cxnSp>
+        <p:cxnSp>
+          <p:nvCxnSpPr>
+            <p:cNvPr id="61" name="Straight Arrow Connector 60">
+              <a:extLst>
+                <a:ext uri="{FF2B5EF4-FFF2-40B4-BE49-F238E27FC236}">
+                  <a16:creationId xmlns:a16="http://schemas.microsoft.com/office/drawing/2014/main" id="{312204CA-E674-4546-B423-DFD8ED10F3B4}"/>
+                </a:ext>
+              </a:extLst>
+            </p:cNvPr>
+            <p:cNvCxnSpPr>
+              <a:cxnSpLocks/>
+              <a:stCxn id="50" idx="4"/>
+              <a:endCxn id="53" idx="0"/>
+            </p:cNvCxnSpPr>
+            <p:nvPr/>
+          </p:nvCxnSpPr>
+          <p:spPr>
+            <a:xfrm flipH="1">
+              <a:off x="3505199" y="4335320"/>
+              <a:ext cx="793841" cy="346748"/>
+            </a:xfrm>
+            <a:prstGeom prst="straightConnector1">
+              <a:avLst/>
+            </a:prstGeom>
+            <a:ln w="25400">
+              <a:tailEnd type="triangle"/>
+            </a:ln>
+          </p:spPr>
+          <p:style>
+            <a:lnRef idx="1">
+              <a:schemeClr val="accent1"/>
+            </a:lnRef>
+            <a:fillRef idx="0">
+              <a:schemeClr val="accent1"/>
+            </a:fillRef>
+            <a:effectRef idx="0">
+              <a:schemeClr val="accent1"/>
+            </a:effectRef>
+            <a:fontRef idx="minor">
+              <a:schemeClr val="tx1"/>
+            </a:fontRef>
+          </p:style>
+        </p:cxnSp>
+        <p:cxnSp>
+          <p:nvCxnSpPr>
+            <p:cNvPr id="62" name="Straight Arrow Connector 61">
+              <a:extLst>
+                <a:ext uri="{FF2B5EF4-FFF2-40B4-BE49-F238E27FC236}">
+                  <a16:creationId xmlns:a16="http://schemas.microsoft.com/office/drawing/2014/main" id="{C3E63BDB-F2EA-4E18-8B97-F300032D107E}"/>
+                </a:ext>
+              </a:extLst>
+            </p:cNvPr>
+            <p:cNvCxnSpPr>
+              <a:cxnSpLocks/>
+              <a:stCxn id="51" idx="4"/>
+              <a:endCxn id="55" idx="0"/>
+            </p:cNvCxnSpPr>
+            <p:nvPr/>
+          </p:nvCxnSpPr>
+          <p:spPr>
+            <a:xfrm flipH="1">
+              <a:off x="2779199" y="3472733"/>
+              <a:ext cx="762012" cy="324759"/>
+            </a:xfrm>
+            <a:prstGeom prst="straightConnector1">
+              <a:avLst/>
+            </a:prstGeom>
+            <a:ln w="25400">
+              <a:tailEnd type="triangle"/>
+            </a:ln>
+          </p:spPr>
+          <p:style>
+            <a:lnRef idx="1">
+              <a:schemeClr val="accent1"/>
+            </a:lnRef>
+            <a:fillRef idx="0">
+              <a:schemeClr val="accent1"/>
+            </a:fillRef>
+            <a:effectRef idx="0">
+              <a:schemeClr val="accent1"/>
+            </a:effectRef>
+            <a:fontRef idx="minor">
+              <a:schemeClr val="tx1"/>
+            </a:fontRef>
+          </p:style>
+        </p:cxnSp>
+        <p:cxnSp>
+          <p:nvCxnSpPr>
+            <p:cNvPr id="63" name="Straight Arrow Connector 62">
+              <a:extLst>
+                <a:ext uri="{FF2B5EF4-FFF2-40B4-BE49-F238E27FC236}">
+                  <a16:creationId xmlns:a16="http://schemas.microsoft.com/office/drawing/2014/main" id="{F6208F93-24C7-45B8-B8B2-8FC7D04F3B93}"/>
+                </a:ext>
+              </a:extLst>
+            </p:cNvPr>
+            <p:cNvCxnSpPr>
+              <a:cxnSpLocks/>
+              <a:stCxn id="51" idx="4"/>
+              <a:endCxn id="54" idx="0"/>
+            </p:cNvCxnSpPr>
+            <p:nvPr/>
+          </p:nvCxnSpPr>
+          <p:spPr>
+            <a:xfrm flipH="1">
+              <a:off x="1538831" y="3472733"/>
+              <a:ext cx="2002380" cy="324759"/>
+            </a:xfrm>
+            <a:prstGeom prst="straightConnector1">
+              <a:avLst/>
+            </a:prstGeom>
+            <a:ln w="25400">
+              <a:tailEnd type="triangle"/>
+            </a:ln>
+          </p:spPr>
+          <p:style>
+            <a:lnRef idx="1">
+              <a:schemeClr val="accent1"/>
+            </a:lnRef>
+            <a:fillRef idx="0">
+              <a:schemeClr val="accent1"/>
+            </a:fillRef>
+            <a:effectRef idx="0">
+              <a:schemeClr val="accent1"/>
+            </a:effectRef>
+            <a:fontRef idx="minor">
+              <a:schemeClr val="tx1"/>
+            </a:fontRef>
+          </p:style>
+        </p:cxnSp>
+        <p:cxnSp>
+          <p:nvCxnSpPr>
+            <p:cNvPr id="64" name="Straight Arrow Connector 63">
+              <a:extLst>
+                <a:ext uri="{FF2B5EF4-FFF2-40B4-BE49-F238E27FC236}">
+                  <a16:creationId xmlns:a16="http://schemas.microsoft.com/office/drawing/2014/main" id="{A51E567A-BCE1-4167-B193-EC9B4D24A014}"/>
+                </a:ext>
+              </a:extLst>
+            </p:cNvPr>
+            <p:cNvCxnSpPr>
+              <a:cxnSpLocks/>
+              <a:stCxn id="51" idx="4"/>
+              <a:endCxn id="50" idx="0"/>
+            </p:cNvCxnSpPr>
+            <p:nvPr/>
+          </p:nvCxnSpPr>
+          <p:spPr>
+            <a:xfrm>
+              <a:off x="3541211" y="3472733"/>
+              <a:ext cx="757829" cy="269920"/>
+            </a:xfrm>
+            <a:prstGeom prst="straightConnector1">
+              <a:avLst/>
+            </a:prstGeom>
+            <a:ln w="25400">
+              <a:tailEnd type="triangle"/>
+            </a:ln>
+          </p:spPr>
+          <p:style>
+            <a:lnRef idx="1">
+              <a:schemeClr val="accent1"/>
+            </a:lnRef>
+            <a:fillRef idx="0">
+              <a:schemeClr val="accent1"/>
+            </a:fillRef>
+            <a:effectRef idx="0">
+              <a:schemeClr val="accent1"/>
+            </a:effectRef>
+            <a:fontRef idx="minor">
+              <a:schemeClr val="tx1"/>
+            </a:fontRef>
+          </p:style>
+        </p:cxnSp>
+        <p:cxnSp>
+          <p:nvCxnSpPr>
+            <p:cNvPr id="65" name="Straight Arrow Connector 64">
+              <a:extLst>
+                <a:ext uri="{FF2B5EF4-FFF2-40B4-BE49-F238E27FC236}">
+                  <a16:creationId xmlns:a16="http://schemas.microsoft.com/office/drawing/2014/main" id="{8E1F410B-05F5-47B1-8F7F-0C624C19CC21}"/>
+                </a:ext>
+              </a:extLst>
+            </p:cNvPr>
+            <p:cNvCxnSpPr>
+              <a:cxnSpLocks/>
+              <a:stCxn id="53" idx="4"/>
+              <a:endCxn id="57" idx="0"/>
+            </p:cNvCxnSpPr>
+            <p:nvPr/>
+          </p:nvCxnSpPr>
+          <p:spPr>
+            <a:xfrm>
+              <a:off x="3505199" y="5274735"/>
+              <a:ext cx="725932" cy="491065"/>
+            </a:xfrm>
+            <a:prstGeom prst="straightConnector1">
+              <a:avLst/>
+            </a:prstGeom>
+            <a:ln w="25400">
+              <a:tailEnd type="triangle"/>
+            </a:ln>
+          </p:spPr>
+          <p:style>
+            <a:lnRef idx="1">
+              <a:schemeClr val="accent1"/>
+            </a:lnRef>
+            <a:fillRef idx="0">
+              <a:schemeClr val="accent1"/>
+            </a:fillRef>
+            <a:effectRef idx="0">
+              <a:schemeClr val="accent1"/>
+            </a:effectRef>
+            <a:fontRef idx="minor">
+              <a:schemeClr val="tx1"/>
+            </a:fontRef>
+          </p:style>
+        </p:cxnSp>
+        <p:cxnSp>
+          <p:nvCxnSpPr>
+            <p:cNvPr id="66" name="Straight Arrow Connector 65">
+              <a:extLst>
+                <a:ext uri="{FF2B5EF4-FFF2-40B4-BE49-F238E27FC236}">
+                  <a16:creationId xmlns:a16="http://schemas.microsoft.com/office/drawing/2014/main" id="{6977762A-11BC-42A3-BD2F-FE13E279686A}"/>
+                </a:ext>
+              </a:extLst>
+            </p:cNvPr>
+            <p:cNvCxnSpPr>
+              <a:cxnSpLocks/>
+              <a:stCxn id="53" idx="4"/>
+              <a:endCxn id="56" idx="0"/>
+            </p:cNvCxnSpPr>
+            <p:nvPr/>
+          </p:nvCxnSpPr>
+          <p:spPr>
+            <a:xfrm flipH="1">
+              <a:off x="2779268" y="5274735"/>
+              <a:ext cx="725931" cy="491065"/>
+            </a:xfrm>
+            <a:prstGeom prst="straightConnector1">
+              <a:avLst/>
+            </a:prstGeom>
+            <a:ln w="25400">
+              <a:tailEnd type="triangle"/>
+            </a:ln>
+          </p:spPr>
+          <p:style>
+            <a:lnRef idx="1">
+              <a:schemeClr val="accent1"/>
+            </a:lnRef>
+            <a:fillRef idx="0">
+              <a:schemeClr val="accent1"/>
+            </a:fillRef>
+            <a:effectRef idx="0">
+              <a:schemeClr val="accent1"/>
+            </a:effectRef>
+            <a:fontRef idx="minor">
+              <a:schemeClr val="tx1"/>
+            </a:fontRef>
+          </p:style>
+        </p:cxnSp>
+        <p:sp>
+          <p:nvSpPr>
+            <p:cNvPr id="104" name="Rectangle 103">
+              <a:extLst>
+                <a:ext uri="{FF2B5EF4-FFF2-40B4-BE49-F238E27FC236}">
+                  <a16:creationId xmlns:a16="http://schemas.microsoft.com/office/drawing/2014/main" id="{7EC2692F-59D6-498E-B848-75EAB827AA78}"/>
+                </a:ext>
+              </a:extLst>
+            </p:cNvPr>
+            <p:cNvSpPr/>
+            <p:nvPr/>
+          </p:nvSpPr>
+          <p:spPr>
+            <a:xfrm>
+              <a:off x="4678987" y="4741333"/>
+              <a:ext cx="1417013" cy="474135"/>
+            </a:xfrm>
+            <a:prstGeom prst="rect">
+              <a:avLst/>
+            </a:prstGeom>
+            <a:solidFill>
+              <a:schemeClr val="accent2">
+                <a:lumMod val="20000"/>
+                <a:lumOff val="80000"/>
+              </a:schemeClr>
+            </a:solidFill>
+            <a:ln>
+              <a:solidFill>
+                <a:schemeClr val="accent2">
+                  <a:lumMod val="75000"/>
+                </a:schemeClr>
+              </a:solidFill>
+            </a:ln>
+          </p:spPr>
+          <p:style>
+            <a:lnRef idx="2">
+              <a:schemeClr val="accent1">
+                <a:shade val="50000"/>
+              </a:schemeClr>
+            </a:lnRef>
+            <a:fillRef idx="1">
+              <a:schemeClr val="accent1"/>
+            </a:fillRef>
+            <a:effectRef idx="0">
+              <a:schemeClr val="accent1"/>
+            </a:effectRef>
+            <a:fontRef idx="minor">
+              <a:schemeClr val="lt1"/>
+            </a:fontRef>
+          </p:style>
+          <p:txBody>
+            <a:bodyPr rtlCol="0" anchor="ctr"/>
+            <a:lstStyle/>
+            <a:p>
+              <a:pPr algn="ctr"/>
+              <a:r>
+                <a:rPr lang="en-US" dirty="0">
+                  <a:solidFill>
+                    <a:schemeClr val="tx1"/>
+                  </a:solidFill>
+                </a:rPr>
+                <a:t>totalReducer</a:t>
+              </a:r>
+            </a:p>
+          </p:txBody>
+        </p:sp>
+      </p:grpSp>
+      <p:sp>
+        <p:nvSpPr>
+          <p:cNvPr id="67" name="Arrow: Right 66">
+            <a:extLst>
+              <a:ext uri="{FF2B5EF4-FFF2-40B4-BE49-F238E27FC236}">
+                <a16:creationId xmlns:a16="http://schemas.microsoft.com/office/drawing/2014/main" id="{CC275940-B24D-4F58-AC02-23618854E2F1}"/>
+              </a:ext>
+            </a:extLst>
+          </p:cNvPr>
+          <p:cNvSpPr/>
+          <p:nvPr/>
+        </p:nvSpPr>
+        <p:spPr>
+          <a:xfrm>
+            <a:off x="5490407" y="4563534"/>
+            <a:ext cx="876498" cy="474136"/>
+          </a:xfrm>
+          <a:prstGeom prst="rightArrow">
+            <a:avLst>
+              <a:gd name="adj1" fmla="val 50000"/>
+              <a:gd name="adj2" fmla="val 49299"/>
+            </a:avLst>
+          </a:prstGeom>
+        </p:spPr>
+        <p:style>
+          <a:lnRef idx="2">
+            <a:schemeClr val="accent1">
+              <a:shade val="50000"/>
+            </a:schemeClr>
+          </a:lnRef>
+          <a:fillRef idx="1">
+            <a:schemeClr val="accent1"/>
+          </a:fillRef>
+          <a:effectRef idx="0">
+            <a:schemeClr val="accent1"/>
+          </a:effectRef>
+          <a:fontRef idx="minor">
+            <a:schemeClr val="lt1"/>
+          </a:fontRef>
+        </p:style>
+        <p:txBody>
+          <a:bodyPr rtlCol="0" anchor="ctr"/>
+          <a:lstStyle/>
+          <a:p>
+            <a:pPr algn="ctr"/>
+            <a:endParaRPr lang="en-US" dirty="0"/>
+          </a:p>
+        </p:txBody>
+      </p:sp>
+    </p:spTree>
+    <p:extLst>
+      <p:ext uri="{BB962C8B-B14F-4D97-AF65-F5344CB8AC3E}">
+        <p14:creationId xmlns:p14="http://schemas.microsoft.com/office/powerpoint/2010/main" val="3475424856"/>
       </p:ext>
     </p:extLst>
   </p:cSld>

--- a/Figures.pptx
+++ b/Figures.pptx
@@ -5,7 +5,7 @@
     <p:sldMasterId id="2147483648" r:id="rId1"/>
   </p:sldMasterIdLst>
   <p:notesMasterIdLst>
-    <p:notesMasterId r:id="rId18"/>
+    <p:notesMasterId r:id="rId19"/>
   </p:notesMasterIdLst>
   <p:sldIdLst>
     <p:sldId id="256" r:id="rId2"/>
@@ -24,6 +24,7 @@
     <p:sldId id="272" r:id="rId15"/>
     <p:sldId id="273" r:id="rId16"/>
     <p:sldId id="274" r:id="rId17"/>
+    <p:sldId id="275" r:id="rId18"/>
   </p:sldIdLst>
   <p:sldSz cx="12192000" cy="6858000"/>
   <p:notesSz cx="6858000" cy="9144000"/>
@@ -212,7 +213,7 @@
           <a:p>
             <a:fld id="{75754C70-6453-4EC1-893C-AA2644B807D6}" type="datetimeFigureOut">
               <a:rPr lang="en-US" smtClean="0"/>
-              <a:t>12/31/2021</a:t>
+              <a:t>3/3/2022</a:t>
             </a:fld>
             <a:endParaRPr lang="en-US" dirty="0"/>
           </a:p>
@@ -626,7 +627,7 @@
           <a:p>
             <a:fld id="{FF5E1AB6-45CD-421A-B6C0-E4D4EAFC2CDC}" type="datetimeFigureOut">
               <a:rPr lang="en-US" smtClean="0"/>
-              <a:t>12/31/2021</a:t>
+              <a:t>3/3/2022</a:t>
             </a:fld>
             <a:endParaRPr lang="en-US" dirty="0"/>
           </a:p>
@@ -824,7 +825,7 @@
           <a:p>
             <a:fld id="{FF5E1AB6-45CD-421A-B6C0-E4D4EAFC2CDC}" type="datetimeFigureOut">
               <a:rPr lang="en-US" smtClean="0"/>
-              <a:t>12/31/2021</a:t>
+              <a:t>3/3/2022</a:t>
             </a:fld>
             <a:endParaRPr lang="en-US" dirty="0"/>
           </a:p>
@@ -1032,7 +1033,7 @@
           <a:p>
             <a:fld id="{FF5E1AB6-45CD-421A-B6C0-E4D4EAFC2CDC}" type="datetimeFigureOut">
               <a:rPr lang="en-US" smtClean="0"/>
-              <a:t>12/31/2021</a:t>
+              <a:t>3/3/2022</a:t>
             </a:fld>
             <a:endParaRPr lang="en-US" dirty="0"/>
           </a:p>
@@ -1230,7 +1231,7 @@
           <a:p>
             <a:fld id="{FF5E1AB6-45CD-421A-B6C0-E4D4EAFC2CDC}" type="datetimeFigureOut">
               <a:rPr lang="en-US" smtClean="0"/>
-              <a:t>12/31/2021</a:t>
+              <a:t>3/3/2022</a:t>
             </a:fld>
             <a:endParaRPr lang="en-US" dirty="0"/>
           </a:p>
@@ -1505,7 +1506,7 @@
           <a:p>
             <a:fld id="{FF5E1AB6-45CD-421A-B6C0-E4D4EAFC2CDC}" type="datetimeFigureOut">
               <a:rPr lang="en-US" smtClean="0"/>
-              <a:t>12/31/2021</a:t>
+              <a:t>3/3/2022</a:t>
             </a:fld>
             <a:endParaRPr lang="en-US" dirty="0"/>
           </a:p>
@@ -1770,7 +1771,7 @@
           <a:p>
             <a:fld id="{FF5E1AB6-45CD-421A-B6C0-E4D4EAFC2CDC}" type="datetimeFigureOut">
               <a:rPr lang="en-US" smtClean="0"/>
-              <a:t>12/31/2021</a:t>
+              <a:t>3/3/2022</a:t>
             </a:fld>
             <a:endParaRPr lang="en-US" dirty="0"/>
           </a:p>
@@ -2182,7 +2183,7 @@
           <a:p>
             <a:fld id="{FF5E1AB6-45CD-421A-B6C0-E4D4EAFC2CDC}" type="datetimeFigureOut">
               <a:rPr lang="en-US" smtClean="0"/>
-              <a:t>12/31/2021</a:t>
+              <a:t>3/3/2022</a:t>
             </a:fld>
             <a:endParaRPr lang="en-US" dirty="0"/>
           </a:p>
@@ -2323,7 +2324,7 @@
           <a:p>
             <a:fld id="{FF5E1AB6-45CD-421A-B6C0-E4D4EAFC2CDC}" type="datetimeFigureOut">
               <a:rPr lang="en-US" smtClean="0"/>
-              <a:t>12/31/2021</a:t>
+              <a:t>3/3/2022</a:t>
             </a:fld>
             <a:endParaRPr lang="en-US" dirty="0"/>
           </a:p>
@@ -2436,7 +2437,7 @@
           <a:p>
             <a:fld id="{FF5E1AB6-45CD-421A-B6C0-E4D4EAFC2CDC}" type="datetimeFigureOut">
               <a:rPr lang="en-US" smtClean="0"/>
-              <a:t>12/31/2021</a:t>
+              <a:t>3/3/2022</a:t>
             </a:fld>
             <a:endParaRPr lang="en-US" dirty="0"/>
           </a:p>
@@ -2747,7 +2748,7 @@
           <a:p>
             <a:fld id="{FF5E1AB6-45CD-421A-B6C0-E4D4EAFC2CDC}" type="datetimeFigureOut">
               <a:rPr lang="en-US" smtClean="0"/>
-              <a:t>12/31/2021</a:t>
+              <a:t>3/3/2022</a:t>
             </a:fld>
             <a:endParaRPr lang="en-US" dirty="0"/>
           </a:p>
@@ -3035,7 +3036,7 @@
           <a:p>
             <a:fld id="{FF5E1AB6-45CD-421A-B6C0-E4D4EAFC2CDC}" type="datetimeFigureOut">
               <a:rPr lang="en-US" smtClean="0"/>
-              <a:t>12/31/2021</a:t>
+              <a:t>3/3/2022</a:t>
             </a:fld>
             <a:endParaRPr lang="en-US" dirty="0"/>
           </a:p>
@@ -3276,7 +3277,7 @@
           <a:p>
             <a:fld id="{FF5E1AB6-45CD-421A-B6C0-E4D4EAFC2CDC}" type="datetimeFigureOut">
               <a:rPr lang="en-US" smtClean="0"/>
-              <a:t>12/31/2021</a:t>
+              <a:t>3/3/2022</a:t>
             </a:fld>
             <a:endParaRPr lang="en-US" dirty="0"/>
           </a:p>
@@ -30460,6 +30461,3834 @@
     <p:extLst>
       <p:ext uri="{BB962C8B-B14F-4D97-AF65-F5344CB8AC3E}">
         <p14:creationId xmlns:p14="http://schemas.microsoft.com/office/powerpoint/2010/main" val="3475424856"/>
+      </p:ext>
+    </p:extLst>
+  </p:cSld>
+  <p:clrMapOvr>
+    <a:masterClrMapping/>
+  </p:clrMapOvr>
+</p:sld>
+</file>
+
+<file path=ppt/slides/slide17.xml><?xml version="1.0" encoding="utf-8"?>
+<p:sld xmlns:a="http://schemas.openxmlformats.org/drawingml/2006/main" xmlns:r="http://schemas.openxmlformats.org/officeDocument/2006/relationships" xmlns:p="http://schemas.openxmlformats.org/presentationml/2006/main">
+  <p:cSld>
+    <p:spTree>
+      <p:nvGrpSpPr>
+        <p:cNvPr id="1" name=""/>
+        <p:cNvGrpSpPr/>
+        <p:nvPr/>
+      </p:nvGrpSpPr>
+      <p:grpSpPr>
+        <a:xfrm>
+          <a:off x="0" y="0"/>
+          <a:ext cx="0" cy="0"/>
+          <a:chOff x="0" y="0"/>
+          <a:chExt cx="0" cy="0"/>
+        </a:xfrm>
+      </p:grpSpPr>
+      <p:grpSp>
+        <p:nvGrpSpPr>
+          <p:cNvPr id="29" name="Group 28">
+            <a:extLst>
+              <a:ext uri="{FF2B5EF4-FFF2-40B4-BE49-F238E27FC236}">
+                <a16:creationId xmlns:a16="http://schemas.microsoft.com/office/drawing/2014/main" id="{00F08641-F49B-47B4-B126-2031C5D20321}"/>
+              </a:ext>
+            </a:extLst>
+          </p:cNvPr>
+          <p:cNvGrpSpPr/>
+          <p:nvPr/>
+        </p:nvGrpSpPr>
+        <p:grpSpPr>
+          <a:xfrm>
+            <a:off x="3553528" y="3256980"/>
+            <a:ext cx="939800" cy="697706"/>
+            <a:chOff x="3473450" y="1362075"/>
+            <a:chExt cx="939800" cy="697706"/>
+          </a:xfrm>
+        </p:grpSpPr>
+        <p:sp>
+          <p:nvSpPr>
+            <p:cNvPr id="30" name="Oval 29">
+              <a:extLst>
+                <a:ext uri="{FF2B5EF4-FFF2-40B4-BE49-F238E27FC236}">
+                  <a16:creationId xmlns:a16="http://schemas.microsoft.com/office/drawing/2014/main" id="{EEF954A3-9480-4CA0-B4FC-159685D64AE4}"/>
+                </a:ext>
+              </a:extLst>
+            </p:cNvPr>
+            <p:cNvSpPr/>
+            <p:nvPr/>
+          </p:nvSpPr>
+          <p:spPr>
+            <a:xfrm>
+              <a:off x="3841750" y="1362075"/>
+              <a:ext cx="190500" cy="190500"/>
+            </a:xfrm>
+            <a:prstGeom prst="ellipse">
+              <a:avLst/>
+            </a:prstGeom>
+            <a:solidFill>
+              <a:srgbClr val="FFC000"/>
+            </a:solidFill>
+            <a:ln>
+              <a:solidFill>
+                <a:schemeClr val="accent6">
+                  <a:lumMod val="75000"/>
+                </a:schemeClr>
+              </a:solidFill>
+            </a:ln>
+          </p:spPr>
+          <p:style>
+            <a:lnRef idx="2">
+              <a:schemeClr val="accent1">
+                <a:shade val="50000"/>
+              </a:schemeClr>
+            </a:lnRef>
+            <a:fillRef idx="1">
+              <a:schemeClr val="accent1"/>
+            </a:fillRef>
+            <a:effectRef idx="0">
+              <a:schemeClr val="accent1"/>
+            </a:effectRef>
+            <a:fontRef idx="minor">
+              <a:schemeClr val="lt1"/>
+            </a:fontRef>
+          </p:style>
+          <p:txBody>
+            <a:bodyPr rtlCol="0" anchor="ctr"/>
+            <a:lstStyle/>
+            <a:p>
+              <a:pPr algn="ctr"/>
+              <a:endParaRPr lang="en-US"/>
+            </a:p>
+          </p:txBody>
+        </p:sp>
+        <p:sp>
+          <p:nvSpPr>
+            <p:cNvPr id="31" name="Oval 30">
+              <a:extLst>
+                <a:ext uri="{FF2B5EF4-FFF2-40B4-BE49-F238E27FC236}">
+                  <a16:creationId xmlns:a16="http://schemas.microsoft.com/office/drawing/2014/main" id="{58A1E0DF-95CB-4330-9C77-3EF88213FAAB}"/>
+                </a:ext>
+              </a:extLst>
+            </p:cNvPr>
+            <p:cNvSpPr/>
+            <p:nvPr/>
+          </p:nvSpPr>
+          <p:spPr>
+            <a:xfrm>
+              <a:off x="3473450" y="1869281"/>
+              <a:ext cx="190500" cy="190500"/>
+            </a:xfrm>
+            <a:prstGeom prst="ellipse">
+              <a:avLst/>
+            </a:prstGeom>
+            <a:solidFill>
+              <a:schemeClr val="accent6">
+                <a:lumMod val="40000"/>
+                <a:lumOff val="60000"/>
+              </a:schemeClr>
+            </a:solidFill>
+            <a:ln>
+              <a:solidFill>
+                <a:schemeClr val="accent6">
+                  <a:lumMod val="75000"/>
+                </a:schemeClr>
+              </a:solidFill>
+            </a:ln>
+          </p:spPr>
+          <p:style>
+            <a:lnRef idx="2">
+              <a:schemeClr val="accent1">
+                <a:shade val="50000"/>
+              </a:schemeClr>
+            </a:lnRef>
+            <a:fillRef idx="1">
+              <a:schemeClr val="accent1"/>
+            </a:fillRef>
+            <a:effectRef idx="0">
+              <a:schemeClr val="accent1"/>
+            </a:effectRef>
+            <a:fontRef idx="minor">
+              <a:schemeClr val="lt1"/>
+            </a:fontRef>
+          </p:style>
+          <p:txBody>
+            <a:bodyPr rtlCol="0" anchor="ctr"/>
+            <a:lstStyle/>
+            <a:p>
+              <a:pPr algn="ctr"/>
+              <a:endParaRPr lang="en-US"/>
+            </a:p>
+          </p:txBody>
+        </p:sp>
+        <p:sp>
+          <p:nvSpPr>
+            <p:cNvPr id="32" name="Oval 31">
+              <a:extLst>
+                <a:ext uri="{FF2B5EF4-FFF2-40B4-BE49-F238E27FC236}">
+                  <a16:creationId xmlns:a16="http://schemas.microsoft.com/office/drawing/2014/main" id="{0DDD9695-12DF-43C3-ADB3-499688F71623}"/>
+                </a:ext>
+              </a:extLst>
+            </p:cNvPr>
+            <p:cNvSpPr/>
+            <p:nvPr/>
+          </p:nvSpPr>
+          <p:spPr>
+            <a:xfrm>
+              <a:off x="4222750" y="1869281"/>
+              <a:ext cx="190500" cy="190500"/>
+            </a:xfrm>
+            <a:prstGeom prst="ellipse">
+              <a:avLst/>
+            </a:prstGeom>
+            <a:solidFill>
+              <a:srgbClr val="FFC000"/>
+            </a:solidFill>
+            <a:ln>
+              <a:solidFill>
+                <a:schemeClr val="accent6">
+                  <a:lumMod val="75000"/>
+                </a:schemeClr>
+              </a:solidFill>
+            </a:ln>
+          </p:spPr>
+          <p:style>
+            <a:lnRef idx="2">
+              <a:schemeClr val="accent1">
+                <a:shade val="50000"/>
+              </a:schemeClr>
+            </a:lnRef>
+            <a:fillRef idx="1">
+              <a:schemeClr val="accent1"/>
+            </a:fillRef>
+            <a:effectRef idx="0">
+              <a:schemeClr val="accent1"/>
+            </a:effectRef>
+            <a:fontRef idx="minor">
+              <a:schemeClr val="lt1"/>
+            </a:fontRef>
+          </p:style>
+          <p:txBody>
+            <a:bodyPr rtlCol="0" anchor="ctr"/>
+            <a:lstStyle/>
+            <a:p>
+              <a:pPr algn="ctr"/>
+              <a:endParaRPr lang="en-US"/>
+            </a:p>
+          </p:txBody>
+        </p:sp>
+        <p:cxnSp>
+          <p:nvCxnSpPr>
+            <p:cNvPr id="35" name="Straight Arrow Connector 34">
+              <a:extLst>
+                <a:ext uri="{FF2B5EF4-FFF2-40B4-BE49-F238E27FC236}">
+                  <a16:creationId xmlns:a16="http://schemas.microsoft.com/office/drawing/2014/main" id="{AF5B46F4-4D19-4BD5-A143-52DB9798FBFC}"/>
+                </a:ext>
+              </a:extLst>
+            </p:cNvPr>
+            <p:cNvCxnSpPr>
+              <a:stCxn id="30" idx="3"/>
+              <a:endCxn id="31" idx="6"/>
+            </p:cNvCxnSpPr>
+            <p:nvPr/>
+          </p:nvCxnSpPr>
+          <p:spPr>
+            <a:xfrm flipH="1">
+              <a:off x="3636052" y="1524677"/>
+              <a:ext cx="233596" cy="372502"/>
+            </a:xfrm>
+            <a:prstGeom prst="straightConnector1">
+              <a:avLst/>
+            </a:prstGeom>
+            <a:ln w="25400">
+              <a:tailEnd type="triangle"/>
+            </a:ln>
+          </p:spPr>
+          <p:style>
+            <a:lnRef idx="1">
+              <a:schemeClr val="accent1"/>
+            </a:lnRef>
+            <a:fillRef idx="0">
+              <a:schemeClr val="accent1"/>
+            </a:fillRef>
+            <a:effectRef idx="0">
+              <a:schemeClr val="accent1"/>
+            </a:effectRef>
+            <a:fontRef idx="minor">
+              <a:schemeClr val="tx1"/>
+            </a:fontRef>
+          </p:style>
+        </p:cxnSp>
+        <p:cxnSp>
+          <p:nvCxnSpPr>
+            <p:cNvPr id="36" name="Straight Arrow Connector 35">
+              <a:extLst>
+                <a:ext uri="{FF2B5EF4-FFF2-40B4-BE49-F238E27FC236}">
+                  <a16:creationId xmlns:a16="http://schemas.microsoft.com/office/drawing/2014/main" id="{78FBCFC5-9FC6-4F19-A292-7BFFE2AAACC7}"/>
+                </a:ext>
+              </a:extLst>
+            </p:cNvPr>
+            <p:cNvCxnSpPr>
+              <a:cxnSpLocks/>
+              <a:stCxn id="30" idx="5"/>
+              <a:endCxn id="32" idx="1"/>
+            </p:cNvCxnSpPr>
+            <p:nvPr/>
+          </p:nvCxnSpPr>
+          <p:spPr>
+            <a:xfrm>
+              <a:off x="4004352" y="1524677"/>
+              <a:ext cx="246296" cy="372502"/>
+            </a:xfrm>
+            <a:prstGeom prst="straightConnector1">
+              <a:avLst/>
+            </a:prstGeom>
+            <a:ln w="25400">
+              <a:solidFill>
+                <a:srgbClr val="FF0000"/>
+              </a:solidFill>
+              <a:tailEnd type="triangle"/>
+            </a:ln>
+          </p:spPr>
+          <p:style>
+            <a:lnRef idx="1">
+              <a:schemeClr val="accent1"/>
+            </a:lnRef>
+            <a:fillRef idx="0">
+              <a:schemeClr val="accent1"/>
+            </a:fillRef>
+            <a:effectRef idx="0">
+              <a:schemeClr val="accent1"/>
+            </a:effectRef>
+            <a:fontRef idx="minor">
+              <a:schemeClr val="tx1"/>
+            </a:fontRef>
+          </p:style>
+        </p:cxnSp>
+      </p:grpSp>
+      <p:sp>
+        <p:nvSpPr>
+          <p:cNvPr id="40" name="TextBox 39">
+            <a:extLst>
+              <a:ext uri="{FF2B5EF4-FFF2-40B4-BE49-F238E27FC236}">
+                <a16:creationId xmlns:a16="http://schemas.microsoft.com/office/drawing/2014/main" id="{7281DC49-955F-4674-8199-971A898A330D}"/>
+              </a:ext>
+            </a:extLst>
+          </p:cNvPr>
+          <p:cNvSpPr txBox="1"/>
+          <p:nvPr/>
+        </p:nvSpPr>
+        <p:spPr>
+          <a:xfrm>
+            <a:off x="3185115" y="3946339"/>
+            <a:ext cx="1951196" cy="369332"/>
+          </a:xfrm>
+          <a:prstGeom prst="rect">
+            <a:avLst/>
+          </a:prstGeom>
+          <a:noFill/>
+        </p:spPr>
+        <p:txBody>
+          <a:bodyPr wrap="square" rtlCol="0">
+            <a:spAutoFit/>
+          </a:bodyPr>
+          <a:lstStyle/>
+          <a:p>
+            <a:r>
+              <a:rPr lang="en-US" dirty="0"/>
+              <a:t>Buggy subtree</a:t>
+            </a:r>
+          </a:p>
+        </p:txBody>
+      </p:sp>
+      <p:sp>
+        <p:nvSpPr>
+          <p:cNvPr id="27" name="Rectangle: Rounded Corners 26">
+            <a:extLst>
+              <a:ext uri="{FF2B5EF4-FFF2-40B4-BE49-F238E27FC236}">
+                <a16:creationId xmlns:a16="http://schemas.microsoft.com/office/drawing/2014/main" id="{8B88DDE6-293D-4F1C-BA48-7E0B585C5C6C}"/>
+              </a:ext>
+            </a:extLst>
+          </p:cNvPr>
+          <p:cNvSpPr/>
+          <p:nvPr/>
+        </p:nvSpPr>
+        <p:spPr>
+          <a:xfrm>
+            <a:off x="4926756" y="1720371"/>
+            <a:ext cx="1912032" cy="802049"/>
+          </a:xfrm>
+          <a:prstGeom prst="roundRect">
+            <a:avLst/>
+          </a:prstGeom>
+          <a:solidFill>
+            <a:schemeClr val="accent2">
+              <a:lumMod val="20000"/>
+              <a:lumOff val="80000"/>
+            </a:schemeClr>
+          </a:solidFill>
+          <a:ln w="25400">
+            <a:solidFill>
+              <a:schemeClr val="accent2">
+                <a:lumMod val="75000"/>
+              </a:schemeClr>
+            </a:solidFill>
+          </a:ln>
+        </p:spPr>
+        <p:style>
+          <a:lnRef idx="2">
+            <a:schemeClr val="accent1">
+              <a:shade val="50000"/>
+            </a:schemeClr>
+          </a:lnRef>
+          <a:fillRef idx="1">
+            <a:schemeClr val="accent1"/>
+          </a:fillRef>
+          <a:effectRef idx="0">
+            <a:schemeClr val="accent1"/>
+          </a:effectRef>
+          <a:fontRef idx="minor">
+            <a:schemeClr val="lt1"/>
+          </a:fontRef>
+        </p:style>
+        <p:txBody>
+          <a:bodyPr rtlCol="0" anchor="ctr"/>
+          <a:lstStyle/>
+          <a:p>
+            <a:pPr algn="ctr"/>
+            <a:r>
+              <a:rPr lang="en-US" dirty="0">
+                <a:solidFill>
+                  <a:schemeClr val="tx1"/>
+                </a:solidFill>
+              </a:rPr>
+              <a:t>Tree-based Code Context Learning</a:t>
+            </a:r>
+          </a:p>
+        </p:txBody>
+      </p:sp>
+      <p:sp>
+        <p:nvSpPr>
+          <p:cNvPr id="42" name="Rectangle: Rounded Corners 41">
+            <a:extLst>
+              <a:ext uri="{FF2B5EF4-FFF2-40B4-BE49-F238E27FC236}">
+                <a16:creationId xmlns:a16="http://schemas.microsoft.com/office/drawing/2014/main" id="{C61147BF-A6E9-423A-BBD5-EBB5D1B3AAC6}"/>
+              </a:ext>
+            </a:extLst>
+          </p:cNvPr>
+          <p:cNvSpPr/>
+          <p:nvPr/>
+        </p:nvSpPr>
+        <p:spPr>
+          <a:xfrm>
+            <a:off x="4926755" y="3386232"/>
+            <a:ext cx="1909735" cy="776767"/>
+          </a:xfrm>
+          <a:prstGeom prst="roundRect">
+            <a:avLst/>
+          </a:prstGeom>
+          <a:solidFill>
+            <a:schemeClr val="accent2">
+              <a:lumMod val="20000"/>
+              <a:lumOff val="80000"/>
+            </a:schemeClr>
+          </a:solidFill>
+          <a:ln w="25400">
+            <a:solidFill>
+              <a:schemeClr val="accent2">
+                <a:lumMod val="75000"/>
+              </a:schemeClr>
+            </a:solidFill>
+          </a:ln>
+        </p:spPr>
+        <p:style>
+          <a:lnRef idx="2">
+            <a:schemeClr val="accent1">
+              <a:shade val="50000"/>
+            </a:schemeClr>
+          </a:lnRef>
+          <a:fillRef idx="1">
+            <a:schemeClr val="accent1"/>
+          </a:fillRef>
+          <a:effectRef idx="0">
+            <a:schemeClr val="accent1"/>
+          </a:effectRef>
+          <a:fontRef idx="minor">
+            <a:schemeClr val="lt1"/>
+          </a:fontRef>
+        </p:style>
+        <p:txBody>
+          <a:bodyPr rtlCol="0" anchor="ctr"/>
+          <a:lstStyle/>
+          <a:p>
+            <a:pPr algn="ctr"/>
+            <a:r>
+              <a:rPr lang="en-US" dirty="0">
+                <a:solidFill>
+                  <a:schemeClr val="tx1"/>
+                </a:solidFill>
+              </a:rPr>
+              <a:t>Tree-based Code Transformation Learning</a:t>
+            </a:r>
+          </a:p>
+        </p:txBody>
+      </p:sp>
+      <p:sp>
+        <p:nvSpPr>
+          <p:cNvPr id="43" name="Rectangle: Rounded Corners 42">
+            <a:extLst>
+              <a:ext uri="{FF2B5EF4-FFF2-40B4-BE49-F238E27FC236}">
+                <a16:creationId xmlns:a16="http://schemas.microsoft.com/office/drawing/2014/main" id="{5DAA0177-339C-495D-8153-6541C884CD2D}"/>
+              </a:ext>
+            </a:extLst>
+          </p:cNvPr>
+          <p:cNvSpPr/>
+          <p:nvPr/>
+        </p:nvSpPr>
+        <p:spPr>
+          <a:xfrm>
+            <a:off x="5044572" y="2794089"/>
+            <a:ext cx="1676400" cy="291245"/>
+          </a:xfrm>
+          <a:prstGeom prst="roundRect">
+            <a:avLst/>
+          </a:prstGeom>
+          <a:solidFill>
+            <a:schemeClr val="accent2">
+              <a:lumMod val="20000"/>
+              <a:lumOff val="80000"/>
+            </a:schemeClr>
+          </a:solidFill>
+          <a:ln w="25400">
+            <a:solidFill>
+              <a:schemeClr val="accent2">
+                <a:lumMod val="75000"/>
+              </a:schemeClr>
+            </a:solidFill>
+          </a:ln>
+        </p:spPr>
+        <p:style>
+          <a:lnRef idx="2">
+            <a:schemeClr val="accent1">
+              <a:shade val="50000"/>
+            </a:schemeClr>
+          </a:lnRef>
+          <a:fillRef idx="1">
+            <a:schemeClr val="accent1"/>
+          </a:fillRef>
+          <a:effectRef idx="0">
+            <a:schemeClr val="accent1"/>
+          </a:effectRef>
+          <a:fontRef idx="minor">
+            <a:schemeClr val="lt1"/>
+          </a:fontRef>
+        </p:style>
+        <p:txBody>
+          <a:bodyPr rtlCol="0" anchor="ctr"/>
+          <a:lstStyle/>
+          <a:p>
+            <a:pPr algn="ctr"/>
+            <a:r>
+              <a:rPr lang="en-US" dirty="0">
+                <a:solidFill>
+                  <a:schemeClr val="tx1"/>
+                </a:solidFill>
+              </a:rPr>
+              <a:t>Joint Training</a:t>
+            </a:r>
+          </a:p>
+        </p:txBody>
+      </p:sp>
+      <p:cxnSp>
+        <p:nvCxnSpPr>
+          <p:cNvPr id="78" name="Straight Arrow Connector 77">
+            <a:extLst>
+              <a:ext uri="{FF2B5EF4-FFF2-40B4-BE49-F238E27FC236}">
+                <a16:creationId xmlns:a16="http://schemas.microsoft.com/office/drawing/2014/main" id="{AC8674C8-FC1F-4CF8-8F79-89EE6085AB9F}"/>
+              </a:ext>
+            </a:extLst>
+          </p:cNvPr>
+          <p:cNvCxnSpPr>
+            <a:cxnSpLocks/>
+          </p:cNvCxnSpPr>
+          <p:nvPr/>
+        </p:nvCxnSpPr>
+        <p:spPr>
+          <a:xfrm flipH="1">
+            <a:off x="6836490" y="3774614"/>
+            <a:ext cx="368300" cy="1"/>
+          </a:xfrm>
+          <a:prstGeom prst="straightConnector1">
+            <a:avLst/>
+          </a:prstGeom>
+          <a:ln w="25400">
+            <a:tailEnd type="triangle"/>
+          </a:ln>
+        </p:spPr>
+        <p:style>
+          <a:lnRef idx="1">
+            <a:schemeClr val="accent1"/>
+          </a:lnRef>
+          <a:fillRef idx="0">
+            <a:schemeClr val="accent1"/>
+          </a:fillRef>
+          <a:effectRef idx="0">
+            <a:schemeClr val="accent1"/>
+          </a:effectRef>
+          <a:fontRef idx="minor">
+            <a:schemeClr val="tx1"/>
+          </a:fontRef>
+        </p:style>
+      </p:cxnSp>
+      <p:cxnSp>
+        <p:nvCxnSpPr>
+          <p:cNvPr id="91" name="Straight Arrow Connector 90">
+            <a:extLst>
+              <a:ext uri="{FF2B5EF4-FFF2-40B4-BE49-F238E27FC236}">
+                <a16:creationId xmlns:a16="http://schemas.microsoft.com/office/drawing/2014/main" id="{4711F1A2-0517-44EA-BC94-3B2EFD35FA99}"/>
+              </a:ext>
+            </a:extLst>
+          </p:cNvPr>
+          <p:cNvCxnSpPr>
+            <a:cxnSpLocks/>
+            <a:stCxn id="27" idx="2"/>
+            <a:endCxn id="43" idx="0"/>
+          </p:cNvCxnSpPr>
+          <p:nvPr/>
+        </p:nvCxnSpPr>
+        <p:spPr>
+          <a:xfrm>
+            <a:off x="5882772" y="2522420"/>
+            <a:ext cx="0" cy="271669"/>
+          </a:xfrm>
+          <a:prstGeom prst="straightConnector1">
+            <a:avLst/>
+          </a:prstGeom>
+          <a:ln w="25400">
+            <a:headEnd type="triangle"/>
+            <a:tailEnd type="triangle"/>
+          </a:ln>
+        </p:spPr>
+        <p:style>
+          <a:lnRef idx="1">
+            <a:schemeClr val="accent1"/>
+          </a:lnRef>
+          <a:fillRef idx="0">
+            <a:schemeClr val="accent1"/>
+          </a:fillRef>
+          <a:effectRef idx="0">
+            <a:schemeClr val="accent1"/>
+          </a:effectRef>
+          <a:fontRef idx="minor">
+            <a:schemeClr val="tx1"/>
+          </a:fontRef>
+        </p:style>
+      </p:cxnSp>
+      <p:cxnSp>
+        <p:nvCxnSpPr>
+          <p:cNvPr id="94" name="Straight Arrow Connector 93">
+            <a:extLst>
+              <a:ext uri="{FF2B5EF4-FFF2-40B4-BE49-F238E27FC236}">
+                <a16:creationId xmlns:a16="http://schemas.microsoft.com/office/drawing/2014/main" id="{5756A5B5-A2B2-43E3-AA1A-CB7E355B869F}"/>
+              </a:ext>
+            </a:extLst>
+          </p:cNvPr>
+          <p:cNvCxnSpPr>
+            <a:cxnSpLocks/>
+            <a:stCxn id="43" idx="2"/>
+            <a:endCxn id="42" idx="0"/>
+          </p:cNvCxnSpPr>
+          <p:nvPr/>
+        </p:nvCxnSpPr>
+        <p:spPr>
+          <a:xfrm flipH="1">
+            <a:off x="5881623" y="3085334"/>
+            <a:ext cx="1149" cy="300898"/>
+          </a:xfrm>
+          <a:prstGeom prst="straightConnector1">
+            <a:avLst/>
+          </a:prstGeom>
+          <a:ln w="25400">
+            <a:headEnd type="triangle"/>
+            <a:tailEnd type="triangle"/>
+          </a:ln>
+        </p:spPr>
+        <p:style>
+          <a:lnRef idx="1">
+            <a:schemeClr val="accent1"/>
+          </a:lnRef>
+          <a:fillRef idx="0">
+            <a:schemeClr val="accent1"/>
+          </a:fillRef>
+          <a:effectRef idx="0">
+            <a:schemeClr val="accent1"/>
+          </a:effectRef>
+          <a:fontRef idx="minor">
+            <a:schemeClr val="tx1"/>
+          </a:fontRef>
+        </p:style>
+      </p:cxnSp>
+      <p:pic>
+        <p:nvPicPr>
+          <p:cNvPr id="1026" name="Picture 2" descr="File icon PNG, ICO or ICNS | Free vector icons">
+            <a:extLst>
+              <a:ext uri="{FF2B5EF4-FFF2-40B4-BE49-F238E27FC236}">
+                <a16:creationId xmlns:a16="http://schemas.microsoft.com/office/drawing/2014/main" id="{AB7F84EE-974E-440C-8CE3-95AB0255AB37}"/>
+              </a:ext>
+            </a:extLst>
+          </p:cNvPr>
+          <p:cNvPicPr>
+            <a:picLocks noChangeAspect="1" noChangeArrowheads="1"/>
+          </p:cNvPicPr>
+          <p:nvPr/>
+        </p:nvPicPr>
+        <p:blipFill>
+          <a:blip r:embed="rId2">
+            <a:extLst>
+              <a:ext uri="{28A0092B-C50C-407E-A947-70E740481C1C}">
+                <a14:useLocalDpi xmlns:a14="http://schemas.microsoft.com/office/drawing/2010/main" val="0"/>
+              </a:ext>
+            </a:extLst>
+          </a:blip>
+          <a:srcRect/>
+          <a:stretch>
+            <a:fillRect/>
+          </a:stretch>
+        </p:blipFill>
+        <p:spPr bwMode="auto">
+          <a:xfrm>
+            <a:off x="668109" y="1843604"/>
+            <a:ext cx="739140" cy="739140"/>
+          </a:xfrm>
+          <a:prstGeom prst="rect">
+            <a:avLst/>
+          </a:prstGeom>
+          <a:noFill/>
+          <a:extLst>
+            <a:ext uri="{909E8E84-426E-40DD-AFC4-6F175D3DCCD1}">
+              <a14:hiddenFill xmlns:a14="http://schemas.microsoft.com/office/drawing/2010/main">
+                <a:solidFill>
+                  <a:srgbClr val="FFFFFF"/>
+                </a:solidFill>
+              </a14:hiddenFill>
+            </a:ext>
+          </a:extLst>
+        </p:spPr>
+      </p:pic>
+      <p:sp>
+        <p:nvSpPr>
+          <p:cNvPr id="4" name="TextBox 3">
+            <a:extLst>
+              <a:ext uri="{FF2B5EF4-FFF2-40B4-BE49-F238E27FC236}">
+                <a16:creationId xmlns:a16="http://schemas.microsoft.com/office/drawing/2014/main" id="{120230DA-EEEB-4EF0-A3AA-AC3282437485}"/>
+              </a:ext>
+            </a:extLst>
+          </p:cNvPr>
+          <p:cNvSpPr txBox="1"/>
+          <p:nvPr/>
+        </p:nvSpPr>
+        <p:spPr>
+          <a:xfrm>
+            <a:off x="264249" y="2516069"/>
+            <a:ext cx="1676400" cy="369332"/>
+          </a:xfrm>
+          <a:prstGeom prst="rect">
+            <a:avLst/>
+          </a:prstGeom>
+          <a:noFill/>
+        </p:spPr>
+        <p:txBody>
+          <a:bodyPr wrap="square" rtlCol="0">
+            <a:spAutoFit/>
+          </a:bodyPr>
+          <a:lstStyle/>
+          <a:p>
+            <a:r>
+              <a:rPr lang="en-US" dirty="0"/>
+              <a:t>Buggy Method</a:t>
+            </a:r>
+          </a:p>
+        </p:txBody>
+      </p:sp>
+      <p:sp>
+        <p:nvSpPr>
+          <p:cNvPr id="5" name="TextBox 4">
+            <a:extLst>
+              <a:ext uri="{FF2B5EF4-FFF2-40B4-BE49-F238E27FC236}">
+                <a16:creationId xmlns:a16="http://schemas.microsoft.com/office/drawing/2014/main" id="{58A0AC6F-8E0D-4B49-AE84-030B6DA34D4B}"/>
+              </a:ext>
+            </a:extLst>
+          </p:cNvPr>
+          <p:cNvSpPr txBox="1"/>
+          <p:nvPr/>
+        </p:nvSpPr>
+        <p:spPr>
+          <a:xfrm>
+            <a:off x="110304" y="3670987"/>
+            <a:ext cx="1951197" cy="261610"/>
+          </a:xfrm>
+          <a:prstGeom prst="rect">
+            <a:avLst/>
+          </a:prstGeom>
+          <a:noFill/>
+          <a:ln w="25400">
+            <a:solidFill>
+              <a:schemeClr val="tx1"/>
+            </a:solidFill>
+          </a:ln>
+        </p:spPr>
+        <p:txBody>
+          <a:bodyPr wrap="square" rtlCol="0">
+            <a:spAutoFit/>
+          </a:bodyPr>
+          <a:lstStyle/>
+          <a:p>
+            <a:r>
+              <a:rPr lang="en-US" sz="1100" dirty="0">
+                <a:latin typeface="Courier New" panose="02070309020205020404" pitchFamily="49" charset="0"/>
+                <a:cs typeface="Courier New" panose="02070309020205020404" pitchFamily="49" charset="0"/>
+              </a:rPr>
+              <a:t>If (dataset != null)…</a:t>
+            </a:r>
+          </a:p>
+        </p:txBody>
+      </p:sp>
+      <p:sp>
+        <p:nvSpPr>
+          <p:cNvPr id="8" name="TextBox 7">
+            <a:extLst>
+              <a:ext uri="{FF2B5EF4-FFF2-40B4-BE49-F238E27FC236}">
+                <a16:creationId xmlns:a16="http://schemas.microsoft.com/office/drawing/2014/main" id="{83A439AB-E935-409E-B1A3-9C31F2794CD7}"/>
+              </a:ext>
+            </a:extLst>
+          </p:cNvPr>
+          <p:cNvSpPr txBox="1"/>
+          <p:nvPr/>
+        </p:nvSpPr>
+        <p:spPr>
+          <a:xfrm>
+            <a:off x="92799" y="3946339"/>
+            <a:ext cx="2019300" cy="369332"/>
+          </a:xfrm>
+          <a:prstGeom prst="rect">
+            <a:avLst/>
+          </a:prstGeom>
+          <a:noFill/>
+        </p:spPr>
+        <p:txBody>
+          <a:bodyPr wrap="square" rtlCol="0">
+            <a:spAutoFit/>
+          </a:bodyPr>
+          <a:lstStyle/>
+          <a:p>
+            <a:r>
+              <a:rPr lang="en-US" dirty="0"/>
+              <a:t>A Buggy Statement</a:t>
+            </a:r>
+          </a:p>
+        </p:txBody>
+      </p:sp>
+      <p:sp>
+        <p:nvSpPr>
+          <p:cNvPr id="68" name="Rectangle: Rounded Corners 67">
+            <a:extLst>
+              <a:ext uri="{FF2B5EF4-FFF2-40B4-BE49-F238E27FC236}">
+                <a16:creationId xmlns:a16="http://schemas.microsoft.com/office/drawing/2014/main" id="{A466D679-29DD-4A75-9A76-3022E6E7E2A7}"/>
+              </a:ext>
+            </a:extLst>
+          </p:cNvPr>
+          <p:cNvSpPr/>
+          <p:nvPr/>
+        </p:nvSpPr>
+        <p:spPr>
+          <a:xfrm>
+            <a:off x="1905242" y="2441257"/>
+            <a:ext cx="1112824" cy="875582"/>
+          </a:xfrm>
+          <a:prstGeom prst="roundRect">
+            <a:avLst/>
+          </a:prstGeom>
+          <a:solidFill>
+            <a:schemeClr val="accent2">
+              <a:lumMod val="20000"/>
+              <a:lumOff val="80000"/>
+            </a:schemeClr>
+          </a:solidFill>
+          <a:ln w="25400">
+            <a:solidFill>
+              <a:schemeClr val="accent2">
+                <a:lumMod val="75000"/>
+              </a:schemeClr>
+            </a:solidFill>
+          </a:ln>
+        </p:spPr>
+        <p:style>
+          <a:lnRef idx="2">
+            <a:schemeClr val="accent1">
+              <a:shade val="50000"/>
+            </a:schemeClr>
+          </a:lnRef>
+          <a:fillRef idx="1">
+            <a:schemeClr val="accent1"/>
+          </a:fillRef>
+          <a:effectRef idx="0">
+            <a:schemeClr val="accent1"/>
+          </a:effectRef>
+          <a:fontRef idx="minor">
+            <a:schemeClr val="lt1"/>
+          </a:fontRef>
+        </p:style>
+        <p:txBody>
+          <a:bodyPr rtlCol="0" anchor="ctr"/>
+          <a:lstStyle/>
+          <a:p>
+            <a:pPr algn="ctr"/>
+            <a:r>
+              <a:rPr lang="en-US" dirty="0">
+                <a:solidFill>
+                  <a:schemeClr val="tx1"/>
+                </a:solidFill>
+              </a:rPr>
+              <a:t>Tree Rep Learning</a:t>
+            </a:r>
+          </a:p>
+        </p:txBody>
+      </p:sp>
+      <p:cxnSp>
+        <p:nvCxnSpPr>
+          <p:cNvPr id="45" name="Straight Arrow Connector 44">
+            <a:extLst>
+              <a:ext uri="{FF2B5EF4-FFF2-40B4-BE49-F238E27FC236}">
+                <a16:creationId xmlns:a16="http://schemas.microsoft.com/office/drawing/2014/main" id="{B46D66FB-63ED-495E-BF5D-8F2CE178CB01}"/>
+              </a:ext>
+            </a:extLst>
+          </p:cNvPr>
+          <p:cNvCxnSpPr>
+            <a:cxnSpLocks/>
+          </p:cNvCxnSpPr>
+          <p:nvPr/>
+        </p:nvCxnSpPr>
+        <p:spPr>
+          <a:xfrm flipV="1">
+            <a:off x="1369873" y="3087687"/>
+            <a:ext cx="526304" cy="424947"/>
+          </a:xfrm>
+          <a:prstGeom prst="straightConnector1">
+            <a:avLst/>
+          </a:prstGeom>
+          <a:ln w="25400">
+            <a:tailEnd type="triangle"/>
+          </a:ln>
+        </p:spPr>
+        <p:style>
+          <a:lnRef idx="1">
+            <a:schemeClr val="accent1"/>
+          </a:lnRef>
+          <a:fillRef idx="0">
+            <a:schemeClr val="accent1"/>
+          </a:fillRef>
+          <a:effectRef idx="0">
+            <a:schemeClr val="accent1"/>
+          </a:effectRef>
+          <a:fontRef idx="minor">
+            <a:schemeClr val="tx1"/>
+          </a:fontRef>
+        </p:style>
+      </p:cxnSp>
+      <p:cxnSp>
+        <p:nvCxnSpPr>
+          <p:cNvPr id="69" name="Straight Arrow Connector 68">
+            <a:extLst>
+              <a:ext uri="{FF2B5EF4-FFF2-40B4-BE49-F238E27FC236}">
+                <a16:creationId xmlns:a16="http://schemas.microsoft.com/office/drawing/2014/main" id="{14531D7C-533B-4300-9190-F7E975DE0E4A}"/>
+              </a:ext>
+            </a:extLst>
+          </p:cNvPr>
+          <p:cNvCxnSpPr>
+            <a:cxnSpLocks/>
+          </p:cNvCxnSpPr>
+          <p:nvPr/>
+        </p:nvCxnSpPr>
+        <p:spPr>
+          <a:xfrm>
+            <a:off x="1067041" y="2898206"/>
+            <a:ext cx="0" cy="703462"/>
+          </a:xfrm>
+          <a:prstGeom prst="straightConnector1">
+            <a:avLst/>
+          </a:prstGeom>
+          <a:ln w="25400">
+            <a:headEnd type="none" w="med" len="med"/>
+            <a:tailEnd type="triangle" w="med" len="med"/>
+          </a:ln>
+        </p:spPr>
+        <p:style>
+          <a:lnRef idx="1">
+            <a:schemeClr val="accent1"/>
+          </a:lnRef>
+          <a:fillRef idx="0">
+            <a:schemeClr val="accent1"/>
+          </a:fillRef>
+          <a:effectRef idx="0">
+            <a:schemeClr val="accent1"/>
+          </a:effectRef>
+          <a:fontRef idx="minor">
+            <a:schemeClr val="tx1"/>
+          </a:fontRef>
+        </p:style>
+      </p:cxnSp>
+      <p:cxnSp>
+        <p:nvCxnSpPr>
+          <p:cNvPr id="71" name="Straight Arrow Connector 70">
+            <a:extLst>
+              <a:ext uri="{FF2B5EF4-FFF2-40B4-BE49-F238E27FC236}">
+                <a16:creationId xmlns:a16="http://schemas.microsoft.com/office/drawing/2014/main" id="{F604B536-219B-4A4F-A8A8-E5BCEC1358BD}"/>
+              </a:ext>
+            </a:extLst>
+          </p:cNvPr>
+          <p:cNvCxnSpPr>
+            <a:cxnSpLocks/>
+            <a:stCxn id="1026" idx="3"/>
+          </p:cNvCxnSpPr>
+          <p:nvPr/>
+        </p:nvCxnSpPr>
+        <p:spPr>
+          <a:xfrm>
+            <a:off x="1407249" y="2213174"/>
+            <a:ext cx="475991" cy="459247"/>
+          </a:xfrm>
+          <a:prstGeom prst="straightConnector1">
+            <a:avLst/>
+          </a:prstGeom>
+          <a:ln w="25400">
+            <a:tailEnd type="triangle"/>
+          </a:ln>
+        </p:spPr>
+        <p:style>
+          <a:lnRef idx="1">
+            <a:schemeClr val="accent1"/>
+          </a:lnRef>
+          <a:fillRef idx="0">
+            <a:schemeClr val="accent1"/>
+          </a:fillRef>
+          <a:effectRef idx="0">
+            <a:schemeClr val="accent1"/>
+          </a:effectRef>
+          <a:fontRef idx="minor">
+            <a:schemeClr val="tx1"/>
+          </a:fontRef>
+        </p:style>
+      </p:cxnSp>
+      <p:grpSp>
+        <p:nvGrpSpPr>
+          <p:cNvPr id="26" name="Group 25">
+            <a:extLst>
+              <a:ext uri="{FF2B5EF4-FFF2-40B4-BE49-F238E27FC236}">
+                <a16:creationId xmlns:a16="http://schemas.microsoft.com/office/drawing/2014/main" id="{C9C5E1EB-45B8-465C-B0B4-434626BA3FE9}"/>
+              </a:ext>
+            </a:extLst>
+          </p:cNvPr>
+          <p:cNvGrpSpPr/>
+          <p:nvPr/>
+        </p:nvGrpSpPr>
+        <p:grpSpPr>
+          <a:xfrm>
+            <a:off x="3230113" y="1722865"/>
+            <a:ext cx="1314450" cy="1191101"/>
+            <a:chOff x="3473450" y="1362075"/>
+            <a:chExt cx="1314450" cy="1191101"/>
+          </a:xfrm>
+        </p:grpSpPr>
+        <p:sp>
+          <p:nvSpPr>
+            <p:cNvPr id="6" name="Oval 5">
+              <a:extLst>
+                <a:ext uri="{FF2B5EF4-FFF2-40B4-BE49-F238E27FC236}">
+                  <a16:creationId xmlns:a16="http://schemas.microsoft.com/office/drawing/2014/main" id="{470D599C-3F89-4886-9C49-233CC1602D01}"/>
+                </a:ext>
+              </a:extLst>
+            </p:cNvPr>
+            <p:cNvSpPr/>
+            <p:nvPr/>
+          </p:nvSpPr>
+          <p:spPr>
+            <a:xfrm>
+              <a:off x="3841750" y="1362075"/>
+              <a:ext cx="190500" cy="190500"/>
+            </a:xfrm>
+            <a:prstGeom prst="ellipse">
+              <a:avLst/>
+            </a:prstGeom>
+            <a:solidFill>
+              <a:schemeClr val="accent6">
+                <a:lumMod val="40000"/>
+                <a:lumOff val="60000"/>
+              </a:schemeClr>
+            </a:solidFill>
+            <a:ln>
+              <a:solidFill>
+                <a:schemeClr val="accent6">
+                  <a:lumMod val="75000"/>
+                </a:schemeClr>
+              </a:solidFill>
+            </a:ln>
+          </p:spPr>
+          <p:style>
+            <a:lnRef idx="2">
+              <a:schemeClr val="accent1">
+                <a:shade val="50000"/>
+              </a:schemeClr>
+            </a:lnRef>
+            <a:fillRef idx="1">
+              <a:schemeClr val="accent1"/>
+            </a:fillRef>
+            <a:effectRef idx="0">
+              <a:schemeClr val="accent1"/>
+            </a:effectRef>
+            <a:fontRef idx="minor">
+              <a:schemeClr val="lt1"/>
+            </a:fontRef>
+          </p:style>
+          <p:txBody>
+            <a:bodyPr rtlCol="0" anchor="ctr"/>
+            <a:lstStyle/>
+            <a:p>
+              <a:pPr algn="ctr"/>
+              <a:endParaRPr lang="en-US"/>
+            </a:p>
+          </p:txBody>
+        </p:sp>
+        <p:sp>
+          <p:nvSpPr>
+            <p:cNvPr id="10" name="Oval 9">
+              <a:extLst>
+                <a:ext uri="{FF2B5EF4-FFF2-40B4-BE49-F238E27FC236}">
+                  <a16:creationId xmlns:a16="http://schemas.microsoft.com/office/drawing/2014/main" id="{78A16A7B-ED5A-4841-9100-606221F042A4}"/>
+                </a:ext>
+              </a:extLst>
+            </p:cNvPr>
+            <p:cNvSpPr/>
+            <p:nvPr/>
+          </p:nvSpPr>
+          <p:spPr>
+            <a:xfrm>
+              <a:off x="3473450" y="1869281"/>
+              <a:ext cx="190500" cy="190500"/>
+            </a:xfrm>
+            <a:prstGeom prst="ellipse">
+              <a:avLst/>
+            </a:prstGeom>
+            <a:solidFill>
+              <a:schemeClr val="accent6">
+                <a:lumMod val="40000"/>
+                <a:lumOff val="60000"/>
+              </a:schemeClr>
+            </a:solidFill>
+            <a:ln>
+              <a:solidFill>
+                <a:schemeClr val="accent6">
+                  <a:lumMod val="75000"/>
+                </a:schemeClr>
+              </a:solidFill>
+            </a:ln>
+          </p:spPr>
+          <p:style>
+            <a:lnRef idx="2">
+              <a:schemeClr val="accent1">
+                <a:shade val="50000"/>
+              </a:schemeClr>
+            </a:lnRef>
+            <a:fillRef idx="1">
+              <a:schemeClr val="accent1"/>
+            </a:fillRef>
+            <a:effectRef idx="0">
+              <a:schemeClr val="accent1"/>
+            </a:effectRef>
+            <a:fontRef idx="minor">
+              <a:schemeClr val="lt1"/>
+            </a:fontRef>
+          </p:style>
+          <p:txBody>
+            <a:bodyPr rtlCol="0" anchor="ctr"/>
+            <a:lstStyle/>
+            <a:p>
+              <a:pPr algn="ctr"/>
+              <a:endParaRPr lang="en-US"/>
+            </a:p>
+          </p:txBody>
+        </p:sp>
+        <p:sp>
+          <p:nvSpPr>
+            <p:cNvPr id="11" name="Oval 10">
+              <a:extLst>
+                <a:ext uri="{FF2B5EF4-FFF2-40B4-BE49-F238E27FC236}">
+                  <a16:creationId xmlns:a16="http://schemas.microsoft.com/office/drawing/2014/main" id="{DD7077DB-E4CA-42D0-8062-535BCA33231D}"/>
+                </a:ext>
+              </a:extLst>
+            </p:cNvPr>
+            <p:cNvSpPr/>
+            <p:nvPr/>
+          </p:nvSpPr>
+          <p:spPr>
+            <a:xfrm>
+              <a:off x="4222750" y="1869281"/>
+              <a:ext cx="190500" cy="190500"/>
+            </a:xfrm>
+            <a:prstGeom prst="ellipse">
+              <a:avLst/>
+            </a:prstGeom>
+            <a:solidFill>
+              <a:srgbClr val="FFC000"/>
+            </a:solidFill>
+            <a:ln>
+              <a:solidFill>
+                <a:schemeClr val="accent6">
+                  <a:lumMod val="75000"/>
+                </a:schemeClr>
+              </a:solidFill>
+            </a:ln>
+          </p:spPr>
+          <p:style>
+            <a:lnRef idx="2">
+              <a:schemeClr val="accent1">
+                <a:shade val="50000"/>
+              </a:schemeClr>
+            </a:lnRef>
+            <a:fillRef idx="1">
+              <a:schemeClr val="accent1"/>
+            </a:fillRef>
+            <a:effectRef idx="0">
+              <a:schemeClr val="accent1"/>
+            </a:effectRef>
+            <a:fontRef idx="minor">
+              <a:schemeClr val="lt1"/>
+            </a:fontRef>
+          </p:style>
+          <p:txBody>
+            <a:bodyPr rtlCol="0" anchor="ctr"/>
+            <a:lstStyle/>
+            <a:p>
+              <a:pPr algn="ctr"/>
+              <a:endParaRPr lang="en-US"/>
+            </a:p>
+          </p:txBody>
+        </p:sp>
+        <p:sp>
+          <p:nvSpPr>
+            <p:cNvPr id="12" name="Oval 11">
+              <a:extLst>
+                <a:ext uri="{FF2B5EF4-FFF2-40B4-BE49-F238E27FC236}">
+                  <a16:creationId xmlns:a16="http://schemas.microsoft.com/office/drawing/2014/main" id="{3D3CCC25-56F3-44D6-8B44-3996C81026B6}"/>
+                </a:ext>
+              </a:extLst>
+            </p:cNvPr>
+            <p:cNvSpPr/>
+            <p:nvPr/>
+          </p:nvSpPr>
+          <p:spPr>
+            <a:xfrm>
+              <a:off x="3841750" y="2362676"/>
+              <a:ext cx="190500" cy="190500"/>
+            </a:xfrm>
+            <a:prstGeom prst="ellipse">
+              <a:avLst/>
+            </a:prstGeom>
+            <a:solidFill>
+              <a:schemeClr val="accent6">
+                <a:lumMod val="40000"/>
+                <a:lumOff val="60000"/>
+              </a:schemeClr>
+            </a:solidFill>
+            <a:ln>
+              <a:solidFill>
+                <a:schemeClr val="accent6">
+                  <a:lumMod val="75000"/>
+                </a:schemeClr>
+              </a:solidFill>
+            </a:ln>
+          </p:spPr>
+          <p:style>
+            <a:lnRef idx="2">
+              <a:schemeClr val="accent1">
+                <a:shade val="50000"/>
+              </a:schemeClr>
+            </a:lnRef>
+            <a:fillRef idx="1">
+              <a:schemeClr val="accent1"/>
+            </a:fillRef>
+            <a:effectRef idx="0">
+              <a:schemeClr val="accent1"/>
+            </a:effectRef>
+            <a:fontRef idx="minor">
+              <a:schemeClr val="lt1"/>
+            </a:fontRef>
+          </p:style>
+          <p:txBody>
+            <a:bodyPr rtlCol="0" anchor="ctr"/>
+            <a:lstStyle/>
+            <a:p>
+              <a:pPr algn="ctr"/>
+              <a:endParaRPr lang="en-US"/>
+            </a:p>
+          </p:txBody>
+        </p:sp>
+        <p:sp>
+          <p:nvSpPr>
+            <p:cNvPr id="13" name="Oval 12">
+              <a:extLst>
+                <a:ext uri="{FF2B5EF4-FFF2-40B4-BE49-F238E27FC236}">
+                  <a16:creationId xmlns:a16="http://schemas.microsoft.com/office/drawing/2014/main" id="{0551262F-7014-40A1-B3DA-EBD3D5A57888}"/>
+                </a:ext>
+              </a:extLst>
+            </p:cNvPr>
+            <p:cNvSpPr/>
+            <p:nvPr/>
+          </p:nvSpPr>
+          <p:spPr>
+            <a:xfrm>
+              <a:off x="4597400" y="2362676"/>
+              <a:ext cx="190500" cy="190500"/>
+            </a:xfrm>
+            <a:prstGeom prst="ellipse">
+              <a:avLst/>
+            </a:prstGeom>
+            <a:solidFill>
+              <a:srgbClr val="FFC000"/>
+            </a:solidFill>
+            <a:ln>
+              <a:solidFill>
+                <a:schemeClr val="accent6">
+                  <a:lumMod val="75000"/>
+                </a:schemeClr>
+              </a:solidFill>
+            </a:ln>
+          </p:spPr>
+          <p:style>
+            <a:lnRef idx="2">
+              <a:schemeClr val="accent1">
+                <a:shade val="50000"/>
+              </a:schemeClr>
+            </a:lnRef>
+            <a:fillRef idx="1">
+              <a:schemeClr val="accent1"/>
+            </a:fillRef>
+            <a:effectRef idx="0">
+              <a:schemeClr val="accent1"/>
+            </a:effectRef>
+            <a:fontRef idx="minor">
+              <a:schemeClr val="lt1"/>
+            </a:fontRef>
+          </p:style>
+          <p:txBody>
+            <a:bodyPr rtlCol="0" anchor="ctr"/>
+            <a:lstStyle/>
+            <a:p>
+              <a:pPr algn="ctr"/>
+              <a:endParaRPr lang="en-US" dirty="0"/>
+            </a:p>
+          </p:txBody>
+        </p:sp>
+        <p:cxnSp>
+          <p:nvCxnSpPr>
+            <p:cNvPr id="9" name="Straight Arrow Connector 8">
+              <a:extLst>
+                <a:ext uri="{FF2B5EF4-FFF2-40B4-BE49-F238E27FC236}">
+                  <a16:creationId xmlns:a16="http://schemas.microsoft.com/office/drawing/2014/main" id="{A570A030-BD8A-40B7-886B-8931F720D89E}"/>
+                </a:ext>
+              </a:extLst>
+            </p:cNvPr>
+            <p:cNvCxnSpPr>
+              <a:cxnSpLocks/>
+              <a:stCxn id="6" idx="3"/>
+              <a:endCxn id="10" idx="6"/>
+            </p:cNvCxnSpPr>
+            <p:nvPr/>
+          </p:nvCxnSpPr>
+          <p:spPr>
+            <a:xfrm flipH="1">
+              <a:off x="3636052" y="1524677"/>
+              <a:ext cx="233596" cy="372502"/>
+            </a:xfrm>
+            <a:prstGeom prst="straightConnector1">
+              <a:avLst/>
+            </a:prstGeom>
+            <a:ln w="25400">
+              <a:tailEnd type="triangle"/>
+            </a:ln>
+          </p:spPr>
+          <p:style>
+            <a:lnRef idx="1">
+              <a:schemeClr val="accent1"/>
+            </a:lnRef>
+            <a:fillRef idx="0">
+              <a:schemeClr val="accent1"/>
+            </a:fillRef>
+            <a:effectRef idx="0">
+              <a:schemeClr val="accent1"/>
+            </a:effectRef>
+            <a:fontRef idx="minor">
+              <a:schemeClr val="tx1"/>
+            </a:fontRef>
+          </p:style>
+        </p:cxnSp>
+        <p:cxnSp>
+          <p:nvCxnSpPr>
+            <p:cNvPr id="16" name="Straight Arrow Connector 15">
+              <a:extLst>
+                <a:ext uri="{FF2B5EF4-FFF2-40B4-BE49-F238E27FC236}">
+                  <a16:creationId xmlns:a16="http://schemas.microsoft.com/office/drawing/2014/main" id="{A67836DA-BBDF-4AA1-9287-B74AADA97FDB}"/>
+                </a:ext>
+              </a:extLst>
+            </p:cNvPr>
+            <p:cNvCxnSpPr>
+              <a:cxnSpLocks/>
+              <a:stCxn id="6" idx="5"/>
+              <a:endCxn id="11" idx="1"/>
+            </p:cNvCxnSpPr>
+            <p:nvPr/>
+          </p:nvCxnSpPr>
+          <p:spPr>
+            <a:xfrm>
+              <a:off x="4004352" y="1524677"/>
+              <a:ext cx="246296" cy="372502"/>
+            </a:xfrm>
+            <a:prstGeom prst="straightConnector1">
+              <a:avLst/>
+            </a:prstGeom>
+            <a:ln w="25400">
+              <a:tailEnd type="triangle"/>
+            </a:ln>
+          </p:spPr>
+          <p:style>
+            <a:lnRef idx="1">
+              <a:schemeClr val="accent1"/>
+            </a:lnRef>
+            <a:fillRef idx="0">
+              <a:schemeClr val="accent1"/>
+            </a:fillRef>
+            <a:effectRef idx="0">
+              <a:schemeClr val="accent1"/>
+            </a:effectRef>
+            <a:fontRef idx="minor">
+              <a:schemeClr val="tx1"/>
+            </a:fontRef>
+          </p:style>
+        </p:cxnSp>
+        <p:cxnSp>
+          <p:nvCxnSpPr>
+            <p:cNvPr id="19" name="Straight Arrow Connector 18">
+              <a:extLst>
+                <a:ext uri="{FF2B5EF4-FFF2-40B4-BE49-F238E27FC236}">
+                  <a16:creationId xmlns:a16="http://schemas.microsoft.com/office/drawing/2014/main" id="{4BFCEB90-0F52-4654-BF5F-ED99ABC9EE00}"/>
+                </a:ext>
+              </a:extLst>
+            </p:cNvPr>
+            <p:cNvCxnSpPr>
+              <a:cxnSpLocks/>
+              <a:stCxn id="11" idx="3"/>
+              <a:endCxn id="12" idx="7"/>
+            </p:cNvCxnSpPr>
+            <p:nvPr/>
+          </p:nvCxnSpPr>
+          <p:spPr>
+            <a:xfrm flipH="1">
+              <a:off x="4004352" y="2031883"/>
+              <a:ext cx="246296" cy="358691"/>
+            </a:xfrm>
+            <a:prstGeom prst="straightConnector1">
+              <a:avLst/>
+            </a:prstGeom>
+            <a:ln w="25400">
+              <a:tailEnd type="triangle"/>
+            </a:ln>
+          </p:spPr>
+          <p:style>
+            <a:lnRef idx="1">
+              <a:schemeClr val="accent1"/>
+            </a:lnRef>
+            <a:fillRef idx="0">
+              <a:schemeClr val="accent1"/>
+            </a:fillRef>
+            <a:effectRef idx="0">
+              <a:schemeClr val="accent1"/>
+            </a:effectRef>
+            <a:fontRef idx="minor">
+              <a:schemeClr val="tx1"/>
+            </a:fontRef>
+          </p:style>
+        </p:cxnSp>
+        <p:cxnSp>
+          <p:nvCxnSpPr>
+            <p:cNvPr id="22" name="Straight Arrow Connector 21">
+              <a:extLst>
+                <a:ext uri="{FF2B5EF4-FFF2-40B4-BE49-F238E27FC236}">
+                  <a16:creationId xmlns:a16="http://schemas.microsoft.com/office/drawing/2014/main" id="{78729F2F-4120-4631-B35F-1DA81F1BE9A1}"/>
+                </a:ext>
+              </a:extLst>
+            </p:cNvPr>
+            <p:cNvCxnSpPr>
+              <a:cxnSpLocks/>
+              <a:stCxn id="11" idx="5"/>
+              <a:endCxn id="13" idx="1"/>
+            </p:cNvCxnSpPr>
+            <p:nvPr/>
+          </p:nvCxnSpPr>
+          <p:spPr>
+            <a:xfrm>
+              <a:off x="4385352" y="2031883"/>
+              <a:ext cx="239946" cy="358691"/>
+            </a:xfrm>
+            <a:prstGeom prst="straightConnector1">
+              <a:avLst/>
+            </a:prstGeom>
+            <a:ln w="25400">
+              <a:solidFill>
+                <a:srgbClr val="FF0000"/>
+              </a:solidFill>
+              <a:tailEnd type="triangle"/>
+            </a:ln>
+          </p:spPr>
+          <p:style>
+            <a:lnRef idx="1">
+              <a:schemeClr val="accent1"/>
+            </a:lnRef>
+            <a:fillRef idx="0">
+              <a:schemeClr val="accent1"/>
+            </a:fillRef>
+            <a:effectRef idx="0">
+              <a:schemeClr val="accent1"/>
+            </a:effectRef>
+            <a:fontRef idx="minor">
+              <a:schemeClr val="tx1"/>
+            </a:fontRef>
+          </p:style>
+        </p:cxnSp>
+      </p:grpSp>
+      <p:sp>
+        <p:nvSpPr>
+          <p:cNvPr id="39" name="TextBox 38">
+            <a:extLst>
+              <a:ext uri="{FF2B5EF4-FFF2-40B4-BE49-F238E27FC236}">
+                <a16:creationId xmlns:a16="http://schemas.microsoft.com/office/drawing/2014/main" id="{DFF9EEFC-8DFB-4D04-BF39-56044C2D8B85}"/>
+              </a:ext>
+            </a:extLst>
+          </p:cNvPr>
+          <p:cNvSpPr txBox="1"/>
+          <p:nvPr/>
+        </p:nvSpPr>
+        <p:spPr>
+          <a:xfrm>
+            <a:off x="3095627" y="1640355"/>
+            <a:ext cx="550168" cy="369332"/>
+          </a:xfrm>
+          <a:prstGeom prst="rect">
+            <a:avLst/>
+          </a:prstGeom>
+          <a:noFill/>
+        </p:spPr>
+        <p:txBody>
+          <a:bodyPr wrap="square" rtlCol="0">
+            <a:spAutoFit/>
+          </a:bodyPr>
+          <a:lstStyle/>
+          <a:p>
+            <a:r>
+              <a:rPr lang="en-US" dirty="0"/>
+              <a:t>AST</a:t>
+            </a:r>
+          </a:p>
+        </p:txBody>
+      </p:sp>
+      <p:cxnSp>
+        <p:nvCxnSpPr>
+          <p:cNvPr id="34" name="Straight Arrow Connector 33">
+            <a:extLst>
+              <a:ext uri="{FF2B5EF4-FFF2-40B4-BE49-F238E27FC236}">
+                <a16:creationId xmlns:a16="http://schemas.microsoft.com/office/drawing/2014/main" id="{800ABE5A-ED23-4F9A-97BE-93D8F344DAF2}"/>
+              </a:ext>
+            </a:extLst>
+          </p:cNvPr>
+          <p:cNvCxnSpPr>
+            <a:cxnSpLocks/>
+            <a:stCxn id="6" idx="4"/>
+          </p:cNvCxnSpPr>
+          <p:nvPr/>
+        </p:nvCxnSpPr>
+        <p:spPr>
+          <a:xfrm>
+            <a:off x="3693663" y="1913365"/>
+            <a:ext cx="0" cy="353860"/>
+          </a:xfrm>
+          <a:prstGeom prst="straightConnector1">
+            <a:avLst/>
+          </a:prstGeom>
+          <a:ln w="12700">
+            <a:tailEnd type="triangle"/>
+          </a:ln>
+        </p:spPr>
+        <p:style>
+          <a:lnRef idx="1">
+            <a:schemeClr val="accent1"/>
+          </a:lnRef>
+          <a:fillRef idx="0">
+            <a:schemeClr val="accent1"/>
+          </a:fillRef>
+          <a:effectRef idx="0">
+            <a:schemeClr val="accent1"/>
+          </a:effectRef>
+          <a:fontRef idx="minor">
+            <a:schemeClr val="tx1"/>
+          </a:fontRef>
+        </p:style>
+      </p:cxnSp>
+      <p:cxnSp>
+        <p:nvCxnSpPr>
+          <p:cNvPr id="80" name="Straight Arrow Connector 79">
+            <a:extLst>
+              <a:ext uri="{FF2B5EF4-FFF2-40B4-BE49-F238E27FC236}">
+                <a16:creationId xmlns:a16="http://schemas.microsoft.com/office/drawing/2014/main" id="{A1D73F36-E776-4ED8-AACF-B1FD34EBCB56}"/>
+              </a:ext>
+            </a:extLst>
+          </p:cNvPr>
+          <p:cNvCxnSpPr/>
+          <p:nvPr/>
+        </p:nvCxnSpPr>
+        <p:spPr>
+          <a:xfrm flipV="1">
+            <a:off x="3018685" y="2887518"/>
+            <a:ext cx="332860" cy="2649"/>
+          </a:xfrm>
+          <a:prstGeom prst="straightConnector1">
+            <a:avLst/>
+          </a:prstGeom>
+          <a:ln w="25400">
+            <a:tailEnd type="triangle"/>
+          </a:ln>
+        </p:spPr>
+        <p:style>
+          <a:lnRef idx="1">
+            <a:schemeClr val="accent1"/>
+          </a:lnRef>
+          <a:fillRef idx="0">
+            <a:schemeClr val="accent1"/>
+          </a:fillRef>
+          <a:effectRef idx="0">
+            <a:schemeClr val="accent1"/>
+          </a:effectRef>
+          <a:fontRef idx="minor">
+            <a:schemeClr val="tx1"/>
+          </a:fontRef>
+        </p:style>
+      </p:cxnSp>
+      <p:cxnSp>
+        <p:nvCxnSpPr>
+          <p:cNvPr id="111" name="Straight Arrow Connector 110">
+            <a:extLst>
+              <a:ext uri="{FF2B5EF4-FFF2-40B4-BE49-F238E27FC236}">
+                <a16:creationId xmlns:a16="http://schemas.microsoft.com/office/drawing/2014/main" id="{1671B46B-0761-4984-BC79-3FC406BE6EDC}"/>
+              </a:ext>
+            </a:extLst>
+          </p:cNvPr>
+          <p:cNvCxnSpPr>
+            <a:cxnSpLocks/>
+          </p:cNvCxnSpPr>
+          <p:nvPr/>
+        </p:nvCxnSpPr>
+        <p:spPr>
+          <a:xfrm flipH="1">
+            <a:off x="6817240" y="2071717"/>
+            <a:ext cx="368300" cy="1"/>
+          </a:xfrm>
+          <a:prstGeom prst="straightConnector1">
+            <a:avLst/>
+          </a:prstGeom>
+          <a:ln w="25400">
+            <a:tailEnd type="triangle"/>
+          </a:ln>
+        </p:spPr>
+        <p:style>
+          <a:lnRef idx="1">
+            <a:schemeClr val="accent1"/>
+          </a:lnRef>
+          <a:fillRef idx="0">
+            <a:schemeClr val="accent1"/>
+          </a:fillRef>
+          <a:effectRef idx="0">
+            <a:schemeClr val="accent1"/>
+          </a:effectRef>
+          <a:fontRef idx="minor">
+            <a:schemeClr val="tx1"/>
+          </a:fontRef>
+        </p:style>
+      </p:cxnSp>
+      <p:grpSp>
+        <p:nvGrpSpPr>
+          <p:cNvPr id="98" name="Group 97">
+            <a:extLst>
+              <a:ext uri="{FF2B5EF4-FFF2-40B4-BE49-F238E27FC236}">
+                <a16:creationId xmlns:a16="http://schemas.microsoft.com/office/drawing/2014/main" id="{7A60005C-BF80-4A5F-B7FC-0DB985BA956C}"/>
+              </a:ext>
+            </a:extLst>
+          </p:cNvPr>
+          <p:cNvGrpSpPr/>
+          <p:nvPr/>
+        </p:nvGrpSpPr>
+        <p:grpSpPr>
+          <a:xfrm>
+            <a:off x="7214290" y="1713617"/>
+            <a:ext cx="1151848" cy="1191101"/>
+            <a:chOff x="3473450" y="1362075"/>
+            <a:chExt cx="1151848" cy="1191101"/>
+          </a:xfrm>
+        </p:grpSpPr>
+        <p:sp>
+          <p:nvSpPr>
+            <p:cNvPr id="100" name="Oval 99">
+              <a:extLst>
+                <a:ext uri="{FF2B5EF4-FFF2-40B4-BE49-F238E27FC236}">
+                  <a16:creationId xmlns:a16="http://schemas.microsoft.com/office/drawing/2014/main" id="{37825BF5-8DF9-4C40-949A-C43DDCA6E08C}"/>
+                </a:ext>
+              </a:extLst>
+            </p:cNvPr>
+            <p:cNvSpPr/>
+            <p:nvPr/>
+          </p:nvSpPr>
+          <p:spPr>
+            <a:xfrm>
+              <a:off x="3841750" y="1362075"/>
+              <a:ext cx="190500" cy="190500"/>
+            </a:xfrm>
+            <a:prstGeom prst="ellipse">
+              <a:avLst/>
+            </a:prstGeom>
+            <a:solidFill>
+              <a:schemeClr val="accent6">
+                <a:lumMod val="40000"/>
+                <a:lumOff val="60000"/>
+              </a:schemeClr>
+            </a:solidFill>
+            <a:ln>
+              <a:solidFill>
+                <a:schemeClr val="accent6">
+                  <a:lumMod val="75000"/>
+                </a:schemeClr>
+              </a:solidFill>
+            </a:ln>
+          </p:spPr>
+          <p:style>
+            <a:lnRef idx="2">
+              <a:schemeClr val="accent1">
+                <a:shade val="50000"/>
+              </a:schemeClr>
+            </a:lnRef>
+            <a:fillRef idx="1">
+              <a:schemeClr val="accent1"/>
+            </a:fillRef>
+            <a:effectRef idx="0">
+              <a:schemeClr val="accent1"/>
+            </a:effectRef>
+            <a:fontRef idx="minor">
+              <a:schemeClr val="lt1"/>
+            </a:fontRef>
+          </p:style>
+          <p:txBody>
+            <a:bodyPr rtlCol="0" anchor="ctr"/>
+            <a:lstStyle/>
+            <a:p>
+              <a:pPr algn="ctr"/>
+              <a:endParaRPr lang="en-US"/>
+            </a:p>
+          </p:txBody>
+        </p:sp>
+        <p:sp>
+          <p:nvSpPr>
+            <p:cNvPr id="101" name="Oval 100">
+              <a:extLst>
+                <a:ext uri="{FF2B5EF4-FFF2-40B4-BE49-F238E27FC236}">
+                  <a16:creationId xmlns:a16="http://schemas.microsoft.com/office/drawing/2014/main" id="{4135860D-F88C-4583-85F5-57509D219125}"/>
+                </a:ext>
+              </a:extLst>
+            </p:cNvPr>
+            <p:cNvSpPr/>
+            <p:nvPr/>
+          </p:nvSpPr>
+          <p:spPr>
+            <a:xfrm>
+              <a:off x="3473450" y="1869281"/>
+              <a:ext cx="190500" cy="190500"/>
+            </a:xfrm>
+            <a:prstGeom prst="ellipse">
+              <a:avLst/>
+            </a:prstGeom>
+            <a:solidFill>
+              <a:schemeClr val="accent6">
+                <a:lumMod val="40000"/>
+                <a:lumOff val="60000"/>
+              </a:schemeClr>
+            </a:solidFill>
+            <a:ln>
+              <a:solidFill>
+                <a:schemeClr val="accent6">
+                  <a:lumMod val="75000"/>
+                </a:schemeClr>
+              </a:solidFill>
+            </a:ln>
+          </p:spPr>
+          <p:style>
+            <a:lnRef idx="2">
+              <a:schemeClr val="accent1">
+                <a:shade val="50000"/>
+              </a:schemeClr>
+            </a:lnRef>
+            <a:fillRef idx="1">
+              <a:schemeClr val="accent1"/>
+            </a:fillRef>
+            <a:effectRef idx="0">
+              <a:schemeClr val="accent1"/>
+            </a:effectRef>
+            <a:fontRef idx="minor">
+              <a:schemeClr val="lt1"/>
+            </a:fontRef>
+          </p:style>
+          <p:txBody>
+            <a:bodyPr rtlCol="0" anchor="ctr"/>
+            <a:lstStyle/>
+            <a:p>
+              <a:pPr algn="ctr"/>
+              <a:endParaRPr lang="en-US"/>
+            </a:p>
+          </p:txBody>
+        </p:sp>
+        <p:sp>
+          <p:nvSpPr>
+            <p:cNvPr id="103" name="Oval 102">
+              <a:extLst>
+                <a:ext uri="{FF2B5EF4-FFF2-40B4-BE49-F238E27FC236}">
+                  <a16:creationId xmlns:a16="http://schemas.microsoft.com/office/drawing/2014/main" id="{CD343876-6D97-4973-A25E-7CF146F9F827}"/>
+                </a:ext>
+              </a:extLst>
+            </p:cNvPr>
+            <p:cNvSpPr/>
+            <p:nvPr/>
+          </p:nvSpPr>
+          <p:spPr>
+            <a:xfrm>
+              <a:off x="3841750" y="2362676"/>
+              <a:ext cx="190500" cy="190500"/>
+            </a:xfrm>
+            <a:prstGeom prst="ellipse">
+              <a:avLst/>
+            </a:prstGeom>
+            <a:solidFill>
+              <a:schemeClr val="accent6">
+                <a:lumMod val="40000"/>
+                <a:lumOff val="60000"/>
+              </a:schemeClr>
+            </a:solidFill>
+            <a:ln>
+              <a:solidFill>
+                <a:schemeClr val="accent6">
+                  <a:lumMod val="75000"/>
+                </a:schemeClr>
+              </a:solidFill>
+            </a:ln>
+          </p:spPr>
+          <p:style>
+            <a:lnRef idx="2">
+              <a:schemeClr val="accent1">
+                <a:shade val="50000"/>
+              </a:schemeClr>
+            </a:lnRef>
+            <a:fillRef idx="1">
+              <a:schemeClr val="accent1"/>
+            </a:fillRef>
+            <a:effectRef idx="0">
+              <a:schemeClr val="accent1"/>
+            </a:effectRef>
+            <a:fontRef idx="minor">
+              <a:schemeClr val="lt1"/>
+            </a:fontRef>
+          </p:style>
+          <p:txBody>
+            <a:bodyPr rtlCol="0" anchor="ctr"/>
+            <a:lstStyle/>
+            <a:p>
+              <a:pPr algn="ctr"/>
+              <a:endParaRPr lang="en-US"/>
+            </a:p>
+          </p:txBody>
+        </p:sp>
+        <p:cxnSp>
+          <p:nvCxnSpPr>
+            <p:cNvPr id="105" name="Straight Arrow Connector 104">
+              <a:extLst>
+                <a:ext uri="{FF2B5EF4-FFF2-40B4-BE49-F238E27FC236}">
+                  <a16:creationId xmlns:a16="http://schemas.microsoft.com/office/drawing/2014/main" id="{47896730-4B6E-4D6F-9D0F-773801307D90}"/>
+                </a:ext>
+              </a:extLst>
+            </p:cNvPr>
+            <p:cNvCxnSpPr>
+              <a:stCxn id="100" idx="3"/>
+              <a:endCxn id="101" idx="6"/>
+            </p:cNvCxnSpPr>
+            <p:nvPr/>
+          </p:nvCxnSpPr>
+          <p:spPr>
+            <a:xfrm flipH="1">
+              <a:off x="3636052" y="1524677"/>
+              <a:ext cx="233596" cy="372502"/>
+            </a:xfrm>
+            <a:prstGeom prst="straightConnector1">
+              <a:avLst/>
+            </a:prstGeom>
+            <a:ln w="25400">
+              <a:tailEnd type="triangle"/>
+            </a:ln>
+          </p:spPr>
+          <p:style>
+            <a:lnRef idx="1">
+              <a:schemeClr val="accent1"/>
+            </a:lnRef>
+            <a:fillRef idx="0">
+              <a:schemeClr val="accent1"/>
+            </a:fillRef>
+            <a:effectRef idx="0">
+              <a:schemeClr val="accent1"/>
+            </a:effectRef>
+            <a:fontRef idx="minor">
+              <a:schemeClr val="tx1"/>
+            </a:fontRef>
+          </p:style>
+        </p:cxnSp>
+        <p:cxnSp>
+          <p:nvCxnSpPr>
+            <p:cNvPr id="106" name="Straight Arrow Connector 105">
+              <a:extLst>
+                <a:ext uri="{FF2B5EF4-FFF2-40B4-BE49-F238E27FC236}">
+                  <a16:creationId xmlns:a16="http://schemas.microsoft.com/office/drawing/2014/main" id="{D71847B8-D3B4-4C67-AE56-3D95F4A01658}"/>
+                </a:ext>
+              </a:extLst>
+            </p:cNvPr>
+            <p:cNvCxnSpPr>
+              <a:cxnSpLocks/>
+              <a:stCxn id="100" idx="5"/>
+            </p:cNvCxnSpPr>
+            <p:nvPr/>
+          </p:nvCxnSpPr>
+          <p:spPr>
+            <a:xfrm>
+              <a:off x="4004352" y="1524677"/>
+              <a:ext cx="246296" cy="372502"/>
+            </a:xfrm>
+            <a:prstGeom prst="straightConnector1">
+              <a:avLst/>
+            </a:prstGeom>
+            <a:ln w="25400">
+              <a:tailEnd type="triangle"/>
+            </a:ln>
+          </p:spPr>
+          <p:style>
+            <a:lnRef idx="1">
+              <a:schemeClr val="accent1"/>
+            </a:lnRef>
+            <a:fillRef idx="0">
+              <a:schemeClr val="accent1"/>
+            </a:fillRef>
+            <a:effectRef idx="0">
+              <a:schemeClr val="accent1"/>
+            </a:effectRef>
+            <a:fontRef idx="minor">
+              <a:schemeClr val="tx1"/>
+            </a:fontRef>
+          </p:style>
+        </p:cxnSp>
+        <p:cxnSp>
+          <p:nvCxnSpPr>
+            <p:cNvPr id="107" name="Straight Arrow Connector 106">
+              <a:extLst>
+                <a:ext uri="{FF2B5EF4-FFF2-40B4-BE49-F238E27FC236}">
+                  <a16:creationId xmlns:a16="http://schemas.microsoft.com/office/drawing/2014/main" id="{418EA2D4-3D5F-4CD9-B8F9-C667C7A4B08D}"/>
+                </a:ext>
+              </a:extLst>
+            </p:cNvPr>
+            <p:cNvCxnSpPr>
+              <a:cxnSpLocks/>
+              <a:endCxn id="103" idx="7"/>
+            </p:cNvCxnSpPr>
+            <p:nvPr/>
+          </p:nvCxnSpPr>
+          <p:spPr>
+            <a:xfrm flipH="1">
+              <a:off x="4004352" y="2031883"/>
+              <a:ext cx="246296" cy="358691"/>
+            </a:xfrm>
+            <a:prstGeom prst="straightConnector1">
+              <a:avLst/>
+            </a:prstGeom>
+            <a:ln w="25400">
+              <a:tailEnd type="triangle"/>
+            </a:ln>
+          </p:spPr>
+          <p:style>
+            <a:lnRef idx="1">
+              <a:schemeClr val="accent1"/>
+            </a:lnRef>
+            <a:fillRef idx="0">
+              <a:schemeClr val="accent1"/>
+            </a:fillRef>
+            <a:effectRef idx="0">
+              <a:schemeClr val="accent1"/>
+            </a:effectRef>
+            <a:fontRef idx="minor">
+              <a:schemeClr val="tx1"/>
+            </a:fontRef>
+          </p:style>
+        </p:cxnSp>
+        <p:cxnSp>
+          <p:nvCxnSpPr>
+            <p:cNvPr id="108" name="Straight Arrow Connector 107">
+              <a:extLst>
+                <a:ext uri="{FF2B5EF4-FFF2-40B4-BE49-F238E27FC236}">
+                  <a16:creationId xmlns:a16="http://schemas.microsoft.com/office/drawing/2014/main" id="{870D8B2F-0C38-4196-9F2F-2E9766576409}"/>
+                </a:ext>
+              </a:extLst>
+            </p:cNvPr>
+            <p:cNvCxnSpPr>
+              <a:cxnSpLocks/>
+            </p:cNvCxnSpPr>
+            <p:nvPr/>
+          </p:nvCxnSpPr>
+          <p:spPr>
+            <a:xfrm>
+              <a:off x="4385352" y="2031883"/>
+              <a:ext cx="239946" cy="358691"/>
+            </a:xfrm>
+            <a:prstGeom prst="straightConnector1">
+              <a:avLst/>
+            </a:prstGeom>
+            <a:ln w="25400">
+              <a:solidFill>
+                <a:srgbClr val="0070C0"/>
+              </a:solidFill>
+              <a:tailEnd type="triangle"/>
+            </a:ln>
+          </p:spPr>
+          <p:style>
+            <a:lnRef idx="1">
+              <a:schemeClr val="accent1"/>
+            </a:lnRef>
+            <a:fillRef idx="0">
+              <a:schemeClr val="accent1"/>
+            </a:fillRef>
+            <a:effectRef idx="0">
+              <a:schemeClr val="accent1"/>
+            </a:effectRef>
+            <a:fontRef idx="minor">
+              <a:schemeClr val="tx1"/>
+            </a:fontRef>
+          </p:style>
+        </p:cxnSp>
+      </p:grpSp>
+      <p:sp>
+        <p:nvSpPr>
+          <p:cNvPr id="99" name="TextBox 98">
+            <a:extLst>
+              <a:ext uri="{FF2B5EF4-FFF2-40B4-BE49-F238E27FC236}">
+                <a16:creationId xmlns:a16="http://schemas.microsoft.com/office/drawing/2014/main" id="{7C73FF0B-17B1-415B-940F-71BD1A376589}"/>
+              </a:ext>
+            </a:extLst>
+          </p:cNvPr>
+          <p:cNvSpPr txBox="1"/>
+          <p:nvPr/>
+        </p:nvSpPr>
+        <p:spPr>
+          <a:xfrm>
+            <a:off x="8068143" y="1616361"/>
+            <a:ext cx="721400" cy="646331"/>
+          </a:xfrm>
+          <a:prstGeom prst="rect">
+            <a:avLst/>
+          </a:prstGeom>
+          <a:noFill/>
+        </p:spPr>
+        <p:txBody>
+          <a:bodyPr wrap="square" rtlCol="0">
+            <a:spAutoFit/>
+          </a:bodyPr>
+          <a:lstStyle/>
+          <a:p>
+            <a:r>
+              <a:rPr lang="en-US" dirty="0"/>
+              <a:t>Fixed AST</a:t>
+            </a:r>
+          </a:p>
+        </p:txBody>
+      </p:sp>
+      <p:cxnSp>
+        <p:nvCxnSpPr>
+          <p:cNvPr id="97" name="Straight Arrow Connector 96">
+            <a:extLst>
+              <a:ext uri="{FF2B5EF4-FFF2-40B4-BE49-F238E27FC236}">
+                <a16:creationId xmlns:a16="http://schemas.microsoft.com/office/drawing/2014/main" id="{55317DA4-035D-45BC-9EEA-D63B59815E1F}"/>
+              </a:ext>
+            </a:extLst>
+          </p:cNvPr>
+          <p:cNvCxnSpPr>
+            <a:cxnSpLocks/>
+            <a:stCxn id="100" idx="4"/>
+          </p:cNvCxnSpPr>
+          <p:nvPr/>
+        </p:nvCxnSpPr>
+        <p:spPr>
+          <a:xfrm>
+            <a:off x="7677840" y="1904117"/>
+            <a:ext cx="0" cy="353860"/>
+          </a:xfrm>
+          <a:prstGeom prst="straightConnector1">
+            <a:avLst/>
+          </a:prstGeom>
+          <a:ln w="12700">
+            <a:tailEnd type="triangle"/>
+          </a:ln>
+        </p:spPr>
+        <p:style>
+          <a:lnRef idx="1">
+            <a:schemeClr val="accent1"/>
+          </a:lnRef>
+          <a:fillRef idx="0">
+            <a:schemeClr val="accent1"/>
+          </a:fillRef>
+          <a:effectRef idx="0">
+            <a:schemeClr val="accent1"/>
+          </a:effectRef>
+          <a:fontRef idx="minor">
+            <a:schemeClr val="tx1"/>
+          </a:fontRef>
+        </p:style>
+      </p:cxnSp>
+      <p:sp>
+        <p:nvSpPr>
+          <p:cNvPr id="113" name="Oval 112">
+            <a:extLst>
+              <a:ext uri="{FF2B5EF4-FFF2-40B4-BE49-F238E27FC236}">
+                <a16:creationId xmlns:a16="http://schemas.microsoft.com/office/drawing/2014/main" id="{41FEBBB0-0CA4-446E-A301-66AFE2A021D3}"/>
+              </a:ext>
+            </a:extLst>
+          </p:cNvPr>
+          <p:cNvSpPr/>
+          <p:nvPr/>
+        </p:nvSpPr>
+        <p:spPr>
+          <a:xfrm>
+            <a:off x="7958092" y="2216320"/>
+            <a:ext cx="190500" cy="190500"/>
+          </a:xfrm>
+          <a:prstGeom prst="ellipse">
+            <a:avLst/>
+          </a:prstGeom>
+          <a:solidFill>
+            <a:schemeClr val="accent6">
+              <a:lumMod val="40000"/>
+              <a:lumOff val="60000"/>
+            </a:schemeClr>
+          </a:solidFill>
+          <a:ln>
+            <a:solidFill>
+              <a:schemeClr val="accent6">
+                <a:lumMod val="75000"/>
+              </a:schemeClr>
+            </a:solidFill>
+          </a:ln>
+        </p:spPr>
+        <p:style>
+          <a:lnRef idx="2">
+            <a:schemeClr val="accent1">
+              <a:shade val="50000"/>
+            </a:schemeClr>
+          </a:lnRef>
+          <a:fillRef idx="1">
+            <a:schemeClr val="accent1"/>
+          </a:fillRef>
+          <a:effectRef idx="0">
+            <a:schemeClr val="accent1"/>
+          </a:effectRef>
+          <a:fontRef idx="minor">
+            <a:schemeClr val="lt1"/>
+          </a:fontRef>
+        </p:style>
+        <p:txBody>
+          <a:bodyPr rtlCol="0" anchor="ctr"/>
+          <a:lstStyle/>
+          <a:p>
+            <a:pPr algn="ctr"/>
+            <a:endParaRPr lang="en-US"/>
+          </a:p>
+        </p:txBody>
+      </p:sp>
+      <p:sp>
+        <p:nvSpPr>
+          <p:cNvPr id="114" name="Oval 113">
+            <a:extLst>
+              <a:ext uri="{FF2B5EF4-FFF2-40B4-BE49-F238E27FC236}">
+                <a16:creationId xmlns:a16="http://schemas.microsoft.com/office/drawing/2014/main" id="{C16FEF62-917A-4417-95CB-1C6132E32A14}"/>
+              </a:ext>
+            </a:extLst>
+          </p:cNvPr>
+          <p:cNvSpPr/>
+          <p:nvPr/>
+        </p:nvSpPr>
+        <p:spPr>
+          <a:xfrm>
+            <a:off x="8308436" y="2728445"/>
+            <a:ext cx="190500" cy="190500"/>
+          </a:xfrm>
+          <a:prstGeom prst="ellipse">
+            <a:avLst/>
+          </a:prstGeom>
+          <a:solidFill>
+            <a:schemeClr val="accent6">
+              <a:lumMod val="40000"/>
+              <a:lumOff val="60000"/>
+            </a:schemeClr>
+          </a:solidFill>
+          <a:ln>
+            <a:solidFill>
+              <a:schemeClr val="accent6">
+                <a:lumMod val="75000"/>
+              </a:schemeClr>
+            </a:solidFill>
+          </a:ln>
+        </p:spPr>
+        <p:style>
+          <a:lnRef idx="2">
+            <a:schemeClr val="accent1">
+              <a:shade val="50000"/>
+            </a:schemeClr>
+          </a:lnRef>
+          <a:fillRef idx="1">
+            <a:schemeClr val="accent1"/>
+          </a:fillRef>
+          <a:effectRef idx="0">
+            <a:schemeClr val="accent1"/>
+          </a:effectRef>
+          <a:fontRef idx="minor">
+            <a:schemeClr val="lt1"/>
+          </a:fontRef>
+        </p:style>
+        <p:txBody>
+          <a:bodyPr rtlCol="0" anchor="ctr"/>
+          <a:lstStyle/>
+          <a:p>
+            <a:pPr algn="ctr"/>
+            <a:endParaRPr lang="en-US"/>
+          </a:p>
+        </p:txBody>
+      </p:sp>
+      <p:grpSp>
+        <p:nvGrpSpPr>
+          <p:cNvPr id="116" name="Group 115">
+            <a:extLst>
+              <a:ext uri="{FF2B5EF4-FFF2-40B4-BE49-F238E27FC236}">
+                <a16:creationId xmlns:a16="http://schemas.microsoft.com/office/drawing/2014/main" id="{E18D2C30-1919-4D91-B872-266D681753A4}"/>
+              </a:ext>
+            </a:extLst>
+          </p:cNvPr>
+          <p:cNvGrpSpPr/>
+          <p:nvPr/>
+        </p:nvGrpSpPr>
+        <p:grpSpPr>
+          <a:xfrm>
+            <a:off x="7549317" y="3322134"/>
+            <a:ext cx="939800" cy="697706"/>
+            <a:chOff x="3473450" y="1362075"/>
+            <a:chExt cx="939800" cy="697706"/>
+          </a:xfrm>
+        </p:grpSpPr>
+        <p:sp>
+          <p:nvSpPr>
+            <p:cNvPr id="117" name="Oval 116">
+              <a:extLst>
+                <a:ext uri="{FF2B5EF4-FFF2-40B4-BE49-F238E27FC236}">
+                  <a16:creationId xmlns:a16="http://schemas.microsoft.com/office/drawing/2014/main" id="{82E609CE-8429-4961-9206-89EDB63AEB74}"/>
+                </a:ext>
+              </a:extLst>
+            </p:cNvPr>
+            <p:cNvSpPr/>
+            <p:nvPr/>
+          </p:nvSpPr>
+          <p:spPr>
+            <a:xfrm>
+              <a:off x="3841750" y="1362075"/>
+              <a:ext cx="190500" cy="190500"/>
+            </a:xfrm>
+            <a:prstGeom prst="ellipse">
+              <a:avLst/>
+            </a:prstGeom>
+            <a:solidFill>
+              <a:schemeClr val="accent6">
+                <a:lumMod val="40000"/>
+                <a:lumOff val="60000"/>
+              </a:schemeClr>
+            </a:solidFill>
+            <a:ln>
+              <a:solidFill>
+                <a:schemeClr val="accent6">
+                  <a:lumMod val="75000"/>
+                </a:schemeClr>
+              </a:solidFill>
+            </a:ln>
+          </p:spPr>
+          <p:style>
+            <a:lnRef idx="2">
+              <a:schemeClr val="accent1">
+                <a:shade val="50000"/>
+              </a:schemeClr>
+            </a:lnRef>
+            <a:fillRef idx="1">
+              <a:schemeClr val="accent1"/>
+            </a:fillRef>
+            <a:effectRef idx="0">
+              <a:schemeClr val="accent1"/>
+            </a:effectRef>
+            <a:fontRef idx="minor">
+              <a:schemeClr val="lt1"/>
+            </a:fontRef>
+          </p:style>
+          <p:txBody>
+            <a:bodyPr rtlCol="0" anchor="ctr"/>
+            <a:lstStyle/>
+            <a:p>
+              <a:pPr algn="ctr"/>
+              <a:endParaRPr lang="en-US"/>
+            </a:p>
+          </p:txBody>
+        </p:sp>
+        <p:sp>
+          <p:nvSpPr>
+            <p:cNvPr id="118" name="Oval 117">
+              <a:extLst>
+                <a:ext uri="{FF2B5EF4-FFF2-40B4-BE49-F238E27FC236}">
+                  <a16:creationId xmlns:a16="http://schemas.microsoft.com/office/drawing/2014/main" id="{94112A37-27C8-4E77-8D89-A9D12BEA3706}"/>
+                </a:ext>
+              </a:extLst>
+            </p:cNvPr>
+            <p:cNvSpPr/>
+            <p:nvPr/>
+          </p:nvSpPr>
+          <p:spPr>
+            <a:xfrm>
+              <a:off x="3473450" y="1869281"/>
+              <a:ext cx="190500" cy="190500"/>
+            </a:xfrm>
+            <a:prstGeom prst="ellipse">
+              <a:avLst/>
+            </a:prstGeom>
+            <a:solidFill>
+              <a:schemeClr val="accent6">
+                <a:lumMod val="40000"/>
+                <a:lumOff val="60000"/>
+              </a:schemeClr>
+            </a:solidFill>
+            <a:ln>
+              <a:solidFill>
+                <a:schemeClr val="accent6">
+                  <a:lumMod val="75000"/>
+                </a:schemeClr>
+              </a:solidFill>
+            </a:ln>
+          </p:spPr>
+          <p:style>
+            <a:lnRef idx="2">
+              <a:schemeClr val="accent1">
+                <a:shade val="50000"/>
+              </a:schemeClr>
+            </a:lnRef>
+            <a:fillRef idx="1">
+              <a:schemeClr val="accent1"/>
+            </a:fillRef>
+            <a:effectRef idx="0">
+              <a:schemeClr val="accent1"/>
+            </a:effectRef>
+            <a:fontRef idx="minor">
+              <a:schemeClr val="lt1"/>
+            </a:fontRef>
+          </p:style>
+          <p:txBody>
+            <a:bodyPr rtlCol="0" anchor="ctr"/>
+            <a:lstStyle/>
+            <a:p>
+              <a:pPr algn="ctr"/>
+              <a:endParaRPr lang="en-US"/>
+            </a:p>
+          </p:txBody>
+        </p:sp>
+        <p:sp>
+          <p:nvSpPr>
+            <p:cNvPr id="119" name="Oval 118">
+              <a:extLst>
+                <a:ext uri="{FF2B5EF4-FFF2-40B4-BE49-F238E27FC236}">
+                  <a16:creationId xmlns:a16="http://schemas.microsoft.com/office/drawing/2014/main" id="{A761DB97-8790-495A-9F04-DECDE891203B}"/>
+                </a:ext>
+              </a:extLst>
+            </p:cNvPr>
+            <p:cNvSpPr/>
+            <p:nvPr/>
+          </p:nvSpPr>
+          <p:spPr>
+            <a:xfrm>
+              <a:off x="4222750" y="1869281"/>
+              <a:ext cx="190500" cy="190500"/>
+            </a:xfrm>
+            <a:prstGeom prst="ellipse">
+              <a:avLst/>
+            </a:prstGeom>
+            <a:solidFill>
+              <a:schemeClr val="accent6">
+                <a:lumMod val="40000"/>
+                <a:lumOff val="60000"/>
+              </a:schemeClr>
+            </a:solidFill>
+            <a:ln>
+              <a:solidFill>
+                <a:schemeClr val="accent6">
+                  <a:lumMod val="75000"/>
+                </a:schemeClr>
+              </a:solidFill>
+            </a:ln>
+          </p:spPr>
+          <p:style>
+            <a:lnRef idx="2">
+              <a:schemeClr val="accent1">
+                <a:shade val="50000"/>
+              </a:schemeClr>
+            </a:lnRef>
+            <a:fillRef idx="1">
+              <a:schemeClr val="accent1"/>
+            </a:fillRef>
+            <a:effectRef idx="0">
+              <a:schemeClr val="accent1"/>
+            </a:effectRef>
+            <a:fontRef idx="minor">
+              <a:schemeClr val="lt1"/>
+            </a:fontRef>
+          </p:style>
+          <p:txBody>
+            <a:bodyPr rtlCol="0" anchor="ctr"/>
+            <a:lstStyle/>
+            <a:p>
+              <a:pPr algn="ctr"/>
+              <a:endParaRPr lang="en-US"/>
+            </a:p>
+          </p:txBody>
+        </p:sp>
+        <p:cxnSp>
+          <p:nvCxnSpPr>
+            <p:cNvPr id="120" name="Straight Arrow Connector 119">
+              <a:extLst>
+                <a:ext uri="{FF2B5EF4-FFF2-40B4-BE49-F238E27FC236}">
+                  <a16:creationId xmlns:a16="http://schemas.microsoft.com/office/drawing/2014/main" id="{E7FA53FD-F103-43F5-8B05-DB4885747AE7}"/>
+                </a:ext>
+              </a:extLst>
+            </p:cNvPr>
+            <p:cNvCxnSpPr>
+              <a:stCxn id="117" idx="3"/>
+              <a:endCxn id="118" idx="6"/>
+            </p:cNvCxnSpPr>
+            <p:nvPr/>
+          </p:nvCxnSpPr>
+          <p:spPr>
+            <a:xfrm flipH="1">
+              <a:off x="3636052" y="1524677"/>
+              <a:ext cx="233596" cy="372502"/>
+            </a:xfrm>
+            <a:prstGeom prst="straightConnector1">
+              <a:avLst/>
+            </a:prstGeom>
+            <a:ln w="25400">
+              <a:tailEnd type="triangle"/>
+            </a:ln>
+          </p:spPr>
+          <p:style>
+            <a:lnRef idx="1">
+              <a:schemeClr val="accent1"/>
+            </a:lnRef>
+            <a:fillRef idx="0">
+              <a:schemeClr val="accent1"/>
+            </a:fillRef>
+            <a:effectRef idx="0">
+              <a:schemeClr val="accent1"/>
+            </a:effectRef>
+            <a:fontRef idx="minor">
+              <a:schemeClr val="tx1"/>
+            </a:fontRef>
+          </p:style>
+        </p:cxnSp>
+        <p:cxnSp>
+          <p:nvCxnSpPr>
+            <p:cNvPr id="121" name="Straight Arrow Connector 120">
+              <a:extLst>
+                <a:ext uri="{FF2B5EF4-FFF2-40B4-BE49-F238E27FC236}">
+                  <a16:creationId xmlns:a16="http://schemas.microsoft.com/office/drawing/2014/main" id="{295F335D-6DFB-4616-8B63-2D631663C6EB}"/>
+                </a:ext>
+              </a:extLst>
+            </p:cNvPr>
+            <p:cNvCxnSpPr>
+              <a:cxnSpLocks/>
+              <a:stCxn id="117" idx="5"/>
+              <a:endCxn id="119" idx="1"/>
+            </p:cNvCxnSpPr>
+            <p:nvPr/>
+          </p:nvCxnSpPr>
+          <p:spPr>
+            <a:xfrm>
+              <a:off x="4004352" y="1524677"/>
+              <a:ext cx="246296" cy="372502"/>
+            </a:xfrm>
+            <a:prstGeom prst="straightConnector1">
+              <a:avLst/>
+            </a:prstGeom>
+            <a:ln w="25400">
+              <a:solidFill>
+                <a:srgbClr val="0070C0"/>
+              </a:solidFill>
+              <a:tailEnd type="triangle"/>
+            </a:ln>
+          </p:spPr>
+          <p:style>
+            <a:lnRef idx="1">
+              <a:schemeClr val="accent1"/>
+            </a:lnRef>
+            <a:fillRef idx="0">
+              <a:schemeClr val="accent1"/>
+            </a:fillRef>
+            <a:effectRef idx="0">
+              <a:schemeClr val="accent1"/>
+            </a:effectRef>
+            <a:fontRef idx="minor">
+              <a:schemeClr val="tx1"/>
+            </a:fontRef>
+          </p:style>
+        </p:cxnSp>
+      </p:grpSp>
+      <p:sp>
+        <p:nvSpPr>
+          <p:cNvPr id="122" name="TextBox 121">
+            <a:extLst>
+              <a:ext uri="{FF2B5EF4-FFF2-40B4-BE49-F238E27FC236}">
+                <a16:creationId xmlns:a16="http://schemas.microsoft.com/office/drawing/2014/main" id="{224E5474-1B81-4BD7-AB89-9B8BBFEB997F}"/>
+              </a:ext>
+            </a:extLst>
+          </p:cNvPr>
+          <p:cNvSpPr txBox="1"/>
+          <p:nvPr/>
+        </p:nvSpPr>
+        <p:spPr>
+          <a:xfrm>
+            <a:off x="7269917" y="3967833"/>
+            <a:ext cx="1485900" cy="369332"/>
+          </a:xfrm>
+          <a:prstGeom prst="rect">
+            <a:avLst/>
+          </a:prstGeom>
+          <a:noFill/>
+        </p:spPr>
+        <p:txBody>
+          <a:bodyPr wrap="square" rtlCol="0">
+            <a:spAutoFit/>
+          </a:bodyPr>
+          <a:lstStyle/>
+          <a:p>
+            <a:r>
+              <a:rPr lang="en-US" dirty="0"/>
+              <a:t>Fixed subtree</a:t>
+            </a:r>
+          </a:p>
+        </p:txBody>
+      </p:sp>
+      <p:sp>
+        <p:nvSpPr>
+          <p:cNvPr id="62" name="TextBox 61">
+            <a:extLst>
+              <a:ext uri="{FF2B5EF4-FFF2-40B4-BE49-F238E27FC236}">
+                <a16:creationId xmlns:a16="http://schemas.microsoft.com/office/drawing/2014/main" id="{0FBB995E-CC93-47D8-911F-13E92DFA7749}"/>
+              </a:ext>
+            </a:extLst>
+          </p:cNvPr>
+          <p:cNvSpPr txBox="1"/>
+          <p:nvPr/>
+        </p:nvSpPr>
+        <p:spPr>
+          <a:xfrm>
+            <a:off x="3790813" y="1618291"/>
+            <a:ext cx="502894" cy="369332"/>
+          </a:xfrm>
+          <a:prstGeom prst="rect">
+            <a:avLst/>
+          </a:prstGeom>
+          <a:noFill/>
+        </p:spPr>
+        <p:txBody>
+          <a:bodyPr wrap="square" rtlCol="0">
+            <a:spAutoFit/>
+          </a:bodyPr>
+          <a:lstStyle/>
+          <a:p>
+            <a:r>
+              <a:rPr lang="en-US" dirty="0"/>
+              <a:t>V1</a:t>
+            </a:r>
+          </a:p>
+        </p:txBody>
+      </p:sp>
+      <p:sp>
+        <p:nvSpPr>
+          <p:cNvPr id="63" name="TextBox 62">
+            <a:extLst>
+              <a:ext uri="{FF2B5EF4-FFF2-40B4-BE49-F238E27FC236}">
+                <a16:creationId xmlns:a16="http://schemas.microsoft.com/office/drawing/2014/main" id="{C866DB77-A5A2-4DA4-AA23-2048E7C3FF10}"/>
+              </a:ext>
+            </a:extLst>
+          </p:cNvPr>
+          <p:cNvSpPr txBox="1"/>
+          <p:nvPr/>
+        </p:nvSpPr>
+        <p:spPr>
+          <a:xfrm>
+            <a:off x="3392715" y="2248721"/>
+            <a:ext cx="502894" cy="369332"/>
+          </a:xfrm>
+          <a:prstGeom prst="rect">
+            <a:avLst/>
+          </a:prstGeom>
+          <a:noFill/>
+        </p:spPr>
+        <p:txBody>
+          <a:bodyPr wrap="square" rtlCol="0">
+            <a:spAutoFit/>
+          </a:bodyPr>
+          <a:lstStyle/>
+          <a:p>
+            <a:r>
+              <a:rPr lang="en-US" dirty="0"/>
+              <a:t>V2</a:t>
+            </a:r>
+          </a:p>
+        </p:txBody>
+      </p:sp>
+      <p:sp>
+        <p:nvSpPr>
+          <p:cNvPr id="64" name="TextBox 63">
+            <a:extLst>
+              <a:ext uri="{FF2B5EF4-FFF2-40B4-BE49-F238E27FC236}">
+                <a16:creationId xmlns:a16="http://schemas.microsoft.com/office/drawing/2014/main" id="{225DC76C-BD9A-42C4-B648-4F968FF15F85}"/>
+              </a:ext>
+            </a:extLst>
+          </p:cNvPr>
+          <p:cNvSpPr txBox="1"/>
+          <p:nvPr/>
+        </p:nvSpPr>
+        <p:spPr>
+          <a:xfrm>
+            <a:off x="4145076" y="2071924"/>
+            <a:ext cx="502894" cy="369332"/>
+          </a:xfrm>
+          <a:prstGeom prst="rect">
+            <a:avLst/>
+          </a:prstGeom>
+          <a:noFill/>
+        </p:spPr>
+        <p:txBody>
+          <a:bodyPr wrap="square" rtlCol="0">
+            <a:spAutoFit/>
+          </a:bodyPr>
+          <a:lstStyle/>
+          <a:p>
+            <a:r>
+              <a:rPr lang="en-US" dirty="0"/>
+              <a:t>V3</a:t>
+            </a:r>
+          </a:p>
+        </p:txBody>
+      </p:sp>
+      <p:sp>
+        <p:nvSpPr>
+          <p:cNvPr id="65" name="TextBox 64">
+            <a:extLst>
+              <a:ext uri="{FF2B5EF4-FFF2-40B4-BE49-F238E27FC236}">
+                <a16:creationId xmlns:a16="http://schemas.microsoft.com/office/drawing/2014/main" id="{8E38DFC1-E151-4977-AAA6-7AB8AFDC3624}"/>
+              </a:ext>
+            </a:extLst>
+          </p:cNvPr>
+          <p:cNvSpPr txBox="1"/>
+          <p:nvPr/>
+        </p:nvSpPr>
+        <p:spPr>
+          <a:xfrm>
+            <a:off x="3790813" y="2672421"/>
+            <a:ext cx="502894" cy="369332"/>
+          </a:xfrm>
+          <a:prstGeom prst="rect">
+            <a:avLst/>
+          </a:prstGeom>
+          <a:noFill/>
+        </p:spPr>
+        <p:txBody>
+          <a:bodyPr wrap="square" rtlCol="0">
+            <a:spAutoFit/>
+          </a:bodyPr>
+          <a:lstStyle/>
+          <a:p>
+            <a:r>
+              <a:rPr lang="en-US" dirty="0"/>
+              <a:t>V4</a:t>
+            </a:r>
+          </a:p>
+        </p:txBody>
+      </p:sp>
+      <p:sp>
+        <p:nvSpPr>
+          <p:cNvPr id="66" name="TextBox 65">
+            <a:extLst>
+              <a:ext uri="{FF2B5EF4-FFF2-40B4-BE49-F238E27FC236}">
+                <a16:creationId xmlns:a16="http://schemas.microsoft.com/office/drawing/2014/main" id="{59CD9354-0B06-4D1E-AD69-23BCBB84CEC0}"/>
+              </a:ext>
+            </a:extLst>
+          </p:cNvPr>
+          <p:cNvSpPr txBox="1"/>
+          <p:nvPr/>
+        </p:nvSpPr>
+        <p:spPr>
+          <a:xfrm>
+            <a:off x="4519676" y="2627435"/>
+            <a:ext cx="502894" cy="369332"/>
+          </a:xfrm>
+          <a:prstGeom prst="rect">
+            <a:avLst/>
+          </a:prstGeom>
+          <a:noFill/>
+        </p:spPr>
+        <p:txBody>
+          <a:bodyPr wrap="square" rtlCol="0">
+            <a:spAutoFit/>
+          </a:bodyPr>
+          <a:lstStyle/>
+          <a:p>
+            <a:r>
+              <a:rPr lang="en-US" dirty="0"/>
+              <a:t>V5</a:t>
+            </a:r>
+          </a:p>
+        </p:txBody>
+      </p:sp>
+      <p:sp>
+        <p:nvSpPr>
+          <p:cNvPr id="67" name="TextBox 66">
+            <a:extLst>
+              <a:ext uri="{FF2B5EF4-FFF2-40B4-BE49-F238E27FC236}">
+                <a16:creationId xmlns:a16="http://schemas.microsoft.com/office/drawing/2014/main" id="{AC6BC6E5-A068-480A-A4EB-B36B9B5C5654}"/>
+              </a:ext>
+            </a:extLst>
+          </p:cNvPr>
+          <p:cNvSpPr txBox="1"/>
+          <p:nvPr/>
+        </p:nvSpPr>
+        <p:spPr>
+          <a:xfrm>
+            <a:off x="4116563" y="3156705"/>
+            <a:ext cx="502894" cy="369332"/>
+          </a:xfrm>
+          <a:prstGeom prst="rect">
+            <a:avLst/>
+          </a:prstGeom>
+          <a:noFill/>
+        </p:spPr>
+        <p:txBody>
+          <a:bodyPr wrap="square" rtlCol="0">
+            <a:spAutoFit/>
+          </a:bodyPr>
+          <a:lstStyle/>
+          <a:p>
+            <a:r>
+              <a:rPr lang="en-US" dirty="0"/>
+              <a:t>V3</a:t>
+            </a:r>
+          </a:p>
+        </p:txBody>
+      </p:sp>
+      <p:sp>
+        <p:nvSpPr>
+          <p:cNvPr id="70" name="TextBox 69">
+            <a:extLst>
+              <a:ext uri="{FF2B5EF4-FFF2-40B4-BE49-F238E27FC236}">
+                <a16:creationId xmlns:a16="http://schemas.microsoft.com/office/drawing/2014/main" id="{04638B80-2E36-4AC4-98AA-514EABC49595}"/>
+              </a:ext>
+            </a:extLst>
+          </p:cNvPr>
+          <p:cNvSpPr txBox="1"/>
+          <p:nvPr/>
+        </p:nvSpPr>
+        <p:spPr>
+          <a:xfrm>
+            <a:off x="3196647" y="3485931"/>
+            <a:ext cx="502894" cy="369332"/>
+          </a:xfrm>
+          <a:prstGeom prst="rect">
+            <a:avLst/>
+          </a:prstGeom>
+          <a:noFill/>
+        </p:spPr>
+        <p:txBody>
+          <a:bodyPr wrap="square" rtlCol="0">
+            <a:spAutoFit/>
+          </a:bodyPr>
+          <a:lstStyle/>
+          <a:p>
+            <a:r>
+              <a:rPr lang="en-US" dirty="0"/>
+              <a:t>V4</a:t>
+            </a:r>
+          </a:p>
+        </p:txBody>
+      </p:sp>
+      <p:sp>
+        <p:nvSpPr>
+          <p:cNvPr id="72" name="TextBox 71">
+            <a:extLst>
+              <a:ext uri="{FF2B5EF4-FFF2-40B4-BE49-F238E27FC236}">
+                <a16:creationId xmlns:a16="http://schemas.microsoft.com/office/drawing/2014/main" id="{6AEFFF82-445E-4505-85B6-AD5A99C94982}"/>
+              </a:ext>
+            </a:extLst>
+          </p:cNvPr>
+          <p:cNvSpPr txBox="1"/>
+          <p:nvPr/>
+        </p:nvSpPr>
+        <p:spPr>
+          <a:xfrm>
+            <a:off x="3882429" y="3676938"/>
+            <a:ext cx="502894" cy="369332"/>
+          </a:xfrm>
+          <a:prstGeom prst="rect">
+            <a:avLst/>
+          </a:prstGeom>
+          <a:noFill/>
+        </p:spPr>
+        <p:txBody>
+          <a:bodyPr wrap="square" rtlCol="0">
+            <a:spAutoFit/>
+          </a:bodyPr>
+          <a:lstStyle/>
+          <a:p>
+            <a:r>
+              <a:rPr lang="en-US" dirty="0"/>
+              <a:t>V5</a:t>
+            </a:r>
+          </a:p>
+        </p:txBody>
+      </p:sp>
+      <p:sp>
+        <p:nvSpPr>
+          <p:cNvPr id="73" name="TextBox 72">
+            <a:extLst>
+              <a:ext uri="{FF2B5EF4-FFF2-40B4-BE49-F238E27FC236}">
+                <a16:creationId xmlns:a16="http://schemas.microsoft.com/office/drawing/2014/main" id="{39C74687-5125-4677-B2BC-5B417C5E086F}"/>
+              </a:ext>
+            </a:extLst>
+          </p:cNvPr>
+          <p:cNvSpPr txBox="1"/>
+          <p:nvPr/>
+        </p:nvSpPr>
+        <p:spPr>
+          <a:xfrm>
+            <a:off x="7743271" y="1622307"/>
+            <a:ext cx="502894" cy="369332"/>
+          </a:xfrm>
+          <a:prstGeom prst="rect">
+            <a:avLst/>
+          </a:prstGeom>
+          <a:noFill/>
+        </p:spPr>
+        <p:txBody>
+          <a:bodyPr wrap="square" rtlCol="0">
+            <a:spAutoFit/>
+          </a:bodyPr>
+          <a:lstStyle/>
+          <a:p>
+            <a:r>
+              <a:rPr lang="en-US" dirty="0"/>
+              <a:t>V1</a:t>
+            </a:r>
+          </a:p>
+        </p:txBody>
+      </p:sp>
+      <p:sp>
+        <p:nvSpPr>
+          <p:cNvPr id="74" name="TextBox 73">
+            <a:extLst>
+              <a:ext uri="{FF2B5EF4-FFF2-40B4-BE49-F238E27FC236}">
+                <a16:creationId xmlns:a16="http://schemas.microsoft.com/office/drawing/2014/main" id="{2104C349-3198-4C0C-9383-9D24D86E0F4C}"/>
+              </a:ext>
+            </a:extLst>
+          </p:cNvPr>
+          <p:cNvSpPr txBox="1"/>
+          <p:nvPr/>
+        </p:nvSpPr>
+        <p:spPr>
+          <a:xfrm>
+            <a:off x="7331143" y="2275640"/>
+            <a:ext cx="502894" cy="369332"/>
+          </a:xfrm>
+          <a:prstGeom prst="rect">
+            <a:avLst/>
+          </a:prstGeom>
+          <a:noFill/>
+        </p:spPr>
+        <p:txBody>
+          <a:bodyPr wrap="square" rtlCol="0">
+            <a:spAutoFit/>
+          </a:bodyPr>
+          <a:lstStyle/>
+          <a:p>
+            <a:r>
+              <a:rPr lang="en-US" dirty="0"/>
+              <a:t>V2</a:t>
+            </a:r>
+          </a:p>
+        </p:txBody>
+      </p:sp>
+      <p:sp>
+        <p:nvSpPr>
+          <p:cNvPr id="77" name="TextBox 76">
+            <a:extLst>
+              <a:ext uri="{FF2B5EF4-FFF2-40B4-BE49-F238E27FC236}">
+                <a16:creationId xmlns:a16="http://schemas.microsoft.com/office/drawing/2014/main" id="{CED4A8A1-C7AF-4F31-A68D-420B8E020DF5}"/>
+              </a:ext>
+            </a:extLst>
+          </p:cNvPr>
+          <p:cNvSpPr txBox="1"/>
+          <p:nvPr/>
+        </p:nvSpPr>
+        <p:spPr>
+          <a:xfrm>
+            <a:off x="8114288" y="2182284"/>
+            <a:ext cx="502894" cy="369332"/>
+          </a:xfrm>
+          <a:prstGeom prst="rect">
+            <a:avLst/>
+          </a:prstGeom>
+          <a:noFill/>
+        </p:spPr>
+        <p:txBody>
+          <a:bodyPr wrap="square" rtlCol="0">
+            <a:spAutoFit/>
+          </a:bodyPr>
+          <a:lstStyle/>
+          <a:p>
+            <a:r>
+              <a:rPr lang="en-US" dirty="0"/>
+              <a:t>V’3</a:t>
+            </a:r>
+          </a:p>
+        </p:txBody>
+      </p:sp>
+      <p:sp>
+        <p:nvSpPr>
+          <p:cNvPr id="79" name="TextBox 78">
+            <a:extLst>
+              <a:ext uri="{FF2B5EF4-FFF2-40B4-BE49-F238E27FC236}">
+                <a16:creationId xmlns:a16="http://schemas.microsoft.com/office/drawing/2014/main" id="{6DBC50EA-3271-4E57-88C2-7A7FC5D7DD92}"/>
+              </a:ext>
+            </a:extLst>
+          </p:cNvPr>
+          <p:cNvSpPr txBox="1"/>
+          <p:nvPr/>
+        </p:nvSpPr>
+        <p:spPr>
+          <a:xfrm>
+            <a:off x="7761420" y="2692154"/>
+            <a:ext cx="502894" cy="369332"/>
+          </a:xfrm>
+          <a:prstGeom prst="rect">
+            <a:avLst/>
+          </a:prstGeom>
+          <a:noFill/>
+        </p:spPr>
+        <p:txBody>
+          <a:bodyPr wrap="square" rtlCol="0">
+            <a:spAutoFit/>
+          </a:bodyPr>
+          <a:lstStyle/>
+          <a:p>
+            <a:r>
+              <a:rPr lang="en-US" dirty="0"/>
+              <a:t>V4</a:t>
+            </a:r>
+          </a:p>
+        </p:txBody>
+      </p:sp>
+      <p:sp>
+        <p:nvSpPr>
+          <p:cNvPr id="81" name="TextBox 80">
+            <a:extLst>
+              <a:ext uri="{FF2B5EF4-FFF2-40B4-BE49-F238E27FC236}">
+                <a16:creationId xmlns:a16="http://schemas.microsoft.com/office/drawing/2014/main" id="{BEE5486B-7259-4159-8304-F2A8886E5712}"/>
+              </a:ext>
+            </a:extLst>
+          </p:cNvPr>
+          <p:cNvSpPr txBox="1"/>
+          <p:nvPr/>
+        </p:nvSpPr>
+        <p:spPr>
+          <a:xfrm>
+            <a:off x="8203367" y="2872772"/>
+            <a:ext cx="502894" cy="369332"/>
+          </a:xfrm>
+          <a:prstGeom prst="rect">
+            <a:avLst/>
+          </a:prstGeom>
+          <a:noFill/>
+        </p:spPr>
+        <p:txBody>
+          <a:bodyPr wrap="square" rtlCol="0">
+            <a:spAutoFit/>
+          </a:bodyPr>
+          <a:lstStyle/>
+          <a:p>
+            <a:r>
+              <a:rPr lang="en-US" dirty="0"/>
+              <a:t>V’5</a:t>
+            </a:r>
+          </a:p>
+        </p:txBody>
+      </p:sp>
+      <p:sp>
+        <p:nvSpPr>
+          <p:cNvPr id="82" name="TextBox 81">
+            <a:extLst>
+              <a:ext uri="{FF2B5EF4-FFF2-40B4-BE49-F238E27FC236}">
+                <a16:creationId xmlns:a16="http://schemas.microsoft.com/office/drawing/2014/main" id="{5E9C1373-0FA7-4F30-AEE6-37B9DFF23206}"/>
+              </a:ext>
+            </a:extLst>
+          </p:cNvPr>
+          <p:cNvSpPr txBox="1"/>
+          <p:nvPr/>
+        </p:nvSpPr>
+        <p:spPr>
+          <a:xfrm>
+            <a:off x="8059244" y="3211424"/>
+            <a:ext cx="502894" cy="369332"/>
+          </a:xfrm>
+          <a:prstGeom prst="rect">
+            <a:avLst/>
+          </a:prstGeom>
+          <a:noFill/>
+        </p:spPr>
+        <p:txBody>
+          <a:bodyPr wrap="square" rtlCol="0">
+            <a:spAutoFit/>
+          </a:bodyPr>
+          <a:lstStyle/>
+          <a:p>
+            <a:r>
+              <a:rPr lang="en-US" dirty="0"/>
+              <a:t>V’3</a:t>
+            </a:r>
+          </a:p>
+        </p:txBody>
+      </p:sp>
+      <p:sp>
+        <p:nvSpPr>
+          <p:cNvPr id="83" name="TextBox 82">
+            <a:extLst>
+              <a:ext uri="{FF2B5EF4-FFF2-40B4-BE49-F238E27FC236}">
+                <a16:creationId xmlns:a16="http://schemas.microsoft.com/office/drawing/2014/main" id="{48458C72-3C00-444E-B08F-1042EBA075C9}"/>
+              </a:ext>
+            </a:extLst>
+          </p:cNvPr>
+          <p:cNvSpPr txBox="1"/>
+          <p:nvPr/>
+        </p:nvSpPr>
+        <p:spPr>
+          <a:xfrm>
+            <a:off x="7694068" y="3747931"/>
+            <a:ext cx="502894" cy="369332"/>
+          </a:xfrm>
+          <a:prstGeom prst="rect">
+            <a:avLst/>
+          </a:prstGeom>
+          <a:noFill/>
+        </p:spPr>
+        <p:txBody>
+          <a:bodyPr wrap="square" rtlCol="0">
+            <a:spAutoFit/>
+          </a:bodyPr>
+          <a:lstStyle/>
+          <a:p>
+            <a:r>
+              <a:rPr lang="en-US" dirty="0"/>
+              <a:t>V4</a:t>
+            </a:r>
+          </a:p>
+        </p:txBody>
+      </p:sp>
+      <p:sp>
+        <p:nvSpPr>
+          <p:cNvPr id="84" name="TextBox 83">
+            <a:extLst>
+              <a:ext uri="{FF2B5EF4-FFF2-40B4-BE49-F238E27FC236}">
+                <a16:creationId xmlns:a16="http://schemas.microsoft.com/office/drawing/2014/main" id="{FBA1FEDE-EDB8-4403-9610-0375B6DBC8A0}"/>
+              </a:ext>
+            </a:extLst>
+          </p:cNvPr>
+          <p:cNvSpPr txBox="1"/>
+          <p:nvPr/>
+        </p:nvSpPr>
+        <p:spPr>
+          <a:xfrm>
+            <a:off x="8214813" y="3534331"/>
+            <a:ext cx="502894" cy="369332"/>
+          </a:xfrm>
+          <a:prstGeom prst="rect">
+            <a:avLst/>
+          </a:prstGeom>
+          <a:noFill/>
+        </p:spPr>
+        <p:txBody>
+          <a:bodyPr wrap="square" rtlCol="0">
+            <a:spAutoFit/>
+          </a:bodyPr>
+          <a:lstStyle/>
+          <a:p>
+            <a:r>
+              <a:rPr lang="en-US" dirty="0"/>
+              <a:t>V’5</a:t>
+            </a:r>
+          </a:p>
+        </p:txBody>
+      </p:sp>
+      <p:grpSp>
+        <p:nvGrpSpPr>
+          <p:cNvPr id="3" name="Group 2">
+            <a:extLst>
+              <a:ext uri="{FF2B5EF4-FFF2-40B4-BE49-F238E27FC236}">
+                <a16:creationId xmlns:a16="http://schemas.microsoft.com/office/drawing/2014/main" id="{98657B49-8BC6-4345-BA5E-FA2D0BC073AE}"/>
+              </a:ext>
+            </a:extLst>
+          </p:cNvPr>
+          <p:cNvGrpSpPr/>
+          <p:nvPr/>
+        </p:nvGrpSpPr>
+        <p:grpSpPr>
+          <a:xfrm>
+            <a:off x="4425285" y="1555259"/>
+            <a:ext cx="599169" cy="607202"/>
+            <a:chOff x="4425285" y="1555259"/>
+            <a:chExt cx="599169" cy="607202"/>
+          </a:xfrm>
+        </p:grpSpPr>
+        <p:grpSp>
+          <p:nvGrpSpPr>
+            <p:cNvPr id="2" name="Group 1">
+              <a:extLst>
+                <a:ext uri="{FF2B5EF4-FFF2-40B4-BE49-F238E27FC236}">
+                  <a16:creationId xmlns:a16="http://schemas.microsoft.com/office/drawing/2014/main" id="{D96AA0F9-8462-4BC8-B364-86A3C332580F}"/>
+                </a:ext>
+              </a:extLst>
+            </p:cNvPr>
+            <p:cNvGrpSpPr/>
+            <p:nvPr/>
+          </p:nvGrpSpPr>
+          <p:grpSpPr>
+            <a:xfrm>
+              <a:off x="4425285" y="1608967"/>
+              <a:ext cx="509943" cy="553494"/>
+              <a:chOff x="4425285" y="1608967"/>
+              <a:chExt cx="509943" cy="553494"/>
+            </a:xfrm>
+          </p:grpSpPr>
+          <p:cxnSp>
+            <p:nvCxnSpPr>
+              <p:cNvPr id="76" name="Straight Arrow Connector 75">
+                <a:extLst>
+                  <a:ext uri="{FF2B5EF4-FFF2-40B4-BE49-F238E27FC236}">
+                    <a16:creationId xmlns:a16="http://schemas.microsoft.com/office/drawing/2014/main" id="{79185833-1F06-46BC-B258-D8B677D60BAF}"/>
+                  </a:ext>
+                </a:extLst>
+              </p:cNvPr>
+              <p:cNvCxnSpPr/>
+              <p:nvPr/>
+            </p:nvCxnSpPr>
+            <p:spPr>
+              <a:xfrm flipV="1">
+                <a:off x="4596193" y="2089592"/>
+                <a:ext cx="332860" cy="2649"/>
+              </a:xfrm>
+              <a:prstGeom prst="straightConnector1">
+                <a:avLst/>
+              </a:prstGeom>
+              <a:ln w="25400">
+                <a:tailEnd type="triangle"/>
+              </a:ln>
+            </p:spPr>
+            <p:style>
+              <a:lnRef idx="1">
+                <a:schemeClr val="accent1"/>
+              </a:lnRef>
+              <a:fillRef idx="0">
+                <a:schemeClr val="accent1"/>
+              </a:fillRef>
+              <a:effectRef idx="0">
+                <a:schemeClr val="accent1"/>
+              </a:effectRef>
+              <a:fontRef idx="minor">
+                <a:schemeClr val="tx1"/>
+              </a:fontRef>
+            </p:style>
+          </p:cxnSp>
+          <p:sp>
+            <p:nvSpPr>
+              <p:cNvPr id="85" name="TextBox 84">
+                <a:extLst>
+                  <a:ext uri="{FF2B5EF4-FFF2-40B4-BE49-F238E27FC236}">
+                    <a16:creationId xmlns:a16="http://schemas.microsoft.com/office/drawing/2014/main" id="{5498D26F-41EF-491B-8CDA-7D2956D725B2}"/>
+                  </a:ext>
+                </a:extLst>
+              </p:cNvPr>
+              <p:cNvSpPr txBox="1"/>
+              <p:nvPr/>
+            </p:nvSpPr>
+            <p:spPr>
+              <a:xfrm>
+                <a:off x="4425285" y="1608967"/>
+                <a:ext cx="385287" cy="523220"/>
+              </a:xfrm>
+              <a:prstGeom prst="rect">
+                <a:avLst/>
+              </a:prstGeom>
+              <a:noFill/>
+            </p:spPr>
+            <p:txBody>
+              <a:bodyPr wrap="square" rtlCol="0">
+                <a:spAutoFit/>
+              </a:bodyPr>
+              <a:lstStyle/>
+              <a:p>
+                <a:r>
+                  <a:rPr lang="en-US" sz="2800" i="1" dirty="0">
+                    <a:solidFill>
+                      <a:srgbClr val="FF0000"/>
+                    </a:solidFill>
+                  </a:rPr>
+                  <a:t>T</a:t>
+                </a:r>
+              </a:p>
+            </p:txBody>
+          </p:sp>
+          <p:sp>
+            <p:nvSpPr>
+              <p:cNvPr id="86" name="TextBox 85">
+                <a:extLst>
+                  <a:ext uri="{FF2B5EF4-FFF2-40B4-BE49-F238E27FC236}">
+                    <a16:creationId xmlns:a16="http://schemas.microsoft.com/office/drawing/2014/main" id="{657150BC-5DD3-4330-8397-6785884449BC}"/>
+                  </a:ext>
+                </a:extLst>
+              </p:cNvPr>
+              <p:cNvSpPr txBox="1"/>
+              <p:nvPr/>
+            </p:nvSpPr>
+            <p:spPr>
+              <a:xfrm>
+                <a:off x="4549941" y="1793129"/>
+                <a:ext cx="385287" cy="369332"/>
+              </a:xfrm>
+              <a:prstGeom prst="rect">
+                <a:avLst/>
+              </a:prstGeom>
+              <a:noFill/>
+            </p:spPr>
+            <p:txBody>
+              <a:bodyPr wrap="square" rtlCol="0">
+                <a:spAutoFit/>
+              </a:bodyPr>
+              <a:lstStyle/>
+              <a:p>
+                <a:r>
+                  <a:rPr lang="en-US" i="1" dirty="0">
+                    <a:solidFill>
+                      <a:srgbClr val="FF0000"/>
+                    </a:solidFill>
+                  </a:rPr>
+                  <a:t>b</a:t>
+                </a:r>
+              </a:p>
+            </p:txBody>
+          </p:sp>
+        </p:grpSp>
+        <p:sp>
+          <p:nvSpPr>
+            <p:cNvPr id="87" name="TextBox 86">
+              <a:extLst>
+                <a:ext uri="{FF2B5EF4-FFF2-40B4-BE49-F238E27FC236}">
+                  <a16:creationId xmlns:a16="http://schemas.microsoft.com/office/drawing/2014/main" id="{F4769F22-EB39-463E-A3CF-048AB18BCBE9}"/>
+                </a:ext>
+              </a:extLst>
+            </p:cNvPr>
+            <p:cNvSpPr txBox="1"/>
+            <p:nvPr/>
+          </p:nvSpPr>
+          <p:spPr>
+            <a:xfrm>
+              <a:off x="4639167" y="1555259"/>
+              <a:ext cx="385287" cy="338554"/>
+            </a:xfrm>
+            <a:prstGeom prst="rect">
+              <a:avLst/>
+            </a:prstGeom>
+            <a:noFill/>
+          </p:spPr>
+          <p:txBody>
+            <a:bodyPr wrap="square" rtlCol="0">
+              <a:spAutoFit/>
+            </a:bodyPr>
+            <a:lstStyle/>
+            <a:p>
+              <a:r>
+                <a:rPr lang="en-US" sz="1600" i="1" dirty="0">
+                  <a:solidFill>
+                    <a:srgbClr val="FF0000"/>
+                  </a:solidFill>
+                </a:rPr>
+                <a:t>M</a:t>
+              </a:r>
+            </a:p>
+          </p:txBody>
+        </p:sp>
+      </p:grpSp>
+      <p:grpSp>
+        <p:nvGrpSpPr>
+          <p:cNvPr id="95" name="Group 94">
+            <a:extLst>
+              <a:ext uri="{FF2B5EF4-FFF2-40B4-BE49-F238E27FC236}">
+                <a16:creationId xmlns:a16="http://schemas.microsoft.com/office/drawing/2014/main" id="{FF8A3B2B-7D00-4B31-8ECF-023DFAC263F5}"/>
+              </a:ext>
+            </a:extLst>
+          </p:cNvPr>
+          <p:cNvGrpSpPr/>
+          <p:nvPr/>
+        </p:nvGrpSpPr>
+        <p:grpSpPr>
+          <a:xfrm>
+            <a:off x="4452540" y="3276570"/>
+            <a:ext cx="599169" cy="607202"/>
+            <a:chOff x="4425285" y="1555259"/>
+            <a:chExt cx="599169" cy="607202"/>
+          </a:xfrm>
+        </p:grpSpPr>
+        <p:grpSp>
+          <p:nvGrpSpPr>
+            <p:cNvPr id="96" name="Group 95">
+              <a:extLst>
+                <a:ext uri="{FF2B5EF4-FFF2-40B4-BE49-F238E27FC236}">
+                  <a16:creationId xmlns:a16="http://schemas.microsoft.com/office/drawing/2014/main" id="{A473CFC0-3700-4694-B216-22A4701E4F16}"/>
+                </a:ext>
+              </a:extLst>
+            </p:cNvPr>
+            <p:cNvGrpSpPr/>
+            <p:nvPr/>
+          </p:nvGrpSpPr>
+          <p:grpSpPr>
+            <a:xfrm>
+              <a:off x="4425285" y="1608967"/>
+              <a:ext cx="509943" cy="553494"/>
+              <a:chOff x="4425285" y="1608967"/>
+              <a:chExt cx="509943" cy="553494"/>
+            </a:xfrm>
+          </p:grpSpPr>
+          <p:cxnSp>
+            <p:nvCxnSpPr>
+              <p:cNvPr id="104" name="Straight Arrow Connector 103">
+                <a:extLst>
+                  <a:ext uri="{FF2B5EF4-FFF2-40B4-BE49-F238E27FC236}">
+                    <a16:creationId xmlns:a16="http://schemas.microsoft.com/office/drawing/2014/main" id="{A096E501-939D-4929-9B89-C599879295EB}"/>
+                  </a:ext>
+                </a:extLst>
+              </p:cNvPr>
+              <p:cNvCxnSpPr/>
+              <p:nvPr/>
+            </p:nvCxnSpPr>
+            <p:spPr>
+              <a:xfrm flipV="1">
+                <a:off x="4596193" y="2089592"/>
+                <a:ext cx="332860" cy="2649"/>
+              </a:xfrm>
+              <a:prstGeom prst="straightConnector1">
+                <a:avLst/>
+              </a:prstGeom>
+              <a:ln w="25400">
+                <a:tailEnd type="triangle"/>
+              </a:ln>
+            </p:spPr>
+            <p:style>
+              <a:lnRef idx="1">
+                <a:schemeClr val="accent1"/>
+              </a:lnRef>
+              <a:fillRef idx="0">
+                <a:schemeClr val="accent1"/>
+              </a:fillRef>
+              <a:effectRef idx="0">
+                <a:schemeClr val="accent1"/>
+              </a:effectRef>
+              <a:fontRef idx="minor">
+                <a:schemeClr val="tx1"/>
+              </a:fontRef>
+            </p:style>
+          </p:cxnSp>
+          <p:sp>
+            <p:nvSpPr>
+              <p:cNvPr id="109" name="TextBox 108">
+                <a:extLst>
+                  <a:ext uri="{FF2B5EF4-FFF2-40B4-BE49-F238E27FC236}">
+                    <a16:creationId xmlns:a16="http://schemas.microsoft.com/office/drawing/2014/main" id="{8A9DE511-D509-4F90-8A09-1BAF8F305927}"/>
+                  </a:ext>
+                </a:extLst>
+              </p:cNvPr>
+              <p:cNvSpPr txBox="1"/>
+              <p:nvPr/>
+            </p:nvSpPr>
+            <p:spPr>
+              <a:xfrm>
+                <a:off x="4425285" y="1608967"/>
+                <a:ext cx="385287" cy="523220"/>
+              </a:xfrm>
+              <a:prstGeom prst="rect">
+                <a:avLst/>
+              </a:prstGeom>
+              <a:noFill/>
+            </p:spPr>
+            <p:txBody>
+              <a:bodyPr wrap="square" rtlCol="0">
+                <a:spAutoFit/>
+              </a:bodyPr>
+              <a:lstStyle/>
+              <a:p>
+                <a:r>
+                  <a:rPr lang="en-US" sz="2800" i="1" dirty="0">
+                    <a:solidFill>
+                      <a:srgbClr val="FF0000"/>
+                    </a:solidFill>
+                  </a:rPr>
+                  <a:t>T</a:t>
+                </a:r>
+              </a:p>
+            </p:txBody>
+          </p:sp>
+          <p:sp>
+            <p:nvSpPr>
+              <p:cNvPr id="115" name="TextBox 114">
+                <a:extLst>
+                  <a:ext uri="{FF2B5EF4-FFF2-40B4-BE49-F238E27FC236}">
+                    <a16:creationId xmlns:a16="http://schemas.microsoft.com/office/drawing/2014/main" id="{7B00F30E-EBFD-4843-A860-B7688FE88E40}"/>
+                  </a:ext>
+                </a:extLst>
+              </p:cNvPr>
+              <p:cNvSpPr txBox="1"/>
+              <p:nvPr/>
+            </p:nvSpPr>
+            <p:spPr>
+              <a:xfrm>
+                <a:off x="4549941" y="1793129"/>
+                <a:ext cx="385287" cy="369332"/>
+              </a:xfrm>
+              <a:prstGeom prst="rect">
+                <a:avLst/>
+              </a:prstGeom>
+              <a:noFill/>
+            </p:spPr>
+            <p:txBody>
+              <a:bodyPr wrap="square" rtlCol="0">
+                <a:spAutoFit/>
+              </a:bodyPr>
+              <a:lstStyle/>
+              <a:p>
+                <a:r>
+                  <a:rPr lang="en-US" i="1" dirty="0">
+                    <a:solidFill>
+                      <a:srgbClr val="FF0000"/>
+                    </a:solidFill>
+                  </a:rPr>
+                  <a:t>b</a:t>
+                </a:r>
+              </a:p>
+            </p:txBody>
+          </p:sp>
+        </p:grpSp>
+        <p:sp>
+          <p:nvSpPr>
+            <p:cNvPr id="102" name="TextBox 101">
+              <a:extLst>
+                <a:ext uri="{FF2B5EF4-FFF2-40B4-BE49-F238E27FC236}">
+                  <a16:creationId xmlns:a16="http://schemas.microsoft.com/office/drawing/2014/main" id="{22DE14FF-927E-4985-91BA-07EF2FE227BC}"/>
+                </a:ext>
+              </a:extLst>
+            </p:cNvPr>
+            <p:cNvSpPr txBox="1"/>
+            <p:nvPr/>
+          </p:nvSpPr>
+          <p:spPr>
+            <a:xfrm>
+              <a:off x="4639167" y="1555259"/>
+              <a:ext cx="385287" cy="338554"/>
+            </a:xfrm>
+            <a:prstGeom prst="rect">
+              <a:avLst/>
+            </a:prstGeom>
+            <a:noFill/>
+          </p:spPr>
+          <p:txBody>
+            <a:bodyPr wrap="square" rtlCol="0">
+              <a:spAutoFit/>
+            </a:bodyPr>
+            <a:lstStyle/>
+            <a:p>
+              <a:r>
+                <a:rPr lang="en-US" sz="1600" i="1" dirty="0">
+                  <a:solidFill>
+                    <a:srgbClr val="FF0000"/>
+                  </a:solidFill>
+                </a:rPr>
+                <a:t>S</a:t>
+              </a:r>
+            </a:p>
+          </p:txBody>
+        </p:sp>
+      </p:grpSp>
+      <p:grpSp>
+        <p:nvGrpSpPr>
+          <p:cNvPr id="14" name="Group 13">
+            <a:extLst>
+              <a:ext uri="{FF2B5EF4-FFF2-40B4-BE49-F238E27FC236}">
+                <a16:creationId xmlns:a16="http://schemas.microsoft.com/office/drawing/2014/main" id="{30526BB8-9D88-4CCB-B7B4-878B0AB9AB59}"/>
+              </a:ext>
+            </a:extLst>
+          </p:cNvPr>
+          <p:cNvGrpSpPr/>
+          <p:nvPr/>
+        </p:nvGrpSpPr>
+        <p:grpSpPr>
+          <a:xfrm>
+            <a:off x="6785381" y="1549921"/>
+            <a:ext cx="599169" cy="607202"/>
+            <a:chOff x="6313108" y="4870309"/>
+            <a:chExt cx="599169" cy="607202"/>
+          </a:xfrm>
+        </p:grpSpPr>
+        <p:sp>
+          <p:nvSpPr>
+            <p:cNvPr id="127" name="TextBox 126">
+              <a:extLst>
+                <a:ext uri="{FF2B5EF4-FFF2-40B4-BE49-F238E27FC236}">
+                  <a16:creationId xmlns:a16="http://schemas.microsoft.com/office/drawing/2014/main" id="{5C868088-4370-4DF3-A707-C42FF48DB954}"/>
+                </a:ext>
+              </a:extLst>
+            </p:cNvPr>
+            <p:cNvSpPr txBox="1"/>
+            <p:nvPr/>
+          </p:nvSpPr>
+          <p:spPr>
+            <a:xfrm>
+              <a:off x="6313108" y="4924017"/>
+              <a:ext cx="385287" cy="523220"/>
+            </a:xfrm>
+            <a:prstGeom prst="rect">
+              <a:avLst/>
+            </a:prstGeom>
+            <a:noFill/>
+          </p:spPr>
+          <p:txBody>
+            <a:bodyPr wrap="square" rtlCol="0">
+              <a:spAutoFit/>
+            </a:bodyPr>
+            <a:lstStyle/>
+            <a:p>
+              <a:r>
+                <a:rPr lang="en-US" sz="2800" i="1" dirty="0">
+                  <a:solidFill>
+                    <a:schemeClr val="accent6">
+                      <a:lumMod val="75000"/>
+                    </a:schemeClr>
+                  </a:solidFill>
+                </a:rPr>
+                <a:t>T</a:t>
+              </a:r>
+            </a:p>
+          </p:txBody>
+        </p:sp>
+        <p:sp>
+          <p:nvSpPr>
+            <p:cNvPr id="128" name="TextBox 127">
+              <a:extLst>
+                <a:ext uri="{FF2B5EF4-FFF2-40B4-BE49-F238E27FC236}">
+                  <a16:creationId xmlns:a16="http://schemas.microsoft.com/office/drawing/2014/main" id="{DBC469B2-76EA-44C3-A1B2-6086873358CC}"/>
+                </a:ext>
+              </a:extLst>
+            </p:cNvPr>
+            <p:cNvSpPr txBox="1"/>
+            <p:nvPr/>
+          </p:nvSpPr>
+          <p:spPr>
+            <a:xfrm>
+              <a:off x="6437764" y="5108179"/>
+              <a:ext cx="385287" cy="369332"/>
+            </a:xfrm>
+            <a:prstGeom prst="rect">
+              <a:avLst/>
+            </a:prstGeom>
+            <a:noFill/>
+          </p:spPr>
+          <p:txBody>
+            <a:bodyPr wrap="square" rtlCol="0">
+              <a:spAutoFit/>
+            </a:bodyPr>
+            <a:lstStyle/>
+            <a:p>
+              <a:r>
+                <a:rPr lang="en-US" i="1" dirty="0">
+                  <a:solidFill>
+                    <a:schemeClr val="accent6">
+                      <a:lumMod val="75000"/>
+                    </a:schemeClr>
+                  </a:solidFill>
+                </a:rPr>
+                <a:t>f</a:t>
+              </a:r>
+            </a:p>
+          </p:txBody>
+        </p:sp>
+        <p:sp>
+          <p:nvSpPr>
+            <p:cNvPr id="125" name="TextBox 124">
+              <a:extLst>
+                <a:ext uri="{FF2B5EF4-FFF2-40B4-BE49-F238E27FC236}">
+                  <a16:creationId xmlns:a16="http://schemas.microsoft.com/office/drawing/2014/main" id="{71F17790-6C6E-4208-871E-92DC0A7331A4}"/>
+                </a:ext>
+              </a:extLst>
+            </p:cNvPr>
+            <p:cNvSpPr txBox="1"/>
+            <p:nvPr/>
+          </p:nvSpPr>
+          <p:spPr>
+            <a:xfrm>
+              <a:off x="6526990" y="4870309"/>
+              <a:ext cx="385287" cy="338554"/>
+            </a:xfrm>
+            <a:prstGeom prst="rect">
+              <a:avLst/>
+            </a:prstGeom>
+            <a:noFill/>
+          </p:spPr>
+          <p:txBody>
+            <a:bodyPr wrap="square" rtlCol="0">
+              <a:spAutoFit/>
+            </a:bodyPr>
+            <a:lstStyle/>
+            <a:p>
+              <a:r>
+                <a:rPr lang="en-US" sz="1600" i="1" dirty="0">
+                  <a:solidFill>
+                    <a:schemeClr val="accent6">
+                      <a:lumMod val="75000"/>
+                    </a:schemeClr>
+                  </a:solidFill>
+                </a:rPr>
+                <a:t>M</a:t>
+              </a:r>
+            </a:p>
+          </p:txBody>
+        </p:sp>
+      </p:grpSp>
+      <p:grpSp>
+        <p:nvGrpSpPr>
+          <p:cNvPr id="129" name="Group 128">
+            <a:extLst>
+              <a:ext uri="{FF2B5EF4-FFF2-40B4-BE49-F238E27FC236}">
+                <a16:creationId xmlns:a16="http://schemas.microsoft.com/office/drawing/2014/main" id="{B932FD4E-3DE0-4E27-AD36-AACF9704580C}"/>
+              </a:ext>
+            </a:extLst>
+          </p:cNvPr>
+          <p:cNvGrpSpPr/>
+          <p:nvPr/>
+        </p:nvGrpSpPr>
+        <p:grpSpPr>
+          <a:xfrm>
+            <a:off x="6833195" y="3218127"/>
+            <a:ext cx="599169" cy="607202"/>
+            <a:chOff x="6313108" y="4870309"/>
+            <a:chExt cx="599169" cy="607202"/>
+          </a:xfrm>
+        </p:grpSpPr>
+        <p:sp>
+          <p:nvSpPr>
+            <p:cNvPr id="130" name="TextBox 129">
+              <a:extLst>
+                <a:ext uri="{FF2B5EF4-FFF2-40B4-BE49-F238E27FC236}">
+                  <a16:creationId xmlns:a16="http://schemas.microsoft.com/office/drawing/2014/main" id="{5167123D-4984-4B73-A37B-7B089BC81094}"/>
+                </a:ext>
+              </a:extLst>
+            </p:cNvPr>
+            <p:cNvSpPr txBox="1"/>
+            <p:nvPr/>
+          </p:nvSpPr>
+          <p:spPr>
+            <a:xfrm>
+              <a:off x="6313108" y="4924017"/>
+              <a:ext cx="385287" cy="523220"/>
+            </a:xfrm>
+            <a:prstGeom prst="rect">
+              <a:avLst/>
+            </a:prstGeom>
+            <a:noFill/>
+          </p:spPr>
+          <p:txBody>
+            <a:bodyPr wrap="square" rtlCol="0">
+              <a:spAutoFit/>
+            </a:bodyPr>
+            <a:lstStyle/>
+            <a:p>
+              <a:r>
+                <a:rPr lang="en-US" sz="2800" i="1" dirty="0">
+                  <a:solidFill>
+                    <a:schemeClr val="accent6">
+                      <a:lumMod val="75000"/>
+                    </a:schemeClr>
+                  </a:solidFill>
+                </a:rPr>
+                <a:t>T</a:t>
+              </a:r>
+            </a:p>
+          </p:txBody>
+        </p:sp>
+        <p:sp>
+          <p:nvSpPr>
+            <p:cNvPr id="131" name="TextBox 130">
+              <a:extLst>
+                <a:ext uri="{FF2B5EF4-FFF2-40B4-BE49-F238E27FC236}">
+                  <a16:creationId xmlns:a16="http://schemas.microsoft.com/office/drawing/2014/main" id="{B26FFA9C-737C-40FE-92D5-E2B138A5C246}"/>
+                </a:ext>
+              </a:extLst>
+            </p:cNvPr>
+            <p:cNvSpPr txBox="1"/>
+            <p:nvPr/>
+          </p:nvSpPr>
+          <p:spPr>
+            <a:xfrm>
+              <a:off x="6437764" y="5108179"/>
+              <a:ext cx="385287" cy="369332"/>
+            </a:xfrm>
+            <a:prstGeom prst="rect">
+              <a:avLst/>
+            </a:prstGeom>
+            <a:noFill/>
+          </p:spPr>
+          <p:txBody>
+            <a:bodyPr wrap="square" rtlCol="0">
+              <a:spAutoFit/>
+            </a:bodyPr>
+            <a:lstStyle/>
+            <a:p>
+              <a:r>
+                <a:rPr lang="en-US" i="1" dirty="0">
+                  <a:solidFill>
+                    <a:schemeClr val="accent6">
+                      <a:lumMod val="75000"/>
+                    </a:schemeClr>
+                  </a:solidFill>
+                </a:rPr>
+                <a:t>f</a:t>
+              </a:r>
+            </a:p>
+          </p:txBody>
+        </p:sp>
+        <p:sp>
+          <p:nvSpPr>
+            <p:cNvPr id="132" name="TextBox 131">
+              <a:extLst>
+                <a:ext uri="{FF2B5EF4-FFF2-40B4-BE49-F238E27FC236}">
+                  <a16:creationId xmlns:a16="http://schemas.microsoft.com/office/drawing/2014/main" id="{662BF814-E6D1-4964-8ACF-E20C301810F8}"/>
+                </a:ext>
+              </a:extLst>
+            </p:cNvPr>
+            <p:cNvSpPr txBox="1"/>
+            <p:nvPr/>
+          </p:nvSpPr>
+          <p:spPr>
+            <a:xfrm>
+              <a:off x="6526990" y="4870309"/>
+              <a:ext cx="385287" cy="338554"/>
+            </a:xfrm>
+            <a:prstGeom prst="rect">
+              <a:avLst/>
+            </a:prstGeom>
+            <a:noFill/>
+          </p:spPr>
+          <p:txBody>
+            <a:bodyPr wrap="square" rtlCol="0">
+              <a:spAutoFit/>
+            </a:bodyPr>
+            <a:lstStyle/>
+            <a:p>
+              <a:r>
+                <a:rPr lang="en-US" sz="1600" i="1" dirty="0">
+                  <a:solidFill>
+                    <a:schemeClr val="accent6">
+                      <a:lumMod val="75000"/>
+                    </a:schemeClr>
+                  </a:solidFill>
+                </a:rPr>
+                <a:t>S</a:t>
+              </a:r>
+            </a:p>
+          </p:txBody>
+        </p:sp>
+      </p:grpSp>
+      <p:sp>
+        <p:nvSpPr>
+          <p:cNvPr id="110" name="TextBox 109">
+            <a:extLst>
+              <a:ext uri="{FF2B5EF4-FFF2-40B4-BE49-F238E27FC236}">
+                <a16:creationId xmlns:a16="http://schemas.microsoft.com/office/drawing/2014/main" id="{6B3DB857-0068-4D59-8E2E-C8540C1A7C62}"/>
+              </a:ext>
+            </a:extLst>
+          </p:cNvPr>
+          <p:cNvSpPr txBox="1"/>
+          <p:nvPr/>
+        </p:nvSpPr>
+        <p:spPr>
+          <a:xfrm>
+            <a:off x="4842456" y="4646886"/>
+            <a:ext cx="1275444" cy="369332"/>
+          </a:xfrm>
+          <a:prstGeom prst="rect">
+            <a:avLst/>
+          </a:prstGeom>
+          <a:noFill/>
+        </p:spPr>
+        <p:txBody>
+          <a:bodyPr wrap="square" rtlCol="0">
+            <a:spAutoFit/>
+          </a:bodyPr>
+          <a:lstStyle/>
+          <a:p>
+            <a:r>
+              <a:rPr lang="en-US" b="1" dirty="0"/>
+              <a:t>CCL Model</a:t>
+            </a:r>
+          </a:p>
+        </p:txBody>
+      </p:sp>
+    </p:spTree>
+    <p:extLst>
+      <p:ext uri="{BB962C8B-B14F-4D97-AF65-F5344CB8AC3E}">
+        <p14:creationId xmlns:p14="http://schemas.microsoft.com/office/powerpoint/2010/main" val="959079952"/>
       </p:ext>
     </p:extLst>
   </p:cSld>

--- a/Figures.pptx
+++ b/Figures.pptx
@@ -5,7 +5,7 @@
     <p:sldMasterId id="2147483648" r:id="rId1"/>
   </p:sldMasterIdLst>
   <p:notesMasterIdLst>
-    <p:notesMasterId r:id="rId19"/>
+    <p:notesMasterId r:id="rId20"/>
   </p:notesMasterIdLst>
   <p:sldIdLst>
     <p:sldId id="256" r:id="rId2"/>
@@ -25,6 +25,7 @@
     <p:sldId id="273" r:id="rId16"/>
     <p:sldId id="274" r:id="rId17"/>
     <p:sldId id="275" r:id="rId18"/>
+    <p:sldId id="276" r:id="rId19"/>
   </p:sldIdLst>
   <p:sldSz cx="12192000" cy="6858000"/>
   <p:notesSz cx="6858000" cy="9144000"/>
@@ -30863,7 +30864,23 @@
                   <a:schemeClr val="tx1"/>
                 </a:solidFill>
               </a:rPr>
-              <a:t>Tree-based Code Context Learning</a:t>
+              <a:t>Tree-based Code Context Learning (</a:t>
+            </a:r>
+            <a:r>
+              <a:rPr lang="en-US" b="1" dirty="0">
+                <a:solidFill>
+                  <a:schemeClr val="tx1"/>
+                </a:solidFill>
+              </a:rPr>
+              <a:t>CCL</a:t>
+            </a:r>
+            <a:r>
+              <a:rPr lang="en-US" dirty="0">
+                <a:solidFill>
+                  <a:schemeClr val="tx1"/>
+                </a:solidFill>
+              </a:rPr>
+              <a:t>)</a:t>
             </a:r>
           </a:p>
         </p:txBody>
@@ -30882,7 +30899,7 @@
         </p:nvSpPr>
         <p:spPr>
           <a:xfrm>
-            <a:off x="4926755" y="3386232"/>
+            <a:off x="4926755" y="3414584"/>
             <a:ext cx="1909735" cy="776767"/>
           </a:xfrm>
           <a:prstGeom prst="roundRect">
@@ -30929,7 +30946,23 @@
                   <a:schemeClr val="tx1"/>
                 </a:solidFill>
               </a:rPr>
-              <a:t>Tree-based Code Transformation Learning</a:t>
+              <a:t>Tree-based Code Transformation Learning (</a:t>
+            </a:r>
+            <a:r>
+              <a:rPr lang="en-US" b="1" dirty="0">
+                <a:solidFill>
+                  <a:schemeClr val="tx1"/>
+                </a:solidFill>
+              </a:rPr>
+              <a:t>CTL</a:t>
+            </a:r>
+            <a:r>
+              <a:rPr lang="en-US" dirty="0">
+                <a:solidFill>
+                  <a:schemeClr val="tx1"/>
+                </a:solidFill>
+              </a:rPr>
+              <a:t>)</a:t>
             </a:r>
           </a:p>
         </p:txBody>
@@ -31104,7 +31137,7 @@
         <p:spPr>
           <a:xfrm flipH="1">
             <a:off x="5881623" y="3085334"/>
-            <a:ext cx="1149" cy="300898"/>
+            <a:ext cx="1149" cy="329250"/>
           </a:xfrm>
           <a:prstGeom prst="straightConnector1">
             <a:avLst/>
@@ -34250,12 +34283,322 @@
           </p:txBody>
         </p:sp>
       </p:grpSp>
+    </p:spTree>
+    <p:extLst>
+      <p:ext uri="{BB962C8B-B14F-4D97-AF65-F5344CB8AC3E}">
+        <p14:creationId xmlns:p14="http://schemas.microsoft.com/office/powerpoint/2010/main" val="959079952"/>
+      </p:ext>
+    </p:extLst>
+  </p:cSld>
+  <p:clrMapOvr>
+    <a:masterClrMapping/>
+  </p:clrMapOvr>
+</p:sld>
+</file>
+
+<file path=ppt/slides/slide18.xml><?xml version="1.0" encoding="utf-8"?>
+<p:sld xmlns:a="http://schemas.openxmlformats.org/drawingml/2006/main" xmlns:r="http://schemas.openxmlformats.org/officeDocument/2006/relationships" xmlns:p="http://schemas.openxmlformats.org/presentationml/2006/main">
+  <p:cSld>
+    <p:spTree>
+      <p:nvGrpSpPr>
+        <p:cNvPr id="1" name=""/>
+        <p:cNvGrpSpPr/>
+        <p:nvPr/>
+      </p:nvGrpSpPr>
+      <p:grpSpPr>
+        <a:xfrm>
+          <a:off x="0" y="0"/>
+          <a:ext cx="0" cy="0"/>
+          <a:chOff x="0" y="0"/>
+          <a:chExt cx="0" cy="0"/>
+        </a:xfrm>
+      </p:grpSpPr>
+      <p:grpSp>
+        <p:nvGrpSpPr>
+          <p:cNvPr id="29" name="Group 28">
+            <a:extLst>
+              <a:ext uri="{FF2B5EF4-FFF2-40B4-BE49-F238E27FC236}">
+                <a16:creationId xmlns:a16="http://schemas.microsoft.com/office/drawing/2014/main" id="{00F08641-F49B-47B4-B126-2031C5D20321}"/>
+              </a:ext>
+            </a:extLst>
+          </p:cNvPr>
+          <p:cNvGrpSpPr/>
+          <p:nvPr/>
+        </p:nvGrpSpPr>
+        <p:grpSpPr>
+          <a:xfrm>
+            <a:off x="4078046" y="3817649"/>
+            <a:ext cx="939800" cy="697706"/>
+            <a:chOff x="3473450" y="1362075"/>
+            <a:chExt cx="939800" cy="697706"/>
+          </a:xfrm>
+        </p:grpSpPr>
+        <p:sp>
+          <p:nvSpPr>
+            <p:cNvPr id="30" name="Oval 29">
+              <a:extLst>
+                <a:ext uri="{FF2B5EF4-FFF2-40B4-BE49-F238E27FC236}">
+                  <a16:creationId xmlns:a16="http://schemas.microsoft.com/office/drawing/2014/main" id="{EEF954A3-9480-4CA0-B4FC-159685D64AE4}"/>
+                </a:ext>
+              </a:extLst>
+            </p:cNvPr>
+            <p:cNvSpPr/>
+            <p:nvPr/>
+          </p:nvSpPr>
+          <p:spPr>
+            <a:xfrm>
+              <a:off x="3841750" y="1362075"/>
+              <a:ext cx="190500" cy="190500"/>
+            </a:xfrm>
+            <a:prstGeom prst="ellipse">
+              <a:avLst/>
+            </a:prstGeom>
+            <a:solidFill>
+              <a:srgbClr val="FFC000"/>
+            </a:solidFill>
+            <a:ln>
+              <a:solidFill>
+                <a:schemeClr val="accent6">
+                  <a:lumMod val="75000"/>
+                </a:schemeClr>
+              </a:solidFill>
+            </a:ln>
+          </p:spPr>
+          <p:style>
+            <a:lnRef idx="2">
+              <a:schemeClr val="accent1">
+                <a:shade val="50000"/>
+              </a:schemeClr>
+            </a:lnRef>
+            <a:fillRef idx="1">
+              <a:schemeClr val="accent1"/>
+            </a:fillRef>
+            <a:effectRef idx="0">
+              <a:schemeClr val="accent1"/>
+            </a:effectRef>
+            <a:fontRef idx="minor">
+              <a:schemeClr val="lt1"/>
+            </a:fontRef>
+          </p:style>
+          <p:txBody>
+            <a:bodyPr rtlCol="0" anchor="ctr"/>
+            <a:lstStyle/>
+            <a:p>
+              <a:pPr algn="ctr"/>
+              <a:endParaRPr lang="en-US"/>
+            </a:p>
+          </p:txBody>
+        </p:sp>
+        <p:sp>
+          <p:nvSpPr>
+            <p:cNvPr id="31" name="Oval 30">
+              <a:extLst>
+                <a:ext uri="{FF2B5EF4-FFF2-40B4-BE49-F238E27FC236}">
+                  <a16:creationId xmlns:a16="http://schemas.microsoft.com/office/drawing/2014/main" id="{58A1E0DF-95CB-4330-9C77-3EF88213FAAB}"/>
+                </a:ext>
+              </a:extLst>
+            </p:cNvPr>
+            <p:cNvSpPr/>
+            <p:nvPr/>
+          </p:nvSpPr>
+          <p:spPr>
+            <a:xfrm>
+              <a:off x="3473450" y="1869281"/>
+              <a:ext cx="190500" cy="190500"/>
+            </a:xfrm>
+            <a:prstGeom prst="ellipse">
+              <a:avLst/>
+            </a:prstGeom>
+            <a:solidFill>
+              <a:schemeClr val="accent6">
+                <a:lumMod val="40000"/>
+                <a:lumOff val="60000"/>
+              </a:schemeClr>
+            </a:solidFill>
+            <a:ln>
+              <a:solidFill>
+                <a:schemeClr val="accent6">
+                  <a:lumMod val="75000"/>
+                </a:schemeClr>
+              </a:solidFill>
+            </a:ln>
+          </p:spPr>
+          <p:style>
+            <a:lnRef idx="2">
+              <a:schemeClr val="accent1">
+                <a:shade val="50000"/>
+              </a:schemeClr>
+            </a:lnRef>
+            <a:fillRef idx="1">
+              <a:schemeClr val="accent1"/>
+            </a:fillRef>
+            <a:effectRef idx="0">
+              <a:schemeClr val="accent1"/>
+            </a:effectRef>
+            <a:fontRef idx="minor">
+              <a:schemeClr val="lt1"/>
+            </a:fontRef>
+          </p:style>
+          <p:txBody>
+            <a:bodyPr rtlCol="0" anchor="ctr"/>
+            <a:lstStyle/>
+            <a:p>
+              <a:pPr algn="ctr"/>
+              <a:endParaRPr lang="en-US"/>
+            </a:p>
+          </p:txBody>
+        </p:sp>
+        <p:sp>
+          <p:nvSpPr>
+            <p:cNvPr id="32" name="Oval 31">
+              <a:extLst>
+                <a:ext uri="{FF2B5EF4-FFF2-40B4-BE49-F238E27FC236}">
+                  <a16:creationId xmlns:a16="http://schemas.microsoft.com/office/drawing/2014/main" id="{0DDD9695-12DF-43C3-ADB3-499688F71623}"/>
+                </a:ext>
+              </a:extLst>
+            </p:cNvPr>
+            <p:cNvSpPr/>
+            <p:nvPr/>
+          </p:nvSpPr>
+          <p:spPr>
+            <a:xfrm>
+              <a:off x="4222750" y="1869281"/>
+              <a:ext cx="190500" cy="190500"/>
+            </a:xfrm>
+            <a:prstGeom prst="ellipse">
+              <a:avLst/>
+            </a:prstGeom>
+            <a:solidFill>
+              <a:srgbClr val="FFC000"/>
+            </a:solidFill>
+            <a:ln>
+              <a:solidFill>
+                <a:schemeClr val="accent6">
+                  <a:lumMod val="75000"/>
+                </a:schemeClr>
+              </a:solidFill>
+            </a:ln>
+          </p:spPr>
+          <p:style>
+            <a:lnRef idx="2">
+              <a:schemeClr val="accent1">
+                <a:shade val="50000"/>
+              </a:schemeClr>
+            </a:lnRef>
+            <a:fillRef idx="1">
+              <a:schemeClr val="accent1"/>
+            </a:fillRef>
+            <a:effectRef idx="0">
+              <a:schemeClr val="accent1"/>
+            </a:effectRef>
+            <a:fontRef idx="minor">
+              <a:schemeClr val="lt1"/>
+            </a:fontRef>
+          </p:style>
+          <p:txBody>
+            <a:bodyPr rtlCol="0" anchor="ctr"/>
+            <a:lstStyle/>
+            <a:p>
+              <a:pPr algn="ctr"/>
+              <a:endParaRPr lang="en-US"/>
+            </a:p>
+          </p:txBody>
+        </p:sp>
+        <p:cxnSp>
+          <p:nvCxnSpPr>
+            <p:cNvPr id="35" name="Straight Arrow Connector 34">
+              <a:extLst>
+                <a:ext uri="{FF2B5EF4-FFF2-40B4-BE49-F238E27FC236}">
+                  <a16:creationId xmlns:a16="http://schemas.microsoft.com/office/drawing/2014/main" id="{AF5B46F4-4D19-4BD5-A143-52DB9798FBFC}"/>
+                </a:ext>
+              </a:extLst>
+            </p:cNvPr>
+            <p:cNvCxnSpPr>
+              <a:stCxn id="30" idx="3"/>
+              <a:endCxn id="31" idx="6"/>
+            </p:cNvCxnSpPr>
+            <p:nvPr/>
+          </p:nvCxnSpPr>
+          <p:spPr>
+            <a:xfrm flipH="1">
+              <a:off x="3636052" y="1524677"/>
+              <a:ext cx="233596" cy="372502"/>
+            </a:xfrm>
+            <a:prstGeom prst="straightConnector1">
+              <a:avLst/>
+            </a:prstGeom>
+            <a:ln w="25400">
+              <a:tailEnd type="triangle"/>
+            </a:ln>
+          </p:spPr>
+          <p:style>
+            <a:lnRef idx="1">
+              <a:schemeClr val="accent1"/>
+            </a:lnRef>
+            <a:fillRef idx="0">
+              <a:schemeClr val="accent1"/>
+            </a:fillRef>
+            <a:effectRef idx="0">
+              <a:schemeClr val="accent1"/>
+            </a:effectRef>
+            <a:fontRef idx="minor">
+              <a:schemeClr val="tx1"/>
+            </a:fontRef>
+          </p:style>
+        </p:cxnSp>
+        <p:cxnSp>
+          <p:nvCxnSpPr>
+            <p:cNvPr id="36" name="Straight Arrow Connector 35">
+              <a:extLst>
+                <a:ext uri="{FF2B5EF4-FFF2-40B4-BE49-F238E27FC236}">
+                  <a16:creationId xmlns:a16="http://schemas.microsoft.com/office/drawing/2014/main" id="{78FBCFC5-9FC6-4F19-A292-7BFFE2AAACC7}"/>
+                </a:ext>
+              </a:extLst>
+            </p:cNvPr>
+            <p:cNvCxnSpPr>
+              <a:cxnSpLocks/>
+              <a:stCxn id="30" idx="5"/>
+              <a:endCxn id="32" idx="1"/>
+            </p:cNvCxnSpPr>
+            <p:nvPr/>
+          </p:nvCxnSpPr>
+          <p:spPr>
+            <a:xfrm>
+              <a:off x="4004352" y="1524677"/>
+              <a:ext cx="246296" cy="372502"/>
+            </a:xfrm>
+            <a:prstGeom prst="straightConnector1">
+              <a:avLst/>
+            </a:prstGeom>
+            <a:ln w="25400">
+              <a:solidFill>
+                <a:srgbClr val="FF0000"/>
+              </a:solidFill>
+              <a:tailEnd type="triangle"/>
+            </a:ln>
+          </p:spPr>
+          <p:style>
+            <a:lnRef idx="1">
+              <a:schemeClr val="accent1"/>
+            </a:lnRef>
+            <a:fillRef idx="0">
+              <a:schemeClr val="accent1"/>
+            </a:fillRef>
+            <a:effectRef idx="0">
+              <a:schemeClr val="accent1"/>
+            </a:effectRef>
+            <a:fontRef idx="minor">
+              <a:schemeClr val="tx1"/>
+            </a:fontRef>
+          </p:style>
+        </p:cxnSp>
+      </p:grpSp>
       <p:sp>
         <p:nvSpPr>
-          <p:cNvPr id="110" name="TextBox 109">
-            <a:extLst>
-              <a:ext uri="{FF2B5EF4-FFF2-40B4-BE49-F238E27FC236}">
-                <a16:creationId xmlns:a16="http://schemas.microsoft.com/office/drawing/2014/main" id="{6B3DB857-0068-4D59-8E2E-C8540C1A7C62}"/>
+          <p:cNvPr id="40" name="TextBox 39">
+            <a:extLst>
+              <a:ext uri="{FF2B5EF4-FFF2-40B4-BE49-F238E27FC236}">
+                <a16:creationId xmlns:a16="http://schemas.microsoft.com/office/drawing/2014/main" id="{7281DC49-955F-4674-8199-971A898A330D}"/>
               </a:ext>
             </a:extLst>
           </p:cNvPr>
@@ -34264,8 +34607,8 @@
         </p:nvSpPr>
         <p:spPr>
           <a:xfrm>
-            <a:off x="4842456" y="4646886"/>
-            <a:ext cx="1275444" cy="369332"/>
+            <a:off x="3746625" y="4428243"/>
+            <a:ext cx="1636604" cy="369332"/>
           </a:xfrm>
           <a:prstGeom prst="rect">
             <a:avLst/>
@@ -34279,16 +34622,1979 @@
           <a:lstStyle/>
           <a:p>
             <a:r>
-              <a:rPr lang="en-US" b="1" dirty="0"/>
-              <a:t>CCL Model</a:t>
+              <a:rPr lang="en-US" dirty="0"/>
+              <a:t>Buggy subtree</a:t>
             </a:r>
           </a:p>
         </p:txBody>
       </p:sp>
+      <p:sp>
+        <p:nvSpPr>
+          <p:cNvPr id="27" name="Rectangle: Rounded Corners 26">
+            <a:extLst>
+              <a:ext uri="{FF2B5EF4-FFF2-40B4-BE49-F238E27FC236}">
+                <a16:creationId xmlns:a16="http://schemas.microsoft.com/office/drawing/2014/main" id="{8B88DDE6-293D-4F1C-BA48-7E0B585C5C6C}"/>
+              </a:ext>
+            </a:extLst>
+          </p:cNvPr>
+          <p:cNvSpPr/>
+          <p:nvPr/>
+        </p:nvSpPr>
+        <p:spPr>
+          <a:xfrm>
+            <a:off x="5387259" y="2221525"/>
+            <a:ext cx="2010649" cy="802049"/>
+          </a:xfrm>
+          <a:prstGeom prst="roundRect">
+            <a:avLst/>
+          </a:prstGeom>
+          <a:solidFill>
+            <a:schemeClr val="accent2">
+              <a:lumMod val="20000"/>
+              <a:lumOff val="80000"/>
+            </a:schemeClr>
+          </a:solidFill>
+          <a:ln w="25400">
+            <a:solidFill>
+              <a:schemeClr val="accent2">
+                <a:lumMod val="75000"/>
+              </a:schemeClr>
+            </a:solidFill>
+          </a:ln>
+        </p:spPr>
+        <p:style>
+          <a:lnRef idx="2">
+            <a:schemeClr val="accent1">
+              <a:shade val="50000"/>
+            </a:schemeClr>
+          </a:lnRef>
+          <a:fillRef idx="1">
+            <a:schemeClr val="accent1"/>
+          </a:fillRef>
+          <a:effectRef idx="0">
+            <a:schemeClr val="accent1"/>
+          </a:effectRef>
+          <a:fontRef idx="minor">
+            <a:schemeClr val="lt1"/>
+          </a:fontRef>
+        </p:style>
+        <p:txBody>
+          <a:bodyPr rtlCol="0" anchor="ctr"/>
+          <a:lstStyle/>
+          <a:p>
+            <a:pPr algn="ctr"/>
+            <a:r>
+              <a:rPr lang="en-US" sz="1900" i="1" dirty="0">
+                <a:solidFill>
+                  <a:schemeClr val="tx1"/>
+                </a:solidFill>
+              </a:rPr>
+              <a:t>Trained</a:t>
+            </a:r>
+            <a:r>
+              <a:rPr lang="en-US" sz="1900" dirty="0">
+                <a:solidFill>
+                  <a:schemeClr val="tx1"/>
+                </a:solidFill>
+              </a:rPr>
+              <a:t> Code Context Learning</a:t>
+            </a:r>
+          </a:p>
+          <a:p>
+            <a:pPr algn="ctr"/>
+            <a:r>
+              <a:rPr lang="en-US" sz="1900" dirty="0">
+                <a:solidFill>
+                  <a:schemeClr val="tx1"/>
+                </a:solidFill>
+              </a:rPr>
+              <a:t>(</a:t>
+            </a:r>
+            <a:r>
+              <a:rPr lang="en-US" sz="1900" b="1" dirty="0">
+                <a:solidFill>
+                  <a:schemeClr val="tx1"/>
+                </a:solidFill>
+              </a:rPr>
+              <a:t>CCL</a:t>
+            </a:r>
+            <a:r>
+              <a:rPr lang="en-US" sz="1900" dirty="0">
+                <a:solidFill>
+                  <a:schemeClr val="tx1"/>
+                </a:solidFill>
+              </a:rPr>
+              <a:t>)</a:t>
+            </a:r>
+          </a:p>
+        </p:txBody>
+      </p:sp>
+      <p:sp>
+        <p:nvSpPr>
+          <p:cNvPr id="42" name="Rectangle: Rounded Corners 41">
+            <a:extLst>
+              <a:ext uri="{FF2B5EF4-FFF2-40B4-BE49-F238E27FC236}">
+                <a16:creationId xmlns:a16="http://schemas.microsoft.com/office/drawing/2014/main" id="{C61147BF-A6E9-423A-BBD5-EBB5D1B3AAC6}"/>
+              </a:ext>
+            </a:extLst>
+          </p:cNvPr>
+          <p:cNvSpPr/>
+          <p:nvPr/>
+        </p:nvSpPr>
+        <p:spPr>
+          <a:xfrm>
+            <a:off x="5324892" y="3753645"/>
+            <a:ext cx="2109265" cy="918734"/>
+          </a:xfrm>
+          <a:prstGeom prst="roundRect">
+            <a:avLst/>
+          </a:prstGeom>
+          <a:solidFill>
+            <a:schemeClr val="accent2">
+              <a:lumMod val="20000"/>
+              <a:lumOff val="80000"/>
+            </a:schemeClr>
+          </a:solidFill>
+          <a:ln w="25400">
+            <a:solidFill>
+              <a:schemeClr val="accent2">
+                <a:lumMod val="75000"/>
+              </a:schemeClr>
+            </a:solidFill>
+          </a:ln>
+        </p:spPr>
+        <p:style>
+          <a:lnRef idx="2">
+            <a:schemeClr val="accent1">
+              <a:shade val="50000"/>
+            </a:schemeClr>
+          </a:lnRef>
+          <a:fillRef idx="1">
+            <a:schemeClr val="accent1"/>
+          </a:fillRef>
+          <a:effectRef idx="0">
+            <a:schemeClr val="accent1"/>
+          </a:effectRef>
+          <a:fontRef idx="minor">
+            <a:schemeClr val="lt1"/>
+          </a:fontRef>
+        </p:style>
+        <p:txBody>
+          <a:bodyPr rtlCol="0" anchor="ctr"/>
+          <a:lstStyle/>
+          <a:p>
+            <a:pPr algn="ctr"/>
+            <a:r>
+              <a:rPr lang="en-US" sz="1850" i="1" dirty="0">
+                <a:solidFill>
+                  <a:schemeClr val="tx1"/>
+                </a:solidFill>
+              </a:rPr>
+              <a:t>Trained</a:t>
+            </a:r>
+            <a:r>
+              <a:rPr lang="en-US" sz="1850" dirty="0">
+                <a:solidFill>
+                  <a:schemeClr val="tx1"/>
+                </a:solidFill>
+              </a:rPr>
+              <a:t> Code Transformation Learning (</a:t>
+            </a:r>
+            <a:r>
+              <a:rPr lang="en-US" sz="1850" b="1" dirty="0">
+                <a:solidFill>
+                  <a:schemeClr val="tx1"/>
+                </a:solidFill>
+              </a:rPr>
+              <a:t>CTL</a:t>
+            </a:r>
+            <a:r>
+              <a:rPr lang="en-US" sz="1850" dirty="0">
+                <a:solidFill>
+                  <a:schemeClr val="tx1"/>
+                </a:solidFill>
+              </a:rPr>
+              <a:t>)</a:t>
+            </a:r>
+          </a:p>
+        </p:txBody>
+      </p:sp>
+      <p:cxnSp>
+        <p:nvCxnSpPr>
+          <p:cNvPr id="75" name="Straight Arrow Connector 74">
+            <a:extLst>
+              <a:ext uri="{FF2B5EF4-FFF2-40B4-BE49-F238E27FC236}">
+                <a16:creationId xmlns:a16="http://schemas.microsoft.com/office/drawing/2014/main" id="{1E26547B-40D7-4EC9-A296-9A275442F3A1}"/>
+              </a:ext>
+            </a:extLst>
+          </p:cNvPr>
+          <p:cNvCxnSpPr/>
+          <p:nvPr/>
+        </p:nvCxnSpPr>
+        <p:spPr>
+          <a:xfrm flipV="1">
+            <a:off x="4992032" y="4213460"/>
+            <a:ext cx="332860" cy="2649"/>
+          </a:xfrm>
+          <a:prstGeom prst="straightConnector1">
+            <a:avLst/>
+          </a:prstGeom>
+          <a:ln w="25400">
+            <a:tailEnd type="triangle"/>
+          </a:ln>
+        </p:spPr>
+        <p:style>
+          <a:lnRef idx="1">
+            <a:schemeClr val="accent1"/>
+          </a:lnRef>
+          <a:fillRef idx="0">
+            <a:schemeClr val="accent1"/>
+          </a:fillRef>
+          <a:effectRef idx="0">
+            <a:schemeClr val="accent1"/>
+          </a:effectRef>
+          <a:fontRef idx="minor">
+            <a:schemeClr val="tx1"/>
+          </a:fontRef>
+        </p:style>
+      </p:cxnSp>
+      <p:cxnSp>
+        <p:nvCxnSpPr>
+          <p:cNvPr id="76" name="Straight Arrow Connector 75">
+            <a:extLst>
+              <a:ext uri="{FF2B5EF4-FFF2-40B4-BE49-F238E27FC236}">
+                <a16:creationId xmlns:a16="http://schemas.microsoft.com/office/drawing/2014/main" id="{79185833-1F06-46BC-B258-D8B677D60BAF}"/>
+              </a:ext>
+            </a:extLst>
+          </p:cNvPr>
+          <p:cNvCxnSpPr/>
+          <p:nvPr/>
+        </p:nvCxnSpPr>
+        <p:spPr>
+          <a:xfrm flipV="1">
+            <a:off x="5043842" y="2634427"/>
+            <a:ext cx="332860" cy="2649"/>
+          </a:xfrm>
+          <a:prstGeom prst="straightConnector1">
+            <a:avLst/>
+          </a:prstGeom>
+          <a:ln w="25400">
+            <a:tailEnd type="triangle"/>
+          </a:ln>
+        </p:spPr>
+        <p:style>
+          <a:lnRef idx="1">
+            <a:schemeClr val="accent1"/>
+          </a:lnRef>
+          <a:fillRef idx="0">
+            <a:schemeClr val="accent1"/>
+          </a:fillRef>
+          <a:effectRef idx="0">
+            <a:schemeClr val="accent1"/>
+          </a:effectRef>
+          <a:fontRef idx="minor">
+            <a:schemeClr val="tx1"/>
+          </a:fontRef>
+        </p:style>
+      </p:cxnSp>
+      <p:cxnSp>
+        <p:nvCxnSpPr>
+          <p:cNvPr id="91" name="Straight Arrow Connector 90">
+            <a:extLst>
+              <a:ext uri="{FF2B5EF4-FFF2-40B4-BE49-F238E27FC236}">
+                <a16:creationId xmlns:a16="http://schemas.microsoft.com/office/drawing/2014/main" id="{4711F1A2-0517-44EA-BC94-3B2EFD35FA99}"/>
+              </a:ext>
+            </a:extLst>
+          </p:cNvPr>
+          <p:cNvCxnSpPr>
+            <a:cxnSpLocks/>
+            <a:stCxn id="27" idx="2"/>
+            <a:endCxn id="42" idx="0"/>
+          </p:cNvCxnSpPr>
+          <p:nvPr/>
+        </p:nvCxnSpPr>
+        <p:spPr>
+          <a:xfrm flipH="1">
+            <a:off x="6379525" y="3023574"/>
+            <a:ext cx="13059" cy="730071"/>
+          </a:xfrm>
+          <a:prstGeom prst="straightConnector1">
+            <a:avLst/>
+          </a:prstGeom>
+          <a:ln w="25400">
+            <a:headEnd type="triangle"/>
+            <a:tailEnd type="triangle"/>
+          </a:ln>
+        </p:spPr>
+        <p:style>
+          <a:lnRef idx="1">
+            <a:schemeClr val="accent1"/>
+          </a:lnRef>
+          <a:fillRef idx="0">
+            <a:schemeClr val="accent1"/>
+          </a:fillRef>
+          <a:effectRef idx="0">
+            <a:schemeClr val="accent1"/>
+          </a:effectRef>
+          <a:fontRef idx="minor">
+            <a:schemeClr val="tx1"/>
+          </a:fontRef>
+        </p:style>
+      </p:cxnSp>
+      <p:sp>
+        <p:nvSpPr>
+          <p:cNvPr id="12" name="Oval 11">
+            <a:extLst>
+              <a:ext uri="{FF2B5EF4-FFF2-40B4-BE49-F238E27FC236}">
+                <a16:creationId xmlns:a16="http://schemas.microsoft.com/office/drawing/2014/main" id="{3D3CCC25-56F3-44D6-8B44-3996C81026B6}"/>
+              </a:ext>
+            </a:extLst>
+          </p:cNvPr>
+          <p:cNvSpPr/>
+          <p:nvPr/>
+        </p:nvSpPr>
+        <p:spPr>
+          <a:xfrm>
+            <a:off x="4139048" y="3297077"/>
+            <a:ext cx="190500" cy="190500"/>
+          </a:xfrm>
+          <a:prstGeom prst="ellipse">
+            <a:avLst/>
+          </a:prstGeom>
+          <a:solidFill>
+            <a:schemeClr val="accent6">
+              <a:lumMod val="40000"/>
+              <a:lumOff val="60000"/>
+            </a:schemeClr>
+          </a:solidFill>
+          <a:ln>
+            <a:solidFill>
+              <a:schemeClr val="accent6">
+                <a:lumMod val="75000"/>
+              </a:schemeClr>
+            </a:solidFill>
+          </a:ln>
+        </p:spPr>
+        <p:style>
+          <a:lnRef idx="2">
+            <a:schemeClr val="accent1">
+              <a:shade val="50000"/>
+            </a:schemeClr>
+          </a:lnRef>
+          <a:fillRef idx="1">
+            <a:schemeClr val="accent1"/>
+          </a:fillRef>
+          <a:effectRef idx="0">
+            <a:schemeClr val="accent1"/>
+          </a:effectRef>
+          <a:fontRef idx="minor">
+            <a:schemeClr val="lt1"/>
+          </a:fontRef>
+        </p:style>
+        <p:txBody>
+          <a:bodyPr rtlCol="0" anchor="ctr"/>
+          <a:lstStyle/>
+          <a:p>
+            <a:pPr algn="ctr"/>
+            <a:endParaRPr lang="en-US"/>
+          </a:p>
+        </p:txBody>
+      </p:sp>
+      <p:sp>
+        <p:nvSpPr>
+          <p:cNvPr id="13" name="Oval 12">
+            <a:extLst>
+              <a:ext uri="{FF2B5EF4-FFF2-40B4-BE49-F238E27FC236}">
+                <a16:creationId xmlns:a16="http://schemas.microsoft.com/office/drawing/2014/main" id="{0551262F-7014-40A1-B3DA-EBD3D5A57888}"/>
+              </a:ext>
+            </a:extLst>
+          </p:cNvPr>
+          <p:cNvSpPr/>
+          <p:nvPr/>
+        </p:nvSpPr>
+        <p:spPr>
+          <a:xfrm>
+            <a:off x="4894698" y="3297077"/>
+            <a:ext cx="190500" cy="190500"/>
+          </a:xfrm>
+          <a:prstGeom prst="ellipse">
+            <a:avLst/>
+          </a:prstGeom>
+          <a:solidFill>
+            <a:srgbClr val="FFC000"/>
+          </a:solidFill>
+          <a:ln>
+            <a:solidFill>
+              <a:schemeClr val="accent6">
+                <a:lumMod val="75000"/>
+              </a:schemeClr>
+            </a:solidFill>
+          </a:ln>
+        </p:spPr>
+        <p:style>
+          <a:lnRef idx="2">
+            <a:schemeClr val="accent1">
+              <a:shade val="50000"/>
+            </a:schemeClr>
+          </a:lnRef>
+          <a:fillRef idx="1">
+            <a:schemeClr val="accent1"/>
+          </a:fillRef>
+          <a:effectRef idx="0">
+            <a:schemeClr val="accent1"/>
+          </a:effectRef>
+          <a:fontRef idx="minor">
+            <a:schemeClr val="lt1"/>
+          </a:fontRef>
+        </p:style>
+        <p:txBody>
+          <a:bodyPr rtlCol="0" anchor="ctr"/>
+          <a:lstStyle/>
+          <a:p>
+            <a:pPr algn="ctr"/>
+            <a:endParaRPr lang="en-US" dirty="0"/>
+          </a:p>
+        </p:txBody>
+      </p:sp>
+      <p:cxnSp>
+        <p:nvCxnSpPr>
+          <p:cNvPr id="19" name="Straight Arrow Connector 18">
+            <a:extLst>
+              <a:ext uri="{FF2B5EF4-FFF2-40B4-BE49-F238E27FC236}">
+                <a16:creationId xmlns:a16="http://schemas.microsoft.com/office/drawing/2014/main" id="{4BFCEB90-0F52-4654-BF5F-ED99ABC9EE00}"/>
+              </a:ext>
+            </a:extLst>
+          </p:cNvPr>
+          <p:cNvCxnSpPr>
+            <a:cxnSpLocks/>
+            <a:stCxn id="11" idx="3"/>
+            <a:endCxn id="12" idx="7"/>
+          </p:cNvCxnSpPr>
+          <p:nvPr/>
+        </p:nvCxnSpPr>
+        <p:spPr>
+          <a:xfrm flipH="1">
+            <a:off x="4301650" y="2966284"/>
+            <a:ext cx="246296" cy="358691"/>
+          </a:xfrm>
+          <a:prstGeom prst="straightConnector1">
+            <a:avLst/>
+          </a:prstGeom>
+          <a:ln w="25400">
+            <a:tailEnd type="triangle"/>
+          </a:ln>
+        </p:spPr>
+        <p:style>
+          <a:lnRef idx="1">
+            <a:schemeClr val="accent1"/>
+          </a:lnRef>
+          <a:fillRef idx="0">
+            <a:schemeClr val="accent1"/>
+          </a:fillRef>
+          <a:effectRef idx="0">
+            <a:schemeClr val="accent1"/>
+          </a:effectRef>
+          <a:fontRef idx="minor">
+            <a:schemeClr val="tx1"/>
+          </a:fontRef>
+        </p:style>
+      </p:cxnSp>
+      <p:cxnSp>
+        <p:nvCxnSpPr>
+          <p:cNvPr id="22" name="Straight Arrow Connector 21">
+            <a:extLst>
+              <a:ext uri="{FF2B5EF4-FFF2-40B4-BE49-F238E27FC236}">
+                <a16:creationId xmlns:a16="http://schemas.microsoft.com/office/drawing/2014/main" id="{78729F2F-4120-4631-B35F-1DA81F1BE9A1}"/>
+              </a:ext>
+            </a:extLst>
+          </p:cNvPr>
+          <p:cNvCxnSpPr>
+            <a:cxnSpLocks/>
+            <a:stCxn id="11" idx="5"/>
+            <a:endCxn id="13" idx="1"/>
+          </p:cNvCxnSpPr>
+          <p:nvPr/>
+        </p:nvCxnSpPr>
+        <p:spPr>
+          <a:xfrm>
+            <a:off x="4682650" y="2966284"/>
+            <a:ext cx="239946" cy="358691"/>
+          </a:xfrm>
+          <a:prstGeom prst="straightConnector1">
+            <a:avLst/>
+          </a:prstGeom>
+          <a:ln w="25400">
+            <a:solidFill>
+              <a:srgbClr val="FF0000"/>
+            </a:solidFill>
+            <a:tailEnd type="triangle"/>
+          </a:ln>
+        </p:spPr>
+        <p:style>
+          <a:lnRef idx="1">
+            <a:schemeClr val="accent1"/>
+          </a:lnRef>
+          <a:fillRef idx="0">
+            <a:schemeClr val="accent1"/>
+          </a:fillRef>
+          <a:effectRef idx="0">
+            <a:schemeClr val="accent1"/>
+          </a:effectRef>
+          <a:fontRef idx="minor">
+            <a:schemeClr val="tx1"/>
+          </a:fontRef>
+        </p:style>
+      </p:cxnSp>
+      <p:sp>
+        <p:nvSpPr>
+          <p:cNvPr id="39" name="TextBox 38">
+            <a:extLst>
+              <a:ext uri="{FF2B5EF4-FFF2-40B4-BE49-F238E27FC236}">
+                <a16:creationId xmlns:a16="http://schemas.microsoft.com/office/drawing/2014/main" id="{DFF9EEFC-8DFB-4D04-BF39-56044C2D8B85}"/>
+              </a:ext>
+            </a:extLst>
+          </p:cNvPr>
+          <p:cNvSpPr txBox="1"/>
+          <p:nvPr/>
+        </p:nvSpPr>
+        <p:spPr>
+          <a:xfrm>
+            <a:off x="3669148" y="2166492"/>
+            <a:ext cx="1299257" cy="369332"/>
+          </a:xfrm>
+          <a:prstGeom prst="rect">
+            <a:avLst/>
+          </a:prstGeom>
+          <a:noFill/>
+        </p:spPr>
+        <p:txBody>
+          <a:bodyPr wrap="square" rtlCol="0">
+            <a:spAutoFit/>
+          </a:bodyPr>
+          <a:lstStyle/>
+          <a:p>
+            <a:r>
+              <a:rPr lang="en-US" dirty="0"/>
+              <a:t>AST</a:t>
+            </a:r>
+          </a:p>
+        </p:txBody>
+      </p:sp>
+      <p:grpSp>
+        <p:nvGrpSpPr>
+          <p:cNvPr id="54" name="Group 53">
+            <a:extLst>
+              <a:ext uri="{FF2B5EF4-FFF2-40B4-BE49-F238E27FC236}">
+                <a16:creationId xmlns:a16="http://schemas.microsoft.com/office/drawing/2014/main" id="{C4FE0C7E-AE59-4C25-B32A-FB30FECBA775}"/>
+              </a:ext>
+            </a:extLst>
+          </p:cNvPr>
+          <p:cNvGrpSpPr/>
+          <p:nvPr/>
+        </p:nvGrpSpPr>
+        <p:grpSpPr>
+          <a:xfrm>
+            <a:off x="3770748" y="2296476"/>
+            <a:ext cx="939800" cy="697706"/>
+            <a:chOff x="4962328" y="1957735"/>
+            <a:chExt cx="939800" cy="697706"/>
+          </a:xfrm>
+        </p:grpSpPr>
+        <p:sp>
+          <p:nvSpPr>
+            <p:cNvPr id="6" name="Oval 5">
+              <a:extLst>
+                <a:ext uri="{FF2B5EF4-FFF2-40B4-BE49-F238E27FC236}">
+                  <a16:creationId xmlns:a16="http://schemas.microsoft.com/office/drawing/2014/main" id="{470D599C-3F89-4886-9C49-233CC1602D01}"/>
+                </a:ext>
+              </a:extLst>
+            </p:cNvPr>
+            <p:cNvSpPr/>
+            <p:nvPr/>
+          </p:nvSpPr>
+          <p:spPr>
+            <a:xfrm>
+              <a:off x="5330628" y="1957735"/>
+              <a:ext cx="190500" cy="190500"/>
+            </a:xfrm>
+            <a:prstGeom prst="ellipse">
+              <a:avLst/>
+            </a:prstGeom>
+            <a:solidFill>
+              <a:schemeClr val="accent6">
+                <a:lumMod val="40000"/>
+                <a:lumOff val="60000"/>
+              </a:schemeClr>
+            </a:solidFill>
+            <a:ln>
+              <a:solidFill>
+                <a:schemeClr val="accent6">
+                  <a:lumMod val="75000"/>
+                </a:schemeClr>
+              </a:solidFill>
+            </a:ln>
+          </p:spPr>
+          <p:style>
+            <a:lnRef idx="2">
+              <a:schemeClr val="accent1">
+                <a:shade val="50000"/>
+              </a:schemeClr>
+            </a:lnRef>
+            <a:fillRef idx="1">
+              <a:schemeClr val="accent1"/>
+            </a:fillRef>
+            <a:effectRef idx="0">
+              <a:schemeClr val="accent1"/>
+            </a:effectRef>
+            <a:fontRef idx="minor">
+              <a:schemeClr val="lt1"/>
+            </a:fontRef>
+          </p:style>
+          <p:txBody>
+            <a:bodyPr rtlCol="0" anchor="ctr"/>
+            <a:lstStyle/>
+            <a:p>
+              <a:pPr algn="ctr"/>
+              <a:endParaRPr lang="en-US"/>
+            </a:p>
+          </p:txBody>
+        </p:sp>
+        <p:sp>
+          <p:nvSpPr>
+            <p:cNvPr id="10" name="Oval 9">
+              <a:extLst>
+                <a:ext uri="{FF2B5EF4-FFF2-40B4-BE49-F238E27FC236}">
+                  <a16:creationId xmlns:a16="http://schemas.microsoft.com/office/drawing/2014/main" id="{78A16A7B-ED5A-4841-9100-606221F042A4}"/>
+                </a:ext>
+              </a:extLst>
+            </p:cNvPr>
+            <p:cNvSpPr/>
+            <p:nvPr/>
+          </p:nvSpPr>
+          <p:spPr>
+            <a:xfrm>
+              <a:off x="4962328" y="2464941"/>
+              <a:ext cx="190500" cy="190500"/>
+            </a:xfrm>
+            <a:prstGeom prst="ellipse">
+              <a:avLst/>
+            </a:prstGeom>
+            <a:solidFill>
+              <a:schemeClr val="accent6">
+                <a:lumMod val="40000"/>
+                <a:lumOff val="60000"/>
+              </a:schemeClr>
+            </a:solidFill>
+            <a:ln>
+              <a:solidFill>
+                <a:schemeClr val="accent6">
+                  <a:lumMod val="75000"/>
+                </a:schemeClr>
+              </a:solidFill>
+            </a:ln>
+          </p:spPr>
+          <p:style>
+            <a:lnRef idx="2">
+              <a:schemeClr val="accent1">
+                <a:shade val="50000"/>
+              </a:schemeClr>
+            </a:lnRef>
+            <a:fillRef idx="1">
+              <a:schemeClr val="accent1"/>
+            </a:fillRef>
+            <a:effectRef idx="0">
+              <a:schemeClr val="accent1"/>
+            </a:effectRef>
+            <a:fontRef idx="minor">
+              <a:schemeClr val="lt1"/>
+            </a:fontRef>
+          </p:style>
+          <p:txBody>
+            <a:bodyPr rtlCol="0" anchor="ctr"/>
+            <a:lstStyle/>
+            <a:p>
+              <a:pPr algn="ctr"/>
+              <a:endParaRPr lang="en-US"/>
+            </a:p>
+          </p:txBody>
+        </p:sp>
+        <p:sp>
+          <p:nvSpPr>
+            <p:cNvPr id="11" name="Oval 10">
+              <a:extLst>
+                <a:ext uri="{FF2B5EF4-FFF2-40B4-BE49-F238E27FC236}">
+                  <a16:creationId xmlns:a16="http://schemas.microsoft.com/office/drawing/2014/main" id="{DD7077DB-E4CA-42D0-8062-535BCA33231D}"/>
+                </a:ext>
+              </a:extLst>
+            </p:cNvPr>
+            <p:cNvSpPr/>
+            <p:nvPr/>
+          </p:nvSpPr>
+          <p:spPr>
+            <a:xfrm>
+              <a:off x="5711628" y="2464941"/>
+              <a:ext cx="190500" cy="190500"/>
+            </a:xfrm>
+            <a:prstGeom prst="ellipse">
+              <a:avLst/>
+            </a:prstGeom>
+            <a:solidFill>
+              <a:srgbClr val="FFC000"/>
+            </a:solidFill>
+            <a:ln>
+              <a:solidFill>
+                <a:schemeClr val="accent6">
+                  <a:lumMod val="75000"/>
+                </a:schemeClr>
+              </a:solidFill>
+            </a:ln>
+          </p:spPr>
+          <p:style>
+            <a:lnRef idx="2">
+              <a:schemeClr val="accent1">
+                <a:shade val="50000"/>
+              </a:schemeClr>
+            </a:lnRef>
+            <a:fillRef idx="1">
+              <a:schemeClr val="accent1"/>
+            </a:fillRef>
+            <a:effectRef idx="0">
+              <a:schemeClr val="accent1"/>
+            </a:effectRef>
+            <a:fontRef idx="minor">
+              <a:schemeClr val="lt1"/>
+            </a:fontRef>
+          </p:style>
+          <p:txBody>
+            <a:bodyPr rtlCol="0" anchor="ctr"/>
+            <a:lstStyle/>
+            <a:p>
+              <a:pPr algn="ctr"/>
+              <a:endParaRPr lang="en-US"/>
+            </a:p>
+          </p:txBody>
+        </p:sp>
+        <p:cxnSp>
+          <p:nvCxnSpPr>
+            <p:cNvPr id="9" name="Straight Arrow Connector 8">
+              <a:extLst>
+                <a:ext uri="{FF2B5EF4-FFF2-40B4-BE49-F238E27FC236}">
+                  <a16:creationId xmlns:a16="http://schemas.microsoft.com/office/drawing/2014/main" id="{A570A030-BD8A-40B7-886B-8931F720D89E}"/>
+                </a:ext>
+              </a:extLst>
+            </p:cNvPr>
+            <p:cNvCxnSpPr>
+              <a:cxnSpLocks/>
+              <a:stCxn id="6" idx="3"/>
+              <a:endCxn id="10" idx="6"/>
+            </p:cNvCxnSpPr>
+            <p:nvPr/>
+          </p:nvCxnSpPr>
+          <p:spPr>
+            <a:xfrm flipH="1">
+              <a:off x="5124930" y="2120337"/>
+              <a:ext cx="233596" cy="372502"/>
+            </a:xfrm>
+            <a:prstGeom prst="straightConnector1">
+              <a:avLst/>
+            </a:prstGeom>
+            <a:ln w="25400">
+              <a:tailEnd type="triangle"/>
+            </a:ln>
+          </p:spPr>
+          <p:style>
+            <a:lnRef idx="1">
+              <a:schemeClr val="accent1"/>
+            </a:lnRef>
+            <a:fillRef idx="0">
+              <a:schemeClr val="accent1"/>
+            </a:fillRef>
+            <a:effectRef idx="0">
+              <a:schemeClr val="accent1"/>
+            </a:effectRef>
+            <a:fontRef idx="minor">
+              <a:schemeClr val="tx1"/>
+            </a:fontRef>
+          </p:style>
+        </p:cxnSp>
+        <p:cxnSp>
+          <p:nvCxnSpPr>
+            <p:cNvPr id="16" name="Straight Arrow Connector 15">
+              <a:extLst>
+                <a:ext uri="{FF2B5EF4-FFF2-40B4-BE49-F238E27FC236}">
+                  <a16:creationId xmlns:a16="http://schemas.microsoft.com/office/drawing/2014/main" id="{A67836DA-BBDF-4AA1-9287-B74AADA97FDB}"/>
+                </a:ext>
+              </a:extLst>
+            </p:cNvPr>
+            <p:cNvCxnSpPr>
+              <a:cxnSpLocks/>
+              <a:stCxn id="6" idx="5"/>
+              <a:endCxn id="11" idx="1"/>
+            </p:cNvCxnSpPr>
+            <p:nvPr/>
+          </p:nvCxnSpPr>
+          <p:spPr>
+            <a:xfrm>
+              <a:off x="5493230" y="2120337"/>
+              <a:ext cx="246296" cy="372502"/>
+            </a:xfrm>
+            <a:prstGeom prst="straightConnector1">
+              <a:avLst/>
+            </a:prstGeom>
+            <a:ln w="25400">
+              <a:tailEnd type="triangle"/>
+            </a:ln>
+          </p:spPr>
+          <p:style>
+            <a:lnRef idx="1">
+              <a:schemeClr val="accent1"/>
+            </a:lnRef>
+            <a:fillRef idx="0">
+              <a:schemeClr val="accent1"/>
+            </a:fillRef>
+            <a:effectRef idx="0">
+              <a:schemeClr val="accent1"/>
+            </a:effectRef>
+            <a:fontRef idx="minor">
+              <a:schemeClr val="tx1"/>
+            </a:fontRef>
+          </p:style>
+        </p:cxnSp>
+        <p:cxnSp>
+          <p:nvCxnSpPr>
+            <p:cNvPr id="34" name="Straight Arrow Connector 33">
+              <a:extLst>
+                <a:ext uri="{FF2B5EF4-FFF2-40B4-BE49-F238E27FC236}">
+                  <a16:creationId xmlns:a16="http://schemas.microsoft.com/office/drawing/2014/main" id="{800ABE5A-ED23-4F9A-97BE-93D8F344DAF2}"/>
+                </a:ext>
+              </a:extLst>
+            </p:cNvPr>
+            <p:cNvCxnSpPr>
+              <a:cxnSpLocks/>
+              <a:stCxn id="6" idx="4"/>
+            </p:cNvCxnSpPr>
+            <p:nvPr/>
+          </p:nvCxnSpPr>
+          <p:spPr>
+            <a:xfrm>
+              <a:off x="5425878" y="2148235"/>
+              <a:ext cx="0" cy="353860"/>
+            </a:xfrm>
+            <a:prstGeom prst="straightConnector1">
+              <a:avLst/>
+            </a:prstGeom>
+            <a:ln w="12700">
+              <a:tailEnd type="triangle"/>
+            </a:ln>
+          </p:spPr>
+          <p:style>
+            <a:lnRef idx="1">
+              <a:schemeClr val="accent1"/>
+            </a:lnRef>
+            <a:fillRef idx="0">
+              <a:schemeClr val="accent1"/>
+            </a:fillRef>
+            <a:effectRef idx="0">
+              <a:schemeClr val="accent1"/>
+            </a:effectRef>
+            <a:fontRef idx="minor">
+              <a:schemeClr val="tx1"/>
+            </a:fontRef>
+          </p:style>
+        </p:cxnSp>
+      </p:grpSp>
+      <p:grpSp>
+        <p:nvGrpSpPr>
+          <p:cNvPr id="116" name="Group 115">
+            <a:extLst>
+              <a:ext uri="{FF2B5EF4-FFF2-40B4-BE49-F238E27FC236}">
+                <a16:creationId xmlns:a16="http://schemas.microsoft.com/office/drawing/2014/main" id="{E18D2C30-1919-4D91-B872-266D681753A4}"/>
+              </a:ext>
+            </a:extLst>
+          </p:cNvPr>
+          <p:cNvGrpSpPr/>
+          <p:nvPr/>
+        </p:nvGrpSpPr>
+        <p:grpSpPr>
+          <a:xfrm>
+            <a:off x="7783709" y="3817649"/>
+            <a:ext cx="939800" cy="697706"/>
+            <a:chOff x="3473450" y="1362075"/>
+            <a:chExt cx="939800" cy="697706"/>
+          </a:xfrm>
+        </p:grpSpPr>
+        <p:sp>
+          <p:nvSpPr>
+            <p:cNvPr id="117" name="Oval 116">
+              <a:extLst>
+                <a:ext uri="{FF2B5EF4-FFF2-40B4-BE49-F238E27FC236}">
+                  <a16:creationId xmlns:a16="http://schemas.microsoft.com/office/drawing/2014/main" id="{82E609CE-8429-4961-9206-89EDB63AEB74}"/>
+                </a:ext>
+              </a:extLst>
+            </p:cNvPr>
+            <p:cNvSpPr/>
+            <p:nvPr/>
+          </p:nvSpPr>
+          <p:spPr>
+            <a:xfrm>
+              <a:off x="3841750" y="1362075"/>
+              <a:ext cx="190500" cy="190500"/>
+            </a:xfrm>
+            <a:prstGeom prst="ellipse">
+              <a:avLst/>
+            </a:prstGeom>
+            <a:solidFill>
+              <a:schemeClr val="accent6">
+                <a:lumMod val="40000"/>
+                <a:lumOff val="60000"/>
+              </a:schemeClr>
+            </a:solidFill>
+            <a:ln>
+              <a:solidFill>
+                <a:schemeClr val="accent6">
+                  <a:lumMod val="75000"/>
+                </a:schemeClr>
+              </a:solidFill>
+            </a:ln>
+          </p:spPr>
+          <p:style>
+            <a:lnRef idx="2">
+              <a:schemeClr val="accent1">
+                <a:shade val="50000"/>
+              </a:schemeClr>
+            </a:lnRef>
+            <a:fillRef idx="1">
+              <a:schemeClr val="accent1"/>
+            </a:fillRef>
+            <a:effectRef idx="0">
+              <a:schemeClr val="accent1"/>
+            </a:effectRef>
+            <a:fontRef idx="minor">
+              <a:schemeClr val="lt1"/>
+            </a:fontRef>
+          </p:style>
+          <p:txBody>
+            <a:bodyPr rtlCol="0" anchor="ctr"/>
+            <a:lstStyle/>
+            <a:p>
+              <a:pPr algn="ctr"/>
+              <a:endParaRPr lang="en-US"/>
+            </a:p>
+          </p:txBody>
+        </p:sp>
+        <p:sp>
+          <p:nvSpPr>
+            <p:cNvPr id="118" name="Oval 117">
+              <a:extLst>
+                <a:ext uri="{FF2B5EF4-FFF2-40B4-BE49-F238E27FC236}">
+                  <a16:creationId xmlns:a16="http://schemas.microsoft.com/office/drawing/2014/main" id="{94112A37-27C8-4E77-8D89-A9D12BEA3706}"/>
+                </a:ext>
+              </a:extLst>
+            </p:cNvPr>
+            <p:cNvSpPr/>
+            <p:nvPr/>
+          </p:nvSpPr>
+          <p:spPr>
+            <a:xfrm>
+              <a:off x="3473450" y="1869281"/>
+              <a:ext cx="190500" cy="190500"/>
+            </a:xfrm>
+            <a:prstGeom prst="ellipse">
+              <a:avLst/>
+            </a:prstGeom>
+            <a:solidFill>
+              <a:schemeClr val="accent6">
+                <a:lumMod val="40000"/>
+                <a:lumOff val="60000"/>
+              </a:schemeClr>
+            </a:solidFill>
+            <a:ln>
+              <a:solidFill>
+                <a:schemeClr val="accent6">
+                  <a:lumMod val="75000"/>
+                </a:schemeClr>
+              </a:solidFill>
+            </a:ln>
+          </p:spPr>
+          <p:style>
+            <a:lnRef idx="2">
+              <a:schemeClr val="accent1">
+                <a:shade val="50000"/>
+              </a:schemeClr>
+            </a:lnRef>
+            <a:fillRef idx="1">
+              <a:schemeClr val="accent1"/>
+            </a:fillRef>
+            <a:effectRef idx="0">
+              <a:schemeClr val="accent1"/>
+            </a:effectRef>
+            <a:fontRef idx="minor">
+              <a:schemeClr val="lt1"/>
+            </a:fontRef>
+          </p:style>
+          <p:txBody>
+            <a:bodyPr rtlCol="0" anchor="ctr"/>
+            <a:lstStyle/>
+            <a:p>
+              <a:pPr algn="ctr"/>
+              <a:endParaRPr lang="en-US"/>
+            </a:p>
+          </p:txBody>
+        </p:sp>
+        <p:sp>
+          <p:nvSpPr>
+            <p:cNvPr id="119" name="Oval 118">
+              <a:extLst>
+                <a:ext uri="{FF2B5EF4-FFF2-40B4-BE49-F238E27FC236}">
+                  <a16:creationId xmlns:a16="http://schemas.microsoft.com/office/drawing/2014/main" id="{A761DB97-8790-495A-9F04-DECDE891203B}"/>
+                </a:ext>
+              </a:extLst>
+            </p:cNvPr>
+            <p:cNvSpPr/>
+            <p:nvPr/>
+          </p:nvSpPr>
+          <p:spPr>
+            <a:xfrm>
+              <a:off x="4222750" y="1869281"/>
+              <a:ext cx="190500" cy="190500"/>
+            </a:xfrm>
+            <a:prstGeom prst="ellipse">
+              <a:avLst/>
+            </a:prstGeom>
+            <a:solidFill>
+              <a:schemeClr val="accent6">
+                <a:lumMod val="40000"/>
+                <a:lumOff val="60000"/>
+              </a:schemeClr>
+            </a:solidFill>
+            <a:ln>
+              <a:solidFill>
+                <a:schemeClr val="accent6">
+                  <a:lumMod val="75000"/>
+                </a:schemeClr>
+              </a:solidFill>
+            </a:ln>
+          </p:spPr>
+          <p:style>
+            <a:lnRef idx="2">
+              <a:schemeClr val="accent1">
+                <a:shade val="50000"/>
+              </a:schemeClr>
+            </a:lnRef>
+            <a:fillRef idx="1">
+              <a:schemeClr val="accent1"/>
+            </a:fillRef>
+            <a:effectRef idx="0">
+              <a:schemeClr val="accent1"/>
+            </a:effectRef>
+            <a:fontRef idx="minor">
+              <a:schemeClr val="lt1"/>
+            </a:fontRef>
+          </p:style>
+          <p:txBody>
+            <a:bodyPr rtlCol="0" anchor="ctr"/>
+            <a:lstStyle/>
+            <a:p>
+              <a:pPr algn="ctr"/>
+              <a:endParaRPr lang="en-US"/>
+            </a:p>
+          </p:txBody>
+        </p:sp>
+        <p:cxnSp>
+          <p:nvCxnSpPr>
+            <p:cNvPr id="120" name="Straight Arrow Connector 119">
+              <a:extLst>
+                <a:ext uri="{FF2B5EF4-FFF2-40B4-BE49-F238E27FC236}">
+                  <a16:creationId xmlns:a16="http://schemas.microsoft.com/office/drawing/2014/main" id="{E7FA53FD-F103-43F5-8B05-DB4885747AE7}"/>
+                </a:ext>
+              </a:extLst>
+            </p:cNvPr>
+            <p:cNvCxnSpPr>
+              <a:stCxn id="117" idx="3"/>
+              <a:endCxn id="118" idx="6"/>
+            </p:cNvCxnSpPr>
+            <p:nvPr/>
+          </p:nvCxnSpPr>
+          <p:spPr>
+            <a:xfrm flipH="1">
+              <a:off x="3636052" y="1524677"/>
+              <a:ext cx="233596" cy="372502"/>
+            </a:xfrm>
+            <a:prstGeom prst="straightConnector1">
+              <a:avLst/>
+            </a:prstGeom>
+            <a:ln w="25400">
+              <a:tailEnd type="triangle"/>
+            </a:ln>
+          </p:spPr>
+          <p:style>
+            <a:lnRef idx="1">
+              <a:schemeClr val="accent1"/>
+            </a:lnRef>
+            <a:fillRef idx="0">
+              <a:schemeClr val="accent1"/>
+            </a:fillRef>
+            <a:effectRef idx="0">
+              <a:schemeClr val="accent1"/>
+            </a:effectRef>
+            <a:fontRef idx="minor">
+              <a:schemeClr val="tx1"/>
+            </a:fontRef>
+          </p:style>
+        </p:cxnSp>
+        <p:cxnSp>
+          <p:nvCxnSpPr>
+            <p:cNvPr id="121" name="Straight Arrow Connector 120">
+              <a:extLst>
+                <a:ext uri="{FF2B5EF4-FFF2-40B4-BE49-F238E27FC236}">
+                  <a16:creationId xmlns:a16="http://schemas.microsoft.com/office/drawing/2014/main" id="{295F335D-6DFB-4616-8B63-2D631663C6EB}"/>
+                </a:ext>
+              </a:extLst>
+            </p:cNvPr>
+            <p:cNvCxnSpPr>
+              <a:cxnSpLocks/>
+              <a:stCxn id="117" idx="5"/>
+              <a:endCxn id="119" idx="1"/>
+            </p:cNvCxnSpPr>
+            <p:nvPr/>
+          </p:nvCxnSpPr>
+          <p:spPr>
+            <a:xfrm>
+              <a:off x="4004352" y="1524677"/>
+              <a:ext cx="246296" cy="372502"/>
+            </a:xfrm>
+            <a:prstGeom prst="straightConnector1">
+              <a:avLst/>
+            </a:prstGeom>
+            <a:ln w="25400">
+              <a:solidFill>
+                <a:srgbClr val="0070C0"/>
+              </a:solidFill>
+              <a:tailEnd type="triangle"/>
+            </a:ln>
+          </p:spPr>
+          <p:style>
+            <a:lnRef idx="1">
+              <a:schemeClr val="accent1"/>
+            </a:lnRef>
+            <a:fillRef idx="0">
+              <a:schemeClr val="accent1"/>
+            </a:fillRef>
+            <a:effectRef idx="0">
+              <a:schemeClr val="accent1"/>
+            </a:effectRef>
+            <a:fontRef idx="minor">
+              <a:schemeClr val="tx1"/>
+            </a:fontRef>
+          </p:style>
+        </p:cxnSp>
+      </p:grpSp>
+      <p:sp>
+        <p:nvSpPr>
+          <p:cNvPr id="122" name="TextBox 121">
+            <a:extLst>
+              <a:ext uri="{FF2B5EF4-FFF2-40B4-BE49-F238E27FC236}">
+                <a16:creationId xmlns:a16="http://schemas.microsoft.com/office/drawing/2014/main" id="{224E5474-1B81-4BD7-AB89-9B8BBFEB997F}"/>
+              </a:ext>
+            </a:extLst>
+          </p:cNvPr>
+          <p:cNvSpPr txBox="1"/>
+          <p:nvPr/>
+        </p:nvSpPr>
+        <p:spPr>
+          <a:xfrm>
+            <a:off x="7551322" y="4426173"/>
+            <a:ext cx="1485900" cy="369332"/>
+          </a:xfrm>
+          <a:prstGeom prst="rect">
+            <a:avLst/>
+          </a:prstGeom>
+          <a:noFill/>
+        </p:spPr>
+        <p:txBody>
+          <a:bodyPr wrap="square" rtlCol="0">
+            <a:spAutoFit/>
+          </a:bodyPr>
+          <a:lstStyle/>
+          <a:p>
+            <a:r>
+              <a:rPr lang="en-US" dirty="0"/>
+              <a:t>Fixed subtree</a:t>
+            </a:r>
+          </a:p>
+        </p:txBody>
+      </p:sp>
+      <p:cxnSp>
+        <p:nvCxnSpPr>
+          <p:cNvPr id="80" name="Straight Arrow Connector 79">
+            <a:extLst>
+              <a:ext uri="{FF2B5EF4-FFF2-40B4-BE49-F238E27FC236}">
+                <a16:creationId xmlns:a16="http://schemas.microsoft.com/office/drawing/2014/main" id="{A1D73F36-E776-4ED8-AACF-B1FD34EBCB56}"/>
+              </a:ext>
+            </a:extLst>
+          </p:cNvPr>
+          <p:cNvCxnSpPr>
+            <a:cxnSpLocks/>
+          </p:cNvCxnSpPr>
+          <p:nvPr/>
+        </p:nvCxnSpPr>
+        <p:spPr>
+          <a:xfrm>
+            <a:off x="3377637" y="3271823"/>
+            <a:ext cx="298333" cy="100"/>
+          </a:xfrm>
+          <a:prstGeom prst="straightConnector1">
+            <a:avLst/>
+          </a:prstGeom>
+          <a:ln w="25400">
+            <a:tailEnd type="triangle"/>
+          </a:ln>
+        </p:spPr>
+        <p:style>
+          <a:lnRef idx="1">
+            <a:schemeClr val="accent1"/>
+          </a:lnRef>
+          <a:fillRef idx="0">
+            <a:schemeClr val="accent1"/>
+          </a:fillRef>
+          <a:effectRef idx="0">
+            <a:schemeClr val="accent1"/>
+          </a:effectRef>
+          <a:fontRef idx="minor">
+            <a:schemeClr val="tx1"/>
+          </a:fontRef>
+        </p:style>
+      </p:cxnSp>
+      <p:sp>
+        <p:nvSpPr>
+          <p:cNvPr id="92" name="Rectangle: Rounded Corners 91">
+            <a:extLst>
+              <a:ext uri="{FF2B5EF4-FFF2-40B4-BE49-F238E27FC236}">
+                <a16:creationId xmlns:a16="http://schemas.microsoft.com/office/drawing/2014/main" id="{025EA0C9-AAAD-4420-A3B2-2020AEEFB4B8}"/>
+              </a:ext>
+            </a:extLst>
+          </p:cNvPr>
+          <p:cNvSpPr/>
+          <p:nvPr/>
+        </p:nvSpPr>
+        <p:spPr>
+          <a:xfrm>
+            <a:off x="7592107" y="2223897"/>
+            <a:ext cx="1310893" cy="821060"/>
+          </a:xfrm>
+          <a:prstGeom prst="roundRect">
+            <a:avLst/>
+          </a:prstGeom>
+          <a:solidFill>
+            <a:schemeClr val="accent2">
+              <a:lumMod val="20000"/>
+              <a:lumOff val="80000"/>
+            </a:schemeClr>
+          </a:solidFill>
+          <a:ln w="25400">
+            <a:solidFill>
+              <a:schemeClr val="accent2">
+                <a:lumMod val="75000"/>
+              </a:schemeClr>
+            </a:solidFill>
+          </a:ln>
+        </p:spPr>
+        <p:style>
+          <a:lnRef idx="2">
+            <a:schemeClr val="accent1">
+              <a:shade val="50000"/>
+            </a:schemeClr>
+          </a:lnRef>
+          <a:fillRef idx="1">
+            <a:schemeClr val="accent1"/>
+          </a:fillRef>
+          <a:effectRef idx="0">
+            <a:schemeClr val="accent1"/>
+          </a:effectRef>
+          <a:fontRef idx="minor">
+            <a:schemeClr val="lt1"/>
+          </a:fontRef>
+        </p:style>
+        <p:txBody>
+          <a:bodyPr rtlCol="0" anchor="ctr"/>
+          <a:lstStyle/>
+          <a:p>
+            <a:pPr algn="ctr"/>
+            <a:r>
+              <a:rPr lang="en-US" dirty="0">
+                <a:solidFill>
+                  <a:schemeClr val="tx1"/>
+                </a:solidFill>
+              </a:rPr>
+              <a:t>Patch Generation</a:t>
+            </a:r>
+          </a:p>
+        </p:txBody>
+      </p:sp>
+      <p:cxnSp>
+        <p:nvCxnSpPr>
+          <p:cNvPr id="93" name="Straight Arrow Connector 92">
+            <a:extLst>
+              <a:ext uri="{FF2B5EF4-FFF2-40B4-BE49-F238E27FC236}">
+                <a16:creationId xmlns:a16="http://schemas.microsoft.com/office/drawing/2014/main" id="{20F62E73-D895-469C-A6A3-2C4834C7D906}"/>
+              </a:ext>
+            </a:extLst>
+          </p:cNvPr>
+          <p:cNvCxnSpPr>
+            <a:cxnSpLocks/>
+          </p:cNvCxnSpPr>
+          <p:nvPr/>
+        </p:nvCxnSpPr>
+        <p:spPr>
+          <a:xfrm flipV="1">
+            <a:off x="7447351" y="4192850"/>
+            <a:ext cx="219193" cy="2648"/>
+          </a:xfrm>
+          <a:prstGeom prst="straightConnector1">
+            <a:avLst/>
+          </a:prstGeom>
+          <a:ln w="25400">
+            <a:tailEnd type="triangle"/>
+          </a:ln>
+        </p:spPr>
+        <p:style>
+          <a:lnRef idx="1">
+            <a:schemeClr val="accent1"/>
+          </a:lnRef>
+          <a:fillRef idx="0">
+            <a:schemeClr val="accent1"/>
+          </a:fillRef>
+          <a:effectRef idx="0">
+            <a:schemeClr val="accent1"/>
+          </a:effectRef>
+          <a:fontRef idx="minor">
+            <a:schemeClr val="tx1"/>
+          </a:fontRef>
+        </p:style>
+      </p:cxnSp>
+      <p:pic>
+        <p:nvPicPr>
+          <p:cNvPr id="48" name="Picture 2" descr="File icon PNG, ICO or ICNS | Free vector icons">
+            <a:extLst>
+              <a:ext uri="{FF2B5EF4-FFF2-40B4-BE49-F238E27FC236}">
+                <a16:creationId xmlns:a16="http://schemas.microsoft.com/office/drawing/2014/main" id="{215A1029-767A-4D19-B539-7093934E2BE9}"/>
+              </a:ext>
+            </a:extLst>
+          </p:cNvPr>
+          <p:cNvPicPr>
+            <a:picLocks noChangeAspect="1" noChangeArrowheads="1"/>
+          </p:cNvPicPr>
+          <p:nvPr/>
+        </p:nvPicPr>
+        <p:blipFill>
+          <a:blip r:embed="rId2">
+            <a:extLst>
+              <a:ext uri="{28A0092B-C50C-407E-A947-70E740481C1C}">
+                <a14:useLocalDpi xmlns:a14="http://schemas.microsoft.com/office/drawing/2010/main" val="0"/>
+              </a:ext>
+            </a:extLst>
+          </a:blip>
+          <a:srcRect/>
+          <a:stretch>
+            <a:fillRect/>
+          </a:stretch>
+        </p:blipFill>
+        <p:spPr bwMode="auto">
+          <a:xfrm>
+            <a:off x="975144" y="2228553"/>
+            <a:ext cx="739140" cy="739140"/>
+          </a:xfrm>
+          <a:prstGeom prst="rect">
+            <a:avLst/>
+          </a:prstGeom>
+          <a:noFill/>
+          <a:extLst>
+            <a:ext uri="{909E8E84-426E-40DD-AFC4-6F175D3DCCD1}">
+              <a14:hiddenFill xmlns:a14="http://schemas.microsoft.com/office/drawing/2010/main">
+                <a:solidFill>
+                  <a:srgbClr val="FFFFFF"/>
+                </a:solidFill>
+              </a14:hiddenFill>
+            </a:ext>
+          </a:extLst>
+        </p:spPr>
+      </p:pic>
+      <p:sp>
+        <p:nvSpPr>
+          <p:cNvPr id="49" name="TextBox 48">
+            <a:extLst>
+              <a:ext uri="{FF2B5EF4-FFF2-40B4-BE49-F238E27FC236}">
+                <a16:creationId xmlns:a16="http://schemas.microsoft.com/office/drawing/2014/main" id="{C964056E-778C-4174-929A-B1F746AADF90}"/>
+              </a:ext>
+            </a:extLst>
+          </p:cNvPr>
+          <p:cNvSpPr txBox="1"/>
+          <p:nvPr/>
+        </p:nvSpPr>
+        <p:spPr>
+          <a:xfrm>
+            <a:off x="563788" y="2905619"/>
+            <a:ext cx="1676400" cy="646331"/>
+          </a:xfrm>
+          <a:prstGeom prst="rect">
+            <a:avLst/>
+          </a:prstGeom>
+          <a:noFill/>
+        </p:spPr>
+        <p:txBody>
+          <a:bodyPr wrap="square" rtlCol="0">
+            <a:spAutoFit/>
+          </a:bodyPr>
+          <a:lstStyle/>
+          <a:p>
+            <a:r>
+              <a:rPr lang="en-US" dirty="0"/>
+              <a:t>Buggy Method</a:t>
+            </a:r>
+          </a:p>
+          <a:p>
+            <a:pPr algn="ctr"/>
+            <a:r>
+              <a:rPr lang="en-US" dirty="0"/>
+              <a:t>(</a:t>
+            </a:r>
+            <a:r>
+              <a:rPr lang="en-US" sz="1600" dirty="0"/>
+              <a:t>after FL</a:t>
+            </a:r>
+            <a:r>
+              <a:rPr lang="en-US" dirty="0"/>
+              <a:t>)</a:t>
+            </a:r>
+          </a:p>
+        </p:txBody>
+      </p:sp>
+      <p:sp>
+        <p:nvSpPr>
+          <p:cNvPr id="50" name="TextBox 49">
+            <a:extLst>
+              <a:ext uri="{FF2B5EF4-FFF2-40B4-BE49-F238E27FC236}">
+                <a16:creationId xmlns:a16="http://schemas.microsoft.com/office/drawing/2014/main" id="{90478059-5B00-4F78-92CF-89C08F5A18C2}"/>
+              </a:ext>
+            </a:extLst>
+          </p:cNvPr>
+          <p:cNvSpPr txBox="1"/>
+          <p:nvPr/>
+        </p:nvSpPr>
+        <p:spPr>
+          <a:xfrm>
+            <a:off x="401134" y="3760141"/>
+            <a:ext cx="1967810" cy="261610"/>
+          </a:xfrm>
+          <a:prstGeom prst="rect">
+            <a:avLst/>
+          </a:prstGeom>
+          <a:noFill/>
+          <a:ln w="25400">
+            <a:solidFill>
+              <a:schemeClr val="tx1"/>
+            </a:solidFill>
+          </a:ln>
+        </p:spPr>
+        <p:txBody>
+          <a:bodyPr wrap="square" rtlCol="0">
+            <a:spAutoFit/>
+          </a:bodyPr>
+          <a:lstStyle/>
+          <a:p>
+            <a:r>
+              <a:rPr lang="en-US" sz="1100" dirty="0">
+                <a:latin typeface="Courier New" panose="02070309020205020404" pitchFamily="49" charset="0"/>
+                <a:cs typeface="Courier New" panose="02070309020205020404" pitchFamily="49" charset="0"/>
+              </a:rPr>
+              <a:t>If (dataset != null)…</a:t>
+            </a:r>
+          </a:p>
+        </p:txBody>
+      </p:sp>
+      <p:sp>
+        <p:nvSpPr>
+          <p:cNvPr id="51" name="TextBox 50">
+            <a:extLst>
+              <a:ext uri="{FF2B5EF4-FFF2-40B4-BE49-F238E27FC236}">
+                <a16:creationId xmlns:a16="http://schemas.microsoft.com/office/drawing/2014/main" id="{2A8598B2-640F-4B23-BB75-24DE4F275096}"/>
+              </a:ext>
+            </a:extLst>
+          </p:cNvPr>
+          <p:cNvSpPr txBox="1"/>
+          <p:nvPr/>
+        </p:nvSpPr>
+        <p:spPr>
+          <a:xfrm>
+            <a:off x="115821" y="3974687"/>
+            <a:ext cx="2570098" cy="646331"/>
+          </a:xfrm>
+          <a:prstGeom prst="rect">
+            <a:avLst/>
+          </a:prstGeom>
+          <a:noFill/>
+        </p:spPr>
+        <p:txBody>
+          <a:bodyPr wrap="square" rtlCol="0">
+            <a:spAutoFit/>
+          </a:bodyPr>
+          <a:lstStyle/>
+          <a:p>
+            <a:pPr algn="ctr"/>
+            <a:r>
+              <a:rPr lang="en-US" dirty="0"/>
+              <a:t>A Buggy Statement</a:t>
+            </a:r>
+          </a:p>
+          <a:p>
+            <a:pPr algn="ctr"/>
+            <a:r>
+              <a:rPr lang="en-US" dirty="0"/>
+              <a:t>(</a:t>
+            </a:r>
+            <a:r>
+              <a:rPr lang="en-US" sz="1400" dirty="0"/>
+              <a:t>after FL</a:t>
+            </a:r>
+            <a:r>
+              <a:rPr lang="en-US" dirty="0"/>
+              <a:t>)</a:t>
+            </a:r>
+          </a:p>
+        </p:txBody>
+      </p:sp>
+      <p:cxnSp>
+        <p:nvCxnSpPr>
+          <p:cNvPr id="56" name="Straight Arrow Connector 55">
+            <a:extLst>
+              <a:ext uri="{FF2B5EF4-FFF2-40B4-BE49-F238E27FC236}">
+                <a16:creationId xmlns:a16="http://schemas.microsoft.com/office/drawing/2014/main" id="{B72355D6-8E68-48A0-8AFE-0497A961CD42}"/>
+              </a:ext>
+            </a:extLst>
+          </p:cNvPr>
+          <p:cNvCxnSpPr>
+            <a:cxnSpLocks/>
+          </p:cNvCxnSpPr>
+          <p:nvPr/>
+        </p:nvCxnSpPr>
+        <p:spPr>
+          <a:xfrm>
+            <a:off x="1988214" y="3257721"/>
+            <a:ext cx="298333" cy="100"/>
+          </a:xfrm>
+          <a:prstGeom prst="straightConnector1">
+            <a:avLst/>
+          </a:prstGeom>
+          <a:ln w="25400">
+            <a:tailEnd type="triangle"/>
+          </a:ln>
+        </p:spPr>
+        <p:style>
+          <a:lnRef idx="1">
+            <a:schemeClr val="accent1"/>
+          </a:lnRef>
+          <a:fillRef idx="0">
+            <a:schemeClr val="accent1"/>
+          </a:fillRef>
+          <a:effectRef idx="0">
+            <a:schemeClr val="accent1"/>
+          </a:effectRef>
+          <a:fontRef idx="minor">
+            <a:schemeClr val="tx1"/>
+          </a:fontRef>
+        </p:style>
+      </p:cxnSp>
+      <p:sp>
+        <p:nvSpPr>
+          <p:cNvPr id="46" name="TextBox 45">
+            <a:extLst>
+              <a:ext uri="{FF2B5EF4-FFF2-40B4-BE49-F238E27FC236}">
+                <a16:creationId xmlns:a16="http://schemas.microsoft.com/office/drawing/2014/main" id="{0F9DA538-7F4D-46A1-8FEF-285A16B97F15}"/>
+              </a:ext>
+            </a:extLst>
+          </p:cNvPr>
+          <p:cNvSpPr txBox="1"/>
+          <p:nvPr/>
+        </p:nvSpPr>
+        <p:spPr>
+          <a:xfrm>
+            <a:off x="4283799" y="2190513"/>
+            <a:ext cx="502894" cy="307777"/>
+          </a:xfrm>
+          <a:prstGeom prst="rect">
+            <a:avLst/>
+          </a:prstGeom>
+          <a:noFill/>
+        </p:spPr>
+        <p:txBody>
+          <a:bodyPr wrap="square" rtlCol="0">
+            <a:spAutoFit/>
+          </a:bodyPr>
+          <a:lstStyle/>
+          <a:p>
+            <a:r>
+              <a:rPr lang="en-US" sz="1400" dirty="0"/>
+              <a:t>V1</a:t>
+            </a:r>
+          </a:p>
+        </p:txBody>
+      </p:sp>
+      <p:sp>
+        <p:nvSpPr>
+          <p:cNvPr id="47" name="TextBox 46">
+            <a:extLst>
+              <a:ext uri="{FF2B5EF4-FFF2-40B4-BE49-F238E27FC236}">
+                <a16:creationId xmlns:a16="http://schemas.microsoft.com/office/drawing/2014/main" id="{2B0B8E16-D65A-48B3-B8F1-CAF594E32EBC}"/>
+              </a:ext>
+            </a:extLst>
+          </p:cNvPr>
+          <p:cNvSpPr txBox="1"/>
+          <p:nvPr/>
+        </p:nvSpPr>
+        <p:spPr>
+          <a:xfrm>
+            <a:off x="3916325" y="2803323"/>
+            <a:ext cx="502894" cy="307777"/>
+          </a:xfrm>
+          <a:prstGeom prst="rect">
+            <a:avLst/>
+          </a:prstGeom>
+          <a:noFill/>
+        </p:spPr>
+        <p:txBody>
+          <a:bodyPr wrap="square" rtlCol="0">
+            <a:spAutoFit/>
+          </a:bodyPr>
+          <a:lstStyle/>
+          <a:p>
+            <a:r>
+              <a:rPr lang="en-US" sz="1400" dirty="0"/>
+              <a:t>V2</a:t>
+            </a:r>
+          </a:p>
+        </p:txBody>
+      </p:sp>
+      <p:sp>
+        <p:nvSpPr>
+          <p:cNvPr id="52" name="TextBox 51">
+            <a:extLst>
+              <a:ext uri="{FF2B5EF4-FFF2-40B4-BE49-F238E27FC236}">
+                <a16:creationId xmlns:a16="http://schemas.microsoft.com/office/drawing/2014/main" id="{8111ECF5-D350-4865-B3F9-308602CFC1E3}"/>
+              </a:ext>
+            </a:extLst>
+          </p:cNvPr>
+          <p:cNvSpPr txBox="1"/>
+          <p:nvPr/>
+        </p:nvSpPr>
+        <p:spPr>
+          <a:xfrm>
+            <a:off x="4465511" y="2553616"/>
+            <a:ext cx="502894" cy="307777"/>
+          </a:xfrm>
+          <a:prstGeom prst="rect">
+            <a:avLst/>
+          </a:prstGeom>
+          <a:noFill/>
+        </p:spPr>
+        <p:txBody>
+          <a:bodyPr wrap="square" rtlCol="0">
+            <a:spAutoFit/>
+          </a:bodyPr>
+          <a:lstStyle/>
+          <a:p>
+            <a:r>
+              <a:rPr lang="en-US" sz="1400" dirty="0"/>
+              <a:t>V3</a:t>
+            </a:r>
+          </a:p>
+        </p:txBody>
+      </p:sp>
+      <p:sp>
+        <p:nvSpPr>
+          <p:cNvPr id="53" name="TextBox 52">
+            <a:extLst>
+              <a:ext uri="{FF2B5EF4-FFF2-40B4-BE49-F238E27FC236}">
+                <a16:creationId xmlns:a16="http://schemas.microsoft.com/office/drawing/2014/main" id="{F5C501A2-859D-4457-8075-ACC84C744E75}"/>
+              </a:ext>
+            </a:extLst>
+          </p:cNvPr>
+          <p:cNvSpPr txBox="1"/>
+          <p:nvPr/>
+        </p:nvSpPr>
+        <p:spPr>
+          <a:xfrm>
+            <a:off x="3973815" y="3033182"/>
+            <a:ext cx="502894" cy="307777"/>
+          </a:xfrm>
+          <a:prstGeom prst="rect">
+            <a:avLst/>
+          </a:prstGeom>
+          <a:noFill/>
+        </p:spPr>
+        <p:txBody>
+          <a:bodyPr wrap="square" rtlCol="0">
+            <a:spAutoFit/>
+          </a:bodyPr>
+          <a:lstStyle/>
+          <a:p>
+            <a:r>
+              <a:rPr lang="en-US" sz="1400" dirty="0"/>
+              <a:t>V4</a:t>
+            </a:r>
+          </a:p>
+        </p:txBody>
+      </p:sp>
+      <p:sp>
+        <p:nvSpPr>
+          <p:cNvPr id="55" name="TextBox 54">
+            <a:extLst>
+              <a:ext uri="{FF2B5EF4-FFF2-40B4-BE49-F238E27FC236}">
+                <a16:creationId xmlns:a16="http://schemas.microsoft.com/office/drawing/2014/main" id="{2DCDBAA3-A8D5-42FC-8429-5B4008E78876}"/>
+              </a:ext>
+            </a:extLst>
+          </p:cNvPr>
+          <p:cNvSpPr txBox="1"/>
+          <p:nvPr/>
+        </p:nvSpPr>
+        <p:spPr>
+          <a:xfrm>
+            <a:off x="4897709" y="3021417"/>
+            <a:ext cx="502894" cy="307777"/>
+          </a:xfrm>
+          <a:prstGeom prst="rect">
+            <a:avLst/>
+          </a:prstGeom>
+          <a:noFill/>
+        </p:spPr>
+        <p:txBody>
+          <a:bodyPr wrap="square" rtlCol="0">
+            <a:spAutoFit/>
+          </a:bodyPr>
+          <a:lstStyle/>
+          <a:p>
+            <a:r>
+              <a:rPr lang="en-US" sz="1400" dirty="0"/>
+              <a:t>V5</a:t>
+            </a:r>
+          </a:p>
+        </p:txBody>
+      </p:sp>
+      <p:sp>
+        <p:nvSpPr>
+          <p:cNvPr id="57" name="TextBox 56">
+            <a:extLst>
+              <a:ext uri="{FF2B5EF4-FFF2-40B4-BE49-F238E27FC236}">
+                <a16:creationId xmlns:a16="http://schemas.microsoft.com/office/drawing/2014/main" id="{56C5B48E-70FC-4D53-AE38-4FBF0715B4ED}"/>
+              </a:ext>
+            </a:extLst>
+          </p:cNvPr>
+          <p:cNvSpPr txBox="1"/>
+          <p:nvPr/>
+        </p:nvSpPr>
+        <p:spPr>
+          <a:xfrm>
+            <a:off x="4371539" y="3542561"/>
+            <a:ext cx="502894" cy="307777"/>
+          </a:xfrm>
+          <a:prstGeom prst="rect">
+            <a:avLst/>
+          </a:prstGeom>
+          <a:noFill/>
+        </p:spPr>
+        <p:txBody>
+          <a:bodyPr wrap="square" rtlCol="0">
+            <a:spAutoFit/>
+          </a:bodyPr>
+          <a:lstStyle/>
+          <a:p>
+            <a:r>
+              <a:rPr lang="en-US" sz="1400" dirty="0"/>
+              <a:t>V3</a:t>
+            </a:r>
+          </a:p>
+        </p:txBody>
+      </p:sp>
+      <p:sp>
+        <p:nvSpPr>
+          <p:cNvPr id="58" name="TextBox 57">
+            <a:extLst>
+              <a:ext uri="{FF2B5EF4-FFF2-40B4-BE49-F238E27FC236}">
+                <a16:creationId xmlns:a16="http://schemas.microsoft.com/office/drawing/2014/main" id="{F93B6F41-7B56-4A20-A176-EC3B06671A4D}"/>
+              </a:ext>
+            </a:extLst>
+          </p:cNvPr>
+          <p:cNvSpPr txBox="1"/>
+          <p:nvPr/>
+        </p:nvSpPr>
+        <p:spPr>
+          <a:xfrm>
+            <a:off x="3921849" y="4040286"/>
+            <a:ext cx="502894" cy="307777"/>
+          </a:xfrm>
+          <a:prstGeom prst="rect">
+            <a:avLst/>
+          </a:prstGeom>
+          <a:noFill/>
+        </p:spPr>
+        <p:txBody>
+          <a:bodyPr wrap="square" rtlCol="0">
+            <a:spAutoFit/>
+          </a:bodyPr>
+          <a:lstStyle/>
+          <a:p>
+            <a:r>
+              <a:rPr lang="en-US" sz="1400" dirty="0"/>
+              <a:t>V4</a:t>
+            </a:r>
+          </a:p>
+        </p:txBody>
+      </p:sp>
+      <p:sp>
+        <p:nvSpPr>
+          <p:cNvPr id="59" name="TextBox 58">
+            <a:extLst>
+              <a:ext uri="{FF2B5EF4-FFF2-40B4-BE49-F238E27FC236}">
+                <a16:creationId xmlns:a16="http://schemas.microsoft.com/office/drawing/2014/main" id="{9707EE8D-89D7-4B98-8125-D774EF07D908}"/>
+              </a:ext>
+            </a:extLst>
+          </p:cNvPr>
+          <p:cNvSpPr txBox="1"/>
+          <p:nvPr/>
+        </p:nvSpPr>
+        <p:spPr>
+          <a:xfrm>
+            <a:off x="4707378" y="3970978"/>
+            <a:ext cx="502894" cy="307777"/>
+          </a:xfrm>
+          <a:prstGeom prst="rect">
+            <a:avLst/>
+          </a:prstGeom>
+          <a:noFill/>
+        </p:spPr>
+        <p:txBody>
+          <a:bodyPr wrap="square" rtlCol="0">
+            <a:spAutoFit/>
+          </a:bodyPr>
+          <a:lstStyle/>
+          <a:p>
+            <a:r>
+              <a:rPr lang="en-US" sz="1400" dirty="0"/>
+              <a:t>V5</a:t>
+            </a:r>
+          </a:p>
+        </p:txBody>
+      </p:sp>
+      <p:sp>
+        <p:nvSpPr>
+          <p:cNvPr id="71" name="Rectangle: Rounded Corners 70">
+            <a:extLst>
+              <a:ext uri="{FF2B5EF4-FFF2-40B4-BE49-F238E27FC236}">
+                <a16:creationId xmlns:a16="http://schemas.microsoft.com/office/drawing/2014/main" id="{3A8B981C-4F7B-40A6-97A3-2A364A7E7E6A}"/>
+              </a:ext>
+            </a:extLst>
+          </p:cNvPr>
+          <p:cNvSpPr/>
+          <p:nvPr/>
+        </p:nvSpPr>
+        <p:spPr>
+          <a:xfrm>
+            <a:off x="2301156" y="2819930"/>
+            <a:ext cx="1074087" cy="875582"/>
+          </a:xfrm>
+          <a:prstGeom prst="roundRect">
+            <a:avLst/>
+          </a:prstGeom>
+          <a:solidFill>
+            <a:schemeClr val="accent2">
+              <a:lumMod val="20000"/>
+              <a:lumOff val="80000"/>
+            </a:schemeClr>
+          </a:solidFill>
+          <a:ln w="25400">
+            <a:solidFill>
+              <a:schemeClr val="accent2">
+                <a:lumMod val="75000"/>
+              </a:schemeClr>
+            </a:solidFill>
+          </a:ln>
+        </p:spPr>
+        <p:style>
+          <a:lnRef idx="2">
+            <a:schemeClr val="accent1">
+              <a:shade val="50000"/>
+            </a:schemeClr>
+          </a:lnRef>
+          <a:fillRef idx="1">
+            <a:schemeClr val="accent1"/>
+          </a:fillRef>
+          <a:effectRef idx="0">
+            <a:schemeClr val="accent1"/>
+          </a:effectRef>
+          <a:fontRef idx="minor">
+            <a:schemeClr val="lt1"/>
+          </a:fontRef>
+        </p:style>
+        <p:txBody>
+          <a:bodyPr rtlCol="0" anchor="ctr"/>
+          <a:lstStyle/>
+          <a:p>
+            <a:pPr algn="ctr"/>
+            <a:r>
+              <a:rPr lang="en-US" dirty="0">
+                <a:solidFill>
+                  <a:schemeClr val="tx1"/>
+                </a:solidFill>
+              </a:rPr>
+              <a:t>Tree Rep Learning</a:t>
+            </a:r>
+          </a:p>
+        </p:txBody>
+      </p:sp>
+      <p:cxnSp>
+        <p:nvCxnSpPr>
+          <p:cNvPr id="72" name="Straight Arrow Connector 71">
+            <a:extLst>
+              <a:ext uri="{FF2B5EF4-FFF2-40B4-BE49-F238E27FC236}">
+                <a16:creationId xmlns:a16="http://schemas.microsoft.com/office/drawing/2014/main" id="{8FA94F06-6391-4DF0-9171-142960DFD580}"/>
+              </a:ext>
+            </a:extLst>
+          </p:cNvPr>
+          <p:cNvCxnSpPr>
+            <a:cxnSpLocks/>
+          </p:cNvCxnSpPr>
+          <p:nvPr/>
+        </p:nvCxnSpPr>
+        <p:spPr>
+          <a:xfrm flipV="1">
+            <a:off x="8247554" y="3054346"/>
+            <a:ext cx="0" cy="641166"/>
+          </a:xfrm>
+          <a:prstGeom prst="straightConnector1">
+            <a:avLst/>
+          </a:prstGeom>
+          <a:ln w="25400">
+            <a:tailEnd type="triangle"/>
+          </a:ln>
+        </p:spPr>
+        <p:style>
+          <a:lnRef idx="1">
+            <a:schemeClr val="accent1"/>
+          </a:lnRef>
+          <a:fillRef idx="0">
+            <a:schemeClr val="accent1"/>
+          </a:fillRef>
+          <a:effectRef idx="0">
+            <a:schemeClr val="accent1"/>
+          </a:effectRef>
+          <a:fontRef idx="minor">
+            <a:schemeClr val="tx1"/>
+          </a:fontRef>
+        </p:style>
+      </p:cxnSp>
     </p:spTree>
     <p:extLst>
       <p:ext uri="{BB962C8B-B14F-4D97-AF65-F5344CB8AC3E}">
-        <p14:creationId xmlns:p14="http://schemas.microsoft.com/office/powerpoint/2010/main" val="959079952"/>
+        <p14:creationId xmlns:p14="http://schemas.microsoft.com/office/powerpoint/2010/main" val="361518308"/>
       </p:ext>
     </p:extLst>
   </p:cSld>

--- a/Figures.pptx
+++ b/Figures.pptx
@@ -214,7 +214,7 @@
           <a:p>
             <a:fld id="{75754C70-6453-4EC1-893C-AA2644B807D6}" type="datetimeFigureOut">
               <a:rPr lang="en-US" smtClean="0"/>
-              <a:t>3/3/2022</a:t>
+              <a:t>3/4/2022</a:t>
             </a:fld>
             <a:endParaRPr lang="en-US" dirty="0"/>
           </a:p>
@@ -628,7 +628,7 @@
           <a:p>
             <a:fld id="{FF5E1AB6-45CD-421A-B6C0-E4D4EAFC2CDC}" type="datetimeFigureOut">
               <a:rPr lang="en-US" smtClean="0"/>
-              <a:t>3/3/2022</a:t>
+              <a:t>3/4/2022</a:t>
             </a:fld>
             <a:endParaRPr lang="en-US" dirty="0"/>
           </a:p>
@@ -826,7 +826,7 @@
           <a:p>
             <a:fld id="{FF5E1AB6-45CD-421A-B6C0-E4D4EAFC2CDC}" type="datetimeFigureOut">
               <a:rPr lang="en-US" smtClean="0"/>
-              <a:t>3/3/2022</a:t>
+              <a:t>3/4/2022</a:t>
             </a:fld>
             <a:endParaRPr lang="en-US" dirty="0"/>
           </a:p>
@@ -1034,7 +1034,7 @@
           <a:p>
             <a:fld id="{FF5E1AB6-45CD-421A-B6C0-E4D4EAFC2CDC}" type="datetimeFigureOut">
               <a:rPr lang="en-US" smtClean="0"/>
-              <a:t>3/3/2022</a:t>
+              <a:t>3/4/2022</a:t>
             </a:fld>
             <a:endParaRPr lang="en-US" dirty="0"/>
           </a:p>
@@ -1232,7 +1232,7 @@
           <a:p>
             <a:fld id="{FF5E1AB6-45CD-421A-B6C0-E4D4EAFC2CDC}" type="datetimeFigureOut">
               <a:rPr lang="en-US" smtClean="0"/>
-              <a:t>3/3/2022</a:t>
+              <a:t>3/4/2022</a:t>
             </a:fld>
             <a:endParaRPr lang="en-US" dirty="0"/>
           </a:p>
@@ -1507,7 +1507,7 @@
           <a:p>
             <a:fld id="{FF5E1AB6-45CD-421A-B6C0-E4D4EAFC2CDC}" type="datetimeFigureOut">
               <a:rPr lang="en-US" smtClean="0"/>
-              <a:t>3/3/2022</a:t>
+              <a:t>3/4/2022</a:t>
             </a:fld>
             <a:endParaRPr lang="en-US" dirty="0"/>
           </a:p>
@@ -1772,7 +1772,7 @@
           <a:p>
             <a:fld id="{FF5E1AB6-45CD-421A-B6C0-E4D4EAFC2CDC}" type="datetimeFigureOut">
               <a:rPr lang="en-US" smtClean="0"/>
-              <a:t>3/3/2022</a:t>
+              <a:t>3/4/2022</a:t>
             </a:fld>
             <a:endParaRPr lang="en-US" dirty="0"/>
           </a:p>
@@ -2184,7 +2184,7 @@
           <a:p>
             <a:fld id="{FF5E1AB6-45CD-421A-B6C0-E4D4EAFC2CDC}" type="datetimeFigureOut">
               <a:rPr lang="en-US" smtClean="0"/>
-              <a:t>3/3/2022</a:t>
+              <a:t>3/4/2022</a:t>
             </a:fld>
             <a:endParaRPr lang="en-US" dirty="0"/>
           </a:p>
@@ -2325,7 +2325,7 @@
           <a:p>
             <a:fld id="{FF5E1AB6-45CD-421A-B6C0-E4D4EAFC2CDC}" type="datetimeFigureOut">
               <a:rPr lang="en-US" smtClean="0"/>
-              <a:t>3/3/2022</a:t>
+              <a:t>3/4/2022</a:t>
             </a:fld>
             <a:endParaRPr lang="en-US" dirty="0"/>
           </a:p>
@@ -2438,7 +2438,7 @@
           <a:p>
             <a:fld id="{FF5E1AB6-45CD-421A-B6C0-E4D4EAFC2CDC}" type="datetimeFigureOut">
               <a:rPr lang="en-US" smtClean="0"/>
-              <a:t>3/3/2022</a:t>
+              <a:t>3/4/2022</a:t>
             </a:fld>
             <a:endParaRPr lang="en-US" dirty="0"/>
           </a:p>
@@ -2749,7 +2749,7 @@
           <a:p>
             <a:fld id="{FF5E1AB6-45CD-421A-B6C0-E4D4EAFC2CDC}" type="datetimeFigureOut">
               <a:rPr lang="en-US" smtClean="0"/>
-              <a:t>3/3/2022</a:t>
+              <a:t>3/4/2022</a:t>
             </a:fld>
             <a:endParaRPr lang="en-US" dirty="0"/>
           </a:p>
@@ -3037,7 +3037,7 @@
           <a:p>
             <a:fld id="{FF5E1AB6-45CD-421A-B6C0-E4D4EAFC2CDC}" type="datetimeFigureOut">
               <a:rPr lang="en-US" smtClean="0"/>
-              <a:t>3/3/2022</a:t>
+              <a:t>3/4/2022</a:t>
             </a:fld>
             <a:endParaRPr lang="en-US" dirty="0"/>
           </a:p>
@@ -3278,7 +3278,7 @@
           <a:p>
             <a:fld id="{FF5E1AB6-45CD-421A-B6C0-E4D4EAFC2CDC}" type="datetimeFigureOut">
               <a:rPr lang="en-US" smtClean="0"/>
-              <a:t>3/3/2022</a:t>
+              <a:t>3/4/2022</a:t>
             </a:fld>
             <a:endParaRPr lang="en-US" dirty="0"/>
           </a:p>
@@ -15359,6 +15359,202 @@
           </p:txBody>
         </p:sp>
       </p:grpSp>
+      <p:sp>
+        <p:nvSpPr>
+          <p:cNvPr id="5" name="Rectangle 4">
+            <a:extLst>
+              <a:ext uri="{FF2B5EF4-FFF2-40B4-BE49-F238E27FC236}">
+                <a16:creationId xmlns:a16="http://schemas.microsoft.com/office/drawing/2014/main" id="{2B5E0F9A-1E33-45B3-A9D4-71DD3115FFAA}"/>
+              </a:ext>
+            </a:extLst>
+          </p:cNvPr>
+          <p:cNvSpPr/>
+          <p:nvPr/>
+        </p:nvSpPr>
+        <p:spPr>
+          <a:xfrm>
+            <a:off x="4820968" y="2100994"/>
+            <a:ext cx="2208934" cy="1345567"/>
+          </a:xfrm>
+          <a:prstGeom prst="rect">
+            <a:avLst/>
+          </a:prstGeom>
+          <a:noFill/>
+          <a:ln w="12700">
+            <a:prstDash val="dash"/>
+          </a:ln>
+        </p:spPr>
+        <p:style>
+          <a:lnRef idx="2">
+            <a:schemeClr val="accent1">
+              <a:shade val="50000"/>
+            </a:schemeClr>
+          </a:lnRef>
+          <a:fillRef idx="1">
+            <a:schemeClr val="accent1"/>
+          </a:fillRef>
+          <a:effectRef idx="0">
+            <a:schemeClr val="accent1"/>
+          </a:effectRef>
+          <a:fontRef idx="minor">
+            <a:schemeClr val="lt1"/>
+          </a:fontRef>
+        </p:style>
+        <p:txBody>
+          <a:bodyPr rtlCol="0" anchor="ctr"/>
+          <a:lstStyle/>
+          <a:p>
+            <a:pPr algn="ctr"/>
+            <a:endParaRPr lang="en-US" dirty="0">
+              <a:ln>
+                <a:solidFill>
+                  <a:schemeClr val="tx1"/>
+                </a:solidFill>
+                <a:prstDash val="dash"/>
+              </a:ln>
+              <a:noFill/>
+            </a:endParaRPr>
+          </a:p>
+        </p:txBody>
+      </p:sp>
+      <p:sp>
+        <p:nvSpPr>
+          <p:cNvPr id="102" name="Rectangle 101">
+            <a:extLst>
+              <a:ext uri="{FF2B5EF4-FFF2-40B4-BE49-F238E27FC236}">
+                <a16:creationId xmlns:a16="http://schemas.microsoft.com/office/drawing/2014/main" id="{2704B107-3D11-49DE-8991-4E0B645D5C36}"/>
+              </a:ext>
+            </a:extLst>
+          </p:cNvPr>
+          <p:cNvSpPr/>
+          <p:nvPr/>
+        </p:nvSpPr>
+        <p:spPr>
+          <a:xfrm>
+            <a:off x="4816719" y="4015544"/>
+            <a:ext cx="2208934" cy="1345567"/>
+          </a:xfrm>
+          <a:prstGeom prst="rect">
+            <a:avLst/>
+          </a:prstGeom>
+          <a:noFill/>
+          <a:ln w="12700">
+            <a:prstDash val="dash"/>
+          </a:ln>
+        </p:spPr>
+        <p:style>
+          <a:lnRef idx="2">
+            <a:schemeClr val="accent1">
+              <a:shade val="50000"/>
+            </a:schemeClr>
+          </a:lnRef>
+          <a:fillRef idx="1">
+            <a:schemeClr val="accent1"/>
+          </a:fillRef>
+          <a:effectRef idx="0">
+            <a:schemeClr val="accent1"/>
+          </a:effectRef>
+          <a:fontRef idx="minor">
+            <a:schemeClr val="lt1"/>
+          </a:fontRef>
+        </p:style>
+        <p:txBody>
+          <a:bodyPr rtlCol="0" anchor="ctr"/>
+          <a:lstStyle/>
+          <a:p>
+            <a:pPr algn="ctr"/>
+            <a:endParaRPr lang="en-US" dirty="0">
+              <a:ln>
+                <a:solidFill>
+                  <a:schemeClr val="tx1"/>
+                </a:solidFill>
+                <a:prstDash val="dash"/>
+              </a:ln>
+              <a:noFill/>
+            </a:endParaRPr>
+          </a:p>
+        </p:txBody>
+      </p:sp>
+      <p:sp>
+        <p:nvSpPr>
+          <p:cNvPr id="127" name="TextBox 126">
+            <a:extLst>
+              <a:ext uri="{FF2B5EF4-FFF2-40B4-BE49-F238E27FC236}">
+                <a16:creationId xmlns:a16="http://schemas.microsoft.com/office/drawing/2014/main" id="{C4DCA4D9-351A-42E9-8C88-9884843D5463}"/>
+              </a:ext>
+            </a:extLst>
+          </p:cNvPr>
+          <p:cNvSpPr txBox="1"/>
+          <p:nvPr/>
+        </p:nvSpPr>
+        <p:spPr>
+          <a:xfrm>
+            <a:off x="6577233" y="3424121"/>
+            <a:ext cx="528510" cy="319446"/>
+          </a:xfrm>
+          <a:prstGeom prst="rect">
+            <a:avLst/>
+          </a:prstGeom>
+          <a:noFill/>
+        </p:spPr>
+        <p:txBody>
+          <a:bodyPr wrap="square" rtlCol="0">
+            <a:spAutoFit/>
+          </a:bodyPr>
+          <a:lstStyle/>
+          <a:p>
+            <a:pPr algn="ctr">
+              <a:lnSpc>
+                <a:spcPct val="80000"/>
+              </a:lnSpc>
+            </a:pPr>
+            <a:r>
+              <a:rPr lang="en-US" b="1" dirty="0"/>
+              <a:t>CCL</a:t>
+            </a:r>
+          </a:p>
+        </p:txBody>
+      </p:sp>
+      <p:sp>
+        <p:nvSpPr>
+          <p:cNvPr id="130" name="TextBox 129">
+            <a:extLst>
+              <a:ext uri="{FF2B5EF4-FFF2-40B4-BE49-F238E27FC236}">
+                <a16:creationId xmlns:a16="http://schemas.microsoft.com/office/drawing/2014/main" id="{8AE3B94E-56A6-4A3C-A9C9-1058323CFC6A}"/>
+              </a:ext>
+            </a:extLst>
+          </p:cNvPr>
+          <p:cNvSpPr txBox="1"/>
+          <p:nvPr/>
+        </p:nvSpPr>
+        <p:spPr>
+          <a:xfrm>
+            <a:off x="6557730" y="3764082"/>
+            <a:ext cx="528510" cy="319446"/>
+          </a:xfrm>
+          <a:prstGeom prst="rect">
+            <a:avLst/>
+          </a:prstGeom>
+          <a:noFill/>
+        </p:spPr>
+        <p:txBody>
+          <a:bodyPr wrap="square" rtlCol="0">
+            <a:spAutoFit/>
+          </a:bodyPr>
+          <a:lstStyle/>
+          <a:p>
+            <a:pPr algn="ctr">
+              <a:lnSpc>
+                <a:spcPct val="80000"/>
+              </a:lnSpc>
+            </a:pPr>
+            <a:r>
+              <a:rPr lang="en-US" b="1" dirty="0"/>
+              <a:t>CTL</a:t>
+            </a:r>
+          </a:p>
+        </p:txBody>
+      </p:sp>
     </p:spTree>
     <p:extLst>
       <p:ext uri="{BB962C8B-B14F-4D97-AF65-F5344CB8AC3E}">

--- a/Figures.pptx
+++ b/Figures.pptx
@@ -214,7 +214,7 @@
           <a:p>
             <a:fld id="{75754C70-6453-4EC1-893C-AA2644B807D6}" type="datetimeFigureOut">
               <a:rPr lang="en-US" smtClean="0"/>
-              <a:t>3/4/2022</a:t>
+              <a:t>7/20/2022</a:t>
             </a:fld>
             <a:endParaRPr lang="en-US" dirty="0"/>
           </a:p>
@@ -628,7 +628,7 @@
           <a:p>
             <a:fld id="{FF5E1AB6-45CD-421A-B6C0-E4D4EAFC2CDC}" type="datetimeFigureOut">
               <a:rPr lang="en-US" smtClean="0"/>
-              <a:t>3/4/2022</a:t>
+              <a:t>7/20/2022</a:t>
             </a:fld>
             <a:endParaRPr lang="en-US" dirty="0"/>
           </a:p>
@@ -826,7 +826,7 @@
           <a:p>
             <a:fld id="{FF5E1AB6-45CD-421A-B6C0-E4D4EAFC2CDC}" type="datetimeFigureOut">
               <a:rPr lang="en-US" smtClean="0"/>
-              <a:t>3/4/2022</a:t>
+              <a:t>7/20/2022</a:t>
             </a:fld>
             <a:endParaRPr lang="en-US" dirty="0"/>
           </a:p>
@@ -1034,7 +1034,7 @@
           <a:p>
             <a:fld id="{FF5E1AB6-45CD-421A-B6C0-E4D4EAFC2CDC}" type="datetimeFigureOut">
               <a:rPr lang="en-US" smtClean="0"/>
-              <a:t>3/4/2022</a:t>
+              <a:t>7/20/2022</a:t>
             </a:fld>
             <a:endParaRPr lang="en-US" dirty="0"/>
           </a:p>
@@ -1232,7 +1232,7 @@
           <a:p>
             <a:fld id="{FF5E1AB6-45CD-421A-B6C0-E4D4EAFC2CDC}" type="datetimeFigureOut">
               <a:rPr lang="en-US" smtClean="0"/>
-              <a:t>3/4/2022</a:t>
+              <a:t>7/20/2022</a:t>
             </a:fld>
             <a:endParaRPr lang="en-US" dirty="0"/>
           </a:p>
@@ -1507,7 +1507,7 @@
           <a:p>
             <a:fld id="{FF5E1AB6-45CD-421A-B6C0-E4D4EAFC2CDC}" type="datetimeFigureOut">
               <a:rPr lang="en-US" smtClean="0"/>
-              <a:t>3/4/2022</a:t>
+              <a:t>7/20/2022</a:t>
             </a:fld>
             <a:endParaRPr lang="en-US" dirty="0"/>
           </a:p>
@@ -1772,7 +1772,7 @@
           <a:p>
             <a:fld id="{FF5E1AB6-45CD-421A-B6C0-E4D4EAFC2CDC}" type="datetimeFigureOut">
               <a:rPr lang="en-US" smtClean="0"/>
-              <a:t>3/4/2022</a:t>
+              <a:t>7/20/2022</a:t>
             </a:fld>
             <a:endParaRPr lang="en-US" dirty="0"/>
           </a:p>
@@ -2184,7 +2184,7 @@
           <a:p>
             <a:fld id="{FF5E1AB6-45CD-421A-B6C0-E4D4EAFC2CDC}" type="datetimeFigureOut">
               <a:rPr lang="en-US" smtClean="0"/>
-              <a:t>3/4/2022</a:t>
+              <a:t>7/20/2022</a:t>
             </a:fld>
             <a:endParaRPr lang="en-US" dirty="0"/>
           </a:p>
@@ -2325,7 +2325,7 @@
           <a:p>
             <a:fld id="{FF5E1AB6-45CD-421A-B6C0-E4D4EAFC2CDC}" type="datetimeFigureOut">
               <a:rPr lang="en-US" smtClean="0"/>
-              <a:t>3/4/2022</a:t>
+              <a:t>7/20/2022</a:t>
             </a:fld>
             <a:endParaRPr lang="en-US" dirty="0"/>
           </a:p>
@@ -2438,7 +2438,7 @@
           <a:p>
             <a:fld id="{FF5E1AB6-45CD-421A-B6C0-E4D4EAFC2CDC}" type="datetimeFigureOut">
               <a:rPr lang="en-US" smtClean="0"/>
-              <a:t>3/4/2022</a:t>
+              <a:t>7/20/2022</a:t>
             </a:fld>
             <a:endParaRPr lang="en-US" dirty="0"/>
           </a:p>
@@ -2749,7 +2749,7 @@
           <a:p>
             <a:fld id="{FF5E1AB6-45CD-421A-B6C0-E4D4EAFC2CDC}" type="datetimeFigureOut">
               <a:rPr lang="en-US" smtClean="0"/>
-              <a:t>3/4/2022</a:t>
+              <a:t>7/20/2022</a:t>
             </a:fld>
             <a:endParaRPr lang="en-US" dirty="0"/>
           </a:p>
@@ -3037,7 +3037,7 @@
           <a:p>
             <a:fld id="{FF5E1AB6-45CD-421A-B6C0-E4D4EAFC2CDC}" type="datetimeFigureOut">
               <a:rPr lang="en-US" smtClean="0"/>
-              <a:t>3/4/2022</a:t>
+              <a:t>7/20/2022</a:t>
             </a:fld>
             <a:endParaRPr lang="en-US" dirty="0"/>
           </a:p>
@@ -3278,7 +3278,7 @@
           <a:p>
             <a:fld id="{FF5E1AB6-45CD-421A-B6C0-E4D4EAFC2CDC}" type="datetimeFigureOut">
               <a:rPr lang="en-US" smtClean="0"/>
-              <a:t>3/4/2022</a:t>
+              <a:t>7/20/2022</a:t>
             </a:fld>
             <a:endParaRPr lang="en-US" dirty="0"/>
           </a:p>
@@ -30993,7 +30993,7 @@
           <a:lstStyle/>
           <a:p>
             <a:r>
-              <a:rPr lang="en-US" dirty="0"/>
+              <a:rPr lang="en-US" b="1" i="1" dirty="0"/>
               <a:t>Buggy subtree</a:t>
             </a:r>
           </a:p>
@@ -32208,7 +32208,7 @@
         </p:nvSpPr>
         <p:spPr>
           <a:xfrm>
-            <a:off x="3095627" y="1640355"/>
+            <a:off x="2950653" y="1893360"/>
             <a:ext cx="550168" cy="369332"/>
           </a:xfrm>
           <a:prstGeom prst="rect">
@@ -32223,7 +32223,7 @@
           <a:lstStyle/>
           <a:p>
             <a:r>
-              <a:rPr lang="en-US" dirty="0"/>
+              <a:rPr lang="en-US" b="1" i="1" dirty="0"/>
               <a:t>AST</a:t>
             </a:r>
           </a:p>
@@ -32747,8 +32747,9 @@
           </a:bodyPr>
           <a:lstStyle/>
           <a:p>
+            <a:pPr algn="ctr"/>
             <a:r>
-              <a:rPr lang="en-US" dirty="0"/>
+              <a:rPr lang="en-US" b="1" i="1" dirty="0"/>
               <a:t>Fixed AST</a:t>
             </a:r>
           </a:p>
@@ -33229,7 +33230,7 @@
           <a:lstStyle/>
           <a:p>
             <a:r>
-              <a:rPr lang="en-US" dirty="0"/>
+              <a:rPr lang="en-US" b="1" i="1" dirty="0"/>
               <a:t>Fixed subtree</a:t>
             </a:r>
           </a:p>
@@ -34479,6 +34480,41 @@
           </p:txBody>
         </p:sp>
       </p:grpSp>
+      <p:sp>
+        <p:nvSpPr>
+          <p:cNvPr id="92" name="TextBox 91">
+            <a:extLst>
+              <a:ext uri="{FF2B5EF4-FFF2-40B4-BE49-F238E27FC236}">
+                <a16:creationId xmlns:a16="http://schemas.microsoft.com/office/drawing/2014/main" id="{D08A1456-8C22-FD33-EA4A-ADB6C78529F4}"/>
+              </a:ext>
+            </a:extLst>
+          </p:cNvPr>
+          <p:cNvSpPr txBox="1"/>
+          <p:nvPr/>
+        </p:nvSpPr>
+        <p:spPr>
+          <a:xfrm>
+            <a:off x="2870187" y="1630116"/>
+            <a:ext cx="796945" cy="369332"/>
+          </a:xfrm>
+          <a:prstGeom prst="rect">
+            <a:avLst/>
+          </a:prstGeom>
+          <a:noFill/>
+        </p:spPr>
+        <p:txBody>
+          <a:bodyPr wrap="square" rtlCol="0">
+            <a:spAutoFit/>
+          </a:bodyPr>
+          <a:lstStyle/>
+          <a:p>
+            <a:r>
+              <a:rPr lang="en-US" b="1" i="1" dirty="0"/>
+              <a:t>Buggy</a:t>
+            </a:r>
+          </a:p>
+        </p:txBody>
+      </p:sp>
     </p:spTree>
     <p:extLst>
       <p:ext uri="{BB962C8B-B14F-4D97-AF65-F5344CB8AC3E}">
@@ -34818,7 +34854,7 @@
           <a:lstStyle/>
           <a:p>
             <a:r>
-              <a:rPr lang="en-US" dirty="0"/>
+              <a:rPr lang="en-US" b="1" i="1" dirty="0"/>
               <a:t>Buggy subtree</a:t>
             </a:r>
           </a:p>
@@ -35341,41 +35377,6 @@
           </a:fontRef>
         </p:style>
       </p:cxnSp>
-      <p:sp>
-        <p:nvSpPr>
-          <p:cNvPr id="39" name="TextBox 38">
-            <a:extLst>
-              <a:ext uri="{FF2B5EF4-FFF2-40B4-BE49-F238E27FC236}">
-                <a16:creationId xmlns:a16="http://schemas.microsoft.com/office/drawing/2014/main" id="{DFF9EEFC-8DFB-4D04-BF39-56044C2D8B85}"/>
-              </a:ext>
-            </a:extLst>
-          </p:cNvPr>
-          <p:cNvSpPr txBox="1"/>
-          <p:nvPr/>
-        </p:nvSpPr>
-        <p:spPr>
-          <a:xfrm>
-            <a:off x="3669148" y="2166492"/>
-            <a:ext cx="1299257" cy="369332"/>
-          </a:xfrm>
-          <a:prstGeom prst="rect">
-            <a:avLst/>
-          </a:prstGeom>
-          <a:noFill/>
-        </p:spPr>
-        <p:txBody>
-          <a:bodyPr wrap="square" rtlCol="0">
-            <a:spAutoFit/>
-          </a:bodyPr>
-          <a:lstStyle/>
-          <a:p>
-            <a:r>
-              <a:rPr lang="en-US" dirty="0"/>
-              <a:t>AST</a:t>
-            </a:r>
-          </a:p>
-        </p:txBody>
-      </p:sp>
       <p:grpSp>
         <p:nvGrpSpPr>
           <p:cNvPr id="54" name="Group 53">
@@ -36014,7 +36015,7 @@
           <a:lstStyle/>
           <a:p>
             <a:r>
-              <a:rPr lang="en-US" dirty="0"/>
+              <a:rPr lang="en-US" b="1" i="1" dirty="0"/>
               <a:t>Fixed subtree</a:t>
             </a:r>
           </a:p>
@@ -36680,12 +36681,53 @@
           </a:p>
         </p:txBody>
       </p:sp>
+      <p:cxnSp>
+        <p:nvCxnSpPr>
+          <p:cNvPr id="72" name="Straight Arrow Connector 71">
+            <a:extLst>
+              <a:ext uri="{FF2B5EF4-FFF2-40B4-BE49-F238E27FC236}">
+                <a16:creationId xmlns:a16="http://schemas.microsoft.com/office/drawing/2014/main" id="{8FA94F06-6391-4DF0-9171-142960DFD580}"/>
+              </a:ext>
+            </a:extLst>
+          </p:cNvPr>
+          <p:cNvCxnSpPr>
+            <a:cxnSpLocks/>
+          </p:cNvCxnSpPr>
+          <p:nvPr/>
+        </p:nvCxnSpPr>
+        <p:spPr>
+          <a:xfrm flipV="1">
+            <a:off x="8247554" y="3054346"/>
+            <a:ext cx="0" cy="641166"/>
+          </a:xfrm>
+          <a:prstGeom prst="straightConnector1">
+            <a:avLst/>
+          </a:prstGeom>
+          <a:ln w="25400">
+            <a:tailEnd type="triangle"/>
+          </a:ln>
+        </p:spPr>
+        <p:style>
+          <a:lnRef idx="1">
+            <a:schemeClr val="accent1"/>
+          </a:lnRef>
+          <a:fillRef idx="0">
+            <a:schemeClr val="accent1"/>
+          </a:fillRef>
+          <a:effectRef idx="0">
+            <a:schemeClr val="accent1"/>
+          </a:effectRef>
+          <a:fontRef idx="minor">
+            <a:schemeClr val="tx1"/>
+          </a:fontRef>
+        </p:style>
+      </p:cxnSp>
       <p:sp>
         <p:nvSpPr>
-          <p:cNvPr id="71" name="Rectangle: Rounded Corners 70">
-            <a:extLst>
-              <a:ext uri="{FF2B5EF4-FFF2-40B4-BE49-F238E27FC236}">
-                <a16:creationId xmlns:a16="http://schemas.microsoft.com/office/drawing/2014/main" id="{3A8B981C-4F7B-40A6-97A3-2A364A7E7E6A}"/>
+          <p:cNvPr id="60" name="Rectangle: Rounded Corners 59">
+            <a:extLst>
+              <a:ext uri="{FF2B5EF4-FFF2-40B4-BE49-F238E27FC236}">
+                <a16:creationId xmlns:a16="http://schemas.microsoft.com/office/drawing/2014/main" id="{B517782D-D81F-78A1-0D90-BEE09FF83D59}"/>
               </a:ext>
             </a:extLst>
           </p:cNvPr>
@@ -36694,8 +36736,8 @@
         </p:nvSpPr>
         <p:spPr>
           <a:xfrm>
-            <a:off x="2301156" y="2819930"/>
-            <a:ext cx="1074087" cy="875582"/>
+            <a:off x="2282161" y="2803323"/>
+            <a:ext cx="1112824" cy="875582"/>
           </a:xfrm>
           <a:prstGeom prst="roundRect">
             <a:avLst/>
@@ -36746,47 +36788,76 @@
           </a:p>
         </p:txBody>
       </p:sp>
-      <p:cxnSp>
-        <p:nvCxnSpPr>
-          <p:cNvPr id="72" name="Straight Arrow Connector 71">
-            <a:extLst>
-              <a:ext uri="{FF2B5EF4-FFF2-40B4-BE49-F238E27FC236}">
-                <a16:creationId xmlns:a16="http://schemas.microsoft.com/office/drawing/2014/main" id="{8FA94F06-6391-4DF0-9171-142960DFD580}"/>
-              </a:ext>
-            </a:extLst>
-          </p:cNvPr>
-          <p:cNvCxnSpPr>
-            <a:cxnSpLocks/>
-          </p:cNvCxnSpPr>
+      <p:sp>
+        <p:nvSpPr>
+          <p:cNvPr id="61" name="TextBox 60">
+            <a:extLst>
+              <a:ext uri="{FF2B5EF4-FFF2-40B4-BE49-F238E27FC236}">
+                <a16:creationId xmlns:a16="http://schemas.microsoft.com/office/drawing/2014/main" id="{AC42BDA2-D07E-D29E-BF63-85B6AC9B6A04}"/>
+              </a:ext>
+            </a:extLst>
+          </p:cNvPr>
+          <p:cNvSpPr txBox="1"/>
           <p:nvPr/>
-        </p:nvCxnSpPr>
+        </p:nvSpPr>
         <p:spPr>
-          <a:xfrm flipV="1">
-            <a:off x="8247554" y="3054346"/>
-            <a:ext cx="0" cy="641166"/>
-          </a:xfrm>
-          <a:prstGeom prst="straightConnector1">
+          <a:xfrm>
+            <a:off x="3336824" y="2189945"/>
+            <a:ext cx="796945" cy="369332"/>
+          </a:xfrm>
+          <a:prstGeom prst="rect">
             <a:avLst/>
           </a:prstGeom>
-          <a:ln w="25400">
-            <a:tailEnd type="triangle"/>
-          </a:ln>
+          <a:noFill/>
         </p:spPr>
-        <p:style>
-          <a:lnRef idx="1">
-            <a:schemeClr val="accent1"/>
-          </a:lnRef>
-          <a:fillRef idx="0">
-            <a:schemeClr val="accent1"/>
-          </a:fillRef>
-          <a:effectRef idx="0">
-            <a:schemeClr val="accent1"/>
-          </a:effectRef>
-          <a:fontRef idx="minor">
-            <a:schemeClr val="tx1"/>
-          </a:fontRef>
-        </p:style>
-      </p:cxnSp>
+        <p:txBody>
+          <a:bodyPr wrap="square" rtlCol="0">
+            <a:spAutoFit/>
+          </a:bodyPr>
+          <a:lstStyle/>
+          <a:p>
+            <a:r>
+              <a:rPr lang="en-US" b="1" i="1" dirty="0"/>
+              <a:t>Buggy</a:t>
+            </a:r>
+          </a:p>
+        </p:txBody>
+      </p:sp>
+      <p:sp>
+        <p:nvSpPr>
+          <p:cNvPr id="62" name="TextBox 61">
+            <a:extLst>
+              <a:ext uri="{FF2B5EF4-FFF2-40B4-BE49-F238E27FC236}">
+                <a16:creationId xmlns:a16="http://schemas.microsoft.com/office/drawing/2014/main" id="{D8EEDA56-6588-D5DB-8F6E-2B7FF4C0C79C}"/>
+              </a:ext>
+            </a:extLst>
+          </p:cNvPr>
+          <p:cNvSpPr txBox="1"/>
+          <p:nvPr/>
+        </p:nvSpPr>
+        <p:spPr>
+          <a:xfrm>
+            <a:off x="3447539" y="2449761"/>
+            <a:ext cx="550168" cy="369332"/>
+          </a:xfrm>
+          <a:prstGeom prst="rect">
+            <a:avLst/>
+          </a:prstGeom>
+          <a:noFill/>
+        </p:spPr>
+        <p:txBody>
+          <a:bodyPr wrap="square" rtlCol="0">
+            <a:spAutoFit/>
+          </a:bodyPr>
+          <a:lstStyle/>
+          <a:p>
+            <a:r>
+              <a:rPr lang="en-US" b="1" i="1" dirty="0"/>
+              <a:t>AST</a:t>
+            </a:r>
+          </a:p>
+        </p:txBody>
+      </p:sp>
     </p:spTree>
     <p:extLst>
       <p:ext uri="{BB962C8B-B14F-4D97-AF65-F5344CB8AC3E}">

--- a/Figures.pptx
+++ b/Figures.pptx
@@ -12135,10 +12135,10 @@
       </p:cxnSp>
       <p:grpSp>
         <p:nvGrpSpPr>
-          <p:cNvPr id="2" name="Group 1">
-            <a:extLst>
-              <a:ext uri="{FF2B5EF4-FFF2-40B4-BE49-F238E27FC236}">
-                <a16:creationId xmlns:a16="http://schemas.microsoft.com/office/drawing/2014/main" id="{E8D7A901-F547-43BF-8FBC-BBF81CCCEC01}"/>
+          <p:cNvPr id="103" name="Group 102">
+            <a:extLst>
+              <a:ext uri="{FF2B5EF4-FFF2-40B4-BE49-F238E27FC236}">
+                <a16:creationId xmlns:a16="http://schemas.microsoft.com/office/drawing/2014/main" id="{26675E5B-E811-4CD7-AAEE-A4E950C4AFE1}"/>
               </a:ext>
             </a:extLst>
           </p:cNvPr>
@@ -12147,556 +12147,326 @@
         </p:nvGrpSpPr>
         <p:grpSpPr>
           <a:xfrm>
-            <a:off x="2823823" y="1996420"/>
-            <a:ext cx="1681717" cy="1361907"/>
-            <a:chOff x="1007963" y="2368948"/>
-            <a:chExt cx="1681717" cy="1361907"/>
+            <a:off x="2958309" y="2100994"/>
+            <a:ext cx="1314450" cy="1191101"/>
+            <a:chOff x="3473450" y="1362075"/>
+            <a:chExt cx="1314450" cy="1191101"/>
           </a:xfrm>
         </p:grpSpPr>
-        <p:grpSp>
-          <p:nvGrpSpPr>
-            <p:cNvPr id="103" name="Group 102">
+        <p:sp>
+          <p:nvSpPr>
+            <p:cNvPr id="104" name="Oval 103">
               <a:extLst>
                 <a:ext uri="{FF2B5EF4-FFF2-40B4-BE49-F238E27FC236}">
-                  <a16:creationId xmlns:a16="http://schemas.microsoft.com/office/drawing/2014/main" id="{26675E5B-E811-4CD7-AAEE-A4E950C4AFE1}"/>
+                  <a16:creationId xmlns:a16="http://schemas.microsoft.com/office/drawing/2014/main" id="{56774BDC-7679-4524-B4AD-939187DF0918}"/>
                 </a:ext>
               </a:extLst>
             </p:cNvPr>
-            <p:cNvGrpSpPr/>
-            <p:nvPr/>
-          </p:nvGrpSpPr>
-          <p:grpSpPr>
-            <a:xfrm>
-              <a:off x="1142449" y="2473522"/>
-              <a:ext cx="1314450" cy="1191101"/>
-              <a:chOff x="3473450" y="1362075"/>
-              <a:chExt cx="1314450" cy="1191101"/>
-            </a:xfrm>
-          </p:grpSpPr>
-          <p:sp>
-            <p:nvSpPr>
-              <p:cNvPr id="104" name="Oval 103">
-                <a:extLst>
-                  <a:ext uri="{FF2B5EF4-FFF2-40B4-BE49-F238E27FC236}">
-                    <a16:creationId xmlns:a16="http://schemas.microsoft.com/office/drawing/2014/main" id="{56774BDC-7679-4524-B4AD-939187DF0918}"/>
-                  </a:ext>
-                </a:extLst>
-              </p:cNvPr>
-              <p:cNvSpPr/>
-              <p:nvPr/>
-            </p:nvSpPr>
-            <p:spPr>
-              <a:xfrm>
-                <a:off x="3841750" y="1362075"/>
-                <a:ext cx="190500" cy="190500"/>
-              </a:xfrm>
-              <a:prstGeom prst="ellipse">
-                <a:avLst/>
-              </a:prstGeom>
-              <a:solidFill>
-                <a:schemeClr val="accent6">
-                  <a:lumMod val="40000"/>
-                  <a:lumOff val="60000"/>
-                </a:schemeClr>
-              </a:solidFill>
-              <a:ln>
-                <a:solidFill>
-                  <a:schemeClr val="accent6">
-                    <a:lumMod val="75000"/>
-                  </a:schemeClr>
-                </a:solidFill>
-              </a:ln>
-            </p:spPr>
-            <p:style>
-              <a:lnRef idx="2">
-                <a:schemeClr val="accent1">
-                  <a:shade val="50000"/>
-                </a:schemeClr>
-              </a:lnRef>
-              <a:fillRef idx="1">
-                <a:schemeClr val="accent1"/>
-              </a:fillRef>
-              <a:effectRef idx="0">
-                <a:schemeClr val="accent1"/>
-              </a:effectRef>
-              <a:fontRef idx="minor">
-                <a:schemeClr val="lt1"/>
-              </a:fontRef>
-            </p:style>
-            <p:txBody>
-              <a:bodyPr rtlCol="0" anchor="ctr"/>
-              <a:lstStyle/>
-              <a:p>
-                <a:pPr algn="ctr"/>
-                <a:endParaRPr lang="en-US"/>
-              </a:p>
-            </p:txBody>
-          </p:sp>
-          <p:sp>
-            <p:nvSpPr>
-              <p:cNvPr id="106" name="Oval 105">
-                <a:extLst>
-                  <a:ext uri="{FF2B5EF4-FFF2-40B4-BE49-F238E27FC236}">
-                    <a16:creationId xmlns:a16="http://schemas.microsoft.com/office/drawing/2014/main" id="{AB071F4B-C4E4-4118-9DB8-BF893EEA1835}"/>
-                  </a:ext>
-                </a:extLst>
-              </p:cNvPr>
-              <p:cNvSpPr/>
-              <p:nvPr/>
-            </p:nvSpPr>
-            <p:spPr>
-              <a:xfrm>
-                <a:off x="3473450" y="1869281"/>
-                <a:ext cx="190500" cy="190500"/>
-              </a:xfrm>
-              <a:prstGeom prst="ellipse">
-                <a:avLst/>
-              </a:prstGeom>
-              <a:solidFill>
-                <a:schemeClr val="accent6">
-                  <a:lumMod val="40000"/>
-                  <a:lumOff val="60000"/>
-                </a:schemeClr>
-              </a:solidFill>
-              <a:ln>
-                <a:solidFill>
-                  <a:schemeClr val="accent6">
-                    <a:lumMod val="75000"/>
-                  </a:schemeClr>
-                </a:solidFill>
-              </a:ln>
-            </p:spPr>
-            <p:style>
-              <a:lnRef idx="2">
-                <a:schemeClr val="accent1">
-                  <a:shade val="50000"/>
-                </a:schemeClr>
-              </a:lnRef>
-              <a:fillRef idx="1">
-                <a:schemeClr val="accent1"/>
-              </a:fillRef>
-              <a:effectRef idx="0">
-                <a:schemeClr val="accent1"/>
-              </a:effectRef>
-              <a:fontRef idx="minor">
-                <a:schemeClr val="lt1"/>
-              </a:fontRef>
-            </p:style>
-            <p:txBody>
-              <a:bodyPr rtlCol="0" anchor="ctr"/>
-              <a:lstStyle/>
-              <a:p>
-                <a:pPr algn="ctr"/>
-                <a:endParaRPr lang="en-US"/>
-              </a:p>
-            </p:txBody>
-          </p:sp>
-          <p:sp>
-            <p:nvSpPr>
-              <p:cNvPr id="109" name="Oval 108">
-                <a:extLst>
-                  <a:ext uri="{FF2B5EF4-FFF2-40B4-BE49-F238E27FC236}">
-                    <a16:creationId xmlns:a16="http://schemas.microsoft.com/office/drawing/2014/main" id="{848C720F-88D3-484A-90D3-740AF194E7B7}"/>
-                  </a:ext>
-                </a:extLst>
-              </p:cNvPr>
-              <p:cNvSpPr/>
-              <p:nvPr/>
-            </p:nvSpPr>
-            <p:spPr>
-              <a:xfrm>
-                <a:off x="4222750" y="1869281"/>
-                <a:ext cx="190500" cy="190500"/>
-              </a:xfrm>
-              <a:prstGeom prst="ellipse">
-                <a:avLst/>
-              </a:prstGeom>
-              <a:solidFill>
-                <a:srgbClr val="FFC000"/>
-              </a:solidFill>
-              <a:ln>
-                <a:solidFill>
-                  <a:schemeClr val="accent6">
-                    <a:lumMod val="75000"/>
-                  </a:schemeClr>
-                </a:solidFill>
-              </a:ln>
-            </p:spPr>
-            <p:style>
-              <a:lnRef idx="2">
-                <a:schemeClr val="accent1">
-                  <a:shade val="50000"/>
-                </a:schemeClr>
-              </a:lnRef>
-              <a:fillRef idx="1">
-                <a:schemeClr val="accent1"/>
-              </a:fillRef>
-              <a:effectRef idx="0">
-                <a:schemeClr val="accent1"/>
-              </a:effectRef>
-              <a:fontRef idx="minor">
-                <a:schemeClr val="lt1"/>
-              </a:fontRef>
-            </p:style>
-            <p:txBody>
-              <a:bodyPr rtlCol="0" anchor="ctr"/>
-              <a:lstStyle/>
-              <a:p>
-                <a:pPr algn="ctr"/>
-                <a:endParaRPr lang="en-US"/>
-              </a:p>
-            </p:txBody>
-          </p:sp>
-          <p:sp>
-            <p:nvSpPr>
-              <p:cNvPr id="110" name="Oval 109">
-                <a:extLst>
-                  <a:ext uri="{FF2B5EF4-FFF2-40B4-BE49-F238E27FC236}">
-                    <a16:creationId xmlns:a16="http://schemas.microsoft.com/office/drawing/2014/main" id="{61EE7878-DF09-431A-8AC2-0B7BCF18FD7E}"/>
-                  </a:ext>
-                </a:extLst>
-              </p:cNvPr>
-              <p:cNvSpPr/>
-              <p:nvPr/>
-            </p:nvSpPr>
-            <p:spPr>
-              <a:xfrm>
-                <a:off x="3841750" y="2362676"/>
-                <a:ext cx="190500" cy="190500"/>
-              </a:xfrm>
-              <a:prstGeom prst="ellipse">
-                <a:avLst/>
-              </a:prstGeom>
-              <a:solidFill>
-                <a:schemeClr val="accent6">
-                  <a:lumMod val="40000"/>
-                  <a:lumOff val="60000"/>
-                </a:schemeClr>
-              </a:solidFill>
-              <a:ln>
-                <a:solidFill>
-                  <a:schemeClr val="accent6">
-                    <a:lumMod val="75000"/>
-                  </a:schemeClr>
-                </a:solidFill>
-              </a:ln>
-            </p:spPr>
-            <p:style>
-              <a:lnRef idx="2">
-                <a:schemeClr val="accent1">
-                  <a:shade val="50000"/>
-                </a:schemeClr>
-              </a:lnRef>
-              <a:fillRef idx="1">
-                <a:schemeClr val="accent1"/>
-              </a:fillRef>
-              <a:effectRef idx="0">
-                <a:schemeClr val="accent1"/>
-              </a:effectRef>
-              <a:fontRef idx="minor">
-                <a:schemeClr val="lt1"/>
-              </a:fontRef>
-            </p:style>
-            <p:txBody>
-              <a:bodyPr rtlCol="0" anchor="ctr"/>
-              <a:lstStyle/>
-              <a:p>
-                <a:pPr algn="ctr"/>
-                <a:endParaRPr lang="en-US"/>
-              </a:p>
-            </p:txBody>
-          </p:sp>
-          <p:sp>
-            <p:nvSpPr>
-              <p:cNvPr id="111" name="Oval 110">
-                <a:extLst>
-                  <a:ext uri="{FF2B5EF4-FFF2-40B4-BE49-F238E27FC236}">
-                    <a16:creationId xmlns:a16="http://schemas.microsoft.com/office/drawing/2014/main" id="{36827511-45C5-4251-A17C-E8B93495C26B}"/>
-                  </a:ext>
-                </a:extLst>
-              </p:cNvPr>
-              <p:cNvSpPr/>
-              <p:nvPr/>
-            </p:nvSpPr>
-            <p:spPr>
-              <a:xfrm>
-                <a:off x="4597400" y="2362676"/>
-                <a:ext cx="190500" cy="190500"/>
-              </a:xfrm>
-              <a:prstGeom prst="ellipse">
-                <a:avLst/>
-              </a:prstGeom>
-              <a:solidFill>
-                <a:srgbClr val="FFC000"/>
-              </a:solidFill>
-              <a:ln>
-                <a:solidFill>
-                  <a:schemeClr val="accent6">
-                    <a:lumMod val="75000"/>
-                  </a:schemeClr>
-                </a:solidFill>
-              </a:ln>
-            </p:spPr>
-            <p:style>
-              <a:lnRef idx="2">
-                <a:schemeClr val="accent1">
-                  <a:shade val="50000"/>
-                </a:schemeClr>
-              </a:lnRef>
-              <a:fillRef idx="1">
-                <a:schemeClr val="accent1"/>
-              </a:fillRef>
-              <a:effectRef idx="0">
-                <a:schemeClr val="accent1"/>
-              </a:effectRef>
-              <a:fontRef idx="minor">
-                <a:schemeClr val="lt1"/>
-              </a:fontRef>
-            </p:style>
-            <p:txBody>
-              <a:bodyPr rtlCol="0" anchor="ctr"/>
-              <a:lstStyle/>
-              <a:p>
-                <a:pPr algn="ctr"/>
-                <a:endParaRPr lang="en-US" dirty="0"/>
-              </a:p>
-            </p:txBody>
-          </p:sp>
-          <p:cxnSp>
-            <p:nvCxnSpPr>
-              <p:cNvPr id="113" name="Straight Arrow Connector 112">
-                <a:extLst>
-                  <a:ext uri="{FF2B5EF4-FFF2-40B4-BE49-F238E27FC236}">
-                    <a16:creationId xmlns:a16="http://schemas.microsoft.com/office/drawing/2014/main" id="{1BB02959-E867-4A0F-82FD-342FD471D54B}"/>
-                  </a:ext>
-                </a:extLst>
-              </p:cNvPr>
-              <p:cNvCxnSpPr>
-                <a:cxnSpLocks/>
-                <a:stCxn id="104" idx="3"/>
-                <a:endCxn id="106" idx="6"/>
-              </p:cNvCxnSpPr>
-              <p:nvPr/>
-            </p:nvCxnSpPr>
-            <p:spPr>
-              <a:xfrm flipH="1">
-                <a:off x="3636052" y="1524677"/>
-                <a:ext cx="233596" cy="372502"/>
-              </a:xfrm>
-              <a:prstGeom prst="straightConnector1">
-                <a:avLst/>
-              </a:prstGeom>
-              <a:ln w="25400">
-                <a:tailEnd type="triangle"/>
-              </a:ln>
-            </p:spPr>
-            <p:style>
-              <a:lnRef idx="1">
-                <a:schemeClr val="accent1"/>
-              </a:lnRef>
-              <a:fillRef idx="0">
-                <a:schemeClr val="accent1"/>
-              </a:fillRef>
-              <a:effectRef idx="0">
-                <a:schemeClr val="accent1"/>
-              </a:effectRef>
-              <a:fontRef idx="minor">
-                <a:schemeClr val="tx1"/>
-              </a:fontRef>
-            </p:style>
-          </p:cxnSp>
-          <p:cxnSp>
-            <p:nvCxnSpPr>
-              <p:cNvPr id="114" name="Straight Arrow Connector 113">
-                <a:extLst>
-                  <a:ext uri="{FF2B5EF4-FFF2-40B4-BE49-F238E27FC236}">
-                    <a16:creationId xmlns:a16="http://schemas.microsoft.com/office/drawing/2014/main" id="{E714AADF-9736-4E02-AB2F-7BD552E67937}"/>
-                  </a:ext>
-                </a:extLst>
-              </p:cNvPr>
-              <p:cNvCxnSpPr>
-                <a:cxnSpLocks/>
-                <a:stCxn id="104" idx="5"/>
-                <a:endCxn id="109" idx="1"/>
-              </p:cNvCxnSpPr>
-              <p:nvPr/>
-            </p:nvCxnSpPr>
-            <p:spPr>
-              <a:xfrm>
-                <a:off x="4004352" y="1524677"/>
-                <a:ext cx="246296" cy="372502"/>
-              </a:xfrm>
-              <a:prstGeom prst="straightConnector1">
-                <a:avLst/>
-              </a:prstGeom>
-              <a:ln w="25400">
-                <a:tailEnd type="triangle"/>
-              </a:ln>
-            </p:spPr>
-            <p:style>
-              <a:lnRef idx="1">
-                <a:schemeClr val="accent1"/>
-              </a:lnRef>
-              <a:fillRef idx="0">
-                <a:schemeClr val="accent1"/>
-              </a:fillRef>
-              <a:effectRef idx="0">
-                <a:schemeClr val="accent1"/>
-              </a:effectRef>
-              <a:fontRef idx="minor">
-                <a:schemeClr val="tx1"/>
-              </a:fontRef>
-            </p:style>
-          </p:cxnSp>
-          <p:cxnSp>
-            <p:nvCxnSpPr>
-              <p:cNvPr id="116" name="Straight Arrow Connector 115">
-                <a:extLst>
-                  <a:ext uri="{FF2B5EF4-FFF2-40B4-BE49-F238E27FC236}">
-                    <a16:creationId xmlns:a16="http://schemas.microsoft.com/office/drawing/2014/main" id="{BE859537-C365-4A87-B7C1-73E2005E82F9}"/>
-                  </a:ext>
-                </a:extLst>
-              </p:cNvPr>
-              <p:cNvCxnSpPr>
-                <a:cxnSpLocks/>
-                <a:stCxn id="109" idx="3"/>
-                <a:endCxn id="110" idx="7"/>
-              </p:cNvCxnSpPr>
-              <p:nvPr/>
-            </p:nvCxnSpPr>
-            <p:spPr>
-              <a:xfrm flipH="1">
-                <a:off x="4004352" y="2031883"/>
-                <a:ext cx="246296" cy="358691"/>
-              </a:xfrm>
-              <a:prstGeom prst="straightConnector1">
-                <a:avLst/>
-              </a:prstGeom>
-              <a:ln w="25400">
-                <a:tailEnd type="triangle"/>
-              </a:ln>
-            </p:spPr>
-            <p:style>
-              <a:lnRef idx="1">
-                <a:schemeClr val="accent1"/>
-              </a:lnRef>
-              <a:fillRef idx="0">
-                <a:schemeClr val="accent1"/>
-              </a:fillRef>
-              <a:effectRef idx="0">
-                <a:schemeClr val="accent1"/>
-              </a:effectRef>
-              <a:fontRef idx="minor">
-                <a:schemeClr val="tx1"/>
-              </a:fontRef>
-            </p:style>
-          </p:cxnSp>
-          <p:cxnSp>
-            <p:nvCxnSpPr>
-              <p:cNvPr id="117" name="Straight Arrow Connector 116">
-                <a:extLst>
-                  <a:ext uri="{FF2B5EF4-FFF2-40B4-BE49-F238E27FC236}">
-                    <a16:creationId xmlns:a16="http://schemas.microsoft.com/office/drawing/2014/main" id="{2146CBBD-AEE4-4C4A-B1A8-08CF2317B558}"/>
-                  </a:ext>
-                </a:extLst>
-              </p:cNvPr>
-              <p:cNvCxnSpPr>
-                <a:cxnSpLocks/>
-                <a:stCxn id="109" idx="5"/>
-                <a:endCxn id="111" idx="1"/>
-              </p:cNvCxnSpPr>
-              <p:nvPr/>
-            </p:nvCxnSpPr>
-            <p:spPr>
-              <a:xfrm>
-                <a:off x="4385352" y="2031883"/>
-                <a:ext cx="239946" cy="358691"/>
-              </a:xfrm>
-              <a:prstGeom prst="straightConnector1">
-                <a:avLst/>
-              </a:prstGeom>
-              <a:ln w="25400">
-                <a:solidFill>
-                  <a:srgbClr val="FF0000"/>
-                </a:solidFill>
-                <a:tailEnd type="triangle"/>
-              </a:ln>
-            </p:spPr>
-            <p:style>
-              <a:lnRef idx="1">
-                <a:schemeClr val="accent1"/>
-              </a:lnRef>
-              <a:fillRef idx="0">
-                <a:schemeClr val="accent1"/>
-              </a:fillRef>
-              <a:effectRef idx="0">
-                <a:schemeClr val="accent1"/>
-              </a:effectRef>
-              <a:fontRef idx="minor">
-                <a:schemeClr val="tx1"/>
-              </a:fontRef>
-            </p:style>
-          </p:cxnSp>
-        </p:grpSp>
-        <p:sp>
-          <p:nvSpPr>
-            <p:cNvPr id="120" name="TextBox 119">
-              <a:extLst>
-                <a:ext uri="{FF2B5EF4-FFF2-40B4-BE49-F238E27FC236}">
-                  <a16:creationId xmlns:a16="http://schemas.microsoft.com/office/drawing/2014/main" id="{E1D92539-8D49-41FB-91E7-D3602EFC2BE2}"/>
-                </a:ext>
-              </a:extLst>
-            </p:cNvPr>
-            <p:cNvSpPr txBox="1"/>
+            <p:cNvSpPr/>
             <p:nvPr/>
           </p:nvSpPr>
           <p:spPr>
             <a:xfrm>
-              <a:off x="1007963" y="2391012"/>
-              <a:ext cx="550168" cy="369332"/>
+              <a:off x="3841750" y="1362075"/>
+              <a:ext cx="190500" cy="190500"/>
             </a:xfrm>
-            <a:prstGeom prst="rect">
+            <a:prstGeom prst="ellipse">
               <a:avLst/>
             </a:prstGeom>
-            <a:noFill/>
+            <a:solidFill>
+              <a:schemeClr val="accent6">
+                <a:lumMod val="40000"/>
+                <a:lumOff val="60000"/>
+              </a:schemeClr>
+            </a:solidFill>
+            <a:ln>
+              <a:solidFill>
+                <a:schemeClr val="accent6">
+                  <a:lumMod val="75000"/>
+                </a:schemeClr>
+              </a:solidFill>
+            </a:ln>
           </p:spPr>
+          <p:style>
+            <a:lnRef idx="2">
+              <a:schemeClr val="accent1">
+                <a:shade val="50000"/>
+              </a:schemeClr>
+            </a:lnRef>
+            <a:fillRef idx="1">
+              <a:schemeClr val="accent1"/>
+            </a:fillRef>
+            <a:effectRef idx="0">
+              <a:schemeClr val="accent1"/>
+            </a:effectRef>
+            <a:fontRef idx="minor">
+              <a:schemeClr val="lt1"/>
+            </a:fontRef>
+          </p:style>
           <p:txBody>
-            <a:bodyPr wrap="square" rtlCol="0">
-              <a:spAutoFit/>
-            </a:bodyPr>
+            <a:bodyPr rtlCol="0" anchor="ctr"/>
             <a:lstStyle/>
             <a:p>
-              <a:r>
-                <a:rPr lang="en-US" dirty="0"/>
-                <a:t>AST</a:t>
-              </a:r>
+              <a:pPr algn="ctr"/>
+              <a:endParaRPr lang="en-US"/>
+            </a:p>
+          </p:txBody>
+        </p:sp>
+        <p:sp>
+          <p:nvSpPr>
+            <p:cNvPr id="106" name="Oval 105">
+              <a:extLst>
+                <a:ext uri="{FF2B5EF4-FFF2-40B4-BE49-F238E27FC236}">
+                  <a16:creationId xmlns:a16="http://schemas.microsoft.com/office/drawing/2014/main" id="{AB071F4B-C4E4-4118-9DB8-BF893EEA1835}"/>
+                </a:ext>
+              </a:extLst>
+            </p:cNvPr>
+            <p:cNvSpPr/>
+            <p:nvPr/>
+          </p:nvSpPr>
+          <p:spPr>
+            <a:xfrm>
+              <a:off x="3473450" y="1869281"/>
+              <a:ext cx="190500" cy="190500"/>
+            </a:xfrm>
+            <a:prstGeom prst="ellipse">
+              <a:avLst/>
+            </a:prstGeom>
+            <a:solidFill>
+              <a:schemeClr val="accent6">
+                <a:lumMod val="40000"/>
+                <a:lumOff val="60000"/>
+              </a:schemeClr>
+            </a:solidFill>
+            <a:ln>
+              <a:solidFill>
+                <a:schemeClr val="accent6">
+                  <a:lumMod val="75000"/>
+                </a:schemeClr>
+              </a:solidFill>
+            </a:ln>
+          </p:spPr>
+          <p:style>
+            <a:lnRef idx="2">
+              <a:schemeClr val="accent1">
+                <a:shade val="50000"/>
+              </a:schemeClr>
+            </a:lnRef>
+            <a:fillRef idx="1">
+              <a:schemeClr val="accent1"/>
+            </a:fillRef>
+            <a:effectRef idx="0">
+              <a:schemeClr val="accent1"/>
+            </a:effectRef>
+            <a:fontRef idx="minor">
+              <a:schemeClr val="lt1"/>
+            </a:fontRef>
+          </p:style>
+          <p:txBody>
+            <a:bodyPr rtlCol="0" anchor="ctr"/>
+            <a:lstStyle/>
+            <a:p>
+              <a:pPr algn="ctr"/>
+              <a:endParaRPr lang="en-US"/>
+            </a:p>
+          </p:txBody>
+        </p:sp>
+        <p:sp>
+          <p:nvSpPr>
+            <p:cNvPr id="109" name="Oval 108">
+              <a:extLst>
+                <a:ext uri="{FF2B5EF4-FFF2-40B4-BE49-F238E27FC236}">
+                  <a16:creationId xmlns:a16="http://schemas.microsoft.com/office/drawing/2014/main" id="{848C720F-88D3-484A-90D3-740AF194E7B7}"/>
+                </a:ext>
+              </a:extLst>
+            </p:cNvPr>
+            <p:cNvSpPr/>
+            <p:nvPr/>
+          </p:nvSpPr>
+          <p:spPr>
+            <a:xfrm>
+              <a:off x="4222750" y="1869281"/>
+              <a:ext cx="190500" cy="190500"/>
+            </a:xfrm>
+            <a:prstGeom prst="ellipse">
+              <a:avLst/>
+            </a:prstGeom>
+            <a:solidFill>
+              <a:srgbClr val="FFC000"/>
+            </a:solidFill>
+            <a:ln>
+              <a:solidFill>
+                <a:schemeClr val="accent6">
+                  <a:lumMod val="75000"/>
+                </a:schemeClr>
+              </a:solidFill>
+            </a:ln>
+          </p:spPr>
+          <p:style>
+            <a:lnRef idx="2">
+              <a:schemeClr val="accent1">
+                <a:shade val="50000"/>
+              </a:schemeClr>
+            </a:lnRef>
+            <a:fillRef idx="1">
+              <a:schemeClr val="accent1"/>
+            </a:fillRef>
+            <a:effectRef idx="0">
+              <a:schemeClr val="accent1"/>
+            </a:effectRef>
+            <a:fontRef idx="minor">
+              <a:schemeClr val="lt1"/>
+            </a:fontRef>
+          </p:style>
+          <p:txBody>
+            <a:bodyPr rtlCol="0" anchor="ctr"/>
+            <a:lstStyle/>
+            <a:p>
+              <a:pPr algn="ctr"/>
+              <a:endParaRPr lang="en-US"/>
+            </a:p>
+          </p:txBody>
+        </p:sp>
+        <p:sp>
+          <p:nvSpPr>
+            <p:cNvPr id="110" name="Oval 109">
+              <a:extLst>
+                <a:ext uri="{FF2B5EF4-FFF2-40B4-BE49-F238E27FC236}">
+                  <a16:creationId xmlns:a16="http://schemas.microsoft.com/office/drawing/2014/main" id="{61EE7878-DF09-431A-8AC2-0B7BCF18FD7E}"/>
+                </a:ext>
+              </a:extLst>
+            </p:cNvPr>
+            <p:cNvSpPr/>
+            <p:nvPr/>
+          </p:nvSpPr>
+          <p:spPr>
+            <a:xfrm>
+              <a:off x="3841750" y="2362676"/>
+              <a:ext cx="190500" cy="190500"/>
+            </a:xfrm>
+            <a:prstGeom prst="ellipse">
+              <a:avLst/>
+            </a:prstGeom>
+            <a:solidFill>
+              <a:schemeClr val="accent6">
+                <a:lumMod val="40000"/>
+                <a:lumOff val="60000"/>
+              </a:schemeClr>
+            </a:solidFill>
+            <a:ln>
+              <a:solidFill>
+                <a:schemeClr val="accent6">
+                  <a:lumMod val="75000"/>
+                </a:schemeClr>
+              </a:solidFill>
+            </a:ln>
+          </p:spPr>
+          <p:style>
+            <a:lnRef idx="2">
+              <a:schemeClr val="accent1">
+                <a:shade val="50000"/>
+              </a:schemeClr>
+            </a:lnRef>
+            <a:fillRef idx="1">
+              <a:schemeClr val="accent1"/>
+            </a:fillRef>
+            <a:effectRef idx="0">
+              <a:schemeClr val="accent1"/>
+            </a:effectRef>
+            <a:fontRef idx="minor">
+              <a:schemeClr val="lt1"/>
+            </a:fontRef>
+          </p:style>
+          <p:txBody>
+            <a:bodyPr rtlCol="0" anchor="ctr"/>
+            <a:lstStyle/>
+            <a:p>
+              <a:pPr algn="ctr"/>
+              <a:endParaRPr lang="en-US"/>
+            </a:p>
+          </p:txBody>
+        </p:sp>
+        <p:sp>
+          <p:nvSpPr>
+            <p:cNvPr id="111" name="Oval 110">
+              <a:extLst>
+                <a:ext uri="{FF2B5EF4-FFF2-40B4-BE49-F238E27FC236}">
+                  <a16:creationId xmlns:a16="http://schemas.microsoft.com/office/drawing/2014/main" id="{36827511-45C5-4251-A17C-E8B93495C26B}"/>
+                </a:ext>
+              </a:extLst>
+            </p:cNvPr>
+            <p:cNvSpPr/>
+            <p:nvPr/>
+          </p:nvSpPr>
+          <p:spPr>
+            <a:xfrm>
+              <a:off x="4597400" y="2362676"/>
+              <a:ext cx="190500" cy="190500"/>
+            </a:xfrm>
+            <a:prstGeom prst="ellipse">
+              <a:avLst/>
+            </a:prstGeom>
+            <a:solidFill>
+              <a:srgbClr val="FFC000"/>
+            </a:solidFill>
+            <a:ln>
+              <a:solidFill>
+                <a:schemeClr val="accent6">
+                  <a:lumMod val="75000"/>
+                </a:schemeClr>
+              </a:solidFill>
+            </a:ln>
+          </p:spPr>
+          <p:style>
+            <a:lnRef idx="2">
+              <a:schemeClr val="accent1">
+                <a:shade val="50000"/>
+              </a:schemeClr>
+            </a:lnRef>
+            <a:fillRef idx="1">
+              <a:schemeClr val="accent1"/>
+            </a:fillRef>
+            <a:effectRef idx="0">
+              <a:schemeClr val="accent1"/>
+            </a:effectRef>
+            <a:fontRef idx="minor">
+              <a:schemeClr val="lt1"/>
+            </a:fontRef>
+          </p:style>
+          <p:txBody>
+            <a:bodyPr rtlCol="0" anchor="ctr"/>
+            <a:lstStyle/>
+            <a:p>
+              <a:pPr algn="ctr"/>
+              <a:endParaRPr lang="en-US" dirty="0"/>
             </a:p>
           </p:txBody>
         </p:sp>
         <p:cxnSp>
           <p:nvCxnSpPr>
-            <p:cNvPr id="121" name="Straight Arrow Connector 120">
+            <p:cNvPr id="113" name="Straight Arrow Connector 112">
               <a:extLst>
                 <a:ext uri="{FF2B5EF4-FFF2-40B4-BE49-F238E27FC236}">
-                  <a16:creationId xmlns:a16="http://schemas.microsoft.com/office/drawing/2014/main" id="{E7FFD06D-F407-4E8B-8F11-C6614D2C0C92}"/>
+                  <a16:creationId xmlns:a16="http://schemas.microsoft.com/office/drawing/2014/main" id="{1BB02959-E867-4A0F-82FD-342FD471D54B}"/>
                 </a:ext>
               </a:extLst>
             </p:cNvPr>
             <p:cNvCxnSpPr>
               <a:cxnSpLocks/>
-              <a:stCxn id="104" idx="4"/>
+              <a:stCxn id="104" idx="3"/>
+              <a:endCxn id="106" idx="6"/>
             </p:cNvCxnSpPr>
             <p:nvPr/>
           </p:nvCxnSpPr>
           <p:spPr>
-            <a:xfrm>
-              <a:off x="1605999" y="2664022"/>
-              <a:ext cx="0" cy="353860"/>
+            <a:xfrm flipH="1">
+              <a:off x="3636052" y="1524677"/>
+              <a:ext cx="233596" cy="372502"/>
             </a:xfrm>
             <a:prstGeom prst="straightConnector1">
               <a:avLst/>
             </a:prstGeom>
-            <a:ln w="12700">
+            <a:ln w="25400">
               <a:tailEnd type="triangle"/>
             </a:ln>
           </p:spPr>
@@ -12715,182 +12485,356 @@
             </a:fontRef>
           </p:style>
         </p:cxnSp>
-        <p:sp>
-          <p:nvSpPr>
-            <p:cNvPr id="122" name="TextBox 121">
+        <p:cxnSp>
+          <p:nvCxnSpPr>
+            <p:cNvPr id="114" name="Straight Arrow Connector 113">
               <a:extLst>
                 <a:ext uri="{FF2B5EF4-FFF2-40B4-BE49-F238E27FC236}">
-                  <a16:creationId xmlns:a16="http://schemas.microsoft.com/office/drawing/2014/main" id="{C9D78338-F917-4EAE-92EE-EA056BAA6EB1}"/>
+                  <a16:creationId xmlns:a16="http://schemas.microsoft.com/office/drawing/2014/main" id="{E714AADF-9736-4E02-AB2F-7BD552E67937}"/>
                 </a:ext>
               </a:extLst>
             </p:cNvPr>
-            <p:cNvSpPr txBox="1"/>
+            <p:cNvCxnSpPr>
+              <a:cxnSpLocks/>
+              <a:stCxn id="104" idx="5"/>
+              <a:endCxn id="109" idx="1"/>
+            </p:cNvCxnSpPr>
             <p:nvPr/>
-          </p:nvSpPr>
+          </p:nvCxnSpPr>
           <p:spPr>
             <a:xfrm>
-              <a:off x="1703149" y="2368948"/>
-              <a:ext cx="502894" cy="307777"/>
+              <a:off x="4004352" y="1524677"/>
+              <a:ext cx="246296" cy="372502"/>
             </a:xfrm>
-            <a:prstGeom prst="rect">
+            <a:prstGeom prst="straightConnector1">
               <a:avLst/>
             </a:prstGeom>
-            <a:noFill/>
+            <a:ln w="25400">
+              <a:tailEnd type="triangle"/>
+            </a:ln>
           </p:spPr>
-          <p:txBody>
-            <a:bodyPr wrap="square" rtlCol="0">
-              <a:spAutoFit/>
-            </a:bodyPr>
-            <a:lstStyle/>
-            <a:p>
-              <a:r>
-                <a:rPr lang="en-US" sz="1400" dirty="0"/>
-                <a:t>V1</a:t>
-              </a:r>
-            </a:p>
-          </p:txBody>
-        </p:sp>
-        <p:sp>
-          <p:nvSpPr>
-            <p:cNvPr id="123" name="TextBox 122">
+          <p:style>
+            <a:lnRef idx="1">
+              <a:schemeClr val="accent1"/>
+            </a:lnRef>
+            <a:fillRef idx="0">
+              <a:schemeClr val="accent1"/>
+            </a:fillRef>
+            <a:effectRef idx="0">
+              <a:schemeClr val="accent1"/>
+            </a:effectRef>
+            <a:fontRef idx="minor">
+              <a:schemeClr val="tx1"/>
+            </a:fontRef>
+          </p:style>
+        </p:cxnSp>
+        <p:cxnSp>
+          <p:nvCxnSpPr>
+            <p:cNvPr id="116" name="Straight Arrow Connector 115">
               <a:extLst>
                 <a:ext uri="{FF2B5EF4-FFF2-40B4-BE49-F238E27FC236}">
-                  <a16:creationId xmlns:a16="http://schemas.microsoft.com/office/drawing/2014/main" id="{4B0ED57E-5AD8-4BB2-95F6-1C31F35D2827}"/>
+                  <a16:creationId xmlns:a16="http://schemas.microsoft.com/office/drawing/2014/main" id="{BE859537-C365-4A87-B7C1-73E2005E82F9}"/>
                 </a:ext>
               </a:extLst>
             </p:cNvPr>
-            <p:cNvSpPr txBox="1"/>
+            <p:cNvCxnSpPr>
+              <a:cxnSpLocks/>
+              <a:stCxn id="109" idx="3"/>
+              <a:endCxn id="110" idx="7"/>
+            </p:cNvCxnSpPr>
             <p:nvPr/>
-          </p:nvSpPr>
+          </p:nvCxnSpPr>
           <p:spPr>
-            <a:xfrm>
-              <a:off x="1015964" y="3149735"/>
-              <a:ext cx="502894" cy="307777"/>
+            <a:xfrm flipH="1">
+              <a:off x="4004352" y="2031883"/>
+              <a:ext cx="246296" cy="358691"/>
             </a:xfrm>
-            <a:prstGeom prst="rect">
+            <a:prstGeom prst="straightConnector1">
               <a:avLst/>
             </a:prstGeom>
-            <a:noFill/>
+            <a:ln w="25400">
+              <a:tailEnd type="triangle"/>
+            </a:ln>
           </p:spPr>
-          <p:txBody>
-            <a:bodyPr wrap="square" rtlCol="0">
-              <a:spAutoFit/>
-            </a:bodyPr>
-            <a:lstStyle/>
-            <a:p>
-              <a:r>
-                <a:rPr lang="en-US" sz="1400" dirty="0"/>
-                <a:t>V2</a:t>
-              </a:r>
-            </a:p>
-          </p:txBody>
-        </p:sp>
-        <p:sp>
-          <p:nvSpPr>
-            <p:cNvPr id="124" name="TextBox 123">
+          <p:style>
+            <a:lnRef idx="1">
+              <a:schemeClr val="accent1"/>
+            </a:lnRef>
+            <a:fillRef idx="0">
+              <a:schemeClr val="accent1"/>
+            </a:fillRef>
+            <a:effectRef idx="0">
+              <a:schemeClr val="accent1"/>
+            </a:effectRef>
+            <a:fontRef idx="minor">
+              <a:schemeClr val="tx1"/>
+            </a:fontRef>
+          </p:style>
+        </p:cxnSp>
+        <p:cxnSp>
+          <p:nvCxnSpPr>
+            <p:cNvPr id="117" name="Straight Arrow Connector 116">
               <a:extLst>
                 <a:ext uri="{FF2B5EF4-FFF2-40B4-BE49-F238E27FC236}">
-                  <a16:creationId xmlns:a16="http://schemas.microsoft.com/office/drawing/2014/main" id="{34970460-821B-4B59-8F60-932F0740A713}"/>
+                  <a16:creationId xmlns:a16="http://schemas.microsoft.com/office/drawing/2014/main" id="{2146CBBD-AEE4-4C4A-B1A8-08CF2317B558}"/>
                 </a:ext>
               </a:extLst>
             </p:cNvPr>
-            <p:cNvSpPr txBox="1"/>
+            <p:cNvCxnSpPr>
+              <a:cxnSpLocks/>
+              <a:stCxn id="109" idx="5"/>
+              <a:endCxn id="111" idx="1"/>
+            </p:cNvCxnSpPr>
             <p:nvPr/>
-          </p:nvSpPr>
+          </p:nvCxnSpPr>
           <p:spPr>
             <a:xfrm>
-              <a:off x="1850443" y="2719262"/>
-              <a:ext cx="502894" cy="307777"/>
+              <a:off x="4385352" y="2031883"/>
+              <a:ext cx="239946" cy="358691"/>
             </a:xfrm>
-            <a:prstGeom prst="rect">
+            <a:prstGeom prst="straightConnector1">
               <a:avLst/>
             </a:prstGeom>
-            <a:noFill/>
+            <a:ln w="25400">
+              <a:solidFill>
+                <a:srgbClr val="FF0000"/>
+              </a:solidFill>
+              <a:tailEnd type="triangle"/>
+            </a:ln>
           </p:spPr>
-          <p:txBody>
-            <a:bodyPr wrap="square" rtlCol="0">
-              <a:spAutoFit/>
-            </a:bodyPr>
-            <a:lstStyle/>
-            <a:p>
-              <a:r>
-                <a:rPr lang="en-US" sz="1400" dirty="0"/>
-                <a:t>V3</a:t>
-              </a:r>
-            </a:p>
-          </p:txBody>
-        </p:sp>
-        <p:sp>
-          <p:nvSpPr>
-            <p:cNvPr id="125" name="TextBox 124">
-              <a:extLst>
-                <a:ext uri="{FF2B5EF4-FFF2-40B4-BE49-F238E27FC236}">
-                  <a16:creationId xmlns:a16="http://schemas.microsoft.com/office/drawing/2014/main" id="{D1D46BF2-86FB-49D7-ACAD-A0CC475FE985}"/>
-                </a:ext>
-              </a:extLst>
-            </p:cNvPr>
-            <p:cNvSpPr txBox="1"/>
-            <p:nvPr/>
-          </p:nvSpPr>
-          <p:spPr>
-            <a:xfrm>
-              <a:off x="1703149" y="3423078"/>
-              <a:ext cx="502894" cy="307777"/>
-            </a:xfrm>
-            <a:prstGeom prst="rect">
-              <a:avLst/>
-            </a:prstGeom>
-            <a:noFill/>
-          </p:spPr>
-          <p:txBody>
-            <a:bodyPr wrap="square" rtlCol="0">
-              <a:spAutoFit/>
-            </a:bodyPr>
-            <a:lstStyle/>
-            <a:p>
-              <a:r>
-                <a:rPr lang="en-US" sz="1400" dirty="0"/>
-                <a:t>V4</a:t>
-              </a:r>
-            </a:p>
-          </p:txBody>
-        </p:sp>
-        <p:sp>
-          <p:nvSpPr>
-            <p:cNvPr id="126" name="TextBox 125">
-              <a:extLst>
-                <a:ext uri="{FF2B5EF4-FFF2-40B4-BE49-F238E27FC236}">
-                  <a16:creationId xmlns:a16="http://schemas.microsoft.com/office/drawing/2014/main" id="{C1ABF1CF-D6F8-4FB4-8026-5C4C477AB573}"/>
-                </a:ext>
-              </a:extLst>
-            </p:cNvPr>
-            <p:cNvSpPr txBox="1"/>
-            <p:nvPr/>
-          </p:nvSpPr>
-          <p:spPr>
-            <a:xfrm>
-              <a:off x="2186786" y="3207427"/>
-              <a:ext cx="502894" cy="307777"/>
-            </a:xfrm>
-            <a:prstGeom prst="rect">
-              <a:avLst/>
-            </a:prstGeom>
-            <a:noFill/>
-          </p:spPr>
-          <p:txBody>
-            <a:bodyPr wrap="square" rtlCol="0">
-              <a:spAutoFit/>
-            </a:bodyPr>
-            <a:lstStyle/>
-            <a:p>
-              <a:r>
-                <a:rPr lang="en-US" sz="1400" dirty="0"/>
-                <a:t>V5</a:t>
-              </a:r>
-            </a:p>
-          </p:txBody>
-        </p:sp>
+          <p:style>
+            <a:lnRef idx="1">
+              <a:schemeClr val="accent1"/>
+            </a:lnRef>
+            <a:fillRef idx="0">
+              <a:schemeClr val="accent1"/>
+            </a:fillRef>
+            <a:effectRef idx="0">
+              <a:schemeClr val="accent1"/>
+            </a:effectRef>
+            <a:fontRef idx="minor">
+              <a:schemeClr val="tx1"/>
+            </a:fontRef>
+          </p:style>
+        </p:cxnSp>
       </p:grpSp>
+      <p:cxnSp>
+        <p:nvCxnSpPr>
+          <p:cNvPr id="121" name="Straight Arrow Connector 120">
+            <a:extLst>
+              <a:ext uri="{FF2B5EF4-FFF2-40B4-BE49-F238E27FC236}">
+                <a16:creationId xmlns:a16="http://schemas.microsoft.com/office/drawing/2014/main" id="{E7FFD06D-F407-4E8B-8F11-C6614D2C0C92}"/>
+              </a:ext>
+            </a:extLst>
+          </p:cNvPr>
+          <p:cNvCxnSpPr>
+            <a:cxnSpLocks/>
+            <a:stCxn id="104" idx="4"/>
+          </p:cNvCxnSpPr>
+          <p:nvPr/>
+        </p:nvCxnSpPr>
+        <p:spPr>
+          <a:xfrm>
+            <a:off x="3421859" y="2291494"/>
+            <a:ext cx="0" cy="353860"/>
+          </a:xfrm>
+          <a:prstGeom prst="straightConnector1">
+            <a:avLst/>
+          </a:prstGeom>
+          <a:ln w="12700">
+            <a:tailEnd type="triangle"/>
+          </a:ln>
+        </p:spPr>
+        <p:style>
+          <a:lnRef idx="1">
+            <a:schemeClr val="accent1"/>
+          </a:lnRef>
+          <a:fillRef idx="0">
+            <a:schemeClr val="accent1"/>
+          </a:fillRef>
+          <a:effectRef idx="0">
+            <a:schemeClr val="accent1"/>
+          </a:effectRef>
+          <a:fontRef idx="minor">
+            <a:schemeClr val="tx1"/>
+          </a:fontRef>
+        </p:style>
+      </p:cxnSp>
+      <p:sp>
+        <p:nvSpPr>
+          <p:cNvPr id="122" name="TextBox 121">
+            <a:extLst>
+              <a:ext uri="{FF2B5EF4-FFF2-40B4-BE49-F238E27FC236}">
+                <a16:creationId xmlns:a16="http://schemas.microsoft.com/office/drawing/2014/main" id="{C9D78338-F917-4EAE-92EE-EA056BAA6EB1}"/>
+              </a:ext>
+            </a:extLst>
+          </p:cNvPr>
+          <p:cNvSpPr txBox="1"/>
+          <p:nvPr/>
+        </p:nvSpPr>
+        <p:spPr>
+          <a:xfrm>
+            <a:off x="3519009" y="1996420"/>
+            <a:ext cx="502894" cy="307777"/>
+          </a:xfrm>
+          <a:prstGeom prst="rect">
+            <a:avLst/>
+          </a:prstGeom>
+          <a:noFill/>
+        </p:spPr>
+        <p:txBody>
+          <a:bodyPr wrap="square" rtlCol="0">
+            <a:spAutoFit/>
+          </a:bodyPr>
+          <a:lstStyle/>
+          <a:p>
+            <a:r>
+              <a:rPr lang="en-US" sz="1400" dirty="0"/>
+              <a:t>V1</a:t>
+            </a:r>
+          </a:p>
+        </p:txBody>
+      </p:sp>
+      <p:sp>
+        <p:nvSpPr>
+          <p:cNvPr id="123" name="TextBox 122">
+            <a:extLst>
+              <a:ext uri="{FF2B5EF4-FFF2-40B4-BE49-F238E27FC236}">
+                <a16:creationId xmlns:a16="http://schemas.microsoft.com/office/drawing/2014/main" id="{4B0ED57E-5AD8-4BB2-95F6-1C31F35D2827}"/>
+              </a:ext>
+            </a:extLst>
+          </p:cNvPr>
+          <p:cNvSpPr txBox="1"/>
+          <p:nvPr/>
+        </p:nvSpPr>
+        <p:spPr>
+          <a:xfrm>
+            <a:off x="2831824" y="2777207"/>
+            <a:ext cx="502894" cy="307777"/>
+          </a:xfrm>
+          <a:prstGeom prst="rect">
+            <a:avLst/>
+          </a:prstGeom>
+          <a:noFill/>
+        </p:spPr>
+        <p:txBody>
+          <a:bodyPr wrap="square" rtlCol="0">
+            <a:spAutoFit/>
+          </a:bodyPr>
+          <a:lstStyle/>
+          <a:p>
+            <a:r>
+              <a:rPr lang="en-US" sz="1400" dirty="0"/>
+              <a:t>V2</a:t>
+            </a:r>
+          </a:p>
+        </p:txBody>
+      </p:sp>
+      <p:sp>
+        <p:nvSpPr>
+          <p:cNvPr id="124" name="TextBox 123">
+            <a:extLst>
+              <a:ext uri="{FF2B5EF4-FFF2-40B4-BE49-F238E27FC236}">
+                <a16:creationId xmlns:a16="http://schemas.microsoft.com/office/drawing/2014/main" id="{34970460-821B-4B59-8F60-932F0740A713}"/>
+              </a:ext>
+            </a:extLst>
+          </p:cNvPr>
+          <p:cNvSpPr txBox="1"/>
+          <p:nvPr/>
+        </p:nvSpPr>
+        <p:spPr>
+          <a:xfrm>
+            <a:off x="3666303" y="2346734"/>
+            <a:ext cx="502894" cy="307777"/>
+          </a:xfrm>
+          <a:prstGeom prst="rect">
+            <a:avLst/>
+          </a:prstGeom>
+          <a:noFill/>
+        </p:spPr>
+        <p:txBody>
+          <a:bodyPr wrap="square" rtlCol="0">
+            <a:spAutoFit/>
+          </a:bodyPr>
+          <a:lstStyle/>
+          <a:p>
+            <a:r>
+              <a:rPr lang="en-US" sz="1400" dirty="0"/>
+              <a:t>V3</a:t>
+            </a:r>
+          </a:p>
+        </p:txBody>
+      </p:sp>
+      <p:sp>
+        <p:nvSpPr>
+          <p:cNvPr id="125" name="TextBox 124">
+            <a:extLst>
+              <a:ext uri="{FF2B5EF4-FFF2-40B4-BE49-F238E27FC236}">
+                <a16:creationId xmlns:a16="http://schemas.microsoft.com/office/drawing/2014/main" id="{D1D46BF2-86FB-49D7-ACAD-A0CC475FE985}"/>
+              </a:ext>
+            </a:extLst>
+          </p:cNvPr>
+          <p:cNvSpPr txBox="1"/>
+          <p:nvPr/>
+        </p:nvSpPr>
+        <p:spPr>
+          <a:xfrm>
+            <a:off x="3519009" y="3050550"/>
+            <a:ext cx="502894" cy="307777"/>
+          </a:xfrm>
+          <a:prstGeom prst="rect">
+            <a:avLst/>
+          </a:prstGeom>
+          <a:noFill/>
+        </p:spPr>
+        <p:txBody>
+          <a:bodyPr wrap="square" rtlCol="0">
+            <a:spAutoFit/>
+          </a:bodyPr>
+          <a:lstStyle/>
+          <a:p>
+            <a:r>
+              <a:rPr lang="en-US" sz="1400" dirty="0"/>
+              <a:t>V4</a:t>
+            </a:r>
+          </a:p>
+        </p:txBody>
+      </p:sp>
+      <p:sp>
+        <p:nvSpPr>
+          <p:cNvPr id="126" name="TextBox 125">
+            <a:extLst>
+              <a:ext uri="{FF2B5EF4-FFF2-40B4-BE49-F238E27FC236}">
+                <a16:creationId xmlns:a16="http://schemas.microsoft.com/office/drawing/2014/main" id="{C1ABF1CF-D6F8-4FB4-8026-5C4C477AB573}"/>
+              </a:ext>
+            </a:extLst>
+          </p:cNvPr>
+          <p:cNvSpPr txBox="1"/>
+          <p:nvPr/>
+        </p:nvSpPr>
+        <p:spPr>
+          <a:xfrm>
+            <a:off x="4002646" y="2834899"/>
+            <a:ext cx="502894" cy="307777"/>
+          </a:xfrm>
+          <a:prstGeom prst="rect">
+            <a:avLst/>
+          </a:prstGeom>
+          <a:noFill/>
+        </p:spPr>
+        <p:txBody>
+          <a:bodyPr wrap="square" rtlCol="0">
+            <a:spAutoFit/>
+          </a:bodyPr>
+          <a:lstStyle/>
+          <a:p>
+            <a:r>
+              <a:rPr lang="en-US" sz="1400" dirty="0"/>
+              <a:t>V5</a:t>
+            </a:r>
+          </a:p>
+        </p:txBody>
+      </p:sp>
       <p:grpSp>
         <p:nvGrpSpPr>
           <p:cNvPr id="3" name="Group 2">
@@ -13481,7 +13425,7 @@
           <a:lstStyle/>
           <a:p>
             <a:r>
-              <a:rPr lang="en-US" dirty="0"/>
+              <a:rPr lang="en-US" b="1" i="1" dirty="0"/>
               <a:t>Buggy subtree</a:t>
             </a:r>
           </a:p>
@@ -14173,7 +14117,7 @@
         </p:nvSpPr>
         <p:spPr>
           <a:xfrm>
-            <a:off x="8337545" y="2092656"/>
+            <a:off x="8240533" y="2077168"/>
             <a:ext cx="721400" cy="646331"/>
           </a:xfrm>
           <a:prstGeom prst="rect">
@@ -14187,8 +14131,9 @@
           </a:bodyPr>
           <a:lstStyle/>
           <a:p>
+            <a:pPr algn="ctr"/>
             <a:r>
-              <a:rPr lang="en-US" dirty="0"/>
+              <a:rPr lang="en-US" b="1" i="1" dirty="0"/>
               <a:t>Fixed AST</a:t>
             </a:r>
           </a:p>
@@ -14654,7 +14599,7 @@
         </p:nvSpPr>
         <p:spPr>
           <a:xfrm>
-            <a:off x="7455264" y="5050257"/>
+            <a:off x="7532585" y="5039727"/>
             <a:ext cx="1485900" cy="369332"/>
           </a:xfrm>
           <a:prstGeom prst="rect">
@@ -14669,7 +14614,7 @@
           <a:lstStyle/>
           <a:p>
             <a:r>
-              <a:rPr lang="en-US" dirty="0"/>
+              <a:rPr lang="en-US" b="1" i="1" dirty="0"/>
               <a:t>Fixed subtree</a:t>
             </a:r>
           </a:p>
@@ -15551,6 +15496,76 @@
             <a:r>
               <a:rPr lang="en-US" b="1" dirty="0"/>
               <a:t>CTL</a:t>
+            </a:r>
+          </a:p>
+        </p:txBody>
+      </p:sp>
+      <p:sp>
+        <p:nvSpPr>
+          <p:cNvPr id="131" name="TextBox 130">
+            <a:extLst>
+              <a:ext uri="{FF2B5EF4-FFF2-40B4-BE49-F238E27FC236}">
+                <a16:creationId xmlns:a16="http://schemas.microsoft.com/office/drawing/2014/main" id="{DB1407CE-F821-0D4B-2C19-7234D08E7EDE}"/>
+              </a:ext>
+            </a:extLst>
+          </p:cNvPr>
+          <p:cNvSpPr txBox="1"/>
+          <p:nvPr/>
+        </p:nvSpPr>
+        <p:spPr>
+          <a:xfrm>
+            <a:off x="2690819" y="2233438"/>
+            <a:ext cx="550168" cy="369332"/>
+          </a:xfrm>
+          <a:prstGeom prst="rect">
+            <a:avLst/>
+          </a:prstGeom>
+          <a:noFill/>
+        </p:spPr>
+        <p:txBody>
+          <a:bodyPr wrap="square" rtlCol="0">
+            <a:spAutoFit/>
+          </a:bodyPr>
+          <a:lstStyle/>
+          <a:p>
+            <a:r>
+              <a:rPr lang="en-US" b="1" i="1" dirty="0"/>
+              <a:t>AST</a:t>
+            </a:r>
+          </a:p>
+        </p:txBody>
+      </p:sp>
+      <p:sp>
+        <p:nvSpPr>
+          <p:cNvPr id="134" name="TextBox 133">
+            <a:extLst>
+              <a:ext uri="{FF2B5EF4-FFF2-40B4-BE49-F238E27FC236}">
+                <a16:creationId xmlns:a16="http://schemas.microsoft.com/office/drawing/2014/main" id="{C6E3AF74-49C2-A83B-32A3-CFDAEC780E4A}"/>
+              </a:ext>
+            </a:extLst>
+          </p:cNvPr>
+          <p:cNvSpPr txBox="1"/>
+          <p:nvPr/>
+        </p:nvSpPr>
+        <p:spPr>
+          <a:xfrm>
+            <a:off x="2564832" y="1961838"/>
+            <a:ext cx="796945" cy="369332"/>
+          </a:xfrm>
+          <a:prstGeom prst="rect">
+            <a:avLst/>
+          </a:prstGeom>
+          <a:noFill/>
+        </p:spPr>
+        <p:txBody>
+          <a:bodyPr wrap="square" rtlCol="0">
+            <a:spAutoFit/>
+          </a:bodyPr>
+          <a:lstStyle/>
+          <a:p>
+            <a:r>
+              <a:rPr lang="en-US" b="1" i="1" dirty="0"/>
+              <a:t>Buggy</a:t>
             </a:r>
           </a:p>
         </p:txBody>

--- a/Figures.pptx
+++ b/Figures.pptx
@@ -5,7 +5,7 @@
     <p:sldMasterId id="2147483648" r:id="rId1"/>
   </p:sldMasterIdLst>
   <p:notesMasterIdLst>
-    <p:notesMasterId r:id="rId20"/>
+    <p:notesMasterId r:id="rId22"/>
   </p:notesMasterIdLst>
   <p:sldIdLst>
     <p:sldId id="256" r:id="rId2"/>
@@ -26,6 +26,8 @@
     <p:sldId id="274" r:id="rId17"/>
     <p:sldId id="275" r:id="rId18"/>
     <p:sldId id="276" r:id="rId19"/>
+    <p:sldId id="277" r:id="rId20"/>
+    <p:sldId id="278" r:id="rId21"/>
   </p:sldIdLst>
   <p:sldSz cx="12192000" cy="6858000"/>
   <p:notesSz cx="6858000" cy="9144000"/>
@@ -214,7 +216,7 @@
           <a:p>
             <a:fld id="{75754C70-6453-4EC1-893C-AA2644B807D6}" type="datetimeFigureOut">
               <a:rPr lang="en-US" smtClean="0"/>
-              <a:t>7/20/2022</a:t>
+              <a:t>1/3/2023</a:t>
             </a:fld>
             <a:endParaRPr lang="en-US" dirty="0"/>
           </a:p>
@@ -628,7 +630,7 @@
           <a:p>
             <a:fld id="{FF5E1AB6-45CD-421A-B6C0-E4D4EAFC2CDC}" type="datetimeFigureOut">
               <a:rPr lang="en-US" smtClean="0"/>
-              <a:t>7/20/2022</a:t>
+              <a:t>1/3/2023</a:t>
             </a:fld>
             <a:endParaRPr lang="en-US" dirty="0"/>
           </a:p>
@@ -826,7 +828,7 @@
           <a:p>
             <a:fld id="{FF5E1AB6-45CD-421A-B6C0-E4D4EAFC2CDC}" type="datetimeFigureOut">
               <a:rPr lang="en-US" smtClean="0"/>
-              <a:t>7/20/2022</a:t>
+              <a:t>1/3/2023</a:t>
             </a:fld>
             <a:endParaRPr lang="en-US" dirty="0"/>
           </a:p>
@@ -1034,7 +1036,7 @@
           <a:p>
             <a:fld id="{FF5E1AB6-45CD-421A-B6C0-E4D4EAFC2CDC}" type="datetimeFigureOut">
               <a:rPr lang="en-US" smtClean="0"/>
-              <a:t>7/20/2022</a:t>
+              <a:t>1/3/2023</a:t>
             </a:fld>
             <a:endParaRPr lang="en-US" dirty="0"/>
           </a:p>
@@ -1232,7 +1234,7 @@
           <a:p>
             <a:fld id="{FF5E1AB6-45CD-421A-B6C0-E4D4EAFC2CDC}" type="datetimeFigureOut">
               <a:rPr lang="en-US" smtClean="0"/>
-              <a:t>7/20/2022</a:t>
+              <a:t>1/3/2023</a:t>
             </a:fld>
             <a:endParaRPr lang="en-US" dirty="0"/>
           </a:p>
@@ -1507,7 +1509,7 @@
           <a:p>
             <a:fld id="{FF5E1AB6-45CD-421A-B6C0-E4D4EAFC2CDC}" type="datetimeFigureOut">
               <a:rPr lang="en-US" smtClean="0"/>
-              <a:t>7/20/2022</a:t>
+              <a:t>1/3/2023</a:t>
             </a:fld>
             <a:endParaRPr lang="en-US" dirty="0"/>
           </a:p>
@@ -1772,7 +1774,7 @@
           <a:p>
             <a:fld id="{FF5E1AB6-45CD-421A-B6C0-E4D4EAFC2CDC}" type="datetimeFigureOut">
               <a:rPr lang="en-US" smtClean="0"/>
-              <a:t>7/20/2022</a:t>
+              <a:t>1/3/2023</a:t>
             </a:fld>
             <a:endParaRPr lang="en-US" dirty="0"/>
           </a:p>
@@ -2184,7 +2186,7 @@
           <a:p>
             <a:fld id="{FF5E1AB6-45CD-421A-B6C0-E4D4EAFC2CDC}" type="datetimeFigureOut">
               <a:rPr lang="en-US" smtClean="0"/>
-              <a:t>7/20/2022</a:t>
+              <a:t>1/3/2023</a:t>
             </a:fld>
             <a:endParaRPr lang="en-US" dirty="0"/>
           </a:p>
@@ -2325,7 +2327,7 @@
           <a:p>
             <a:fld id="{FF5E1AB6-45CD-421A-B6C0-E4D4EAFC2CDC}" type="datetimeFigureOut">
               <a:rPr lang="en-US" smtClean="0"/>
-              <a:t>7/20/2022</a:t>
+              <a:t>1/3/2023</a:t>
             </a:fld>
             <a:endParaRPr lang="en-US" dirty="0"/>
           </a:p>
@@ -2438,7 +2440,7 @@
           <a:p>
             <a:fld id="{FF5E1AB6-45CD-421A-B6C0-E4D4EAFC2CDC}" type="datetimeFigureOut">
               <a:rPr lang="en-US" smtClean="0"/>
-              <a:t>7/20/2022</a:t>
+              <a:t>1/3/2023</a:t>
             </a:fld>
             <a:endParaRPr lang="en-US" dirty="0"/>
           </a:p>
@@ -2749,7 +2751,7 @@
           <a:p>
             <a:fld id="{FF5E1AB6-45CD-421A-B6C0-E4D4EAFC2CDC}" type="datetimeFigureOut">
               <a:rPr lang="en-US" smtClean="0"/>
-              <a:t>7/20/2022</a:t>
+              <a:t>1/3/2023</a:t>
             </a:fld>
             <a:endParaRPr lang="en-US" dirty="0"/>
           </a:p>
@@ -3037,7 +3039,7 @@
           <a:p>
             <a:fld id="{FF5E1AB6-45CD-421A-B6C0-E4D4EAFC2CDC}" type="datetimeFigureOut">
               <a:rPr lang="en-US" smtClean="0"/>
-              <a:t>7/20/2022</a:t>
+              <a:t>1/3/2023</a:t>
             </a:fld>
             <a:endParaRPr lang="en-US" dirty="0"/>
           </a:p>
@@ -3278,7 +3280,7 @@
           <a:p>
             <a:fld id="{FF5E1AB6-45CD-421A-B6C0-E4D4EAFC2CDC}" type="datetimeFigureOut">
               <a:rPr lang="en-US" smtClean="0"/>
-              <a:t>7/20/2022</a:t>
+              <a:t>1/3/2023</a:t>
             </a:fld>
             <a:endParaRPr lang="en-US" dirty="0"/>
           </a:p>
@@ -36886,6 +36888,3482 @@
 </p:sld>
 </file>
 
+<file path=ppt/slides/slide19.xml><?xml version="1.0" encoding="utf-8"?>
+<p:sld xmlns:a="http://schemas.openxmlformats.org/drawingml/2006/main" xmlns:r="http://schemas.openxmlformats.org/officeDocument/2006/relationships" xmlns:p="http://schemas.openxmlformats.org/presentationml/2006/main">
+  <p:cSld>
+    <p:spTree>
+      <p:nvGrpSpPr>
+        <p:cNvPr id="1" name=""/>
+        <p:cNvGrpSpPr/>
+        <p:nvPr/>
+      </p:nvGrpSpPr>
+      <p:grpSpPr>
+        <a:xfrm>
+          <a:off x="0" y="0"/>
+          <a:ext cx="0" cy="0"/>
+          <a:chOff x="0" y="0"/>
+          <a:chExt cx="0" cy="0"/>
+        </a:xfrm>
+      </p:grpSpPr>
+      <p:grpSp>
+        <p:nvGrpSpPr>
+          <p:cNvPr id="29" name="Group 28">
+            <a:extLst>
+              <a:ext uri="{FF2B5EF4-FFF2-40B4-BE49-F238E27FC236}">
+                <a16:creationId xmlns:a16="http://schemas.microsoft.com/office/drawing/2014/main" id="{00F08641-F49B-47B4-B126-2031C5D20321}"/>
+              </a:ext>
+            </a:extLst>
+          </p:cNvPr>
+          <p:cNvGrpSpPr/>
+          <p:nvPr/>
+        </p:nvGrpSpPr>
+        <p:grpSpPr>
+          <a:xfrm>
+            <a:off x="3553528" y="3256980"/>
+            <a:ext cx="939800" cy="697706"/>
+            <a:chOff x="3473450" y="1362075"/>
+            <a:chExt cx="939800" cy="697706"/>
+          </a:xfrm>
+        </p:grpSpPr>
+        <p:sp>
+          <p:nvSpPr>
+            <p:cNvPr id="30" name="Oval 29">
+              <a:extLst>
+                <a:ext uri="{FF2B5EF4-FFF2-40B4-BE49-F238E27FC236}">
+                  <a16:creationId xmlns:a16="http://schemas.microsoft.com/office/drawing/2014/main" id="{EEF954A3-9480-4CA0-B4FC-159685D64AE4}"/>
+                </a:ext>
+              </a:extLst>
+            </p:cNvPr>
+            <p:cNvSpPr/>
+            <p:nvPr/>
+          </p:nvSpPr>
+          <p:spPr>
+            <a:xfrm>
+              <a:off x="3841750" y="1362075"/>
+              <a:ext cx="190500" cy="190500"/>
+            </a:xfrm>
+            <a:prstGeom prst="ellipse">
+              <a:avLst/>
+            </a:prstGeom>
+            <a:solidFill>
+              <a:srgbClr val="FFC000"/>
+            </a:solidFill>
+            <a:ln>
+              <a:solidFill>
+                <a:schemeClr val="accent6">
+                  <a:lumMod val="75000"/>
+                </a:schemeClr>
+              </a:solidFill>
+            </a:ln>
+          </p:spPr>
+          <p:style>
+            <a:lnRef idx="2">
+              <a:schemeClr val="accent1">
+                <a:shade val="50000"/>
+              </a:schemeClr>
+            </a:lnRef>
+            <a:fillRef idx="1">
+              <a:schemeClr val="accent1"/>
+            </a:fillRef>
+            <a:effectRef idx="0">
+              <a:schemeClr val="accent1"/>
+            </a:effectRef>
+            <a:fontRef idx="minor">
+              <a:schemeClr val="lt1"/>
+            </a:fontRef>
+          </p:style>
+          <p:txBody>
+            <a:bodyPr rtlCol="0" anchor="ctr"/>
+            <a:lstStyle/>
+            <a:p>
+              <a:pPr algn="ctr"/>
+              <a:endParaRPr lang="en-US"/>
+            </a:p>
+          </p:txBody>
+        </p:sp>
+        <p:sp>
+          <p:nvSpPr>
+            <p:cNvPr id="31" name="Oval 30">
+              <a:extLst>
+                <a:ext uri="{FF2B5EF4-FFF2-40B4-BE49-F238E27FC236}">
+                  <a16:creationId xmlns:a16="http://schemas.microsoft.com/office/drawing/2014/main" id="{58A1E0DF-95CB-4330-9C77-3EF88213FAAB}"/>
+                </a:ext>
+              </a:extLst>
+            </p:cNvPr>
+            <p:cNvSpPr/>
+            <p:nvPr/>
+          </p:nvSpPr>
+          <p:spPr>
+            <a:xfrm>
+              <a:off x="3473450" y="1869281"/>
+              <a:ext cx="190500" cy="190500"/>
+            </a:xfrm>
+            <a:prstGeom prst="ellipse">
+              <a:avLst/>
+            </a:prstGeom>
+            <a:solidFill>
+              <a:schemeClr val="accent6">
+                <a:lumMod val="40000"/>
+                <a:lumOff val="60000"/>
+              </a:schemeClr>
+            </a:solidFill>
+            <a:ln>
+              <a:solidFill>
+                <a:schemeClr val="accent6">
+                  <a:lumMod val="75000"/>
+                </a:schemeClr>
+              </a:solidFill>
+            </a:ln>
+          </p:spPr>
+          <p:style>
+            <a:lnRef idx="2">
+              <a:schemeClr val="accent1">
+                <a:shade val="50000"/>
+              </a:schemeClr>
+            </a:lnRef>
+            <a:fillRef idx="1">
+              <a:schemeClr val="accent1"/>
+            </a:fillRef>
+            <a:effectRef idx="0">
+              <a:schemeClr val="accent1"/>
+            </a:effectRef>
+            <a:fontRef idx="minor">
+              <a:schemeClr val="lt1"/>
+            </a:fontRef>
+          </p:style>
+          <p:txBody>
+            <a:bodyPr rtlCol="0" anchor="ctr"/>
+            <a:lstStyle/>
+            <a:p>
+              <a:pPr algn="ctr"/>
+              <a:endParaRPr lang="en-US"/>
+            </a:p>
+          </p:txBody>
+        </p:sp>
+        <p:sp>
+          <p:nvSpPr>
+            <p:cNvPr id="32" name="Oval 31">
+              <a:extLst>
+                <a:ext uri="{FF2B5EF4-FFF2-40B4-BE49-F238E27FC236}">
+                  <a16:creationId xmlns:a16="http://schemas.microsoft.com/office/drawing/2014/main" id="{0DDD9695-12DF-43C3-ADB3-499688F71623}"/>
+                </a:ext>
+              </a:extLst>
+            </p:cNvPr>
+            <p:cNvSpPr/>
+            <p:nvPr/>
+          </p:nvSpPr>
+          <p:spPr>
+            <a:xfrm>
+              <a:off x="4222750" y="1869281"/>
+              <a:ext cx="190500" cy="190500"/>
+            </a:xfrm>
+            <a:prstGeom prst="ellipse">
+              <a:avLst/>
+            </a:prstGeom>
+            <a:solidFill>
+              <a:srgbClr val="FFC000"/>
+            </a:solidFill>
+            <a:ln>
+              <a:solidFill>
+                <a:schemeClr val="accent6">
+                  <a:lumMod val="75000"/>
+                </a:schemeClr>
+              </a:solidFill>
+            </a:ln>
+          </p:spPr>
+          <p:style>
+            <a:lnRef idx="2">
+              <a:schemeClr val="accent1">
+                <a:shade val="50000"/>
+              </a:schemeClr>
+            </a:lnRef>
+            <a:fillRef idx="1">
+              <a:schemeClr val="accent1"/>
+            </a:fillRef>
+            <a:effectRef idx="0">
+              <a:schemeClr val="accent1"/>
+            </a:effectRef>
+            <a:fontRef idx="minor">
+              <a:schemeClr val="lt1"/>
+            </a:fontRef>
+          </p:style>
+          <p:txBody>
+            <a:bodyPr rtlCol="0" anchor="ctr"/>
+            <a:lstStyle/>
+            <a:p>
+              <a:pPr algn="ctr"/>
+              <a:endParaRPr lang="en-US"/>
+            </a:p>
+          </p:txBody>
+        </p:sp>
+        <p:cxnSp>
+          <p:nvCxnSpPr>
+            <p:cNvPr id="35" name="Straight Arrow Connector 34">
+              <a:extLst>
+                <a:ext uri="{FF2B5EF4-FFF2-40B4-BE49-F238E27FC236}">
+                  <a16:creationId xmlns:a16="http://schemas.microsoft.com/office/drawing/2014/main" id="{AF5B46F4-4D19-4BD5-A143-52DB9798FBFC}"/>
+                </a:ext>
+              </a:extLst>
+            </p:cNvPr>
+            <p:cNvCxnSpPr>
+              <a:stCxn id="30" idx="3"/>
+              <a:endCxn id="31" idx="6"/>
+            </p:cNvCxnSpPr>
+            <p:nvPr/>
+          </p:nvCxnSpPr>
+          <p:spPr>
+            <a:xfrm flipH="1">
+              <a:off x="3636052" y="1524677"/>
+              <a:ext cx="233596" cy="372502"/>
+            </a:xfrm>
+            <a:prstGeom prst="straightConnector1">
+              <a:avLst/>
+            </a:prstGeom>
+            <a:ln w="25400">
+              <a:tailEnd type="triangle"/>
+            </a:ln>
+          </p:spPr>
+          <p:style>
+            <a:lnRef idx="1">
+              <a:schemeClr val="accent1"/>
+            </a:lnRef>
+            <a:fillRef idx="0">
+              <a:schemeClr val="accent1"/>
+            </a:fillRef>
+            <a:effectRef idx="0">
+              <a:schemeClr val="accent1"/>
+            </a:effectRef>
+            <a:fontRef idx="minor">
+              <a:schemeClr val="tx1"/>
+            </a:fontRef>
+          </p:style>
+        </p:cxnSp>
+        <p:cxnSp>
+          <p:nvCxnSpPr>
+            <p:cNvPr id="36" name="Straight Arrow Connector 35">
+              <a:extLst>
+                <a:ext uri="{FF2B5EF4-FFF2-40B4-BE49-F238E27FC236}">
+                  <a16:creationId xmlns:a16="http://schemas.microsoft.com/office/drawing/2014/main" id="{78FBCFC5-9FC6-4F19-A292-7BFFE2AAACC7}"/>
+                </a:ext>
+              </a:extLst>
+            </p:cNvPr>
+            <p:cNvCxnSpPr>
+              <a:cxnSpLocks/>
+              <a:stCxn id="30" idx="5"/>
+              <a:endCxn id="32" idx="1"/>
+            </p:cNvCxnSpPr>
+            <p:nvPr/>
+          </p:nvCxnSpPr>
+          <p:spPr>
+            <a:xfrm>
+              <a:off x="4004352" y="1524677"/>
+              <a:ext cx="246296" cy="372502"/>
+            </a:xfrm>
+            <a:prstGeom prst="straightConnector1">
+              <a:avLst/>
+            </a:prstGeom>
+            <a:ln w="25400">
+              <a:solidFill>
+                <a:srgbClr val="FF0000"/>
+              </a:solidFill>
+              <a:tailEnd type="triangle"/>
+            </a:ln>
+          </p:spPr>
+          <p:style>
+            <a:lnRef idx="1">
+              <a:schemeClr val="accent1"/>
+            </a:lnRef>
+            <a:fillRef idx="0">
+              <a:schemeClr val="accent1"/>
+            </a:fillRef>
+            <a:effectRef idx="0">
+              <a:schemeClr val="accent1"/>
+            </a:effectRef>
+            <a:fontRef idx="minor">
+              <a:schemeClr val="tx1"/>
+            </a:fontRef>
+          </p:style>
+        </p:cxnSp>
+      </p:grpSp>
+      <p:sp>
+        <p:nvSpPr>
+          <p:cNvPr id="40" name="TextBox 39">
+            <a:extLst>
+              <a:ext uri="{FF2B5EF4-FFF2-40B4-BE49-F238E27FC236}">
+                <a16:creationId xmlns:a16="http://schemas.microsoft.com/office/drawing/2014/main" id="{7281DC49-955F-4674-8199-971A898A330D}"/>
+              </a:ext>
+            </a:extLst>
+          </p:cNvPr>
+          <p:cNvSpPr txBox="1"/>
+          <p:nvPr/>
+        </p:nvSpPr>
+        <p:spPr>
+          <a:xfrm>
+            <a:off x="3185115" y="3946339"/>
+            <a:ext cx="1951196" cy="369332"/>
+          </a:xfrm>
+          <a:prstGeom prst="rect">
+            <a:avLst/>
+          </a:prstGeom>
+          <a:noFill/>
+        </p:spPr>
+        <p:txBody>
+          <a:bodyPr wrap="square" rtlCol="0">
+            <a:spAutoFit/>
+          </a:bodyPr>
+          <a:lstStyle/>
+          <a:p>
+            <a:r>
+              <a:rPr lang="en-US" b="1" i="1" dirty="0"/>
+              <a:t>Buggy subtree</a:t>
+            </a:r>
+          </a:p>
+        </p:txBody>
+      </p:sp>
+      <p:sp>
+        <p:nvSpPr>
+          <p:cNvPr id="27" name="Rectangle: Rounded Corners 26">
+            <a:extLst>
+              <a:ext uri="{FF2B5EF4-FFF2-40B4-BE49-F238E27FC236}">
+                <a16:creationId xmlns:a16="http://schemas.microsoft.com/office/drawing/2014/main" id="{8B88DDE6-293D-4F1C-BA48-7E0B585C5C6C}"/>
+              </a:ext>
+            </a:extLst>
+          </p:cNvPr>
+          <p:cNvSpPr/>
+          <p:nvPr/>
+        </p:nvSpPr>
+        <p:spPr>
+          <a:xfrm>
+            <a:off x="4926756" y="1720371"/>
+            <a:ext cx="1912032" cy="802049"/>
+          </a:xfrm>
+          <a:prstGeom prst="roundRect">
+            <a:avLst/>
+          </a:prstGeom>
+          <a:solidFill>
+            <a:schemeClr val="accent2">
+              <a:lumMod val="20000"/>
+              <a:lumOff val="80000"/>
+            </a:schemeClr>
+          </a:solidFill>
+          <a:ln w="25400">
+            <a:solidFill>
+              <a:schemeClr val="accent2">
+                <a:lumMod val="75000"/>
+              </a:schemeClr>
+            </a:solidFill>
+          </a:ln>
+        </p:spPr>
+        <p:style>
+          <a:lnRef idx="2">
+            <a:schemeClr val="accent1">
+              <a:shade val="50000"/>
+            </a:schemeClr>
+          </a:lnRef>
+          <a:fillRef idx="1">
+            <a:schemeClr val="accent1"/>
+          </a:fillRef>
+          <a:effectRef idx="0">
+            <a:schemeClr val="accent1"/>
+          </a:effectRef>
+          <a:fontRef idx="minor">
+            <a:schemeClr val="lt1"/>
+          </a:fontRef>
+        </p:style>
+        <p:txBody>
+          <a:bodyPr rtlCol="0" anchor="ctr"/>
+          <a:lstStyle/>
+          <a:p>
+            <a:pPr algn="ctr"/>
+            <a:r>
+              <a:rPr lang="en-US" dirty="0">
+                <a:solidFill>
+                  <a:schemeClr val="tx1"/>
+                </a:solidFill>
+              </a:rPr>
+              <a:t>Tree-based Code Context Learning (</a:t>
+            </a:r>
+            <a:r>
+              <a:rPr lang="en-US" b="1" dirty="0">
+                <a:solidFill>
+                  <a:schemeClr val="tx1"/>
+                </a:solidFill>
+              </a:rPr>
+              <a:t>CCL</a:t>
+            </a:r>
+            <a:r>
+              <a:rPr lang="en-US" dirty="0">
+                <a:solidFill>
+                  <a:schemeClr val="tx1"/>
+                </a:solidFill>
+              </a:rPr>
+              <a:t>)</a:t>
+            </a:r>
+          </a:p>
+        </p:txBody>
+      </p:sp>
+      <p:sp>
+        <p:nvSpPr>
+          <p:cNvPr id="42" name="Rectangle: Rounded Corners 41">
+            <a:extLst>
+              <a:ext uri="{FF2B5EF4-FFF2-40B4-BE49-F238E27FC236}">
+                <a16:creationId xmlns:a16="http://schemas.microsoft.com/office/drawing/2014/main" id="{C61147BF-A6E9-423A-BBD5-EBB5D1B3AAC6}"/>
+              </a:ext>
+            </a:extLst>
+          </p:cNvPr>
+          <p:cNvSpPr/>
+          <p:nvPr/>
+        </p:nvSpPr>
+        <p:spPr>
+          <a:xfrm>
+            <a:off x="4926755" y="3414584"/>
+            <a:ext cx="1909735" cy="776767"/>
+          </a:xfrm>
+          <a:prstGeom prst="roundRect">
+            <a:avLst/>
+          </a:prstGeom>
+          <a:solidFill>
+            <a:schemeClr val="accent2">
+              <a:lumMod val="20000"/>
+              <a:lumOff val="80000"/>
+            </a:schemeClr>
+          </a:solidFill>
+          <a:ln w="25400">
+            <a:solidFill>
+              <a:schemeClr val="accent2">
+                <a:lumMod val="75000"/>
+              </a:schemeClr>
+            </a:solidFill>
+          </a:ln>
+        </p:spPr>
+        <p:style>
+          <a:lnRef idx="2">
+            <a:schemeClr val="accent1">
+              <a:shade val="50000"/>
+            </a:schemeClr>
+          </a:lnRef>
+          <a:fillRef idx="1">
+            <a:schemeClr val="accent1"/>
+          </a:fillRef>
+          <a:effectRef idx="0">
+            <a:schemeClr val="accent1"/>
+          </a:effectRef>
+          <a:fontRef idx="minor">
+            <a:schemeClr val="lt1"/>
+          </a:fontRef>
+        </p:style>
+        <p:txBody>
+          <a:bodyPr rtlCol="0" anchor="ctr"/>
+          <a:lstStyle/>
+          <a:p>
+            <a:pPr algn="ctr"/>
+            <a:r>
+              <a:rPr lang="en-US" dirty="0">
+                <a:solidFill>
+                  <a:schemeClr val="tx1"/>
+                </a:solidFill>
+              </a:rPr>
+              <a:t>Tree-based Code Transformation Learning (</a:t>
+            </a:r>
+            <a:r>
+              <a:rPr lang="en-US" b="1" dirty="0">
+                <a:solidFill>
+                  <a:schemeClr val="tx1"/>
+                </a:solidFill>
+              </a:rPr>
+              <a:t>CTL</a:t>
+            </a:r>
+            <a:r>
+              <a:rPr lang="en-US" dirty="0">
+                <a:solidFill>
+                  <a:schemeClr val="tx1"/>
+                </a:solidFill>
+              </a:rPr>
+              <a:t>)</a:t>
+            </a:r>
+          </a:p>
+        </p:txBody>
+      </p:sp>
+      <p:sp>
+        <p:nvSpPr>
+          <p:cNvPr id="43" name="Rectangle: Rounded Corners 42">
+            <a:extLst>
+              <a:ext uri="{FF2B5EF4-FFF2-40B4-BE49-F238E27FC236}">
+                <a16:creationId xmlns:a16="http://schemas.microsoft.com/office/drawing/2014/main" id="{5DAA0177-339C-495D-8153-6541C884CD2D}"/>
+              </a:ext>
+            </a:extLst>
+          </p:cNvPr>
+          <p:cNvSpPr/>
+          <p:nvPr/>
+        </p:nvSpPr>
+        <p:spPr>
+          <a:xfrm>
+            <a:off x="5044572" y="2794089"/>
+            <a:ext cx="1676400" cy="291245"/>
+          </a:xfrm>
+          <a:prstGeom prst="roundRect">
+            <a:avLst/>
+          </a:prstGeom>
+          <a:solidFill>
+            <a:schemeClr val="accent2">
+              <a:lumMod val="20000"/>
+              <a:lumOff val="80000"/>
+            </a:schemeClr>
+          </a:solidFill>
+          <a:ln w="25400">
+            <a:solidFill>
+              <a:schemeClr val="accent2">
+                <a:lumMod val="75000"/>
+              </a:schemeClr>
+            </a:solidFill>
+          </a:ln>
+        </p:spPr>
+        <p:style>
+          <a:lnRef idx="2">
+            <a:schemeClr val="accent1">
+              <a:shade val="50000"/>
+            </a:schemeClr>
+          </a:lnRef>
+          <a:fillRef idx="1">
+            <a:schemeClr val="accent1"/>
+          </a:fillRef>
+          <a:effectRef idx="0">
+            <a:schemeClr val="accent1"/>
+          </a:effectRef>
+          <a:fontRef idx="minor">
+            <a:schemeClr val="lt1"/>
+          </a:fontRef>
+        </p:style>
+        <p:txBody>
+          <a:bodyPr rtlCol="0" anchor="ctr"/>
+          <a:lstStyle/>
+          <a:p>
+            <a:pPr algn="ctr"/>
+            <a:r>
+              <a:rPr lang="en-US" dirty="0">
+                <a:solidFill>
+                  <a:schemeClr val="tx1"/>
+                </a:solidFill>
+              </a:rPr>
+              <a:t>Joint Training</a:t>
+            </a:r>
+          </a:p>
+        </p:txBody>
+      </p:sp>
+      <p:cxnSp>
+        <p:nvCxnSpPr>
+          <p:cNvPr id="78" name="Straight Arrow Connector 77">
+            <a:extLst>
+              <a:ext uri="{FF2B5EF4-FFF2-40B4-BE49-F238E27FC236}">
+                <a16:creationId xmlns:a16="http://schemas.microsoft.com/office/drawing/2014/main" id="{AC8674C8-FC1F-4CF8-8F79-89EE6085AB9F}"/>
+              </a:ext>
+            </a:extLst>
+          </p:cNvPr>
+          <p:cNvCxnSpPr>
+            <a:cxnSpLocks/>
+          </p:cNvCxnSpPr>
+          <p:nvPr/>
+        </p:nvCxnSpPr>
+        <p:spPr>
+          <a:xfrm flipH="1">
+            <a:off x="6836490" y="3774614"/>
+            <a:ext cx="368300" cy="1"/>
+          </a:xfrm>
+          <a:prstGeom prst="straightConnector1">
+            <a:avLst/>
+          </a:prstGeom>
+          <a:ln w="25400">
+            <a:tailEnd type="triangle"/>
+          </a:ln>
+        </p:spPr>
+        <p:style>
+          <a:lnRef idx="1">
+            <a:schemeClr val="accent1"/>
+          </a:lnRef>
+          <a:fillRef idx="0">
+            <a:schemeClr val="accent1"/>
+          </a:fillRef>
+          <a:effectRef idx="0">
+            <a:schemeClr val="accent1"/>
+          </a:effectRef>
+          <a:fontRef idx="minor">
+            <a:schemeClr val="tx1"/>
+          </a:fontRef>
+        </p:style>
+      </p:cxnSp>
+      <p:cxnSp>
+        <p:nvCxnSpPr>
+          <p:cNvPr id="91" name="Straight Arrow Connector 90">
+            <a:extLst>
+              <a:ext uri="{FF2B5EF4-FFF2-40B4-BE49-F238E27FC236}">
+                <a16:creationId xmlns:a16="http://schemas.microsoft.com/office/drawing/2014/main" id="{4711F1A2-0517-44EA-BC94-3B2EFD35FA99}"/>
+              </a:ext>
+            </a:extLst>
+          </p:cNvPr>
+          <p:cNvCxnSpPr>
+            <a:cxnSpLocks/>
+            <a:stCxn id="27" idx="2"/>
+            <a:endCxn id="43" idx="0"/>
+          </p:cNvCxnSpPr>
+          <p:nvPr/>
+        </p:nvCxnSpPr>
+        <p:spPr>
+          <a:xfrm>
+            <a:off x="5882772" y="2522420"/>
+            <a:ext cx="0" cy="271669"/>
+          </a:xfrm>
+          <a:prstGeom prst="straightConnector1">
+            <a:avLst/>
+          </a:prstGeom>
+          <a:ln w="25400">
+            <a:headEnd type="triangle"/>
+            <a:tailEnd type="triangle"/>
+          </a:ln>
+        </p:spPr>
+        <p:style>
+          <a:lnRef idx="1">
+            <a:schemeClr val="accent1"/>
+          </a:lnRef>
+          <a:fillRef idx="0">
+            <a:schemeClr val="accent1"/>
+          </a:fillRef>
+          <a:effectRef idx="0">
+            <a:schemeClr val="accent1"/>
+          </a:effectRef>
+          <a:fontRef idx="minor">
+            <a:schemeClr val="tx1"/>
+          </a:fontRef>
+        </p:style>
+      </p:cxnSp>
+      <p:cxnSp>
+        <p:nvCxnSpPr>
+          <p:cNvPr id="94" name="Straight Arrow Connector 93">
+            <a:extLst>
+              <a:ext uri="{FF2B5EF4-FFF2-40B4-BE49-F238E27FC236}">
+                <a16:creationId xmlns:a16="http://schemas.microsoft.com/office/drawing/2014/main" id="{5756A5B5-A2B2-43E3-AA1A-CB7E355B869F}"/>
+              </a:ext>
+            </a:extLst>
+          </p:cNvPr>
+          <p:cNvCxnSpPr>
+            <a:cxnSpLocks/>
+            <a:stCxn id="43" idx="2"/>
+            <a:endCxn id="42" idx="0"/>
+          </p:cNvCxnSpPr>
+          <p:nvPr/>
+        </p:nvCxnSpPr>
+        <p:spPr>
+          <a:xfrm flipH="1">
+            <a:off x="5881623" y="3085334"/>
+            <a:ext cx="1149" cy="329250"/>
+          </a:xfrm>
+          <a:prstGeom prst="straightConnector1">
+            <a:avLst/>
+          </a:prstGeom>
+          <a:ln w="25400">
+            <a:headEnd type="triangle"/>
+            <a:tailEnd type="triangle"/>
+          </a:ln>
+        </p:spPr>
+        <p:style>
+          <a:lnRef idx="1">
+            <a:schemeClr val="accent1"/>
+          </a:lnRef>
+          <a:fillRef idx="0">
+            <a:schemeClr val="accent1"/>
+          </a:fillRef>
+          <a:effectRef idx="0">
+            <a:schemeClr val="accent1"/>
+          </a:effectRef>
+          <a:fontRef idx="minor">
+            <a:schemeClr val="tx1"/>
+          </a:fontRef>
+        </p:style>
+      </p:cxnSp>
+      <p:pic>
+        <p:nvPicPr>
+          <p:cNvPr id="1026" name="Picture 2" descr="File icon PNG, ICO or ICNS | Free vector icons">
+            <a:extLst>
+              <a:ext uri="{FF2B5EF4-FFF2-40B4-BE49-F238E27FC236}">
+                <a16:creationId xmlns:a16="http://schemas.microsoft.com/office/drawing/2014/main" id="{AB7F84EE-974E-440C-8CE3-95AB0255AB37}"/>
+              </a:ext>
+            </a:extLst>
+          </p:cNvPr>
+          <p:cNvPicPr>
+            <a:picLocks noChangeAspect="1" noChangeArrowheads="1"/>
+          </p:cNvPicPr>
+          <p:nvPr/>
+        </p:nvPicPr>
+        <p:blipFill>
+          <a:blip r:embed="rId2">
+            <a:extLst>
+              <a:ext uri="{28A0092B-C50C-407E-A947-70E740481C1C}">
+                <a14:useLocalDpi xmlns:a14="http://schemas.microsoft.com/office/drawing/2010/main" val="0"/>
+              </a:ext>
+            </a:extLst>
+          </a:blip>
+          <a:srcRect/>
+          <a:stretch>
+            <a:fillRect/>
+          </a:stretch>
+        </p:blipFill>
+        <p:spPr bwMode="auto">
+          <a:xfrm>
+            <a:off x="668109" y="1843604"/>
+            <a:ext cx="739140" cy="739140"/>
+          </a:xfrm>
+          <a:prstGeom prst="rect">
+            <a:avLst/>
+          </a:prstGeom>
+          <a:noFill/>
+          <a:extLst>
+            <a:ext uri="{909E8E84-426E-40DD-AFC4-6F175D3DCCD1}">
+              <a14:hiddenFill xmlns:a14="http://schemas.microsoft.com/office/drawing/2010/main">
+                <a:solidFill>
+                  <a:srgbClr val="FFFFFF"/>
+                </a:solidFill>
+              </a14:hiddenFill>
+            </a:ext>
+          </a:extLst>
+        </p:spPr>
+      </p:pic>
+      <p:sp>
+        <p:nvSpPr>
+          <p:cNvPr id="4" name="TextBox 3">
+            <a:extLst>
+              <a:ext uri="{FF2B5EF4-FFF2-40B4-BE49-F238E27FC236}">
+                <a16:creationId xmlns:a16="http://schemas.microsoft.com/office/drawing/2014/main" id="{120230DA-EEEB-4EF0-A3AA-AC3282437485}"/>
+              </a:ext>
+            </a:extLst>
+          </p:cNvPr>
+          <p:cNvSpPr txBox="1"/>
+          <p:nvPr/>
+        </p:nvSpPr>
+        <p:spPr>
+          <a:xfrm>
+            <a:off x="264249" y="2516069"/>
+            <a:ext cx="1676400" cy="369332"/>
+          </a:xfrm>
+          <a:prstGeom prst="rect">
+            <a:avLst/>
+          </a:prstGeom>
+          <a:noFill/>
+        </p:spPr>
+        <p:txBody>
+          <a:bodyPr wrap="square" rtlCol="0">
+            <a:spAutoFit/>
+          </a:bodyPr>
+          <a:lstStyle/>
+          <a:p>
+            <a:r>
+              <a:rPr lang="en-US" dirty="0"/>
+              <a:t>Buggy Method</a:t>
+            </a:r>
+          </a:p>
+        </p:txBody>
+      </p:sp>
+      <p:sp>
+        <p:nvSpPr>
+          <p:cNvPr id="5" name="TextBox 4">
+            <a:extLst>
+              <a:ext uri="{FF2B5EF4-FFF2-40B4-BE49-F238E27FC236}">
+                <a16:creationId xmlns:a16="http://schemas.microsoft.com/office/drawing/2014/main" id="{58A0AC6F-8E0D-4B49-AE84-030B6DA34D4B}"/>
+              </a:ext>
+            </a:extLst>
+          </p:cNvPr>
+          <p:cNvSpPr txBox="1"/>
+          <p:nvPr/>
+        </p:nvSpPr>
+        <p:spPr>
+          <a:xfrm>
+            <a:off x="110304" y="3670987"/>
+            <a:ext cx="1951197" cy="261610"/>
+          </a:xfrm>
+          <a:prstGeom prst="rect">
+            <a:avLst/>
+          </a:prstGeom>
+          <a:noFill/>
+          <a:ln w="25400">
+            <a:solidFill>
+              <a:schemeClr val="tx1"/>
+            </a:solidFill>
+          </a:ln>
+        </p:spPr>
+        <p:txBody>
+          <a:bodyPr wrap="square" rtlCol="0">
+            <a:spAutoFit/>
+          </a:bodyPr>
+          <a:lstStyle/>
+          <a:p>
+            <a:r>
+              <a:rPr lang="en-US" sz="1100" dirty="0">
+                <a:latin typeface="Courier New" panose="02070309020205020404" pitchFamily="49" charset="0"/>
+                <a:cs typeface="Courier New" panose="02070309020205020404" pitchFamily="49" charset="0"/>
+              </a:rPr>
+              <a:t>If (dataset != null)…</a:t>
+            </a:r>
+          </a:p>
+        </p:txBody>
+      </p:sp>
+      <p:sp>
+        <p:nvSpPr>
+          <p:cNvPr id="8" name="TextBox 7">
+            <a:extLst>
+              <a:ext uri="{FF2B5EF4-FFF2-40B4-BE49-F238E27FC236}">
+                <a16:creationId xmlns:a16="http://schemas.microsoft.com/office/drawing/2014/main" id="{83A439AB-E935-409E-B1A3-9C31F2794CD7}"/>
+              </a:ext>
+            </a:extLst>
+          </p:cNvPr>
+          <p:cNvSpPr txBox="1"/>
+          <p:nvPr/>
+        </p:nvSpPr>
+        <p:spPr>
+          <a:xfrm>
+            <a:off x="92799" y="3946339"/>
+            <a:ext cx="2019300" cy="369332"/>
+          </a:xfrm>
+          <a:prstGeom prst="rect">
+            <a:avLst/>
+          </a:prstGeom>
+          <a:noFill/>
+        </p:spPr>
+        <p:txBody>
+          <a:bodyPr wrap="square" rtlCol="0">
+            <a:spAutoFit/>
+          </a:bodyPr>
+          <a:lstStyle/>
+          <a:p>
+            <a:r>
+              <a:rPr lang="en-US" dirty="0"/>
+              <a:t>A Buggy Statement</a:t>
+            </a:r>
+          </a:p>
+        </p:txBody>
+      </p:sp>
+      <p:sp>
+        <p:nvSpPr>
+          <p:cNvPr id="68" name="Rectangle: Rounded Corners 67">
+            <a:extLst>
+              <a:ext uri="{FF2B5EF4-FFF2-40B4-BE49-F238E27FC236}">
+                <a16:creationId xmlns:a16="http://schemas.microsoft.com/office/drawing/2014/main" id="{A466D679-29DD-4A75-9A76-3022E6E7E2A7}"/>
+              </a:ext>
+            </a:extLst>
+          </p:cNvPr>
+          <p:cNvSpPr/>
+          <p:nvPr/>
+        </p:nvSpPr>
+        <p:spPr>
+          <a:xfrm>
+            <a:off x="1905242" y="2441257"/>
+            <a:ext cx="1112824" cy="875582"/>
+          </a:xfrm>
+          <a:prstGeom prst="roundRect">
+            <a:avLst/>
+          </a:prstGeom>
+          <a:solidFill>
+            <a:schemeClr val="accent2">
+              <a:lumMod val="20000"/>
+              <a:lumOff val="80000"/>
+            </a:schemeClr>
+          </a:solidFill>
+          <a:ln w="25400">
+            <a:solidFill>
+              <a:schemeClr val="accent2">
+                <a:lumMod val="75000"/>
+              </a:schemeClr>
+            </a:solidFill>
+          </a:ln>
+        </p:spPr>
+        <p:style>
+          <a:lnRef idx="2">
+            <a:schemeClr val="accent1">
+              <a:shade val="50000"/>
+            </a:schemeClr>
+          </a:lnRef>
+          <a:fillRef idx="1">
+            <a:schemeClr val="accent1"/>
+          </a:fillRef>
+          <a:effectRef idx="0">
+            <a:schemeClr val="accent1"/>
+          </a:effectRef>
+          <a:fontRef idx="minor">
+            <a:schemeClr val="lt1"/>
+          </a:fontRef>
+        </p:style>
+        <p:txBody>
+          <a:bodyPr rtlCol="0" anchor="ctr"/>
+          <a:lstStyle/>
+          <a:p>
+            <a:pPr algn="ctr"/>
+            <a:r>
+              <a:rPr lang="en-US" dirty="0">
+                <a:solidFill>
+                  <a:schemeClr val="tx1"/>
+                </a:solidFill>
+              </a:rPr>
+              <a:t>Tree Rep Learning</a:t>
+            </a:r>
+          </a:p>
+        </p:txBody>
+      </p:sp>
+      <p:cxnSp>
+        <p:nvCxnSpPr>
+          <p:cNvPr id="45" name="Straight Arrow Connector 44">
+            <a:extLst>
+              <a:ext uri="{FF2B5EF4-FFF2-40B4-BE49-F238E27FC236}">
+                <a16:creationId xmlns:a16="http://schemas.microsoft.com/office/drawing/2014/main" id="{B46D66FB-63ED-495E-BF5D-8F2CE178CB01}"/>
+              </a:ext>
+            </a:extLst>
+          </p:cNvPr>
+          <p:cNvCxnSpPr>
+            <a:cxnSpLocks/>
+          </p:cNvCxnSpPr>
+          <p:nvPr/>
+        </p:nvCxnSpPr>
+        <p:spPr>
+          <a:xfrm flipV="1">
+            <a:off x="1369873" y="3087687"/>
+            <a:ext cx="526304" cy="424947"/>
+          </a:xfrm>
+          <a:prstGeom prst="straightConnector1">
+            <a:avLst/>
+          </a:prstGeom>
+          <a:ln w="25400">
+            <a:tailEnd type="triangle"/>
+          </a:ln>
+        </p:spPr>
+        <p:style>
+          <a:lnRef idx="1">
+            <a:schemeClr val="accent1"/>
+          </a:lnRef>
+          <a:fillRef idx="0">
+            <a:schemeClr val="accent1"/>
+          </a:fillRef>
+          <a:effectRef idx="0">
+            <a:schemeClr val="accent1"/>
+          </a:effectRef>
+          <a:fontRef idx="minor">
+            <a:schemeClr val="tx1"/>
+          </a:fontRef>
+        </p:style>
+      </p:cxnSp>
+      <p:cxnSp>
+        <p:nvCxnSpPr>
+          <p:cNvPr id="69" name="Straight Arrow Connector 68">
+            <a:extLst>
+              <a:ext uri="{FF2B5EF4-FFF2-40B4-BE49-F238E27FC236}">
+                <a16:creationId xmlns:a16="http://schemas.microsoft.com/office/drawing/2014/main" id="{14531D7C-533B-4300-9190-F7E975DE0E4A}"/>
+              </a:ext>
+            </a:extLst>
+          </p:cNvPr>
+          <p:cNvCxnSpPr>
+            <a:cxnSpLocks/>
+          </p:cNvCxnSpPr>
+          <p:nvPr/>
+        </p:nvCxnSpPr>
+        <p:spPr>
+          <a:xfrm>
+            <a:off x="1067041" y="2898206"/>
+            <a:ext cx="0" cy="703462"/>
+          </a:xfrm>
+          <a:prstGeom prst="straightConnector1">
+            <a:avLst/>
+          </a:prstGeom>
+          <a:ln w="25400">
+            <a:headEnd type="none" w="med" len="med"/>
+            <a:tailEnd type="triangle" w="med" len="med"/>
+          </a:ln>
+        </p:spPr>
+        <p:style>
+          <a:lnRef idx="1">
+            <a:schemeClr val="accent1"/>
+          </a:lnRef>
+          <a:fillRef idx="0">
+            <a:schemeClr val="accent1"/>
+          </a:fillRef>
+          <a:effectRef idx="0">
+            <a:schemeClr val="accent1"/>
+          </a:effectRef>
+          <a:fontRef idx="minor">
+            <a:schemeClr val="tx1"/>
+          </a:fontRef>
+        </p:style>
+      </p:cxnSp>
+      <p:cxnSp>
+        <p:nvCxnSpPr>
+          <p:cNvPr id="71" name="Straight Arrow Connector 70">
+            <a:extLst>
+              <a:ext uri="{FF2B5EF4-FFF2-40B4-BE49-F238E27FC236}">
+                <a16:creationId xmlns:a16="http://schemas.microsoft.com/office/drawing/2014/main" id="{F604B536-219B-4A4F-A8A8-E5BCEC1358BD}"/>
+              </a:ext>
+            </a:extLst>
+          </p:cNvPr>
+          <p:cNvCxnSpPr>
+            <a:cxnSpLocks/>
+            <a:stCxn id="1026" idx="3"/>
+          </p:cNvCxnSpPr>
+          <p:nvPr/>
+        </p:nvCxnSpPr>
+        <p:spPr>
+          <a:xfrm>
+            <a:off x="1407249" y="2213174"/>
+            <a:ext cx="475991" cy="459247"/>
+          </a:xfrm>
+          <a:prstGeom prst="straightConnector1">
+            <a:avLst/>
+          </a:prstGeom>
+          <a:ln w="25400">
+            <a:tailEnd type="triangle"/>
+          </a:ln>
+        </p:spPr>
+        <p:style>
+          <a:lnRef idx="1">
+            <a:schemeClr val="accent1"/>
+          </a:lnRef>
+          <a:fillRef idx="0">
+            <a:schemeClr val="accent1"/>
+          </a:fillRef>
+          <a:effectRef idx="0">
+            <a:schemeClr val="accent1"/>
+          </a:effectRef>
+          <a:fontRef idx="minor">
+            <a:schemeClr val="tx1"/>
+          </a:fontRef>
+        </p:style>
+      </p:cxnSp>
+      <p:grpSp>
+        <p:nvGrpSpPr>
+          <p:cNvPr id="26" name="Group 25">
+            <a:extLst>
+              <a:ext uri="{FF2B5EF4-FFF2-40B4-BE49-F238E27FC236}">
+                <a16:creationId xmlns:a16="http://schemas.microsoft.com/office/drawing/2014/main" id="{C9C5E1EB-45B8-465C-B0B4-434626BA3FE9}"/>
+              </a:ext>
+            </a:extLst>
+          </p:cNvPr>
+          <p:cNvGrpSpPr/>
+          <p:nvPr/>
+        </p:nvGrpSpPr>
+        <p:grpSpPr>
+          <a:xfrm>
+            <a:off x="3230113" y="1722865"/>
+            <a:ext cx="1314450" cy="1191101"/>
+            <a:chOff x="3473450" y="1362075"/>
+            <a:chExt cx="1314450" cy="1191101"/>
+          </a:xfrm>
+        </p:grpSpPr>
+        <p:sp>
+          <p:nvSpPr>
+            <p:cNvPr id="6" name="Oval 5">
+              <a:extLst>
+                <a:ext uri="{FF2B5EF4-FFF2-40B4-BE49-F238E27FC236}">
+                  <a16:creationId xmlns:a16="http://schemas.microsoft.com/office/drawing/2014/main" id="{470D599C-3F89-4886-9C49-233CC1602D01}"/>
+                </a:ext>
+              </a:extLst>
+            </p:cNvPr>
+            <p:cNvSpPr/>
+            <p:nvPr/>
+          </p:nvSpPr>
+          <p:spPr>
+            <a:xfrm>
+              <a:off x="3841750" y="1362075"/>
+              <a:ext cx="190500" cy="190500"/>
+            </a:xfrm>
+            <a:prstGeom prst="ellipse">
+              <a:avLst/>
+            </a:prstGeom>
+            <a:solidFill>
+              <a:schemeClr val="accent6">
+                <a:lumMod val="40000"/>
+                <a:lumOff val="60000"/>
+              </a:schemeClr>
+            </a:solidFill>
+            <a:ln>
+              <a:solidFill>
+                <a:schemeClr val="accent6">
+                  <a:lumMod val="75000"/>
+                </a:schemeClr>
+              </a:solidFill>
+            </a:ln>
+          </p:spPr>
+          <p:style>
+            <a:lnRef idx="2">
+              <a:schemeClr val="accent1">
+                <a:shade val="50000"/>
+              </a:schemeClr>
+            </a:lnRef>
+            <a:fillRef idx="1">
+              <a:schemeClr val="accent1"/>
+            </a:fillRef>
+            <a:effectRef idx="0">
+              <a:schemeClr val="accent1"/>
+            </a:effectRef>
+            <a:fontRef idx="minor">
+              <a:schemeClr val="lt1"/>
+            </a:fontRef>
+          </p:style>
+          <p:txBody>
+            <a:bodyPr rtlCol="0" anchor="ctr"/>
+            <a:lstStyle/>
+            <a:p>
+              <a:pPr algn="ctr"/>
+              <a:endParaRPr lang="en-US"/>
+            </a:p>
+          </p:txBody>
+        </p:sp>
+        <p:sp>
+          <p:nvSpPr>
+            <p:cNvPr id="10" name="Oval 9">
+              <a:extLst>
+                <a:ext uri="{FF2B5EF4-FFF2-40B4-BE49-F238E27FC236}">
+                  <a16:creationId xmlns:a16="http://schemas.microsoft.com/office/drawing/2014/main" id="{78A16A7B-ED5A-4841-9100-606221F042A4}"/>
+                </a:ext>
+              </a:extLst>
+            </p:cNvPr>
+            <p:cNvSpPr/>
+            <p:nvPr/>
+          </p:nvSpPr>
+          <p:spPr>
+            <a:xfrm>
+              <a:off x="3473450" y="1869281"/>
+              <a:ext cx="190500" cy="190500"/>
+            </a:xfrm>
+            <a:prstGeom prst="ellipse">
+              <a:avLst/>
+            </a:prstGeom>
+            <a:solidFill>
+              <a:schemeClr val="accent6">
+                <a:lumMod val="40000"/>
+                <a:lumOff val="60000"/>
+              </a:schemeClr>
+            </a:solidFill>
+            <a:ln>
+              <a:solidFill>
+                <a:schemeClr val="accent6">
+                  <a:lumMod val="75000"/>
+                </a:schemeClr>
+              </a:solidFill>
+            </a:ln>
+          </p:spPr>
+          <p:style>
+            <a:lnRef idx="2">
+              <a:schemeClr val="accent1">
+                <a:shade val="50000"/>
+              </a:schemeClr>
+            </a:lnRef>
+            <a:fillRef idx="1">
+              <a:schemeClr val="accent1"/>
+            </a:fillRef>
+            <a:effectRef idx="0">
+              <a:schemeClr val="accent1"/>
+            </a:effectRef>
+            <a:fontRef idx="minor">
+              <a:schemeClr val="lt1"/>
+            </a:fontRef>
+          </p:style>
+          <p:txBody>
+            <a:bodyPr rtlCol="0" anchor="ctr"/>
+            <a:lstStyle/>
+            <a:p>
+              <a:pPr algn="ctr"/>
+              <a:endParaRPr lang="en-US"/>
+            </a:p>
+          </p:txBody>
+        </p:sp>
+        <p:sp>
+          <p:nvSpPr>
+            <p:cNvPr id="11" name="Oval 10">
+              <a:extLst>
+                <a:ext uri="{FF2B5EF4-FFF2-40B4-BE49-F238E27FC236}">
+                  <a16:creationId xmlns:a16="http://schemas.microsoft.com/office/drawing/2014/main" id="{DD7077DB-E4CA-42D0-8062-535BCA33231D}"/>
+                </a:ext>
+              </a:extLst>
+            </p:cNvPr>
+            <p:cNvSpPr/>
+            <p:nvPr/>
+          </p:nvSpPr>
+          <p:spPr>
+            <a:xfrm>
+              <a:off x="4222750" y="1869281"/>
+              <a:ext cx="190500" cy="190500"/>
+            </a:xfrm>
+            <a:prstGeom prst="ellipse">
+              <a:avLst/>
+            </a:prstGeom>
+            <a:solidFill>
+              <a:srgbClr val="FFC000"/>
+            </a:solidFill>
+            <a:ln>
+              <a:solidFill>
+                <a:schemeClr val="accent6">
+                  <a:lumMod val="75000"/>
+                </a:schemeClr>
+              </a:solidFill>
+            </a:ln>
+          </p:spPr>
+          <p:style>
+            <a:lnRef idx="2">
+              <a:schemeClr val="accent1">
+                <a:shade val="50000"/>
+              </a:schemeClr>
+            </a:lnRef>
+            <a:fillRef idx="1">
+              <a:schemeClr val="accent1"/>
+            </a:fillRef>
+            <a:effectRef idx="0">
+              <a:schemeClr val="accent1"/>
+            </a:effectRef>
+            <a:fontRef idx="minor">
+              <a:schemeClr val="lt1"/>
+            </a:fontRef>
+          </p:style>
+          <p:txBody>
+            <a:bodyPr rtlCol="0" anchor="ctr"/>
+            <a:lstStyle/>
+            <a:p>
+              <a:pPr algn="ctr"/>
+              <a:endParaRPr lang="en-US"/>
+            </a:p>
+          </p:txBody>
+        </p:sp>
+        <p:sp>
+          <p:nvSpPr>
+            <p:cNvPr id="12" name="Oval 11">
+              <a:extLst>
+                <a:ext uri="{FF2B5EF4-FFF2-40B4-BE49-F238E27FC236}">
+                  <a16:creationId xmlns:a16="http://schemas.microsoft.com/office/drawing/2014/main" id="{3D3CCC25-56F3-44D6-8B44-3996C81026B6}"/>
+                </a:ext>
+              </a:extLst>
+            </p:cNvPr>
+            <p:cNvSpPr/>
+            <p:nvPr/>
+          </p:nvSpPr>
+          <p:spPr>
+            <a:xfrm>
+              <a:off x="3841750" y="2362676"/>
+              <a:ext cx="190500" cy="190500"/>
+            </a:xfrm>
+            <a:prstGeom prst="ellipse">
+              <a:avLst/>
+            </a:prstGeom>
+            <a:solidFill>
+              <a:schemeClr val="accent6">
+                <a:lumMod val="40000"/>
+                <a:lumOff val="60000"/>
+              </a:schemeClr>
+            </a:solidFill>
+            <a:ln>
+              <a:solidFill>
+                <a:schemeClr val="accent6">
+                  <a:lumMod val="75000"/>
+                </a:schemeClr>
+              </a:solidFill>
+            </a:ln>
+          </p:spPr>
+          <p:style>
+            <a:lnRef idx="2">
+              <a:schemeClr val="accent1">
+                <a:shade val="50000"/>
+              </a:schemeClr>
+            </a:lnRef>
+            <a:fillRef idx="1">
+              <a:schemeClr val="accent1"/>
+            </a:fillRef>
+            <a:effectRef idx="0">
+              <a:schemeClr val="accent1"/>
+            </a:effectRef>
+            <a:fontRef idx="minor">
+              <a:schemeClr val="lt1"/>
+            </a:fontRef>
+          </p:style>
+          <p:txBody>
+            <a:bodyPr rtlCol="0" anchor="ctr"/>
+            <a:lstStyle/>
+            <a:p>
+              <a:pPr algn="ctr"/>
+              <a:endParaRPr lang="en-US"/>
+            </a:p>
+          </p:txBody>
+        </p:sp>
+        <p:sp>
+          <p:nvSpPr>
+            <p:cNvPr id="13" name="Oval 12">
+              <a:extLst>
+                <a:ext uri="{FF2B5EF4-FFF2-40B4-BE49-F238E27FC236}">
+                  <a16:creationId xmlns:a16="http://schemas.microsoft.com/office/drawing/2014/main" id="{0551262F-7014-40A1-B3DA-EBD3D5A57888}"/>
+                </a:ext>
+              </a:extLst>
+            </p:cNvPr>
+            <p:cNvSpPr/>
+            <p:nvPr/>
+          </p:nvSpPr>
+          <p:spPr>
+            <a:xfrm>
+              <a:off x="4597400" y="2362676"/>
+              <a:ext cx="190500" cy="190500"/>
+            </a:xfrm>
+            <a:prstGeom prst="ellipse">
+              <a:avLst/>
+            </a:prstGeom>
+            <a:solidFill>
+              <a:srgbClr val="FFC000"/>
+            </a:solidFill>
+            <a:ln>
+              <a:solidFill>
+                <a:schemeClr val="accent6">
+                  <a:lumMod val="75000"/>
+                </a:schemeClr>
+              </a:solidFill>
+            </a:ln>
+          </p:spPr>
+          <p:style>
+            <a:lnRef idx="2">
+              <a:schemeClr val="accent1">
+                <a:shade val="50000"/>
+              </a:schemeClr>
+            </a:lnRef>
+            <a:fillRef idx="1">
+              <a:schemeClr val="accent1"/>
+            </a:fillRef>
+            <a:effectRef idx="0">
+              <a:schemeClr val="accent1"/>
+            </a:effectRef>
+            <a:fontRef idx="minor">
+              <a:schemeClr val="lt1"/>
+            </a:fontRef>
+          </p:style>
+          <p:txBody>
+            <a:bodyPr rtlCol="0" anchor="ctr"/>
+            <a:lstStyle/>
+            <a:p>
+              <a:pPr algn="ctr"/>
+              <a:endParaRPr lang="en-US" dirty="0"/>
+            </a:p>
+          </p:txBody>
+        </p:sp>
+        <p:cxnSp>
+          <p:nvCxnSpPr>
+            <p:cNvPr id="9" name="Straight Arrow Connector 8">
+              <a:extLst>
+                <a:ext uri="{FF2B5EF4-FFF2-40B4-BE49-F238E27FC236}">
+                  <a16:creationId xmlns:a16="http://schemas.microsoft.com/office/drawing/2014/main" id="{A570A030-BD8A-40B7-886B-8931F720D89E}"/>
+                </a:ext>
+              </a:extLst>
+            </p:cNvPr>
+            <p:cNvCxnSpPr>
+              <a:cxnSpLocks/>
+              <a:stCxn id="6" idx="3"/>
+              <a:endCxn id="10" idx="6"/>
+            </p:cNvCxnSpPr>
+            <p:nvPr/>
+          </p:nvCxnSpPr>
+          <p:spPr>
+            <a:xfrm flipH="1">
+              <a:off x="3636052" y="1524677"/>
+              <a:ext cx="233596" cy="372502"/>
+            </a:xfrm>
+            <a:prstGeom prst="straightConnector1">
+              <a:avLst/>
+            </a:prstGeom>
+            <a:ln w="25400">
+              <a:tailEnd type="triangle"/>
+            </a:ln>
+          </p:spPr>
+          <p:style>
+            <a:lnRef idx="1">
+              <a:schemeClr val="accent1"/>
+            </a:lnRef>
+            <a:fillRef idx="0">
+              <a:schemeClr val="accent1"/>
+            </a:fillRef>
+            <a:effectRef idx="0">
+              <a:schemeClr val="accent1"/>
+            </a:effectRef>
+            <a:fontRef idx="minor">
+              <a:schemeClr val="tx1"/>
+            </a:fontRef>
+          </p:style>
+        </p:cxnSp>
+        <p:cxnSp>
+          <p:nvCxnSpPr>
+            <p:cNvPr id="16" name="Straight Arrow Connector 15">
+              <a:extLst>
+                <a:ext uri="{FF2B5EF4-FFF2-40B4-BE49-F238E27FC236}">
+                  <a16:creationId xmlns:a16="http://schemas.microsoft.com/office/drawing/2014/main" id="{A67836DA-BBDF-4AA1-9287-B74AADA97FDB}"/>
+                </a:ext>
+              </a:extLst>
+            </p:cNvPr>
+            <p:cNvCxnSpPr>
+              <a:cxnSpLocks/>
+              <a:stCxn id="6" idx="5"/>
+              <a:endCxn id="11" idx="1"/>
+            </p:cNvCxnSpPr>
+            <p:nvPr/>
+          </p:nvCxnSpPr>
+          <p:spPr>
+            <a:xfrm>
+              <a:off x="4004352" y="1524677"/>
+              <a:ext cx="246296" cy="372502"/>
+            </a:xfrm>
+            <a:prstGeom prst="straightConnector1">
+              <a:avLst/>
+            </a:prstGeom>
+            <a:ln w="25400">
+              <a:tailEnd type="triangle"/>
+            </a:ln>
+          </p:spPr>
+          <p:style>
+            <a:lnRef idx="1">
+              <a:schemeClr val="accent1"/>
+            </a:lnRef>
+            <a:fillRef idx="0">
+              <a:schemeClr val="accent1"/>
+            </a:fillRef>
+            <a:effectRef idx="0">
+              <a:schemeClr val="accent1"/>
+            </a:effectRef>
+            <a:fontRef idx="minor">
+              <a:schemeClr val="tx1"/>
+            </a:fontRef>
+          </p:style>
+        </p:cxnSp>
+        <p:cxnSp>
+          <p:nvCxnSpPr>
+            <p:cNvPr id="19" name="Straight Arrow Connector 18">
+              <a:extLst>
+                <a:ext uri="{FF2B5EF4-FFF2-40B4-BE49-F238E27FC236}">
+                  <a16:creationId xmlns:a16="http://schemas.microsoft.com/office/drawing/2014/main" id="{4BFCEB90-0F52-4654-BF5F-ED99ABC9EE00}"/>
+                </a:ext>
+              </a:extLst>
+            </p:cNvPr>
+            <p:cNvCxnSpPr>
+              <a:cxnSpLocks/>
+              <a:stCxn id="11" idx="3"/>
+              <a:endCxn id="12" idx="7"/>
+            </p:cNvCxnSpPr>
+            <p:nvPr/>
+          </p:nvCxnSpPr>
+          <p:spPr>
+            <a:xfrm flipH="1">
+              <a:off x="4004352" y="2031883"/>
+              <a:ext cx="246296" cy="358691"/>
+            </a:xfrm>
+            <a:prstGeom prst="straightConnector1">
+              <a:avLst/>
+            </a:prstGeom>
+            <a:ln w="25400">
+              <a:tailEnd type="triangle"/>
+            </a:ln>
+          </p:spPr>
+          <p:style>
+            <a:lnRef idx="1">
+              <a:schemeClr val="accent1"/>
+            </a:lnRef>
+            <a:fillRef idx="0">
+              <a:schemeClr val="accent1"/>
+            </a:fillRef>
+            <a:effectRef idx="0">
+              <a:schemeClr val="accent1"/>
+            </a:effectRef>
+            <a:fontRef idx="minor">
+              <a:schemeClr val="tx1"/>
+            </a:fontRef>
+          </p:style>
+        </p:cxnSp>
+        <p:cxnSp>
+          <p:nvCxnSpPr>
+            <p:cNvPr id="22" name="Straight Arrow Connector 21">
+              <a:extLst>
+                <a:ext uri="{FF2B5EF4-FFF2-40B4-BE49-F238E27FC236}">
+                  <a16:creationId xmlns:a16="http://schemas.microsoft.com/office/drawing/2014/main" id="{78729F2F-4120-4631-B35F-1DA81F1BE9A1}"/>
+                </a:ext>
+              </a:extLst>
+            </p:cNvPr>
+            <p:cNvCxnSpPr>
+              <a:cxnSpLocks/>
+              <a:stCxn id="11" idx="5"/>
+              <a:endCxn id="13" idx="1"/>
+            </p:cNvCxnSpPr>
+            <p:nvPr/>
+          </p:nvCxnSpPr>
+          <p:spPr>
+            <a:xfrm>
+              <a:off x="4385352" y="2031883"/>
+              <a:ext cx="239946" cy="358691"/>
+            </a:xfrm>
+            <a:prstGeom prst="straightConnector1">
+              <a:avLst/>
+            </a:prstGeom>
+            <a:ln w="25400">
+              <a:solidFill>
+                <a:srgbClr val="FF0000"/>
+              </a:solidFill>
+              <a:tailEnd type="triangle"/>
+            </a:ln>
+          </p:spPr>
+          <p:style>
+            <a:lnRef idx="1">
+              <a:schemeClr val="accent1"/>
+            </a:lnRef>
+            <a:fillRef idx="0">
+              <a:schemeClr val="accent1"/>
+            </a:fillRef>
+            <a:effectRef idx="0">
+              <a:schemeClr val="accent1"/>
+            </a:effectRef>
+            <a:fontRef idx="minor">
+              <a:schemeClr val="tx1"/>
+            </a:fontRef>
+          </p:style>
+        </p:cxnSp>
+      </p:grpSp>
+      <p:cxnSp>
+        <p:nvCxnSpPr>
+          <p:cNvPr id="34" name="Straight Arrow Connector 33">
+            <a:extLst>
+              <a:ext uri="{FF2B5EF4-FFF2-40B4-BE49-F238E27FC236}">
+                <a16:creationId xmlns:a16="http://schemas.microsoft.com/office/drawing/2014/main" id="{800ABE5A-ED23-4F9A-97BE-93D8F344DAF2}"/>
+              </a:ext>
+            </a:extLst>
+          </p:cNvPr>
+          <p:cNvCxnSpPr>
+            <a:cxnSpLocks/>
+            <a:stCxn id="6" idx="4"/>
+          </p:cNvCxnSpPr>
+          <p:nvPr/>
+        </p:nvCxnSpPr>
+        <p:spPr>
+          <a:xfrm>
+            <a:off x="3693663" y="1913365"/>
+            <a:ext cx="0" cy="353860"/>
+          </a:xfrm>
+          <a:prstGeom prst="straightConnector1">
+            <a:avLst/>
+          </a:prstGeom>
+          <a:ln w="12700">
+            <a:tailEnd type="triangle"/>
+          </a:ln>
+        </p:spPr>
+        <p:style>
+          <a:lnRef idx="1">
+            <a:schemeClr val="accent1"/>
+          </a:lnRef>
+          <a:fillRef idx="0">
+            <a:schemeClr val="accent1"/>
+          </a:fillRef>
+          <a:effectRef idx="0">
+            <a:schemeClr val="accent1"/>
+          </a:effectRef>
+          <a:fontRef idx="minor">
+            <a:schemeClr val="tx1"/>
+          </a:fontRef>
+        </p:style>
+      </p:cxnSp>
+      <p:cxnSp>
+        <p:nvCxnSpPr>
+          <p:cNvPr id="80" name="Straight Arrow Connector 79">
+            <a:extLst>
+              <a:ext uri="{FF2B5EF4-FFF2-40B4-BE49-F238E27FC236}">
+                <a16:creationId xmlns:a16="http://schemas.microsoft.com/office/drawing/2014/main" id="{A1D73F36-E776-4ED8-AACF-B1FD34EBCB56}"/>
+              </a:ext>
+            </a:extLst>
+          </p:cNvPr>
+          <p:cNvCxnSpPr/>
+          <p:nvPr/>
+        </p:nvCxnSpPr>
+        <p:spPr>
+          <a:xfrm flipV="1">
+            <a:off x="3018685" y="2887518"/>
+            <a:ext cx="332860" cy="2649"/>
+          </a:xfrm>
+          <a:prstGeom prst="straightConnector1">
+            <a:avLst/>
+          </a:prstGeom>
+          <a:ln w="25400">
+            <a:tailEnd type="triangle"/>
+          </a:ln>
+        </p:spPr>
+        <p:style>
+          <a:lnRef idx="1">
+            <a:schemeClr val="accent1"/>
+          </a:lnRef>
+          <a:fillRef idx="0">
+            <a:schemeClr val="accent1"/>
+          </a:fillRef>
+          <a:effectRef idx="0">
+            <a:schemeClr val="accent1"/>
+          </a:effectRef>
+          <a:fontRef idx="minor">
+            <a:schemeClr val="tx1"/>
+          </a:fontRef>
+        </p:style>
+      </p:cxnSp>
+      <p:cxnSp>
+        <p:nvCxnSpPr>
+          <p:cNvPr id="111" name="Straight Arrow Connector 110">
+            <a:extLst>
+              <a:ext uri="{FF2B5EF4-FFF2-40B4-BE49-F238E27FC236}">
+                <a16:creationId xmlns:a16="http://schemas.microsoft.com/office/drawing/2014/main" id="{1671B46B-0761-4984-BC79-3FC406BE6EDC}"/>
+              </a:ext>
+            </a:extLst>
+          </p:cNvPr>
+          <p:cNvCxnSpPr>
+            <a:cxnSpLocks/>
+          </p:cNvCxnSpPr>
+          <p:nvPr/>
+        </p:nvCxnSpPr>
+        <p:spPr>
+          <a:xfrm flipH="1">
+            <a:off x="6817240" y="2071717"/>
+            <a:ext cx="368300" cy="1"/>
+          </a:xfrm>
+          <a:prstGeom prst="straightConnector1">
+            <a:avLst/>
+          </a:prstGeom>
+          <a:ln w="25400">
+            <a:tailEnd type="triangle"/>
+          </a:ln>
+        </p:spPr>
+        <p:style>
+          <a:lnRef idx="1">
+            <a:schemeClr val="accent1"/>
+          </a:lnRef>
+          <a:fillRef idx="0">
+            <a:schemeClr val="accent1"/>
+          </a:fillRef>
+          <a:effectRef idx="0">
+            <a:schemeClr val="accent1"/>
+          </a:effectRef>
+          <a:fontRef idx="minor">
+            <a:schemeClr val="tx1"/>
+          </a:fontRef>
+        </p:style>
+      </p:cxnSp>
+      <p:grpSp>
+        <p:nvGrpSpPr>
+          <p:cNvPr id="98" name="Group 97">
+            <a:extLst>
+              <a:ext uri="{FF2B5EF4-FFF2-40B4-BE49-F238E27FC236}">
+                <a16:creationId xmlns:a16="http://schemas.microsoft.com/office/drawing/2014/main" id="{7A60005C-BF80-4A5F-B7FC-0DB985BA956C}"/>
+              </a:ext>
+            </a:extLst>
+          </p:cNvPr>
+          <p:cNvGrpSpPr/>
+          <p:nvPr/>
+        </p:nvGrpSpPr>
+        <p:grpSpPr>
+          <a:xfrm>
+            <a:off x="7214290" y="1713617"/>
+            <a:ext cx="1151848" cy="1191101"/>
+            <a:chOff x="3473450" y="1362075"/>
+            <a:chExt cx="1151848" cy="1191101"/>
+          </a:xfrm>
+        </p:grpSpPr>
+        <p:sp>
+          <p:nvSpPr>
+            <p:cNvPr id="100" name="Oval 99">
+              <a:extLst>
+                <a:ext uri="{FF2B5EF4-FFF2-40B4-BE49-F238E27FC236}">
+                  <a16:creationId xmlns:a16="http://schemas.microsoft.com/office/drawing/2014/main" id="{37825BF5-8DF9-4C40-949A-C43DDCA6E08C}"/>
+                </a:ext>
+              </a:extLst>
+            </p:cNvPr>
+            <p:cNvSpPr/>
+            <p:nvPr/>
+          </p:nvSpPr>
+          <p:spPr>
+            <a:xfrm>
+              <a:off x="3841750" y="1362075"/>
+              <a:ext cx="190500" cy="190500"/>
+            </a:xfrm>
+            <a:prstGeom prst="ellipse">
+              <a:avLst/>
+            </a:prstGeom>
+            <a:solidFill>
+              <a:schemeClr val="accent6">
+                <a:lumMod val="40000"/>
+                <a:lumOff val="60000"/>
+              </a:schemeClr>
+            </a:solidFill>
+            <a:ln>
+              <a:solidFill>
+                <a:schemeClr val="accent6">
+                  <a:lumMod val="75000"/>
+                </a:schemeClr>
+              </a:solidFill>
+            </a:ln>
+          </p:spPr>
+          <p:style>
+            <a:lnRef idx="2">
+              <a:schemeClr val="accent1">
+                <a:shade val="50000"/>
+              </a:schemeClr>
+            </a:lnRef>
+            <a:fillRef idx="1">
+              <a:schemeClr val="accent1"/>
+            </a:fillRef>
+            <a:effectRef idx="0">
+              <a:schemeClr val="accent1"/>
+            </a:effectRef>
+            <a:fontRef idx="minor">
+              <a:schemeClr val="lt1"/>
+            </a:fontRef>
+          </p:style>
+          <p:txBody>
+            <a:bodyPr rtlCol="0" anchor="ctr"/>
+            <a:lstStyle/>
+            <a:p>
+              <a:pPr algn="ctr"/>
+              <a:endParaRPr lang="en-US"/>
+            </a:p>
+          </p:txBody>
+        </p:sp>
+        <p:sp>
+          <p:nvSpPr>
+            <p:cNvPr id="101" name="Oval 100">
+              <a:extLst>
+                <a:ext uri="{FF2B5EF4-FFF2-40B4-BE49-F238E27FC236}">
+                  <a16:creationId xmlns:a16="http://schemas.microsoft.com/office/drawing/2014/main" id="{4135860D-F88C-4583-85F5-57509D219125}"/>
+                </a:ext>
+              </a:extLst>
+            </p:cNvPr>
+            <p:cNvSpPr/>
+            <p:nvPr/>
+          </p:nvSpPr>
+          <p:spPr>
+            <a:xfrm>
+              <a:off x="3473450" y="1869281"/>
+              <a:ext cx="190500" cy="190500"/>
+            </a:xfrm>
+            <a:prstGeom prst="ellipse">
+              <a:avLst/>
+            </a:prstGeom>
+            <a:solidFill>
+              <a:schemeClr val="accent6">
+                <a:lumMod val="40000"/>
+                <a:lumOff val="60000"/>
+              </a:schemeClr>
+            </a:solidFill>
+            <a:ln>
+              <a:solidFill>
+                <a:schemeClr val="accent6">
+                  <a:lumMod val="75000"/>
+                </a:schemeClr>
+              </a:solidFill>
+            </a:ln>
+          </p:spPr>
+          <p:style>
+            <a:lnRef idx="2">
+              <a:schemeClr val="accent1">
+                <a:shade val="50000"/>
+              </a:schemeClr>
+            </a:lnRef>
+            <a:fillRef idx="1">
+              <a:schemeClr val="accent1"/>
+            </a:fillRef>
+            <a:effectRef idx="0">
+              <a:schemeClr val="accent1"/>
+            </a:effectRef>
+            <a:fontRef idx="minor">
+              <a:schemeClr val="lt1"/>
+            </a:fontRef>
+          </p:style>
+          <p:txBody>
+            <a:bodyPr rtlCol="0" anchor="ctr"/>
+            <a:lstStyle/>
+            <a:p>
+              <a:pPr algn="ctr"/>
+              <a:endParaRPr lang="en-US"/>
+            </a:p>
+          </p:txBody>
+        </p:sp>
+        <p:sp>
+          <p:nvSpPr>
+            <p:cNvPr id="103" name="Oval 102">
+              <a:extLst>
+                <a:ext uri="{FF2B5EF4-FFF2-40B4-BE49-F238E27FC236}">
+                  <a16:creationId xmlns:a16="http://schemas.microsoft.com/office/drawing/2014/main" id="{CD343876-6D97-4973-A25E-7CF146F9F827}"/>
+                </a:ext>
+              </a:extLst>
+            </p:cNvPr>
+            <p:cNvSpPr/>
+            <p:nvPr/>
+          </p:nvSpPr>
+          <p:spPr>
+            <a:xfrm>
+              <a:off x="3841750" y="2362676"/>
+              <a:ext cx="190500" cy="190500"/>
+            </a:xfrm>
+            <a:prstGeom prst="ellipse">
+              <a:avLst/>
+            </a:prstGeom>
+            <a:solidFill>
+              <a:schemeClr val="accent6">
+                <a:lumMod val="40000"/>
+                <a:lumOff val="60000"/>
+              </a:schemeClr>
+            </a:solidFill>
+            <a:ln>
+              <a:solidFill>
+                <a:schemeClr val="accent6">
+                  <a:lumMod val="75000"/>
+                </a:schemeClr>
+              </a:solidFill>
+            </a:ln>
+          </p:spPr>
+          <p:style>
+            <a:lnRef idx="2">
+              <a:schemeClr val="accent1">
+                <a:shade val="50000"/>
+              </a:schemeClr>
+            </a:lnRef>
+            <a:fillRef idx="1">
+              <a:schemeClr val="accent1"/>
+            </a:fillRef>
+            <a:effectRef idx="0">
+              <a:schemeClr val="accent1"/>
+            </a:effectRef>
+            <a:fontRef idx="minor">
+              <a:schemeClr val="lt1"/>
+            </a:fontRef>
+          </p:style>
+          <p:txBody>
+            <a:bodyPr rtlCol="0" anchor="ctr"/>
+            <a:lstStyle/>
+            <a:p>
+              <a:pPr algn="ctr"/>
+              <a:endParaRPr lang="en-US"/>
+            </a:p>
+          </p:txBody>
+        </p:sp>
+        <p:cxnSp>
+          <p:nvCxnSpPr>
+            <p:cNvPr id="105" name="Straight Arrow Connector 104">
+              <a:extLst>
+                <a:ext uri="{FF2B5EF4-FFF2-40B4-BE49-F238E27FC236}">
+                  <a16:creationId xmlns:a16="http://schemas.microsoft.com/office/drawing/2014/main" id="{47896730-4B6E-4D6F-9D0F-773801307D90}"/>
+                </a:ext>
+              </a:extLst>
+            </p:cNvPr>
+            <p:cNvCxnSpPr>
+              <a:stCxn id="100" idx="3"/>
+              <a:endCxn id="101" idx="6"/>
+            </p:cNvCxnSpPr>
+            <p:nvPr/>
+          </p:nvCxnSpPr>
+          <p:spPr>
+            <a:xfrm flipH="1">
+              <a:off x="3636052" y="1524677"/>
+              <a:ext cx="233596" cy="372502"/>
+            </a:xfrm>
+            <a:prstGeom prst="straightConnector1">
+              <a:avLst/>
+            </a:prstGeom>
+            <a:ln w="25400">
+              <a:tailEnd type="triangle"/>
+            </a:ln>
+          </p:spPr>
+          <p:style>
+            <a:lnRef idx="1">
+              <a:schemeClr val="accent1"/>
+            </a:lnRef>
+            <a:fillRef idx="0">
+              <a:schemeClr val="accent1"/>
+            </a:fillRef>
+            <a:effectRef idx="0">
+              <a:schemeClr val="accent1"/>
+            </a:effectRef>
+            <a:fontRef idx="minor">
+              <a:schemeClr val="tx1"/>
+            </a:fontRef>
+          </p:style>
+        </p:cxnSp>
+        <p:cxnSp>
+          <p:nvCxnSpPr>
+            <p:cNvPr id="106" name="Straight Arrow Connector 105">
+              <a:extLst>
+                <a:ext uri="{FF2B5EF4-FFF2-40B4-BE49-F238E27FC236}">
+                  <a16:creationId xmlns:a16="http://schemas.microsoft.com/office/drawing/2014/main" id="{D71847B8-D3B4-4C67-AE56-3D95F4A01658}"/>
+                </a:ext>
+              </a:extLst>
+            </p:cNvPr>
+            <p:cNvCxnSpPr>
+              <a:cxnSpLocks/>
+              <a:stCxn id="100" idx="5"/>
+            </p:cNvCxnSpPr>
+            <p:nvPr/>
+          </p:nvCxnSpPr>
+          <p:spPr>
+            <a:xfrm>
+              <a:off x="4004352" y="1524677"/>
+              <a:ext cx="246296" cy="372502"/>
+            </a:xfrm>
+            <a:prstGeom prst="straightConnector1">
+              <a:avLst/>
+            </a:prstGeom>
+            <a:ln w="25400">
+              <a:tailEnd type="triangle"/>
+            </a:ln>
+          </p:spPr>
+          <p:style>
+            <a:lnRef idx="1">
+              <a:schemeClr val="accent1"/>
+            </a:lnRef>
+            <a:fillRef idx="0">
+              <a:schemeClr val="accent1"/>
+            </a:fillRef>
+            <a:effectRef idx="0">
+              <a:schemeClr val="accent1"/>
+            </a:effectRef>
+            <a:fontRef idx="minor">
+              <a:schemeClr val="tx1"/>
+            </a:fontRef>
+          </p:style>
+        </p:cxnSp>
+        <p:cxnSp>
+          <p:nvCxnSpPr>
+            <p:cNvPr id="107" name="Straight Arrow Connector 106">
+              <a:extLst>
+                <a:ext uri="{FF2B5EF4-FFF2-40B4-BE49-F238E27FC236}">
+                  <a16:creationId xmlns:a16="http://schemas.microsoft.com/office/drawing/2014/main" id="{418EA2D4-3D5F-4CD9-B8F9-C667C7A4B08D}"/>
+                </a:ext>
+              </a:extLst>
+            </p:cNvPr>
+            <p:cNvCxnSpPr>
+              <a:cxnSpLocks/>
+              <a:endCxn id="103" idx="7"/>
+            </p:cNvCxnSpPr>
+            <p:nvPr/>
+          </p:nvCxnSpPr>
+          <p:spPr>
+            <a:xfrm flipH="1">
+              <a:off x="4004352" y="2031883"/>
+              <a:ext cx="246296" cy="358691"/>
+            </a:xfrm>
+            <a:prstGeom prst="straightConnector1">
+              <a:avLst/>
+            </a:prstGeom>
+            <a:ln w="25400">
+              <a:tailEnd type="triangle"/>
+            </a:ln>
+          </p:spPr>
+          <p:style>
+            <a:lnRef idx="1">
+              <a:schemeClr val="accent1"/>
+            </a:lnRef>
+            <a:fillRef idx="0">
+              <a:schemeClr val="accent1"/>
+            </a:fillRef>
+            <a:effectRef idx="0">
+              <a:schemeClr val="accent1"/>
+            </a:effectRef>
+            <a:fontRef idx="minor">
+              <a:schemeClr val="tx1"/>
+            </a:fontRef>
+          </p:style>
+        </p:cxnSp>
+        <p:cxnSp>
+          <p:nvCxnSpPr>
+            <p:cNvPr id="108" name="Straight Arrow Connector 107">
+              <a:extLst>
+                <a:ext uri="{FF2B5EF4-FFF2-40B4-BE49-F238E27FC236}">
+                  <a16:creationId xmlns:a16="http://schemas.microsoft.com/office/drawing/2014/main" id="{870D8B2F-0C38-4196-9F2F-2E9766576409}"/>
+                </a:ext>
+              </a:extLst>
+            </p:cNvPr>
+            <p:cNvCxnSpPr>
+              <a:cxnSpLocks/>
+            </p:cNvCxnSpPr>
+            <p:nvPr/>
+          </p:nvCxnSpPr>
+          <p:spPr>
+            <a:xfrm>
+              <a:off x="4385352" y="2031883"/>
+              <a:ext cx="239946" cy="358691"/>
+            </a:xfrm>
+            <a:prstGeom prst="straightConnector1">
+              <a:avLst/>
+            </a:prstGeom>
+            <a:ln w="25400">
+              <a:solidFill>
+                <a:srgbClr val="0070C0"/>
+              </a:solidFill>
+              <a:tailEnd type="triangle"/>
+            </a:ln>
+          </p:spPr>
+          <p:style>
+            <a:lnRef idx="1">
+              <a:schemeClr val="accent1"/>
+            </a:lnRef>
+            <a:fillRef idx="0">
+              <a:schemeClr val="accent1"/>
+            </a:fillRef>
+            <a:effectRef idx="0">
+              <a:schemeClr val="accent1"/>
+            </a:effectRef>
+            <a:fontRef idx="minor">
+              <a:schemeClr val="tx1"/>
+            </a:fontRef>
+          </p:style>
+        </p:cxnSp>
+      </p:grpSp>
+      <p:sp>
+        <p:nvSpPr>
+          <p:cNvPr id="99" name="TextBox 98">
+            <a:extLst>
+              <a:ext uri="{FF2B5EF4-FFF2-40B4-BE49-F238E27FC236}">
+                <a16:creationId xmlns:a16="http://schemas.microsoft.com/office/drawing/2014/main" id="{7C73FF0B-17B1-415B-940F-71BD1A376589}"/>
+              </a:ext>
+            </a:extLst>
+          </p:cNvPr>
+          <p:cNvSpPr txBox="1"/>
+          <p:nvPr/>
+        </p:nvSpPr>
+        <p:spPr>
+          <a:xfrm>
+            <a:off x="7769826" y="1669996"/>
+            <a:ext cx="952678" cy="369332"/>
+          </a:xfrm>
+          <a:prstGeom prst="rect">
+            <a:avLst/>
+          </a:prstGeom>
+          <a:noFill/>
+        </p:spPr>
+        <p:txBody>
+          <a:bodyPr wrap="square" rtlCol="0">
+            <a:spAutoFit/>
+          </a:bodyPr>
+          <a:lstStyle/>
+          <a:p>
+            <a:pPr algn="ctr"/>
+            <a:r>
+              <a:rPr lang="en-US" b="1" i="1" dirty="0"/>
+              <a:t>Context</a:t>
+            </a:r>
+          </a:p>
+        </p:txBody>
+      </p:sp>
+      <p:cxnSp>
+        <p:nvCxnSpPr>
+          <p:cNvPr id="97" name="Straight Arrow Connector 96">
+            <a:extLst>
+              <a:ext uri="{FF2B5EF4-FFF2-40B4-BE49-F238E27FC236}">
+                <a16:creationId xmlns:a16="http://schemas.microsoft.com/office/drawing/2014/main" id="{55317DA4-035D-45BC-9EEA-D63B59815E1F}"/>
+              </a:ext>
+            </a:extLst>
+          </p:cNvPr>
+          <p:cNvCxnSpPr>
+            <a:cxnSpLocks/>
+            <a:stCxn id="100" idx="4"/>
+          </p:cNvCxnSpPr>
+          <p:nvPr/>
+        </p:nvCxnSpPr>
+        <p:spPr>
+          <a:xfrm>
+            <a:off x="7677840" y="1904117"/>
+            <a:ext cx="0" cy="353860"/>
+          </a:xfrm>
+          <a:prstGeom prst="straightConnector1">
+            <a:avLst/>
+          </a:prstGeom>
+          <a:ln w="12700">
+            <a:tailEnd type="triangle"/>
+          </a:ln>
+        </p:spPr>
+        <p:style>
+          <a:lnRef idx="1">
+            <a:schemeClr val="accent1"/>
+          </a:lnRef>
+          <a:fillRef idx="0">
+            <a:schemeClr val="accent1"/>
+          </a:fillRef>
+          <a:effectRef idx="0">
+            <a:schemeClr val="accent1"/>
+          </a:effectRef>
+          <a:fontRef idx="minor">
+            <a:schemeClr val="tx1"/>
+          </a:fontRef>
+        </p:style>
+      </p:cxnSp>
+      <p:sp>
+        <p:nvSpPr>
+          <p:cNvPr id="113" name="Oval 112">
+            <a:extLst>
+              <a:ext uri="{FF2B5EF4-FFF2-40B4-BE49-F238E27FC236}">
+                <a16:creationId xmlns:a16="http://schemas.microsoft.com/office/drawing/2014/main" id="{41FEBBB0-0CA4-446E-A301-66AFE2A021D3}"/>
+              </a:ext>
+            </a:extLst>
+          </p:cNvPr>
+          <p:cNvSpPr/>
+          <p:nvPr/>
+        </p:nvSpPr>
+        <p:spPr>
+          <a:xfrm>
+            <a:off x="7958092" y="2216320"/>
+            <a:ext cx="190500" cy="190500"/>
+          </a:xfrm>
+          <a:prstGeom prst="ellipse">
+            <a:avLst/>
+          </a:prstGeom>
+          <a:solidFill>
+            <a:schemeClr val="accent6">
+              <a:lumMod val="40000"/>
+              <a:lumOff val="60000"/>
+            </a:schemeClr>
+          </a:solidFill>
+          <a:ln>
+            <a:solidFill>
+              <a:schemeClr val="accent6">
+                <a:lumMod val="75000"/>
+              </a:schemeClr>
+            </a:solidFill>
+          </a:ln>
+        </p:spPr>
+        <p:style>
+          <a:lnRef idx="2">
+            <a:schemeClr val="accent1">
+              <a:shade val="50000"/>
+            </a:schemeClr>
+          </a:lnRef>
+          <a:fillRef idx="1">
+            <a:schemeClr val="accent1"/>
+          </a:fillRef>
+          <a:effectRef idx="0">
+            <a:schemeClr val="accent1"/>
+          </a:effectRef>
+          <a:fontRef idx="minor">
+            <a:schemeClr val="lt1"/>
+          </a:fontRef>
+        </p:style>
+        <p:txBody>
+          <a:bodyPr rtlCol="0" anchor="ctr"/>
+          <a:lstStyle/>
+          <a:p>
+            <a:pPr algn="ctr"/>
+            <a:endParaRPr lang="en-US"/>
+          </a:p>
+        </p:txBody>
+      </p:sp>
+      <p:sp>
+        <p:nvSpPr>
+          <p:cNvPr id="114" name="Oval 113">
+            <a:extLst>
+              <a:ext uri="{FF2B5EF4-FFF2-40B4-BE49-F238E27FC236}">
+                <a16:creationId xmlns:a16="http://schemas.microsoft.com/office/drawing/2014/main" id="{C16FEF62-917A-4417-95CB-1C6132E32A14}"/>
+              </a:ext>
+            </a:extLst>
+          </p:cNvPr>
+          <p:cNvSpPr/>
+          <p:nvPr/>
+        </p:nvSpPr>
+        <p:spPr>
+          <a:xfrm>
+            <a:off x="8308436" y="2728445"/>
+            <a:ext cx="190500" cy="190500"/>
+          </a:xfrm>
+          <a:prstGeom prst="ellipse">
+            <a:avLst/>
+          </a:prstGeom>
+          <a:solidFill>
+            <a:schemeClr val="accent6">
+              <a:lumMod val="40000"/>
+              <a:lumOff val="60000"/>
+            </a:schemeClr>
+          </a:solidFill>
+          <a:ln>
+            <a:solidFill>
+              <a:schemeClr val="accent6">
+                <a:lumMod val="75000"/>
+              </a:schemeClr>
+            </a:solidFill>
+          </a:ln>
+        </p:spPr>
+        <p:style>
+          <a:lnRef idx="2">
+            <a:schemeClr val="accent1">
+              <a:shade val="50000"/>
+            </a:schemeClr>
+          </a:lnRef>
+          <a:fillRef idx="1">
+            <a:schemeClr val="accent1"/>
+          </a:fillRef>
+          <a:effectRef idx="0">
+            <a:schemeClr val="accent1"/>
+          </a:effectRef>
+          <a:fontRef idx="minor">
+            <a:schemeClr val="lt1"/>
+          </a:fontRef>
+        </p:style>
+        <p:txBody>
+          <a:bodyPr rtlCol="0" anchor="ctr"/>
+          <a:lstStyle/>
+          <a:p>
+            <a:pPr algn="ctr"/>
+            <a:endParaRPr lang="en-US"/>
+          </a:p>
+        </p:txBody>
+      </p:sp>
+      <p:grpSp>
+        <p:nvGrpSpPr>
+          <p:cNvPr id="116" name="Group 115">
+            <a:extLst>
+              <a:ext uri="{FF2B5EF4-FFF2-40B4-BE49-F238E27FC236}">
+                <a16:creationId xmlns:a16="http://schemas.microsoft.com/office/drawing/2014/main" id="{E18D2C30-1919-4D91-B872-266D681753A4}"/>
+              </a:ext>
+            </a:extLst>
+          </p:cNvPr>
+          <p:cNvGrpSpPr/>
+          <p:nvPr/>
+        </p:nvGrpSpPr>
+        <p:grpSpPr>
+          <a:xfrm>
+            <a:off x="7549317" y="3322134"/>
+            <a:ext cx="939800" cy="697706"/>
+            <a:chOff x="3473450" y="1362075"/>
+            <a:chExt cx="939800" cy="697706"/>
+          </a:xfrm>
+        </p:grpSpPr>
+        <p:sp>
+          <p:nvSpPr>
+            <p:cNvPr id="117" name="Oval 116">
+              <a:extLst>
+                <a:ext uri="{FF2B5EF4-FFF2-40B4-BE49-F238E27FC236}">
+                  <a16:creationId xmlns:a16="http://schemas.microsoft.com/office/drawing/2014/main" id="{82E609CE-8429-4961-9206-89EDB63AEB74}"/>
+                </a:ext>
+              </a:extLst>
+            </p:cNvPr>
+            <p:cNvSpPr/>
+            <p:nvPr/>
+          </p:nvSpPr>
+          <p:spPr>
+            <a:xfrm>
+              <a:off x="3841750" y="1362075"/>
+              <a:ext cx="190500" cy="190500"/>
+            </a:xfrm>
+            <a:prstGeom prst="ellipse">
+              <a:avLst/>
+            </a:prstGeom>
+            <a:solidFill>
+              <a:schemeClr val="accent6">
+                <a:lumMod val="40000"/>
+                <a:lumOff val="60000"/>
+              </a:schemeClr>
+            </a:solidFill>
+            <a:ln>
+              <a:solidFill>
+                <a:schemeClr val="accent6">
+                  <a:lumMod val="75000"/>
+                </a:schemeClr>
+              </a:solidFill>
+            </a:ln>
+          </p:spPr>
+          <p:style>
+            <a:lnRef idx="2">
+              <a:schemeClr val="accent1">
+                <a:shade val="50000"/>
+              </a:schemeClr>
+            </a:lnRef>
+            <a:fillRef idx="1">
+              <a:schemeClr val="accent1"/>
+            </a:fillRef>
+            <a:effectRef idx="0">
+              <a:schemeClr val="accent1"/>
+            </a:effectRef>
+            <a:fontRef idx="minor">
+              <a:schemeClr val="lt1"/>
+            </a:fontRef>
+          </p:style>
+          <p:txBody>
+            <a:bodyPr rtlCol="0" anchor="ctr"/>
+            <a:lstStyle/>
+            <a:p>
+              <a:pPr algn="ctr"/>
+              <a:endParaRPr lang="en-US"/>
+            </a:p>
+          </p:txBody>
+        </p:sp>
+        <p:sp>
+          <p:nvSpPr>
+            <p:cNvPr id="118" name="Oval 117">
+              <a:extLst>
+                <a:ext uri="{FF2B5EF4-FFF2-40B4-BE49-F238E27FC236}">
+                  <a16:creationId xmlns:a16="http://schemas.microsoft.com/office/drawing/2014/main" id="{94112A37-27C8-4E77-8D89-A9D12BEA3706}"/>
+                </a:ext>
+              </a:extLst>
+            </p:cNvPr>
+            <p:cNvSpPr/>
+            <p:nvPr/>
+          </p:nvSpPr>
+          <p:spPr>
+            <a:xfrm>
+              <a:off x="3473450" y="1869281"/>
+              <a:ext cx="190500" cy="190500"/>
+            </a:xfrm>
+            <a:prstGeom prst="ellipse">
+              <a:avLst/>
+            </a:prstGeom>
+            <a:solidFill>
+              <a:schemeClr val="accent6">
+                <a:lumMod val="40000"/>
+                <a:lumOff val="60000"/>
+              </a:schemeClr>
+            </a:solidFill>
+            <a:ln>
+              <a:solidFill>
+                <a:schemeClr val="accent6">
+                  <a:lumMod val="75000"/>
+                </a:schemeClr>
+              </a:solidFill>
+            </a:ln>
+          </p:spPr>
+          <p:style>
+            <a:lnRef idx="2">
+              <a:schemeClr val="accent1">
+                <a:shade val="50000"/>
+              </a:schemeClr>
+            </a:lnRef>
+            <a:fillRef idx="1">
+              <a:schemeClr val="accent1"/>
+            </a:fillRef>
+            <a:effectRef idx="0">
+              <a:schemeClr val="accent1"/>
+            </a:effectRef>
+            <a:fontRef idx="minor">
+              <a:schemeClr val="lt1"/>
+            </a:fontRef>
+          </p:style>
+          <p:txBody>
+            <a:bodyPr rtlCol="0" anchor="ctr"/>
+            <a:lstStyle/>
+            <a:p>
+              <a:pPr algn="ctr"/>
+              <a:endParaRPr lang="en-US"/>
+            </a:p>
+          </p:txBody>
+        </p:sp>
+        <p:sp>
+          <p:nvSpPr>
+            <p:cNvPr id="119" name="Oval 118">
+              <a:extLst>
+                <a:ext uri="{FF2B5EF4-FFF2-40B4-BE49-F238E27FC236}">
+                  <a16:creationId xmlns:a16="http://schemas.microsoft.com/office/drawing/2014/main" id="{A761DB97-8790-495A-9F04-DECDE891203B}"/>
+                </a:ext>
+              </a:extLst>
+            </p:cNvPr>
+            <p:cNvSpPr/>
+            <p:nvPr/>
+          </p:nvSpPr>
+          <p:spPr>
+            <a:xfrm>
+              <a:off x="4222750" y="1869281"/>
+              <a:ext cx="190500" cy="190500"/>
+            </a:xfrm>
+            <a:prstGeom prst="ellipse">
+              <a:avLst/>
+            </a:prstGeom>
+            <a:solidFill>
+              <a:schemeClr val="accent6">
+                <a:lumMod val="40000"/>
+                <a:lumOff val="60000"/>
+              </a:schemeClr>
+            </a:solidFill>
+            <a:ln>
+              <a:solidFill>
+                <a:schemeClr val="accent6">
+                  <a:lumMod val="75000"/>
+                </a:schemeClr>
+              </a:solidFill>
+            </a:ln>
+          </p:spPr>
+          <p:style>
+            <a:lnRef idx="2">
+              <a:schemeClr val="accent1">
+                <a:shade val="50000"/>
+              </a:schemeClr>
+            </a:lnRef>
+            <a:fillRef idx="1">
+              <a:schemeClr val="accent1"/>
+            </a:fillRef>
+            <a:effectRef idx="0">
+              <a:schemeClr val="accent1"/>
+            </a:effectRef>
+            <a:fontRef idx="minor">
+              <a:schemeClr val="lt1"/>
+            </a:fontRef>
+          </p:style>
+          <p:txBody>
+            <a:bodyPr rtlCol="0" anchor="ctr"/>
+            <a:lstStyle/>
+            <a:p>
+              <a:pPr algn="ctr"/>
+              <a:endParaRPr lang="en-US"/>
+            </a:p>
+          </p:txBody>
+        </p:sp>
+        <p:cxnSp>
+          <p:nvCxnSpPr>
+            <p:cNvPr id="120" name="Straight Arrow Connector 119">
+              <a:extLst>
+                <a:ext uri="{FF2B5EF4-FFF2-40B4-BE49-F238E27FC236}">
+                  <a16:creationId xmlns:a16="http://schemas.microsoft.com/office/drawing/2014/main" id="{E7FA53FD-F103-43F5-8B05-DB4885747AE7}"/>
+                </a:ext>
+              </a:extLst>
+            </p:cNvPr>
+            <p:cNvCxnSpPr>
+              <a:stCxn id="117" idx="3"/>
+              <a:endCxn id="118" idx="6"/>
+            </p:cNvCxnSpPr>
+            <p:nvPr/>
+          </p:nvCxnSpPr>
+          <p:spPr>
+            <a:xfrm flipH="1">
+              <a:off x="3636052" y="1524677"/>
+              <a:ext cx="233596" cy="372502"/>
+            </a:xfrm>
+            <a:prstGeom prst="straightConnector1">
+              <a:avLst/>
+            </a:prstGeom>
+            <a:ln w="25400">
+              <a:tailEnd type="triangle"/>
+            </a:ln>
+          </p:spPr>
+          <p:style>
+            <a:lnRef idx="1">
+              <a:schemeClr val="accent1"/>
+            </a:lnRef>
+            <a:fillRef idx="0">
+              <a:schemeClr val="accent1"/>
+            </a:fillRef>
+            <a:effectRef idx="0">
+              <a:schemeClr val="accent1"/>
+            </a:effectRef>
+            <a:fontRef idx="minor">
+              <a:schemeClr val="tx1"/>
+            </a:fontRef>
+          </p:style>
+        </p:cxnSp>
+        <p:cxnSp>
+          <p:nvCxnSpPr>
+            <p:cNvPr id="121" name="Straight Arrow Connector 120">
+              <a:extLst>
+                <a:ext uri="{FF2B5EF4-FFF2-40B4-BE49-F238E27FC236}">
+                  <a16:creationId xmlns:a16="http://schemas.microsoft.com/office/drawing/2014/main" id="{295F335D-6DFB-4616-8B63-2D631663C6EB}"/>
+                </a:ext>
+              </a:extLst>
+            </p:cNvPr>
+            <p:cNvCxnSpPr>
+              <a:cxnSpLocks/>
+              <a:stCxn id="117" idx="5"/>
+              <a:endCxn id="119" idx="1"/>
+            </p:cNvCxnSpPr>
+            <p:nvPr/>
+          </p:nvCxnSpPr>
+          <p:spPr>
+            <a:xfrm>
+              <a:off x="4004352" y="1524677"/>
+              <a:ext cx="246296" cy="372502"/>
+            </a:xfrm>
+            <a:prstGeom prst="straightConnector1">
+              <a:avLst/>
+            </a:prstGeom>
+            <a:ln w="25400">
+              <a:solidFill>
+                <a:srgbClr val="0070C0"/>
+              </a:solidFill>
+              <a:tailEnd type="triangle"/>
+            </a:ln>
+          </p:spPr>
+          <p:style>
+            <a:lnRef idx="1">
+              <a:schemeClr val="accent1"/>
+            </a:lnRef>
+            <a:fillRef idx="0">
+              <a:schemeClr val="accent1"/>
+            </a:fillRef>
+            <a:effectRef idx="0">
+              <a:schemeClr val="accent1"/>
+            </a:effectRef>
+            <a:fontRef idx="minor">
+              <a:schemeClr val="tx1"/>
+            </a:fontRef>
+          </p:style>
+        </p:cxnSp>
+      </p:grpSp>
+      <p:sp>
+        <p:nvSpPr>
+          <p:cNvPr id="122" name="TextBox 121">
+            <a:extLst>
+              <a:ext uri="{FF2B5EF4-FFF2-40B4-BE49-F238E27FC236}">
+                <a16:creationId xmlns:a16="http://schemas.microsoft.com/office/drawing/2014/main" id="{224E5474-1B81-4BD7-AB89-9B8BBFEB997F}"/>
+              </a:ext>
+            </a:extLst>
+          </p:cNvPr>
+          <p:cNvSpPr txBox="1"/>
+          <p:nvPr/>
+        </p:nvSpPr>
+        <p:spPr>
+          <a:xfrm>
+            <a:off x="7269917" y="3967833"/>
+            <a:ext cx="1485900" cy="369332"/>
+          </a:xfrm>
+          <a:prstGeom prst="rect">
+            <a:avLst/>
+          </a:prstGeom>
+          <a:noFill/>
+        </p:spPr>
+        <p:txBody>
+          <a:bodyPr wrap="square" rtlCol="0">
+            <a:spAutoFit/>
+          </a:bodyPr>
+          <a:lstStyle/>
+          <a:p>
+            <a:r>
+              <a:rPr lang="en-US" b="1" i="1" dirty="0"/>
+              <a:t>Fixed subtree</a:t>
+            </a:r>
+          </a:p>
+        </p:txBody>
+      </p:sp>
+      <p:sp>
+        <p:nvSpPr>
+          <p:cNvPr id="62" name="TextBox 61">
+            <a:extLst>
+              <a:ext uri="{FF2B5EF4-FFF2-40B4-BE49-F238E27FC236}">
+                <a16:creationId xmlns:a16="http://schemas.microsoft.com/office/drawing/2014/main" id="{0FBB995E-CC93-47D8-911F-13E92DFA7749}"/>
+              </a:ext>
+            </a:extLst>
+          </p:cNvPr>
+          <p:cNvSpPr txBox="1"/>
+          <p:nvPr/>
+        </p:nvSpPr>
+        <p:spPr>
+          <a:xfrm>
+            <a:off x="3738108" y="1605137"/>
+            <a:ext cx="502894" cy="369332"/>
+          </a:xfrm>
+          <a:prstGeom prst="rect">
+            <a:avLst/>
+          </a:prstGeom>
+          <a:noFill/>
+        </p:spPr>
+        <p:txBody>
+          <a:bodyPr wrap="square" rtlCol="0">
+            <a:spAutoFit/>
+          </a:bodyPr>
+          <a:lstStyle/>
+          <a:p>
+            <a:r>
+              <a:rPr lang="en-US" dirty="0"/>
+              <a:t>V</a:t>
+            </a:r>
+          </a:p>
+        </p:txBody>
+      </p:sp>
+      <p:sp>
+        <p:nvSpPr>
+          <p:cNvPr id="63" name="TextBox 62">
+            <a:extLst>
+              <a:ext uri="{FF2B5EF4-FFF2-40B4-BE49-F238E27FC236}">
+                <a16:creationId xmlns:a16="http://schemas.microsoft.com/office/drawing/2014/main" id="{C866DB77-A5A2-4DA4-AA23-2048E7C3FF10}"/>
+              </a:ext>
+            </a:extLst>
+          </p:cNvPr>
+          <p:cNvSpPr txBox="1"/>
+          <p:nvPr/>
+        </p:nvSpPr>
+        <p:spPr>
+          <a:xfrm>
+            <a:off x="3392715" y="2248721"/>
+            <a:ext cx="502894" cy="369332"/>
+          </a:xfrm>
+          <a:prstGeom prst="rect">
+            <a:avLst/>
+          </a:prstGeom>
+          <a:noFill/>
+        </p:spPr>
+        <p:txBody>
+          <a:bodyPr wrap="square" rtlCol="0">
+            <a:spAutoFit/>
+          </a:bodyPr>
+          <a:lstStyle/>
+          <a:p>
+            <a:r>
+              <a:rPr lang="en-US" dirty="0"/>
+              <a:t>V</a:t>
+            </a:r>
+          </a:p>
+        </p:txBody>
+      </p:sp>
+      <p:sp>
+        <p:nvSpPr>
+          <p:cNvPr id="64" name="TextBox 63">
+            <a:extLst>
+              <a:ext uri="{FF2B5EF4-FFF2-40B4-BE49-F238E27FC236}">
+                <a16:creationId xmlns:a16="http://schemas.microsoft.com/office/drawing/2014/main" id="{225DC76C-BD9A-42C4-B648-4F968FF15F85}"/>
+              </a:ext>
+            </a:extLst>
+          </p:cNvPr>
+          <p:cNvSpPr txBox="1"/>
+          <p:nvPr/>
+        </p:nvSpPr>
+        <p:spPr>
+          <a:xfrm>
+            <a:off x="4097015" y="2064639"/>
+            <a:ext cx="502894" cy="369332"/>
+          </a:xfrm>
+          <a:prstGeom prst="rect">
+            <a:avLst/>
+          </a:prstGeom>
+          <a:noFill/>
+        </p:spPr>
+        <p:txBody>
+          <a:bodyPr wrap="square" rtlCol="0">
+            <a:spAutoFit/>
+          </a:bodyPr>
+          <a:lstStyle/>
+          <a:p>
+            <a:r>
+              <a:rPr lang="en-US" dirty="0"/>
+              <a:t>V</a:t>
+            </a:r>
+          </a:p>
+        </p:txBody>
+      </p:sp>
+      <p:sp>
+        <p:nvSpPr>
+          <p:cNvPr id="66" name="TextBox 65">
+            <a:extLst>
+              <a:ext uri="{FF2B5EF4-FFF2-40B4-BE49-F238E27FC236}">
+                <a16:creationId xmlns:a16="http://schemas.microsoft.com/office/drawing/2014/main" id="{59CD9354-0B06-4D1E-AD69-23BCBB84CEC0}"/>
+              </a:ext>
+            </a:extLst>
+          </p:cNvPr>
+          <p:cNvSpPr txBox="1"/>
+          <p:nvPr/>
+        </p:nvSpPr>
+        <p:spPr>
+          <a:xfrm>
+            <a:off x="4468675" y="2592781"/>
+            <a:ext cx="502894" cy="369332"/>
+          </a:xfrm>
+          <a:prstGeom prst="rect">
+            <a:avLst/>
+          </a:prstGeom>
+          <a:noFill/>
+        </p:spPr>
+        <p:txBody>
+          <a:bodyPr wrap="square" rtlCol="0">
+            <a:spAutoFit/>
+          </a:bodyPr>
+          <a:lstStyle/>
+          <a:p>
+            <a:r>
+              <a:rPr lang="en-US" dirty="0"/>
+              <a:t>V</a:t>
+            </a:r>
+          </a:p>
+        </p:txBody>
+      </p:sp>
+      <p:sp>
+        <p:nvSpPr>
+          <p:cNvPr id="67" name="TextBox 66">
+            <a:extLst>
+              <a:ext uri="{FF2B5EF4-FFF2-40B4-BE49-F238E27FC236}">
+                <a16:creationId xmlns:a16="http://schemas.microsoft.com/office/drawing/2014/main" id="{AC6BC6E5-A068-480A-A4EB-B36B9B5C5654}"/>
+              </a:ext>
+            </a:extLst>
+          </p:cNvPr>
+          <p:cNvSpPr txBox="1"/>
+          <p:nvPr/>
+        </p:nvSpPr>
+        <p:spPr>
+          <a:xfrm>
+            <a:off x="4056587" y="3151022"/>
+            <a:ext cx="502894" cy="369332"/>
+          </a:xfrm>
+          <a:prstGeom prst="rect">
+            <a:avLst/>
+          </a:prstGeom>
+          <a:noFill/>
+        </p:spPr>
+        <p:txBody>
+          <a:bodyPr wrap="square" rtlCol="0">
+            <a:spAutoFit/>
+          </a:bodyPr>
+          <a:lstStyle/>
+          <a:p>
+            <a:r>
+              <a:rPr lang="en-US" dirty="0"/>
+              <a:t>V</a:t>
+            </a:r>
+          </a:p>
+        </p:txBody>
+      </p:sp>
+      <p:sp>
+        <p:nvSpPr>
+          <p:cNvPr id="72" name="TextBox 71">
+            <a:extLst>
+              <a:ext uri="{FF2B5EF4-FFF2-40B4-BE49-F238E27FC236}">
+                <a16:creationId xmlns:a16="http://schemas.microsoft.com/office/drawing/2014/main" id="{6AEFFF82-445E-4505-85B6-AD5A99C94982}"/>
+              </a:ext>
+            </a:extLst>
+          </p:cNvPr>
+          <p:cNvSpPr txBox="1"/>
+          <p:nvPr/>
+        </p:nvSpPr>
+        <p:spPr>
+          <a:xfrm>
+            <a:off x="4023428" y="3691312"/>
+            <a:ext cx="502894" cy="369332"/>
+          </a:xfrm>
+          <a:prstGeom prst="rect">
+            <a:avLst/>
+          </a:prstGeom>
+          <a:noFill/>
+        </p:spPr>
+        <p:txBody>
+          <a:bodyPr wrap="square" rtlCol="0">
+            <a:spAutoFit/>
+          </a:bodyPr>
+          <a:lstStyle/>
+          <a:p>
+            <a:r>
+              <a:rPr lang="en-US" dirty="0"/>
+              <a:t>V</a:t>
+            </a:r>
+          </a:p>
+        </p:txBody>
+      </p:sp>
+      <p:grpSp>
+        <p:nvGrpSpPr>
+          <p:cNvPr id="3" name="Group 2">
+            <a:extLst>
+              <a:ext uri="{FF2B5EF4-FFF2-40B4-BE49-F238E27FC236}">
+                <a16:creationId xmlns:a16="http://schemas.microsoft.com/office/drawing/2014/main" id="{98657B49-8BC6-4345-BA5E-FA2D0BC073AE}"/>
+              </a:ext>
+            </a:extLst>
+          </p:cNvPr>
+          <p:cNvGrpSpPr/>
+          <p:nvPr/>
+        </p:nvGrpSpPr>
+        <p:grpSpPr>
+          <a:xfrm>
+            <a:off x="4425285" y="1555259"/>
+            <a:ext cx="599169" cy="607202"/>
+            <a:chOff x="4425285" y="1555259"/>
+            <a:chExt cx="599169" cy="607202"/>
+          </a:xfrm>
+        </p:grpSpPr>
+        <p:grpSp>
+          <p:nvGrpSpPr>
+            <p:cNvPr id="2" name="Group 1">
+              <a:extLst>
+                <a:ext uri="{FF2B5EF4-FFF2-40B4-BE49-F238E27FC236}">
+                  <a16:creationId xmlns:a16="http://schemas.microsoft.com/office/drawing/2014/main" id="{D96AA0F9-8462-4BC8-B364-86A3C332580F}"/>
+                </a:ext>
+              </a:extLst>
+            </p:cNvPr>
+            <p:cNvGrpSpPr/>
+            <p:nvPr/>
+          </p:nvGrpSpPr>
+          <p:grpSpPr>
+            <a:xfrm>
+              <a:off x="4425285" y="1608967"/>
+              <a:ext cx="509943" cy="553494"/>
+              <a:chOff x="4425285" y="1608967"/>
+              <a:chExt cx="509943" cy="553494"/>
+            </a:xfrm>
+          </p:grpSpPr>
+          <p:cxnSp>
+            <p:nvCxnSpPr>
+              <p:cNvPr id="76" name="Straight Arrow Connector 75">
+                <a:extLst>
+                  <a:ext uri="{FF2B5EF4-FFF2-40B4-BE49-F238E27FC236}">
+                    <a16:creationId xmlns:a16="http://schemas.microsoft.com/office/drawing/2014/main" id="{79185833-1F06-46BC-B258-D8B677D60BAF}"/>
+                  </a:ext>
+                </a:extLst>
+              </p:cNvPr>
+              <p:cNvCxnSpPr/>
+              <p:nvPr/>
+            </p:nvCxnSpPr>
+            <p:spPr>
+              <a:xfrm flipV="1">
+                <a:off x="4596193" y="2089592"/>
+                <a:ext cx="332860" cy="2649"/>
+              </a:xfrm>
+              <a:prstGeom prst="straightConnector1">
+                <a:avLst/>
+              </a:prstGeom>
+              <a:ln w="25400">
+                <a:tailEnd type="triangle"/>
+              </a:ln>
+            </p:spPr>
+            <p:style>
+              <a:lnRef idx="1">
+                <a:schemeClr val="accent1"/>
+              </a:lnRef>
+              <a:fillRef idx="0">
+                <a:schemeClr val="accent1"/>
+              </a:fillRef>
+              <a:effectRef idx="0">
+                <a:schemeClr val="accent1"/>
+              </a:effectRef>
+              <a:fontRef idx="minor">
+                <a:schemeClr val="tx1"/>
+              </a:fontRef>
+            </p:style>
+          </p:cxnSp>
+          <p:sp>
+            <p:nvSpPr>
+              <p:cNvPr id="85" name="TextBox 84">
+                <a:extLst>
+                  <a:ext uri="{FF2B5EF4-FFF2-40B4-BE49-F238E27FC236}">
+                    <a16:creationId xmlns:a16="http://schemas.microsoft.com/office/drawing/2014/main" id="{5498D26F-41EF-491B-8CDA-7D2956D725B2}"/>
+                  </a:ext>
+                </a:extLst>
+              </p:cNvPr>
+              <p:cNvSpPr txBox="1"/>
+              <p:nvPr/>
+            </p:nvSpPr>
+            <p:spPr>
+              <a:xfrm>
+                <a:off x="4425285" y="1608967"/>
+                <a:ext cx="385287" cy="523220"/>
+              </a:xfrm>
+              <a:prstGeom prst="rect">
+                <a:avLst/>
+              </a:prstGeom>
+              <a:noFill/>
+            </p:spPr>
+            <p:txBody>
+              <a:bodyPr wrap="square" rtlCol="0">
+                <a:spAutoFit/>
+              </a:bodyPr>
+              <a:lstStyle/>
+              <a:p>
+                <a:r>
+                  <a:rPr lang="en-US" sz="2800" i="1" dirty="0">
+                    <a:solidFill>
+                      <a:srgbClr val="FF0000"/>
+                    </a:solidFill>
+                  </a:rPr>
+                  <a:t>T</a:t>
+                </a:r>
+              </a:p>
+            </p:txBody>
+          </p:sp>
+          <p:sp>
+            <p:nvSpPr>
+              <p:cNvPr id="86" name="TextBox 85">
+                <a:extLst>
+                  <a:ext uri="{FF2B5EF4-FFF2-40B4-BE49-F238E27FC236}">
+                    <a16:creationId xmlns:a16="http://schemas.microsoft.com/office/drawing/2014/main" id="{657150BC-5DD3-4330-8397-6785884449BC}"/>
+                  </a:ext>
+                </a:extLst>
+              </p:cNvPr>
+              <p:cNvSpPr txBox="1"/>
+              <p:nvPr/>
+            </p:nvSpPr>
+            <p:spPr>
+              <a:xfrm>
+                <a:off x="4549941" y="1793129"/>
+                <a:ext cx="385287" cy="369332"/>
+              </a:xfrm>
+              <a:prstGeom prst="rect">
+                <a:avLst/>
+              </a:prstGeom>
+              <a:noFill/>
+            </p:spPr>
+            <p:txBody>
+              <a:bodyPr wrap="square" rtlCol="0">
+                <a:spAutoFit/>
+              </a:bodyPr>
+              <a:lstStyle/>
+              <a:p>
+                <a:r>
+                  <a:rPr lang="en-US" i="1" dirty="0">
+                    <a:solidFill>
+                      <a:srgbClr val="FF0000"/>
+                    </a:solidFill>
+                  </a:rPr>
+                  <a:t>b</a:t>
+                </a:r>
+              </a:p>
+            </p:txBody>
+          </p:sp>
+        </p:grpSp>
+        <p:sp>
+          <p:nvSpPr>
+            <p:cNvPr id="87" name="TextBox 86">
+              <a:extLst>
+                <a:ext uri="{FF2B5EF4-FFF2-40B4-BE49-F238E27FC236}">
+                  <a16:creationId xmlns:a16="http://schemas.microsoft.com/office/drawing/2014/main" id="{F4769F22-EB39-463E-A3CF-048AB18BCBE9}"/>
+                </a:ext>
+              </a:extLst>
+            </p:cNvPr>
+            <p:cNvSpPr txBox="1"/>
+            <p:nvPr/>
+          </p:nvSpPr>
+          <p:spPr>
+            <a:xfrm>
+              <a:off x="4639167" y="1555259"/>
+              <a:ext cx="385287" cy="338554"/>
+            </a:xfrm>
+            <a:prstGeom prst="rect">
+              <a:avLst/>
+            </a:prstGeom>
+            <a:noFill/>
+          </p:spPr>
+          <p:txBody>
+            <a:bodyPr wrap="square" rtlCol="0">
+              <a:spAutoFit/>
+            </a:bodyPr>
+            <a:lstStyle/>
+            <a:p>
+              <a:r>
+                <a:rPr lang="en-US" sz="1600" i="1" dirty="0">
+                  <a:solidFill>
+                    <a:srgbClr val="FF0000"/>
+                  </a:solidFill>
+                </a:rPr>
+                <a:t>M</a:t>
+              </a:r>
+            </a:p>
+          </p:txBody>
+        </p:sp>
+      </p:grpSp>
+      <p:grpSp>
+        <p:nvGrpSpPr>
+          <p:cNvPr id="95" name="Group 94">
+            <a:extLst>
+              <a:ext uri="{FF2B5EF4-FFF2-40B4-BE49-F238E27FC236}">
+                <a16:creationId xmlns:a16="http://schemas.microsoft.com/office/drawing/2014/main" id="{FF8A3B2B-7D00-4B31-8ECF-023DFAC263F5}"/>
+              </a:ext>
+            </a:extLst>
+          </p:cNvPr>
+          <p:cNvGrpSpPr/>
+          <p:nvPr/>
+        </p:nvGrpSpPr>
+        <p:grpSpPr>
+          <a:xfrm>
+            <a:off x="4452540" y="3276570"/>
+            <a:ext cx="599169" cy="607202"/>
+            <a:chOff x="4425285" y="1555259"/>
+            <a:chExt cx="599169" cy="607202"/>
+          </a:xfrm>
+        </p:grpSpPr>
+        <p:grpSp>
+          <p:nvGrpSpPr>
+            <p:cNvPr id="96" name="Group 95">
+              <a:extLst>
+                <a:ext uri="{FF2B5EF4-FFF2-40B4-BE49-F238E27FC236}">
+                  <a16:creationId xmlns:a16="http://schemas.microsoft.com/office/drawing/2014/main" id="{A473CFC0-3700-4694-B216-22A4701E4F16}"/>
+                </a:ext>
+              </a:extLst>
+            </p:cNvPr>
+            <p:cNvGrpSpPr/>
+            <p:nvPr/>
+          </p:nvGrpSpPr>
+          <p:grpSpPr>
+            <a:xfrm>
+              <a:off x="4425285" y="1608967"/>
+              <a:ext cx="509943" cy="553494"/>
+              <a:chOff x="4425285" y="1608967"/>
+              <a:chExt cx="509943" cy="553494"/>
+            </a:xfrm>
+          </p:grpSpPr>
+          <p:cxnSp>
+            <p:nvCxnSpPr>
+              <p:cNvPr id="104" name="Straight Arrow Connector 103">
+                <a:extLst>
+                  <a:ext uri="{FF2B5EF4-FFF2-40B4-BE49-F238E27FC236}">
+                    <a16:creationId xmlns:a16="http://schemas.microsoft.com/office/drawing/2014/main" id="{A096E501-939D-4929-9B89-C599879295EB}"/>
+                  </a:ext>
+                </a:extLst>
+              </p:cNvPr>
+              <p:cNvCxnSpPr/>
+              <p:nvPr/>
+            </p:nvCxnSpPr>
+            <p:spPr>
+              <a:xfrm flipV="1">
+                <a:off x="4596193" y="2089592"/>
+                <a:ext cx="332860" cy="2649"/>
+              </a:xfrm>
+              <a:prstGeom prst="straightConnector1">
+                <a:avLst/>
+              </a:prstGeom>
+              <a:ln w="25400">
+                <a:tailEnd type="triangle"/>
+              </a:ln>
+            </p:spPr>
+            <p:style>
+              <a:lnRef idx="1">
+                <a:schemeClr val="accent1"/>
+              </a:lnRef>
+              <a:fillRef idx="0">
+                <a:schemeClr val="accent1"/>
+              </a:fillRef>
+              <a:effectRef idx="0">
+                <a:schemeClr val="accent1"/>
+              </a:effectRef>
+              <a:fontRef idx="minor">
+                <a:schemeClr val="tx1"/>
+              </a:fontRef>
+            </p:style>
+          </p:cxnSp>
+          <p:sp>
+            <p:nvSpPr>
+              <p:cNvPr id="109" name="TextBox 108">
+                <a:extLst>
+                  <a:ext uri="{FF2B5EF4-FFF2-40B4-BE49-F238E27FC236}">
+                    <a16:creationId xmlns:a16="http://schemas.microsoft.com/office/drawing/2014/main" id="{8A9DE511-D509-4F90-8A09-1BAF8F305927}"/>
+                  </a:ext>
+                </a:extLst>
+              </p:cNvPr>
+              <p:cNvSpPr txBox="1"/>
+              <p:nvPr/>
+            </p:nvSpPr>
+            <p:spPr>
+              <a:xfrm>
+                <a:off x="4425285" y="1608967"/>
+                <a:ext cx="385287" cy="523220"/>
+              </a:xfrm>
+              <a:prstGeom prst="rect">
+                <a:avLst/>
+              </a:prstGeom>
+              <a:noFill/>
+            </p:spPr>
+            <p:txBody>
+              <a:bodyPr wrap="square" rtlCol="0">
+                <a:spAutoFit/>
+              </a:bodyPr>
+              <a:lstStyle/>
+              <a:p>
+                <a:r>
+                  <a:rPr lang="en-US" sz="2800" i="1" dirty="0">
+                    <a:solidFill>
+                      <a:srgbClr val="FF0000"/>
+                    </a:solidFill>
+                  </a:rPr>
+                  <a:t>T</a:t>
+                </a:r>
+              </a:p>
+            </p:txBody>
+          </p:sp>
+          <p:sp>
+            <p:nvSpPr>
+              <p:cNvPr id="115" name="TextBox 114">
+                <a:extLst>
+                  <a:ext uri="{FF2B5EF4-FFF2-40B4-BE49-F238E27FC236}">
+                    <a16:creationId xmlns:a16="http://schemas.microsoft.com/office/drawing/2014/main" id="{7B00F30E-EBFD-4843-A860-B7688FE88E40}"/>
+                  </a:ext>
+                </a:extLst>
+              </p:cNvPr>
+              <p:cNvSpPr txBox="1"/>
+              <p:nvPr/>
+            </p:nvSpPr>
+            <p:spPr>
+              <a:xfrm>
+                <a:off x="4549941" y="1793129"/>
+                <a:ext cx="385287" cy="369332"/>
+              </a:xfrm>
+              <a:prstGeom prst="rect">
+                <a:avLst/>
+              </a:prstGeom>
+              <a:noFill/>
+            </p:spPr>
+            <p:txBody>
+              <a:bodyPr wrap="square" rtlCol="0">
+                <a:spAutoFit/>
+              </a:bodyPr>
+              <a:lstStyle/>
+              <a:p>
+                <a:r>
+                  <a:rPr lang="en-US" i="1" dirty="0">
+                    <a:solidFill>
+                      <a:srgbClr val="FF0000"/>
+                    </a:solidFill>
+                  </a:rPr>
+                  <a:t>b</a:t>
+                </a:r>
+              </a:p>
+            </p:txBody>
+          </p:sp>
+        </p:grpSp>
+        <p:sp>
+          <p:nvSpPr>
+            <p:cNvPr id="102" name="TextBox 101">
+              <a:extLst>
+                <a:ext uri="{FF2B5EF4-FFF2-40B4-BE49-F238E27FC236}">
+                  <a16:creationId xmlns:a16="http://schemas.microsoft.com/office/drawing/2014/main" id="{22DE14FF-927E-4985-91BA-07EF2FE227BC}"/>
+                </a:ext>
+              </a:extLst>
+            </p:cNvPr>
+            <p:cNvSpPr txBox="1"/>
+            <p:nvPr/>
+          </p:nvSpPr>
+          <p:spPr>
+            <a:xfrm>
+              <a:off x="4639167" y="1555259"/>
+              <a:ext cx="385287" cy="338554"/>
+            </a:xfrm>
+            <a:prstGeom prst="rect">
+              <a:avLst/>
+            </a:prstGeom>
+            <a:noFill/>
+          </p:spPr>
+          <p:txBody>
+            <a:bodyPr wrap="square" rtlCol="0">
+              <a:spAutoFit/>
+            </a:bodyPr>
+            <a:lstStyle/>
+            <a:p>
+              <a:r>
+                <a:rPr lang="en-US" sz="1600" i="1" dirty="0">
+                  <a:solidFill>
+                    <a:srgbClr val="FF0000"/>
+                  </a:solidFill>
+                </a:rPr>
+                <a:t>S</a:t>
+              </a:r>
+            </a:p>
+          </p:txBody>
+        </p:sp>
+      </p:grpSp>
+      <p:grpSp>
+        <p:nvGrpSpPr>
+          <p:cNvPr id="14" name="Group 13">
+            <a:extLst>
+              <a:ext uri="{FF2B5EF4-FFF2-40B4-BE49-F238E27FC236}">
+                <a16:creationId xmlns:a16="http://schemas.microsoft.com/office/drawing/2014/main" id="{30526BB8-9D88-4CCB-B7B4-878B0AB9AB59}"/>
+              </a:ext>
+            </a:extLst>
+          </p:cNvPr>
+          <p:cNvGrpSpPr/>
+          <p:nvPr/>
+        </p:nvGrpSpPr>
+        <p:grpSpPr>
+          <a:xfrm>
+            <a:off x="6785381" y="1549921"/>
+            <a:ext cx="599169" cy="607202"/>
+            <a:chOff x="6313108" y="4870309"/>
+            <a:chExt cx="599169" cy="607202"/>
+          </a:xfrm>
+        </p:grpSpPr>
+        <p:sp>
+          <p:nvSpPr>
+            <p:cNvPr id="127" name="TextBox 126">
+              <a:extLst>
+                <a:ext uri="{FF2B5EF4-FFF2-40B4-BE49-F238E27FC236}">
+                  <a16:creationId xmlns:a16="http://schemas.microsoft.com/office/drawing/2014/main" id="{5C868088-4370-4DF3-A707-C42FF48DB954}"/>
+                </a:ext>
+              </a:extLst>
+            </p:cNvPr>
+            <p:cNvSpPr txBox="1"/>
+            <p:nvPr/>
+          </p:nvSpPr>
+          <p:spPr>
+            <a:xfrm>
+              <a:off x="6313108" y="4924017"/>
+              <a:ext cx="385287" cy="523220"/>
+            </a:xfrm>
+            <a:prstGeom prst="rect">
+              <a:avLst/>
+            </a:prstGeom>
+            <a:noFill/>
+          </p:spPr>
+          <p:txBody>
+            <a:bodyPr wrap="square" rtlCol="0">
+              <a:spAutoFit/>
+            </a:bodyPr>
+            <a:lstStyle/>
+            <a:p>
+              <a:r>
+                <a:rPr lang="en-US" sz="2800" i="1" dirty="0">
+                  <a:solidFill>
+                    <a:schemeClr val="accent6">
+                      <a:lumMod val="75000"/>
+                    </a:schemeClr>
+                  </a:solidFill>
+                </a:rPr>
+                <a:t>T</a:t>
+              </a:r>
+            </a:p>
+          </p:txBody>
+        </p:sp>
+        <p:sp>
+          <p:nvSpPr>
+            <p:cNvPr id="128" name="TextBox 127">
+              <a:extLst>
+                <a:ext uri="{FF2B5EF4-FFF2-40B4-BE49-F238E27FC236}">
+                  <a16:creationId xmlns:a16="http://schemas.microsoft.com/office/drawing/2014/main" id="{DBC469B2-76EA-44C3-A1B2-6086873358CC}"/>
+                </a:ext>
+              </a:extLst>
+            </p:cNvPr>
+            <p:cNvSpPr txBox="1"/>
+            <p:nvPr/>
+          </p:nvSpPr>
+          <p:spPr>
+            <a:xfrm>
+              <a:off x="6437764" y="5108179"/>
+              <a:ext cx="385287" cy="369332"/>
+            </a:xfrm>
+            <a:prstGeom prst="rect">
+              <a:avLst/>
+            </a:prstGeom>
+            <a:noFill/>
+          </p:spPr>
+          <p:txBody>
+            <a:bodyPr wrap="square" rtlCol="0">
+              <a:spAutoFit/>
+            </a:bodyPr>
+            <a:lstStyle/>
+            <a:p>
+              <a:r>
+                <a:rPr lang="en-US" i="1" dirty="0">
+                  <a:solidFill>
+                    <a:schemeClr val="accent6">
+                      <a:lumMod val="75000"/>
+                    </a:schemeClr>
+                  </a:solidFill>
+                </a:rPr>
+                <a:t>f</a:t>
+              </a:r>
+            </a:p>
+          </p:txBody>
+        </p:sp>
+        <p:sp>
+          <p:nvSpPr>
+            <p:cNvPr id="125" name="TextBox 124">
+              <a:extLst>
+                <a:ext uri="{FF2B5EF4-FFF2-40B4-BE49-F238E27FC236}">
+                  <a16:creationId xmlns:a16="http://schemas.microsoft.com/office/drawing/2014/main" id="{71F17790-6C6E-4208-871E-92DC0A7331A4}"/>
+                </a:ext>
+              </a:extLst>
+            </p:cNvPr>
+            <p:cNvSpPr txBox="1"/>
+            <p:nvPr/>
+          </p:nvSpPr>
+          <p:spPr>
+            <a:xfrm>
+              <a:off x="6526990" y="4870309"/>
+              <a:ext cx="385287" cy="338554"/>
+            </a:xfrm>
+            <a:prstGeom prst="rect">
+              <a:avLst/>
+            </a:prstGeom>
+            <a:noFill/>
+          </p:spPr>
+          <p:txBody>
+            <a:bodyPr wrap="square" rtlCol="0">
+              <a:spAutoFit/>
+            </a:bodyPr>
+            <a:lstStyle/>
+            <a:p>
+              <a:r>
+                <a:rPr lang="en-US" sz="1600" i="1" dirty="0">
+                  <a:solidFill>
+                    <a:schemeClr val="accent6">
+                      <a:lumMod val="75000"/>
+                    </a:schemeClr>
+                  </a:solidFill>
+                </a:rPr>
+                <a:t>M</a:t>
+              </a:r>
+            </a:p>
+          </p:txBody>
+        </p:sp>
+      </p:grpSp>
+      <p:grpSp>
+        <p:nvGrpSpPr>
+          <p:cNvPr id="129" name="Group 128">
+            <a:extLst>
+              <a:ext uri="{FF2B5EF4-FFF2-40B4-BE49-F238E27FC236}">
+                <a16:creationId xmlns:a16="http://schemas.microsoft.com/office/drawing/2014/main" id="{B932FD4E-3DE0-4E27-AD36-AACF9704580C}"/>
+              </a:ext>
+            </a:extLst>
+          </p:cNvPr>
+          <p:cNvGrpSpPr/>
+          <p:nvPr/>
+        </p:nvGrpSpPr>
+        <p:grpSpPr>
+          <a:xfrm>
+            <a:off x="6833195" y="3218127"/>
+            <a:ext cx="599169" cy="607202"/>
+            <a:chOff x="6313108" y="4870309"/>
+            <a:chExt cx="599169" cy="607202"/>
+          </a:xfrm>
+        </p:grpSpPr>
+        <p:sp>
+          <p:nvSpPr>
+            <p:cNvPr id="130" name="TextBox 129">
+              <a:extLst>
+                <a:ext uri="{FF2B5EF4-FFF2-40B4-BE49-F238E27FC236}">
+                  <a16:creationId xmlns:a16="http://schemas.microsoft.com/office/drawing/2014/main" id="{5167123D-4984-4B73-A37B-7B089BC81094}"/>
+                </a:ext>
+              </a:extLst>
+            </p:cNvPr>
+            <p:cNvSpPr txBox="1"/>
+            <p:nvPr/>
+          </p:nvSpPr>
+          <p:spPr>
+            <a:xfrm>
+              <a:off x="6313108" y="4924017"/>
+              <a:ext cx="385287" cy="523220"/>
+            </a:xfrm>
+            <a:prstGeom prst="rect">
+              <a:avLst/>
+            </a:prstGeom>
+            <a:noFill/>
+          </p:spPr>
+          <p:txBody>
+            <a:bodyPr wrap="square" rtlCol="0">
+              <a:spAutoFit/>
+            </a:bodyPr>
+            <a:lstStyle/>
+            <a:p>
+              <a:r>
+                <a:rPr lang="en-US" sz="2800" i="1" dirty="0">
+                  <a:solidFill>
+                    <a:schemeClr val="accent6">
+                      <a:lumMod val="75000"/>
+                    </a:schemeClr>
+                  </a:solidFill>
+                </a:rPr>
+                <a:t>T</a:t>
+              </a:r>
+            </a:p>
+          </p:txBody>
+        </p:sp>
+        <p:sp>
+          <p:nvSpPr>
+            <p:cNvPr id="131" name="TextBox 130">
+              <a:extLst>
+                <a:ext uri="{FF2B5EF4-FFF2-40B4-BE49-F238E27FC236}">
+                  <a16:creationId xmlns:a16="http://schemas.microsoft.com/office/drawing/2014/main" id="{B26FFA9C-737C-40FE-92D5-E2B138A5C246}"/>
+                </a:ext>
+              </a:extLst>
+            </p:cNvPr>
+            <p:cNvSpPr txBox="1"/>
+            <p:nvPr/>
+          </p:nvSpPr>
+          <p:spPr>
+            <a:xfrm>
+              <a:off x="6437764" y="5108179"/>
+              <a:ext cx="385287" cy="369332"/>
+            </a:xfrm>
+            <a:prstGeom prst="rect">
+              <a:avLst/>
+            </a:prstGeom>
+            <a:noFill/>
+          </p:spPr>
+          <p:txBody>
+            <a:bodyPr wrap="square" rtlCol="0">
+              <a:spAutoFit/>
+            </a:bodyPr>
+            <a:lstStyle/>
+            <a:p>
+              <a:r>
+                <a:rPr lang="en-US" i="1" dirty="0">
+                  <a:solidFill>
+                    <a:schemeClr val="accent6">
+                      <a:lumMod val="75000"/>
+                    </a:schemeClr>
+                  </a:solidFill>
+                </a:rPr>
+                <a:t>f</a:t>
+              </a:r>
+            </a:p>
+          </p:txBody>
+        </p:sp>
+        <p:sp>
+          <p:nvSpPr>
+            <p:cNvPr id="132" name="TextBox 131">
+              <a:extLst>
+                <a:ext uri="{FF2B5EF4-FFF2-40B4-BE49-F238E27FC236}">
+                  <a16:creationId xmlns:a16="http://schemas.microsoft.com/office/drawing/2014/main" id="{662BF814-E6D1-4964-8ACF-E20C301810F8}"/>
+                </a:ext>
+              </a:extLst>
+            </p:cNvPr>
+            <p:cNvSpPr txBox="1"/>
+            <p:nvPr/>
+          </p:nvSpPr>
+          <p:spPr>
+            <a:xfrm>
+              <a:off x="6526990" y="4870309"/>
+              <a:ext cx="385287" cy="338554"/>
+            </a:xfrm>
+            <a:prstGeom prst="rect">
+              <a:avLst/>
+            </a:prstGeom>
+            <a:noFill/>
+          </p:spPr>
+          <p:txBody>
+            <a:bodyPr wrap="square" rtlCol="0">
+              <a:spAutoFit/>
+            </a:bodyPr>
+            <a:lstStyle/>
+            <a:p>
+              <a:r>
+                <a:rPr lang="en-US" sz="1600" i="1" dirty="0">
+                  <a:solidFill>
+                    <a:schemeClr val="accent6">
+                      <a:lumMod val="75000"/>
+                    </a:schemeClr>
+                  </a:solidFill>
+                </a:rPr>
+                <a:t>S</a:t>
+              </a:r>
+            </a:p>
+          </p:txBody>
+        </p:sp>
+      </p:grpSp>
+      <p:sp>
+        <p:nvSpPr>
+          <p:cNvPr id="92" name="TextBox 91">
+            <a:extLst>
+              <a:ext uri="{FF2B5EF4-FFF2-40B4-BE49-F238E27FC236}">
+                <a16:creationId xmlns:a16="http://schemas.microsoft.com/office/drawing/2014/main" id="{D08A1456-8C22-FD33-EA4A-ADB6C78529F4}"/>
+              </a:ext>
+            </a:extLst>
+          </p:cNvPr>
+          <p:cNvSpPr txBox="1"/>
+          <p:nvPr/>
+        </p:nvSpPr>
+        <p:spPr>
+          <a:xfrm>
+            <a:off x="2683045" y="1717777"/>
+            <a:ext cx="915368" cy="369332"/>
+          </a:xfrm>
+          <a:prstGeom prst="rect">
+            <a:avLst/>
+          </a:prstGeom>
+          <a:noFill/>
+        </p:spPr>
+        <p:txBody>
+          <a:bodyPr wrap="square" rtlCol="0">
+            <a:spAutoFit/>
+          </a:bodyPr>
+          <a:lstStyle/>
+          <a:p>
+            <a:r>
+              <a:rPr lang="en-US" b="1" i="1" dirty="0"/>
+              <a:t>Context</a:t>
+            </a:r>
+          </a:p>
+        </p:txBody>
+      </p:sp>
+    </p:spTree>
+    <p:extLst>
+      <p:ext uri="{BB962C8B-B14F-4D97-AF65-F5344CB8AC3E}">
+        <p14:creationId xmlns:p14="http://schemas.microsoft.com/office/powerpoint/2010/main" val="775194402"/>
+      </p:ext>
+    </p:extLst>
+  </p:cSld>
+  <p:clrMapOvr>
+    <a:masterClrMapping/>
+  </p:clrMapOvr>
+</p:sld>
+</file>
+
 <file path=ppt/slides/slide2.xml><?xml version="1.0" encoding="utf-8"?>
 <p:sld xmlns:a="http://schemas.openxmlformats.org/drawingml/2006/main" xmlns:r="http://schemas.openxmlformats.org/officeDocument/2006/relationships" xmlns:p="http://schemas.openxmlformats.org/presentationml/2006/main">
   <p:cSld>
@@ -39563,6 +43041,2314 @@
     <p:extLst>
       <p:ext uri="{BB962C8B-B14F-4D97-AF65-F5344CB8AC3E}">
         <p14:creationId xmlns:p14="http://schemas.microsoft.com/office/powerpoint/2010/main" val="2800988267"/>
+      </p:ext>
+    </p:extLst>
+  </p:cSld>
+  <p:clrMapOvr>
+    <a:masterClrMapping/>
+  </p:clrMapOvr>
+</p:sld>
+</file>
+
+<file path=ppt/slides/slide20.xml><?xml version="1.0" encoding="utf-8"?>
+<p:sld xmlns:a="http://schemas.openxmlformats.org/drawingml/2006/main" xmlns:r="http://schemas.openxmlformats.org/officeDocument/2006/relationships" xmlns:p="http://schemas.openxmlformats.org/presentationml/2006/main">
+  <p:cSld>
+    <p:spTree>
+      <p:nvGrpSpPr>
+        <p:cNvPr id="1" name=""/>
+        <p:cNvGrpSpPr/>
+        <p:nvPr/>
+      </p:nvGrpSpPr>
+      <p:grpSpPr>
+        <a:xfrm>
+          <a:off x="0" y="0"/>
+          <a:ext cx="0" cy="0"/>
+          <a:chOff x="0" y="0"/>
+          <a:chExt cx="0" cy="0"/>
+        </a:xfrm>
+      </p:grpSpPr>
+      <p:grpSp>
+        <p:nvGrpSpPr>
+          <p:cNvPr id="29" name="Group 28">
+            <a:extLst>
+              <a:ext uri="{FF2B5EF4-FFF2-40B4-BE49-F238E27FC236}">
+                <a16:creationId xmlns:a16="http://schemas.microsoft.com/office/drawing/2014/main" id="{00F08641-F49B-47B4-B126-2031C5D20321}"/>
+              </a:ext>
+            </a:extLst>
+          </p:cNvPr>
+          <p:cNvGrpSpPr/>
+          <p:nvPr/>
+        </p:nvGrpSpPr>
+        <p:grpSpPr>
+          <a:xfrm>
+            <a:off x="4078046" y="3817649"/>
+            <a:ext cx="939800" cy="697706"/>
+            <a:chOff x="3473450" y="1362075"/>
+            <a:chExt cx="939800" cy="697706"/>
+          </a:xfrm>
+        </p:grpSpPr>
+        <p:sp>
+          <p:nvSpPr>
+            <p:cNvPr id="30" name="Oval 29">
+              <a:extLst>
+                <a:ext uri="{FF2B5EF4-FFF2-40B4-BE49-F238E27FC236}">
+                  <a16:creationId xmlns:a16="http://schemas.microsoft.com/office/drawing/2014/main" id="{EEF954A3-9480-4CA0-B4FC-159685D64AE4}"/>
+                </a:ext>
+              </a:extLst>
+            </p:cNvPr>
+            <p:cNvSpPr/>
+            <p:nvPr/>
+          </p:nvSpPr>
+          <p:spPr>
+            <a:xfrm>
+              <a:off x="3841750" y="1362075"/>
+              <a:ext cx="190500" cy="190500"/>
+            </a:xfrm>
+            <a:prstGeom prst="ellipse">
+              <a:avLst/>
+            </a:prstGeom>
+            <a:solidFill>
+              <a:srgbClr val="FFC000"/>
+            </a:solidFill>
+            <a:ln>
+              <a:solidFill>
+                <a:schemeClr val="accent6">
+                  <a:lumMod val="75000"/>
+                </a:schemeClr>
+              </a:solidFill>
+            </a:ln>
+          </p:spPr>
+          <p:style>
+            <a:lnRef idx="2">
+              <a:schemeClr val="accent1">
+                <a:shade val="50000"/>
+              </a:schemeClr>
+            </a:lnRef>
+            <a:fillRef idx="1">
+              <a:schemeClr val="accent1"/>
+            </a:fillRef>
+            <a:effectRef idx="0">
+              <a:schemeClr val="accent1"/>
+            </a:effectRef>
+            <a:fontRef idx="minor">
+              <a:schemeClr val="lt1"/>
+            </a:fontRef>
+          </p:style>
+          <p:txBody>
+            <a:bodyPr rtlCol="0" anchor="ctr"/>
+            <a:lstStyle/>
+            <a:p>
+              <a:pPr algn="ctr"/>
+              <a:endParaRPr lang="en-US"/>
+            </a:p>
+          </p:txBody>
+        </p:sp>
+        <p:sp>
+          <p:nvSpPr>
+            <p:cNvPr id="31" name="Oval 30">
+              <a:extLst>
+                <a:ext uri="{FF2B5EF4-FFF2-40B4-BE49-F238E27FC236}">
+                  <a16:creationId xmlns:a16="http://schemas.microsoft.com/office/drawing/2014/main" id="{58A1E0DF-95CB-4330-9C77-3EF88213FAAB}"/>
+                </a:ext>
+              </a:extLst>
+            </p:cNvPr>
+            <p:cNvSpPr/>
+            <p:nvPr/>
+          </p:nvSpPr>
+          <p:spPr>
+            <a:xfrm>
+              <a:off x="3473450" y="1869281"/>
+              <a:ext cx="190500" cy="190500"/>
+            </a:xfrm>
+            <a:prstGeom prst="ellipse">
+              <a:avLst/>
+            </a:prstGeom>
+            <a:solidFill>
+              <a:schemeClr val="accent6">
+                <a:lumMod val="40000"/>
+                <a:lumOff val="60000"/>
+              </a:schemeClr>
+            </a:solidFill>
+            <a:ln>
+              <a:solidFill>
+                <a:schemeClr val="accent6">
+                  <a:lumMod val="75000"/>
+                </a:schemeClr>
+              </a:solidFill>
+            </a:ln>
+          </p:spPr>
+          <p:style>
+            <a:lnRef idx="2">
+              <a:schemeClr val="accent1">
+                <a:shade val="50000"/>
+              </a:schemeClr>
+            </a:lnRef>
+            <a:fillRef idx="1">
+              <a:schemeClr val="accent1"/>
+            </a:fillRef>
+            <a:effectRef idx="0">
+              <a:schemeClr val="accent1"/>
+            </a:effectRef>
+            <a:fontRef idx="minor">
+              <a:schemeClr val="lt1"/>
+            </a:fontRef>
+          </p:style>
+          <p:txBody>
+            <a:bodyPr rtlCol="0" anchor="ctr"/>
+            <a:lstStyle/>
+            <a:p>
+              <a:pPr algn="ctr"/>
+              <a:endParaRPr lang="en-US"/>
+            </a:p>
+          </p:txBody>
+        </p:sp>
+        <p:sp>
+          <p:nvSpPr>
+            <p:cNvPr id="32" name="Oval 31">
+              <a:extLst>
+                <a:ext uri="{FF2B5EF4-FFF2-40B4-BE49-F238E27FC236}">
+                  <a16:creationId xmlns:a16="http://schemas.microsoft.com/office/drawing/2014/main" id="{0DDD9695-12DF-43C3-ADB3-499688F71623}"/>
+                </a:ext>
+              </a:extLst>
+            </p:cNvPr>
+            <p:cNvSpPr/>
+            <p:nvPr/>
+          </p:nvSpPr>
+          <p:spPr>
+            <a:xfrm>
+              <a:off x="4222750" y="1869281"/>
+              <a:ext cx="190500" cy="190500"/>
+            </a:xfrm>
+            <a:prstGeom prst="ellipse">
+              <a:avLst/>
+            </a:prstGeom>
+            <a:solidFill>
+              <a:srgbClr val="FFC000"/>
+            </a:solidFill>
+            <a:ln>
+              <a:solidFill>
+                <a:schemeClr val="accent6">
+                  <a:lumMod val="75000"/>
+                </a:schemeClr>
+              </a:solidFill>
+            </a:ln>
+          </p:spPr>
+          <p:style>
+            <a:lnRef idx="2">
+              <a:schemeClr val="accent1">
+                <a:shade val="50000"/>
+              </a:schemeClr>
+            </a:lnRef>
+            <a:fillRef idx="1">
+              <a:schemeClr val="accent1"/>
+            </a:fillRef>
+            <a:effectRef idx="0">
+              <a:schemeClr val="accent1"/>
+            </a:effectRef>
+            <a:fontRef idx="minor">
+              <a:schemeClr val="lt1"/>
+            </a:fontRef>
+          </p:style>
+          <p:txBody>
+            <a:bodyPr rtlCol="0" anchor="ctr"/>
+            <a:lstStyle/>
+            <a:p>
+              <a:pPr algn="ctr"/>
+              <a:endParaRPr lang="en-US"/>
+            </a:p>
+          </p:txBody>
+        </p:sp>
+        <p:cxnSp>
+          <p:nvCxnSpPr>
+            <p:cNvPr id="35" name="Straight Arrow Connector 34">
+              <a:extLst>
+                <a:ext uri="{FF2B5EF4-FFF2-40B4-BE49-F238E27FC236}">
+                  <a16:creationId xmlns:a16="http://schemas.microsoft.com/office/drawing/2014/main" id="{AF5B46F4-4D19-4BD5-A143-52DB9798FBFC}"/>
+                </a:ext>
+              </a:extLst>
+            </p:cNvPr>
+            <p:cNvCxnSpPr>
+              <a:stCxn id="30" idx="3"/>
+              <a:endCxn id="31" idx="6"/>
+            </p:cNvCxnSpPr>
+            <p:nvPr/>
+          </p:nvCxnSpPr>
+          <p:spPr>
+            <a:xfrm flipH="1">
+              <a:off x="3636052" y="1524677"/>
+              <a:ext cx="233596" cy="372502"/>
+            </a:xfrm>
+            <a:prstGeom prst="straightConnector1">
+              <a:avLst/>
+            </a:prstGeom>
+            <a:ln w="25400">
+              <a:tailEnd type="triangle"/>
+            </a:ln>
+          </p:spPr>
+          <p:style>
+            <a:lnRef idx="1">
+              <a:schemeClr val="accent1"/>
+            </a:lnRef>
+            <a:fillRef idx="0">
+              <a:schemeClr val="accent1"/>
+            </a:fillRef>
+            <a:effectRef idx="0">
+              <a:schemeClr val="accent1"/>
+            </a:effectRef>
+            <a:fontRef idx="minor">
+              <a:schemeClr val="tx1"/>
+            </a:fontRef>
+          </p:style>
+        </p:cxnSp>
+        <p:cxnSp>
+          <p:nvCxnSpPr>
+            <p:cNvPr id="36" name="Straight Arrow Connector 35">
+              <a:extLst>
+                <a:ext uri="{FF2B5EF4-FFF2-40B4-BE49-F238E27FC236}">
+                  <a16:creationId xmlns:a16="http://schemas.microsoft.com/office/drawing/2014/main" id="{78FBCFC5-9FC6-4F19-A292-7BFFE2AAACC7}"/>
+                </a:ext>
+              </a:extLst>
+            </p:cNvPr>
+            <p:cNvCxnSpPr>
+              <a:cxnSpLocks/>
+              <a:stCxn id="30" idx="5"/>
+              <a:endCxn id="32" idx="1"/>
+            </p:cNvCxnSpPr>
+            <p:nvPr/>
+          </p:nvCxnSpPr>
+          <p:spPr>
+            <a:xfrm>
+              <a:off x="4004352" y="1524677"/>
+              <a:ext cx="246296" cy="372502"/>
+            </a:xfrm>
+            <a:prstGeom prst="straightConnector1">
+              <a:avLst/>
+            </a:prstGeom>
+            <a:ln w="25400">
+              <a:solidFill>
+                <a:srgbClr val="FF0000"/>
+              </a:solidFill>
+              <a:tailEnd type="triangle"/>
+            </a:ln>
+          </p:spPr>
+          <p:style>
+            <a:lnRef idx="1">
+              <a:schemeClr val="accent1"/>
+            </a:lnRef>
+            <a:fillRef idx="0">
+              <a:schemeClr val="accent1"/>
+            </a:fillRef>
+            <a:effectRef idx="0">
+              <a:schemeClr val="accent1"/>
+            </a:effectRef>
+            <a:fontRef idx="minor">
+              <a:schemeClr val="tx1"/>
+            </a:fontRef>
+          </p:style>
+        </p:cxnSp>
+      </p:grpSp>
+      <p:sp>
+        <p:nvSpPr>
+          <p:cNvPr id="40" name="TextBox 39">
+            <a:extLst>
+              <a:ext uri="{FF2B5EF4-FFF2-40B4-BE49-F238E27FC236}">
+                <a16:creationId xmlns:a16="http://schemas.microsoft.com/office/drawing/2014/main" id="{7281DC49-955F-4674-8199-971A898A330D}"/>
+              </a:ext>
+            </a:extLst>
+          </p:cNvPr>
+          <p:cNvSpPr txBox="1"/>
+          <p:nvPr/>
+        </p:nvSpPr>
+        <p:spPr>
+          <a:xfrm>
+            <a:off x="3746625" y="4428243"/>
+            <a:ext cx="1636604" cy="369332"/>
+          </a:xfrm>
+          <a:prstGeom prst="rect">
+            <a:avLst/>
+          </a:prstGeom>
+          <a:noFill/>
+        </p:spPr>
+        <p:txBody>
+          <a:bodyPr wrap="square" rtlCol="0">
+            <a:spAutoFit/>
+          </a:bodyPr>
+          <a:lstStyle/>
+          <a:p>
+            <a:r>
+              <a:rPr lang="en-US" b="1" i="1" dirty="0"/>
+              <a:t>Buggy subtree</a:t>
+            </a:r>
+          </a:p>
+        </p:txBody>
+      </p:sp>
+      <p:sp>
+        <p:nvSpPr>
+          <p:cNvPr id="27" name="Rectangle: Rounded Corners 26">
+            <a:extLst>
+              <a:ext uri="{FF2B5EF4-FFF2-40B4-BE49-F238E27FC236}">
+                <a16:creationId xmlns:a16="http://schemas.microsoft.com/office/drawing/2014/main" id="{8B88DDE6-293D-4F1C-BA48-7E0B585C5C6C}"/>
+              </a:ext>
+            </a:extLst>
+          </p:cNvPr>
+          <p:cNvSpPr/>
+          <p:nvPr/>
+        </p:nvSpPr>
+        <p:spPr>
+          <a:xfrm>
+            <a:off x="5387259" y="2221525"/>
+            <a:ext cx="2010649" cy="802049"/>
+          </a:xfrm>
+          <a:prstGeom prst="roundRect">
+            <a:avLst/>
+          </a:prstGeom>
+          <a:solidFill>
+            <a:schemeClr val="accent2">
+              <a:lumMod val="20000"/>
+              <a:lumOff val="80000"/>
+            </a:schemeClr>
+          </a:solidFill>
+          <a:ln w="25400">
+            <a:solidFill>
+              <a:schemeClr val="accent2">
+                <a:lumMod val="75000"/>
+              </a:schemeClr>
+            </a:solidFill>
+          </a:ln>
+        </p:spPr>
+        <p:style>
+          <a:lnRef idx="2">
+            <a:schemeClr val="accent1">
+              <a:shade val="50000"/>
+            </a:schemeClr>
+          </a:lnRef>
+          <a:fillRef idx="1">
+            <a:schemeClr val="accent1"/>
+          </a:fillRef>
+          <a:effectRef idx="0">
+            <a:schemeClr val="accent1"/>
+          </a:effectRef>
+          <a:fontRef idx="minor">
+            <a:schemeClr val="lt1"/>
+          </a:fontRef>
+        </p:style>
+        <p:txBody>
+          <a:bodyPr rtlCol="0" anchor="ctr"/>
+          <a:lstStyle/>
+          <a:p>
+            <a:pPr algn="ctr"/>
+            <a:r>
+              <a:rPr lang="en-US" sz="1900" i="1" dirty="0">
+                <a:solidFill>
+                  <a:schemeClr val="tx1"/>
+                </a:solidFill>
+              </a:rPr>
+              <a:t>Trained</a:t>
+            </a:r>
+            <a:r>
+              <a:rPr lang="en-US" sz="1900" dirty="0">
+                <a:solidFill>
+                  <a:schemeClr val="tx1"/>
+                </a:solidFill>
+              </a:rPr>
+              <a:t> Code Context Learning</a:t>
+            </a:r>
+          </a:p>
+          <a:p>
+            <a:pPr algn="ctr"/>
+            <a:r>
+              <a:rPr lang="en-US" sz="1900" dirty="0">
+                <a:solidFill>
+                  <a:schemeClr val="tx1"/>
+                </a:solidFill>
+              </a:rPr>
+              <a:t>(</a:t>
+            </a:r>
+            <a:r>
+              <a:rPr lang="en-US" sz="1900" b="1" dirty="0">
+                <a:solidFill>
+                  <a:schemeClr val="tx1"/>
+                </a:solidFill>
+              </a:rPr>
+              <a:t>CCL</a:t>
+            </a:r>
+            <a:r>
+              <a:rPr lang="en-US" sz="1900" dirty="0">
+                <a:solidFill>
+                  <a:schemeClr val="tx1"/>
+                </a:solidFill>
+              </a:rPr>
+              <a:t>)</a:t>
+            </a:r>
+          </a:p>
+        </p:txBody>
+      </p:sp>
+      <p:sp>
+        <p:nvSpPr>
+          <p:cNvPr id="42" name="Rectangle: Rounded Corners 41">
+            <a:extLst>
+              <a:ext uri="{FF2B5EF4-FFF2-40B4-BE49-F238E27FC236}">
+                <a16:creationId xmlns:a16="http://schemas.microsoft.com/office/drawing/2014/main" id="{C61147BF-A6E9-423A-BBD5-EBB5D1B3AAC6}"/>
+              </a:ext>
+            </a:extLst>
+          </p:cNvPr>
+          <p:cNvSpPr/>
+          <p:nvPr/>
+        </p:nvSpPr>
+        <p:spPr>
+          <a:xfrm>
+            <a:off x="5324892" y="3753645"/>
+            <a:ext cx="2109265" cy="918734"/>
+          </a:xfrm>
+          <a:prstGeom prst="roundRect">
+            <a:avLst/>
+          </a:prstGeom>
+          <a:solidFill>
+            <a:schemeClr val="accent2">
+              <a:lumMod val="20000"/>
+              <a:lumOff val="80000"/>
+            </a:schemeClr>
+          </a:solidFill>
+          <a:ln w="25400">
+            <a:solidFill>
+              <a:schemeClr val="accent2">
+                <a:lumMod val="75000"/>
+              </a:schemeClr>
+            </a:solidFill>
+          </a:ln>
+        </p:spPr>
+        <p:style>
+          <a:lnRef idx="2">
+            <a:schemeClr val="accent1">
+              <a:shade val="50000"/>
+            </a:schemeClr>
+          </a:lnRef>
+          <a:fillRef idx="1">
+            <a:schemeClr val="accent1"/>
+          </a:fillRef>
+          <a:effectRef idx="0">
+            <a:schemeClr val="accent1"/>
+          </a:effectRef>
+          <a:fontRef idx="minor">
+            <a:schemeClr val="lt1"/>
+          </a:fontRef>
+        </p:style>
+        <p:txBody>
+          <a:bodyPr rtlCol="0" anchor="ctr"/>
+          <a:lstStyle/>
+          <a:p>
+            <a:pPr algn="ctr"/>
+            <a:r>
+              <a:rPr lang="en-US" sz="1850" i="1" dirty="0">
+                <a:solidFill>
+                  <a:schemeClr val="tx1"/>
+                </a:solidFill>
+              </a:rPr>
+              <a:t>Trained</a:t>
+            </a:r>
+            <a:r>
+              <a:rPr lang="en-US" sz="1850" dirty="0">
+                <a:solidFill>
+                  <a:schemeClr val="tx1"/>
+                </a:solidFill>
+              </a:rPr>
+              <a:t> Code Transformation Learning (</a:t>
+            </a:r>
+            <a:r>
+              <a:rPr lang="en-US" sz="1850" b="1" dirty="0">
+                <a:solidFill>
+                  <a:schemeClr val="tx1"/>
+                </a:solidFill>
+              </a:rPr>
+              <a:t>CTL</a:t>
+            </a:r>
+            <a:r>
+              <a:rPr lang="en-US" sz="1850" dirty="0">
+                <a:solidFill>
+                  <a:schemeClr val="tx1"/>
+                </a:solidFill>
+              </a:rPr>
+              <a:t>)</a:t>
+            </a:r>
+          </a:p>
+        </p:txBody>
+      </p:sp>
+      <p:cxnSp>
+        <p:nvCxnSpPr>
+          <p:cNvPr id="75" name="Straight Arrow Connector 74">
+            <a:extLst>
+              <a:ext uri="{FF2B5EF4-FFF2-40B4-BE49-F238E27FC236}">
+                <a16:creationId xmlns:a16="http://schemas.microsoft.com/office/drawing/2014/main" id="{1E26547B-40D7-4EC9-A296-9A275442F3A1}"/>
+              </a:ext>
+            </a:extLst>
+          </p:cNvPr>
+          <p:cNvCxnSpPr/>
+          <p:nvPr/>
+        </p:nvCxnSpPr>
+        <p:spPr>
+          <a:xfrm flipV="1">
+            <a:off x="4992032" y="4213460"/>
+            <a:ext cx="332860" cy="2649"/>
+          </a:xfrm>
+          <a:prstGeom prst="straightConnector1">
+            <a:avLst/>
+          </a:prstGeom>
+          <a:ln w="25400">
+            <a:tailEnd type="triangle"/>
+          </a:ln>
+        </p:spPr>
+        <p:style>
+          <a:lnRef idx="1">
+            <a:schemeClr val="accent1"/>
+          </a:lnRef>
+          <a:fillRef idx="0">
+            <a:schemeClr val="accent1"/>
+          </a:fillRef>
+          <a:effectRef idx="0">
+            <a:schemeClr val="accent1"/>
+          </a:effectRef>
+          <a:fontRef idx="minor">
+            <a:schemeClr val="tx1"/>
+          </a:fontRef>
+        </p:style>
+      </p:cxnSp>
+      <p:cxnSp>
+        <p:nvCxnSpPr>
+          <p:cNvPr id="76" name="Straight Arrow Connector 75">
+            <a:extLst>
+              <a:ext uri="{FF2B5EF4-FFF2-40B4-BE49-F238E27FC236}">
+                <a16:creationId xmlns:a16="http://schemas.microsoft.com/office/drawing/2014/main" id="{79185833-1F06-46BC-B258-D8B677D60BAF}"/>
+              </a:ext>
+            </a:extLst>
+          </p:cNvPr>
+          <p:cNvCxnSpPr/>
+          <p:nvPr/>
+        </p:nvCxnSpPr>
+        <p:spPr>
+          <a:xfrm flipV="1">
+            <a:off x="5043842" y="2634427"/>
+            <a:ext cx="332860" cy="2649"/>
+          </a:xfrm>
+          <a:prstGeom prst="straightConnector1">
+            <a:avLst/>
+          </a:prstGeom>
+          <a:ln w="25400">
+            <a:tailEnd type="triangle"/>
+          </a:ln>
+        </p:spPr>
+        <p:style>
+          <a:lnRef idx="1">
+            <a:schemeClr val="accent1"/>
+          </a:lnRef>
+          <a:fillRef idx="0">
+            <a:schemeClr val="accent1"/>
+          </a:fillRef>
+          <a:effectRef idx="0">
+            <a:schemeClr val="accent1"/>
+          </a:effectRef>
+          <a:fontRef idx="minor">
+            <a:schemeClr val="tx1"/>
+          </a:fontRef>
+        </p:style>
+      </p:cxnSp>
+      <p:cxnSp>
+        <p:nvCxnSpPr>
+          <p:cNvPr id="91" name="Straight Arrow Connector 90">
+            <a:extLst>
+              <a:ext uri="{FF2B5EF4-FFF2-40B4-BE49-F238E27FC236}">
+                <a16:creationId xmlns:a16="http://schemas.microsoft.com/office/drawing/2014/main" id="{4711F1A2-0517-44EA-BC94-3B2EFD35FA99}"/>
+              </a:ext>
+            </a:extLst>
+          </p:cNvPr>
+          <p:cNvCxnSpPr>
+            <a:cxnSpLocks/>
+            <a:stCxn id="27" idx="2"/>
+            <a:endCxn id="42" idx="0"/>
+          </p:cNvCxnSpPr>
+          <p:nvPr/>
+        </p:nvCxnSpPr>
+        <p:spPr>
+          <a:xfrm flipH="1">
+            <a:off x="6379525" y="3023574"/>
+            <a:ext cx="13059" cy="730071"/>
+          </a:xfrm>
+          <a:prstGeom prst="straightConnector1">
+            <a:avLst/>
+          </a:prstGeom>
+          <a:ln w="25400">
+            <a:headEnd type="triangle"/>
+            <a:tailEnd type="triangle"/>
+          </a:ln>
+        </p:spPr>
+        <p:style>
+          <a:lnRef idx="1">
+            <a:schemeClr val="accent1"/>
+          </a:lnRef>
+          <a:fillRef idx="0">
+            <a:schemeClr val="accent1"/>
+          </a:fillRef>
+          <a:effectRef idx="0">
+            <a:schemeClr val="accent1"/>
+          </a:effectRef>
+          <a:fontRef idx="minor">
+            <a:schemeClr val="tx1"/>
+          </a:fontRef>
+        </p:style>
+      </p:cxnSp>
+      <p:sp>
+        <p:nvSpPr>
+          <p:cNvPr id="12" name="Oval 11">
+            <a:extLst>
+              <a:ext uri="{FF2B5EF4-FFF2-40B4-BE49-F238E27FC236}">
+                <a16:creationId xmlns:a16="http://schemas.microsoft.com/office/drawing/2014/main" id="{3D3CCC25-56F3-44D6-8B44-3996C81026B6}"/>
+              </a:ext>
+            </a:extLst>
+          </p:cNvPr>
+          <p:cNvSpPr/>
+          <p:nvPr/>
+        </p:nvSpPr>
+        <p:spPr>
+          <a:xfrm>
+            <a:off x="4139048" y="3297077"/>
+            <a:ext cx="190500" cy="190500"/>
+          </a:xfrm>
+          <a:prstGeom prst="ellipse">
+            <a:avLst/>
+          </a:prstGeom>
+          <a:solidFill>
+            <a:schemeClr val="accent6">
+              <a:lumMod val="40000"/>
+              <a:lumOff val="60000"/>
+            </a:schemeClr>
+          </a:solidFill>
+          <a:ln>
+            <a:solidFill>
+              <a:schemeClr val="accent6">
+                <a:lumMod val="75000"/>
+              </a:schemeClr>
+            </a:solidFill>
+          </a:ln>
+        </p:spPr>
+        <p:style>
+          <a:lnRef idx="2">
+            <a:schemeClr val="accent1">
+              <a:shade val="50000"/>
+            </a:schemeClr>
+          </a:lnRef>
+          <a:fillRef idx="1">
+            <a:schemeClr val="accent1"/>
+          </a:fillRef>
+          <a:effectRef idx="0">
+            <a:schemeClr val="accent1"/>
+          </a:effectRef>
+          <a:fontRef idx="minor">
+            <a:schemeClr val="lt1"/>
+          </a:fontRef>
+        </p:style>
+        <p:txBody>
+          <a:bodyPr rtlCol="0" anchor="ctr"/>
+          <a:lstStyle/>
+          <a:p>
+            <a:pPr algn="ctr"/>
+            <a:endParaRPr lang="en-US"/>
+          </a:p>
+        </p:txBody>
+      </p:sp>
+      <p:sp>
+        <p:nvSpPr>
+          <p:cNvPr id="13" name="Oval 12">
+            <a:extLst>
+              <a:ext uri="{FF2B5EF4-FFF2-40B4-BE49-F238E27FC236}">
+                <a16:creationId xmlns:a16="http://schemas.microsoft.com/office/drawing/2014/main" id="{0551262F-7014-40A1-B3DA-EBD3D5A57888}"/>
+              </a:ext>
+            </a:extLst>
+          </p:cNvPr>
+          <p:cNvSpPr/>
+          <p:nvPr/>
+        </p:nvSpPr>
+        <p:spPr>
+          <a:xfrm>
+            <a:off x="4894698" y="3297077"/>
+            <a:ext cx="190500" cy="190500"/>
+          </a:xfrm>
+          <a:prstGeom prst="ellipse">
+            <a:avLst/>
+          </a:prstGeom>
+          <a:solidFill>
+            <a:srgbClr val="FFC000"/>
+          </a:solidFill>
+          <a:ln>
+            <a:solidFill>
+              <a:schemeClr val="accent6">
+                <a:lumMod val="75000"/>
+              </a:schemeClr>
+            </a:solidFill>
+          </a:ln>
+        </p:spPr>
+        <p:style>
+          <a:lnRef idx="2">
+            <a:schemeClr val="accent1">
+              <a:shade val="50000"/>
+            </a:schemeClr>
+          </a:lnRef>
+          <a:fillRef idx="1">
+            <a:schemeClr val="accent1"/>
+          </a:fillRef>
+          <a:effectRef idx="0">
+            <a:schemeClr val="accent1"/>
+          </a:effectRef>
+          <a:fontRef idx="minor">
+            <a:schemeClr val="lt1"/>
+          </a:fontRef>
+        </p:style>
+        <p:txBody>
+          <a:bodyPr rtlCol="0" anchor="ctr"/>
+          <a:lstStyle/>
+          <a:p>
+            <a:pPr algn="ctr"/>
+            <a:endParaRPr lang="en-US" dirty="0"/>
+          </a:p>
+        </p:txBody>
+      </p:sp>
+      <p:cxnSp>
+        <p:nvCxnSpPr>
+          <p:cNvPr id="19" name="Straight Arrow Connector 18">
+            <a:extLst>
+              <a:ext uri="{FF2B5EF4-FFF2-40B4-BE49-F238E27FC236}">
+                <a16:creationId xmlns:a16="http://schemas.microsoft.com/office/drawing/2014/main" id="{4BFCEB90-0F52-4654-BF5F-ED99ABC9EE00}"/>
+              </a:ext>
+            </a:extLst>
+          </p:cNvPr>
+          <p:cNvCxnSpPr>
+            <a:cxnSpLocks/>
+            <a:stCxn id="11" idx="3"/>
+            <a:endCxn id="12" idx="7"/>
+          </p:cNvCxnSpPr>
+          <p:nvPr/>
+        </p:nvCxnSpPr>
+        <p:spPr>
+          <a:xfrm flipH="1">
+            <a:off x="4301650" y="2966284"/>
+            <a:ext cx="246296" cy="358691"/>
+          </a:xfrm>
+          <a:prstGeom prst="straightConnector1">
+            <a:avLst/>
+          </a:prstGeom>
+          <a:ln w="25400">
+            <a:tailEnd type="triangle"/>
+          </a:ln>
+        </p:spPr>
+        <p:style>
+          <a:lnRef idx="1">
+            <a:schemeClr val="accent1"/>
+          </a:lnRef>
+          <a:fillRef idx="0">
+            <a:schemeClr val="accent1"/>
+          </a:fillRef>
+          <a:effectRef idx="0">
+            <a:schemeClr val="accent1"/>
+          </a:effectRef>
+          <a:fontRef idx="minor">
+            <a:schemeClr val="tx1"/>
+          </a:fontRef>
+        </p:style>
+      </p:cxnSp>
+      <p:cxnSp>
+        <p:nvCxnSpPr>
+          <p:cNvPr id="22" name="Straight Arrow Connector 21">
+            <a:extLst>
+              <a:ext uri="{FF2B5EF4-FFF2-40B4-BE49-F238E27FC236}">
+                <a16:creationId xmlns:a16="http://schemas.microsoft.com/office/drawing/2014/main" id="{78729F2F-4120-4631-B35F-1DA81F1BE9A1}"/>
+              </a:ext>
+            </a:extLst>
+          </p:cNvPr>
+          <p:cNvCxnSpPr>
+            <a:cxnSpLocks/>
+            <a:stCxn id="11" idx="5"/>
+            <a:endCxn id="13" idx="1"/>
+          </p:cNvCxnSpPr>
+          <p:nvPr/>
+        </p:nvCxnSpPr>
+        <p:spPr>
+          <a:xfrm>
+            <a:off x="4682650" y="2966284"/>
+            <a:ext cx="239946" cy="358691"/>
+          </a:xfrm>
+          <a:prstGeom prst="straightConnector1">
+            <a:avLst/>
+          </a:prstGeom>
+          <a:ln w="25400">
+            <a:solidFill>
+              <a:srgbClr val="FF0000"/>
+            </a:solidFill>
+            <a:tailEnd type="triangle"/>
+          </a:ln>
+        </p:spPr>
+        <p:style>
+          <a:lnRef idx="1">
+            <a:schemeClr val="accent1"/>
+          </a:lnRef>
+          <a:fillRef idx="0">
+            <a:schemeClr val="accent1"/>
+          </a:fillRef>
+          <a:effectRef idx="0">
+            <a:schemeClr val="accent1"/>
+          </a:effectRef>
+          <a:fontRef idx="minor">
+            <a:schemeClr val="tx1"/>
+          </a:fontRef>
+        </p:style>
+      </p:cxnSp>
+      <p:grpSp>
+        <p:nvGrpSpPr>
+          <p:cNvPr id="54" name="Group 53">
+            <a:extLst>
+              <a:ext uri="{FF2B5EF4-FFF2-40B4-BE49-F238E27FC236}">
+                <a16:creationId xmlns:a16="http://schemas.microsoft.com/office/drawing/2014/main" id="{C4FE0C7E-AE59-4C25-B32A-FB30FECBA775}"/>
+              </a:ext>
+            </a:extLst>
+          </p:cNvPr>
+          <p:cNvGrpSpPr/>
+          <p:nvPr/>
+        </p:nvGrpSpPr>
+        <p:grpSpPr>
+          <a:xfrm>
+            <a:off x="3770748" y="2296476"/>
+            <a:ext cx="939800" cy="697706"/>
+            <a:chOff x="4962328" y="1957735"/>
+            <a:chExt cx="939800" cy="697706"/>
+          </a:xfrm>
+        </p:grpSpPr>
+        <p:sp>
+          <p:nvSpPr>
+            <p:cNvPr id="6" name="Oval 5">
+              <a:extLst>
+                <a:ext uri="{FF2B5EF4-FFF2-40B4-BE49-F238E27FC236}">
+                  <a16:creationId xmlns:a16="http://schemas.microsoft.com/office/drawing/2014/main" id="{470D599C-3F89-4886-9C49-233CC1602D01}"/>
+                </a:ext>
+              </a:extLst>
+            </p:cNvPr>
+            <p:cNvSpPr/>
+            <p:nvPr/>
+          </p:nvSpPr>
+          <p:spPr>
+            <a:xfrm>
+              <a:off x="5330628" y="1957735"/>
+              <a:ext cx="190500" cy="190500"/>
+            </a:xfrm>
+            <a:prstGeom prst="ellipse">
+              <a:avLst/>
+            </a:prstGeom>
+            <a:solidFill>
+              <a:schemeClr val="accent6">
+                <a:lumMod val="40000"/>
+                <a:lumOff val="60000"/>
+              </a:schemeClr>
+            </a:solidFill>
+            <a:ln>
+              <a:solidFill>
+                <a:schemeClr val="accent6">
+                  <a:lumMod val="75000"/>
+                </a:schemeClr>
+              </a:solidFill>
+            </a:ln>
+          </p:spPr>
+          <p:style>
+            <a:lnRef idx="2">
+              <a:schemeClr val="accent1">
+                <a:shade val="50000"/>
+              </a:schemeClr>
+            </a:lnRef>
+            <a:fillRef idx="1">
+              <a:schemeClr val="accent1"/>
+            </a:fillRef>
+            <a:effectRef idx="0">
+              <a:schemeClr val="accent1"/>
+            </a:effectRef>
+            <a:fontRef idx="minor">
+              <a:schemeClr val="lt1"/>
+            </a:fontRef>
+          </p:style>
+          <p:txBody>
+            <a:bodyPr rtlCol="0" anchor="ctr"/>
+            <a:lstStyle/>
+            <a:p>
+              <a:pPr algn="ctr"/>
+              <a:endParaRPr lang="en-US"/>
+            </a:p>
+          </p:txBody>
+        </p:sp>
+        <p:sp>
+          <p:nvSpPr>
+            <p:cNvPr id="10" name="Oval 9">
+              <a:extLst>
+                <a:ext uri="{FF2B5EF4-FFF2-40B4-BE49-F238E27FC236}">
+                  <a16:creationId xmlns:a16="http://schemas.microsoft.com/office/drawing/2014/main" id="{78A16A7B-ED5A-4841-9100-606221F042A4}"/>
+                </a:ext>
+              </a:extLst>
+            </p:cNvPr>
+            <p:cNvSpPr/>
+            <p:nvPr/>
+          </p:nvSpPr>
+          <p:spPr>
+            <a:xfrm>
+              <a:off x="4962328" y="2464941"/>
+              <a:ext cx="190500" cy="190500"/>
+            </a:xfrm>
+            <a:prstGeom prst="ellipse">
+              <a:avLst/>
+            </a:prstGeom>
+            <a:solidFill>
+              <a:schemeClr val="accent6">
+                <a:lumMod val="40000"/>
+                <a:lumOff val="60000"/>
+              </a:schemeClr>
+            </a:solidFill>
+            <a:ln>
+              <a:solidFill>
+                <a:schemeClr val="accent6">
+                  <a:lumMod val="75000"/>
+                </a:schemeClr>
+              </a:solidFill>
+            </a:ln>
+          </p:spPr>
+          <p:style>
+            <a:lnRef idx="2">
+              <a:schemeClr val="accent1">
+                <a:shade val="50000"/>
+              </a:schemeClr>
+            </a:lnRef>
+            <a:fillRef idx="1">
+              <a:schemeClr val="accent1"/>
+            </a:fillRef>
+            <a:effectRef idx="0">
+              <a:schemeClr val="accent1"/>
+            </a:effectRef>
+            <a:fontRef idx="minor">
+              <a:schemeClr val="lt1"/>
+            </a:fontRef>
+          </p:style>
+          <p:txBody>
+            <a:bodyPr rtlCol="0" anchor="ctr"/>
+            <a:lstStyle/>
+            <a:p>
+              <a:pPr algn="ctr"/>
+              <a:endParaRPr lang="en-US"/>
+            </a:p>
+          </p:txBody>
+        </p:sp>
+        <p:sp>
+          <p:nvSpPr>
+            <p:cNvPr id="11" name="Oval 10">
+              <a:extLst>
+                <a:ext uri="{FF2B5EF4-FFF2-40B4-BE49-F238E27FC236}">
+                  <a16:creationId xmlns:a16="http://schemas.microsoft.com/office/drawing/2014/main" id="{DD7077DB-E4CA-42D0-8062-535BCA33231D}"/>
+                </a:ext>
+              </a:extLst>
+            </p:cNvPr>
+            <p:cNvSpPr/>
+            <p:nvPr/>
+          </p:nvSpPr>
+          <p:spPr>
+            <a:xfrm>
+              <a:off x="5711628" y="2464941"/>
+              <a:ext cx="190500" cy="190500"/>
+            </a:xfrm>
+            <a:prstGeom prst="ellipse">
+              <a:avLst/>
+            </a:prstGeom>
+            <a:solidFill>
+              <a:srgbClr val="FFC000"/>
+            </a:solidFill>
+            <a:ln>
+              <a:solidFill>
+                <a:schemeClr val="accent6">
+                  <a:lumMod val="75000"/>
+                </a:schemeClr>
+              </a:solidFill>
+            </a:ln>
+          </p:spPr>
+          <p:style>
+            <a:lnRef idx="2">
+              <a:schemeClr val="accent1">
+                <a:shade val="50000"/>
+              </a:schemeClr>
+            </a:lnRef>
+            <a:fillRef idx="1">
+              <a:schemeClr val="accent1"/>
+            </a:fillRef>
+            <a:effectRef idx="0">
+              <a:schemeClr val="accent1"/>
+            </a:effectRef>
+            <a:fontRef idx="minor">
+              <a:schemeClr val="lt1"/>
+            </a:fontRef>
+          </p:style>
+          <p:txBody>
+            <a:bodyPr rtlCol="0" anchor="ctr"/>
+            <a:lstStyle/>
+            <a:p>
+              <a:pPr algn="ctr"/>
+              <a:endParaRPr lang="en-US"/>
+            </a:p>
+          </p:txBody>
+        </p:sp>
+        <p:cxnSp>
+          <p:nvCxnSpPr>
+            <p:cNvPr id="9" name="Straight Arrow Connector 8">
+              <a:extLst>
+                <a:ext uri="{FF2B5EF4-FFF2-40B4-BE49-F238E27FC236}">
+                  <a16:creationId xmlns:a16="http://schemas.microsoft.com/office/drawing/2014/main" id="{A570A030-BD8A-40B7-886B-8931F720D89E}"/>
+                </a:ext>
+              </a:extLst>
+            </p:cNvPr>
+            <p:cNvCxnSpPr>
+              <a:cxnSpLocks/>
+              <a:stCxn id="6" idx="3"/>
+              <a:endCxn id="10" idx="6"/>
+            </p:cNvCxnSpPr>
+            <p:nvPr/>
+          </p:nvCxnSpPr>
+          <p:spPr>
+            <a:xfrm flipH="1">
+              <a:off x="5124930" y="2120337"/>
+              <a:ext cx="233596" cy="372502"/>
+            </a:xfrm>
+            <a:prstGeom prst="straightConnector1">
+              <a:avLst/>
+            </a:prstGeom>
+            <a:ln w="25400">
+              <a:tailEnd type="triangle"/>
+            </a:ln>
+          </p:spPr>
+          <p:style>
+            <a:lnRef idx="1">
+              <a:schemeClr val="accent1"/>
+            </a:lnRef>
+            <a:fillRef idx="0">
+              <a:schemeClr val="accent1"/>
+            </a:fillRef>
+            <a:effectRef idx="0">
+              <a:schemeClr val="accent1"/>
+            </a:effectRef>
+            <a:fontRef idx="minor">
+              <a:schemeClr val="tx1"/>
+            </a:fontRef>
+          </p:style>
+        </p:cxnSp>
+        <p:cxnSp>
+          <p:nvCxnSpPr>
+            <p:cNvPr id="16" name="Straight Arrow Connector 15">
+              <a:extLst>
+                <a:ext uri="{FF2B5EF4-FFF2-40B4-BE49-F238E27FC236}">
+                  <a16:creationId xmlns:a16="http://schemas.microsoft.com/office/drawing/2014/main" id="{A67836DA-BBDF-4AA1-9287-B74AADA97FDB}"/>
+                </a:ext>
+              </a:extLst>
+            </p:cNvPr>
+            <p:cNvCxnSpPr>
+              <a:cxnSpLocks/>
+              <a:stCxn id="6" idx="5"/>
+              <a:endCxn id="11" idx="1"/>
+            </p:cNvCxnSpPr>
+            <p:nvPr/>
+          </p:nvCxnSpPr>
+          <p:spPr>
+            <a:xfrm>
+              <a:off x="5493230" y="2120337"/>
+              <a:ext cx="246296" cy="372502"/>
+            </a:xfrm>
+            <a:prstGeom prst="straightConnector1">
+              <a:avLst/>
+            </a:prstGeom>
+            <a:ln w="25400">
+              <a:tailEnd type="triangle"/>
+            </a:ln>
+          </p:spPr>
+          <p:style>
+            <a:lnRef idx="1">
+              <a:schemeClr val="accent1"/>
+            </a:lnRef>
+            <a:fillRef idx="0">
+              <a:schemeClr val="accent1"/>
+            </a:fillRef>
+            <a:effectRef idx="0">
+              <a:schemeClr val="accent1"/>
+            </a:effectRef>
+            <a:fontRef idx="minor">
+              <a:schemeClr val="tx1"/>
+            </a:fontRef>
+          </p:style>
+        </p:cxnSp>
+        <p:cxnSp>
+          <p:nvCxnSpPr>
+            <p:cNvPr id="34" name="Straight Arrow Connector 33">
+              <a:extLst>
+                <a:ext uri="{FF2B5EF4-FFF2-40B4-BE49-F238E27FC236}">
+                  <a16:creationId xmlns:a16="http://schemas.microsoft.com/office/drawing/2014/main" id="{800ABE5A-ED23-4F9A-97BE-93D8F344DAF2}"/>
+                </a:ext>
+              </a:extLst>
+            </p:cNvPr>
+            <p:cNvCxnSpPr>
+              <a:cxnSpLocks/>
+              <a:stCxn id="6" idx="4"/>
+            </p:cNvCxnSpPr>
+            <p:nvPr/>
+          </p:nvCxnSpPr>
+          <p:spPr>
+            <a:xfrm>
+              <a:off x="5425878" y="2148235"/>
+              <a:ext cx="0" cy="353860"/>
+            </a:xfrm>
+            <a:prstGeom prst="straightConnector1">
+              <a:avLst/>
+            </a:prstGeom>
+            <a:ln w="12700">
+              <a:tailEnd type="triangle"/>
+            </a:ln>
+          </p:spPr>
+          <p:style>
+            <a:lnRef idx="1">
+              <a:schemeClr val="accent1"/>
+            </a:lnRef>
+            <a:fillRef idx="0">
+              <a:schemeClr val="accent1"/>
+            </a:fillRef>
+            <a:effectRef idx="0">
+              <a:schemeClr val="accent1"/>
+            </a:effectRef>
+            <a:fontRef idx="minor">
+              <a:schemeClr val="tx1"/>
+            </a:fontRef>
+          </p:style>
+        </p:cxnSp>
+      </p:grpSp>
+      <p:grpSp>
+        <p:nvGrpSpPr>
+          <p:cNvPr id="116" name="Group 115">
+            <a:extLst>
+              <a:ext uri="{FF2B5EF4-FFF2-40B4-BE49-F238E27FC236}">
+                <a16:creationId xmlns:a16="http://schemas.microsoft.com/office/drawing/2014/main" id="{E18D2C30-1919-4D91-B872-266D681753A4}"/>
+              </a:ext>
+            </a:extLst>
+          </p:cNvPr>
+          <p:cNvGrpSpPr/>
+          <p:nvPr/>
+        </p:nvGrpSpPr>
+        <p:grpSpPr>
+          <a:xfrm>
+            <a:off x="7783709" y="3817649"/>
+            <a:ext cx="939800" cy="697706"/>
+            <a:chOff x="3473450" y="1362075"/>
+            <a:chExt cx="939800" cy="697706"/>
+          </a:xfrm>
+        </p:grpSpPr>
+        <p:sp>
+          <p:nvSpPr>
+            <p:cNvPr id="117" name="Oval 116">
+              <a:extLst>
+                <a:ext uri="{FF2B5EF4-FFF2-40B4-BE49-F238E27FC236}">
+                  <a16:creationId xmlns:a16="http://schemas.microsoft.com/office/drawing/2014/main" id="{82E609CE-8429-4961-9206-89EDB63AEB74}"/>
+                </a:ext>
+              </a:extLst>
+            </p:cNvPr>
+            <p:cNvSpPr/>
+            <p:nvPr/>
+          </p:nvSpPr>
+          <p:spPr>
+            <a:xfrm>
+              <a:off x="3841750" y="1362075"/>
+              <a:ext cx="190500" cy="190500"/>
+            </a:xfrm>
+            <a:prstGeom prst="ellipse">
+              <a:avLst/>
+            </a:prstGeom>
+            <a:solidFill>
+              <a:schemeClr val="accent6">
+                <a:lumMod val="40000"/>
+                <a:lumOff val="60000"/>
+              </a:schemeClr>
+            </a:solidFill>
+            <a:ln>
+              <a:solidFill>
+                <a:schemeClr val="accent6">
+                  <a:lumMod val="75000"/>
+                </a:schemeClr>
+              </a:solidFill>
+            </a:ln>
+          </p:spPr>
+          <p:style>
+            <a:lnRef idx="2">
+              <a:schemeClr val="accent1">
+                <a:shade val="50000"/>
+              </a:schemeClr>
+            </a:lnRef>
+            <a:fillRef idx="1">
+              <a:schemeClr val="accent1"/>
+            </a:fillRef>
+            <a:effectRef idx="0">
+              <a:schemeClr val="accent1"/>
+            </a:effectRef>
+            <a:fontRef idx="minor">
+              <a:schemeClr val="lt1"/>
+            </a:fontRef>
+          </p:style>
+          <p:txBody>
+            <a:bodyPr rtlCol="0" anchor="ctr"/>
+            <a:lstStyle/>
+            <a:p>
+              <a:pPr algn="ctr"/>
+              <a:endParaRPr lang="en-US"/>
+            </a:p>
+          </p:txBody>
+        </p:sp>
+        <p:sp>
+          <p:nvSpPr>
+            <p:cNvPr id="118" name="Oval 117">
+              <a:extLst>
+                <a:ext uri="{FF2B5EF4-FFF2-40B4-BE49-F238E27FC236}">
+                  <a16:creationId xmlns:a16="http://schemas.microsoft.com/office/drawing/2014/main" id="{94112A37-27C8-4E77-8D89-A9D12BEA3706}"/>
+                </a:ext>
+              </a:extLst>
+            </p:cNvPr>
+            <p:cNvSpPr/>
+            <p:nvPr/>
+          </p:nvSpPr>
+          <p:spPr>
+            <a:xfrm>
+              <a:off x="3473450" y="1869281"/>
+              <a:ext cx="190500" cy="190500"/>
+            </a:xfrm>
+            <a:prstGeom prst="ellipse">
+              <a:avLst/>
+            </a:prstGeom>
+            <a:solidFill>
+              <a:schemeClr val="accent6">
+                <a:lumMod val="40000"/>
+                <a:lumOff val="60000"/>
+              </a:schemeClr>
+            </a:solidFill>
+            <a:ln>
+              <a:solidFill>
+                <a:schemeClr val="accent6">
+                  <a:lumMod val="75000"/>
+                </a:schemeClr>
+              </a:solidFill>
+            </a:ln>
+          </p:spPr>
+          <p:style>
+            <a:lnRef idx="2">
+              <a:schemeClr val="accent1">
+                <a:shade val="50000"/>
+              </a:schemeClr>
+            </a:lnRef>
+            <a:fillRef idx="1">
+              <a:schemeClr val="accent1"/>
+            </a:fillRef>
+            <a:effectRef idx="0">
+              <a:schemeClr val="accent1"/>
+            </a:effectRef>
+            <a:fontRef idx="minor">
+              <a:schemeClr val="lt1"/>
+            </a:fontRef>
+          </p:style>
+          <p:txBody>
+            <a:bodyPr rtlCol="0" anchor="ctr"/>
+            <a:lstStyle/>
+            <a:p>
+              <a:pPr algn="ctr"/>
+              <a:endParaRPr lang="en-US"/>
+            </a:p>
+          </p:txBody>
+        </p:sp>
+        <p:sp>
+          <p:nvSpPr>
+            <p:cNvPr id="119" name="Oval 118">
+              <a:extLst>
+                <a:ext uri="{FF2B5EF4-FFF2-40B4-BE49-F238E27FC236}">
+                  <a16:creationId xmlns:a16="http://schemas.microsoft.com/office/drawing/2014/main" id="{A761DB97-8790-495A-9F04-DECDE891203B}"/>
+                </a:ext>
+              </a:extLst>
+            </p:cNvPr>
+            <p:cNvSpPr/>
+            <p:nvPr/>
+          </p:nvSpPr>
+          <p:spPr>
+            <a:xfrm>
+              <a:off x="4222750" y="1869281"/>
+              <a:ext cx="190500" cy="190500"/>
+            </a:xfrm>
+            <a:prstGeom prst="ellipse">
+              <a:avLst/>
+            </a:prstGeom>
+            <a:solidFill>
+              <a:schemeClr val="accent6">
+                <a:lumMod val="40000"/>
+                <a:lumOff val="60000"/>
+              </a:schemeClr>
+            </a:solidFill>
+            <a:ln>
+              <a:solidFill>
+                <a:schemeClr val="accent6">
+                  <a:lumMod val="75000"/>
+                </a:schemeClr>
+              </a:solidFill>
+            </a:ln>
+          </p:spPr>
+          <p:style>
+            <a:lnRef idx="2">
+              <a:schemeClr val="accent1">
+                <a:shade val="50000"/>
+              </a:schemeClr>
+            </a:lnRef>
+            <a:fillRef idx="1">
+              <a:schemeClr val="accent1"/>
+            </a:fillRef>
+            <a:effectRef idx="0">
+              <a:schemeClr val="accent1"/>
+            </a:effectRef>
+            <a:fontRef idx="minor">
+              <a:schemeClr val="lt1"/>
+            </a:fontRef>
+          </p:style>
+          <p:txBody>
+            <a:bodyPr rtlCol="0" anchor="ctr"/>
+            <a:lstStyle/>
+            <a:p>
+              <a:pPr algn="ctr"/>
+              <a:endParaRPr lang="en-US"/>
+            </a:p>
+          </p:txBody>
+        </p:sp>
+        <p:cxnSp>
+          <p:nvCxnSpPr>
+            <p:cNvPr id="120" name="Straight Arrow Connector 119">
+              <a:extLst>
+                <a:ext uri="{FF2B5EF4-FFF2-40B4-BE49-F238E27FC236}">
+                  <a16:creationId xmlns:a16="http://schemas.microsoft.com/office/drawing/2014/main" id="{E7FA53FD-F103-43F5-8B05-DB4885747AE7}"/>
+                </a:ext>
+              </a:extLst>
+            </p:cNvPr>
+            <p:cNvCxnSpPr>
+              <a:stCxn id="117" idx="3"/>
+              <a:endCxn id="118" idx="6"/>
+            </p:cNvCxnSpPr>
+            <p:nvPr/>
+          </p:nvCxnSpPr>
+          <p:spPr>
+            <a:xfrm flipH="1">
+              <a:off x="3636052" y="1524677"/>
+              <a:ext cx="233596" cy="372502"/>
+            </a:xfrm>
+            <a:prstGeom prst="straightConnector1">
+              <a:avLst/>
+            </a:prstGeom>
+            <a:ln w="25400">
+              <a:tailEnd type="triangle"/>
+            </a:ln>
+          </p:spPr>
+          <p:style>
+            <a:lnRef idx="1">
+              <a:schemeClr val="accent1"/>
+            </a:lnRef>
+            <a:fillRef idx="0">
+              <a:schemeClr val="accent1"/>
+            </a:fillRef>
+            <a:effectRef idx="0">
+              <a:schemeClr val="accent1"/>
+            </a:effectRef>
+            <a:fontRef idx="minor">
+              <a:schemeClr val="tx1"/>
+            </a:fontRef>
+          </p:style>
+        </p:cxnSp>
+        <p:cxnSp>
+          <p:nvCxnSpPr>
+            <p:cNvPr id="121" name="Straight Arrow Connector 120">
+              <a:extLst>
+                <a:ext uri="{FF2B5EF4-FFF2-40B4-BE49-F238E27FC236}">
+                  <a16:creationId xmlns:a16="http://schemas.microsoft.com/office/drawing/2014/main" id="{295F335D-6DFB-4616-8B63-2D631663C6EB}"/>
+                </a:ext>
+              </a:extLst>
+            </p:cNvPr>
+            <p:cNvCxnSpPr>
+              <a:cxnSpLocks/>
+              <a:stCxn id="117" idx="5"/>
+              <a:endCxn id="119" idx="1"/>
+            </p:cNvCxnSpPr>
+            <p:nvPr/>
+          </p:nvCxnSpPr>
+          <p:spPr>
+            <a:xfrm>
+              <a:off x="4004352" y="1524677"/>
+              <a:ext cx="246296" cy="372502"/>
+            </a:xfrm>
+            <a:prstGeom prst="straightConnector1">
+              <a:avLst/>
+            </a:prstGeom>
+            <a:ln w="25400">
+              <a:solidFill>
+                <a:srgbClr val="0070C0"/>
+              </a:solidFill>
+              <a:tailEnd type="triangle"/>
+            </a:ln>
+          </p:spPr>
+          <p:style>
+            <a:lnRef idx="1">
+              <a:schemeClr val="accent1"/>
+            </a:lnRef>
+            <a:fillRef idx="0">
+              <a:schemeClr val="accent1"/>
+            </a:fillRef>
+            <a:effectRef idx="0">
+              <a:schemeClr val="accent1"/>
+            </a:effectRef>
+            <a:fontRef idx="minor">
+              <a:schemeClr val="tx1"/>
+            </a:fontRef>
+          </p:style>
+        </p:cxnSp>
+      </p:grpSp>
+      <p:sp>
+        <p:nvSpPr>
+          <p:cNvPr id="122" name="TextBox 121">
+            <a:extLst>
+              <a:ext uri="{FF2B5EF4-FFF2-40B4-BE49-F238E27FC236}">
+                <a16:creationId xmlns:a16="http://schemas.microsoft.com/office/drawing/2014/main" id="{224E5474-1B81-4BD7-AB89-9B8BBFEB997F}"/>
+              </a:ext>
+            </a:extLst>
+          </p:cNvPr>
+          <p:cNvSpPr txBox="1"/>
+          <p:nvPr/>
+        </p:nvSpPr>
+        <p:spPr>
+          <a:xfrm>
+            <a:off x="7551322" y="4426173"/>
+            <a:ext cx="1485900" cy="369332"/>
+          </a:xfrm>
+          <a:prstGeom prst="rect">
+            <a:avLst/>
+          </a:prstGeom>
+          <a:noFill/>
+        </p:spPr>
+        <p:txBody>
+          <a:bodyPr wrap="square" rtlCol="0">
+            <a:spAutoFit/>
+          </a:bodyPr>
+          <a:lstStyle/>
+          <a:p>
+            <a:r>
+              <a:rPr lang="en-US" b="1" i="1" dirty="0"/>
+              <a:t>Fixed subtree</a:t>
+            </a:r>
+          </a:p>
+        </p:txBody>
+      </p:sp>
+      <p:cxnSp>
+        <p:nvCxnSpPr>
+          <p:cNvPr id="80" name="Straight Arrow Connector 79">
+            <a:extLst>
+              <a:ext uri="{FF2B5EF4-FFF2-40B4-BE49-F238E27FC236}">
+                <a16:creationId xmlns:a16="http://schemas.microsoft.com/office/drawing/2014/main" id="{A1D73F36-E776-4ED8-AACF-B1FD34EBCB56}"/>
+              </a:ext>
+            </a:extLst>
+          </p:cNvPr>
+          <p:cNvCxnSpPr>
+            <a:cxnSpLocks/>
+          </p:cNvCxnSpPr>
+          <p:nvPr/>
+        </p:nvCxnSpPr>
+        <p:spPr>
+          <a:xfrm>
+            <a:off x="3377637" y="3271823"/>
+            <a:ext cx="298333" cy="100"/>
+          </a:xfrm>
+          <a:prstGeom prst="straightConnector1">
+            <a:avLst/>
+          </a:prstGeom>
+          <a:ln w="25400">
+            <a:tailEnd type="triangle"/>
+          </a:ln>
+        </p:spPr>
+        <p:style>
+          <a:lnRef idx="1">
+            <a:schemeClr val="accent1"/>
+          </a:lnRef>
+          <a:fillRef idx="0">
+            <a:schemeClr val="accent1"/>
+          </a:fillRef>
+          <a:effectRef idx="0">
+            <a:schemeClr val="accent1"/>
+          </a:effectRef>
+          <a:fontRef idx="minor">
+            <a:schemeClr val="tx1"/>
+          </a:fontRef>
+        </p:style>
+      </p:cxnSp>
+      <p:sp>
+        <p:nvSpPr>
+          <p:cNvPr id="92" name="Rectangle: Rounded Corners 91">
+            <a:extLst>
+              <a:ext uri="{FF2B5EF4-FFF2-40B4-BE49-F238E27FC236}">
+                <a16:creationId xmlns:a16="http://schemas.microsoft.com/office/drawing/2014/main" id="{025EA0C9-AAAD-4420-A3B2-2020AEEFB4B8}"/>
+              </a:ext>
+            </a:extLst>
+          </p:cNvPr>
+          <p:cNvSpPr/>
+          <p:nvPr/>
+        </p:nvSpPr>
+        <p:spPr>
+          <a:xfrm>
+            <a:off x="7592107" y="2223897"/>
+            <a:ext cx="1310893" cy="821060"/>
+          </a:xfrm>
+          <a:prstGeom prst="roundRect">
+            <a:avLst/>
+          </a:prstGeom>
+          <a:solidFill>
+            <a:schemeClr val="accent2">
+              <a:lumMod val="20000"/>
+              <a:lumOff val="80000"/>
+            </a:schemeClr>
+          </a:solidFill>
+          <a:ln w="25400">
+            <a:solidFill>
+              <a:schemeClr val="accent2">
+                <a:lumMod val="75000"/>
+              </a:schemeClr>
+            </a:solidFill>
+          </a:ln>
+        </p:spPr>
+        <p:style>
+          <a:lnRef idx="2">
+            <a:schemeClr val="accent1">
+              <a:shade val="50000"/>
+            </a:schemeClr>
+          </a:lnRef>
+          <a:fillRef idx="1">
+            <a:schemeClr val="accent1"/>
+          </a:fillRef>
+          <a:effectRef idx="0">
+            <a:schemeClr val="accent1"/>
+          </a:effectRef>
+          <a:fontRef idx="minor">
+            <a:schemeClr val="lt1"/>
+          </a:fontRef>
+        </p:style>
+        <p:txBody>
+          <a:bodyPr rtlCol="0" anchor="ctr"/>
+          <a:lstStyle/>
+          <a:p>
+            <a:pPr algn="ctr"/>
+            <a:r>
+              <a:rPr lang="en-US" dirty="0">
+                <a:solidFill>
+                  <a:schemeClr val="tx1"/>
+                </a:solidFill>
+              </a:rPr>
+              <a:t>Patch Generation</a:t>
+            </a:r>
+          </a:p>
+        </p:txBody>
+      </p:sp>
+      <p:cxnSp>
+        <p:nvCxnSpPr>
+          <p:cNvPr id="93" name="Straight Arrow Connector 92">
+            <a:extLst>
+              <a:ext uri="{FF2B5EF4-FFF2-40B4-BE49-F238E27FC236}">
+                <a16:creationId xmlns:a16="http://schemas.microsoft.com/office/drawing/2014/main" id="{20F62E73-D895-469C-A6A3-2C4834C7D906}"/>
+              </a:ext>
+            </a:extLst>
+          </p:cNvPr>
+          <p:cNvCxnSpPr>
+            <a:cxnSpLocks/>
+          </p:cNvCxnSpPr>
+          <p:nvPr/>
+        </p:nvCxnSpPr>
+        <p:spPr>
+          <a:xfrm flipV="1">
+            <a:off x="7447351" y="4192850"/>
+            <a:ext cx="219193" cy="2648"/>
+          </a:xfrm>
+          <a:prstGeom prst="straightConnector1">
+            <a:avLst/>
+          </a:prstGeom>
+          <a:ln w="25400">
+            <a:tailEnd type="triangle"/>
+          </a:ln>
+        </p:spPr>
+        <p:style>
+          <a:lnRef idx="1">
+            <a:schemeClr val="accent1"/>
+          </a:lnRef>
+          <a:fillRef idx="0">
+            <a:schemeClr val="accent1"/>
+          </a:fillRef>
+          <a:effectRef idx="0">
+            <a:schemeClr val="accent1"/>
+          </a:effectRef>
+          <a:fontRef idx="minor">
+            <a:schemeClr val="tx1"/>
+          </a:fontRef>
+        </p:style>
+      </p:cxnSp>
+      <p:pic>
+        <p:nvPicPr>
+          <p:cNvPr id="48" name="Picture 2" descr="File icon PNG, ICO or ICNS | Free vector icons">
+            <a:extLst>
+              <a:ext uri="{FF2B5EF4-FFF2-40B4-BE49-F238E27FC236}">
+                <a16:creationId xmlns:a16="http://schemas.microsoft.com/office/drawing/2014/main" id="{215A1029-767A-4D19-B539-7093934E2BE9}"/>
+              </a:ext>
+            </a:extLst>
+          </p:cNvPr>
+          <p:cNvPicPr>
+            <a:picLocks noChangeAspect="1" noChangeArrowheads="1"/>
+          </p:cNvPicPr>
+          <p:nvPr/>
+        </p:nvPicPr>
+        <p:blipFill>
+          <a:blip r:embed="rId2">
+            <a:extLst>
+              <a:ext uri="{28A0092B-C50C-407E-A947-70E740481C1C}">
+                <a14:useLocalDpi xmlns:a14="http://schemas.microsoft.com/office/drawing/2010/main" val="0"/>
+              </a:ext>
+            </a:extLst>
+          </a:blip>
+          <a:srcRect/>
+          <a:stretch>
+            <a:fillRect/>
+          </a:stretch>
+        </p:blipFill>
+        <p:spPr bwMode="auto">
+          <a:xfrm>
+            <a:off x="975144" y="2228553"/>
+            <a:ext cx="739140" cy="739140"/>
+          </a:xfrm>
+          <a:prstGeom prst="rect">
+            <a:avLst/>
+          </a:prstGeom>
+          <a:noFill/>
+          <a:extLst>
+            <a:ext uri="{909E8E84-426E-40DD-AFC4-6F175D3DCCD1}">
+              <a14:hiddenFill xmlns:a14="http://schemas.microsoft.com/office/drawing/2010/main">
+                <a:solidFill>
+                  <a:srgbClr val="FFFFFF"/>
+                </a:solidFill>
+              </a14:hiddenFill>
+            </a:ext>
+          </a:extLst>
+        </p:spPr>
+      </p:pic>
+      <p:sp>
+        <p:nvSpPr>
+          <p:cNvPr id="49" name="TextBox 48">
+            <a:extLst>
+              <a:ext uri="{FF2B5EF4-FFF2-40B4-BE49-F238E27FC236}">
+                <a16:creationId xmlns:a16="http://schemas.microsoft.com/office/drawing/2014/main" id="{C964056E-778C-4174-929A-B1F746AADF90}"/>
+              </a:ext>
+            </a:extLst>
+          </p:cNvPr>
+          <p:cNvSpPr txBox="1"/>
+          <p:nvPr/>
+        </p:nvSpPr>
+        <p:spPr>
+          <a:xfrm>
+            <a:off x="563788" y="2905619"/>
+            <a:ext cx="1676400" cy="646331"/>
+          </a:xfrm>
+          <a:prstGeom prst="rect">
+            <a:avLst/>
+          </a:prstGeom>
+          <a:noFill/>
+        </p:spPr>
+        <p:txBody>
+          <a:bodyPr wrap="square" rtlCol="0">
+            <a:spAutoFit/>
+          </a:bodyPr>
+          <a:lstStyle/>
+          <a:p>
+            <a:r>
+              <a:rPr lang="en-US" dirty="0"/>
+              <a:t>Buggy Method</a:t>
+            </a:r>
+          </a:p>
+          <a:p>
+            <a:pPr algn="ctr"/>
+            <a:r>
+              <a:rPr lang="en-US" dirty="0"/>
+              <a:t>(</a:t>
+            </a:r>
+            <a:r>
+              <a:rPr lang="en-US" sz="1600" dirty="0"/>
+              <a:t>after FL</a:t>
+            </a:r>
+            <a:r>
+              <a:rPr lang="en-US" dirty="0"/>
+              <a:t>)</a:t>
+            </a:r>
+          </a:p>
+        </p:txBody>
+      </p:sp>
+      <p:sp>
+        <p:nvSpPr>
+          <p:cNvPr id="50" name="TextBox 49">
+            <a:extLst>
+              <a:ext uri="{FF2B5EF4-FFF2-40B4-BE49-F238E27FC236}">
+                <a16:creationId xmlns:a16="http://schemas.microsoft.com/office/drawing/2014/main" id="{90478059-5B00-4F78-92CF-89C08F5A18C2}"/>
+              </a:ext>
+            </a:extLst>
+          </p:cNvPr>
+          <p:cNvSpPr txBox="1"/>
+          <p:nvPr/>
+        </p:nvSpPr>
+        <p:spPr>
+          <a:xfrm>
+            <a:off x="401134" y="3760141"/>
+            <a:ext cx="1967810" cy="261610"/>
+          </a:xfrm>
+          <a:prstGeom prst="rect">
+            <a:avLst/>
+          </a:prstGeom>
+          <a:noFill/>
+          <a:ln w="25400">
+            <a:solidFill>
+              <a:schemeClr val="tx1"/>
+            </a:solidFill>
+          </a:ln>
+        </p:spPr>
+        <p:txBody>
+          <a:bodyPr wrap="square" rtlCol="0">
+            <a:spAutoFit/>
+          </a:bodyPr>
+          <a:lstStyle/>
+          <a:p>
+            <a:r>
+              <a:rPr lang="en-US" sz="1100" dirty="0">
+                <a:latin typeface="Courier New" panose="02070309020205020404" pitchFamily="49" charset="0"/>
+                <a:cs typeface="Courier New" panose="02070309020205020404" pitchFamily="49" charset="0"/>
+              </a:rPr>
+              <a:t>If (dataset != null)…</a:t>
+            </a:r>
+          </a:p>
+        </p:txBody>
+      </p:sp>
+      <p:sp>
+        <p:nvSpPr>
+          <p:cNvPr id="51" name="TextBox 50">
+            <a:extLst>
+              <a:ext uri="{FF2B5EF4-FFF2-40B4-BE49-F238E27FC236}">
+                <a16:creationId xmlns:a16="http://schemas.microsoft.com/office/drawing/2014/main" id="{2A8598B2-640F-4B23-BB75-24DE4F275096}"/>
+              </a:ext>
+            </a:extLst>
+          </p:cNvPr>
+          <p:cNvSpPr txBox="1"/>
+          <p:nvPr/>
+        </p:nvSpPr>
+        <p:spPr>
+          <a:xfrm>
+            <a:off x="115821" y="3974687"/>
+            <a:ext cx="2570098" cy="646331"/>
+          </a:xfrm>
+          <a:prstGeom prst="rect">
+            <a:avLst/>
+          </a:prstGeom>
+          <a:noFill/>
+        </p:spPr>
+        <p:txBody>
+          <a:bodyPr wrap="square" rtlCol="0">
+            <a:spAutoFit/>
+          </a:bodyPr>
+          <a:lstStyle/>
+          <a:p>
+            <a:pPr algn="ctr"/>
+            <a:r>
+              <a:rPr lang="en-US" dirty="0"/>
+              <a:t>A Buggy Statement</a:t>
+            </a:r>
+          </a:p>
+          <a:p>
+            <a:pPr algn="ctr"/>
+            <a:r>
+              <a:rPr lang="en-US" dirty="0"/>
+              <a:t>(</a:t>
+            </a:r>
+            <a:r>
+              <a:rPr lang="en-US" sz="1400" dirty="0"/>
+              <a:t>after FL</a:t>
+            </a:r>
+            <a:r>
+              <a:rPr lang="en-US" dirty="0"/>
+              <a:t>)</a:t>
+            </a:r>
+          </a:p>
+        </p:txBody>
+      </p:sp>
+      <p:cxnSp>
+        <p:nvCxnSpPr>
+          <p:cNvPr id="56" name="Straight Arrow Connector 55">
+            <a:extLst>
+              <a:ext uri="{FF2B5EF4-FFF2-40B4-BE49-F238E27FC236}">
+                <a16:creationId xmlns:a16="http://schemas.microsoft.com/office/drawing/2014/main" id="{B72355D6-8E68-48A0-8AFE-0497A961CD42}"/>
+              </a:ext>
+            </a:extLst>
+          </p:cNvPr>
+          <p:cNvCxnSpPr>
+            <a:cxnSpLocks/>
+          </p:cNvCxnSpPr>
+          <p:nvPr/>
+        </p:nvCxnSpPr>
+        <p:spPr>
+          <a:xfrm>
+            <a:off x="1988214" y="3257721"/>
+            <a:ext cx="298333" cy="100"/>
+          </a:xfrm>
+          <a:prstGeom prst="straightConnector1">
+            <a:avLst/>
+          </a:prstGeom>
+          <a:ln w="25400">
+            <a:tailEnd type="triangle"/>
+          </a:ln>
+        </p:spPr>
+        <p:style>
+          <a:lnRef idx="1">
+            <a:schemeClr val="accent1"/>
+          </a:lnRef>
+          <a:fillRef idx="0">
+            <a:schemeClr val="accent1"/>
+          </a:fillRef>
+          <a:effectRef idx="0">
+            <a:schemeClr val="accent1"/>
+          </a:effectRef>
+          <a:fontRef idx="minor">
+            <a:schemeClr val="tx1"/>
+          </a:fontRef>
+        </p:style>
+      </p:cxnSp>
+      <p:sp>
+        <p:nvSpPr>
+          <p:cNvPr id="46" name="TextBox 45">
+            <a:extLst>
+              <a:ext uri="{FF2B5EF4-FFF2-40B4-BE49-F238E27FC236}">
+                <a16:creationId xmlns:a16="http://schemas.microsoft.com/office/drawing/2014/main" id="{0F9DA538-7F4D-46A1-8FEF-285A16B97F15}"/>
+              </a:ext>
+            </a:extLst>
+          </p:cNvPr>
+          <p:cNvSpPr txBox="1"/>
+          <p:nvPr/>
+        </p:nvSpPr>
+        <p:spPr>
+          <a:xfrm>
+            <a:off x="4283799" y="2190513"/>
+            <a:ext cx="502894" cy="307777"/>
+          </a:xfrm>
+          <a:prstGeom prst="rect">
+            <a:avLst/>
+          </a:prstGeom>
+          <a:noFill/>
+        </p:spPr>
+        <p:txBody>
+          <a:bodyPr wrap="square" rtlCol="0">
+            <a:spAutoFit/>
+          </a:bodyPr>
+          <a:lstStyle/>
+          <a:p>
+            <a:r>
+              <a:rPr lang="en-US" sz="1400" dirty="0"/>
+              <a:t>V</a:t>
+            </a:r>
+          </a:p>
+        </p:txBody>
+      </p:sp>
+      <p:sp>
+        <p:nvSpPr>
+          <p:cNvPr id="47" name="TextBox 46">
+            <a:extLst>
+              <a:ext uri="{FF2B5EF4-FFF2-40B4-BE49-F238E27FC236}">
+                <a16:creationId xmlns:a16="http://schemas.microsoft.com/office/drawing/2014/main" id="{2B0B8E16-D65A-48B3-B8F1-CAF594E32EBC}"/>
+              </a:ext>
+            </a:extLst>
+          </p:cNvPr>
+          <p:cNvSpPr txBox="1"/>
+          <p:nvPr/>
+        </p:nvSpPr>
+        <p:spPr>
+          <a:xfrm>
+            <a:off x="3916325" y="2803323"/>
+            <a:ext cx="502894" cy="307777"/>
+          </a:xfrm>
+          <a:prstGeom prst="rect">
+            <a:avLst/>
+          </a:prstGeom>
+          <a:noFill/>
+        </p:spPr>
+        <p:txBody>
+          <a:bodyPr wrap="square" rtlCol="0">
+            <a:spAutoFit/>
+          </a:bodyPr>
+          <a:lstStyle/>
+          <a:p>
+            <a:r>
+              <a:rPr lang="en-US" sz="1400" dirty="0"/>
+              <a:t>V</a:t>
+            </a:r>
+          </a:p>
+        </p:txBody>
+      </p:sp>
+      <p:sp>
+        <p:nvSpPr>
+          <p:cNvPr id="52" name="TextBox 51">
+            <a:extLst>
+              <a:ext uri="{FF2B5EF4-FFF2-40B4-BE49-F238E27FC236}">
+                <a16:creationId xmlns:a16="http://schemas.microsoft.com/office/drawing/2014/main" id="{8111ECF5-D350-4865-B3F9-308602CFC1E3}"/>
+              </a:ext>
+            </a:extLst>
+          </p:cNvPr>
+          <p:cNvSpPr txBox="1"/>
+          <p:nvPr/>
+        </p:nvSpPr>
+        <p:spPr>
+          <a:xfrm>
+            <a:off x="4465511" y="2553616"/>
+            <a:ext cx="502894" cy="307777"/>
+          </a:xfrm>
+          <a:prstGeom prst="rect">
+            <a:avLst/>
+          </a:prstGeom>
+          <a:noFill/>
+        </p:spPr>
+        <p:txBody>
+          <a:bodyPr wrap="square" rtlCol="0">
+            <a:spAutoFit/>
+          </a:bodyPr>
+          <a:lstStyle/>
+          <a:p>
+            <a:r>
+              <a:rPr lang="en-US" sz="1400" dirty="0"/>
+              <a:t>V</a:t>
+            </a:r>
+          </a:p>
+        </p:txBody>
+      </p:sp>
+      <p:sp>
+        <p:nvSpPr>
+          <p:cNvPr id="53" name="TextBox 52">
+            <a:extLst>
+              <a:ext uri="{FF2B5EF4-FFF2-40B4-BE49-F238E27FC236}">
+                <a16:creationId xmlns:a16="http://schemas.microsoft.com/office/drawing/2014/main" id="{F5C501A2-859D-4457-8075-ACC84C744E75}"/>
+              </a:ext>
+            </a:extLst>
+          </p:cNvPr>
+          <p:cNvSpPr txBox="1"/>
+          <p:nvPr/>
+        </p:nvSpPr>
+        <p:spPr>
+          <a:xfrm>
+            <a:off x="3973815" y="3033182"/>
+            <a:ext cx="502894" cy="307777"/>
+          </a:xfrm>
+          <a:prstGeom prst="rect">
+            <a:avLst/>
+          </a:prstGeom>
+          <a:noFill/>
+        </p:spPr>
+        <p:txBody>
+          <a:bodyPr wrap="square" rtlCol="0">
+            <a:spAutoFit/>
+          </a:bodyPr>
+          <a:lstStyle/>
+          <a:p>
+            <a:r>
+              <a:rPr lang="en-US" sz="1400" dirty="0"/>
+              <a:t>V</a:t>
+            </a:r>
+          </a:p>
+        </p:txBody>
+      </p:sp>
+      <p:sp>
+        <p:nvSpPr>
+          <p:cNvPr id="55" name="TextBox 54">
+            <a:extLst>
+              <a:ext uri="{FF2B5EF4-FFF2-40B4-BE49-F238E27FC236}">
+                <a16:creationId xmlns:a16="http://schemas.microsoft.com/office/drawing/2014/main" id="{2DCDBAA3-A8D5-42FC-8429-5B4008E78876}"/>
+              </a:ext>
+            </a:extLst>
+          </p:cNvPr>
+          <p:cNvSpPr txBox="1"/>
+          <p:nvPr/>
+        </p:nvSpPr>
+        <p:spPr>
+          <a:xfrm>
+            <a:off x="4897709" y="3021417"/>
+            <a:ext cx="502894" cy="307777"/>
+          </a:xfrm>
+          <a:prstGeom prst="rect">
+            <a:avLst/>
+          </a:prstGeom>
+          <a:noFill/>
+        </p:spPr>
+        <p:txBody>
+          <a:bodyPr wrap="square" rtlCol="0">
+            <a:spAutoFit/>
+          </a:bodyPr>
+          <a:lstStyle/>
+          <a:p>
+            <a:r>
+              <a:rPr lang="en-US" sz="1400" dirty="0"/>
+              <a:t>V</a:t>
+            </a:r>
+          </a:p>
+        </p:txBody>
+      </p:sp>
+      <p:sp>
+        <p:nvSpPr>
+          <p:cNvPr id="57" name="TextBox 56">
+            <a:extLst>
+              <a:ext uri="{FF2B5EF4-FFF2-40B4-BE49-F238E27FC236}">
+                <a16:creationId xmlns:a16="http://schemas.microsoft.com/office/drawing/2014/main" id="{56C5B48E-70FC-4D53-AE38-4FBF0715B4ED}"/>
+              </a:ext>
+            </a:extLst>
+          </p:cNvPr>
+          <p:cNvSpPr txBox="1"/>
+          <p:nvPr/>
+        </p:nvSpPr>
+        <p:spPr>
+          <a:xfrm>
+            <a:off x="4371539" y="3542561"/>
+            <a:ext cx="502894" cy="307777"/>
+          </a:xfrm>
+          <a:prstGeom prst="rect">
+            <a:avLst/>
+          </a:prstGeom>
+          <a:noFill/>
+        </p:spPr>
+        <p:txBody>
+          <a:bodyPr wrap="square" rtlCol="0">
+            <a:spAutoFit/>
+          </a:bodyPr>
+          <a:lstStyle/>
+          <a:p>
+            <a:r>
+              <a:rPr lang="en-US" sz="1400" dirty="0"/>
+              <a:t>V</a:t>
+            </a:r>
+          </a:p>
+        </p:txBody>
+      </p:sp>
+      <p:sp>
+        <p:nvSpPr>
+          <p:cNvPr id="58" name="TextBox 57">
+            <a:extLst>
+              <a:ext uri="{FF2B5EF4-FFF2-40B4-BE49-F238E27FC236}">
+                <a16:creationId xmlns:a16="http://schemas.microsoft.com/office/drawing/2014/main" id="{F93B6F41-7B56-4A20-A176-EC3B06671A4D}"/>
+              </a:ext>
+            </a:extLst>
+          </p:cNvPr>
+          <p:cNvSpPr txBox="1"/>
+          <p:nvPr/>
+        </p:nvSpPr>
+        <p:spPr>
+          <a:xfrm>
+            <a:off x="3921849" y="4040286"/>
+            <a:ext cx="502894" cy="307777"/>
+          </a:xfrm>
+          <a:prstGeom prst="rect">
+            <a:avLst/>
+          </a:prstGeom>
+          <a:noFill/>
+        </p:spPr>
+        <p:txBody>
+          <a:bodyPr wrap="square" rtlCol="0">
+            <a:spAutoFit/>
+          </a:bodyPr>
+          <a:lstStyle/>
+          <a:p>
+            <a:r>
+              <a:rPr lang="en-US" sz="1400" dirty="0"/>
+              <a:t>V</a:t>
+            </a:r>
+          </a:p>
+        </p:txBody>
+      </p:sp>
+      <p:sp>
+        <p:nvSpPr>
+          <p:cNvPr id="59" name="TextBox 58">
+            <a:extLst>
+              <a:ext uri="{FF2B5EF4-FFF2-40B4-BE49-F238E27FC236}">
+                <a16:creationId xmlns:a16="http://schemas.microsoft.com/office/drawing/2014/main" id="{9707EE8D-89D7-4B98-8125-D774EF07D908}"/>
+              </a:ext>
+            </a:extLst>
+          </p:cNvPr>
+          <p:cNvSpPr txBox="1"/>
+          <p:nvPr/>
+        </p:nvSpPr>
+        <p:spPr>
+          <a:xfrm>
+            <a:off x="4707378" y="3970978"/>
+            <a:ext cx="502894" cy="307777"/>
+          </a:xfrm>
+          <a:prstGeom prst="rect">
+            <a:avLst/>
+          </a:prstGeom>
+          <a:noFill/>
+        </p:spPr>
+        <p:txBody>
+          <a:bodyPr wrap="square" rtlCol="0">
+            <a:spAutoFit/>
+          </a:bodyPr>
+          <a:lstStyle/>
+          <a:p>
+            <a:r>
+              <a:rPr lang="en-US" sz="1400" dirty="0"/>
+              <a:t>V</a:t>
+            </a:r>
+          </a:p>
+        </p:txBody>
+      </p:sp>
+      <p:cxnSp>
+        <p:nvCxnSpPr>
+          <p:cNvPr id="72" name="Straight Arrow Connector 71">
+            <a:extLst>
+              <a:ext uri="{FF2B5EF4-FFF2-40B4-BE49-F238E27FC236}">
+                <a16:creationId xmlns:a16="http://schemas.microsoft.com/office/drawing/2014/main" id="{8FA94F06-6391-4DF0-9171-142960DFD580}"/>
+              </a:ext>
+            </a:extLst>
+          </p:cNvPr>
+          <p:cNvCxnSpPr>
+            <a:cxnSpLocks/>
+          </p:cNvCxnSpPr>
+          <p:nvPr/>
+        </p:nvCxnSpPr>
+        <p:spPr>
+          <a:xfrm flipV="1">
+            <a:off x="8247554" y="3054346"/>
+            <a:ext cx="0" cy="641166"/>
+          </a:xfrm>
+          <a:prstGeom prst="straightConnector1">
+            <a:avLst/>
+          </a:prstGeom>
+          <a:ln w="25400">
+            <a:tailEnd type="triangle"/>
+          </a:ln>
+        </p:spPr>
+        <p:style>
+          <a:lnRef idx="1">
+            <a:schemeClr val="accent1"/>
+          </a:lnRef>
+          <a:fillRef idx="0">
+            <a:schemeClr val="accent1"/>
+          </a:fillRef>
+          <a:effectRef idx="0">
+            <a:schemeClr val="accent1"/>
+          </a:effectRef>
+          <a:fontRef idx="minor">
+            <a:schemeClr val="tx1"/>
+          </a:fontRef>
+        </p:style>
+      </p:cxnSp>
+      <p:sp>
+        <p:nvSpPr>
+          <p:cNvPr id="60" name="Rectangle: Rounded Corners 59">
+            <a:extLst>
+              <a:ext uri="{FF2B5EF4-FFF2-40B4-BE49-F238E27FC236}">
+                <a16:creationId xmlns:a16="http://schemas.microsoft.com/office/drawing/2014/main" id="{B517782D-D81F-78A1-0D90-BEE09FF83D59}"/>
+              </a:ext>
+            </a:extLst>
+          </p:cNvPr>
+          <p:cNvSpPr/>
+          <p:nvPr/>
+        </p:nvSpPr>
+        <p:spPr>
+          <a:xfrm>
+            <a:off x="2282161" y="2803323"/>
+            <a:ext cx="1112824" cy="875582"/>
+          </a:xfrm>
+          <a:prstGeom prst="roundRect">
+            <a:avLst/>
+          </a:prstGeom>
+          <a:solidFill>
+            <a:schemeClr val="accent2">
+              <a:lumMod val="20000"/>
+              <a:lumOff val="80000"/>
+            </a:schemeClr>
+          </a:solidFill>
+          <a:ln w="25400">
+            <a:solidFill>
+              <a:schemeClr val="accent2">
+                <a:lumMod val="75000"/>
+              </a:schemeClr>
+            </a:solidFill>
+          </a:ln>
+        </p:spPr>
+        <p:style>
+          <a:lnRef idx="2">
+            <a:schemeClr val="accent1">
+              <a:shade val="50000"/>
+            </a:schemeClr>
+          </a:lnRef>
+          <a:fillRef idx="1">
+            <a:schemeClr val="accent1"/>
+          </a:fillRef>
+          <a:effectRef idx="0">
+            <a:schemeClr val="accent1"/>
+          </a:effectRef>
+          <a:fontRef idx="minor">
+            <a:schemeClr val="lt1"/>
+          </a:fontRef>
+        </p:style>
+        <p:txBody>
+          <a:bodyPr rtlCol="0" anchor="ctr"/>
+          <a:lstStyle/>
+          <a:p>
+            <a:pPr algn="ctr"/>
+            <a:r>
+              <a:rPr lang="en-US" dirty="0">
+                <a:solidFill>
+                  <a:schemeClr val="tx1"/>
+                </a:solidFill>
+              </a:rPr>
+              <a:t>Tree Rep Learning</a:t>
+            </a:r>
+          </a:p>
+        </p:txBody>
+      </p:sp>
+      <p:sp>
+        <p:nvSpPr>
+          <p:cNvPr id="61" name="TextBox 60">
+            <a:extLst>
+              <a:ext uri="{FF2B5EF4-FFF2-40B4-BE49-F238E27FC236}">
+                <a16:creationId xmlns:a16="http://schemas.microsoft.com/office/drawing/2014/main" id="{AC42BDA2-D07E-D29E-BF63-85B6AC9B6A04}"/>
+              </a:ext>
+            </a:extLst>
+          </p:cNvPr>
+          <p:cNvSpPr txBox="1"/>
+          <p:nvPr/>
+        </p:nvSpPr>
+        <p:spPr>
+          <a:xfrm>
+            <a:off x="3173508" y="2189945"/>
+            <a:ext cx="960262" cy="369332"/>
+          </a:xfrm>
+          <a:prstGeom prst="rect">
+            <a:avLst/>
+          </a:prstGeom>
+          <a:noFill/>
+        </p:spPr>
+        <p:txBody>
+          <a:bodyPr wrap="square" rtlCol="0">
+            <a:spAutoFit/>
+          </a:bodyPr>
+          <a:lstStyle/>
+          <a:p>
+            <a:r>
+              <a:rPr lang="en-US" b="1" i="1" dirty="0"/>
+              <a:t>Context</a:t>
+            </a:r>
+          </a:p>
+        </p:txBody>
+      </p:sp>
+    </p:spTree>
+    <p:extLst>
+      <p:ext uri="{BB962C8B-B14F-4D97-AF65-F5344CB8AC3E}">
+        <p14:creationId xmlns:p14="http://schemas.microsoft.com/office/powerpoint/2010/main" val="438875971"/>
       </p:ext>
     </p:extLst>
   </p:cSld>
